--- a/Presentation/lesson-09-sql.pptx
+++ b/Presentation/lesson-09-sql.pptx
@@ -9,7 +9,7 @@
   </p:notesMasterIdLst>
   <p:sldIdLst>
     <p:sldId id="256" r:id="rId2"/>
-    <p:sldId id="257" r:id="rId3"/>
+    <p:sldId id="283" r:id="rId3"/>
     <p:sldId id="258" r:id="rId4"/>
     <p:sldId id="275" r:id="rId5"/>
     <p:sldId id="268" r:id="rId6"/>
@@ -217,7 +217,7 @@
           <a:p>
             <a:fld id="{B24A7054-7FFB-49F4-A126-5DF6E687FF53}" type="datetimeFigureOut">
               <a:rPr lang="ru-RU" smtClean="0"/>
-              <a:t>24.01.2013</a:t>
+              <a:t>27.03.2013</a:t>
             </a:fld>
             <a:endParaRPr lang="ru-RU"/>
           </a:p>
@@ -1499,7 +1499,7 @@
           <a:p>
             <a:fld id="{8E6E6A2A-E9D3-4A0D-B04A-ABDD367A1E08}" type="datetimeFigureOut">
               <a:rPr lang="ru-RU" smtClean="0"/>
-              <a:t>24.01.2013</a:t>
+              <a:t>27.03.2013</a:t>
             </a:fld>
             <a:endParaRPr lang="ru-RU"/>
           </a:p>
@@ -2944,7 +2944,7 @@
           <a:p>
             <a:fld id="{AC3D3127-B7C4-45E3-9797-C527EC9FDD78}" type="datetimeFigureOut">
               <a:rPr lang="ru-RU" smtClean="0"/>
-              <a:t>24.01.2013</a:t>
+              <a:t>27.03.2013</a:t>
             </a:fld>
             <a:endParaRPr lang="ru-RU"/>
           </a:p>
@@ -3910,11 +3910,7 @@
             </a:pPr>
             <a:r>
               <a:rPr lang="ru-RU" dirty="0" smtClean="0"/>
-              <a:t>Нижес</a:t>
-            </a:r>
-            <a:r>
-              <a:rPr lang="ru-RU" dirty="0" smtClean="0"/>
-              <a:t>ледующие базы данных используются для внутренних нужд </a:t>
+              <a:t>Нижеследующие базы данных используются для внутренних нужд </a:t>
             </a:r>
             <a:r>
               <a:rPr lang="en-US" dirty="0" smtClean="0"/>
@@ -3928,7 +3924,6 @@
               <a:rPr lang="ru-RU" dirty="0" smtClean="0"/>
               <a:t>и _никогда_ не должны использоваться для хранения ваших данных:</a:t>
             </a:r>
-            <a:endParaRPr lang="ru-RU" dirty="0" smtClean="0"/>
           </a:p>
           <a:p>
             <a:pPr lvl="1"/>
@@ -6379,59 +6374,162 @@
       </p:grpSpPr>
       <p:sp>
         <p:nvSpPr>
-          <p:cNvPr id="3" name="Rectangle 2"/>
-          <p:cNvSpPr/>
-          <p:nvPr/>
+          <p:cNvPr id="2" name="Title 1"/>
+          <p:cNvSpPr>
+            <a:spLocks noGrp="1"/>
+          </p:cNvSpPr>
+          <p:nvPr>
+            <p:ph type="title"/>
+          </p:nvPr>
         </p:nvSpPr>
-        <p:spPr>
-          <a:xfrm>
-            <a:off x="251520" y="3136613"/>
-            <a:ext cx="8640960" cy="584775"/>
-          </a:xfrm>
-          <a:prstGeom prst="rect">
-            <a:avLst/>
-          </a:prstGeom>
-        </p:spPr>
+        <p:spPr/>
         <p:txBody>
-          <a:bodyPr wrap="square">
-            <a:spAutoFit/>
-          </a:bodyPr>
+          <a:bodyPr/>
           <a:lstStyle/>
           <a:p>
-            <a:pPr lvl="0" algn="ctr"/>
-            <a:r>
-              <a:rPr lang="en-US" sz="3200" dirty="0">
+            <a:r>
+              <a:rPr lang="ru-RU" dirty="0">
                 <a:solidFill>
                   <a:schemeClr val="bg1"/>
                 </a:solidFill>
               </a:rPr>
-              <a:t>https://github.com/bazile/Training</a:t>
-            </a:r>
-            <a:endParaRPr lang="en-US" sz="3200" dirty="0" smtClean="0">
+              <a:t>Материалы для обучения</a:t>
+            </a:r>
+            <a:endParaRPr lang="en-US" dirty="0">
               <a:solidFill>
                 <a:schemeClr val="bg1"/>
               </a:solidFill>
             </a:endParaRPr>
+          </a:p>
+        </p:txBody>
+      </p:sp>
+      <p:sp>
+        <p:nvSpPr>
+          <p:cNvPr id="3" name="Content Placeholder 2"/>
+          <p:cNvSpPr>
+            <a:spLocks noGrp="1"/>
+          </p:cNvSpPr>
+          <p:nvPr>
+            <p:ph idx="1"/>
+          </p:nvPr>
+        </p:nvSpPr>
+        <p:spPr/>
+        <p:txBody>
+          <a:bodyPr/>
+          <a:lstStyle/>
+          <a:p>
+            <a:r>
+              <a:rPr lang="en-US" dirty="0">
+                <a:solidFill>
+                  <a:schemeClr val="bg1"/>
+                </a:solidFill>
+                <a:hlinkClick r:id="rId2"/>
+              </a:rPr>
+              <a:t>https://</a:t>
+            </a:r>
+            <a:r>
+              <a:rPr lang="en-US" dirty="0" smtClean="0">
+                <a:solidFill>
+                  <a:schemeClr val="bg1"/>
+                </a:solidFill>
+                <a:hlinkClick r:id="rId2"/>
+              </a:rPr>
+              <a:t>github.com/bazile/Training</a:t>
+            </a:r>
+            <a:r>
+              <a:rPr lang="en-US" dirty="0" smtClean="0">
+                <a:solidFill>
+                  <a:schemeClr val="bg1"/>
+                </a:solidFill>
+              </a:rPr>
+              <a:t/>
+            </a:r>
+            <a:br>
+              <a:rPr lang="en-US" dirty="0" smtClean="0">
+                <a:solidFill>
+                  <a:schemeClr val="bg1"/>
+                </a:solidFill>
+              </a:rPr>
+            </a:br>
+            <a:r>
+              <a:rPr lang="ru-RU" dirty="0" smtClean="0">
+                <a:solidFill>
+                  <a:schemeClr val="bg1"/>
+                </a:solidFill>
+              </a:rPr>
+              <a:t>Презентации и примеры кода используемые во время занятия</a:t>
+            </a:r>
+          </a:p>
+          <a:p>
+            <a:endParaRPr lang="ru-RU" dirty="0" smtClean="0">
+              <a:solidFill>
+                <a:schemeClr val="bg1"/>
+              </a:solidFill>
+            </a:endParaRPr>
+          </a:p>
+          <a:p>
+            <a:r>
+              <a:rPr lang="en-US" dirty="0">
+                <a:solidFill>
+                  <a:schemeClr val="bg1"/>
+                </a:solidFill>
+                <a:hlinkClick r:id="rId3"/>
+              </a:rPr>
+              <a:t>http://belhard.nullptr.ru</a:t>
+            </a:r>
+            <a:r>
+              <a:rPr lang="en-US" dirty="0" smtClean="0">
+                <a:solidFill>
+                  <a:schemeClr val="bg1"/>
+                </a:solidFill>
+                <a:hlinkClick r:id="rId3"/>
+              </a:rPr>
+              <a:t>/</a:t>
+            </a:r>
+            <a:r>
+              <a:rPr lang="ru-RU" dirty="0" smtClean="0">
+                <a:solidFill>
+                  <a:schemeClr val="bg1"/>
+                </a:solidFill>
+              </a:rPr>
+              <a:t/>
+            </a:r>
+            <a:br>
+              <a:rPr lang="ru-RU" dirty="0" smtClean="0">
+                <a:solidFill>
+                  <a:schemeClr val="bg1"/>
+                </a:solidFill>
+              </a:rPr>
+            </a:br>
+            <a:r>
+              <a:rPr lang="ru-RU" dirty="0" smtClean="0">
+                <a:solidFill>
+                  <a:schemeClr val="bg1"/>
+                </a:solidFill>
+              </a:rPr>
+              <a:t>Книги, примеры к ним и другие полезные файлы.</a:t>
+            </a:r>
+            <a:endParaRPr lang="ru-RU" dirty="0">
+              <a:solidFill>
+                <a:schemeClr val="bg1"/>
+              </a:solidFill>
+            </a:endParaRPr>
+          </a:p>
+          <a:p>
+            <a:endParaRPr lang="en-US" dirty="0"/>
           </a:p>
         </p:txBody>
       </p:sp>
     </p:spTree>
     <p:extLst>
       <p:ext uri="{BB962C8B-B14F-4D97-AF65-F5344CB8AC3E}">
-        <p14:creationId xmlns:p14="http://schemas.microsoft.com/office/powerpoint/2010/main" val="2091497149"/>
+        <p14:creationId xmlns:p14="http://schemas.microsoft.com/office/powerpoint/2010/main" val="3640331043"/>
       </p:ext>
     </p:extLst>
   </p:cSld>
   <p:clrMapOvr>
     <a:masterClrMapping/>
   </p:clrMapOvr>
-  <p:timing>
-    <p:tnLst>
-      <p:par>
-        <p:cTn id="1" dur="indefinite" restart="never" nodeType="tmRoot"/>
-      </p:par>
-    </p:tnLst>
-  </p:timing>
 </p:sld>
 </file>
 

--- a/Presentation/lesson-09-sql.pptx
+++ b/Presentation/lesson-09-sql.pptx
@@ -5,35 +5,36 @@
     <p:sldMasterId id="2147483648" r:id="rId1"/>
   </p:sldMasterIdLst>
   <p:notesMasterIdLst>
-    <p:notesMasterId r:id="rId28"/>
+    <p:notesMasterId r:id="rId29"/>
   </p:notesMasterIdLst>
   <p:sldIdLst>
     <p:sldId id="256" r:id="rId2"/>
     <p:sldId id="283" r:id="rId3"/>
-    <p:sldId id="258" r:id="rId4"/>
-    <p:sldId id="275" r:id="rId5"/>
-    <p:sldId id="268" r:id="rId6"/>
-    <p:sldId id="278" r:id="rId7"/>
-    <p:sldId id="279" r:id="rId8"/>
-    <p:sldId id="259" r:id="rId9"/>
-    <p:sldId id="270" r:id="rId10"/>
-    <p:sldId id="269" r:id="rId11"/>
-    <p:sldId id="276" r:id="rId12"/>
-    <p:sldId id="277" r:id="rId13"/>
-    <p:sldId id="281" r:id="rId14"/>
-    <p:sldId id="282" r:id="rId15"/>
-    <p:sldId id="260" r:id="rId16"/>
-    <p:sldId id="261" r:id="rId17"/>
-    <p:sldId id="262" r:id="rId18"/>
-    <p:sldId id="263" r:id="rId19"/>
-    <p:sldId id="264" r:id="rId20"/>
-    <p:sldId id="265" r:id="rId21"/>
-    <p:sldId id="266" r:id="rId22"/>
-    <p:sldId id="267" r:id="rId23"/>
-    <p:sldId id="271" r:id="rId24"/>
-    <p:sldId id="280" r:id="rId25"/>
-    <p:sldId id="272" r:id="rId26"/>
-    <p:sldId id="273" r:id="rId27"/>
+    <p:sldId id="284" r:id="rId4"/>
+    <p:sldId id="258" r:id="rId5"/>
+    <p:sldId id="275" r:id="rId6"/>
+    <p:sldId id="268" r:id="rId7"/>
+    <p:sldId id="278" r:id="rId8"/>
+    <p:sldId id="279" r:id="rId9"/>
+    <p:sldId id="259" r:id="rId10"/>
+    <p:sldId id="270" r:id="rId11"/>
+    <p:sldId id="269" r:id="rId12"/>
+    <p:sldId id="276" r:id="rId13"/>
+    <p:sldId id="277" r:id="rId14"/>
+    <p:sldId id="281" r:id="rId15"/>
+    <p:sldId id="282" r:id="rId16"/>
+    <p:sldId id="260" r:id="rId17"/>
+    <p:sldId id="261" r:id="rId18"/>
+    <p:sldId id="262" r:id="rId19"/>
+    <p:sldId id="263" r:id="rId20"/>
+    <p:sldId id="264" r:id="rId21"/>
+    <p:sldId id="265" r:id="rId22"/>
+    <p:sldId id="266" r:id="rId23"/>
+    <p:sldId id="267" r:id="rId24"/>
+    <p:sldId id="271" r:id="rId25"/>
+    <p:sldId id="280" r:id="rId26"/>
+    <p:sldId id="272" r:id="rId27"/>
+    <p:sldId id="273" r:id="rId28"/>
   </p:sldIdLst>
   <p:sldSz cx="9144000" cy="6858000" type="screen4x3"/>
   <p:notesSz cx="6858000" cy="9144000"/>
@@ -217,7 +218,7 @@
           <a:p>
             <a:fld id="{B24A7054-7FFB-49F4-A126-5DF6E687FF53}" type="datetimeFigureOut">
               <a:rPr lang="ru-RU" smtClean="0"/>
-              <a:t>27.03.2013</a:t>
+              <a:t>17.09.2013</a:t>
             </a:fld>
             <a:endParaRPr lang="ru-RU"/>
           </a:p>
@@ -1499,7 +1500,7 @@
           <a:p>
             <a:fld id="{8E6E6A2A-E9D3-4A0D-B04A-ABDD367A1E08}" type="datetimeFigureOut">
               <a:rPr lang="ru-RU" smtClean="0"/>
-              <a:t>27.03.2013</a:t>
+              <a:t>17.09.2013</a:t>
             </a:fld>
             <a:endParaRPr lang="ru-RU"/>
           </a:p>
@@ -2944,7 +2945,7 @@
           <a:p>
             <a:fld id="{AC3D3127-B7C4-45E3-9797-C527EC9FDD78}" type="datetimeFigureOut">
               <a:rPr lang="ru-RU" smtClean="0"/>
-              <a:t>27.03.2013</a:t>
+              <a:t>17.09.2013</a:t>
             </a:fld>
             <a:endParaRPr lang="ru-RU"/>
           </a:p>
@@ -3546,54 +3547,12 @@
         </p:nvSpPr>
         <p:spPr/>
         <p:txBody>
-          <a:bodyPr>
-            <a:normAutofit fontScale="90000"/>
-          </a:bodyPr>
+          <a:bodyPr/>
           <a:lstStyle/>
           <a:p>
             <a:r>
               <a:rPr lang="ru-RU" dirty="0" smtClean="0"/>
-              <a:t>Язык </a:t>
-            </a:r>
-            <a:r>
-              <a:rPr lang="en-US" dirty="0" smtClean="0"/>
-              <a:t>SQL (</a:t>
-            </a:r>
-            <a:r>
-              <a:rPr lang="en-US" dirty="0" smtClean="0">
-                <a:solidFill>
-                  <a:srgbClr val="FF0000"/>
-                </a:solidFill>
-              </a:rPr>
-              <a:t>S</a:t>
-            </a:r>
-            <a:r>
-              <a:rPr lang="en-US" dirty="0" smtClean="0"/>
-              <a:t>tructured </a:t>
-            </a:r>
-            <a:r>
-              <a:rPr lang="en-US" dirty="0" smtClean="0">
-                <a:solidFill>
-                  <a:srgbClr val="FF0000"/>
-                </a:solidFill>
-              </a:rPr>
-              <a:t>Q</a:t>
-            </a:r>
-            <a:r>
-              <a:rPr lang="en-US" dirty="0" smtClean="0"/>
-              <a:t>uery </a:t>
-            </a:r>
-            <a:r>
-              <a:rPr lang="en-US" dirty="0" smtClean="0">
-                <a:solidFill>
-                  <a:srgbClr val="FF0000"/>
-                </a:solidFill>
-              </a:rPr>
-              <a:t>L</a:t>
-            </a:r>
-            <a:r>
-              <a:rPr lang="en-US" dirty="0" smtClean="0"/>
-              <a:t>anguage)</a:t>
+              <a:t>Понятие нормализации</a:t>
             </a:r>
             <a:endParaRPr lang="en-US" dirty="0"/>
           </a:p>
@@ -3611,92 +3570,9 @@
         </p:nvSpPr>
         <p:spPr/>
         <p:txBody>
-          <a:bodyPr>
-            <a:normAutofit fontScale="85000" lnSpcReduction="20000"/>
-          </a:bodyPr>
+          <a:bodyPr/>
           <a:lstStyle/>
           <a:p>
-            <a:r>
-              <a:rPr lang="ru-RU" dirty="0" smtClean="0"/>
-              <a:t>Универсальный язык</a:t>
-            </a:r>
-            <a:r>
-              <a:rPr lang="ru-RU" dirty="0"/>
-              <a:t>, применяемый для создания, модификации и управления данными в реляционных базах данных</a:t>
-            </a:r>
-            <a:r>
-              <a:rPr lang="ru-RU" dirty="0" smtClean="0"/>
-              <a:t>.</a:t>
-            </a:r>
-          </a:p>
-          <a:p>
-            <a:r>
-              <a:rPr lang="ru-RU" dirty="0" smtClean="0"/>
-              <a:t>Есть ряд </a:t>
-            </a:r>
-            <a:r>
-              <a:rPr lang="en-US" dirty="0" smtClean="0"/>
-              <a:t>ISO</a:t>
-            </a:r>
-            <a:r>
-              <a:rPr lang="ru-RU" dirty="0" smtClean="0"/>
-              <a:t> стандартов (</a:t>
-            </a:r>
-            <a:r>
-              <a:rPr lang="en-US" dirty="0"/>
-              <a:t>SQL-86, SQL-89, SQL-92, SQL:1999, SQL:2003, SQL:2006, SQL:2008, </a:t>
-            </a:r>
-            <a:r>
-              <a:rPr lang="en-US" dirty="0" smtClean="0"/>
-              <a:t>SQL:2011</a:t>
-            </a:r>
-            <a:r>
-              <a:rPr lang="ru-RU" dirty="0" smtClean="0"/>
-              <a:t>)</a:t>
-            </a:r>
-          </a:p>
-          <a:p>
-            <a:r>
-              <a:rPr lang="ru-RU" dirty="0" smtClean="0"/>
-              <a:t>У разных производителей свои диалекты</a:t>
-            </a:r>
-          </a:p>
-          <a:p>
-            <a:pPr lvl="1"/>
-            <a:r>
-              <a:rPr lang="en-US" dirty="0" smtClean="0"/>
-              <a:t>PL/SQL (Oracle)</a:t>
-            </a:r>
-          </a:p>
-          <a:p>
-            <a:pPr lvl="1"/>
-            <a:r>
-              <a:rPr lang="en-US" dirty="0" smtClean="0"/>
-              <a:t>T-SQL (Microsoft)</a:t>
-            </a:r>
-            <a:endParaRPr lang="ru-RU" dirty="0" smtClean="0"/>
-          </a:p>
-          <a:p>
-            <a:r>
-              <a:rPr lang="ru-RU" dirty="0" smtClean="0"/>
-              <a:t>Диалекты</a:t>
-            </a:r>
-            <a:endParaRPr lang="en-US" dirty="0" smtClean="0"/>
-          </a:p>
-          <a:p>
-            <a:pPr lvl="1"/>
-            <a:r>
-              <a:rPr lang="en-US" dirty="0" smtClean="0"/>
-              <a:t>Data Definition Language – DDL</a:t>
-            </a:r>
-            <a:endParaRPr lang="ru-RU" dirty="0" smtClean="0"/>
-          </a:p>
-          <a:p>
-            <a:pPr lvl="1"/>
-            <a:r>
-              <a:rPr lang="en-US" dirty="0" smtClean="0"/>
-              <a:t>Data Manipulation Language - DML</a:t>
-            </a:r>
             <a:endParaRPr lang="en-US" dirty="0"/>
           </a:p>
         </p:txBody>
@@ -3704,7 +3580,7 @@
     </p:spTree>
     <p:extLst>
       <p:ext uri="{BB962C8B-B14F-4D97-AF65-F5344CB8AC3E}">
-        <p14:creationId xmlns:p14="http://schemas.microsoft.com/office/powerpoint/2010/main" val="233512801"/>
+        <p14:creationId xmlns:p14="http://schemas.microsoft.com/office/powerpoint/2010/main" val="2031119416"/>
       </p:ext>
     </p:extLst>
   </p:cSld>
@@ -3741,12 +3617,7 @@
             <p:ph type="title"/>
           </p:nvPr>
         </p:nvSpPr>
-        <p:spPr>
-          <a:xfrm>
-            <a:off x="457200" y="2857500"/>
-            <a:ext cx="8229600" cy="1143000"/>
-          </a:xfrm>
-        </p:spPr>
+        <p:spPr/>
         <p:txBody>
           <a:bodyPr>
             <a:normAutofit fontScale="90000"/>
@@ -3754,15 +3625,150 @@
           <a:lstStyle/>
           <a:p>
             <a:r>
+              <a:rPr lang="ru-RU" dirty="0" smtClean="0"/>
+              <a:t>Язык </a:t>
+            </a:r>
+            <a:r>
               <a:rPr lang="en-US" dirty="0" smtClean="0"/>
-              <a:t>SQL Server Management Studio</a:t>
-            </a:r>
-            <a:br>
+              <a:t>SQL (</a:t>
+            </a:r>
+            <a:r>
+              <a:rPr lang="en-US" dirty="0" smtClean="0">
+                <a:solidFill>
+                  <a:srgbClr val="FF0000"/>
+                </a:solidFill>
+              </a:rPr>
+              <a:t>S</a:t>
+            </a:r>
+            <a:r>
               <a:rPr lang="en-US" dirty="0" smtClean="0"/>
-            </a:br>
+              <a:t>tructured </a:t>
+            </a:r>
+            <a:r>
+              <a:rPr lang="en-US" dirty="0" smtClean="0">
+                <a:solidFill>
+                  <a:srgbClr val="FF0000"/>
+                </a:solidFill>
+              </a:rPr>
+              <a:t>Q</a:t>
+            </a:r>
+            <a:r>
+              <a:rPr lang="en-US" dirty="0" smtClean="0"/>
+              <a:t>uery </a:t>
+            </a:r>
+            <a:r>
+              <a:rPr lang="en-US" dirty="0" smtClean="0">
+                <a:solidFill>
+                  <a:srgbClr val="FF0000"/>
+                </a:solidFill>
+              </a:rPr>
+              <a:t>L</a:t>
+            </a:r>
+            <a:r>
+              <a:rPr lang="en-US" dirty="0" smtClean="0"/>
+              <a:t>anguage)</a:t>
+            </a:r>
+            <a:endParaRPr lang="en-US" dirty="0"/>
+          </a:p>
+        </p:txBody>
+      </p:sp>
+      <p:sp>
+        <p:nvSpPr>
+          <p:cNvPr id="3" name="Content Placeholder 2"/>
+          <p:cNvSpPr>
+            <a:spLocks noGrp="1"/>
+          </p:cNvSpPr>
+          <p:nvPr>
+            <p:ph idx="1"/>
+          </p:nvPr>
+        </p:nvSpPr>
+        <p:spPr/>
+        <p:txBody>
+          <a:bodyPr>
+            <a:normAutofit fontScale="85000" lnSpcReduction="20000"/>
+          </a:bodyPr>
+          <a:lstStyle/>
+          <a:p>
             <a:r>
               <a:rPr lang="ru-RU" dirty="0" smtClean="0"/>
-              <a:t>Демонстрация</a:t>
+              <a:t>Универсальный язык</a:t>
+            </a:r>
+            <a:r>
+              <a:rPr lang="ru-RU" dirty="0"/>
+              <a:t>, применяемый для создания, модификации и управления данными в реляционных базах данных</a:t>
+            </a:r>
+            <a:r>
+              <a:rPr lang="ru-RU" dirty="0" smtClean="0"/>
+              <a:t>.</a:t>
+            </a:r>
+          </a:p>
+          <a:p>
+            <a:r>
+              <a:rPr lang="ru-RU" dirty="0" smtClean="0"/>
+              <a:t>Есть ряд </a:t>
+            </a:r>
+            <a:r>
+              <a:rPr lang="en-US" dirty="0" smtClean="0"/>
+              <a:t>ISO</a:t>
+            </a:r>
+            <a:r>
+              <a:rPr lang="ru-RU" dirty="0" smtClean="0"/>
+              <a:t> стандартов (</a:t>
+            </a:r>
+            <a:r>
+              <a:rPr lang="en-US" dirty="0"/>
+              <a:t>SQL-86, SQL-89, SQL-92, SQL:1999, SQL:2003, SQL:2006, SQL:2008, </a:t>
+            </a:r>
+            <a:r>
+              <a:rPr lang="en-US" dirty="0" smtClean="0"/>
+              <a:t>SQL:2011</a:t>
+            </a:r>
+            <a:r>
+              <a:rPr lang="ru-RU" dirty="0" smtClean="0"/>
+              <a:t>)</a:t>
+            </a:r>
+          </a:p>
+          <a:p>
+            <a:r>
+              <a:rPr lang="ru-RU" dirty="0" smtClean="0"/>
+              <a:t>У разных производителей свои диалекты</a:t>
+            </a:r>
+          </a:p>
+          <a:p>
+            <a:pPr lvl="1"/>
+            <a:r>
+              <a:rPr lang="en-US" dirty="0" smtClean="0"/>
+              <a:t>PL/SQL (Oracle)</a:t>
+            </a:r>
+          </a:p>
+          <a:p>
+            <a:pPr lvl="1"/>
+            <a:r>
+              <a:rPr lang="en-US" dirty="0" smtClean="0"/>
+              <a:t>T-SQL (Microsoft)</a:t>
+            </a:r>
+            <a:endParaRPr lang="ru-RU" dirty="0" smtClean="0"/>
+          </a:p>
+          <a:p>
+            <a:r>
+              <a:rPr lang="ru-RU" dirty="0" smtClean="0"/>
+              <a:t>Диалекты</a:t>
+            </a:r>
+            <a:endParaRPr lang="en-US" dirty="0" smtClean="0"/>
+          </a:p>
+          <a:p>
+            <a:pPr lvl="1"/>
+            <a:r>
+              <a:rPr lang="en-US" dirty="0" smtClean="0"/>
+              <a:t>Data Definition Language – DDL</a:t>
+            </a:r>
+            <a:endParaRPr lang="ru-RU" dirty="0" smtClean="0"/>
+          </a:p>
+          <a:p>
+            <a:pPr lvl="1"/>
+            <a:r>
+              <a:rPr lang="en-US" dirty="0" smtClean="0"/>
+              <a:t>Data Manipulation Language - DML</a:t>
             </a:r>
             <a:endParaRPr lang="en-US" dirty="0"/>
           </a:p>
@@ -3771,7 +3777,7 @@
     </p:spTree>
     <p:extLst>
       <p:ext uri="{BB962C8B-B14F-4D97-AF65-F5344CB8AC3E}">
-        <p14:creationId xmlns:p14="http://schemas.microsoft.com/office/powerpoint/2010/main" val="484756406"/>
+        <p14:creationId xmlns:p14="http://schemas.microsoft.com/office/powerpoint/2010/main" val="233512801"/>
       </p:ext>
     </p:extLst>
   </p:cSld>
@@ -3821,11 +3827,11 @@
           <a:lstStyle/>
           <a:p>
             <a:r>
-              <a:rPr lang="ru-RU" dirty="0" smtClean="0"/>
-              <a:t>Создание новой БД</a:t>
+              <a:rPr lang="en-US" dirty="0" smtClean="0"/>
+              <a:t>SQL Server Management Studio</a:t>
             </a:r>
             <a:br>
-              <a:rPr lang="ru-RU" dirty="0" smtClean="0"/>
+              <a:rPr lang="en-US" dirty="0" smtClean="0"/>
             </a:br>
             <a:r>
               <a:rPr lang="ru-RU" dirty="0" smtClean="0"/>
@@ -3838,7 +3844,7 @@
     </p:spTree>
     <p:extLst>
       <p:ext uri="{BB962C8B-B14F-4D97-AF65-F5344CB8AC3E}">
-        <p14:creationId xmlns:p14="http://schemas.microsoft.com/office/powerpoint/2010/main" val="1764324102"/>
+        <p14:creationId xmlns:p14="http://schemas.microsoft.com/office/powerpoint/2010/main" val="484756406"/>
       </p:ext>
     </p:extLst>
   </p:cSld>
@@ -3875,87 +3881,29 @@
             <p:ph type="title"/>
           </p:nvPr>
         </p:nvSpPr>
-        <p:spPr/>
-        <p:txBody>
-          <a:bodyPr/>
-          <a:lstStyle/>
-          <a:p>
-            <a:r>
-              <a:rPr lang="ru-RU" dirty="0" smtClean="0"/>
-              <a:t>Системные Базы Данных</a:t>
-            </a:r>
-            <a:endParaRPr lang="en-US" dirty="0"/>
-          </a:p>
-        </p:txBody>
-      </p:sp>
-      <p:sp>
-        <p:nvSpPr>
-          <p:cNvPr id="3" name="Content Placeholder 2"/>
-          <p:cNvSpPr>
-            <a:spLocks noGrp="1"/>
-          </p:cNvSpPr>
-          <p:nvPr>
-            <p:ph idx="1"/>
-          </p:nvPr>
-        </p:nvSpPr>
-        <p:spPr/>
+        <p:spPr>
+          <a:xfrm>
+            <a:off x="457200" y="2857500"/>
+            <a:ext cx="8229600" cy="1143000"/>
+          </a:xfrm>
+        </p:spPr>
         <p:txBody>
           <a:bodyPr>
-            <a:normAutofit/>
+            <a:normAutofit fontScale="90000"/>
           </a:bodyPr>
           <a:lstStyle/>
           <a:p>
-            <a:pPr marL="0" indent="0">
-              <a:buNone/>
-            </a:pPr>
             <a:r>
               <a:rPr lang="ru-RU" dirty="0" smtClean="0"/>
-              <a:t>Нижеследующие базы данных используются для внутренних нужд </a:t>
-            </a:r>
-            <a:r>
-              <a:rPr lang="en-US" dirty="0" smtClean="0"/>
-              <a:t>SQL Server</a:t>
-            </a:r>
-            <a:r>
-              <a:rPr lang="ru-RU" dirty="0"/>
-              <a:t> </a:t>
-            </a:r>
-            <a:r>
+              <a:t>Создание новой БД</a:t>
+            </a:r>
+            <a:br>
               <a:rPr lang="ru-RU" dirty="0" smtClean="0"/>
-              <a:t>и _никогда_ не должны использоваться для хранения ваших данных:</a:t>
-            </a:r>
-          </a:p>
-          <a:p>
-            <a:pPr lvl="1"/>
-            <a:r>
-              <a:rPr lang="en-US" dirty="0" smtClean="0"/>
-              <a:t>master</a:t>
-            </a:r>
-          </a:p>
-          <a:p>
-            <a:pPr lvl="1"/>
-            <a:r>
-              <a:rPr lang="en-US" dirty="0" smtClean="0"/>
-              <a:t>model</a:t>
-            </a:r>
-          </a:p>
-          <a:p>
-            <a:pPr lvl="1"/>
-            <a:r>
-              <a:rPr lang="en-US" dirty="0" err="1" smtClean="0"/>
-              <a:t>msdb</a:t>
-            </a:r>
-            <a:endParaRPr lang="en-US" dirty="0" smtClean="0"/>
-          </a:p>
-          <a:p>
-            <a:pPr lvl="1"/>
-            <a:r>
-              <a:rPr lang="en-US" dirty="0" err="1" smtClean="0"/>
-              <a:t>tempdb</a:t>
-            </a:r>
-            <a:endParaRPr lang="en-US" dirty="0" smtClean="0"/>
-          </a:p>
-          <a:p>
+            </a:br>
+            <a:r>
+              <a:rPr lang="ru-RU" dirty="0" smtClean="0"/>
+              <a:t>Демонстрация</a:t>
+            </a:r>
             <a:endParaRPr lang="en-US" dirty="0"/>
           </a:p>
         </p:txBody>
@@ -3963,7 +3911,7 @@
     </p:spTree>
     <p:extLst>
       <p:ext uri="{BB962C8B-B14F-4D97-AF65-F5344CB8AC3E}">
-        <p14:creationId xmlns:p14="http://schemas.microsoft.com/office/powerpoint/2010/main" val="1563628706"/>
+        <p14:creationId xmlns:p14="http://schemas.microsoft.com/office/powerpoint/2010/main" val="1764324102"/>
       </p:ext>
     </p:extLst>
   </p:cSld>
@@ -4007,6 +3955,131 @@
           <a:p>
             <a:r>
               <a:rPr lang="ru-RU" dirty="0" smtClean="0"/>
+              <a:t>Системные Базы Данных</a:t>
+            </a:r>
+            <a:endParaRPr lang="en-US" dirty="0"/>
+          </a:p>
+        </p:txBody>
+      </p:sp>
+      <p:sp>
+        <p:nvSpPr>
+          <p:cNvPr id="3" name="Content Placeholder 2"/>
+          <p:cNvSpPr>
+            <a:spLocks noGrp="1"/>
+          </p:cNvSpPr>
+          <p:nvPr>
+            <p:ph idx="1"/>
+          </p:nvPr>
+        </p:nvSpPr>
+        <p:spPr/>
+        <p:txBody>
+          <a:bodyPr>
+            <a:normAutofit/>
+          </a:bodyPr>
+          <a:lstStyle/>
+          <a:p>
+            <a:pPr marL="0" indent="0">
+              <a:buNone/>
+            </a:pPr>
+            <a:r>
+              <a:rPr lang="ru-RU" dirty="0" smtClean="0"/>
+              <a:t>Нижеследующие базы данных используются для внутренних нужд </a:t>
+            </a:r>
+            <a:r>
+              <a:rPr lang="en-US" dirty="0" smtClean="0"/>
+              <a:t>SQL Server</a:t>
+            </a:r>
+            <a:r>
+              <a:rPr lang="ru-RU" dirty="0"/>
+              <a:t> </a:t>
+            </a:r>
+            <a:r>
+              <a:rPr lang="ru-RU" dirty="0" smtClean="0"/>
+              <a:t>и _никогда_ не должны использоваться для хранения ваших данных:</a:t>
+            </a:r>
+          </a:p>
+          <a:p>
+            <a:pPr lvl="1"/>
+            <a:r>
+              <a:rPr lang="en-US" dirty="0" smtClean="0"/>
+              <a:t>master</a:t>
+            </a:r>
+          </a:p>
+          <a:p>
+            <a:pPr lvl="1"/>
+            <a:r>
+              <a:rPr lang="en-US" dirty="0" smtClean="0"/>
+              <a:t>model</a:t>
+            </a:r>
+          </a:p>
+          <a:p>
+            <a:pPr lvl="1"/>
+            <a:r>
+              <a:rPr lang="en-US" dirty="0" err="1" smtClean="0"/>
+              <a:t>msdb</a:t>
+            </a:r>
+            <a:endParaRPr lang="en-US" dirty="0" smtClean="0"/>
+          </a:p>
+          <a:p>
+            <a:pPr lvl="1"/>
+            <a:r>
+              <a:rPr lang="en-US" dirty="0" err="1" smtClean="0"/>
+              <a:t>tempdb</a:t>
+            </a:r>
+            <a:endParaRPr lang="en-US" dirty="0" smtClean="0"/>
+          </a:p>
+          <a:p>
+            <a:endParaRPr lang="en-US" dirty="0"/>
+          </a:p>
+        </p:txBody>
+      </p:sp>
+    </p:spTree>
+    <p:extLst>
+      <p:ext uri="{BB962C8B-B14F-4D97-AF65-F5344CB8AC3E}">
+        <p14:creationId xmlns:p14="http://schemas.microsoft.com/office/powerpoint/2010/main" val="1563628706"/>
+      </p:ext>
+    </p:extLst>
+  </p:cSld>
+  <p:clrMapOvr>
+    <a:masterClrMapping/>
+  </p:clrMapOvr>
+</p:sld>
+</file>
+
+<file path=ppt/slides/slide15.xml><?xml version="1.0" encoding="utf-8"?>
+<p:sld xmlns:a="http://schemas.openxmlformats.org/drawingml/2006/main" xmlns:r="http://schemas.openxmlformats.org/officeDocument/2006/relationships" xmlns:p="http://schemas.openxmlformats.org/presentationml/2006/main">
+  <p:cSld>
+    <p:spTree>
+      <p:nvGrpSpPr>
+        <p:cNvPr id="1" name=""/>
+        <p:cNvGrpSpPr/>
+        <p:nvPr/>
+      </p:nvGrpSpPr>
+      <p:grpSpPr>
+        <a:xfrm>
+          <a:off x="0" y="0"/>
+          <a:ext cx="0" cy="0"/>
+          <a:chOff x="0" y="0"/>
+          <a:chExt cx="0" cy="0"/>
+        </a:xfrm>
+      </p:grpSpPr>
+      <p:sp>
+        <p:nvSpPr>
+          <p:cNvPr id="2" name="Title 1"/>
+          <p:cNvSpPr>
+            <a:spLocks noGrp="1"/>
+          </p:cNvSpPr>
+          <p:nvPr>
+            <p:ph type="title"/>
+          </p:nvPr>
+        </p:nvSpPr>
+        <p:spPr/>
+        <p:txBody>
+          <a:bodyPr/>
+          <a:lstStyle/>
+          <a:p>
+            <a:r>
+              <a:rPr lang="ru-RU" dirty="0" smtClean="0"/>
               <a:t>Типы данных</a:t>
             </a:r>
             <a:endParaRPr lang="en-US" dirty="0"/>
@@ -4209,7 +4282,7 @@
 </p:sld>
 </file>
 
-<file path=ppt/slides/slide15.xml><?xml version="1.0" encoding="utf-8"?>
+<file path=ppt/slides/slide16.xml><?xml version="1.0" encoding="utf-8"?>
 <p:sld xmlns:a="http://schemas.openxmlformats.org/drawingml/2006/main" xmlns:r="http://schemas.openxmlformats.org/officeDocument/2006/relationships" xmlns:p="http://schemas.openxmlformats.org/presentationml/2006/main">
   <p:cSld>
     <p:spTree>
@@ -4672,7 +4745,7 @@
 </p:sld>
 </file>
 
-<file path=ppt/slides/slide16.xml><?xml version="1.0" encoding="utf-8"?>
+<file path=ppt/slides/slide17.xml><?xml version="1.0" encoding="utf-8"?>
 <p:sld xmlns:a="http://schemas.openxmlformats.org/drawingml/2006/main" xmlns:r="http://schemas.openxmlformats.org/officeDocument/2006/relationships" xmlns:p="http://schemas.openxmlformats.org/presentationml/2006/main">
   <p:cSld>
     <p:spTree>
@@ -5340,7 +5413,7 @@
 </p:sld>
 </file>
 
-<file path=ppt/slides/slide17.xml><?xml version="1.0" encoding="utf-8"?>
+<file path=ppt/slides/slide18.xml><?xml version="1.0" encoding="utf-8"?>
 <p:sld xmlns:a="http://schemas.openxmlformats.org/drawingml/2006/main" xmlns:r="http://schemas.openxmlformats.org/officeDocument/2006/relationships" xmlns:p="http://schemas.openxmlformats.org/presentationml/2006/main">
   <p:cSld>
     <p:spTree>
@@ -5718,7 +5791,7 @@
 </p:sld>
 </file>
 
-<file path=ppt/slides/slide18.xml><?xml version="1.0" encoding="utf-8"?>
+<file path=ppt/slides/slide19.xml><?xml version="1.0" encoding="utf-8"?>
 <p:sld xmlns:a="http://schemas.openxmlformats.org/drawingml/2006/main" xmlns:r="http://schemas.openxmlformats.org/officeDocument/2006/relationships" xmlns:p="http://schemas.openxmlformats.org/presentationml/2006/main">
   <p:cSld>
     <p:spTree>
@@ -6003,342 +6076,6 @@
     <p:extLst>
       <p:ext uri="{BB962C8B-B14F-4D97-AF65-F5344CB8AC3E}">
         <p14:creationId xmlns:p14="http://schemas.microsoft.com/office/powerpoint/2010/main" val="3082503542"/>
-      </p:ext>
-    </p:extLst>
-  </p:cSld>
-  <p:clrMapOvr>
-    <a:masterClrMapping/>
-  </p:clrMapOvr>
-  <p:timing>
-    <p:tnLst>
-      <p:par>
-        <p:cTn id="1" dur="indefinite" restart="never" nodeType="tmRoot"/>
-      </p:par>
-    </p:tnLst>
-  </p:timing>
-</p:sld>
-</file>
-
-<file path=ppt/slides/slide19.xml><?xml version="1.0" encoding="utf-8"?>
-<p:sld xmlns:a="http://schemas.openxmlformats.org/drawingml/2006/main" xmlns:r="http://schemas.openxmlformats.org/officeDocument/2006/relationships" xmlns:p="http://schemas.openxmlformats.org/presentationml/2006/main">
-  <p:cSld>
-    <p:spTree>
-      <p:nvGrpSpPr>
-        <p:cNvPr id="1" name=""/>
-        <p:cNvGrpSpPr/>
-        <p:nvPr/>
-      </p:nvGrpSpPr>
-      <p:grpSpPr>
-        <a:xfrm>
-          <a:off x="0" y="0"/>
-          <a:ext cx="0" cy="0"/>
-          <a:chOff x="0" y="0"/>
-          <a:chExt cx="0" cy="0"/>
-        </a:xfrm>
-      </p:grpSpPr>
-      <p:sp>
-        <p:nvSpPr>
-          <p:cNvPr id="9218" name="Прямоугольник 4"/>
-          <p:cNvSpPr>
-            <a:spLocks noChangeArrowheads="1"/>
-          </p:cNvSpPr>
-          <p:nvPr/>
-        </p:nvSpPr>
-        <p:spPr bwMode="auto">
-          <a:xfrm>
-            <a:off x="152400" y="381000"/>
-            <a:ext cx="8839200" cy="6370638"/>
-          </a:xfrm>
-          <a:prstGeom prst="rect">
-            <a:avLst/>
-          </a:prstGeom>
-          <a:noFill/>
-          <a:ln>
-            <a:noFill/>
-          </a:ln>
-          <a:extLst>
-            <a:ext uri="{909E8E84-426E-40DD-AFC4-6F175D3DCCD1}">
-              <a14:hiddenFill xmlns:a14="http://schemas.microsoft.com/office/drawing/2010/main">
-                <a:solidFill>
-                  <a:srgbClr val="FFFFFF"/>
-                </a:solidFill>
-              </a14:hiddenFill>
-            </a:ext>
-            <a:ext uri="{91240B29-F687-4F45-9708-019B960494DF}">
-              <a14:hiddenLine xmlns:a14="http://schemas.microsoft.com/office/drawing/2010/main" w="9525">
-                <a:solidFill>
-                  <a:srgbClr val="000000"/>
-                </a:solidFill>
-                <a:miter lim="800000"/>
-                <a:headEnd/>
-                <a:tailEnd/>
-              </a14:hiddenLine>
-            </a:ext>
-          </a:extLst>
-        </p:spPr>
-        <p:txBody>
-          <a:bodyPr>
-            <a:spAutoFit/>
-          </a:bodyPr>
-          <a:lstStyle/>
-          <a:p>
-            <a:r>
-              <a:rPr lang="ru-RU" sz="1200"/>
-              <a:t>Предложение WHERE состоит из ключевого слова WHERE, за которым следует условие отбора, определяющее, какие именно строки требуется извлечь. Если условие отбора имеет значение TRUE, строка будет включена в результаты запроса. Если же оно имеет значение FALSE или NULL, то строка исключается из результатов запроса. </a:t>
-            </a:r>
-          </a:p>
-          <a:p>
-            <a:r>
-              <a:rPr lang="be-BY" sz="1200"/>
-              <a:t>Основные типы условий фильтрации: </a:t>
-            </a:r>
-          </a:p>
-          <a:p>
-            <a:r>
-              <a:rPr lang="ru-RU" sz="1200" b="1"/>
-              <a:t>1) Сравнение </a:t>
-            </a:r>
-            <a:r>
-              <a:rPr lang="ru-RU" sz="1200"/>
-              <a:t>– использование операторов сравнения (&gt;, &lt;, &gt;=, &lt;=, =, &lt;&gt;), скобок ('(', ')'), логических связок (AND («и»), OR («или»), NOT («нет»)) и констант: </a:t>
-            </a:r>
-          </a:p>
-          <a:p>
-            <a:r>
-              <a:rPr lang="en-US" sz="1200"/>
-              <a:t>	… WHERE ((rating &gt; 0.0) AND (rating &lt; 10.0)) … </a:t>
-            </a:r>
-          </a:p>
-          <a:p>
-            <a:r>
-              <a:rPr lang="ru-RU" sz="1200" b="1"/>
-              <a:t>2) Проверка на принадлежность значений диапазону </a:t>
-            </a:r>
-            <a:r>
-              <a:rPr lang="ru-RU" sz="1200"/>
-              <a:t>(оператор [NOT] BETWEEN … AND …): </a:t>
-            </a:r>
-          </a:p>
-          <a:p>
-            <a:r>
-              <a:rPr lang="en-US" sz="1200"/>
-              <a:t>	… WHERE rating BETWEEN 0.0 AND 10.0 … </a:t>
-            </a:r>
-          </a:p>
-          <a:p>
-            <a:r>
-              <a:rPr lang="be-BY" sz="1200"/>
-              <a:t>или (инверсная форма) </a:t>
-            </a:r>
-          </a:p>
-          <a:p>
-            <a:r>
-              <a:rPr lang="en-US" sz="1200"/>
-              <a:t>	… WHERE rating NOT BETWEEN 0.0 AND 10.0 … </a:t>
-            </a:r>
-          </a:p>
-          <a:p>
-            <a:r>
-              <a:rPr lang="ru-RU" sz="1200"/>
-              <a:t>Следует отметить, что проверка на принадлежность диапазону может</a:t>
-            </a:r>
-            <a:r>
-              <a:rPr lang="en-US" sz="1200"/>
-              <a:t> </a:t>
-            </a:r>
-            <a:r>
-              <a:rPr lang="be-BY" sz="1200"/>
-              <a:t>быть реализована через сравнения. </a:t>
-            </a:r>
-          </a:p>
-          <a:p>
-            <a:r>
-              <a:rPr lang="ru-RU" sz="1200" b="1"/>
-              <a:t>3) Принадлежность к множеству </a:t>
-            </a:r>
-            <a:r>
-              <a:rPr lang="ru-RU" sz="1200"/>
-              <a:t>– использование [NOT] IN (value_list): </a:t>
-            </a:r>
-          </a:p>
-          <a:p>
-            <a:r>
-              <a:rPr lang="en-US" sz="1200"/>
-              <a:t>	… WHERE student IN (‘Ivanov’, ‘Petrov’, ‘Sidorov’) … </a:t>
-            </a:r>
-          </a:p>
-          <a:p>
-            <a:r>
-              <a:rPr lang="ru-RU" sz="1200" b="1"/>
-              <a:t>4) Соответствие символьному шаблону </a:t>
-            </a:r>
-            <a:r>
-              <a:rPr lang="ru-RU" sz="1200"/>
-              <a:t>– использование [NOT] LIKE 'template'. Специальные символы шаблона по стандарту: '%' – любая последовательность символов; '_' – любой одиночный символ; для поиска одиночных символов '%' и '_' можно задать ESCAPE символ. Например, для поиска по шаблону '15%' можно задать: </a:t>
-            </a:r>
-          </a:p>
-          <a:p>
-            <a:r>
-              <a:rPr lang="en-US" sz="1200"/>
-              <a:t>	… WHERE data LIKE '15#%' ESCAPE '#' … </a:t>
-            </a:r>
-          </a:p>
-          <a:p>
-            <a:r>
-              <a:rPr lang="ru-RU" sz="1200" b="1"/>
-              <a:t>5) Обработка неизвестных значений (NULL) </a:t>
-            </a:r>
-            <a:r>
-              <a:rPr lang="ru-RU" sz="1200"/>
-              <a:t>– использование IS NULL или NOT NULL: </a:t>
-            </a:r>
-          </a:p>
-          <a:p>
-            <a:r>
-              <a:rPr lang="en-US" sz="1200"/>
-              <a:t>	… WHERE rating IS NULL … </a:t>
-            </a:r>
-          </a:p>
-          <a:p>
-            <a:endParaRPr lang="en-US" sz="1200"/>
-          </a:p>
-          <a:p>
-            <a:r>
-              <a:rPr lang="ru-RU" sz="1200" b="1"/>
-              <a:t>В SQL имеется пять статистических функций: </a:t>
-            </a:r>
-          </a:p>
-          <a:p>
-            <a:r>
-              <a:rPr lang="ru-RU" sz="1200"/>
-              <a:t>• SUM() – для вычисления суммы всех значений столбца (только числовые типы); </a:t>
-            </a:r>
-          </a:p>
-          <a:p>
-            <a:r>
-              <a:rPr lang="ru-RU" sz="1200"/>
-              <a:t>• AVG() – для вычисления среднего значения столбца (только числовые типы); </a:t>
-            </a:r>
-          </a:p>
-          <a:p>
-            <a:r>
-              <a:rPr lang="ru-RU" sz="1200"/>
-              <a:t>• MIN() – определяет минимальное значение столбца; </a:t>
-            </a:r>
-          </a:p>
-          <a:p>
-            <a:r>
-              <a:rPr lang="ru-RU" sz="1200"/>
-              <a:t>• MAX() – определяет максимальное значение столбца; </a:t>
-            </a:r>
-          </a:p>
-          <a:p>
-            <a:r>
-              <a:rPr lang="ru-RU" sz="1200"/>
-              <a:t>• COUNT() – подсчитывает число всех определенных значений столбца.</a:t>
-            </a:r>
-          </a:p>
-          <a:p>
-            <a:endParaRPr lang="ru-RU" sz="1200"/>
-          </a:p>
-          <a:p>
-            <a:r>
-              <a:rPr lang="ru-RU" sz="1200"/>
-              <a:t>Обобщающие функции по стандарту SQL2 могут располагаться только в секциях SELECT и HAVING запроса SELECT; </a:t>
-            </a:r>
-          </a:p>
-          <a:p>
-            <a:r>
-              <a:rPr lang="ru-RU" sz="1200"/>
-              <a:t>• все обобщающие функции игнорируют NULL значения; </a:t>
-            </a:r>
-          </a:p>
-          <a:p>
-            <a:r>
-              <a:rPr lang="ru-RU" sz="1200"/>
-              <a:t>• не допускается вложение обобщающих функций друг в друга. Варианты использования функции COUNT: </a:t>
-            </a:r>
-          </a:p>
-          <a:p>
-            <a:r>
-              <a:rPr lang="ru-RU" sz="1200"/>
-              <a:t>• COUNT(column) – количество значений в столбце column; </a:t>
-            </a:r>
-          </a:p>
-          <a:p>
-            <a:r>
-              <a:rPr lang="ru-RU" sz="1200"/>
-              <a:t>• COUNT(*) - количество строк в таблице; </a:t>
-            </a:r>
-          </a:p>
-          <a:p>
-            <a:r>
-              <a:rPr lang="ru-RU" sz="1200"/>
-              <a:t>• COUNT (DISTINCT column) – число не повторяющихся значений в столбце column. </a:t>
-            </a:r>
-            <a:endParaRPr lang="be-BY" sz="1200"/>
-          </a:p>
-        </p:txBody>
-      </p:sp>
-      <p:sp>
-        <p:nvSpPr>
-          <p:cNvPr id="9219" name="Прямоугольник 2"/>
-          <p:cNvSpPr>
-            <a:spLocks noChangeArrowheads="1"/>
-          </p:cNvSpPr>
-          <p:nvPr/>
-        </p:nvSpPr>
-        <p:spPr bwMode="auto">
-          <a:xfrm>
-            <a:off x="152400" y="0"/>
-            <a:ext cx="8839200" cy="461963"/>
-          </a:xfrm>
-          <a:prstGeom prst="rect">
-            <a:avLst/>
-          </a:prstGeom>
-          <a:noFill/>
-          <a:ln>
-            <a:noFill/>
-          </a:ln>
-          <a:extLst>
-            <a:ext uri="{909E8E84-426E-40DD-AFC4-6F175D3DCCD1}">
-              <a14:hiddenFill xmlns:a14="http://schemas.microsoft.com/office/drawing/2010/main">
-                <a:solidFill>
-                  <a:srgbClr val="FFFFFF"/>
-                </a:solidFill>
-              </a14:hiddenFill>
-            </a:ext>
-            <a:ext uri="{91240B29-F687-4F45-9708-019B960494DF}">
-              <a14:hiddenLine xmlns:a14="http://schemas.microsoft.com/office/drawing/2010/main" w="9525">
-                <a:solidFill>
-                  <a:srgbClr val="000000"/>
-                </a:solidFill>
-                <a:miter lim="800000"/>
-                <a:headEnd/>
-                <a:tailEnd/>
-              </a14:hiddenLine>
-            </a:ext>
-          </a:extLst>
-        </p:spPr>
-        <p:txBody>
-          <a:bodyPr>
-            <a:spAutoFit/>
-          </a:bodyPr>
-          <a:lstStyle/>
-          <a:p>
-            <a:pPr algn="ctr"/>
-            <a:r>
-              <a:rPr lang="en-US" sz="2400" b="1"/>
-              <a:t>WHERE.</a:t>
-            </a:r>
-            <a:endParaRPr lang="be-BY" sz="2400" b="1"/>
-          </a:p>
-        </p:txBody>
-      </p:sp>
-    </p:spTree>
-    <p:extLst>
-      <p:ext uri="{BB962C8B-B14F-4D97-AF65-F5344CB8AC3E}">
-        <p14:creationId xmlns:p14="http://schemas.microsoft.com/office/powerpoint/2010/main" val="3680314375"/>
       </p:ext>
     </p:extLst>
   </p:cSld>
@@ -6552,6 +6289,342 @@
       </p:grpSpPr>
       <p:sp>
         <p:nvSpPr>
+          <p:cNvPr id="9218" name="Прямоугольник 4"/>
+          <p:cNvSpPr>
+            <a:spLocks noChangeArrowheads="1"/>
+          </p:cNvSpPr>
+          <p:nvPr/>
+        </p:nvSpPr>
+        <p:spPr bwMode="auto">
+          <a:xfrm>
+            <a:off x="152400" y="381000"/>
+            <a:ext cx="8839200" cy="6370638"/>
+          </a:xfrm>
+          <a:prstGeom prst="rect">
+            <a:avLst/>
+          </a:prstGeom>
+          <a:noFill/>
+          <a:ln>
+            <a:noFill/>
+          </a:ln>
+          <a:extLst>
+            <a:ext uri="{909E8E84-426E-40DD-AFC4-6F175D3DCCD1}">
+              <a14:hiddenFill xmlns:a14="http://schemas.microsoft.com/office/drawing/2010/main">
+                <a:solidFill>
+                  <a:srgbClr val="FFFFFF"/>
+                </a:solidFill>
+              </a14:hiddenFill>
+            </a:ext>
+            <a:ext uri="{91240B29-F687-4F45-9708-019B960494DF}">
+              <a14:hiddenLine xmlns:a14="http://schemas.microsoft.com/office/drawing/2010/main" w="9525">
+                <a:solidFill>
+                  <a:srgbClr val="000000"/>
+                </a:solidFill>
+                <a:miter lim="800000"/>
+                <a:headEnd/>
+                <a:tailEnd/>
+              </a14:hiddenLine>
+            </a:ext>
+          </a:extLst>
+        </p:spPr>
+        <p:txBody>
+          <a:bodyPr>
+            <a:spAutoFit/>
+          </a:bodyPr>
+          <a:lstStyle/>
+          <a:p>
+            <a:r>
+              <a:rPr lang="ru-RU" sz="1200"/>
+              <a:t>Предложение WHERE состоит из ключевого слова WHERE, за которым следует условие отбора, определяющее, какие именно строки требуется извлечь. Если условие отбора имеет значение TRUE, строка будет включена в результаты запроса. Если же оно имеет значение FALSE или NULL, то строка исключается из результатов запроса. </a:t>
+            </a:r>
+          </a:p>
+          <a:p>
+            <a:r>
+              <a:rPr lang="be-BY" sz="1200"/>
+              <a:t>Основные типы условий фильтрации: </a:t>
+            </a:r>
+          </a:p>
+          <a:p>
+            <a:r>
+              <a:rPr lang="ru-RU" sz="1200" b="1"/>
+              <a:t>1) Сравнение </a:t>
+            </a:r>
+            <a:r>
+              <a:rPr lang="ru-RU" sz="1200"/>
+              <a:t>– использование операторов сравнения (&gt;, &lt;, &gt;=, &lt;=, =, &lt;&gt;), скобок ('(', ')'), логических связок (AND («и»), OR («или»), NOT («нет»)) и констант: </a:t>
+            </a:r>
+          </a:p>
+          <a:p>
+            <a:r>
+              <a:rPr lang="en-US" sz="1200"/>
+              <a:t>	… WHERE ((rating &gt; 0.0) AND (rating &lt; 10.0)) … </a:t>
+            </a:r>
+          </a:p>
+          <a:p>
+            <a:r>
+              <a:rPr lang="ru-RU" sz="1200" b="1"/>
+              <a:t>2) Проверка на принадлежность значений диапазону </a:t>
+            </a:r>
+            <a:r>
+              <a:rPr lang="ru-RU" sz="1200"/>
+              <a:t>(оператор [NOT] BETWEEN … AND …): </a:t>
+            </a:r>
+          </a:p>
+          <a:p>
+            <a:r>
+              <a:rPr lang="en-US" sz="1200"/>
+              <a:t>	… WHERE rating BETWEEN 0.0 AND 10.0 … </a:t>
+            </a:r>
+          </a:p>
+          <a:p>
+            <a:r>
+              <a:rPr lang="be-BY" sz="1200"/>
+              <a:t>или (инверсная форма) </a:t>
+            </a:r>
+          </a:p>
+          <a:p>
+            <a:r>
+              <a:rPr lang="en-US" sz="1200"/>
+              <a:t>	… WHERE rating NOT BETWEEN 0.0 AND 10.0 … </a:t>
+            </a:r>
+          </a:p>
+          <a:p>
+            <a:r>
+              <a:rPr lang="ru-RU" sz="1200"/>
+              <a:t>Следует отметить, что проверка на принадлежность диапазону может</a:t>
+            </a:r>
+            <a:r>
+              <a:rPr lang="en-US" sz="1200"/>
+              <a:t> </a:t>
+            </a:r>
+            <a:r>
+              <a:rPr lang="be-BY" sz="1200"/>
+              <a:t>быть реализована через сравнения. </a:t>
+            </a:r>
+          </a:p>
+          <a:p>
+            <a:r>
+              <a:rPr lang="ru-RU" sz="1200" b="1"/>
+              <a:t>3) Принадлежность к множеству </a:t>
+            </a:r>
+            <a:r>
+              <a:rPr lang="ru-RU" sz="1200"/>
+              <a:t>– использование [NOT] IN (value_list): </a:t>
+            </a:r>
+          </a:p>
+          <a:p>
+            <a:r>
+              <a:rPr lang="en-US" sz="1200"/>
+              <a:t>	… WHERE student IN (‘Ivanov’, ‘Petrov’, ‘Sidorov’) … </a:t>
+            </a:r>
+          </a:p>
+          <a:p>
+            <a:r>
+              <a:rPr lang="ru-RU" sz="1200" b="1"/>
+              <a:t>4) Соответствие символьному шаблону </a:t>
+            </a:r>
+            <a:r>
+              <a:rPr lang="ru-RU" sz="1200"/>
+              <a:t>– использование [NOT] LIKE 'template'. Специальные символы шаблона по стандарту: '%' – любая последовательность символов; '_' – любой одиночный символ; для поиска одиночных символов '%' и '_' можно задать ESCAPE символ. Например, для поиска по шаблону '15%' можно задать: </a:t>
+            </a:r>
+          </a:p>
+          <a:p>
+            <a:r>
+              <a:rPr lang="en-US" sz="1200"/>
+              <a:t>	… WHERE data LIKE '15#%' ESCAPE '#' … </a:t>
+            </a:r>
+          </a:p>
+          <a:p>
+            <a:r>
+              <a:rPr lang="ru-RU" sz="1200" b="1"/>
+              <a:t>5) Обработка неизвестных значений (NULL) </a:t>
+            </a:r>
+            <a:r>
+              <a:rPr lang="ru-RU" sz="1200"/>
+              <a:t>– использование IS NULL или NOT NULL: </a:t>
+            </a:r>
+          </a:p>
+          <a:p>
+            <a:r>
+              <a:rPr lang="en-US" sz="1200"/>
+              <a:t>	… WHERE rating IS NULL … </a:t>
+            </a:r>
+          </a:p>
+          <a:p>
+            <a:endParaRPr lang="en-US" sz="1200"/>
+          </a:p>
+          <a:p>
+            <a:r>
+              <a:rPr lang="ru-RU" sz="1200" b="1"/>
+              <a:t>В SQL имеется пять статистических функций: </a:t>
+            </a:r>
+          </a:p>
+          <a:p>
+            <a:r>
+              <a:rPr lang="ru-RU" sz="1200"/>
+              <a:t>• SUM() – для вычисления суммы всех значений столбца (только числовые типы); </a:t>
+            </a:r>
+          </a:p>
+          <a:p>
+            <a:r>
+              <a:rPr lang="ru-RU" sz="1200"/>
+              <a:t>• AVG() – для вычисления среднего значения столбца (только числовые типы); </a:t>
+            </a:r>
+          </a:p>
+          <a:p>
+            <a:r>
+              <a:rPr lang="ru-RU" sz="1200"/>
+              <a:t>• MIN() – определяет минимальное значение столбца; </a:t>
+            </a:r>
+          </a:p>
+          <a:p>
+            <a:r>
+              <a:rPr lang="ru-RU" sz="1200"/>
+              <a:t>• MAX() – определяет максимальное значение столбца; </a:t>
+            </a:r>
+          </a:p>
+          <a:p>
+            <a:r>
+              <a:rPr lang="ru-RU" sz="1200"/>
+              <a:t>• COUNT() – подсчитывает число всех определенных значений столбца.</a:t>
+            </a:r>
+          </a:p>
+          <a:p>
+            <a:endParaRPr lang="ru-RU" sz="1200"/>
+          </a:p>
+          <a:p>
+            <a:r>
+              <a:rPr lang="ru-RU" sz="1200"/>
+              <a:t>Обобщающие функции по стандарту SQL2 могут располагаться только в секциях SELECT и HAVING запроса SELECT; </a:t>
+            </a:r>
+          </a:p>
+          <a:p>
+            <a:r>
+              <a:rPr lang="ru-RU" sz="1200"/>
+              <a:t>• все обобщающие функции игнорируют NULL значения; </a:t>
+            </a:r>
+          </a:p>
+          <a:p>
+            <a:r>
+              <a:rPr lang="ru-RU" sz="1200"/>
+              <a:t>• не допускается вложение обобщающих функций друг в друга. Варианты использования функции COUNT: </a:t>
+            </a:r>
+          </a:p>
+          <a:p>
+            <a:r>
+              <a:rPr lang="ru-RU" sz="1200"/>
+              <a:t>• COUNT(column) – количество значений в столбце column; </a:t>
+            </a:r>
+          </a:p>
+          <a:p>
+            <a:r>
+              <a:rPr lang="ru-RU" sz="1200"/>
+              <a:t>• COUNT(*) - количество строк в таблице; </a:t>
+            </a:r>
+          </a:p>
+          <a:p>
+            <a:r>
+              <a:rPr lang="ru-RU" sz="1200"/>
+              <a:t>• COUNT (DISTINCT column) – число не повторяющихся значений в столбце column. </a:t>
+            </a:r>
+            <a:endParaRPr lang="be-BY" sz="1200"/>
+          </a:p>
+        </p:txBody>
+      </p:sp>
+      <p:sp>
+        <p:nvSpPr>
+          <p:cNvPr id="9219" name="Прямоугольник 2"/>
+          <p:cNvSpPr>
+            <a:spLocks noChangeArrowheads="1"/>
+          </p:cNvSpPr>
+          <p:nvPr/>
+        </p:nvSpPr>
+        <p:spPr bwMode="auto">
+          <a:xfrm>
+            <a:off x="152400" y="0"/>
+            <a:ext cx="8839200" cy="461963"/>
+          </a:xfrm>
+          <a:prstGeom prst="rect">
+            <a:avLst/>
+          </a:prstGeom>
+          <a:noFill/>
+          <a:ln>
+            <a:noFill/>
+          </a:ln>
+          <a:extLst>
+            <a:ext uri="{909E8E84-426E-40DD-AFC4-6F175D3DCCD1}">
+              <a14:hiddenFill xmlns:a14="http://schemas.microsoft.com/office/drawing/2010/main">
+                <a:solidFill>
+                  <a:srgbClr val="FFFFFF"/>
+                </a:solidFill>
+              </a14:hiddenFill>
+            </a:ext>
+            <a:ext uri="{91240B29-F687-4F45-9708-019B960494DF}">
+              <a14:hiddenLine xmlns:a14="http://schemas.microsoft.com/office/drawing/2010/main" w="9525">
+                <a:solidFill>
+                  <a:srgbClr val="000000"/>
+                </a:solidFill>
+                <a:miter lim="800000"/>
+                <a:headEnd/>
+                <a:tailEnd/>
+              </a14:hiddenLine>
+            </a:ext>
+          </a:extLst>
+        </p:spPr>
+        <p:txBody>
+          <a:bodyPr>
+            <a:spAutoFit/>
+          </a:bodyPr>
+          <a:lstStyle/>
+          <a:p>
+            <a:pPr algn="ctr"/>
+            <a:r>
+              <a:rPr lang="en-US" sz="2400" b="1"/>
+              <a:t>WHERE.</a:t>
+            </a:r>
+            <a:endParaRPr lang="be-BY" sz="2400" b="1"/>
+          </a:p>
+        </p:txBody>
+      </p:sp>
+    </p:spTree>
+    <p:extLst>
+      <p:ext uri="{BB962C8B-B14F-4D97-AF65-F5344CB8AC3E}">
+        <p14:creationId xmlns:p14="http://schemas.microsoft.com/office/powerpoint/2010/main" val="3680314375"/>
+      </p:ext>
+    </p:extLst>
+  </p:cSld>
+  <p:clrMapOvr>
+    <a:masterClrMapping/>
+  </p:clrMapOvr>
+  <p:timing>
+    <p:tnLst>
+      <p:par>
+        <p:cTn id="1" dur="indefinite" restart="never" nodeType="tmRoot"/>
+      </p:par>
+    </p:tnLst>
+  </p:timing>
+</p:sld>
+</file>
+
+<file path=ppt/slides/slide21.xml><?xml version="1.0" encoding="utf-8"?>
+<p:sld xmlns:a="http://schemas.openxmlformats.org/drawingml/2006/main" xmlns:r="http://schemas.openxmlformats.org/officeDocument/2006/relationships" xmlns:p="http://schemas.openxmlformats.org/presentationml/2006/main">
+  <p:cSld>
+    <p:spTree>
+      <p:nvGrpSpPr>
+        <p:cNvPr id="1" name=""/>
+        <p:cNvGrpSpPr/>
+        <p:nvPr/>
+      </p:nvGrpSpPr>
+      <p:grpSpPr>
+        <a:xfrm>
+          <a:off x="0" y="0"/>
+          <a:ext cx="0" cy="0"/>
+          <a:chOff x="0" y="0"/>
+          <a:chExt cx="0" cy="0"/>
+        </a:xfrm>
+      </p:grpSpPr>
+      <p:sp>
+        <p:nvSpPr>
           <p:cNvPr id="10242" name="Прямоугольник 2"/>
           <p:cNvSpPr>
             <a:spLocks noChangeArrowheads="1"/>
@@ -6790,7 +6863,7 @@
 </p:sld>
 </file>
 
-<file path=ppt/slides/slide21.xml><?xml version="1.0" encoding="utf-8"?>
+<file path=ppt/slides/slide22.xml><?xml version="1.0" encoding="utf-8"?>
 <p:sld xmlns:a="http://schemas.openxmlformats.org/drawingml/2006/main" xmlns:r="http://schemas.openxmlformats.org/officeDocument/2006/relationships" xmlns:p="http://schemas.openxmlformats.org/presentationml/2006/main">
   <p:cSld>
     <p:spTree>
@@ -7198,7 +7271,7 @@
 </p:sld>
 </file>
 
-<file path=ppt/slides/slide22.xml><?xml version="1.0" encoding="utf-8"?>
+<file path=ppt/slides/slide23.xml><?xml version="1.0" encoding="utf-8"?>
 <p:sld xmlns:a="http://schemas.openxmlformats.org/drawingml/2006/main" xmlns:r="http://schemas.openxmlformats.org/officeDocument/2006/relationships" xmlns:p="http://schemas.openxmlformats.org/presentationml/2006/main">
   <p:cSld>
     <p:spTree>
@@ -7621,113 +7694,6 @@
 </p:sld>
 </file>
 
-<file path=ppt/slides/slide23.xml><?xml version="1.0" encoding="utf-8"?>
-<p:sld xmlns:a="http://schemas.openxmlformats.org/drawingml/2006/main" xmlns:r="http://schemas.openxmlformats.org/officeDocument/2006/relationships" xmlns:p="http://schemas.openxmlformats.org/presentationml/2006/main">
-  <p:cSld>
-    <p:spTree>
-      <p:nvGrpSpPr>
-        <p:cNvPr id="1" name=""/>
-        <p:cNvGrpSpPr/>
-        <p:nvPr/>
-      </p:nvGrpSpPr>
-      <p:grpSpPr>
-        <a:xfrm>
-          <a:off x="0" y="0"/>
-          <a:ext cx="0" cy="0"/>
-          <a:chOff x="0" y="0"/>
-          <a:chExt cx="0" cy="0"/>
-        </a:xfrm>
-      </p:grpSpPr>
-      <p:sp>
-        <p:nvSpPr>
-          <p:cNvPr id="2" name="Title 1"/>
-          <p:cNvSpPr>
-            <a:spLocks noGrp="1"/>
-          </p:cNvSpPr>
-          <p:nvPr>
-            <p:ph type="title"/>
-          </p:nvPr>
-        </p:nvSpPr>
-        <p:spPr/>
-        <p:txBody>
-          <a:bodyPr/>
-          <a:lstStyle/>
-          <a:p>
-            <a:r>
-              <a:rPr lang="ru-RU" dirty="0" smtClean="0"/>
-              <a:t>Ограничения </a:t>
-            </a:r>
-            <a:r>
-              <a:rPr lang="en-US" dirty="0" smtClean="0"/>
-              <a:t>(constraints)</a:t>
-            </a:r>
-            <a:endParaRPr lang="en-US" dirty="0"/>
-          </a:p>
-        </p:txBody>
-      </p:sp>
-      <p:sp>
-        <p:nvSpPr>
-          <p:cNvPr id="3" name="Content Placeholder 2"/>
-          <p:cNvSpPr>
-            <a:spLocks noGrp="1"/>
-          </p:cNvSpPr>
-          <p:nvPr>
-            <p:ph idx="1"/>
-          </p:nvPr>
-        </p:nvSpPr>
-        <p:spPr/>
-        <p:txBody>
-          <a:bodyPr/>
-          <a:lstStyle/>
-          <a:p>
-            <a:r>
-              <a:rPr lang="en-US" dirty="0" smtClean="0"/>
-              <a:t>NOT NULL</a:t>
-            </a:r>
-          </a:p>
-          <a:p>
-            <a:r>
-              <a:rPr lang="en-US" dirty="0" smtClean="0"/>
-              <a:t>CHECK</a:t>
-            </a:r>
-          </a:p>
-          <a:p>
-            <a:r>
-              <a:rPr lang="en-US" dirty="0" smtClean="0"/>
-              <a:t>UNIQUE</a:t>
-            </a:r>
-          </a:p>
-          <a:p>
-            <a:r>
-              <a:rPr lang="en-US" dirty="0" smtClean="0"/>
-              <a:t>PRIMARY KEY</a:t>
-            </a:r>
-          </a:p>
-          <a:p>
-            <a:r>
-              <a:rPr lang="en-US" dirty="0" smtClean="0"/>
-              <a:t> FOREIGN </a:t>
-            </a:r>
-            <a:r>
-              <a:rPr lang="en-US" dirty="0"/>
-              <a:t>KEY</a:t>
-            </a:r>
-          </a:p>
-        </p:txBody>
-      </p:sp>
-    </p:spTree>
-    <p:extLst>
-      <p:ext uri="{BB962C8B-B14F-4D97-AF65-F5344CB8AC3E}">
-        <p14:creationId xmlns:p14="http://schemas.microsoft.com/office/powerpoint/2010/main" val="1003551259"/>
-      </p:ext>
-    </p:extLst>
-  </p:cSld>
-  <p:clrMapOvr>
-    <a:masterClrMapping/>
-  </p:clrMapOvr>
-</p:sld>
-</file>
-
 <file path=ppt/slides/slide24.xml><?xml version="1.0" encoding="utf-8"?>
 <p:sld xmlns:a="http://schemas.openxmlformats.org/drawingml/2006/main" xmlns:r="http://schemas.openxmlformats.org/officeDocument/2006/relationships" xmlns:p="http://schemas.openxmlformats.org/presentationml/2006/main">
   <p:cSld>
@@ -7762,7 +7728,11 @@
           <a:p>
             <a:r>
               <a:rPr lang="ru-RU" dirty="0" smtClean="0"/>
-              <a:t>Хранимые процедуры</a:t>
+              <a:t>Ограничения </a:t>
+            </a:r>
+            <a:r>
+              <a:rPr lang="en-US" dirty="0" smtClean="0"/>
+              <a:t>(constraints)</a:t>
             </a:r>
             <a:endParaRPr lang="en-US" dirty="0"/>
           </a:p>
@@ -7785,16 +7755,43 @@
           <a:p>
             <a:r>
               <a:rPr lang="en-US" dirty="0" smtClean="0"/>
-              <a:t>CREATE PROC</a:t>
-            </a:r>
-            <a:endParaRPr lang="en-US" dirty="0"/>
+              <a:t>NOT NULL</a:t>
+            </a:r>
+          </a:p>
+          <a:p>
+            <a:r>
+              <a:rPr lang="en-US" dirty="0" smtClean="0"/>
+              <a:t>CHECK</a:t>
+            </a:r>
+          </a:p>
+          <a:p>
+            <a:r>
+              <a:rPr lang="en-US" dirty="0" smtClean="0"/>
+              <a:t>UNIQUE</a:t>
+            </a:r>
+          </a:p>
+          <a:p>
+            <a:r>
+              <a:rPr lang="en-US" dirty="0" smtClean="0"/>
+              <a:t>PRIMARY KEY</a:t>
+            </a:r>
+          </a:p>
+          <a:p>
+            <a:r>
+              <a:rPr lang="en-US" dirty="0" smtClean="0"/>
+              <a:t> FOREIGN </a:t>
+            </a:r>
+            <a:r>
+              <a:rPr lang="en-US" dirty="0"/>
+              <a:t>KEY</a:t>
+            </a:r>
           </a:p>
         </p:txBody>
       </p:sp>
     </p:spTree>
     <p:extLst>
       <p:ext uri="{BB962C8B-B14F-4D97-AF65-F5344CB8AC3E}">
-        <p14:creationId xmlns:p14="http://schemas.microsoft.com/office/powerpoint/2010/main" val="2533733971"/>
+        <p14:creationId xmlns:p14="http://schemas.microsoft.com/office/powerpoint/2010/main" val="1003551259"/>
       </p:ext>
     </p:extLst>
   </p:cSld>
@@ -7838,7 +7835,7 @@
           <a:p>
             <a:r>
               <a:rPr lang="ru-RU" dirty="0" smtClean="0"/>
-              <a:t>Триггеры</a:t>
+              <a:t>Хранимые процедуры</a:t>
             </a:r>
             <a:endParaRPr lang="en-US" dirty="0"/>
           </a:p>
@@ -7854,145 +7851,14 @@
             <p:ph idx="1"/>
           </p:nvPr>
         </p:nvSpPr>
-        <p:spPr>
-          <a:xfrm>
-            <a:off x="179512" y="1196752"/>
-            <a:ext cx="8712968" cy="5400600"/>
-          </a:xfrm>
-        </p:spPr>
+        <p:spPr/>
         <p:txBody>
-          <a:bodyPr>
-            <a:normAutofit fontScale="85000" lnSpcReduction="20000"/>
-          </a:bodyPr>
+          <a:bodyPr/>
           <a:lstStyle/>
           <a:p>
             <a:r>
               <a:rPr lang="en-US" dirty="0" smtClean="0"/>
-              <a:t>DML-</a:t>
-            </a:r>
-            <a:r>
-              <a:rPr lang="ru-RU" dirty="0" smtClean="0"/>
-              <a:t>триггеры (</a:t>
-            </a:r>
-            <a:r>
-              <a:rPr lang="en-US" dirty="0" smtClean="0"/>
-              <a:t>INSERT/UPDATE/DELETE)</a:t>
-            </a:r>
-            <a:endParaRPr lang="ru-RU" dirty="0" smtClean="0"/>
-          </a:p>
-          <a:p>
-            <a:pPr lvl="1"/>
-            <a:r>
-              <a:rPr lang="ru-RU" dirty="0" smtClean="0"/>
-              <a:t>Позволяют</a:t>
-            </a:r>
-            <a:r>
-              <a:rPr lang="en-US" dirty="0" smtClean="0"/>
-              <a:t> </a:t>
-            </a:r>
-            <a:r>
-              <a:rPr lang="ru-RU" dirty="0" smtClean="0"/>
-              <a:t>перехватывать операции на уровне отдельных таблиц.</a:t>
-            </a:r>
-          </a:p>
-          <a:p>
-            <a:pPr lvl="1"/>
-            <a:r>
-              <a:rPr lang="ru-RU" dirty="0" smtClean="0"/>
-              <a:t>Полезно для проверок безопасности, дополнительной целостности данных, протоколирования, аудита и т.п.</a:t>
-            </a:r>
-            <a:endParaRPr lang="en-US" dirty="0" smtClean="0"/>
-          </a:p>
-          <a:p>
-            <a:r>
-              <a:rPr lang="en-US" dirty="0" smtClean="0"/>
-              <a:t>DDL</a:t>
-            </a:r>
-            <a:r>
-              <a:rPr lang="ru-RU" dirty="0" smtClean="0"/>
-              <a:t>-триггеры</a:t>
-            </a:r>
-          </a:p>
-          <a:p>
-            <a:pPr lvl="1"/>
-            <a:r>
-              <a:rPr lang="ru-RU" dirty="0" smtClean="0"/>
-              <a:t>Автоматическое добавление колонок к таблицам </a:t>
-            </a:r>
-            <a:r>
-              <a:rPr lang="en-US" dirty="0" smtClean="0"/>
-              <a:t>(</a:t>
-            </a:r>
-            <a:r>
-              <a:rPr lang="en-US" dirty="0" err="1" smtClean="0"/>
-              <a:t>LastUpdated</a:t>
-            </a:r>
-            <a:r>
-              <a:rPr lang="en-US" dirty="0" smtClean="0"/>
-              <a:t>, </a:t>
-            </a:r>
-            <a:r>
-              <a:rPr lang="en-US" dirty="0" err="1" smtClean="0"/>
-              <a:t>UpdatedBy</a:t>
-            </a:r>
-            <a:r>
-              <a:rPr lang="en-US" dirty="0" smtClean="0"/>
-              <a:t> </a:t>
-            </a:r>
-            <a:r>
-              <a:rPr lang="ru-RU" dirty="0" smtClean="0"/>
-              <a:t>и т.п.)</a:t>
-            </a:r>
-          </a:p>
-          <a:p>
-            <a:pPr lvl="1"/>
-            <a:r>
-              <a:rPr lang="ru-RU" dirty="0" smtClean="0"/>
-              <a:t>Извещать </a:t>
-            </a:r>
-            <a:r>
-              <a:rPr lang="en-US" dirty="0" smtClean="0"/>
-              <a:t>DBA </a:t>
-            </a:r>
-            <a:r>
-              <a:rPr lang="ru-RU" dirty="0" smtClean="0"/>
-              <a:t>о создании новых БД</a:t>
-            </a:r>
-          </a:p>
-          <a:p>
-            <a:pPr lvl="1"/>
-            <a:r>
-              <a:rPr lang="ru-RU" dirty="0" smtClean="0"/>
-              <a:t>Аудит изменений схемы БД</a:t>
-            </a:r>
-          </a:p>
-          <a:p>
-            <a:r>
-              <a:rPr lang="ru-RU" dirty="0" smtClean="0"/>
-              <a:t>Советы</a:t>
-            </a:r>
-            <a:endParaRPr lang="ru-RU" dirty="0"/>
-          </a:p>
-          <a:p>
-            <a:pPr lvl="1"/>
-            <a:r>
-              <a:rPr lang="ru-RU" dirty="0" smtClean="0"/>
-              <a:t>Триггер должен выполняться как можно быстрее</a:t>
-            </a:r>
-          </a:p>
-          <a:p>
-            <a:pPr lvl="1"/>
-            <a:r>
-              <a:rPr lang="ru-RU" dirty="0" smtClean="0"/>
-              <a:t>Не забывайте, </a:t>
-            </a:r>
-            <a:r>
-              <a:rPr lang="ru-RU" dirty="0"/>
-              <a:t>что </a:t>
-            </a:r>
-            <a:r>
-              <a:rPr lang="ru-RU" dirty="0" smtClean="0"/>
-              <a:t>триггер вызывается для всего пакета изменений, а не для отдельных строк</a:t>
+              <a:t>CREATE PROC</a:t>
             </a:r>
             <a:endParaRPr lang="en-US" dirty="0"/>
           </a:p>
@@ -8001,7 +7867,7 @@
     </p:spTree>
     <p:extLst>
       <p:ext uri="{BB962C8B-B14F-4D97-AF65-F5344CB8AC3E}">
-        <p14:creationId xmlns:p14="http://schemas.microsoft.com/office/powerpoint/2010/main" val="2390943353"/>
+        <p14:creationId xmlns:p14="http://schemas.microsoft.com/office/powerpoint/2010/main" val="2533733971"/>
       </p:ext>
     </p:extLst>
   </p:cSld>
@@ -8045,6 +7911,213 @@
           <a:p>
             <a:r>
               <a:rPr lang="ru-RU" dirty="0" smtClean="0"/>
+              <a:t>Триггеры</a:t>
+            </a:r>
+            <a:endParaRPr lang="en-US" dirty="0"/>
+          </a:p>
+        </p:txBody>
+      </p:sp>
+      <p:sp>
+        <p:nvSpPr>
+          <p:cNvPr id="3" name="Content Placeholder 2"/>
+          <p:cNvSpPr>
+            <a:spLocks noGrp="1"/>
+          </p:cNvSpPr>
+          <p:nvPr>
+            <p:ph idx="1"/>
+          </p:nvPr>
+        </p:nvSpPr>
+        <p:spPr>
+          <a:xfrm>
+            <a:off x="179512" y="1196752"/>
+            <a:ext cx="8712968" cy="5400600"/>
+          </a:xfrm>
+        </p:spPr>
+        <p:txBody>
+          <a:bodyPr>
+            <a:normAutofit fontScale="85000" lnSpcReduction="20000"/>
+          </a:bodyPr>
+          <a:lstStyle/>
+          <a:p>
+            <a:r>
+              <a:rPr lang="en-US" dirty="0" smtClean="0"/>
+              <a:t>DML-</a:t>
+            </a:r>
+            <a:r>
+              <a:rPr lang="ru-RU" dirty="0" smtClean="0"/>
+              <a:t>триггеры (</a:t>
+            </a:r>
+            <a:r>
+              <a:rPr lang="en-US" dirty="0" smtClean="0"/>
+              <a:t>INSERT/UPDATE/DELETE)</a:t>
+            </a:r>
+            <a:endParaRPr lang="ru-RU" dirty="0" smtClean="0"/>
+          </a:p>
+          <a:p>
+            <a:pPr lvl="1"/>
+            <a:r>
+              <a:rPr lang="ru-RU" dirty="0" smtClean="0"/>
+              <a:t>Позволяют</a:t>
+            </a:r>
+            <a:r>
+              <a:rPr lang="en-US" dirty="0" smtClean="0"/>
+              <a:t> </a:t>
+            </a:r>
+            <a:r>
+              <a:rPr lang="ru-RU" dirty="0" smtClean="0"/>
+              <a:t>перехватывать операции на уровне отдельных таблиц.</a:t>
+            </a:r>
+          </a:p>
+          <a:p>
+            <a:pPr lvl="1"/>
+            <a:r>
+              <a:rPr lang="ru-RU" dirty="0" smtClean="0"/>
+              <a:t>Полезно для проверок безопасности, дополнительной целостности данных, протоколирования, аудита и т.п.</a:t>
+            </a:r>
+            <a:endParaRPr lang="en-US" dirty="0" smtClean="0"/>
+          </a:p>
+          <a:p>
+            <a:r>
+              <a:rPr lang="en-US" dirty="0" smtClean="0"/>
+              <a:t>DDL</a:t>
+            </a:r>
+            <a:r>
+              <a:rPr lang="ru-RU" dirty="0" smtClean="0"/>
+              <a:t>-триггеры</a:t>
+            </a:r>
+          </a:p>
+          <a:p>
+            <a:pPr lvl="1"/>
+            <a:r>
+              <a:rPr lang="ru-RU" dirty="0" smtClean="0"/>
+              <a:t>Автоматическое добавление колонок к таблицам </a:t>
+            </a:r>
+            <a:r>
+              <a:rPr lang="en-US" dirty="0" smtClean="0"/>
+              <a:t>(</a:t>
+            </a:r>
+            <a:r>
+              <a:rPr lang="en-US" dirty="0" err="1" smtClean="0"/>
+              <a:t>LastUpdated</a:t>
+            </a:r>
+            <a:r>
+              <a:rPr lang="en-US" dirty="0" smtClean="0"/>
+              <a:t>, </a:t>
+            </a:r>
+            <a:r>
+              <a:rPr lang="en-US" dirty="0" err="1" smtClean="0"/>
+              <a:t>UpdatedBy</a:t>
+            </a:r>
+            <a:r>
+              <a:rPr lang="en-US" dirty="0" smtClean="0"/>
+              <a:t> </a:t>
+            </a:r>
+            <a:r>
+              <a:rPr lang="ru-RU" dirty="0" smtClean="0"/>
+              <a:t>и т.п.)</a:t>
+            </a:r>
+          </a:p>
+          <a:p>
+            <a:pPr lvl="1"/>
+            <a:r>
+              <a:rPr lang="ru-RU" dirty="0" smtClean="0"/>
+              <a:t>Извещать </a:t>
+            </a:r>
+            <a:r>
+              <a:rPr lang="en-US" dirty="0" smtClean="0"/>
+              <a:t>DBA </a:t>
+            </a:r>
+            <a:r>
+              <a:rPr lang="ru-RU" dirty="0" smtClean="0"/>
+              <a:t>о создании новых БД</a:t>
+            </a:r>
+          </a:p>
+          <a:p>
+            <a:pPr lvl="1"/>
+            <a:r>
+              <a:rPr lang="ru-RU" dirty="0" smtClean="0"/>
+              <a:t>Аудит изменений схемы БД</a:t>
+            </a:r>
+          </a:p>
+          <a:p>
+            <a:r>
+              <a:rPr lang="ru-RU" dirty="0" smtClean="0"/>
+              <a:t>Советы</a:t>
+            </a:r>
+            <a:endParaRPr lang="ru-RU" dirty="0"/>
+          </a:p>
+          <a:p>
+            <a:pPr lvl="1"/>
+            <a:r>
+              <a:rPr lang="ru-RU" dirty="0" smtClean="0"/>
+              <a:t>Триггер должен выполняться как можно быстрее</a:t>
+            </a:r>
+          </a:p>
+          <a:p>
+            <a:pPr lvl="1"/>
+            <a:r>
+              <a:rPr lang="ru-RU" dirty="0" smtClean="0"/>
+              <a:t>Не забывайте, </a:t>
+            </a:r>
+            <a:r>
+              <a:rPr lang="ru-RU" dirty="0"/>
+              <a:t>что </a:t>
+            </a:r>
+            <a:r>
+              <a:rPr lang="ru-RU" dirty="0" smtClean="0"/>
+              <a:t>триггер вызывается для всего пакета изменений, а не для отдельных строк</a:t>
+            </a:r>
+            <a:endParaRPr lang="en-US" dirty="0"/>
+          </a:p>
+        </p:txBody>
+      </p:sp>
+    </p:spTree>
+    <p:extLst>
+      <p:ext uri="{BB962C8B-B14F-4D97-AF65-F5344CB8AC3E}">
+        <p14:creationId xmlns:p14="http://schemas.microsoft.com/office/powerpoint/2010/main" val="2390943353"/>
+      </p:ext>
+    </p:extLst>
+  </p:cSld>
+  <p:clrMapOvr>
+    <a:masterClrMapping/>
+  </p:clrMapOvr>
+</p:sld>
+</file>
+
+<file path=ppt/slides/slide27.xml><?xml version="1.0" encoding="utf-8"?>
+<p:sld xmlns:a="http://schemas.openxmlformats.org/drawingml/2006/main" xmlns:r="http://schemas.openxmlformats.org/officeDocument/2006/relationships" xmlns:p="http://schemas.openxmlformats.org/presentationml/2006/main">
+  <p:cSld>
+    <p:spTree>
+      <p:nvGrpSpPr>
+        <p:cNvPr id="1" name=""/>
+        <p:cNvGrpSpPr/>
+        <p:nvPr/>
+      </p:nvGrpSpPr>
+      <p:grpSpPr>
+        <a:xfrm>
+          <a:off x="0" y="0"/>
+          <a:ext cx="0" cy="0"/>
+          <a:chOff x="0" y="0"/>
+          <a:chExt cx="0" cy="0"/>
+        </a:xfrm>
+      </p:grpSpPr>
+      <p:sp>
+        <p:nvSpPr>
+          <p:cNvPr id="2" name="Title 1"/>
+          <p:cNvSpPr>
+            <a:spLocks noGrp="1"/>
+          </p:cNvSpPr>
+          <p:nvPr>
+            <p:ph type="title"/>
+          </p:nvPr>
+        </p:nvSpPr>
+        <p:spPr/>
+        <p:txBody>
+          <a:bodyPr/>
+          <a:lstStyle/>
+          <a:p>
+            <a:r>
+              <a:rPr lang="ru-RU" dirty="0" smtClean="0"/>
               <a:t>Понятие транзакции</a:t>
             </a:r>
             <a:endParaRPr lang="en-US" dirty="0"/>
@@ -8135,6 +8208,201 @@
 </file>
 
 <file path=ppt/slides/slide3.xml><?xml version="1.0" encoding="utf-8"?>
+<p:sld xmlns:a="http://schemas.openxmlformats.org/drawingml/2006/main" xmlns:r="http://schemas.openxmlformats.org/officeDocument/2006/relationships" xmlns:p="http://schemas.openxmlformats.org/presentationml/2006/main">
+  <p:cSld>
+    <p:spTree>
+      <p:nvGrpSpPr>
+        <p:cNvPr id="1" name=""/>
+        <p:cNvGrpSpPr/>
+        <p:nvPr/>
+      </p:nvGrpSpPr>
+      <p:grpSpPr>
+        <a:xfrm>
+          <a:off x="0" y="0"/>
+          <a:ext cx="0" cy="0"/>
+          <a:chOff x="0" y="0"/>
+          <a:chExt cx="0" cy="0"/>
+        </a:xfrm>
+      </p:grpSpPr>
+      <p:sp>
+        <p:nvSpPr>
+          <p:cNvPr id="2" name="Title 1"/>
+          <p:cNvSpPr>
+            <a:spLocks noGrp="1"/>
+          </p:cNvSpPr>
+          <p:nvPr>
+            <p:ph type="title"/>
+          </p:nvPr>
+        </p:nvSpPr>
+        <p:spPr>
+          <a:xfrm>
+            <a:off x="107504" y="116632"/>
+            <a:ext cx="8928992" cy="648072"/>
+          </a:xfrm>
+        </p:spPr>
+        <p:txBody>
+          <a:bodyPr>
+            <a:normAutofit fontScale="90000"/>
+          </a:bodyPr>
+          <a:lstStyle/>
+          <a:p>
+            <a:r>
+              <a:rPr lang="ru-RU" dirty="0" smtClean="0">
+                <a:solidFill>
+                  <a:schemeClr val="bg1"/>
+                </a:solidFill>
+              </a:rPr>
+              <a:t>Ссылки</a:t>
+            </a:r>
+            <a:endParaRPr lang="en-US" dirty="0">
+              <a:solidFill>
+                <a:schemeClr val="bg1"/>
+              </a:solidFill>
+            </a:endParaRPr>
+          </a:p>
+        </p:txBody>
+      </p:sp>
+      <p:sp>
+        <p:nvSpPr>
+          <p:cNvPr id="3" name="Content Placeholder 2"/>
+          <p:cNvSpPr>
+            <a:spLocks noGrp="1"/>
+          </p:cNvSpPr>
+          <p:nvPr>
+            <p:ph idx="1"/>
+          </p:nvPr>
+        </p:nvSpPr>
+        <p:spPr>
+          <a:xfrm>
+            <a:off x="457200" y="764704"/>
+            <a:ext cx="8229600" cy="5361459"/>
+          </a:xfrm>
+        </p:spPr>
+        <p:txBody>
+          <a:bodyPr>
+            <a:normAutofit/>
+          </a:bodyPr>
+          <a:lstStyle/>
+          <a:p>
+            <a:r>
+              <a:rPr lang="en-US" dirty="0" smtClean="0">
+                <a:solidFill>
+                  <a:schemeClr val="bg1"/>
+                </a:solidFill>
+                <a:hlinkClick r:id="rId2"/>
+              </a:rPr>
+              <a:t>www.sqlcmd.ru</a:t>
+            </a:r>
+            <a:r>
+              <a:rPr lang="en-US" dirty="0" smtClean="0">
+                <a:solidFill>
+                  <a:schemeClr val="bg1"/>
+                </a:solidFill>
+              </a:rPr>
+              <a:t> – </a:t>
+            </a:r>
+            <a:r>
+              <a:rPr lang="ru-RU" dirty="0" smtClean="0">
+                <a:solidFill>
+                  <a:schemeClr val="bg1"/>
+                </a:solidFill>
+              </a:rPr>
+              <a:t>блог на русском языке о работе и администрировании </a:t>
+            </a:r>
+            <a:r>
+              <a:rPr lang="en-US" dirty="0" smtClean="0">
+                <a:solidFill>
+                  <a:schemeClr val="bg1"/>
+                </a:solidFill>
+              </a:rPr>
+              <a:t>SQL </a:t>
+            </a:r>
+            <a:r>
+              <a:rPr lang="en-US" smtClean="0">
+                <a:solidFill>
+                  <a:schemeClr val="bg1"/>
+                </a:solidFill>
+              </a:rPr>
+              <a:t>Server.</a:t>
+            </a:r>
+            <a:endParaRPr lang="ru-RU" dirty="0" smtClean="0">
+              <a:solidFill>
+                <a:schemeClr val="bg1"/>
+              </a:solidFill>
+            </a:endParaRPr>
+          </a:p>
+          <a:p>
+            <a:pPr lvl="1"/>
+            <a:endParaRPr lang="ru-RU" dirty="0" smtClean="0">
+              <a:solidFill>
+                <a:schemeClr val="bg1"/>
+              </a:solidFill>
+            </a:endParaRPr>
+          </a:p>
+          <a:p>
+            <a:pPr lvl="1"/>
+            <a:endParaRPr lang="ru-RU" dirty="0" smtClean="0">
+              <a:solidFill>
+                <a:schemeClr val="bg1"/>
+              </a:solidFill>
+            </a:endParaRPr>
+          </a:p>
+          <a:p>
+            <a:pPr lvl="1"/>
+            <a:endParaRPr lang="en-US" dirty="0" smtClean="0">
+              <a:solidFill>
+                <a:schemeClr val="bg1"/>
+              </a:solidFill>
+            </a:endParaRPr>
+          </a:p>
+          <a:p>
+            <a:endParaRPr lang="en-US" dirty="0" smtClean="0">
+              <a:solidFill>
+                <a:schemeClr val="bg1"/>
+              </a:solidFill>
+            </a:endParaRPr>
+          </a:p>
+          <a:p>
+            <a:pPr lvl="1"/>
+            <a:endParaRPr lang="en-US" dirty="0" smtClean="0">
+              <a:solidFill>
+                <a:schemeClr val="bg1"/>
+              </a:solidFill>
+            </a:endParaRPr>
+          </a:p>
+          <a:p>
+            <a:pPr marL="457200" lvl="1" indent="0">
+              <a:buNone/>
+            </a:pPr>
+            <a:endParaRPr lang="en-US" dirty="0">
+              <a:solidFill>
+                <a:schemeClr val="bg1"/>
+              </a:solidFill>
+            </a:endParaRPr>
+          </a:p>
+        </p:txBody>
+      </p:sp>
+    </p:spTree>
+    <p:extLst>
+      <p:ext uri="{BB962C8B-B14F-4D97-AF65-F5344CB8AC3E}">
+        <p14:creationId xmlns:p14="http://schemas.microsoft.com/office/powerpoint/2010/main" val="921695489"/>
+      </p:ext>
+    </p:extLst>
+  </p:cSld>
+  <p:clrMapOvr>
+    <a:masterClrMapping/>
+  </p:clrMapOvr>
+  <p:timing>
+    <p:tnLst>
+      <p:par>
+        <p:cTn id="1" dur="indefinite" restart="never" nodeType="tmRoot"/>
+      </p:par>
+    </p:tnLst>
+  </p:timing>
+</p:sld>
+</file>
+
+<file path=ppt/slides/slide4.xml><?xml version="1.0" encoding="utf-8"?>
 <p:sld xmlns:a="http://schemas.openxmlformats.org/drawingml/2006/main" xmlns:r="http://schemas.openxmlformats.org/officeDocument/2006/relationships" xmlns:p="http://schemas.openxmlformats.org/presentationml/2006/main" show="0">
   <p:cSld>
     <p:spTree>
@@ -8475,119 +8743,6 @@
 </p:sld>
 </file>
 
-<file path=ppt/slides/slide4.xml><?xml version="1.0" encoding="utf-8"?>
-<p:sld xmlns:a="http://schemas.openxmlformats.org/drawingml/2006/main" xmlns:r="http://schemas.openxmlformats.org/officeDocument/2006/relationships" xmlns:p="http://schemas.openxmlformats.org/presentationml/2006/main">
-  <p:cSld>
-    <p:spTree>
-      <p:nvGrpSpPr>
-        <p:cNvPr id="1" name=""/>
-        <p:cNvGrpSpPr/>
-        <p:nvPr/>
-      </p:nvGrpSpPr>
-      <p:grpSpPr>
-        <a:xfrm>
-          <a:off x="0" y="0"/>
-          <a:ext cx="0" cy="0"/>
-          <a:chOff x="0" y="0"/>
-          <a:chExt cx="0" cy="0"/>
-        </a:xfrm>
-      </p:grpSpPr>
-      <p:sp>
-        <p:nvSpPr>
-          <p:cNvPr id="2" name="Title 1"/>
-          <p:cNvSpPr>
-            <a:spLocks noGrp="1"/>
-          </p:cNvSpPr>
-          <p:nvPr>
-            <p:ph type="title"/>
-          </p:nvPr>
-        </p:nvSpPr>
-        <p:spPr/>
-        <p:txBody>
-          <a:bodyPr/>
-          <a:lstStyle/>
-          <a:p>
-            <a:r>
-              <a:rPr lang="ru-RU" dirty="0" smtClean="0"/>
-              <a:t>Типы БД</a:t>
-            </a:r>
-            <a:endParaRPr lang="en-US" dirty="0"/>
-          </a:p>
-        </p:txBody>
-      </p:sp>
-      <p:sp>
-        <p:nvSpPr>
-          <p:cNvPr id="3" name="Content Placeholder 2"/>
-          <p:cNvSpPr>
-            <a:spLocks noGrp="1"/>
-          </p:cNvSpPr>
-          <p:nvPr>
-            <p:ph idx="1"/>
-          </p:nvPr>
-        </p:nvSpPr>
-        <p:spPr/>
-        <p:txBody>
-          <a:bodyPr/>
-          <a:lstStyle/>
-          <a:p>
-            <a:r>
-              <a:rPr lang="ru-RU" dirty="0" smtClean="0"/>
-              <a:t>Реляционные </a:t>
-            </a:r>
-            <a:r>
-              <a:rPr lang="en-US" dirty="0" smtClean="0"/>
-              <a:t>(relational)</a:t>
-            </a:r>
-            <a:endParaRPr lang="ru-RU" dirty="0" smtClean="0"/>
-          </a:p>
-          <a:p>
-            <a:r>
-              <a:rPr lang="ru-RU" dirty="0" smtClean="0"/>
-              <a:t>Документные</a:t>
-            </a:r>
-            <a:r>
-              <a:rPr lang="en-US" dirty="0" smtClean="0"/>
-              <a:t> (document-driven)</a:t>
-            </a:r>
-            <a:endParaRPr lang="ru-RU" dirty="0" smtClean="0"/>
-          </a:p>
-          <a:p>
-            <a:endParaRPr lang="ru-RU" dirty="0"/>
-          </a:p>
-          <a:p>
-            <a:r>
-              <a:rPr lang="ru-RU" dirty="0" smtClean="0"/>
-              <a:t>СУБД – Система Управления Базами Данных </a:t>
-            </a:r>
-            <a:r>
-              <a:rPr lang="en-US" dirty="0" smtClean="0"/>
-              <a:t>(RDBMS </a:t>
-            </a:r>
-            <a:r>
-              <a:rPr lang="ru-RU" dirty="0" smtClean="0"/>
-              <a:t>– </a:t>
-            </a:r>
-            <a:r>
-              <a:rPr lang="en-US" dirty="0" smtClean="0"/>
-              <a:t>Relational Database Management System)</a:t>
-            </a:r>
-            <a:endParaRPr lang="en-US" dirty="0"/>
-          </a:p>
-        </p:txBody>
-      </p:sp>
-    </p:spTree>
-    <p:extLst>
-      <p:ext uri="{BB962C8B-B14F-4D97-AF65-F5344CB8AC3E}">
-        <p14:creationId xmlns:p14="http://schemas.microsoft.com/office/powerpoint/2010/main" val="2786420212"/>
-      </p:ext>
-    </p:extLst>
-  </p:cSld>
-  <p:clrMapOvr>
-    <a:masterClrMapping/>
-  </p:clrMapOvr>
-</p:sld>
-</file>
-
 <file path=ppt/slides/slide5.xml><?xml version="1.0" encoding="utf-8"?>
 <p:sld xmlns:a="http://schemas.openxmlformats.org/drawingml/2006/main" xmlns:r="http://schemas.openxmlformats.org/officeDocument/2006/relationships" xmlns:p="http://schemas.openxmlformats.org/presentationml/2006/main">
   <p:cSld>
@@ -8622,7 +8777,7 @@
           <a:p>
             <a:r>
               <a:rPr lang="ru-RU" dirty="0" smtClean="0"/>
-              <a:t>Производители СУБД</a:t>
+              <a:t>Типы БД</a:t>
             </a:r>
             <a:endParaRPr lang="en-US" dirty="0"/>
           </a:p>
@@ -8644,63 +8799,54 @@
           <a:lstStyle/>
           <a:p>
             <a:r>
+              <a:rPr lang="ru-RU" dirty="0" smtClean="0"/>
+              <a:t>Реляционные </a:t>
+            </a:r>
+            <a:r>
               <a:rPr lang="en-US" dirty="0" smtClean="0"/>
-              <a:t>IBM</a:t>
-            </a:r>
-          </a:p>
-          <a:p>
-            <a:pPr lvl="1"/>
+              <a:t>(relational)</a:t>
+            </a:r>
+            <a:endParaRPr lang="ru-RU" dirty="0" smtClean="0"/>
+          </a:p>
+          <a:p>
+            <a:r>
+              <a:rPr lang="ru-RU" dirty="0" smtClean="0"/>
+              <a:t>Документные</a:t>
+            </a:r>
             <a:r>
               <a:rPr lang="en-US" dirty="0" smtClean="0"/>
-              <a:t>DB2</a:t>
-            </a:r>
-          </a:p>
-          <a:p>
+              <a:t> (document-driven)</a:t>
+            </a:r>
+            <a:endParaRPr lang="ru-RU" dirty="0" smtClean="0"/>
+          </a:p>
+          <a:p>
+            <a:endParaRPr lang="ru-RU" dirty="0"/>
+          </a:p>
+          <a:p>
+            <a:r>
+              <a:rPr lang="ru-RU" dirty="0" smtClean="0"/>
+              <a:t>СУБД – Система Управления Базами Данных </a:t>
+            </a:r>
             <a:r>
               <a:rPr lang="en-US" dirty="0" smtClean="0"/>
-              <a:t>Microsoft</a:t>
-            </a:r>
-          </a:p>
-          <a:p>
-            <a:pPr lvl="1"/>
+              <a:t>(RDBMS </a:t>
+            </a:r>
+            <a:r>
+              <a:rPr lang="ru-RU" dirty="0" smtClean="0"/>
+              <a:t>– </a:t>
+            </a:r>
             <a:r>
               <a:rPr lang="en-US" dirty="0" smtClean="0"/>
-              <a:t>SQL Server</a:t>
-            </a:r>
-          </a:p>
-          <a:p>
-            <a:pPr lvl="1"/>
-            <a:r>
-              <a:rPr lang="en-US" dirty="0" smtClean="0"/>
-              <a:t>Access</a:t>
-            </a:r>
-          </a:p>
-          <a:p>
-            <a:r>
-              <a:rPr lang="en-US" dirty="0" smtClean="0"/>
-              <a:t>Oracle</a:t>
-            </a:r>
-          </a:p>
-          <a:p>
-            <a:pPr lvl="1"/>
-            <a:r>
-              <a:rPr lang="en-US" dirty="0" smtClean="0"/>
-              <a:t>Oracle</a:t>
-            </a:r>
-          </a:p>
-          <a:p>
-            <a:pPr lvl="1"/>
-            <a:r>
-              <a:rPr lang="en-US" dirty="0" smtClean="0"/>
-              <a:t>MySQL</a:t>
-            </a:r>
+              <a:t>Relational Database Management System)</a:t>
+            </a:r>
+            <a:endParaRPr lang="en-US" dirty="0"/>
           </a:p>
         </p:txBody>
       </p:sp>
     </p:spTree>
     <p:extLst>
       <p:ext uri="{BB962C8B-B14F-4D97-AF65-F5344CB8AC3E}">
-        <p14:creationId xmlns:p14="http://schemas.microsoft.com/office/powerpoint/2010/main" val="3418372022"/>
+        <p14:creationId xmlns:p14="http://schemas.microsoft.com/office/powerpoint/2010/main" val="2786420212"/>
       </p:ext>
     </p:extLst>
   </p:cSld>
@@ -8743,6 +8889,128 @@
           <a:lstStyle/>
           <a:p>
             <a:r>
+              <a:rPr lang="ru-RU" dirty="0" smtClean="0"/>
+              <a:t>Производители СУБД</a:t>
+            </a:r>
+            <a:endParaRPr lang="en-US" dirty="0"/>
+          </a:p>
+        </p:txBody>
+      </p:sp>
+      <p:sp>
+        <p:nvSpPr>
+          <p:cNvPr id="3" name="Content Placeholder 2"/>
+          <p:cNvSpPr>
+            <a:spLocks noGrp="1"/>
+          </p:cNvSpPr>
+          <p:nvPr>
+            <p:ph idx="1"/>
+          </p:nvPr>
+        </p:nvSpPr>
+        <p:spPr/>
+        <p:txBody>
+          <a:bodyPr/>
+          <a:lstStyle/>
+          <a:p>
+            <a:r>
+              <a:rPr lang="en-US" dirty="0" smtClean="0"/>
+              <a:t>IBM</a:t>
+            </a:r>
+          </a:p>
+          <a:p>
+            <a:pPr lvl="1"/>
+            <a:r>
+              <a:rPr lang="en-US" dirty="0" smtClean="0"/>
+              <a:t>DB2</a:t>
+            </a:r>
+          </a:p>
+          <a:p>
+            <a:r>
+              <a:rPr lang="en-US" dirty="0" smtClean="0"/>
+              <a:t>Microsoft</a:t>
+            </a:r>
+          </a:p>
+          <a:p>
+            <a:pPr lvl="1"/>
+            <a:r>
+              <a:rPr lang="en-US" dirty="0" smtClean="0"/>
+              <a:t>SQL Server</a:t>
+            </a:r>
+          </a:p>
+          <a:p>
+            <a:pPr lvl="1"/>
+            <a:r>
+              <a:rPr lang="en-US" dirty="0" smtClean="0"/>
+              <a:t>Access</a:t>
+            </a:r>
+          </a:p>
+          <a:p>
+            <a:r>
+              <a:rPr lang="en-US" dirty="0" smtClean="0"/>
+              <a:t>Oracle</a:t>
+            </a:r>
+          </a:p>
+          <a:p>
+            <a:pPr lvl="1"/>
+            <a:r>
+              <a:rPr lang="en-US" dirty="0" smtClean="0"/>
+              <a:t>Oracle</a:t>
+            </a:r>
+          </a:p>
+          <a:p>
+            <a:pPr lvl="1"/>
+            <a:r>
+              <a:rPr lang="en-US" dirty="0" smtClean="0"/>
+              <a:t>MySQL</a:t>
+            </a:r>
+          </a:p>
+        </p:txBody>
+      </p:sp>
+    </p:spTree>
+    <p:extLst>
+      <p:ext uri="{BB962C8B-B14F-4D97-AF65-F5344CB8AC3E}">
+        <p14:creationId xmlns:p14="http://schemas.microsoft.com/office/powerpoint/2010/main" val="3418372022"/>
+      </p:ext>
+    </p:extLst>
+  </p:cSld>
+  <p:clrMapOvr>
+    <a:masterClrMapping/>
+  </p:clrMapOvr>
+</p:sld>
+</file>
+
+<file path=ppt/slides/slide7.xml><?xml version="1.0" encoding="utf-8"?>
+<p:sld xmlns:a="http://schemas.openxmlformats.org/drawingml/2006/main" xmlns:r="http://schemas.openxmlformats.org/officeDocument/2006/relationships" xmlns:p="http://schemas.openxmlformats.org/presentationml/2006/main">
+  <p:cSld>
+    <p:spTree>
+      <p:nvGrpSpPr>
+        <p:cNvPr id="1" name=""/>
+        <p:cNvGrpSpPr/>
+        <p:nvPr/>
+      </p:nvGrpSpPr>
+      <p:grpSpPr>
+        <a:xfrm>
+          <a:off x="0" y="0"/>
+          <a:ext cx="0" cy="0"/>
+          <a:chOff x="0" y="0"/>
+          <a:chExt cx="0" cy="0"/>
+        </a:xfrm>
+      </p:grpSpPr>
+      <p:sp>
+        <p:nvSpPr>
+          <p:cNvPr id="2" name="Title 1"/>
+          <p:cNvSpPr>
+            <a:spLocks noGrp="1"/>
+          </p:cNvSpPr>
+          <p:nvPr>
+            <p:ph type="title"/>
+          </p:nvPr>
+        </p:nvSpPr>
+        <p:spPr/>
+        <p:txBody>
+          <a:bodyPr/>
+          <a:lstStyle/>
+          <a:p>
+            <a:r>
               <a:rPr lang="en-US" dirty="0" smtClean="0"/>
               <a:t>SQL Server</a:t>
             </a:r>
@@ -8864,7 +9132,7 @@
 </p:sld>
 </file>
 
-<file path=ppt/slides/slide7.xml><?xml version="1.0" encoding="utf-8"?>
+<file path=ppt/slides/slide8.xml><?xml version="1.0" encoding="utf-8"?>
 <p:sld xmlns:a="http://schemas.openxmlformats.org/drawingml/2006/main" xmlns:r="http://schemas.openxmlformats.org/officeDocument/2006/relationships" xmlns:p="http://schemas.openxmlformats.org/presentationml/2006/main" show="0">
   <p:cSld>
     <p:spTree>
@@ -8971,7 +9239,7 @@
 </p:sld>
 </file>
 
-<file path=ppt/slides/slide8.xml><?xml version="1.0" encoding="utf-8"?>
+<file path=ppt/slides/slide9.xml><?xml version="1.0" encoding="utf-8"?>
 <p:sld xmlns:a="http://schemas.openxmlformats.org/drawingml/2006/main" xmlns:r="http://schemas.openxmlformats.org/officeDocument/2006/relationships" xmlns:p="http://schemas.openxmlformats.org/presentationml/2006/main">
   <p:cSld>
     <p:spTree>
@@ -9112,78 +9380,6 @@
     <p:extLst>
       <p:ext uri="{BB962C8B-B14F-4D97-AF65-F5344CB8AC3E}">
         <p14:creationId xmlns:p14="http://schemas.microsoft.com/office/powerpoint/2010/main" val="796670954"/>
-      </p:ext>
-    </p:extLst>
-  </p:cSld>
-  <p:clrMapOvr>
-    <a:masterClrMapping/>
-  </p:clrMapOvr>
-</p:sld>
-</file>
-
-<file path=ppt/slides/slide9.xml><?xml version="1.0" encoding="utf-8"?>
-<p:sld xmlns:a="http://schemas.openxmlformats.org/drawingml/2006/main" xmlns:r="http://schemas.openxmlformats.org/officeDocument/2006/relationships" xmlns:p="http://schemas.openxmlformats.org/presentationml/2006/main">
-  <p:cSld>
-    <p:spTree>
-      <p:nvGrpSpPr>
-        <p:cNvPr id="1" name=""/>
-        <p:cNvGrpSpPr/>
-        <p:nvPr/>
-      </p:nvGrpSpPr>
-      <p:grpSpPr>
-        <a:xfrm>
-          <a:off x="0" y="0"/>
-          <a:ext cx="0" cy="0"/>
-          <a:chOff x="0" y="0"/>
-          <a:chExt cx="0" cy="0"/>
-        </a:xfrm>
-      </p:grpSpPr>
-      <p:sp>
-        <p:nvSpPr>
-          <p:cNvPr id="2" name="Title 1"/>
-          <p:cNvSpPr>
-            <a:spLocks noGrp="1"/>
-          </p:cNvSpPr>
-          <p:nvPr>
-            <p:ph type="title"/>
-          </p:nvPr>
-        </p:nvSpPr>
-        <p:spPr/>
-        <p:txBody>
-          <a:bodyPr/>
-          <a:lstStyle/>
-          <a:p>
-            <a:r>
-              <a:rPr lang="ru-RU" dirty="0" smtClean="0"/>
-              <a:t>Понятие нормализации</a:t>
-            </a:r>
-            <a:endParaRPr lang="en-US" dirty="0"/>
-          </a:p>
-        </p:txBody>
-      </p:sp>
-      <p:sp>
-        <p:nvSpPr>
-          <p:cNvPr id="3" name="Content Placeholder 2"/>
-          <p:cNvSpPr>
-            <a:spLocks noGrp="1"/>
-          </p:cNvSpPr>
-          <p:nvPr>
-            <p:ph idx="1"/>
-          </p:nvPr>
-        </p:nvSpPr>
-        <p:spPr/>
-        <p:txBody>
-          <a:bodyPr/>
-          <a:lstStyle/>
-          <a:p>
-            <a:endParaRPr lang="en-US" dirty="0"/>
-          </a:p>
-        </p:txBody>
-      </p:sp>
-    </p:spTree>
-    <p:extLst>
-      <p:ext uri="{BB962C8B-B14F-4D97-AF65-F5344CB8AC3E}">
-        <p14:creationId xmlns:p14="http://schemas.microsoft.com/office/powerpoint/2010/main" val="2031119416"/>
       </p:ext>
     </p:extLst>
   </p:cSld>

--- a/Presentation/lesson-09-sql.pptx
+++ b/Presentation/lesson-09-sql.pptx
@@ -218,7 +218,7 @@
           <a:p>
             <a:fld id="{B24A7054-7FFB-49F4-A126-5DF6E687FF53}" type="datetimeFigureOut">
               <a:rPr lang="ru-RU" smtClean="0"/>
-              <a:t>17.09.2013</a:t>
+              <a:t>22.10.2013</a:t>
             </a:fld>
             <a:endParaRPr lang="ru-RU"/>
           </a:p>
@@ -1500,7 +1500,7 @@
           <a:p>
             <a:fld id="{8E6E6A2A-E9D3-4A0D-B04A-ABDD367A1E08}" type="datetimeFigureOut">
               <a:rPr lang="ru-RU" smtClean="0"/>
-              <a:t>17.09.2013</a:t>
+              <a:t>22.10.2013</a:t>
             </a:fld>
             <a:endParaRPr lang="ru-RU"/>
           </a:p>
@@ -2945,7 +2945,7 @@
           <a:p>
             <a:fld id="{AC3D3127-B7C4-45E3-9797-C527EC9FDD78}" type="datetimeFigureOut">
               <a:rPr lang="ru-RU" smtClean="0"/>
-              <a:t>17.09.2013</a:t>
+              <a:t>22.10.2013</a:t>
             </a:fld>
             <a:endParaRPr lang="ru-RU"/>
           </a:p>
@@ -6928,8 +6928,12 @@
           <a:p>
             <a:pPr algn="ctr"/>
             <a:r>
-              <a:rPr lang="be-BY" sz="2400" b="1"/>
-              <a:t>Многотаблычные запросы.</a:t>
+              <a:rPr lang="be-BY" sz="2400" b="1" dirty="0" smtClean="0"/>
+              <a:t>Многотабличные </a:t>
+            </a:r>
+            <a:r>
+              <a:rPr lang="be-BY" sz="2400" b="1" dirty="0"/>
+              <a:t>запросы.</a:t>
             </a:r>
           </a:p>
         </p:txBody>
@@ -7851,16 +7855,56 @@
             <p:ph idx="1"/>
           </p:nvPr>
         </p:nvSpPr>
-        <p:spPr/>
+        <p:spPr>
+          <a:xfrm>
+            <a:off x="457200" y="1600200"/>
+            <a:ext cx="8229600" cy="3773015"/>
+          </a:xfrm>
+        </p:spPr>
         <p:txBody>
           <a:bodyPr/>
           <a:lstStyle/>
           <a:p>
+            <a:pPr marL="0" indent="0">
+              <a:buNone/>
+            </a:pPr>
+            <a:r>
+              <a:rPr lang="ru-RU" dirty="0" smtClean="0"/>
+              <a:t>Хранимая процедура это функция на языке </a:t>
+            </a:r>
             <a:r>
               <a:rPr lang="en-US" dirty="0" smtClean="0"/>
-              <a:t>CREATE PROC</a:t>
-            </a:r>
-            <a:endParaRPr lang="en-US" dirty="0"/>
+              <a:t>SQL. </a:t>
+            </a:r>
+            <a:r>
+              <a:rPr lang="ru-RU" dirty="0" smtClean="0"/>
+              <a:t>У процедуры могут быть параметры. Для создания процедуры используется команда </a:t>
+            </a:r>
+            <a:r>
+              <a:rPr lang="en-US" dirty="0" smtClean="0"/>
+              <a:t>CREATE PROC, </a:t>
+            </a:r>
+            <a:r>
+              <a:rPr lang="ru-RU" dirty="0" smtClean="0"/>
+              <a:t>для изменения </a:t>
+            </a:r>
+            <a:r>
+              <a:rPr lang="en-US" dirty="0" smtClean="0"/>
+              <a:t>ALTER PROC </a:t>
+            </a:r>
+            <a:r>
+              <a:rPr lang="ru-RU" dirty="0" smtClean="0"/>
+              <a:t>и </a:t>
+            </a:r>
+            <a:r>
+              <a:rPr lang="en-US" dirty="0" smtClean="0"/>
+              <a:t>DROP PROC </a:t>
+            </a:r>
+            <a:r>
+              <a:rPr lang="ru-RU" dirty="0" smtClean="0"/>
+              <a:t>для удаления.</a:t>
+            </a:r>
+            <a:endParaRPr lang="en-US" dirty="0" smtClean="0"/>
           </a:p>
         </p:txBody>
       </p:sp>

--- a/Presentation/lesson-09-sql.pptx
+++ b/Presentation/lesson-09-sql.pptx
@@ -5,7 +5,7 @@
     <p:sldMasterId id="2147483648" r:id="rId1"/>
   </p:sldMasterIdLst>
   <p:notesMasterIdLst>
-    <p:notesMasterId r:id="rId29"/>
+    <p:notesMasterId r:id="rId31"/>
   </p:notesMasterIdLst>
   <p:sldIdLst>
     <p:sldId id="256" r:id="rId2"/>
@@ -23,18 +23,20 @@
     <p:sldId id="277" r:id="rId14"/>
     <p:sldId id="281" r:id="rId15"/>
     <p:sldId id="282" r:id="rId16"/>
-    <p:sldId id="260" r:id="rId17"/>
-    <p:sldId id="261" r:id="rId18"/>
-    <p:sldId id="262" r:id="rId19"/>
-    <p:sldId id="263" r:id="rId20"/>
-    <p:sldId id="264" r:id="rId21"/>
-    <p:sldId id="265" r:id="rId22"/>
-    <p:sldId id="266" r:id="rId23"/>
-    <p:sldId id="267" r:id="rId24"/>
-    <p:sldId id="271" r:id="rId25"/>
-    <p:sldId id="280" r:id="rId26"/>
-    <p:sldId id="272" r:id="rId27"/>
-    <p:sldId id="273" r:id="rId28"/>
+    <p:sldId id="285" r:id="rId17"/>
+    <p:sldId id="260" r:id="rId18"/>
+    <p:sldId id="261" r:id="rId19"/>
+    <p:sldId id="262" r:id="rId20"/>
+    <p:sldId id="263" r:id="rId21"/>
+    <p:sldId id="264" r:id="rId22"/>
+    <p:sldId id="265" r:id="rId23"/>
+    <p:sldId id="266" r:id="rId24"/>
+    <p:sldId id="286" r:id="rId25"/>
+    <p:sldId id="267" r:id="rId26"/>
+    <p:sldId id="271" r:id="rId27"/>
+    <p:sldId id="280" r:id="rId28"/>
+    <p:sldId id="272" r:id="rId29"/>
+    <p:sldId id="273" r:id="rId30"/>
   </p:sldIdLst>
   <p:sldSz cx="9144000" cy="6858000" type="screen4x3"/>
   <p:notesSz cx="6858000" cy="9144000"/>
@@ -218,7 +220,7 @@
           <a:p>
             <a:fld id="{B24A7054-7FFB-49F4-A126-5DF6E687FF53}" type="datetimeFigureOut">
               <a:rPr lang="ru-RU" smtClean="0"/>
-              <a:t>22.10.2013</a:t>
+              <a:t>22.11.2013</a:t>
             </a:fld>
             <a:endParaRPr lang="ru-RU"/>
           </a:p>
@@ -1500,7 +1502,7 @@
           <a:p>
             <a:fld id="{8E6E6A2A-E9D3-4A0D-B04A-ABDD367A1E08}" type="datetimeFigureOut">
               <a:rPr lang="ru-RU" smtClean="0"/>
-              <a:t>22.10.2013</a:t>
+              <a:t>22.11.2013</a:t>
             </a:fld>
             <a:endParaRPr lang="ru-RU"/>
           </a:p>
@@ -2945,7 +2947,7 @@
           <a:p>
             <a:fld id="{AC3D3127-B7C4-45E3-9797-C527EC9FDD78}" type="datetimeFigureOut">
               <a:rPr lang="ru-RU" smtClean="0"/>
-              <a:t>22.10.2013</a:t>
+              <a:t>22.11.2013</a:t>
             </a:fld>
             <a:endParaRPr lang="ru-RU"/>
           </a:p>
@@ -4220,6 +4222,10 @@
               <a:t>Двоичные: </a:t>
             </a:r>
             <a:r>
+              <a:rPr lang="en-US" dirty="0" smtClean="0"/>
+              <a:t>binary, </a:t>
+            </a:r>
+            <a:r>
               <a:rPr lang="en-US" dirty="0" err="1" smtClean="0"/>
               <a:t>varbinary</a:t>
             </a:r>
@@ -4279,10 +4285,295 @@
   <p:clrMapOvr>
     <a:masterClrMapping/>
   </p:clrMapOvr>
+  <p:timing>
+    <p:tnLst>
+      <p:par>
+        <p:cTn id="1" dur="indefinite" restart="never" nodeType="tmRoot"/>
+      </p:par>
+    </p:tnLst>
+  </p:timing>
 </p:sld>
 </file>
 
 <file path=ppt/slides/slide16.xml><?xml version="1.0" encoding="utf-8"?>
+<p:sld xmlns:a="http://schemas.openxmlformats.org/drawingml/2006/main" xmlns:r="http://schemas.openxmlformats.org/officeDocument/2006/relationships" xmlns:p="http://schemas.openxmlformats.org/presentationml/2006/main">
+  <p:cSld>
+    <p:spTree>
+      <p:nvGrpSpPr>
+        <p:cNvPr id="1" name=""/>
+        <p:cNvGrpSpPr/>
+        <p:nvPr/>
+      </p:nvGrpSpPr>
+      <p:grpSpPr>
+        <a:xfrm>
+          <a:off x="0" y="0"/>
+          <a:ext cx="0" cy="0"/>
+          <a:chOff x="0" y="0"/>
+          <a:chExt cx="0" cy="0"/>
+        </a:xfrm>
+      </p:grpSpPr>
+      <p:sp>
+        <p:nvSpPr>
+          <p:cNvPr id="2" name="Title 1"/>
+          <p:cNvSpPr>
+            <a:spLocks noGrp="1"/>
+          </p:cNvSpPr>
+          <p:nvPr>
+            <p:ph type="title"/>
+          </p:nvPr>
+        </p:nvSpPr>
+        <p:spPr/>
+        <p:txBody>
+          <a:bodyPr/>
+          <a:lstStyle/>
+          <a:p>
+            <a:r>
+              <a:rPr lang="ru-RU" dirty="0" smtClean="0"/>
+              <a:t>Строковые типы данных</a:t>
+            </a:r>
+            <a:endParaRPr lang="en-US" dirty="0"/>
+          </a:p>
+        </p:txBody>
+      </p:sp>
+      <p:sp>
+        <p:nvSpPr>
+          <p:cNvPr id="6" name="Content Placeholder 5"/>
+          <p:cNvSpPr>
+            <a:spLocks noGrp="1"/>
+          </p:cNvSpPr>
+          <p:nvPr>
+            <p:ph idx="1"/>
+          </p:nvPr>
+        </p:nvSpPr>
+        <p:spPr/>
+        <p:txBody>
+          <a:bodyPr>
+            <a:normAutofit fontScale="77500" lnSpcReduction="20000"/>
+          </a:bodyPr>
+          <a:lstStyle/>
+          <a:p>
+            <a:r>
+              <a:rPr lang="ru-RU" dirty="0" smtClean="0"/>
+              <a:t>Строки</a:t>
+            </a:r>
+          </a:p>
+          <a:p>
+            <a:pPr lvl="1">
+              <a:buFont typeface="Wingdings" panose="05000000000000000000" pitchFamily="2" charset="2"/>
+              <a:buChar char="§"/>
+            </a:pPr>
+            <a:r>
+              <a:rPr lang="en-US" dirty="0" smtClean="0"/>
+              <a:t>char(n) </a:t>
+            </a:r>
+            <a:r>
+              <a:rPr lang="ru-RU" dirty="0" smtClean="0"/>
+              <a:t>- фиксированная длина, дополняется пробелами справа. Не больше чем 8000 символов.</a:t>
+            </a:r>
+            <a:endParaRPr lang="en-US" dirty="0" smtClean="0"/>
+          </a:p>
+          <a:p>
+            <a:pPr lvl="1">
+              <a:buFont typeface="Wingdings" panose="05000000000000000000" pitchFamily="2" charset="2"/>
+              <a:buChar char="§"/>
+            </a:pPr>
+            <a:r>
+              <a:rPr lang="en-US" dirty="0" err="1" smtClean="0"/>
+              <a:t>varchar</a:t>
+            </a:r>
+            <a:r>
+              <a:rPr lang="en-US" dirty="0" smtClean="0"/>
+              <a:t>(n)</a:t>
+            </a:r>
+            <a:r>
+              <a:rPr lang="ru-RU" dirty="0" smtClean="0"/>
+              <a:t> – переменная длина. </a:t>
+            </a:r>
+            <a:r>
+              <a:rPr lang="ru-RU" dirty="0"/>
+              <a:t>Не больше чем </a:t>
+            </a:r>
+            <a:r>
+              <a:rPr lang="ru-RU" dirty="0" smtClean="0"/>
+              <a:t>8000</a:t>
+            </a:r>
+            <a:r>
+              <a:rPr lang="ru-RU" dirty="0"/>
+              <a:t> символов</a:t>
+            </a:r>
+            <a:r>
+              <a:rPr lang="ru-RU" dirty="0" smtClean="0"/>
+              <a:t>.</a:t>
+            </a:r>
+          </a:p>
+          <a:p>
+            <a:pPr lvl="1">
+              <a:buFont typeface="Wingdings" panose="05000000000000000000" pitchFamily="2" charset="2"/>
+              <a:buChar char="§"/>
+            </a:pPr>
+            <a:r>
+              <a:rPr lang="en-US" dirty="0" err="1" smtClean="0"/>
+              <a:t>varchar</a:t>
+            </a:r>
+            <a:r>
+              <a:rPr lang="en-US" dirty="0" smtClean="0"/>
+              <a:t>(max) </a:t>
+            </a:r>
+            <a:r>
+              <a:rPr lang="ru-RU" dirty="0" smtClean="0"/>
+              <a:t>или </a:t>
+            </a:r>
+            <a:r>
+              <a:rPr lang="en-US" dirty="0" smtClean="0"/>
+              <a:t>text</a:t>
+            </a:r>
+            <a:r>
+              <a:rPr lang="ru-RU" dirty="0" smtClean="0"/>
+              <a:t> – переменная длина. До 2</a:t>
+            </a:r>
+            <a:r>
+              <a:rPr lang="en-US" dirty="0" smtClean="0"/>
+              <a:t>^3</a:t>
+            </a:r>
+            <a:r>
+              <a:rPr lang="ru-RU" dirty="0" smtClean="0"/>
+              <a:t>1</a:t>
+            </a:r>
+            <a:r>
+              <a:rPr lang="en-US" dirty="0" smtClean="0"/>
+              <a:t>-1</a:t>
+            </a:r>
+            <a:r>
+              <a:rPr lang="ru-RU" dirty="0"/>
+              <a:t> символов</a:t>
+            </a:r>
+            <a:r>
+              <a:rPr lang="ru-RU" dirty="0" smtClean="0"/>
+              <a:t>.</a:t>
+            </a:r>
+            <a:endParaRPr lang="en-US" dirty="0" smtClean="0"/>
+          </a:p>
+          <a:p>
+            <a:r>
+              <a:rPr lang="ru-RU" dirty="0" smtClean="0"/>
+              <a:t>Юникод строки</a:t>
+            </a:r>
+          </a:p>
+          <a:p>
+            <a:pPr lvl="1"/>
+            <a:r>
+              <a:rPr lang="en-US" dirty="0" err="1" smtClean="0"/>
+              <a:t>nchar</a:t>
+            </a:r>
+            <a:r>
+              <a:rPr lang="en-US" dirty="0" smtClean="0"/>
+              <a:t>(n)</a:t>
+            </a:r>
+            <a:r>
+              <a:rPr lang="en-US" dirty="0"/>
+              <a:t> </a:t>
+            </a:r>
+            <a:r>
+              <a:rPr lang="ru-RU" dirty="0"/>
+              <a:t>- фиксированная длина, дополняется пробелами справа. Не больше чем </a:t>
+            </a:r>
+            <a:r>
+              <a:rPr lang="ru-RU" dirty="0" smtClean="0"/>
+              <a:t>4000 символов.</a:t>
+            </a:r>
+            <a:endParaRPr lang="en-US" dirty="0" smtClean="0"/>
+          </a:p>
+          <a:p>
+            <a:pPr lvl="1"/>
+            <a:r>
+              <a:rPr lang="en-US" dirty="0" err="1" smtClean="0"/>
+              <a:t>nvarchar</a:t>
+            </a:r>
+            <a:r>
+              <a:rPr lang="en-US" dirty="0" smtClean="0"/>
+              <a:t>(n)</a:t>
+            </a:r>
+            <a:r>
+              <a:rPr lang="ru-RU" dirty="0" smtClean="0"/>
+              <a:t> - </a:t>
+            </a:r>
+            <a:r>
+              <a:rPr lang="ru-RU" dirty="0"/>
+              <a:t>переменная длина. </a:t>
+            </a:r>
+            <a:r>
+              <a:rPr lang="ru-RU" dirty="0" smtClean="0"/>
+              <a:t>Не больше чем 4000 символов.</a:t>
+            </a:r>
+            <a:endParaRPr lang="en-US" dirty="0" smtClean="0"/>
+          </a:p>
+          <a:p>
+            <a:pPr lvl="1"/>
+            <a:r>
+              <a:rPr lang="en-US" dirty="0" err="1" smtClean="0"/>
+              <a:t>nvarchar</a:t>
+            </a:r>
+            <a:r>
+              <a:rPr lang="en-US" dirty="0" smtClean="0"/>
+              <a:t>(max) </a:t>
+            </a:r>
+            <a:r>
+              <a:rPr lang="ru-RU" dirty="0" smtClean="0"/>
+              <a:t>или </a:t>
+            </a:r>
+            <a:r>
+              <a:rPr lang="en-US" dirty="0" err="1" smtClean="0"/>
+              <a:t>ntext</a:t>
+            </a:r>
+            <a:r>
+              <a:rPr lang="ru-RU" dirty="0" smtClean="0"/>
+              <a:t> - </a:t>
+            </a:r>
+            <a:r>
+              <a:rPr lang="ru-RU" dirty="0"/>
+              <a:t>переменная длина. До 2</a:t>
+            </a:r>
+            <a:r>
+              <a:rPr lang="en-US" dirty="0" smtClean="0"/>
+              <a:t>^3</a:t>
+            </a:r>
+            <a:r>
+              <a:rPr lang="ru-RU" dirty="0" smtClean="0"/>
+              <a:t>0</a:t>
+            </a:r>
+            <a:r>
+              <a:rPr lang="en-US" dirty="0" smtClean="0"/>
+              <a:t>-1 </a:t>
+            </a:r>
+            <a:r>
+              <a:rPr lang="ru-RU" dirty="0" smtClean="0"/>
+              <a:t>символов.</a:t>
+            </a:r>
+            <a:endParaRPr lang="en-US" dirty="0"/>
+          </a:p>
+        </p:txBody>
+      </p:sp>
+    </p:spTree>
+    <p:extLst>
+      <p:ext uri="{BB962C8B-B14F-4D97-AF65-F5344CB8AC3E}">
+        <p14:creationId xmlns:p14="http://schemas.microsoft.com/office/powerpoint/2010/main" val="459178806"/>
+      </p:ext>
+    </p:extLst>
+  </p:cSld>
+  <p:clrMapOvr>
+    <a:masterClrMapping/>
+  </p:clrMapOvr>
+  <p:timing>
+    <p:tnLst>
+      <p:par>
+        <p:cTn id="1" dur="indefinite" restart="never" nodeType="tmRoot"/>
+      </p:par>
+    </p:tnLst>
+  </p:timing>
+</p:sld>
+</file>
+
+<file path=ppt/slides/slide17.xml><?xml version="1.0" encoding="utf-8"?>
 <p:sld xmlns:a="http://schemas.openxmlformats.org/drawingml/2006/main" xmlns:r="http://schemas.openxmlformats.org/officeDocument/2006/relationships" xmlns:p="http://schemas.openxmlformats.org/presentationml/2006/main">
   <p:cSld>
     <p:spTree>
@@ -4745,7 +5036,7 @@
 </p:sld>
 </file>
 
-<file path=ppt/slides/slide17.xml><?xml version="1.0" encoding="utf-8"?>
+<file path=ppt/slides/slide18.xml><?xml version="1.0" encoding="utf-8"?>
 <p:sld xmlns:a="http://schemas.openxmlformats.org/drawingml/2006/main" xmlns:r="http://schemas.openxmlformats.org/officeDocument/2006/relationships" xmlns:p="http://schemas.openxmlformats.org/presentationml/2006/main">
   <p:cSld>
     <p:spTree>
@@ -5413,7 +5704,7 @@
 </p:sld>
 </file>
 
-<file path=ppt/slides/slide18.xml><?xml version="1.0" encoding="utf-8"?>
+<file path=ppt/slides/slide19.xml><?xml version="1.0" encoding="utf-8"?>
 <p:sld xmlns:a="http://schemas.openxmlformats.org/drawingml/2006/main" xmlns:r="http://schemas.openxmlformats.org/officeDocument/2006/relationships" xmlns:p="http://schemas.openxmlformats.org/presentationml/2006/main">
   <p:cSld>
     <p:spTree>
@@ -5775,307 +6066,6 @@
     <p:extLst>
       <p:ext uri="{BB962C8B-B14F-4D97-AF65-F5344CB8AC3E}">
         <p14:creationId xmlns:p14="http://schemas.microsoft.com/office/powerpoint/2010/main" val="2150446948"/>
-      </p:ext>
-    </p:extLst>
-  </p:cSld>
-  <p:clrMapOvr>
-    <a:masterClrMapping/>
-  </p:clrMapOvr>
-  <p:timing>
-    <p:tnLst>
-      <p:par>
-        <p:cTn id="1" dur="indefinite" restart="never" nodeType="tmRoot"/>
-      </p:par>
-    </p:tnLst>
-  </p:timing>
-</p:sld>
-</file>
-
-<file path=ppt/slides/slide19.xml><?xml version="1.0" encoding="utf-8"?>
-<p:sld xmlns:a="http://schemas.openxmlformats.org/drawingml/2006/main" xmlns:r="http://schemas.openxmlformats.org/officeDocument/2006/relationships" xmlns:p="http://schemas.openxmlformats.org/presentationml/2006/main">
-  <p:cSld>
-    <p:spTree>
-      <p:nvGrpSpPr>
-        <p:cNvPr id="1" name=""/>
-        <p:cNvGrpSpPr/>
-        <p:nvPr/>
-      </p:nvGrpSpPr>
-      <p:grpSpPr>
-        <a:xfrm>
-          <a:off x="0" y="0"/>
-          <a:ext cx="0" cy="0"/>
-          <a:chOff x="0" y="0"/>
-          <a:chExt cx="0" cy="0"/>
-        </a:xfrm>
-      </p:grpSpPr>
-      <p:sp>
-        <p:nvSpPr>
-          <p:cNvPr id="8194" name="Прямоугольник 2"/>
-          <p:cNvSpPr>
-            <a:spLocks noChangeArrowheads="1"/>
-          </p:cNvSpPr>
-          <p:nvPr/>
-        </p:nvSpPr>
-        <p:spPr bwMode="auto">
-          <a:xfrm>
-            <a:off x="152400" y="0"/>
-            <a:ext cx="8839200" cy="461963"/>
-          </a:xfrm>
-          <a:prstGeom prst="rect">
-            <a:avLst/>
-          </a:prstGeom>
-          <a:noFill/>
-          <a:ln>
-            <a:noFill/>
-          </a:ln>
-          <a:extLst>
-            <a:ext uri="{909E8E84-426E-40DD-AFC4-6F175D3DCCD1}">
-              <a14:hiddenFill xmlns:a14="http://schemas.microsoft.com/office/drawing/2010/main">
-                <a:solidFill>
-                  <a:srgbClr val="FFFFFF"/>
-                </a:solidFill>
-              </a14:hiddenFill>
-            </a:ext>
-            <a:ext uri="{91240B29-F687-4F45-9708-019B960494DF}">
-              <a14:hiddenLine xmlns:a14="http://schemas.microsoft.com/office/drawing/2010/main" w="9525">
-                <a:solidFill>
-                  <a:srgbClr val="000000"/>
-                </a:solidFill>
-                <a:miter lim="800000"/>
-                <a:headEnd/>
-                <a:tailEnd/>
-              </a14:hiddenLine>
-            </a:ext>
-          </a:extLst>
-        </p:spPr>
-        <p:txBody>
-          <a:bodyPr>
-            <a:spAutoFit/>
-          </a:bodyPr>
-          <a:lstStyle/>
-          <a:p>
-            <a:pPr algn="ctr"/>
-            <a:r>
-              <a:rPr lang="en-US" sz="2400" b="1"/>
-              <a:t>SELECT.</a:t>
-            </a:r>
-            <a:endParaRPr lang="be-BY" sz="2400" b="1"/>
-          </a:p>
-        </p:txBody>
-      </p:sp>
-      <p:sp>
-        <p:nvSpPr>
-          <p:cNvPr id="8195" name="Прямоугольник 6"/>
-          <p:cNvSpPr>
-            <a:spLocks noChangeArrowheads="1"/>
-          </p:cNvSpPr>
-          <p:nvPr/>
-        </p:nvSpPr>
-        <p:spPr bwMode="auto">
-          <a:xfrm>
-            <a:off x="152400" y="457200"/>
-            <a:ext cx="8839200" cy="1323975"/>
-          </a:xfrm>
-          <a:prstGeom prst="rect">
-            <a:avLst/>
-          </a:prstGeom>
-          <a:noFill/>
-          <a:ln w="9525">
-            <a:solidFill>
-              <a:srgbClr val="FF0000"/>
-            </a:solidFill>
-            <a:miter lim="800000"/>
-            <a:headEnd/>
-            <a:tailEnd/>
-          </a:ln>
-          <a:extLst>
-            <a:ext uri="{909E8E84-426E-40DD-AFC4-6F175D3DCCD1}">
-              <a14:hiddenFill xmlns:a14="http://schemas.microsoft.com/office/drawing/2010/main">
-                <a:solidFill>
-                  <a:srgbClr val="FFFFFF"/>
-                </a:solidFill>
-              </a14:hiddenFill>
-            </a:ext>
-          </a:extLst>
-        </p:spPr>
-        <p:txBody>
-          <a:bodyPr>
-            <a:spAutoFit/>
-          </a:bodyPr>
-          <a:lstStyle/>
-          <a:p>
-            <a:r>
-              <a:rPr lang="en-US" sz="1600">
-                <a:latin typeface="Courier New" pitchFamily="49" charset="0"/>
-                <a:cs typeface="Courier New" pitchFamily="49" charset="0"/>
-              </a:rPr>
-              <a:t>SELECT [DISTINCT | ALL]{* | [column [AS new_column_name]] [, …]}</a:t>
-            </a:r>
-          </a:p>
-          <a:p>
-            <a:r>
-              <a:rPr lang="en-US" sz="1600">
-                <a:latin typeface="Courier New" pitchFamily="49" charset="0"/>
-                <a:cs typeface="Courier New" pitchFamily="49" charset="0"/>
-              </a:rPr>
-              <a:t>FROM table [alias] [,…]</a:t>
-            </a:r>
-          </a:p>
-          <a:p>
-            <a:r>
-              <a:rPr lang="en-US" sz="1600">
-                <a:latin typeface="Courier New" pitchFamily="49" charset="0"/>
-                <a:cs typeface="Courier New" pitchFamily="49" charset="0"/>
-              </a:rPr>
-              <a:t>[WHERE condition]</a:t>
-            </a:r>
-          </a:p>
-          <a:p>
-            <a:r>
-              <a:rPr lang="en-US" sz="1600">
-                <a:latin typeface="Courier New" pitchFamily="49" charset="0"/>
-                <a:cs typeface="Courier New" pitchFamily="49" charset="0"/>
-              </a:rPr>
-              <a:t>[GROUP BY list [HAVING condition]]</a:t>
-            </a:r>
-          </a:p>
-          <a:p>
-            <a:r>
-              <a:rPr lang="en-US" sz="1600">
-                <a:latin typeface="Courier New" pitchFamily="49" charset="0"/>
-                <a:cs typeface="Courier New" pitchFamily="49" charset="0"/>
-              </a:rPr>
-              <a:t>[ORDER BY list]</a:t>
-            </a:r>
-            <a:endParaRPr lang="be-BY" sz="1600">
-              <a:latin typeface="Courier New" pitchFamily="49" charset="0"/>
-              <a:cs typeface="Courier New" pitchFamily="49" charset="0"/>
-            </a:endParaRPr>
-          </a:p>
-        </p:txBody>
-      </p:sp>
-      <p:sp>
-        <p:nvSpPr>
-          <p:cNvPr id="8196" name="Прямоугольник 7"/>
-          <p:cNvSpPr>
-            <a:spLocks noChangeArrowheads="1"/>
-          </p:cNvSpPr>
-          <p:nvPr/>
-        </p:nvSpPr>
-        <p:spPr bwMode="auto">
-          <a:xfrm>
-            <a:off x="152400" y="1905000"/>
-            <a:ext cx="8839200" cy="2308225"/>
-          </a:xfrm>
-          <a:prstGeom prst="rect">
-            <a:avLst/>
-          </a:prstGeom>
-          <a:noFill/>
-          <a:ln>
-            <a:noFill/>
-          </a:ln>
-          <a:extLst>
-            <a:ext uri="{909E8E84-426E-40DD-AFC4-6F175D3DCCD1}">
-              <a14:hiddenFill xmlns:a14="http://schemas.microsoft.com/office/drawing/2010/main">
-                <a:solidFill>
-                  <a:srgbClr val="FFFFFF"/>
-                </a:solidFill>
-              </a14:hiddenFill>
-            </a:ext>
-            <a:ext uri="{91240B29-F687-4F45-9708-019B960494DF}">
-              <a14:hiddenLine xmlns:a14="http://schemas.microsoft.com/office/drawing/2010/main" w="9525">
-                <a:solidFill>
-                  <a:srgbClr val="000000"/>
-                </a:solidFill>
-                <a:miter lim="800000"/>
-                <a:headEnd/>
-                <a:tailEnd/>
-              </a14:hiddenLine>
-            </a:ext>
-          </a:extLst>
-        </p:spPr>
-        <p:txBody>
-          <a:bodyPr>
-            <a:spAutoFit/>
-          </a:bodyPr>
-          <a:lstStyle/>
-          <a:p>
-            <a:pPr lvl="2"/>
-            <a:r>
-              <a:rPr lang="be-BY" sz="1600"/>
-              <a:t>Здесь использованы следующие обозначения:</a:t>
-            </a:r>
-          </a:p>
-          <a:p>
-            <a:pPr lvl="2"/>
-            <a:r>
-              <a:rPr lang="ru-RU" sz="1600"/>
-              <a:t>• column – имя столбца (или константа, или выражение);</a:t>
-            </a:r>
-          </a:p>
-          <a:p>
-            <a:pPr lvl="2"/>
-            <a:r>
-              <a:rPr lang="ru-RU" sz="1600"/>
-              <a:t>• DISTINCT - результат не будет содержать строк-дубликатов;</a:t>
-            </a:r>
-          </a:p>
-          <a:p>
-            <a:pPr lvl="2"/>
-            <a:r>
-              <a:rPr lang="ru-RU" sz="1600"/>
-              <a:t>• ALL - результат может содержать дублирующие строки (по умолчанию);</a:t>
-            </a:r>
-          </a:p>
-          <a:p>
-            <a:pPr lvl="2"/>
-            <a:r>
-              <a:rPr lang="be-BY" sz="1600"/>
-              <a:t>• * - все столбцы;</a:t>
-            </a:r>
-          </a:p>
-          <a:p>
-            <a:pPr lvl="2"/>
-            <a:r>
-              <a:rPr lang="en-US" sz="1600"/>
-              <a:t>• table - </a:t>
-            </a:r>
-            <a:r>
-              <a:rPr lang="be-BY" sz="1600"/>
-              <a:t>имя таблицы;</a:t>
-            </a:r>
-          </a:p>
-          <a:p>
-            <a:pPr lvl="2"/>
-            <a:r>
-              <a:rPr lang="ru-RU" sz="1600"/>
-              <a:t>• alias - сокращение для имени таблицы;</a:t>
-            </a:r>
-          </a:p>
-          <a:p>
-            <a:pPr lvl="2"/>
-            <a:r>
-              <a:rPr lang="ru-RU" sz="1600"/>
-              <a:t>• condition - условие фильтрации строк данных;</a:t>
-            </a:r>
-          </a:p>
-          <a:p>
-            <a:pPr lvl="2"/>
-            <a:r>
-              <a:rPr lang="en-US" sz="1600"/>
-              <a:t>• list - </a:t>
-            </a:r>
-            <a:r>
-              <a:rPr lang="be-BY" sz="1600"/>
-              <a:t>список столбцов;</a:t>
-            </a:r>
-          </a:p>
-        </p:txBody>
-      </p:sp>
-    </p:spTree>
-    <p:extLst>
-      <p:ext uri="{BB962C8B-B14F-4D97-AF65-F5344CB8AC3E}">
-        <p14:creationId xmlns:p14="http://schemas.microsoft.com/office/powerpoint/2010/main" val="3082503542"/>
       </p:ext>
     </p:extLst>
   </p:cSld>
@@ -6289,6 +6279,307 @@
       </p:grpSpPr>
       <p:sp>
         <p:nvSpPr>
+          <p:cNvPr id="8194" name="Прямоугольник 2"/>
+          <p:cNvSpPr>
+            <a:spLocks noChangeArrowheads="1"/>
+          </p:cNvSpPr>
+          <p:nvPr/>
+        </p:nvSpPr>
+        <p:spPr bwMode="auto">
+          <a:xfrm>
+            <a:off x="152400" y="0"/>
+            <a:ext cx="8839200" cy="461963"/>
+          </a:xfrm>
+          <a:prstGeom prst="rect">
+            <a:avLst/>
+          </a:prstGeom>
+          <a:noFill/>
+          <a:ln>
+            <a:noFill/>
+          </a:ln>
+          <a:extLst>
+            <a:ext uri="{909E8E84-426E-40DD-AFC4-6F175D3DCCD1}">
+              <a14:hiddenFill xmlns:a14="http://schemas.microsoft.com/office/drawing/2010/main">
+                <a:solidFill>
+                  <a:srgbClr val="FFFFFF"/>
+                </a:solidFill>
+              </a14:hiddenFill>
+            </a:ext>
+            <a:ext uri="{91240B29-F687-4F45-9708-019B960494DF}">
+              <a14:hiddenLine xmlns:a14="http://schemas.microsoft.com/office/drawing/2010/main" w="9525">
+                <a:solidFill>
+                  <a:srgbClr val="000000"/>
+                </a:solidFill>
+                <a:miter lim="800000"/>
+                <a:headEnd/>
+                <a:tailEnd/>
+              </a14:hiddenLine>
+            </a:ext>
+          </a:extLst>
+        </p:spPr>
+        <p:txBody>
+          <a:bodyPr>
+            <a:spAutoFit/>
+          </a:bodyPr>
+          <a:lstStyle/>
+          <a:p>
+            <a:pPr algn="ctr"/>
+            <a:r>
+              <a:rPr lang="en-US" sz="2400" b="1"/>
+              <a:t>SELECT.</a:t>
+            </a:r>
+            <a:endParaRPr lang="be-BY" sz="2400" b="1"/>
+          </a:p>
+        </p:txBody>
+      </p:sp>
+      <p:sp>
+        <p:nvSpPr>
+          <p:cNvPr id="8195" name="Прямоугольник 6"/>
+          <p:cNvSpPr>
+            <a:spLocks noChangeArrowheads="1"/>
+          </p:cNvSpPr>
+          <p:nvPr/>
+        </p:nvSpPr>
+        <p:spPr bwMode="auto">
+          <a:xfrm>
+            <a:off x="152400" y="457200"/>
+            <a:ext cx="8839200" cy="1323975"/>
+          </a:xfrm>
+          <a:prstGeom prst="rect">
+            <a:avLst/>
+          </a:prstGeom>
+          <a:noFill/>
+          <a:ln w="9525">
+            <a:solidFill>
+              <a:srgbClr val="FF0000"/>
+            </a:solidFill>
+            <a:miter lim="800000"/>
+            <a:headEnd/>
+            <a:tailEnd/>
+          </a:ln>
+          <a:extLst>
+            <a:ext uri="{909E8E84-426E-40DD-AFC4-6F175D3DCCD1}">
+              <a14:hiddenFill xmlns:a14="http://schemas.microsoft.com/office/drawing/2010/main">
+                <a:solidFill>
+                  <a:srgbClr val="FFFFFF"/>
+                </a:solidFill>
+              </a14:hiddenFill>
+            </a:ext>
+          </a:extLst>
+        </p:spPr>
+        <p:txBody>
+          <a:bodyPr>
+            <a:spAutoFit/>
+          </a:bodyPr>
+          <a:lstStyle/>
+          <a:p>
+            <a:r>
+              <a:rPr lang="en-US" sz="1600">
+                <a:latin typeface="Courier New" pitchFamily="49" charset="0"/>
+                <a:cs typeface="Courier New" pitchFamily="49" charset="0"/>
+              </a:rPr>
+              <a:t>SELECT [DISTINCT | ALL]{* | [column [AS new_column_name]] [, …]}</a:t>
+            </a:r>
+          </a:p>
+          <a:p>
+            <a:r>
+              <a:rPr lang="en-US" sz="1600">
+                <a:latin typeface="Courier New" pitchFamily="49" charset="0"/>
+                <a:cs typeface="Courier New" pitchFamily="49" charset="0"/>
+              </a:rPr>
+              <a:t>FROM table [alias] [,…]</a:t>
+            </a:r>
+          </a:p>
+          <a:p>
+            <a:r>
+              <a:rPr lang="en-US" sz="1600">
+                <a:latin typeface="Courier New" pitchFamily="49" charset="0"/>
+                <a:cs typeface="Courier New" pitchFamily="49" charset="0"/>
+              </a:rPr>
+              <a:t>[WHERE condition]</a:t>
+            </a:r>
+          </a:p>
+          <a:p>
+            <a:r>
+              <a:rPr lang="en-US" sz="1600">
+                <a:latin typeface="Courier New" pitchFamily="49" charset="0"/>
+                <a:cs typeface="Courier New" pitchFamily="49" charset="0"/>
+              </a:rPr>
+              <a:t>[GROUP BY list [HAVING condition]]</a:t>
+            </a:r>
+          </a:p>
+          <a:p>
+            <a:r>
+              <a:rPr lang="en-US" sz="1600">
+                <a:latin typeface="Courier New" pitchFamily="49" charset="0"/>
+                <a:cs typeface="Courier New" pitchFamily="49" charset="0"/>
+              </a:rPr>
+              <a:t>[ORDER BY list]</a:t>
+            </a:r>
+            <a:endParaRPr lang="be-BY" sz="1600">
+              <a:latin typeface="Courier New" pitchFamily="49" charset="0"/>
+              <a:cs typeface="Courier New" pitchFamily="49" charset="0"/>
+            </a:endParaRPr>
+          </a:p>
+        </p:txBody>
+      </p:sp>
+      <p:sp>
+        <p:nvSpPr>
+          <p:cNvPr id="8196" name="Прямоугольник 7"/>
+          <p:cNvSpPr>
+            <a:spLocks noChangeArrowheads="1"/>
+          </p:cNvSpPr>
+          <p:nvPr/>
+        </p:nvSpPr>
+        <p:spPr bwMode="auto">
+          <a:xfrm>
+            <a:off x="152400" y="1905000"/>
+            <a:ext cx="8839200" cy="2308225"/>
+          </a:xfrm>
+          <a:prstGeom prst="rect">
+            <a:avLst/>
+          </a:prstGeom>
+          <a:noFill/>
+          <a:ln>
+            <a:noFill/>
+          </a:ln>
+          <a:extLst>
+            <a:ext uri="{909E8E84-426E-40DD-AFC4-6F175D3DCCD1}">
+              <a14:hiddenFill xmlns:a14="http://schemas.microsoft.com/office/drawing/2010/main">
+                <a:solidFill>
+                  <a:srgbClr val="FFFFFF"/>
+                </a:solidFill>
+              </a14:hiddenFill>
+            </a:ext>
+            <a:ext uri="{91240B29-F687-4F45-9708-019B960494DF}">
+              <a14:hiddenLine xmlns:a14="http://schemas.microsoft.com/office/drawing/2010/main" w="9525">
+                <a:solidFill>
+                  <a:srgbClr val="000000"/>
+                </a:solidFill>
+                <a:miter lim="800000"/>
+                <a:headEnd/>
+                <a:tailEnd/>
+              </a14:hiddenLine>
+            </a:ext>
+          </a:extLst>
+        </p:spPr>
+        <p:txBody>
+          <a:bodyPr>
+            <a:spAutoFit/>
+          </a:bodyPr>
+          <a:lstStyle/>
+          <a:p>
+            <a:pPr lvl="2"/>
+            <a:r>
+              <a:rPr lang="be-BY" sz="1600"/>
+              <a:t>Здесь использованы следующие обозначения:</a:t>
+            </a:r>
+          </a:p>
+          <a:p>
+            <a:pPr lvl="2"/>
+            <a:r>
+              <a:rPr lang="ru-RU" sz="1600"/>
+              <a:t>• column – имя столбца (или константа, или выражение);</a:t>
+            </a:r>
+          </a:p>
+          <a:p>
+            <a:pPr lvl="2"/>
+            <a:r>
+              <a:rPr lang="ru-RU" sz="1600"/>
+              <a:t>• DISTINCT - результат не будет содержать строк-дубликатов;</a:t>
+            </a:r>
+          </a:p>
+          <a:p>
+            <a:pPr lvl="2"/>
+            <a:r>
+              <a:rPr lang="ru-RU" sz="1600"/>
+              <a:t>• ALL - результат может содержать дублирующие строки (по умолчанию);</a:t>
+            </a:r>
+          </a:p>
+          <a:p>
+            <a:pPr lvl="2"/>
+            <a:r>
+              <a:rPr lang="be-BY" sz="1600"/>
+              <a:t>• * - все столбцы;</a:t>
+            </a:r>
+          </a:p>
+          <a:p>
+            <a:pPr lvl="2"/>
+            <a:r>
+              <a:rPr lang="en-US" sz="1600"/>
+              <a:t>• table - </a:t>
+            </a:r>
+            <a:r>
+              <a:rPr lang="be-BY" sz="1600"/>
+              <a:t>имя таблицы;</a:t>
+            </a:r>
+          </a:p>
+          <a:p>
+            <a:pPr lvl="2"/>
+            <a:r>
+              <a:rPr lang="ru-RU" sz="1600"/>
+              <a:t>• alias - сокращение для имени таблицы;</a:t>
+            </a:r>
+          </a:p>
+          <a:p>
+            <a:pPr lvl="2"/>
+            <a:r>
+              <a:rPr lang="ru-RU" sz="1600"/>
+              <a:t>• condition - условие фильтрации строк данных;</a:t>
+            </a:r>
+          </a:p>
+          <a:p>
+            <a:pPr lvl="2"/>
+            <a:r>
+              <a:rPr lang="en-US" sz="1600"/>
+              <a:t>• list - </a:t>
+            </a:r>
+            <a:r>
+              <a:rPr lang="be-BY" sz="1600"/>
+              <a:t>список столбцов;</a:t>
+            </a:r>
+          </a:p>
+        </p:txBody>
+      </p:sp>
+    </p:spTree>
+    <p:extLst>
+      <p:ext uri="{BB962C8B-B14F-4D97-AF65-F5344CB8AC3E}">
+        <p14:creationId xmlns:p14="http://schemas.microsoft.com/office/powerpoint/2010/main" val="3082503542"/>
+      </p:ext>
+    </p:extLst>
+  </p:cSld>
+  <p:clrMapOvr>
+    <a:masterClrMapping/>
+  </p:clrMapOvr>
+  <p:timing>
+    <p:tnLst>
+      <p:par>
+        <p:cTn id="1" dur="indefinite" restart="never" nodeType="tmRoot"/>
+      </p:par>
+    </p:tnLst>
+  </p:timing>
+</p:sld>
+</file>
+
+<file path=ppt/slides/slide21.xml><?xml version="1.0" encoding="utf-8"?>
+<p:sld xmlns:a="http://schemas.openxmlformats.org/drawingml/2006/main" xmlns:r="http://schemas.openxmlformats.org/officeDocument/2006/relationships" xmlns:p="http://schemas.openxmlformats.org/presentationml/2006/main">
+  <p:cSld>
+    <p:spTree>
+      <p:nvGrpSpPr>
+        <p:cNvPr id="1" name=""/>
+        <p:cNvGrpSpPr/>
+        <p:nvPr/>
+      </p:nvGrpSpPr>
+      <p:grpSpPr>
+        <a:xfrm>
+          <a:off x="0" y="0"/>
+          <a:ext cx="0" cy="0"/>
+          <a:chOff x="0" y="0"/>
+          <a:chExt cx="0" cy="0"/>
+        </a:xfrm>
+      </p:grpSpPr>
+      <p:sp>
+        <p:nvSpPr>
           <p:cNvPr id="9218" name="Прямоугольник 4"/>
           <p:cNvSpPr>
             <a:spLocks noChangeArrowheads="1"/>
@@ -6606,7 +6897,7 @@
 </p:sld>
 </file>
 
-<file path=ppt/slides/slide21.xml><?xml version="1.0" encoding="utf-8"?>
+<file path=ppt/slides/slide22.xml><?xml version="1.0" encoding="utf-8"?>
 <p:sld xmlns:a="http://schemas.openxmlformats.org/drawingml/2006/main" xmlns:r="http://schemas.openxmlformats.org/officeDocument/2006/relationships" xmlns:p="http://schemas.openxmlformats.org/presentationml/2006/main">
   <p:cSld>
     <p:spTree>
@@ -6863,7 +7154,7 @@
 </p:sld>
 </file>
 
-<file path=ppt/slides/slide22.xml><?xml version="1.0" encoding="utf-8"?>
+<file path=ppt/slides/slide23.xml><?xml version="1.0" encoding="utf-8"?>
 <p:sld xmlns:a="http://schemas.openxmlformats.org/drawingml/2006/main" xmlns:r="http://schemas.openxmlformats.org/officeDocument/2006/relationships" xmlns:p="http://schemas.openxmlformats.org/presentationml/2006/main">
   <p:cSld>
     <p:spTree>
@@ -7275,7 +7566,143 @@
 </p:sld>
 </file>
 
-<file path=ppt/slides/slide23.xml><?xml version="1.0" encoding="utf-8"?>
+<file path=ppt/slides/slide24.xml><?xml version="1.0" encoding="utf-8"?>
+<p:sld xmlns:a="http://schemas.openxmlformats.org/drawingml/2006/main" xmlns:r="http://schemas.openxmlformats.org/officeDocument/2006/relationships" xmlns:p="http://schemas.openxmlformats.org/presentationml/2006/main">
+  <p:cSld>
+    <p:spTree>
+      <p:nvGrpSpPr>
+        <p:cNvPr id="1" name=""/>
+        <p:cNvGrpSpPr/>
+        <p:nvPr/>
+      </p:nvGrpSpPr>
+      <p:grpSpPr>
+        <a:xfrm>
+          <a:off x="0" y="0"/>
+          <a:ext cx="0" cy="0"/>
+          <a:chOff x="0" y="0"/>
+          <a:chExt cx="0" cy="0"/>
+        </a:xfrm>
+      </p:grpSpPr>
+      <p:sp>
+        <p:nvSpPr>
+          <p:cNvPr id="11266" name="Прямоугольник 2"/>
+          <p:cNvSpPr>
+            <a:spLocks noChangeArrowheads="1"/>
+          </p:cNvSpPr>
+          <p:nvPr/>
+        </p:nvSpPr>
+        <p:spPr bwMode="auto">
+          <a:xfrm>
+            <a:off x="152400" y="0"/>
+            <a:ext cx="8839200" cy="461963"/>
+          </a:xfrm>
+          <a:prstGeom prst="rect">
+            <a:avLst/>
+          </a:prstGeom>
+          <a:noFill/>
+          <a:ln>
+            <a:noFill/>
+          </a:ln>
+          <a:extLst>
+            <a:ext uri="{909E8E84-426E-40DD-AFC4-6F175D3DCCD1}">
+              <a14:hiddenFill xmlns:a14="http://schemas.microsoft.com/office/drawing/2010/main">
+                <a:solidFill>
+                  <a:srgbClr val="FFFFFF"/>
+                </a:solidFill>
+              </a14:hiddenFill>
+            </a:ext>
+            <a:ext uri="{91240B29-F687-4F45-9708-019B960494DF}">
+              <a14:hiddenLine xmlns:a14="http://schemas.microsoft.com/office/drawing/2010/main" w="9525">
+                <a:solidFill>
+                  <a:srgbClr val="000000"/>
+                </a:solidFill>
+                <a:miter lim="800000"/>
+                <a:headEnd/>
+                <a:tailEnd/>
+              </a14:hiddenLine>
+            </a:ext>
+          </a:extLst>
+        </p:spPr>
+        <p:txBody>
+          <a:bodyPr>
+            <a:spAutoFit/>
+          </a:bodyPr>
+          <a:lstStyle/>
+          <a:p>
+            <a:pPr algn="ctr"/>
+            <a:r>
+              <a:rPr lang="be-BY" sz="2400" b="1" dirty="0" smtClean="0"/>
+              <a:t>Многотабличные </a:t>
+            </a:r>
+            <a:r>
+              <a:rPr lang="be-BY" sz="2400" b="1" dirty="0"/>
+              <a:t>запросы.</a:t>
+            </a:r>
+          </a:p>
+        </p:txBody>
+      </p:sp>
+      <p:pic>
+        <p:nvPicPr>
+          <p:cNvPr id="1028" name="Picture 4" descr="http://www.codeproject.com/KB/database/Visual_SQL_Joins/Visual_SQL_JOINS_orig.jpg"/>
+          <p:cNvPicPr>
+            <a:picLocks noChangeAspect="1" noChangeArrowheads="1"/>
+          </p:cNvPicPr>
+          <p:nvPr/>
+        </p:nvPicPr>
+        <p:blipFill>
+          <a:blip r:embed="rId2">
+            <a:extLst>
+              <a:ext uri="{28A0092B-C50C-407E-A947-70E740481C1C}">
+                <a14:useLocalDpi xmlns:a14="http://schemas.microsoft.com/office/drawing/2010/main" val="0"/>
+              </a:ext>
+            </a:extLst>
+          </a:blip>
+          <a:srcRect/>
+          <a:stretch>
+            <a:fillRect/>
+          </a:stretch>
+        </p:blipFill>
+        <p:spPr bwMode="auto">
+          <a:xfrm>
+            <a:off x="891540" y="681261"/>
+            <a:ext cx="7360920" cy="5791200"/>
+          </a:xfrm>
+          <a:prstGeom prst="rect">
+            <a:avLst/>
+          </a:prstGeom>
+          <a:noFill/>
+          <a:extLst>
+            <a:ext uri="{909E8E84-426E-40DD-AFC4-6F175D3DCCD1}">
+              <a14:hiddenFill xmlns:a14="http://schemas.microsoft.com/office/drawing/2010/main">
+                <a:solidFill>
+                  <a:srgbClr val="FFFFFF"/>
+                </a:solidFill>
+              </a14:hiddenFill>
+            </a:ext>
+          </a:extLst>
+        </p:spPr>
+      </p:pic>
+    </p:spTree>
+    <p:extLst>
+      <p:ext uri="{BB962C8B-B14F-4D97-AF65-F5344CB8AC3E}">
+        <p14:creationId xmlns:p14="http://schemas.microsoft.com/office/powerpoint/2010/main" val="1358981493"/>
+      </p:ext>
+    </p:extLst>
+  </p:cSld>
+  <p:clrMapOvr>
+    <a:masterClrMapping/>
+  </p:clrMapOvr>
+  <p:timing>
+    <p:tnLst>
+      <p:par>
+        <p:cTn id="1" dur="indefinite" restart="never" nodeType="tmRoot"/>
+      </p:par>
+    </p:tnLst>
+  </p:timing>
+</p:sld>
+</file>
+
+<file path=ppt/slides/slide25.xml><?xml version="1.0" encoding="utf-8"?>
 <p:sld xmlns:a="http://schemas.openxmlformats.org/drawingml/2006/main" xmlns:r="http://schemas.openxmlformats.org/officeDocument/2006/relationships" xmlns:p="http://schemas.openxmlformats.org/presentationml/2006/main">
   <p:cSld>
     <p:spTree>
@@ -7698,229 +8125,6 @@
 </p:sld>
 </file>
 
-<file path=ppt/slides/slide24.xml><?xml version="1.0" encoding="utf-8"?>
-<p:sld xmlns:a="http://schemas.openxmlformats.org/drawingml/2006/main" xmlns:r="http://schemas.openxmlformats.org/officeDocument/2006/relationships" xmlns:p="http://schemas.openxmlformats.org/presentationml/2006/main">
-  <p:cSld>
-    <p:spTree>
-      <p:nvGrpSpPr>
-        <p:cNvPr id="1" name=""/>
-        <p:cNvGrpSpPr/>
-        <p:nvPr/>
-      </p:nvGrpSpPr>
-      <p:grpSpPr>
-        <a:xfrm>
-          <a:off x="0" y="0"/>
-          <a:ext cx="0" cy="0"/>
-          <a:chOff x="0" y="0"/>
-          <a:chExt cx="0" cy="0"/>
-        </a:xfrm>
-      </p:grpSpPr>
-      <p:sp>
-        <p:nvSpPr>
-          <p:cNvPr id="2" name="Title 1"/>
-          <p:cNvSpPr>
-            <a:spLocks noGrp="1"/>
-          </p:cNvSpPr>
-          <p:nvPr>
-            <p:ph type="title"/>
-          </p:nvPr>
-        </p:nvSpPr>
-        <p:spPr/>
-        <p:txBody>
-          <a:bodyPr/>
-          <a:lstStyle/>
-          <a:p>
-            <a:r>
-              <a:rPr lang="ru-RU" dirty="0" smtClean="0"/>
-              <a:t>Ограничения </a:t>
-            </a:r>
-            <a:r>
-              <a:rPr lang="en-US" dirty="0" smtClean="0"/>
-              <a:t>(constraints)</a:t>
-            </a:r>
-            <a:endParaRPr lang="en-US" dirty="0"/>
-          </a:p>
-        </p:txBody>
-      </p:sp>
-      <p:sp>
-        <p:nvSpPr>
-          <p:cNvPr id="3" name="Content Placeholder 2"/>
-          <p:cNvSpPr>
-            <a:spLocks noGrp="1"/>
-          </p:cNvSpPr>
-          <p:nvPr>
-            <p:ph idx="1"/>
-          </p:nvPr>
-        </p:nvSpPr>
-        <p:spPr/>
-        <p:txBody>
-          <a:bodyPr/>
-          <a:lstStyle/>
-          <a:p>
-            <a:r>
-              <a:rPr lang="en-US" dirty="0" smtClean="0"/>
-              <a:t>NOT NULL</a:t>
-            </a:r>
-          </a:p>
-          <a:p>
-            <a:r>
-              <a:rPr lang="en-US" dirty="0" smtClean="0"/>
-              <a:t>CHECK</a:t>
-            </a:r>
-          </a:p>
-          <a:p>
-            <a:r>
-              <a:rPr lang="en-US" dirty="0" smtClean="0"/>
-              <a:t>UNIQUE</a:t>
-            </a:r>
-          </a:p>
-          <a:p>
-            <a:r>
-              <a:rPr lang="en-US" dirty="0" smtClean="0"/>
-              <a:t>PRIMARY KEY</a:t>
-            </a:r>
-          </a:p>
-          <a:p>
-            <a:r>
-              <a:rPr lang="en-US" dirty="0" smtClean="0"/>
-              <a:t> FOREIGN </a:t>
-            </a:r>
-            <a:r>
-              <a:rPr lang="en-US" dirty="0"/>
-              <a:t>KEY</a:t>
-            </a:r>
-          </a:p>
-        </p:txBody>
-      </p:sp>
-    </p:spTree>
-    <p:extLst>
-      <p:ext uri="{BB962C8B-B14F-4D97-AF65-F5344CB8AC3E}">
-        <p14:creationId xmlns:p14="http://schemas.microsoft.com/office/powerpoint/2010/main" val="1003551259"/>
-      </p:ext>
-    </p:extLst>
-  </p:cSld>
-  <p:clrMapOvr>
-    <a:masterClrMapping/>
-  </p:clrMapOvr>
-</p:sld>
-</file>
-
-<file path=ppt/slides/slide25.xml><?xml version="1.0" encoding="utf-8"?>
-<p:sld xmlns:a="http://schemas.openxmlformats.org/drawingml/2006/main" xmlns:r="http://schemas.openxmlformats.org/officeDocument/2006/relationships" xmlns:p="http://schemas.openxmlformats.org/presentationml/2006/main">
-  <p:cSld>
-    <p:spTree>
-      <p:nvGrpSpPr>
-        <p:cNvPr id="1" name=""/>
-        <p:cNvGrpSpPr/>
-        <p:nvPr/>
-      </p:nvGrpSpPr>
-      <p:grpSpPr>
-        <a:xfrm>
-          <a:off x="0" y="0"/>
-          <a:ext cx="0" cy="0"/>
-          <a:chOff x="0" y="0"/>
-          <a:chExt cx="0" cy="0"/>
-        </a:xfrm>
-      </p:grpSpPr>
-      <p:sp>
-        <p:nvSpPr>
-          <p:cNvPr id="2" name="Title 1"/>
-          <p:cNvSpPr>
-            <a:spLocks noGrp="1"/>
-          </p:cNvSpPr>
-          <p:nvPr>
-            <p:ph type="title"/>
-          </p:nvPr>
-        </p:nvSpPr>
-        <p:spPr/>
-        <p:txBody>
-          <a:bodyPr/>
-          <a:lstStyle/>
-          <a:p>
-            <a:r>
-              <a:rPr lang="ru-RU" dirty="0" smtClean="0"/>
-              <a:t>Хранимые процедуры</a:t>
-            </a:r>
-            <a:endParaRPr lang="en-US" dirty="0"/>
-          </a:p>
-        </p:txBody>
-      </p:sp>
-      <p:sp>
-        <p:nvSpPr>
-          <p:cNvPr id="3" name="Content Placeholder 2"/>
-          <p:cNvSpPr>
-            <a:spLocks noGrp="1"/>
-          </p:cNvSpPr>
-          <p:nvPr>
-            <p:ph idx="1"/>
-          </p:nvPr>
-        </p:nvSpPr>
-        <p:spPr>
-          <a:xfrm>
-            <a:off x="457200" y="1600200"/>
-            <a:ext cx="8229600" cy="3773015"/>
-          </a:xfrm>
-        </p:spPr>
-        <p:txBody>
-          <a:bodyPr/>
-          <a:lstStyle/>
-          <a:p>
-            <a:pPr marL="0" indent="0">
-              <a:buNone/>
-            </a:pPr>
-            <a:r>
-              <a:rPr lang="ru-RU" dirty="0" smtClean="0"/>
-              <a:t>Хранимая процедура это функция на языке </a:t>
-            </a:r>
-            <a:r>
-              <a:rPr lang="en-US" dirty="0" smtClean="0"/>
-              <a:t>SQL. </a:t>
-            </a:r>
-            <a:r>
-              <a:rPr lang="ru-RU" dirty="0" smtClean="0"/>
-              <a:t>У процедуры могут быть параметры. Для создания процедуры используется команда </a:t>
-            </a:r>
-            <a:r>
-              <a:rPr lang="en-US" dirty="0" smtClean="0"/>
-              <a:t>CREATE PROC, </a:t>
-            </a:r>
-            <a:r>
-              <a:rPr lang="ru-RU" dirty="0" smtClean="0"/>
-              <a:t>для изменения </a:t>
-            </a:r>
-            <a:r>
-              <a:rPr lang="en-US" dirty="0" smtClean="0"/>
-              <a:t>ALTER PROC </a:t>
-            </a:r>
-            <a:r>
-              <a:rPr lang="ru-RU" dirty="0" smtClean="0"/>
-              <a:t>и </a:t>
-            </a:r>
-            <a:r>
-              <a:rPr lang="en-US" dirty="0" smtClean="0"/>
-              <a:t>DROP PROC </a:t>
-            </a:r>
-            <a:r>
-              <a:rPr lang="ru-RU" dirty="0" smtClean="0"/>
-              <a:t>для удаления.</a:t>
-            </a:r>
-            <a:endParaRPr lang="en-US" dirty="0" smtClean="0"/>
-          </a:p>
-        </p:txBody>
-      </p:sp>
-    </p:spTree>
-    <p:extLst>
-      <p:ext uri="{BB962C8B-B14F-4D97-AF65-F5344CB8AC3E}">
-        <p14:creationId xmlns:p14="http://schemas.microsoft.com/office/powerpoint/2010/main" val="2533733971"/>
-      </p:ext>
-    </p:extLst>
-  </p:cSld>
-  <p:clrMapOvr>
-    <a:masterClrMapping/>
-  </p:clrMapOvr>
-</p:sld>
-</file>
-
 <file path=ppt/slides/slide26.xml><?xml version="1.0" encoding="utf-8"?>
 <p:sld xmlns:a="http://schemas.openxmlformats.org/drawingml/2006/main" xmlns:r="http://schemas.openxmlformats.org/officeDocument/2006/relationships" xmlns:p="http://schemas.openxmlformats.org/presentationml/2006/main">
   <p:cSld>
@@ -7955,6 +8159,229 @@
           <a:p>
             <a:r>
               <a:rPr lang="ru-RU" dirty="0" smtClean="0"/>
+              <a:t>Ограничения </a:t>
+            </a:r>
+            <a:r>
+              <a:rPr lang="en-US" dirty="0" smtClean="0"/>
+              <a:t>(constraints)</a:t>
+            </a:r>
+            <a:endParaRPr lang="en-US" dirty="0"/>
+          </a:p>
+        </p:txBody>
+      </p:sp>
+      <p:sp>
+        <p:nvSpPr>
+          <p:cNvPr id="3" name="Content Placeholder 2"/>
+          <p:cNvSpPr>
+            <a:spLocks noGrp="1"/>
+          </p:cNvSpPr>
+          <p:nvPr>
+            <p:ph idx="1"/>
+          </p:nvPr>
+        </p:nvSpPr>
+        <p:spPr/>
+        <p:txBody>
+          <a:bodyPr/>
+          <a:lstStyle/>
+          <a:p>
+            <a:r>
+              <a:rPr lang="en-US" dirty="0" smtClean="0"/>
+              <a:t>NOT NULL</a:t>
+            </a:r>
+          </a:p>
+          <a:p>
+            <a:r>
+              <a:rPr lang="en-US" dirty="0" smtClean="0"/>
+              <a:t>CHECK</a:t>
+            </a:r>
+          </a:p>
+          <a:p>
+            <a:r>
+              <a:rPr lang="en-US" dirty="0" smtClean="0"/>
+              <a:t>UNIQUE</a:t>
+            </a:r>
+          </a:p>
+          <a:p>
+            <a:r>
+              <a:rPr lang="en-US" dirty="0" smtClean="0"/>
+              <a:t>PRIMARY KEY</a:t>
+            </a:r>
+          </a:p>
+          <a:p>
+            <a:r>
+              <a:rPr lang="en-US" dirty="0" smtClean="0"/>
+              <a:t> FOREIGN </a:t>
+            </a:r>
+            <a:r>
+              <a:rPr lang="en-US" dirty="0"/>
+              <a:t>KEY</a:t>
+            </a:r>
+          </a:p>
+        </p:txBody>
+      </p:sp>
+    </p:spTree>
+    <p:extLst>
+      <p:ext uri="{BB962C8B-B14F-4D97-AF65-F5344CB8AC3E}">
+        <p14:creationId xmlns:p14="http://schemas.microsoft.com/office/powerpoint/2010/main" val="1003551259"/>
+      </p:ext>
+    </p:extLst>
+  </p:cSld>
+  <p:clrMapOvr>
+    <a:masterClrMapping/>
+  </p:clrMapOvr>
+</p:sld>
+</file>
+
+<file path=ppt/slides/slide27.xml><?xml version="1.0" encoding="utf-8"?>
+<p:sld xmlns:a="http://schemas.openxmlformats.org/drawingml/2006/main" xmlns:r="http://schemas.openxmlformats.org/officeDocument/2006/relationships" xmlns:p="http://schemas.openxmlformats.org/presentationml/2006/main">
+  <p:cSld>
+    <p:spTree>
+      <p:nvGrpSpPr>
+        <p:cNvPr id="1" name=""/>
+        <p:cNvGrpSpPr/>
+        <p:nvPr/>
+      </p:nvGrpSpPr>
+      <p:grpSpPr>
+        <a:xfrm>
+          <a:off x="0" y="0"/>
+          <a:ext cx="0" cy="0"/>
+          <a:chOff x="0" y="0"/>
+          <a:chExt cx="0" cy="0"/>
+        </a:xfrm>
+      </p:grpSpPr>
+      <p:sp>
+        <p:nvSpPr>
+          <p:cNvPr id="2" name="Title 1"/>
+          <p:cNvSpPr>
+            <a:spLocks noGrp="1"/>
+          </p:cNvSpPr>
+          <p:nvPr>
+            <p:ph type="title"/>
+          </p:nvPr>
+        </p:nvSpPr>
+        <p:spPr/>
+        <p:txBody>
+          <a:bodyPr/>
+          <a:lstStyle/>
+          <a:p>
+            <a:r>
+              <a:rPr lang="ru-RU" dirty="0" smtClean="0"/>
+              <a:t>Хранимые процедуры</a:t>
+            </a:r>
+            <a:endParaRPr lang="en-US" dirty="0"/>
+          </a:p>
+        </p:txBody>
+      </p:sp>
+      <p:sp>
+        <p:nvSpPr>
+          <p:cNvPr id="3" name="Content Placeholder 2"/>
+          <p:cNvSpPr>
+            <a:spLocks noGrp="1"/>
+          </p:cNvSpPr>
+          <p:nvPr>
+            <p:ph idx="1"/>
+          </p:nvPr>
+        </p:nvSpPr>
+        <p:spPr>
+          <a:xfrm>
+            <a:off x="457200" y="1600200"/>
+            <a:ext cx="8229600" cy="3773015"/>
+          </a:xfrm>
+        </p:spPr>
+        <p:txBody>
+          <a:bodyPr/>
+          <a:lstStyle/>
+          <a:p>
+            <a:pPr marL="0" indent="0">
+              <a:buNone/>
+            </a:pPr>
+            <a:r>
+              <a:rPr lang="ru-RU" dirty="0" smtClean="0"/>
+              <a:t>Хранимая процедура это функция на языке </a:t>
+            </a:r>
+            <a:r>
+              <a:rPr lang="en-US" dirty="0" smtClean="0"/>
+              <a:t>SQL. </a:t>
+            </a:r>
+            <a:r>
+              <a:rPr lang="ru-RU" dirty="0" smtClean="0"/>
+              <a:t>У процедуры могут быть параметры. Для создания процедуры используется команда </a:t>
+            </a:r>
+            <a:r>
+              <a:rPr lang="en-US" dirty="0" smtClean="0"/>
+              <a:t>CREATE PROC, </a:t>
+            </a:r>
+            <a:r>
+              <a:rPr lang="ru-RU" dirty="0" smtClean="0"/>
+              <a:t>для изменения </a:t>
+            </a:r>
+            <a:r>
+              <a:rPr lang="en-US" dirty="0" smtClean="0"/>
+              <a:t>ALTER PROC </a:t>
+            </a:r>
+            <a:r>
+              <a:rPr lang="ru-RU" dirty="0" smtClean="0"/>
+              <a:t>и </a:t>
+            </a:r>
+            <a:r>
+              <a:rPr lang="en-US" dirty="0" smtClean="0"/>
+              <a:t>DROP PROC </a:t>
+            </a:r>
+            <a:r>
+              <a:rPr lang="ru-RU" dirty="0" smtClean="0"/>
+              <a:t>для удаления.</a:t>
+            </a:r>
+            <a:endParaRPr lang="en-US" dirty="0" smtClean="0"/>
+          </a:p>
+        </p:txBody>
+      </p:sp>
+    </p:spTree>
+    <p:extLst>
+      <p:ext uri="{BB962C8B-B14F-4D97-AF65-F5344CB8AC3E}">
+        <p14:creationId xmlns:p14="http://schemas.microsoft.com/office/powerpoint/2010/main" val="2533733971"/>
+      </p:ext>
+    </p:extLst>
+  </p:cSld>
+  <p:clrMapOvr>
+    <a:masterClrMapping/>
+  </p:clrMapOvr>
+</p:sld>
+</file>
+
+<file path=ppt/slides/slide28.xml><?xml version="1.0" encoding="utf-8"?>
+<p:sld xmlns:a="http://schemas.openxmlformats.org/drawingml/2006/main" xmlns:r="http://schemas.openxmlformats.org/officeDocument/2006/relationships" xmlns:p="http://schemas.openxmlformats.org/presentationml/2006/main">
+  <p:cSld>
+    <p:spTree>
+      <p:nvGrpSpPr>
+        <p:cNvPr id="1" name=""/>
+        <p:cNvGrpSpPr/>
+        <p:nvPr/>
+      </p:nvGrpSpPr>
+      <p:grpSpPr>
+        <a:xfrm>
+          <a:off x="0" y="0"/>
+          <a:ext cx="0" cy="0"/>
+          <a:chOff x="0" y="0"/>
+          <a:chExt cx="0" cy="0"/>
+        </a:xfrm>
+      </p:grpSpPr>
+      <p:sp>
+        <p:nvSpPr>
+          <p:cNvPr id="2" name="Title 1"/>
+          <p:cNvSpPr>
+            <a:spLocks noGrp="1"/>
+          </p:cNvSpPr>
+          <p:nvPr>
+            <p:ph type="title"/>
+          </p:nvPr>
+        </p:nvSpPr>
+        <p:spPr/>
+        <p:txBody>
+          <a:bodyPr/>
+          <a:lstStyle/>
+          <a:p>
+            <a:r>
+              <a:rPr lang="ru-RU" dirty="0" smtClean="0"/>
               <a:t>Триггеры</a:t>
             </a:r>
             <a:endParaRPr lang="en-US" dirty="0"/>
@@ -8128,7 +8555,7 @@
 </p:sld>
 </file>
 
-<file path=ppt/slides/slide27.xml><?xml version="1.0" encoding="utf-8"?>
+<file path=ppt/slides/slide29.xml><?xml version="1.0" encoding="utf-8"?>
 <p:sld xmlns:a="http://schemas.openxmlformats.org/drawingml/2006/main" xmlns:r="http://schemas.openxmlformats.org/officeDocument/2006/relationships" xmlns:p="http://schemas.openxmlformats.org/presentationml/2006/main">
   <p:cSld>
     <p:spTree>

--- a/Presentation/lesson-09-sql.pptx
+++ b/Presentation/lesson-09-sql.pptx
@@ -220,7 +220,7 @@
           <a:p>
             <a:fld id="{B24A7054-7FFB-49F4-A126-5DF6E687FF53}" type="datetimeFigureOut">
               <a:rPr lang="ru-RU" smtClean="0"/>
-              <a:t>22.11.2013</a:t>
+              <a:t>24.04.2014</a:t>
             </a:fld>
             <a:endParaRPr lang="ru-RU"/>
           </a:p>
@@ -1502,7 +1502,7 @@
           <a:p>
             <a:fld id="{8E6E6A2A-E9D3-4A0D-B04A-ABDD367A1E08}" type="datetimeFigureOut">
               <a:rPr lang="ru-RU" smtClean="0"/>
-              <a:t>22.11.2013</a:t>
+              <a:t>24.04.2014</a:t>
             </a:fld>
             <a:endParaRPr lang="ru-RU"/>
           </a:p>
@@ -2947,7 +2947,7 @@
           <a:p>
             <a:fld id="{AC3D3127-B7C4-45E3-9797-C527EC9FDD78}" type="datetimeFigureOut">
               <a:rPr lang="ru-RU" smtClean="0"/>
-              <a:t>22.11.2013</a:t>
+              <a:t>24.04.2014</a:t>
             </a:fld>
             <a:endParaRPr lang="ru-RU"/>
           </a:p>
@@ -9502,7 +9502,7 @@
         <p:spPr/>
         <p:txBody>
           <a:bodyPr>
-            <a:normAutofit fontScale="92500" lnSpcReduction="10000"/>
+            <a:normAutofit fontScale="85000" lnSpcReduction="20000"/>
           </a:bodyPr>
           <a:lstStyle/>
           <a:p>
@@ -9531,7 +9531,11 @@
             <a:pPr lvl="1"/>
             <a:r>
               <a:rPr lang="en-US" dirty="0" smtClean="0"/>
-              <a:t>Enterprise</a:t>
+              <a:t>Enterprise </a:t>
+            </a:r>
+            <a:r>
+              <a:rPr lang="en-US" sz="1900" dirty="0" smtClean="0"/>
+              <a:t>($$$)</a:t>
             </a:r>
           </a:p>
           <a:p>
@@ -9544,46 +9548,107 @@
               <a:rPr lang="en-US" dirty="0"/>
               <a:t>Intelligence (BI) </a:t>
             </a:r>
+            <a:r>
+              <a:rPr lang="en-US" sz="1900" dirty="0"/>
+              <a:t>($$$)</a:t>
+            </a:r>
+            <a:endParaRPr lang="en-US" sz="1900" dirty="0" smtClean="0"/>
+          </a:p>
+          <a:p>
+            <a:pPr lvl="1"/>
+            <a:r>
+              <a:rPr lang="en-US" dirty="0"/>
+              <a:t>Standard </a:t>
+            </a:r>
+            <a:r>
+              <a:rPr lang="en-US" sz="1900" dirty="0" smtClean="0"/>
+              <a:t>($$)</a:t>
+            </a:r>
+          </a:p>
+          <a:p>
+            <a:pPr lvl="1"/>
+            <a:r>
+              <a:rPr lang="en-US" dirty="0"/>
+              <a:t>Web </a:t>
+            </a:r>
+            <a:r>
+              <a:rPr lang="en-US" sz="1900" dirty="0" smtClean="0"/>
+              <a:t>($$)</a:t>
+            </a:r>
+          </a:p>
+          <a:p>
+            <a:pPr lvl="1"/>
+            <a:r>
+              <a:rPr lang="en-US" dirty="0" smtClean="0"/>
+              <a:t>Developer (</a:t>
+            </a:r>
+            <a:r>
+              <a:rPr lang="ru-RU" dirty="0" smtClean="0"/>
+              <a:t>бесплатная для подписчиков </a:t>
+            </a:r>
+            <a:r>
+              <a:rPr lang="en-US" dirty="0" smtClean="0"/>
+              <a:t>MSDN)</a:t>
+            </a:r>
+          </a:p>
+          <a:p>
+            <a:pPr lvl="1"/>
+            <a:r>
+              <a:rPr lang="en-US" dirty="0" smtClean="0">
+                <a:solidFill>
+                  <a:srgbClr val="FFFF00"/>
+                </a:solidFill>
+              </a:rPr>
+              <a:t>Express (</a:t>
+            </a:r>
+            <a:r>
+              <a:rPr lang="ru-RU" dirty="0" smtClean="0">
+                <a:solidFill>
+                  <a:srgbClr val="FFFF00"/>
+                </a:solidFill>
+              </a:rPr>
+              <a:t>бесплатная). Устанавливается вместе с </a:t>
+            </a:r>
+            <a:r>
+              <a:rPr lang="en-US" dirty="0" smtClean="0">
+                <a:solidFill>
+                  <a:srgbClr val="FFFF00"/>
+                </a:solidFill>
+              </a:rPr>
+              <a:t>Visual Studio.</a:t>
+            </a:r>
+          </a:p>
+          <a:p>
+            <a:pPr lvl="1"/>
+            <a:r>
+              <a:rPr lang="en-US" dirty="0" smtClean="0"/>
+              <a:t>Compact (</a:t>
+            </a:r>
+            <a:r>
+              <a:rPr lang="ru-RU" dirty="0" smtClean="0"/>
+              <a:t>бесплатная, свободно распространяемая)</a:t>
+            </a:r>
             <a:endParaRPr lang="en-US" dirty="0" smtClean="0"/>
           </a:p>
           <a:p>
             <a:pPr lvl="1"/>
             <a:r>
-              <a:rPr lang="en-US" dirty="0" smtClean="0"/>
-              <a:t>Standard</a:t>
-            </a:r>
-          </a:p>
-          <a:p>
-            <a:pPr lvl="1"/>
-            <a:r>
-              <a:rPr lang="en-US" dirty="0" smtClean="0"/>
-              <a:t>Web</a:t>
-            </a:r>
-          </a:p>
-          <a:p>
-            <a:pPr lvl="1"/>
-            <a:r>
-              <a:rPr lang="en-US" dirty="0" smtClean="0"/>
-              <a:t>Developer</a:t>
-            </a:r>
-          </a:p>
-          <a:p>
-            <a:pPr lvl="1"/>
-            <a:r>
-              <a:rPr lang="en-US" dirty="0" smtClean="0">
-                <a:solidFill>
-                  <a:srgbClr val="FF0000"/>
-                </a:solidFill>
-              </a:rPr>
-              <a:t>Express</a:t>
-            </a:r>
-          </a:p>
-          <a:p>
-            <a:pPr lvl="1"/>
-            <a:r>
-              <a:rPr lang="en-US" dirty="0" smtClean="0"/>
-              <a:t> Compact </a:t>
-            </a:r>
+              <a:rPr lang="en-US" dirty="0" err="1" smtClean="0"/>
+              <a:t>LocalDB</a:t>
+            </a:r>
+            <a:r>
+              <a:rPr lang="ru-RU" dirty="0" smtClean="0"/>
+              <a:t> </a:t>
+            </a:r>
+            <a:r>
+              <a:rPr lang="en-US" dirty="0"/>
+              <a:t>(</a:t>
+            </a:r>
+            <a:r>
+              <a:rPr lang="ru-RU" dirty="0"/>
+              <a:t>бесплатная, свободно распространяемая)</a:t>
+            </a:r>
+            <a:endParaRPr lang="en-US" dirty="0" smtClean="0"/>
           </a:p>
           <a:p>
             <a:endParaRPr lang="en-US" dirty="0"/>

--- a/Presentation/lesson-09-sql.pptx
+++ b/Presentation/lesson-09-sql.pptx
@@ -220,7 +220,7 @@
           <a:p>
             <a:fld id="{B24A7054-7FFB-49F4-A126-5DF6E687FF53}" type="datetimeFigureOut">
               <a:rPr lang="ru-RU" smtClean="0"/>
-              <a:t>24.04.2014</a:t>
+              <a:t>10.09.2014</a:t>
             </a:fld>
             <a:endParaRPr lang="ru-RU"/>
           </a:p>
@@ -1502,7 +1502,7 @@
           <a:p>
             <a:fld id="{8E6E6A2A-E9D3-4A0D-B04A-ABDD367A1E08}" type="datetimeFigureOut">
               <a:rPr lang="ru-RU" smtClean="0"/>
-              <a:t>24.04.2014</a:t>
+              <a:t>10.09.2014</a:t>
             </a:fld>
             <a:endParaRPr lang="ru-RU"/>
           </a:p>
@@ -2947,7 +2947,7 @@
           <a:p>
             <a:fld id="{AC3D3127-B7C4-45E3-9797-C527EC9FDD78}" type="datetimeFigureOut">
               <a:rPr lang="ru-RU" smtClean="0"/>
-              <a:t>24.04.2014</a:t>
+              <a:t>10.09.2014</a:t>
             </a:fld>
             <a:endParaRPr lang="ru-RU"/>
           </a:p>
@@ -8679,7 +8679,7 @@
 </file>
 
 <file path=ppt/slides/slide3.xml><?xml version="1.0" encoding="utf-8"?>
-<p:sld xmlns:a="http://schemas.openxmlformats.org/drawingml/2006/main" xmlns:r="http://schemas.openxmlformats.org/officeDocument/2006/relationships" xmlns:p="http://schemas.openxmlformats.org/presentationml/2006/main">
+<p:sld xmlns:a="http://schemas.openxmlformats.org/drawingml/2006/main" xmlns:r="http://schemas.openxmlformats.org/officeDocument/2006/relationships" xmlns:p="http://schemas.openxmlformats.org/presentationml/2006/main" show="0">
   <p:cSld>
     <p:spTree>
       <p:nvGrpSpPr>
@@ -8756,7 +8756,7 @@
           <a:lstStyle/>
           <a:p>
             <a:r>
-              <a:rPr lang="en-US" dirty="0" smtClean="0">
+              <a:rPr lang="en-US" strike="sngStrike" dirty="0" smtClean="0">
                 <a:solidFill>
                   <a:schemeClr val="bg1"/>
                 </a:solidFill>
@@ -8765,7 +8765,7 @@
               <a:t>www.sqlcmd.ru</a:t>
             </a:r>
             <a:r>
-              <a:rPr lang="en-US" dirty="0" smtClean="0">
+              <a:rPr lang="en-US" strike="sngStrike" dirty="0" smtClean="0">
                 <a:solidFill>
                   <a:schemeClr val="bg1"/>
                 </a:solidFill>
@@ -8773,7 +8773,7 @@
               <a:t> – </a:t>
             </a:r>
             <a:r>
-              <a:rPr lang="ru-RU" dirty="0" smtClean="0">
+              <a:rPr lang="ru-RU" strike="sngStrike" dirty="0" smtClean="0">
                 <a:solidFill>
                   <a:schemeClr val="bg1"/>
                 </a:solidFill>
@@ -8781,22 +8781,14 @@
               <a:t>блог на русском языке о работе и администрировании </a:t>
             </a:r>
             <a:r>
-              <a:rPr lang="en-US" dirty="0" smtClean="0">
+              <a:rPr lang="en-US" strike="sngStrike" dirty="0" smtClean="0">
                 <a:solidFill>
                   <a:schemeClr val="bg1"/>
                 </a:solidFill>
               </a:rPr>
-              <a:t>SQL </a:t>
-            </a:r>
-            <a:r>
-              <a:rPr lang="en-US" smtClean="0">
-                <a:solidFill>
-                  <a:schemeClr val="bg1"/>
-                </a:solidFill>
-              </a:rPr>
-              <a:t>Server.</a:t>
-            </a:r>
-            <a:endParaRPr lang="ru-RU" dirty="0" smtClean="0">
+              <a:t>SQL Server.</a:t>
+            </a:r>
+            <a:endParaRPr lang="ru-RU" strike="sngStrike" dirty="0" smtClean="0">
               <a:solidFill>
                 <a:schemeClr val="bg1"/>
               </a:solidFill>
@@ -8863,6 +8855,14 @@
   <p:clrMapOvr>
     <a:masterClrMapping/>
   </p:clrMapOvr>
+  <mc:AlternateContent xmlns:mc="http://schemas.openxmlformats.org/markup-compatibility/2006">
+    <mc:Choice xmlns:p14="http://schemas.microsoft.com/office/powerpoint/2010/main" Requires="p14">
+      <p:transition spd="slow" p14:dur="2000"/>
+    </mc:Choice>
+    <mc:Fallback>
+      <p:transition spd="slow"/>
+    </mc:Fallback>
+  </mc:AlternateContent>
   <p:timing>
     <p:tnLst>
       <p:par>

--- a/Presentation/lesson-09-sql.pptx
+++ b/Presentation/lesson-09-sql.pptx
@@ -5,7 +5,7 @@
     <p:sldMasterId id="2147483648" r:id="rId1"/>
   </p:sldMasterIdLst>
   <p:notesMasterIdLst>
-    <p:notesMasterId r:id="rId31"/>
+    <p:notesMasterId r:id="rId32"/>
   </p:notesMasterIdLst>
   <p:sldIdLst>
     <p:sldId id="256" r:id="rId2"/>
@@ -37,6 +37,7 @@
     <p:sldId id="280" r:id="rId28"/>
     <p:sldId id="272" r:id="rId29"/>
     <p:sldId id="273" r:id="rId30"/>
+    <p:sldId id="287" r:id="rId31"/>
   </p:sldIdLst>
   <p:sldSz cx="9144000" cy="6858000" type="screen4x3"/>
   <p:notesSz cx="6858000" cy="9144000"/>
@@ -220,7 +221,7 @@
           <a:p>
             <a:fld id="{B24A7054-7FFB-49F4-A126-5DF6E687FF53}" type="datetimeFigureOut">
               <a:rPr lang="ru-RU" smtClean="0"/>
-              <a:t>10.09.2014</a:t>
+              <a:t>13.09.2014</a:t>
             </a:fld>
             <a:endParaRPr lang="ru-RU"/>
           </a:p>
@@ -1502,7 +1503,7 @@
           <a:p>
             <a:fld id="{8E6E6A2A-E9D3-4A0D-B04A-ABDD367A1E08}" type="datetimeFigureOut">
               <a:rPr lang="ru-RU" smtClean="0"/>
-              <a:t>10.09.2014</a:t>
+              <a:t>13.09.2014</a:t>
             </a:fld>
             <a:endParaRPr lang="ru-RU"/>
           </a:p>
@@ -2947,7 +2948,7 @@
           <a:p>
             <a:fld id="{AC3D3127-B7C4-45E3-9797-C527EC9FDD78}" type="datetimeFigureOut">
               <a:rPr lang="ru-RU" smtClean="0"/>
-              <a:t>10.09.2014</a:t>
+              <a:t>13.09.2014</a:t>
             </a:fld>
             <a:endParaRPr lang="ru-RU"/>
           </a:p>
@@ -8855,11 +8856,11 @@
   <p:clrMapOvr>
     <a:masterClrMapping/>
   </p:clrMapOvr>
-  <mc:AlternateContent xmlns:mc="http://schemas.openxmlformats.org/markup-compatibility/2006">
-    <mc:Choice xmlns:p14="http://schemas.microsoft.com/office/powerpoint/2010/main" Requires="p14">
+  <mc:AlternateContent xmlns:mc="http://schemas.openxmlformats.org/markup-compatibility/2006" xmlns:p14="http://schemas.microsoft.com/office/powerpoint/2010/main">
+    <mc:Choice Requires="p14">
       <p:transition spd="slow" p14:dur="2000"/>
     </mc:Choice>
-    <mc:Fallback>
+    <mc:Fallback xmlns="">
       <p:transition spd="slow"/>
     </mc:Fallback>
   </mc:AlternateContent>
@@ -8870,6 +8871,235 @@
       </p:par>
     </p:tnLst>
   </p:timing>
+</p:sld>
+</file>
+
+<file path=ppt/slides/slide30.xml><?xml version="1.0" encoding="utf-8"?>
+<p:sld xmlns:a="http://schemas.openxmlformats.org/drawingml/2006/main" xmlns:r="http://schemas.openxmlformats.org/officeDocument/2006/relationships" xmlns:p="http://schemas.openxmlformats.org/presentationml/2006/main">
+  <p:cSld>
+    <p:spTree>
+      <p:nvGrpSpPr>
+        <p:cNvPr id="1" name=""/>
+        <p:cNvGrpSpPr/>
+        <p:nvPr/>
+      </p:nvGrpSpPr>
+      <p:grpSpPr>
+        <a:xfrm>
+          <a:off x="0" y="0"/>
+          <a:ext cx="0" cy="0"/>
+          <a:chOff x="0" y="0"/>
+          <a:chExt cx="0" cy="0"/>
+        </a:xfrm>
+      </p:grpSpPr>
+      <p:sp>
+        <p:nvSpPr>
+          <p:cNvPr id="2" name="Title 1"/>
+          <p:cNvSpPr>
+            <a:spLocks noGrp="1"/>
+          </p:cNvSpPr>
+          <p:nvPr>
+            <p:ph type="title"/>
+          </p:nvPr>
+        </p:nvSpPr>
+        <p:spPr/>
+        <p:txBody>
+          <a:bodyPr/>
+          <a:lstStyle/>
+          <a:p>
+            <a:r>
+              <a:rPr lang="en-US" dirty="0" smtClean="0"/>
+              <a:t>A.C.I.D.</a:t>
+            </a:r>
+            <a:endParaRPr lang="ru-RU" dirty="0"/>
+          </a:p>
+        </p:txBody>
+      </p:sp>
+      <p:sp>
+        <p:nvSpPr>
+          <p:cNvPr id="3" name="Content Placeholder 2"/>
+          <p:cNvSpPr>
+            <a:spLocks noGrp="1"/>
+          </p:cNvSpPr>
+          <p:nvPr>
+            <p:ph idx="1"/>
+          </p:nvPr>
+        </p:nvSpPr>
+        <p:spPr/>
+        <p:txBody>
+          <a:bodyPr>
+            <a:normAutofit fontScale="70000" lnSpcReduction="20000"/>
+          </a:bodyPr>
+          <a:lstStyle/>
+          <a:p>
+            <a:r>
+              <a:rPr lang="en-US" dirty="0" smtClean="0"/>
+              <a:t> </a:t>
+            </a:r>
+            <a:r>
+              <a:rPr lang="en-US" dirty="0" smtClean="0">
+                <a:solidFill>
+                  <a:srgbClr val="FFFF00"/>
+                </a:solidFill>
+              </a:rPr>
+              <a:t>A</a:t>
+            </a:r>
+            <a:r>
+              <a:rPr lang="en-US" dirty="0" smtClean="0"/>
+              <a:t>tomicity (</a:t>
+            </a:r>
+            <a:r>
+              <a:rPr lang="ru-RU" dirty="0" smtClean="0"/>
+              <a:t>Атомарность</a:t>
+            </a:r>
+            <a:r>
+              <a:rPr lang="en-US" dirty="0" smtClean="0"/>
+              <a:t>)</a:t>
+            </a:r>
+          </a:p>
+          <a:p>
+            <a:pPr lvl="1"/>
+            <a:r>
+              <a:rPr lang="ru-RU" dirty="0" smtClean="0"/>
+              <a:t>Гарантия, </a:t>
+            </a:r>
+            <a:r>
+              <a:rPr lang="ru-RU" dirty="0"/>
+              <a:t>что никакая транзакция не будет зафиксирована в системе </a:t>
+            </a:r>
+            <a:r>
+              <a:rPr lang="ru-RU" dirty="0" smtClean="0"/>
+              <a:t>частично.</a:t>
+            </a:r>
+            <a:endParaRPr lang="en-US" dirty="0" smtClean="0"/>
+          </a:p>
+          <a:p>
+            <a:r>
+              <a:rPr lang="en-US" dirty="0" smtClean="0"/>
+              <a:t> </a:t>
+            </a:r>
+            <a:r>
+              <a:rPr lang="en-US" dirty="0" smtClean="0">
+                <a:solidFill>
+                  <a:srgbClr val="FFFF00"/>
+                </a:solidFill>
+              </a:rPr>
+              <a:t>C</a:t>
+            </a:r>
+            <a:r>
+              <a:rPr lang="en-US" dirty="0" smtClean="0"/>
+              <a:t>onsistency (</a:t>
+            </a:r>
+            <a:r>
+              <a:rPr lang="ru-RU" dirty="0" smtClean="0"/>
+              <a:t>Согласованность</a:t>
+            </a:r>
+            <a:r>
+              <a:rPr lang="en-US" dirty="0" smtClean="0"/>
+              <a:t>)</a:t>
+            </a:r>
+            <a:endParaRPr lang="ru-RU" dirty="0" smtClean="0"/>
+          </a:p>
+          <a:p>
+            <a:pPr lvl="1"/>
+            <a:r>
+              <a:rPr lang="ru-RU" dirty="0"/>
+              <a:t>Транзакция достигающая своего нормального завершения </a:t>
+            </a:r>
+            <a:r>
+              <a:rPr lang="ru-RU" dirty="0" smtClean="0"/>
+              <a:t>и</a:t>
+            </a:r>
+            <a:r>
+              <a:rPr lang="ru-RU" dirty="0"/>
+              <a:t>, тем самым, фиксирующая свои результаты, сохраняет согласованность базы данных.</a:t>
+            </a:r>
+            <a:endParaRPr lang="en-US" dirty="0" smtClean="0"/>
+          </a:p>
+          <a:p>
+            <a:r>
+              <a:rPr lang="en-US" dirty="0" smtClean="0"/>
+              <a:t> </a:t>
+            </a:r>
+            <a:r>
+              <a:rPr lang="en-US" dirty="0" smtClean="0">
+                <a:solidFill>
+                  <a:srgbClr val="FFFF00"/>
+                </a:solidFill>
+              </a:rPr>
+              <a:t>I</a:t>
+            </a:r>
+            <a:r>
+              <a:rPr lang="en-US" dirty="0" smtClean="0"/>
+              <a:t>solation (</a:t>
+            </a:r>
+            <a:r>
+              <a:rPr lang="ru-RU" dirty="0" smtClean="0"/>
+              <a:t>Изолированность</a:t>
+            </a:r>
+            <a:r>
+              <a:rPr lang="en-US" dirty="0" smtClean="0"/>
+              <a:t>)</a:t>
+            </a:r>
+            <a:endParaRPr lang="ru-RU" dirty="0" smtClean="0"/>
+          </a:p>
+          <a:p>
+            <a:pPr lvl="1"/>
+            <a:r>
+              <a:rPr lang="ru-RU" dirty="0"/>
+              <a:t>Во время выполнения транзакции параллельные транзакции не должны оказывать влияние на её результат.</a:t>
+            </a:r>
+            <a:endParaRPr lang="en-US" dirty="0" smtClean="0"/>
+          </a:p>
+          <a:p>
+            <a:r>
+              <a:rPr lang="en-US" dirty="0" smtClean="0"/>
+              <a:t> </a:t>
+            </a:r>
+            <a:r>
+              <a:rPr lang="en-US" dirty="0" smtClean="0">
+                <a:solidFill>
+                  <a:srgbClr val="FFFF00"/>
+                </a:solidFill>
+              </a:rPr>
+              <a:t>D</a:t>
+            </a:r>
+            <a:r>
+              <a:rPr lang="en-US" dirty="0" smtClean="0"/>
+              <a:t>urability (</a:t>
+            </a:r>
+            <a:r>
+              <a:rPr lang="ru-RU" dirty="0" smtClean="0"/>
+              <a:t>Надежность</a:t>
+            </a:r>
+            <a:r>
+              <a:rPr lang="en-US" dirty="0" smtClean="0"/>
+              <a:t>)</a:t>
+            </a:r>
+            <a:endParaRPr lang="ru-RU" dirty="0" smtClean="0"/>
+          </a:p>
+          <a:p>
+            <a:pPr lvl="1"/>
+            <a:r>
+              <a:rPr lang="ru-RU" dirty="0" smtClean="0"/>
+              <a:t>Если </a:t>
+            </a:r>
+            <a:r>
+              <a:rPr lang="ru-RU" dirty="0"/>
+              <a:t>пользователь получил подтверждение от системы, что транзакция выполнена, он может быть уверен, что сделанные им изменения не будут отменены из-за какого-либо сбоя.</a:t>
+            </a:r>
+          </a:p>
+        </p:txBody>
+      </p:sp>
+    </p:spTree>
+    <p:extLst>
+      <p:ext uri="{BB962C8B-B14F-4D97-AF65-F5344CB8AC3E}">
+        <p14:creationId xmlns:p14="http://schemas.microsoft.com/office/powerpoint/2010/main" val="1177667350"/>
+      </p:ext>
+    </p:extLst>
+  </p:cSld>
+  <p:clrMapOvr>
+    <a:masterClrMapping/>
+  </p:clrMapOvr>
 </p:sld>
 </file>
 
@@ -9270,14 +9500,26 @@
           <a:lstStyle/>
           <a:p>
             <a:r>
-              <a:rPr lang="ru-RU" dirty="0" smtClean="0"/>
+              <a:rPr lang="ru-RU" dirty="0" smtClean="0">
+                <a:solidFill>
+                  <a:srgbClr val="FFFF00"/>
+                </a:solidFill>
+              </a:rPr>
               <a:t>Реляционные </a:t>
             </a:r>
             <a:r>
-              <a:rPr lang="en-US" dirty="0" smtClean="0"/>
+              <a:rPr lang="en-US" dirty="0" smtClean="0">
+                <a:solidFill>
+                  <a:srgbClr val="FFFF00"/>
+                </a:solidFill>
+              </a:rPr>
               <a:t>(relational)</a:t>
             </a:r>
-            <a:endParaRPr lang="ru-RU" dirty="0" smtClean="0"/>
+            <a:endParaRPr lang="ru-RU" dirty="0" smtClean="0">
+              <a:solidFill>
+                <a:srgbClr val="FFFF00"/>
+              </a:solidFill>
+            </a:endParaRPr>
           </a:p>
           <a:p>
             <a:r>
@@ -9287,6 +9529,30 @@
             <a:r>
               <a:rPr lang="en-US" dirty="0" smtClean="0"/>
               <a:t> (document-driven)</a:t>
+            </a:r>
+          </a:p>
+          <a:p>
+            <a:r>
+              <a:rPr lang="ru-RU" dirty="0" smtClean="0"/>
+              <a:t>Графовые </a:t>
+            </a:r>
+            <a:r>
+              <a:rPr lang="en-US" dirty="0" smtClean="0"/>
+              <a:t>(graph</a:t>
+            </a:r>
+            <a:r>
+              <a:rPr lang="en-US" dirty="0" smtClean="0"/>
+              <a:t>)</a:t>
+            </a:r>
+          </a:p>
+          <a:p>
+            <a:r>
+              <a:rPr lang="ru-RU" dirty="0" smtClean="0"/>
+              <a:t>и другие </a:t>
+            </a:r>
+            <a:r>
+              <a:rPr lang="en-US" dirty="0" smtClean="0"/>
+              <a:t>...</a:t>
             </a:r>
             <a:endParaRPr lang="ru-RU" dirty="0" smtClean="0"/>
           </a:p>

--- a/Presentation/lesson-09-sql.pptx
+++ b/Presentation/lesson-09-sql.pptx
@@ -221,7 +221,7 @@
           <a:p>
             <a:fld id="{B24A7054-7FFB-49F4-A126-5DF6E687FF53}" type="datetimeFigureOut">
               <a:rPr lang="ru-RU" smtClean="0"/>
-              <a:t>13.09.2014</a:t>
+              <a:t>21.09.2014</a:t>
             </a:fld>
             <a:endParaRPr lang="ru-RU"/>
           </a:p>
@@ -1503,7 +1503,7 @@
           <a:p>
             <a:fld id="{8E6E6A2A-E9D3-4A0D-B04A-ABDD367A1E08}" type="datetimeFigureOut">
               <a:rPr lang="ru-RU" smtClean="0"/>
-              <a:t>13.09.2014</a:t>
+              <a:t>21.09.2014</a:t>
             </a:fld>
             <a:endParaRPr lang="ru-RU"/>
           </a:p>
@@ -2948,7 +2948,7 @@
           <a:p>
             <a:fld id="{AC3D3127-B7C4-45E3-9797-C527EC9FDD78}" type="datetimeFigureOut">
               <a:rPr lang="ru-RU" smtClean="0"/>
-              <a:t>13.09.2014</a:t>
+              <a:t>21.09.2014</a:t>
             </a:fld>
             <a:endParaRPr lang="ru-RU"/>
           </a:p>
@@ -8680,7 +8680,7 @@
 </file>
 
 <file path=ppt/slides/slide3.xml><?xml version="1.0" encoding="utf-8"?>
-<p:sld xmlns:a="http://schemas.openxmlformats.org/drawingml/2006/main" xmlns:r="http://schemas.openxmlformats.org/officeDocument/2006/relationships" xmlns:p="http://schemas.openxmlformats.org/presentationml/2006/main" show="0">
+<p:sld xmlns:a="http://schemas.openxmlformats.org/drawingml/2006/main" xmlns:r="http://schemas.openxmlformats.org/officeDocument/2006/relationships" xmlns:p="http://schemas.openxmlformats.org/presentationml/2006/main">
   <p:cSld>
     <p:spTree>
       <p:nvGrpSpPr>
@@ -8757,39 +8757,57 @@
           <a:lstStyle/>
           <a:p>
             <a:r>
-              <a:rPr lang="en-US" strike="sngStrike" dirty="0" smtClean="0">
+              <a:rPr lang="ru-RU" dirty="0" smtClean="0">
                 <a:solidFill>
                   <a:schemeClr val="bg1"/>
                 </a:solidFill>
+              </a:rPr>
+              <a:t>Упражнения по </a:t>
+            </a:r>
+            <a:r>
+              <a:rPr lang="en-US" dirty="0">
+                <a:solidFill>
+                  <a:schemeClr val="bg1"/>
+                </a:solidFill>
+              </a:rPr>
+              <a:t>SQL</a:t>
+            </a:r>
+            <a:br>
+              <a:rPr lang="en-US" dirty="0">
+                <a:solidFill>
+                  <a:schemeClr val="bg1"/>
+                </a:solidFill>
+              </a:rPr>
+            </a:br>
+            <a:r>
+              <a:rPr lang="en-US" dirty="0">
+                <a:solidFill>
+                  <a:schemeClr val="bg1"/>
+                </a:solidFill>
                 <a:hlinkClick r:id="rId2"/>
               </a:rPr>
-              <a:t>www.sqlcmd.ru</a:t>
-            </a:r>
-            <a:r>
-              <a:rPr lang="en-US" strike="sngStrike" dirty="0" smtClean="0">
+              <a:t>http://sql-ex.ru/?</a:t>
+            </a:r>
+            <a:r>
+              <a:rPr lang="en-US" dirty="0" smtClean="0">
                 <a:solidFill>
                   <a:schemeClr val="bg1"/>
                 </a:solidFill>
-              </a:rPr>
-              <a:t> – </a:t>
-            </a:r>
-            <a:r>
-              <a:rPr lang="ru-RU" strike="sngStrike" dirty="0" smtClean="0">
-                <a:solidFill>
-                  <a:schemeClr val="bg1"/>
-                </a:solidFill>
-              </a:rPr>
-              <a:t>блог на русском языке о работе и администрировании </a:t>
-            </a:r>
-            <a:r>
-              <a:rPr lang="en-US" strike="sngStrike" dirty="0" smtClean="0">
-                <a:solidFill>
-                  <a:schemeClr val="bg1"/>
-                </a:solidFill>
-              </a:rPr>
-              <a:t>SQL Server.</a:t>
-            </a:r>
-            <a:endParaRPr lang="ru-RU" strike="sngStrike" dirty="0" smtClean="0">
+                <a:hlinkClick r:id="rId2"/>
+              </a:rPr>
+              <a:t>Lang=0</a:t>
+            </a:r>
+            <a:endParaRPr lang="en-US" dirty="0" smtClean="0">
+              <a:solidFill>
+                <a:schemeClr val="bg1"/>
+              </a:solidFill>
+            </a:endParaRPr>
+          </a:p>
+          <a:p>
+            <a:pPr marL="0" indent="0">
+              <a:buNone/>
+            </a:pPr>
+            <a:endParaRPr lang="ru-RU" dirty="0" smtClean="0">
               <a:solidFill>
                 <a:schemeClr val="bg1"/>
               </a:solidFill>
@@ -8856,11 +8874,11 @@
   <p:clrMapOvr>
     <a:masterClrMapping/>
   </p:clrMapOvr>
-  <mc:AlternateContent xmlns:mc="http://schemas.openxmlformats.org/markup-compatibility/2006" xmlns:p14="http://schemas.microsoft.com/office/powerpoint/2010/main">
-    <mc:Choice Requires="p14">
+  <mc:AlternateContent xmlns:mc="http://schemas.openxmlformats.org/markup-compatibility/2006">
+    <mc:Choice xmlns:p14="http://schemas.microsoft.com/office/powerpoint/2010/main" Requires="p14">
       <p:transition spd="slow" p14:dur="2000"/>
     </mc:Choice>
-    <mc:Fallback xmlns="">
+    <mc:Fallback>
       <p:transition spd="slow"/>
     </mc:Fallback>
   </mc:AlternateContent>
@@ -9538,11 +9556,7 @@
             </a:r>
             <a:r>
               <a:rPr lang="en-US" dirty="0" smtClean="0"/>
-              <a:t>(graph</a:t>
-            </a:r>
-            <a:r>
-              <a:rPr lang="en-US" dirty="0" smtClean="0"/>
-              <a:t>)</a:t>
+              <a:t>(graph)</a:t>
             </a:r>
           </a:p>
           <a:p>

--- a/Presentation/lesson-09-sql.pptx
+++ b/Presentation/lesson-09-sql.pptx
@@ -5,7 +5,7 @@
     <p:sldMasterId id="2147483648" r:id="rId1"/>
   </p:sldMasterIdLst>
   <p:notesMasterIdLst>
-    <p:notesMasterId r:id="rId32"/>
+    <p:notesMasterId r:id="rId34"/>
   </p:notesMasterIdLst>
   <p:sldIdLst>
     <p:sldId id="256" r:id="rId2"/>
@@ -17,27 +17,29 @@
     <p:sldId id="278" r:id="rId8"/>
     <p:sldId id="279" r:id="rId9"/>
     <p:sldId id="259" r:id="rId10"/>
-    <p:sldId id="270" r:id="rId11"/>
-    <p:sldId id="269" r:id="rId12"/>
-    <p:sldId id="276" r:id="rId13"/>
-    <p:sldId id="277" r:id="rId14"/>
-    <p:sldId id="281" r:id="rId15"/>
-    <p:sldId id="282" r:id="rId16"/>
-    <p:sldId id="285" r:id="rId17"/>
-    <p:sldId id="260" r:id="rId18"/>
-    <p:sldId id="261" r:id="rId19"/>
-    <p:sldId id="262" r:id="rId20"/>
-    <p:sldId id="263" r:id="rId21"/>
-    <p:sldId id="264" r:id="rId22"/>
-    <p:sldId id="265" r:id="rId23"/>
-    <p:sldId id="266" r:id="rId24"/>
-    <p:sldId id="286" r:id="rId25"/>
-    <p:sldId id="267" r:id="rId26"/>
-    <p:sldId id="271" r:id="rId27"/>
-    <p:sldId id="280" r:id="rId28"/>
-    <p:sldId id="272" r:id="rId29"/>
-    <p:sldId id="273" r:id="rId30"/>
-    <p:sldId id="287" r:id="rId31"/>
+    <p:sldId id="287" r:id="rId11"/>
+    <p:sldId id="270" r:id="rId12"/>
+    <p:sldId id="269" r:id="rId13"/>
+    <p:sldId id="276" r:id="rId14"/>
+    <p:sldId id="277" r:id="rId15"/>
+    <p:sldId id="281" r:id="rId16"/>
+    <p:sldId id="289" r:id="rId17"/>
+    <p:sldId id="285" r:id="rId18"/>
+    <p:sldId id="260" r:id="rId19"/>
+    <p:sldId id="261" r:id="rId20"/>
+    <p:sldId id="262" r:id="rId21"/>
+    <p:sldId id="263" r:id="rId22"/>
+    <p:sldId id="264" r:id="rId23"/>
+    <p:sldId id="265" r:id="rId24"/>
+    <p:sldId id="266" r:id="rId25"/>
+    <p:sldId id="286" r:id="rId26"/>
+    <p:sldId id="267" r:id="rId27"/>
+    <p:sldId id="271" r:id="rId28"/>
+    <p:sldId id="282" r:id="rId29"/>
+    <p:sldId id="288" r:id="rId30"/>
+    <p:sldId id="280" r:id="rId31"/>
+    <p:sldId id="272" r:id="rId32"/>
+    <p:sldId id="273" r:id="rId33"/>
   </p:sldIdLst>
   <p:sldSz cx="9144000" cy="6858000" type="screen4x3"/>
   <p:notesSz cx="6858000" cy="9144000"/>
@@ -221,7 +223,7 @@
           <a:p>
             <a:fld id="{B24A7054-7FFB-49F4-A126-5DF6E687FF53}" type="datetimeFigureOut">
               <a:rPr lang="ru-RU" smtClean="0"/>
-              <a:t>21.09.2014</a:t>
+              <a:t>05.10.2014</a:t>
             </a:fld>
             <a:endParaRPr lang="ru-RU"/>
           </a:p>
@@ -1503,7 +1505,7 @@
           <a:p>
             <a:fld id="{8E6E6A2A-E9D3-4A0D-B04A-ABDD367A1E08}" type="datetimeFigureOut">
               <a:rPr lang="ru-RU" smtClean="0"/>
-              <a:t>21.09.2014</a:t>
+              <a:t>05.10.2014</a:t>
             </a:fld>
             <a:endParaRPr lang="ru-RU"/>
           </a:p>
@@ -2948,7 +2950,7 @@
           <a:p>
             <a:fld id="{AC3D3127-B7C4-45E3-9797-C527EC9FDD78}" type="datetimeFigureOut">
               <a:rPr lang="ru-RU" smtClean="0"/>
-              <a:t>21.09.2014</a:t>
+              <a:t>05.10.2014</a:t>
             </a:fld>
             <a:endParaRPr lang="ru-RU"/>
           </a:p>
@@ -3550,14 +3552,24 @@
         </p:nvSpPr>
         <p:spPr/>
         <p:txBody>
-          <a:bodyPr/>
+          <a:bodyPr>
+            <a:normAutofit fontScale="90000"/>
+          </a:bodyPr>
           <a:lstStyle/>
           <a:p>
             <a:r>
               <a:rPr lang="ru-RU" dirty="0" smtClean="0"/>
-              <a:t>Понятие нормализации</a:t>
-            </a:r>
-            <a:endParaRPr lang="en-US" dirty="0"/>
+              <a:t>Некоторые гарантии СУБД - </a:t>
+            </a:r>
+            <a:r>
+              <a:rPr lang="en-US" dirty="0" smtClean="0"/>
+              <a:t>A.C.I.D</a:t>
+            </a:r>
+            <a:r>
+              <a:rPr lang="en-US" dirty="0" smtClean="0"/>
+              <a:t>.</a:t>
+            </a:r>
+            <a:endParaRPr lang="ru-RU" dirty="0"/>
           </a:p>
         </p:txBody>
       </p:sp>
@@ -3573,23 +3585,187 @@
         </p:nvSpPr>
         <p:spPr/>
         <p:txBody>
-          <a:bodyPr/>
+          <a:bodyPr>
+            <a:normAutofit fontScale="70000" lnSpcReduction="20000"/>
+          </a:bodyPr>
           <a:lstStyle/>
           <a:p>
-            <a:endParaRPr lang="en-US" dirty="0"/>
+            <a:r>
+              <a:rPr lang="en-US" dirty="0" smtClean="0"/>
+              <a:t> </a:t>
+            </a:r>
+            <a:r>
+              <a:rPr lang="en-US" dirty="0" smtClean="0">
+                <a:solidFill>
+                  <a:srgbClr val="FFFF00"/>
+                </a:solidFill>
+              </a:rPr>
+              <a:t>A</a:t>
+            </a:r>
+            <a:r>
+              <a:rPr lang="en-US" dirty="0" smtClean="0"/>
+              <a:t>tomicity (</a:t>
+            </a:r>
+            <a:r>
+              <a:rPr lang="ru-RU" dirty="0" smtClean="0"/>
+              <a:t>Атомарность</a:t>
+            </a:r>
+            <a:r>
+              <a:rPr lang="en-US" dirty="0" smtClean="0"/>
+              <a:t>)</a:t>
+            </a:r>
+          </a:p>
+          <a:p>
+            <a:pPr lvl="1"/>
+            <a:r>
+              <a:rPr lang="ru-RU" dirty="0" smtClean="0"/>
+              <a:t>Гарантия, </a:t>
+            </a:r>
+            <a:r>
+              <a:rPr lang="ru-RU" dirty="0"/>
+              <a:t>что никакая транзакция не будет зафиксирована в системе </a:t>
+            </a:r>
+            <a:r>
+              <a:rPr lang="ru-RU" dirty="0" smtClean="0"/>
+              <a:t>частично.</a:t>
+            </a:r>
+            <a:endParaRPr lang="en-US" dirty="0" smtClean="0"/>
+          </a:p>
+          <a:p>
+            <a:r>
+              <a:rPr lang="en-US" dirty="0" smtClean="0"/>
+              <a:t> </a:t>
+            </a:r>
+            <a:r>
+              <a:rPr lang="en-US" dirty="0" smtClean="0">
+                <a:solidFill>
+                  <a:srgbClr val="FFFF00"/>
+                </a:solidFill>
+              </a:rPr>
+              <a:t>C</a:t>
+            </a:r>
+            <a:r>
+              <a:rPr lang="en-US" dirty="0" smtClean="0"/>
+              <a:t>onsistency (</a:t>
+            </a:r>
+            <a:r>
+              <a:rPr lang="ru-RU" dirty="0" smtClean="0"/>
+              <a:t>Согласованность</a:t>
+            </a:r>
+            <a:r>
+              <a:rPr lang="en-US" dirty="0" smtClean="0"/>
+              <a:t>)</a:t>
+            </a:r>
+            <a:endParaRPr lang="ru-RU" dirty="0" smtClean="0"/>
+          </a:p>
+          <a:p>
+            <a:pPr lvl="1"/>
+            <a:r>
+              <a:rPr lang="ru-RU" dirty="0"/>
+              <a:t>Транзакция достигающая своего нормального завершения </a:t>
+            </a:r>
+            <a:r>
+              <a:rPr lang="ru-RU" dirty="0" smtClean="0"/>
+              <a:t>и</a:t>
+            </a:r>
+            <a:r>
+              <a:rPr lang="ru-RU" dirty="0"/>
+              <a:t>, тем самым, фиксирующая свои результаты, сохраняет согласованность базы данных.</a:t>
+            </a:r>
+            <a:endParaRPr lang="en-US" dirty="0" smtClean="0"/>
+          </a:p>
+          <a:p>
+            <a:r>
+              <a:rPr lang="en-US" dirty="0" smtClean="0"/>
+              <a:t> </a:t>
+            </a:r>
+            <a:r>
+              <a:rPr lang="en-US" dirty="0" smtClean="0">
+                <a:solidFill>
+                  <a:srgbClr val="FFFF00"/>
+                </a:solidFill>
+              </a:rPr>
+              <a:t>I</a:t>
+            </a:r>
+            <a:r>
+              <a:rPr lang="en-US" dirty="0" smtClean="0"/>
+              <a:t>solation (</a:t>
+            </a:r>
+            <a:r>
+              <a:rPr lang="ru-RU" dirty="0" smtClean="0"/>
+              <a:t>Изолированность</a:t>
+            </a:r>
+            <a:r>
+              <a:rPr lang="en-US" dirty="0" smtClean="0"/>
+              <a:t>)</a:t>
+            </a:r>
+            <a:endParaRPr lang="ru-RU" dirty="0" smtClean="0"/>
+          </a:p>
+          <a:p>
+            <a:pPr lvl="1"/>
+            <a:r>
+              <a:rPr lang="ru-RU" dirty="0"/>
+              <a:t>Во время выполнения транзакции параллельные транзакции не должны оказывать влияние на её результат.</a:t>
+            </a:r>
+            <a:endParaRPr lang="en-US" dirty="0" smtClean="0"/>
+          </a:p>
+          <a:p>
+            <a:r>
+              <a:rPr lang="en-US" dirty="0" smtClean="0"/>
+              <a:t> </a:t>
+            </a:r>
+            <a:r>
+              <a:rPr lang="en-US" dirty="0" smtClean="0">
+                <a:solidFill>
+                  <a:srgbClr val="FFFF00"/>
+                </a:solidFill>
+              </a:rPr>
+              <a:t>D</a:t>
+            </a:r>
+            <a:r>
+              <a:rPr lang="en-US" dirty="0" smtClean="0"/>
+              <a:t>urability (</a:t>
+            </a:r>
+            <a:r>
+              <a:rPr lang="ru-RU" dirty="0" smtClean="0"/>
+              <a:t>Надежность</a:t>
+            </a:r>
+            <a:r>
+              <a:rPr lang="en-US" dirty="0" smtClean="0"/>
+              <a:t>)</a:t>
+            </a:r>
+            <a:endParaRPr lang="ru-RU" dirty="0" smtClean="0"/>
+          </a:p>
+          <a:p>
+            <a:pPr lvl="1"/>
+            <a:r>
+              <a:rPr lang="ru-RU" dirty="0" smtClean="0"/>
+              <a:t>Если </a:t>
+            </a:r>
+            <a:r>
+              <a:rPr lang="ru-RU" dirty="0"/>
+              <a:t>пользователь получил подтверждение от системы, что транзакция выполнена, он может быть уверен, что сделанные им изменения не будут отменены из-за какого-либо сбоя.</a:t>
+            </a:r>
           </a:p>
         </p:txBody>
       </p:sp>
     </p:spTree>
     <p:extLst>
       <p:ext uri="{BB962C8B-B14F-4D97-AF65-F5344CB8AC3E}">
-        <p14:creationId xmlns:p14="http://schemas.microsoft.com/office/powerpoint/2010/main" val="2031119416"/>
+        <p14:creationId xmlns:p14="http://schemas.microsoft.com/office/powerpoint/2010/main" val="1177667350"/>
       </p:ext>
     </p:extLst>
   </p:cSld>
   <p:clrMapOvr>
     <a:masterClrMapping/>
   </p:clrMapOvr>
+  <p:timing>
+    <p:tnLst>
+      <p:par>
+        <p:cTn id="1" dur="indefinite" restart="never" nodeType="tmRoot"/>
+      </p:par>
+    </p:tnLst>
+  </p:timing>
 </p:sld>
 </file>
 
@@ -3622,54 +3798,12 @@
         </p:nvSpPr>
         <p:spPr/>
         <p:txBody>
-          <a:bodyPr>
-            <a:normAutofit fontScale="90000"/>
-          </a:bodyPr>
+          <a:bodyPr/>
           <a:lstStyle/>
           <a:p>
             <a:r>
               <a:rPr lang="ru-RU" dirty="0" smtClean="0"/>
-              <a:t>Язык </a:t>
-            </a:r>
-            <a:r>
-              <a:rPr lang="en-US" dirty="0" smtClean="0"/>
-              <a:t>SQL (</a:t>
-            </a:r>
-            <a:r>
-              <a:rPr lang="en-US" dirty="0" smtClean="0">
-                <a:solidFill>
-                  <a:srgbClr val="FF0000"/>
-                </a:solidFill>
-              </a:rPr>
-              <a:t>S</a:t>
-            </a:r>
-            <a:r>
-              <a:rPr lang="en-US" dirty="0" smtClean="0"/>
-              <a:t>tructured </a:t>
-            </a:r>
-            <a:r>
-              <a:rPr lang="en-US" dirty="0" smtClean="0">
-                <a:solidFill>
-                  <a:srgbClr val="FF0000"/>
-                </a:solidFill>
-              </a:rPr>
-              <a:t>Q</a:t>
-            </a:r>
-            <a:r>
-              <a:rPr lang="en-US" dirty="0" smtClean="0"/>
-              <a:t>uery </a:t>
-            </a:r>
-            <a:r>
-              <a:rPr lang="en-US" dirty="0" smtClean="0">
-                <a:solidFill>
-                  <a:srgbClr val="FF0000"/>
-                </a:solidFill>
-              </a:rPr>
-              <a:t>L</a:t>
-            </a:r>
-            <a:r>
-              <a:rPr lang="en-US" dirty="0" smtClean="0"/>
-              <a:t>anguage)</a:t>
+              <a:t>Понятие нормализации</a:t>
             </a:r>
             <a:endParaRPr lang="en-US" dirty="0"/>
           </a:p>
@@ -3688,90 +3822,125 @@
         <p:spPr/>
         <p:txBody>
           <a:bodyPr>
-            <a:normAutofit fontScale="85000" lnSpcReduction="20000"/>
+            <a:normAutofit fontScale="55000" lnSpcReduction="20000"/>
           </a:bodyPr>
           <a:lstStyle/>
           <a:p>
+            <a:pPr marL="0" indent="0">
+              <a:buNone/>
+            </a:pPr>
+            <a:r>
+              <a:rPr lang="ru-RU" dirty="0"/>
+              <a:t>Процесс преобразования отношений базы данных к виду, отвечающему </a:t>
+            </a:r>
+            <a:r>
+              <a:rPr lang="ru-RU" dirty="0">
+                <a:solidFill>
+                  <a:srgbClr val="FFFF00"/>
+                </a:solidFill>
+              </a:rPr>
+              <a:t>нормальным формам</a:t>
+            </a:r>
+            <a:r>
+              <a:rPr lang="ru-RU" dirty="0"/>
+              <a:t>, называется </a:t>
+            </a:r>
+            <a:r>
+              <a:rPr lang="ru-RU" dirty="0">
+                <a:solidFill>
+                  <a:srgbClr val="FFFF00"/>
+                </a:solidFill>
+              </a:rPr>
+              <a:t>нормализацией</a:t>
+            </a:r>
+            <a:r>
+              <a:rPr lang="ru-RU" dirty="0"/>
+              <a:t>. Нормализация предназначена для приведения структуры БД к виду, обеспечивающему минимальную логическую избыточность, и не имеет целью уменьшение или увеличение производительности работы или же уменьшение или увеличение физического объёма базы данных</a:t>
+            </a:r>
             <a:r>
               <a:rPr lang="ru-RU" dirty="0" smtClean="0"/>
-              <a:t>Универсальный язык</a:t>
+              <a:t>. </a:t>
             </a:r>
             <a:r>
               <a:rPr lang="ru-RU" dirty="0"/>
-              <a:t>, применяемый для создания, модификации и управления данными в реляционных базах данных</a:t>
+              <a:t>Конечной целью нормализации является уменьшение потенциальной противоречивости хранимой в базе данных информации. О</a:t>
             </a:r>
             <a:r>
               <a:rPr lang="ru-RU" dirty="0" smtClean="0"/>
-              <a:t>.</a:t>
-            </a:r>
-          </a:p>
-          <a:p>
+              <a:t>бщее </a:t>
+            </a:r>
+            <a:r>
+              <a:rPr lang="ru-RU" dirty="0"/>
+              <a:t>назначение процесса нормализации заключается в следующем:</a:t>
+            </a:r>
+          </a:p>
+          <a:p>
+            <a:r>
+              <a:rPr lang="ru-RU" dirty="0"/>
+              <a:t>исключение некоторых типов </a:t>
+            </a:r>
             <a:r>
               <a:rPr lang="ru-RU" dirty="0" smtClean="0"/>
-              <a:t>Есть ряд </a:t>
-            </a:r>
-            <a:r>
-              <a:rPr lang="en-US" dirty="0" smtClean="0"/>
-              <a:t>ISO</a:t>
-            </a:r>
+              <a:t>избыточности;</a:t>
+            </a:r>
+          </a:p>
+          <a:p>
             <a:r>
               <a:rPr lang="ru-RU" dirty="0" smtClean="0"/>
-              <a:t> стандартов (</a:t>
-            </a:r>
-            <a:r>
-              <a:rPr lang="en-US" dirty="0"/>
-              <a:t>SQL-86, SQL-89, SQL-92, SQL:1999, SQL:2003, SQL:2006, SQL:2008, </a:t>
-            </a:r>
-            <a:r>
-              <a:rPr lang="en-US" dirty="0" smtClean="0"/>
-              <a:t>SQL:2011</a:t>
+              <a:t>устранение </a:t>
+            </a:r>
+            <a:r>
+              <a:rPr lang="ru-RU" dirty="0"/>
+              <a:t>некоторых аномалий </a:t>
             </a:r>
             <a:r>
               <a:rPr lang="ru-RU" dirty="0" smtClean="0"/>
-              <a:t>)</a:t>
+              <a:t>обновления;</a:t>
             </a:r>
           </a:p>
           <a:p>
             <a:r>
               <a:rPr lang="ru-RU" dirty="0" smtClean="0"/>
-              <a:t>У разных производителей свои диалекты</a:t>
-            </a:r>
-          </a:p>
-          <a:p>
-            <a:pPr lvl="1"/>
-            <a:r>
-              <a:rPr lang="en-US" dirty="0" smtClean="0"/>
-              <a:t>PL/SQL (Oracle)</a:t>
-            </a:r>
-          </a:p>
-          <a:p>
-            <a:pPr lvl="1"/>
-            <a:r>
-              <a:rPr lang="en-US" dirty="0" smtClean="0"/>
-              <a:t>T-SQL (Microsoft)</a:t>
-            </a:r>
-            <a:endParaRPr lang="ru-RU" dirty="0" smtClean="0"/>
-          </a:p>
-          <a:p>
+              <a:t>разработка </a:t>
+            </a:r>
+            <a:r>
+              <a:rPr lang="ru-RU" dirty="0"/>
+              <a:t>проекта базы данных, который является достаточно «качественным» представлением реального мира, интуитивно понятен и может служить хорошей основой для последующего </a:t>
+            </a:r>
             <a:r>
               <a:rPr lang="ru-RU" dirty="0" smtClean="0"/>
-              <a:t>Диалекты</a:t>
-            </a:r>
-            <a:endParaRPr lang="en-US" dirty="0" smtClean="0"/>
-          </a:p>
-          <a:p>
-            <a:pPr lvl="1"/>
-            <a:r>
-              <a:rPr lang="en-US" dirty="0" smtClean="0"/>
-              <a:t>Data Definition Language – DDL</a:t>
-            </a:r>
-            <a:endParaRPr lang="ru-RU" dirty="0" smtClean="0"/>
-          </a:p>
-          <a:p>
-            <a:pPr lvl="1"/>
-            <a:r>
-              <a:rPr lang="en-US" dirty="0" smtClean="0"/>
-              <a:t>Data Manipulation Language - DML</a:t>
+              <a:t>расширения;</a:t>
+            </a:r>
+          </a:p>
+          <a:p>
+            <a:r>
+              <a:rPr lang="ru-RU" dirty="0" smtClean="0"/>
+              <a:t>упрощение </a:t>
+            </a:r>
+            <a:r>
+              <a:rPr lang="ru-RU" dirty="0"/>
+              <a:t>процедуры применения необходимых ограничений целостности.</a:t>
+            </a:r>
+          </a:p>
+          <a:p>
+            <a:pPr marL="0" indent="0">
+              <a:buNone/>
+            </a:pPr>
+            <a:r>
+              <a:rPr lang="ru-RU" dirty="0"/>
+              <a:t>Устранение избыточности производится, как правило, за счёт декомпозиции отношений таким образом, чтобы в каждом отношении хранились только </a:t>
+            </a:r>
+            <a:r>
+              <a:rPr lang="ru-RU" dirty="0" smtClean="0"/>
+              <a:t>первичные </a:t>
+            </a:r>
+            <a:r>
+              <a:rPr lang="ru-RU" dirty="0"/>
+              <a:t>факты (то есть факты, не выводимые из других хранимых фактов</a:t>
+            </a:r>
+            <a:r>
+              <a:rPr lang="ru-RU" dirty="0" smtClean="0"/>
+              <a:t>).</a:t>
             </a:r>
             <a:endParaRPr lang="en-US" dirty="0"/>
           </a:p>
@@ -3780,13 +3949,20 @@
     </p:spTree>
     <p:extLst>
       <p:ext uri="{BB962C8B-B14F-4D97-AF65-F5344CB8AC3E}">
-        <p14:creationId xmlns:p14="http://schemas.microsoft.com/office/powerpoint/2010/main" val="233512801"/>
+        <p14:creationId xmlns:p14="http://schemas.microsoft.com/office/powerpoint/2010/main" val="2031119416"/>
       </p:ext>
     </p:extLst>
   </p:cSld>
   <p:clrMapOvr>
     <a:masterClrMapping/>
   </p:clrMapOvr>
+  <p:timing>
+    <p:tnLst>
+      <p:par>
+        <p:cTn id="1" dur="indefinite" restart="never" nodeType="tmRoot"/>
+      </p:par>
+    </p:tnLst>
+  </p:timing>
 </p:sld>
 </file>
 
@@ -3817,12 +3993,7 @@
             <p:ph type="title"/>
           </p:nvPr>
         </p:nvSpPr>
-        <p:spPr>
-          <a:xfrm>
-            <a:off x="457200" y="2857500"/>
-            <a:ext cx="8229600" cy="1143000"/>
-          </a:xfrm>
-        </p:spPr>
+        <p:spPr/>
         <p:txBody>
           <a:bodyPr>
             <a:normAutofit fontScale="90000"/>
@@ -3830,15 +4001,150 @@
           <a:lstStyle/>
           <a:p>
             <a:r>
+              <a:rPr lang="ru-RU" dirty="0" smtClean="0"/>
+              <a:t>Язык </a:t>
+            </a:r>
+            <a:r>
               <a:rPr lang="en-US" dirty="0" smtClean="0"/>
-              <a:t>SQL Server Management Studio</a:t>
-            </a:r>
-            <a:br>
+              <a:t>SQL (</a:t>
+            </a:r>
+            <a:r>
+              <a:rPr lang="en-US" dirty="0" smtClean="0">
+                <a:solidFill>
+                  <a:srgbClr val="FF0000"/>
+                </a:solidFill>
+              </a:rPr>
+              <a:t>S</a:t>
+            </a:r>
+            <a:r>
               <a:rPr lang="en-US" dirty="0" smtClean="0"/>
-            </a:br>
+              <a:t>tructured </a:t>
+            </a:r>
+            <a:r>
+              <a:rPr lang="en-US" dirty="0" smtClean="0">
+                <a:solidFill>
+                  <a:srgbClr val="FF0000"/>
+                </a:solidFill>
+              </a:rPr>
+              <a:t>Q</a:t>
+            </a:r>
+            <a:r>
+              <a:rPr lang="en-US" dirty="0" smtClean="0"/>
+              <a:t>uery </a:t>
+            </a:r>
+            <a:r>
+              <a:rPr lang="en-US" dirty="0" smtClean="0">
+                <a:solidFill>
+                  <a:srgbClr val="FF0000"/>
+                </a:solidFill>
+              </a:rPr>
+              <a:t>L</a:t>
+            </a:r>
+            <a:r>
+              <a:rPr lang="en-US" dirty="0" smtClean="0"/>
+              <a:t>anguage)</a:t>
+            </a:r>
+            <a:endParaRPr lang="en-US" dirty="0"/>
+          </a:p>
+        </p:txBody>
+      </p:sp>
+      <p:sp>
+        <p:nvSpPr>
+          <p:cNvPr id="3" name="Content Placeholder 2"/>
+          <p:cNvSpPr>
+            <a:spLocks noGrp="1"/>
+          </p:cNvSpPr>
+          <p:nvPr>
+            <p:ph idx="1"/>
+          </p:nvPr>
+        </p:nvSpPr>
+        <p:spPr/>
+        <p:txBody>
+          <a:bodyPr>
+            <a:normAutofit fontScale="85000" lnSpcReduction="20000"/>
+          </a:bodyPr>
+          <a:lstStyle/>
+          <a:p>
             <a:r>
               <a:rPr lang="ru-RU" dirty="0" smtClean="0"/>
-              <a:t>Демонстрация</a:t>
+              <a:t>Универсальный язык</a:t>
+            </a:r>
+            <a:r>
+              <a:rPr lang="ru-RU" dirty="0"/>
+              <a:t>, применяемый для создания, модификации и управления данными в реляционных базах данных</a:t>
+            </a:r>
+            <a:r>
+              <a:rPr lang="ru-RU" dirty="0" smtClean="0"/>
+              <a:t>.</a:t>
+            </a:r>
+          </a:p>
+          <a:p>
+            <a:r>
+              <a:rPr lang="ru-RU" dirty="0" smtClean="0"/>
+              <a:t>Есть ряд </a:t>
+            </a:r>
+            <a:r>
+              <a:rPr lang="en-US" dirty="0" smtClean="0"/>
+              <a:t>ISO</a:t>
+            </a:r>
+            <a:r>
+              <a:rPr lang="ru-RU" dirty="0" smtClean="0"/>
+              <a:t> стандартов (</a:t>
+            </a:r>
+            <a:r>
+              <a:rPr lang="en-US" dirty="0"/>
+              <a:t>SQL-86, SQL-89, SQL-92, SQL:1999, SQL:2003, SQL:2006, SQL:2008, </a:t>
+            </a:r>
+            <a:r>
+              <a:rPr lang="en-US" dirty="0" smtClean="0"/>
+              <a:t>SQL:2011</a:t>
+            </a:r>
+            <a:r>
+              <a:rPr lang="ru-RU" dirty="0" smtClean="0"/>
+              <a:t>)</a:t>
+            </a:r>
+          </a:p>
+          <a:p>
+            <a:r>
+              <a:rPr lang="ru-RU" dirty="0" smtClean="0"/>
+              <a:t>У разных производителей свои диалекты</a:t>
+            </a:r>
+          </a:p>
+          <a:p>
+            <a:pPr lvl="1"/>
+            <a:r>
+              <a:rPr lang="en-US" dirty="0" smtClean="0"/>
+              <a:t>PL/SQL (Oracle)</a:t>
+            </a:r>
+          </a:p>
+          <a:p>
+            <a:pPr lvl="1"/>
+            <a:r>
+              <a:rPr lang="en-US" dirty="0" smtClean="0"/>
+              <a:t>T-SQL (Microsoft)</a:t>
+            </a:r>
+            <a:endParaRPr lang="ru-RU" dirty="0" smtClean="0"/>
+          </a:p>
+          <a:p>
+            <a:r>
+              <a:rPr lang="ru-RU" dirty="0" smtClean="0"/>
+              <a:t>Диалекты</a:t>
+            </a:r>
+            <a:endParaRPr lang="en-US" dirty="0" smtClean="0"/>
+          </a:p>
+          <a:p>
+            <a:pPr lvl="1"/>
+            <a:r>
+              <a:rPr lang="en-US" dirty="0" smtClean="0"/>
+              <a:t>Data Definition Language – DDL</a:t>
+            </a:r>
+            <a:endParaRPr lang="ru-RU" dirty="0" smtClean="0"/>
+          </a:p>
+          <a:p>
+            <a:pPr lvl="1"/>
+            <a:r>
+              <a:rPr lang="en-US" dirty="0" smtClean="0"/>
+              <a:t>Data Manipulation Language - DML</a:t>
             </a:r>
             <a:endParaRPr lang="en-US" dirty="0"/>
           </a:p>
@@ -3847,13 +4153,20 @@
     </p:spTree>
     <p:extLst>
       <p:ext uri="{BB962C8B-B14F-4D97-AF65-F5344CB8AC3E}">
-        <p14:creationId xmlns:p14="http://schemas.microsoft.com/office/powerpoint/2010/main" val="484756406"/>
+        <p14:creationId xmlns:p14="http://schemas.microsoft.com/office/powerpoint/2010/main" val="233512801"/>
       </p:ext>
     </p:extLst>
   </p:cSld>
   <p:clrMapOvr>
     <a:masterClrMapping/>
   </p:clrMapOvr>
+  <p:timing>
+    <p:tnLst>
+      <p:par>
+        <p:cTn id="1" dur="indefinite" restart="never" nodeType="tmRoot"/>
+      </p:par>
+    </p:tnLst>
+  </p:timing>
 </p:sld>
 </file>
 
@@ -3897,11 +4210,11 @@
           <a:lstStyle/>
           <a:p>
             <a:r>
-              <a:rPr lang="ru-RU" dirty="0" smtClean="0"/>
-              <a:t>Создание новой БД</a:t>
+              <a:rPr lang="en-US" dirty="0" smtClean="0"/>
+              <a:t>SQL Server Management Studio</a:t>
             </a:r>
             <a:br>
-              <a:rPr lang="ru-RU" dirty="0" smtClean="0"/>
+              <a:rPr lang="en-US" dirty="0" smtClean="0"/>
             </a:br>
             <a:r>
               <a:rPr lang="ru-RU" dirty="0" smtClean="0"/>
@@ -3914,13 +4227,20 @@
     </p:spTree>
     <p:extLst>
       <p:ext uri="{BB962C8B-B14F-4D97-AF65-F5344CB8AC3E}">
-        <p14:creationId xmlns:p14="http://schemas.microsoft.com/office/powerpoint/2010/main" val="1764324102"/>
+        <p14:creationId xmlns:p14="http://schemas.microsoft.com/office/powerpoint/2010/main" val="484756406"/>
       </p:ext>
     </p:extLst>
   </p:cSld>
   <p:clrMapOvr>
     <a:masterClrMapping/>
   </p:clrMapOvr>
+  <p:timing>
+    <p:tnLst>
+      <p:par>
+        <p:cTn id="1" dur="indefinite" restart="never" nodeType="tmRoot"/>
+      </p:par>
+    </p:tnLst>
+  </p:timing>
 </p:sld>
 </file>
 
@@ -3951,87 +4271,29 @@
             <p:ph type="title"/>
           </p:nvPr>
         </p:nvSpPr>
-        <p:spPr/>
-        <p:txBody>
-          <a:bodyPr/>
-          <a:lstStyle/>
-          <a:p>
-            <a:r>
-              <a:rPr lang="ru-RU" dirty="0" smtClean="0"/>
-              <a:t>Системные Базы Данных</a:t>
-            </a:r>
-            <a:endParaRPr lang="en-US" dirty="0"/>
-          </a:p>
-        </p:txBody>
-      </p:sp>
-      <p:sp>
-        <p:nvSpPr>
-          <p:cNvPr id="3" name="Content Placeholder 2"/>
-          <p:cNvSpPr>
-            <a:spLocks noGrp="1"/>
-          </p:cNvSpPr>
-          <p:nvPr>
-            <p:ph idx="1"/>
-          </p:nvPr>
-        </p:nvSpPr>
-        <p:spPr/>
+        <p:spPr>
+          <a:xfrm>
+            <a:off x="457200" y="2857500"/>
+            <a:ext cx="8229600" cy="1143000"/>
+          </a:xfrm>
+        </p:spPr>
         <p:txBody>
           <a:bodyPr>
-            <a:normAutofit/>
+            <a:normAutofit fontScale="90000"/>
           </a:bodyPr>
           <a:lstStyle/>
           <a:p>
-            <a:pPr marL="0" indent="0">
-              <a:buNone/>
-            </a:pPr>
             <a:r>
               <a:rPr lang="ru-RU" dirty="0" smtClean="0"/>
-              <a:t>Нижеследующие базы данных используются для внутренних нужд </a:t>
-            </a:r>
-            <a:r>
-              <a:rPr lang="en-US" dirty="0" smtClean="0"/>
-              <a:t>SQL Server</a:t>
-            </a:r>
-            <a:r>
-              <a:rPr lang="ru-RU" dirty="0"/>
-              <a:t> </a:t>
-            </a:r>
-            <a:r>
+              <a:t>Создание новой БД</a:t>
+            </a:r>
+            <a:br>
               <a:rPr lang="ru-RU" dirty="0" smtClean="0"/>
-              <a:t>и _никогда_ не должны использоваться для хранения ваших данных:</a:t>
-            </a:r>
-          </a:p>
-          <a:p>
-            <a:pPr lvl="1"/>
-            <a:r>
-              <a:rPr lang="en-US" dirty="0" smtClean="0"/>
-              <a:t>master</a:t>
-            </a:r>
-          </a:p>
-          <a:p>
-            <a:pPr lvl="1"/>
-            <a:r>
-              <a:rPr lang="en-US" dirty="0" smtClean="0"/>
-              <a:t>model</a:t>
-            </a:r>
-          </a:p>
-          <a:p>
-            <a:pPr lvl="1"/>
-            <a:r>
-              <a:rPr lang="en-US" dirty="0" err="1" smtClean="0"/>
-              <a:t>msdb</a:t>
-            </a:r>
-            <a:endParaRPr lang="en-US" dirty="0" smtClean="0"/>
-          </a:p>
-          <a:p>
-            <a:pPr lvl="1"/>
-            <a:r>
-              <a:rPr lang="en-US" dirty="0" err="1" smtClean="0"/>
-              <a:t>tempdb</a:t>
-            </a:r>
-            <a:endParaRPr lang="en-US" dirty="0" smtClean="0"/>
-          </a:p>
-          <a:p>
+            </a:br>
+            <a:r>
+              <a:rPr lang="ru-RU" dirty="0" smtClean="0"/>
+              <a:t>Демонстрация</a:t>
+            </a:r>
             <a:endParaRPr lang="en-US" dirty="0"/>
           </a:p>
         </p:txBody>
@@ -4039,13 +4301,20 @@
     </p:spTree>
     <p:extLst>
       <p:ext uri="{BB962C8B-B14F-4D97-AF65-F5344CB8AC3E}">
-        <p14:creationId xmlns:p14="http://schemas.microsoft.com/office/powerpoint/2010/main" val="1563628706"/>
+        <p14:creationId xmlns:p14="http://schemas.microsoft.com/office/powerpoint/2010/main" val="1764324102"/>
       </p:ext>
     </p:extLst>
   </p:cSld>
   <p:clrMapOvr>
     <a:masterClrMapping/>
   </p:clrMapOvr>
+  <p:timing>
+    <p:tnLst>
+      <p:par>
+        <p:cTn id="1" dur="indefinite" restart="never" nodeType="tmRoot"/>
+      </p:par>
+    </p:tnLst>
+  </p:timing>
 </p:sld>
 </file>
 
@@ -4083,7 +4352,7 @@
           <a:p>
             <a:r>
               <a:rPr lang="ru-RU" dirty="0" smtClean="0"/>
-              <a:t>Типы данных</a:t>
+              <a:t>Системные Базы Данных</a:t>
             </a:r>
             <a:endParaRPr lang="en-US" dirty="0"/>
           </a:p>
@@ -4102,184 +4371,69 @@
         <p:spPr/>
         <p:txBody>
           <a:bodyPr>
-            <a:normAutofit fontScale="92500" lnSpcReduction="20000"/>
+            <a:normAutofit/>
           </a:bodyPr>
           <a:lstStyle/>
-          <a:p>
-            <a:r>
-              <a:rPr lang="ru-RU" dirty="0" smtClean="0"/>
-              <a:t>Строковые</a:t>
-            </a:r>
-            <a:r>
-              <a:rPr lang="en-US" dirty="0" smtClean="0"/>
-              <a:t>: char, </a:t>
-            </a:r>
-            <a:r>
-              <a:rPr lang="en-US" dirty="0" err="1" smtClean="0"/>
-              <a:t>nchar</a:t>
-            </a:r>
-            <a:r>
-              <a:rPr lang="en-US" dirty="0" smtClean="0"/>
-              <a:t>, </a:t>
-            </a:r>
-            <a:r>
-              <a:rPr lang="en-US" dirty="0" err="1" smtClean="0"/>
-              <a:t>varchar</a:t>
-            </a:r>
-            <a:r>
-              <a:rPr lang="en-US" dirty="0" smtClean="0"/>
-              <a:t>, </a:t>
-            </a:r>
-            <a:r>
-              <a:rPr lang="en-US" dirty="0" err="1" smtClean="0"/>
-              <a:t>nvarchar</a:t>
-            </a:r>
-            <a:r>
-              <a:rPr lang="en-US" dirty="0" smtClean="0"/>
-              <a:t>, text, </a:t>
-            </a:r>
-            <a:r>
-              <a:rPr lang="en-US" dirty="0" err="1" smtClean="0"/>
-              <a:t>ntext</a:t>
-            </a:r>
-            <a:endParaRPr lang="en-US" dirty="0" smtClean="0"/>
-          </a:p>
-          <a:p>
-            <a:r>
-              <a:rPr lang="ru-RU" dirty="0" smtClean="0"/>
-              <a:t>Дата/время: </a:t>
-            </a:r>
-            <a:r>
-              <a:rPr lang="en-US" dirty="0" smtClean="0"/>
-              <a:t> </a:t>
-            </a:r>
-            <a:r>
-              <a:rPr lang="en-US" dirty="0" err="1" smtClean="0"/>
-              <a:t>datetime</a:t>
-            </a:r>
-            <a:r>
-              <a:rPr lang="en-US" dirty="0" smtClean="0"/>
-              <a:t>, </a:t>
-            </a:r>
-            <a:r>
-              <a:rPr lang="en-US" dirty="0" err="1" smtClean="0"/>
-              <a:t>smalldatetime</a:t>
-            </a:r>
-            <a:r>
-              <a:rPr lang="en-US" dirty="0" smtClean="0"/>
-              <a:t>, date, time, </a:t>
-            </a:r>
-            <a:r>
-              <a:rPr lang="en-US" dirty="0" err="1" smtClean="0"/>
-              <a:t>datetimeoffset</a:t>
-            </a:r>
-            <a:r>
-              <a:rPr lang="en-US" dirty="0" smtClean="0"/>
-              <a:t>, datetime2, timestamp</a:t>
-            </a:r>
-          </a:p>
-          <a:p>
-            <a:r>
-              <a:rPr lang="ru-RU" dirty="0" smtClean="0"/>
-              <a:t>Численные: </a:t>
-            </a:r>
-            <a:r>
-              <a:rPr lang="en-US" dirty="0" smtClean="0"/>
-              <a:t>decimal, numeric, float, real, </a:t>
-            </a:r>
-            <a:r>
-              <a:rPr lang="en-US" dirty="0" err="1" smtClean="0"/>
-              <a:t>bigint</a:t>
-            </a:r>
-            <a:r>
-              <a:rPr lang="en-US" dirty="0" smtClean="0"/>
-              <a:t>, </a:t>
-            </a:r>
-            <a:r>
-              <a:rPr lang="en-US" dirty="0" err="1" smtClean="0"/>
-              <a:t>int</a:t>
-            </a:r>
-            <a:r>
-              <a:rPr lang="en-US" dirty="0" smtClean="0"/>
-              <a:t>, </a:t>
-            </a:r>
-            <a:r>
-              <a:rPr lang="en-US" dirty="0" err="1" smtClean="0"/>
-              <a:t>smallint</a:t>
-            </a:r>
-            <a:r>
-              <a:rPr lang="en-US" dirty="0" smtClean="0"/>
-              <a:t>, bit, money, </a:t>
-            </a:r>
-            <a:r>
-              <a:rPr lang="en-US" dirty="0" err="1" smtClean="0"/>
-              <a:t>smallmoney</a:t>
-            </a:r>
-            <a:endParaRPr lang="en-US" dirty="0" smtClean="0"/>
-          </a:p>
-          <a:p>
-            <a:r>
-              <a:rPr lang="ru-RU" dirty="0" smtClean="0"/>
-              <a:t>Двоичные: </a:t>
-            </a:r>
-            <a:r>
-              <a:rPr lang="en-US" dirty="0" smtClean="0"/>
-              <a:t>binary, </a:t>
-            </a:r>
-            <a:r>
-              <a:rPr lang="en-US" dirty="0" err="1" smtClean="0"/>
-              <a:t>varbinary</a:t>
-            </a:r>
-            <a:r>
-              <a:rPr lang="en-US" dirty="0" smtClean="0"/>
-              <a:t>, image</a:t>
-            </a:r>
-          </a:p>
-          <a:p>
-            <a:r>
-              <a:rPr lang="ru-RU" dirty="0" smtClean="0"/>
-              <a:t>Другие: </a:t>
-            </a:r>
-            <a:r>
-              <a:rPr lang="en-US" dirty="0" smtClean="0"/>
-              <a:t>xml, </a:t>
-            </a:r>
-            <a:r>
-              <a:rPr lang="en-US" dirty="0" err="1" smtClean="0"/>
-              <a:t>uniqueidentifier</a:t>
-            </a:r>
-            <a:r>
-              <a:rPr lang="en-US" dirty="0" smtClean="0"/>
-              <a:t> (GUID), </a:t>
-            </a:r>
-            <a:r>
-              <a:rPr lang="en-US" dirty="0" err="1" smtClean="0"/>
-              <a:t>hierarchyid</a:t>
-            </a:r>
-            <a:endParaRPr lang="en-US" dirty="0" smtClean="0"/>
-          </a:p>
-          <a:p>
-            <a:endParaRPr lang="en-US" dirty="0"/>
-          </a:p>
           <a:p>
             <a:pPr marL="0" indent="0">
               <a:buNone/>
             </a:pPr>
             <a:r>
               <a:rPr lang="ru-RU" dirty="0" smtClean="0"/>
-              <a:t>См. </a:t>
-            </a:r>
-            <a:r>
-              <a:rPr lang="en-US" dirty="0"/>
-              <a:t>SQL Server Data Type Conversion Chart</a:t>
-            </a:r>
+              <a:t>Нижеследующие базы данных используются для внутренних нужд </a:t>
+            </a:r>
+            <a:r>
+              <a:rPr lang="en-US" dirty="0" smtClean="0"/>
+              <a:t>SQL Server</a:t>
+            </a:r>
+            <a:r>
+              <a:rPr lang="ru-RU" dirty="0"/>
+              <a:t> </a:t>
+            </a:r>
+            <a:r>
+              <a:rPr lang="ru-RU" dirty="0" smtClean="0"/>
+              <a:t>и _никогда_ не должны использоваться для хранения ваших данных:</a:t>
+            </a:r>
+          </a:p>
+          <a:p>
+            <a:pPr lvl="1"/>
+            <a:r>
+              <a:rPr lang="en-US" dirty="0" smtClean="0"/>
+              <a:t>master</a:t>
+            </a:r>
+          </a:p>
+          <a:p>
+            <a:pPr lvl="1"/>
+            <a:r>
+              <a:rPr lang="en-US" dirty="0" smtClean="0"/>
+              <a:t>model</a:t>
+            </a:r>
+          </a:p>
+          <a:p>
+            <a:pPr lvl="1"/>
+            <a:r>
+              <a:rPr lang="en-US" dirty="0" err="1" smtClean="0"/>
+              <a:t>msdb</a:t>
+            </a:r>
+            <a:endParaRPr lang="en-US" dirty="0" smtClean="0"/>
+          </a:p>
+          <a:p>
+            <a:pPr lvl="1"/>
+            <a:r>
+              <a:rPr lang="en-US" dirty="0" err="1" smtClean="0"/>
+              <a:t>tempdb</a:t>
+            </a:r>
+            <a:endParaRPr lang="en-US" dirty="0" smtClean="0"/>
+          </a:p>
+          <a:p>
+            <a:endParaRPr lang="en-US" dirty="0"/>
           </a:p>
         </p:txBody>
       </p:sp>
     </p:spTree>
     <p:extLst>
       <p:ext uri="{BB962C8B-B14F-4D97-AF65-F5344CB8AC3E}">
-        <p14:creationId xmlns:p14="http://schemas.microsoft.com/office/powerpoint/2010/main" val="2524908556"/>
+        <p14:creationId xmlns:p14="http://schemas.microsoft.com/office/powerpoint/2010/main" val="1563628706"/>
       </p:ext>
     </p:extLst>
   </p:cSld>
@@ -4329,8 +4483,271 @@
           <a:lstStyle/>
           <a:p>
             <a:r>
+              <a:rPr lang="en-US" dirty="0" smtClean="0"/>
+              <a:t>T-SQL: </a:t>
+            </a:r>
+            <a:r>
               <a:rPr lang="ru-RU" dirty="0" smtClean="0"/>
-              <a:t>Строковые типы данных</a:t>
+              <a:t>Типы </a:t>
+            </a:r>
+            <a:r>
+              <a:rPr lang="ru-RU" dirty="0" smtClean="0"/>
+              <a:t>данных</a:t>
+            </a:r>
+            <a:endParaRPr lang="en-US" dirty="0"/>
+          </a:p>
+        </p:txBody>
+      </p:sp>
+      <p:sp>
+        <p:nvSpPr>
+          <p:cNvPr id="3" name="Content Placeholder 2"/>
+          <p:cNvSpPr>
+            <a:spLocks noGrp="1"/>
+          </p:cNvSpPr>
+          <p:nvPr>
+            <p:ph idx="1"/>
+          </p:nvPr>
+        </p:nvSpPr>
+        <p:spPr/>
+        <p:txBody>
+          <a:bodyPr>
+            <a:normAutofit fontScale="92500" lnSpcReduction="20000"/>
+          </a:bodyPr>
+          <a:lstStyle/>
+          <a:p>
+            <a:r>
+              <a:rPr lang="ru-RU" dirty="0" smtClean="0"/>
+              <a:t>Строковые</a:t>
+            </a:r>
+            <a:r>
+              <a:rPr lang="en-US" dirty="0" smtClean="0"/>
+              <a:t>: char, </a:t>
+            </a:r>
+            <a:r>
+              <a:rPr lang="en-US" dirty="0" err="1" smtClean="0"/>
+              <a:t>nchar</a:t>
+            </a:r>
+            <a:r>
+              <a:rPr lang="en-US" dirty="0" smtClean="0"/>
+              <a:t>, </a:t>
+            </a:r>
+            <a:r>
+              <a:rPr lang="en-US" dirty="0" err="1" smtClean="0"/>
+              <a:t>varchar</a:t>
+            </a:r>
+            <a:r>
+              <a:rPr lang="en-US" dirty="0" smtClean="0"/>
+              <a:t>, </a:t>
+            </a:r>
+            <a:r>
+              <a:rPr lang="en-US" dirty="0" err="1" smtClean="0"/>
+              <a:t>nvarchar</a:t>
+            </a:r>
+            <a:r>
+              <a:rPr lang="en-US" dirty="0" smtClean="0"/>
+              <a:t>, text, </a:t>
+            </a:r>
+            <a:r>
+              <a:rPr lang="en-US" dirty="0" err="1" smtClean="0"/>
+              <a:t>ntext</a:t>
+            </a:r>
+            <a:endParaRPr lang="en-US" dirty="0" smtClean="0"/>
+          </a:p>
+          <a:p>
+            <a:r>
+              <a:rPr lang="ru-RU" dirty="0" smtClean="0"/>
+              <a:t>Дата/время: </a:t>
+            </a:r>
+            <a:r>
+              <a:rPr lang="en-US" dirty="0" smtClean="0"/>
+              <a:t> </a:t>
+            </a:r>
+            <a:r>
+              <a:rPr lang="en-US" dirty="0" err="1" smtClean="0"/>
+              <a:t>datetime</a:t>
+            </a:r>
+            <a:r>
+              <a:rPr lang="en-US" dirty="0" smtClean="0"/>
+              <a:t>, </a:t>
+            </a:r>
+            <a:r>
+              <a:rPr lang="en-US" dirty="0" err="1" smtClean="0"/>
+              <a:t>smalldatetime</a:t>
+            </a:r>
+            <a:r>
+              <a:rPr lang="en-US" dirty="0" smtClean="0"/>
+              <a:t>, date, time, </a:t>
+            </a:r>
+            <a:r>
+              <a:rPr lang="en-US" dirty="0" err="1" smtClean="0"/>
+              <a:t>datetimeoffset</a:t>
+            </a:r>
+            <a:r>
+              <a:rPr lang="en-US" dirty="0" smtClean="0"/>
+              <a:t>, datetime2, timestamp</a:t>
+            </a:r>
+          </a:p>
+          <a:p>
+            <a:r>
+              <a:rPr lang="ru-RU" dirty="0" smtClean="0"/>
+              <a:t>Численные: </a:t>
+            </a:r>
+            <a:r>
+              <a:rPr lang="en-US" dirty="0" smtClean="0"/>
+              <a:t>decimal, numeric, float, real, </a:t>
+            </a:r>
+            <a:r>
+              <a:rPr lang="en-US" dirty="0" err="1" smtClean="0"/>
+              <a:t>bigint</a:t>
+            </a:r>
+            <a:r>
+              <a:rPr lang="en-US" dirty="0" smtClean="0"/>
+              <a:t>, </a:t>
+            </a:r>
+            <a:r>
+              <a:rPr lang="en-US" dirty="0" err="1" smtClean="0"/>
+              <a:t>int</a:t>
+            </a:r>
+            <a:r>
+              <a:rPr lang="en-US" dirty="0" smtClean="0"/>
+              <a:t>, </a:t>
+            </a:r>
+            <a:r>
+              <a:rPr lang="en-US" dirty="0" err="1" smtClean="0"/>
+              <a:t>smallint</a:t>
+            </a:r>
+            <a:r>
+              <a:rPr lang="en-US" dirty="0" smtClean="0"/>
+              <a:t>, bit, money, </a:t>
+            </a:r>
+            <a:r>
+              <a:rPr lang="en-US" dirty="0" err="1" smtClean="0"/>
+              <a:t>smallmoney</a:t>
+            </a:r>
+            <a:endParaRPr lang="en-US" dirty="0" smtClean="0"/>
+          </a:p>
+          <a:p>
+            <a:r>
+              <a:rPr lang="ru-RU" dirty="0" smtClean="0"/>
+              <a:t>Двоичные: </a:t>
+            </a:r>
+            <a:r>
+              <a:rPr lang="en-US" dirty="0" smtClean="0"/>
+              <a:t>binary, </a:t>
+            </a:r>
+            <a:r>
+              <a:rPr lang="en-US" dirty="0" err="1" smtClean="0"/>
+              <a:t>varbinary</a:t>
+            </a:r>
+            <a:r>
+              <a:rPr lang="en-US" dirty="0" smtClean="0"/>
+              <a:t>, image</a:t>
+            </a:r>
+          </a:p>
+          <a:p>
+            <a:r>
+              <a:rPr lang="ru-RU" dirty="0" smtClean="0"/>
+              <a:t>Другие: </a:t>
+            </a:r>
+            <a:r>
+              <a:rPr lang="en-US" dirty="0" smtClean="0"/>
+              <a:t>xml, </a:t>
+            </a:r>
+            <a:r>
+              <a:rPr lang="en-US" dirty="0" err="1" smtClean="0"/>
+              <a:t>uniqueidentifier</a:t>
+            </a:r>
+            <a:r>
+              <a:rPr lang="en-US" dirty="0" smtClean="0"/>
+              <a:t> (GUID), </a:t>
+            </a:r>
+            <a:r>
+              <a:rPr lang="en-US" dirty="0" err="1" smtClean="0"/>
+              <a:t>hierarchyid</a:t>
+            </a:r>
+            <a:endParaRPr lang="en-US" dirty="0" smtClean="0"/>
+          </a:p>
+          <a:p>
+            <a:endParaRPr lang="en-US" dirty="0"/>
+          </a:p>
+          <a:p>
+            <a:pPr marL="0" indent="0">
+              <a:buNone/>
+            </a:pPr>
+            <a:r>
+              <a:rPr lang="ru-RU" dirty="0" smtClean="0"/>
+              <a:t>См. </a:t>
+            </a:r>
+            <a:r>
+              <a:rPr lang="en-US" dirty="0"/>
+              <a:t>SQL Server Data Type Conversion Chart</a:t>
+            </a:r>
+          </a:p>
+        </p:txBody>
+      </p:sp>
+    </p:spTree>
+    <p:extLst>
+      <p:ext uri="{BB962C8B-B14F-4D97-AF65-F5344CB8AC3E}">
+        <p14:creationId xmlns:p14="http://schemas.microsoft.com/office/powerpoint/2010/main" val="4147043412"/>
+      </p:ext>
+    </p:extLst>
+  </p:cSld>
+  <p:clrMapOvr>
+    <a:masterClrMapping/>
+  </p:clrMapOvr>
+  <p:timing>
+    <p:tnLst>
+      <p:par>
+        <p:cTn id="1" dur="indefinite" restart="never" nodeType="tmRoot"/>
+      </p:par>
+    </p:tnLst>
+  </p:timing>
+</p:sld>
+</file>
+
+<file path=ppt/slides/slide17.xml><?xml version="1.0" encoding="utf-8"?>
+<p:sld xmlns:a="http://schemas.openxmlformats.org/drawingml/2006/main" xmlns:r="http://schemas.openxmlformats.org/officeDocument/2006/relationships" xmlns:p="http://schemas.openxmlformats.org/presentationml/2006/main">
+  <p:cSld>
+    <p:spTree>
+      <p:nvGrpSpPr>
+        <p:cNvPr id="1" name=""/>
+        <p:cNvGrpSpPr/>
+        <p:nvPr/>
+      </p:nvGrpSpPr>
+      <p:grpSpPr>
+        <a:xfrm>
+          <a:off x="0" y="0"/>
+          <a:ext cx="0" cy="0"/>
+          <a:chOff x="0" y="0"/>
+          <a:chExt cx="0" cy="0"/>
+        </a:xfrm>
+      </p:grpSpPr>
+      <p:sp>
+        <p:nvSpPr>
+          <p:cNvPr id="2" name="Title 1"/>
+          <p:cNvSpPr>
+            <a:spLocks noGrp="1"/>
+          </p:cNvSpPr>
+          <p:nvPr>
+            <p:ph type="title"/>
+          </p:nvPr>
+        </p:nvSpPr>
+        <p:spPr/>
+        <p:txBody>
+          <a:bodyPr/>
+          <a:lstStyle/>
+          <a:p>
+            <a:r>
+              <a:rPr lang="en-US" dirty="0" smtClean="0"/>
+              <a:t>T-SQL: </a:t>
+            </a:r>
+            <a:r>
+              <a:rPr lang="ru-RU" dirty="0" smtClean="0"/>
+              <a:t>Строковые </a:t>
+            </a:r>
+            <a:r>
+              <a:rPr lang="ru-RU" dirty="0" smtClean="0"/>
+              <a:t>типы данных</a:t>
             </a:r>
             <a:endParaRPr lang="en-US" dirty="0"/>
           </a:p>
@@ -4574,7 +4991,7 @@
 </p:sld>
 </file>
 
-<file path=ppt/slides/slide17.xml><?xml version="1.0" encoding="utf-8"?>
+<file path=ppt/slides/slide18.xml><?xml version="1.0" encoding="utf-8"?>
 <p:sld xmlns:a="http://schemas.openxmlformats.org/drawingml/2006/main" xmlns:r="http://schemas.openxmlformats.org/officeDocument/2006/relationships" xmlns:p="http://schemas.openxmlformats.org/presentationml/2006/main">
   <p:cSld>
     <p:spTree>
@@ -5037,7 +5454,7 @@
 </p:sld>
 </file>
 
-<file path=ppt/slides/slide18.xml><?xml version="1.0" encoding="utf-8"?>
+<file path=ppt/slides/slide19.xml><?xml version="1.0" encoding="utf-8"?>
 <p:sld xmlns:a="http://schemas.openxmlformats.org/drawingml/2006/main" xmlns:r="http://schemas.openxmlformats.org/officeDocument/2006/relationships" xmlns:p="http://schemas.openxmlformats.org/presentationml/2006/main">
   <p:cSld>
     <p:spTree>
@@ -5689,384 +6106,6 @@
     <p:extLst>
       <p:ext uri="{BB962C8B-B14F-4D97-AF65-F5344CB8AC3E}">
         <p14:creationId xmlns:p14="http://schemas.microsoft.com/office/powerpoint/2010/main" val="319265010"/>
-      </p:ext>
-    </p:extLst>
-  </p:cSld>
-  <p:clrMapOvr>
-    <a:masterClrMapping/>
-  </p:clrMapOvr>
-  <p:timing>
-    <p:tnLst>
-      <p:par>
-        <p:cTn id="1" dur="indefinite" restart="never" nodeType="tmRoot"/>
-      </p:par>
-    </p:tnLst>
-  </p:timing>
-</p:sld>
-</file>
-
-<file path=ppt/slides/slide19.xml><?xml version="1.0" encoding="utf-8"?>
-<p:sld xmlns:a="http://schemas.openxmlformats.org/drawingml/2006/main" xmlns:r="http://schemas.openxmlformats.org/officeDocument/2006/relationships" xmlns:p="http://schemas.openxmlformats.org/presentationml/2006/main">
-  <p:cSld>
-    <p:spTree>
-      <p:nvGrpSpPr>
-        <p:cNvPr id="1" name=""/>
-        <p:cNvGrpSpPr/>
-        <p:nvPr/>
-      </p:nvGrpSpPr>
-      <p:grpSpPr>
-        <a:xfrm>
-          <a:off x="0" y="0"/>
-          <a:ext cx="0" cy="0"/>
-          <a:chOff x="0" y="0"/>
-          <a:chExt cx="0" cy="0"/>
-        </a:xfrm>
-      </p:grpSpPr>
-      <p:sp>
-        <p:nvSpPr>
-          <p:cNvPr id="7170" name="Прямоугольник 2"/>
-          <p:cNvSpPr>
-            <a:spLocks noChangeArrowheads="1"/>
-          </p:cNvSpPr>
-          <p:nvPr/>
-        </p:nvSpPr>
-        <p:spPr bwMode="auto">
-          <a:xfrm>
-            <a:off x="152400" y="487363"/>
-            <a:ext cx="8839200" cy="2062162"/>
-          </a:xfrm>
-          <a:prstGeom prst="rect">
-            <a:avLst/>
-          </a:prstGeom>
-          <a:noFill/>
-          <a:ln w="9525">
-            <a:solidFill>
-              <a:srgbClr val="FF0000"/>
-            </a:solidFill>
-            <a:miter lim="800000"/>
-            <a:headEnd/>
-            <a:tailEnd/>
-          </a:ln>
-          <a:extLst>
-            <a:ext uri="{909E8E84-426E-40DD-AFC4-6F175D3DCCD1}">
-              <a14:hiddenFill xmlns:a14="http://schemas.microsoft.com/office/drawing/2010/main">
-                <a:solidFill>
-                  <a:srgbClr val="FFFFFF"/>
-                </a:solidFill>
-              </a14:hiddenFill>
-            </a:ext>
-          </a:extLst>
-        </p:spPr>
-        <p:txBody>
-          <a:bodyPr>
-            <a:spAutoFit/>
-          </a:bodyPr>
-          <a:lstStyle/>
-          <a:p>
-            <a:pPr lvl="1"/>
-            <a:r>
-              <a:rPr lang="en-US" sz="1600">
-                <a:latin typeface="Courier New" pitchFamily="49" charset="0"/>
-                <a:cs typeface="Courier New" pitchFamily="49" charset="0"/>
-              </a:rPr>
-              <a:t>ALTER TABLE table_name </a:t>
-            </a:r>
-          </a:p>
-          <a:p>
-            <a:pPr lvl="1"/>
-            <a:r>
-              <a:rPr lang="en-US" sz="1600">
-                <a:latin typeface="Courier New" pitchFamily="49" charset="0"/>
-                <a:cs typeface="Courier New" pitchFamily="49" charset="0"/>
-              </a:rPr>
-              <a:t>[ADD [COLUMN] column_name data_type [NOT NULL] [UNIQUE] </a:t>
-            </a:r>
-          </a:p>
-          <a:p>
-            <a:pPr lvl="1"/>
-            <a:r>
-              <a:rPr lang="en-US" sz="1600">
-                <a:latin typeface="Courier New" pitchFamily="49" charset="0"/>
-                <a:cs typeface="Courier New" pitchFamily="49" charset="0"/>
-              </a:rPr>
-              <a:t>[DEFAULT default_option] [CHECK (search_condition)]] </a:t>
-            </a:r>
-          </a:p>
-          <a:p>
-            <a:pPr lvl="1"/>
-            <a:r>
-              <a:rPr lang="en-US" sz="1600">
-                <a:latin typeface="Courier New" pitchFamily="49" charset="0"/>
-                <a:cs typeface="Courier New" pitchFamily="49" charset="0"/>
-              </a:rPr>
-              <a:t>[DROP [COLUMN] column_name [RESTRICT | CASCADE]] </a:t>
-            </a:r>
-          </a:p>
-          <a:p>
-            <a:pPr lvl="1"/>
-            <a:r>
-              <a:rPr lang="en-US" sz="1600">
-                <a:latin typeface="Courier New" pitchFamily="49" charset="0"/>
-                <a:cs typeface="Courier New" pitchFamily="49" charset="0"/>
-              </a:rPr>
-              <a:t>[ADD [CONSTRAINT constraint_name] table_constraint_defenition] </a:t>
-            </a:r>
-          </a:p>
-          <a:p>
-            <a:pPr lvl="1"/>
-            <a:r>
-              <a:rPr lang="en-US" sz="1600">
-                <a:latin typeface="Courier New" pitchFamily="49" charset="0"/>
-                <a:cs typeface="Courier New" pitchFamily="49" charset="0"/>
-              </a:rPr>
-              <a:t>[DROP CONSTRAINT constraint_name [RESTRICT | CASCADE]] </a:t>
-            </a:r>
-          </a:p>
-          <a:p>
-            <a:pPr lvl="1"/>
-            <a:r>
-              <a:rPr lang="en-US" sz="1600">
-                <a:latin typeface="Courier New" pitchFamily="49" charset="0"/>
-                <a:cs typeface="Courier New" pitchFamily="49" charset="0"/>
-              </a:rPr>
-              <a:t>[ALTER [COLUMN] SET DEFAULT default_option] </a:t>
-            </a:r>
-          </a:p>
-          <a:p>
-            <a:pPr lvl="1"/>
-            <a:r>
-              <a:rPr lang="en-US" sz="1600">
-                <a:latin typeface="Courier New" pitchFamily="49" charset="0"/>
-                <a:cs typeface="Courier New" pitchFamily="49" charset="0"/>
-              </a:rPr>
-              <a:t>[ALTER [COLUMN] DROP DEFAULT] </a:t>
-            </a:r>
-          </a:p>
-        </p:txBody>
-      </p:sp>
-      <p:sp>
-        <p:nvSpPr>
-          <p:cNvPr id="4" name="Прямоугольник 3"/>
-          <p:cNvSpPr/>
-          <p:nvPr/>
-        </p:nvSpPr>
-        <p:spPr>
-          <a:xfrm>
-            <a:off x="152400" y="2655888"/>
-            <a:ext cx="8839200" cy="1077912"/>
-          </a:xfrm>
-          <a:prstGeom prst="rect">
-            <a:avLst/>
-          </a:prstGeom>
-          <a:ln>
-            <a:solidFill>
-              <a:schemeClr val="bg1">
-                <a:lumMod val="65000"/>
-              </a:schemeClr>
-            </a:solidFill>
-          </a:ln>
-        </p:spPr>
-        <p:txBody>
-          <a:bodyPr>
-            <a:spAutoFit/>
-          </a:bodyPr>
-          <a:lstStyle/>
-          <a:p>
-            <a:pPr lvl="1">
-              <a:defRPr/>
-            </a:pPr>
-            <a:r>
-              <a:rPr lang="en-US" sz="1600" dirty="0">
-                <a:latin typeface="Courier New" pitchFamily="49" charset="0"/>
-                <a:cs typeface="Courier New" pitchFamily="49" charset="0"/>
-              </a:rPr>
-              <a:t>ALTER TABLE student </a:t>
-            </a:r>
-          </a:p>
-          <a:p>
-            <a:pPr lvl="1">
-              <a:defRPr/>
-            </a:pPr>
-            <a:r>
-              <a:rPr lang="en-US" sz="1600" dirty="0">
-                <a:latin typeface="Courier New" pitchFamily="49" charset="0"/>
-                <a:cs typeface="Courier New" pitchFamily="49" charset="0"/>
-              </a:rPr>
-              <a:t>ADD CONSTRAINT </a:t>
-            </a:r>
-            <a:r>
-              <a:rPr lang="en-US" sz="1600" dirty="0" err="1">
-                <a:latin typeface="Courier New" pitchFamily="49" charset="0"/>
-                <a:cs typeface="Courier New" pitchFamily="49" charset="0"/>
-              </a:rPr>
-              <a:t>group_refer</a:t>
-            </a:r>
-            <a:r>
-              <a:rPr lang="en-US" sz="1600" dirty="0">
-                <a:latin typeface="Courier New" pitchFamily="49" charset="0"/>
-                <a:cs typeface="Courier New" pitchFamily="49" charset="0"/>
-              </a:rPr>
-              <a:t> </a:t>
-            </a:r>
-            <a:endParaRPr lang="be-BY" sz="1600" dirty="0">
-              <a:latin typeface="Courier New" pitchFamily="49" charset="0"/>
-              <a:cs typeface="Courier New" pitchFamily="49" charset="0"/>
-            </a:endParaRPr>
-          </a:p>
-          <a:p>
-            <a:pPr lvl="1">
-              <a:defRPr/>
-            </a:pPr>
-            <a:r>
-              <a:rPr lang="en-US" sz="1600" dirty="0">
-                <a:latin typeface="Courier New" pitchFamily="49" charset="0"/>
-                <a:cs typeface="Courier New" pitchFamily="49" charset="0"/>
-              </a:rPr>
-              <a:t>FOREIGN KEY (</a:t>
-            </a:r>
-            <a:r>
-              <a:rPr lang="en-US" sz="1600" dirty="0" err="1">
-                <a:latin typeface="Courier New" pitchFamily="49" charset="0"/>
-                <a:cs typeface="Courier New" pitchFamily="49" charset="0"/>
-              </a:rPr>
-              <a:t>group_ID</a:t>
-            </a:r>
-            <a:r>
-              <a:rPr lang="en-US" sz="1600" dirty="0">
-                <a:latin typeface="Courier New" pitchFamily="49" charset="0"/>
-                <a:cs typeface="Courier New" pitchFamily="49" charset="0"/>
-              </a:rPr>
-              <a:t>) REFERENCES group </a:t>
-            </a:r>
-          </a:p>
-          <a:p>
-            <a:pPr lvl="2">
-              <a:defRPr/>
-            </a:pPr>
-            <a:r>
-              <a:rPr lang="en-US" sz="1600" dirty="0">
-                <a:latin typeface="Courier New" pitchFamily="49" charset="0"/>
-                <a:cs typeface="Courier New" pitchFamily="49" charset="0"/>
-              </a:rPr>
-              <a:t>ON UPDATE CASCADE; </a:t>
-            </a:r>
-          </a:p>
-        </p:txBody>
-      </p:sp>
-      <p:sp>
-        <p:nvSpPr>
-          <p:cNvPr id="7172" name="Прямоугольник 5"/>
-          <p:cNvSpPr>
-            <a:spLocks noChangeArrowheads="1"/>
-          </p:cNvSpPr>
-          <p:nvPr/>
-        </p:nvSpPr>
-        <p:spPr bwMode="auto">
-          <a:xfrm>
-            <a:off x="152400" y="4233863"/>
-            <a:ext cx="8839200" cy="338137"/>
-          </a:xfrm>
-          <a:prstGeom prst="rect">
-            <a:avLst/>
-          </a:prstGeom>
-          <a:noFill/>
-          <a:ln w="9525">
-            <a:solidFill>
-              <a:srgbClr val="FF0000"/>
-            </a:solidFill>
-            <a:miter lim="800000"/>
-            <a:headEnd/>
-            <a:tailEnd/>
-          </a:ln>
-          <a:extLst>
-            <a:ext uri="{909E8E84-426E-40DD-AFC4-6F175D3DCCD1}">
-              <a14:hiddenFill xmlns:a14="http://schemas.microsoft.com/office/drawing/2010/main">
-                <a:solidFill>
-                  <a:srgbClr val="FFFFFF"/>
-                </a:solidFill>
-              </a14:hiddenFill>
-            </a:ext>
-          </a:extLst>
-        </p:spPr>
-        <p:txBody>
-          <a:bodyPr>
-            <a:spAutoFit/>
-          </a:bodyPr>
-          <a:lstStyle/>
-          <a:p>
-            <a:r>
-              <a:rPr lang="en-US" sz="1600">
-                <a:latin typeface="Courier New" pitchFamily="49" charset="0"/>
-                <a:cs typeface="Courier New" pitchFamily="49" charset="0"/>
-              </a:rPr>
-              <a:t>DROP TABLE table_name [RESTICT | CASCADE] </a:t>
-            </a:r>
-            <a:endParaRPr lang="be-BY" sz="1600">
-              <a:latin typeface="Courier New" pitchFamily="49" charset="0"/>
-              <a:cs typeface="Courier New" pitchFamily="49" charset="0"/>
-            </a:endParaRPr>
-          </a:p>
-        </p:txBody>
-      </p:sp>
-      <p:sp>
-        <p:nvSpPr>
-          <p:cNvPr id="7173" name="Прямоугольник 2"/>
-          <p:cNvSpPr>
-            <a:spLocks noChangeArrowheads="1"/>
-          </p:cNvSpPr>
-          <p:nvPr/>
-        </p:nvSpPr>
-        <p:spPr bwMode="auto">
-          <a:xfrm>
-            <a:off x="152400" y="0"/>
-            <a:ext cx="8839200" cy="461963"/>
-          </a:xfrm>
-          <a:prstGeom prst="rect">
-            <a:avLst/>
-          </a:prstGeom>
-          <a:noFill/>
-          <a:ln>
-            <a:noFill/>
-          </a:ln>
-          <a:extLst>
-            <a:ext uri="{909E8E84-426E-40DD-AFC4-6F175D3DCCD1}">
-              <a14:hiddenFill xmlns:a14="http://schemas.microsoft.com/office/drawing/2010/main">
-                <a:solidFill>
-                  <a:srgbClr val="FFFFFF"/>
-                </a:solidFill>
-              </a14:hiddenFill>
-            </a:ext>
-            <a:ext uri="{91240B29-F687-4F45-9708-019B960494DF}">
-              <a14:hiddenLine xmlns:a14="http://schemas.microsoft.com/office/drawing/2010/main" w="9525">
-                <a:solidFill>
-                  <a:srgbClr val="000000"/>
-                </a:solidFill>
-                <a:miter lim="800000"/>
-                <a:headEnd/>
-                <a:tailEnd/>
-              </a14:hiddenLine>
-            </a:ext>
-          </a:extLst>
-        </p:spPr>
-        <p:txBody>
-          <a:bodyPr>
-            <a:spAutoFit/>
-          </a:bodyPr>
-          <a:lstStyle/>
-          <a:p>
-            <a:pPr algn="ctr"/>
-            <a:r>
-              <a:rPr lang="ru-RU" sz="2400" b="1"/>
-              <a:t>Работа с таблицами.</a:t>
-            </a:r>
-            <a:endParaRPr lang="be-BY" sz="2400" b="1"/>
-          </a:p>
-        </p:txBody>
-      </p:sp>
-    </p:spTree>
-    <p:extLst>
-      <p:ext uri="{BB962C8B-B14F-4D97-AF65-F5344CB8AC3E}">
-        <p14:creationId xmlns:p14="http://schemas.microsoft.com/office/powerpoint/2010/main" val="2150446948"/>
       </p:ext>
     </p:extLst>
   </p:cSld>
@@ -6258,10 +6297,395 @@
   <p:clrMapOvr>
     <a:masterClrMapping/>
   </p:clrMapOvr>
+  <p:timing>
+    <p:tnLst>
+      <p:par>
+        <p:cTn id="1" dur="indefinite" restart="never" nodeType="tmRoot"/>
+      </p:par>
+    </p:tnLst>
+  </p:timing>
 </p:sld>
 </file>
 
 <file path=ppt/slides/slide20.xml><?xml version="1.0" encoding="utf-8"?>
+<p:sld xmlns:a="http://schemas.openxmlformats.org/drawingml/2006/main" xmlns:r="http://schemas.openxmlformats.org/officeDocument/2006/relationships" xmlns:p="http://schemas.openxmlformats.org/presentationml/2006/main">
+  <p:cSld>
+    <p:spTree>
+      <p:nvGrpSpPr>
+        <p:cNvPr id="1" name=""/>
+        <p:cNvGrpSpPr/>
+        <p:nvPr/>
+      </p:nvGrpSpPr>
+      <p:grpSpPr>
+        <a:xfrm>
+          <a:off x="0" y="0"/>
+          <a:ext cx="0" cy="0"/>
+          <a:chOff x="0" y="0"/>
+          <a:chExt cx="0" cy="0"/>
+        </a:xfrm>
+      </p:grpSpPr>
+      <p:sp>
+        <p:nvSpPr>
+          <p:cNvPr id="7170" name="Прямоугольник 2"/>
+          <p:cNvSpPr>
+            <a:spLocks noChangeArrowheads="1"/>
+          </p:cNvSpPr>
+          <p:nvPr/>
+        </p:nvSpPr>
+        <p:spPr bwMode="auto">
+          <a:xfrm>
+            <a:off x="152400" y="487363"/>
+            <a:ext cx="8839200" cy="2062162"/>
+          </a:xfrm>
+          <a:prstGeom prst="rect">
+            <a:avLst/>
+          </a:prstGeom>
+          <a:noFill/>
+          <a:ln w="9525">
+            <a:solidFill>
+              <a:srgbClr val="FF0000"/>
+            </a:solidFill>
+            <a:miter lim="800000"/>
+            <a:headEnd/>
+            <a:tailEnd/>
+          </a:ln>
+          <a:extLst>
+            <a:ext uri="{909E8E84-426E-40DD-AFC4-6F175D3DCCD1}">
+              <a14:hiddenFill xmlns:a14="http://schemas.microsoft.com/office/drawing/2010/main">
+                <a:solidFill>
+                  <a:srgbClr val="FFFFFF"/>
+                </a:solidFill>
+              </a14:hiddenFill>
+            </a:ext>
+          </a:extLst>
+        </p:spPr>
+        <p:txBody>
+          <a:bodyPr>
+            <a:spAutoFit/>
+          </a:bodyPr>
+          <a:lstStyle/>
+          <a:p>
+            <a:pPr lvl="1"/>
+            <a:r>
+              <a:rPr lang="en-US" sz="1600">
+                <a:latin typeface="Courier New" pitchFamily="49" charset="0"/>
+                <a:cs typeface="Courier New" pitchFamily="49" charset="0"/>
+              </a:rPr>
+              <a:t>ALTER TABLE table_name </a:t>
+            </a:r>
+          </a:p>
+          <a:p>
+            <a:pPr lvl="1"/>
+            <a:r>
+              <a:rPr lang="en-US" sz="1600">
+                <a:latin typeface="Courier New" pitchFamily="49" charset="0"/>
+                <a:cs typeface="Courier New" pitchFamily="49" charset="0"/>
+              </a:rPr>
+              <a:t>[ADD [COLUMN] column_name data_type [NOT NULL] [UNIQUE] </a:t>
+            </a:r>
+          </a:p>
+          <a:p>
+            <a:pPr lvl="1"/>
+            <a:r>
+              <a:rPr lang="en-US" sz="1600">
+                <a:latin typeface="Courier New" pitchFamily="49" charset="0"/>
+                <a:cs typeface="Courier New" pitchFamily="49" charset="0"/>
+              </a:rPr>
+              <a:t>[DEFAULT default_option] [CHECK (search_condition)]] </a:t>
+            </a:r>
+          </a:p>
+          <a:p>
+            <a:pPr lvl="1"/>
+            <a:r>
+              <a:rPr lang="en-US" sz="1600">
+                <a:latin typeface="Courier New" pitchFamily="49" charset="0"/>
+                <a:cs typeface="Courier New" pitchFamily="49" charset="0"/>
+              </a:rPr>
+              <a:t>[DROP [COLUMN] column_name [RESTRICT | CASCADE]] </a:t>
+            </a:r>
+          </a:p>
+          <a:p>
+            <a:pPr lvl="1"/>
+            <a:r>
+              <a:rPr lang="en-US" sz="1600">
+                <a:latin typeface="Courier New" pitchFamily="49" charset="0"/>
+                <a:cs typeface="Courier New" pitchFamily="49" charset="0"/>
+              </a:rPr>
+              <a:t>[ADD [CONSTRAINT constraint_name] table_constraint_defenition] </a:t>
+            </a:r>
+          </a:p>
+          <a:p>
+            <a:pPr lvl="1"/>
+            <a:r>
+              <a:rPr lang="en-US" sz="1600">
+                <a:latin typeface="Courier New" pitchFamily="49" charset="0"/>
+                <a:cs typeface="Courier New" pitchFamily="49" charset="0"/>
+              </a:rPr>
+              <a:t>[DROP CONSTRAINT constraint_name [RESTRICT | CASCADE]] </a:t>
+            </a:r>
+          </a:p>
+          <a:p>
+            <a:pPr lvl="1"/>
+            <a:r>
+              <a:rPr lang="en-US" sz="1600">
+                <a:latin typeface="Courier New" pitchFamily="49" charset="0"/>
+                <a:cs typeface="Courier New" pitchFamily="49" charset="0"/>
+              </a:rPr>
+              <a:t>[ALTER [COLUMN] SET DEFAULT default_option] </a:t>
+            </a:r>
+          </a:p>
+          <a:p>
+            <a:pPr lvl="1"/>
+            <a:r>
+              <a:rPr lang="en-US" sz="1600">
+                <a:latin typeface="Courier New" pitchFamily="49" charset="0"/>
+                <a:cs typeface="Courier New" pitchFamily="49" charset="0"/>
+              </a:rPr>
+              <a:t>[ALTER [COLUMN] DROP DEFAULT] </a:t>
+            </a:r>
+          </a:p>
+        </p:txBody>
+      </p:sp>
+      <p:sp>
+        <p:nvSpPr>
+          <p:cNvPr id="4" name="Прямоугольник 3"/>
+          <p:cNvSpPr/>
+          <p:nvPr/>
+        </p:nvSpPr>
+        <p:spPr>
+          <a:xfrm>
+            <a:off x="152400" y="2655888"/>
+            <a:ext cx="8839200" cy="1077912"/>
+          </a:xfrm>
+          <a:prstGeom prst="rect">
+            <a:avLst/>
+          </a:prstGeom>
+          <a:ln>
+            <a:solidFill>
+              <a:schemeClr val="bg1">
+                <a:lumMod val="65000"/>
+              </a:schemeClr>
+            </a:solidFill>
+          </a:ln>
+        </p:spPr>
+        <p:txBody>
+          <a:bodyPr>
+            <a:spAutoFit/>
+          </a:bodyPr>
+          <a:lstStyle/>
+          <a:p>
+            <a:pPr lvl="1">
+              <a:defRPr/>
+            </a:pPr>
+            <a:r>
+              <a:rPr lang="en-US" sz="1600" dirty="0">
+                <a:latin typeface="Courier New" pitchFamily="49" charset="0"/>
+                <a:cs typeface="Courier New" pitchFamily="49" charset="0"/>
+              </a:rPr>
+              <a:t>ALTER TABLE student </a:t>
+            </a:r>
+          </a:p>
+          <a:p>
+            <a:pPr lvl="1">
+              <a:defRPr/>
+            </a:pPr>
+            <a:r>
+              <a:rPr lang="en-US" sz="1600" dirty="0">
+                <a:latin typeface="Courier New" pitchFamily="49" charset="0"/>
+                <a:cs typeface="Courier New" pitchFamily="49" charset="0"/>
+              </a:rPr>
+              <a:t>ADD CONSTRAINT </a:t>
+            </a:r>
+            <a:r>
+              <a:rPr lang="en-US" sz="1600" dirty="0" err="1">
+                <a:latin typeface="Courier New" pitchFamily="49" charset="0"/>
+                <a:cs typeface="Courier New" pitchFamily="49" charset="0"/>
+              </a:rPr>
+              <a:t>group_refer</a:t>
+            </a:r>
+            <a:r>
+              <a:rPr lang="en-US" sz="1600" dirty="0">
+                <a:latin typeface="Courier New" pitchFamily="49" charset="0"/>
+                <a:cs typeface="Courier New" pitchFamily="49" charset="0"/>
+              </a:rPr>
+              <a:t> </a:t>
+            </a:r>
+            <a:endParaRPr lang="be-BY" sz="1600" dirty="0">
+              <a:latin typeface="Courier New" pitchFamily="49" charset="0"/>
+              <a:cs typeface="Courier New" pitchFamily="49" charset="0"/>
+            </a:endParaRPr>
+          </a:p>
+          <a:p>
+            <a:pPr lvl="1">
+              <a:defRPr/>
+            </a:pPr>
+            <a:r>
+              <a:rPr lang="en-US" sz="1600" dirty="0">
+                <a:latin typeface="Courier New" pitchFamily="49" charset="0"/>
+                <a:cs typeface="Courier New" pitchFamily="49" charset="0"/>
+              </a:rPr>
+              <a:t>FOREIGN KEY (</a:t>
+            </a:r>
+            <a:r>
+              <a:rPr lang="en-US" sz="1600" dirty="0" err="1">
+                <a:latin typeface="Courier New" pitchFamily="49" charset="0"/>
+                <a:cs typeface="Courier New" pitchFamily="49" charset="0"/>
+              </a:rPr>
+              <a:t>group_ID</a:t>
+            </a:r>
+            <a:r>
+              <a:rPr lang="en-US" sz="1600" dirty="0">
+                <a:latin typeface="Courier New" pitchFamily="49" charset="0"/>
+                <a:cs typeface="Courier New" pitchFamily="49" charset="0"/>
+              </a:rPr>
+              <a:t>) REFERENCES group </a:t>
+            </a:r>
+          </a:p>
+          <a:p>
+            <a:pPr lvl="2">
+              <a:defRPr/>
+            </a:pPr>
+            <a:r>
+              <a:rPr lang="en-US" sz="1600" dirty="0">
+                <a:latin typeface="Courier New" pitchFamily="49" charset="0"/>
+                <a:cs typeface="Courier New" pitchFamily="49" charset="0"/>
+              </a:rPr>
+              <a:t>ON UPDATE CASCADE; </a:t>
+            </a:r>
+          </a:p>
+        </p:txBody>
+      </p:sp>
+      <p:sp>
+        <p:nvSpPr>
+          <p:cNvPr id="7172" name="Прямоугольник 5"/>
+          <p:cNvSpPr>
+            <a:spLocks noChangeArrowheads="1"/>
+          </p:cNvSpPr>
+          <p:nvPr/>
+        </p:nvSpPr>
+        <p:spPr bwMode="auto">
+          <a:xfrm>
+            <a:off x="152400" y="4233863"/>
+            <a:ext cx="8839200" cy="338137"/>
+          </a:xfrm>
+          <a:prstGeom prst="rect">
+            <a:avLst/>
+          </a:prstGeom>
+          <a:noFill/>
+          <a:ln w="9525">
+            <a:solidFill>
+              <a:srgbClr val="FF0000"/>
+            </a:solidFill>
+            <a:miter lim="800000"/>
+            <a:headEnd/>
+            <a:tailEnd/>
+          </a:ln>
+          <a:extLst>
+            <a:ext uri="{909E8E84-426E-40DD-AFC4-6F175D3DCCD1}">
+              <a14:hiddenFill xmlns:a14="http://schemas.microsoft.com/office/drawing/2010/main">
+                <a:solidFill>
+                  <a:srgbClr val="FFFFFF"/>
+                </a:solidFill>
+              </a14:hiddenFill>
+            </a:ext>
+          </a:extLst>
+        </p:spPr>
+        <p:txBody>
+          <a:bodyPr>
+            <a:spAutoFit/>
+          </a:bodyPr>
+          <a:lstStyle/>
+          <a:p>
+            <a:r>
+              <a:rPr lang="en-US" sz="1600">
+                <a:latin typeface="Courier New" pitchFamily="49" charset="0"/>
+                <a:cs typeface="Courier New" pitchFamily="49" charset="0"/>
+              </a:rPr>
+              <a:t>DROP TABLE table_name [RESTICT | CASCADE] </a:t>
+            </a:r>
+            <a:endParaRPr lang="be-BY" sz="1600">
+              <a:latin typeface="Courier New" pitchFamily="49" charset="0"/>
+              <a:cs typeface="Courier New" pitchFamily="49" charset="0"/>
+            </a:endParaRPr>
+          </a:p>
+        </p:txBody>
+      </p:sp>
+      <p:sp>
+        <p:nvSpPr>
+          <p:cNvPr id="7173" name="Прямоугольник 2"/>
+          <p:cNvSpPr>
+            <a:spLocks noChangeArrowheads="1"/>
+          </p:cNvSpPr>
+          <p:nvPr/>
+        </p:nvSpPr>
+        <p:spPr bwMode="auto">
+          <a:xfrm>
+            <a:off x="152400" y="0"/>
+            <a:ext cx="8839200" cy="461963"/>
+          </a:xfrm>
+          <a:prstGeom prst="rect">
+            <a:avLst/>
+          </a:prstGeom>
+          <a:noFill/>
+          <a:ln>
+            <a:noFill/>
+          </a:ln>
+          <a:extLst>
+            <a:ext uri="{909E8E84-426E-40DD-AFC4-6F175D3DCCD1}">
+              <a14:hiddenFill xmlns:a14="http://schemas.microsoft.com/office/drawing/2010/main">
+                <a:solidFill>
+                  <a:srgbClr val="FFFFFF"/>
+                </a:solidFill>
+              </a14:hiddenFill>
+            </a:ext>
+            <a:ext uri="{91240B29-F687-4F45-9708-019B960494DF}">
+              <a14:hiddenLine xmlns:a14="http://schemas.microsoft.com/office/drawing/2010/main" w="9525">
+                <a:solidFill>
+                  <a:srgbClr val="000000"/>
+                </a:solidFill>
+                <a:miter lim="800000"/>
+                <a:headEnd/>
+                <a:tailEnd/>
+              </a14:hiddenLine>
+            </a:ext>
+          </a:extLst>
+        </p:spPr>
+        <p:txBody>
+          <a:bodyPr>
+            <a:spAutoFit/>
+          </a:bodyPr>
+          <a:lstStyle/>
+          <a:p>
+            <a:pPr algn="ctr"/>
+            <a:r>
+              <a:rPr lang="ru-RU" sz="2400" b="1"/>
+              <a:t>Работа с таблицами.</a:t>
+            </a:r>
+            <a:endParaRPr lang="be-BY" sz="2400" b="1"/>
+          </a:p>
+        </p:txBody>
+      </p:sp>
+    </p:spTree>
+    <p:extLst>
+      <p:ext uri="{BB962C8B-B14F-4D97-AF65-F5344CB8AC3E}">
+        <p14:creationId xmlns:p14="http://schemas.microsoft.com/office/powerpoint/2010/main" val="2150446948"/>
+      </p:ext>
+    </p:extLst>
+  </p:cSld>
+  <p:clrMapOvr>
+    <a:masterClrMapping/>
+  </p:clrMapOvr>
+  <p:timing>
+    <p:tnLst>
+      <p:par>
+        <p:cTn id="1" dur="indefinite" restart="never" nodeType="tmRoot"/>
+      </p:par>
+    </p:tnLst>
+  </p:timing>
+</p:sld>
+</file>
+
+<file path=ppt/slides/slide21.xml><?xml version="1.0" encoding="utf-8"?>
 <p:sld xmlns:a="http://schemas.openxmlformats.org/drawingml/2006/main" xmlns:r="http://schemas.openxmlformats.org/officeDocument/2006/relationships" xmlns:p="http://schemas.openxmlformats.org/presentationml/2006/main">
   <p:cSld>
     <p:spTree>
@@ -6562,7 +6986,7 @@
 </p:sld>
 </file>
 
-<file path=ppt/slides/slide21.xml><?xml version="1.0" encoding="utf-8"?>
+<file path=ppt/slides/slide22.xml><?xml version="1.0" encoding="utf-8"?>
 <p:sld xmlns:a="http://schemas.openxmlformats.org/drawingml/2006/main" xmlns:r="http://schemas.openxmlformats.org/officeDocument/2006/relationships" xmlns:p="http://schemas.openxmlformats.org/presentationml/2006/main">
   <p:cSld>
     <p:spTree>
@@ -6898,7 +7322,7 @@
 </p:sld>
 </file>
 
-<file path=ppt/slides/slide22.xml><?xml version="1.0" encoding="utf-8"?>
+<file path=ppt/slides/slide23.xml><?xml version="1.0" encoding="utf-8"?>
 <p:sld xmlns:a="http://schemas.openxmlformats.org/drawingml/2006/main" xmlns:r="http://schemas.openxmlformats.org/officeDocument/2006/relationships" xmlns:p="http://schemas.openxmlformats.org/presentationml/2006/main">
   <p:cSld>
     <p:spTree>
@@ -7139,418 +7563,6 @@
     <p:extLst>
       <p:ext uri="{BB962C8B-B14F-4D97-AF65-F5344CB8AC3E}">
         <p14:creationId xmlns:p14="http://schemas.microsoft.com/office/powerpoint/2010/main" val="600660360"/>
-      </p:ext>
-    </p:extLst>
-  </p:cSld>
-  <p:clrMapOvr>
-    <a:masterClrMapping/>
-  </p:clrMapOvr>
-  <p:timing>
-    <p:tnLst>
-      <p:par>
-        <p:cTn id="1" dur="indefinite" restart="never" nodeType="tmRoot"/>
-      </p:par>
-    </p:tnLst>
-  </p:timing>
-</p:sld>
-</file>
-
-<file path=ppt/slides/slide23.xml><?xml version="1.0" encoding="utf-8"?>
-<p:sld xmlns:a="http://schemas.openxmlformats.org/drawingml/2006/main" xmlns:r="http://schemas.openxmlformats.org/officeDocument/2006/relationships" xmlns:p="http://schemas.openxmlformats.org/presentationml/2006/main">
-  <p:cSld>
-    <p:spTree>
-      <p:nvGrpSpPr>
-        <p:cNvPr id="1" name=""/>
-        <p:cNvGrpSpPr/>
-        <p:nvPr/>
-      </p:nvGrpSpPr>
-      <p:grpSpPr>
-        <a:xfrm>
-          <a:off x="0" y="0"/>
-          <a:ext cx="0" cy="0"/>
-          <a:chOff x="0" y="0"/>
-          <a:chExt cx="0" cy="0"/>
-        </a:xfrm>
-      </p:grpSpPr>
-      <p:sp>
-        <p:nvSpPr>
-          <p:cNvPr id="11266" name="Прямоугольник 2"/>
-          <p:cNvSpPr>
-            <a:spLocks noChangeArrowheads="1"/>
-          </p:cNvSpPr>
-          <p:nvPr/>
-        </p:nvSpPr>
-        <p:spPr bwMode="auto">
-          <a:xfrm>
-            <a:off x="152400" y="0"/>
-            <a:ext cx="8839200" cy="461963"/>
-          </a:xfrm>
-          <a:prstGeom prst="rect">
-            <a:avLst/>
-          </a:prstGeom>
-          <a:noFill/>
-          <a:ln>
-            <a:noFill/>
-          </a:ln>
-          <a:extLst>
-            <a:ext uri="{909E8E84-426E-40DD-AFC4-6F175D3DCCD1}">
-              <a14:hiddenFill xmlns:a14="http://schemas.microsoft.com/office/drawing/2010/main">
-                <a:solidFill>
-                  <a:srgbClr val="FFFFFF"/>
-                </a:solidFill>
-              </a14:hiddenFill>
-            </a:ext>
-            <a:ext uri="{91240B29-F687-4F45-9708-019B960494DF}">
-              <a14:hiddenLine xmlns:a14="http://schemas.microsoft.com/office/drawing/2010/main" w="9525">
-                <a:solidFill>
-                  <a:srgbClr val="000000"/>
-                </a:solidFill>
-                <a:miter lim="800000"/>
-                <a:headEnd/>
-                <a:tailEnd/>
-              </a14:hiddenLine>
-            </a:ext>
-          </a:extLst>
-        </p:spPr>
-        <p:txBody>
-          <a:bodyPr>
-            <a:spAutoFit/>
-          </a:bodyPr>
-          <a:lstStyle/>
-          <a:p>
-            <a:pPr algn="ctr"/>
-            <a:r>
-              <a:rPr lang="be-BY" sz="2400" b="1" dirty="0" smtClean="0"/>
-              <a:t>Многотабличные </a:t>
-            </a:r>
-            <a:r>
-              <a:rPr lang="be-BY" sz="2400" b="1" dirty="0"/>
-              <a:t>запросы.</a:t>
-            </a:r>
-          </a:p>
-        </p:txBody>
-      </p:sp>
-      <p:sp>
-        <p:nvSpPr>
-          <p:cNvPr id="11267" name="Прямоугольник 4"/>
-          <p:cNvSpPr>
-            <a:spLocks noChangeArrowheads="1"/>
-          </p:cNvSpPr>
-          <p:nvPr/>
-        </p:nvSpPr>
-        <p:spPr bwMode="auto">
-          <a:xfrm>
-            <a:off x="152400" y="457200"/>
-            <a:ext cx="8839200" cy="5262979"/>
-          </a:xfrm>
-          <a:prstGeom prst="rect">
-            <a:avLst/>
-          </a:prstGeom>
-          <a:noFill/>
-          <a:ln>
-            <a:noFill/>
-          </a:ln>
-          <a:extLst>
-            <a:ext uri="{909E8E84-426E-40DD-AFC4-6F175D3DCCD1}">
-              <a14:hiddenFill xmlns:a14="http://schemas.microsoft.com/office/drawing/2010/main">
-                <a:solidFill>
-                  <a:srgbClr val="FFFFFF"/>
-                </a:solidFill>
-              </a14:hiddenFill>
-            </a:ext>
-            <a:ext uri="{91240B29-F687-4F45-9708-019B960494DF}">
-              <a14:hiddenLine xmlns:a14="http://schemas.microsoft.com/office/drawing/2010/main" w="9525">
-                <a:solidFill>
-                  <a:srgbClr val="000000"/>
-                </a:solidFill>
-                <a:miter lim="800000"/>
-                <a:headEnd/>
-                <a:tailEnd/>
-              </a14:hiddenLine>
-            </a:ext>
-          </a:extLst>
-        </p:spPr>
-        <p:txBody>
-          <a:bodyPr>
-            <a:spAutoFit/>
-          </a:bodyPr>
-          <a:lstStyle/>
-          <a:p>
-            <a:r>
-              <a:rPr lang="ru-RU" sz="1200" b="1" dirty="0"/>
-              <a:t>1) Декартово произведение двух таблиц: </a:t>
-            </a:r>
-          </a:p>
-          <a:p>
-            <a:pPr lvl="1"/>
-            <a:r>
-              <a:rPr lang="en-US" sz="1200" dirty="0">
-                <a:latin typeface="Courier New" pitchFamily="49" charset="0"/>
-                <a:cs typeface="Courier New" pitchFamily="49" charset="0"/>
-              </a:rPr>
-              <a:t>SELECT t1.*, t2.* </a:t>
-            </a:r>
-          </a:p>
-          <a:p>
-            <a:pPr lvl="1"/>
-            <a:r>
-              <a:rPr lang="en-US" sz="1200" dirty="0">
-                <a:latin typeface="Courier New" pitchFamily="49" charset="0"/>
-                <a:cs typeface="Courier New" pitchFamily="49" charset="0"/>
-              </a:rPr>
-              <a:t>FROM t1, t2; </a:t>
-            </a:r>
-          </a:p>
-          <a:p>
-            <a:r>
-              <a:rPr lang="ru-RU" sz="1200" b="1" dirty="0"/>
-              <a:t>2) Тета-соединение таблиц </a:t>
-            </a:r>
-            <a:r>
-              <a:rPr lang="ru-RU" sz="1200" dirty="0"/>
-              <a:t>(используются знаки сравнения, на практике используется редко, так как трудно найти смысл соединения): </a:t>
-            </a:r>
-          </a:p>
-          <a:p>
-            <a:pPr lvl="1"/>
-            <a:r>
-              <a:rPr lang="en-US" sz="1200" dirty="0">
-                <a:latin typeface="Courier New" pitchFamily="49" charset="0"/>
-                <a:cs typeface="Courier New" pitchFamily="49" charset="0"/>
-              </a:rPr>
-              <a:t>SELECT * </a:t>
-            </a:r>
-          </a:p>
-          <a:p>
-            <a:pPr lvl="1"/>
-            <a:r>
-              <a:rPr lang="en-US" sz="1200" dirty="0">
-                <a:latin typeface="Courier New" pitchFamily="49" charset="0"/>
-                <a:cs typeface="Courier New" pitchFamily="49" charset="0"/>
-              </a:rPr>
-              <a:t>FROM t1, t2 </a:t>
-            </a:r>
-          </a:p>
-          <a:p>
-            <a:pPr lvl="1"/>
-            <a:r>
-              <a:rPr lang="en-US" sz="1200" dirty="0">
-                <a:latin typeface="Courier New" pitchFamily="49" charset="0"/>
-                <a:cs typeface="Courier New" pitchFamily="49" charset="0"/>
-              </a:rPr>
-              <a:t>WHERE (t1.number &gt; t2.number); </a:t>
-            </a:r>
-          </a:p>
-          <a:p>
-            <a:r>
-              <a:rPr lang="ru-RU" sz="1200" b="1" dirty="0"/>
-              <a:t>3) Экви-соединение таблиц </a:t>
-            </a:r>
-            <a:r>
-              <a:rPr lang="ru-RU" sz="1200" dirty="0"/>
-              <a:t>(выполняется по равенству значений общего атрибута, например значений первичного и внешнего ключа): </a:t>
-            </a:r>
-          </a:p>
-          <a:p>
-            <a:pPr lvl="1"/>
-            <a:r>
-              <a:rPr lang="en-US" sz="1200" dirty="0">
-                <a:latin typeface="Courier New" pitchFamily="49" charset="0"/>
-                <a:cs typeface="Courier New" pitchFamily="49" charset="0"/>
-              </a:rPr>
-              <a:t>SELECT t1.*, t2.* </a:t>
-            </a:r>
-          </a:p>
-          <a:p>
-            <a:pPr lvl="1"/>
-            <a:r>
-              <a:rPr lang="en-US" sz="1200" dirty="0">
-                <a:latin typeface="Courier New" pitchFamily="49" charset="0"/>
-                <a:cs typeface="Courier New" pitchFamily="49" charset="0"/>
-              </a:rPr>
-              <a:t>FROM t1, t2 </a:t>
-            </a:r>
-          </a:p>
-          <a:p>
-            <a:pPr lvl="1"/>
-            <a:r>
-              <a:rPr lang="en-US" sz="1200" dirty="0">
-                <a:latin typeface="Courier New" pitchFamily="49" charset="0"/>
-                <a:cs typeface="Courier New" pitchFamily="49" charset="0"/>
-              </a:rPr>
-              <a:t>WHERE (t1.number = t2.number); </a:t>
-            </a:r>
-          </a:p>
-          <a:p>
-            <a:r>
-              <a:rPr lang="ru-RU" sz="1200" dirty="0"/>
-              <a:t>или эквивалентный вариант соединения (inner или natural join): </a:t>
-            </a:r>
-          </a:p>
-          <a:p>
-            <a:pPr lvl="1"/>
-            <a:r>
-              <a:rPr lang="en-US" sz="1200" dirty="0">
-                <a:latin typeface="Courier New" pitchFamily="49" charset="0"/>
-                <a:cs typeface="Courier New" pitchFamily="49" charset="0"/>
-              </a:rPr>
-              <a:t>SELECT t1.*, t2.* </a:t>
-            </a:r>
-          </a:p>
-          <a:p>
-            <a:pPr lvl="1"/>
-            <a:r>
-              <a:rPr lang="en-US" sz="1200" dirty="0">
-                <a:latin typeface="Courier New" pitchFamily="49" charset="0"/>
-                <a:cs typeface="Courier New" pitchFamily="49" charset="0"/>
-              </a:rPr>
-              <a:t>FROM t1 INNER JOIN t2 ON (t1.number = t2.number); </a:t>
-            </a:r>
-          </a:p>
-          <a:p>
-            <a:r>
-              <a:rPr lang="ru-RU" sz="1200" b="1" dirty="0"/>
-              <a:t>4) Внешние соединения таблиц </a:t>
-            </a:r>
-            <a:r>
-              <a:rPr lang="ru-RU" sz="1200" dirty="0"/>
-              <a:t>(левое, правое и полное, соответственно): </a:t>
-            </a:r>
-          </a:p>
-          <a:p>
-            <a:pPr lvl="1"/>
-            <a:r>
-              <a:rPr lang="en-US" sz="1200" dirty="0">
-                <a:latin typeface="Courier New" pitchFamily="49" charset="0"/>
-                <a:cs typeface="Courier New" pitchFamily="49" charset="0"/>
-              </a:rPr>
-              <a:t>SELECT t1.*, t2.* </a:t>
-            </a:r>
-          </a:p>
-          <a:p>
-            <a:pPr lvl="1"/>
-            <a:r>
-              <a:rPr lang="en-US" sz="1200" dirty="0">
-                <a:latin typeface="Courier New" pitchFamily="49" charset="0"/>
-                <a:cs typeface="Courier New" pitchFamily="49" charset="0"/>
-              </a:rPr>
-              <a:t>FROM t1 LEFT JOIN t2 ON t1.number = t2.number; </a:t>
-            </a:r>
-          </a:p>
-          <a:p>
-            <a:pPr lvl="1"/>
-            <a:endParaRPr lang="en-US" sz="1200" dirty="0">
-              <a:latin typeface="Courier New" pitchFamily="49" charset="0"/>
-              <a:cs typeface="Courier New" pitchFamily="49" charset="0"/>
-            </a:endParaRPr>
-          </a:p>
-          <a:p>
-            <a:pPr lvl="1"/>
-            <a:r>
-              <a:rPr lang="en-US" sz="1200" dirty="0">
-                <a:latin typeface="Courier New" pitchFamily="49" charset="0"/>
-                <a:cs typeface="Courier New" pitchFamily="49" charset="0"/>
-              </a:rPr>
-              <a:t>SELECT t1.*, t2.* </a:t>
-            </a:r>
-          </a:p>
-          <a:p>
-            <a:pPr lvl="1"/>
-            <a:r>
-              <a:rPr lang="en-US" sz="1200" dirty="0">
-                <a:latin typeface="Courier New" pitchFamily="49" charset="0"/>
-                <a:cs typeface="Courier New" pitchFamily="49" charset="0"/>
-              </a:rPr>
-              <a:t>FROM t1 RIGHT JOIN t2 ON t1.number = t2.number</a:t>
-            </a:r>
-            <a:r>
-              <a:rPr lang="en-US" sz="1200" dirty="0" smtClean="0">
-                <a:latin typeface="Courier New" pitchFamily="49" charset="0"/>
-                <a:cs typeface="Courier New" pitchFamily="49" charset="0"/>
-              </a:rPr>
-              <a:t>;</a:t>
-            </a:r>
-            <a:endParaRPr lang="ru-RU" sz="1200" dirty="0">
-              <a:latin typeface="Courier New" pitchFamily="49" charset="0"/>
-              <a:cs typeface="Courier New" pitchFamily="49" charset="0"/>
-            </a:endParaRPr>
-          </a:p>
-          <a:p>
-            <a:pPr lvl="1"/>
-            <a:endParaRPr lang="ru-RU" sz="1200" dirty="0">
-              <a:latin typeface="Courier New" pitchFamily="49" charset="0"/>
-              <a:cs typeface="Courier New" pitchFamily="49" charset="0"/>
-            </a:endParaRPr>
-          </a:p>
-          <a:p>
-            <a:r>
-              <a:rPr lang="en-US" sz="1200" dirty="0" smtClean="0">
-                <a:cs typeface="Courier New" pitchFamily="49" charset="0"/>
-              </a:rPr>
-              <a:t>JOIN</a:t>
-            </a:r>
-            <a:r>
-              <a:rPr lang="en-US" sz="1200" dirty="0">
-                <a:cs typeface="Courier New" pitchFamily="49" charset="0"/>
-              </a:rPr>
-              <a:t>: Return rows when there is at least one match in both tables</a:t>
-            </a:r>
-          </a:p>
-          <a:p>
-            <a:r>
-              <a:rPr lang="en-US" sz="1200" dirty="0" smtClean="0">
-                <a:cs typeface="Courier New" pitchFamily="49" charset="0"/>
-              </a:rPr>
-              <a:t>LEFT </a:t>
-            </a:r>
-            <a:r>
-              <a:rPr lang="en-US" sz="1200" dirty="0">
-                <a:cs typeface="Courier New" pitchFamily="49" charset="0"/>
-              </a:rPr>
-              <a:t>JOIN: Return all rows from the left table, even if there are no matches in the right table</a:t>
-            </a:r>
-          </a:p>
-          <a:p>
-            <a:r>
-              <a:rPr lang="en-US" sz="1200" dirty="0" smtClean="0">
-                <a:cs typeface="Courier New" pitchFamily="49" charset="0"/>
-              </a:rPr>
-              <a:t>RIGHT </a:t>
-            </a:r>
-            <a:r>
-              <a:rPr lang="en-US" sz="1200" dirty="0">
-                <a:cs typeface="Courier New" pitchFamily="49" charset="0"/>
-              </a:rPr>
-              <a:t>JOIN: Return all rows from the right table, even if there are no matches in the left table</a:t>
-            </a:r>
-          </a:p>
-          <a:p>
-            <a:r>
-              <a:rPr lang="en-US" sz="1200" dirty="0" smtClean="0">
-                <a:cs typeface="Courier New" pitchFamily="49" charset="0"/>
-              </a:rPr>
-              <a:t>FULL </a:t>
-            </a:r>
-            <a:r>
-              <a:rPr lang="en-US" sz="1200" dirty="0">
-                <a:cs typeface="Courier New" pitchFamily="49" charset="0"/>
-              </a:rPr>
-              <a:t>JOIN: Return rows when there is a match in one of the tables</a:t>
-            </a:r>
-          </a:p>
-          <a:p>
-            <a:pPr lvl="1"/>
-            <a:endParaRPr lang="ru-RU" sz="1200" dirty="0" smtClean="0">
-              <a:latin typeface="Courier New" pitchFamily="49" charset="0"/>
-              <a:cs typeface="Courier New" pitchFamily="49" charset="0"/>
-            </a:endParaRPr>
-          </a:p>
-        </p:txBody>
-      </p:sp>
-    </p:spTree>
-    <p:extLst>
-      <p:ext uri="{BB962C8B-B14F-4D97-AF65-F5344CB8AC3E}">
-        <p14:creationId xmlns:p14="http://schemas.microsoft.com/office/powerpoint/2010/main" val="2446323228"/>
       </p:ext>
     </p:extLst>
   </p:cSld>
@@ -7642,6 +7654,418 @@
           </a:p>
         </p:txBody>
       </p:sp>
+      <p:sp>
+        <p:nvSpPr>
+          <p:cNvPr id="11267" name="Прямоугольник 4"/>
+          <p:cNvSpPr>
+            <a:spLocks noChangeArrowheads="1"/>
+          </p:cNvSpPr>
+          <p:nvPr/>
+        </p:nvSpPr>
+        <p:spPr bwMode="auto">
+          <a:xfrm>
+            <a:off x="152400" y="457200"/>
+            <a:ext cx="8839200" cy="5262979"/>
+          </a:xfrm>
+          <a:prstGeom prst="rect">
+            <a:avLst/>
+          </a:prstGeom>
+          <a:noFill/>
+          <a:ln>
+            <a:noFill/>
+          </a:ln>
+          <a:extLst>
+            <a:ext uri="{909E8E84-426E-40DD-AFC4-6F175D3DCCD1}">
+              <a14:hiddenFill xmlns:a14="http://schemas.microsoft.com/office/drawing/2010/main">
+                <a:solidFill>
+                  <a:srgbClr val="FFFFFF"/>
+                </a:solidFill>
+              </a14:hiddenFill>
+            </a:ext>
+            <a:ext uri="{91240B29-F687-4F45-9708-019B960494DF}">
+              <a14:hiddenLine xmlns:a14="http://schemas.microsoft.com/office/drawing/2010/main" w="9525">
+                <a:solidFill>
+                  <a:srgbClr val="000000"/>
+                </a:solidFill>
+                <a:miter lim="800000"/>
+                <a:headEnd/>
+                <a:tailEnd/>
+              </a14:hiddenLine>
+            </a:ext>
+          </a:extLst>
+        </p:spPr>
+        <p:txBody>
+          <a:bodyPr>
+            <a:spAutoFit/>
+          </a:bodyPr>
+          <a:lstStyle/>
+          <a:p>
+            <a:r>
+              <a:rPr lang="ru-RU" sz="1200" b="1" dirty="0"/>
+              <a:t>1) Декартово произведение двух таблиц: </a:t>
+            </a:r>
+          </a:p>
+          <a:p>
+            <a:pPr lvl="1"/>
+            <a:r>
+              <a:rPr lang="en-US" sz="1200" dirty="0">
+                <a:latin typeface="Courier New" pitchFamily="49" charset="0"/>
+                <a:cs typeface="Courier New" pitchFamily="49" charset="0"/>
+              </a:rPr>
+              <a:t>SELECT t1.*, t2.* </a:t>
+            </a:r>
+          </a:p>
+          <a:p>
+            <a:pPr lvl="1"/>
+            <a:r>
+              <a:rPr lang="en-US" sz="1200" dirty="0">
+                <a:latin typeface="Courier New" pitchFamily="49" charset="0"/>
+                <a:cs typeface="Courier New" pitchFamily="49" charset="0"/>
+              </a:rPr>
+              <a:t>FROM t1, t2; </a:t>
+            </a:r>
+          </a:p>
+          <a:p>
+            <a:r>
+              <a:rPr lang="ru-RU" sz="1200" b="1" dirty="0"/>
+              <a:t>2) Тета-соединение таблиц </a:t>
+            </a:r>
+            <a:r>
+              <a:rPr lang="ru-RU" sz="1200" dirty="0"/>
+              <a:t>(используются знаки сравнения, на практике используется редко, так как трудно найти смысл соединения): </a:t>
+            </a:r>
+          </a:p>
+          <a:p>
+            <a:pPr lvl="1"/>
+            <a:r>
+              <a:rPr lang="en-US" sz="1200" dirty="0">
+                <a:latin typeface="Courier New" pitchFamily="49" charset="0"/>
+                <a:cs typeface="Courier New" pitchFamily="49" charset="0"/>
+              </a:rPr>
+              <a:t>SELECT * </a:t>
+            </a:r>
+          </a:p>
+          <a:p>
+            <a:pPr lvl="1"/>
+            <a:r>
+              <a:rPr lang="en-US" sz="1200" dirty="0">
+                <a:latin typeface="Courier New" pitchFamily="49" charset="0"/>
+                <a:cs typeface="Courier New" pitchFamily="49" charset="0"/>
+              </a:rPr>
+              <a:t>FROM t1, t2 </a:t>
+            </a:r>
+          </a:p>
+          <a:p>
+            <a:pPr lvl="1"/>
+            <a:r>
+              <a:rPr lang="en-US" sz="1200" dirty="0">
+                <a:latin typeface="Courier New" pitchFamily="49" charset="0"/>
+                <a:cs typeface="Courier New" pitchFamily="49" charset="0"/>
+              </a:rPr>
+              <a:t>WHERE (t1.number &gt; t2.number); </a:t>
+            </a:r>
+          </a:p>
+          <a:p>
+            <a:r>
+              <a:rPr lang="ru-RU" sz="1200" b="1" dirty="0"/>
+              <a:t>3) Экви-соединение таблиц </a:t>
+            </a:r>
+            <a:r>
+              <a:rPr lang="ru-RU" sz="1200" dirty="0"/>
+              <a:t>(выполняется по равенству значений общего атрибута, например значений первичного и внешнего ключа): </a:t>
+            </a:r>
+          </a:p>
+          <a:p>
+            <a:pPr lvl="1"/>
+            <a:r>
+              <a:rPr lang="en-US" sz="1200" dirty="0">
+                <a:latin typeface="Courier New" pitchFamily="49" charset="0"/>
+                <a:cs typeface="Courier New" pitchFamily="49" charset="0"/>
+              </a:rPr>
+              <a:t>SELECT t1.*, t2.* </a:t>
+            </a:r>
+          </a:p>
+          <a:p>
+            <a:pPr lvl="1"/>
+            <a:r>
+              <a:rPr lang="en-US" sz="1200" dirty="0">
+                <a:latin typeface="Courier New" pitchFamily="49" charset="0"/>
+                <a:cs typeface="Courier New" pitchFamily="49" charset="0"/>
+              </a:rPr>
+              <a:t>FROM t1, t2 </a:t>
+            </a:r>
+          </a:p>
+          <a:p>
+            <a:pPr lvl="1"/>
+            <a:r>
+              <a:rPr lang="en-US" sz="1200" dirty="0">
+                <a:latin typeface="Courier New" pitchFamily="49" charset="0"/>
+                <a:cs typeface="Courier New" pitchFamily="49" charset="0"/>
+              </a:rPr>
+              <a:t>WHERE (t1.number = t2.number); </a:t>
+            </a:r>
+          </a:p>
+          <a:p>
+            <a:r>
+              <a:rPr lang="ru-RU" sz="1200" dirty="0"/>
+              <a:t>или эквивалентный вариант соединения (inner или natural join): </a:t>
+            </a:r>
+          </a:p>
+          <a:p>
+            <a:pPr lvl="1"/>
+            <a:r>
+              <a:rPr lang="en-US" sz="1200" dirty="0">
+                <a:latin typeface="Courier New" pitchFamily="49" charset="0"/>
+                <a:cs typeface="Courier New" pitchFamily="49" charset="0"/>
+              </a:rPr>
+              <a:t>SELECT t1.*, t2.* </a:t>
+            </a:r>
+          </a:p>
+          <a:p>
+            <a:pPr lvl="1"/>
+            <a:r>
+              <a:rPr lang="en-US" sz="1200" dirty="0">
+                <a:latin typeface="Courier New" pitchFamily="49" charset="0"/>
+                <a:cs typeface="Courier New" pitchFamily="49" charset="0"/>
+              </a:rPr>
+              <a:t>FROM t1 INNER JOIN t2 ON (t1.number = t2.number); </a:t>
+            </a:r>
+          </a:p>
+          <a:p>
+            <a:r>
+              <a:rPr lang="ru-RU" sz="1200" b="1" dirty="0"/>
+              <a:t>4) Внешние соединения таблиц </a:t>
+            </a:r>
+            <a:r>
+              <a:rPr lang="ru-RU" sz="1200" dirty="0"/>
+              <a:t>(левое, правое и полное, соответственно): </a:t>
+            </a:r>
+          </a:p>
+          <a:p>
+            <a:pPr lvl="1"/>
+            <a:r>
+              <a:rPr lang="en-US" sz="1200" dirty="0">
+                <a:latin typeface="Courier New" pitchFamily="49" charset="0"/>
+                <a:cs typeface="Courier New" pitchFamily="49" charset="0"/>
+              </a:rPr>
+              <a:t>SELECT t1.*, t2.* </a:t>
+            </a:r>
+          </a:p>
+          <a:p>
+            <a:pPr lvl="1"/>
+            <a:r>
+              <a:rPr lang="en-US" sz="1200" dirty="0">
+                <a:latin typeface="Courier New" pitchFamily="49" charset="0"/>
+                <a:cs typeface="Courier New" pitchFamily="49" charset="0"/>
+              </a:rPr>
+              <a:t>FROM t1 LEFT JOIN t2 ON t1.number = t2.number; </a:t>
+            </a:r>
+          </a:p>
+          <a:p>
+            <a:pPr lvl="1"/>
+            <a:endParaRPr lang="en-US" sz="1200" dirty="0">
+              <a:latin typeface="Courier New" pitchFamily="49" charset="0"/>
+              <a:cs typeface="Courier New" pitchFamily="49" charset="0"/>
+            </a:endParaRPr>
+          </a:p>
+          <a:p>
+            <a:pPr lvl="1"/>
+            <a:r>
+              <a:rPr lang="en-US" sz="1200" dirty="0">
+                <a:latin typeface="Courier New" pitchFamily="49" charset="0"/>
+                <a:cs typeface="Courier New" pitchFamily="49" charset="0"/>
+              </a:rPr>
+              <a:t>SELECT t1.*, t2.* </a:t>
+            </a:r>
+          </a:p>
+          <a:p>
+            <a:pPr lvl="1"/>
+            <a:r>
+              <a:rPr lang="en-US" sz="1200" dirty="0">
+                <a:latin typeface="Courier New" pitchFamily="49" charset="0"/>
+                <a:cs typeface="Courier New" pitchFamily="49" charset="0"/>
+              </a:rPr>
+              <a:t>FROM t1 RIGHT JOIN t2 ON t1.number = t2.number</a:t>
+            </a:r>
+            <a:r>
+              <a:rPr lang="en-US" sz="1200" dirty="0" smtClean="0">
+                <a:latin typeface="Courier New" pitchFamily="49" charset="0"/>
+                <a:cs typeface="Courier New" pitchFamily="49" charset="0"/>
+              </a:rPr>
+              <a:t>;</a:t>
+            </a:r>
+            <a:endParaRPr lang="ru-RU" sz="1200" dirty="0">
+              <a:latin typeface="Courier New" pitchFamily="49" charset="0"/>
+              <a:cs typeface="Courier New" pitchFamily="49" charset="0"/>
+            </a:endParaRPr>
+          </a:p>
+          <a:p>
+            <a:pPr lvl="1"/>
+            <a:endParaRPr lang="ru-RU" sz="1200" dirty="0">
+              <a:latin typeface="Courier New" pitchFamily="49" charset="0"/>
+              <a:cs typeface="Courier New" pitchFamily="49" charset="0"/>
+            </a:endParaRPr>
+          </a:p>
+          <a:p>
+            <a:r>
+              <a:rPr lang="en-US" sz="1200" dirty="0" smtClean="0">
+                <a:cs typeface="Courier New" pitchFamily="49" charset="0"/>
+              </a:rPr>
+              <a:t>JOIN</a:t>
+            </a:r>
+            <a:r>
+              <a:rPr lang="en-US" sz="1200" dirty="0">
+                <a:cs typeface="Courier New" pitchFamily="49" charset="0"/>
+              </a:rPr>
+              <a:t>: Return rows when there is at least one match in both tables</a:t>
+            </a:r>
+          </a:p>
+          <a:p>
+            <a:r>
+              <a:rPr lang="en-US" sz="1200" dirty="0" smtClean="0">
+                <a:cs typeface="Courier New" pitchFamily="49" charset="0"/>
+              </a:rPr>
+              <a:t>LEFT </a:t>
+            </a:r>
+            <a:r>
+              <a:rPr lang="en-US" sz="1200" dirty="0">
+                <a:cs typeface="Courier New" pitchFamily="49" charset="0"/>
+              </a:rPr>
+              <a:t>JOIN: Return all rows from the left table, even if there are no matches in the right table</a:t>
+            </a:r>
+          </a:p>
+          <a:p>
+            <a:r>
+              <a:rPr lang="en-US" sz="1200" dirty="0" smtClean="0">
+                <a:cs typeface="Courier New" pitchFamily="49" charset="0"/>
+              </a:rPr>
+              <a:t>RIGHT </a:t>
+            </a:r>
+            <a:r>
+              <a:rPr lang="en-US" sz="1200" dirty="0">
+                <a:cs typeface="Courier New" pitchFamily="49" charset="0"/>
+              </a:rPr>
+              <a:t>JOIN: Return all rows from the right table, even if there are no matches in the left table</a:t>
+            </a:r>
+          </a:p>
+          <a:p>
+            <a:r>
+              <a:rPr lang="en-US" sz="1200" dirty="0" smtClean="0">
+                <a:cs typeface="Courier New" pitchFamily="49" charset="0"/>
+              </a:rPr>
+              <a:t>FULL </a:t>
+            </a:r>
+            <a:r>
+              <a:rPr lang="en-US" sz="1200" dirty="0">
+                <a:cs typeface="Courier New" pitchFamily="49" charset="0"/>
+              </a:rPr>
+              <a:t>JOIN: Return rows when there is a match in one of the tables</a:t>
+            </a:r>
+          </a:p>
+          <a:p>
+            <a:pPr lvl="1"/>
+            <a:endParaRPr lang="ru-RU" sz="1200" dirty="0" smtClean="0">
+              <a:latin typeface="Courier New" pitchFamily="49" charset="0"/>
+              <a:cs typeface="Courier New" pitchFamily="49" charset="0"/>
+            </a:endParaRPr>
+          </a:p>
+        </p:txBody>
+      </p:sp>
+    </p:spTree>
+    <p:extLst>
+      <p:ext uri="{BB962C8B-B14F-4D97-AF65-F5344CB8AC3E}">
+        <p14:creationId xmlns:p14="http://schemas.microsoft.com/office/powerpoint/2010/main" val="2446323228"/>
+      </p:ext>
+    </p:extLst>
+  </p:cSld>
+  <p:clrMapOvr>
+    <a:masterClrMapping/>
+  </p:clrMapOvr>
+  <p:timing>
+    <p:tnLst>
+      <p:par>
+        <p:cTn id="1" dur="indefinite" restart="never" nodeType="tmRoot"/>
+      </p:par>
+    </p:tnLst>
+  </p:timing>
+</p:sld>
+</file>
+
+<file path=ppt/slides/slide25.xml><?xml version="1.0" encoding="utf-8"?>
+<p:sld xmlns:a="http://schemas.openxmlformats.org/drawingml/2006/main" xmlns:r="http://schemas.openxmlformats.org/officeDocument/2006/relationships" xmlns:p="http://schemas.openxmlformats.org/presentationml/2006/main">
+  <p:cSld>
+    <p:spTree>
+      <p:nvGrpSpPr>
+        <p:cNvPr id="1" name=""/>
+        <p:cNvGrpSpPr/>
+        <p:nvPr/>
+      </p:nvGrpSpPr>
+      <p:grpSpPr>
+        <a:xfrm>
+          <a:off x="0" y="0"/>
+          <a:ext cx="0" cy="0"/>
+          <a:chOff x="0" y="0"/>
+          <a:chExt cx="0" cy="0"/>
+        </a:xfrm>
+      </p:grpSpPr>
+      <p:sp>
+        <p:nvSpPr>
+          <p:cNvPr id="11266" name="Прямоугольник 2"/>
+          <p:cNvSpPr>
+            <a:spLocks noChangeArrowheads="1"/>
+          </p:cNvSpPr>
+          <p:nvPr/>
+        </p:nvSpPr>
+        <p:spPr bwMode="auto">
+          <a:xfrm>
+            <a:off x="152400" y="0"/>
+            <a:ext cx="8839200" cy="461963"/>
+          </a:xfrm>
+          <a:prstGeom prst="rect">
+            <a:avLst/>
+          </a:prstGeom>
+          <a:noFill/>
+          <a:ln>
+            <a:noFill/>
+          </a:ln>
+          <a:extLst>
+            <a:ext uri="{909E8E84-426E-40DD-AFC4-6F175D3DCCD1}">
+              <a14:hiddenFill xmlns:a14="http://schemas.microsoft.com/office/drawing/2010/main">
+                <a:solidFill>
+                  <a:srgbClr val="FFFFFF"/>
+                </a:solidFill>
+              </a14:hiddenFill>
+            </a:ext>
+            <a:ext uri="{91240B29-F687-4F45-9708-019B960494DF}">
+              <a14:hiddenLine xmlns:a14="http://schemas.microsoft.com/office/drawing/2010/main" w="9525">
+                <a:solidFill>
+                  <a:srgbClr val="000000"/>
+                </a:solidFill>
+                <a:miter lim="800000"/>
+                <a:headEnd/>
+                <a:tailEnd/>
+              </a14:hiddenLine>
+            </a:ext>
+          </a:extLst>
+        </p:spPr>
+        <p:txBody>
+          <a:bodyPr>
+            <a:spAutoFit/>
+          </a:bodyPr>
+          <a:lstStyle/>
+          <a:p>
+            <a:pPr algn="ctr"/>
+            <a:r>
+              <a:rPr lang="be-BY" sz="2400" b="1" dirty="0" smtClean="0"/>
+              <a:t>Многотабличные </a:t>
+            </a:r>
+            <a:r>
+              <a:rPr lang="be-BY" sz="2400" b="1" dirty="0"/>
+              <a:t>запросы.</a:t>
+            </a:r>
+          </a:p>
+        </p:txBody>
+      </p:sp>
       <p:pic>
         <p:nvPicPr>
           <p:cNvPr id="1028" name="Picture 4" descr="http://www.codeproject.com/KB/database/Visual_SQL_Joins/Visual_SQL_JOINS_orig.jpg"/>
@@ -7703,7 +8127,7 @@
 </p:sld>
 </file>
 
-<file path=ppt/slides/slide25.xml><?xml version="1.0" encoding="utf-8"?>
+<file path=ppt/slides/slide26.xml><?xml version="1.0" encoding="utf-8"?>
 <p:sld xmlns:a="http://schemas.openxmlformats.org/drawingml/2006/main" xmlns:r="http://schemas.openxmlformats.org/officeDocument/2006/relationships" xmlns:p="http://schemas.openxmlformats.org/presentationml/2006/main">
   <p:cSld>
     <p:spTree>
@@ -8126,113 +8550,6 @@
 </p:sld>
 </file>
 
-<file path=ppt/slides/slide26.xml><?xml version="1.0" encoding="utf-8"?>
-<p:sld xmlns:a="http://schemas.openxmlformats.org/drawingml/2006/main" xmlns:r="http://schemas.openxmlformats.org/officeDocument/2006/relationships" xmlns:p="http://schemas.openxmlformats.org/presentationml/2006/main">
-  <p:cSld>
-    <p:spTree>
-      <p:nvGrpSpPr>
-        <p:cNvPr id="1" name=""/>
-        <p:cNvGrpSpPr/>
-        <p:nvPr/>
-      </p:nvGrpSpPr>
-      <p:grpSpPr>
-        <a:xfrm>
-          <a:off x="0" y="0"/>
-          <a:ext cx="0" cy="0"/>
-          <a:chOff x="0" y="0"/>
-          <a:chExt cx="0" cy="0"/>
-        </a:xfrm>
-      </p:grpSpPr>
-      <p:sp>
-        <p:nvSpPr>
-          <p:cNvPr id="2" name="Title 1"/>
-          <p:cNvSpPr>
-            <a:spLocks noGrp="1"/>
-          </p:cNvSpPr>
-          <p:nvPr>
-            <p:ph type="title"/>
-          </p:nvPr>
-        </p:nvSpPr>
-        <p:spPr/>
-        <p:txBody>
-          <a:bodyPr/>
-          <a:lstStyle/>
-          <a:p>
-            <a:r>
-              <a:rPr lang="ru-RU" dirty="0" smtClean="0"/>
-              <a:t>Ограничения </a:t>
-            </a:r>
-            <a:r>
-              <a:rPr lang="en-US" dirty="0" smtClean="0"/>
-              <a:t>(constraints)</a:t>
-            </a:r>
-            <a:endParaRPr lang="en-US" dirty="0"/>
-          </a:p>
-        </p:txBody>
-      </p:sp>
-      <p:sp>
-        <p:nvSpPr>
-          <p:cNvPr id="3" name="Content Placeholder 2"/>
-          <p:cNvSpPr>
-            <a:spLocks noGrp="1"/>
-          </p:cNvSpPr>
-          <p:nvPr>
-            <p:ph idx="1"/>
-          </p:nvPr>
-        </p:nvSpPr>
-        <p:spPr/>
-        <p:txBody>
-          <a:bodyPr/>
-          <a:lstStyle/>
-          <a:p>
-            <a:r>
-              <a:rPr lang="en-US" dirty="0" smtClean="0"/>
-              <a:t>NOT NULL</a:t>
-            </a:r>
-          </a:p>
-          <a:p>
-            <a:r>
-              <a:rPr lang="en-US" dirty="0" smtClean="0"/>
-              <a:t>CHECK</a:t>
-            </a:r>
-          </a:p>
-          <a:p>
-            <a:r>
-              <a:rPr lang="en-US" dirty="0" smtClean="0"/>
-              <a:t>UNIQUE</a:t>
-            </a:r>
-          </a:p>
-          <a:p>
-            <a:r>
-              <a:rPr lang="en-US" dirty="0" smtClean="0"/>
-              <a:t>PRIMARY KEY</a:t>
-            </a:r>
-          </a:p>
-          <a:p>
-            <a:r>
-              <a:rPr lang="en-US" dirty="0" smtClean="0"/>
-              <a:t> FOREIGN </a:t>
-            </a:r>
-            <a:r>
-              <a:rPr lang="en-US" dirty="0"/>
-              <a:t>KEY</a:t>
-            </a:r>
-          </a:p>
-        </p:txBody>
-      </p:sp>
-    </p:spTree>
-    <p:extLst>
-      <p:ext uri="{BB962C8B-B14F-4D97-AF65-F5344CB8AC3E}">
-        <p14:creationId xmlns:p14="http://schemas.microsoft.com/office/powerpoint/2010/main" val="1003551259"/>
-      </p:ext>
-    </p:extLst>
-  </p:cSld>
-  <p:clrMapOvr>
-    <a:masterClrMapping/>
-  </p:clrMapOvr>
-</p:sld>
-</file>
-
 <file path=ppt/slides/slide27.xml><?xml version="1.0" encoding="utf-8"?>
 <p:sld xmlns:a="http://schemas.openxmlformats.org/drawingml/2006/main" xmlns:r="http://schemas.openxmlformats.org/officeDocument/2006/relationships" xmlns:p="http://schemas.openxmlformats.org/presentationml/2006/main">
   <p:cSld>
@@ -8262,14 +8579,32 @@
         </p:nvSpPr>
         <p:spPr/>
         <p:txBody>
-          <a:bodyPr/>
+          <a:bodyPr>
+            <a:noAutofit/>
+          </a:bodyPr>
           <a:lstStyle/>
           <a:p>
             <a:r>
-              <a:rPr lang="ru-RU" dirty="0" smtClean="0"/>
-              <a:t>Хранимые процедуры</a:t>
-            </a:r>
-            <a:endParaRPr lang="en-US" dirty="0"/>
+              <a:rPr lang="ru-RU" sz="3600" dirty="0" smtClean="0"/>
+              <a:t>«Сокращенный» </a:t>
+            </a:r>
+            <a:r>
+              <a:rPr lang="en-US" sz="3600" dirty="0" smtClean="0"/>
+              <a:t>INSERT</a:t>
+            </a:r>
+            <a:r>
+              <a:rPr lang="ru-RU" sz="3600" dirty="0" smtClean="0"/>
+              <a:t>в </a:t>
+            </a:r>
+            <a:r>
+              <a:rPr lang="en-US" sz="3600" dirty="0" smtClean="0"/>
+              <a:t>MS SQL 2008 </a:t>
+            </a:r>
+            <a:r>
+              <a:rPr lang="ru-RU" sz="3600" dirty="0" smtClean="0"/>
+              <a:t>и выше</a:t>
+            </a:r>
+            <a:endParaRPr lang="en-US" sz="3600" dirty="0"/>
           </a:p>
         </p:txBody>
       </p:sp>
@@ -8286,11 +8621,13 @@
         <p:spPr>
           <a:xfrm>
             <a:off x="457200" y="1600200"/>
-            <a:ext cx="8229600" cy="3773015"/>
+            <a:ext cx="8147248" cy="2332855"/>
           </a:xfrm>
         </p:spPr>
         <p:txBody>
-          <a:bodyPr/>
+          <a:bodyPr>
+            <a:normAutofit/>
+          </a:bodyPr>
           <a:lstStyle/>
           <a:p>
             <a:pPr marL="0" indent="0">
@@ -8298,54 +8635,804 @@
             </a:pPr>
             <a:r>
               <a:rPr lang="ru-RU" dirty="0" smtClean="0"/>
-              <a:t>Хранимая процедура это функция на языке </a:t>
+              <a:t>В </a:t>
             </a:r>
             <a:r>
               <a:rPr lang="en-US" dirty="0" smtClean="0"/>
-              <a:t>SQL. </a:t>
+              <a:t>SQL Server 2008 </a:t>
+            </a:r>
+            <a:r>
+              <a:rPr lang="ru-RU" dirty="0"/>
+              <a:t>и выше </a:t>
             </a:r>
             <a:r>
               <a:rPr lang="ru-RU" dirty="0" smtClean="0"/>
-              <a:t>У процедуры могут быть параметры. Для создания процедуры используется команда </a:t>
+              <a:t>команда </a:t>
             </a:r>
             <a:r>
               <a:rPr lang="en-US" dirty="0" smtClean="0"/>
-              <a:t>CREATE PROC, </a:t>
+              <a:t>INSERT </a:t>
             </a:r>
             <a:r>
               <a:rPr lang="ru-RU" dirty="0" smtClean="0"/>
-              <a:t>для изменения </a:t>
+              <a:t>дает возможность вставить несколько строк за один вызов</a:t>
             </a:r>
             <a:r>
               <a:rPr lang="en-US" dirty="0" smtClean="0"/>
-              <a:t>ALTER PROC </a:t>
+              <a:t>. </a:t>
             </a:r>
             <a:r>
               <a:rPr lang="ru-RU" dirty="0" smtClean="0"/>
-              <a:t>и </a:t>
-            </a:r>
-            <a:r>
-              <a:rPr lang="en-US" dirty="0" smtClean="0"/>
-              <a:t>DROP PROC </a:t>
-            </a:r>
-            <a:r>
-              <a:rPr lang="ru-RU" dirty="0" smtClean="0"/>
-              <a:t>для удаления.</a:t>
-            </a:r>
-            <a:endParaRPr lang="en-US" dirty="0" smtClean="0"/>
+              <a:t>Добавление производится в рамках общей транзакции.</a:t>
+            </a:r>
+            <a:endParaRPr lang="en-US" dirty="0"/>
+          </a:p>
+        </p:txBody>
+      </p:sp>
+      <p:sp>
+        <p:nvSpPr>
+          <p:cNvPr id="5" name="Rectangle 4"/>
+          <p:cNvSpPr/>
+          <p:nvPr/>
+        </p:nvSpPr>
+        <p:spPr>
+          <a:xfrm>
+            <a:off x="457200" y="3989963"/>
+            <a:ext cx="8147248" cy="2031325"/>
+          </a:xfrm>
+          <a:prstGeom prst="rect">
+            <a:avLst/>
+          </a:prstGeom>
+          <a:solidFill>
+            <a:schemeClr val="bg1"/>
+          </a:solidFill>
+        </p:spPr>
+        <p:txBody>
+          <a:bodyPr wrap="square">
+            <a:spAutoFit/>
+          </a:bodyPr>
+          <a:lstStyle/>
+          <a:p>
+            <a:r>
+              <a:rPr lang="en-US" dirty="0">
+                <a:solidFill>
+                  <a:srgbClr val="0000FF"/>
+                </a:solidFill>
+                <a:latin typeface="Consolas"/>
+              </a:rPr>
+              <a:t>INSERT</a:t>
+            </a:r>
+            <a:r>
+              <a:rPr lang="en-US" dirty="0">
+                <a:solidFill>
+                  <a:prstClr val="black"/>
+                </a:solidFill>
+                <a:latin typeface="Consolas"/>
+              </a:rPr>
+              <a:t> </a:t>
+            </a:r>
+            <a:r>
+              <a:rPr lang="en-US" dirty="0">
+                <a:solidFill>
+                  <a:srgbClr val="0000FF"/>
+                </a:solidFill>
+                <a:latin typeface="Consolas"/>
+              </a:rPr>
+              <a:t>INTO</a:t>
+            </a:r>
+            <a:r>
+              <a:rPr lang="en-US" dirty="0">
+                <a:solidFill>
+                  <a:prstClr val="black"/>
+                </a:solidFill>
+                <a:latin typeface="Consolas"/>
+              </a:rPr>
+              <a:t> </a:t>
+            </a:r>
+            <a:r>
+              <a:rPr lang="en-US" dirty="0" err="1">
+                <a:solidFill>
+                  <a:prstClr val="black"/>
+                </a:solidFill>
+                <a:latin typeface="Consolas"/>
+              </a:rPr>
+              <a:t>CountryCapital</a:t>
+            </a:r>
+            <a:r>
+              <a:rPr lang="en-US" dirty="0">
+                <a:solidFill>
+                  <a:srgbClr val="0000FF"/>
+                </a:solidFill>
+                <a:latin typeface="Consolas"/>
+              </a:rPr>
+              <a:t> </a:t>
+            </a:r>
+            <a:r>
+              <a:rPr lang="en-US" dirty="0">
+                <a:solidFill>
+                  <a:srgbClr val="808080"/>
+                </a:solidFill>
+                <a:latin typeface="Consolas"/>
+              </a:rPr>
+              <a:t>(</a:t>
+            </a:r>
+            <a:r>
+              <a:rPr lang="en-US" dirty="0" err="1">
+                <a:solidFill>
+                  <a:prstClr val="black"/>
+                </a:solidFill>
+                <a:latin typeface="Consolas"/>
+              </a:rPr>
+              <a:t>PartOfWorld</a:t>
+            </a:r>
+            <a:r>
+              <a:rPr lang="en-US" dirty="0">
+                <a:solidFill>
+                  <a:srgbClr val="808080"/>
+                </a:solidFill>
+                <a:latin typeface="Consolas"/>
+              </a:rPr>
+              <a:t>,</a:t>
+            </a:r>
+            <a:r>
+              <a:rPr lang="en-US" dirty="0">
+                <a:solidFill>
+                  <a:prstClr val="black"/>
+                </a:solidFill>
+                <a:latin typeface="Consolas"/>
+              </a:rPr>
+              <a:t> Country</a:t>
+            </a:r>
+            <a:r>
+              <a:rPr lang="en-US" dirty="0">
+                <a:solidFill>
+                  <a:srgbClr val="808080"/>
+                </a:solidFill>
+                <a:latin typeface="Consolas"/>
+              </a:rPr>
+              <a:t>,</a:t>
+            </a:r>
+            <a:r>
+              <a:rPr lang="en-US" dirty="0">
+                <a:solidFill>
+                  <a:prstClr val="black"/>
+                </a:solidFill>
+                <a:latin typeface="Consolas"/>
+              </a:rPr>
+              <a:t> </a:t>
+            </a:r>
+            <a:r>
+              <a:rPr lang="en-US" dirty="0" err="1">
+                <a:solidFill>
+                  <a:prstClr val="black"/>
+                </a:solidFill>
+                <a:latin typeface="Consolas"/>
+              </a:rPr>
+              <a:t>CapitalCity</a:t>
+            </a:r>
+            <a:r>
+              <a:rPr lang="en-US" dirty="0">
+                <a:solidFill>
+                  <a:srgbClr val="808080"/>
+                </a:solidFill>
+                <a:latin typeface="Consolas"/>
+              </a:rPr>
+              <a:t>)</a:t>
+            </a:r>
+            <a:endParaRPr lang="en-US" dirty="0">
+              <a:solidFill>
+                <a:prstClr val="black"/>
+              </a:solidFill>
+              <a:latin typeface="Consolas"/>
+            </a:endParaRPr>
+          </a:p>
+          <a:p>
+            <a:r>
+              <a:rPr lang="en-US" dirty="0">
+                <a:solidFill>
+                  <a:prstClr val="black"/>
+                </a:solidFill>
+                <a:latin typeface="Consolas"/>
+              </a:rPr>
+              <a:t>    </a:t>
+            </a:r>
+            <a:r>
+              <a:rPr lang="en-US" dirty="0">
+                <a:solidFill>
+                  <a:srgbClr val="0000FF"/>
+                </a:solidFill>
+                <a:latin typeface="Consolas"/>
+              </a:rPr>
+              <a:t>VALUES </a:t>
+            </a:r>
+            <a:r>
+              <a:rPr lang="en-US" dirty="0">
+                <a:solidFill>
+                  <a:srgbClr val="808080"/>
+                </a:solidFill>
+                <a:latin typeface="Consolas"/>
+              </a:rPr>
+              <a:t>(</a:t>
+            </a:r>
+            <a:r>
+              <a:rPr lang="en-US" dirty="0">
+                <a:solidFill>
+                  <a:srgbClr val="FF0000"/>
+                </a:solidFill>
+                <a:latin typeface="Consolas"/>
+              </a:rPr>
+              <a:t>'</a:t>
+            </a:r>
+            <a:r>
+              <a:rPr lang="ru-RU" dirty="0">
+                <a:solidFill>
+                  <a:srgbClr val="FF0000"/>
+                </a:solidFill>
+                <a:latin typeface="Consolas"/>
+              </a:rPr>
+              <a:t>Европа'</a:t>
+            </a:r>
+            <a:r>
+              <a:rPr lang="ru-RU" dirty="0">
+                <a:solidFill>
+                  <a:srgbClr val="808080"/>
+                </a:solidFill>
+                <a:latin typeface="Consolas"/>
+              </a:rPr>
+              <a:t>,</a:t>
+            </a:r>
+            <a:r>
+              <a:rPr lang="ru-RU" dirty="0">
+                <a:solidFill>
+                  <a:prstClr val="black"/>
+                </a:solidFill>
+                <a:latin typeface="Consolas"/>
+              </a:rPr>
+              <a:t> </a:t>
+            </a:r>
+            <a:r>
+              <a:rPr lang="ru-RU" dirty="0">
+                <a:solidFill>
+                  <a:srgbClr val="FF0000"/>
+                </a:solidFill>
+                <a:latin typeface="Consolas"/>
+              </a:rPr>
+              <a:t>'Австрия'</a:t>
+            </a:r>
+            <a:r>
+              <a:rPr lang="ru-RU" dirty="0">
+                <a:solidFill>
+                  <a:srgbClr val="808080"/>
+                </a:solidFill>
+                <a:latin typeface="Consolas"/>
+              </a:rPr>
+              <a:t>,</a:t>
+            </a:r>
+            <a:r>
+              <a:rPr lang="ru-RU" dirty="0">
+                <a:solidFill>
+                  <a:prstClr val="black"/>
+                </a:solidFill>
+                <a:latin typeface="Consolas"/>
+              </a:rPr>
+              <a:t> </a:t>
+            </a:r>
+            <a:r>
+              <a:rPr lang="ru-RU" dirty="0">
+                <a:solidFill>
+                  <a:srgbClr val="FF0000"/>
+                </a:solidFill>
+                <a:latin typeface="Consolas"/>
+              </a:rPr>
+              <a:t>'Вена'</a:t>
+            </a:r>
+            <a:r>
+              <a:rPr lang="ru-RU" dirty="0">
+                <a:solidFill>
+                  <a:srgbClr val="808080"/>
+                </a:solidFill>
+                <a:latin typeface="Consolas"/>
+              </a:rPr>
+              <a:t>)</a:t>
+            </a:r>
+            <a:endParaRPr lang="ru-RU" dirty="0">
+              <a:solidFill>
+                <a:prstClr val="black"/>
+              </a:solidFill>
+              <a:latin typeface="Consolas"/>
+            </a:endParaRPr>
+          </a:p>
+          <a:p>
+            <a:r>
+              <a:rPr lang="ru-RU" dirty="0">
+                <a:solidFill>
+                  <a:prstClr val="black"/>
+                </a:solidFill>
+                <a:latin typeface="Consolas"/>
+              </a:rPr>
+              <a:t>         </a:t>
+            </a:r>
+            <a:r>
+              <a:rPr lang="ru-RU" dirty="0">
+                <a:solidFill>
+                  <a:srgbClr val="808080"/>
+                </a:solidFill>
+                <a:latin typeface="Consolas"/>
+              </a:rPr>
+              <a:t>,</a:t>
+            </a:r>
+            <a:r>
+              <a:rPr lang="ru-RU" dirty="0">
+                <a:solidFill>
+                  <a:srgbClr val="0000FF"/>
+                </a:solidFill>
+                <a:latin typeface="Consolas"/>
+              </a:rPr>
+              <a:t> </a:t>
+            </a:r>
+            <a:r>
+              <a:rPr lang="ru-RU" dirty="0">
+                <a:solidFill>
+                  <a:srgbClr val="808080"/>
+                </a:solidFill>
+                <a:latin typeface="Consolas"/>
+              </a:rPr>
+              <a:t>(</a:t>
+            </a:r>
+            <a:r>
+              <a:rPr lang="ru-RU" dirty="0">
+                <a:solidFill>
+                  <a:srgbClr val="FF0000"/>
+                </a:solidFill>
+                <a:latin typeface="Consolas"/>
+              </a:rPr>
+              <a:t>'Европа'</a:t>
+            </a:r>
+            <a:r>
+              <a:rPr lang="ru-RU" dirty="0">
+                <a:solidFill>
+                  <a:srgbClr val="808080"/>
+                </a:solidFill>
+                <a:latin typeface="Consolas"/>
+              </a:rPr>
+              <a:t>,</a:t>
+            </a:r>
+            <a:r>
+              <a:rPr lang="ru-RU" dirty="0">
+                <a:solidFill>
+                  <a:prstClr val="black"/>
+                </a:solidFill>
+                <a:latin typeface="Consolas"/>
+              </a:rPr>
+              <a:t> </a:t>
+            </a:r>
+            <a:r>
+              <a:rPr lang="ru-RU" dirty="0">
+                <a:solidFill>
+                  <a:srgbClr val="FF0000"/>
+                </a:solidFill>
+                <a:latin typeface="Consolas"/>
+              </a:rPr>
+              <a:t>'Албания'</a:t>
+            </a:r>
+            <a:r>
+              <a:rPr lang="ru-RU" dirty="0">
+                <a:solidFill>
+                  <a:srgbClr val="808080"/>
+                </a:solidFill>
+                <a:latin typeface="Consolas"/>
+              </a:rPr>
+              <a:t>,</a:t>
+            </a:r>
+            <a:r>
+              <a:rPr lang="ru-RU" dirty="0">
+                <a:solidFill>
+                  <a:prstClr val="black"/>
+                </a:solidFill>
+                <a:latin typeface="Consolas"/>
+              </a:rPr>
+              <a:t> </a:t>
+            </a:r>
+            <a:r>
+              <a:rPr lang="ru-RU" dirty="0">
+                <a:solidFill>
+                  <a:srgbClr val="FF0000"/>
+                </a:solidFill>
+                <a:latin typeface="Consolas"/>
+              </a:rPr>
+              <a:t>'Тирана'</a:t>
+            </a:r>
+            <a:r>
+              <a:rPr lang="ru-RU" dirty="0">
+                <a:solidFill>
+                  <a:srgbClr val="808080"/>
+                </a:solidFill>
+                <a:latin typeface="Consolas"/>
+              </a:rPr>
+              <a:t>)</a:t>
+            </a:r>
+            <a:endParaRPr lang="ru-RU" dirty="0">
+              <a:solidFill>
+                <a:prstClr val="black"/>
+              </a:solidFill>
+              <a:latin typeface="Consolas"/>
+            </a:endParaRPr>
+          </a:p>
+          <a:p>
+            <a:r>
+              <a:rPr lang="ru-RU" dirty="0">
+                <a:solidFill>
+                  <a:prstClr val="black"/>
+                </a:solidFill>
+                <a:latin typeface="Consolas"/>
+              </a:rPr>
+              <a:t>         </a:t>
+            </a:r>
+            <a:r>
+              <a:rPr lang="ru-RU" dirty="0">
+                <a:solidFill>
+                  <a:srgbClr val="808080"/>
+                </a:solidFill>
+                <a:latin typeface="Consolas"/>
+              </a:rPr>
+              <a:t>,</a:t>
+            </a:r>
+            <a:r>
+              <a:rPr lang="ru-RU" dirty="0">
+                <a:solidFill>
+                  <a:srgbClr val="0000FF"/>
+                </a:solidFill>
+                <a:latin typeface="Consolas"/>
+              </a:rPr>
+              <a:t> </a:t>
+            </a:r>
+            <a:r>
+              <a:rPr lang="ru-RU" dirty="0">
+                <a:solidFill>
+                  <a:srgbClr val="808080"/>
+                </a:solidFill>
+                <a:latin typeface="Consolas"/>
+              </a:rPr>
+              <a:t>(</a:t>
+            </a:r>
+            <a:r>
+              <a:rPr lang="ru-RU" dirty="0">
+                <a:solidFill>
+                  <a:srgbClr val="FF0000"/>
+                </a:solidFill>
+                <a:latin typeface="Consolas"/>
+              </a:rPr>
+              <a:t>'Европа'</a:t>
+            </a:r>
+            <a:r>
+              <a:rPr lang="ru-RU" dirty="0">
+                <a:solidFill>
+                  <a:srgbClr val="808080"/>
+                </a:solidFill>
+                <a:latin typeface="Consolas"/>
+              </a:rPr>
+              <a:t>,</a:t>
+            </a:r>
+            <a:r>
+              <a:rPr lang="ru-RU" dirty="0">
+                <a:solidFill>
+                  <a:prstClr val="black"/>
+                </a:solidFill>
+                <a:latin typeface="Consolas"/>
+              </a:rPr>
+              <a:t> </a:t>
+            </a:r>
+            <a:r>
+              <a:rPr lang="ru-RU" dirty="0">
+                <a:solidFill>
+                  <a:srgbClr val="FF0000"/>
+                </a:solidFill>
+                <a:latin typeface="Consolas"/>
+              </a:rPr>
+              <a:t>'Андорра'</a:t>
+            </a:r>
+            <a:r>
+              <a:rPr lang="ru-RU" dirty="0">
+                <a:solidFill>
+                  <a:srgbClr val="808080"/>
+                </a:solidFill>
+                <a:latin typeface="Consolas"/>
+              </a:rPr>
+              <a:t>,</a:t>
+            </a:r>
+            <a:r>
+              <a:rPr lang="ru-RU" dirty="0">
+                <a:solidFill>
+                  <a:prstClr val="black"/>
+                </a:solidFill>
+                <a:latin typeface="Consolas"/>
+              </a:rPr>
+              <a:t> </a:t>
+            </a:r>
+            <a:r>
+              <a:rPr lang="ru-RU" dirty="0">
+                <a:solidFill>
+                  <a:srgbClr val="FF0000"/>
+                </a:solidFill>
+                <a:latin typeface="Consolas"/>
+              </a:rPr>
+              <a:t>'Андорра-ла-Велья'</a:t>
+            </a:r>
+            <a:r>
+              <a:rPr lang="ru-RU" dirty="0">
+                <a:solidFill>
+                  <a:srgbClr val="808080"/>
+                </a:solidFill>
+                <a:latin typeface="Consolas"/>
+              </a:rPr>
+              <a:t>)</a:t>
+            </a:r>
+            <a:endParaRPr lang="ru-RU" dirty="0">
+              <a:solidFill>
+                <a:prstClr val="black"/>
+              </a:solidFill>
+              <a:latin typeface="Consolas"/>
+            </a:endParaRPr>
+          </a:p>
+          <a:p>
+            <a:r>
+              <a:rPr lang="ru-RU" dirty="0">
+                <a:solidFill>
+                  <a:prstClr val="black"/>
+                </a:solidFill>
+                <a:latin typeface="Consolas"/>
+              </a:rPr>
+              <a:t>         </a:t>
+            </a:r>
+            <a:r>
+              <a:rPr lang="ru-RU" dirty="0">
+                <a:solidFill>
+                  <a:srgbClr val="808080"/>
+                </a:solidFill>
+                <a:latin typeface="Consolas"/>
+              </a:rPr>
+              <a:t>,</a:t>
+            </a:r>
+            <a:r>
+              <a:rPr lang="ru-RU" dirty="0">
+                <a:solidFill>
+                  <a:srgbClr val="0000FF"/>
+                </a:solidFill>
+                <a:latin typeface="Consolas"/>
+              </a:rPr>
+              <a:t> </a:t>
+            </a:r>
+            <a:r>
+              <a:rPr lang="ru-RU" dirty="0">
+                <a:solidFill>
+                  <a:srgbClr val="808080"/>
+                </a:solidFill>
+                <a:latin typeface="Consolas"/>
+              </a:rPr>
+              <a:t>(</a:t>
+            </a:r>
+            <a:r>
+              <a:rPr lang="ru-RU" dirty="0">
+                <a:solidFill>
+                  <a:srgbClr val="FF0000"/>
+                </a:solidFill>
+                <a:latin typeface="Consolas"/>
+              </a:rPr>
+              <a:t>'Европа'</a:t>
+            </a:r>
+            <a:r>
+              <a:rPr lang="ru-RU" dirty="0">
+                <a:solidFill>
+                  <a:srgbClr val="808080"/>
+                </a:solidFill>
+                <a:latin typeface="Consolas"/>
+              </a:rPr>
+              <a:t>,</a:t>
+            </a:r>
+            <a:r>
+              <a:rPr lang="ru-RU" dirty="0">
+                <a:solidFill>
+                  <a:prstClr val="black"/>
+                </a:solidFill>
+                <a:latin typeface="Consolas"/>
+              </a:rPr>
+              <a:t> </a:t>
+            </a:r>
+            <a:r>
+              <a:rPr lang="ru-RU" dirty="0">
+                <a:solidFill>
+                  <a:srgbClr val="FF0000"/>
+                </a:solidFill>
+                <a:latin typeface="Consolas"/>
+              </a:rPr>
+              <a:t>'Белоруссия'</a:t>
+            </a:r>
+            <a:r>
+              <a:rPr lang="ru-RU" dirty="0">
+                <a:solidFill>
+                  <a:srgbClr val="808080"/>
+                </a:solidFill>
+                <a:latin typeface="Consolas"/>
+              </a:rPr>
+              <a:t>,</a:t>
+            </a:r>
+            <a:r>
+              <a:rPr lang="ru-RU" dirty="0">
+                <a:solidFill>
+                  <a:prstClr val="black"/>
+                </a:solidFill>
+                <a:latin typeface="Consolas"/>
+              </a:rPr>
+              <a:t> </a:t>
+            </a:r>
+            <a:r>
+              <a:rPr lang="ru-RU" dirty="0">
+                <a:solidFill>
+                  <a:srgbClr val="FF0000"/>
+                </a:solidFill>
+                <a:latin typeface="Consolas"/>
+              </a:rPr>
+              <a:t>'Минск'</a:t>
+            </a:r>
+            <a:r>
+              <a:rPr lang="ru-RU" dirty="0">
+                <a:solidFill>
+                  <a:srgbClr val="808080"/>
+                </a:solidFill>
+                <a:latin typeface="Consolas"/>
+              </a:rPr>
+              <a:t>)</a:t>
+            </a:r>
+            <a:endParaRPr lang="ru-RU" dirty="0">
+              <a:solidFill>
+                <a:prstClr val="black"/>
+              </a:solidFill>
+              <a:latin typeface="Consolas"/>
+            </a:endParaRPr>
+          </a:p>
+          <a:p>
+            <a:r>
+              <a:rPr lang="ru-RU" dirty="0">
+                <a:solidFill>
+                  <a:prstClr val="black"/>
+                </a:solidFill>
+                <a:latin typeface="Consolas"/>
+              </a:rPr>
+              <a:t>         </a:t>
+            </a:r>
+            <a:r>
+              <a:rPr lang="ru-RU" dirty="0">
+                <a:solidFill>
+                  <a:srgbClr val="808080"/>
+                </a:solidFill>
+                <a:latin typeface="Consolas"/>
+              </a:rPr>
+              <a:t>,</a:t>
+            </a:r>
+            <a:r>
+              <a:rPr lang="ru-RU" dirty="0">
+                <a:solidFill>
+                  <a:srgbClr val="0000FF"/>
+                </a:solidFill>
+                <a:latin typeface="Consolas"/>
+              </a:rPr>
+              <a:t> </a:t>
+            </a:r>
+            <a:r>
+              <a:rPr lang="ru-RU" dirty="0">
+                <a:solidFill>
+                  <a:srgbClr val="808080"/>
+                </a:solidFill>
+                <a:latin typeface="Consolas"/>
+              </a:rPr>
+              <a:t>(</a:t>
+            </a:r>
+            <a:r>
+              <a:rPr lang="ru-RU" dirty="0">
+                <a:solidFill>
+                  <a:srgbClr val="FF0000"/>
+                </a:solidFill>
+                <a:latin typeface="Consolas"/>
+              </a:rPr>
+              <a:t>'Европа'</a:t>
+            </a:r>
+            <a:r>
+              <a:rPr lang="ru-RU" dirty="0">
+                <a:solidFill>
+                  <a:srgbClr val="808080"/>
+                </a:solidFill>
+                <a:latin typeface="Consolas"/>
+              </a:rPr>
+              <a:t>,</a:t>
+            </a:r>
+            <a:r>
+              <a:rPr lang="ru-RU" dirty="0">
+                <a:solidFill>
+                  <a:prstClr val="black"/>
+                </a:solidFill>
+                <a:latin typeface="Consolas"/>
+              </a:rPr>
+              <a:t> </a:t>
+            </a:r>
+            <a:r>
+              <a:rPr lang="ru-RU" dirty="0">
+                <a:solidFill>
+                  <a:srgbClr val="FF0000"/>
+                </a:solidFill>
+                <a:latin typeface="Consolas"/>
+              </a:rPr>
+              <a:t>'Бельгия'</a:t>
+            </a:r>
+            <a:r>
+              <a:rPr lang="ru-RU" dirty="0">
+                <a:solidFill>
+                  <a:srgbClr val="808080"/>
+                </a:solidFill>
+                <a:latin typeface="Consolas"/>
+              </a:rPr>
+              <a:t>,</a:t>
+            </a:r>
+            <a:r>
+              <a:rPr lang="ru-RU" dirty="0">
+                <a:solidFill>
+                  <a:prstClr val="black"/>
+                </a:solidFill>
+                <a:latin typeface="Consolas"/>
+              </a:rPr>
+              <a:t> </a:t>
+            </a:r>
+            <a:r>
+              <a:rPr lang="ru-RU" dirty="0">
+                <a:solidFill>
+                  <a:srgbClr val="FF0000"/>
+                </a:solidFill>
+                <a:latin typeface="Consolas"/>
+              </a:rPr>
+              <a:t>'Брюссель'</a:t>
+            </a:r>
+            <a:r>
+              <a:rPr lang="ru-RU" dirty="0">
+                <a:solidFill>
+                  <a:srgbClr val="808080"/>
+                </a:solidFill>
+                <a:latin typeface="Consolas"/>
+              </a:rPr>
+              <a:t>)</a:t>
+            </a:r>
+            <a:endParaRPr lang="ru-RU" dirty="0">
+              <a:solidFill>
+                <a:prstClr val="black"/>
+              </a:solidFill>
+              <a:latin typeface="Consolas"/>
+            </a:endParaRPr>
+          </a:p>
+          <a:p>
+            <a:endParaRPr lang="ru-RU" dirty="0">
+              <a:solidFill>
+                <a:prstClr val="black"/>
+              </a:solidFill>
+              <a:latin typeface="Consolas"/>
+            </a:endParaRPr>
           </a:p>
         </p:txBody>
       </p:sp>
     </p:spTree>
     <p:extLst>
       <p:ext uri="{BB962C8B-B14F-4D97-AF65-F5344CB8AC3E}">
-        <p14:creationId xmlns:p14="http://schemas.microsoft.com/office/powerpoint/2010/main" val="2533733971"/>
+        <p14:creationId xmlns:p14="http://schemas.microsoft.com/office/powerpoint/2010/main" val="1003551259"/>
       </p:ext>
     </p:extLst>
   </p:cSld>
   <p:clrMapOvr>
     <a:masterClrMapping/>
   </p:clrMapOvr>
+  <p:timing>
+    <p:tnLst>
+      <p:par>
+        <p:cTn id="1" dur="indefinite" restart="never" nodeType="tmRoot"/>
+      </p:par>
+    </p:tnLst>
+  </p:timing>
 </p:sld>
 </file>
 
@@ -8382,8 +9469,12 @@
           <a:lstStyle/>
           <a:p>
             <a:r>
+              <a:rPr lang="en-US" dirty="0" smtClean="0"/>
+              <a:t>T-SQL: </a:t>
+            </a:r>
+            <a:r>
               <a:rPr lang="ru-RU" dirty="0" smtClean="0"/>
-              <a:t>Триггеры</a:t>
+              <a:t>Комментарии</a:t>
             </a:r>
             <a:endParaRPr lang="en-US" dirty="0"/>
           </a:p>
@@ -8401,158 +9492,216 @@
         </p:nvSpPr>
         <p:spPr>
           <a:xfrm>
-            <a:off x="179512" y="1196752"/>
-            <a:ext cx="8712968" cy="5400600"/>
+            <a:off x="457200" y="1600201"/>
+            <a:ext cx="8147248" cy="1180728"/>
           </a:xfrm>
         </p:spPr>
         <p:txBody>
           <a:bodyPr>
-            <a:normAutofit fontScale="85000" lnSpcReduction="20000"/>
+            <a:normAutofit/>
           </a:bodyPr>
           <a:lstStyle/>
           <a:p>
+            <a:pPr marL="0" indent="0">
+              <a:buNone/>
+            </a:pPr>
             <a:r>
               <a:rPr lang="en-US" dirty="0" smtClean="0"/>
-              <a:t>DML-</a:t>
+              <a:t>SQL </a:t>
             </a:r>
             <a:r>
               <a:rPr lang="ru-RU" dirty="0" smtClean="0"/>
-              <a:t>триггеры (</a:t>
+              <a:t>поддерживает однострочные (--) и многострочные комментарии (</a:t>
             </a:r>
             <a:r>
               <a:rPr lang="en-US" dirty="0" smtClean="0"/>
-              <a:t>INSERT/UPDATE/DELETE)</a:t>
-            </a:r>
-            <a:endParaRPr lang="ru-RU" dirty="0" smtClean="0"/>
-          </a:p>
-          <a:p>
-            <a:pPr lvl="1"/>
+              <a:t>/* ... */</a:t>
+            </a:r>
             <a:r>
               <a:rPr lang="ru-RU" dirty="0" smtClean="0"/>
-              <a:t>Позволяют</a:t>
-            </a:r>
-            <a:r>
-              <a:rPr lang="en-US" dirty="0" smtClean="0"/>
+              <a:t>:</a:t>
+            </a:r>
+          </a:p>
+          <a:p>
+            <a:pPr marL="0" indent="0">
+              <a:buNone/>
+            </a:pPr>
+            <a:endParaRPr lang="en-US" dirty="0"/>
+          </a:p>
+        </p:txBody>
+      </p:sp>
+      <p:sp>
+        <p:nvSpPr>
+          <p:cNvPr id="5" name="Rectangle 4"/>
+          <p:cNvSpPr/>
+          <p:nvPr/>
+        </p:nvSpPr>
+        <p:spPr>
+          <a:xfrm>
+            <a:off x="457200" y="2837835"/>
+            <a:ext cx="8147248" cy="1477328"/>
+          </a:xfrm>
+          <a:prstGeom prst="rect">
+            <a:avLst/>
+          </a:prstGeom>
+          <a:solidFill>
+            <a:schemeClr val="bg1"/>
+          </a:solidFill>
+        </p:spPr>
+        <p:txBody>
+          <a:bodyPr wrap="square">
+            <a:spAutoFit/>
+          </a:bodyPr>
+          <a:lstStyle/>
+          <a:p>
+            <a:r>
+              <a:rPr lang="ru-RU" dirty="0">
+                <a:solidFill>
+                  <a:srgbClr val="008000"/>
+                </a:solidFill>
+                <a:latin typeface="Consolas"/>
+              </a:rPr>
+              <a:t>/*</a:t>
+            </a:r>
+            <a:endParaRPr lang="ru-RU" dirty="0">
+              <a:solidFill>
+                <a:prstClr val="black"/>
+              </a:solidFill>
+              <a:latin typeface="Consolas"/>
+            </a:endParaRPr>
+          </a:p>
+          <a:p>
+            <a:r>
+              <a:rPr lang="ru-RU" dirty="0">
+                <a:solidFill>
+                  <a:srgbClr val="008000"/>
+                </a:solidFill>
+                <a:latin typeface="Consolas"/>
+              </a:rPr>
+              <a:t>    Пример простого </a:t>
+            </a:r>
+            <a:r>
+              <a:rPr lang="en-US" dirty="0">
+                <a:solidFill>
+                  <a:srgbClr val="008000"/>
+                </a:solidFill>
+                <a:latin typeface="Consolas"/>
+              </a:rPr>
+              <a:t>T-SQL </a:t>
+            </a:r>
+            <a:r>
+              <a:rPr lang="ru-RU" dirty="0">
+                <a:solidFill>
+                  <a:srgbClr val="008000"/>
+                </a:solidFill>
+                <a:latin typeface="Consolas"/>
+              </a:rPr>
+              <a:t>скрипта</a:t>
+            </a:r>
+            <a:endParaRPr lang="ru-RU" dirty="0">
+              <a:solidFill>
+                <a:prstClr val="black"/>
+              </a:solidFill>
+              <a:latin typeface="Consolas"/>
+            </a:endParaRPr>
+          </a:p>
+          <a:p>
+            <a:r>
+              <a:rPr lang="ru-RU" dirty="0">
+                <a:solidFill>
+                  <a:srgbClr val="008000"/>
+                </a:solidFill>
+                <a:latin typeface="Consolas"/>
+              </a:rPr>
+              <a:t>*/</a:t>
+            </a:r>
+            <a:endParaRPr lang="ru-RU" dirty="0">
+              <a:solidFill>
+                <a:prstClr val="black"/>
+              </a:solidFill>
+              <a:latin typeface="Consolas"/>
+            </a:endParaRPr>
+          </a:p>
+          <a:p>
+            <a:r>
+              <a:rPr lang="ru-RU" dirty="0">
+                <a:solidFill>
+                  <a:srgbClr val="0000FF"/>
+                </a:solidFill>
+                <a:latin typeface="Consolas"/>
+              </a:rPr>
+              <a:t>EXEC</a:t>
+            </a:r>
+            <a:r>
+              <a:rPr lang="ru-RU" dirty="0">
+                <a:solidFill>
+                  <a:prstClr val="black"/>
+                </a:solidFill>
+                <a:latin typeface="Consolas"/>
+              </a:rPr>
               <a:t> </a:t>
             </a:r>
             <a:r>
-              <a:rPr lang="ru-RU" dirty="0" smtClean="0"/>
-              <a:t>перехватывать операции на уровне отдельных таблиц.</a:t>
-            </a:r>
-          </a:p>
-          <a:p>
-            <a:pPr lvl="1"/>
-            <a:r>
-              <a:rPr lang="ru-RU" dirty="0" smtClean="0"/>
-              <a:t>Полезно для проверок безопасности, дополнительной целостности данных, протоколирования, аудита и т.п.</a:t>
-            </a:r>
-            <a:endParaRPr lang="en-US" dirty="0" smtClean="0"/>
-          </a:p>
-          <a:p>
-            <a:r>
-              <a:rPr lang="en-US" dirty="0" smtClean="0"/>
-              <a:t>DDL</a:t>
-            </a:r>
-            <a:r>
-              <a:rPr lang="ru-RU" dirty="0" smtClean="0"/>
-              <a:t>-триггеры</a:t>
-            </a:r>
-          </a:p>
-          <a:p>
-            <a:pPr lvl="1"/>
-            <a:r>
-              <a:rPr lang="ru-RU" dirty="0" smtClean="0"/>
-              <a:t>Автоматическое добавление колонок к таблицам </a:t>
-            </a:r>
-            <a:r>
-              <a:rPr lang="en-US" dirty="0" smtClean="0"/>
-              <a:t>(</a:t>
-            </a:r>
-            <a:r>
-              <a:rPr lang="en-US" dirty="0" err="1" smtClean="0"/>
-              <a:t>LastUpdated</a:t>
-            </a:r>
-            <a:r>
-              <a:rPr lang="en-US" dirty="0" smtClean="0"/>
-              <a:t>, </a:t>
-            </a:r>
-            <a:r>
-              <a:rPr lang="en-US" dirty="0" err="1" smtClean="0"/>
-              <a:t>UpdatedBy</a:t>
-            </a:r>
-            <a:r>
-              <a:rPr lang="en-US" dirty="0" smtClean="0"/>
+              <a:rPr lang="ru-RU" dirty="0">
+                <a:solidFill>
+                  <a:srgbClr val="800000"/>
+                </a:solidFill>
+                <a:latin typeface="Consolas"/>
+              </a:rPr>
+              <a:t>sp_help</a:t>
+            </a:r>
+            <a:r>
+              <a:rPr lang="ru-RU" dirty="0">
+                <a:solidFill>
+                  <a:srgbClr val="0000FF"/>
+                </a:solidFill>
+                <a:latin typeface="Consolas"/>
+              </a:rPr>
               <a:t> </a:t>
             </a:r>
             <a:r>
-              <a:rPr lang="ru-RU" dirty="0" smtClean="0"/>
-              <a:t>и т.п.)</a:t>
-            </a:r>
-          </a:p>
-          <a:p>
-            <a:pPr lvl="1"/>
-            <a:r>
-              <a:rPr lang="ru-RU" dirty="0" smtClean="0"/>
-              <a:t>Извещать </a:t>
-            </a:r>
-            <a:r>
-              <a:rPr lang="en-US" dirty="0" smtClean="0"/>
-              <a:t>DBA </a:t>
-            </a:r>
-            <a:r>
-              <a:rPr lang="ru-RU" dirty="0" smtClean="0"/>
-              <a:t>о создании новых БД</a:t>
-            </a:r>
-          </a:p>
-          <a:p>
-            <a:pPr lvl="1"/>
-            <a:r>
-              <a:rPr lang="ru-RU" dirty="0" smtClean="0"/>
-              <a:t>Аудит изменений схемы БД</a:t>
-            </a:r>
-          </a:p>
-          <a:p>
-            <a:r>
-              <a:rPr lang="ru-RU" dirty="0" smtClean="0"/>
-              <a:t>Советы</a:t>
-            </a:r>
-            <a:endParaRPr lang="ru-RU" dirty="0"/>
-          </a:p>
-          <a:p>
-            <a:pPr lvl="1"/>
-            <a:r>
-              <a:rPr lang="ru-RU" dirty="0" smtClean="0"/>
-              <a:t>Триггер должен выполняться как можно быстрее</a:t>
-            </a:r>
-          </a:p>
-          <a:p>
-            <a:pPr lvl="1"/>
-            <a:r>
-              <a:rPr lang="ru-RU" dirty="0" smtClean="0"/>
-              <a:t>Не забывайте, </a:t>
-            </a:r>
-            <a:r>
-              <a:rPr lang="ru-RU" dirty="0"/>
-              <a:t>что </a:t>
-            </a:r>
-            <a:r>
-              <a:rPr lang="ru-RU" dirty="0" smtClean="0"/>
-              <a:t>триггер вызывается для всего пакета изменений, а не для отдельных строк</a:t>
-            </a:r>
-            <a:endParaRPr lang="en-US" dirty="0"/>
+              <a:rPr lang="ru-RU" dirty="0">
+                <a:solidFill>
+                  <a:srgbClr val="008000"/>
+                </a:solidFill>
+                <a:latin typeface="Consolas"/>
+              </a:rPr>
+              <a:t>-- Выполняем системную хранимую процедуру sp_help</a:t>
+            </a:r>
+            <a:endParaRPr lang="ru-RU" dirty="0">
+              <a:solidFill>
+                <a:prstClr val="black"/>
+              </a:solidFill>
+              <a:latin typeface="Consolas"/>
+            </a:endParaRPr>
+          </a:p>
+          <a:p>
+            <a:endParaRPr lang="ru-RU" dirty="0">
+              <a:solidFill>
+                <a:prstClr val="black"/>
+              </a:solidFill>
+              <a:latin typeface="Consolas"/>
+            </a:endParaRPr>
           </a:p>
         </p:txBody>
       </p:sp>
     </p:spTree>
     <p:extLst>
       <p:ext uri="{BB962C8B-B14F-4D97-AF65-F5344CB8AC3E}">
-        <p14:creationId xmlns:p14="http://schemas.microsoft.com/office/powerpoint/2010/main" val="2390943353"/>
+        <p14:creationId xmlns:p14="http://schemas.microsoft.com/office/powerpoint/2010/main" val="2524908556"/>
       </p:ext>
     </p:extLst>
   </p:cSld>
   <p:clrMapOvr>
     <a:masterClrMapping/>
   </p:clrMapOvr>
+  <p:timing>
+    <p:tnLst>
+      <p:par>
+        <p:cTn id="1" dur="indefinite" restart="never" nodeType="tmRoot"/>
+      </p:par>
+    </p:tnLst>
+  </p:timing>
 </p:sld>
 </file>
 
@@ -8590,7 +9739,11 @@
           <a:p>
             <a:r>
               <a:rPr lang="ru-RU" dirty="0" smtClean="0"/>
-              <a:t>Понятие транзакции</a:t>
+              <a:t>Ограничения </a:t>
+            </a:r>
+            <a:r>
+              <a:rPr lang="en-US" dirty="0" smtClean="0"/>
+              <a:t>(constraints)</a:t>
             </a:r>
             <a:endParaRPr lang="en-US" dirty="0"/>
           </a:p>
@@ -8608,74 +9761,61 @@
         </p:nvSpPr>
         <p:spPr/>
         <p:txBody>
-          <a:bodyPr>
-            <a:normAutofit fontScale="85000" lnSpcReduction="20000"/>
-          </a:bodyPr>
+          <a:bodyPr/>
           <a:lstStyle/>
           <a:p>
-            <a:pPr marL="0" indent="0">
-              <a:buNone/>
-            </a:pPr>
-            <a:r>
-              <a:rPr lang="ru-RU" dirty="0" smtClean="0"/>
-              <a:t>Группа </a:t>
-            </a:r>
-            <a:r>
-              <a:rPr lang="ru-RU" dirty="0"/>
-              <a:t>последовательных операций с базой данных, которая представляет собой логическую единицу работы с данными. Транзакция может быть выполнена либо целиком и успешно, соблюдая целостность данных и независимо от параллельно идущих других транзакций, либо не выполнена вообще и тогда она не должна произвести никакого </a:t>
-            </a:r>
-            <a:r>
-              <a:rPr lang="ru-RU" dirty="0" smtClean="0"/>
-              <a:t>эффекта</a:t>
-            </a:r>
-            <a:endParaRPr lang="en-US" dirty="0" smtClean="0"/>
-          </a:p>
-          <a:p>
-            <a:pPr marL="0" indent="0">
-              <a:buNone/>
-            </a:pPr>
-            <a:endParaRPr lang="ru-RU" dirty="0" smtClean="0"/>
-          </a:p>
-          <a:p>
-            <a:pPr marL="0" indent="0">
-              <a:buNone/>
-            </a:pPr>
             <a:r>
               <a:rPr lang="en-US" dirty="0" smtClean="0"/>
-              <a:t>BEGIN TRAN</a:t>
-            </a:r>
-          </a:p>
-          <a:p>
-            <a:pPr marL="0" indent="0">
-              <a:buNone/>
-            </a:pPr>
+              <a:t>NOT NULL</a:t>
+            </a:r>
+          </a:p>
+          <a:p>
             <a:r>
               <a:rPr lang="en-US" dirty="0" smtClean="0"/>
-              <a:t>…</a:t>
-            </a:r>
-          </a:p>
-          <a:p>
-            <a:pPr marL="0" indent="0">
-              <a:buNone/>
-            </a:pPr>
+              <a:t>CHECK</a:t>
+            </a:r>
+          </a:p>
+          <a:p>
             <a:r>
               <a:rPr lang="en-US" dirty="0" smtClean="0"/>
-              <a:t>COMMIT TRAN | ROLLBACK TRAN</a:t>
-            </a:r>
-            <a:endParaRPr lang="en-US" dirty="0"/>
+              <a:t>UNIQUE</a:t>
+            </a:r>
+          </a:p>
+          <a:p>
+            <a:r>
+              <a:rPr lang="en-US" dirty="0" smtClean="0"/>
+              <a:t>PRIMARY KEY</a:t>
+            </a:r>
+          </a:p>
+          <a:p>
+            <a:r>
+              <a:rPr lang="en-US" dirty="0" smtClean="0"/>
+              <a:t> FOREIGN </a:t>
+            </a:r>
+            <a:r>
+              <a:rPr lang="en-US" dirty="0"/>
+              <a:t>KEY</a:t>
+            </a:r>
           </a:p>
         </p:txBody>
       </p:sp>
     </p:spTree>
     <p:extLst>
       <p:ext uri="{BB962C8B-B14F-4D97-AF65-F5344CB8AC3E}">
-        <p14:creationId xmlns:p14="http://schemas.microsoft.com/office/powerpoint/2010/main" val="1871542494"/>
+        <p14:creationId xmlns:p14="http://schemas.microsoft.com/office/powerpoint/2010/main" val="3114920222"/>
       </p:ext>
     </p:extLst>
   </p:cSld>
   <p:clrMapOvr>
     <a:masterClrMapping/>
   </p:clrMapOvr>
+  <p:timing>
+    <p:tnLst>
+      <p:par>
+        <p:cTn id="1" dur="indefinite" restart="never" nodeType="tmRoot"/>
+      </p:par>
+    </p:tnLst>
+  </p:timing>
 </p:sld>
 </file>
 
@@ -8874,11 +10014,11 @@
   <p:clrMapOvr>
     <a:masterClrMapping/>
   </p:clrMapOvr>
-  <mc:AlternateContent xmlns:mc="http://schemas.openxmlformats.org/markup-compatibility/2006">
-    <mc:Choice xmlns:p14="http://schemas.microsoft.com/office/powerpoint/2010/main" Requires="p14">
+  <mc:AlternateContent xmlns:mc="http://schemas.openxmlformats.org/markup-compatibility/2006" xmlns:p14="http://schemas.microsoft.com/office/powerpoint/2010/main">
+    <mc:Choice Requires="p14">
       <p:transition spd="slow" p14:dur="2000"/>
     </mc:Choice>
-    <mc:Fallback>
+    <mc:Fallback xmlns="">
       <p:transition spd="slow"/>
     </mc:Fallback>
   </mc:AlternateContent>
@@ -8925,10 +10065,347 @@
           <a:lstStyle/>
           <a:p>
             <a:r>
+              <a:rPr lang="ru-RU" dirty="0" smtClean="0"/>
+              <a:t>Хранимые процедуры</a:t>
+            </a:r>
+            <a:endParaRPr lang="en-US" dirty="0"/>
+          </a:p>
+        </p:txBody>
+      </p:sp>
+      <p:sp>
+        <p:nvSpPr>
+          <p:cNvPr id="3" name="Content Placeholder 2"/>
+          <p:cNvSpPr>
+            <a:spLocks noGrp="1"/>
+          </p:cNvSpPr>
+          <p:nvPr>
+            <p:ph idx="1"/>
+          </p:nvPr>
+        </p:nvSpPr>
+        <p:spPr>
+          <a:xfrm>
+            <a:off x="457200" y="1600200"/>
+            <a:ext cx="8229600" cy="3773015"/>
+          </a:xfrm>
+        </p:spPr>
+        <p:txBody>
+          <a:bodyPr/>
+          <a:lstStyle/>
+          <a:p>
+            <a:pPr marL="0" indent="0">
+              <a:buNone/>
+            </a:pPr>
+            <a:r>
+              <a:rPr lang="ru-RU" dirty="0" smtClean="0"/>
+              <a:t>Хранимая процедура это функция на языке </a:t>
+            </a:r>
+            <a:r>
               <a:rPr lang="en-US" dirty="0" smtClean="0"/>
-              <a:t>A.C.I.D.</a:t>
+              <a:t>SQL. </a:t>
+            </a:r>
+            <a:r>
+              <a:rPr lang="ru-RU" dirty="0" smtClean="0"/>
+              <a:t>У процедуры могут быть параметры. Для создания процедуры используется команда </a:t>
+            </a:r>
+            <a:r>
+              <a:rPr lang="en-US" dirty="0" smtClean="0"/>
+              <a:t>CREATE PROC, </a:t>
+            </a:r>
+            <a:r>
+              <a:rPr lang="ru-RU" dirty="0" smtClean="0"/>
+              <a:t>для изменения </a:t>
+            </a:r>
+            <a:r>
+              <a:rPr lang="en-US" dirty="0" smtClean="0"/>
+              <a:t>ALTER PROC </a:t>
+            </a:r>
+            <a:r>
+              <a:rPr lang="ru-RU" dirty="0" smtClean="0"/>
+              <a:t>и </a:t>
+            </a:r>
+            <a:r>
+              <a:rPr lang="en-US" dirty="0" smtClean="0"/>
+              <a:t>DROP PROC </a:t>
+            </a:r>
+            <a:r>
+              <a:rPr lang="ru-RU" dirty="0" smtClean="0"/>
+              <a:t>для удаления.</a:t>
+            </a:r>
+            <a:endParaRPr lang="en-US" dirty="0" smtClean="0"/>
+          </a:p>
+        </p:txBody>
+      </p:sp>
+    </p:spTree>
+    <p:extLst>
+      <p:ext uri="{BB962C8B-B14F-4D97-AF65-F5344CB8AC3E}">
+        <p14:creationId xmlns:p14="http://schemas.microsoft.com/office/powerpoint/2010/main" val="2533733971"/>
+      </p:ext>
+    </p:extLst>
+  </p:cSld>
+  <p:clrMapOvr>
+    <a:masterClrMapping/>
+  </p:clrMapOvr>
+  <p:timing>
+    <p:tnLst>
+      <p:par>
+        <p:cTn id="1" dur="indefinite" restart="never" nodeType="tmRoot"/>
+      </p:par>
+    </p:tnLst>
+  </p:timing>
+</p:sld>
+</file>
+
+<file path=ppt/slides/slide31.xml><?xml version="1.0" encoding="utf-8"?>
+<p:sld xmlns:a="http://schemas.openxmlformats.org/drawingml/2006/main" xmlns:r="http://schemas.openxmlformats.org/officeDocument/2006/relationships" xmlns:p="http://schemas.openxmlformats.org/presentationml/2006/main">
+  <p:cSld>
+    <p:spTree>
+      <p:nvGrpSpPr>
+        <p:cNvPr id="1" name=""/>
+        <p:cNvGrpSpPr/>
+        <p:nvPr/>
+      </p:nvGrpSpPr>
+      <p:grpSpPr>
+        <a:xfrm>
+          <a:off x="0" y="0"/>
+          <a:ext cx="0" cy="0"/>
+          <a:chOff x="0" y="0"/>
+          <a:chExt cx="0" cy="0"/>
+        </a:xfrm>
+      </p:grpSpPr>
+      <p:sp>
+        <p:nvSpPr>
+          <p:cNvPr id="2" name="Title 1"/>
+          <p:cNvSpPr>
+            <a:spLocks noGrp="1"/>
+          </p:cNvSpPr>
+          <p:nvPr>
+            <p:ph type="title"/>
+          </p:nvPr>
+        </p:nvSpPr>
+        <p:spPr/>
+        <p:txBody>
+          <a:bodyPr/>
+          <a:lstStyle/>
+          <a:p>
+            <a:r>
+              <a:rPr lang="ru-RU" dirty="0" smtClean="0"/>
+              <a:t>Триггеры</a:t>
+            </a:r>
+            <a:endParaRPr lang="en-US" dirty="0"/>
+          </a:p>
+        </p:txBody>
+      </p:sp>
+      <p:sp>
+        <p:nvSpPr>
+          <p:cNvPr id="3" name="Content Placeholder 2"/>
+          <p:cNvSpPr>
+            <a:spLocks noGrp="1"/>
+          </p:cNvSpPr>
+          <p:nvPr>
+            <p:ph idx="1"/>
+          </p:nvPr>
+        </p:nvSpPr>
+        <p:spPr>
+          <a:xfrm>
+            <a:off x="179512" y="1196752"/>
+            <a:ext cx="8712968" cy="5400600"/>
+          </a:xfrm>
+        </p:spPr>
+        <p:txBody>
+          <a:bodyPr>
+            <a:normAutofit fontScale="85000" lnSpcReduction="20000"/>
+          </a:bodyPr>
+          <a:lstStyle/>
+          <a:p>
+            <a:r>
+              <a:rPr lang="en-US" dirty="0" smtClean="0"/>
+              <a:t>DML-</a:t>
+            </a:r>
+            <a:r>
+              <a:rPr lang="ru-RU" dirty="0" smtClean="0"/>
+              <a:t>триггеры (</a:t>
+            </a:r>
+            <a:r>
+              <a:rPr lang="en-US" dirty="0" smtClean="0"/>
+              <a:t>INSERT/UPDATE/DELETE)</a:t>
+            </a:r>
+            <a:endParaRPr lang="ru-RU" dirty="0" smtClean="0"/>
+          </a:p>
+          <a:p>
+            <a:pPr lvl="1"/>
+            <a:r>
+              <a:rPr lang="ru-RU" dirty="0" smtClean="0"/>
+              <a:t>Позволяют</a:t>
+            </a:r>
+            <a:r>
+              <a:rPr lang="en-US" dirty="0" smtClean="0"/>
+              <a:t> </a:t>
+            </a:r>
+            <a:r>
+              <a:rPr lang="ru-RU" dirty="0" smtClean="0"/>
+              <a:t>перехватывать операции на уровне отдельных таблиц.</a:t>
+            </a:r>
+          </a:p>
+          <a:p>
+            <a:pPr lvl="1"/>
+            <a:r>
+              <a:rPr lang="ru-RU" dirty="0" smtClean="0"/>
+              <a:t>Полезно для проверок безопасности, дополнительной целостности данных, протоколирования, аудита и т.п.</a:t>
+            </a:r>
+            <a:endParaRPr lang="en-US" dirty="0" smtClean="0"/>
+          </a:p>
+          <a:p>
+            <a:r>
+              <a:rPr lang="en-US" dirty="0" smtClean="0"/>
+              <a:t>DDL</a:t>
+            </a:r>
+            <a:r>
+              <a:rPr lang="ru-RU" dirty="0" smtClean="0"/>
+              <a:t>-триггеры</a:t>
+            </a:r>
+          </a:p>
+          <a:p>
+            <a:pPr lvl="1"/>
+            <a:r>
+              <a:rPr lang="ru-RU" dirty="0" smtClean="0"/>
+              <a:t>Автоматическое добавление колонок к таблицам </a:t>
+            </a:r>
+            <a:r>
+              <a:rPr lang="en-US" dirty="0" smtClean="0"/>
+              <a:t>(</a:t>
+            </a:r>
+            <a:r>
+              <a:rPr lang="en-US" dirty="0" err="1" smtClean="0"/>
+              <a:t>LastUpdated</a:t>
+            </a:r>
+            <a:r>
+              <a:rPr lang="en-US" dirty="0" smtClean="0"/>
+              <a:t>, </a:t>
+            </a:r>
+            <a:r>
+              <a:rPr lang="en-US" dirty="0" err="1" smtClean="0"/>
+              <a:t>UpdatedBy</a:t>
+            </a:r>
+            <a:r>
+              <a:rPr lang="en-US" dirty="0" smtClean="0"/>
+              <a:t> </a:t>
+            </a:r>
+            <a:r>
+              <a:rPr lang="ru-RU" dirty="0" smtClean="0"/>
+              <a:t>и т.п.)</a:t>
+            </a:r>
+          </a:p>
+          <a:p>
+            <a:pPr lvl="1"/>
+            <a:r>
+              <a:rPr lang="ru-RU" dirty="0" smtClean="0"/>
+              <a:t>Извещать </a:t>
+            </a:r>
+            <a:r>
+              <a:rPr lang="en-US" dirty="0" smtClean="0"/>
+              <a:t>DBA </a:t>
+            </a:r>
+            <a:r>
+              <a:rPr lang="ru-RU" dirty="0" smtClean="0"/>
+              <a:t>о создании новых БД</a:t>
+            </a:r>
+          </a:p>
+          <a:p>
+            <a:pPr lvl="1"/>
+            <a:r>
+              <a:rPr lang="ru-RU" dirty="0" smtClean="0"/>
+              <a:t>Аудит изменений схемы БД</a:t>
+            </a:r>
+          </a:p>
+          <a:p>
+            <a:r>
+              <a:rPr lang="ru-RU" dirty="0" smtClean="0"/>
+              <a:t>Советы</a:t>
             </a:r>
             <a:endParaRPr lang="ru-RU" dirty="0"/>
+          </a:p>
+          <a:p>
+            <a:pPr lvl="1"/>
+            <a:r>
+              <a:rPr lang="ru-RU" dirty="0" smtClean="0"/>
+              <a:t>Триггер должен выполняться как можно быстрее</a:t>
+            </a:r>
+          </a:p>
+          <a:p>
+            <a:pPr lvl="1"/>
+            <a:r>
+              <a:rPr lang="ru-RU" dirty="0" smtClean="0"/>
+              <a:t>Не забывайте, </a:t>
+            </a:r>
+            <a:r>
+              <a:rPr lang="ru-RU" dirty="0"/>
+              <a:t>что </a:t>
+            </a:r>
+            <a:r>
+              <a:rPr lang="ru-RU" dirty="0" smtClean="0"/>
+              <a:t>триггер вызывается для всего пакета изменений, а не для отдельных строк</a:t>
+            </a:r>
+            <a:endParaRPr lang="en-US" dirty="0"/>
+          </a:p>
+        </p:txBody>
+      </p:sp>
+    </p:spTree>
+    <p:extLst>
+      <p:ext uri="{BB962C8B-B14F-4D97-AF65-F5344CB8AC3E}">
+        <p14:creationId xmlns:p14="http://schemas.microsoft.com/office/powerpoint/2010/main" val="2390943353"/>
+      </p:ext>
+    </p:extLst>
+  </p:cSld>
+  <p:clrMapOvr>
+    <a:masterClrMapping/>
+  </p:clrMapOvr>
+  <p:timing>
+    <p:tnLst>
+      <p:par>
+        <p:cTn id="1" dur="indefinite" restart="never" nodeType="tmRoot"/>
+      </p:par>
+    </p:tnLst>
+  </p:timing>
+</p:sld>
+</file>
+
+<file path=ppt/slides/slide32.xml><?xml version="1.0" encoding="utf-8"?>
+<p:sld xmlns:a="http://schemas.openxmlformats.org/drawingml/2006/main" xmlns:r="http://schemas.openxmlformats.org/officeDocument/2006/relationships" xmlns:p="http://schemas.openxmlformats.org/presentationml/2006/main">
+  <p:cSld>
+    <p:spTree>
+      <p:nvGrpSpPr>
+        <p:cNvPr id="1" name=""/>
+        <p:cNvGrpSpPr/>
+        <p:nvPr/>
+      </p:nvGrpSpPr>
+      <p:grpSpPr>
+        <a:xfrm>
+          <a:off x="0" y="0"/>
+          <a:ext cx="0" cy="0"/>
+          <a:chOff x="0" y="0"/>
+          <a:chExt cx="0" cy="0"/>
+        </a:xfrm>
+      </p:grpSpPr>
+      <p:sp>
+        <p:nvSpPr>
+          <p:cNvPr id="2" name="Title 1"/>
+          <p:cNvSpPr>
+            <a:spLocks noGrp="1"/>
+          </p:cNvSpPr>
+          <p:nvPr>
+            <p:ph type="title"/>
+          </p:nvPr>
+        </p:nvSpPr>
+        <p:spPr/>
+        <p:txBody>
+          <a:bodyPr/>
+          <a:lstStyle/>
+          <a:p>
+            <a:r>
+              <a:rPr lang="ru-RU" dirty="0" smtClean="0"/>
+              <a:t>Понятие транзакции</a:t>
+            </a:r>
+            <a:endParaRPr lang="en-US" dirty="0"/>
           </a:p>
         </p:txBody>
       </p:sp>
@@ -8945,179 +10422,80 @@
         <p:spPr/>
         <p:txBody>
           <a:bodyPr>
-            <a:normAutofit fontScale="70000" lnSpcReduction="20000"/>
+            <a:normAutofit fontScale="85000" lnSpcReduction="20000"/>
           </a:bodyPr>
           <a:lstStyle/>
           <a:p>
+            <a:pPr marL="0" indent="0">
+              <a:buNone/>
+            </a:pPr>
+            <a:r>
+              <a:rPr lang="ru-RU" dirty="0" smtClean="0"/>
+              <a:t>Группа </a:t>
+            </a:r>
+            <a:r>
+              <a:rPr lang="ru-RU" dirty="0"/>
+              <a:t>последовательных операций с базой данных, которая представляет собой логическую единицу работы с данными. Транзакция может быть выполнена либо целиком и успешно, соблюдая целостность данных и независимо от параллельно идущих других транзакций, либо не выполнена вообще и тогда она не должна произвести никакого </a:t>
+            </a:r>
+            <a:r>
+              <a:rPr lang="ru-RU" dirty="0" smtClean="0"/>
+              <a:t>эффекта</a:t>
+            </a:r>
+            <a:endParaRPr lang="en-US" dirty="0" smtClean="0"/>
+          </a:p>
+          <a:p>
+            <a:pPr marL="0" indent="0">
+              <a:buNone/>
+            </a:pPr>
+            <a:endParaRPr lang="ru-RU" dirty="0" smtClean="0"/>
+          </a:p>
+          <a:p>
+            <a:pPr marL="0" indent="0">
+              <a:buNone/>
+            </a:pPr>
             <a:r>
               <a:rPr lang="en-US" dirty="0" smtClean="0"/>
-              <a:t> </a:t>
-            </a:r>
-            <a:r>
-              <a:rPr lang="en-US" dirty="0" smtClean="0">
-                <a:solidFill>
-                  <a:srgbClr val="FFFF00"/>
-                </a:solidFill>
-              </a:rPr>
-              <a:t>A</a:t>
-            </a:r>
+              <a:t>BEGIN TRAN</a:t>
+            </a:r>
+          </a:p>
+          <a:p>
+            <a:pPr marL="0" indent="0">
+              <a:buNone/>
+            </a:pPr>
             <a:r>
               <a:rPr lang="en-US" dirty="0" smtClean="0"/>
-              <a:t>tomicity (</a:t>
-            </a:r>
-            <a:r>
-              <a:rPr lang="ru-RU" dirty="0" smtClean="0"/>
-              <a:t>Атомарность</a:t>
-            </a:r>
+              <a:t>…</a:t>
+            </a:r>
+          </a:p>
+          <a:p>
+            <a:pPr marL="0" indent="0">
+              <a:buNone/>
+            </a:pPr>
             <a:r>
               <a:rPr lang="en-US" dirty="0" smtClean="0"/>
-              <a:t>)</a:t>
-            </a:r>
-          </a:p>
-          <a:p>
-            <a:pPr lvl="1"/>
-            <a:r>
-              <a:rPr lang="ru-RU" dirty="0" smtClean="0"/>
-              <a:t>Гарантия, </a:t>
-            </a:r>
-            <a:r>
-              <a:rPr lang="ru-RU" dirty="0"/>
-              <a:t>что никакая транзакция не будет зафиксирована в системе </a:t>
-            </a:r>
-            <a:r>
-              <a:rPr lang="ru-RU" dirty="0" smtClean="0"/>
-              <a:t>частично.</a:t>
-            </a:r>
-            <a:endParaRPr lang="en-US" dirty="0" smtClean="0"/>
-          </a:p>
-          <a:p>
-            <a:r>
-              <a:rPr lang="en-US" dirty="0" smtClean="0"/>
-              <a:t> </a:t>
-            </a:r>
-            <a:r>
-              <a:rPr lang="en-US" dirty="0" smtClean="0">
-                <a:solidFill>
-                  <a:srgbClr val="FFFF00"/>
-                </a:solidFill>
-              </a:rPr>
-              <a:t>C</a:t>
-            </a:r>
-            <a:r>
-              <a:rPr lang="en-US" dirty="0" smtClean="0"/>
-              <a:t>onsistency (</a:t>
-            </a:r>
-            <a:r>
-              <a:rPr lang="ru-RU" dirty="0" smtClean="0"/>
-              <a:t>Согласованность</a:t>
-            </a:r>
-            <a:r>
-              <a:rPr lang="en-US" dirty="0" smtClean="0"/>
-              <a:t>)</a:t>
-            </a:r>
-            <a:endParaRPr lang="ru-RU" dirty="0" smtClean="0"/>
-          </a:p>
-          <a:p>
-            <a:pPr lvl="1"/>
-            <a:r>
-              <a:rPr lang="ru-RU" dirty="0"/>
-              <a:t>Транзакция достигающая своего нормального завершения </a:t>
-            </a:r>
-            <a:r>
-              <a:rPr lang="ru-RU" dirty="0" smtClean="0"/>
-              <a:t>и</a:t>
-            </a:r>
-            <a:r>
-              <a:rPr lang="ru-RU" dirty="0"/>
-              <a:t>, тем самым, фиксирующая свои результаты, сохраняет согласованность базы данных.</a:t>
-            </a:r>
-            <a:endParaRPr lang="en-US" dirty="0" smtClean="0"/>
-          </a:p>
-          <a:p>
-            <a:r>
-              <a:rPr lang="en-US" dirty="0" smtClean="0"/>
-              <a:t> </a:t>
-            </a:r>
-            <a:r>
-              <a:rPr lang="en-US" dirty="0" smtClean="0">
-                <a:solidFill>
-                  <a:srgbClr val="FFFF00"/>
-                </a:solidFill>
-              </a:rPr>
-              <a:t>I</a:t>
-            </a:r>
-            <a:r>
-              <a:rPr lang="en-US" dirty="0" smtClean="0"/>
-              <a:t>solation (</a:t>
-            </a:r>
-            <a:r>
-              <a:rPr lang="ru-RU" dirty="0" smtClean="0"/>
-              <a:t>Изолированность</a:t>
-            </a:r>
-            <a:r>
-              <a:rPr lang="en-US" dirty="0" smtClean="0"/>
-              <a:t>)</a:t>
-            </a:r>
-            <a:endParaRPr lang="ru-RU" dirty="0" smtClean="0"/>
-          </a:p>
-          <a:p>
-            <a:pPr lvl="1"/>
-            <a:r>
-              <a:rPr lang="ru-RU" dirty="0"/>
-              <a:t>Во время выполнения транзакции параллельные транзакции не должны оказывать влияние на её результат.</a:t>
-            </a:r>
-            <a:endParaRPr lang="en-US" dirty="0" smtClean="0"/>
-          </a:p>
-          <a:p>
-            <a:r>
-              <a:rPr lang="en-US" dirty="0" smtClean="0"/>
-              <a:t> </a:t>
-            </a:r>
-            <a:r>
-              <a:rPr lang="en-US" dirty="0" smtClean="0">
-                <a:solidFill>
-                  <a:srgbClr val="FFFF00"/>
-                </a:solidFill>
-              </a:rPr>
-              <a:t>D</a:t>
-            </a:r>
-            <a:r>
-              <a:rPr lang="en-US" dirty="0" smtClean="0"/>
-              <a:t>urability (</a:t>
-            </a:r>
-            <a:r>
-              <a:rPr lang="ru-RU" dirty="0" smtClean="0"/>
-              <a:t>Надежность</a:t>
-            </a:r>
-            <a:r>
-              <a:rPr lang="en-US" dirty="0" smtClean="0"/>
-              <a:t>)</a:t>
-            </a:r>
-            <a:endParaRPr lang="ru-RU" dirty="0" smtClean="0"/>
-          </a:p>
-          <a:p>
-            <a:pPr lvl="1"/>
-            <a:r>
-              <a:rPr lang="ru-RU" dirty="0" smtClean="0"/>
-              <a:t>Если </a:t>
-            </a:r>
-            <a:r>
-              <a:rPr lang="ru-RU" dirty="0"/>
-              <a:t>пользователь получил подтверждение от системы, что транзакция выполнена, он может быть уверен, что сделанные им изменения не будут отменены из-за какого-либо сбоя.</a:t>
-            </a:r>
+              <a:t>COMMIT TRAN | ROLLBACK TRAN</a:t>
+            </a:r>
+            <a:endParaRPr lang="en-US" dirty="0"/>
           </a:p>
         </p:txBody>
       </p:sp>
     </p:spTree>
     <p:extLst>
       <p:ext uri="{BB962C8B-B14F-4D97-AF65-F5344CB8AC3E}">
-        <p14:creationId xmlns:p14="http://schemas.microsoft.com/office/powerpoint/2010/main" val="1177667350"/>
+        <p14:creationId xmlns:p14="http://schemas.microsoft.com/office/powerpoint/2010/main" val="1871542494"/>
       </p:ext>
     </p:extLst>
   </p:cSld>
   <p:clrMapOvr>
     <a:masterClrMapping/>
   </p:clrMapOvr>
+  <p:timing>
+    <p:tnLst>
+      <p:par>
+        <p:cTn id="1" dur="indefinite" restart="never" nodeType="tmRoot"/>
+      </p:par>
+    </p:tnLst>
+  </p:timing>
 </p:sld>
 </file>
 
@@ -9604,6 +10982,13 @@
   <p:clrMapOvr>
     <a:masterClrMapping/>
   </p:clrMapOvr>
+  <p:timing>
+    <p:tnLst>
+      <p:par>
+        <p:cTn id="1" dur="indefinite" restart="never" nodeType="tmRoot"/>
+      </p:par>
+    </p:tnLst>
+  </p:timing>
 </p:sld>
 </file>
 
@@ -9726,6 +11111,13 @@
   <p:clrMapOvr>
     <a:masterClrMapping/>
   </p:clrMapOvr>
+  <p:timing>
+    <p:tnLst>
+      <p:par>
+        <p:cTn id="1" dur="indefinite" restart="never" nodeType="tmRoot"/>
+      </p:par>
+    </p:tnLst>
+  </p:timing>
 </p:sld>
 </file>
 
@@ -9945,6 +11337,13 @@
   <p:clrMapOvr>
     <a:masterClrMapping/>
   </p:clrMapOvr>
+  <p:timing>
+    <p:tnLst>
+      <p:par>
+        <p:cTn id="1" dur="indefinite" restart="never" nodeType="tmRoot"/>
+      </p:par>
+    </p:tnLst>
+  </p:timing>
 </p:sld>
 </file>
 
@@ -10052,6 +11451,13 @@
       <p:transition spd="slow"/>
     </mc:Fallback>
   </mc:AlternateContent>
+  <p:timing>
+    <p:tnLst>
+      <p:par>
+        <p:cTn id="1" dur="indefinite" restart="never" nodeType="tmRoot"/>
+      </p:par>
+    </p:tnLst>
+  </p:timing>
 </p:sld>
 </file>
 
@@ -10202,6 +11608,13 @@
   <p:clrMapOvr>
     <a:masterClrMapping/>
   </p:clrMapOvr>
+  <p:timing>
+    <p:tnLst>
+      <p:par>
+        <p:cTn id="1" dur="indefinite" restart="never" nodeType="tmRoot"/>
+      </p:par>
+    </p:tnLst>
+  </p:timing>
 </p:sld>
 </file>
 

--- a/Presentation/lesson-09-sql.pptx
+++ b/Presentation/lesson-09-sql.pptx
@@ -5,7 +5,7 @@
     <p:sldMasterId id="2147483648" r:id="rId1"/>
   </p:sldMasterIdLst>
   <p:notesMasterIdLst>
-    <p:notesMasterId r:id="rId34"/>
+    <p:notesMasterId r:id="rId33"/>
   </p:notesMasterIdLst>
   <p:sldIdLst>
     <p:sldId id="256" r:id="rId2"/>
@@ -16,30 +16,29 @@
     <p:sldId id="268" r:id="rId7"/>
     <p:sldId id="278" r:id="rId8"/>
     <p:sldId id="279" r:id="rId9"/>
-    <p:sldId id="259" r:id="rId10"/>
-    <p:sldId id="287" r:id="rId11"/>
-    <p:sldId id="270" r:id="rId12"/>
-    <p:sldId id="269" r:id="rId13"/>
-    <p:sldId id="276" r:id="rId14"/>
-    <p:sldId id="277" r:id="rId15"/>
-    <p:sldId id="281" r:id="rId16"/>
-    <p:sldId id="289" r:id="rId17"/>
-    <p:sldId id="285" r:id="rId18"/>
-    <p:sldId id="260" r:id="rId19"/>
-    <p:sldId id="261" r:id="rId20"/>
-    <p:sldId id="262" r:id="rId21"/>
-    <p:sldId id="263" r:id="rId22"/>
-    <p:sldId id="264" r:id="rId23"/>
-    <p:sldId id="265" r:id="rId24"/>
-    <p:sldId id="266" r:id="rId25"/>
-    <p:sldId id="286" r:id="rId26"/>
-    <p:sldId id="267" r:id="rId27"/>
-    <p:sldId id="271" r:id="rId28"/>
-    <p:sldId id="282" r:id="rId29"/>
-    <p:sldId id="288" r:id="rId30"/>
-    <p:sldId id="280" r:id="rId31"/>
-    <p:sldId id="272" r:id="rId32"/>
-    <p:sldId id="273" r:id="rId33"/>
+    <p:sldId id="290" r:id="rId10"/>
+    <p:sldId id="259" r:id="rId11"/>
+    <p:sldId id="287" r:id="rId12"/>
+    <p:sldId id="270" r:id="rId13"/>
+    <p:sldId id="269" r:id="rId14"/>
+    <p:sldId id="281" r:id="rId15"/>
+    <p:sldId id="289" r:id="rId16"/>
+    <p:sldId id="285" r:id="rId17"/>
+    <p:sldId id="260" r:id="rId18"/>
+    <p:sldId id="261" r:id="rId19"/>
+    <p:sldId id="262" r:id="rId20"/>
+    <p:sldId id="263" r:id="rId21"/>
+    <p:sldId id="264" r:id="rId22"/>
+    <p:sldId id="265" r:id="rId23"/>
+    <p:sldId id="266" r:id="rId24"/>
+    <p:sldId id="286" r:id="rId25"/>
+    <p:sldId id="267" r:id="rId26"/>
+    <p:sldId id="271" r:id="rId27"/>
+    <p:sldId id="282" r:id="rId28"/>
+    <p:sldId id="288" r:id="rId29"/>
+    <p:sldId id="280" r:id="rId30"/>
+    <p:sldId id="272" r:id="rId31"/>
+    <p:sldId id="273" r:id="rId32"/>
   </p:sldIdLst>
   <p:sldSz cx="9144000" cy="6858000" type="screen4x3"/>
   <p:notesSz cx="6858000" cy="9144000"/>
@@ -223,7 +222,7 @@
           <a:p>
             <a:fld id="{B24A7054-7FFB-49F4-A126-5DF6E687FF53}" type="datetimeFigureOut">
               <a:rPr lang="ru-RU" smtClean="0"/>
-              <a:t>05.10.2014</a:t>
+              <a:t>29.03.2015</a:t>
             </a:fld>
             <a:endParaRPr lang="ru-RU"/>
           </a:p>
@@ -1505,7 +1504,7 @@
           <a:p>
             <a:fld id="{8E6E6A2A-E9D3-4A0D-B04A-ABDD367A1E08}" type="datetimeFigureOut">
               <a:rPr lang="ru-RU" smtClean="0"/>
-              <a:t>05.10.2014</a:t>
+              <a:t>29.03.2015</a:t>
             </a:fld>
             <a:endParaRPr lang="ru-RU"/>
           </a:p>
@@ -2950,7 +2949,7 @@
           <a:p>
             <a:fld id="{AC3D3127-B7C4-45E3-9797-C527EC9FDD78}" type="datetimeFigureOut">
               <a:rPr lang="ru-RU" smtClean="0"/>
-              <a:t>05.10.2014</a:t>
+              <a:t>29.03.2015</a:t>
             </a:fld>
             <a:endParaRPr lang="ru-RU"/>
           </a:p>
@@ -3540,219 +3539,130 @@
           <a:chExt cx="0" cy="0"/>
         </a:xfrm>
       </p:grpSpPr>
+      <p:pic>
+        <p:nvPicPr>
+          <p:cNvPr id="4098" name="Picture 2"/>
+          <p:cNvPicPr>
+            <a:picLocks noChangeAspect="1" noChangeArrowheads="1"/>
+          </p:cNvPicPr>
+          <p:nvPr/>
+        </p:nvPicPr>
+        <p:blipFill>
+          <a:blip r:embed="rId2">
+            <a:extLst>
+              <a:ext uri="{28A0092B-C50C-407E-A947-70E740481C1C}">
+                <a14:useLocalDpi xmlns:a14="http://schemas.microsoft.com/office/drawing/2010/main" val="0"/>
+              </a:ext>
+            </a:extLst>
+          </a:blip>
+          <a:srcRect/>
+          <a:stretch>
+            <a:fillRect/>
+          </a:stretch>
+        </p:blipFill>
+        <p:spPr bwMode="auto">
+          <a:xfrm>
+            <a:off x="150813" y="1600200"/>
+            <a:ext cx="8840787" cy="3352800"/>
+          </a:xfrm>
+          <a:prstGeom prst="rect">
+            <a:avLst/>
+          </a:prstGeom>
+          <a:noFill/>
+          <a:ln>
+            <a:noFill/>
+          </a:ln>
+          <a:extLst>
+            <a:ext uri="{909E8E84-426E-40DD-AFC4-6F175D3DCCD1}">
+              <a14:hiddenFill xmlns:a14="http://schemas.microsoft.com/office/drawing/2010/main">
+                <a:solidFill>
+                  <a:srgbClr val="FFFFFF"/>
+                </a:solidFill>
+              </a14:hiddenFill>
+            </a:ext>
+            <a:ext uri="{91240B29-F687-4F45-9708-019B960494DF}">
+              <a14:hiddenLine xmlns:a14="http://schemas.microsoft.com/office/drawing/2010/main" w="9525">
+                <a:solidFill>
+                  <a:srgbClr val="000000"/>
+                </a:solidFill>
+                <a:miter lim="800000"/>
+                <a:headEnd/>
+                <a:tailEnd/>
+              </a14:hiddenLine>
+            </a:ext>
+          </a:extLst>
+        </p:spPr>
+      </p:pic>
       <p:sp>
         <p:nvSpPr>
-          <p:cNvPr id="2" name="Title 1"/>
+          <p:cNvPr id="4099" name="Прямоугольник 2"/>
           <p:cNvSpPr>
-            <a:spLocks noGrp="1"/>
+            <a:spLocks noChangeArrowheads="1"/>
           </p:cNvSpPr>
-          <p:nvPr>
-            <p:ph type="title"/>
-          </p:nvPr>
+          <p:nvPr/>
         </p:nvSpPr>
-        <p:spPr/>
+        <p:spPr bwMode="auto">
+          <a:xfrm>
+            <a:off x="152400" y="76200"/>
+            <a:ext cx="8839200" cy="708025"/>
+          </a:xfrm>
+          <a:prstGeom prst="rect">
+            <a:avLst/>
+          </a:prstGeom>
+          <a:noFill/>
+          <a:ln>
+            <a:noFill/>
+          </a:ln>
+          <a:extLst>
+            <a:ext uri="{909E8E84-426E-40DD-AFC4-6F175D3DCCD1}">
+              <a14:hiddenFill xmlns:a14="http://schemas.microsoft.com/office/drawing/2010/main">
+                <a:solidFill>
+                  <a:srgbClr val="FFFFFF"/>
+                </a:solidFill>
+              </a14:hiddenFill>
+            </a:ext>
+            <a:ext uri="{91240B29-F687-4F45-9708-019B960494DF}">
+              <a14:hiddenLine xmlns:a14="http://schemas.microsoft.com/office/drawing/2010/main" w="9525">
+                <a:solidFill>
+                  <a:srgbClr val="000000"/>
+                </a:solidFill>
+                <a:miter lim="800000"/>
+                <a:headEnd/>
+                <a:tailEnd/>
+              </a14:hiddenLine>
+            </a:ext>
+          </a:extLst>
+        </p:spPr>
         <p:txBody>
           <a:bodyPr>
-            <a:normAutofit fontScale="90000"/>
+            <a:spAutoFit/>
           </a:bodyPr>
           <a:lstStyle/>
           <a:p>
-            <a:r>
-              <a:rPr lang="ru-RU" dirty="0" smtClean="0"/>
-              <a:t>Некоторые гарантии СУБД - </a:t>
-            </a:r>
-            <a:r>
-              <a:rPr lang="en-US" dirty="0" smtClean="0"/>
-              <a:t>A.C.I.D</a:t>
-            </a:r>
-            <a:r>
-              <a:rPr lang="en-US" dirty="0" smtClean="0"/>
+            <a:pPr algn="ctr"/>
+            <a:r>
+              <a:rPr lang="ru-RU" sz="2400" b="1"/>
+              <a:t>Реляционная БД</a:t>
+            </a:r>
+            <a:r>
+              <a:rPr lang="be-BY" sz="2400" b="1"/>
               <a:t>.</a:t>
             </a:r>
-            <a:endParaRPr lang="ru-RU" dirty="0"/>
-          </a:p>
-        </p:txBody>
-      </p:sp>
-      <p:sp>
-        <p:nvSpPr>
-          <p:cNvPr id="3" name="Content Placeholder 2"/>
-          <p:cNvSpPr>
-            <a:spLocks noGrp="1"/>
-          </p:cNvSpPr>
-          <p:nvPr>
-            <p:ph idx="1"/>
-          </p:nvPr>
-        </p:nvSpPr>
-        <p:spPr/>
-        <p:txBody>
-          <a:bodyPr>
-            <a:normAutofit fontScale="70000" lnSpcReduction="20000"/>
-          </a:bodyPr>
-          <a:lstStyle/>
-          <a:p>
-            <a:r>
-              <a:rPr lang="en-US" dirty="0" smtClean="0"/>
-              <a:t> </a:t>
-            </a:r>
-            <a:r>
-              <a:rPr lang="en-US" dirty="0" smtClean="0">
-                <a:solidFill>
-                  <a:srgbClr val="FFFF00"/>
-                </a:solidFill>
-              </a:rPr>
-              <a:t>A</a:t>
-            </a:r>
-            <a:r>
-              <a:rPr lang="en-US" dirty="0" smtClean="0"/>
-              <a:t>tomicity (</a:t>
-            </a:r>
-            <a:r>
-              <a:rPr lang="ru-RU" dirty="0" smtClean="0"/>
-              <a:t>Атомарность</a:t>
-            </a:r>
-            <a:r>
-              <a:rPr lang="en-US" dirty="0" smtClean="0"/>
-              <a:t>)</a:t>
-            </a:r>
-          </a:p>
-          <a:p>
-            <a:pPr lvl="1"/>
-            <a:r>
-              <a:rPr lang="ru-RU" dirty="0" smtClean="0"/>
-              <a:t>Гарантия, </a:t>
-            </a:r>
-            <a:r>
-              <a:rPr lang="ru-RU" dirty="0"/>
-              <a:t>что никакая транзакция не будет зафиксирована в системе </a:t>
-            </a:r>
-            <a:r>
-              <a:rPr lang="ru-RU" dirty="0" smtClean="0"/>
-              <a:t>частично.</a:t>
-            </a:r>
-            <a:endParaRPr lang="en-US" dirty="0" smtClean="0"/>
-          </a:p>
-          <a:p>
-            <a:r>
-              <a:rPr lang="en-US" dirty="0" smtClean="0"/>
-              <a:t> </a:t>
-            </a:r>
-            <a:r>
-              <a:rPr lang="en-US" dirty="0" smtClean="0">
-                <a:solidFill>
-                  <a:srgbClr val="FFFF00"/>
-                </a:solidFill>
-              </a:rPr>
-              <a:t>C</a:t>
-            </a:r>
-            <a:r>
-              <a:rPr lang="en-US" dirty="0" smtClean="0"/>
-              <a:t>onsistency (</a:t>
-            </a:r>
-            <a:r>
-              <a:rPr lang="ru-RU" dirty="0" smtClean="0"/>
-              <a:t>Согласованность</a:t>
-            </a:r>
-            <a:r>
-              <a:rPr lang="en-US" dirty="0" smtClean="0"/>
-              <a:t>)</a:t>
-            </a:r>
-            <a:endParaRPr lang="ru-RU" dirty="0" smtClean="0"/>
-          </a:p>
-          <a:p>
-            <a:pPr lvl="1"/>
-            <a:r>
-              <a:rPr lang="ru-RU" dirty="0"/>
-              <a:t>Транзакция достигающая своего нормального завершения </a:t>
-            </a:r>
-            <a:r>
-              <a:rPr lang="ru-RU" dirty="0" smtClean="0"/>
-              <a:t>и</a:t>
-            </a:r>
-            <a:r>
-              <a:rPr lang="ru-RU" dirty="0"/>
-              <a:t>, тем самым, фиксирующая свои результаты, сохраняет согласованность базы данных.</a:t>
-            </a:r>
-            <a:endParaRPr lang="en-US" dirty="0" smtClean="0"/>
-          </a:p>
-          <a:p>
-            <a:r>
-              <a:rPr lang="en-US" dirty="0" smtClean="0"/>
-              <a:t> </a:t>
-            </a:r>
-            <a:r>
-              <a:rPr lang="en-US" dirty="0" smtClean="0">
-                <a:solidFill>
-                  <a:srgbClr val="FFFF00"/>
-                </a:solidFill>
-              </a:rPr>
-              <a:t>I</a:t>
-            </a:r>
-            <a:r>
-              <a:rPr lang="en-US" dirty="0" smtClean="0"/>
-              <a:t>solation (</a:t>
-            </a:r>
-            <a:r>
-              <a:rPr lang="ru-RU" dirty="0" smtClean="0"/>
-              <a:t>Изолированность</a:t>
-            </a:r>
-            <a:r>
-              <a:rPr lang="en-US" dirty="0" smtClean="0"/>
-              <a:t>)</a:t>
-            </a:r>
-            <a:endParaRPr lang="ru-RU" dirty="0" smtClean="0"/>
-          </a:p>
-          <a:p>
-            <a:pPr lvl="1"/>
-            <a:r>
-              <a:rPr lang="ru-RU" dirty="0"/>
-              <a:t>Во время выполнения транзакции параллельные транзакции не должны оказывать влияние на её результат.</a:t>
-            </a:r>
-            <a:endParaRPr lang="en-US" dirty="0" smtClean="0"/>
-          </a:p>
-          <a:p>
-            <a:r>
-              <a:rPr lang="en-US" dirty="0" smtClean="0"/>
-              <a:t> </a:t>
-            </a:r>
-            <a:r>
-              <a:rPr lang="en-US" dirty="0" smtClean="0">
-                <a:solidFill>
-                  <a:srgbClr val="FFFF00"/>
-                </a:solidFill>
-              </a:rPr>
-              <a:t>D</a:t>
-            </a:r>
-            <a:r>
-              <a:rPr lang="en-US" dirty="0" smtClean="0"/>
-              <a:t>urability (</a:t>
-            </a:r>
-            <a:r>
-              <a:rPr lang="ru-RU" dirty="0" smtClean="0"/>
-              <a:t>Надежность</a:t>
-            </a:r>
-            <a:r>
-              <a:rPr lang="en-US" dirty="0" smtClean="0"/>
-              <a:t>)</a:t>
-            </a:r>
-            <a:endParaRPr lang="ru-RU" dirty="0" smtClean="0"/>
-          </a:p>
-          <a:p>
-            <a:pPr lvl="1"/>
-            <a:r>
-              <a:rPr lang="ru-RU" dirty="0" smtClean="0"/>
-              <a:t>Если </a:t>
-            </a:r>
-            <a:r>
-              <a:rPr lang="ru-RU" dirty="0"/>
-              <a:t>пользователь получил подтверждение от системы, что транзакция выполнена, он может быть уверен, что сделанные им изменения не будут отменены из-за какого-либо сбоя.</a:t>
-            </a:r>
+          </a:p>
+          <a:p>
+            <a:pPr algn="ctr"/>
+            <a:r>
+              <a:rPr lang="ru-RU" sz="1600" b="1"/>
+              <a:t>Отношение.</a:t>
+            </a:r>
+            <a:endParaRPr lang="be-BY" sz="1600" b="1"/>
           </a:p>
         </p:txBody>
       </p:sp>
     </p:spTree>
     <p:extLst>
       <p:ext uri="{BB962C8B-B14F-4D97-AF65-F5344CB8AC3E}">
-        <p14:creationId xmlns:p14="http://schemas.microsoft.com/office/powerpoint/2010/main" val="1177667350"/>
+        <p14:creationId xmlns:p14="http://schemas.microsoft.com/office/powerpoint/2010/main" val="796670954"/>
       </p:ext>
     </p:extLst>
   </p:cSld>
@@ -3798,14 +3708,20 @@
         </p:nvSpPr>
         <p:spPr/>
         <p:txBody>
-          <a:bodyPr/>
+          <a:bodyPr>
+            <a:normAutofit fontScale="90000"/>
+          </a:bodyPr>
           <a:lstStyle/>
           <a:p>
             <a:r>
               <a:rPr lang="ru-RU" dirty="0" smtClean="0"/>
-              <a:t>Понятие нормализации</a:t>
-            </a:r>
-            <a:endParaRPr lang="en-US" dirty="0"/>
+              <a:t>Некоторые гарантии СУБД - </a:t>
+            </a:r>
+            <a:r>
+              <a:rPr lang="en-US" dirty="0" smtClean="0"/>
+              <a:t>A.C.I.D.</a:t>
+            </a:r>
+            <a:endParaRPr lang="ru-RU" dirty="0"/>
           </a:p>
         </p:txBody>
       </p:sp>
@@ -3822,134 +3738,173 @@
         <p:spPr/>
         <p:txBody>
           <a:bodyPr>
-            <a:normAutofit fontScale="55000" lnSpcReduction="20000"/>
+            <a:normAutofit fontScale="70000" lnSpcReduction="20000"/>
           </a:bodyPr>
           <a:lstStyle/>
           <a:p>
-            <a:pPr marL="0" indent="0">
-              <a:buNone/>
-            </a:pPr>
+            <a:r>
+              <a:rPr lang="en-US" dirty="0" smtClean="0"/>
+              <a:t> </a:t>
+            </a:r>
+            <a:r>
+              <a:rPr lang="en-US" dirty="0" smtClean="0">
+                <a:solidFill>
+                  <a:srgbClr val="FFFF00"/>
+                </a:solidFill>
+              </a:rPr>
+              <a:t>A</a:t>
+            </a:r>
+            <a:r>
+              <a:rPr lang="en-US" dirty="0" smtClean="0"/>
+              <a:t>tomicity (</a:t>
+            </a:r>
+            <a:r>
+              <a:rPr lang="ru-RU" dirty="0" smtClean="0"/>
+              <a:t>Атомарность</a:t>
+            </a:r>
+            <a:r>
+              <a:rPr lang="en-US" dirty="0" smtClean="0"/>
+              <a:t>)</a:t>
+            </a:r>
+          </a:p>
+          <a:p>
+            <a:pPr lvl="1"/>
+            <a:r>
+              <a:rPr lang="ru-RU" dirty="0" smtClean="0"/>
+              <a:t>Гарантия, </a:t>
+            </a:r>
             <a:r>
               <a:rPr lang="ru-RU" dirty="0"/>
-              <a:t>Процесс преобразования отношений базы данных к виду, отвечающему </a:t>
-            </a:r>
-            <a:r>
-              <a:rPr lang="ru-RU" dirty="0">
+              <a:t>что никакая транзакция не будет зафиксирована в системе </a:t>
+            </a:r>
+            <a:r>
+              <a:rPr lang="ru-RU" dirty="0" smtClean="0"/>
+              <a:t>частично.</a:t>
+            </a:r>
+            <a:endParaRPr lang="en-US" dirty="0" smtClean="0"/>
+          </a:p>
+          <a:p>
+            <a:r>
+              <a:rPr lang="en-US" dirty="0" smtClean="0"/>
+              <a:t> </a:t>
+            </a:r>
+            <a:r>
+              <a:rPr lang="en-US" dirty="0" smtClean="0">
                 <a:solidFill>
                   <a:srgbClr val="FFFF00"/>
                 </a:solidFill>
               </a:rPr>
-              <a:t>нормальным формам</a:t>
-            </a:r>
+              <a:t>C</a:t>
+            </a:r>
+            <a:r>
+              <a:rPr lang="en-US" dirty="0" smtClean="0"/>
+              <a:t>onsistency (</a:t>
+            </a:r>
+            <a:r>
+              <a:rPr lang="ru-RU" dirty="0" smtClean="0"/>
+              <a:t>Согласованность</a:t>
+            </a:r>
+            <a:r>
+              <a:rPr lang="en-US" dirty="0" smtClean="0"/>
+              <a:t>)</a:t>
+            </a:r>
+            <a:endParaRPr lang="ru-RU" dirty="0" smtClean="0"/>
+          </a:p>
+          <a:p>
+            <a:pPr lvl="1"/>
             <a:r>
               <a:rPr lang="ru-RU" dirty="0"/>
-              <a:t>, называется </a:t>
-            </a:r>
-            <a:r>
-              <a:rPr lang="ru-RU" dirty="0">
+              <a:t>Транзакция достигающая своего нормального завершения </a:t>
+            </a:r>
+            <a:r>
+              <a:rPr lang="ru-RU" dirty="0" smtClean="0"/>
+              <a:t>и</a:t>
+            </a:r>
+            <a:r>
+              <a:rPr lang="ru-RU" dirty="0"/>
+              <a:t>, тем самым, фиксирующая свои результаты, сохраняет согласованность базы данных.</a:t>
+            </a:r>
+            <a:endParaRPr lang="en-US" dirty="0" smtClean="0"/>
+          </a:p>
+          <a:p>
+            <a:r>
+              <a:rPr lang="en-US" dirty="0" smtClean="0"/>
+              <a:t> </a:t>
+            </a:r>
+            <a:r>
+              <a:rPr lang="en-US" dirty="0" smtClean="0">
                 <a:solidFill>
                   <a:srgbClr val="FFFF00"/>
                 </a:solidFill>
               </a:rPr>
-              <a:t>нормализацией</a:t>
-            </a:r>
+              <a:t>I</a:t>
+            </a:r>
+            <a:r>
+              <a:rPr lang="en-US" dirty="0" smtClean="0"/>
+              <a:t>solation (</a:t>
+            </a:r>
+            <a:r>
+              <a:rPr lang="ru-RU" dirty="0" smtClean="0"/>
+              <a:t>Изолированность</a:t>
+            </a:r>
+            <a:r>
+              <a:rPr lang="en-US" dirty="0" smtClean="0"/>
+              <a:t>)</a:t>
+            </a:r>
+            <a:endParaRPr lang="ru-RU" dirty="0" smtClean="0"/>
+          </a:p>
+          <a:p>
+            <a:pPr lvl="1"/>
             <a:r>
               <a:rPr lang="ru-RU" dirty="0"/>
-              <a:t>. Нормализация предназначена для приведения структуры БД к виду, обеспечивающему минимальную логическую избыточность, и не имеет целью уменьшение или увеличение производительности работы или же уменьшение или увеличение физического объёма базы данных</a:t>
+              <a:t>Во время выполнения транзакции параллельные транзакции не должны оказывать влияние на её результат.</a:t>
+            </a:r>
+            <a:endParaRPr lang="en-US" dirty="0" smtClean="0"/>
+          </a:p>
+          <a:p>
+            <a:r>
+              <a:rPr lang="en-US" dirty="0" smtClean="0"/>
+              <a:t> </a:t>
+            </a:r>
+            <a:r>
+              <a:rPr lang="en-US" dirty="0" smtClean="0">
+                <a:solidFill>
+                  <a:srgbClr val="FFFF00"/>
+                </a:solidFill>
+              </a:rPr>
+              <a:t>D</a:t>
+            </a:r>
+            <a:r>
+              <a:rPr lang="en-US" dirty="0" smtClean="0"/>
+              <a:t>urability (</a:t>
             </a:r>
             <a:r>
               <a:rPr lang="ru-RU" dirty="0" smtClean="0"/>
-              <a:t>. </a:t>
+              <a:t>Надежность</a:t>
+            </a:r>
+            <a:r>
+              <a:rPr lang="en-US" dirty="0" smtClean="0"/>
+              <a:t>)</a:t>
+            </a:r>
+            <a:endParaRPr lang="ru-RU" dirty="0" smtClean="0"/>
+          </a:p>
+          <a:p>
+            <a:pPr lvl="1"/>
+            <a:r>
+              <a:rPr lang="ru-RU" dirty="0" smtClean="0"/>
+              <a:t>Если </a:t>
             </a:r>
             <a:r>
               <a:rPr lang="ru-RU" dirty="0"/>
-              <a:t>Конечной целью нормализации является уменьшение потенциальной противоречивости хранимой в базе данных информации. О</a:t>
-            </a:r>
-            <a:r>
-              <a:rPr lang="ru-RU" dirty="0" smtClean="0"/>
-              <a:t>бщее </a:t>
-            </a:r>
-            <a:r>
-              <a:rPr lang="ru-RU" dirty="0"/>
-              <a:t>назначение процесса нормализации заключается в следующем:</a:t>
-            </a:r>
-          </a:p>
-          <a:p>
-            <a:r>
-              <a:rPr lang="ru-RU" dirty="0"/>
-              <a:t>исключение некоторых типов </a:t>
-            </a:r>
-            <a:r>
-              <a:rPr lang="ru-RU" dirty="0" smtClean="0"/>
-              <a:t>избыточности;</a:t>
-            </a:r>
-          </a:p>
-          <a:p>
-            <a:r>
-              <a:rPr lang="ru-RU" dirty="0" smtClean="0"/>
-              <a:t>устранение </a:t>
-            </a:r>
-            <a:r>
-              <a:rPr lang="ru-RU" dirty="0"/>
-              <a:t>некоторых аномалий </a:t>
-            </a:r>
-            <a:r>
-              <a:rPr lang="ru-RU" dirty="0" smtClean="0"/>
-              <a:t>обновления;</a:t>
-            </a:r>
-          </a:p>
-          <a:p>
-            <a:r>
-              <a:rPr lang="ru-RU" dirty="0" smtClean="0"/>
-              <a:t>разработка </a:t>
-            </a:r>
-            <a:r>
-              <a:rPr lang="ru-RU" dirty="0"/>
-              <a:t>проекта базы данных, который является достаточно «качественным» представлением реального мира, интуитивно понятен и может служить хорошей основой для последующего </a:t>
-            </a:r>
-            <a:r>
-              <a:rPr lang="ru-RU" dirty="0" smtClean="0"/>
-              <a:t>расширения;</a:t>
-            </a:r>
-          </a:p>
-          <a:p>
-            <a:r>
-              <a:rPr lang="ru-RU" dirty="0" smtClean="0"/>
-              <a:t>упрощение </a:t>
-            </a:r>
-            <a:r>
-              <a:rPr lang="ru-RU" dirty="0"/>
-              <a:t>процедуры применения необходимых ограничений целостности.</a:t>
-            </a:r>
-          </a:p>
-          <a:p>
-            <a:pPr marL="0" indent="0">
-              <a:buNone/>
-            </a:pPr>
-            <a:r>
-              <a:rPr lang="ru-RU" dirty="0"/>
-              <a:t>Устранение избыточности производится, как правило, за счёт декомпозиции отношений таким образом, чтобы в каждом отношении хранились только </a:t>
-            </a:r>
-            <a:r>
-              <a:rPr lang="ru-RU" dirty="0" smtClean="0"/>
-              <a:t>первичные </a:t>
-            </a:r>
-            <a:r>
-              <a:rPr lang="ru-RU" dirty="0"/>
-              <a:t>факты (то есть факты, не выводимые из других хранимых фактов</a:t>
-            </a:r>
-            <a:r>
-              <a:rPr lang="ru-RU" dirty="0" smtClean="0"/>
-              <a:t>).</a:t>
-            </a:r>
-            <a:endParaRPr lang="en-US" dirty="0"/>
+              <a:t>пользователь получил подтверждение от системы, что транзакция выполнена, он может быть уверен, что сделанные им изменения не будут отменены из-за какого-либо сбоя.</a:t>
+            </a:r>
           </a:p>
         </p:txBody>
       </p:sp>
     </p:spTree>
     <p:extLst>
       <p:ext uri="{BB962C8B-B14F-4D97-AF65-F5344CB8AC3E}">
-        <p14:creationId xmlns:p14="http://schemas.microsoft.com/office/powerpoint/2010/main" val="2031119416"/>
+        <p14:creationId xmlns:p14="http://schemas.microsoft.com/office/powerpoint/2010/main" val="1177667350"/>
       </p:ext>
     </p:extLst>
   </p:cSld>
@@ -3995,54 +3950,12 @@
         </p:nvSpPr>
         <p:spPr/>
         <p:txBody>
-          <a:bodyPr>
-            <a:normAutofit fontScale="90000"/>
-          </a:bodyPr>
+          <a:bodyPr/>
           <a:lstStyle/>
           <a:p>
             <a:r>
               <a:rPr lang="ru-RU" dirty="0" smtClean="0"/>
-              <a:t>Язык </a:t>
-            </a:r>
-            <a:r>
-              <a:rPr lang="en-US" dirty="0" smtClean="0"/>
-              <a:t>SQL (</a:t>
-            </a:r>
-            <a:r>
-              <a:rPr lang="en-US" dirty="0" smtClean="0">
-                <a:solidFill>
-                  <a:srgbClr val="FF0000"/>
-                </a:solidFill>
-              </a:rPr>
-              <a:t>S</a:t>
-            </a:r>
-            <a:r>
-              <a:rPr lang="en-US" dirty="0" smtClean="0"/>
-              <a:t>tructured </a:t>
-            </a:r>
-            <a:r>
-              <a:rPr lang="en-US" dirty="0" smtClean="0">
-                <a:solidFill>
-                  <a:srgbClr val="FF0000"/>
-                </a:solidFill>
-              </a:rPr>
-              <a:t>Q</a:t>
-            </a:r>
-            <a:r>
-              <a:rPr lang="en-US" dirty="0" smtClean="0"/>
-              <a:t>uery </a:t>
-            </a:r>
-            <a:r>
-              <a:rPr lang="en-US" dirty="0" smtClean="0">
-                <a:solidFill>
-                  <a:srgbClr val="FF0000"/>
-                </a:solidFill>
-              </a:rPr>
-              <a:t>L</a:t>
-            </a:r>
-            <a:r>
-              <a:rPr lang="en-US" dirty="0" smtClean="0"/>
-              <a:t>anguage)</a:t>
+              <a:t>Понятие нормализации</a:t>
             </a:r>
             <a:endParaRPr lang="en-US" dirty="0"/>
           </a:p>
@@ -4061,90 +3974,125 @@
         <p:spPr/>
         <p:txBody>
           <a:bodyPr>
-            <a:normAutofit fontScale="85000" lnSpcReduction="20000"/>
+            <a:normAutofit fontScale="55000" lnSpcReduction="20000"/>
           </a:bodyPr>
           <a:lstStyle/>
           <a:p>
+            <a:pPr marL="0" indent="0">
+              <a:buNone/>
+            </a:pPr>
+            <a:r>
+              <a:rPr lang="ru-RU" dirty="0"/>
+              <a:t>Процесс преобразования отношений базы данных к виду, отвечающему </a:t>
+            </a:r>
+            <a:r>
+              <a:rPr lang="ru-RU" dirty="0">
+                <a:solidFill>
+                  <a:srgbClr val="FFFF00"/>
+                </a:solidFill>
+              </a:rPr>
+              <a:t>нормальным формам</a:t>
+            </a:r>
+            <a:r>
+              <a:rPr lang="ru-RU" dirty="0"/>
+              <a:t>, называется </a:t>
+            </a:r>
+            <a:r>
+              <a:rPr lang="ru-RU" dirty="0">
+                <a:solidFill>
+                  <a:srgbClr val="FFFF00"/>
+                </a:solidFill>
+              </a:rPr>
+              <a:t>нормализацией</a:t>
+            </a:r>
+            <a:r>
+              <a:rPr lang="ru-RU" dirty="0"/>
+              <a:t>. Нормализация предназначена для приведения структуры БД к виду, обеспечивающему минимальную логическую избыточность, и не имеет целью уменьшение или увеличение производительности работы или же уменьшение или увеличение физического объёма базы данных</a:t>
+            </a:r>
             <a:r>
               <a:rPr lang="ru-RU" dirty="0" smtClean="0"/>
-              <a:t>Универсальный язык</a:t>
+              <a:t>. </a:t>
             </a:r>
             <a:r>
               <a:rPr lang="ru-RU" dirty="0"/>
-              <a:t>, применяемый для создания, модификации и управления данными в реляционных базах данных</a:t>
+              <a:t>Конечной целью нормализации является уменьшение потенциальной противоречивости хранимой в базе данных информации. О</a:t>
             </a:r>
             <a:r>
               <a:rPr lang="ru-RU" dirty="0" smtClean="0"/>
-              <a:t>.</a:t>
-            </a:r>
-          </a:p>
-          <a:p>
+              <a:t>бщее </a:t>
+            </a:r>
+            <a:r>
+              <a:rPr lang="ru-RU" dirty="0"/>
+              <a:t>назначение процесса нормализации заключается в следующем:</a:t>
+            </a:r>
+          </a:p>
+          <a:p>
+            <a:r>
+              <a:rPr lang="ru-RU" dirty="0"/>
+              <a:t>исключение некоторых типов </a:t>
+            </a:r>
             <a:r>
               <a:rPr lang="ru-RU" dirty="0" smtClean="0"/>
-              <a:t>Есть ряд </a:t>
-            </a:r>
-            <a:r>
-              <a:rPr lang="en-US" dirty="0" smtClean="0"/>
-              <a:t>ISO</a:t>
-            </a:r>
+              <a:t>избыточности;</a:t>
+            </a:r>
+          </a:p>
+          <a:p>
             <a:r>
               <a:rPr lang="ru-RU" dirty="0" smtClean="0"/>
-              <a:t> стандартов (</a:t>
-            </a:r>
-            <a:r>
-              <a:rPr lang="en-US" dirty="0"/>
-              <a:t>SQL-86, SQL-89, SQL-92, SQL:1999, SQL:2003, SQL:2006, SQL:2008, </a:t>
-            </a:r>
-            <a:r>
-              <a:rPr lang="en-US" dirty="0" smtClean="0"/>
-              <a:t>SQL:2011</a:t>
+              <a:t>устранение </a:t>
+            </a:r>
+            <a:r>
+              <a:rPr lang="ru-RU" dirty="0"/>
+              <a:t>некоторых аномалий </a:t>
             </a:r>
             <a:r>
               <a:rPr lang="ru-RU" dirty="0" smtClean="0"/>
-              <a:t>)</a:t>
+              <a:t>обновления;</a:t>
             </a:r>
           </a:p>
           <a:p>
             <a:r>
               <a:rPr lang="ru-RU" dirty="0" smtClean="0"/>
-              <a:t>У разных производителей свои диалекты</a:t>
-            </a:r>
-          </a:p>
-          <a:p>
-            <a:pPr lvl="1"/>
-            <a:r>
-              <a:rPr lang="en-US" dirty="0" smtClean="0"/>
-              <a:t>PL/SQL (Oracle)</a:t>
-            </a:r>
-          </a:p>
-          <a:p>
-            <a:pPr lvl="1"/>
-            <a:r>
-              <a:rPr lang="en-US" dirty="0" smtClean="0"/>
-              <a:t>T-SQL (Microsoft)</a:t>
-            </a:r>
-            <a:endParaRPr lang="ru-RU" dirty="0" smtClean="0"/>
-          </a:p>
-          <a:p>
+              <a:t>разработка </a:t>
+            </a:r>
+            <a:r>
+              <a:rPr lang="ru-RU" dirty="0"/>
+              <a:t>проекта базы данных, который является достаточно «качественным» представлением реального мира, интуитивно понятен и может служить хорошей основой для последующего </a:t>
+            </a:r>
             <a:r>
               <a:rPr lang="ru-RU" dirty="0" smtClean="0"/>
-              <a:t>Диалекты</a:t>
-            </a:r>
-            <a:endParaRPr lang="en-US" dirty="0" smtClean="0"/>
-          </a:p>
-          <a:p>
-            <a:pPr lvl="1"/>
-            <a:r>
-              <a:rPr lang="en-US" dirty="0" smtClean="0"/>
-              <a:t>Data Definition Language – DDL</a:t>
-            </a:r>
-            <a:endParaRPr lang="ru-RU" dirty="0" smtClean="0"/>
-          </a:p>
-          <a:p>
-            <a:pPr lvl="1"/>
-            <a:r>
-              <a:rPr lang="en-US" dirty="0" smtClean="0"/>
-              <a:t>Data Manipulation Language - DML</a:t>
+              <a:t>расширения;</a:t>
+            </a:r>
+          </a:p>
+          <a:p>
+            <a:r>
+              <a:rPr lang="ru-RU" dirty="0" smtClean="0"/>
+              <a:t>упрощение </a:t>
+            </a:r>
+            <a:r>
+              <a:rPr lang="ru-RU" dirty="0"/>
+              <a:t>процедуры применения необходимых ограничений целостности.</a:t>
+            </a:r>
+          </a:p>
+          <a:p>
+            <a:pPr marL="0" indent="0">
+              <a:buNone/>
+            </a:pPr>
+            <a:r>
+              <a:rPr lang="ru-RU" dirty="0"/>
+              <a:t>Устранение избыточности производится, как правило, за счёт декомпозиции отношений таким образом, чтобы в каждом отношении хранились только </a:t>
+            </a:r>
+            <a:r>
+              <a:rPr lang="ru-RU" dirty="0" smtClean="0"/>
+              <a:t>первичные </a:t>
+            </a:r>
+            <a:r>
+              <a:rPr lang="ru-RU" dirty="0"/>
+              <a:t>факты (то есть факты, не выводимые из других хранимых фактов</a:t>
+            </a:r>
+            <a:r>
+              <a:rPr lang="ru-RU" dirty="0" smtClean="0"/>
+              <a:t>).</a:t>
             </a:r>
             <a:endParaRPr lang="en-US" dirty="0"/>
           </a:p>
@@ -4153,7 +4101,7 @@
     </p:spTree>
     <p:extLst>
       <p:ext uri="{BB962C8B-B14F-4D97-AF65-F5344CB8AC3E}">
-        <p14:creationId xmlns:p14="http://schemas.microsoft.com/office/powerpoint/2010/main" val="233512801"/>
+        <p14:creationId xmlns:p14="http://schemas.microsoft.com/office/powerpoint/2010/main" val="2031119416"/>
       </p:ext>
     </p:extLst>
   </p:cSld>
@@ -4197,12 +4145,7 @@
             <p:ph type="title"/>
           </p:nvPr>
         </p:nvSpPr>
-        <p:spPr>
-          <a:xfrm>
-            <a:off x="457200" y="2857500"/>
-            <a:ext cx="8229600" cy="1143000"/>
-          </a:xfrm>
-        </p:spPr>
+        <p:spPr/>
         <p:txBody>
           <a:bodyPr>
             <a:normAutofit fontScale="90000"/>
@@ -4210,15 +4153,150 @@
           <a:lstStyle/>
           <a:p>
             <a:r>
+              <a:rPr lang="ru-RU" dirty="0" smtClean="0"/>
+              <a:t>Язык </a:t>
+            </a:r>
+            <a:r>
               <a:rPr lang="en-US" dirty="0" smtClean="0"/>
-              <a:t>SQL Server Management Studio</a:t>
-            </a:r>
-            <a:br>
+              <a:t>SQL (</a:t>
+            </a:r>
+            <a:r>
+              <a:rPr lang="en-US" dirty="0" smtClean="0">
+                <a:solidFill>
+                  <a:srgbClr val="FF0000"/>
+                </a:solidFill>
+              </a:rPr>
+              <a:t>S</a:t>
+            </a:r>
+            <a:r>
               <a:rPr lang="en-US" dirty="0" smtClean="0"/>
-            </a:br>
+              <a:t>tructured </a:t>
+            </a:r>
+            <a:r>
+              <a:rPr lang="en-US" dirty="0" smtClean="0">
+                <a:solidFill>
+                  <a:srgbClr val="FF0000"/>
+                </a:solidFill>
+              </a:rPr>
+              <a:t>Q</a:t>
+            </a:r>
+            <a:r>
+              <a:rPr lang="en-US" dirty="0" smtClean="0"/>
+              <a:t>uery </a:t>
+            </a:r>
+            <a:r>
+              <a:rPr lang="en-US" dirty="0" smtClean="0">
+                <a:solidFill>
+                  <a:srgbClr val="FF0000"/>
+                </a:solidFill>
+              </a:rPr>
+              <a:t>L</a:t>
+            </a:r>
+            <a:r>
+              <a:rPr lang="en-US" dirty="0" smtClean="0"/>
+              <a:t>anguage)</a:t>
+            </a:r>
+            <a:endParaRPr lang="en-US" dirty="0"/>
+          </a:p>
+        </p:txBody>
+      </p:sp>
+      <p:sp>
+        <p:nvSpPr>
+          <p:cNvPr id="3" name="Content Placeholder 2"/>
+          <p:cNvSpPr>
+            <a:spLocks noGrp="1"/>
+          </p:cNvSpPr>
+          <p:nvPr>
+            <p:ph idx="1"/>
+          </p:nvPr>
+        </p:nvSpPr>
+        <p:spPr/>
+        <p:txBody>
+          <a:bodyPr>
+            <a:normAutofit fontScale="85000" lnSpcReduction="20000"/>
+          </a:bodyPr>
+          <a:lstStyle/>
+          <a:p>
             <a:r>
               <a:rPr lang="ru-RU" dirty="0" smtClean="0"/>
-              <a:t>Демонстрация</a:t>
+              <a:t>Универсальный язык</a:t>
+            </a:r>
+            <a:r>
+              <a:rPr lang="ru-RU" dirty="0"/>
+              <a:t>, применяемый для создания, модификации и управления данными в реляционных базах данных</a:t>
+            </a:r>
+            <a:r>
+              <a:rPr lang="ru-RU" dirty="0" smtClean="0"/>
+              <a:t>.</a:t>
+            </a:r>
+          </a:p>
+          <a:p>
+            <a:r>
+              <a:rPr lang="ru-RU" dirty="0" smtClean="0"/>
+              <a:t>Есть ряд </a:t>
+            </a:r>
+            <a:r>
+              <a:rPr lang="en-US" dirty="0" smtClean="0"/>
+              <a:t>ISO</a:t>
+            </a:r>
+            <a:r>
+              <a:rPr lang="ru-RU" dirty="0" smtClean="0"/>
+              <a:t> стандартов (</a:t>
+            </a:r>
+            <a:r>
+              <a:rPr lang="en-US" dirty="0"/>
+              <a:t>SQL-86, SQL-89, SQL-92, SQL:1999, SQL:2003, SQL:2006, SQL:2008, </a:t>
+            </a:r>
+            <a:r>
+              <a:rPr lang="en-US" dirty="0" smtClean="0"/>
+              <a:t>SQL:2011</a:t>
+            </a:r>
+            <a:r>
+              <a:rPr lang="ru-RU" dirty="0" smtClean="0"/>
+              <a:t>)</a:t>
+            </a:r>
+          </a:p>
+          <a:p>
+            <a:r>
+              <a:rPr lang="ru-RU" dirty="0" smtClean="0"/>
+              <a:t>У разных производителей свои диалекты</a:t>
+            </a:r>
+          </a:p>
+          <a:p>
+            <a:pPr lvl="1"/>
+            <a:r>
+              <a:rPr lang="en-US" dirty="0" smtClean="0"/>
+              <a:t>PL/SQL (Oracle)</a:t>
+            </a:r>
+          </a:p>
+          <a:p>
+            <a:pPr lvl="1"/>
+            <a:r>
+              <a:rPr lang="en-US" dirty="0" smtClean="0"/>
+              <a:t>T-SQL (Microsoft)</a:t>
+            </a:r>
+            <a:endParaRPr lang="ru-RU" dirty="0" smtClean="0"/>
+          </a:p>
+          <a:p>
+            <a:r>
+              <a:rPr lang="ru-RU" dirty="0" smtClean="0"/>
+              <a:t>Диалекты</a:t>
+            </a:r>
+            <a:endParaRPr lang="en-US" dirty="0" smtClean="0"/>
+          </a:p>
+          <a:p>
+            <a:pPr lvl="1"/>
+            <a:r>
+              <a:rPr lang="en-US" dirty="0" smtClean="0"/>
+              <a:t>Data Definition Language – DDL</a:t>
+            </a:r>
+            <a:endParaRPr lang="ru-RU" dirty="0" smtClean="0"/>
+          </a:p>
+          <a:p>
+            <a:pPr lvl="1"/>
+            <a:r>
+              <a:rPr lang="en-US" dirty="0" smtClean="0"/>
+              <a:t>Data Manipulation Language - DML</a:t>
             </a:r>
             <a:endParaRPr lang="en-US" dirty="0"/>
           </a:p>
@@ -4227,7 +4305,7 @@
     </p:spTree>
     <p:extLst>
       <p:ext uri="{BB962C8B-B14F-4D97-AF65-F5344CB8AC3E}">
-        <p14:creationId xmlns:p14="http://schemas.microsoft.com/office/powerpoint/2010/main" val="484756406"/>
+        <p14:creationId xmlns:p14="http://schemas.microsoft.com/office/powerpoint/2010/main" val="233512801"/>
       </p:ext>
     </p:extLst>
   </p:cSld>
@@ -4271,29 +4349,99 @@
             <p:ph type="title"/>
           </p:nvPr>
         </p:nvSpPr>
-        <p:spPr>
-          <a:xfrm>
-            <a:off x="457200" y="2857500"/>
-            <a:ext cx="8229600" cy="1143000"/>
-          </a:xfrm>
-        </p:spPr>
+        <p:spPr/>
+        <p:txBody>
+          <a:bodyPr/>
+          <a:lstStyle/>
+          <a:p>
+            <a:r>
+              <a:rPr lang="ru-RU" dirty="0" smtClean="0"/>
+              <a:t>Системные Базы Данных</a:t>
+            </a:r>
+            <a:endParaRPr lang="en-US" dirty="0"/>
+          </a:p>
+        </p:txBody>
+      </p:sp>
+      <p:sp>
+        <p:nvSpPr>
+          <p:cNvPr id="3" name="Content Placeholder 2"/>
+          <p:cNvSpPr>
+            <a:spLocks noGrp="1"/>
+          </p:cNvSpPr>
+          <p:nvPr>
+            <p:ph idx="1"/>
+          </p:nvPr>
+        </p:nvSpPr>
+        <p:spPr/>
         <p:txBody>
           <a:bodyPr>
-            <a:normAutofit fontScale="90000"/>
+            <a:normAutofit/>
           </a:bodyPr>
           <a:lstStyle/>
           <a:p>
+            <a:pPr marL="0" indent="0">
+              <a:buNone/>
+            </a:pPr>
             <a:r>
               <a:rPr lang="ru-RU" dirty="0" smtClean="0"/>
-              <a:t>Создание новой БД</a:t>
-            </a:r>
-            <a:br>
+              <a:t>Нижеследующие базы данных используются для внутренних нужд </a:t>
+            </a:r>
+            <a:r>
+              <a:rPr lang="en-US" dirty="0" smtClean="0"/>
+              <a:t>SQL Server</a:t>
+            </a:r>
+            <a:r>
+              <a:rPr lang="ru-RU" dirty="0"/>
+              <a:t> </a:t>
+            </a:r>
+            <a:r>
               <a:rPr lang="ru-RU" dirty="0" smtClean="0"/>
-            </a:br>
+              <a:t>и </a:t>
+            </a:r>
+            <a:r>
+              <a:rPr lang="ru-RU" u="sng" dirty="0" smtClean="0"/>
+              <a:t>никогда</a:t>
+            </a:r>
             <a:r>
               <a:rPr lang="ru-RU" dirty="0" smtClean="0"/>
-              <a:t>Демонстрация</a:t>
-            </a:r>
+              <a:t> </a:t>
+            </a:r>
+            <a:r>
+              <a:rPr lang="ru-RU" dirty="0" smtClean="0"/>
+              <a:t>не должны использоваться для хранения ваших данных:</a:t>
+            </a:r>
+          </a:p>
+          <a:p>
+            <a:pPr lvl="1"/>
+            <a:r>
+              <a:rPr lang="en-US" dirty="0" smtClean="0"/>
+              <a:t>master</a:t>
+            </a:r>
+          </a:p>
+          <a:p>
+            <a:pPr lvl="1"/>
+            <a:r>
+              <a:rPr lang="en-US" dirty="0" smtClean="0"/>
+              <a:t>model</a:t>
+            </a:r>
+          </a:p>
+          <a:p>
+            <a:pPr lvl="1"/>
+            <a:r>
+              <a:rPr lang="en-US" dirty="0" err="1" smtClean="0"/>
+              <a:t>msdb</a:t>
+            </a:r>
+            <a:endParaRPr lang="en-US" dirty="0" smtClean="0"/>
+          </a:p>
+          <a:p>
+            <a:pPr lvl="1"/>
+            <a:r>
+              <a:rPr lang="en-US" dirty="0" err="1" smtClean="0"/>
+              <a:t>tempdb</a:t>
+            </a:r>
+            <a:endParaRPr lang="en-US" dirty="0" smtClean="0"/>
+          </a:p>
+          <a:p>
             <a:endParaRPr lang="en-US" dirty="0"/>
           </a:p>
         </p:txBody>
@@ -4301,7 +4449,7 @@
     </p:spTree>
     <p:extLst>
       <p:ext uri="{BB962C8B-B14F-4D97-AF65-F5344CB8AC3E}">
-        <p14:creationId xmlns:p14="http://schemas.microsoft.com/office/powerpoint/2010/main" val="1764324102"/>
+        <p14:creationId xmlns:p14="http://schemas.microsoft.com/office/powerpoint/2010/main" val="1563628706"/>
       </p:ext>
     </p:extLst>
   </p:cSld>
@@ -4351,8 +4499,12 @@
           <a:lstStyle/>
           <a:p>
             <a:r>
+              <a:rPr lang="en-US" dirty="0" smtClean="0"/>
+              <a:t>T-SQL: </a:t>
+            </a:r>
+            <a:r>
               <a:rPr lang="ru-RU" dirty="0" smtClean="0"/>
-              <a:t>Системные Базы Данных</a:t>
+              <a:t>Типы данных</a:t>
             </a:r>
             <a:endParaRPr lang="en-US" dirty="0"/>
           </a:p>
@@ -4371,69 +4523,184 @@
         <p:spPr/>
         <p:txBody>
           <a:bodyPr>
-            <a:normAutofit/>
+            <a:normAutofit fontScale="92500" lnSpcReduction="20000"/>
           </a:bodyPr>
           <a:lstStyle/>
+          <a:p>
+            <a:r>
+              <a:rPr lang="ru-RU" dirty="0" smtClean="0"/>
+              <a:t>Строковые</a:t>
+            </a:r>
+            <a:r>
+              <a:rPr lang="en-US" dirty="0" smtClean="0"/>
+              <a:t>: char, </a:t>
+            </a:r>
+            <a:r>
+              <a:rPr lang="en-US" dirty="0" err="1" smtClean="0"/>
+              <a:t>nchar</a:t>
+            </a:r>
+            <a:r>
+              <a:rPr lang="en-US" dirty="0" smtClean="0"/>
+              <a:t>, </a:t>
+            </a:r>
+            <a:r>
+              <a:rPr lang="en-US" dirty="0" err="1" smtClean="0"/>
+              <a:t>varchar</a:t>
+            </a:r>
+            <a:r>
+              <a:rPr lang="en-US" dirty="0" smtClean="0"/>
+              <a:t>, </a:t>
+            </a:r>
+            <a:r>
+              <a:rPr lang="en-US" dirty="0" err="1" smtClean="0"/>
+              <a:t>nvarchar</a:t>
+            </a:r>
+            <a:r>
+              <a:rPr lang="en-US" dirty="0" smtClean="0"/>
+              <a:t>, text, </a:t>
+            </a:r>
+            <a:r>
+              <a:rPr lang="en-US" dirty="0" err="1" smtClean="0"/>
+              <a:t>ntext</a:t>
+            </a:r>
+            <a:endParaRPr lang="en-US" dirty="0" smtClean="0"/>
+          </a:p>
+          <a:p>
+            <a:r>
+              <a:rPr lang="ru-RU" dirty="0" smtClean="0"/>
+              <a:t>Дата/время: </a:t>
+            </a:r>
+            <a:r>
+              <a:rPr lang="en-US" dirty="0" smtClean="0"/>
+              <a:t> </a:t>
+            </a:r>
+            <a:r>
+              <a:rPr lang="en-US" dirty="0" err="1" smtClean="0"/>
+              <a:t>datetime</a:t>
+            </a:r>
+            <a:r>
+              <a:rPr lang="en-US" dirty="0" smtClean="0"/>
+              <a:t>, </a:t>
+            </a:r>
+            <a:r>
+              <a:rPr lang="en-US" dirty="0" err="1" smtClean="0"/>
+              <a:t>smalldatetime</a:t>
+            </a:r>
+            <a:r>
+              <a:rPr lang="en-US" dirty="0" smtClean="0"/>
+              <a:t>, date, time, </a:t>
+            </a:r>
+            <a:r>
+              <a:rPr lang="en-US" dirty="0" err="1" smtClean="0"/>
+              <a:t>datetimeoffset</a:t>
+            </a:r>
+            <a:r>
+              <a:rPr lang="en-US" dirty="0" smtClean="0"/>
+              <a:t>, datetime2, timestamp</a:t>
+            </a:r>
+          </a:p>
+          <a:p>
+            <a:r>
+              <a:rPr lang="ru-RU" dirty="0" smtClean="0"/>
+              <a:t>Численные: </a:t>
+            </a:r>
+            <a:r>
+              <a:rPr lang="en-US" dirty="0" smtClean="0"/>
+              <a:t>decimal, numeric, float, real, </a:t>
+            </a:r>
+            <a:r>
+              <a:rPr lang="en-US" dirty="0" err="1" smtClean="0"/>
+              <a:t>bigint</a:t>
+            </a:r>
+            <a:r>
+              <a:rPr lang="en-US" dirty="0" smtClean="0"/>
+              <a:t>, </a:t>
+            </a:r>
+            <a:r>
+              <a:rPr lang="en-US" dirty="0" err="1" smtClean="0"/>
+              <a:t>int</a:t>
+            </a:r>
+            <a:r>
+              <a:rPr lang="en-US" dirty="0" smtClean="0"/>
+              <a:t>, </a:t>
+            </a:r>
+            <a:r>
+              <a:rPr lang="en-US" dirty="0" err="1" smtClean="0"/>
+              <a:t>smallint</a:t>
+            </a:r>
+            <a:r>
+              <a:rPr lang="en-US" dirty="0" smtClean="0"/>
+              <a:t>, bit, money, </a:t>
+            </a:r>
+            <a:r>
+              <a:rPr lang="en-US" dirty="0" err="1" smtClean="0"/>
+              <a:t>smallmoney</a:t>
+            </a:r>
+            <a:endParaRPr lang="en-US" dirty="0" smtClean="0"/>
+          </a:p>
+          <a:p>
+            <a:r>
+              <a:rPr lang="ru-RU" dirty="0" smtClean="0"/>
+              <a:t>Двоичные: </a:t>
+            </a:r>
+            <a:r>
+              <a:rPr lang="en-US" dirty="0" smtClean="0"/>
+              <a:t>binary, </a:t>
+            </a:r>
+            <a:r>
+              <a:rPr lang="en-US" dirty="0" err="1" smtClean="0"/>
+              <a:t>varbinary</a:t>
+            </a:r>
+            <a:r>
+              <a:rPr lang="en-US" dirty="0" smtClean="0"/>
+              <a:t>, image</a:t>
+            </a:r>
+          </a:p>
+          <a:p>
+            <a:r>
+              <a:rPr lang="ru-RU" dirty="0" smtClean="0"/>
+              <a:t>Другие: </a:t>
+            </a:r>
+            <a:r>
+              <a:rPr lang="en-US" dirty="0" smtClean="0"/>
+              <a:t>xml, </a:t>
+            </a:r>
+            <a:r>
+              <a:rPr lang="en-US" dirty="0" err="1" smtClean="0"/>
+              <a:t>uniqueidentifier</a:t>
+            </a:r>
+            <a:r>
+              <a:rPr lang="en-US" dirty="0" smtClean="0"/>
+              <a:t> (GUID), </a:t>
+            </a:r>
+            <a:r>
+              <a:rPr lang="en-US" dirty="0" err="1" smtClean="0"/>
+              <a:t>hierarchyid</a:t>
+            </a:r>
+            <a:endParaRPr lang="en-US" dirty="0" smtClean="0"/>
+          </a:p>
+          <a:p>
+            <a:endParaRPr lang="en-US" dirty="0"/>
+          </a:p>
           <a:p>
             <a:pPr marL="0" indent="0">
               <a:buNone/>
             </a:pPr>
             <a:r>
               <a:rPr lang="ru-RU" dirty="0" smtClean="0"/>
-              <a:t>Нижеследующие базы данных используются для внутренних нужд </a:t>
-            </a:r>
-            <a:r>
-              <a:rPr lang="en-US" dirty="0" smtClean="0"/>
-              <a:t>SQL Server</a:t>
-            </a:r>
-            <a:r>
-              <a:rPr lang="ru-RU" dirty="0"/>
-              <a:t> </a:t>
-            </a:r>
-            <a:r>
-              <a:rPr lang="ru-RU" dirty="0" smtClean="0"/>
-              <a:t>и _никогда_ не должны использоваться для хранения ваших данных:</a:t>
-            </a:r>
-          </a:p>
-          <a:p>
-            <a:pPr lvl="1"/>
-            <a:r>
-              <a:rPr lang="en-US" dirty="0" smtClean="0"/>
-              <a:t>master</a:t>
-            </a:r>
-          </a:p>
-          <a:p>
-            <a:pPr lvl="1"/>
-            <a:r>
-              <a:rPr lang="en-US" dirty="0" smtClean="0"/>
-              <a:t>model</a:t>
-            </a:r>
-          </a:p>
-          <a:p>
-            <a:pPr lvl="1"/>
-            <a:r>
-              <a:rPr lang="en-US" dirty="0" err="1" smtClean="0"/>
-              <a:t>msdb</a:t>
-            </a:r>
-            <a:endParaRPr lang="en-US" dirty="0" smtClean="0"/>
-          </a:p>
-          <a:p>
-            <a:pPr lvl="1"/>
-            <a:r>
-              <a:rPr lang="en-US" dirty="0" err="1" smtClean="0"/>
-              <a:t>tempdb</a:t>
-            </a:r>
-            <a:endParaRPr lang="en-US" dirty="0" smtClean="0"/>
-          </a:p>
-          <a:p>
-            <a:endParaRPr lang="en-US" dirty="0"/>
+              <a:t>См. </a:t>
+            </a:r>
+            <a:r>
+              <a:rPr lang="en-US" dirty="0"/>
+              <a:t>SQL Server Data Type Conversion Chart</a:t>
+            </a:r>
           </a:p>
         </p:txBody>
       </p:sp>
     </p:spTree>
     <p:extLst>
       <p:ext uri="{BB962C8B-B14F-4D97-AF65-F5344CB8AC3E}">
-        <p14:creationId xmlns:p14="http://schemas.microsoft.com/office/powerpoint/2010/main" val="1563628706"/>
+        <p14:creationId xmlns:p14="http://schemas.microsoft.com/office/powerpoint/2010/main" val="4147043412"/>
       </p:ext>
     </p:extLst>
   </p:cSld>
@@ -4488,266 +4755,7 @@
             </a:r>
             <a:r>
               <a:rPr lang="ru-RU" dirty="0" smtClean="0"/>
-              <a:t>Типы </a:t>
-            </a:r>
-            <a:r>
-              <a:rPr lang="ru-RU" dirty="0" smtClean="0"/>
-              <a:t>данных</a:t>
-            </a:r>
-            <a:endParaRPr lang="en-US" dirty="0"/>
-          </a:p>
-        </p:txBody>
-      </p:sp>
-      <p:sp>
-        <p:nvSpPr>
-          <p:cNvPr id="3" name="Content Placeholder 2"/>
-          <p:cNvSpPr>
-            <a:spLocks noGrp="1"/>
-          </p:cNvSpPr>
-          <p:nvPr>
-            <p:ph idx="1"/>
-          </p:nvPr>
-        </p:nvSpPr>
-        <p:spPr/>
-        <p:txBody>
-          <a:bodyPr>
-            <a:normAutofit fontScale="92500" lnSpcReduction="20000"/>
-          </a:bodyPr>
-          <a:lstStyle/>
-          <a:p>
-            <a:r>
-              <a:rPr lang="ru-RU" dirty="0" smtClean="0"/>
-              <a:t>Строковые</a:t>
-            </a:r>
-            <a:r>
-              <a:rPr lang="en-US" dirty="0" smtClean="0"/>
-              <a:t>: char, </a:t>
-            </a:r>
-            <a:r>
-              <a:rPr lang="en-US" dirty="0" err="1" smtClean="0"/>
-              <a:t>nchar</a:t>
-            </a:r>
-            <a:r>
-              <a:rPr lang="en-US" dirty="0" smtClean="0"/>
-              <a:t>, </a:t>
-            </a:r>
-            <a:r>
-              <a:rPr lang="en-US" dirty="0" err="1" smtClean="0"/>
-              <a:t>varchar</a:t>
-            </a:r>
-            <a:r>
-              <a:rPr lang="en-US" dirty="0" smtClean="0"/>
-              <a:t>, </a:t>
-            </a:r>
-            <a:r>
-              <a:rPr lang="en-US" dirty="0" err="1" smtClean="0"/>
-              <a:t>nvarchar</a:t>
-            </a:r>
-            <a:r>
-              <a:rPr lang="en-US" dirty="0" smtClean="0"/>
-              <a:t>, text, </a:t>
-            </a:r>
-            <a:r>
-              <a:rPr lang="en-US" dirty="0" err="1" smtClean="0"/>
-              <a:t>ntext</a:t>
-            </a:r>
-            <a:endParaRPr lang="en-US" dirty="0" smtClean="0"/>
-          </a:p>
-          <a:p>
-            <a:r>
-              <a:rPr lang="ru-RU" dirty="0" smtClean="0"/>
-              <a:t>Дата/время: </a:t>
-            </a:r>
-            <a:r>
-              <a:rPr lang="en-US" dirty="0" smtClean="0"/>
-              <a:t> </a:t>
-            </a:r>
-            <a:r>
-              <a:rPr lang="en-US" dirty="0" err="1" smtClean="0"/>
-              <a:t>datetime</a:t>
-            </a:r>
-            <a:r>
-              <a:rPr lang="en-US" dirty="0" smtClean="0"/>
-              <a:t>, </a:t>
-            </a:r>
-            <a:r>
-              <a:rPr lang="en-US" dirty="0" err="1" smtClean="0"/>
-              <a:t>smalldatetime</a:t>
-            </a:r>
-            <a:r>
-              <a:rPr lang="en-US" dirty="0" smtClean="0"/>
-              <a:t>, date, time, </a:t>
-            </a:r>
-            <a:r>
-              <a:rPr lang="en-US" dirty="0" err="1" smtClean="0"/>
-              <a:t>datetimeoffset</a:t>
-            </a:r>
-            <a:r>
-              <a:rPr lang="en-US" dirty="0" smtClean="0"/>
-              <a:t>, datetime2, timestamp</a:t>
-            </a:r>
-          </a:p>
-          <a:p>
-            <a:r>
-              <a:rPr lang="ru-RU" dirty="0" smtClean="0"/>
-              <a:t>Численные: </a:t>
-            </a:r>
-            <a:r>
-              <a:rPr lang="en-US" dirty="0" smtClean="0"/>
-              <a:t>decimal, numeric, float, real, </a:t>
-            </a:r>
-            <a:r>
-              <a:rPr lang="en-US" dirty="0" err="1" smtClean="0"/>
-              <a:t>bigint</a:t>
-            </a:r>
-            <a:r>
-              <a:rPr lang="en-US" dirty="0" smtClean="0"/>
-              <a:t>, </a:t>
-            </a:r>
-            <a:r>
-              <a:rPr lang="en-US" dirty="0" err="1" smtClean="0"/>
-              <a:t>int</a:t>
-            </a:r>
-            <a:r>
-              <a:rPr lang="en-US" dirty="0" smtClean="0"/>
-              <a:t>, </a:t>
-            </a:r>
-            <a:r>
-              <a:rPr lang="en-US" dirty="0" err="1" smtClean="0"/>
-              <a:t>smallint</a:t>
-            </a:r>
-            <a:r>
-              <a:rPr lang="en-US" dirty="0" smtClean="0"/>
-              <a:t>, bit, money, </a:t>
-            </a:r>
-            <a:r>
-              <a:rPr lang="en-US" dirty="0" err="1" smtClean="0"/>
-              <a:t>smallmoney</a:t>
-            </a:r>
-            <a:endParaRPr lang="en-US" dirty="0" smtClean="0"/>
-          </a:p>
-          <a:p>
-            <a:r>
-              <a:rPr lang="ru-RU" dirty="0" smtClean="0"/>
-              <a:t>Двоичные: </a:t>
-            </a:r>
-            <a:r>
-              <a:rPr lang="en-US" dirty="0" smtClean="0"/>
-              <a:t>binary, </a:t>
-            </a:r>
-            <a:r>
-              <a:rPr lang="en-US" dirty="0" err="1" smtClean="0"/>
-              <a:t>varbinary</a:t>
-            </a:r>
-            <a:r>
-              <a:rPr lang="en-US" dirty="0" smtClean="0"/>
-              <a:t>, image</a:t>
-            </a:r>
-          </a:p>
-          <a:p>
-            <a:r>
-              <a:rPr lang="ru-RU" dirty="0" smtClean="0"/>
-              <a:t>Другие: </a:t>
-            </a:r>
-            <a:r>
-              <a:rPr lang="en-US" dirty="0" smtClean="0"/>
-              <a:t>xml, </a:t>
-            </a:r>
-            <a:r>
-              <a:rPr lang="en-US" dirty="0" err="1" smtClean="0"/>
-              <a:t>uniqueidentifier</a:t>
-            </a:r>
-            <a:r>
-              <a:rPr lang="en-US" dirty="0" smtClean="0"/>
-              <a:t> (GUID), </a:t>
-            </a:r>
-            <a:r>
-              <a:rPr lang="en-US" dirty="0" err="1" smtClean="0"/>
-              <a:t>hierarchyid</a:t>
-            </a:r>
-            <a:endParaRPr lang="en-US" dirty="0" smtClean="0"/>
-          </a:p>
-          <a:p>
-            <a:endParaRPr lang="en-US" dirty="0"/>
-          </a:p>
-          <a:p>
-            <a:pPr marL="0" indent="0">
-              <a:buNone/>
-            </a:pPr>
-            <a:r>
-              <a:rPr lang="ru-RU" dirty="0" smtClean="0"/>
-              <a:t>См. </a:t>
-            </a:r>
-            <a:r>
-              <a:rPr lang="en-US" dirty="0"/>
-              <a:t>SQL Server Data Type Conversion Chart</a:t>
-            </a:r>
-          </a:p>
-        </p:txBody>
-      </p:sp>
-    </p:spTree>
-    <p:extLst>
-      <p:ext uri="{BB962C8B-B14F-4D97-AF65-F5344CB8AC3E}">
-        <p14:creationId xmlns:p14="http://schemas.microsoft.com/office/powerpoint/2010/main" val="4147043412"/>
-      </p:ext>
-    </p:extLst>
-  </p:cSld>
-  <p:clrMapOvr>
-    <a:masterClrMapping/>
-  </p:clrMapOvr>
-  <p:timing>
-    <p:tnLst>
-      <p:par>
-        <p:cTn id="1" dur="indefinite" restart="never" nodeType="tmRoot"/>
-      </p:par>
-    </p:tnLst>
-  </p:timing>
-</p:sld>
-</file>
-
-<file path=ppt/slides/slide17.xml><?xml version="1.0" encoding="utf-8"?>
-<p:sld xmlns:a="http://schemas.openxmlformats.org/drawingml/2006/main" xmlns:r="http://schemas.openxmlformats.org/officeDocument/2006/relationships" xmlns:p="http://schemas.openxmlformats.org/presentationml/2006/main">
-  <p:cSld>
-    <p:spTree>
-      <p:nvGrpSpPr>
-        <p:cNvPr id="1" name=""/>
-        <p:cNvGrpSpPr/>
-        <p:nvPr/>
-      </p:nvGrpSpPr>
-      <p:grpSpPr>
-        <a:xfrm>
-          <a:off x="0" y="0"/>
-          <a:ext cx="0" cy="0"/>
-          <a:chOff x="0" y="0"/>
-          <a:chExt cx="0" cy="0"/>
-        </a:xfrm>
-      </p:grpSpPr>
-      <p:sp>
-        <p:nvSpPr>
-          <p:cNvPr id="2" name="Title 1"/>
-          <p:cNvSpPr>
-            <a:spLocks noGrp="1"/>
-          </p:cNvSpPr>
-          <p:nvPr>
-            <p:ph type="title"/>
-          </p:nvPr>
-        </p:nvSpPr>
-        <p:spPr/>
-        <p:txBody>
-          <a:bodyPr/>
-          <a:lstStyle/>
-          <a:p>
-            <a:r>
-              <a:rPr lang="en-US" dirty="0" smtClean="0"/>
-              <a:t>T-SQL: </a:t>
-            </a:r>
-            <a:r>
-              <a:rPr lang="ru-RU" dirty="0" smtClean="0"/>
-              <a:t>Строковые </a:t>
-            </a:r>
-            <a:r>
-              <a:rPr lang="ru-RU" dirty="0" smtClean="0"/>
-              <a:t>типы данных</a:t>
+              <a:t>Строковые типы данных</a:t>
             </a:r>
             <a:endParaRPr lang="en-US" dirty="0"/>
           </a:p>
@@ -4991,7 +4999,7 @@
 </p:sld>
 </file>
 
-<file path=ppt/slides/slide18.xml><?xml version="1.0" encoding="utf-8"?>
+<file path=ppt/slides/slide17.xml><?xml version="1.0" encoding="utf-8"?>
 <p:sld xmlns:a="http://schemas.openxmlformats.org/drawingml/2006/main" xmlns:r="http://schemas.openxmlformats.org/officeDocument/2006/relationships" xmlns:p="http://schemas.openxmlformats.org/presentationml/2006/main">
   <p:cSld>
     <p:spTree>
@@ -5454,7 +5462,7 @@
 </p:sld>
 </file>
 
-<file path=ppt/slides/slide19.xml><?xml version="1.0" encoding="utf-8"?>
+<file path=ppt/slides/slide18.xml><?xml version="1.0" encoding="utf-8"?>
 <p:sld xmlns:a="http://schemas.openxmlformats.org/drawingml/2006/main" xmlns:r="http://schemas.openxmlformats.org/officeDocument/2006/relationships" xmlns:p="http://schemas.openxmlformats.org/presentationml/2006/main">
   <p:cSld>
     <p:spTree>
@@ -6106,6 +6114,384 @@
     <p:extLst>
       <p:ext uri="{BB962C8B-B14F-4D97-AF65-F5344CB8AC3E}">
         <p14:creationId xmlns:p14="http://schemas.microsoft.com/office/powerpoint/2010/main" val="319265010"/>
+      </p:ext>
+    </p:extLst>
+  </p:cSld>
+  <p:clrMapOvr>
+    <a:masterClrMapping/>
+  </p:clrMapOvr>
+  <p:timing>
+    <p:tnLst>
+      <p:par>
+        <p:cTn id="1" dur="indefinite" restart="never" nodeType="tmRoot"/>
+      </p:par>
+    </p:tnLst>
+  </p:timing>
+</p:sld>
+</file>
+
+<file path=ppt/slides/slide19.xml><?xml version="1.0" encoding="utf-8"?>
+<p:sld xmlns:a="http://schemas.openxmlformats.org/drawingml/2006/main" xmlns:r="http://schemas.openxmlformats.org/officeDocument/2006/relationships" xmlns:p="http://schemas.openxmlformats.org/presentationml/2006/main">
+  <p:cSld>
+    <p:spTree>
+      <p:nvGrpSpPr>
+        <p:cNvPr id="1" name=""/>
+        <p:cNvGrpSpPr/>
+        <p:nvPr/>
+      </p:nvGrpSpPr>
+      <p:grpSpPr>
+        <a:xfrm>
+          <a:off x="0" y="0"/>
+          <a:ext cx="0" cy="0"/>
+          <a:chOff x="0" y="0"/>
+          <a:chExt cx="0" cy="0"/>
+        </a:xfrm>
+      </p:grpSpPr>
+      <p:sp>
+        <p:nvSpPr>
+          <p:cNvPr id="7170" name="Прямоугольник 2"/>
+          <p:cNvSpPr>
+            <a:spLocks noChangeArrowheads="1"/>
+          </p:cNvSpPr>
+          <p:nvPr/>
+        </p:nvSpPr>
+        <p:spPr bwMode="auto">
+          <a:xfrm>
+            <a:off x="152400" y="487363"/>
+            <a:ext cx="8839200" cy="2062162"/>
+          </a:xfrm>
+          <a:prstGeom prst="rect">
+            <a:avLst/>
+          </a:prstGeom>
+          <a:noFill/>
+          <a:ln w="9525">
+            <a:solidFill>
+              <a:srgbClr val="FF0000"/>
+            </a:solidFill>
+            <a:miter lim="800000"/>
+            <a:headEnd/>
+            <a:tailEnd/>
+          </a:ln>
+          <a:extLst>
+            <a:ext uri="{909E8E84-426E-40DD-AFC4-6F175D3DCCD1}">
+              <a14:hiddenFill xmlns:a14="http://schemas.microsoft.com/office/drawing/2010/main">
+                <a:solidFill>
+                  <a:srgbClr val="FFFFFF"/>
+                </a:solidFill>
+              </a14:hiddenFill>
+            </a:ext>
+          </a:extLst>
+        </p:spPr>
+        <p:txBody>
+          <a:bodyPr>
+            <a:spAutoFit/>
+          </a:bodyPr>
+          <a:lstStyle/>
+          <a:p>
+            <a:pPr lvl="1"/>
+            <a:r>
+              <a:rPr lang="en-US" sz="1600">
+                <a:latin typeface="Courier New" pitchFamily="49" charset="0"/>
+                <a:cs typeface="Courier New" pitchFamily="49" charset="0"/>
+              </a:rPr>
+              <a:t>ALTER TABLE table_name </a:t>
+            </a:r>
+          </a:p>
+          <a:p>
+            <a:pPr lvl="1"/>
+            <a:r>
+              <a:rPr lang="en-US" sz="1600">
+                <a:latin typeface="Courier New" pitchFamily="49" charset="0"/>
+                <a:cs typeface="Courier New" pitchFamily="49" charset="0"/>
+              </a:rPr>
+              <a:t>[ADD [COLUMN] column_name data_type [NOT NULL] [UNIQUE] </a:t>
+            </a:r>
+          </a:p>
+          <a:p>
+            <a:pPr lvl="1"/>
+            <a:r>
+              <a:rPr lang="en-US" sz="1600">
+                <a:latin typeface="Courier New" pitchFamily="49" charset="0"/>
+                <a:cs typeface="Courier New" pitchFamily="49" charset="0"/>
+              </a:rPr>
+              <a:t>[DEFAULT default_option] [CHECK (search_condition)]] </a:t>
+            </a:r>
+          </a:p>
+          <a:p>
+            <a:pPr lvl="1"/>
+            <a:r>
+              <a:rPr lang="en-US" sz="1600">
+                <a:latin typeface="Courier New" pitchFamily="49" charset="0"/>
+                <a:cs typeface="Courier New" pitchFamily="49" charset="0"/>
+              </a:rPr>
+              <a:t>[DROP [COLUMN] column_name [RESTRICT | CASCADE]] </a:t>
+            </a:r>
+          </a:p>
+          <a:p>
+            <a:pPr lvl="1"/>
+            <a:r>
+              <a:rPr lang="en-US" sz="1600">
+                <a:latin typeface="Courier New" pitchFamily="49" charset="0"/>
+                <a:cs typeface="Courier New" pitchFamily="49" charset="0"/>
+              </a:rPr>
+              <a:t>[ADD [CONSTRAINT constraint_name] table_constraint_defenition] </a:t>
+            </a:r>
+          </a:p>
+          <a:p>
+            <a:pPr lvl="1"/>
+            <a:r>
+              <a:rPr lang="en-US" sz="1600">
+                <a:latin typeface="Courier New" pitchFamily="49" charset="0"/>
+                <a:cs typeface="Courier New" pitchFamily="49" charset="0"/>
+              </a:rPr>
+              <a:t>[DROP CONSTRAINT constraint_name [RESTRICT | CASCADE]] </a:t>
+            </a:r>
+          </a:p>
+          <a:p>
+            <a:pPr lvl="1"/>
+            <a:r>
+              <a:rPr lang="en-US" sz="1600">
+                <a:latin typeface="Courier New" pitchFamily="49" charset="0"/>
+                <a:cs typeface="Courier New" pitchFamily="49" charset="0"/>
+              </a:rPr>
+              <a:t>[ALTER [COLUMN] SET DEFAULT default_option] </a:t>
+            </a:r>
+          </a:p>
+          <a:p>
+            <a:pPr lvl="1"/>
+            <a:r>
+              <a:rPr lang="en-US" sz="1600">
+                <a:latin typeface="Courier New" pitchFamily="49" charset="0"/>
+                <a:cs typeface="Courier New" pitchFamily="49" charset="0"/>
+              </a:rPr>
+              <a:t>[ALTER [COLUMN] DROP DEFAULT] </a:t>
+            </a:r>
+          </a:p>
+        </p:txBody>
+      </p:sp>
+      <p:sp>
+        <p:nvSpPr>
+          <p:cNvPr id="4" name="Прямоугольник 3"/>
+          <p:cNvSpPr/>
+          <p:nvPr/>
+        </p:nvSpPr>
+        <p:spPr>
+          <a:xfrm>
+            <a:off x="152400" y="2655888"/>
+            <a:ext cx="8839200" cy="1077912"/>
+          </a:xfrm>
+          <a:prstGeom prst="rect">
+            <a:avLst/>
+          </a:prstGeom>
+          <a:ln>
+            <a:solidFill>
+              <a:schemeClr val="bg1">
+                <a:lumMod val="65000"/>
+              </a:schemeClr>
+            </a:solidFill>
+          </a:ln>
+        </p:spPr>
+        <p:txBody>
+          <a:bodyPr>
+            <a:spAutoFit/>
+          </a:bodyPr>
+          <a:lstStyle/>
+          <a:p>
+            <a:pPr lvl="1">
+              <a:defRPr/>
+            </a:pPr>
+            <a:r>
+              <a:rPr lang="en-US" sz="1600" dirty="0">
+                <a:latin typeface="Courier New" pitchFamily="49" charset="0"/>
+                <a:cs typeface="Courier New" pitchFamily="49" charset="0"/>
+              </a:rPr>
+              <a:t>ALTER TABLE student </a:t>
+            </a:r>
+          </a:p>
+          <a:p>
+            <a:pPr lvl="1">
+              <a:defRPr/>
+            </a:pPr>
+            <a:r>
+              <a:rPr lang="en-US" sz="1600" dirty="0">
+                <a:latin typeface="Courier New" pitchFamily="49" charset="0"/>
+                <a:cs typeface="Courier New" pitchFamily="49" charset="0"/>
+              </a:rPr>
+              <a:t>ADD CONSTRAINT </a:t>
+            </a:r>
+            <a:r>
+              <a:rPr lang="en-US" sz="1600" dirty="0" err="1">
+                <a:latin typeface="Courier New" pitchFamily="49" charset="0"/>
+                <a:cs typeface="Courier New" pitchFamily="49" charset="0"/>
+              </a:rPr>
+              <a:t>group_refer</a:t>
+            </a:r>
+            <a:r>
+              <a:rPr lang="en-US" sz="1600" dirty="0">
+                <a:latin typeface="Courier New" pitchFamily="49" charset="0"/>
+                <a:cs typeface="Courier New" pitchFamily="49" charset="0"/>
+              </a:rPr>
+              <a:t> </a:t>
+            </a:r>
+            <a:endParaRPr lang="be-BY" sz="1600" dirty="0">
+              <a:latin typeface="Courier New" pitchFamily="49" charset="0"/>
+              <a:cs typeface="Courier New" pitchFamily="49" charset="0"/>
+            </a:endParaRPr>
+          </a:p>
+          <a:p>
+            <a:pPr lvl="1">
+              <a:defRPr/>
+            </a:pPr>
+            <a:r>
+              <a:rPr lang="en-US" sz="1600" dirty="0">
+                <a:latin typeface="Courier New" pitchFamily="49" charset="0"/>
+                <a:cs typeface="Courier New" pitchFamily="49" charset="0"/>
+              </a:rPr>
+              <a:t>FOREIGN KEY (</a:t>
+            </a:r>
+            <a:r>
+              <a:rPr lang="en-US" sz="1600" dirty="0" err="1">
+                <a:latin typeface="Courier New" pitchFamily="49" charset="0"/>
+                <a:cs typeface="Courier New" pitchFamily="49" charset="0"/>
+              </a:rPr>
+              <a:t>group_ID</a:t>
+            </a:r>
+            <a:r>
+              <a:rPr lang="en-US" sz="1600" dirty="0">
+                <a:latin typeface="Courier New" pitchFamily="49" charset="0"/>
+                <a:cs typeface="Courier New" pitchFamily="49" charset="0"/>
+              </a:rPr>
+              <a:t>) REFERENCES group </a:t>
+            </a:r>
+          </a:p>
+          <a:p>
+            <a:pPr lvl="2">
+              <a:defRPr/>
+            </a:pPr>
+            <a:r>
+              <a:rPr lang="en-US" sz="1600" dirty="0">
+                <a:latin typeface="Courier New" pitchFamily="49" charset="0"/>
+                <a:cs typeface="Courier New" pitchFamily="49" charset="0"/>
+              </a:rPr>
+              <a:t>ON UPDATE CASCADE; </a:t>
+            </a:r>
+          </a:p>
+        </p:txBody>
+      </p:sp>
+      <p:sp>
+        <p:nvSpPr>
+          <p:cNvPr id="7172" name="Прямоугольник 5"/>
+          <p:cNvSpPr>
+            <a:spLocks noChangeArrowheads="1"/>
+          </p:cNvSpPr>
+          <p:nvPr/>
+        </p:nvSpPr>
+        <p:spPr bwMode="auto">
+          <a:xfrm>
+            <a:off x="152400" y="4233863"/>
+            <a:ext cx="8839200" cy="338137"/>
+          </a:xfrm>
+          <a:prstGeom prst="rect">
+            <a:avLst/>
+          </a:prstGeom>
+          <a:noFill/>
+          <a:ln w="9525">
+            <a:solidFill>
+              <a:srgbClr val="FF0000"/>
+            </a:solidFill>
+            <a:miter lim="800000"/>
+            <a:headEnd/>
+            <a:tailEnd/>
+          </a:ln>
+          <a:extLst>
+            <a:ext uri="{909E8E84-426E-40DD-AFC4-6F175D3DCCD1}">
+              <a14:hiddenFill xmlns:a14="http://schemas.microsoft.com/office/drawing/2010/main">
+                <a:solidFill>
+                  <a:srgbClr val="FFFFFF"/>
+                </a:solidFill>
+              </a14:hiddenFill>
+            </a:ext>
+          </a:extLst>
+        </p:spPr>
+        <p:txBody>
+          <a:bodyPr>
+            <a:spAutoFit/>
+          </a:bodyPr>
+          <a:lstStyle/>
+          <a:p>
+            <a:r>
+              <a:rPr lang="en-US" sz="1600">
+                <a:latin typeface="Courier New" pitchFamily="49" charset="0"/>
+                <a:cs typeface="Courier New" pitchFamily="49" charset="0"/>
+              </a:rPr>
+              <a:t>DROP TABLE table_name [RESTICT | CASCADE] </a:t>
+            </a:r>
+            <a:endParaRPr lang="be-BY" sz="1600">
+              <a:latin typeface="Courier New" pitchFamily="49" charset="0"/>
+              <a:cs typeface="Courier New" pitchFamily="49" charset="0"/>
+            </a:endParaRPr>
+          </a:p>
+        </p:txBody>
+      </p:sp>
+      <p:sp>
+        <p:nvSpPr>
+          <p:cNvPr id="7173" name="Прямоугольник 2"/>
+          <p:cNvSpPr>
+            <a:spLocks noChangeArrowheads="1"/>
+          </p:cNvSpPr>
+          <p:nvPr/>
+        </p:nvSpPr>
+        <p:spPr bwMode="auto">
+          <a:xfrm>
+            <a:off x="152400" y="0"/>
+            <a:ext cx="8839200" cy="461963"/>
+          </a:xfrm>
+          <a:prstGeom prst="rect">
+            <a:avLst/>
+          </a:prstGeom>
+          <a:noFill/>
+          <a:ln>
+            <a:noFill/>
+          </a:ln>
+          <a:extLst>
+            <a:ext uri="{909E8E84-426E-40DD-AFC4-6F175D3DCCD1}">
+              <a14:hiddenFill xmlns:a14="http://schemas.microsoft.com/office/drawing/2010/main">
+                <a:solidFill>
+                  <a:srgbClr val="FFFFFF"/>
+                </a:solidFill>
+              </a14:hiddenFill>
+            </a:ext>
+            <a:ext uri="{91240B29-F687-4F45-9708-019B960494DF}">
+              <a14:hiddenLine xmlns:a14="http://schemas.microsoft.com/office/drawing/2010/main" w="9525">
+                <a:solidFill>
+                  <a:srgbClr val="000000"/>
+                </a:solidFill>
+                <a:miter lim="800000"/>
+                <a:headEnd/>
+                <a:tailEnd/>
+              </a14:hiddenLine>
+            </a:ext>
+          </a:extLst>
+        </p:spPr>
+        <p:txBody>
+          <a:bodyPr>
+            <a:spAutoFit/>
+          </a:bodyPr>
+          <a:lstStyle/>
+          <a:p>
+            <a:pPr algn="ctr"/>
+            <a:r>
+              <a:rPr lang="ru-RU" sz="2400" b="1"/>
+              <a:t>Работа с таблицами.</a:t>
+            </a:r>
+            <a:endParaRPr lang="be-BY" sz="2400" b="1"/>
+          </a:p>
+        </p:txBody>
+      </p:sp>
+    </p:spTree>
+    <p:extLst>
+      <p:ext uri="{BB962C8B-B14F-4D97-AF65-F5344CB8AC3E}">
+        <p14:creationId xmlns:p14="http://schemas.microsoft.com/office/powerpoint/2010/main" val="2150446948"/>
       </p:ext>
     </p:extLst>
   </p:cSld>
@@ -6326,384 +6712,6 @@
       </p:grpSpPr>
       <p:sp>
         <p:nvSpPr>
-          <p:cNvPr id="7170" name="Прямоугольник 2"/>
-          <p:cNvSpPr>
-            <a:spLocks noChangeArrowheads="1"/>
-          </p:cNvSpPr>
-          <p:nvPr/>
-        </p:nvSpPr>
-        <p:spPr bwMode="auto">
-          <a:xfrm>
-            <a:off x="152400" y="487363"/>
-            <a:ext cx="8839200" cy="2062162"/>
-          </a:xfrm>
-          <a:prstGeom prst="rect">
-            <a:avLst/>
-          </a:prstGeom>
-          <a:noFill/>
-          <a:ln w="9525">
-            <a:solidFill>
-              <a:srgbClr val="FF0000"/>
-            </a:solidFill>
-            <a:miter lim="800000"/>
-            <a:headEnd/>
-            <a:tailEnd/>
-          </a:ln>
-          <a:extLst>
-            <a:ext uri="{909E8E84-426E-40DD-AFC4-6F175D3DCCD1}">
-              <a14:hiddenFill xmlns:a14="http://schemas.microsoft.com/office/drawing/2010/main">
-                <a:solidFill>
-                  <a:srgbClr val="FFFFFF"/>
-                </a:solidFill>
-              </a14:hiddenFill>
-            </a:ext>
-          </a:extLst>
-        </p:spPr>
-        <p:txBody>
-          <a:bodyPr>
-            <a:spAutoFit/>
-          </a:bodyPr>
-          <a:lstStyle/>
-          <a:p>
-            <a:pPr lvl="1"/>
-            <a:r>
-              <a:rPr lang="en-US" sz="1600">
-                <a:latin typeface="Courier New" pitchFamily="49" charset="0"/>
-                <a:cs typeface="Courier New" pitchFamily="49" charset="0"/>
-              </a:rPr>
-              <a:t>ALTER TABLE table_name </a:t>
-            </a:r>
-          </a:p>
-          <a:p>
-            <a:pPr lvl="1"/>
-            <a:r>
-              <a:rPr lang="en-US" sz="1600">
-                <a:latin typeface="Courier New" pitchFamily="49" charset="0"/>
-                <a:cs typeface="Courier New" pitchFamily="49" charset="0"/>
-              </a:rPr>
-              <a:t>[ADD [COLUMN] column_name data_type [NOT NULL] [UNIQUE] </a:t>
-            </a:r>
-          </a:p>
-          <a:p>
-            <a:pPr lvl="1"/>
-            <a:r>
-              <a:rPr lang="en-US" sz="1600">
-                <a:latin typeface="Courier New" pitchFamily="49" charset="0"/>
-                <a:cs typeface="Courier New" pitchFamily="49" charset="0"/>
-              </a:rPr>
-              <a:t>[DEFAULT default_option] [CHECK (search_condition)]] </a:t>
-            </a:r>
-          </a:p>
-          <a:p>
-            <a:pPr lvl="1"/>
-            <a:r>
-              <a:rPr lang="en-US" sz="1600">
-                <a:latin typeface="Courier New" pitchFamily="49" charset="0"/>
-                <a:cs typeface="Courier New" pitchFamily="49" charset="0"/>
-              </a:rPr>
-              <a:t>[DROP [COLUMN] column_name [RESTRICT | CASCADE]] </a:t>
-            </a:r>
-          </a:p>
-          <a:p>
-            <a:pPr lvl="1"/>
-            <a:r>
-              <a:rPr lang="en-US" sz="1600">
-                <a:latin typeface="Courier New" pitchFamily="49" charset="0"/>
-                <a:cs typeface="Courier New" pitchFamily="49" charset="0"/>
-              </a:rPr>
-              <a:t>[ADD [CONSTRAINT constraint_name] table_constraint_defenition] </a:t>
-            </a:r>
-          </a:p>
-          <a:p>
-            <a:pPr lvl="1"/>
-            <a:r>
-              <a:rPr lang="en-US" sz="1600">
-                <a:latin typeface="Courier New" pitchFamily="49" charset="0"/>
-                <a:cs typeface="Courier New" pitchFamily="49" charset="0"/>
-              </a:rPr>
-              <a:t>[DROP CONSTRAINT constraint_name [RESTRICT | CASCADE]] </a:t>
-            </a:r>
-          </a:p>
-          <a:p>
-            <a:pPr lvl="1"/>
-            <a:r>
-              <a:rPr lang="en-US" sz="1600">
-                <a:latin typeface="Courier New" pitchFamily="49" charset="0"/>
-                <a:cs typeface="Courier New" pitchFamily="49" charset="0"/>
-              </a:rPr>
-              <a:t>[ALTER [COLUMN] SET DEFAULT default_option] </a:t>
-            </a:r>
-          </a:p>
-          <a:p>
-            <a:pPr lvl="1"/>
-            <a:r>
-              <a:rPr lang="en-US" sz="1600">
-                <a:latin typeface="Courier New" pitchFamily="49" charset="0"/>
-                <a:cs typeface="Courier New" pitchFamily="49" charset="0"/>
-              </a:rPr>
-              <a:t>[ALTER [COLUMN] DROP DEFAULT] </a:t>
-            </a:r>
-          </a:p>
-        </p:txBody>
-      </p:sp>
-      <p:sp>
-        <p:nvSpPr>
-          <p:cNvPr id="4" name="Прямоугольник 3"/>
-          <p:cNvSpPr/>
-          <p:nvPr/>
-        </p:nvSpPr>
-        <p:spPr>
-          <a:xfrm>
-            <a:off x="152400" y="2655888"/>
-            <a:ext cx="8839200" cy="1077912"/>
-          </a:xfrm>
-          <a:prstGeom prst="rect">
-            <a:avLst/>
-          </a:prstGeom>
-          <a:ln>
-            <a:solidFill>
-              <a:schemeClr val="bg1">
-                <a:lumMod val="65000"/>
-              </a:schemeClr>
-            </a:solidFill>
-          </a:ln>
-        </p:spPr>
-        <p:txBody>
-          <a:bodyPr>
-            <a:spAutoFit/>
-          </a:bodyPr>
-          <a:lstStyle/>
-          <a:p>
-            <a:pPr lvl="1">
-              <a:defRPr/>
-            </a:pPr>
-            <a:r>
-              <a:rPr lang="en-US" sz="1600" dirty="0">
-                <a:latin typeface="Courier New" pitchFamily="49" charset="0"/>
-                <a:cs typeface="Courier New" pitchFamily="49" charset="0"/>
-              </a:rPr>
-              <a:t>ALTER TABLE student </a:t>
-            </a:r>
-          </a:p>
-          <a:p>
-            <a:pPr lvl="1">
-              <a:defRPr/>
-            </a:pPr>
-            <a:r>
-              <a:rPr lang="en-US" sz="1600" dirty="0">
-                <a:latin typeface="Courier New" pitchFamily="49" charset="0"/>
-                <a:cs typeface="Courier New" pitchFamily="49" charset="0"/>
-              </a:rPr>
-              <a:t>ADD CONSTRAINT </a:t>
-            </a:r>
-            <a:r>
-              <a:rPr lang="en-US" sz="1600" dirty="0" err="1">
-                <a:latin typeface="Courier New" pitchFamily="49" charset="0"/>
-                <a:cs typeface="Courier New" pitchFamily="49" charset="0"/>
-              </a:rPr>
-              <a:t>group_refer</a:t>
-            </a:r>
-            <a:r>
-              <a:rPr lang="en-US" sz="1600" dirty="0">
-                <a:latin typeface="Courier New" pitchFamily="49" charset="0"/>
-                <a:cs typeface="Courier New" pitchFamily="49" charset="0"/>
-              </a:rPr>
-              <a:t> </a:t>
-            </a:r>
-            <a:endParaRPr lang="be-BY" sz="1600" dirty="0">
-              <a:latin typeface="Courier New" pitchFamily="49" charset="0"/>
-              <a:cs typeface="Courier New" pitchFamily="49" charset="0"/>
-            </a:endParaRPr>
-          </a:p>
-          <a:p>
-            <a:pPr lvl="1">
-              <a:defRPr/>
-            </a:pPr>
-            <a:r>
-              <a:rPr lang="en-US" sz="1600" dirty="0">
-                <a:latin typeface="Courier New" pitchFamily="49" charset="0"/>
-                <a:cs typeface="Courier New" pitchFamily="49" charset="0"/>
-              </a:rPr>
-              <a:t>FOREIGN KEY (</a:t>
-            </a:r>
-            <a:r>
-              <a:rPr lang="en-US" sz="1600" dirty="0" err="1">
-                <a:latin typeface="Courier New" pitchFamily="49" charset="0"/>
-                <a:cs typeface="Courier New" pitchFamily="49" charset="0"/>
-              </a:rPr>
-              <a:t>group_ID</a:t>
-            </a:r>
-            <a:r>
-              <a:rPr lang="en-US" sz="1600" dirty="0">
-                <a:latin typeface="Courier New" pitchFamily="49" charset="0"/>
-                <a:cs typeface="Courier New" pitchFamily="49" charset="0"/>
-              </a:rPr>
-              <a:t>) REFERENCES group </a:t>
-            </a:r>
-          </a:p>
-          <a:p>
-            <a:pPr lvl="2">
-              <a:defRPr/>
-            </a:pPr>
-            <a:r>
-              <a:rPr lang="en-US" sz="1600" dirty="0">
-                <a:latin typeface="Courier New" pitchFamily="49" charset="0"/>
-                <a:cs typeface="Courier New" pitchFamily="49" charset="0"/>
-              </a:rPr>
-              <a:t>ON UPDATE CASCADE; </a:t>
-            </a:r>
-          </a:p>
-        </p:txBody>
-      </p:sp>
-      <p:sp>
-        <p:nvSpPr>
-          <p:cNvPr id="7172" name="Прямоугольник 5"/>
-          <p:cNvSpPr>
-            <a:spLocks noChangeArrowheads="1"/>
-          </p:cNvSpPr>
-          <p:nvPr/>
-        </p:nvSpPr>
-        <p:spPr bwMode="auto">
-          <a:xfrm>
-            <a:off x="152400" y="4233863"/>
-            <a:ext cx="8839200" cy="338137"/>
-          </a:xfrm>
-          <a:prstGeom prst="rect">
-            <a:avLst/>
-          </a:prstGeom>
-          <a:noFill/>
-          <a:ln w="9525">
-            <a:solidFill>
-              <a:srgbClr val="FF0000"/>
-            </a:solidFill>
-            <a:miter lim="800000"/>
-            <a:headEnd/>
-            <a:tailEnd/>
-          </a:ln>
-          <a:extLst>
-            <a:ext uri="{909E8E84-426E-40DD-AFC4-6F175D3DCCD1}">
-              <a14:hiddenFill xmlns:a14="http://schemas.microsoft.com/office/drawing/2010/main">
-                <a:solidFill>
-                  <a:srgbClr val="FFFFFF"/>
-                </a:solidFill>
-              </a14:hiddenFill>
-            </a:ext>
-          </a:extLst>
-        </p:spPr>
-        <p:txBody>
-          <a:bodyPr>
-            <a:spAutoFit/>
-          </a:bodyPr>
-          <a:lstStyle/>
-          <a:p>
-            <a:r>
-              <a:rPr lang="en-US" sz="1600">
-                <a:latin typeface="Courier New" pitchFamily="49" charset="0"/>
-                <a:cs typeface="Courier New" pitchFamily="49" charset="0"/>
-              </a:rPr>
-              <a:t>DROP TABLE table_name [RESTICT | CASCADE] </a:t>
-            </a:r>
-            <a:endParaRPr lang="be-BY" sz="1600">
-              <a:latin typeface="Courier New" pitchFamily="49" charset="0"/>
-              <a:cs typeface="Courier New" pitchFamily="49" charset="0"/>
-            </a:endParaRPr>
-          </a:p>
-        </p:txBody>
-      </p:sp>
-      <p:sp>
-        <p:nvSpPr>
-          <p:cNvPr id="7173" name="Прямоугольник 2"/>
-          <p:cNvSpPr>
-            <a:spLocks noChangeArrowheads="1"/>
-          </p:cNvSpPr>
-          <p:nvPr/>
-        </p:nvSpPr>
-        <p:spPr bwMode="auto">
-          <a:xfrm>
-            <a:off x="152400" y="0"/>
-            <a:ext cx="8839200" cy="461963"/>
-          </a:xfrm>
-          <a:prstGeom prst="rect">
-            <a:avLst/>
-          </a:prstGeom>
-          <a:noFill/>
-          <a:ln>
-            <a:noFill/>
-          </a:ln>
-          <a:extLst>
-            <a:ext uri="{909E8E84-426E-40DD-AFC4-6F175D3DCCD1}">
-              <a14:hiddenFill xmlns:a14="http://schemas.microsoft.com/office/drawing/2010/main">
-                <a:solidFill>
-                  <a:srgbClr val="FFFFFF"/>
-                </a:solidFill>
-              </a14:hiddenFill>
-            </a:ext>
-            <a:ext uri="{91240B29-F687-4F45-9708-019B960494DF}">
-              <a14:hiddenLine xmlns:a14="http://schemas.microsoft.com/office/drawing/2010/main" w="9525">
-                <a:solidFill>
-                  <a:srgbClr val="000000"/>
-                </a:solidFill>
-                <a:miter lim="800000"/>
-                <a:headEnd/>
-                <a:tailEnd/>
-              </a14:hiddenLine>
-            </a:ext>
-          </a:extLst>
-        </p:spPr>
-        <p:txBody>
-          <a:bodyPr>
-            <a:spAutoFit/>
-          </a:bodyPr>
-          <a:lstStyle/>
-          <a:p>
-            <a:pPr algn="ctr"/>
-            <a:r>
-              <a:rPr lang="ru-RU" sz="2400" b="1"/>
-              <a:t>Работа с таблицами.</a:t>
-            </a:r>
-            <a:endParaRPr lang="be-BY" sz="2400" b="1"/>
-          </a:p>
-        </p:txBody>
-      </p:sp>
-    </p:spTree>
-    <p:extLst>
-      <p:ext uri="{BB962C8B-B14F-4D97-AF65-F5344CB8AC3E}">
-        <p14:creationId xmlns:p14="http://schemas.microsoft.com/office/powerpoint/2010/main" val="2150446948"/>
-      </p:ext>
-    </p:extLst>
-  </p:cSld>
-  <p:clrMapOvr>
-    <a:masterClrMapping/>
-  </p:clrMapOvr>
-  <p:timing>
-    <p:tnLst>
-      <p:par>
-        <p:cTn id="1" dur="indefinite" restart="never" nodeType="tmRoot"/>
-      </p:par>
-    </p:tnLst>
-  </p:timing>
-</p:sld>
-</file>
-
-<file path=ppt/slides/slide21.xml><?xml version="1.0" encoding="utf-8"?>
-<p:sld xmlns:a="http://schemas.openxmlformats.org/drawingml/2006/main" xmlns:r="http://schemas.openxmlformats.org/officeDocument/2006/relationships" xmlns:p="http://schemas.openxmlformats.org/presentationml/2006/main">
-  <p:cSld>
-    <p:spTree>
-      <p:nvGrpSpPr>
-        <p:cNvPr id="1" name=""/>
-        <p:cNvGrpSpPr/>
-        <p:nvPr/>
-      </p:nvGrpSpPr>
-      <p:grpSpPr>
-        <a:xfrm>
-          <a:off x="0" y="0"/>
-          <a:ext cx="0" cy="0"/>
-          <a:chOff x="0" y="0"/>
-          <a:chExt cx="0" cy="0"/>
-        </a:xfrm>
-      </p:grpSpPr>
-      <p:sp>
-        <p:nvSpPr>
           <p:cNvPr id="8194" name="Прямоугольник 2"/>
           <p:cNvSpPr>
             <a:spLocks noChangeArrowheads="1"/>
@@ -6986,7 +6994,7 @@
 </p:sld>
 </file>
 
-<file path=ppt/slides/slide22.xml><?xml version="1.0" encoding="utf-8"?>
+<file path=ppt/slides/slide21.xml><?xml version="1.0" encoding="utf-8"?>
 <p:sld xmlns:a="http://schemas.openxmlformats.org/drawingml/2006/main" xmlns:r="http://schemas.openxmlformats.org/officeDocument/2006/relationships" xmlns:p="http://schemas.openxmlformats.org/presentationml/2006/main">
   <p:cSld>
     <p:spTree>
@@ -7322,7 +7330,7 @@
 </p:sld>
 </file>
 
-<file path=ppt/slides/slide23.xml><?xml version="1.0" encoding="utf-8"?>
+<file path=ppt/slides/slide22.xml><?xml version="1.0" encoding="utf-8"?>
 <p:sld xmlns:a="http://schemas.openxmlformats.org/drawingml/2006/main" xmlns:r="http://schemas.openxmlformats.org/officeDocument/2006/relationships" xmlns:p="http://schemas.openxmlformats.org/presentationml/2006/main">
   <p:cSld>
     <p:spTree>
@@ -7563,6 +7571,418 @@
     <p:extLst>
       <p:ext uri="{BB962C8B-B14F-4D97-AF65-F5344CB8AC3E}">
         <p14:creationId xmlns:p14="http://schemas.microsoft.com/office/powerpoint/2010/main" val="600660360"/>
+      </p:ext>
+    </p:extLst>
+  </p:cSld>
+  <p:clrMapOvr>
+    <a:masterClrMapping/>
+  </p:clrMapOvr>
+  <p:timing>
+    <p:tnLst>
+      <p:par>
+        <p:cTn id="1" dur="indefinite" restart="never" nodeType="tmRoot"/>
+      </p:par>
+    </p:tnLst>
+  </p:timing>
+</p:sld>
+</file>
+
+<file path=ppt/slides/slide23.xml><?xml version="1.0" encoding="utf-8"?>
+<p:sld xmlns:a="http://schemas.openxmlformats.org/drawingml/2006/main" xmlns:r="http://schemas.openxmlformats.org/officeDocument/2006/relationships" xmlns:p="http://schemas.openxmlformats.org/presentationml/2006/main">
+  <p:cSld>
+    <p:spTree>
+      <p:nvGrpSpPr>
+        <p:cNvPr id="1" name=""/>
+        <p:cNvGrpSpPr/>
+        <p:nvPr/>
+      </p:nvGrpSpPr>
+      <p:grpSpPr>
+        <a:xfrm>
+          <a:off x="0" y="0"/>
+          <a:ext cx="0" cy="0"/>
+          <a:chOff x="0" y="0"/>
+          <a:chExt cx="0" cy="0"/>
+        </a:xfrm>
+      </p:grpSpPr>
+      <p:sp>
+        <p:nvSpPr>
+          <p:cNvPr id="11266" name="Прямоугольник 2"/>
+          <p:cNvSpPr>
+            <a:spLocks noChangeArrowheads="1"/>
+          </p:cNvSpPr>
+          <p:nvPr/>
+        </p:nvSpPr>
+        <p:spPr bwMode="auto">
+          <a:xfrm>
+            <a:off x="152400" y="0"/>
+            <a:ext cx="8839200" cy="461963"/>
+          </a:xfrm>
+          <a:prstGeom prst="rect">
+            <a:avLst/>
+          </a:prstGeom>
+          <a:noFill/>
+          <a:ln>
+            <a:noFill/>
+          </a:ln>
+          <a:extLst>
+            <a:ext uri="{909E8E84-426E-40DD-AFC4-6F175D3DCCD1}">
+              <a14:hiddenFill xmlns:a14="http://schemas.microsoft.com/office/drawing/2010/main">
+                <a:solidFill>
+                  <a:srgbClr val="FFFFFF"/>
+                </a:solidFill>
+              </a14:hiddenFill>
+            </a:ext>
+            <a:ext uri="{91240B29-F687-4F45-9708-019B960494DF}">
+              <a14:hiddenLine xmlns:a14="http://schemas.microsoft.com/office/drawing/2010/main" w="9525">
+                <a:solidFill>
+                  <a:srgbClr val="000000"/>
+                </a:solidFill>
+                <a:miter lim="800000"/>
+                <a:headEnd/>
+                <a:tailEnd/>
+              </a14:hiddenLine>
+            </a:ext>
+          </a:extLst>
+        </p:spPr>
+        <p:txBody>
+          <a:bodyPr>
+            <a:spAutoFit/>
+          </a:bodyPr>
+          <a:lstStyle/>
+          <a:p>
+            <a:pPr algn="ctr"/>
+            <a:r>
+              <a:rPr lang="be-BY" sz="2400" b="1" dirty="0" smtClean="0"/>
+              <a:t>Многотабличные </a:t>
+            </a:r>
+            <a:r>
+              <a:rPr lang="be-BY" sz="2400" b="1" dirty="0"/>
+              <a:t>запросы.</a:t>
+            </a:r>
+          </a:p>
+        </p:txBody>
+      </p:sp>
+      <p:sp>
+        <p:nvSpPr>
+          <p:cNvPr id="11267" name="Прямоугольник 4"/>
+          <p:cNvSpPr>
+            <a:spLocks noChangeArrowheads="1"/>
+          </p:cNvSpPr>
+          <p:nvPr/>
+        </p:nvSpPr>
+        <p:spPr bwMode="auto">
+          <a:xfrm>
+            <a:off x="152400" y="457200"/>
+            <a:ext cx="8839200" cy="5262979"/>
+          </a:xfrm>
+          <a:prstGeom prst="rect">
+            <a:avLst/>
+          </a:prstGeom>
+          <a:noFill/>
+          <a:ln>
+            <a:noFill/>
+          </a:ln>
+          <a:extLst>
+            <a:ext uri="{909E8E84-426E-40DD-AFC4-6F175D3DCCD1}">
+              <a14:hiddenFill xmlns:a14="http://schemas.microsoft.com/office/drawing/2010/main">
+                <a:solidFill>
+                  <a:srgbClr val="FFFFFF"/>
+                </a:solidFill>
+              </a14:hiddenFill>
+            </a:ext>
+            <a:ext uri="{91240B29-F687-4F45-9708-019B960494DF}">
+              <a14:hiddenLine xmlns:a14="http://schemas.microsoft.com/office/drawing/2010/main" w="9525">
+                <a:solidFill>
+                  <a:srgbClr val="000000"/>
+                </a:solidFill>
+                <a:miter lim="800000"/>
+                <a:headEnd/>
+                <a:tailEnd/>
+              </a14:hiddenLine>
+            </a:ext>
+          </a:extLst>
+        </p:spPr>
+        <p:txBody>
+          <a:bodyPr>
+            <a:spAutoFit/>
+          </a:bodyPr>
+          <a:lstStyle/>
+          <a:p>
+            <a:r>
+              <a:rPr lang="ru-RU" sz="1200" b="1" dirty="0"/>
+              <a:t>1) Декартово произведение двух таблиц: </a:t>
+            </a:r>
+          </a:p>
+          <a:p>
+            <a:pPr lvl="1"/>
+            <a:r>
+              <a:rPr lang="en-US" sz="1200" dirty="0">
+                <a:latin typeface="Courier New" pitchFamily="49" charset="0"/>
+                <a:cs typeface="Courier New" pitchFamily="49" charset="0"/>
+              </a:rPr>
+              <a:t>SELECT t1.*, t2.* </a:t>
+            </a:r>
+          </a:p>
+          <a:p>
+            <a:pPr lvl="1"/>
+            <a:r>
+              <a:rPr lang="en-US" sz="1200" dirty="0">
+                <a:latin typeface="Courier New" pitchFamily="49" charset="0"/>
+                <a:cs typeface="Courier New" pitchFamily="49" charset="0"/>
+              </a:rPr>
+              <a:t>FROM t1, t2; </a:t>
+            </a:r>
+          </a:p>
+          <a:p>
+            <a:r>
+              <a:rPr lang="ru-RU" sz="1200" b="1" dirty="0"/>
+              <a:t>2) Тета-соединение таблиц </a:t>
+            </a:r>
+            <a:r>
+              <a:rPr lang="ru-RU" sz="1200" dirty="0"/>
+              <a:t>(используются знаки сравнения, на практике используется редко, так как трудно найти смысл соединения): </a:t>
+            </a:r>
+          </a:p>
+          <a:p>
+            <a:pPr lvl="1"/>
+            <a:r>
+              <a:rPr lang="en-US" sz="1200" dirty="0">
+                <a:latin typeface="Courier New" pitchFamily="49" charset="0"/>
+                <a:cs typeface="Courier New" pitchFamily="49" charset="0"/>
+              </a:rPr>
+              <a:t>SELECT * </a:t>
+            </a:r>
+          </a:p>
+          <a:p>
+            <a:pPr lvl="1"/>
+            <a:r>
+              <a:rPr lang="en-US" sz="1200" dirty="0">
+                <a:latin typeface="Courier New" pitchFamily="49" charset="0"/>
+                <a:cs typeface="Courier New" pitchFamily="49" charset="0"/>
+              </a:rPr>
+              <a:t>FROM t1, t2 </a:t>
+            </a:r>
+          </a:p>
+          <a:p>
+            <a:pPr lvl="1"/>
+            <a:r>
+              <a:rPr lang="en-US" sz="1200" dirty="0">
+                <a:latin typeface="Courier New" pitchFamily="49" charset="0"/>
+                <a:cs typeface="Courier New" pitchFamily="49" charset="0"/>
+              </a:rPr>
+              <a:t>WHERE (t1.number &gt; t2.number); </a:t>
+            </a:r>
+          </a:p>
+          <a:p>
+            <a:r>
+              <a:rPr lang="ru-RU" sz="1200" b="1" dirty="0"/>
+              <a:t>3) Экви-соединение таблиц </a:t>
+            </a:r>
+            <a:r>
+              <a:rPr lang="ru-RU" sz="1200" dirty="0"/>
+              <a:t>(выполняется по равенству значений общего атрибута, например значений первичного и внешнего ключа): </a:t>
+            </a:r>
+          </a:p>
+          <a:p>
+            <a:pPr lvl="1"/>
+            <a:r>
+              <a:rPr lang="en-US" sz="1200" dirty="0">
+                <a:latin typeface="Courier New" pitchFamily="49" charset="0"/>
+                <a:cs typeface="Courier New" pitchFamily="49" charset="0"/>
+              </a:rPr>
+              <a:t>SELECT t1.*, t2.* </a:t>
+            </a:r>
+          </a:p>
+          <a:p>
+            <a:pPr lvl="1"/>
+            <a:r>
+              <a:rPr lang="en-US" sz="1200" dirty="0">
+                <a:latin typeface="Courier New" pitchFamily="49" charset="0"/>
+                <a:cs typeface="Courier New" pitchFamily="49" charset="0"/>
+              </a:rPr>
+              <a:t>FROM t1, t2 </a:t>
+            </a:r>
+          </a:p>
+          <a:p>
+            <a:pPr lvl="1"/>
+            <a:r>
+              <a:rPr lang="en-US" sz="1200" dirty="0">
+                <a:latin typeface="Courier New" pitchFamily="49" charset="0"/>
+                <a:cs typeface="Courier New" pitchFamily="49" charset="0"/>
+              </a:rPr>
+              <a:t>WHERE (t1.number = t2.number); </a:t>
+            </a:r>
+          </a:p>
+          <a:p>
+            <a:r>
+              <a:rPr lang="ru-RU" sz="1200" dirty="0"/>
+              <a:t>или эквивалентный вариант соединения (inner или natural join): </a:t>
+            </a:r>
+          </a:p>
+          <a:p>
+            <a:pPr lvl="1"/>
+            <a:r>
+              <a:rPr lang="en-US" sz="1200" dirty="0">
+                <a:latin typeface="Courier New" pitchFamily="49" charset="0"/>
+                <a:cs typeface="Courier New" pitchFamily="49" charset="0"/>
+              </a:rPr>
+              <a:t>SELECT t1.*, t2.* </a:t>
+            </a:r>
+          </a:p>
+          <a:p>
+            <a:pPr lvl="1"/>
+            <a:r>
+              <a:rPr lang="en-US" sz="1200" dirty="0">
+                <a:latin typeface="Courier New" pitchFamily="49" charset="0"/>
+                <a:cs typeface="Courier New" pitchFamily="49" charset="0"/>
+              </a:rPr>
+              <a:t>FROM t1 INNER JOIN t2 ON (t1.number = t2.number); </a:t>
+            </a:r>
+          </a:p>
+          <a:p>
+            <a:r>
+              <a:rPr lang="ru-RU" sz="1200" b="1" dirty="0"/>
+              <a:t>4) Внешние соединения таблиц </a:t>
+            </a:r>
+            <a:r>
+              <a:rPr lang="ru-RU" sz="1200" dirty="0"/>
+              <a:t>(левое, правое и полное, соответственно): </a:t>
+            </a:r>
+          </a:p>
+          <a:p>
+            <a:pPr lvl="1"/>
+            <a:r>
+              <a:rPr lang="en-US" sz="1200" dirty="0">
+                <a:latin typeface="Courier New" pitchFamily="49" charset="0"/>
+                <a:cs typeface="Courier New" pitchFamily="49" charset="0"/>
+              </a:rPr>
+              <a:t>SELECT t1.*, t2.* </a:t>
+            </a:r>
+          </a:p>
+          <a:p>
+            <a:pPr lvl="1"/>
+            <a:r>
+              <a:rPr lang="en-US" sz="1200" dirty="0">
+                <a:latin typeface="Courier New" pitchFamily="49" charset="0"/>
+                <a:cs typeface="Courier New" pitchFamily="49" charset="0"/>
+              </a:rPr>
+              <a:t>FROM t1 LEFT JOIN t2 ON t1.number = t2.number; </a:t>
+            </a:r>
+          </a:p>
+          <a:p>
+            <a:pPr lvl="1"/>
+            <a:endParaRPr lang="en-US" sz="1200" dirty="0">
+              <a:latin typeface="Courier New" pitchFamily="49" charset="0"/>
+              <a:cs typeface="Courier New" pitchFamily="49" charset="0"/>
+            </a:endParaRPr>
+          </a:p>
+          <a:p>
+            <a:pPr lvl="1"/>
+            <a:r>
+              <a:rPr lang="en-US" sz="1200" dirty="0">
+                <a:latin typeface="Courier New" pitchFamily="49" charset="0"/>
+                <a:cs typeface="Courier New" pitchFamily="49" charset="0"/>
+              </a:rPr>
+              <a:t>SELECT t1.*, t2.* </a:t>
+            </a:r>
+          </a:p>
+          <a:p>
+            <a:pPr lvl="1"/>
+            <a:r>
+              <a:rPr lang="en-US" sz="1200" dirty="0">
+                <a:latin typeface="Courier New" pitchFamily="49" charset="0"/>
+                <a:cs typeface="Courier New" pitchFamily="49" charset="0"/>
+              </a:rPr>
+              <a:t>FROM t1 RIGHT JOIN t2 ON t1.number = t2.number</a:t>
+            </a:r>
+            <a:r>
+              <a:rPr lang="en-US" sz="1200" dirty="0" smtClean="0">
+                <a:latin typeface="Courier New" pitchFamily="49" charset="0"/>
+                <a:cs typeface="Courier New" pitchFamily="49" charset="0"/>
+              </a:rPr>
+              <a:t>;</a:t>
+            </a:r>
+            <a:endParaRPr lang="ru-RU" sz="1200" dirty="0">
+              <a:latin typeface="Courier New" pitchFamily="49" charset="0"/>
+              <a:cs typeface="Courier New" pitchFamily="49" charset="0"/>
+            </a:endParaRPr>
+          </a:p>
+          <a:p>
+            <a:pPr lvl="1"/>
+            <a:endParaRPr lang="ru-RU" sz="1200" dirty="0">
+              <a:latin typeface="Courier New" pitchFamily="49" charset="0"/>
+              <a:cs typeface="Courier New" pitchFamily="49" charset="0"/>
+            </a:endParaRPr>
+          </a:p>
+          <a:p>
+            <a:r>
+              <a:rPr lang="en-US" sz="1200" dirty="0" smtClean="0">
+                <a:cs typeface="Courier New" pitchFamily="49" charset="0"/>
+              </a:rPr>
+              <a:t>JOIN</a:t>
+            </a:r>
+            <a:r>
+              <a:rPr lang="en-US" sz="1200" dirty="0">
+                <a:cs typeface="Courier New" pitchFamily="49" charset="0"/>
+              </a:rPr>
+              <a:t>: Return rows when there is at least one match in both tables</a:t>
+            </a:r>
+          </a:p>
+          <a:p>
+            <a:r>
+              <a:rPr lang="en-US" sz="1200" dirty="0" smtClean="0">
+                <a:cs typeface="Courier New" pitchFamily="49" charset="0"/>
+              </a:rPr>
+              <a:t>LEFT </a:t>
+            </a:r>
+            <a:r>
+              <a:rPr lang="en-US" sz="1200" dirty="0">
+                <a:cs typeface="Courier New" pitchFamily="49" charset="0"/>
+              </a:rPr>
+              <a:t>JOIN: Return all rows from the left table, even if there are no matches in the right table</a:t>
+            </a:r>
+          </a:p>
+          <a:p>
+            <a:r>
+              <a:rPr lang="en-US" sz="1200" dirty="0" smtClean="0">
+                <a:cs typeface="Courier New" pitchFamily="49" charset="0"/>
+              </a:rPr>
+              <a:t>RIGHT </a:t>
+            </a:r>
+            <a:r>
+              <a:rPr lang="en-US" sz="1200" dirty="0">
+                <a:cs typeface="Courier New" pitchFamily="49" charset="0"/>
+              </a:rPr>
+              <a:t>JOIN: Return all rows from the right table, even if there are no matches in the left table</a:t>
+            </a:r>
+          </a:p>
+          <a:p>
+            <a:r>
+              <a:rPr lang="en-US" sz="1200" dirty="0" smtClean="0">
+                <a:cs typeface="Courier New" pitchFamily="49" charset="0"/>
+              </a:rPr>
+              <a:t>FULL </a:t>
+            </a:r>
+            <a:r>
+              <a:rPr lang="en-US" sz="1200" dirty="0">
+                <a:cs typeface="Courier New" pitchFamily="49" charset="0"/>
+              </a:rPr>
+              <a:t>JOIN: Return rows when there is a match in one of the tables</a:t>
+            </a:r>
+          </a:p>
+          <a:p>
+            <a:pPr lvl="1"/>
+            <a:endParaRPr lang="ru-RU" sz="1200" dirty="0" smtClean="0">
+              <a:latin typeface="Courier New" pitchFamily="49" charset="0"/>
+              <a:cs typeface="Courier New" pitchFamily="49" charset="0"/>
+            </a:endParaRPr>
+          </a:p>
+        </p:txBody>
+      </p:sp>
+    </p:spTree>
+    <p:extLst>
+      <p:ext uri="{BB962C8B-B14F-4D97-AF65-F5344CB8AC3E}">
+        <p14:creationId xmlns:p14="http://schemas.microsoft.com/office/powerpoint/2010/main" val="2446323228"/>
       </p:ext>
     </p:extLst>
   </p:cSld>
@@ -7654,418 +8074,6 @@
           </a:p>
         </p:txBody>
       </p:sp>
-      <p:sp>
-        <p:nvSpPr>
-          <p:cNvPr id="11267" name="Прямоугольник 4"/>
-          <p:cNvSpPr>
-            <a:spLocks noChangeArrowheads="1"/>
-          </p:cNvSpPr>
-          <p:nvPr/>
-        </p:nvSpPr>
-        <p:spPr bwMode="auto">
-          <a:xfrm>
-            <a:off x="152400" y="457200"/>
-            <a:ext cx="8839200" cy="5262979"/>
-          </a:xfrm>
-          <a:prstGeom prst="rect">
-            <a:avLst/>
-          </a:prstGeom>
-          <a:noFill/>
-          <a:ln>
-            <a:noFill/>
-          </a:ln>
-          <a:extLst>
-            <a:ext uri="{909E8E84-426E-40DD-AFC4-6F175D3DCCD1}">
-              <a14:hiddenFill xmlns:a14="http://schemas.microsoft.com/office/drawing/2010/main">
-                <a:solidFill>
-                  <a:srgbClr val="FFFFFF"/>
-                </a:solidFill>
-              </a14:hiddenFill>
-            </a:ext>
-            <a:ext uri="{91240B29-F687-4F45-9708-019B960494DF}">
-              <a14:hiddenLine xmlns:a14="http://schemas.microsoft.com/office/drawing/2010/main" w="9525">
-                <a:solidFill>
-                  <a:srgbClr val="000000"/>
-                </a:solidFill>
-                <a:miter lim="800000"/>
-                <a:headEnd/>
-                <a:tailEnd/>
-              </a14:hiddenLine>
-            </a:ext>
-          </a:extLst>
-        </p:spPr>
-        <p:txBody>
-          <a:bodyPr>
-            <a:spAutoFit/>
-          </a:bodyPr>
-          <a:lstStyle/>
-          <a:p>
-            <a:r>
-              <a:rPr lang="ru-RU" sz="1200" b="1" dirty="0"/>
-              <a:t>1) Декартово произведение двух таблиц: </a:t>
-            </a:r>
-          </a:p>
-          <a:p>
-            <a:pPr lvl="1"/>
-            <a:r>
-              <a:rPr lang="en-US" sz="1200" dirty="0">
-                <a:latin typeface="Courier New" pitchFamily="49" charset="0"/>
-                <a:cs typeface="Courier New" pitchFamily="49" charset="0"/>
-              </a:rPr>
-              <a:t>SELECT t1.*, t2.* </a:t>
-            </a:r>
-          </a:p>
-          <a:p>
-            <a:pPr lvl="1"/>
-            <a:r>
-              <a:rPr lang="en-US" sz="1200" dirty="0">
-                <a:latin typeface="Courier New" pitchFamily="49" charset="0"/>
-                <a:cs typeface="Courier New" pitchFamily="49" charset="0"/>
-              </a:rPr>
-              <a:t>FROM t1, t2; </a:t>
-            </a:r>
-          </a:p>
-          <a:p>
-            <a:r>
-              <a:rPr lang="ru-RU" sz="1200" b="1" dirty="0"/>
-              <a:t>2) Тета-соединение таблиц </a:t>
-            </a:r>
-            <a:r>
-              <a:rPr lang="ru-RU" sz="1200" dirty="0"/>
-              <a:t>(используются знаки сравнения, на практике используется редко, так как трудно найти смысл соединения): </a:t>
-            </a:r>
-          </a:p>
-          <a:p>
-            <a:pPr lvl="1"/>
-            <a:r>
-              <a:rPr lang="en-US" sz="1200" dirty="0">
-                <a:latin typeface="Courier New" pitchFamily="49" charset="0"/>
-                <a:cs typeface="Courier New" pitchFamily="49" charset="0"/>
-              </a:rPr>
-              <a:t>SELECT * </a:t>
-            </a:r>
-          </a:p>
-          <a:p>
-            <a:pPr lvl="1"/>
-            <a:r>
-              <a:rPr lang="en-US" sz="1200" dirty="0">
-                <a:latin typeface="Courier New" pitchFamily="49" charset="0"/>
-                <a:cs typeface="Courier New" pitchFamily="49" charset="0"/>
-              </a:rPr>
-              <a:t>FROM t1, t2 </a:t>
-            </a:r>
-          </a:p>
-          <a:p>
-            <a:pPr lvl="1"/>
-            <a:r>
-              <a:rPr lang="en-US" sz="1200" dirty="0">
-                <a:latin typeface="Courier New" pitchFamily="49" charset="0"/>
-                <a:cs typeface="Courier New" pitchFamily="49" charset="0"/>
-              </a:rPr>
-              <a:t>WHERE (t1.number &gt; t2.number); </a:t>
-            </a:r>
-          </a:p>
-          <a:p>
-            <a:r>
-              <a:rPr lang="ru-RU" sz="1200" b="1" dirty="0"/>
-              <a:t>3) Экви-соединение таблиц </a:t>
-            </a:r>
-            <a:r>
-              <a:rPr lang="ru-RU" sz="1200" dirty="0"/>
-              <a:t>(выполняется по равенству значений общего атрибута, например значений первичного и внешнего ключа): </a:t>
-            </a:r>
-          </a:p>
-          <a:p>
-            <a:pPr lvl="1"/>
-            <a:r>
-              <a:rPr lang="en-US" sz="1200" dirty="0">
-                <a:latin typeface="Courier New" pitchFamily="49" charset="0"/>
-                <a:cs typeface="Courier New" pitchFamily="49" charset="0"/>
-              </a:rPr>
-              <a:t>SELECT t1.*, t2.* </a:t>
-            </a:r>
-          </a:p>
-          <a:p>
-            <a:pPr lvl="1"/>
-            <a:r>
-              <a:rPr lang="en-US" sz="1200" dirty="0">
-                <a:latin typeface="Courier New" pitchFamily="49" charset="0"/>
-                <a:cs typeface="Courier New" pitchFamily="49" charset="0"/>
-              </a:rPr>
-              <a:t>FROM t1, t2 </a:t>
-            </a:r>
-          </a:p>
-          <a:p>
-            <a:pPr lvl="1"/>
-            <a:r>
-              <a:rPr lang="en-US" sz="1200" dirty="0">
-                <a:latin typeface="Courier New" pitchFamily="49" charset="0"/>
-                <a:cs typeface="Courier New" pitchFamily="49" charset="0"/>
-              </a:rPr>
-              <a:t>WHERE (t1.number = t2.number); </a:t>
-            </a:r>
-          </a:p>
-          <a:p>
-            <a:r>
-              <a:rPr lang="ru-RU" sz="1200" dirty="0"/>
-              <a:t>или эквивалентный вариант соединения (inner или natural join): </a:t>
-            </a:r>
-          </a:p>
-          <a:p>
-            <a:pPr lvl="1"/>
-            <a:r>
-              <a:rPr lang="en-US" sz="1200" dirty="0">
-                <a:latin typeface="Courier New" pitchFamily="49" charset="0"/>
-                <a:cs typeface="Courier New" pitchFamily="49" charset="0"/>
-              </a:rPr>
-              <a:t>SELECT t1.*, t2.* </a:t>
-            </a:r>
-          </a:p>
-          <a:p>
-            <a:pPr lvl="1"/>
-            <a:r>
-              <a:rPr lang="en-US" sz="1200" dirty="0">
-                <a:latin typeface="Courier New" pitchFamily="49" charset="0"/>
-                <a:cs typeface="Courier New" pitchFamily="49" charset="0"/>
-              </a:rPr>
-              <a:t>FROM t1 INNER JOIN t2 ON (t1.number = t2.number); </a:t>
-            </a:r>
-          </a:p>
-          <a:p>
-            <a:r>
-              <a:rPr lang="ru-RU" sz="1200" b="1" dirty="0"/>
-              <a:t>4) Внешние соединения таблиц </a:t>
-            </a:r>
-            <a:r>
-              <a:rPr lang="ru-RU" sz="1200" dirty="0"/>
-              <a:t>(левое, правое и полное, соответственно): </a:t>
-            </a:r>
-          </a:p>
-          <a:p>
-            <a:pPr lvl="1"/>
-            <a:r>
-              <a:rPr lang="en-US" sz="1200" dirty="0">
-                <a:latin typeface="Courier New" pitchFamily="49" charset="0"/>
-                <a:cs typeface="Courier New" pitchFamily="49" charset="0"/>
-              </a:rPr>
-              <a:t>SELECT t1.*, t2.* </a:t>
-            </a:r>
-          </a:p>
-          <a:p>
-            <a:pPr lvl="1"/>
-            <a:r>
-              <a:rPr lang="en-US" sz="1200" dirty="0">
-                <a:latin typeface="Courier New" pitchFamily="49" charset="0"/>
-                <a:cs typeface="Courier New" pitchFamily="49" charset="0"/>
-              </a:rPr>
-              <a:t>FROM t1 LEFT JOIN t2 ON t1.number = t2.number; </a:t>
-            </a:r>
-          </a:p>
-          <a:p>
-            <a:pPr lvl="1"/>
-            <a:endParaRPr lang="en-US" sz="1200" dirty="0">
-              <a:latin typeface="Courier New" pitchFamily="49" charset="0"/>
-              <a:cs typeface="Courier New" pitchFamily="49" charset="0"/>
-            </a:endParaRPr>
-          </a:p>
-          <a:p>
-            <a:pPr lvl="1"/>
-            <a:r>
-              <a:rPr lang="en-US" sz="1200" dirty="0">
-                <a:latin typeface="Courier New" pitchFamily="49" charset="0"/>
-                <a:cs typeface="Courier New" pitchFamily="49" charset="0"/>
-              </a:rPr>
-              <a:t>SELECT t1.*, t2.* </a:t>
-            </a:r>
-          </a:p>
-          <a:p>
-            <a:pPr lvl="1"/>
-            <a:r>
-              <a:rPr lang="en-US" sz="1200" dirty="0">
-                <a:latin typeface="Courier New" pitchFamily="49" charset="0"/>
-                <a:cs typeface="Courier New" pitchFamily="49" charset="0"/>
-              </a:rPr>
-              <a:t>FROM t1 RIGHT JOIN t2 ON t1.number = t2.number</a:t>
-            </a:r>
-            <a:r>
-              <a:rPr lang="en-US" sz="1200" dirty="0" smtClean="0">
-                <a:latin typeface="Courier New" pitchFamily="49" charset="0"/>
-                <a:cs typeface="Courier New" pitchFamily="49" charset="0"/>
-              </a:rPr>
-              <a:t>;</a:t>
-            </a:r>
-            <a:endParaRPr lang="ru-RU" sz="1200" dirty="0">
-              <a:latin typeface="Courier New" pitchFamily="49" charset="0"/>
-              <a:cs typeface="Courier New" pitchFamily="49" charset="0"/>
-            </a:endParaRPr>
-          </a:p>
-          <a:p>
-            <a:pPr lvl="1"/>
-            <a:endParaRPr lang="ru-RU" sz="1200" dirty="0">
-              <a:latin typeface="Courier New" pitchFamily="49" charset="0"/>
-              <a:cs typeface="Courier New" pitchFamily="49" charset="0"/>
-            </a:endParaRPr>
-          </a:p>
-          <a:p>
-            <a:r>
-              <a:rPr lang="en-US" sz="1200" dirty="0" smtClean="0">
-                <a:cs typeface="Courier New" pitchFamily="49" charset="0"/>
-              </a:rPr>
-              <a:t>JOIN</a:t>
-            </a:r>
-            <a:r>
-              <a:rPr lang="en-US" sz="1200" dirty="0">
-                <a:cs typeface="Courier New" pitchFamily="49" charset="0"/>
-              </a:rPr>
-              <a:t>: Return rows when there is at least one match in both tables</a:t>
-            </a:r>
-          </a:p>
-          <a:p>
-            <a:r>
-              <a:rPr lang="en-US" sz="1200" dirty="0" smtClean="0">
-                <a:cs typeface="Courier New" pitchFamily="49" charset="0"/>
-              </a:rPr>
-              <a:t>LEFT </a:t>
-            </a:r>
-            <a:r>
-              <a:rPr lang="en-US" sz="1200" dirty="0">
-                <a:cs typeface="Courier New" pitchFamily="49" charset="0"/>
-              </a:rPr>
-              <a:t>JOIN: Return all rows from the left table, even if there are no matches in the right table</a:t>
-            </a:r>
-          </a:p>
-          <a:p>
-            <a:r>
-              <a:rPr lang="en-US" sz="1200" dirty="0" smtClean="0">
-                <a:cs typeface="Courier New" pitchFamily="49" charset="0"/>
-              </a:rPr>
-              <a:t>RIGHT </a:t>
-            </a:r>
-            <a:r>
-              <a:rPr lang="en-US" sz="1200" dirty="0">
-                <a:cs typeface="Courier New" pitchFamily="49" charset="0"/>
-              </a:rPr>
-              <a:t>JOIN: Return all rows from the right table, even if there are no matches in the left table</a:t>
-            </a:r>
-          </a:p>
-          <a:p>
-            <a:r>
-              <a:rPr lang="en-US" sz="1200" dirty="0" smtClean="0">
-                <a:cs typeface="Courier New" pitchFamily="49" charset="0"/>
-              </a:rPr>
-              <a:t>FULL </a:t>
-            </a:r>
-            <a:r>
-              <a:rPr lang="en-US" sz="1200" dirty="0">
-                <a:cs typeface="Courier New" pitchFamily="49" charset="0"/>
-              </a:rPr>
-              <a:t>JOIN: Return rows when there is a match in one of the tables</a:t>
-            </a:r>
-          </a:p>
-          <a:p>
-            <a:pPr lvl="1"/>
-            <a:endParaRPr lang="ru-RU" sz="1200" dirty="0" smtClean="0">
-              <a:latin typeface="Courier New" pitchFamily="49" charset="0"/>
-              <a:cs typeface="Courier New" pitchFamily="49" charset="0"/>
-            </a:endParaRPr>
-          </a:p>
-        </p:txBody>
-      </p:sp>
-    </p:spTree>
-    <p:extLst>
-      <p:ext uri="{BB962C8B-B14F-4D97-AF65-F5344CB8AC3E}">
-        <p14:creationId xmlns:p14="http://schemas.microsoft.com/office/powerpoint/2010/main" val="2446323228"/>
-      </p:ext>
-    </p:extLst>
-  </p:cSld>
-  <p:clrMapOvr>
-    <a:masterClrMapping/>
-  </p:clrMapOvr>
-  <p:timing>
-    <p:tnLst>
-      <p:par>
-        <p:cTn id="1" dur="indefinite" restart="never" nodeType="tmRoot"/>
-      </p:par>
-    </p:tnLst>
-  </p:timing>
-</p:sld>
-</file>
-
-<file path=ppt/slides/slide25.xml><?xml version="1.0" encoding="utf-8"?>
-<p:sld xmlns:a="http://schemas.openxmlformats.org/drawingml/2006/main" xmlns:r="http://schemas.openxmlformats.org/officeDocument/2006/relationships" xmlns:p="http://schemas.openxmlformats.org/presentationml/2006/main">
-  <p:cSld>
-    <p:spTree>
-      <p:nvGrpSpPr>
-        <p:cNvPr id="1" name=""/>
-        <p:cNvGrpSpPr/>
-        <p:nvPr/>
-      </p:nvGrpSpPr>
-      <p:grpSpPr>
-        <a:xfrm>
-          <a:off x="0" y="0"/>
-          <a:ext cx="0" cy="0"/>
-          <a:chOff x="0" y="0"/>
-          <a:chExt cx="0" cy="0"/>
-        </a:xfrm>
-      </p:grpSpPr>
-      <p:sp>
-        <p:nvSpPr>
-          <p:cNvPr id="11266" name="Прямоугольник 2"/>
-          <p:cNvSpPr>
-            <a:spLocks noChangeArrowheads="1"/>
-          </p:cNvSpPr>
-          <p:nvPr/>
-        </p:nvSpPr>
-        <p:spPr bwMode="auto">
-          <a:xfrm>
-            <a:off x="152400" y="0"/>
-            <a:ext cx="8839200" cy="461963"/>
-          </a:xfrm>
-          <a:prstGeom prst="rect">
-            <a:avLst/>
-          </a:prstGeom>
-          <a:noFill/>
-          <a:ln>
-            <a:noFill/>
-          </a:ln>
-          <a:extLst>
-            <a:ext uri="{909E8E84-426E-40DD-AFC4-6F175D3DCCD1}">
-              <a14:hiddenFill xmlns:a14="http://schemas.microsoft.com/office/drawing/2010/main">
-                <a:solidFill>
-                  <a:srgbClr val="FFFFFF"/>
-                </a:solidFill>
-              </a14:hiddenFill>
-            </a:ext>
-            <a:ext uri="{91240B29-F687-4F45-9708-019B960494DF}">
-              <a14:hiddenLine xmlns:a14="http://schemas.microsoft.com/office/drawing/2010/main" w="9525">
-                <a:solidFill>
-                  <a:srgbClr val="000000"/>
-                </a:solidFill>
-                <a:miter lim="800000"/>
-                <a:headEnd/>
-                <a:tailEnd/>
-              </a14:hiddenLine>
-            </a:ext>
-          </a:extLst>
-        </p:spPr>
-        <p:txBody>
-          <a:bodyPr>
-            <a:spAutoFit/>
-          </a:bodyPr>
-          <a:lstStyle/>
-          <a:p>
-            <a:pPr algn="ctr"/>
-            <a:r>
-              <a:rPr lang="be-BY" sz="2400" b="1" dirty="0" smtClean="0"/>
-              <a:t>Многотабличные </a:t>
-            </a:r>
-            <a:r>
-              <a:rPr lang="be-BY" sz="2400" b="1" dirty="0"/>
-              <a:t>запросы.</a:t>
-            </a:r>
-          </a:p>
-        </p:txBody>
-      </p:sp>
       <p:pic>
         <p:nvPicPr>
           <p:cNvPr id="1028" name="Picture 4" descr="http://www.codeproject.com/KB/database/Visual_SQL_Joins/Visual_SQL_JOINS_orig.jpg"/>
@@ -8127,7 +8135,7 @@
 </p:sld>
 </file>
 
-<file path=ppt/slides/slide26.xml><?xml version="1.0" encoding="utf-8"?>
+<file path=ppt/slides/slide25.xml><?xml version="1.0" encoding="utf-8"?>
 <p:sld xmlns:a="http://schemas.openxmlformats.org/drawingml/2006/main" xmlns:r="http://schemas.openxmlformats.org/officeDocument/2006/relationships" xmlns:p="http://schemas.openxmlformats.org/presentationml/2006/main">
   <p:cSld>
     <p:spTree>
@@ -8534,6 +8542,892 @@
     <p:extLst>
       <p:ext uri="{BB962C8B-B14F-4D97-AF65-F5344CB8AC3E}">
         <p14:creationId xmlns:p14="http://schemas.microsoft.com/office/powerpoint/2010/main" val="2017122947"/>
+      </p:ext>
+    </p:extLst>
+  </p:cSld>
+  <p:clrMapOvr>
+    <a:masterClrMapping/>
+  </p:clrMapOvr>
+  <p:timing>
+    <p:tnLst>
+      <p:par>
+        <p:cTn id="1" dur="indefinite" restart="never" nodeType="tmRoot"/>
+      </p:par>
+    </p:tnLst>
+  </p:timing>
+</p:sld>
+</file>
+
+<file path=ppt/slides/slide26.xml><?xml version="1.0" encoding="utf-8"?>
+<p:sld xmlns:a="http://schemas.openxmlformats.org/drawingml/2006/main" xmlns:r="http://schemas.openxmlformats.org/officeDocument/2006/relationships" xmlns:p="http://schemas.openxmlformats.org/presentationml/2006/main">
+  <p:cSld>
+    <p:spTree>
+      <p:nvGrpSpPr>
+        <p:cNvPr id="1" name=""/>
+        <p:cNvGrpSpPr/>
+        <p:nvPr/>
+      </p:nvGrpSpPr>
+      <p:grpSpPr>
+        <a:xfrm>
+          <a:off x="0" y="0"/>
+          <a:ext cx="0" cy="0"/>
+          <a:chOff x="0" y="0"/>
+          <a:chExt cx="0" cy="0"/>
+        </a:xfrm>
+      </p:grpSpPr>
+      <p:sp>
+        <p:nvSpPr>
+          <p:cNvPr id="2" name="Title 1"/>
+          <p:cNvSpPr>
+            <a:spLocks noGrp="1"/>
+          </p:cNvSpPr>
+          <p:nvPr>
+            <p:ph type="title"/>
+          </p:nvPr>
+        </p:nvSpPr>
+        <p:spPr/>
+        <p:txBody>
+          <a:bodyPr>
+            <a:noAutofit/>
+          </a:bodyPr>
+          <a:lstStyle/>
+          <a:p>
+            <a:r>
+              <a:rPr lang="ru-RU" sz="3600" dirty="0" smtClean="0"/>
+              <a:t>«Сокращенный» </a:t>
+            </a:r>
+            <a:r>
+              <a:rPr lang="en-US" sz="3600" dirty="0" smtClean="0"/>
+              <a:t>INSERT</a:t>
+            </a:r>
+            <a:r>
+              <a:rPr lang="ru-RU" sz="3600" dirty="0" smtClean="0"/>
+              <a:t>в </a:t>
+            </a:r>
+            <a:r>
+              <a:rPr lang="en-US" sz="3600" dirty="0" smtClean="0"/>
+              <a:t>MS SQL 2008 </a:t>
+            </a:r>
+            <a:r>
+              <a:rPr lang="ru-RU" sz="3600" dirty="0" smtClean="0"/>
+              <a:t>и выше</a:t>
+            </a:r>
+            <a:endParaRPr lang="en-US" sz="3600" dirty="0"/>
+          </a:p>
+        </p:txBody>
+      </p:sp>
+      <p:sp>
+        <p:nvSpPr>
+          <p:cNvPr id="3" name="Content Placeholder 2"/>
+          <p:cNvSpPr>
+            <a:spLocks noGrp="1"/>
+          </p:cNvSpPr>
+          <p:nvPr>
+            <p:ph idx="1"/>
+          </p:nvPr>
+        </p:nvSpPr>
+        <p:spPr>
+          <a:xfrm>
+            <a:off x="457200" y="1600200"/>
+            <a:ext cx="8147248" cy="2332855"/>
+          </a:xfrm>
+        </p:spPr>
+        <p:txBody>
+          <a:bodyPr>
+            <a:normAutofit/>
+          </a:bodyPr>
+          <a:lstStyle/>
+          <a:p>
+            <a:pPr marL="0" indent="0">
+              <a:buNone/>
+            </a:pPr>
+            <a:r>
+              <a:rPr lang="ru-RU" dirty="0" smtClean="0"/>
+              <a:t>В </a:t>
+            </a:r>
+            <a:r>
+              <a:rPr lang="en-US" dirty="0" smtClean="0"/>
+              <a:t>SQL Server 2008 </a:t>
+            </a:r>
+            <a:r>
+              <a:rPr lang="ru-RU" dirty="0"/>
+              <a:t>и выше </a:t>
+            </a:r>
+            <a:r>
+              <a:rPr lang="ru-RU" dirty="0" smtClean="0"/>
+              <a:t>команда </a:t>
+            </a:r>
+            <a:r>
+              <a:rPr lang="en-US" dirty="0" smtClean="0"/>
+              <a:t>INSERT </a:t>
+            </a:r>
+            <a:r>
+              <a:rPr lang="ru-RU" dirty="0" smtClean="0"/>
+              <a:t>дает возможность вставить несколько строк за один вызов</a:t>
+            </a:r>
+            <a:r>
+              <a:rPr lang="en-US" dirty="0" smtClean="0"/>
+              <a:t>. </a:t>
+            </a:r>
+            <a:r>
+              <a:rPr lang="ru-RU" dirty="0" smtClean="0"/>
+              <a:t>Добавление производится в рамках общей транзакции.</a:t>
+            </a:r>
+            <a:endParaRPr lang="en-US" dirty="0"/>
+          </a:p>
+        </p:txBody>
+      </p:sp>
+      <p:sp>
+        <p:nvSpPr>
+          <p:cNvPr id="5" name="Rectangle 4"/>
+          <p:cNvSpPr/>
+          <p:nvPr/>
+        </p:nvSpPr>
+        <p:spPr>
+          <a:xfrm>
+            <a:off x="457200" y="3989963"/>
+            <a:ext cx="8147248" cy="2031325"/>
+          </a:xfrm>
+          <a:prstGeom prst="rect">
+            <a:avLst/>
+          </a:prstGeom>
+          <a:solidFill>
+            <a:schemeClr val="bg1"/>
+          </a:solidFill>
+        </p:spPr>
+        <p:txBody>
+          <a:bodyPr wrap="square">
+            <a:spAutoFit/>
+          </a:bodyPr>
+          <a:lstStyle/>
+          <a:p>
+            <a:r>
+              <a:rPr lang="en-US" dirty="0">
+                <a:solidFill>
+                  <a:srgbClr val="0000FF"/>
+                </a:solidFill>
+                <a:latin typeface="Consolas"/>
+              </a:rPr>
+              <a:t>INSERT</a:t>
+            </a:r>
+            <a:r>
+              <a:rPr lang="en-US" dirty="0">
+                <a:solidFill>
+                  <a:prstClr val="black"/>
+                </a:solidFill>
+                <a:latin typeface="Consolas"/>
+              </a:rPr>
+              <a:t> </a:t>
+            </a:r>
+            <a:r>
+              <a:rPr lang="en-US" dirty="0">
+                <a:solidFill>
+                  <a:srgbClr val="0000FF"/>
+                </a:solidFill>
+                <a:latin typeface="Consolas"/>
+              </a:rPr>
+              <a:t>INTO</a:t>
+            </a:r>
+            <a:r>
+              <a:rPr lang="en-US" dirty="0">
+                <a:solidFill>
+                  <a:prstClr val="black"/>
+                </a:solidFill>
+                <a:latin typeface="Consolas"/>
+              </a:rPr>
+              <a:t> </a:t>
+            </a:r>
+            <a:r>
+              <a:rPr lang="en-US" dirty="0" err="1">
+                <a:solidFill>
+                  <a:prstClr val="black"/>
+                </a:solidFill>
+                <a:latin typeface="Consolas"/>
+              </a:rPr>
+              <a:t>CountryCapital</a:t>
+            </a:r>
+            <a:r>
+              <a:rPr lang="en-US" dirty="0">
+                <a:solidFill>
+                  <a:srgbClr val="0000FF"/>
+                </a:solidFill>
+                <a:latin typeface="Consolas"/>
+              </a:rPr>
+              <a:t> </a:t>
+            </a:r>
+            <a:r>
+              <a:rPr lang="en-US" dirty="0">
+                <a:solidFill>
+                  <a:srgbClr val="808080"/>
+                </a:solidFill>
+                <a:latin typeface="Consolas"/>
+              </a:rPr>
+              <a:t>(</a:t>
+            </a:r>
+            <a:r>
+              <a:rPr lang="en-US" dirty="0" err="1">
+                <a:solidFill>
+                  <a:prstClr val="black"/>
+                </a:solidFill>
+                <a:latin typeface="Consolas"/>
+              </a:rPr>
+              <a:t>PartOfWorld</a:t>
+            </a:r>
+            <a:r>
+              <a:rPr lang="en-US" dirty="0">
+                <a:solidFill>
+                  <a:srgbClr val="808080"/>
+                </a:solidFill>
+                <a:latin typeface="Consolas"/>
+              </a:rPr>
+              <a:t>,</a:t>
+            </a:r>
+            <a:r>
+              <a:rPr lang="en-US" dirty="0">
+                <a:solidFill>
+                  <a:prstClr val="black"/>
+                </a:solidFill>
+                <a:latin typeface="Consolas"/>
+              </a:rPr>
+              <a:t> Country</a:t>
+            </a:r>
+            <a:r>
+              <a:rPr lang="en-US" dirty="0">
+                <a:solidFill>
+                  <a:srgbClr val="808080"/>
+                </a:solidFill>
+                <a:latin typeface="Consolas"/>
+              </a:rPr>
+              <a:t>,</a:t>
+            </a:r>
+            <a:r>
+              <a:rPr lang="en-US" dirty="0">
+                <a:solidFill>
+                  <a:prstClr val="black"/>
+                </a:solidFill>
+                <a:latin typeface="Consolas"/>
+              </a:rPr>
+              <a:t> </a:t>
+            </a:r>
+            <a:r>
+              <a:rPr lang="en-US" dirty="0" err="1">
+                <a:solidFill>
+                  <a:prstClr val="black"/>
+                </a:solidFill>
+                <a:latin typeface="Consolas"/>
+              </a:rPr>
+              <a:t>CapitalCity</a:t>
+            </a:r>
+            <a:r>
+              <a:rPr lang="en-US" dirty="0">
+                <a:solidFill>
+                  <a:srgbClr val="808080"/>
+                </a:solidFill>
+                <a:latin typeface="Consolas"/>
+              </a:rPr>
+              <a:t>)</a:t>
+            </a:r>
+            <a:endParaRPr lang="en-US" dirty="0">
+              <a:solidFill>
+                <a:prstClr val="black"/>
+              </a:solidFill>
+              <a:latin typeface="Consolas"/>
+            </a:endParaRPr>
+          </a:p>
+          <a:p>
+            <a:r>
+              <a:rPr lang="en-US" dirty="0">
+                <a:solidFill>
+                  <a:prstClr val="black"/>
+                </a:solidFill>
+                <a:latin typeface="Consolas"/>
+              </a:rPr>
+              <a:t>    </a:t>
+            </a:r>
+            <a:r>
+              <a:rPr lang="en-US" dirty="0">
+                <a:solidFill>
+                  <a:srgbClr val="0000FF"/>
+                </a:solidFill>
+                <a:latin typeface="Consolas"/>
+              </a:rPr>
+              <a:t>VALUES </a:t>
+            </a:r>
+            <a:r>
+              <a:rPr lang="en-US" dirty="0">
+                <a:solidFill>
+                  <a:srgbClr val="808080"/>
+                </a:solidFill>
+                <a:latin typeface="Consolas"/>
+              </a:rPr>
+              <a:t>(</a:t>
+            </a:r>
+            <a:r>
+              <a:rPr lang="en-US" dirty="0">
+                <a:solidFill>
+                  <a:srgbClr val="FF0000"/>
+                </a:solidFill>
+                <a:latin typeface="Consolas"/>
+              </a:rPr>
+              <a:t>'</a:t>
+            </a:r>
+            <a:r>
+              <a:rPr lang="ru-RU" dirty="0">
+                <a:solidFill>
+                  <a:srgbClr val="FF0000"/>
+                </a:solidFill>
+                <a:latin typeface="Consolas"/>
+              </a:rPr>
+              <a:t>Европа'</a:t>
+            </a:r>
+            <a:r>
+              <a:rPr lang="ru-RU" dirty="0">
+                <a:solidFill>
+                  <a:srgbClr val="808080"/>
+                </a:solidFill>
+                <a:latin typeface="Consolas"/>
+              </a:rPr>
+              <a:t>,</a:t>
+            </a:r>
+            <a:r>
+              <a:rPr lang="ru-RU" dirty="0">
+                <a:solidFill>
+                  <a:prstClr val="black"/>
+                </a:solidFill>
+                <a:latin typeface="Consolas"/>
+              </a:rPr>
+              <a:t> </a:t>
+            </a:r>
+            <a:r>
+              <a:rPr lang="ru-RU" dirty="0">
+                <a:solidFill>
+                  <a:srgbClr val="FF0000"/>
+                </a:solidFill>
+                <a:latin typeface="Consolas"/>
+              </a:rPr>
+              <a:t>'Австрия'</a:t>
+            </a:r>
+            <a:r>
+              <a:rPr lang="ru-RU" dirty="0">
+                <a:solidFill>
+                  <a:srgbClr val="808080"/>
+                </a:solidFill>
+                <a:latin typeface="Consolas"/>
+              </a:rPr>
+              <a:t>,</a:t>
+            </a:r>
+            <a:r>
+              <a:rPr lang="ru-RU" dirty="0">
+                <a:solidFill>
+                  <a:prstClr val="black"/>
+                </a:solidFill>
+                <a:latin typeface="Consolas"/>
+              </a:rPr>
+              <a:t> </a:t>
+            </a:r>
+            <a:r>
+              <a:rPr lang="ru-RU" dirty="0">
+                <a:solidFill>
+                  <a:srgbClr val="FF0000"/>
+                </a:solidFill>
+                <a:latin typeface="Consolas"/>
+              </a:rPr>
+              <a:t>'Вена'</a:t>
+            </a:r>
+            <a:r>
+              <a:rPr lang="ru-RU" dirty="0">
+                <a:solidFill>
+                  <a:srgbClr val="808080"/>
+                </a:solidFill>
+                <a:latin typeface="Consolas"/>
+              </a:rPr>
+              <a:t>)</a:t>
+            </a:r>
+            <a:endParaRPr lang="ru-RU" dirty="0">
+              <a:solidFill>
+                <a:prstClr val="black"/>
+              </a:solidFill>
+              <a:latin typeface="Consolas"/>
+            </a:endParaRPr>
+          </a:p>
+          <a:p>
+            <a:r>
+              <a:rPr lang="ru-RU" dirty="0">
+                <a:solidFill>
+                  <a:prstClr val="black"/>
+                </a:solidFill>
+                <a:latin typeface="Consolas"/>
+              </a:rPr>
+              <a:t>         </a:t>
+            </a:r>
+            <a:r>
+              <a:rPr lang="ru-RU" dirty="0">
+                <a:solidFill>
+                  <a:srgbClr val="808080"/>
+                </a:solidFill>
+                <a:latin typeface="Consolas"/>
+              </a:rPr>
+              <a:t>,</a:t>
+            </a:r>
+            <a:r>
+              <a:rPr lang="ru-RU" dirty="0">
+                <a:solidFill>
+                  <a:srgbClr val="0000FF"/>
+                </a:solidFill>
+                <a:latin typeface="Consolas"/>
+              </a:rPr>
+              <a:t> </a:t>
+            </a:r>
+            <a:r>
+              <a:rPr lang="ru-RU" dirty="0">
+                <a:solidFill>
+                  <a:srgbClr val="808080"/>
+                </a:solidFill>
+                <a:latin typeface="Consolas"/>
+              </a:rPr>
+              <a:t>(</a:t>
+            </a:r>
+            <a:r>
+              <a:rPr lang="ru-RU" dirty="0">
+                <a:solidFill>
+                  <a:srgbClr val="FF0000"/>
+                </a:solidFill>
+                <a:latin typeface="Consolas"/>
+              </a:rPr>
+              <a:t>'Европа'</a:t>
+            </a:r>
+            <a:r>
+              <a:rPr lang="ru-RU" dirty="0">
+                <a:solidFill>
+                  <a:srgbClr val="808080"/>
+                </a:solidFill>
+                <a:latin typeface="Consolas"/>
+              </a:rPr>
+              <a:t>,</a:t>
+            </a:r>
+            <a:r>
+              <a:rPr lang="ru-RU" dirty="0">
+                <a:solidFill>
+                  <a:prstClr val="black"/>
+                </a:solidFill>
+                <a:latin typeface="Consolas"/>
+              </a:rPr>
+              <a:t> </a:t>
+            </a:r>
+            <a:r>
+              <a:rPr lang="ru-RU" dirty="0">
+                <a:solidFill>
+                  <a:srgbClr val="FF0000"/>
+                </a:solidFill>
+                <a:latin typeface="Consolas"/>
+              </a:rPr>
+              <a:t>'Албания'</a:t>
+            </a:r>
+            <a:r>
+              <a:rPr lang="ru-RU" dirty="0">
+                <a:solidFill>
+                  <a:srgbClr val="808080"/>
+                </a:solidFill>
+                <a:latin typeface="Consolas"/>
+              </a:rPr>
+              <a:t>,</a:t>
+            </a:r>
+            <a:r>
+              <a:rPr lang="ru-RU" dirty="0">
+                <a:solidFill>
+                  <a:prstClr val="black"/>
+                </a:solidFill>
+                <a:latin typeface="Consolas"/>
+              </a:rPr>
+              <a:t> </a:t>
+            </a:r>
+            <a:r>
+              <a:rPr lang="ru-RU" dirty="0">
+                <a:solidFill>
+                  <a:srgbClr val="FF0000"/>
+                </a:solidFill>
+                <a:latin typeface="Consolas"/>
+              </a:rPr>
+              <a:t>'Тирана'</a:t>
+            </a:r>
+            <a:r>
+              <a:rPr lang="ru-RU" dirty="0">
+                <a:solidFill>
+                  <a:srgbClr val="808080"/>
+                </a:solidFill>
+                <a:latin typeface="Consolas"/>
+              </a:rPr>
+              <a:t>)</a:t>
+            </a:r>
+            <a:endParaRPr lang="ru-RU" dirty="0">
+              <a:solidFill>
+                <a:prstClr val="black"/>
+              </a:solidFill>
+              <a:latin typeface="Consolas"/>
+            </a:endParaRPr>
+          </a:p>
+          <a:p>
+            <a:r>
+              <a:rPr lang="ru-RU" dirty="0">
+                <a:solidFill>
+                  <a:prstClr val="black"/>
+                </a:solidFill>
+                <a:latin typeface="Consolas"/>
+              </a:rPr>
+              <a:t>         </a:t>
+            </a:r>
+            <a:r>
+              <a:rPr lang="ru-RU" dirty="0">
+                <a:solidFill>
+                  <a:srgbClr val="808080"/>
+                </a:solidFill>
+                <a:latin typeface="Consolas"/>
+              </a:rPr>
+              <a:t>,</a:t>
+            </a:r>
+            <a:r>
+              <a:rPr lang="ru-RU" dirty="0">
+                <a:solidFill>
+                  <a:srgbClr val="0000FF"/>
+                </a:solidFill>
+                <a:latin typeface="Consolas"/>
+              </a:rPr>
+              <a:t> </a:t>
+            </a:r>
+            <a:r>
+              <a:rPr lang="ru-RU" dirty="0">
+                <a:solidFill>
+                  <a:srgbClr val="808080"/>
+                </a:solidFill>
+                <a:latin typeface="Consolas"/>
+              </a:rPr>
+              <a:t>(</a:t>
+            </a:r>
+            <a:r>
+              <a:rPr lang="ru-RU" dirty="0">
+                <a:solidFill>
+                  <a:srgbClr val="FF0000"/>
+                </a:solidFill>
+                <a:latin typeface="Consolas"/>
+              </a:rPr>
+              <a:t>'Европа'</a:t>
+            </a:r>
+            <a:r>
+              <a:rPr lang="ru-RU" dirty="0">
+                <a:solidFill>
+                  <a:srgbClr val="808080"/>
+                </a:solidFill>
+                <a:latin typeface="Consolas"/>
+              </a:rPr>
+              <a:t>,</a:t>
+            </a:r>
+            <a:r>
+              <a:rPr lang="ru-RU" dirty="0">
+                <a:solidFill>
+                  <a:prstClr val="black"/>
+                </a:solidFill>
+                <a:latin typeface="Consolas"/>
+              </a:rPr>
+              <a:t> </a:t>
+            </a:r>
+            <a:r>
+              <a:rPr lang="ru-RU" dirty="0">
+                <a:solidFill>
+                  <a:srgbClr val="FF0000"/>
+                </a:solidFill>
+                <a:latin typeface="Consolas"/>
+              </a:rPr>
+              <a:t>'Андорра'</a:t>
+            </a:r>
+            <a:r>
+              <a:rPr lang="ru-RU" dirty="0">
+                <a:solidFill>
+                  <a:srgbClr val="808080"/>
+                </a:solidFill>
+                <a:latin typeface="Consolas"/>
+              </a:rPr>
+              <a:t>,</a:t>
+            </a:r>
+            <a:r>
+              <a:rPr lang="ru-RU" dirty="0">
+                <a:solidFill>
+                  <a:prstClr val="black"/>
+                </a:solidFill>
+                <a:latin typeface="Consolas"/>
+              </a:rPr>
+              <a:t> </a:t>
+            </a:r>
+            <a:r>
+              <a:rPr lang="ru-RU" dirty="0">
+                <a:solidFill>
+                  <a:srgbClr val="FF0000"/>
+                </a:solidFill>
+                <a:latin typeface="Consolas"/>
+              </a:rPr>
+              <a:t>'Андорра-ла-Велья'</a:t>
+            </a:r>
+            <a:r>
+              <a:rPr lang="ru-RU" dirty="0">
+                <a:solidFill>
+                  <a:srgbClr val="808080"/>
+                </a:solidFill>
+                <a:latin typeface="Consolas"/>
+              </a:rPr>
+              <a:t>)</a:t>
+            </a:r>
+            <a:endParaRPr lang="ru-RU" dirty="0">
+              <a:solidFill>
+                <a:prstClr val="black"/>
+              </a:solidFill>
+              <a:latin typeface="Consolas"/>
+            </a:endParaRPr>
+          </a:p>
+          <a:p>
+            <a:r>
+              <a:rPr lang="ru-RU" dirty="0">
+                <a:solidFill>
+                  <a:prstClr val="black"/>
+                </a:solidFill>
+                <a:latin typeface="Consolas"/>
+              </a:rPr>
+              <a:t>         </a:t>
+            </a:r>
+            <a:r>
+              <a:rPr lang="ru-RU" dirty="0">
+                <a:solidFill>
+                  <a:srgbClr val="808080"/>
+                </a:solidFill>
+                <a:latin typeface="Consolas"/>
+              </a:rPr>
+              <a:t>,</a:t>
+            </a:r>
+            <a:r>
+              <a:rPr lang="ru-RU" dirty="0">
+                <a:solidFill>
+                  <a:srgbClr val="0000FF"/>
+                </a:solidFill>
+                <a:latin typeface="Consolas"/>
+              </a:rPr>
+              <a:t> </a:t>
+            </a:r>
+            <a:r>
+              <a:rPr lang="ru-RU" dirty="0">
+                <a:solidFill>
+                  <a:srgbClr val="808080"/>
+                </a:solidFill>
+                <a:latin typeface="Consolas"/>
+              </a:rPr>
+              <a:t>(</a:t>
+            </a:r>
+            <a:r>
+              <a:rPr lang="ru-RU" dirty="0">
+                <a:solidFill>
+                  <a:srgbClr val="FF0000"/>
+                </a:solidFill>
+                <a:latin typeface="Consolas"/>
+              </a:rPr>
+              <a:t>'Европа'</a:t>
+            </a:r>
+            <a:r>
+              <a:rPr lang="ru-RU" dirty="0">
+                <a:solidFill>
+                  <a:srgbClr val="808080"/>
+                </a:solidFill>
+                <a:latin typeface="Consolas"/>
+              </a:rPr>
+              <a:t>,</a:t>
+            </a:r>
+            <a:r>
+              <a:rPr lang="ru-RU" dirty="0">
+                <a:solidFill>
+                  <a:prstClr val="black"/>
+                </a:solidFill>
+                <a:latin typeface="Consolas"/>
+              </a:rPr>
+              <a:t> </a:t>
+            </a:r>
+            <a:r>
+              <a:rPr lang="ru-RU" dirty="0">
+                <a:solidFill>
+                  <a:srgbClr val="FF0000"/>
+                </a:solidFill>
+                <a:latin typeface="Consolas"/>
+              </a:rPr>
+              <a:t>'Белоруссия'</a:t>
+            </a:r>
+            <a:r>
+              <a:rPr lang="ru-RU" dirty="0">
+                <a:solidFill>
+                  <a:srgbClr val="808080"/>
+                </a:solidFill>
+                <a:latin typeface="Consolas"/>
+              </a:rPr>
+              <a:t>,</a:t>
+            </a:r>
+            <a:r>
+              <a:rPr lang="ru-RU" dirty="0">
+                <a:solidFill>
+                  <a:prstClr val="black"/>
+                </a:solidFill>
+                <a:latin typeface="Consolas"/>
+              </a:rPr>
+              <a:t> </a:t>
+            </a:r>
+            <a:r>
+              <a:rPr lang="ru-RU" dirty="0">
+                <a:solidFill>
+                  <a:srgbClr val="FF0000"/>
+                </a:solidFill>
+                <a:latin typeface="Consolas"/>
+              </a:rPr>
+              <a:t>'Минск'</a:t>
+            </a:r>
+            <a:r>
+              <a:rPr lang="ru-RU" dirty="0">
+                <a:solidFill>
+                  <a:srgbClr val="808080"/>
+                </a:solidFill>
+                <a:latin typeface="Consolas"/>
+              </a:rPr>
+              <a:t>)</a:t>
+            </a:r>
+            <a:endParaRPr lang="ru-RU" dirty="0">
+              <a:solidFill>
+                <a:prstClr val="black"/>
+              </a:solidFill>
+              <a:latin typeface="Consolas"/>
+            </a:endParaRPr>
+          </a:p>
+          <a:p>
+            <a:r>
+              <a:rPr lang="ru-RU" dirty="0">
+                <a:solidFill>
+                  <a:prstClr val="black"/>
+                </a:solidFill>
+                <a:latin typeface="Consolas"/>
+              </a:rPr>
+              <a:t>         </a:t>
+            </a:r>
+            <a:r>
+              <a:rPr lang="ru-RU" dirty="0">
+                <a:solidFill>
+                  <a:srgbClr val="808080"/>
+                </a:solidFill>
+                <a:latin typeface="Consolas"/>
+              </a:rPr>
+              <a:t>,</a:t>
+            </a:r>
+            <a:r>
+              <a:rPr lang="ru-RU" dirty="0">
+                <a:solidFill>
+                  <a:srgbClr val="0000FF"/>
+                </a:solidFill>
+                <a:latin typeface="Consolas"/>
+              </a:rPr>
+              <a:t> </a:t>
+            </a:r>
+            <a:r>
+              <a:rPr lang="ru-RU" dirty="0">
+                <a:solidFill>
+                  <a:srgbClr val="808080"/>
+                </a:solidFill>
+                <a:latin typeface="Consolas"/>
+              </a:rPr>
+              <a:t>(</a:t>
+            </a:r>
+            <a:r>
+              <a:rPr lang="ru-RU" dirty="0">
+                <a:solidFill>
+                  <a:srgbClr val="FF0000"/>
+                </a:solidFill>
+                <a:latin typeface="Consolas"/>
+              </a:rPr>
+              <a:t>'Европа'</a:t>
+            </a:r>
+            <a:r>
+              <a:rPr lang="ru-RU" dirty="0">
+                <a:solidFill>
+                  <a:srgbClr val="808080"/>
+                </a:solidFill>
+                <a:latin typeface="Consolas"/>
+              </a:rPr>
+              <a:t>,</a:t>
+            </a:r>
+            <a:r>
+              <a:rPr lang="ru-RU" dirty="0">
+                <a:solidFill>
+                  <a:prstClr val="black"/>
+                </a:solidFill>
+                <a:latin typeface="Consolas"/>
+              </a:rPr>
+              <a:t> </a:t>
+            </a:r>
+            <a:r>
+              <a:rPr lang="ru-RU" dirty="0">
+                <a:solidFill>
+                  <a:srgbClr val="FF0000"/>
+                </a:solidFill>
+                <a:latin typeface="Consolas"/>
+              </a:rPr>
+              <a:t>'Бельгия'</a:t>
+            </a:r>
+            <a:r>
+              <a:rPr lang="ru-RU" dirty="0">
+                <a:solidFill>
+                  <a:srgbClr val="808080"/>
+                </a:solidFill>
+                <a:latin typeface="Consolas"/>
+              </a:rPr>
+              <a:t>,</a:t>
+            </a:r>
+            <a:r>
+              <a:rPr lang="ru-RU" dirty="0">
+                <a:solidFill>
+                  <a:prstClr val="black"/>
+                </a:solidFill>
+                <a:latin typeface="Consolas"/>
+              </a:rPr>
+              <a:t> </a:t>
+            </a:r>
+            <a:r>
+              <a:rPr lang="ru-RU" dirty="0">
+                <a:solidFill>
+                  <a:srgbClr val="FF0000"/>
+                </a:solidFill>
+                <a:latin typeface="Consolas"/>
+              </a:rPr>
+              <a:t>'Брюссель'</a:t>
+            </a:r>
+            <a:r>
+              <a:rPr lang="ru-RU" dirty="0">
+                <a:solidFill>
+                  <a:srgbClr val="808080"/>
+                </a:solidFill>
+                <a:latin typeface="Consolas"/>
+              </a:rPr>
+              <a:t>)</a:t>
+            </a:r>
+            <a:endParaRPr lang="ru-RU" dirty="0">
+              <a:solidFill>
+                <a:prstClr val="black"/>
+              </a:solidFill>
+              <a:latin typeface="Consolas"/>
+            </a:endParaRPr>
+          </a:p>
+          <a:p>
+            <a:endParaRPr lang="ru-RU" dirty="0">
+              <a:solidFill>
+                <a:prstClr val="black"/>
+              </a:solidFill>
+              <a:latin typeface="Consolas"/>
+            </a:endParaRPr>
+          </a:p>
+        </p:txBody>
+      </p:sp>
+    </p:spTree>
+    <p:extLst>
+      <p:ext uri="{BB962C8B-B14F-4D97-AF65-F5344CB8AC3E}">
+        <p14:creationId xmlns:p14="http://schemas.microsoft.com/office/powerpoint/2010/main" val="1003551259"/>
       </p:ext>
     </p:extLst>
   </p:cSld>
@@ -8579,32 +9473,18 @@
         </p:nvSpPr>
         <p:spPr/>
         <p:txBody>
-          <a:bodyPr>
-            <a:noAutofit/>
-          </a:bodyPr>
+          <a:bodyPr/>
           <a:lstStyle/>
           <a:p>
             <a:r>
-              <a:rPr lang="ru-RU" sz="3600" dirty="0" smtClean="0"/>
-              <a:t>«Сокращенный» </a:t>
-            </a:r>
-            <a:r>
-              <a:rPr lang="en-US" sz="3600" dirty="0" smtClean="0"/>
-              <a:t>INSERT</a:t>
-            </a:r>
-            <a:r>
-              <a:rPr lang="ru-RU" sz="3600" dirty="0" smtClean="0"/>
-              <a:t>в </a:t>
-            </a:r>
-            <a:r>
-              <a:rPr lang="en-US" sz="3600" dirty="0" smtClean="0"/>
-              <a:t>MS SQL 2008 </a:t>
-            </a:r>
-            <a:r>
-              <a:rPr lang="ru-RU" sz="3600" dirty="0" smtClean="0"/>
-              <a:t>и выше</a:t>
-            </a:r>
-            <a:endParaRPr lang="en-US" sz="3600" dirty="0"/>
+              <a:rPr lang="en-US" dirty="0" smtClean="0"/>
+              <a:t>T-SQL: </a:t>
+            </a:r>
+            <a:r>
+              <a:rPr lang="ru-RU" dirty="0" smtClean="0"/>
+              <a:t>Комментарии</a:t>
+            </a:r>
+            <a:endParaRPr lang="en-US" dirty="0"/>
           </a:p>
         </p:txBody>
       </p:sp>
@@ -8620,8 +9500,8 @@
         </p:nvSpPr>
         <p:spPr>
           <a:xfrm>
-            <a:off x="457200" y="1600200"/>
-            <a:ext cx="8147248" cy="2332855"/>
+            <a:off x="457200" y="1600201"/>
+            <a:ext cx="8147248" cy="1180728"/>
           </a:xfrm>
         </p:spPr>
         <p:txBody>
@@ -8634,37 +9514,26 @@
               <a:buNone/>
             </a:pPr>
             <a:r>
+              <a:rPr lang="en-US" dirty="0" smtClean="0"/>
+              <a:t>SQL </a:t>
+            </a:r>
+            <a:r>
               <a:rPr lang="ru-RU" dirty="0" smtClean="0"/>
-              <a:t>В </a:t>
+              <a:t>поддерживает однострочные (--) и многострочные комментарии (</a:t>
             </a:r>
             <a:r>
               <a:rPr lang="en-US" dirty="0" smtClean="0"/>
-              <a:t>SQL Server 2008 </a:t>
-            </a:r>
-            <a:r>
-              <a:rPr lang="ru-RU" dirty="0"/>
-              <a:t>и выше </a:t>
+              <a:t>/* ... */</a:t>
             </a:r>
             <a:r>
               <a:rPr lang="ru-RU" dirty="0" smtClean="0"/>
-              <a:t>команда </a:t>
-            </a:r>
-            <a:r>
-              <a:rPr lang="en-US" dirty="0" smtClean="0"/>
-              <a:t>INSERT </a:t>
-            </a:r>
-            <a:r>
-              <a:rPr lang="ru-RU" dirty="0" smtClean="0"/>
-              <a:t>дает возможность вставить несколько строк за один вызов</a:t>
-            </a:r>
-            <a:r>
-              <a:rPr lang="en-US" dirty="0" smtClean="0"/>
-              <a:t>. </a:t>
-            </a:r>
-            <a:r>
-              <a:rPr lang="ru-RU" dirty="0" smtClean="0"/>
-              <a:t>Добавление производится в рамках общей транзакции.</a:t>
-            </a:r>
+              <a:t>:</a:t>
+            </a:r>
+          </a:p>
+          <a:p>
+            <a:pPr marL="0" indent="0">
+              <a:buNone/>
+            </a:pPr>
             <a:endParaRPr lang="en-US" dirty="0"/>
           </a:p>
         </p:txBody>
@@ -8677,8 +9546,8 @@
         </p:nvSpPr>
         <p:spPr>
           <a:xfrm>
-            <a:off x="457200" y="3989963"/>
-            <a:ext cx="8147248" cy="2031325"/>
+            <a:off x="457200" y="2837835"/>
+            <a:ext cx="8147248" cy="1477328"/>
           </a:xfrm>
           <a:prstGeom prst="rect">
             <a:avLst/>
@@ -8694,246 +9563,13 @@
           <a:lstStyle/>
           <a:p>
             <a:r>
-              <a:rPr lang="en-US" dirty="0">
-                <a:solidFill>
-                  <a:srgbClr val="0000FF"/>
+              <a:rPr lang="ru-RU" dirty="0">
+                <a:solidFill>
+                  <a:srgbClr val="008000"/>
                 </a:solidFill>
                 <a:latin typeface="Consolas"/>
               </a:rPr>
-              <a:t>INSERT</a:t>
-            </a:r>
-            <a:r>
-              <a:rPr lang="en-US" dirty="0">
-                <a:solidFill>
-                  <a:prstClr val="black"/>
-                </a:solidFill>
-                <a:latin typeface="Consolas"/>
-              </a:rPr>
-              <a:t> </a:t>
-            </a:r>
-            <a:r>
-              <a:rPr lang="en-US" dirty="0">
-                <a:solidFill>
-                  <a:srgbClr val="0000FF"/>
-                </a:solidFill>
-                <a:latin typeface="Consolas"/>
-              </a:rPr>
-              <a:t>INTO</a:t>
-            </a:r>
-            <a:r>
-              <a:rPr lang="en-US" dirty="0">
-                <a:solidFill>
-                  <a:prstClr val="black"/>
-                </a:solidFill>
-                <a:latin typeface="Consolas"/>
-              </a:rPr>
-              <a:t> </a:t>
-            </a:r>
-            <a:r>
-              <a:rPr lang="en-US" dirty="0" err="1">
-                <a:solidFill>
-                  <a:prstClr val="black"/>
-                </a:solidFill>
-                <a:latin typeface="Consolas"/>
-              </a:rPr>
-              <a:t>CountryCapital</a:t>
-            </a:r>
-            <a:r>
-              <a:rPr lang="en-US" dirty="0">
-                <a:solidFill>
-                  <a:srgbClr val="0000FF"/>
-                </a:solidFill>
-                <a:latin typeface="Consolas"/>
-              </a:rPr>
-              <a:t> </a:t>
-            </a:r>
-            <a:r>
-              <a:rPr lang="en-US" dirty="0">
-                <a:solidFill>
-                  <a:srgbClr val="808080"/>
-                </a:solidFill>
-                <a:latin typeface="Consolas"/>
-              </a:rPr>
-              <a:t>(</a:t>
-            </a:r>
-            <a:r>
-              <a:rPr lang="en-US" dirty="0" err="1">
-                <a:solidFill>
-                  <a:prstClr val="black"/>
-                </a:solidFill>
-                <a:latin typeface="Consolas"/>
-              </a:rPr>
-              <a:t>PartOfWorld</a:t>
-            </a:r>
-            <a:r>
-              <a:rPr lang="en-US" dirty="0">
-                <a:solidFill>
-                  <a:srgbClr val="808080"/>
-                </a:solidFill>
-                <a:latin typeface="Consolas"/>
-              </a:rPr>
-              <a:t>,</a:t>
-            </a:r>
-            <a:r>
-              <a:rPr lang="en-US" dirty="0">
-                <a:solidFill>
-                  <a:prstClr val="black"/>
-                </a:solidFill>
-                <a:latin typeface="Consolas"/>
-              </a:rPr>
-              <a:t> Country</a:t>
-            </a:r>
-            <a:r>
-              <a:rPr lang="en-US" dirty="0">
-                <a:solidFill>
-                  <a:srgbClr val="808080"/>
-                </a:solidFill>
-                <a:latin typeface="Consolas"/>
-              </a:rPr>
-              <a:t>,</a:t>
-            </a:r>
-            <a:r>
-              <a:rPr lang="en-US" dirty="0">
-                <a:solidFill>
-                  <a:prstClr val="black"/>
-                </a:solidFill>
-                <a:latin typeface="Consolas"/>
-              </a:rPr>
-              <a:t> </a:t>
-            </a:r>
-            <a:r>
-              <a:rPr lang="en-US" dirty="0" err="1">
-                <a:solidFill>
-                  <a:prstClr val="black"/>
-                </a:solidFill>
-                <a:latin typeface="Consolas"/>
-              </a:rPr>
-              <a:t>CapitalCity</a:t>
-            </a:r>
-            <a:r>
-              <a:rPr lang="en-US" dirty="0">
-                <a:solidFill>
-                  <a:srgbClr val="808080"/>
-                </a:solidFill>
-                <a:latin typeface="Consolas"/>
-              </a:rPr>
-              <a:t>)</a:t>
-            </a:r>
-            <a:endParaRPr lang="en-US" dirty="0">
-              <a:solidFill>
-                <a:prstClr val="black"/>
-              </a:solidFill>
-              <a:latin typeface="Consolas"/>
-            </a:endParaRPr>
-          </a:p>
-          <a:p>
-            <a:r>
-              <a:rPr lang="en-US" dirty="0">
-                <a:solidFill>
-                  <a:prstClr val="black"/>
-                </a:solidFill>
-                <a:latin typeface="Consolas"/>
-              </a:rPr>
-              <a:t>    </a:t>
-            </a:r>
-            <a:r>
-              <a:rPr lang="en-US" dirty="0">
-                <a:solidFill>
-                  <a:srgbClr val="0000FF"/>
-                </a:solidFill>
-                <a:latin typeface="Consolas"/>
-              </a:rPr>
-              <a:t>VALUES </a:t>
-            </a:r>
-            <a:r>
-              <a:rPr lang="en-US" dirty="0">
-                <a:solidFill>
-                  <a:srgbClr val="808080"/>
-                </a:solidFill>
-                <a:latin typeface="Consolas"/>
-              </a:rPr>
-              <a:t>(</a:t>
-            </a:r>
-            <a:r>
-              <a:rPr lang="en-US" dirty="0">
-                <a:solidFill>
-                  <a:srgbClr val="FF0000"/>
-                </a:solidFill>
-                <a:latin typeface="Consolas"/>
-              </a:rPr>
-              <a:t>'</a:t>
-            </a:r>
-            <a:r>
-              <a:rPr lang="ru-RU" dirty="0">
-                <a:solidFill>
-                  <a:srgbClr val="FF0000"/>
-                </a:solidFill>
-                <a:latin typeface="Consolas"/>
-              </a:rPr>
-              <a:t>Европа'</a:t>
-            </a:r>
-            <a:r>
-              <a:rPr lang="ru-RU" dirty="0">
-                <a:solidFill>
-                  <a:srgbClr val="808080"/>
-                </a:solidFill>
-                <a:latin typeface="Consolas"/>
-              </a:rPr>
-              <a:t>,</a:t>
-            </a:r>
-            <a:r>
-              <a:rPr lang="ru-RU" dirty="0">
-                <a:solidFill>
-                  <a:prstClr val="black"/>
-                </a:solidFill>
-                <a:latin typeface="Consolas"/>
-              </a:rPr>
-              <a:t> </a:t>
-            </a:r>
-            <a:r>
-              <a:rPr lang="ru-RU" dirty="0">
-                <a:solidFill>
-                  <a:srgbClr val="FF0000"/>
-                </a:solidFill>
-                <a:latin typeface="Consolas"/>
-              </a:rPr>
-              <a:t>'Австрия'</a:t>
-            </a:r>
-            <a:r>
-              <a:rPr lang="ru-RU" dirty="0">
-                <a:solidFill>
-                  <a:srgbClr val="808080"/>
-                </a:solidFill>
-                <a:latin typeface="Consolas"/>
-              </a:rPr>
-              <a:t>,</a:t>
-            </a:r>
-            <a:r>
-              <a:rPr lang="ru-RU" dirty="0">
-                <a:solidFill>
-                  <a:prstClr val="black"/>
-                </a:solidFill>
-                <a:latin typeface="Consolas"/>
-              </a:rPr>
-              <a:t> </a:t>
-            </a:r>
-            <a:r>
-              <a:rPr lang="ru-RU" dirty="0">
-                <a:solidFill>
-                  <a:srgbClr val="FF0000"/>
-                </a:solidFill>
-                <a:latin typeface="Consolas"/>
-              </a:rPr>
-              <a:t>'Вена'</a:t>
-            </a:r>
-            <a:r>
-              <a:rPr lang="ru-RU" dirty="0">
-                <a:solidFill>
-                  <a:srgbClr val="808080"/>
-                </a:solidFill>
-                <a:latin typeface="Consolas"/>
-              </a:rPr>
-              <a:t>)</a:t>
+              <a:t>/*</a:t>
             </a:r>
             <a:endParaRPr lang="ru-RU" dirty="0">
               <a:solidFill>
@@ -8946,110 +9582,29 @@
             <a:r>
               <a:rPr lang="ru-RU" dirty="0">
                 <a:solidFill>
-                  <a:prstClr val="black"/>
+                  <a:srgbClr val="008000"/>
                 </a:solidFill>
                 <a:latin typeface="Consolas"/>
               </a:rPr>
-              <a:t>         </a:t>
+              <a:t>    Пример простого </a:t>
+            </a:r>
+            <a:r>
+              <a:rPr lang="en-US" dirty="0">
+                <a:solidFill>
+                  <a:srgbClr val="008000"/>
+                </a:solidFill>
+                <a:latin typeface="Consolas"/>
+              </a:rPr>
+              <a:t>T-SQL </a:t>
             </a:r>
             <a:r>
               <a:rPr lang="ru-RU" dirty="0">
                 <a:solidFill>
-                  <a:srgbClr val="808080"/>
+                  <a:srgbClr val="008000"/>
                 </a:solidFill>
                 <a:latin typeface="Consolas"/>
               </a:rPr>
-              <a:t>,</a:t>
-            </a:r>
-            <a:r>
-              <a:rPr lang="ru-RU" dirty="0">
-                <a:solidFill>
-                  <a:srgbClr val="0000FF"/>
-                </a:solidFill>
-                <a:latin typeface="Consolas"/>
-              </a:rPr>
-              <a:t> </a:t>
-            </a:r>
-            <a:r>
-              <a:rPr lang="ru-RU" dirty="0">
-                <a:solidFill>
-                  <a:srgbClr val="808080"/>
-                </a:solidFill>
-                <a:latin typeface="Consolas"/>
-              </a:rPr>
-              <a:t>(</a:t>
-            </a:r>
-            <a:r>
-              <a:rPr lang="ru-RU" dirty="0">
-                <a:solidFill>
-                  <a:srgbClr val="FF0000"/>
-                </a:solidFill>
-                <a:latin typeface="Consolas"/>
-              </a:rPr>
-              <a:t>'Европа'</a:t>
-            </a:r>
-            <a:r>
-              <a:rPr lang="ru-RU" dirty="0">
-                <a:solidFill>
-                  <a:srgbClr val="808080"/>
-                </a:solidFill>
-                <a:latin typeface="Consolas"/>
-              </a:rPr>
-              <a:t>,</a:t>
-            </a:r>
-            <a:r>
-              <a:rPr lang="ru-RU" dirty="0">
-                <a:solidFill>
-                  <a:prstClr val="black"/>
-                </a:solidFill>
-                <a:latin typeface="Consolas"/>
-              </a:rPr>
-              <a:t> </a:t>
-            </a:r>
-            <a:r>
-              <a:rPr lang="ru-RU" dirty="0">
-                <a:solidFill>
-                  <a:srgbClr val="FF0000"/>
-                </a:solidFill>
-                <a:latin typeface="Consolas"/>
-              </a:rPr>
-              <a:t>'Албания'</a:t>
-            </a:r>
-            <a:r>
-              <a:rPr lang="ru-RU" dirty="0">
-                <a:solidFill>
-                  <a:srgbClr val="808080"/>
-                </a:solidFill>
-                <a:latin typeface="Consolas"/>
-              </a:rPr>
-              <a:t>,</a:t>
-            </a:r>
-            <a:r>
-              <a:rPr lang="ru-RU" dirty="0">
-                <a:solidFill>
-                  <a:prstClr val="black"/>
-                </a:solidFill>
-                <a:latin typeface="Consolas"/>
-              </a:rPr>
-              <a:t> </a:t>
-            </a:r>
-            <a:r>
-              <a:rPr lang="ru-RU" dirty="0">
-                <a:solidFill>
-                  <a:srgbClr val="FF0000"/>
-                </a:solidFill>
-                <a:latin typeface="Consolas"/>
-              </a:rPr>
-              <a:t>'Тирана'</a:t>
-            </a:r>
-            <a:r>
-              <a:rPr lang="ru-RU" dirty="0">
-                <a:solidFill>
-                  <a:srgbClr val="808080"/>
-                </a:solidFill>
-                <a:latin typeface="Consolas"/>
-              </a:rPr>
-              <a:t>)</a:t>
+              <a:t>скрипта</a:t>
             </a:r>
             <a:endParaRPr lang="ru-RU" dirty="0">
               <a:solidFill>
@@ -9062,110 +9617,11 @@
             <a:r>
               <a:rPr lang="ru-RU" dirty="0">
                 <a:solidFill>
-                  <a:prstClr val="black"/>
+                  <a:srgbClr val="008000"/>
                 </a:solidFill>
                 <a:latin typeface="Consolas"/>
               </a:rPr>
-              <a:t>         </a:t>
-            </a:r>
-            <a:r>
-              <a:rPr lang="ru-RU" dirty="0">
-                <a:solidFill>
-                  <a:srgbClr val="808080"/>
-                </a:solidFill>
-                <a:latin typeface="Consolas"/>
-              </a:rPr>
-              <a:t>,</a:t>
-            </a:r>
-            <a:r>
-              <a:rPr lang="ru-RU" dirty="0">
-                <a:solidFill>
-                  <a:srgbClr val="0000FF"/>
-                </a:solidFill>
-                <a:latin typeface="Consolas"/>
-              </a:rPr>
-              <a:t> </a:t>
-            </a:r>
-            <a:r>
-              <a:rPr lang="ru-RU" dirty="0">
-                <a:solidFill>
-                  <a:srgbClr val="808080"/>
-                </a:solidFill>
-                <a:latin typeface="Consolas"/>
-              </a:rPr>
-              <a:t>(</a:t>
-            </a:r>
-            <a:r>
-              <a:rPr lang="ru-RU" dirty="0">
-                <a:solidFill>
-                  <a:srgbClr val="FF0000"/>
-                </a:solidFill>
-                <a:latin typeface="Consolas"/>
-              </a:rPr>
-              <a:t>'Европа'</a:t>
-            </a:r>
-            <a:r>
-              <a:rPr lang="ru-RU" dirty="0">
-                <a:solidFill>
-                  <a:srgbClr val="808080"/>
-                </a:solidFill>
-                <a:latin typeface="Consolas"/>
-              </a:rPr>
-              <a:t>,</a:t>
-            </a:r>
-            <a:r>
-              <a:rPr lang="ru-RU" dirty="0">
-                <a:solidFill>
-                  <a:prstClr val="black"/>
-                </a:solidFill>
-                <a:latin typeface="Consolas"/>
-              </a:rPr>
-              <a:t> </a:t>
-            </a:r>
-            <a:r>
-              <a:rPr lang="ru-RU" dirty="0">
-                <a:solidFill>
-                  <a:srgbClr val="FF0000"/>
-                </a:solidFill>
-                <a:latin typeface="Consolas"/>
-              </a:rPr>
-              <a:t>'Андорра'</a:t>
-            </a:r>
-            <a:r>
-              <a:rPr lang="ru-RU" dirty="0">
-                <a:solidFill>
-                  <a:srgbClr val="808080"/>
-                </a:solidFill>
-                <a:latin typeface="Consolas"/>
-              </a:rPr>
-              <a:t>,</a:t>
-            </a:r>
-            <a:r>
-              <a:rPr lang="ru-RU" dirty="0">
-                <a:solidFill>
-                  <a:prstClr val="black"/>
-                </a:solidFill>
-                <a:latin typeface="Consolas"/>
-              </a:rPr>
-              <a:t> </a:t>
-            </a:r>
-            <a:r>
-              <a:rPr lang="ru-RU" dirty="0">
-                <a:solidFill>
-                  <a:srgbClr val="FF0000"/>
-                </a:solidFill>
-                <a:latin typeface="Consolas"/>
-              </a:rPr>
-              <a:t>'Андорра-ла-Велья'</a:t>
-            </a:r>
-            <a:r>
-              <a:rPr lang="ru-RU" dirty="0">
-                <a:solidFill>
-                  <a:srgbClr val="808080"/>
-                </a:solidFill>
-                <a:latin typeface="Consolas"/>
-              </a:rPr>
-              <a:t>)</a:t>
+              <a:t>*/</a:t>
             </a:r>
             <a:endParaRPr lang="ru-RU" dirty="0">
               <a:solidFill>
@@ -9178,20 +9634,29 @@
             <a:r>
               <a:rPr lang="ru-RU" dirty="0">
                 <a:solidFill>
+                  <a:srgbClr val="0000FF"/>
+                </a:solidFill>
+                <a:latin typeface="Consolas"/>
+              </a:rPr>
+              <a:t>EXEC</a:t>
+            </a:r>
+            <a:r>
+              <a:rPr lang="ru-RU" dirty="0">
+                <a:solidFill>
                   <a:prstClr val="black"/>
                 </a:solidFill>
                 <a:latin typeface="Consolas"/>
               </a:rPr>
-              <a:t>         </a:t>
+              <a:t> </a:t>
             </a:r>
             <a:r>
               <a:rPr lang="ru-RU" dirty="0">
                 <a:solidFill>
-                  <a:srgbClr val="808080"/>
+                  <a:srgbClr val="800000"/>
                 </a:solidFill>
                 <a:latin typeface="Consolas"/>
               </a:rPr>
-              <a:t>,</a:t>
+              <a:t>sp_help</a:t>
             </a:r>
             <a:r>
               <a:rPr lang="ru-RU" dirty="0">
@@ -9205,83 +9670,11 @@
             <a:r>
               <a:rPr lang="ru-RU" dirty="0">
                 <a:solidFill>
-                  <a:srgbClr val="808080"/>
+                  <a:srgbClr val="008000"/>
                 </a:solidFill>
                 <a:latin typeface="Consolas"/>
               </a:rPr>
-              <a:t>(</a:t>
-            </a:r>
-            <a:r>
-              <a:rPr lang="ru-RU" dirty="0">
-                <a:solidFill>
-                  <a:srgbClr val="FF0000"/>
-                </a:solidFill>
-                <a:latin typeface="Consolas"/>
-              </a:rPr>
-              <a:t>'Европа'</a:t>
-            </a:r>
-            <a:r>
-              <a:rPr lang="ru-RU" dirty="0">
-                <a:solidFill>
-                  <a:srgbClr val="808080"/>
-                </a:solidFill>
-                <a:latin typeface="Consolas"/>
-              </a:rPr>
-              <a:t>,</a:t>
-            </a:r>
-            <a:r>
-              <a:rPr lang="ru-RU" dirty="0">
-                <a:solidFill>
-                  <a:prstClr val="black"/>
-                </a:solidFill>
-                <a:latin typeface="Consolas"/>
-              </a:rPr>
-              <a:t> </a:t>
-            </a:r>
-            <a:r>
-              <a:rPr lang="ru-RU" dirty="0">
-                <a:solidFill>
-                  <a:srgbClr val="FF0000"/>
-                </a:solidFill>
-                <a:latin typeface="Consolas"/>
-              </a:rPr>
-              <a:t>'Белоруссия'</a:t>
-            </a:r>
-            <a:r>
-              <a:rPr lang="ru-RU" dirty="0">
-                <a:solidFill>
-                  <a:srgbClr val="808080"/>
-                </a:solidFill>
-                <a:latin typeface="Consolas"/>
-              </a:rPr>
-              <a:t>,</a:t>
-            </a:r>
-            <a:r>
-              <a:rPr lang="ru-RU" dirty="0">
-                <a:solidFill>
-                  <a:prstClr val="black"/>
-                </a:solidFill>
-                <a:latin typeface="Consolas"/>
-              </a:rPr>
-              <a:t> </a:t>
-            </a:r>
-            <a:r>
-              <a:rPr lang="ru-RU" dirty="0">
-                <a:solidFill>
-                  <a:srgbClr val="FF0000"/>
-                </a:solidFill>
-                <a:latin typeface="Consolas"/>
-              </a:rPr>
-              <a:t>'Минск'</a:t>
-            </a:r>
-            <a:r>
-              <a:rPr lang="ru-RU" dirty="0">
-                <a:solidFill>
-                  <a:srgbClr val="808080"/>
-                </a:solidFill>
-                <a:latin typeface="Consolas"/>
-              </a:rPr>
-              <a:t>)</a:t>
+              <a:t>-- Выполняем системную хранимую процедуру sp_help</a:t>
             </a:r>
             <a:endParaRPr lang="ru-RU" dirty="0">
               <a:solidFill>
@@ -9291,114 +9684,6 @@
             </a:endParaRPr>
           </a:p>
           <a:p>
-            <a:r>
-              <a:rPr lang="ru-RU" dirty="0">
-                <a:solidFill>
-                  <a:prstClr val="black"/>
-                </a:solidFill>
-                <a:latin typeface="Consolas"/>
-              </a:rPr>
-              <a:t>         </a:t>
-            </a:r>
-            <a:r>
-              <a:rPr lang="ru-RU" dirty="0">
-                <a:solidFill>
-                  <a:srgbClr val="808080"/>
-                </a:solidFill>
-                <a:latin typeface="Consolas"/>
-              </a:rPr>
-              <a:t>,</a:t>
-            </a:r>
-            <a:r>
-              <a:rPr lang="ru-RU" dirty="0">
-                <a:solidFill>
-                  <a:srgbClr val="0000FF"/>
-                </a:solidFill>
-                <a:latin typeface="Consolas"/>
-              </a:rPr>
-              <a:t> </a:t>
-            </a:r>
-            <a:r>
-              <a:rPr lang="ru-RU" dirty="0">
-                <a:solidFill>
-                  <a:srgbClr val="808080"/>
-                </a:solidFill>
-                <a:latin typeface="Consolas"/>
-              </a:rPr>
-              <a:t>(</a:t>
-            </a:r>
-            <a:r>
-              <a:rPr lang="ru-RU" dirty="0">
-                <a:solidFill>
-                  <a:srgbClr val="FF0000"/>
-                </a:solidFill>
-                <a:latin typeface="Consolas"/>
-              </a:rPr>
-              <a:t>'Европа'</a:t>
-            </a:r>
-            <a:r>
-              <a:rPr lang="ru-RU" dirty="0">
-                <a:solidFill>
-                  <a:srgbClr val="808080"/>
-                </a:solidFill>
-                <a:latin typeface="Consolas"/>
-              </a:rPr>
-              <a:t>,</a:t>
-            </a:r>
-            <a:r>
-              <a:rPr lang="ru-RU" dirty="0">
-                <a:solidFill>
-                  <a:prstClr val="black"/>
-                </a:solidFill>
-                <a:latin typeface="Consolas"/>
-              </a:rPr>
-              <a:t> </a:t>
-            </a:r>
-            <a:r>
-              <a:rPr lang="ru-RU" dirty="0">
-                <a:solidFill>
-                  <a:srgbClr val="FF0000"/>
-                </a:solidFill>
-                <a:latin typeface="Consolas"/>
-              </a:rPr>
-              <a:t>'Бельгия'</a:t>
-            </a:r>
-            <a:r>
-              <a:rPr lang="ru-RU" dirty="0">
-                <a:solidFill>
-                  <a:srgbClr val="808080"/>
-                </a:solidFill>
-                <a:latin typeface="Consolas"/>
-              </a:rPr>
-              <a:t>,</a:t>
-            </a:r>
-            <a:r>
-              <a:rPr lang="ru-RU" dirty="0">
-                <a:solidFill>
-                  <a:prstClr val="black"/>
-                </a:solidFill>
-                <a:latin typeface="Consolas"/>
-              </a:rPr>
-              <a:t> </a:t>
-            </a:r>
-            <a:r>
-              <a:rPr lang="ru-RU" dirty="0">
-                <a:solidFill>
-                  <a:srgbClr val="FF0000"/>
-                </a:solidFill>
-                <a:latin typeface="Consolas"/>
-              </a:rPr>
-              <a:t>'Брюссель'</a:t>
-            </a:r>
-            <a:r>
-              <a:rPr lang="ru-RU" dirty="0">
-                <a:solidFill>
-                  <a:srgbClr val="808080"/>
-                </a:solidFill>
-                <a:latin typeface="Consolas"/>
-              </a:rPr>
-              <a:t>)</a:t>
-            </a:r>
             <a:endParaRPr lang="ru-RU" dirty="0">
               <a:solidFill>
                 <a:prstClr val="black"/>
@@ -9406,20 +9691,12 @@
               <a:latin typeface="Consolas"/>
             </a:endParaRPr>
           </a:p>
-          <a:p>
-            <a:endParaRPr lang="ru-RU" dirty="0">
-              <a:solidFill>
-                <a:prstClr val="black"/>
-              </a:solidFill>
-              <a:latin typeface="Consolas"/>
-            </a:endParaRPr>
-          </a:p>
         </p:txBody>
       </p:sp>
     </p:spTree>
     <p:extLst>
       <p:ext uri="{BB962C8B-B14F-4D97-AF65-F5344CB8AC3E}">
-        <p14:creationId xmlns:p14="http://schemas.microsoft.com/office/powerpoint/2010/main" val="1003551259"/>
+        <p14:creationId xmlns:p14="http://schemas.microsoft.com/office/powerpoint/2010/main" val="2524908556"/>
       </p:ext>
     </p:extLst>
   </p:cSld>
@@ -9469,12 +9746,12 @@
           <a:lstStyle/>
           <a:p>
             <a:r>
+              <a:rPr lang="ru-RU" dirty="0" smtClean="0"/>
+              <a:t>Ограничения </a:t>
+            </a:r>
+            <a:r>
               <a:rPr lang="en-US" dirty="0" smtClean="0"/>
-              <a:t>T-SQL: </a:t>
-            </a:r>
-            <a:r>
-              <a:rPr lang="ru-RU" dirty="0" smtClean="0"/>
-              <a:t>Комментарии</a:t>
+              <a:t>(constraints)</a:t>
             </a:r>
             <a:endParaRPr lang="en-US" dirty="0"/>
           </a:p>
@@ -9490,205 +9767,50 @@
             <p:ph idx="1"/>
           </p:nvPr>
         </p:nvSpPr>
-        <p:spPr>
-          <a:xfrm>
-            <a:off x="457200" y="1600201"/>
-            <a:ext cx="8147248" cy="1180728"/>
-          </a:xfrm>
-        </p:spPr>
+        <p:spPr/>
         <p:txBody>
-          <a:bodyPr>
-            <a:normAutofit/>
-          </a:bodyPr>
+          <a:bodyPr/>
           <a:lstStyle/>
           <a:p>
-            <a:pPr marL="0" indent="0">
-              <a:buNone/>
-            </a:pPr>
             <a:r>
               <a:rPr lang="en-US" dirty="0" smtClean="0"/>
-              <a:t>SQL </a:t>
-            </a:r>
-            <a:r>
-              <a:rPr lang="ru-RU" dirty="0" smtClean="0"/>
-              <a:t>поддерживает однострочные (--) и многострочные комментарии (</a:t>
-            </a:r>
+              <a:t>NOT NULL</a:t>
+            </a:r>
+          </a:p>
+          <a:p>
             <a:r>
               <a:rPr lang="en-US" dirty="0" smtClean="0"/>
-              <a:t>/* ... */</a:t>
-            </a:r>
-            <a:r>
-              <a:rPr lang="ru-RU" dirty="0" smtClean="0"/>
-              <a:t>:</a:t>
-            </a:r>
-          </a:p>
-          <a:p>
-            <a:pPr marL="0" indent="0">
-              <a:buNone/>
-            </a:pPr>
-            <a:endParaRPr lang="en-US" dirty="0"/>
-          </a:p>
-        </p:txBody>
-      </p:sp>
-      <p:sp>
-        <p:nvSpPr>
-          <p:cNvPr id="5" name="Rectangle 4"/>
-          <p:cNvSpPr/>
-          <p:nvPr/>
-        </p:nvSpPr>
-        <p:spPr>
-          <a:xfrm>
-            <a:off x="457200" y="2837835"/>
-            <a:ext cx="8147248" cy="1477328"/>
-          </a:xfrm>
-          <a:prstGeom prst="rect">
-            <a:avLst/>
-          </a:prstGeom>
-          <a:solidFill>
-            <a:schemeClr val="bg1"/>
-          </a:solidFill>
-        </p:spPr>
-        <p:txBody>
-          <a:bodyPr wrap="square">
-            <a:spAutoFit/>
-          </a:bodyPr>
-          <a:lstStyle/>
-          <a:p>
-            <a:r>
-              <a:rPr lang="ru-RU" dirty="0">
-                <a:solidFill>
-                  <a:srgbClr val="008000"/>
-                </a:solidFill>
-                <a:latin typeface="Consolas"/>
-              </a:rPr>
-              <a:t>/*</a:t>
-            </a:r>
-            <a:endParaRPr lang="ru-RU" dirty="0">
-              <a:solidFill>
-                <a:prstClr val="black"/>
-              </a:solidFill>
-              <a:latin typeface="Consolas"/>
-            </a:endParaRPr>
-          </a:p>
-          <a:p>
-            <a:r>
-              <a:rPr lang="ru-RU" dirty="0">
-                <a:solidFill>
-                  <a:srgbClr val="008000"/>
-                </a:solidFill>
-                <a:latin typeface="Consolas"/>
-              </a:rPr>
-              <a:t>    Пример простого </a:t>
-            </a:r>
-            <a:r>
-              <a:rPr lang="en-US" dirty="0">
-                <a:solidFill>
-                  <a:srgbClr val="008000"/>
-                </a:solidFill>
-                <a:latin typeface="Consolas"/>
-              </a:rPr>
-              <a:t>T-SQL </a:t>
-            </a:r>
-            <a:r>
-              <a:rPr lang="ru-RU" dirty="0">
-                <a:solidFill>
-                  <a:srgbClr val="008000"/>
-                </a:solidFill>
-                <a:latin typeface="Consolas"/>
-              </a:rPr>
-              <a:t>скрипта</a:t>
-            </a:r>
-            <a:endParaRPr lang="ru-RU" dirty="0">
-              <a:solidFill>
-                <a:prstClr val="black"/>
-              </a:solidFill>
-              <a:latin typeface="Consolas"/>
-            </a:endParaRPr>
-          </a:p>
-          <a:p>
-            <a:r>
-              <a:rPr lang="ru-RU" dirty="0">
-                <a:solidFill>
-                  <a:srgbClr val="008000"/>
-                </a:solidFill>
-                <a:latin typeface="Consolas"/>
-              </a:rPr>
-              <a:t>*/</a:t>
-            </a:r>
-            <a:endParaRPr lang="ru-RU" dirty="0">
-              <a:solidFill>
-                <a:prstClr val="black"/>
-              </a:solidFill>
-              <a:latin typeface="Consolas"/>
-            </a:endParaRPr>
-          </a:p>
-          <a:p>
-            <a:r>
-              <a:rPr lang="ru-RU" dirty="0">
-                <a:solidFill>
-                  <a:srgbClr val="0000FF"/>
-                </a:solidFill>
-                <a:latin typeface="Consolas"/>
-              </a:rPr>
-              <a:t>EXEC</a:t>
-            </a:r>
-            <a:r>
-              <a:rPr lang="ru-RU" dirty="0">
-                <a:solidFill>
-                  <a:prstClr val="black"/>
-                </a:solidFill>
-                <a:latin typeface="Consolas"/>
-              </a:rPr>
-              <a:t> </a:t>
-            </a:r>
-            <a:r>
-              <a:rPr lang="ru-RU" dirty="0">
-                <a:solidFill>
-                  <a:srgbClr val="800000"/>
-                </a:solidFill>
-                <a:latin typeface="Consolas"/>
-              </a:rPr>
-              <a:t>sp_help</a:t>
-            </a:r>
-            <a:r>
-              <a:rPr lang="ru-RU" dirty="0">
-                <a:solidFill>
-                  <a:srgbClr val="0000FF"/>
-                </a:solidFill>
-                <a:latin typeface="Consolas"/>
-              </a:rPr>
-              <a:t> </a:t>
-            </a:r>
-            <a:r>
-              <a:rPr lang="ru-RU" dirty="0">
-                <a:solidFill>
-                  <a:srgbClr val="008000"/>
-                </a:solidFill>
-                <a:latin typeface="Consolas"/>
-              </a:rPr>
-              <a:t>-- Выполняем системную хранимую процедуру sp_help</a:t>
-            </a:r>
-            <a:endParaRPr lang="ru-RU" dirty="0">
-              <a:solidFill>
-                <a:prstClr val="black"/>
-              </a:solidFill>
-              <a:latin typeface="Consolas"/>
-            </a:endParaRPr>
-          </a:p>
-          <a:p>
-            <a:endParaRPr lang="ru-RU" dirty="0">
-              <a:solidFill>
-                <a:prstClr val="black"/>
-              </a:solidFill>
-              <a:latin typeface="Consolas"/>
-            </a:endParaRPr>
+              <a:t>CHECK</a:t>
+            </a:r>
+          </a:p>
+          <a:p>
+            <a:r>
+              <a:rPr lang="en-US" dirty="0" smtClean="0"/>
+              <a:t>UNIQUE</a:t>
+            </a:r>
+          </a:p>
+          <a:p>
+            <a:r>
+              <a:rPr lang="en-US" dirty="0" smtClean="0"/>
+              <a:t>PRIMARY KEY</a:t>
+            </a:r>
+          </a:p>
+          <a:p>
+            <a:r>
+              <a:rPr lang="en-US" dirty="0" smtClean="0"/>
+              <a:t> FOREIGN </a:t>
+            </a:r>
+            <a:r>
+              <a:rPr lang="en-US" dirty="0"/>
+              <a:t>KEY</a:t>
+            </a:r>
           </a:p>
         </p:txBody>
       </p:sp>
     </p:spTree>
     <p:extLst>
       <p:ext uri="{BB962C8B-B14F-4D97-AF65-F5344CB8AC3E}">
-        <p14:creationId xmlns:p14="http://schemas.microsoft.com/office/powerpoint/2010/main" val="2524908556"/>
+        <p14:creationId xmlns:p14="http://schemas.microsoft.com/office/powerpoint/2010/main" val="3114920222"/>
       </p:ext>
     </p:extLst>
   </p:cSld>
@@ -9739,11 +9861,7 @@
           <a:p>
             <a:r>
               <a:rPr lang="ru-RU" dirty="0" smtClean="0"/>
-              <a:t>Ограничения </a:t>
-            </a:r>
-            <a:r>
-              <a:rPr lang="en-US" dirty="0" smtClean="0"/>
-              <a:t>(constraints)</a:t>
+              <a:t>Хранимые процедуры</a:t>
             </a:r>
             <a:endParaRPr lang="en-US" dirty="0"/>
           </a:p>
@@ -9759,50 +9877,63 @@
             <p:ph idx="1"/>
           </p:nvPr>
         </p:nvSpPr>
-        <p:spPr/>
+        <p:spPr>
+          <a:xfrm>
+            <a:off x="457200" y="1600200"/>
+            <a:ext cx="8229600" cy="3773015"/>
+          </a:xfrm>
+        </p:spPr>
         <p:txBody>
           <a:bodyPr/>
           <a:lstStyle/>
           <a:p>
+            <a:pPr marL="0" indent="0">
+              <a:buNone/>
+            </a:pPr>
+            <a:r>
+              <a:rPr lang="ru-RU" dirty="0" smtClean="0"/>
+              <a:t>Хранимая процедура это функция на языке </a:t>
+            </a:r>
             <a:r>
               <a:rPr lang="en-US" dirty="0" smtClean="0"/>
-              <a:t>NOT NULL</a:t>
-            </a:r>
-          </a:p>
-          <a:p>
+              <a:t>SQL. </a:t>
+            </a:r>
+            <a:r>
+              <a:rPr lang="ru-RU" dirty="0" smtClean="0"/>
+              <a:t>У процедуры могут быть параметры. Для создания процедуры используется команда </a:t>
+            </a:r>
             <a:r>
               <a:rPr lang="en-US" dirty="0" smtClean="0"/>
-              <a:t>CHECK</a:t>
-            </a:r>
-          </a:p>
-          <a:p>
+              <a:t>CREATE PROC, </a:t>
+            </a:r>
+            <a:r>
+              <a:rPr lang="ru-RU" dirty="0" smtClean="0"/>
+              <a:t>для изменения </a:t>
+            </a:r>
             <a:r>
               <a:rPr lang="en-US" dirty="0" smtClean="0"/>
-              <a:t>UNIQUE</a:t>
-            </a:r>
-          </a:p>
-          <a:p>
+              <a:t>ALTER PROC </a:t>
+            </a:r>
+            <a:r>
+              <a:rPr lang="ru-RU" dirty="0" smtClean="0"/>
+              <a:t>и </a:t>
+            </a:r>
             <a:r>
               <a:rPr lang="en-US" dirty="0" smtClean="0"/>
-              <a:t>PRIMARY KEY</a:t>
-            </a:r>
-          </a:p>
-          <a:p>
-            <a:r>
-              <a:rPr lang="en-US" dirty="0" smtClean="0"/>
-              <a:t> FOREIGN </a:t>
-            </a:r>
-            <a:r>
-              <a:rPr lang="en-US" dirty="0"/>
-              <a:t>KEY</a:t>
-            </a:r>
+              <a:t>DROP PROC </a:t>
+            </a:r>
+            <a:r>
+              <a:rPr lang="ru-RU" dirty="0" smtClean="0"/>
+              <a:t>для удаления.</a:t>
+            </a:r>
+            <a:endParaRPr lang="en-US" dirty="0" smtClean="0"/>
           </a:p>
         </p:txBody>
       </p:sp>
     </p:spTree>
     <p:extLst>
       <p:ext uri="{BB962C8B-B14F-4D97-AF65-F5344CB8AC3E}">
-        <p14:creationId xmlns:p14="http://schemas.microsoft.com/office/powerpoint/2010/main" val="3114920222"/>
+        <p14:creationId xmlns:p14="http://schemas.microsoft.com/office/powerpoint/2010/main" val="2533733971"/>
       </p:ext>
     </p:extLst>
   </p:cSld>
@@ -10066,129 +10197,6 @@
           <a:p>
             <a:r>
               <a:rPr lang="ru-RU" dirty="0" smtClean="0"/>
-              <a:t>Хранимые процедуры</a:t>
-            </a:r>
-            <a:endParaRPr lang="en-US" dirty="0"/>
-          </a:p>
-        </p:txBody>
-      </p:sp>
-      <p:sp>
-        <p:nvSpPr>
-          <p:cNvPr id="3" name="Content Placeholder 2"/>
-          <p:cNvSpPr>
-            <a:spLocks noGrp="1"/>
-          </p:cNvSpPr>
-          <p:nvPr>
-            <p:ph idx="1"/>
-          </p:nvPr>
-        </p:nvSpPr>
-        <p:spPr>
-          <a:xfrm>
-            <a:off x="457200" y="1600200"/>
-            <a:ext cx="8229600" cy="3773015"/>
-          </a:xfrm>
-        </p:spPr>
-        <p:txBody>
-          <a:bodyPr/>
-          <a:lstStyle/>
-          <a:p>
-            <a:pPr marL="0" indent="0">
-              <a:buNone/>
-            </a:pPr>
-            <a:r>
-              <a:rPr lang="ru-RU" dirty="0" smtClean="0"/>
-              <a:t>Хранимая процедура это функция на языке </a:t>
-            </a:r>
-            <a:r>
-              <a:rPr lang="en-US" dirty="0" smtClean="0"/>
-              <a:t>SQL. </a:t>
-            </a:r>
-            <a:r>
-              <a:rPr lang="ru-RU" dirty="0" smtClean="0"/>
-              <a:t>У процедуры могут быть параметры. Для создания процедуры используется команда </a:t>
-            </a:r>
-            <a:r>
-              <a:rPr lang="en-US" dirty="0" smtClean="0"/>
-              <a:t>CREATE PROC, </a:t>
-            </a:r>
-            <a:r>
-              <a:rPr lang="ru-RU" dirty="0" smtClean="0"/>
-              <a:t>для изменения </a:t>
-            </a:r>
-            <a:r>
-              <a:rPr lang="en-US" dirty="0" smtClean="0"/>
-              <a:t>ALTER PROC </a:t>
-            </a:r>
-            <a:r>
-              <a:rPr lang="ru-RU" dirty="0" smtClean="0"/>
-              <a:t>и </a:t>
-            </a:r>
-            <a:r>
-              <a:rPr lang="en-US" dirty="0" smtClean="0"/>
-              <a:t>DROP PROC </a:t>
-            </a:r>
-            <a:r>
-              <a:rPr lang="ru-RU" dirty="0" smtClean="0"/>
-              <a:t>для удаления.</a:t>
-            </a:r>
-            <a:endParaRPr lang="en-US" dirty="0" smtClean="0"/>
-          </a:p>
-        </p:txBody>
-      </p:sp>
-    </p:spTree>
-    <p:extLst>
-      <p:ext uri="{BB962C8B-B14F-4D97-AF65-F5344CB8AC3E}">
-        <p14:creationId xmlns:p14="http://schemas.microsoft.com/office/powerpoint/2010/main" val="2533733971"/>
-      </p:ext>
-    </p:extLst>
-  </p:cSld>
-  <p:clrMapOvr>
-    <a:masterClrMapping/>
-  </p:clrMapOvr>
-  <p:timing>
-    <p:tnLst>
-      <p:par>
-        <p:cTn id="1" dur="indefinite" restart="never" nodeType="tmRoot"/>
-      </p:par>
-    </p:tnLst>
-  </p:timing>
-</p:sld>
-</file>
-
-<file path=ppt/slides/slide31.xml><?xml version="1.0" encoding="utf-8"?>
-<p:sld xmlns:a="http://schemas.openxmlformats.org/drawingml/2006/main" xmlns:r="http://schemas.openxmlformats.org/officeDocument/2006/relationships" xmlns:p="http://schemas.openxmlformats.org/presentationml/2006/main">
-  <p:cSld>
-    <p:spTree>
-      <p:nvGrpSpPr>
-        <p:cNvPr id="1" name=""/>
-        <p:cNvGrpSpPr/>
-        <p:nvPr/>
-      </p:nvGrpSpPr>
-      <p:grpSpPr>
-        <a:xfrm>
-          <a:off x="0" y="0"/>
-          <a:ext cx="0" cy="0"/>
-          <a:chOff x="0" y="0"/>
-          <a:chExt cx="0" cy="0"/>
-        </a:xfrm>
-      </p:grpSpPr>
-      <p:sp>
-        <p:nvSpPr>
-          <p:cNvPr id="2" name="Title 1"/>
-          <p:cNvSpPr>
-            <a:spLocks noGrp="1"/>
-          </p:cNvSpPr>
-          <p:nvPr>
-            <p:ph type="title"/>
-          </p:nvPr>
-        </p:nvSpPr>
-        <p:spPr/>
-        <p:txBody>
-          <a:bodyPr/>
-          <a:lstStyle/>
-          <a:p>
-            <a:r>
-              <a:rPr lang="ru-RU" dirty="0" smtClean="0"/>
               <a:t>Триггеры</a:t>
             </a:r>
             <a:endParaRPr lang="en-US" dirty="0"/>
@@ -10369,7 +10377,7 @@
 </p:sld>
 </file>
 
-<file path=ppt/slides/slide32.xml><?xml version="1.0" encoding="utf-8"?>
+<file path=ppt/slides/slide31.xml><?xml version="1.0" encoding="utf-8"?>
 <p:sld xmlns:a="http://schemas.openxmlformats.org/drawingml/2006/main" xmlns:r="http://schemas.openxmlformats.org/officeDocument/2006/relationships" xmlns:p="http://schemas.openxmlformats.org/presentationml/2006/main">
   <p:cSld>
     <p:spTree>
@@ -11478,130 +11486,139 @@
           <a:chExt cx="0" cy="0"/>
         </a:xfrm>
       </p:grpSpPr>
-      <p:pic>
-        <p:nvPicPr>
-          <p:cNvPr id="4098" name="Picture 2"/>
-          <p:cNvPicPr>
-            <a:picLocks noChangeAspect="1" noChangeArrowheads="1"/>
-          </p:cNvPicPr>
-          <p:nvPr/>
-        </p:nvPicPr>
-        <p:blipFill>
-          <a:blip r:embed="rId2">
-            <a:extLst>
-              <a:ext uri="{28A0092B-C50C-407E-A947-70E740481C1C}">
-                <a14:useLocalDpi xmlns:a14="http://schemas.microsoft.com/office/drawing/2010/main" val="0"/>
-              </a:ext>
-            </a:extLst>
-          </a:blip>
-          <a:srcRect/>
-          <a:stretch>
-            <a:fillRect/>
-          </a:stretch>
-        </p:blipFill>
-        <p:spPr bwMode="auto">
-          <a:xfrm>
-            <a:off x="150813" y="1600200"/>
-            <a:ext cx="8840787" cy="3352800"/>
-          </a:xfrm>
-          <a:prstGeom prst="rect">
-            <a:avLst/>
-          </a:prstGeom>
-          <a:noFill/>
-          <a:ln>
-            <a:noFill/>
-          </a:ln>
-          <a:extLst>
-            <a:ext uri="{909E8E84-426E-40DD-AFC4-6F175D3DCCD1}">
-              <a14:hiddenFill xmlns:a14="http://schemas.microsoft.com/office/drawing/2010/main">
-                <a:solidFill>
-                  <a:srgbClr val="FFFFFF"/>
-                </a:solidFill>
-              </a14:hiddenFill>
-            </a:ext>
-            <a:ext uri="{91240B29-F687-4F45-9708-019B960494DF}">
-              <a14:hiddenLine xmlns:a14="http://schemas.microsoft.com/office/drawing/2010/main" w="9525">
-                <a:solidFill>
-                  <a:srgbClr val="000000"/>
-                </a:solidFill>
-                <a:miter lim="800000"/>
-                <a:headEnd/>
-                <a:tailEnd/>
-              </a14:hiddenLine>
-            </a:ext>
-          </a:extLst>
-        </p:spPr>
-      </p:pic>
       <p:sp>
         <p:nvSpPr>
-          <p:cNvPr id="4099" name="Прямоугольник 2"/>
+          <p:cNvPr id="2" name="Title 1"/>
           <p:cNvSpPr>
-            <a:spLocks noChangeArrowheads="1"/>
+            <a:spLocks noGrp="1"/>
           </p:cNvSpPr>
-          <p:nvPr/>
+          <p:nvPr>
+            <p:ph type="title"/>
+          </p:nvPr>
         </p:nvSpPr>
-        <p:spPr bwMode="auto">
-          <a:xfrm>
-            <a:off x="152400" y="76200"/>
-            <a:ext cx="8839200" cy="708025"/>
-          </a:xfrm>
-          <a:prstGeom prst="rect">
-            <a:avLst/>
-          </a:prstGeom>
-          <a:noFill/>
-          <a:ln>
-            <a:noFill/>
-          </a:ln>
-          <a:extLst>
-            <a:ext uri="{909E8E84-426E-40DD-AFC4-6F175D3DCCD1}">
-              <a14:hiddenFill xmlns:a14="http://schemas.microsoft.com/office/drawing/2010/main">
-                <a:solidFill>
-                  <a:srgbClr val="FFFFFF"/>
-                </a:solidFill>
-              </a14:hiddenFill>
-            </a:ext>
-            <a:ext uri="{91240B29-F687-4F45-9708-019B960494DF}">
-              <a14:hiddenLine xmlns:a14="http://schemas.microsoft.com/office/drawing/2010/main" w="9525">
-                <a:solidFill>
-                  <a:srgbClr val="000000"/>
-                </a:solidFill>
-                <a:miter lim="800000"/>
-                <a:headEnd/>
-                <a:tailEnd/>
-              </a14:hiddenLine>
-            </a:ext>
-          </a:extLst>
-        </p:spPr>
+        <p:spPr/>
         <p:txBody>
           <a:bodyPr>
-            <a:spAutoFit/>
+            <a:normAutofit fontScale="90000"/>
           </a:bodyPr>
           <a:lstStyle/>
           <a:p>
-            <a:pPr algn="ctr"/>
-            <a:r>
-              <a:rPr lang="ru-RU" sz="2400" b="1"/>
-              <a:t>Реляционная БД</a:t>
-            </a:r>
-            <a:r>
-              <a:rPr lang="be-BY" sz="2400" b="1"/>
-              <a:t>.</a:t>
-            </a:r>
-          </a:p>
-          <a:p>
-            <a:pPr algn="ctr"/>
-            <a:r>
-              <a:rPr lang="ru-RU" sz="1600" b="1"/>
-              <a:t>Отношение.</a:t>
-            </a:r>
-            <a:endParaRPr lang="be-BY" sz="1600" b="1"/>
+            <a:r>
+              <a:rPr lang="ru-RU" dirty="0" smtClean="0"/>
+              <a:t>Инструменты для работы с </a:t>
+            </a:r>
+            <a:r>
+              <a:rPr lang="en-US" dirty="0" smtClean="0"/>
+              <a:t>SQL Server</a:t>
+            </a:r>
+            <a:endParaRPr lang="ru-RU" dirty="0"/>
+          </a:p>
+        </p:txBody>
+      </p:sp>
+      <p:sp>
+        <p:nvSpPr>
+          <p:cNvPr id="3" name="Content Placeholder 2"/>
+          <p:cNvSpPr>
+            <a:spLocks noGrp="1"/>
+          </p:cNvSpPr>
+          <p:nvPr>
+            <p:ph idx="1"/>
+          </p:nvPr>
+        </p:nvSpPr>
+        <p:spPr/>
+        <p:txBody>
+          <a:bodyPr/>
+          <a:lstStyle/>
+          <a:p>
+            <a:r>
+              <a:rPr lang="en-US" dirty="0" smtClean="0"/>
+              <a:t>SQL Server Management Studio</a:t>
+            </a:r>
+            <a:r>
+              <a:rPr lang="ru-RU" dirty="0" smtClean="0"/>
+              <a:t> </a:t>
+            </a:r>
+            <a:r>
+              <a:rPr lang="en-US" dirty="0" smtClean="0"/>
+              <a:t>Express</a:t>
+            </a:r>
+          </a:p>
+          <a:p>
+            <a:pPr lvl="1"/>
+            <a:r>
+              <a:rPr lang="ru-RU" dirty="0" smtClean="0"/>
+              <a:t>Ставится отдельно. Качается бесплатно с сайта </a:t>
+            </a:r>
+            <a:r>
+              <a:rPr lang="en-US" dirty="0" smtClean="0"/>
+              <a:t>Microsoft</a:t>
+            </a:r>
+          </a:p>
+          <a:p>
+            <a:r>
+              <a:rPr lang="en-US" dirty="0"/>
+              <a:t>Microsoft SQL Server Data </a:t>
+            </a:r>
+            <a:r>
+              <a:rPr lang="en-US" dirty="0" smtClean="0"/>
+              <a:t>Tools</a:t>
+            </a:r>
+          </a:p>
+          <a:p>
+            <a:pPr lvl="1"/>
+            <a:r>
+              <a:rPr lang="ru-RU" dirty="0" smtClean="0"/>
+              <a:t>Расширение для </a:t>
+            </a:r>
+            <a:r>
+              <a:rPr lang="en-US" dirty="0" smtClean="0"/>
+              <a:t>Visual Studio</a:t>
+            </a:r>
+            <a:r>
+              <a:rPr lang="ru-RU" dirty="0" smtClean="0"/>
+              <a:t>. </a:t>
+            </a:r>
+            <a:r>
+              <a:rPr lang="ru-RU" dirty="0"/>
+              <a:t>Ставится отдельно. Качается бесплатно с сайта </a:t>
+            </a:r>
+            <a:r>
+              <a:rPr lang="en-US" dirty="0" smtClean="0"/>
+              <a:t>Microsoft</a:t>
+            </a:r>
+            <a:r>
+              <a:rPr lang="ru-RU" dirty="0" smtClean="0"/>
+              <a:t/>
+            </a:r>
+            <a:br>
+              <a:rPr lang="ru-RU" dirty="0" smtClean="0"/>
+            </a:br>
+            <a:r>
+              <a:rPr lang="en-US" dirty="0" smtClean="0">
+                <a:hlinkClick r:id="rId2"/>
+              </a:rPr>
+              <a:t>https</a:t>
+            </a:r>
+            <a:r>
+              <a:rPr lang="en-US" dirty="0">
+                <a:hlinkClick r:id="rId2"/>
+              </a:rPr>
+              <a:t>://</a:t>
+            </a:r>
+            <a:r>
+              <a:rPr lang="en-US" dirty="0" smtClean="0">
+                <a:hlinkClick r:id="rId2"/>
+              </a:rPr>
+              <a:t>msdn.microsoft.com/en-us/data/tools.aspx</a:t>
+            </a:r>
+            <a:endParaRPr lang="ru-RU" dirty="0" smtClean="0"/>
           </a:p>
         </p:txBody>
       </p:sp>
     </p:spTree>
     <p:extLst>
       <p:ext uri="{BB962C8B-B14F-4D97-AF65-F5344CB8AC3E}">
-        <p14:creationId xmlns:p14="http://schemas.microsoft.com/office/powerpoint/2010/main" val="796670954"/>
+        <p14:creationId xmlns:p14="http://schemas.microsoft.com/office/powerpoint/2010/main" val="1233609667"/>
       </p:ext>
     </p:extLst>
   </p:cSld>

--- a/Presentation/lesson-09-sql.pptx
+++ b/Presentation/lesson-09-sql.pptx
@@ -5,7 +5,7 @@
     <p:sldMasterId id="2147483648" r:id="rId1"/>
   </p:sldMasterIdLst>
   <p:notesMasterIdLst>
-    <p:notesMasterId r:id="rId33"/>
+    <p:notesMasterId r:id="rId34"/>
   </p:notesMasterIdLst>
   <p:sldIdLst>
     <p:sldId id="256" r:id="rId2"/>
@@ -29,16 +29,17 @@
     <p:sldId id="262" r:id="rId20"/>
     <p:sldId id="263" r:id="rId21"/>
     <p:sldId id="264" r:id="rId22"/>
-    <p:sldId id="265" r:id="rId23"/>
-    <p:sldId id="266" r:id="rId24"/>
-    <p:sldId id="286" r:id="rId25"/>
-    <p:sldId id="267" r:id="rId26"/>
-    <p:sldId id="271" r:id="rId27"/>
-    <p:sldId id="282" r:id="rId28"/>
-    <p:sldId id="288" r:id="rId29"/>
-    <p:sldId id="280" r:id="rId30"/>
-    <p:sldId id="272" r:id="rId31"/>
-    <p:sldId id="273" r:id="rId32"/>
+    <p:sldId id="291" r:id="rId23"/>
+    <p:sldId id="265" r:id="rId24"/>
+    <p:sldId id="266" r:id="rId25"/>
+    <p:sldId id="286" r:id="rId26"/>
+    <p:sldId id="267" r:id="rId27"/>
+    <p:sldId id="271" r:id="rId28"/>
+    <p:sldId id="282" r:id="rId29"/>
+    <p:sldId id="288" r:id="rId30"/>
+    <p:sldId id="280" r:id="rId31"/>
+    <p:sldId id="272" r:id="rId32"/>
+    <p:sldId id="273" r:id="rId33"/>
   </p:sldIdLst>
   <p:sldSz cx="9144000" cy="6858000" type="screen4x3"/>
   <p:notesSz cx="6858000" cy="9144000"/>
@@ -222,7 +223,7 @@
           <a:p>
             <a:fld id="{B24A7054-7FFB-49F4-A126-5DF6E687FF53}" type="datetimeFigureOut">
               <a:rPr lang="ru-RU" smtClean="0"/>
-              <a:t>29.03.2015</a:t>
+              <a:t>23.04.2015</a:t>
             </a:fld>
             <a:endParaRPr lang="ru-RU"/>
           </a:p>
@@ -1504,7 +1505,7 @@
           <a:p>
             <a:fld id="{8E6E6A2A-E9D3-4A0D-B04A-ABDD367A1E08}" type="datetimeFigureOut">
               <a:rPr lang="ru-RU" smtClean="0"/>
-              <a:t>29.03.2015</a:t>
+              <a:t>23.04.2015</a:t>
             </a:fld>
             <a:endParaRPr lang="ru-RU"/>
           </a:p>
@@ -2949,7 +2950,7 @@
           <a:p>
             <a:fld id="{AC3D3127-B7C4-45E3-9797-C527EC9FDD78}" type="datetimeFigureOut">
               <a:rPr lang="ru-RU" smtClean="0"/>
-              <a:t>29.03.2015</a:t>
+              <a:t>23.04.2015</a:t>
             </a:fld>
             <a:endParaRPr lang="ru-RU"/>
           </a:p>
@@ -4404,11 +4405,7 @@
             </a:r>
             <a:r>
               <a:rPr lang="ru-RU" dirty="0" smtClean="0"/>
-              <a:t> </a:t>
-            </a:r>
-            <a:r>
-              <a:rPr lang="ru-RU" dirty="0" smtClean="0"/>
-              <a:t>не должны использоваться для хранения ваших данных:</a:t>
+              <a:t> не должны использоваться для хранения ваших данных:</a:t>
             </a:r>
           </a:p>
           <a:p>
@@ -6904,71 +6901,71 @@
           <a:p>
             <a:pPr lvl="2"/>
             <a:r>
-              <a:rPr lang="be-BY" sz="1600"/>
+              <a:rPr lang="be-BY" sz="1600" dirty="0"/>
               <a:t>Здесь использованы следующие обозначения:</a:t>
             </a:r>
           </a:p>
           <a:p>
             <a:pPr lvl="2"/>
             <a:r>
-              <a:rPr lang="ru-RU" sz="1600"/>
+              <a:rPr lang="ru-RU" sz="1600" dirty="0"/>
               <a:t>• column – имя столбца (или константа, или выражение);</a:t>
             </a:r>
           </a:p>
           <a:p>
             <a:pPr lvl="2"/>
             <a:r>
-              <a:rPr lang="ru-RU" sz="1600"/>
+              <a:rPr lang="ru-RU" sz="1600" dirty="0"/>
               <a:t>• DISTINCT - результат не будет содержать строк-дубликатов;</a:t>
             </a:r>
           </a:p>
           <a:p>
             <a:pPr lvl="2"/>
             <a:r>
-              <a:rPr lang="ru-RU" sz="1600"/>
+              <a:rPr lang="ru-RU" sz="1600" dirty="0"/>
               <a:t>• ALL - результат может содержать дублирующие строки (по умолчанию);</a:t>
             </a:r>
           </a:p>
           <a:p>
             <a:pPr lvl="2"/>
             <a:r>
-              <a:rPr lang="be-BY" sz="1600"/>
+              <a:rPr lang="be-BY" sz="1600" dirty="0"/>
               <a:t>• * - все столбцы;</a:t>
             </a:r>
           </a:p>
           <a:p>
             <a:pPr lvl="2"/>
             <a:r>
-              <a:rPr lang="en-US" sz="1600"/>
+              <a:rPr lang="en-US" sz="1600" dirty="0"/>
               <a:t>• table - </a:t>
             </a:r>
             <a:r>
-              <a:rPr lang="be-BY" sz="1600"/>
+              <a:rPr lang="be-BY" sz="1600" dirty="0"/>
               <a:t>имя таблицы;</a:t>
             </a:r>
           </a:p>
           <a:p>
             <a:pPr lvl="2"/>
             <a:r>
-              <a:rPr lang="ru-RU" sz="1600"/>
+              <a:rPr lang="ru-RU" sz="1600" dirty="0"/>
               <a:t>• alias - сокращение для имени таблицы;</a:t>
             </a:r>
           </a:p>
           <a:p>
             <a:pPr lvl="2"/>
             <a:r>
-              <a:rPr lang="ru-RU" sz="1600"/>
+              <a:rPr lang="ru-RU" sz="1600" dirty="0"/>
               <a:t>• condition - условие фильтрации строк данных;</a:t>
             </a:r>
           </a:p>
           <a:p>
             <a:pPr lvl="2"/>
             <a:r>
-              <a:rPr lang="en-US" sz="1600"/>
+              <a:rPr lang="en-US" sz="1600" dirty="0"/>
               <a:t>• list - </a:t>
             </a:r>
             <a:r>
-              <a:rPr lang="be-BY" sz="1600"/>
+              <a:rPr lang="be-BY" sz="1600" dirty="0"/>
               <a:t>список столбцов;</a:t>
             </a:r>
           </a:p>
@@ -7349,228 +7346,1137 @@
       </p:grpSpPr>
       <p:sp>
         <p:nvSpPr>
-          <p:cNvPr id="10242" name="Прямоугольник 2"/>
+          <p:cNvPr id="2" name="Title 1"/>
           <p:cNvSpPr>
-            <a:spLocks noChangeArrowheads="1"/>
+            <a:spLocks noGrp="1"/>
           </p:cNvSpPr>
-          <p:nvPr/>
+          <p:nvPr>
+            <p:ph type="title"/>
+          </p:nvPr>
         </p:nvSpPr>
-        <p:spPr bwMode="auto">
+        <p:spPr>
           <a:xfrm>
-            <a:off x="152400" y="0"/>
-            <a:ext cx="8839200" cy="461963"/>
+            <a:off x="457200" y="274638"/>
+            <a:ext cx="8229600" cy="1143000"/>
           </a:xfrm>
-          <a:prstGeom prst="rect">
-            <a:avLst/>
-          </a:prstGeom>
-          <a:noFill/>
-          <a:ln>
-            <a:noFill/>
-          </a:ln>
-          <a:extLst>
-            <a:ext uri="{909E8E84-426E-40DD-AFC4-6F175D3DCCD1}">
-              <a14:hiddenFill xmlns:a14="http://schemas.microsoft.com/office/drawing/2010/main">
-                <a:solidFill>
-                  <a:srgbClr val="FFFFFF"/>
-                </a:solidFill>
-              </a14:hiddenFill>
-            </a:ext>
-            <a:ext uri="{91240B29-F687-4F45-9708-019B960494DF}">
-              <a14:hiddenLine xmlns:a14="http://schemas.microsoft.com/office/drawing/2010/main" w="9525">
-                <a:solidFill>
-                  <a:srgbClr val="000000"/>
-                </a:solidFill>
-                <a:miter lim="800000"/>
-                <a:headEnd/>
-                <a:tailEnd/>
-              </a14:hiddenLine>
-            </a:ext>
-          </a:extLst>
         </p:spPr>
         <p:txBody>
           <a:bodyPr>
-            <a:spAutoFit/>
+            <a:normAutofit/>
           </a:bodyPr>
           <a:lstStyle/>
           <a:p>
-            <a:pPr algn="ctr"/>
-            <a:r>
-              <a:rPr lang="ru-RU" sz="2400" b="1"/>
-              <a:t>GROUP BY</a:t>
-            </a:r>
-            <a:r>
-              <a:rPr lang="en-US" sz="2400" b="1"/>
-              <a:t>.</a:t>
-            </a:r>
-            <a:endParaRPr lang="be-BY" sz="2400" b="1"/>
+            <a:r>
+              <a:rPr lang="ru-RU" dirty="0" smtClean="0"/>
+              <a:t>Оператор </a:t>
+            </a:r>
+            <a:r>
+              <a:rPr lang="en-US" dirty="0" smtClean="0"/>
+              <a:t>LIKE</a:t>
+            </a:r>
+            <a:endParaRPr lang="ru-RU" dirty="0"/>
           </a:p>
         </p:txBody>
       </p:sp>
-      <p:sp>
-        <p:nvSpPr>
-          <p:cNvPr id="10243" name="Прямоугольник 4"/>
-          <p:cNvSpPr>
-            <a:spLocks noChangeArrowheads="1"/>
-          </p:cNvSpPr>
-          <p:nvPr/>
-        </p:nvSpPr>
-        <p:spPr bwMode="auto">
-          <a:xfrm>
-            <a:off x="152400" y="457200"/>
-            <a:ext cx="8839200" cy="4524375"/>
-          </a:xfrm>
-          <a:prstGeom prst="rect">
-            <a:avLst/>
-          </a:prstGeom>
-          <a:noFill/>
-          <a:ln>
-            <a:noFill/>
-          </a:ln>
-          <a:extLst>
-            <a:ext uri="{909E8E84-426E-40DD-AFC4-6F175D3DCCD1}">
-              <a14:hiddenFill xmlns:a14="http://schemas.microsoft.com/office/drawing/2010/main">
-                <a:solidFill>
-                  <a:srgbClr val="FFFFFF"/>
-                </a:solidFill>
-              </a14:hiddenFill>
-            </a:ext>
-            <a:ext uri="{91240B29-F687-4F45-9708-019B960494DF}">
-              <a14:hiddenLine xmlns:a14="http://schemas.microsoft.com/office/drawing/2010/main" w="9525">
-                <a:solidFill>
-                  <a:srgbClr val="000000"/>
-                </a:solidFill>
-                <a:miter lim="800000"/>
-                <a:headEnd/>
-                <a:tailEnd/>
-              </a14:hiddenLine>
-            </a:ext>
-          </a:extLst>
-        </p:spPr>
-        <p:txBody>
-          <a:bodyPr>
-            <a:spAutoFit/>
-          </a:bodyPr>
-          <a:lstStyle/>
-          <a:p>
-            <a:r>
-              <a:rPr lang="ru-RU" sz="1200"/>
-              <a:t>	Запрос, включающий в себя предложение </a:t>
-            </a:r>
-            <a:r>
-              <a:rPr lang="ru-RU" sz="1200" b="1"/>
-              <a:t>GROUP BY</a:t>
-            </a:r>
-            <a:r>
-              <a:rPr lang="ru-RU" sz="1200"/>
-              <a:t>, называется запросом с группировкой, поскольку он объединяет строки исходных таблиц в группы и для каждой группы строк генерирует одну строку в таблице результатов запроса. Столбцы, указанные в предложении GROUP BY, называются столбцами группировки (возможно указание нескольких столбцов – группировка по комбинации значений), поскольку именно они определяют, по какому признаку строки делятся на группы.</a:t>
-            </a:r>
-          </a:p>
-          <a:p>
-            <a:r>
-              <a:rPr lang="ru-RU" sz="1200"/>
-              <a:t>Ограничения на синтаксис группирующих запросов и особенности выполнения: </a:t>
-            </a:r>
-          </a:p>
-          <a:p>
-            <a:r>
-              <a:rPr lang="ru-RU" sz="1200" b="1"/>
-              <a:t>1)</a:t>
-            </a:r>
-            <a:r>
-              <a:rPr lang="ru-RU" sz="1200"/>
-              <a:t> Столбцы с группировкой должны представлять собой реальные столбцы таблиц, перечисленных в предложении FROM. Нельзя группировать строки на основании значения вычисляемого выражения. </a:t>
-            </a:r>
-          </a:p>
-          <a:p>
-            <a:r>
-              <a:rPr lang="ru-RU" sz="1200" b="1"/>
-              <a:t>2)</a:t>
-            </a:r>
-            <a:r>
-              <a:rPr lang="ru-RU" sz="1200"/>
-              <a:t> Все имена столбцов, приведенные в описании SELECT должны обязательно присутствовать и в секции GROUP BY. Это означает, что возвращаемым столбцом может быть: </a:t>
-            </a:r>
-            <a:endParaRPr lang="be-BY" sz="1200"/>
-          </a:p>
-          <a:p>
-            <a:pPr lvl="1"/>
-            <a:r>
-              <a:rPr lang="be-BY" sz="1200"/>
-              <a:t>• константа; </a:t>
-            </a:r>
-          </a:p>
-          <a:p>
-            <a:pPr lvl="1"/>
-            <a:r>
-              <a:rPr lang="ru-RU" sz="1200"/>
-              <a:t>• статистическая функция, возвращающая одно значение для всех строк, входящих в группу; </a:t>
-            </a:r>
-          </a:p>
-          <a:p>
-            <a:pPr lvl="1"/>
-            <a:r>
-              <a:rPr lang="ru-RU" sz="1200"/>
-              <a:t>• столбец группировки, который по определению имеет одно и то же значение во всех строках группы; </a:t>
-            </a:r>
-          </a:p>
-          <a:p>
-            <a:pPr lvl="1"/>
-            <a:r>
-              <a:rPr lang="ru-RU" sz="1200"/>
-              <a:t>• выражение, включающее в себя перечисленные выше элементы.</a:t>
-            </a:r>
-          </a:p>
-          <a:p>
-            <a:r>
-              <a:rPr lang="ru-RU" sz="1200" b="1"/>
-              <a:t>3)</a:t>
-            </a:r>
-            <a:r>
-              <a:rPr lang="ru-RU" sz="1200"/>
-              <a:t> Если совместно с GROUP BY используется WHERE, то WHERE обрабатывается первым, а группированию подвергаются только те строки, которые удовлетворяют условию фильтра. По ISO, NULL-значения входят в одну группу.</a:t>
-            </a:r>
-          </a:p>
-          <a:p>
-            <a:endParaRPr lang="ru-RU" sz="1200"/>
-          </a:p>
-          <a:p>
-            <a:endParaRPr lang="ru-RU" sz="1200"/>
-          </a:p>
-          <a:p>
-            <a:r>
-              <a:rPr lang="ru-RU" sz="1200"/>
-              <a:t>	</a:t>
-            </a:r>
-            <a:r>
-              <a:rPr lang="ru-RU" sz="1200" b="1"/>
-              <a:t>Подзапросы</a:t>
-            </a:r>
-            <a:r>
-              <a:rPr lang="ru-RU" sz="1200"/>
-              <a:t> – запросы с помощью оператора SELECT, помещенные в секции WHERE и (или) HAVING внешнего оператора SELECT. Подзапрос создает временную таблицу, содержимое которой извлекается и обрабатывается внешним оператором (обычно предикатом внешнего запроса). Текст подзапроса должен быть заключен в круглые скобки и располагается всегда в правой части операции внешнего запроса. В подзапросах не должна </a:t>
-            </a:r>
-            <a:r>
-              <a:rPr lang="be-BY" sz="1200"/>
-              <a:t>использоваться секция </a:t>
-            </a:r>
-            <a:r>
-              <a:rPr lang="en-US" sz="1200"/>
-              <a:t>ORDER BY. </a:t>
-            </a:r>
-            <a:r>
-              <a:rPr lang="ru-RU" sz="1200"/>
-              <a:t> </a:t>
-            </a:r>
-          </a:p>
-          <a:p>
-            <a:endParaRPr lang="ru-RU" sz="1200"/>
-          </a:p>
-        </p:txBody>
-      </p:sp>
+      <p:graphicFrame>
+        <p:nvGraphicFramePr>
+          <p:cNvPr id="4" name="Table 3"/>
+          <p:cNvGraphicFramePr>
+            <a:graphicFrameLocks noGrp="1"/>
+          </p:cNvGraphicFramePr>
+          <p:nvPr>
+            <p:extLst>
+              <p:ext uri="{D42A27DB-BD31-4B8C-83A1-F6EECF244321}">
+                <p14:modId xmlns:p14="http://schemas.microsoft.com/office/powerpoint/2010/main" val="1610938236"/>
+              </p:ext>
+            </p:extLst>
+          </p:nvPr>
+        </p:nvGraphicFramePr>
+        <p:xfrm>
+          <a:off x="457200" y="1700808"/>
+          <a:ext cx="8075241" cy="4444536"/>
+        </p:xfrm>
+        <a:graphic>
+          <a:graphicData uri="http://schemas.openxmlformats.org/drawingml/2006/table">
+            <a:tbl>
+              <a:tblPr/>
+              <a:tblGrid>
+                <a:gridCol w="2242592"/>
+                <a:gridCol w="2736304"/>
+                <a:gridCol w="3096345"/>
+              </a:tblGrid>
+              <a:tr h="203414">
+                <a:tc>
+                  <a:txBody>
+                    <a:bodyPr/>
+                    <a:lstStyle/>
+                    <a:p>
+                      <a:r>
+                        <a:rPr lang="ru-RU" sz="1600" dirty="0" smtClean="0">
+                          <a:solidFill>
+                            <a:srgbClr val="0070C0"/>
+                          </a:solidFill>
+                        </a:rPr>
+                        <a:t>Шаблон</a:t>
+                      </a:r>
+                      <a:endParaRPr lang="en-US" sz="1600" dirty="0">
+                        <a:solidFill>
+                          <a:srgbClr val="0070C0"/>
+                        </a:solidFill>
+                      </a:endParaRPr>
+                    </a:p>
+                  </a:txBody>
+                  <a:tcPr marL="50854" marR="50854" marT="25427" marB="25427" anchor="ctr">
+                    <a:lnL w="12700" cap="flat" cmpd="sng" algn="ctr">
+                      <a:solidFill>
+                        <a:schemeClr val="bg1"/>
+                      </a:solidFill>
+                      <a:prstDash val="solid"/>
+                      <a:round/>
+                      <a:headEnd type="none" w="med" len="med"/>
+                      <a:tailEnd type="none" w="med" len="med"/>
+                    </a:lnL>
+                    <a:lnR w="12700" cap="flat" cmpd="sng" algn="ctr">
+                      <a:solidFill>
+                        <a:srgbClr val="0070C0"/>
+                      </a:solidFill>
+                      <a:prstDash val="solid"/>
+                      <a:round/>
+                      <a:headEnd type="none" w="med" len="med"/>
+                      <a:tailEnd type="none" w="med" len="med"/>
+                    </a:lnR>
+                    <a:lnT w="12700" cap="flat" cmpd="sng" algn="ctr">
+                      <a:solidFill>
+                        <a:schemeClr val="bg1"/>
+                      </a:solidFill>
+                      <a:prstDash val="solid"/>
+                      <a:round/>
+                      <a:headEnd type="none" w="med" len="med"/>
+                      <a:tailEnd type="none" w="med" len="med"/>
+                    </a:lnT>
+                    <a:lnB w="12700" cap="flat" cmpd="sng" algn="ctr">
+                      <a:solidFill>
+                        <a:schemeClr val="bg1"/>
+                      </a:solidFill>
+                      <a:prstDash val="solid"/>
+                      <a:round/>
+                      <a:headEnd type="none" w="med" len="med"/>
+                      <a:tailEnd type="none" w="med" len="med"/>
+                    </a:lnB>
+                    <a:solidFill>
+                      <a:schemeClr val="bg1"/>
+                    </a:solidFill>
+                  </a:tcPr>
+                </a:tc>
+                <a:tc>
+                  <a:txBody>
+                    <a:bodyPr/>
+                    <a:lstStyle/>
+                    <a:p>
+                      <a:r>
+                        <a:rPr lang="ru-RU" sz="1600" dirty="0" smtClean="0">
+                          <a:solidFill>
+                            <a:srgbClr val="0070C0"/>
+                          </a:solidFill>
+                        </a:rPr>
+                        <a:t>Описание</a:t>
+                      </a:r>
+                      <a:endParaRPr lang="en-US" sz="1600" dirty="0">
+                        <a:solidFill>
+                          <a:srgbClr val="0070C0"/>
+                        </a:solidFill>
+                      </a:endParaRPr>
+                    </a:p>
+                  </a:txBody>
+                  <a:tcPr marL="50854" marR="50854" marT="25427" marB="25427" anchor="ctr">
+                    <a:lnL w="12700" cap="flat" cmpd="sng" algn="ctr">
+                      <a:solidFill>
+                        <a:srgbClr val="0070C0"/>
+                      </a:solidFill>
+                      <a:prstDash val="solid"/>
+                      <a:round/>
+                      <a:headEnd type="none" w="med" len="med"/>
+                      <a:tailEnd type="none" w="med" len="med"/>
+                    </a:lnL>
+                    <a:lnR w="12700" cap="flat" cmpd="sng" algn="ctr">
+                      <a:solidFill>
+                        <a:srgbClr val="0070C0"/>
+                      </a:solidFill>
+                      <a:prstDash val="solid"/>
+                      <a:round/>
+                      <a:headEnd type="none" w="med" len="med"/>
+                      <a:tailEnd type="none" w="med" len="med"/>
+                    </a:lnR>
+                    <a:lnT w="12700" cap="flat" cmpd="sng" algn="ctr">
+                      <a:solidFill>
+                        <a:schemeClr val="bg1"/>
+                      </a:solidFill>
+                      <a:prstDash val="solid"/>
+                      <a:round/>
+                      <a:headEnd type="none" w="med" len="med"/>
+                      <a:tailEnd type="none" w="med" len="med"/>
+                    </a:lnT>
+                    <a:lnB w="12700" cap="flat" cmpd="sng" algn="ctr">
+                      <a:solidFill>
+                        <a:schemeClr val="bg1"/>
+                      </a:solidFill>
+                      <a:prstDash val="solid"/>
+                      <a:round/>
+                      <a:headEnd type="none" w="med" len="med"/>
+                      <a:tailEnd type="none" w="med" len="med"/>
+                    </a:lnB>
+                    <a:solidFill>
+                      <a:schemeClr val="bg1"/>
+                    </a:solidFill>
+                  </a:tcPr>
+                </a:tc>
+                <a:tc>
+                  <a:txBody>
+                    <a:bodyPr/>
+                    <a:lstStyle/>
+                    <a:p>
+                      <a:r>
+                        <a:rPr lang="ru-RU" sz="1600" dirty="0" smtClean="0">
+                          <a:solidFill>
+                            <a:srgbClr val="0070C0"/>
+                          </a:solidFill>
+                        </a:rPr>
+                        <a:t>Пример</a:t>
+                      </a:r>
+                      <a:endParaRPr lang="en-US" sz="1600" dirty="0">
+                        <a:solidFill>
+                          <a:srgbClr val="0070C0"/>
+                        </a:solidFill>
+                      </a:endParaRPr>
+                    </a:p>
+                  </a:txBody>
+                  <a:tcPr marL="50854" marR="50854" marT="25427" marB="25427" anchor="ctr">
+                    <a:lnL w="12700" cap="flat" cmpd="sng" algn="ctr">
+                      <a:solidFill>
+                        <a:srgbClr val="0070C0"/>
+                      </a:solidFill>
+                      <a:prstDash val="solid"/>
+                      <a:round/>
+                      <a:headEnd type="none" w="med" len="med"/>
+                      <a:tailEnd type="none" w="med" len="med"/>
+                    </a:lnL>
+                    <a:lnR w="12700" cap="flat" cmpd="sng" algn="ctr">
+                      <a:solidFill>
+                        <a:schemeClr val="bg1"/>
+                      </a:solidFill>
+                      <a:prstDash val="solid"/>
+                      <a:round/>
+                      <a:headEnd type="none" w="med" len="med"/>
+                      <a:tailEnd type="none" w="med" len="med"/>
+                    </a:lnR>
+                    <a:lnT w="12700" cap="flat" cmpd="sng" algn="ctr">
+                      <a:solidFill>
+                        <a:schemeClr val="bg1"/>
+                      </a:solidFill>
+                      <a:prstDash val="solid"/>
+                      <a:round/>
+                      <a:headEnd type="none" w="med" len="med"/>
+                      <a:tailEnd type="none" w="med" len="med"/>
+                    </a:lnT>
+                    <a:lnB w="12700" cap="flat" cmpd="sng" algn="ctr">
+                      <a:solidFill>
+                        <a:schemeClr val="bg1"/>
+                      </a:solidFill>
+                      <a:prstDash val="solid"/>
+                      <a:round/>
+                      <a:headEnd type="none" w="med" len="med"/>
+                      <a:tailEnd type="none" w="med" len="med"/>
+                    </a:lnB>
+                    <a:solidFill>
+                      <a:schemeClr val="bg1"/>
+                    </a:solidFill>
+                  </a:tcPr>
+                </a:tc>
+              </a:tr>
+              <a:tr h="813656">
+                <a:tc>
+                  <a:txBody>
+                    <a:bodyPr/>
+                    <a:lstStyle/>
+                    <a:p>
+                      <a:r>
+                        <a:rPr lang="ru-RU" sz="1400" dirty="0"/>
+                        <a:t>%</a:t>
+                      </a:r>
+                    </a:p>
+                  </a:txBody>
+                  <a:tcPr marL="50854" marR="50854" marT="25427" marB="25427" anchor="ctr">
+                    <a:lnL w="12700" cap="flat" cmpd="sng" algn="ctr">
+                      <a:solidFill>
+                        <a:schemeClr val="bg1"/>
+                      </a:solidFill>
+                      <a:prstDash val="solid"/>
+                      <a:round/>
+                      <a:headEnd type="none" w="med" len="med"/>
+                      <a:tailEnd type="none" w="med" len="med"/>
+                    </a:lnL>
+                    <a:lnR w="12700" cap="flat" cmpd="sng" algn="ctr">
+                      <a:solidFill>
+                        <a:schemeClr val="bg1"/>
+                      </a:solidFill>
+                      <a:prstDash val="solid"/>
+                      <a:round/>
+                      <a:headEnd type="none" w="med" len="med"/>
+                      <a:tailEnd type="none" w="med" len="med"/>
+                    </a:lnR>
+                    <a:lnT w="12700" cap="flat" cmpd="sng" algn="ctr">
+                      <a:solidFill>
+                        <a:schemeClr val="bg1"/>
+                      </a:solidFill>
+                      <a:prstDash val="solid"/>
+                      <a:round/>
+                      <a:headEnd type="none" w="med" len="med"/>
+                      <a:tailEnd type="none" w="med" len="med"/>
+                    </a:lnT>
+                    <a:lnB w="12700" cap="flat" cmpd="sng" algn="ctr">
+                      <a:solidFill>
+                        <a:schemeClr val="bg1"/>
+                      </a:solidFill>
+                      <a:prstDash val="solid"/>
+                      <a:round/>
+                      <a:headEnd type="none" w="med" len="med"/>
+                      <a:tailEnd type="none" w="med" len="med"/>
+                    </a:lnB>
+                  </a:tcPr>
+                </a:tc>
+                <a:tc>
+                  <a:txBody>
+                    <a:bodyPr/>
+                    <a:lstStyle/>
+                    <a:p>
+                      <a:r>
+                        <a:rPr lang="ru-RU" sz="1400" dirty="0" smtClean="0"/>
+                        <a:t>Строка</a:t>
+                      </a:r>
+                      <a:r>
+                        <a:rPr lang="ru-RU" sz="1400" baseline="0" dirty="0" smtClean="0"/>
+                        <a:t> любой длины.</a:t>
+                      </a:r>
+                      <a:endParaRPr lang="en-US" sz="1400" dirty="0"/>
+                    </a:p>
+                  </a:txBody>
+                  <a:tcPr marL="50854" marR="50854" marT="25427" marB="25427" anchor="ctr">
+                    <a:lnL w="12700" cap="flat" cmpd="sng" algn="ctr">
+                      <a:solidFill>
+                        <a:schemeClr val="bg1"/>
+                      </a:solidFill>
+                      <a:prstDash val="solid"/>
+                      <a:round/>
+                      <a:headEnd type="none" w="med" len="med"/>
+                      <a:tailEnd type="none" w="med" len="med"/>
+                    </a:lnL>
+                    <a:lnR w="12700" cap="flat" cmpd="sng" algn="ctr">
+                      <a:solidFill>
+                        <a:schemeClr val="bg1"/>
+                      </a:solidFill>
+                      <a:prstDash val="solid"/>
+                      <a:round/>
+                      <a:headEnd type="none" w="med" len="med"/>
+                      <a:tailEnd type="none" w="med" len="med"/>
+                    </a:lnR>
+                    <a:lnT w="12700" cap="flat" cmpd="sng" algn="ctr">
+                      <a:solidFill>
+                        <a:schemeClr val="bg1"/>
+                      </a:solidFill>
+                      <a:prstDash val="solid"/>
+                      <a:round/>
+                      <a:headEnd type="none" w="med" len="med"/>
+                      <a:tailEnd type="none" w="med" len="med"/>
+                    </a:lnT>
+                    <a:lnB w="12700" cap="flat" cmpd="sng" algn="ctr">
+                      <a:solidFill>
+                        <a:schemeClr val="bg1"/>
+                      </a:solidFill>
+                      <a:prstDash val="solid"/>
+                      <a:round/>
+                      <a:headEnd type="none" w="med" len="med"/>
+                      <a:tailEnd type="none" w="med" len="med"/>
+                    </a:lnB>
+                  </a:tcPr>
+                </a:tc>
+                <a:tc>
+                  <a:txBody>
+                    <a:bodyPr/>
+                    <a:lstStyle/>
+                    <a:p>
+                      <a:r>
+                        <a:rPr lang="en-US" sz="1400" dirty="0"/>
+                        <a:t>WHERE title LIKE '%computer%' </a:t>
+                      </a:r>
+                      <a:r>
+                        <a:rPr lang="ru-RU" sz="1400" dirty="0" smtClean="0"/>
+                        <a:t>истина</a:t>
+                      </a:r>
+                      <a:r>
+                        <a:rPr lang="ru-RU" sz="1400" baseline="0" dirty="0" smtClean="0"/>
+                        <a:t> для всех строк содержащих слово </a:t>
+                      </a:r>
+                      <a:r>
+                        <a:rPr lang="en-US" sz="1400" baseline="0" dirty="0" smtClean="0"/>
+                        <a:t>computer </a:t>
+                      </a:r>
+                      <a:r>
+                        <a:rPr lang="ru-RU" sz="1400" baseline="0" dirty="0" smtClean="0"/>
+                        <a:t>в любом месте.</a:t>
+                      </a:r>
+                      <a:endParaRPr lang="en-US" sz="1400" dirty="0"/>
+                    </a:p>
+                  </a:txBody>
+                  <a:tcPr marL="50854" marR="50854" marT="25427" marB="25427" anchor="ctr">
+                    <a:lnL w="12700" cap="flat" cmpd="sng" algn="ctr">
+                      <a:solidFill>
+                        <a:schemeClr val="bg1"/>
+                      </a:solidFill>
+                      <a:prstDash val="solid"/>
+                      <a:round/>
+                      <a:headEnd type="none" w="med" len="med"/>
+                      <a:tailEnd type="none" w="med" len="med"/>
+                    </a:lnL>
+                    <a:lnR w="12700" cap="flat" cmpd="sng" algn="ctr">
+                      <a:solidFill>
+                        <a:schemeClr val="bg1"/>
+                      </a:solidFill>
+                      <a:prstDash val="solid"/>
+                      <a:round/>
+                      <a:headEnd type="none" w="med" len="med"/>
+                      <a:tailEnd type="none" w="med" len="med"/>
+                    </a:lnR>
+                    <a:lnT w="12700" cap="flat" cmpd="sng" algn="ctr">
+                      <a:solidFill>
+                        <a:schemeClr val="bg1"/>
+                      </a:solidFill>
+                      <a:prstDash val="solid"/>
+                      <a:round/>
+                      <a:headEnd type="none" w="med" len="med"/>
+                      <a:tailEnd type="none" w="med" len="med"/>
+                    </a:lnT>
+                    <a:lnB w="12700" cap="flat" cmpd="sng" algn="ctr">
+                      <a:solidFill>
+                        <a:schemeClr val="bg1"/>
+                      </a:solidFill>
+                      <a:prstDash val="solid"/>
+                      <a:round/>
+                      <a:headEnd type="none" w="med" len="med"/>
+                      <a:tailEnd type="none" w="med" len="med"/>
+                    </a:lnB>
+                  </a:tcPr>
+                </a:tc>
+              </a:tr>
+              <a:tr h="813656">
+                <a:tc>
+                  <a:txBody>
+                    <a:bodyPr/>
+                    <a:lstStyle/>
+                    <a:p>
+                      <a:r>
+                        <a:rPr lang="en-US" sz="1400" dirty="0"/>
+                        <a:t>_ </a:t>
+                      </a:r>
+                      <a:r>
+                        <a:rPr lang="en-US" sz="1400" dirty="0" smtClean="0"/>
+                        <a:t>(</a:t>
+                      </a:r>
+                      <a:r>
+                        <a:rPr lang="ru-RU" sz="1400" dirty="0" smtClean="0"/>
+                        <a:t>нижнее подчеркивание</a:t>
+                      </a:r>
+                      <a:r>
+                        <a:rPr lang="en-US" sz="1400" dirty="0" smtClean="0"/>
+                        <a:t>)</a:t>
+                      </a:r>
+                      <a:endParaRPr lang="en-US" sz="1400" dirty="0"/>
+                    </a:p>
+                  </a:txBody>
+                  <a:tcPr marL="50854" marR="50854" marT="25427" marB="25427" anchor="ctr">
+                    <a:lnL w="12700" cap="flat" cmpd="sng" algn="ctr">
+                      <a:solidFill>
+                        <a:schemeClr val="bg1"/>
+                      </a:solidFill>
+                      <a:prstDash val="solid"/>
+                      <a:round/>
+                      <a:headEnd type="none" w="med" len="med"/>
+                      <a:tailEnd type="none" w="med" len="med"/>
+                    </a:lnL>
+                    <a:lnR w="12700" cap="flat" cmpd="sng" algn="ctr">
+                      <a:solidFill>
+                        <a:schemeClr val="bg1"/>
+                      </a:solidFill>
+                      <a:prstDash val="solid"/>
+                      <a:round/>
+                      <a:headEnd type="none" w="med" len="med"/>
+                      <a:tailEnd type="none" w="med" len="med"/>
+                    </a:lnR>
+                    <a:lnT w="12700" cap="flat" cmpd="sng" algn="ctr">
+                      <a:solidFill>
+                        <a:schemeClr val="bg1"/>
+                      </a:solidFill>
+                      <a:prstDash val="solid"/>
+                      <a:round/>
+                      <a:headEnd type="none" w="med" len="med"/>
+                      <a:tailEnd type="none" w="med" len="med"/>
+                    </a:lnT>
+                    <a:lnB w="12700" cap="flat" cmpd="sng" algn="ctr">
+                      <a:solidFill>
+                        <a:schemeClr val="bg1"/>
+                      </a:solidFill>
+                      <a:prstDash val="solid"/>
+                      <a:round/>
+                      <a:headEnd type="none" w="med" len="med"/>
+                      <a:tailEnd type="none" w="med" len="med"/>
+                    </a:lnB>
+                  </a:tcPr>
+                </a:tc>
+                <a:tc>
+                  <a:txBody>
+                    <a:bodyPr/>
+                    <a:lstStyle/>
+                    <a:p>
+                      <a:r>
+                        <a:rPr lang="ru-RU" sz="1400" dirty="0" smtClean="0"/>
+                        <a:t>Один любой символ</a:t>
+                      </a:r>
+                      <a:r>
+                        <a:rPr lang="en-US" sz="1400" dirty="0" smtClean="0"/>
+                        <a:t>.</a:t>
+                      </a:r>
+                      <a:endParaRPr lang="en-US" sz="1400" dirty="0"/>
+                    </a:p>
+                  </a:txBody>
+                  <a:tcPr marL="50854" marR="50854" marT="25427" marB="25427" anchor="ctr">
+                    <a:lnL w="12700" cap="flat" cmpd="sng" algn="ctr">
+                      <a:solidFill>
+                        <a:schemeClr val="bg1"/>
+                      </a:solidFill>
+                      <a:prstDash val="solid"/>
+                      <a:round/>
+                      <a:headEnd type="none" w="med" len="med"/>
+                      <a:tailEnd type="none" w="med" len="med"/>
+                    </a:lnL>
+                    <a:lnR w="12700" cap="flat" cmpd="sng" algn="ctr">
+                      <a:solidFill>
+                        <a:schemeClr val="bg1"/>
+                      </a:solidFill>
+                      <a:prstDash val="solid"/>
+                      <a:round/>
+                      <a:headEnd type="none" w="med" len="med"/>
+                      <a:tailEnd type="none" w="med" len="med"/>
+                    </a:lnR>
+                    <a:lnT w="12700" cap="flat" cmpd="sng" algn="ctr">
+                      <a:solidFill>
+                        <a:schemeClr val="bg1"/>
+                      </a:solidFill>
+                      <a:prstDash val="solid"/>
+                      <a:round/>
+                      <a:headEnd type="none" w="med" len="med"/>
+                      <a:tailEnd type="none" w="med" len="med"/>
+                    </a:lnT>
+                    <a:lnB w="12700" cap="flat" cmpd="sng" algn="ctr">
+                      <a:solidFill>
+                        <a:schemeClr val="bg1"/>
+                      </a:solidFill>
+                      <a:prstDash val="solid"/>
+                      <a:round/>
+                      <a:headEnd type="none" w="med" len="med"/>
+                      <a:tailEnd type="none" w="med" len="med"/>
+                    </a:lnB>
+                  </a:tcPr>
+                </a:tc>
+                <a:tc>
+                  <a:txBody>
+                    <a:bodyPr/>
+                    <a:lstStyle/>
+                    <a:p>
+                      <a:r>
+                        <a:rPr lang="en-US" sz="1400" dirty="0"/>
+                        <a:t>WHERE </a:t>
+                      </a:r>
+                      <a:r>
+                        <a:rPr lang="en-US" sz="1400" dirty="0" err="1"/>
+                        <a:t>au_fname</a:t>
+                      </a:r>
+                      <a:r>
+                        <a:rPr lang="en-US" sz="1400" dirty="0"/>
+                        <a:t> LIKE '_</a:t>
+                      </a:r>
+                      <a:r>
+                        <a:rPr lang="en-US" sz="1400" dirty="0" err="1"/>
+                        <a:t>ean</a:t>
+                      </a:r>
+                      <a:r>
+                        <a:rPr lang="en-US" sz="1400" dirty="0"/>
+                        <a:t>' </a:t>
+                      </a:r>
+                      <a:r>
+                        <a:rPr lang="ru-RU" sz="1400" dirty="0" smtClean="0"/>
+                        <a:t>истина для всех строк длиной в 4 символа и заканчивающихся на </a:t>
+                      </a:r>
+                      <a:r>
+                        <a:rPr lang="en-US" sz="1400" dirty="0" err="1" smtClean="0"/>
+                        <a:t>ean</a:t>
+                      </a:r>
+                      <a:r>
+                        <a:rPr lang="en-US" sz="1400" dirty="0" smtClean="0"/>
+                        <a:t> </a:t>
+                      </a:r>
+                      <a:r>
+                        <a:rPr lang="en-US" sz="1400" dirty="0"/>
+                        <a:t>(Dean, Sean, </a:t>
+                      </a:r>
+                      <a:r>
+                        <a:rPr lang="ru-RU" sz="1400" dirty="0" smtClean="0"/>
+                        <a:t>и т.д.</a:t>
+                      </a:r>
+                      <a:r>
+                        <a:rPr lang="en-US" sz="1400" dirty="0" smtClean="0"/>
+                        <a:t>).</a:t>
+                      </a:r>
+                      <a:endParaRPr lang="en-US" sz="1400" dirty="0"/>
+                    </a:p>
+                  </a:txBody>
+                  <a:tcPr marL="50854" marR="50854" marT="25427" marB="25427" anchor="ctr">
+                    <a:lnL w="12700" cap="flat" cmpd="sng" algn="ctr">
+                      <a:solidFill>
+                        <a:schemeClr val="bg1"/>
+                      </a:solidFill>
+                      <a:prstDash val="solid"/>
+                      <a:round/>
+                      <a:headEnd type="none" w="med" len="med"/>
+                      <a:tailEnd type="none" w="med" len="med"/>
+                    </a:lnL>
+                    <a:lnR w="12700" cap="flat" cmpd="sng" algn="ctr">
+                      <a:solidFill>
+                        <a:schemeClr val="bg1"/>
+                      </a:solidFill>
+                      <a:prstDash val="solid"/>
+                      <a:round/>
+                      <a:headEnd type="none" w="med" len="med"/>
+                      <a:tailEnd type="none" w="med" len="med"/>
+                    </a:lnR>
+                    <a:lnT w="12700" cap="flat" cmpd="sng" algn="ctr">
+                      <a:solidFill>
+                        <a:schemeClr val="bg1"/>
+                      </a:solidFill>
+                      <a:prstDash val="solid"/>
+                      <a:round/>
+                      <a:headEnd type="none" w="med" len="med"/>
+                      <a:tailEnd type="none" w="med" len="med"/>
+                    </a:lnT>
+                    <a:lnB w="12700" cap="flat" cmpd="sng" algn="ctr">
+                      <a:solidFill>
+                        <a:schemeClr val="bg1"/>
+                      </a:solidFill>
+                      <a:prstDash val="solid"/>
+                      <a:round/>
+                      <a:headEnd type="none" w="med" len="med"/>
+                      <a:tailEnd type="none" w="med" len="med"/>
+                    </a:lnB>
+                  </a:tcPr>
+                </a:tc>
+              </a:tr>
+              <a:tr h="1618236">
+                <a:tc>
+                  <a:txBody>
+                    <a:bodyPr/>
+                    <a:lstStyle/>
+                    <a:p>
+                      <a:r>
+                        <a:rPr lang="ru-RU" sz="1400"/>
+                        <a:t>[ ]</a:t>
+                      </a:r>
+                    </a:p>
+                  </a:txBody>
+                  <a:tcPr marL="50854" marR="50854" marT="25427" marB="25427" anchor="ctr">
+                    <a:lnL w="12700" cap="flat" cmpd="sng" algn="ctr">
+                      <a:solidFill>
+                        <a:schemeClr val="bg1"/>
+                      </a:solidFill>
+                      <a:prstDash val="solid"/>
+                      <a:round/>
+                      <a:headEnd type="none" w="med" len="med"/>
+                      <a:tailEnd type="none" w="med" len="med"/>
+                    </a:lnL>
+                    <a:lnR w="12700" cap="flat" cmpd="sng" algn="ctr">
+                      <a:solidFill>
+                        <a:schemeClr val="bg1"/>
+                      </a:solidFill>
+                      <a:prstDash val="solid"/>
+                      <a:round/>
+                      <a:headEnd type="none" w="med" len="med"/>
+                      <a:tailEnd type="none" w="med" len="med"/>
+                    </a:lnR>
+                    <a:lnT w="12700" cap="flat" cmpd="sng" algn="ctr">
+                      <a:solidFill>
+                        <a:schemeClr val="bg1"/>
+                      </a:solidFill>
+                      <a:prstDash val="solid"/>
+                      <a:round/>
+                      <a:headEnd type="none" w="med" len="med"/>
+                      <a:tailEnd type="none" w="med" len="med"/>
+                    </a:lnT>
+                    <a:lnB w="12700" cap="flat" cmpd="sng" algn="ctr">
+                      <a:solidFill>
+                        <a:schemeClr val="bg1"/>
+                      </a:solidFill>
+                      <a:prstDash val="solid"/>
+                      <a:round/>
+                      <a:headEnd type="none" w="med" len="med"/>
+                      <a:tailEnd type="none" w="med" len="med"/>
+                    </a:lnB>
+                  </a:tcPr>
+                </a:tc>
+                <a:tc>
+                  <a:txBody>
+                    <a:bodyPr/>
+                    <a:lstStyle/>
+                    <a:p>
+                      <a:r>
+                        <a:rPr lang="ru-RU" sz="1400" dirty="0" smtClean="0"/>
+                        <a:t>Любой символ из указанного диапазона </a:t>
+                      </a:r>
+                      <a:r>
+                        <a:rPr lang="en-US" sz="1400" dirty="0" smtClean="0"/>
+                        <a:t>([a-f])</a:t>
+                      </a:r>
+                      <a:r>
+                        <a:rPr lang="ru-RU" sz="1400" dirty="0" smtClean="0"/>
+                        <a:t> </a:t>
+                      </a:r>
+                      <a:r>
+                        <a:rPr lang="ru-RU" sz="1400" dirty="0" smtClean="0"/>
+                        <a:t>или множества</a:t>
+                      </a:r>
+                      <a:r>
+                        <a:rPr lang="ru-RU" sz="1400" baseline="0" dirty="0" smtClean="0"/>
+                        <a:t> </a:t>
+                      </a:r>
+                      <a:r>
+                        <a:rPr lang="en-US" sz="1400" dirty="0" smtClean="0"/>
+                        <a:t>([</a:t>
+                      </a:r>
+                      <a:r>
+                        <a:rPr lang="en-US" sz="1400" dirty="0" err="1"/>
+                        <a:t>abcdef</a:t>
+                      </a:r>
+                      <a:r>
+                        <a:rPr lang="en-US" sz="1400" dirty="0" smtClean="0"/>
+                        <a:t>]).</a:t>
+                      </a:r>
+                      <a:r>
+                        <a:rPr lang="ru-RU" sz="1400" dirty="0" smtClean="0"/>
+                        <a:t> При</a:t>
+                      </a:r>
+                      <a:r>
+                        <a:rPr lang="ru-RU" sz="1400" baseline="0" dirty="0" smtClean="0"/>
+                        <a:t> поиске с помощью </a:t>
+                      </a:r>
+                      <a:r>
+                        <a:rPr lang="ru-RU" sz="1400" dirty="0" smtClean="0"/>
+                        <a:t>диапазонов включаемые символы зависят</a:t>
+                      </a:r>
+                      <a:r>
+                        <a:rPr lang="ru-RU" sz="1400" baseline="0" dirty="0" smtClean="0"/>
+                        <a:t> от настроек </a:t>
+                      </a:r>
+                      <a:r>
+                        <a:rPr lang="en-US" sz="1400" baseline="0" dirty="0" smtClean="0"/>
+                        <a:t>collation.</a:t>
+                      </a:r>
+                      <a:endParaRPr lang="en-US" sz="1400" dirty="0"/>
+                    </a:p>
+                  </a:txBody>
+                  <a:tcPr marL="50854" marR="50854" marT="25427" marB="25427" anchor="ctr">
+                    <a:lnL w="12700" cap="flat" cmpd="sng" algn="ctr">
+                      <a:solidFill>
+                        <a:schemeClr val="bg1"/>
+                      </a:solidFill>
+                      <a:prstDash val="solid"/>
+                      <a:round/>
+                      <a:headEnd type="none" w="med" len="med"/>
+                      <a:tailEnd type="none" w="med" len="med"/>
+                    </a:lnL>
+                    <a:lnR w="12700" cap="flat" cmpd="sng" algn="ctr">
+                      <a:solidFill>
+                        <a:schemeClr val="bg1"/>
+                      </a:solidFill>
+                      <a:prstDash val="solid"/>
+                      <a:round/>
+                      <a:headEnd type="none" w="med" len="med"/>
+                      <a:tailEnd type="none" w="med" len="med"/>
+                    </a:lnR>
+                    <a:lnT w="12700" cap="flat" cmpd="sng" algn="ctr">
+                      <a:solidFill>
+                        <a:schemeClr val="bg1"/>
+                      </a:solidFill>
+                      <a:prstDash val="solid"/>
+                      <a:round/>
+                      <a:headEnd type="none" w="med" len="med"/>
+                      <a:tailEnd type="none" w="med" len="med"/>
+                    </a:lnT>
+                    <a:lnB w="12700" cap="flat" cmpd="sng" algn="ctr">
+                      <a:solidFill>
+                        <a:schemeClr val="bg1"/>
+                      </a:solidFill>
+                      <a:prstDash val="solid"/>
+                      <a:round/>
+                      <a:headEnd type="none" w="med" len="med"/>
+                      <a:tailEnd type="none" w="med" len="med"/>
+                    </a:lnB>
+                  </a:tcPr>
+                </a:tc>
+                <a:tc>
+                  <a:txBody>
+                    <a:bodyPr/>
+                    <a:lstStyle/>
+                    <a:p>
+                      <a:r>
+                        <a:rPr lang="en-US" sz="1400" dirty="0"/>
+                        <a:t>WHERE </a:t>
+                      </a:r>
+                      <a:r>
+                        <a:rPr lang="en-US" sz="1400" dirty="0" err="1"/>
+                        <a:t>au_lname</a:t>
+                      </a:r>
+                      <a:r>
+                        <a:rPr lang="en-US" sz="1400" dirty="0"/>
+                        <a:t> LIKE '[C-P]</a:t>
+                      </a:r>
+                      <a:r>
+                        <a:rPr lang="en-US" sz="1400" dirty="0" err="1"/>
+                        <a:t>arsen</a:t>
+                      </a:r>
+                      <a:r>
+                        <a:rPr lang="en-US" sz="1400" dirty="0"/>
+                        <a:t>' </a:t>
+                      </a:r>
+                      <a:r>
+                        <a:rPr lang="ru-RU" sz="1400" dirty="0" smtClean="0"/>
+                        <a:t>истина</a:t>
+                      </a:r>
+                      <a:r>
+                        <a:rPr lang="en-US" sz="1400" dirty="0" smtClean="0"/>
+                        <a:t> </a:t>
+                      </a:r>
+                      <a:r>
+                        <a:rPr lang="ru-RU" sz="1400" dirty="0" smtClean="0"/>
+                        <a:t>для</a:t>
+                      </a:r>
+                      <a:r>
+                        <a:rPr lang="ru-RU" sz="1400" baseline="0" dirty="0" smtClean="0"/>
+                        <a:t> строк</a:t>
+                      </a:r>
+                      <a:r>
+                        <a:rPr lang="en-US" sz="1400" dirty="0" smtClean="0"/>
+                        <a:t> </a:t>
+                      </a:r>
+                      <a:r>
+                        <a:rPr lang="ru-RU" sz="1400" dirty="0" smtClean="0"/>
+                        <a:t>начинающих</a:t>
+                      </a:r>
+                      <a:r>
+                        <a:rPr lang="en-US" sz="1400" dirty="0" smtClean="0"/>
+                        <a:t>c</a:t>
+                      </a:r>
+                      <a:r>
+                        <a:rPr lang="ru-RU" sz="1400" dirty="0" smtClean="0"/>
+                        <a:t>я</a:t>
+                      </a:r>
+                      <a:r>
+                        <a:rPr lang="ru-RU" sz="1400" baseline="0" dirty="0" smtClean="0"/>
+                        <a:t> с символа в диапазоне от </a:t>
+                      </a:r>
+                      <a:r>
+                        <a:rPr lang="en-US" sz="1400" dirty="0" smtClean="0"/>
+                        <a:t>C </a:t>
+                      </a:r>
+                      <a:r>
+                        <a:rPr lang="ru-RU" sz="1400" dirty="0" smtClean="0"/>
+                        <a:t>до </a:t>
+                      </a:r>
+                      <a:r>
+                        <a:rPr lang="en-US" sz="1400" dirty="0" smtClean="0"/>
+                        <a:t>P </a:t>
+                      </a:r>
+                      <a:r>
+                        <a:rPr lang="ru-RU" sz="1400" dirty="0" smtClean="0"/>
+                        <a:t>и заканчивающихся на </a:t>
+                      </a:r>
+                      <a:r>
+                        <a:rPr lang="en-US" sz="1400" dirty="0" err="1" smtClean="0"/>
+                        <a:t>arsen</a:t>
+                      </a:r>
+                      <a:r>
+                        <a:rPr lang="ru-RU" sz="1400" dirty="0" smtClean="0"/>
+                        <a:t> (</a:t>
+                      </a:r>
+                      <a:r>
+                        <a:rPr lang="en-US" sz="1400" dirty="0" smtClean="0"/>
+                        <a:t>Carsen</a:t>
+                      </a:r>
+                      <a:r>
+                        <a:rPr lang="en-US" sz="1400" dirty="0"/>
+                        <a:t>, Larsen, </a:t>
+                      </a:r>
+                      <a:r>
+                        <a:rPr lang="en-US" sz="1400" dirty="0" err="1"/>
+                        <a:t>Karsen</a:t>
+                      </a:r>
+                      <a:r>
+                        <a:rPr lang="en-US" sz="1400" dirty="0"/>
+                        <a:t>, </a:t>
+                      </a:r>
+                      <a:r>
+                        <a:rPr lang="ru-RU" sz="1400" dirty="0" smtClean="0"/>
+                        <a:t>и т.д.)</a:t>
+                      </a:r>
+                      <a:endParaRPr lang="en-US" sz="1400" dirty="0"/>
+                    </a:p>
+                  </a:txBody>
+                  <a:tcPr marL="50854" marR="50854" marT="25427" marB="25427" anchor="ctr">
+                    <a:lnL w="12700" cap="flat" cmpd="sng" algn="ctr">
+                      <a:solidFill>
+                        <a:schemeClr val="bg1"/>
+                      </a:solidFill>
+                      <a:prstDash val="solid"/>
+                      <a:round/>
+                      <a:headEnd type="none" w="med" len="med"/>
+                      <a:tailEnd type="none" w="med" len="med"/>
+                    </a:lnL>
+                    <a:lnR w="12700" cap="flat" cmpd="sng" algn="ctr">
+                      <a:solidFill>
+                        <a:schemeClr val="bg1"/>
+                      </a:solidFill>
+                      <a:prstDash val="solid"/>
+                      <a:round/>
+                      <a:headEnd type="none" w="med" len="med"/>
+                      <a:tailEnd type="none" w="med" len="med"/>
+                    </a:lnR>
+                    <a:lnT w="12700" cap="flat" cmpd="sng" algn="ctr">
+                      <a:solidFill>
+                        <a:schemeClr val="bg1"/>
+                      </a:solidFill>
+                      <a:prstDash val="solid"/>
+                      <a:round/>
+                      <a:headEnd type="none" w="med" len="med"/>
+                      <a:tailEnd type="none" w="med" len="med"/>
+                    </a:lnT>
+                    <a:lnB w="12700" cap="flat" cmpd="sng" algn="ctr">
+                      <a:solidFill>
+                        <a:schemeClr val="bg1"/>
+                      </a:solidFill>
+                      <a:prstDash val="solid"/>
+                      <a:round/>
+                      <a:headEnd type="none" w="med" len="med"/>
+                      <a:tailEnd type="none" w="med" len="med"/>
+                    </a:lnB>
+                  </a:tcPr>
+                </a:tc>
+              </a:tr>
+              <a:tr h="813656">
+                <a:tc>
+                  <a:txBody>
+                    <a:bodyPr/>
+                    <a:lstStyle/>
+                    <a:p>
+                      <a:r>
+                        <a:rPr lang="ru-RU" sz="1400"/>
+                        <a:t>[^]</a:t>
+                      </a:r>
+                    </a:p>
+                  </a:txBody>
+                  <a:tcPr marL="50854" marR="50854" marT="25427" marB="25427" anchor="ctr">
+                    <a:lnL w="12700" cap="flat" cmpd="sng" algn="ctr">
+                      <a:solidFill>
+                        <a:schemeClr val="bg1"/>
+                      </a:solidFill>
+                      <a:prstDash val="solid"/>
+                      <a:round/>
+                      <a:headEnd type="none" w="med" len="med"/>
+                      <a:tailEnd type="none" w="med" len="med"/>
+                    </a:lnL>
+                    <a:lnR w="12700" cap="flat" cmpd="sng" algn="ctr">
+                      <a:solidFill>
+                        <a:schemeClr val="bg1"/>
+                      </a:solidFill>
+                      <a:prstDash val="solid"/>
+                      <a:round/>
+                      <a:headEnd type="none" w="med" len="med"/>
+                      <a:tailEnd type="none" w="med" len="med"/>
+                    </a:lnR>
+                    <a:lnT w="12700" cap="flat" cmpd="sng" algn="ctr">
+                      <a:solidFill>
+                        <a:schemeClr val="bg1"/>
+                      </a:solidFill>
+                      <a:prstDash val="solid"/>
+                      <a:round/>
+                      <a:headEnd type="none" w="med" len="med"/>
+                      <a:tailEnd type="none" w="med" len="med"/>
+                    </a:lnT>
+                    <a:lnB w="12700" cap="flat" cmpd="sng" algn="ctr">
+                      <a:solidFill>
+                        <a:schemeClr val="bg1"/>
+                      </a:solidFill>
+                      <a:prstDash val="solid"/>
+                      <a:round/>
+                      <a:headEnd type="none" w="med" len="med"/>
+                      <a:tailEnd type="none" w="med" len="med"/>
+                    </a:lnB>
+                  </a:tcPr>
+                </a:tc>
+                <a:tc>
+                  <a:txBody>
+                    <a:bodyPr/>
+                    <a:lstStyle/>
+                    <a:p>
+                      <a:r>
+                        <a:rPr lang="ru-RU" sz="1400" dirty="0" smtClean="0"/>
+                        <a:t>Любой символ отсутствующий</a:t>
+                      </a:r>
+                      <a:r>
+                        <a:rPr lang="ru-RU" sz="1400" baseline="0" dirty="0" smtClean="0"/>
+                        <a:t> в</a:t>
+                      </a:r>
+                      <a:r>
+                        <a:rPr lang="ru-RU" sz="1400" dirty="0" smtClean="0"/>
+                        <a:t> указанном диапазоне </a:t>
+                      </a:r>
+                      <a:r>
+                        <a:rPr lang="en-US" sz="1400" dirty="0" smtClean="0"/>
+                        <a:t>([^a-f])</a:t>
+                      </a:r>
+                      <a:r>
+                        <a:rPr lang="ru-RU" sz="1400" dirty="0" smtClean="0"/>
+                        <a:t> или множестве</a:t>
+                      </a:r>
+                      <a:r>
+                        <a:rPr lang="ru-RU" sz="1400" baseline="0" dirty="0" smtClean="0"/>
+                        <a:t> </a:t>
+                      </a:r>
+                      <a:r>
+                        <a:rPr lang="en-US" sz="1400" dirty="0" smtClean="0"/>
+                        <a:t>([^</a:t>
+                      </a:r>
+                      <a:r>
+                        <a:rPr lang="en-US" sz="1400" dirty="0" err="1" smtClean="0"/>
+                        <a:t>abcdef</a:t>
+                      </a:r>
+                      <a:r>
+                        <a:rPr lang="en-US" sz="1400" dirty="0" smtClean="0"/>
+                        <a:t>]).</a:t>
+                      </a:r>
+                      <a:endParaRPr lang="en-US" sz="1400" dirty="0"/>
+                    </a:p>
+                  </a:txBody>
+                  <a:tcPr marL="50854" marR="50854" marT="25427" marB="25427" anchor="ctr">
+                    <a:lnL w="12700" cap="flat" cmpd="sng" algn="ctr">
+                      <a:solidFill>
+                        <a:schemeClr val="bg1"/>
+                      </a:solidFill>
+                      <a:prstDash val="solid"/>
+                      <a:round/>
+                      <a:headEnd type="none" w="med" len="med"/>
+                      <a:tailEnd type="none" w="med" len="med"/>
+                    </a:lnL>
+                    <a:lnR w="12700" cap="flat" cmpd="sng" algn="ctr">
+                      <a:solidFill>
+                        <a:schemeClr val="bg1"/>
+                      </a:solidFill>
+                      <a:prstDash val="solid"/>
+                      <a:round/>
+                      <a:headEnd type="none" w="med" len="med"/>
+                      <a:tailEnd type="none" w="med" len="med"/>
+                    </a:lnR>
+                    <a:lnT w="12700" cap="flat" cmpd="sng" algn="ctr">
+                      <a:solidFill>
+                        <a:schemeClr val="bg1"/>
+                      </a:solidFill>
+                      <a:prstDash val="solid"/>
+                      <a:round/>
+                      <a:headEnd type="none" w="med" len="med"/>
+                      <a:tailEnd type="none" w="med" len="med"/>
+                    </a:lnT>
+                    <a:lnB w="12700" cap="flat" cmpd="sng" algn="ctr">
+                      <a:solidFill>
+                        <a:schemeClr val="bg1"/>
+                      </a:solidFill>
+                      <a:prstDash val="solid"/>
+                      <a:round/>
+                      <a:headEnd type="none" w="med" len="med"/>
+                      <a:tailEnd type="none" w="med" len="med"/>
+                    </a:lnB>
+                  </a:tcPr>
+                </a:tc>
+                <a:tc>
+                  <a:txBody>
+                    <a:bodyPr/>
+                    <a:lstStyle/>
+                    <a:p>
+                      <a:r>
+                        <a:rPr lang="en-US" sz="1400" dirty="0"/>
+                        <a:t>WHERE </a:t>
+                      </a:r>
+                      <a:r>
+                        <a:rPr lang="en-US" sz="1400" dirty="0" err="1"/>
+                        <a:t>au_lname</a:t>
+                      </a:r>
+                      <a:r>
+                        <a:rPr lang="en-US" sz="1400" dirty="0"/>
+                        <a:t> LIKE 'de[^l]%' all author last names starting with de and where the following letter is not l.</a:t>
+                      </a:r>
+                    </a:p>
+                  </a:txBody>
+                  <a:tcPr marL="50854" marR="50854" marT="25427" marB="25427" anchor="ctr">
+                    <a:lnL w="12700" cap="flat" cmpd="sng" algn="ctr">
+                      <a:solidFill>
+                        <a:schemeClr val="bg1"/>
+                      </a:solidFill>
+                      <a:prstDash val="solid"/>
+                      <a:round/>
+                      <a:headEnd type="none" w="med" len="med"/>
+                      <a:tailEnd type="none" w="med" len="med"/>
+                    </a:lnL>
+                    <a:lnR w="12700" cap="flat" cmpd="sng" algn="ctr">
+                      <a:solidFill>
+                        <a:schemeClr val="bg1"/>
+                      </a:solidFill>
+                      <a:prstDash val="solid"/>
+                      <a:round/>
+                      <a:headEnd type="none" w="med" len="med"/>
+                      <a:tailEnd type="none" w="med" len="med"/>
+                    </a:lnR>
+                    <a:lnT w="12700" cap="flat" cmpd="sng" algn="ctr">
+                      <a:solidFill>
+                        <a:schemeClr val="bg1"/>
+                      </a:solidFill>
+                      <a:prstDash val="solid"/>
+                      <a:round/>
+                      <a:headEnd type="none" w="med" len="med"/>
+                      <a:tailEnd type="none" w="med" len="med"/>
+                    </a:lnT>
+                    <a:lnB w="12700" cap="flat" cmpd="sng" algn="ctr">
+                      <a:solidFill>
+                        <a:schemeClr val="bg1"/>
+                      </a:solidFill>
+                      <a:prstDash val="solid"/>
+                      <a:round/>
+                      <a:headEnd type="none" w="med" len="med"/>
+                      <a:tailEnd type="none" w="med" len="med"/>
+                    </a:lnB>
+                  </a:tcPr>
+                </a:tc>
+              </a:tr>
+            </a:tbl>
+          </a:graphicData>
+        </a:graphic>
+      </p:graphicFrame>
     </p:spTree>
     <p:extLst>
       <p:ext uri="{BB962C8B-B14F-4D97-AF65-F5344CB8AC3E}">
-        <p14:creationId xmlns:p14="http://schemas.microsoft.com/office/powerpoint/2010/main" val="600660360"/>
+        <p14:creationId xmlns:p14="http://schemas.microsoft.com/office/powerpoint/2010/main" val="534627708"/>
       </p:ext>
     </p:extLst>
   </p:cSld>
@@ -7606,7 +8512,7 @@
       </p:grpSpPr>
       <p:sp>
         <p:nvSpPr>
-          <p:cNvPr id="11266" name="Прямоугольник 2"/>
+          <p:cNvPr id="10242" name="Прямоугольник 2"/>
           <p:cNvSpPr>
             <a:spLocks noChangeArrowheads="1"/>
           </p:cNvSpPr>
@@ -7652,19 +8558,20 @@
           <a:p>
             <a:pPr algn="ctr"/>
             <a:r>
-              <a:rPr lang="be-BY" sz="2400" b="1" dirty="0" smtClean="0"/>
-              <a:t>Многотабличные </a:t>
-            </a:r>
-            <a:r>
-              <a:rPr lang="be-BY" sz="2400" b="1" dirty="0"/>
-              <a:t>запросы.</a:t>
-            </a:r>
+              <a:rPr lang="ru-RU" sz="2400" b="1"/>
+              <a:t>GROUP BY</a:t>
+            </a:r>
+            <a:r>
+              <a:rPr lang="en-US" sz="2400" b="1"/>
+              <a:t>.</a:t>
+            </a:r>
+            <a:endParaRPr lang="be-BY" sz="2400" b="1"/>
           </a:p>
         </p:txBody>
       </p:sp>
       <p:sp>
         <p:nvSpPr>
-          <p:cNvPr id="11267" name="Прямоугольник 4"/>
+          <p:cNvPr id="10243" name="Прямоугольник 4"/>
           <p:cNvSpPr>
             <a:spLocks noChangeArrowheads="1"/>
           </p:cNvSpPr>
@@ -7673,7 +8580,7 @@
         <p:spPr bwMode="auto">
           <a:xfrm>
             <a:off x="152400" y="457200"/>
-            <a:ext cx="8839200" cy="5262979"/>
+            <a:ext cx="8839200" cy="4524375"/>
           </a:xfrm>
           <a:prstGeom prst="rect">
             <a:avLst/>
@@ -7709,280 +8616,124 @@
           <a:lstStyle/>
           <a:p>
             <a:r>
-              <a:rPr lang="ru-RU" sz="1200" b="1" dirty="0"/>
-              <a:t>1) Декартово произведение двух таблиц: </a:t>
-            </a:r>
+              <a:rPr lang="ru-RU" sz="1200"/>
+              <a:t>	Запрос, включающий в себя предложение </a:t>
+            </a:r>
+            <a:r>
+              <a:rPr lang="ru-RU" sz="1200" b="1"/>
+              <a:t>GROUP BY</a:t>
+            </a:r>
+            <a:r>
+              <a:rPr lang="ru-RU" sz="1200"/>
+              <a:t>, называется запросом с группировкой, поскольку он объединяет строки исходных таблиц в группы и для каждой группы строк генерирует одну строку в таблице результатов запроса. Столбцы, указанные в предложении GROUP BY, называются столбцами группировки (возможно указание нескольких столбцов – группировка по комбинации значений), поскольку именно они определяют, по какому признаку строки делятся на группы.</a:t>
+            </a:r>
+          </a:p>
+          <a:p>
+            <a:r>
+              <a:rPr lang="ru-RU" sz="1200"/>
+              <a:t>Ограничения на синтаксис группирующих запросов и особенности выполнения: </a:t>
+            </a:r>
+          </a:p>
+          <a:p>
+            <a:r>
+              <a:rPr lang="ru-RU" sz="1200" b="1"/>
+              <a:t>1)</a:t>
+            </a:r>
+            <a:r>
+              <a:rPr lang="ru-RU" sz="1200"/>
+              <a:t> Столбцы с группировкой должны представлять собой реальные столбцы таблиц, перечисленных в предложении FROM. Нельзя группировать строки на основании значения вычисляемого выражения. </a:t>
+            </a:r>
+          </a:p>
+          <a:p>
+            <a:r>
+              <a:rPr lang="ru-RU" sz="1200" b="1"/>
+              <a:t>2)</a:t>
+            </a:r>
+            <a:r>
+              <a:rPr lang="ru-RU" sz="1200"/>
+              <a:t> Все имена столбцов, приведенные в описании SELECT должны обязательно присутствовать и в секции GROUP BY. Это означает, что возвращаемым столбцом может быть: </a:t>
+            </a:r>
+            <a:endParaRPr lang="be-BY" sz="1200"/>
           </a:p>
           <a:p>
             <a:pPr lvl="1"/>
             <a:r>
-              <a:rPr lang="en-US" sz="1200" dirty="0">
-                <a:latin typeface="Courier New" pitchFamily="49" charset="0"/>
-                <a:cs typeface="Courier New" pitchFamily="49" charset="0"/>
-              </a:rPr>
-              <a:t>SELECT t1.*, t2.* </a:t>
+              <a:rPr lang="be-BY" sz="1200"/>
+              <a:t>• константа; </a:t>
             </a:r>
           </a:p>
           <a:p>
             <a:pPr lvl="1"/>
             <a:r>
-              <a:rPr lang="en-US" sz="1200" dirty="0">
-                <a:latin typeface="Courier New" pitchFamily="49" charset="0"/>
-                <a:cs typeface="Courier New" pitchFamily="49" charset="0"/>
-              </a:rPr>
-              <a:t>FROM t1, t2; </a:t>
-            </a:r>
-          </a:p>
-          <a:p>
-            <a:r>
-              <a:rPr lang="ru-RU" sz="1200" b="1" dirty="0"/>
-              <a:t>2) Тета-соединение таблиц </a:t>
-            </a:r>
-            <a:r>
-              <a:rPr lang="ru-RU" sz="1200" dirty="0"/>
-              <a:t>(используются знаки сравнения, на практике используется редко, так как трудно найти смысл соединения): </a:t>
+              <a:rPr lang="ru-RU" sz="1200"/>
+              <a:t>• статистическая функция, возвращающая одно значение для всех строк, входящих в группу; </a:t>
             </a:r>
           </a:p>
           <a:p>
             <a:pPr lvl="1"/>
             <a:r>
-              <a:rPr lang="en-US" sz="1200" dirty="0">
-                <a:latin typeface="Courier New" pitchFamily="49" charset="0"/>
-                <a:cs typeface="Courier New" pitchFamily="49" charset="0"/>
-              </a:rPr>
-              <a:t>SELECT * </a:t>
+              <a:rPr lang="ru-RU" sz="1200"/>
+              <a:t>• столбец группировки, который по определению имеет одно и то же значение во всех строках группы; </a:t>
             </a:r>
           </a:p>
           <a:p>
             <a:pPr lvl="1"/>
             <a:r>
-              <a:rPr lang="en-US" sz="1200" dirty="0">
-                <a:latin typeface="Courier New" pitchFamily="49" charset="0"/>
-                <a:cs typeface="Courier New" pitchFamily="49" charset="0"/>
-              </a:rPr>
-              <a:t>FROM t1, t2 </a:t>
-            </a:r>
-          </a:p>
-          <a:p>
-            <a:pPr lvl="1"/>
-            <a:r>
-              <a:rPr lang="en-US" sz="1200" dirty="0">
-                <a:latin typeface="Courier New" pitchFamily="49" charset="0"/>
-                <a:cs typeface="Courier New" pitchFamily="49" charset="0"/>
-              </a:rPr>
-              <a:t>WHERE (t1.number &gt; t2.number); </a:t>
-            </a:r>
-          </a:p>
-          <a:p>
-            <a:r>
-              <a:rPr lang="ru-RU" sz="1200" b="1" dirty="0"/>
-              <a:t>3) Экви-соединение таблиц </a:t>
-            </a:r>
-            <a:r>
-              <a:rPr lang="ru-RU" sz="1200" dirty="0"/>
-              <a:t>(выполняется по равенству значений общего атрибута, например значений первичного и внешнего ключа): </a:t>
-            </a:r>
-          </a:p>
-          <a:p>
-            <a:pPr lvl="1"/>
-            <a:r>
-              <a:rPr lang="en-US" sz="1200" dirty="0">
-                <a:latin typeface="Courier New" pitchFamily="49" charset="0"/>
-                <a:cs typeface="Courier New" pitchFamily="49" charset="0"/>
-              </a:rPr>
-              <a:t>SELECT t1.*, t2.* </a:t>
-            </a:r>
-          </a:p>
-          <a:p>
-            <a:pPr lvl="1"/>
-            <a:r>
-              <a:rPr lang="en-US" sz="1200" dirty="0">
-                <a:latin typeface="Courier New" pitchFamily="49" charset="0"/>
-                <a:cs typeface="Courier New" pitchFamily="49" charset="0"/>
-              </a:rPr>
-              <a:t>FROM t1, t2 </a:t>
-            </a:r>
-          </a:p>
-          <a:p>
-            <a:pPr lvl="1"/>
-            <a:r>
-              <a:rPr lang="en-US" sz="1200" dirty="0">
-                <a:latin typeface="Courier New" pitchFamily="49" charset="0"/>
-                <a:cs typeface="Courier New" pitchFamily="49" charset="0"/>
-              </a:rPr>
-              <a:t>WHERE (t1.number = t2.number); </a:t>
-            </a:r>
-          </a:p>
-          <a:p>
-            <a:r>
-              <a:rPr lang="ru-RU" sz="1200" dirty="0"/>
-              <a:t>или эквивалентный вариант соединения (inner или natural join): </a:t>
-            </a:r>
-          </a:p>
-          <a:p>
-            <a:pPr lvl="1"/>
-            <a:r>
-              <a:rPr lang="en-US" sz="1200" dirty="0">
-                <a:latin typeface="Courier New" pitchFamily="49" charset="0"/>
-                <a:cs typeface="Courier New" pitchFamily="49" charset="0"/>
-              </a:rPr>
-              <a:t>SELECT t1.*, t2.* </a:t>
-            </a:r>
-          </a:p>
-          <a:p>
-            <a:pPr lvl="1"/>
-            <a:r>
-              <a:rPr lang="en-US" sz="1200" dirty="0">
-                <a:latin typeface="Courier New" pitchFamily="49" charset="0"/>
-                <a:cs typeface="Courier New" pitchFamily="49" charset="0"/>
-              </a:rPr>
-              <a:t>FROM t1 INNER JOIN t2 ON (t1.number = t2.number); </a:t>
-            </a:r>
-          </a:p>
-          <a:p>
-            <a:r>
-              <a:rPr lang="ru-RU" sz="1200" b="1" dirty="0"/>
-              <a:t>4) Внешние соединения таблиц </a:t>
-            </a:r>
-            <a:r>
-              <a:rPr lang="ru-RU" sz="1200" dirty="0"/>
-              <a:t>(левое, правое и полное, соответственно): </a:t>
-            </a:r>
-          </a:p>
-          <a:p>
-            <a:pPr lvl="1"/>
-            <a:r>
-              <a:rPr lang="en-US" sz="1200" dirty="0">
-                <a:latin typeface="Courier New" pitchFamily="49" charset="0"/>
-                <a:cs typeface="Courier New" pitchFamily="49" charset="0"/>
-              </a:rPr>
-              <a:t>SELECT t1.*, t2.* </a:t>
-            </a:r>
-          </a:p>
-          <a:p>
-            <a:pPr lvl="1"/>
-            <a:r>
-              <a:rPr lang="en-US" sz="1200" dirty="0">
-                <a:latin typeface="Courier New" pitchFamily="49" charset="0"/>
-                <a:cs typeface="Courier New" pitchFamily="49" charset="0"/>
-              </a:rPr>
-              <a:t>FROM t1 LEFT JOIN t2 ON t1.number = t2.number; </a:t>
-            </a:r>
-          </a:p>
-          <a:p>
-            <a:pPr lvl="1"/>
-            <a:endParaRPr lang="en-US" sz="1200" dirty="0">
-              <a:latin typeface="Courier New" pitchFamily="49" charset="0"/>
-              <a:cs typeface="Courier New" pitchFamily="49" charset="0"/>
-            </a:endParaRPr>
-          </a:p>
-          <a:p>
-            <a:pPr lvl="1"/>
-            <a:r>
-              <a:rPr lang="en-US" sz="1200" dirty="0">
-                <a:latin typeface="Courier New" pitchFamily="49" charset="0"/>
-                <a:cs typeface="Courier New" pitchFamily="49" charset="0"/>
-              </a:rPr>
-              <a:t>SELECT t1.*, t2.* </a:t>
-            </a:r>
-          </a:p>
-          <a:p>
-            <a:pPr lvl="1"/>
-            <a:r>
-              <a:rPr lang="en-US" sz="1200" dirty="0">
-                <a:latin typeface="Courier New" pitchFamily="49" charset="0"/>
-                <a:cs typeface="Courier New" pitchFamily="49" charset="0"/>
-              </a:rPr>
-              <a:t>FROM t1 RIGHT JOIN t2 ON t1.number = t2.number</a:t>
-            </a:r>
-            <a:r>
-              <a:rPr lang="en-US" sz="1200" dirty="0" smtClean="0">
-                <a:latin typeface="Courier New" pitchFamily="49" charset="0"/>
-                <a:cs typeface="Courier New" pitchFamily="49" charset="0"/>
-              </a:rPr>
-              <a:t>;</a:t>
-            </a:r>
-            <a:endParaRPr lang="ru-RU" sz="1200" dirty="0">
-              <a:latin typeface="Courier New" pitchFamily="49" charset="0"/>
-              <a:cs typeface="Courier New" pitchFamily="49" charset="0"/>
-            </a:endParaRPr>
-          </a:p>
-          <a:p>
-            <a:pPr lvl="1"/>
-            <a:endParaRPr lang="ru-RU" sz="1200" dirty="0">
-              <a:latin typeface="Courier New" pitchFamily="49" charset="0"/>
-              <a:cs typeface="Courier New" pitchFamily="49" charset="0"/>
-            </a:endParaRPr>
-          </a:p>
-          <a:p>
-            <a:r>
-              <a:rPr lang="en-US" sz="1200" dirty="0" smtClean="0">
-                <a:cs typeface="Courier New" pitchFamily="49" charset="0"/>
-              </a:rPr>
-              <a:t>JOIN</a:t>
-            </a:r>
-            <a:r>
-              <a:rPr lang="en-US" sz="1200" dirty="0">
-                <a:cs typeface="Courier New" pitchFamily="49" charset="0"/>
-              </a:rPr>
-              <a:t>: Return rows when there is at least one match in both tables</a:t>
-            </a:r>
-          </a:p>
-          <a:p>
-            <a:r>
-              <a:rPr lang="en-US" sz="1200" dirty="0" smtClean="0">
-                <a:cs typeface="Courier New" pitchFamily="49" charset="0"/>
-              </a:rPr>
-              <a:t>LEFT </a:t>
-            </a:r>
-            <a:r>
-              <a:rPr lang="en-US" sz="1200" dirty="0">
-                <a:cs typeface="Courier New" pitchFamily="49" charset="0"/>
-              </a:rPr>
-              <a:t>JOIN: Return all rows from the left table, even if there are no matches in the right table</a:t>
-            </a:r>
-          </a:p>
-          <a:p>
-            <a:r>
-              <a:rPr lang="en-US" sz="1200" dirty="0" smtClean="0">
-                <a:cs typeface="Courier New" pitchFamily="49" charset="0"/>
-              </a:rPr>
-              <a:t>RIGHT </a:t>
-            </a:r>
-            <a:r>
-              <a:rPr lang="en-US" sz="1200" dirty="0">
-                <a:cs typeface="Courier New" pitchFamily="49" charset="0"/>
-              </a:rPr>
-              <a:t>JOIN: Return all rows from the right table, even if there are no matches in the left table</a:t>
-            </a:r>
-          </a:p>
-          <a:p>
-            <a:r>
-              <a:rPr lang="en-US" sz="1200" dirty="0" smtClean="0">
-                <a:cs typeface="Courier New" pitchFamily="49" charset="0"/>
-              </a:rPr>
-              <a:t>FULL </a:t>
-            </a:r>
-            <a:r>
-              <a:rPr lang="en-US" sz="1200" dirty="0">
-                <a:cs typeface="Courier New" pitchFamily="49" charset="0"/>
-              </a:rPr>
-              <a:t>JOIN: Return rows when there is a match in one of the tables</a:t>
-            </a:r>
-          </a:p>
-          <a:p>
-            <a:pPr lvl="1"/>
-            <a:endParaRPr lang="ru-RU" sz="1200" dirty="0" smtClean="0">
-              <a:latin typeface="Courier New" pitchFamily="49" charset="0"/>
-              <a:cs typeface="Courier New" pitchFamily="49" charset="0"/>
-            </a:endParaRPr>
+              <a:rPr lang="ru-RU" sz="1200"/>
+              <a:t>• выражение, включающее в себя перечисленные выше элементы.</a:t>
+            </a:r>
+          </a:p>
+          <a:p>
+            <a:r>
+              <a:rPr lang="ru-RU" sz="1200" b="1"/>
+              <a:t>3)</a:t>
+            </a:r>
+            <a:r>
+              <a:rPr lang="ru-RU" sz="1200"/>
+              <a:t> Если совместно с GROUP BY используется WHERE, то WHERE обрабатывается первым, а группированию подвергаются только те строки, которые удовлетворяют условию фильтра. По ISO, NULL-значения входят в одну группу.</a:t>
+            </a:r>
+          </a:p>
+          <a:p>
+            <a:endParaRPr lang="ru-RU" sz="1200"/>
+          </a:p>
+          <a:p>
+            <a:endParaRPr lang="ru-RU" sz="1200"/>
+          </a:p>
+          <a:p>
+            <a:r>
+              <a:rPr lang="ru-RU" sz="1200"/>
+              <a:t>	</a:t>
+            </a:r>
+            <a:r>
+              <a:rPr lang="ru-RU" sz="1200" b="1"/>
+              <a:t>Подзапросы</a:t>
+            </a:r>
+            <a:r>
+              <a:rPr lang="ru-RU" sz="1200"/>
+              <a:t> – запросы с помощью оператора SELECT, помещенные в секции WHERE и (или) HAVING внешнего оператора SELECT. Подзапрос создает временную таблицу, содержимое которой извлекается и обрабатывается внешним оператором (обычно предикатом внешнего запроса). Текст подзапроса должен быть заключен в круглые скобки и располагается всегда в правой части операции внешнего запроса. В подзапросах не должна </a:t>
+            </a:r>
+            <a:r>
+              <a:rPr lang="be-BY" sz="1200"/>
+              <a:t>использоваться секция </a:t>
+            </a:r>
+            <a:r>
+              <a:rPr lang="en-US" sz="1200"/>
+              <a:t>ORDER BY. </a:t>
+            </a:r>
+            <a:r>
+              <a:rPr lang="ru-RU" sz="1200"/>
+              <a:t> </a:t>
+            </a:r>
+          </a:p>
+          <a:p>
+            <a:endParaRPr lang="ru-RU" sz="1200"/>
           </a:p>
         </p:txBody>
       </p:sp>
     </p:spTree>
     <p:extLst>
       <p:ext uri="{BB962C8B-B14F-4D97-AF65-F5344CB8AC3E}">
-        <p14:creationId xmlns:p14="http://schemas.microsoft.com/office/powerpoint/2010/main" val="2446323228"/>
+        <p14:creationId xmlns:p14="http://schemas.microsoft.com/office/powerpoint/2010/main" val="600660360"/>
       </p:ext>
     </p:extLst>
   </p:cSld>
@@ -8074,6 +8825,418 @@
           </a:p>
         </p:txBody>
       </p:sp>
+      <p:sp>
+        <p:nvSpPr>
+          <p:cNvPr id="11267" name="Прямоугольник 4"/>
+          <p:cNvSpPr>
+            <a:spLocks noChangeArrowheads="1"/>
+          </p:cNvSpPr>
+          <p:nvPr/>
+        </p:nvSpPr>
+        <p:spPr bwMode="auto">
+          <a:xfrm>
+            <a:off x="152400" y="457200"/>
+            <a:ext cx="8839200" cy="5262979"/>
+          </a:xfrm>
+          <a:prstGeom prst="rect">
+            <a:avLst/>
+          </a:prstGeom>
+          <a:noFill/>
+          <a:ln>
+            <a:noFill/>
+          </a:ln>
+          <a:extLst>
+            <a:ext uri="{909E8E84-426E-40DD-AFC4-6F175D3DCCD1}">
+              <a14:hiddenFill xmlns:a14="http://schemas.microsoft.com/office/drawing/2010/main">
+                <a:solidFill>
+                  <a:srgbClr val="FFFFFF"/>
+                </a:solidFill>
+              </a14:hiddenFill>
+            </a:ext>
+            <a:ext uri="{91240B29-F687-4F45-9708-019B960494DF}">
+              <a14:hiddenLine xmlns:a14="http://schemas.microsoft.com/office/drawing/2010/main" w="9525">
+                <a:solidFill>
+                  <a:srgbClr val="000000"/>
+                </a:solidFill>
+                <a:miter lim="800000"/>
+                <a:headEnd/>
+                <a:tailEnd/>
+              </a14:hiddenLine>
+            </a:ext>
+          </a:extLst>
+        </p:spPr>
+        <p:txBody>
+          <a:bodyPr>
+            <a:spAutoFit/>
+          </a:bodyPr>
+          <a:lstStyle/>
+          <a:p>
+            <a:r>
+              <a:rPr lang="ru-RU" sz="1200" b="1" dirty="0"/>
+              <a:t>1) Декартово произведение двух таблиц: </a:t>
+            </a:r>
+          </a:p>
+          <a:p>
+            <a:pPr lvl="1"/>
+            <a:r>
+              <a:rPr lang="en-US" sz="1200" dirty="0">
+                <a:latin typeface="Courier New" pitchFamily="49" charset="0"/>
+                <a:cs typeface="Courier New" pitchFamily="49" charset="0"/>
+              </a:rPr>
+              <a:t>SELECT t1.*, t2.* </a:t>
+            </a:r>
+          </a:p>
+          <a:p>
+            <a:pPr lvl="1"/>
+            <a:r>
+              <a:rPr lang="en-US" sz="1200" dirty="0">
+                <a:latin typeface="Courier New" pitchFamily="49" charset="0"/>
+                <a:cs typeface="Courier New" pitchFamily="49" charset="0"/>
+              </a:rPr>
+              <a:t>FROM t1, t2; </a:t>
+            </a:r>
+          </a:p>
+          <a:p>
+            <a:r>
+              <a:rPr lang="ru-RU" sz="1200" b="1" dirty="0"/>
+              <a:t>2) Тета-соединение таблиц </a:t>
+            </a:r>
+            <a:r>
+              <a:rPr lang="ru-RU" sz="1200" dirty="0"/>
+              <a:t>(используются знаки сравнения, на практике используется редко, так как трудно найти смысл соединения): </a:t>
+            </a:r>
+          </a:p>
+          <a:p>
+            <a:pPr lvl="1"/>
+            <a:r>
+              <a:rPr lang="en-US" sz="1200" dirty="0">
+                <a:latin typeface="Courier New" pitchFamily="49" charset="0"/>
+                <a:cs typeface="Courier New" pitchFamily="49" charset="0"/>
+              </a:rPr>
+              <a:t>SELECT * </a:t>
+            </a:r>
+          </a:p>
+          <a:p>
+            <a:pPr lvl="1"/>
+            <a:r>
+              <a:rPr lang="en-US" sz="1200" dirty="0">
+                <a:latin typeface="Courier New" pitchFamily="49" charset="0"/>
+                <a:cs typeface="Courier New" pitchFamily="49" charset="0"/>
+              </a:rPr>
+              <a:t>FROM t1, t2 </a:t>
+            </a:r>
+          </a:p>
+          <a:p>
+            <a:pPr lvl="1"/>
+            <a:r>
+              <a:rPr lang="en-US" sz="1200" dirty="0">
+                <a:latin typeface="Courier New" pitchFamily="49" charset="0"/>
+                <a:cs typeface="Courier New" pitchFamily="49" charset="0"/>
+              </a:rPr>
+              <a:t>WHERE (t1.number &gt; t2.number); </a:t>
+            </a:r>
+          </a:p>
+          <a:p>
+            <a:r>
+              <a:rPr lang="ru-RU" sz="1200" b="1" dirty="0"/>
+              <a:t>3) Экви-соединение таблиц </a:t>
+            </a:r>
+            <a:r>
+              <a:rPr lang="ru-RU" sz="1200" dirty="0"/>
+              <a:t>(выполняется по равенству значений общего атрибута, например значений первичного и внешнего ключа): </a:t>
+            </a:r>
+          </a:p>
+          <a:p>
+            <a:pPr lvl="1"/>
+            <a:r>
+              <a:rPr lang="en-US" sz="1200" dirty="0">
+                <a:latin typeface="Courier New" pitchFamily="49" charset="0"/>
+                <a:cs typeface="Courier New" pitchFamily="49" charset="0"/>
+              </a:rPr>
+              <a:t>SELECT t1.*, t2.* </a:t>
+            </a:r>
+          </a:p>
+          <a:p>
+            <a:pPr lvl="1"/>
+            <a:r>
+              <a:rPr lang="en-US" sz="1200" dirty="0">
+                <a:latin typeface="Courier New" pitchFamily="49" charset="0"/>
+                <a:cs typeface="Courier New" pitchFamily="49" charset="0"/>
+              </a:rPr>
+              <a:t>FROM t1, t2 </a:t>
+            </a:r>
+          </a:p>
+          <a:p>
+            <a:pPr lvl="1"/>
+            <a:r>
+              <a:rPr lang="en-US" sz="1200" dirty="0">
+                <a:latin typeface="Courier New" pitchFamily="49" charset="0"/>
+                <a:cs typeface="Courier New" pitchFamily="49" charset="0"/>
+              </a:rPr>
+              <a:t>WHERE (t1.number = t2.number); </a:t>
+            </a:r>
+          </a:p>
+          <a:p>
+            <a:r>
+              <a:rPr lang="ru-RU" sz="1200" dirty="0"/>
+              <a:t>или эквивалентный вариант соединения (inner или natural join): </a:t>
+            </a:r>
+          </a:p>
+          <a:p>
+            <a:pPr lvl="1"/>
+            <a:r>
+              <a:rPr lang="en-US" sz="1200" dirty="0">
+                <a:latin typeface="Courier New" pitchFamily="49" charset="0"/>
+                <a:cs typeface="Courier New" pitchFamily="49" charset="0"/>
+              </a:rPr>
+              <a:t>SELECT t1.*, t2.* </a:t>
+            </a:r>
+          </a:p>
+          <a:p>
+            <a:pPr lvl="1"/>
+            <a:r>
+              <a:rPr lang="en-US" sz="1200" dirty="0">
+                <a:latin typeface="Courier New" pitchFamily="49" charset="0"/>
+                <a:cs typeface="Courier New" pitchFamily="49" charset="0"/>
+              </a:rPr>
+              <a:t>FROM t1 INNER JOIN t2 ON (t1.number = t2.number); </a:t>
+            </a:r>
+          </a:p>
+          <a:p>
+            <a:r>
+              <a:rPr lang="ru-RU" sz="1200" b="1" dirty="0"/>
+              <a:t>4) Внешние соединения таблиц </a:t>
+            </a:r>
+            <a:r>
+              <a:rPr lang="ru-RU" sz="1200" dirty="0"/>
+              <a:t>(левое, правое и полное, соответственно): </a:t>
+            </a:r>
+          </a:p>
+          <a:p>
+            <a:pPr lvl="1"/>
+            <a:r>
+              <a:rPr lang="en-US" sz="1200" dirty="0">
+                <a:latin typeface="Courier New" pitchFamily="49" charset="0"/>
+                <a:cs typeface="Courier New" pitchFamily="49" charset="0"/>
+              </a:rPr>
+              <a:t>SELECT t1.*, t2.* </a:t>
+            </a:r>
+          </a:p>
+          <a:p>
+            <a:pPr lvl="1"/>
+            <a:r>
+              <a:rPr lang="en-US" sz="1200" dirty="0">
+                <a:latin typeface="Courier New" pitchFamily="49" charset="0"/>
+                <a:cs typeface="Courier New" pitchFamily="49" charset="0"/>
+              </a:rPr>
+              <a:t>FROM t1 LEFT JOIN t2 ON t1.number = t2.number; </a:t>
+            </a:r>
+          </a:p>
+          <a:p>
+            <a:pPr lvl="1"/>
+            <a:endParaRPr lang="en-US" sz="1200" dirty="0">
+              <a:latin typeface="Courier New" pitchFamily="49" charset="0"/>
+              <a:cs typeface="Courier New" pitchFamily="49" charset="0"/>
+            </a:endParaRPr>
+          </a:p>
+          <a:p>
+            <a:pPr lvl="1"/>
+            <a:r>
+              <a:rPr lang="en-US" sz="1200" dirty="0">
+                <a:latin typeface="Courier New" pitchFamily="49" charset="0"/>
+                <a:cs typeface="Courier New" pitchFamily="49" charset="0"/>
+              </a:rPr>
+              <a:t>SELECT t1.*, t2.* </a:t>
+            </a:r>
+          </a:p>
+          <a:p>
+            <a:pPr lvl="1"/>
+            <a:r>
+              <a:rPr lang="en-US" sz="1200" dirty="0">
+                <a:latin typeface="Courier New" pitchFamily="49" charset="0"/>
+                <a:cs typeface="Courier New" pitchFamily="49" charset="0"/>
+              </a:rPr>
+              <a:t>FROM t1 RIGHT JOIN t2 ON t1.number = t2.number</a:t>
+            </a:r>
+            <a:r>
+              <a:rPr lang="en-US" sz="1200" dirty="0" smtClean="0">
+                <a:latin typeface="Courier New" pitchFamily="49" charset="0"/>
+                <a:cs typeface="Courier New" pitchFamily="49" charset="0"/>
+              </a:rPr>
+              <a:t>;</a:t>
+            </a:r>
+            <a:endParaRPr lang="ru-RU" sz="1200" dirty="0">
+              <a:latin typeface="Courier New" pitchFamily="49" charset="0"/>
+              <a:cs typeface="Courier New" pitchFamily="49" charset="0"/>
+            </a:endParaRPr>
+          </a:p>
+          <a:p>
+            <a:pPr lvl="1"/>
+            <a:endParaRPr lang="ru-RU" sz="1200" dirty="0">
+              <a:latin typeface="Courier New" pitchFamily="49" charset="0"/>
+              <a:cs typeface="Courier New" pitchFamily="49" charset="0"/>
+            </a:endParaRPr>
+          </a:p>
+          <a:p>
+            <a:r>
+              <a:rPr lang="en-US" sz="1200" dirty="0" smtClean="0">
+                <a:cs typeface="Courier New" pitchFamily="49" charset="0"/>
+              </a:rPr>
+              <a:t>JOIN</a:t>
+            </a:r>
+            <a:r>
+              <a:rPr lang="en-US" sz="1200" dirty="0">
+                <a:cs typeface="Courier New" pitchFamily="49" charset="0"/>
+              </a:rPr>
+              <a:t>: Return rows when there is at least one match in both tables</a:t>
+            </a:r>
+          </a:p>
+          <a:p>
+            <a:r>
+              <a:rPr lang="en-US" sz="1200" dirty="0" smtClean="0">
+                <a:cs typeface="Courier New" pitchFamily="49" charset="0"/>
+              </a:rPr>
+              <a:t>LEFT </a:t>
+            </a:r>
+            <a:r>
+              <a:rPr lang="en-US" sz="1200" dirty="0">
+                <a:cs typeface="Courier New" pitchFamily="49" charset="0"/>
+              </a:rPr>
+              <a:t>JOIN: Return all rows from the left table, even if there are no matches in the right table</a:t>
+            </a:r>
+          </a:p>
+          <a:p>
+            <a:r>
+              <a:rPr lang="en-US" sz="1200" dirty="0" smtClean="0">
+                <a:cs typeface="Courier New" pitchFamily="49" charset="0"/>
+              </a:rPr>
+              <a:t>RIGHT </a:t>
+            </a:r>
+            <a:r>
+              <a:rPr lang="en-US" sz="1200" dirty="0">
+                <a:cs typeface="Courier New" pitchFamily="49" charset="0"/>
+              </a:rPr>
+              <a:t>JOIN: Return all rows from the right table, even if there are no matches in the left table</a:t>
+            </a:r>
+          </a:p>
+          <a:p>
+            <a:r>
+              <a:rPr lang="en-US" sz="1200" dirty="0" smtClean="0">
+                <a:cs typeface="Courier New" pitchFamily="49" charset="0"/>
+              </a:rPr>
+              <a:t>FULL </a:t>
+            </a:r>
+            <a:r>
+              <a:rPr lang="en-US" sz="1200" dirty="0">
+                <a:cs typeface="Courier New" pitchFamily="49" charset="0"/>
+              </a:rPr>
+              <a:t>JOIN: Return rows when there is a match in one of the tables</a:t>
+            </a:r>
+          </a:p>
+          <a:p>
+            <a:pPr lvl="1"/>
+            <a:endParaRPr lang="ru-RU" sz="1200" dirty="0" smtClean="0">
+              <a:latin typeface="Courier New" pitchFamily="49" charset="0"/>
+              <a:cs typeface="Courier New" pitchFamily="49" charset="0"/>
+            </a:endParaRPr>
+          </a:p>
+        </p:txBody>
+      </p:sp>
+    </p:spTree>
+    <p:extLst>
+      <p:ext uri="{BB962C8B-B14F-4D97-AF65-F5344CB8AC3E}">
+        <p14:creationId xmlns:p14="http://schemas.microsoft.com/office/powerpoint/2010/main" val="2446323228"/>
+      </p:ext>
+    </p:extLst>
+  </p:cSld>
+  <p:clrMapOvr>
+    <a:masterClrMapping/>
+  </p:clrMapOvr>
+  <p:timing>
+    <p:tnLst>
+      <p:par>
+        <p:cTn id="1" dur="indefinite" restart="never" nodeType="tmRoot"/>
+      </p:par>
+    </p:tnLst>
+  </p:timing>
+</p:sld>
+</file>
+
+<file path=ppt/slides/slide25.xml><?xml version="1.0" encoding="utf-8"?>
+<p:sld xmlns:a="http://schemas.openxmlformats.org/drawingml/2006/main" xmlns:r="http://schemas.openxmlformats.org/officeDocument/2006/relationships" xmlns:p="http://schemas.openxmlformats.org/presentationml/2006/main">
+  <p:cSld>
+    <p:spTree>
+      <p:nvGrpSpPr>
+        <p:cNvPr id="1" name=""/>
+        <p:cNvGrpSpPr/>
+        <p:nvPr/>
+      </p:nvGrpSpPr>
+      <p:grpSpPr>
+        <a:xfrm>
+          <a:off x="0" y="0"/>
+          <a:ext cx="0" cy="0"/>
+          <a:chOff x="0" y="0"/>
+          <a:chExt cx="0" cy="0"/>
+        </a:xfrm>
+      </p:grpSpPr>
+      <p:sp>
+        <p:nvSpPr>
+          <p:cNvPr id="11266" name="Прямоугольник 2"/>
+          <p:cNvSpPr>
+            <a:spLocks noChangeArrowheads="1"/>
+          </p:cNvSpPr>
+          <p:nvPr/>
+        </p:nvSpPr>
+        <p:spPr bwMode="auto">
+          <a:xfrm>
+            <a:off x="152400" y="0"/>
+            <a:ext cx="8839200" cy="461963"/>
+          </a:xfrm>
+          <a:prstGeom prst="rect">
+            <a:avLst/>
+          </a:prstGeom>
+          <a:noFill/>
+          <a:ln>
+            <a:noFill/>
+          </a:ln>
+          <a:extLst>
+            <a:ext uri="{909E8E84-426E-40DD-AFC4-6F175D3DCCD1}">
+              <a14:hiddenFill xmlns:a14="http://schemas.microsoft.com/office/drawing/2010/main">
+                <a:solidFill>
+                  <a:srgbClr val="FFFFFF"/>
+                </a:solidFill>
+              </a14:hiddenFill>
+            </a:ext>
+            <a:ext uri="{91240B29-F687-4F45-9708-019B960494DF}">
+              <a14:hiddenLine xmlns:a14="http://schemas.microsoft.com/office/drawing/2010/main" w="9525">
+                <a:solidFill>
+                  <a:srgbClr val="000000"/>
+                </a:solidFill>
+                <a:miter lim="800000"/>
+                <a:headEnd/>
+                <a:tailEnd/>
+              </a14:hiddenLine>
+            </a:ext>
+          </a:extLst>
+        </p:spPr>
+        <p:txBody>
+          <a:bodyPr>
+            <a:spAutoFit/>
+          </a:bodyPr>
+          <a:lstStyle/>
+          <a:p>
+            <a:pPr algn="ctr"/>
+            <a:r>
+              <a:rPr lang="be-BY" sz="2400" b="1" dirty="0" smtClean="0"/>
+              <a:t>Многотабличные </a:t>
+            </a:r>
+            <a:r>
+              <a:rPr lang="be-BY" sz="2400" b="1" dirty="0"/>
+              <a:t>запросы.</a:t>
+            </a:r>
+          </a:p>
+        </p:txBody>
+      </p:sp>
       <p:pic>
         <p:nvPicPr>
           <p:cNvPr id="1028" name="Picture 4" descr="http://www.codeproject.com/KB/database/Visual_SQL_Joins/Visual_SQL_JOINS_orig.jpg"/>
@@ -8135,7 +9298,7 @@
 </p:sld>
 </file>
 
-<file path=ppt/slides/slide25.xml><?xml version="1.0" encoding="utf-8"?>
+<file path=ppt/slides/slide26.xml><?xml version="1.0" encoding="utf-8"?>
 <p:sld xmlns:a="http://schemas.openxmlformats.org/drawingml/2006/main" xmlns:r="http://schemas.openxmlformats.org/officeDocument/2006/relationships" xmlns:p="http://schemas.openxmlformats.org/presentationml/2006/main">
   <p:cSld>
     <p:spTree>
@@ -8542,892 +9705,6 @@
     <p:extLst>
       <p:ext uri="{BB962C8B-B14F-4D97-AF65-F5344CB8AC3E}">
         <p14:creationId xmlns:p14="http://schemas.microsoft.com/office/powerpoint/2010/main" val="2017122947"/>
-      </p:ext>
-    </p:extLst>
-  </p:cSld>
-  <p:clrMapOvr>
-    <a:masterClrMapping/>
-  </p:clrMapOvr>
-  <p:timing>
-    <p:tnLst>
-      <p:par>
-        <p:cTn id="1" dur="indefinite" restart="never" nodeType="tmRoot"/>
-      </p:par>
-    </p:tnLst>
-  </p:timing>
-</p:sld>
-</file>
-
-<file path=ppt/slides/slide26.xml><?xml version="1.0" encoding="utf-8"?>
-<p:sld xmlns:a="http://schemas.openxmlformats.org/drawingml/2006/main" xmlns:r="http://schemas.openxmlformats.org/officeDocument/2006/relationships" xmlns:p="http://schemas.openxmlformats.org/presentationml/2006/main">
-  <p:cSld>
-    <p:spTree>
-      <p:nvGrpSpPr>
-        <p:cNvPr id="1" name=""/>
-        <p:cNvGrpSpPr/>
-        <p:nvPr/>
-      </p:nvGrpSpPr>
-      <p:grpSpPr>
-        <a:xfrm>
-          <a:off x="0" y="0"/>
-          <a:ext cx="0" cy="0"/>
-          <a:chOff x="0" y="0"/>
-          <a:chExt cx="0" cy="0"/>
-        </a:xfrm>
-      </p:grpSpPr>
-      <p:sp>
-        <p:nvSpPr>
-          <p:cNvPr id="2" name="Title 1"/>
-          <p:cNvSpPr>
-            <a:spLocks noGrp="1"/>
-          </p:cNvSpPr>
-          <p:nvPr>
-            <p:ph type="title"/>
-          </p:nvPr>
-        </p:nvSpPr>
-        <p:spPr/>
-        <p:txBody>
-          <a:bodyPr>
-            <a:noAutofit/>
-          </a:bodyPr>
-          <a:lstStyle/>
-          <a:p>
-            <a:r>
-              <a:rPr lang="ru-RU" sz="3600" dirty="0" smtClean="0"/>
-              <a:t>«Сокращенный» </a:t>
-            </a:r>
-            <a:r>
-              <a:rPr lang="en-US" sz="3600" dirty="0" smtClean="0"/>
-              <a:t>INSERT</a:t>
-            </a:r>
-            <a:r>
-              <a:rPr lang="ru-RU" sz="3600" dirty="0" smtClean="0"/>
-              <a:t>в </a:t>
-            </a:r>
-            <a:r>
-              <a:rPr lang="en-US" sz="3600" dirty="0" smtClean="0"/>
-              <a:t>MS SQL 2008 </a:t>
-            </a:r>
-            <a:r>
-              <a:rPr lang="ru-RU" sz="3600" dirty="0" smtClean="0"/>
-              <a:t>и выше</a:t>
-            </a:r>
-            <a:endParaRPr lang="en-US" sz="3600" dirty="0"/>
-          </a:p>
-        </p:txBody>
-      </p:sp>
-      <p:sp>
-        <p:nvSpPr>
-          <p:cNvPr id="3" name="Content Placeholder 2"/>
-          <p:cNvSpPr>
-            <a:spLocks noGrp="1"/>
-          </p:cNvSpPr>
-          <p:nvPr>
-            <p:ph idx="1"/>
-          </p:nvPr>
-        </p:nvSpPr>
-        <p:spPr>
-          <a:xfrm>
-            <a:off x="457200" y="1600200"/>
-            <a:ext cx="8147248" cy="2332855"/>
-          </a:xfrm>
-        </p:spPr>
-        <p:txBody>
-          <a:bodyPr>
-            <a:normAutofit/>
-          </a:bodyPr>
-          <a:lstStyle/>
-          <a:p>
-            <a:pPr marL="0" indent="0">
-              <a:buNone/>
-            </a:pPr>
-            <a:r>
-              <a:rPr lang="ru-RU" dirty="0" smtClean="0"/>
-              <a:t>В </a:t>
-            </a:r>
-            <a:r>
-              <a:rPr lang="en-US" dirty="0" smtClean="0"/>
-              <a:t>SQL Server 2008 </a:t>
-            </a:r>
-            <a:r>
-              <a:rPr lang="ru-RU" dirty="0"/>
-              <a:t>и выше </a:t>
-            </a:r>
-            <a:r>
-              <a:rPr lang="ru-RU" dirty="0" smtClean="0"/>
-              <a:t>команда </a:t>
-            </a:r>
-            <a:r>
-              <a:rPr lang="en-US" dirty="0" smtClean="0"/>
-              <a:t>INSERT </a:t>
-            </a:r>
-            <a:r>
-              <a:rPr lang="ru-RU" dirty="0" smtClean="0"/>
-              <a:t>дает возможность вставить несколько строк за один вызов</a:t>
-            </a:r>
-            <a:r>
-              <a:rPr lang="en-US" dirty="0" smtClean="0"/>
-              <a:t>. </a:t>
-            </a:r>
-            <a:r>
-              <a:rPr lang="ru-RU" dirty="0" smtClean="0"/>
-              <a:t>Добавление производится в рамках общей транзакции.</a:t>
-            </a:r>
-            <a:endParaRPr lang="en-US" dirty="0"/>
-          </a:p>
-        </p:txBody>
-      </p:sp>
-      <p:sp>
-        <p:nvSpPr>
-          <p:cNvPr id="5" name="Rectangle 4"/>
-          <p:cNvSpPr/>
-          <p:nvPr/>
-        </p:nvSpPr>
-        <p:spPr>
-          <a:xfrm>
-            <a:off x="457200" y="3989963"/>
-            <a:ext cx="8147248" cy="2031325"/>
-          </a:xfrm>
-          <a:prstGeom prst="rect">
-            <a:avLst/>
-          </a:prstGeom>
-          <a:solidFill>
-            <a:schemeClr val="bg1"/>
-          </a:solidFill>
-        </p:spPr>
-        <p:txBody>
-          <a:bodyPr wrap="square">
-            <a:spAutoFit/>
-          </a:bodyPr>
-          <a:lstStyle/>
-          <a:p>
-            <a:r>
-              <a:rPr lang="en-US" dirty="0">
-                <a:solidFill>
-                  <a:srgbClr val="0000FF"/>
-                </a:solidFill>
-                <a:latin typeface="Consolas"/>
-              </a:rPr>
-              <a:t>INSERT</a:t>
-            </a:r>
-            <a:r>
-              <a:rPr lang="en-US" dirty="0">
-                <a:solidFill>
-                  <a:prstClr val="black"/>
-                </a:solidFill>
-                <a:latin typeface="Consolas"/>
-              </a:rPr>
-              <a:t> </a:t>
-            </a:r>
-            <a:r>
-              <a:rPr lang="en-US" dirty="0">
-                <a:solidFill>
-                  <a:srgbClr val="0000FF"/>
-                </a:solidFill>
-                <a:latin typeface="Consolas"/>
-              </a:rPr>
-              <a:t>INTO</a:t>
-            </a:r>
-            <a:r>
-              <a:rPr lang="en-US" dirty="0">
-                <a:solidFill>
-                  <a:prstClr val="black"/>
-                </a:solidFill>
-                <a:latin typeface="Consolas"/>
-              </a:rPr>
-              <a:t> </a:t>
-            </a:r>
-            <a:r>
-              <a:rPr lang="en-US" dirty="0" err="1">
-                <a:solidFill>
-                  <a:prstClr val="black"/>
-                </a:solidFill>
-                <a:latin typeface="Consolas"/>
-              </a:rPr>
-              <a:t>CountryCapital</a:t>
-            </a:r>
-            <a:r>
-              <a:rPr lang="en-US" dirty="0">
-                <a:solidFill>
-                  <a:srgbClr val="0000FF"/>
-                </a:solidFill>
-                <a:latin typeface="Consolas"/>
-              </a:rPr>
-              <a:t> </a:t>
-            </a:r>
-            <a:r>
-              <a:rPr lang="en-US" dirty="0">
-                <a:solidFill>
-                  <a:srgbClr val="808080"/>
-                </a:solidFill>
-                <a:latin typeface="Consolas"/>
-              </a:rPr>
-              <a:t>(</a:t>
-            </a:r>
-            <a:r>
-              <a:rPr lang="en-US" dirty="0" err="1">
-                <a:solidFill>
-                  <a:prstClr val="black"/>
-                </a:solidFill>
-                <a:latin typeface="Consolas"/>
-              </a:rPr>
-              <a:t>PartOfWorld</a:t>
-            </a:r>
-            <a:r>
-              <a:rPr lang="en-US" dirty="0">
-                <a:solidFill>
-                  <a:srgbClr val="808080"/>
-                </a:solidFill>
-                <a:latin typeface="Consolas"/>
-              </a:rPr>
-              <a:t>,</a:t>
-            </a:r>
-            <a:r>
-              <a:rPr lang="en-US" dirty="0">
-                <a:solidFill>
-                  <a:prstClr val="black"/>
-                </a:solidFill>
-                <a:latin typeface="Consolas"/>
-              </a:rPr>
-              <a:t> Country</a:t>
-            </a:r>
-            <a:r>
-              <a:rPr lang="en-US" dirty="0">
-                <a:solidFill>
-                  <a:srgbClr val="808080"/>
-                </a:solidFill>
-                <a:latin typeface="Consolas"/>
-              </a:rPr>
-              <a:t>,</a:t>
-            </a:r>
-            <a:r>
-              <a:rPr lang="en-US" dirty="0">
-                <a:solidFill>
-                  <a:prstClr val="black"/>
-                </a:solidFill>
-                <a:latin typeface="Consolas"/>
-              </a:rPr>
-              <a:t> </a:t>
-            </a:r>
-            <a:r>
-              <a:rPr lang="en-US" dirty="0" err="1">
-                <a:solidFill>
-                  <a:prstClr val="black"/>
-                </a:solidFill>
-                <a:latin typeface="Consolas"/>
-              </a:rPr>
-              <a:t>CapitalCity</a:t>
-            </a:r>
-            <a:r>
-              <a:rPr lang="en-US" dirty="0">
-                <a:solidFill>
-                  <a:srgbClr val="808080"/>
-                </a:solidFill>
-                <a:latin typeface="Consolas"/>
-              </a:rPr>
-              <a:t>)</a:t>
-            </a:r>
-            <a:endParaRPr lang="en-US" dirty="0">
-              <a:solidFill>
-                <a:prstClr val="black"/>
-              </a:solidFill>
-              <a:latin typeface="Consolas"/>
-            </a:endParaRPr>
-          </a:p>
-          <a:p>
-            <a:r>
-              <a:rPr lang="en-US" dirty="0">
-                <a:solidFill>
-                  <a:prstClr val="black"/>
-                </a:solidFill>
-                <a:latin typeface="Consolas"/>
-              </a:rPr>
-              <a:t>    </a:t>
-            </a:r>
-            <a:r>
-              <a:rPr lang="en-US" dirty="0">
-                <a:solidFill>
-                  <a:srgbClr val="0000FF"/>
-                </a:solidFill>
-                <a:latin typeface="Consolas"/>
-              </a:rPr>
-              <a:t>VALUES </a:t>
-            </a:r>
-            <a:r>
-              <a:rPr lang="en-US" dirty="0">
-                <a:solidFill>
-                  <a:srgbClr val="808080"/>
-                </a:solidFill>
-                <a:latin typeface="Consolas"/>
-              </a:rPr>
-              <a:t>(</a:t>
-            </a:r>
-            <a:r>
-              <a:rPr lang="en-US" dirty="0">
-                <a:solidFill>
-                  <a:srgbClr val="FF0000"/>
-                </a:solidFill>
-                <a:latin typeface="Consolas"/>
-              </a:rPr>
-              <a:t>'</a:t>
-            </a:r>
-            <a:r>
-              <a:rPr lang="ru-RU" dirty="0">
-                <a:solidFill>
-                  <a:srgbClr val="FF0000"/>
-                </a:solidFill>
-                <a:latin typeface="Consolas"/>
-              </a:rPr>
-              <a:t>Европа'</a:t>
-            </a:r>
-            <a:r>
-              <a:rPr lang="ru-RU" dirty="0">
-                <a:solidFill>
-                  <a:srgbClr val="808080"/>
-                </a:solidFill>
-                <a:latin typeface="Consolas"/>
-              </a:rPr>
-              <a:t>,</a:t>
-            </a:r>
-            <a:r>
-              <a:rPr lang="ru-RU" dirty="0">
-                <a:solidFill>
-                  <a:prstClr val="black"/>
-                </a:solidFill>
-                <a:latin typeface="Consolas"/>
-              </a:rPr>
-              <a:t> </a:t>
-            </a:r>
-            <a:r>
-              <a:rPr lang="ru-RU" dirty="0">
-                <a:solidFill>
-                  <a:srgbClr val="FF0000"/>
-                </a:solidFill>
-                <a:latin typeface="Consolas"/>
-              </a:rPr>
-              <a:t>'Австрия'</a:t>
-            </a:r>
-            <a:r>
-              <a:rPr lang="ru-RU" dirty="0">
-                <a:solidFill>
-                  <a:srgbClr val="808080"/>
-                </a:solidFill>
-                <a:latin typeface="Consolas"/>
-              </a:rPr>
-              <a:t>,</a:t>
-            </a:r>
-            <a:r>
-              <a:rPr lang="ru-RU" dirty="0">
-                <a:solidFill>
-                  <a:prstClr val="black"/>
-                </a:solidFill>
-                <a:latin typeface="Consolas"/>
-              </a:rPr>
-              <a:t> </a:t>
-            </a:r>
-            <a:r>
-              <a:rPr lang="ru-RU" dirty="0">
-                <a:solidFill>
-                  <a:srgbClr val="FF0000"/>
-                </a:solidFill>
-                <a:latin typeface="Consolas"/>
-              </a:rPr>
-              <a:t>'Вена'</a:t>
-            </a:r>
-            <a:r>
-              <a:rPr lang="ru-RU" dirty="0">
-                <a:solidFill>
-                  <a:srgbClr val="808080"/>
-                </a:solidFill>
-                <a:latin typeface="Consolas"/>
-              </a:rPr>
-              <a:t>)</a:t>
-            </a:r>
-            <a:endParaRPr lang="ru-RU" dirty="0">
-              <a:solidFill>
-                <a:prstClr val="black"/>
-              </a:solidFill>
-              <a:latin typeface="Consolas"/>
-            </a:endParaRPr>
-          </a:p>
-          <a:p>
-            <a:r>
-              <a:rPr lang="ru-RU" dirty="0">
-                <a:solidFill>
-                  <a:prstClr val="black"/>
-                </a:solidFill>
-                <a:latin typeface="Consolas"/>
-              </a:rPr>
-              <a:t>         </a:t>
-            </a:r>
-            <a:r>
-              <a:rPr lang="ru-RU" dirty="0">
-                <a:solidFill>
-                  <a:srgbClr val="808080"/>
-                </a:solidFill>
-                <a:latin typeface="Consolas"/>
-              </a:rPr>
-              <a:t>,</a:t>
-            </a:r>
-            <a:r>
-              <a:rPr lang="ru-RU" dirty="0">
-                <a:solidFill>
-                  <a:srgbClr val="0000FF"/>
-                </a:solidFill>
-                <a:latin typeface="Consolas"/>
-              </a:rPr>
-              <a:t> </a:t>
-            </a:r>
-            <a:r>
-              <a:rPr lang="ru-RU" dirty="0">
-                <a:solidFill>
-                  <a:srgbClr val="808080"/>
-                </a:solidFill>
-                <a:latin typeface="Consolas"/>
-              </a:rPr>
-              <a:t>(</a:t>
-            </a:r>
-            <a:r>
-              <a:rPr lang="ru-RU" dirty="0">
-                <a:solidFill>
-                  <a:srgbClr val="FF0000"/>
-                </a:solidFill>
-                <a:latin typeface="Consolas"/>
-              </a:rPr>
-              <a:t>'Европа'</a:t>
-            </a:r>
-            <a:r>
-              <a:rPr lang="ru-RU" dirty="0">
-                <a:solidFill>
-                  <a:srgbClr val="808080"/>
-                </a:solidFill>
-                <a:latin typeface="Consolas"/>
-              </a:rPr>
-              <a:t>,</a:t>
-            </a:r>
-            <a:r>
-              <a:rPr lang="ru-RU" dirty="0">
-                <a:solidFill>
-                  <a:prstClr val="black"/>
-                </a:solidFill>
-                <a:latin typeface="Consolas"/>
-              </a:rPr>
-              <a:t> </a:t>
-            </a:r>
-            <a:r>
-              <a:rPr lang="ru-RU" dirty="0">
-                <a:solidFill>
-                  <a:srgbClr val="FF0000"/>
-                </a:solidFill>
-                <a:latin typeface="Consolas"/>
-              </a:rPr>
-              <a:t>'Албания'</a:t>
-            </a:r>
-            <a:r>
-              <a:rPr lang="ru-RU" dirty="0">
-                <a:solidFill>
-                  <a:srgbClr val="808080"/>
-                </a:solidFill>
-                <a:latin typeface="Consolas"/>
-              </a:rPr>
-              <a:t>,</a:t>
-            </a:r>
-            <a:r>
-              <a:rPr lang="ru-RU" dirty="0">
-                <a:solidFill>
-                  <a:prstClr val="black"/>
-                </a:solidFill>
-                <a:latin typeface="Consolas"/>
-              </a:rPr>
-              <a:t> </a:t>
-            </a:r>
-            <a:r>
-              <a:rPr lang="ru-RU" dirty="0">
-                <a:solidFill>
-                  <a:srgbClr val="FF0000"/>
-                </a:solidFill>
-                <a:latin typeface="Consolas"/>
-              </a:rPr>
-              <a:t>'Тирана'</a:t>
-            </a:r>
-            <a:r>
-              <a:rPr lang="ru-RU" dirty="0">
-                <a:solidFill>
-                  <a:srgbClr val="808080"/>
-                </a:solidFill>
-                <a:latin typeface="Consolas"/>
-              </a:rPr>
-              <a:t>)</a:t>
-            </a:r>
-            <a:endParaRPr lang="ru-RU" dirty="0">
-              <a:solidFill>
-                <a:prstClr val="black"/>
-              </a:solidFill>
-              <a:latin typeface="Consolas"/>
-            </a:endParaRPr>
-          </a:p>
-          <a:p>
-            <a:r>
-              <a:rPr lang="ru-RU" dirty="0">
-                <a:solidFill>
-                  <a:prstClr val="black"/>
-                </a:solidFill>
-                <a:latin typeface="Consolas"/>
-              </a:rPr>
-              <a:t>         </a:t>
-            </a:r>
-            <a:r>
-              <a:rPr lang="ru-RU" dirty="0">
-                <a:solidFill>
-                  <a:srgbClr val="808080"/>
-                </a:solidFill>
-                <a:latin typeface="Consolas"/>
-              </a:rPr>
-              <a:t>,</a:t>
-            </a:r>
-            <a:r>
-              <a:rPr lang="ru-RU" dirty="0">
-                <a:solidFill>
-                  <a:srgbClr val="0000FF"/>
-                </a:solidFill>
-                <a:latin typeface="Consolas"/>
-              </a:rPr>
-              <a:t> </a:t>
-            </a:r>
-            <a:r>
-              <a:rPr lang="ru-RU" dirty="0">
-                <a:solidFill>
-                  <a:srgbClr val="808080"/>
-                </a:solidFill>
-                <a:latin typeface="Consolas"/>
-              </a:rPr>
-              <a:t>(</a:t>
-            </a:r>
-            <a:r>
-              <a:rPr lang="ru-RU" dirty="0">
-                <a:solidFill>
-                  <a:srgbClr val="FF0000"/>
-                </a:solidFill>
-                <a:latin typeface="Consolas"/>
-              </a:rPr>
-              <a:t>'Европа'</a:t>
-            </a:r>
-            <a:r>
-              <a:rPr lang="ru-RU" dirty="0">
-                <a:solidFill>
-                  <a:srgbClr val="808080"/>
-                </a:solidFill>
-                <a:latin typeface="Consolas"/>
-              </a:rPr>
-              <a:t>,</a:t>
-            </a:r>
-            <a:r>
-              <a:rPr lang="ru-RU" dirty="0">
-                <a:solidFill>
-                  <a:prstClr val="black"/>
-                </a:solidFill>
-                <a:latin typeface="Consolas"/>
-              </a:rPr>
-              <a:t> </a:t>
-            </a:r>
-            <a:r>
-              <a:rPr lang="ru-RU" dirty="0">
-                <a:solidFill>
-                  <a:srgbClr val="FF0000"/>
-                </a:solidFill>
-                <a:latin typeface="Consolas"/>
-              </a:rPr>
-              <a:t>'Андорра'</a:t>
-            </a:r>
-            <a:r>
-              <a:rPr lang="ru-RU" dirty="0">
-                <a:solidFill>
-                  <a:srgbClr val="808080"/>
-                </a:solidFill>
-                <a:latin typeface="Consolas"/>
-              </a:rPr>
-              <a:t>,</a:t>
-            </a:r>
-            <a:r>
-              <a:rPr lang="ru-RU" dirty="0">
-                <a:solidFill>
-                  <a:prstClr val="black"/>
-                </a:solidFill>
-                <a:latin typeface="Consolas"/>
-              </a:rPr>
-              <a:t> </a:t>
-            </a:r>
-            <a:r>
-              <a:rPr lang="ru-RU" dirty="0">
-                <a:solidFill>
-                  <a:srgbClr val="FF0000"/>
-                </a:solidFill>
-                <a:latin typeface="Consolas"/>
-              </a:rPr>
-              <a:t>'Андорра-ла-Велья'</a:t>
-            </a:r>
-            <a:r>
-              <a:rPr lang="ru-RU" dirty="0">
-                <a:solidFill>
-                  <a:srgbClr val="808080"/>
-                </a:solidFill>
-                <a:latin typeface="Consolas"/>
-              </a:rPr>
-              <a:t>)</a:t>
-            </a:r>
-            <a:endParaRPr lang="ru-RU" dirty="0">
-              <a:solidFill>
-                <a:prstClr val="black"/>
-              </a:solidFill>
-              <a:latin typeface="Consolas"/>
-            </a:endParaRPr>
-          </a:p>
-          <a:p>
-            <a:r>
-              <a:rPr lang="ru-RU" dirty="0">
-                <a:solidFill>
-                  <a:prstClr val="black"/>
-                </a:solidFill>
-                <a:latin typeface="Consolas"/>
-              </a:rPr>
-              <a:t>         </a:t>
-            </a:r>
-            <a:r>
-              <a:rPr lang="ru-RU" dirty="0">
-                <a:solidFill>
-                  <a:srgbClr val="808080"/>
-                </a:solidFill>
-                <a:latin typeface="Consolas"/>
-              </a:rPr>
-              <a:t>,</a:t>
-            </a:r>
-            <a:r>
-              <a:rPr lang="ru-RU" dirty="0">
-                <a:solidFill>
-                  <a:srgbClr val="0000FF"/>
-                </a:solidFill>
-                <a:latin typeface="Consolas"/>
-              </a:rPr>
-              <a:t> </a:t>
-            </a:r>
-            <a:r>
-              <a:rPr lang="ru-RU" dirty="0">
-                <a:solidFill>
-                  <a:srgbClr val="808080"/>
-                </a:solidFill>
-                <a:latin typeface="Consolas"/>
-              </a:rPr>
-              <a:t>(</a:t>
-            </a:r>
-            <a:r>
-              <a:rPr lang="ru-RU" dirty="0">
-                <a:solidFill>
-                  <a:srgbClr val="FF0000"/>
-                </a:solidFill>
-                <a:latin typeface="Consolas"/>
-              </a:rPr>
-              <a:t>'Европа'</a:t>
-            </a:r>
-            <a:r>
-              <a:rPr lang="ru-RU" dirty="0">
-                <a:solidFill>
-                  <a:srgbClr val="808080"/>
-                </a:solidFill>
-                <a:latin typeface="Consolas"/>
-              </a:rPr>
-              <a:t>,</a:t>
-            </a:r>
-            <a:r>
-              <a:rPr lang="ru-RU" dirty="0">
-                <a:solidFill>
-                  <a:prstClr val="black"/>
-                </a:solidFill>
-                <a:latin typeface="Consolas"/>
-              </a:rPr>
-              <a:t> </a:t>
-            </a:r>
-            <a:r>
-              <a:rPr lang="ru-RU" dirty="0">
-                <a:solidFill>
-                  <a:srgbClr val="FF0000"/>
-                </a:solidFill>
-                <a:latin typeface="Consolas"/>
-              </a:rPr>
-              <a:t>'Белоруссия'</a:t>
-            </a:r>
-            <a:r>
-              <a:rPr lang="ru-RU" dirty="0">
-                <a:solidFill>
-                  <a:srgbClr val="808080"/>
-                </a:solidFill>
-                <a:latin typeface="Consolas"/>
-              </a:rPr>
-              <a:t>,</a:t>
-            </a:r>
-            <a:r>
-              <a:rPr lang="ru-RU" dirty="0">
-                <a:solidFill>
-                  <a:prstClr val="black"/>
-                </a:solidFill>
-                <a:latin typeface="Consolas"/>
-              </a:rPr>
-              <a:t> </a:t>
-            </a:r>
-            <a:r>
-              <a:rPr lang="ru-RU" dirty="0">
-                <a:solidFill>
-                  <a:srgbClr val="FF0000"/>
-                </a:solidFill>
-                <a:latin typeface="Consolas"/>
-              </a:rPr>
-              <a:t>'Минск'</a:t>
-            </a:r>
-            <a:r>
-              <a:rPr lang="ru-RU" dirty="0">
-                <a:solidFill>
-                  <a:srgbClr val="808080"/>
-                </a:solidFill>
-                <a:latin typeface="Consolas"/>
-              </a:rPr>
-              <a:t>)</a:t>
-            </a:r>
-            <a:endParaRPr lang="ru-RU" dirty="0">
-              <a:solidFill>
-                <a:prstClr val="black"/>
-              </a:solidFill>
-              <a:latin typeface="Consolas"/>
-            </a:endParaRPr>
-          </a:p>
-          <a:p>
-            <a:r>
-              <a:rPr lang="ru-RU" dirty="0">
-                <a:solidFill>
-                  <a:prstClr val="black"/>
-                </a:solidFill>
-                <a:latin typeface="Consolas"/>
-              </a:rPr>
-              <a:t>         </a:t>
-            </a:r>
-            <a:r>
-              <a:rPr lang="ru-RU" dirty="0">
-                <a:solidFill>
-                  <a:srgbClr val="808080"/>
-                </a:solidFill>
-                <a:latin typeface="Consolas"/>
-              </a:rPr>
-              <a:t>,</a:t>
-            </a:r>
-            <a:r>
-              <a:rPr lang="ru-RU" dirty="0">
-                <a:solidFill>
-                  <a:srgbClr val="0000FF"/>
-                </a:solidFill>
-                <a:latin typeface="Consolas"/>
-              </a:rPr>
-              <a:t> </a:t>
-            </a:r>
-            <a:r>
-              <a:rPr lang="ru-RU" dirty="0">
-                <a:solidFill>
-                  <a:srgbClr val="808080"/>
-                </a:solidFill>
-                <a:latin typeface="Consolas"/>
-              </a:rPr>
-              <a:t>(</a:t>
-            </a:r>
-            <a:r>
-              <a:rPr lang="ru-RU" dirty="0">
-                <a:solidFill>
-                  <a:srgbClr val="FF0000"/>
-                </a:solidFill>
-                <a:latin typeface="Consolas"/>
-              </a:rPr>
-              <a:t>'Европа'</a:t>
-            </a:r>
-            <a:r>
-              <a:rPr lang="ru-RU" dirty="0">
-                <a:solidFill>
-                  <a:srgbClr val="808080"/>
-                </a:solidFill>
-                <a:latin typeface="Consolas"/>
-              </a:rPr>
-              <a:t>,</a:t>
-            </a:r>
-            <a:r>
-              <a:rPr lang="ru-RU" dirty="0">
-                <a:solidFill>
-                  <a:prstClr val="black"/>
-                </a:solidFill>
-                <a:latin typeface="Consolas"/>
-              </a:rPr>
-              <a:t> </a:t>
-            </a:r>
-            <a:r>
-              <a:rPr lang="ru-RU" dirty="0">
-                <a:solidFill>
-                  <a:srgbClr val="FF0000"/>
-                </a:solidFill>
-                <a:latin typeface="Consolas"/>
-              </a:rPr>
-              <a:t>'Бельгия'</a:t>
-            </a:r>
-            <a:r>
-              <a:rPr lang="ru-RU" dirty="0">
-                <a:solidFill>
-                  <a:srgbClr val="808080"/>
-                </a:solidFill>
-                <a:latin typeface="Consolas"/>
-              </a:rPr>
-              <a:t>,</a:t>
-            </a:r>
-            <a:r>
-              <a:rPr lang="ru-RU" dirty="0">
-                <a:solidFill>
-                  <a:prstClr val="black"/>
-                </a:solidFill>
-                <a:latin typeface="Consolas"/>
-              </a:rPr>
-              <a:t> </a:t>
-            </a:r>
-            <a:r>
-              <a:rPr lang="ru-RU" dirty="0">
-                <a:solidFill>
-                  <a:srgbClr val="FF0000"/>
-                </a:solidFill>
-                <a:latin typeface="Consolas"/>
-              </a:rPr>
-              <a:t>'Брюссель'</a:t>
-            </a:r>
-            <a:r>
-              <a:rPr lang="ru-RU" dirty="0">
-                <a:solidFill>
-                  <a:srgbClr val="808080"/>
-                </a:solidFill>
-                <a:latin typeface="Consolas"/>
-              </a:rPr>
-              <a:t>)</a:t>
-            </a:r>
-            <a:endParaRPr lang="ru-RU" dirty="0">
-              <a:solidFill>
-                <a:prstClr val="black"/>
-              </a:solidFill>
-              <a:latin typeface="Consolas"/>
-            </a:endParaRPr>
-          </a:p>
-          <a:p>
-            <a:endParaRPr lang="ru-RU" dirty="0">
-              <a:solidFill>
-                <a:prstClr val="black"/>
-              </a:solidFill>
-              <a:latin typeface="Consolas"/>
-            </a:endParaRPr>
-          </a:p>
-        </p:txBody>
-      </p:sp>
-    </p:spTree>
-    <p:extLst>
-      <p:ext uri="{BB962C8B-B14F-4D97-AF65-F5344CB8AC3E}">
-        <p14:creationId xmlns:p14="http://schemas.microsoft.com/office/powerpoint/2010/main" val="1003551259"/>
       </p:ext>
     </p:extLst>
   </p:cSld>
@@ -9473,18 +9750,32 @@
         </p:nvSpPr>
         <p:spPr/>
         <p:txBody>
-          <a:bodyPr/>
+          <a:bodyPr>
+            <a:noAutofit/>
+          </a:bodyPr>
           <a:lstStyle/>
           <a:p>
             <a:r>
-              <a:rPr lang="en-US" dirty="0" smtClean="0"/>
-              <a:t>T-SQL: </a:t>
-            </a:r>
-            <a:r>
-              <a:rPr lang="ru-RU" dirty="0" smtClean="0"/>
-              <a:t>Комментарии</a:t>
-            </a:r>
-            <a:endParaRPr lang="en-US" dirty="0"/>
+              <a:rPr lang="ru-RU" sz="3600" dirty="0" smtClean="0"/>
+              <a:t>«Сокращенный» </a:t>
+            </a:r>
+            <a:r>
+              <a:rPr lang="en-US" sz="3600" dirty="0" smtClean="0"/>
+              <a:t>INSERT</a:t>
+            </a:r>
+            <a:r>
+              <a:rPr lang="ru-RU" sz="3600" dirty="0" smtClean="0"/>
+              <a:t>в </a:t>
+            </a:r>
+            <a:r>
+              <a:rPr lang="en-US" sz="3600" dirty="0" smtClean="0"/>
+              <a:t>MS SQL 2008 </a:t>
+            </a:r>
+            <a:r>
+              <a:rPr lang="ru-RU" sz="3600" dirty="0" smtClean="0"/>
+              <a:t>и выше</a:t>
+            </a:r>
+            <a:endParaRPr lang="en-US" sz="3600" dirty="0"/>
           </a:p>
         </p:txBody>
       </p:sp>
@@ -9500,8 +9791,8 @@
         </p:nvSpPr>
         <p:spPr>
           <a:xfrm>
-            <a:off x="457200" y="1600201"/>
-            <a:ext cx="8147248" cy="1180728"/>
+            <a:off x="457200" y="1600200"/>
+            <a:ext cx="8147248" cy="2332855"/>
           </a:xfrm>
         </p:spPr>
         <p:txBody>
@@ -9514,26 +9805,37 @@
               <a:buNone/>
             </a:pPr>
             <a:r>
+              <a:rPr lang="ru-RU" dirty="0" smtClean="0"/>
+              <a:t>В </a:t>
+            </a:r>
+            <a:r>
               <a:rPr lang="en-US" dirty="0" smtClean="0"/>
-              <a:t>SQL </a:t>
+              <a:t>SQL Server 2008 </a:t>
+            </a:r>
+            <a:r>
+              <a:rPr lang="ru-RU" dirty="0"/>
+              <a:t>и выше </a:t>
             </a:r>
             <a:r>
               <a:rPr lang="ru-RU" dirty="0" smtClean="0"/>
-              <a:t>поддерживает однострочные (--) и многострочные комментарии (</a:t>
+              <a:t>команда </a:t>
             </a:r>
             <a:r>
               <a:rPr lang="en-US" dirty="0" smtClean="0"/>
-              <a:t>/* ... */</a:t>
+              <a:t>INSERT </a:t>
             </a:r>
             <a:r>
               <a:rPr lang="ru-RU" dirty="0" smtClean="0"/>
-              <a:t>:</a:t>
-            </a:r>
-          </a:p>
-          <a:p>
-            <a:pPr marL="0" indent="0">
-              <a:buNone/>
-            </a:pPr>
+              <a:t>дает возможность вставить несколько строк за один вызов</a:t>
+            </a:r>
+            <a:r>
+              <a:rPr lang="en-US" dirty="0" smtClean="0"/>
+              <a:t>. </a:t>
+            </a:r>
+            <a:r>
+              <a:rPr lang="ru-RU" dirty="0" smtClean="0"/>
+              <a:t>Добавление производится в рамках общей транзакции.</a:t>
+            </a:r>
             <a:endParaRPr lang="en-US" dirty="0"/>
           </a:p>
         </p:txBody>
@@ -9546,8 +9848,8 @@
         </p:nvSpPr>
         <p:spPr>
           <a:xfrm>
-            <a:off x="457200" y="2837835"/>
-            <a:ext cx="8147248" cy="1477328"/>
+            <a:off x="457200" y="3989963"/>
+            <a:ext cx="8147248" cy="2031325"/>
           </a:xfrm>
           <a:prstGeom prst="rect">
             <a:avLst/>
@@ -9563,13 +9865,246 @@
           <a:lstStyle/>
           <a:p>
             <a:r>
+              <a:rPr lang="en-US" dirty="0">
+                <a:solidFill>
+                  <a:srgbClr val="0000FF"/>
+                </a:solidFill>
+                <a:latin typeface="Consolas"/>
+              </a:rPr>
+              <a:t>INSERT</a:t>
+            </a:r>
+            <a:r>
+              <a:rPr lang="en-US" dirty="0">
+                <a:solidFill>
+                  <a:prstClr val="black"/>
+                </a:solidFill>
+                <a:latin typeface="Consolas"/>
+              </a:rPr>
+              <a:t> </a:t>
+            </a:r>
+            <a:r>
+              <a:rPr lang="en-US" dirty="0">
+                <a:solidFill>
+                  <a:srgbClr val="0000FF"/>
+                </a:solidFill>
+                <a:latin typeface="Consolas"/>
+              </a:rPr>
+              <a:t>INTO</a:t>
+            </a:r>
+            <a:r>
+              <a:rPr lang="en-US" dirty="0">
+                <a:solidFill>
+                  <a:prstClr val="black"/>
+                </a:solidFill>
+                <a:latin typeface="Consolas"/>
+              </a:rPr>
+              <a:t> </a:t>
+            </a:r>
+            <a:r>
+              <a:rPr lang="en-US" dirty="0" err="1">
+                <a:solidFill>
+                  <a:prstClr val="black"/>
+                </a:solidFill>
+                <a:latin typeface="Consolas"/>
+              </a:rPr>
+              <a:t>CountryCapital</a:t>
+            </a:r>
+            <a:r>
+              <a:rPr lang="en-US" dirty="0">
+                <a:solidFill>
+                  <a:srgbClr val="0000FF"/>
+                </a:solidFill>
+                <a:latin typeface="Consolas"/>
+              </a:rPr>
+              <a:t> </a:t>
+            </a:r>
+            <a:r>
+              <a:rPr lang="en-US" dirty="0">
+                <a:solidFill>
+                  <a:srgbClr val="808080"/>
+                </a:solidFill>
+                <a:latin typeface="Consolas"/>
+              </a:rPr>
+              <a:t>(</a:t>
+            </a:r>
+            <a:r>
+              <a:rPr lang="en-US" dirty="0" err="1">
+                <a:solidFill>
+                  <a:prstClr val="black"/>
+                </a:solidFill>
+                <a:latin typeface="Consolas"/>
+              </a:rPr>
+              <a:t>PartOfWorld</a:t>
+            </a:r>
+            <a:r>
+              <a:rPr lang="en-US" dirty="0">
+                <a:solidFill>
+                  <a:srgbClr val="808080"/>
+                </a:solidFill>
+                <a:latin typeface="Consolas"/>
+              </a:rPr>
+              <a:t>,</a:t>
+            </a:r>
+            <a:r>
+              <a:rPr lang="en-US" dirty="0">
+                <a:solidFill>
+                  <a:prstClr val="black"/>
+                </a:solidFill>
+                <a:latin typeface="Consolas"/>
+              </a:rPr>
+              <a:t> Country</a:t>
+            </a:r>
+            <a:r>
+              <a:rPr lang="en-US" dirty="0">
+                <a:solidFill>
+                  <a:srgbClr val="808080"/>
+                </a:solidFill>
+                <a:latin typeface="Consolas"/>
+              </a:rPr>
+              <a:t>,</a:t>
+            </a:r>
+            <a:r>
+              <a:rPr lang="en-US" dirty="0">
+                <a:solidFill>
+                  <a:prstClr val="black"/>
+                </a:solidFill>
+                <a:latin typeface="Consolas"/>
+              </a:rPr>
+              <a:t> </a:t>
+            </a:r>
+            <a:r>
+              <a:rPr lang="en-US" dirty="0" err="1">
+                <a:solidFill>
+                  <a:prstClr val="black"/>
+                </a:solidFill>
+                <a:latin typeface="Consolas"/>
+              </a:rPr>
+              <a:t>CapitalCity</a:t>
+            </a:r>
+            <a:r>
+              <a:rPr lang="en-US" dirty="0">
+                <a:solidFill>
+                  <a:srgbClr val="808080"/>
+                </a:solidFill>
+                <a:latin typeface="Consolas"/>
+              </a:rPr>
+              <a:t>)</a:t>
+            </a:r>
+            <a:endParaRPr lang="en-US" dirty="0">
+              <a:solidFill>
+                <a:prstClr val="black"/>
+              </a:solidFill>
+              <a:latin typeface="Consolas"/>
+            </a:endParaRPr>
+          </a:p>
+          <a:p>
+            <a:r>
+              <a:rPr lang="en-US" dirty="0">
+                <a:solidFill>
+                  <a:prstClr val="black"/>
+                </a:solidFill>
+                <a:latin typeface="Consolas"/>
+              </a:rPr>
+              <a:t>    </a:t>
+            </a:r>
+            <a:r>
+              <a:rPr lang="en-US" dirty="0">
+                <a:solidFill>
+                  <a:srgbClr val="0000FF"/>
+                </a:solidFill>
+                <a:latin typeface="Consolas"/>
+              </a:rPr>
+              <a:t>VALUES </a:t>
+            </a:r>
+            <a:r>
+              <a:rPr lang="en-US" dirty="0">
+                <a:solidFill>
+                  <a:srgbClr val="808080"/>
+                </a:solidFill>
+                <a:latin typeface="Consolas"/>
+              </a:rPr>
+              <a:t>(</a:t>
+            </a:r>
+            <a:r>
+              <a:rPr lang="en-US" dirty="0">
+                <a:solidFill>
+                  <a:srgbClr val="FF0000"/>
+                </a:solidFill>
+                <a:latin typeface="Consolas"/>
+              </a:rPr>
+              <a:t>'</a:t>
+            </a:r>
+            <a:r>
               <a:rPr lang="ru-RU" dirty="0">
                 <a:solidFill>
-                  <a:srgbClr val="008000"/>
+                  <a:srgbClr val="FF0000"/>
                 </a:solidFill>
                 <a:latin typeface="Consolas"/>
               </a:rPr>
-              <a:t>/*</a:t>
+              <a:t>Европа'</a:t>
+            </a:r>
+            <a:r>
+              <a:rPr lang="ru-RU" dirty="0">
+                <a:solidFill>
+                  <a:srgbClr val="808080"/>
+                </a:solidFill>
+                <a:latin typeface="Consolas"/>
+              </a:rPr>
+              <a:t>,</a:t>
+            </a:r>
+            <a:r>
+              <a:rPr lang="ru-RU" dirty="0">
+                <a:solidFill>
+                  <a:prstClr val="black"/>
+                </a:solidFill>
+                <a:latin typeface="Consolas"/>
+              </a:rPr>
+              <a:t> </a:t>
+            </a:r>
+            <a:r>
+              <a:rPr lang="ru-RU" dirty="0">
+                <a:solidFill>
+                  <a:srgbClr val="FF0000"/>
+                </a:solidFill>
+                <a:latin typeface="Consolas"/>
+              </a:rPr>
+              <a:t>'Австрия'</a:t>
+            </a:r>
+            <a:r>
+              <a:rPr lang="ru-RU" dirty="0">
+                <a:solidFill>
+                  <a:srgbClr val="808080"/>
+                </a:solidFill>
+                <a:latin typeface="Consolas"/>
+              </a:rPr>
+              <a:t>,</a:t>
+            </a:r>
+            <a:r>
+              <a:rPr lang="ru-RU" dirty="0">
+                <a:solidFill>
+                  <a:prstClr val="black"/>
+                </a:solidFill>
+                <a:latin typeface="Consolas"/>
+              </a:rPr>
+              <a:t> </a:t>
+            </a:r>
+            <a:r>
+              <a:rPr lang="ru-RU" dirty="0">
+                <a:solidFill>
+                  <a:srgbClr val="FF0000"/>
+                </a:solidFill>
+                <a:latin typeface="Consolas"/>
+              </a:rPr>
+              <a:t>'Вена'</a:t>
+            </a:r>
+            <a:r>
+              <a:rPr lang="ru-RU" dirty="0">
+                <a:solidFill>
+                  <a:srgbClr val="808080"/>
+                </a:solidFill>
+                <a:latin typeface="Consolas"/>
+              </a:rPr>
+              <a:t>)</a:t>
             </a:r>
             <a:endParaRPr lang="ru-RU" dirty="0">
               <a:solidFill>
@@ -9582,29 +10117,110 @@
             <a:r>
               <a:rPr lang="ru-RU" dirty="0">
                 <a:solidFill>
-                  <a:srgbClr val="008000"/>
+                  <a:prstClr val="black"/>
                 </a:solidFill>
                 <a:latin typeface="Consolas"/>
               </a:rPr>
-              <a:t>    Пример простого </a:t>
-            </a:r>
-            <a:r>
-              <a:rPr lang="en-US" dirty="0">
-                <a:solidFill>
-                  <a:srgbClr val="008000"/>
+              <a:t>         </a:t>
+            </a:r>
+            <a:r>
+              <a:rPr lang="ru-RU" dirty="0">
+                <a:solidFill>
+                  <a:srgbClr val="808080"/>
                 </a:solidFill>
                 <a:latin typeface="Consolas"/>
               </a:rPr>
-              <a:t>T-SQL </a:t>
+              <a:t>,</a:t>
             </a:r>
             <a:r>
               <a:rPr lang="ru-RU" dirty="0">
                 <a:solidFill>
-                  <a:srgbClr val="008000"/>
+                  <a:srgbClr val="0000FF"/>
                 </a:solidFill>
                 <a:latin typeface="Consolas"/>
               </a:rPr>
-              <a:t>скрипта</a:t>
+              <a:t> </a:t>
+            </a:r>
+            <a:r>
+              <a:rPr lang="ru-RU" dirty="0">
+                <a:solidFill>
+                  <a:srgbClr val="808080"/>
+                </a:solidFill>
+                <a:latin typeface="Consolas"/>
+              </a:rPr>
+              <a:t>(</a:t>
+            </a:r>
+            <a:r>
+              <a:rPr lang="ru-RU" dirty="0">
+                <a:solidFill>
+                  <a:srgbClr val="FF0000"/>
+                </a:solidFill>
+                <a:latin typeface="Consolas"/>
+              </a:rPr>
+              <a:t>'Европа'</a:t>
+            </a:r>
+            <a:r>
+              <a:rPr lang="ru-RU" dirty="0">
+                <a:solidFill>
+                  <a:srgbClr val="808080"/>
+                </a:solidFill>
+                <a:latin typeface="Consolas"/>
+              </a:rPr>
+              <a:t>,</a:t>
+            </a:r>
+            <a:r>
+              <a:rPr lang="ru-RU" dirty="0">
+                <a:solidFill>
+                  <a:prstClr val="black"/>
+                </a:solidFill>
+                <a:latin typeface="Consolas"/>
+              </a:rPr>
+              <a:t> </a:t>
+            </a:r>
+            <a:r>
+              <a:rPr lang="ru-RU" dirty="0">
+                <a:solidFill>
+                  <a:srgbClr val="FF0000"/>
+                </a:solidFill>
+                <a:latin typeface="Consolas"/>
+              </a:rPr>
+              <a:t>'Албания'</a:t>
+            </a:r>
+            <a:r>
+              <a:rPr lang="ru-RU" dirty="0">
+                <a:solidFill>
+                  <a:srgbClr val="808080"/>
+                </a:solidFill>
+                <a:latin typeface="Consolas"/>
+              </a:rPr>
+              <a:t>,</a:t>
+            </a:r>
+            <a:r>
+              <a:rPr lang="ru-RU" dirty="0">
+                <a:solidFill>
+                  <a:prstClr val="black"/>
+                </a:solidFill>
+                <a:latin typeface="Consolas"/>
+              </a:rPr>
+              <a:t> </a:t>
+            </a:r>
+            <a:r>
+              <a:rPr lang="ru-RU" dirty="0">
+                <a:solidFill>
+                  <a:srgbClr val="FF0000"/>
+                </a:solidFill>
+                <a:latin typeface="Consolas"/>
+              </a:rPr>
+              <a:t>'Тирана'</a:t>
+            </a:r>
+            <a:r>
+              <a:rPr lang="ru-RU" dirty="0">
+                <a:solidFill>
+                  <a:srgbClr val="808080"/>
+                </a:solidFill>
+                <a:latin typeface="Consolas"/>
+              </a:rPr>
+              <a:t>)</a:t>
             </a:r>
             <a:endParaRPr lang="ru-RU" dirty="0">
               <a:solidFill>
@@ -9617,11 +10233,110 @@
             <a:r>
               <a:rPr lang="ru-RU" dirty="0">
                 <a:solidFill>
-                  <a:srgbClr val="008000"/>
+                  <a:prstClr val="black"/>
                 </a:solidFill>
                 <a:latin typeface="Consolas"/>
               </a:rPr>
-              <a:t>*/</a:t>
+              <a:t>         </a:t>
+            </a:r>
+            <a:r>
+              <a:rPr lang="ru-RU" dirty="0">
+                <a:solidFill>
+                  <a:srgbClr val="808080"/>
+                </a:solidFill>
+                <a:latin typeface="Consolas"/>
+              </a:rPr>
+              <a:t>,</a:t>
+            </a:r>
+            <a:r>
+              <a:rPr lang="ru-RU" dirty="0">
+                <a:solidFill>
+                  <a:srgbClr val="0000FF"/>
+                </a:solidFill>
+                <a:latin typeface="Consolas"/>
+              </a:rPr>
+              <a:t> </a:t>
+            </a:r>
+            <a:r>
+              <a:rPr lang="ru-RU" dirty="0">
+                <a:solidFill>
+                  <a:srgbClr val="808080"/>
+                </a:solidFill>
+                <a:latin typeface="Consolas"/>
+              </a:rPr>
+              <a:t>(</a:t>
+            </a:r>
+            <a:r>
+              <a:rPr lang="ru-RU" dirty="0">
+                <a:solidFill>
+                  <a:srgbClr val="FF0000"/>
+                </a:solidFill>
+                <a:latin typeface="Consolas"/>
+              </a:rPr>
+              <a:t>'Европа'</a:t>
+            </a:r>
+            <a:r>
+              <a:rPr lang="ru-RU" dirty="0">
+                <a:solidFill>
+                  <a:srgbClr val="808080"/>
+                </a:solidFill>
+                <a:latin typeface="Consolas"/>
+              </a:rPr>
+              <a:t>,</a:t>
+            </a:r>
+            <a:r>
+              <a:rPr lang="ru-RU" dirty="0">
+                <a:solidFill>
+                  <a:prstClr val="black"/>
+                </a:solidFill>
+                <a:latin typeface="Consolas"/>
+              </a:rPr>
+              <a:t> </a:t>
+            </a:r>
+            <a:r>
+              <a:rPr lang="ru-RU" dirty="0">
+                <a:solidFill>
+                  <a:srgbClr val="FF0000"/>
+                </a:solidFill>
+                <a:latin typeface="Consolas"/>
+              </a:rPr>
+              <a:t>'Андорра'</a:t>
+            </a:r>
+            <a:r>
+              <a:rPr lang="ru-RU" dirty="0">
+                <a:solidFill>
+                  <a:srgbClr val="808080"/>
+                </a:solidFill>
+                <a:latin typeface="Consolas"/>
+              </a:rPr>
+              <a:t>,</a:t>
+            </a:r>
+            <a:r>
+              <a:rPr lang="ru-RU" dirty="0">
+                <a:solidFill>
+                  <a:prstClr val="black"/>
+                </a:solidFill>
+                <a:latin typeface="Consolas"/>
+              </a:rPr>
+              <a:t> </a:t>
+            </a:r>
+            <a:r>
+              <a:rPr lang="ru-RU" dirty="0">
+                <a:solidFill>
+                  <a:srgbClr val="FF0000"/>
+                </a:solidFill>
+                <a:latin typeface="Consolas"/>
+              </a:rPr>
+              <a:t>'Андорра-ла-Велья'</a:t>
+            </a:r>
+            <a:r>
+              <a:rPr lang="ru-RU" dirty="0">
+                <a:solidFill>
+                  <a:srgbClr val="808080"/>
+                </a:solidFill>
+                <a:latin typeface="Consolas"/>
+              </a:rPr>
+              <a:t>)</a:t>
             </a:r>
             <a:endParaRPr lang="ru-RU" dirty="0">
               <a:solidFill>
@@ -9634,15 +10349,60 @@
             <a:r>
               <a:rPr lang="ru-RU" dirty="0">
                 <a:solidFill>
+                  <a:prstClr val="black"/>
+                </a:solidFill>
+                <a:latin typeface="Consolas"/>
+              </a:rPr>
+              <a:t>         </a:t>
+            </a:r>
+            <a:r>
+              <a:rPr lang="ru-RU" dirty="0">
+                <a:solidFill>
+                  <a:srgbClr val="808080"/>
+                </a:solidFill>
+                <a:latin typeface="Consolas"/>
+              </a:rPr>
+              <a:t>,</a:t>
+            </a:r>
+            <a:r>
+              <a:rPr lang="ru-RU" dirty="0">
+                <a:solidFill>
                   <a:srgbClr val="0000FF"/>
                 </a:solidFill>
                 <a:latin typeface="Consolas"/>
               </a:rPr>
-              <a:t>EXEC</a:t>
+              <a:t> </a:t>
             </a:r>
             <a:r>
               <a:rPr lang="ru-RU" dirty="0">
                 <a:solidFill>
+                  <a:srgbClr val="808080"/>
+                </a:solidFill>
+                <a:latin typeface="Consolas"/>
+              </a:rPr>
+              <a:t>(</a:t>
+            </a:r>
+            <a:r>
+              <a:rPr lang="ru-RU" dirty="0">
+                <a:solidFill>
+                  <a:srgbClr val="FF0000"/>
+                </a:solidFill>
+                <a:latin typeface="Consolas"/>
+              </a:rPr>
+              <a:t>'Европа'</a:t>
+            </a:r>
+            <a:r>
+              <a:rPr lang="ru-RU" dirty="0">
+                <a:solidFill>
+                  <a:srgbClr val="808080"/>
+                </a:solidFill>
+                <a:latin typeface="Consolas"/>
+              </a:rPr>
+              <a:t>,</a:t>
+            </a:r>
+            <a:r>
+              <a:rPr lang="ru-RU" dirty="0">
+                <a:solidFill>
                   <a:prstClr val="black"/>
                 </a:solidFill>
                 <a:latin typeface="Consolas"/>
@@ -9652,29 +10412,47 @@
             <a:r>
               <a:rPr lang="ru-RU" dirty="0">
                 <a:solidFill>
-                  <a:srgbClr val="800000"/>
+                  <a:srgbClr val="FF0000"/>
                 </a:solidFill>
                 <a:latin typeface="Consolas"/>
               </a:rPr>
-              <a:t>sp_help</a:t>
+              <a:t>'Белоруссия'</a:t>
             </a:r>
             <a:r>
               <a:rPr lang="ru-RU" dirty="0">
                 <a:solidFill>
-                  <a:srgbClr val="0000FF"/>
+                  <a:srgbClr val="808080"/>
                 </a:solidFill>
                 <a:latin typeface="Consolas"/>
               </a:rPr>
+              <a:t>,</a:t>
+            </a:r>
+            <a:r>
+              <a:rPr lang="ru-RU" dirty="0">
+                <a:solidFill>
+                  <a:prstClr val="black"/>
+                </a:solidFill>
+                <a:latin typeface="Consolas"/>
+              </a:rPr>
               <a:t> </a:t>
             </a:r>
             <a:r>
               <a:rPr lang="ru-RU" dirty="0">
                 <a:solidFill>
-                  <a:srgbClr val="008000"/>
+                  <a:srgbClr val="FF0000"/>
                 </a:solidFill>
                 <a:latin typeface="Consolas"/>
               </a:rPr>
-              <a:t>-- Выполняем системную хранимую процедуру sp_help</a:t>
+              <a:t>'Минск'</a:t>
+            </a:r>
+            <a:r>
+              <a:rPr lang="ru-RU" dirty="0">
+                <a:solidFill>
+                  <a:srgbClr val="808080"/>
+                </a:solidFill>
+                <a:latin typeface="Consolas"/>
+              </a:rPr>
+              <a:t>)</a:t>
             </a:r>
             <a:endParaRPr lang="ru-RU" dirty="0">
               <a:solidFill>
@@ -9684,6 +10462,114 @@
             </a:endParaRPr>
           </a:p>
           <a:p>
+            <a:r>
+              <a:rPr lang="ru-RU" dirty="0">
+                <a:solidFill>
+                  <a:prstClr val="black"/>
+                </a:solidFill>
+                <a:latin typeface="Consolas"/>
+              </a:rPr>
+              <a:t>         </a:t>
+            </a:r>
+            <a:r>
+              <a:rPr lang="ru-RU" dirty="0">
+                <a:solidFill>
+                  <a:srgbClr val="808080"/>
+                </a:solidFill>
+                <a:latin typeface="Consolas"/>
+              </a:rPr>
+              <a:t>,</a:t>
+            </a:r>
+            <a:r>
+              <a:rPr lang="ru-RU" dirty="0">
+                <a:solidFill>
+                  <a:srgbClr val="0000FF"/>
+                </a:solidFill>
+                <a:latin typeface="Consolas"/>
+              </a:rPr>
+              <a:t> </a:t>
+            </a:r>
+            <a:r>
+              <a:rPr lang="ru-RU" dirty="0">
+                <a:solidFill>
+                  <a:srgbClr val="808080"/>
+                </a:solidFill>
+                <a:latin typeface="Consolas"/>
+              </a:rPr>
+              <a:t>(</a:t>
+            </a:r>
+            <a:r>
+              <a:rPr lang="ru-RU" dirty="0">
+                <a:solidFill>
+                  <a:srgbClr val="FF0000"/>
+                </a:solidFill>
+                <a:latin typeface="Consolas"/>
+              </a:rPr>
+              <a:t>'Европа'</a:t>
+            </a:r>
+            <a:r>
+              <a:rPr lang="ru-RU" dirty="0">
+                <a:solidFill>
+                  <a:srgbClr val="808080"/>
+                </a:solidFill>
+                <a:latin typeface="Consolas"/>
+              </a:rPr>
+              <a:t>,</a:t>
+            </a:r>
+            <a:r>
+              <a:rPr lang="ru-RU" dirty="0">
+                <a:solidFill>
+                  <a:prstClr val="black"/>
+                </a:solidFill>
+                <a:latin typeface="Consolas"/>
+              </a:rPr>
+              <a:t> </a:t>
+            </a:r>
+            <a:r>
+              <a:rPr lang="ru-RU" dirty="0">
+                <a:solidFill>
+                  <a:srgbClr val="FF0000"/>
+                </a:solidFill>
+                <a:latin typeface="Consolas"/>
+              </a:rPr>
+              <a:t>'Бельгия'</a:t>
+            </a:r>
+            <a:r>
+              <a:rPr lang="ru-RU" dirty="0">
+                <a:solidFill>
+                  <a:srgbClr val="808080"/>
+                </a:solidFill>
+                <a:latin typeface="Consolas"/>
+              </a:rPr>
+              <a:t>,</a:t>
+            </a:r>
+            <a:r>
+              <a:rPr lang="ru-RU" dirty="0">
+                <a:solidFill>
+                  <a:prstClr val="black"/>
+                </a:solidFill>
+                <a:latin typeface="Consolas"/>
+              </a:rPr>
+              <a:t> </a:t>
+            </a:r>
+            <a:r>
+              <a:rPr lang="ru-RU" dirty="0">
+                <a:solidFill>
+                  <a:srgbClr val="FF0000"/>
+                </a:solidFill>
+                <a:latin typeface="Consolas"/>
+              </a:rPr>
+              <a:t>'Брюссель'</a:t>
+            </a:r>
+            <a:r>
+              <a:rPr lang="ru-RU" dirty="0">
+                <a:solidFill>
+                  <a:srgbClr val="808080"/>
+                </a:solidFill>
+                <a:latin typeface="Consolas"/>
+              </a:rPr>
+              <a:t>)</a:t>
+            </a:r>
             <a:endParaRPr lang="ru-RU" dirty="0">
               <a:solidFill>
                 <a:prstClr val="black"/>
@@ -9691,12 +10577,20 @@
               <a:latin typeface="Consolas"/>
             </a:endParaRPr>
           </a:p>
+          <a:p>
+            <a:endParaRPr lang="ru-RU" dirty="0">
+              <a:solidFill>
+                <a:prstClr val="black"/>
+              </a:solidFill>
+              <a:latin typeface="Consolas"/>
+            </a:endParaRPr>
+          </a:p>
         </p:txBody>
       </p:sp>
     </p:spTree>
     <p:extLst>
       <p:ext uri="{BB962C8B-B14F-4D97-AF65-F5344CB8AC3E}">
-        <p14:creationId xmlns:p14="http://schemas.microsoft.com/office/powerpoint/2010/main" val="2524908556"/>
+        <p14:creationId xmlns:p14="http://schemas.microsoft.com/office/powerpoint/2010/main" val="1003551259"/>
       </p:ext>
     </p:extLst>
   </p:cSld>
@@ -9746,12 +10640,12 @@
           <a:lstStyle/>
           <a:p>
             <a:r>
+              <a:rPr lang="en-US" dirty="0" smtClean="0"/>
+              <a:t>T-SQL: </a:t>
+            </a:r>
+            <a:r>
               <a:rPr lang="ru-RU" dirty="0" smtClean="0"/>
-              <a:t>Ограничения </a:t>
-            </a:r>
-            <a:r>
-              <a:rPr lang="en-US" dirty="0" smtClean="0"/>
-              <a:t>(constraints)</a:t>
+              <a:t>Комментарии</a:t>
             </a:r>
             <a:endParaRPr lang="en-US" dirty="0"/>
           </a:p>
@@ -9767,50 +10661,205 @@
             <p:ph idx="1"/>
           </p:nvPr>
         </p:nvSpPr>
-        <p:spPr/>
+        <p:spPr>
+          <a:xfrm>
+            <a:off x="457200" y="1600201"/>
+            <a:ext cx="8147248" cy="1180728"/>
+          </a:xfrm>
+        </p:spPr>
         <p:txBody>
-          <a:bodyPr/>
+          <a:bodyPr>
+            <a:normAutofit/>
+          </a:bodyPr>
           <a:lstStyle/>
           <a:p>
+            <a:pPr marL="0" indent="0">
+              <a:buNone/>
+            </a:pPr>
             <a:r>
               <a:rPr lang="en-US" dirty="0" smtClean="0"/>
-              <a:t>NOT NULL</a:t>
-            </a:r>
-          </a:p>
-          <a:p>
+              <a:t>SQL </a:t>
+            </a:r>
+            <a:r>
+              <a:rPr lang="ru-RU" dirty="0" smtClean="0"/>
+              <a:t>поддерживает однострочные (--) и многострочные комментарии (</a:t>
+            </a:r>
             <a:r>
               <a:rPr lang="en-US" dirty="0" smtClean="0"/>
-              <a:t>CHECK</a:t>
-            </a:r>
-          </a:p>
-          <a:p>
-            <a:r>
-              <a:rPr lang="en-US" dirty="0" smtClean="0"/>
-              <a:t>UNIQUE</a:t>
-            </a:r>
-          </a:p>
-          <a:p>
-            <a:r>
-              <a:rPr lang="en-US" dirty="0" smtClean="0"/>
-              <a:t>PRIMARY KEY</a:t>
-            </a:r>
-          </a:p>
-          <a:p>
-            <a:r>
-              <a:rPr lang="en-US" dirty="0" smtClean="0"/>
-              <a:t> FOREIGN </a:t>
-            </a:r>
-            <a:r>
-              <a:rPr lang="en-US" dirty="0"/>
-              <a:t>KEY</a:t>
-            </a:r>
+              <a:t>/* ... */</a:t>
+            </a:r>
+            <a:r>
+              <a:rPr lang="ru-RU" dirty="0" smtClean="0"/>
+              <a:t>:</a:t>
+            </a:r>
+          </a:p>
+          <a:p>
+            <a:pPr marL="0" indent="0">
+              <a:buNone/>
+            </a:pPr>
+            <a:endParaRPr lang="en-US" dirty="0"/>
+          </a:p>
+        </p:txBody>
+      </p:sp>
+      <p:sp>
+        <p:nvSpPr>
+          <p:cNvPr id="5" name="Rectangle 4"/>
+          <p:cNvSpPr/>
+          <p:nvPr/>
+        </p:nvSpPr>
+        <p:spPr>
+          <a:xfrm>
+            <a:off x="457200" y="2837835"/>
+            <a:ext cx="8147248" cy="1477328"/>
+          </a:xfrm>
+          <a:prstGeom prst="rect">
+            <a:avLst/>
+          </a:prstGeom>
+          <a:solidFill>
+            <a:schemeClr val="bg1"/>
+          </a:solidFill>
+        </p:spPr>
+        <p:txBody>
+          <a:bodyPr wrap="square">
+            <a:spAutoFit/>
+          </a:bodyPr>
+          <a:lstStyle/>
+          <a:p>
+            <a:r>
+              <a:rPr lang="ru-RU" dirty="0">
+                <a:solidFill>
+                  <a:srgbClr val="008000"/>
+                </a:solidFill>
+                <a:latin typeface="Consolas"/>
+              </a:rPr>
+              <a:t>/*</a:t>
+            </a:r>
+            <a:endParaRPr lang="ru-RU" dirty="0">
+              <a:solidFill>
+                <a:prstClr val="black"/>
+              </a:solidFill>
+              <a:latin typeface="Consolas"/>
+            </a:endParaRPr>
+          </a:p>
+          <a:p>
+            <a:r>
+              <a:rPr lang="ru-RU" dirty="0">
+                <a:solidFill>
+                  <a:srgbClr val="008000"/>
+                </a:solidFill>
+                <a:latin typeface="Consolas"/>
+              </a:rPr>
+              <a:t>    Пример простого </a:t>
+            </a:r>
+            <a:r>
+              <a:rPr lang="en-US" dirty="0">
+                <a:solidFill>
+                  <a:srgbClr val="008000"/>
+                </a:solidFill>
+                <a:latin typeface="Consolas"/>
+              </a:rPr>
+              <a:t>T-SQL </a:t>
+            </a:r>
+            <a:r>
+              <a:rPr lang="ru-RU" dirty="0">
+                <a:solidFill>
+                  <a:srgbClr val="008000"/>
+                </a:solidFill>
+                <a:latin typeface="Consolas"/>
+              </a:rPr>
+              <a:t>скрипта</a:t>
+            </a:r>
+            <a:endParaRPr lang="ru-RU" dirty="0">
+              <a:solidFill>
+                <a:prstClr val="black"/>
+              </a:solidFill>
+              <a:latin typeface="Consolas"/>
+            </a:endParaRPr>
+          </a:p>
+          <a:p>
+            <a:r>
+              <a:rPr lang="ru-RU" dirty="0">
+                <a:solidFill>
+                  <a:srgbClr val="008000"/>
+                </a:solidFill>
+                <a:latin typeface="Consolas"/>
+              </a:rPr>
+              <a:t>*/</a:t>
+            </a:r>
+            <a:endParaRPr lang="ru-RU" dirty="0">
+              <a:solidFill>
+                <a:prstClr val="black"/>
+              </a:solidFill>
+              <a:latin typeface="Consolas"/>
+            </a:endParaRPr>
+          </a:p>
+          <a:p>
+            <a:r>
+              <a:rPr lang="ru-RU" dirty="0">
+                <a:solidFill>
+                  <a:srgbClr val="0000FF"/>
+                </a:solidFill>
+                <a:latin typeface="Consolas"/>
+              </a:rPr>
+              <a:t>EXEC</a:t>
+            </a:r>
+            <a:r>
+              <a:rPr lang="ru-RU" dirty="0">
+                <a:solidFill>
+                  <a:prstClr val="black"/>
+                </a:solidFill>
+                <a:latin typeface="Consolas"/>
+              </a:rPr>
+              <a:t> </a:t>
+            </a:r>
+            <a:r>
+              <a:rPr lang="ru-RU" dirty="0">
+                <a:solidFill>
+                  <a:srgbClr val="800000"/>
+                </a:solidFill>
+                <a:latin typeface="Consolas"/>
+              </a:rPr>
+              <a:t>sp_help</a:t>
+            </a:r>
+            <a:r>
+              <a:rPr lang="ru-RU" dirty="0">
+                <a:solidFill>
+                  <a:srgbClr val="0000FF"/>
+                </a:solidFill>
+                <a:latin typeface="Consolas"/>
+              </a:rPr>
+              <a:t> </a:t>
+            </a:r>
+            <a:r>
+              <a:rPr lang="ru-RU" dirty="0">
+                <a:solidFill>
+                  <a:srgbClr val="008000"/>
+                </a:solidFill>
+                <a:latin typeface="Consolas"/>
+              </a:rPr>
+              <a:t>-- Выполняем системную хранимую процедуру sp_help</a:t>
+            </a:r>
+            <a:endParaRPr lang="ru-RU" dirty="0">
+              <a:solidFill>
+                <a:prstClr val="black"/>
+              </a:solidFill>
+              <a:latin typeface="Consolas"/>
+            </a:endParaRPr>
+          </a:p>
+          <a:p>
+            <a:endParaRPr lang="ru-RU" dirty="0">
+              <a:solidFill>
+                <a:prstClr val="black"/>
+              </a:solidFill>
+              <a:latin typeface="Consolas"/>
+            </a:endParaRPr>
           </a:p>
         </p:txBody>
       </p:sp>
     </p:spTree>
     <p:extLst>
       <p:ext uri="{BB962C8B-B14F-4D97-AF65-F5344CB8AC3E}">
-        <p14:creationId xmlns:p14="http://schemas.microsoft.com/office/powerpoint/2010/main" val="3114920222"/>
+        <p14:creationId xmlns:p14="http://schemas.microsoft.com/office/powerpoint/2010/main" val="2524908556"/>
       </p:ext>
     </p:extLst>
   </p:cSld>
@@ -9861,7 +10910,11 @@
           <a:p>
             <a:r>
               <a:rPr lang="ru-RU" dirty="0" smtClean="0"/>
-              <a:t>Хранимые процедуры</a:t>
+              <a:t>Ограничения </a:t>
+            </a:r>
+            <a:r>
+              <a:rPr lang="en-US" dirty="0" smtClean="0"/>
+              <a:t>(constraints)</a:t>
             </a:r>
             <a:endParaRPr lang="en-US" dirty="0"/>
           </a:p>
@@ -9877,63 +10930,50 @@
             <p:ph idx="1"/>
           </p:nvPr>
         </p:nvSpPr>
-        <p:spPr>
-          <a:xfrm>
-            <a:off x="457200" y="1600200"/>
-            <a:ext cx="8229600" cy="3773015"/>
-          </a:xfrm>
-        </p:spPr>
+        <p:spPr/>
         <p:txBody>
           <a:bodyPr/>
           <a:lstStyle/>
           <a:p>
-            <a:pPr marL="0" indent="0">
-              <a:buNone/>
-            </a:pPr>
-            <a:r>
-              <a:rPr lang="ru-RU" dirty="0" smtClean="0"/>
-              <a:t>Хранимая процедура это функция на языке </a:t>
-            </a:r>
             <a:r>
               <a:rPr lang="en-US" dirty="0" smtClean="0"/>
-              <a:t>SQL. </a:t>
-            </a:r>
-            <a:r>
-              <a:rPr lang="ru-RU" dirty="0" smtClean="0"/>
-              <a:t>У процедуры могут быть параметры. Для создания процедуры используется команда </a:t>
-            </a:r>
+              <a:t>NOT NULL</a:t>
+            </a:r>
+          </a:p>
+          <a:p>
             <a:r>
               <a:rPr lang="en-US" dirty="0" smtClean="0"/>
-              <a:t>CREATE PROC, </a:t>
-            </a:r>
-            <a:r>
-              <a:rPr lang="ru-RU" dirty="0" smtClean="0"/>
-              <a:t>для изменения </a:t>
-            </a:r>
+              <a:t>CHECK</a:t>
+            </a:r>
+          </a:p>
+          <a:p>
             <a:r>
               <a:rPr lang="en-US" dirty="0" smtClean="0"/>
-              <a:t>ALTER PROC </a:t>
-            </a:r>
-            <a:r>
-              <a:rPr lang="ru-RU" dirty="0" smtClean="0"/>
-              <a:t>и </a:t>
-            </a:r>
+              <a:t>UNIQUE</a:t>
+            </a:r>
+          </a:p>
+          <a:p>
             <a:r>
               <a:rPr lang="en-US" dirty="0" smtClean="0"/>
-              <a:t>DROP PROC </a:t>
-            </a:r>
-            <a:r>
-              <a:rPr lang="ru-RU" dirty="0" smtClean="0"/>
-              <a:t>для удаления.</a:t>
-            </a:r>
-            <a:endParaRPr lang="en-US" dirty="0" smtClean="0"/>
+              <a:t>PRIMARY KEY</a:t>
+            </a:r>
+          </a:p>
+          <a:p>
+            <a:r>
+              <a:rPr lang="en-US" dirty="0" smtClean="0"/>
+              <a:t> FOREIGN </a:t>
+            </a:r>
+            <a:r>
+              <a:rPr lang="en-US" dirty="0"/>
+              <a:t>KEY</a:t>
+            </a:r>
           </a:p>
         </p:txBody>
       </p:sp>
     </p:spTree>
     <p:extLst>
       <p:ext uri="{BB962C8B-B14F-4D97-AF65-F5344CB8AC3E}">
-        <p14:creationId xmlns:p14="http://schemas.microsoft.com/office/powerpoint/2010/main" val="2533733971"/>
+        <p14:creationId xmlns:p14="http://schemas.microsoft.com/office/powerpoint/2010/main" val="3114920222"/>
       </p:ext>
     </p:extLst>
   </p:cSld>
@@ -10145,11 +11185,11 @@
   <p:clrMapOvr>
     <a:masterClrMapping/>
   </p:clrMapOvr>
-  <mc:AlternateContent xmlns:mc="http://schemas.openxmlformats.org/markup-compatibility/2006" xmlns:p14="http://schemas.microsoft.com/office/powerpoint/2010/main">
-    <mc:Choice Requires="p14">
+  <mc:AlternateContent xmlns:mc="http://schemas.openxmlformats.org/markup-compatibility/2006">
+    <mc:Choice xmlns:p14="http://schemas.microsoft.com/office/powerpoint/2010/main" Requires="p14">
       <p:transition spd="slow" p14:dur="2000"/>
     </mc:Choice>
-    <mc:Fallback xmlns="">
+    <mc:Fallback>
       <p:transition spd="slow"/>
     </mc:Fallback>
   </mc:AlternateContent>
@@ -10197,6 +11237,129 @@
           <a:p>
             <a:r>
               <a:rPr lang="ru-RU" dirty="0" smtClean="0"/>
+              <a:t>Хранимые процедуры</a:t>
+            </a:r>
+            <a:endParaRPr lang="en-US" dirty="0"/>
+          </a:p>
+        </p:txBody>
+      </p:sp>
+      <p:sp>
+        <p:nvSpPr>
+          <p:cNvPr id="3" name="Content Placeholder 2"/>
+          <p:cNvSpPr>
+            <a:spLocks noGrp="1"/>
+          </p:cNvSpPr>
+          <p:nvPr>
+            <p:ph idx="1"/>
+          </p:nvPr>
+        </p:nvSpPr>
+        <p:spPr>
+          <a:xfrm>
+            <a:off x="457200" y="1600200"/>
+            <a:ext cx="8229600" cy="3773015"/>
+          </a:xfrm>
+        </p:spPr>
+        <p:txBody>
+          <a:bodyPr/>
+          <a:lstStyle/>
+          <a:p>
+            <a:pPr marL="0" indent="0">
+              <a:buNone/>
+            </a:pPr>
+            <a:r>
+              <a:rPr lang="ru-RU" dirty="0" smtClean="0"/>
+              <a:t>Хранимая процедура это функция на языке </a:t>
+            </a:r>
+            <a:r>
+              <a:rPr lang="en-US" dirty="0" smtClean="0"/>
+              <a:t>SQL. </a:t>
+            </a:r>
+            <a:r>
+              <a:rPr lang="ru-RU" dirty="0" smtClean="0"/>
+              <a:t>У процедуры могут быть параметры. Для создания процедуры используется команда </a:t>
+            </a:r>
+            <a:r>
+              <a:rPr lang="en-US" dirty="0" smtClean="0"/>
+              <a:t>CREATE PROC, </a:t>
+            </a:r>
+            <a:r>
+              <a:rPr lang="ru-RU" dirty="0" smtClean="0"/>
+              <a:t>для изменения </a:t>
+            </a:r>
+            <a:r>
+              <a:rPr lang="en-US" dirty="0" smtClean="0"/>
+              <a:t>ALTER PROC </a:t>
+            </a:r>
+            <a:r>
+              <a:rPr lang="ru-RU" dirty="0" smtClean="0"/>
+              <a:t>и </a:t>
+            </a:r>
+            <a:r>
+              <a:rPr lang="en-US" dirty="0" smtClean="0"/>
+              <a:t>DROP PROC </a:t>
+            </a:r>
+            <a:r>
+              <a:rPr lang="ru-RU" dirty="0" smtClean="0"/>
+              <a:t>для удаления.</a:t>
+            </a:r>
+            <a:endParaRPr lang="en-US" dirty="0" smtClean="0"/>
+          </a:p>
+        </p:txBody>
+      </p:sp>
+    </p:spTree>
+    <p:extLst>
+      <p:ext uri="{BB962C8B-B14F-4D97-AF65-F5344CB8AC3E}">
+        <p14:creationId xmlns:p14="http://schemas.microsoft.com/office/powerpoint/2010/main" val="2533733971"/>
+      </p:ext>
+    </p:extLst>
+  </p:cSld>
+  <p:clrMapOvr>
+    <a:masterClrMapping/>
+  </p:clrMapOvr>
+  <p:timing>
+    <p:tnLst>
+      <p:par>
+        <p:cTn id="1" dur="indefinite" restart="never" nodeType="tmRoot"/>
+      </p:par>
+    </p:tnLst>
+  </p:timing>
+</p:sld>
+</file>
+
+<file path=ppt/slides/slide31.xml><?xml version="1.0" encoding="utf-8"?>
+<p:sld xmlns:a="http://schemas.openxmlformats.org/drawingml/2006/main" xmlns:r="http://schemas.openxmlformats.org/officeDocument/2006/relationships" xmlns:p="http://schemas.openxmlformats.org/presentationml/2006/main">
+  <p:cSld>
+    <p:spTree>
+      <p:nvGrpSpPr>
+        <p:cNvPr id="1" name=""/>
+        <p:cNvGrpSpPr/>
+        <p:nvPr/>
+      </p:nvGrpSpPr>
+      <p:grpSpPr>
+        <a:xfrm>
+          <a:off x="0" y="0"/>
+          <a:ext cx="0" cy="0"/>
+          <a:chOff x="0" y="0"/>
+          <a:chExt cx="0" cy="0"/>
+        </a:xfrm>
+      </p:grpSpPr>
+      <p:sp>
+        <p:nvSpPr>
+          <p:cNvPr id="2" name="Title 1"/>
+          <p:cNvSpPr>
+            <a:spLocks noGrp="1"/>
+          </p:cNvSpPr>
+          <p:nvPr>
+            <p:ph type="title"/>
+          </p:nvPr>
+        </p:nvSpPr>
+        <p:spPr/>
+        <p:txBody>
+          <a:bodyPr/>
+          <a:lstStyle/>
+          <a:p>
+            <a:r>
+              <a:rPr lang="ru-RU" dirty="0" smtClean="0"/>
               <a:t>Триггеры</a:t>
             </a:r>
             <a:endParaRPr lang="en-US" dirty="0"/>
@@ -10377,7 +11540,7 @@
 </p:sld>
 </file>
 
-<file path=ppt/slides/slide31.xml><?xml version="1.0" encoding="utf-8"?>
+<file path=ppt/slides/slide32.xml><?xml version="1.0" encoding="utf-8"?>
 <p:sld xmlns:a="http://schemas.openxmlformats.org/drawingml/2006/main" xmlns:r="http://schemas.openxmlformats.org/officeDocument/2006/relationships" xmlns:p="http://schemas.openxmlformats.org/presentationml/2006/main">
   <p:cSld>
     <p:spTree>
@@ -10900,11 +12063,13 @@
         </p:nvSpPr>
         <p:spPr/>
         <p:txBody>
-          <a:bodyPr/>
+          <a:bodyPr>
+            <a:normAutofit fontScale="70000" lnSpcReduction="20000"/>
+          </a:bodyPr>
           <a:lstStyle/>
           <a:p>
             <a:r>
-              <a:rPr lang="ru-RU" dirty="0" smtClean="0">
+              <a:rPr lang="ru-RU" sz="4600" dirty="0" smtClean="0">
                 <a:solidFill>
                   <a:srgbClr val="FFFF00"/>
                 </a:solidFill>
@@ -10912,16 +12077,59 @@
               <a:t>Реляционные </a:t>
             </a:r>
             <a:r>
+              <a:rPr lang="en-US" sz="4600" dirty="0" smtClean="0">
+                <a:solidFill>
+                  <a:srgbClr val="FFFF00"/>
+                </a:solidFill>
+              </a:rPr>
+              <a:t>(relational</a:t>
+            </a:r>
+            <a:r>
+              <a:rPr lang="en-US" sz="4600" dirty="0" smtClean="0">
+                <a:solidFill>
+                  <a:srgbClr val="FFFF00"/>
+                </a:solidFill>
+              </a:rPr>
+              <a:t>)</a:t>
+            </a:r>
+          </a:p>
+          <a:p>
+            <a:pPr lvl="1"/>
+            <a:r>
+              <a:rPr lang="en-US" dirty="0">
+                <a:solidFill>
+                  <a:schemeClr val="bg1"/>
+                </a:solidFill>
+              </a:rPr>
+              <a:t>MS </a:t>
+            </a:r>
+            <a:r>
               <a:rPr lang="en-US" dirty="0" smtClean="0">
                 <a:solidFill>
+                  <a:schemeClr val="bg1"/>
+                </a:solidFill>
+              </a:rPr>
+              <a:t>Access, </a:t>
+            </a:r>
+            <a:r>
+              <a:rPr lang="en-US" dirty="0">
+                <a:solidFill>
                   <a:srgbClr val="FFFF00"/>
                 </a:solidFill>
               </a:rPr>
-              <a:t>(relational)</a:t>
+              <a:t>MS SQL Server</a:t>
+            </a:r>
+            <a:r>
+              <a:rPr lang="en-US" dirty="0" smtClean="0">
+                <a:solidFill>
+                  <a:schemeClr val="bg1"/>
+                </a:solidFill>
+              </a:rPr>
+              <a:t>, Oracle, MySQL, PostgreSQL, SQLite, ...</a:t>
             </a:r>
             <a:endParaRPr lang="ru-RU" dirty="0" smtClean="0">
               <a:solidFill>
-                <a:srgbClr val="FFFF00"/>
+                <a:schemeClr val="bg1"/>
               </a:solidFill>
             </a:endParaRPr>
           </a:p>
@@ -10932,8 +12140,48 @@
             </a:r>
             <a:r>
               <a:rPr lang="en-US" dirty="0" smtClean="0"/>
-              <a:t> (document-driven)</a:t>
-            </a:r>
+              <a:t> (document-driven</a:t>
+            </a:r>
+            <a:r>
+              <a:rPr lang="en-US" dirty="0" smtClean="0"/>
+              <a:t>)</a:t>
+            </a:r>
+          </a:p>
+          <a:p>
+            <a:pPr lvl="1"/>
+            <a:r>
+              <a:rPr lang="en-US" dirty="0" err="1"/>
+              <a:t>CouchDB</a:t>
+            </a:r>
+            <a:r>
+              <a:rPr lang="en-US" dirty="0"/>
+              <a:t>, MongoDB, </a:t>
+            </a:r>
+            <a:r>
+              <a:rPr lang="en-US" dirty="0" err="1"/>
+              <a:t>RavenDB</a:t>
+            </a:r>
+            <a:r>
+              <a:rPr lang="en-US" dirty="0"/>
+              <a:t>, </a:t>
+            </a:r>
+            <a:r>
+              <a:rPr lang="en-US" dirty="0" err="1"/>
+              <a:t>Redis</a:t>
+            </a:r>
+            <a:r>
+              <a:rPr lang="en-US" dirty="0"/>
+              <a:t>, Amazon </a:t>
+            </a:r>
+            <a:r>
+              <a:rPr lang="en-US" dirty="0" err="1" smtClean="0"/>
+              <a:t>SimpleDB</a:t>
+            </a:r>
+            <a:r>
+              <a:rPr lang="en-US" dirty="0" smtClean="0"/>
+              <a:t>, ...</a:t>
+            </a:r>
+            <a:endParaRPr lang="en-US" dirty="0" smtClean="0"/>
           </a:p>
           <a:p>
             <a:r>
@@ -10942,13 +12190,76 @@
             </a:r>
             <a:r>
               <a:rPr lang="en-US" dirty="0" smtClean="0"/>
-              <a:t>(graph)</a:t>
-            </a:r>
+              <a:t>(graph</a:t>
+            </a:r>
+            <a:r>
+              <a:rPr lang="en-US" dirty="0" smtClean="0"/>
+              <a:t>)</a:t>
+            </a:r>
+          </a:p>
+          <a:p>
+            <a:pPr lvl="1"/>
+            <a:r>
+              <a:rPr lang="en-US" dirty="0" smtClean="0"/>
+              <a:t>Neo4j, </a:t>
+            </a:r>
+            <a:r>
+              <a:rPr lang="en-US" dirty="0" err="1" smtClean="0"/>
+              <a:t>MapGraph</a:t>
+            </a:r>
+            <a:r>
+              <a:rPr lang="en-US" dirty="0"/>
+              <a:t>, </a:t>
+            </a:r>
+            <a:r>
+              <a:rPr lang="en-US" dirty="0" err="1" smtClean="0"/>
+              <a:t>OrientDB</a:t>
+            </a:r>
+            <a:r>
+              <a:rPr lang="en-US" dirty="0" smtClean="0"/>
+              <a:t>, ...</a:t>
+            </a:r>
+            <a:endParaRPr lang="en-US" dirty="0" smtClean="0"/>
           </a:p>
           <a:p>
             <a:r>
               <a:rPr lang="ru-RU" dirty="0" smtClean="0"/>
-              <a:t>и другие </a:t>
+              <a:t>Объектно-ориентированные</a:t>
+            </a:r>
+            <a:endParaRPr lang="en-US" dirty="0" smtClean="0"/>
+          </a:p>
+          <a:p>
+            <a:pPr lvl="1"/>
+            <a:r>
+              <a:rPr lang="en-US" dirty="0" err="1"/>
+              <a:t>Caché</a:t>
+            </a:r>
+            <a:r>
+              <a:rPr lang="en-US" dirty="0"/>
+              <a:t>, </a:t>
+            </a:r>
+            <a:r>
+              <a:rPr lang="en-US" dirty="0" err="1"/>
+              <a:t>VelocityDB</a:t>
+            </a:r>
+            <a:r>
+              <a:rPr lang="en-US" dirty="0"/>
+              <a:t>, </a:t>
+            </a:r>
+            <a:r>
+              <a:rPr lang="en-US" dirty="0" smtClean="0"/>
+              <a:t>Db4o, ...</a:t>
+            </a:r>
+            <a:endParaRPr lang="en-US" dirty="0"/>
+          </a:p>
+          <a:p>
+            <a:r>
+              <a:rPr lang="ru-RU" dirty="0" smtClean="0"/>
+              <a:t>И </a:t>
+            </a:r>
+            <a:r>
+              <a:rPr lang="ru-RU" dirty="0" smtClean="0"/>
+              <a:t>другие </a:t>
             </a:r>
             <a:r>
               <a:rPr lang="en-US" dirty="0" smtClean="0"/>
@@ -10960,6 +12271,9 @@
             <a:endParaRPr lang="ru-RU" dirty="0"/>
           </a:p>
           <a:p>
+            <a:pPr marL="0" indent="0">
+              <a:buNone/>
+            </a:pPr>
             <a:r>
               <a:rPr lang="ru-RU" dirty="0" smtClean="0"/>
               <a:t>СУБД – Система Управления Базами Данных </a:t>

--- a/Presentation/lesson-09-sql.pptx
+++ b/Presentation/lesson-09-sql.pptx
@@ -5,7 +5,7 @@
     <p:sldMasterId id="2147483648" r:id="rId1"/>
   </p:sldMasterIdLst>
   <p:notesMasterIdLst>
-    <p:notesMasterId r:id="rId34"/>
+    <p:notesMasterId r:id="rId36"/>
   </p:notesMasterIdLst>
   <p:sldIdLst>
     <p:sldId id="256" r:id="rId2"/>
@@ -15,31 +15,33 @@
     <p:sldId id="275" r:id="rId6"/>
     <p:sldId id="268" r:id="rId7"/>
     <p:sldId id="278" r:id="rId8"/>
-    <p:sldId id="279" r:id="rId9"/>
-    <p:sldId id="290" r:id="rId10"/>
-    <p:sldId id="259" r:id="rId11"/>
-    <p:sldId id="287" r:id="rId12"/>
-    <p:sldId id="270" r:id="rId13"/>
-    <p:sldId id="269" r:id="rId14"/>
-    <p:sldId id="281" r:id="rId15"/>
-    <p:sldId id="289" r:id="rId16"/>
-    <p:sldId id="285" r:id="rId17"/>
-    <p:sldId id="260" r:id="rId18"/>
-    <p:sldId id="261" r:id="rId19"/>
-    <p:sldId id="262" r:id="rId20"/>
-    <p:sldId id="263" r:id="rId21"/>
-    <p:sldId id="264" r:id="rId22"/>
-    <p:sldId id="291" r:id="rId23"/>
-    <p:sldId id="265" r:id="rId24"/>
-    <p:sldId id="266" r:id="rId25"/>
-    <p:sldId id="286" r:id="rId26"/>
-    <p:sldId id="267" r:id="rId27"/>
-    <p:sldId id="271" r:id="rId28"/>
-    <p:sldId id="282" r:id="rId29"/>
-    <p:sldId id="288" r:id="rId30"/>
-    <p:sldId id="280" r:id="rId31"/>
-    <p:sldId id="272" r:id="rId32"/>
-    <p:sldId id="273" r:id="rId33"/>
+    <p:sldId id="294" r:id="rId9"/>
+    <p:sldId id="279" r:id="rId10"/>
+    <p:sldId id="290" r:id="rId11"/>
+    <p:sldId id="259" r:id="rId12"/>
+    <p:sldId id="287" r:id="rId13"/>
+    <p:sldId id="270" r:id="rId14"/>
+    <p:sldId id="269" r:id="rId15"/>
+    <p:sldId id="281" r:id="rId16"/>
+    <p:sldId id="289" r:id="rId17"/>
+    <p:sldId id="285" r:id="rId18"/>
+    <p:sldId id="293" r:id="rId19"/>
+    <p:sldId id="260" r:id="rId20"/>
+    <p:sldId id="261" r:id="rId21"/>
+    <p:sldId id="262" r:id="rId22"/>
+    <p:sldId id="263" r:id="rId23"/>
+    <p:sldId id="264" r:id="rId24"/>
+    <p:sldId id="291" r:id="rId25"/>
+    <p:sldId id="265" r:id="rId26"/>
+    <p:sldId id="266" r:id="rId27"/>
+    <p:sldId id="286" r:id="rId28"/>
+    <p:sldId id="267" r:id="rId29"/>
+    <p:sldId id="271" r:id="rId30"/>
+    <p:sldId id="282" r:id="rId31"/>
+    <p:sldId id="288" r:id="rId32"/>
+    <p:sldId id="280" r:id="rId33"/>
+    <p:sldId id="272" r:id="rId34"/>
+    <p:sldId id="273" r:id="rId35"/>
   </p:sldIdLst>
   <p:sldSz cx="9144000" cy="6858000" type="screen4x3"/>
   <p:notesSz cx="6858000" cy="9144000"/>
@@ -223,7 +225,7 @@
           <a:p>
             <a:fld id="{B24A7054-7FFB-49F4-A126-5DF6E687FF53}" type="datetimeFigureOut">
               <a:rPr lang="ru-RU" smtClean="0"/>
-              <a:t>23.04.2015</a:t>
+              <a:t>02.06.2015</a:t>
             </a:fld>
             <a:endParaRPr lang="ru-RU"/>
           </a:p>
@@ -1505,7 +1507,7 @@
           <a:p>
             <a:fld id="{8E6E6A2A-E9D3-4A0D-B04A-ABDD367A1E08}" type="datetimeFigureOut">
               <a:rPr lang="ru-RU" smtClean="0"/>
-              <a:t>23.04.2015</a:t>
+              <a:t>02.06.2015</a:t>
             </a:fld>
             <a:endParaRPr lang="ru-RU"/>
           </a:p>
@@ -2950,7 +2952,7 @@
           <a:p>
             <a:fld id="{AC3D3127-B7C4-45E3-9797-C527EC9FDD78}" type="datetimeFigureOut">
               <a:rPr lang="ru-RU" smtClean="0"/>
-              <a:t>23.04.2015</a:t>
+              <a:t>02.06.2015</a:t>
             </a:fld>
             <a:endParaRPr lang="ru-RU"/>
           </a:p>
@@ -3540,6 +3542,172 @@
           <a:chExt cx="0" cy="0"/>
         </a:xfrm>
       </p:grpSpPr>
+      <p:sp>
+        <p:nvSpPr>
+          <p:cNvPr id="2" name="Title 1"/>
+          <p:cNvSpPr>
+            <a:spLocks noGrp="1"/>
+          </p:cNvSpPr>
+          <p:nvPr>
+            <p:ph type="title"/>
+          </p:nvPr>
+        </p:nvSpPr>
+        <p:spPr/>
+        <p:txBody>
+          <a:bodyPr>
+            <a:normAutofit fontScale="90000"/>
+          </a:bodyPr>
+          <a:lstStyle/>
+          <a:p>
+            <a:r>
+              <a:rPr lang="ru-RU" dirty="0" smtClean="0"/>
+              <a:t>Инструменты для работы с </a:t>
+            </a:r>
+            <a:r>
+              <a:rPr lang="en-US" dirty="0" smtClean="0"/>
+              <a:t>SQL Server</a:t>
+            </a:r>
+            <a:endParaRPr lang="ru-RU" dirty="0"/>
+          </a:p>
+        </p:txBody>
+      </p:sp>
+      <p:sp>
+        <p:nvSpPr>
+          <p:cNvPr id="3" name="Content Placeholder 2"/>
+          <p:cNvSpPr>
+            <a:spLocks noGrp="1"/>
+          </p:cNvSpPr>
+          <p:nvPr>
+            <p:ph idx="1"/>
+          </p:nvPr>
+        </p:nvSpPr>
+        <p:spPr/>
+        <p:txBody>
+          <a:bodyPr/>
+          <a:lstStyle/>
+          <a:p>
+            <a:r>
+              <a:rPr lang="en-US" dirty="0" smtClean="0"/>
+              <a:t>SQL Server Management Studio</a:t>
+            </a:r>
+            <a:r>
+              <a:rPr lang="ru-RU" dirty="0" smtClean="0"/>
+              <a:t> </a:t>
+            </a:r>
+            <a:r>
+              <a:rPr lang="en-US" dirty="0" smtClean="0"/>
+              <a:t>Express</a:t>
+            </a:r>
+          </a:p>
+          <a:p>
+            <a:pPr lvl="1"/>
+            <a:r>
+              <a:rPr lang="ru-RU" dirty="0" smtClean="0"/>
+              <a:t>Ставится отдельно. Качается бесплатно с сайта </a:t>
+            </a:r>
+            <a:r>
+              <a:rPr lang="en-US" dirty="0" smtClean="0"/>
+              <a:t>Microsoft</a:t>
+            </a:r>
+          </a:p>
+          <a:p>
+            <a:r>
+              <a:rPr lang="en-US" dirty="0"/>
+              <a:t>Microsoft SQL Server Data </a:t>
+            </a:r>
+            <a:r>
+              <a:rPr lang="en-US" dirty="0" smtClean="0"/>
+              <a:t>Tools</a:t>
+            </a:r>
+          </a:p>
+          <a:p>
+            <a:pPr lvl="1"/>
+            <a:r>
+              <a:rPr lang="ru-RU" dirty="0" smtClean="0"/>
+              <a:t>Расширение для </a:t>
+            </a:r>
+            <a:r>
+              <a:rPr lang="en-US" dirty="0" smtClean="0"/>
+              <a:t>Visual Studio</a:t>
+            </a:r>
+            <a:r>
+              <a:rPr lang="ru-RU" dirty="0" smtClean="0"/>
+              <a:t>. </a:t>
+            </a:r>
+            <a:r>
+              <a:rPr lang="ru-RU" dirty="0"/>
+              <a:t>Ставится отдельно. Качается бесплатно с сайта </a:t>
+            </a:r>
+            <a:r>
+              <a:rPr lang="en-US" dirty="0" smtClean="0"/>
+              <a:t>Microsoft</a:t>
+            </a:r>
+            <a:r>
+              <a:rPr lang="ru-RU" dirty="0" smtClean="0"/>
+              <a:t/>
+            </a:r>
+            <a:br>
+              <a:rPr lang="ru-RU" dirty="0" smtClean="0"/>
+            </a:br>
+            <a:r>
+              <a:rPr lang="en-US" dirty="0" smtClean="0">
+                <a:hlinkClick r:id="rId2"/>
+              </a:rPr>
+              <a:t>https</a:t>
+            </a:r>
+            <a:r>
+              <a:rPr lang="en-US" dirty="0">
+                <a:hlinkClick r:id="rId2"/>
+              </a:rPr>
+              <a:t>://</a:t>
+            </a:r>
+            <a:r>
+              <a:rPr lang="en-US" dirty="0" smtClean="0">
+                <a:hlinkClick r:id="rId2"/>
+              </a:rPr>
+              <a:t>msdn.microsoft.com/en-us/data/tools.aspx</a:t>
+            </a:r>
+            <a:endParaRPr lang="ru-RU" dirty="0" smtClean="0"/>
+          </a:p>
+        </p:txBody>
+      </p:sp>
+    </p:spTree>
+    <p:extLst>
+      <p:ext uri="{BB962C8B-B14F-4D97-AF65-F5344CB8AC3E}">
+        <p14:creationId xmlns:p14="http://schemas.microsoft.com/office/powerpoint/2010/main" val="1233609667"/>
+      </p:ext>
+    </p:extLst>
+  </p:cSld>
+  <p:clrMapOvr>
+    <a:masterClrMapping/>
+  </p:clrMapOvr>
+  <p:timing>
+    <p:tnLst>
+      <p:par>
+        <p:cTn id="1" dur="indefinite" restart="never" nodeType="tmRoot"/>
+      </p:par>
+    </p:tnLst>
+  </p:timing>
+</p:sld>
+</file>
+
+<file path=ppt/slides/slide11.xml><?xml version="1.0" encoding="utf-8"?>
+<p:sld xmlns:a="http://schemas.openxmlformats.org/drawingml/2006/main" xmlns:r="http://schemas.openxmlformats.org/officeDocument/2006/relationships" xmlns:p="http://schemas.openxmlformats.org/presentationml/2006/main">
+  <p:cSld>
+    <p:spTree>
+      <p:nvGrpSpPr>
+        <p:cNvPr id="1" name=""/>
+        <p:cNvGrpSpPr/>
+        <p:nvPr/>
+      </p:nvGrpSpPr>
+      <p:grpSpPr>
+        <a:xfrm>
+          <a:off x="0" y="0"/>
+          <a:ext cx="0" cy="0"/>
+          <a:chOff x="0" y="0"/>
+          <a:chExt cx="0" cy="0"/>
+        </a:xfrm>
+      </p:grpSpPr>
       <p:pic>
         <p:nvPicPr>
           <p:cNvPr id="4098" name="Picture 2"/>
@@ -3664,248 +3832,6 @@
     <p:extLst>
       <p:ext uri="{BB962C8B-B14F-4D97-AF65-F5344CB8AC3E}">
         <p14:creationId xmlns:p14="http://schemas.microsoft.com/office/powerpoint/2010/main" val="796670954"/>
-      </p:ext>
-    </p:extLst>
-  </p:cSld>
-  <p:clrMapOvr>
-    <a:masterClrMapping/>
-  </p:clrMapOvr>
-  <p:timing>
-    <p:tnLst>
-      <p:par>
-        <p:cTn id="1" dur="indefinite" restart="never" nodeType="tmRoot"/>
-      </p:par>
-    </p:tnLst>
-  </p:timing>
-</p:sld>
-</file>
-
-<file path=ppt/slides/slide11.xml><?xml version="1.0" encoding="utf-8"?>
-<p:sld xmlns:a="http://schemas.openxmlformats.org/drawingml/2006/main" xmlns:r="http://schemas.openxmlformats.org/officeDocument/2006/relationships" xmlns:p="http://schemas.openxmlformats.org/presentationml/2006/main">
-  <p:cSld>
-    <p:spTree>
-      <p:nvGrpSpPr>
-        <p:cNvPr id="1" name=""/>
-        <p:cNvGrpSpPr/>
-        <p:nvPr/>
-      </p:nvGrpSpPr>
-      <p:grpSpPr>
-        <a:xfrm>
-          <a:off x="0" y="0"/>
-          <a:ext cx="0" cy="0"/>
-          <a:chOff x="0" y="0"/>
-          <a:chExt cx="0" cy="0"/>
-        </a:xfrm>
-      </p:grpSpPr>
-      <p:sp>
-        <p:nvSpPr>
-          <p:cNvPr id="2" name="Title 1"/>
-          <p:cNvSpPr>
-            <a:spLocks noGrp="1"/>
-          </p:cNvSpPr>
-          <p:nvPr>
-            <p:ph type="title"/>
-          </p:nvPr>
-        </p:nvSpPr>
-        <p:spPr/>
-        <p:txBody>
-          <a:bodyPr>
-            <a:normAutofit fontScale="90000"/>
-          </a:bodyPr>
-          <a:lstStyle/>
-          <a:p>
-            <a:r>
-              <a:rPr lang="ru-RU" dirty="0" smtClean="0"/>
-              <a:t>Некоторые гарантии СУБД - </a:t>
-            </a:r>
-            <a:r>
-              <a:rPr lang="en-US" dirty="0" smtClean="0"/>
-              <a:t>A.C.I.D.</a:t>
-            </a:r>
-            <a:endParaRPr lang="ru-RU" dirty="0"/>
-          </a:p>
-        </p:txBody>
-      </p:sp>
-      <p:sp>
-        <p:nvSpPr>
-          <p:cNvPr id="3" name="Content Placeholder 2"/>
-          <p:cNvSpPr>
-            <a:spLocks noGrp="1"/>
-          </p:cNvSpPr>
-          <p:nvPr>
-            <p:ph idx="1"/>
-          </p:nvPr>
-        </p:nvSpPr>
-        <p:spPr/>
-        <p:txBody>
-          <a:bodyPr>
-            <a:normAutofit fontScale="70000" lnSpcReduction="20000"/>
-          </a:bodyPr>
-          <a:lstStyle/>
-          <a:p>
-            <a:r>
-              <a:rPr lang="en-US" dirty="0" smtClean="0"/>
-              <a:t> </a:t>
-            </a:r>
-            <a:r>
-              <a:rPr lang="en-US" dirty="0" smtClean="0">
-                <a:solidFill>
-                  <a:srgbClr val="FFFF00"/>
-                </a:solidFill>
-              </a:rPr>
-              <a:t>A</a:t>
-            </a:r>
-            <a:r>
-              <a:rPr lang="en-US" dirty="0" smtClean="0"/>
-              <a:t>tomicity (</a:t>
-            </a:r>
-            <a:r>
-              <a:rPr lang="ru-RU" dirty="0" smtClean="0"/>
-              <a:t>Атомарность</a:t>
-            </a:r>
-            <a:r>
-              <a:rPr lang="en-US" dirty="0" smtClean="0"/>
-              <a:t>)</a:t>
-            </a:r>
-          </a:p>
-          <a:p>
-            <a:pPr lvl="1"/>
-            <a:r>
-              <a:rPr lang="ru-RU" dirty="0" smtClean="0"/>
-              <a:t>Гарантия, </a:t>
-            </a:r>
-            <a:r>
-              <a:rPr lang="ru-RU" dirty="0"/>
-              <a:t>что никакая транзакция не будет зафиксирована в системе </a:t>
-            </a:r>
-            <a:r>
-              <a:rPr lang="ru-RU" dirty="0" smtClean="0"/>
-              <a:t>частично.</a:t>
-            </a:r>
-            <a:endParaRPr lang="en-US" dirty="0" smtClean="0"/>
-          </a:p>
-          <a:p>
-            <a:r>
-              <a:rPr lang="en-US" dirty="0" smtClean="0"/>
-              <a:t> </a:t>
-            </a:r>
-            <a:r>
-              <a:rPr lang="en-US" dirty="0" smtClean="0">
-                <a:solidFill>
-                  <a:srgbClr val="FFFF00"/>
-                </a:solidFill>
-              </a:rPr>
-              <a:t>C</a:t>
-            </a:r>
-            <a:r>
-              <a:rPr lang="en-US" dirty="0" smtClean="0"/>
-              <a:t>onsistency (</a:t>
-            </a:r>
-            <a:r>
-              <a:rPr lang="ru-RU" dirty="0" smtClean="0"/>
-              <a:t>Согласованность</a:t>
-            </a:r>
-            <a:r>
-              <a:rPr lang="en-US" dirty="0" smtClean="0"/>
-              <a:t>)</a:t>
-            </a:r>
-            <a:endParaRPr lang="ru-RU" dirty="0" smtClean="0"/>
-          </a:p>
-          <a:p>
-            <a:pPr lvl="1"/>
-            <a:r>
-              <a:rPr lang="ru-RU" dirty="0"/>
-              <a:t>Транзакция достигающая своего нормального завершения </a:t>
-            </a:r>
-            <a:r>
-              <a:rPr lang="ru-RU" dirty="0" smtClean="0"/>
-              <a:t>и</a:t>
-            </a:r>
-            <a:r>
-              <a:rPr lang="ru-RU" dirty="0"/>
-              <a:t>, тем самым, фиксирующая свои результаты, сохраняет согласованность базы данных.</a:t>
-            </a:r>
-            <a:endParaRPr lang="en-US" dirty="0" smtClean="0"/>
-          </a:p>
-          <a:p>
-            <a:r>
-              <a:rPr lang="en-US" dirty="0" smtClean="0"/>
-              <a:t> </a:t>
-            </a:r>
-            <a:r>
-              <a:rPr lang="en-US" dirty="0" smtClean="0">
-                <a:solidFill>
-                  <a:srgbClr val="FFFF00"/>
-                </a:solidFill>
-              </a:rPr>
-              <a:t>I</a:t>
-            </a:r>
-            <a:r>
-              <a:rPr lang="en-US" dirty="0" smtClean="0"/>
-              <a:t>solation (</a:t>
-            </a:r>
-            <a:r>
-              <a:rPr lang="ru-RU" dirty="0" smtClean="0"/>
-              <a:t>Изолированность</a:t>
-            </a:r>
-            <a:r>
-              <a:rPr lang="en-US" dirty="0" smtClean="0"/>
-              <a:t>)</a:t>
-            </a:r>
-            <a:endParaRPr lang="ru-RU" dirty="0" smtClean="0"/>
-          </a:p>
-          <a:p>
-            <a:pPr lvl="1"/>
-            <a:r>
-              <a:rPr lang="ru-RU" dirty="0"/>
-              <a:t>Во время выполнения транзакции параллельные транзакции не должны оказывать влияние на её результат.</a:t>
-            </a:r>
-            <a:endParaRPr lang="en-US" dirty="0" smtClean="0"/>
-          </a:p>
-          <a:p>
-            <a:r>
-              <a:rPr lang="en-US" dirty="0" smtClean="0"/>
-              <a:t> </a:t>
-            </a:r>
-            <a:r>
-              <a:rPr lang="en-US" dirty="0" smtClean="0">
-                <a:solidFill>
-                  <a:srgbClr val="FFFF00"/>
-                </a:solidFill>
-              </a:rPr>
-              <a:t>D</a:t>
-            </a:r>
-            <a:r>
-              <a:rPr lang="en-US" dirty="0" smtClean="0"/>
-              <a:t>urability (</a:t>
-            </a:r>
-            <a:r>
-              <a:rPr lang="ru-RU" dirty="0" smtClean="0"/>
-              <a:t>Надежность</a:t>
-            </a:r>
-            <a:r>
-              <a:rPr lang="en-US" dirty="0" smtClean="0"/>
-              <a:t>)</a:t>
-            </a:r>
-            <a:endParaRPr lang="ru-RU" dirty="0" smtClean="0"/>
-          </a:p>
-          <a:p>
-            <a:pPr lvl="1"/>
-            <a:r>
-              <a:rPr lang="ru-RU" dirty="0" smtClean="0"/>
-              <a:t>Если </a:t>
-            </a:r>
-            <a:r>
-              <a:rPr lang="ru-RU" dirty="0"/>
-              <a:t>пользователь получил подтверждение от системы, что транзакция выполнена, он может быть уверен, что сделанные им изменения не будут отменены из-за какого-либо сбоя.</a:t>
-            </a:r>
-          </a:p>
-        </p:txBody>
-      </p:sp>
-    </p:spTree>
-    <p:extLst>
-      <p:ext uri="{BB962C8B-B14F-4D97-AF65-F5344CB8AC3E}">
-        <p14:creationId xmlns:p14="http://schemas.microsoft.com/office/powerpoint/2010/main" val="1177667350"/>
       </p:ext>
     </p:extLst>
   </p:cSld>
@@ -3951,14 +3877,20 @@
         </p:nvSpPr>
         <p:spPr/>
         <p:txBody>
-          <a:bodyPr/>
+          <a:bodyPr>
+            <a:normAutofit fontScale="90000"/>
+          </a:bodyPr>
           <a:lstStyle/>
           <a:p>
             <a:r>
               <a:rPr lang="ru-RU" dirty="0" smtClean="0"/>
-              <a:t>Понятие нормализации</a:t>
-            </a:r>
-            <a:endParaRPr lang="en-US" dirty="0"/>
+              <a:t>Некоторые гарантии СУБД - </a:t>
+            </a:r>
+            <a:r>
+              <a:rPr lang="en-US" dirty="0" smtClean="0"/>
+              <a:t>A.C.I.D.</a:t>
+            </a:r>
+            <a:endParaRPr lang="ru-RU" dirty="0"/>
           </a:p>
         </p:txBody>
       </p:sp>
@@ -3975,134 +3907,173 @@
         <p:spPr/>
         <p:txBody>
           <a:bodyPr>
-            <a:normAutofit fontScale="55000" lnSpcReduction="20000"/>
+            <a:normAutofit fontScale="70000" lnSpcReduction="20000"/>
           </a:bodyPr>
           <a:lstStyle/>
           <a:p>
-            <a:pPr marL="0" indent="0">
-              <a:buNone/>
-            </a:pPr>
+            <a:r>
+              <a:rPr lang="en-US" dirty="0" smtClean="0"/>
+              <a:t> </a:t>
+            </a:r>
+            <a:r>
+              <a:rPr lang="en-US" dirty="0" smtClean="0">
+                <a:solidFill>
+                  <a:srgbClr val="FFFF00"/>
+                </a:solidFill>
+              </a:rPr>
+              <a:t>A</a:t>
+            </a:r>
+            <a:r>
+              <a:rPr lang="en-US" dirty="0" smtClean="0"/>
+              <a:t>tomicity (</a:t>
+            </a:r>
+            <a:r>
+              <a:rPr lang="ru-RU" dirty="0" smtClean="0"/>
+              <a:t>Атомарность</a:t>
+            </a:r>
+            <a:r>
+              <a:rPr lang="en-US" dirty="0" smtClean="0"/>
+              <a:t>)</a:t>
+            </a:r>
+          </a:p>
+          <a:p>
+            <a:pPr lvl="1"/>
+            <a:r>
+              <a:rPr lang="ru-RU" dirty="0" smtClean="0"/>
+              <a:t>Гарантия, </a:t>
+            </a:r>
             <a:r>
               <a:rPr lang="ru-RU" dirty="0"/>
-              <a:t>Процесс преобразования отношений базы данных к виду, отвечающему </a:t>
-            </a:r>
-            <a:r>
-              <a:rPr lang="ru-RU" dirty="0">
+              <a:t>что никакая транзакция не будет зафиксирована в системе </a:t>
+            </a:r>
+            <a:r>
+              <a:rPr lang="ru-RU" dirty="0" smtClean="0"/>
+              <a:t>частично.</a:t>
+            </a:r>
+            <a:endParaRPr lang="en-US" dirty="0" smtClean="0"/>
+          </a:p>
+          <a:p>
+            <a:r>
+              <a:rPr lang="en-US" dirty="0" smtClean="0"/>
+              <a:t> </a:t>
+            </a:r>
+            <a:r>
+              <a:rPr lang="en-US" dirty="0" smtClean="0">
                 <a:solidFill>
                   <a:srgbClr val="FFFF00"/>
                 </a:solidFill>
               </a:rPr>
-              <a:t>нормальным формам</a:t>
-            </a:r>
+              <a:t>C</a:t>
+            </a:r>
+            <a:r>
+              <a:rPr lang="en-US" dirty="0" smtClean="0"/>
+              <a:t>onsistency (</a:t>
+            </a:r>
+            <a:r>
+              <a:rPr lang="ru-RU" dirty="0" smtClean="0"/>
+              <a:t>Согласованность</a:t>
+            </a:r>
+            <a:r>
+              <a:rPr lang="en-US" dirty="0" smtClean="0"/>
+              <a:t>)</a:t>
+            </a:r>
+            <a:endParaRPr lang="ru-RU" dirty="0" smtClean="0"/>
+          </a:p>
+          <a:p>
+            <a:pPr lvl="1"/>
             <a:r>
               <a:rPr lang="ru-RU" dirty="0"/>
-              <a:t>, называется </a:t>
-            </a:r>
-            <a:r>
-              <a:rPr lang="ru-RU" dirty="0">
+              <a:t>Транзакция достигающая своего нормального завершения </a:t>
+            </a:r>
+            <a:r>
+              <a:rPr lang="ru-RU" dirty="0" smtClean="0"/>
+              <a:t>и</a:t>
+            </a:r>
+            <a:r>
+              <a:rPr lang="ru-RU" dirty="0"/>
+              <a:t>, тем самым, фиксирующая свои результаты, сохраняет согласованность базы данных.</a:t>
+            </a:r>
+            <a:endParaRPr lang="en-US" dirty="0" smtClean="0"/>
+          </a:p>
+          <a:p>
+            <a:r>
+              <a:rPr lang="en-US" dirty="0" smtClean="0"/>
+              <a:t> </a:t>
+            </a:r>
+            <a:r>
+              <a:rPr lang="en-US" dirty="0" smtClean="0">
                 <a:solidFill>
                   <a:srgbClr val="FFFF00"/>
                 </a:solidFill>
               </a:rPr>
-              <a:t>нормализацией</a:t>
-            </a:r>
+              <a:t>I</a:t>
+            </a:r>
+            <a:r>
+              <a:rPr lang="en-US" dirty="0" smtClean="0"/>
+              <a:t>solation (</a:t>
+            </a:r>
+            <a:r>
+              <a:rPr lang="ru-RU" dirty="0" smtClean="0"/>
+              <a:t>Изолированность</a:t>
+            </a:r>
+            <a:r>
+              <a:rPr lang="en-US" dirty="0" smtClean="0"/>
+              <a:t>)</a:t>
+            </a:r>
+            <a:endParaRPr lang="ru-RU" dirty="0" smtClean="0"/>
+          </a:p>
+          <a:p>
+            <a:pPr lvl="1"/>
             <a:r>
               <a:rPr lang="ru-RU" dirty="0"/>
-              <a:t>. Нормализация предназначена для приведения структуры БД к виду, обеспечивающему минимальную логическую избыточность, и не имеет целью уменьшение или увеличение производительности работы или же уменьшение или увеличение физического объёма базы данных</a:t>
+              <a:t>Во время выполнения транзакции параллельные транзакции не должны оказывать влияние на её результат.</a:t>
+            </a:r>
+            <a:endParaRPr lang="en-US" dirty="0" smtClean="0"/>
+          </a:p>
+          <a:p>
+            <a:r>
+              <a:rPr lang="en-US" dirty="0" smtClean="0"/>
+              <a:t> </a:t>
+            </a:r>
+            <a:r>
+              <a:rPr lang="en-US" dirty="0" smtClean="0">
+                <a:solidFill>
+                  <a:srgbClr val="FFFF00"/>
+                </a:solidFill>
+              </a:rPr>
+              <a:t>D</a:t>
+            </a:r>
+            <a:r>
+              <a:rPr lang="en-US" dirty="0" smtClean="0"/>
+              <a:t>urability (</a:t>
             </a:r>
             <a:r>
               <a:rPr lang="ru-RU" dirty="0" smtClean="0"/>
-              <a:t>. </a:t>
+              <a:t>Надежность</a:t>
+            </a:r>
+            <a:r>
+              <a:rPr lang="en-US" dirty="0" smtClean="0"/>
+              <a:t>)</a:t>
+            </a:r>
+            <a:endParaRPr lang="ru-RU" dirty="0" smtClean="0"/>
+          </a:p>
+          <a:p>
+            <a:pPr lvl="1"/>
+            <a:r>
+              <a:rPr lang="ru-RU" dirty="0" smtClean="0"/>
+              <a:t>Если </a:t>
             </a:r>
             <a:r>
               <a:rPr lang="ru-RU" dirty="0"/>
-              <a:t>Конечной целью нормализации является уменьшение потенциальной противоречивости хранимой в базе данных информации. О</a:t>
-            </a:r>
-            <a:r>
-              <a:rPr lang="ru-RU" dirty="0" smtClean="0"/>
-              <a:t>бщее </a:t>
-            </a:r>
-            <a:r>
-              <a:rPr lang="ru-RU" dirty="0"/>
-              <a:t>назначение процесса нормализации заключается в следующем:</a:t>
-            </a:r>
-          </a:p>
-          <a:p>
-            <a:r>
-              <a:rPr lang="ru-RU" dirty="0"/>
-              <a:t>исключение некоторых типов </a:t>
-            </a:r>
-            <a:r>
-              <a:rPr lang="ru-RU" dirty="0" smtClean="0"/>
-              <a:t>избыточности;</a:t>
-            </a:r>
-          </a:p>
-          <a:p>
-            <a:r>
-              <a:rPr lang="ru-RU" dirty="0" smtClean="0"/>
-              <a:t>устранение </a:t>
-            </a:r>
-            <a:r>
-              <a:rPr lang="ru-RU" dirty="0"/>
-              <a:t>некоторых аномалий </a:t>
-            </a:r>
-            <a:r>
-              <a:rPr lang="ru-RU" dirty="0" smtClean="0"/>
-              <a:t>обновления;</a:t>
-            </a:r>
-          </a:p>
-          <a:p>
-            <a:r>
-              <a:rPr lang="ru-RU" dirty="0" smtClean="0"/>
-              <a:t>разработка </a:t>
-            </a:r>
-            <a:r>
-              <a:rPr lang="ru-RU" dirty="0"/>
-              <a:t>проекта базы данных, который является достаточно «качественным» представлением реального мира, интуитивно понятен и может служить хорошей основой для последующего </a:t>
-            </a:r>
-            <a:r>
-              <a:rPr lang="ru-RU" dirty="0" smtClean="0"/>
-              <a:t>расширения;</a:t>
-            </a:r>
-          </a:p>
-          <a:p>
-            <a:r>
-              <a:rPr lang="ru-RU" dirty="0" smtClean="0"/>
-              <a:t>упрощение </a:t>
-            </a:r>
-            <a:r>
-              <a:rPr lang="ru-RU" dirty="0"/>
-              <a:t>процедуры применения необходимых ограничений целостности.</a:t>
-            </a:r>
-          </a:p>
-          <a:p>
-            <a:pPr marL="0" indent="0">
-              <a:buNone/>
-            </a:pPr>
-            <a:r>
-              <a:rPr lang="ru-RU" dirty="0"/>
-              <a:t>Устранение избыточности производится, как правило, за счёт декомпозиции отношений таким образом, чтобы в каждом отношении хранились только </a:t>
-            </a:r>
-            <a:r>
-              <a:rPr lang="ru-RU" dirty="0" smtClean="0"/>
-              <a:t>первичные </a:t>
-            </a:r>
-            <a:r>
-              <a:rPr lang="ru-RU" dirty="0"/>
-              <a:t>факты (то есть факты, не выводимые из других хранимых фактов</a:t>
-            </a:r>
-            <a:r>
-              <a:rPr lang="ru-RU" dirty="0" smtClean="0"/>
-              <a:t>).</a:t>
-            </a:r>
-            <a:endParaRPr lang="en-US" dirty="0"/>
+              <a:t>пользователь получил подтверждение от системы, что транзакция выполнена, он может быть уверен, что сделанные им изменения не будут отменены из-за какого-либо сбоя.</a:t>
+            </a:r>
           </a:p>
         </p:txBody>
       </p:sp>
     </p:spTree>
     <p:extLst>
       <p:ext uri="{BB962C8B-B14F-4D97-AF65-F5344CB8AC3E}">
-        <p14:creationId xmlns:p14="http://schemas.microsoft.com/office/powerpoint/2010/main" val="2031119416"/>
+        <p14:creationId xmlns:p14="http://schemas.microsoft.com/office/powerpoint/2010/main" val="1177667350"/>
       </p:ext>
     </p:extLst>
   </p:cSld>
@@ -4148,54 +4119,12 @@
         </p:nvSpPr>
         <p:spPr/>
         <p:txBody>
-          <a:bodyPr>
-            <a:normAutofit fontScale="90000"/>
-          </a:bodyPr>
+          <a:bodyPr/>
           <a:lstStyle/>
           <a:p>
             <a:r>
               <a:rPr lang="ru-RU" dirty="0" smtClean="0"/>
-              <a:t>Язык </a:t>
-            </a:r>
-            <a:r>
-              <a:rPr lang="en-US" dirty="0" smtClean="0"/>
-              <a:t>SQL (</a:t>
-            </a:r>
-            <a:r>
-              <a:rPr lang="en-US" dirty="0" smtClean="0">
-                <a:solidFill>
-                  <a:srgbClr val="FF0000"/>
-                </a:solidFill>
-              </a:rPr>
-              <a:t>S</a:t>
-            </a:r>
-            <a:r>
-              <a:rPr lang="en-US" dirty="0" smtClean="0"/>
-              <a:t>tructured </a:t>
-            </a:r>
-            <a:r>
-              <a:rPr lang="en-US" dirty="0" smtClean="0">
-                <a:solidFill>
-                  <a:srgbClr val="FF0000"/>
-                </a:solidFill>
-              </a:rPr>
-              <a:t>Q</a:t>
-            </a:r>
-            <a:r>
-              <a:rPr lang="en-US" dirty="0" smtClean="0"/>
-              <a:t>uery </a:t>
-            </a:r>
-            <a:r>
-              <a:rPr lang="en-US" dirty="0" smtClean="0">
-                <a:solidFill>
-                  <a:srgbClr val="FF0000"/>
-                </a:solidFill>
-              </a:rPr>
-              <a:t>L</a:t>
-            </a:r>
-            <a:r>
-              <a:rPr lang="en-US" dirty="0" smtClean="0"/>
-              <a:t>anguage)</a:t>
+              <a:t>Понятие нормализации</a:t>
             </a:r>
             <a:endParaRPr lang="en-US" dirty="0"/>
           </a:p>
@@ -4214,90 +4143,125 @@
         <p:spPr/>
         <p:txBody>
           <a:bodyPr>
-            <a:normAutofit fontScale="85000" lnSpcReduction="20000"/>
+            <a:normAutofit fontScale="55000" lnSpcReduction="20000"/>
           </a:bodyPr>
           <a:lstStyle/>
           <a:p>
+            <a:pPr marL="0" indent="0">
+              <a:buNone/>
+            </a:pPr>
+            <a:r>
+              <a:rPr lang="ru-RU" dirty="0"/>
+              <a:t>Процесс преобразования отношений базы данных к виду, отвечающему </a:t>
+            </a:r>
+            <a:r>
+              <a:rPr lang="ru-RU" dirty="0">
+                <a:solidFill>
+                  <a:srgbClr val="FFFF00"/>
+                </a:solidFill>
+              </a:rPr>
+              <a:t>нормальным формам</a:t>
+            </a:r>
+            <a:r>
+              <a:rPr lang="ru-RU" dirty="0"/>
+              <a:t>, называется </a:t>
+            </a:r>
+            <a:r>
+              <a:rPr lang="ru-RU" dirty="0">
+                <a:solidFill>
+                  <a:srgbClr val="FFFF00"/>
+                </a:solidFill>
+              </a:rPr>
+              <a:t>нормализацией</a:t>
+            </a:r>
+            <a:r>
+              <a:rPr lang="ru-RU" dirty="0"/>
+              <a:t>. Нормализация предназначена для приведения структуры БД к виду, обеспечивающему минимальную логическую избыточность, и не имеет целью уменьшение или увеличение производительности работы или же уменьшение или увеличение физического объёма базы данных</a:t>
+            </a:r>
             <a:r>
               <a:rPr lang="ru-RU" dirty="0" smtClean="0"/>
-              <a:t>Универсальный язык</a:t>
+              <a:t>. </a:t>
             </a:r>
             <a:r>
               <a:rPr lang="ru-RU" dirty="0"/>
-              <a:t>, применяемый для создания, модификации и управления данными в реляционных базах данных</a:t>
+              <a:t>Конечной целью нормализации является уменьшение потенциальной противоречивости хранимой в базе данных информации. О</a:t>
             </a:r>
             <a:r>
               <a:rPr lang="ru-RU" dirty="0" smtClean="0"/>
-              <a:t>.</a:t>
-            </a:r>
-          </a:p>
-          <a:p>
+              <a:t>бщее </a:t>
+            </a:r>
+            <a:r>
+              <a:rPr lang="ru-RU" dirty="0"/>
+              <a:t>назначение процесса нормализации заключается в следующем:</a:t>
+            </a:r>
+          </a:p>
+          <a:p>
+            <a:r>
+              <a:rPr lang="ru-RU" dirty="0"/>
+              <a:t>исключение некоторых типов </a:t>
+            </a:r>
             <a:r>
               <a:rPr lang="ru-RU" dirty="0" smtClean="0"/>
-              <a:t>Есть ряд </a:t>
-            </a:r>
-            <a:r>
-              <a:rPr lang="en-US" dirty="0" smtClean="0"/>
-              <a:t>ISO</a:t>
-            </a:r>
+              <a:t>избыточности;</a:t>
+            </a:r>
+          </a:p>
+          <a:p>
             <a:r>
               <a:rPr lang="ru-RU" dirty="0" smtClean="0"/>
-              <a:t> стандартов (</a:t>
-            </a:r>
-            <a:r>
-              <a:rPr lang="en-US" dirty="0"/>
-              <a:t>SQL-86, SQL-89, SQL-92, SQL:1999, SQL:2003, SQL:2006, SQL:2008, </a:t>
-            </a:r>
-            <a:r>
-              <a:rPr lang="en-US" dirty="0" smtClean="0"/>
-              <a:t>SQL:2011</a:t>
+              <a:t>устранение </a:t>
+            </a:r>
+            <a:r>
+              <a:rPr lang="ru-RU" dirty="0"/>
+              <a:t>некоторых аномалий </a:t>
             </a:r>
             <a:r>
               <a:rPr lang="ru-RU" dirty="0" smtClean="0"/>
-              <a:t>)</a:t>
+              <a:t>обновления;</a:t>
             </a:r>
           </a:p>
           <a:p>
             <a:r>
               <a:rPr lang="ru-RU" dirty="0" smtClean="0"/>
-              <a:t>У разных производителей свои диалекты</a:t>
-            </a:r>
-          </a:p>
-          <a:p>
-            <a:pPr lvl="1"/>
-            <a:r>
-              <a:rPr lang="en-US" dirty="0" smtClean="0"/>
-              <a:t>PL/SQL (Oracle)</a:t>
-            </a:r>
-          </a:p>
-          <a:p>
-            <a:pPr lvl="1"/>
-            <a:r>
-              <a:rPr lang="en-US" dirty="0" smtClean="0"/>
-              <a:t>T-SQL (Microsoft)</a:t>
-            </a:r>
-            <a:endParaRPr lang="ru-RU" dirty="0" smtClean="0"/>
-          </a:p>
-          <a:p>
+              <a:t>разработка </a:t>
+            </a:r>
+            <a:r>
+              <a:rPr lang="ru-RU" dirty="0"/>
+              <a:t>проекта базы данных, который является достаточно «качественным» представлением реального мира, интуитивно понятен и может служить хорошей основой для последующего </a:t>
+            </a:r>
             <a:r>
               <a:rPr lang="ru-RU" dirty="0" smtClean="0"/>
-              <a:t>Диалекты</a:t>
-            </a:r>
-            <a:endParaRPr lang="en-US" dirty="0" smtClean="0"/>
-          </a:p>
-          <a:p>
-            <a:pPr lvl="1"/>
-            <a:r>
-              <a:rPr lang="en-US" dirty="0" smtClean="0"/>
-              <a:t>Data Definition Language – DDL</a:t>
-            </a:r>
-            <a:endParaRPr lang="ru-RU" dirty="0" smtClean="0"/>
-          </a:p>
-          <a:p>
-            <a:pPr lvl="1"/>
-            <a:r>
-              <a:rPr lang="en-US" dirty="0" smtClean="0"/>
-              <a:t>Data Manipulation Language - DML</a:t>
+              <a:t>расширения;</a:t>
+            </a:r>
+          </a:p>
+          <a:p>
+            <a:r>
+              <a:rPr lang="ru-RU" dirty="0" smtClean="0"/>
+              <a:t>упрощение </a:t>
+            </a:r>
+            <a:r>
+              <a:rPr lang="ru-RU" dirty="0"/>
+              <a:t>процедуры применения необходимых ограничений целостности.</a:t>
+            </a:r>
+          </a:p>
+          <a:p>
+            <a:pPr marL="0" indent="0">
+              <a:buNone/>
+            </a:pPr>
+            <a:r>
+              <a:rPr lang="ru-RU" dirty="0"/>
+              <a:t>Устранение избыточности производится, как правило, за счёт декомпозиции отношений таким образом, чтобы в каждом отношении хранились только </a:t>
+            </a:r>
+            <a:r>
+              <a:rPr lang="ru-RU" dirty="0" smtClean="0"/>
+              <a:t>первичные </a:t>
+            </a:r>
+            <a:r>
+              <a:rPr lang="ru-RU" dirty="0"/>
+              <a:t>факты (то есть факты, не выводимые из других хранимых фактов</a:t>
+            </a:r>
+            <a:r>
+              <a:rPr lang="ru-RU" dirty="0" smtClean="0"/>
+              <a:t>).</a:t>
             </a:r>
             <a:endParaRPr lang="en-US" dirty="0"/>
           </a:p>
@@ -4306,7 +4270,7 @@
     </p:spTree>
     <p:extLst>
       <p:ext uri="{BB962C8B-B14F-4D97-AF65-F5344CB8AC3E}">
-        <p14:creationId xmlns:p14="http://schemas.microsoft.com/office/powerpoint/2010/main" val="233512801"/>
+        <p14:creationId xmlns:p14="http://schemas.microsoft.com/office/powerpoint/2010/main" val="2031119416"/>
       </p:ext>
     </p:extLst>
   </p:cSld>
@@ -4352,12 +4316,54 @@
         </p:nvSpPr>
         <p:spPr/>
         <p:txBody>
-          <a:bodyPr/>
+          <a:bodyPr>
+            <a:normAutofit fontScale="90000"/>
+          </a:bodyPr>
           <a:lstStyle/>
           <a:p>
             <a:r>
               <a:rPr lang="ru-RU" dirty="0" smtClean="0"/>
-              <a:t>Системные Базы Данных</a:t>
+              <a:t>Язык </a:t>
+            </a:r>
+            <a:r>
+              <a:rPr lang="en-US" dirty="0" smtClean="0"/>
+              <a:t>SQL (</a:t>
+            </a:r>
+            <a:r>
+              <a:rPr lang="en-US" dirty="0" smtClean="0">
+                <a:solidFill>
+                  <a:srgbClr val="FF0000"/>
+                </a:solidFill>
+              </a:rPr>
+              <a:t>S</a:t>
+            </a:r>
+            <a:r>
+              <a:rPr lang="en-US" dirty="0" smtClean="0"/>
+              <a:t>tructured </a:t>
+            </a:r>
+            <a:r>
+              <a:rPr lang="en-US" dirty="0" smtClean="0">
+                <a:solidFill>
+                  <a:srgbClr val="FF0000"/>
+                </a:solidFill>
+              </a:rPr>
+              <a:t>Q</a:t>
+            </a:r>
+            <a:r>
+              <a:rPr lang="en-US" dirty="0" smtClean="0"/>
+              <a:t>uery </a:t>
+            </a:r>
+            <a:r>
+              <a:rPr lang="en-US" dirty="0" smtClean="0">
+                <a:solidFill>
+                  <a:srgbClr val="FF0000"/>
+                </a:solidFill>
+              </a:rPr>
+              <a:t>L</a:t>
+            </a:r>
+            <a:r>
+              <a:rPr lang="en-US" dirty="0" smtClean="0"/>
+              <a:t>anguage)</a:t>
             </a:r>
             <a:endParaRPr lang="en-US" dirty="0"/>
           </a:p>
@@ -4376,69 +4382,91 @@
         <p:spPr/>
         <p:txBody>
           <a:bodyPr>
-            <a:normAutofit/>
+            <a:normAutofit fontScale="85000" lnSpcReduction="20000"/>
           </a:bodyPr>
           <a:lstStyle/>
           <a:p>
-            <a:pPr marL="0" indent="0">
-              <a:buNone/>
-            </a:pPr>
             <a:r>
               <a:rPr lang="ru-RU" dirty="0" smtClean="0"/>
-              <a:t>Нижеследующие базы данных используются для внутренних нужд </a:t>
+              <a:t>Универсальный язык</a:t>
+            </a:r>
+            <a:r>
+              <a:rPr lang="ru-RU" dirty="0"/>
+              <a:t>, применяемый для создания, модификации и управления данными в реляционных базах данных</a:t>
+            </a:r>
+            <a:r>
+              <a:rPr lang="ru-RU" dirty="0" smtClean="0"/>
+              <a:t>.</a:t>
+            </a:r>
+          </a:p>
+          <a:p>
+            <a:r>
+              <a:rPr lang="ru-RU" dirty="0" smtClean="0"/>
+              <a:t>Есть ряд </a:t>
             </a:r>
             <a:r>
               <a:rPr lang="en-US" dirty="0" smtClean="0"/>
-              <a:t>SQL Server</a:t>
-            </a:r>
-            <a:r>
-              <a:rPr lang="ru-RU" dirty="0"/>
-              <a:t> </a:t>
+              <a:t>ISO</a:t>
             </a:r>
             <a:r>
               <a:rPr lang="ru-RU" dirty="0" smtClean="0"/>
-              <a:t>и </a:t>
-            </a:r>
-            <a:r>
-              <a:rPr lang="ru-RU" u="sng" dirty="0" smtClean="0"/>
-              <a:t>никогда</a:t>
+              <a:t> стандартов (</a:t>
+            </a:r>
+            <a:r>
+              <a:rPr lang="en-US" dirty="0"/>
+              <a:t>SQL-86, SQL-89, SQL-92, SQL:1999, SQL:2003, SQL:2006, SQL:2008, </a:t>
+            </a:r>
+            <a:r>
+              <a:rPr lang="en-US" dirty="0" smtClean="0"/>
+              <a:t>SQL:2011</a:t>
             </a:r>
             <a:r>
               <a:rPr lang="ru-RU" dirty="0" smtClean="0"/>
-              <a:t> не должны использоваться для хранения ваших данных:</a:t>
+              <a:t>)</a:t>
+            </a:r>
+          </a:p>
+          <a:p>
+            <a:r>
+              <a:rPr lang="ru-RU" dirty="0" smtClean="0"/>
+              <a:t>У разных производителей свои диалекты</a:t>
             </a:r>
           </a:p>
           <a:p>
             <a:pPr lvl="1"/>
             <a:r>
               <a:rPr lang="en-US" dirty="0" smtClean="0"/>
-              <a:t>master</a:t>
+              <a:t>PL/SQL (Oracle)</a:t>
             </a:r>
           </a:p>
           <a:p>
             <a:pPr lvl="1"/>
             <a:r>
               <a:rPr lang="en-US" dirty="0" smtClean="0"/>
-              <a:t>model</a:t>
-            </a:r>
+              <a:t>T-SQL (Microsoft)</a:t>
+            </a:r>
+            <a:endParaRPr lang="ru-RU" dirty="0" smtClean="0"/>
+          </a:p>
+          <a:p>
+            <a:r>
+              <a:rPr lang="ru-RU" dirty="0" smtClean="0"/>
+              <a:t>Диалекты</a:t>
+            </a:r>
+            <a:endParaRPr lang="en-US" dirty="0" smtClean="0"/>
           </a:p>
           <a:p>
             <a:pPr lvl="1"/>
             <a:r>
-              <a:rPr lang="en-US" dirty="0" err="1" smtClean="0"/>
-              <a:t>msdb</a:t>
-            </a:r>
-            <a:endParaRPr lang="en-US" dirty="0" smtClean="0"/>
+              <a:rPr lang="en-US" dirty="0" smtClean="0"/>
+              <a:t>Data Definition Language – DDL</a:t>
+            </a:r>
+            <a:endParaRPr lang="ru-RU" dirty="0" smtClean="0"/>
           </a:p>
           <a:p>
             <a:pPr lvl="1"/>
             <a:r>
-              <a:rPr lang="en-US" dirty="0" err="1" smtClean="0"/>
-              <a:t>tempdb</a:t>
-            </a:r>
-            <a:endParaRPr lang="en-US" dirty="0" smtClean="0"/>
-          </a:p>
-          <a:p>
+              <a:rPr lang="en-US" dirty="0" smtClean="0"/>
+              <a:t>Data Manipulation Language - DML</a:t>
+            </a:r>
             <a:endParaRPr lang="en-US" dirty="0"/>
           </a:p>
         </p:txBody>
@@ -4446,7 +4474,7 @@
     </p:spTree>
     <p:extLst>
       <p:ext uri="{BB962C8B-B14F-4D97-AF65-F5344CB8AC3E}">
-        <p14:creationId xmlns:p14="http://schemas.microsoft.com/office/powerpoint/2010/main" val="1563628706"/>
+        <p14:creationId xmlns:p14="http://schemas.microsoft.com/office/powerpoint/2010/main" val="233512801"/>
       </p:ext>
     </p:extLst>
   </p:cSld>
@@ -4496,12 +4524,8 @@
           <a:lstStyle/>
           <a:p>
             <a:r>
-              <a:rPr lang="en-US" dirty="0" smtClean="0"/>
-              <a:t>T-SQL: </a:t>
-            </a:r>
-            <a:r>
               <a:rPr lang="ru-RU" dirty="0" smtClean="0"/>
-              <a:t>Типы данных</a:t>
+              <a:t>Системные Базы Данных</a:t>
             </a:r>
             <a:endParaRPr lang="en-US" dirty="0"/>
           </a:p>
@@ -4520,184 +4544,77 @@
         <p:spPr/>
         <p:txBody>
           <a:bodyPr>
-            <a:normAutofit fontScale="92500" lnSpcReduction="20000"/>
+            <a:normAutofit/>
           </a:bodyPr>
           <a:lstStyle/>
-          <a:p>
-            <a:r>
-              <a:rPr lang="ru-RU" dirty="0" smtClean="0"/>
-              <a:t>Строковые</a:t>
-            </a:r>
-            <a:r>
-              <a:rPr lang="en-US" dirty="0" smtClean="0"/>
-              <a:t>: char, </a:t>
-            </a:r>
-            <a:r>
-              <a:rPr lang="en-US" dirty="0" err="1" smtClean="0"/>
-              <a:t>nchar</a:t>
-            </a:r>
-            <a:r>
-              <a:rPr lang="en-US" dirty="0" smtClean="0"/>
-              <a:t>, </a:t>
-            </a:r>
-            <a:r>
-              <a:rPr lang="en-US" dirty="0" err="1" smtClean="0"/>
-              <a:t>varchar</a:t>
-            </a:r>
-            <a:r>
-              <a:rPr lang="en-US" dirty="0" smtClean="0"/>
-              <a:t>, </a:t>
-            </a:r>
-            <a:r>
-              <a:rPr lang="en-US" dirty="0" err="1" smtClean="0"/>
-              <a:t>nvarchar</a:t>
-            </a:r>
-            <a:r>
-              <a:rPr lang="en-US" dirty="0" smtClean="0"/>
-              <a:t>, text, </a:t>
-            </a:r>
-            <a:r>
-              <a:rPr lang="en-US" dirty="0" err="1" smtClean="0"/>
-              <a:t>ntext</a:t>
-            </a:r>
-            <a:endParaRPr lang="en-US" dirty="0" smtClean="0"/>
-          </a:p>
-          <a:p>
-            <a:r>
-              <a:rPr lang="ru-RU" dirty="0" smtClean="0"/>
-              <a:t>Дата/время: </a:t>
-            </a:r>
-            <a:r>
-              <a:rPr lang="en-US" dirty="0" smtClean="0"/>
-              <a:t> </a:t>
-            </a:r>
-            <a:r>
-              <a:rPr lang="en-US" dirty="0" err="1" smtClean="0"/>
-              <a:t>datetime</a:t>
-            </a:r>
-            <a:r>
-              <a:rPr lang="en-US" dirty="0" smtClean="0"/>
-              <a:t>, </a:t>
-            </a:r>
-            <a:r>
-              <a:rPr lang="en-US" dirty="0" err="1" smtClean="0"/>
-              <a:t>smalldatetime</a:t>
-            </a:r>
-            <a:r>
-              <a:rPr lang="en-US" dirty="0" smtClean="0"/>
-              <a:t>, date, time, </a:t>
-            </a:r>
-            <a:r>
-              <a:rPr lang="en-US" dirty="0" err="1" smtClean="0"/>
-              <a:t>datetimeoffset</a:t>
-            </a:r>
-            <a:r>
-              <a:rPr lang="en-US" dirty="0" smtClean="0"/>
-              <a:t>, datetime2, timestamp</a:t>
-            </a:r>
-          </a:p>
-          <a:p>
-            <a:r>
-              <a:rPr lang="ru-RU" dirty="0" smtClean="0"/>
-              <a:t>Численные: </a:t>
-            </a:r>
-            <a:r>
-              <a:rPr lang="en-US" dirty="0" smtClean="0"/>
-              <a:t>decimal, numeric, float, real, </a:t>
-            </a:r>
-            <a:r>
-              <a:rPr lang="en-US" dirty="0" err="1" smtClean="0"/>
-              <a:t>bigint</a:t>
-            </a:r>
-            <a:r>
-              <a:rPr lang="en-US" dirty="0" smtClean="0"/>
-              <a:t>, </a:t>
-            </a:r>
-            <a:r>
-              <a:rPr lang="en-US" dirty="0" err="1" smtClean="0"/>
-              <a:t>int</a:t>
-            </a:r>
-            <a:r>
-              <a:rPr lang="en-US" dirty="0" smtClean="0"/>
-              <a:t>, </a:t>
-            </a:r>
-            <a:r>
-              <a:rPr lang="en-US" dirty="0" err="1" smtClean="0"/>
-              <a:t>smallint</a:t>
-            </a:r>
-            <a:r>
-              <a:rPr lang="en-US" dirty="0" smtClean="0"/>
-              <a:t>, bit, money, </a:t>
-            </a:r>
-            <a:r>
-              <a:rPr lang="en-US" dirty="0" err="1" smtClean="0"/>
-              <a:t>smallmoney</a:t>
-            </a:r>
-            <a:endParaRPr lang="en-US" dirty="0" smtClean="0"/>
-          </a:p>
-          <a:p>
-            <a:r>
-              <a:rPr lang="ru-RU" dirty="0" smtClean="0"/>
-              <a:t>Двоичные: </a:t>
-            </a:r>
-            <a:r>
-              <a:rPr lang="en-US" dirty="0" smtClean="0"/>
-              <a:t>binary, </a:t>
-            </a:r>
-            <a:r>
-              <a:rPr lang="en-US" dirty="0" err="1" smtClean="0"/>
-              <a:t>varbinary</a:t>
-            </a:r>
-            <a:r>
-              <a:rPr lang="en-US" dirty="0" smtClean="0"/>
-              <a:t>, image</a:t>
-            </a:r>
-          </a:p>
-          <a:p>
-            <a:r>
-              <a:rPr lang="ru-RU" dirty="0" smtClean="0"/>
-              <a:t>Другие: </a:t>
-            </a:r>
-            <a:r>
-              <a:rPr lang="en-US" dirty="0" smtClean="0"/>
-              <a:t>xml, </a:t>
-            </a:r>
-            <a:r>
-              <a:rPr lang="en-US" dirty="0" err="1" smtClean="0"/>
-              <a:t>uniqueidentifier</a:t>
-            </a:r>
-            <a:r>
-              <a:rPr lang="en-US" dirty="0" smtClean="0"/>
-              <a:t> (GUID), </a:t>
-            </a:r>
-            <a:r>
-              <a:rPr lang="en-US" dirty="0" err="1" smtClean="0"/>
-              <a:t>hierarchyid</a:t>
-            </a:r>
-            <a:endParaRPr lang="en-US" dirty="0" smtClean="0"/>
-          </a:p>
-          <a:p>
-            <a:endParaRPr lang="en-US" dirty="0"/>
-          </a:p>
           <a:p>
             <a:pPr marL="0" indent="0">
               <a:buNone/>
             </a:pPr>
             <a:r>
               <a:rPr lang="ru-RU" dirty="0" smtClean="0"/>
-              <a:t>См. </a:t>
-            </a:r>
-            <a:r>
-              <a:rPr lang="en-US" dirty="0"/>
-              <a:t>SQL Server Data Type Conversion Chart</a:t>
-            </a:r>
+              <a:t>Нижеследующие базы данных используются для внутренних нужд </a:t>
+            </a:r>
+            <a:r>
+              <a:rPr lang="en-US" dirty="0" smtClean="0"/>
+              <a:t>SQL Server</a:t>
+            </a:r>
+            <a:r>
+              <a:rPr lang="ru-RU" dirty="0"/>
+              <a:t> </a:t>
+            </a:r>
+            <a:r>
+              <a:rPr lang="ru-RU" dirty="0" smtClean="0"/>
+              <a:t>и </a:t>
+            </a:r>
+            <a:r>
+              <a:rPr lang="ru-RU" u="sng" dirty="0" smtClean="0"/>
+              <a:t>никогда</a:t>
+            </a:r>
+            <a:r>
+              <a:rPr lang="ru-RU" dirty="0" smtClean="0"/>
+              <a:t> не должны использоваться для хранения ваших данных:</a:t>
+            </a:r>
+          </a:p>
+          <a:p>
+            <a:pPr lvl="1"/>
+            <a:r>
+              <a:rPr lang="en-US" dirty="0" smtClean="0"/>
+              <a:t>master</a:t>
+            </a:r>
+          </a:p>
+          <a:p>
+            <a:pPr lvl="1"/>
+            <a:r>
+              <a:rPr lang="en-US" dirty="0" smtClean="0"/>
+              <a:t>model</a:t>
+            </a:r>
+          </a:p>
+          <a:p>
+            <a:pPr lvl="1"/>
+            <a:r>
+              <a:rPr lang="en-US" dirty="0" err="1" smtClean="0"/>
+              <a:t>msdb</a:t>
+            </a:r>
+            <a:endParaRPr lang="en-US" dirty="0" smtClean="0"/>
+          </a:p>
+          <a:p>
+            <a:pPr lvl="1"/>
+            <a:r>
+              <a:rPr lang="en-US" dirty="0" err="1" smtClean="0"/>
+              <a:t>tempdb</a:t>
+            </a:r>
+            <a:endParaRPr lang="en-US" dirty="0" smtClean="0"/>
+          </a:p>
+          <a:p>
+            <a:endParaRPr lang="en-US" dirty="0"/>
           </a:p>
         </p:txBody>
       </p:sp>
     </p:spTree>
     <p:extLst>
       <p:ext uri="{BB962C8B-B14F-4D97-AF65-F5344CB8AC3E}">
-        <p14:creationId xmlns:p14="http://schemas.microsoft.com/office/powerpoint/2010/main" val="4147043412"/>
+        <p14:creationId xmlns:p14="http://schemas.microsoft.com/office/powerpoint/2010/main" val="1563628706"/>
       </p:ext>
     </p:extLst>
   </p:cSld>
@@ -4752,6 +4669,266 @@
             </a:r>
             <a:r>
               <a:rPr lang="ru-RU" dirty="0" smtClean="0"/>
+              <a:t>Типы данных</a:t>
+            </a:r>
+            <a:endParaRPr lang="en-US" dirty="0"/>
+          </a:p>
+        </p:txBody>
+      </p:sp>
+      <p:sp>
+        <p:nvSpPr>
+          <p:cNvPr id="3" name="Content Placeholder 2"/>
+          <p:cNvSpPr>
+            <a:spLocks noGrp="1"/>
+          </p:cNvSpPr>
+          <p:nvPr>
+            <p:ph idx="1"/>
+          </p:nvPr>
+        </p:nvSpPr>
+        <p:spPr/>
+        <p:txBody>
+          <a:bodyPr>
+            <a:normAutofit fontScale="85000" lnSpcReduction="10000"/>
+          </a:bodyPr>
+          <a:lstStyle/>
+          <a:p>
+            <a:r>
+              <a:rPr lang="ru-RU" dirty="0" smtClean="0"/>
+              <a:t>Строковые</a:t>
+            </a:r>
+            <a:r>
+              <a:rPr lang="en-US" dirty="0" smtClean="0"/>
+              <a:t>: char, </a:t>
+            </a:r>
+            <a:r>
+              <a:rPr lang="en-US" dirty="0" err="1" smtClean="0"/>
+              <a:t>nchar</a:t>
+            </a:r>
+            <a:r>
+              <a:rPr lang="en-US" dirty="0" smtClean="0"/>
+              <a:t>, </a:t>
+            </a:r>
+            <a:r>
+              <a:rPr lang="en-US" dirty="0" err="1" smtClean="0"/>
+              <a:t>varchar</a:t>
+            </a:r>
+            <a:r>
+              <a:rPr lang="en-US" dirty="0" smtClean="0"/>
+              <a:t>, </a:t>
+            </a:r>
+            <a:r>
+              <a:rPr lang="en-US" dirty="0" err="1" smtClean="0"/>
+              <a:t>nvarchar</a:t>
+            </a:r>
+            <a:r>
+              <a:rPr lang="en-US" dirty="0" smtClean="0"/>
+              <a:t>, text, </a:t>
+            </a:r>
+            <a:r>
+              <a:rPr lang="en-US" dirty="0" err="1" smtClean="0"/>
+              <a:t>ntext</a:t>
+            </a:r>
+            <a:endParaRPr lang="en-US" dirty="0" smtClean="0"/>
+          </a:p>
+          <a:p>
+            <a:r>
+              <a:rPr lang="ru-RU" dirty="0" smtClean="0"/>
+              <a:t>Дата/время: </a:t>
+            </a:r>
+            <a:r>
+              <a:rPr lang="en-US" dirty="0" smtClean="0"/>
+              <a:t> </a:t>
+            </a:r>
+            <a:r>
+              <a:rPr lang="en-US" dirty="0" err="1" smtClean="0"/>
+              <a:t>datetime</a:t>
+            </a:r>
+            <a:r>
+              <a:rPr lang="en-US" dirty="0" smtClean="0"/>
+              <a:t>, </a:t>
+            </a:r>
+            <a:r>
+              <a:rPr lang="en-US" dirty="0" err="1" smtClean="0"/>
+              <a:t>smalldatetime</a:t>
+            </a:r>
+            <a:r>
+              <a:rPr lang="en-US" dirty="0" smtClean="0"/>
+              <a:t>, date, time, </a:t>
+            </a:r>
+            <a:r>
+              <a:rPr lang="en-US" dirty="0" err="1" smtClean="0"/>
+              <a:t>datetimeoffset</a:t>
+            </a:r>
+            <a:r>
+              <a:rPr lang="en-US" dirty="0" smtClean="0"/>
+              <a:t>, </a:t>
+            </a:r>
+            <a:r>
+              <a:rPr lang="en-US" dirty="0" smtClean="0"/>
+              <a:t>datetime2</a:t>
+            </a:r>
+            <a:endParaRPr lang="en-US" dirty="0" smtClean="0"/>
+          </a:p>
+          <a:p>
+            <a:r>
+              <a:rPr lang="ru-RU" dirty="0" smtClean="0"/>
+              <a:t>Численные: </a:t>
+            </a:r>
+            <a:r>
+              <a:rPr lang="en-US" dirty="0" smtClean="0"/>
+              <a:t>decimal, numeric, float, real, </a:t>
+            </a:r>
+            <a:r>
+              <a:rPr lang="en-US" dirty="0" err="1" smtClean="0"/>
+              <a:t>bigint</a:t>
+            </a:r>
+            <a:r>
+              <a:rPr lang="en-US" dirty="0" smtClean="0"/>
+              <a:t>, </a:t>
+            </a:r>
+            <a:r>
+              <a:rPr lang="en-US" dirty="0" err="1" smtClean="0"/>
+              <a:t>int</a:t>
+            </a:r>
+            <a:r>
+              <a:rPr lang="en-US" dirty="0" smtClean="0"/>
+              <a:t>, </a:t>
+            </a:r>
+            <a:r>
+              <a:rPr lang="en-US" dirty="0" err="1" smtClean="0"/>
+              <a:t>smallint</a:t>
+            </a:r>
+            <a:r>
+              <a:rPr lang="en-US" dirty="0" smtClean="0"/>
+              <a:t>, bit, money, </a:t>
+            </a:r>
+            <a:r>
+              <a:rPr lang="en-US" dirty="0" err="1" smtClean="0"/>
+              <a:t>smallmoney</a:t>
+            </a:r>
+            <a:endParaRPr lang="en-US" dirty="0" smtClean="0"/>
+          </a:p>
+          <a:p>
+            <a:r>
+              <a:rPr lang="ru-RU" dirty="0" smtClean="0"/>
+              <a:t>Двоичные: </a:t>
+            </a:r>
+            <a:r>
+              <a:rPr lang="en-US" dirty="0" smtClean="0"/>
+              <a:t>binary, </a:t>
+            </a:r>
+            <a:r>
+              <a:rPr lang="en-US" dirty="0" err="1" smtClean="0"/>
+              <a:t>varbinary</a:t>
+            </a:r>
+            <a:r>
+              <a:rPr lang="en-US" dirty="0" smtClean="0"/>
+              <a:t>, image</a:t>
+            </a:r>
+          </a:p>
+          <a:p>
+            <a:r>
+              <a:rPr lang="ru-RU" dirty="0" smtClean="0"/>
+              <a:t>Другие: </a:t>
+            </a:r>
+            <a:r>
+              <a:rPr lang="en-US" dirty="0" smtClean="0"/>
+              <a:t>xml, </a:t>
+            </a:r>
+            <a:r>
+              <a:rPr lang="en-US" dirty="0" err="1" smtClean="0"/>
+              <a:t>uniqueidentifier</a:t>
+            </a:r>
+            <a:r>
+              <a:rPr lang="en-US" dirty="0" smtClean="0"/>
+              <a:t> (GUID), </a:t>
+            </a:r>
+            <a:r>
+              <a:rPr lang="en-US" dirty="0" err="1" smtClean="0"/>
+              <a:t>hierarchyid</a:t>
+            </a:r>
+            <a:r>
+              <a:rPr lang="en-US" dirty="0" smtClean="0"/>
+              <a:t>, timestamp</a:t>
+            </a:r>
+            <a:endParaRPr lang="en-US" dirty="0" smtClean="0"/>
+          </a:p>
+          <a:p>
+            <a:endParaRPr lang="en-US" dirty="0"/>
+          </a:p>
+          <a:p>
+            <a:pPr marL="0" indent="0">
+              <a:buNone/>
+            </a:pPr>
+            <a:r>
+              <a:rPr lang="ru-RU" dirty="0" smtClean="0"/>
+              <a:t>См. </a:t>
+            </a:r>
+            <a:r>
+              <a:rPr lang="en-US" dirty="0"/>
+              <a:t>SQL Server Data Type Conversion Chart</a:t>
+            </a:r>
+          </a:p>
+        </p:txBody>
+      </p:sp>
+    </p:spTree>
+    <p:extLst>
+      <p:ext uri="{BB962C8B-B14F-4D97-AF65-F5344CB8AC3E}">
+        <p14:creationId xmlns:p14="http://schemas.microsoft.com/office/powerpoint/2010/main" val="4147043412"/>
+      </p:ext>
+    </p:extLst>
+  </p:cSld>
+  <p:clrMapOvr>
+    <a:masterClrMapping/>
+  </p:clrMapOvr>
+  <p:timing>
+    <p:tnLst>
+      <p:par>
+        <p:cTn id="1" dur="indefinite" restart="never" nodeType="tmRoot"/>
+      </p:par>
+    </p:tnLst>
+  </p:timing>
+</p:sld>
+</file>
+
+<file path=ppt/slides/slide17.xml><?xml version="1.0" encoding="utf-8"?>
+<p:sld xmlns:a="http://schemas.openxmlformats.org/drawingml/2006/main" xmlns:r="http://schemas.openxmlformats.org/officeDocument/2006/relationships" xmlns:p="http://schemas.openxmlformats.org/presentationml/2006/main">
+  <p:cSld>
+    <p:spTree>
+      <p:nvGrpSpPr>
+        <p:cNvPr id="1" name=""/>
+        <p:cNvGrpSpPr/>
+        <p:nvPr/>
+      </p:nvGrpSpPr>
+      <p:grpSpPr>
+        <a:xfrm>
+          <a:off x="0" y="0"/>
+          <a:ext cx="0" cy="0"/>
+          <a:chOff x="0" y="0"/>
+          <a:chExt cx="0" cy="0"/>
+        </a:xfrm>
+      </p:grpSpPr>
+      <p:sp>
+        <p:nvSpPr>
+          <p:cNvPr id="2" name="Title 1"/>
+          <p:cNvSpPr>
+            <a:spLocks noGrp="1"/>
+          </p:cNvSpPr>
+          <p:nvPr>
+            <p:ph type="title"/>
+          </p:nvPr>
+        </p:nvSpPr>
+        <p:spPr/>
+        <p:txBody>
+          <a:bodyPr/>
+          <a:lstStyle/>
+          <a:p>
+            <a:r>
+              <a:rPr lang="en-US" dirty="0" smtClean="0"/>
+              <a:t>T-SQL: </a:t>
+            </a:r>
+            <a:r>
+              <a:rPr lang="ru-RU" dirty="0" smtClean="0"/>
               <a:t>Строковые типы данных</a:t>
             </a:r>
             <a:endParaRPr lang="en-US" dirty="0"/>
@@ -4777,8 +4954,13 @@
           <a:p>
             <a:r>
               <a:rPr lang="ru-RU" dirty="0" smtClean="0"/>
-              <a:t>Строки</a:t>
-            </a:r>
+              <a:t>Однобайтовые с</a:t>
+            </a:r>
+            <a:r>
+              <a:rPr lang="ru-RU" dirty="0" smtClean="0"/>
+              <a:t>троки</a:t>
+            </a:r>
+            <a:endParaRPr lang="ru-RU" dirty="0" smtClean="0"/>
           </a:p>
           <a:p>
             <a:pPr lvl="1">
@@ -4996,7 +5178,2690 @@
 </p:sld>
 </file>
 
-<file path=ppt/slides/slide17.xml><?xml version="1.0" encoding="utf-8"?>
+<file path=ppt/slides/slide18.xml><?xml version="1.0" encoding="utf-8"?>
+<p:sld xmlns:a="http://schemas.openxmlformats.org/drawingml/2006/main" xmlns:r="http://schemas.openxmlformats.org/officeDocument/2006/relationships" xmlns:p="http://schemas.openxmlformats.org/presentationml/2006/main">
+  <p:cSld>
+    <p:spTree>
+      <p:nvGrpSpPr>
+        <p:cNvPr id="1" name=""/>
+        <p:cNvGrpSpPr/>
+        <p:nvPr/>
+      </p:nvGrpSpPr>
+      <p:grpSpPr>
+        <a:xfrm>
+          <a:off x="0" y="0"/>
+          <a:ext cx="0" cy="0"/>
+          <a:chOff x="0" y="0"/>
+          <a:chExt cx="0" cy="0"/>
+        </a:xfrm>
+      </p:grpSpPr>
+      <p:sp>
+        <p:nvSpPr>
+          <p:cNvPr id="2" name="Title 1"/>
+          <p:cNvSpPr>
+            <a:spLocks noGrp="1"/>
+          </p:cNvSpPr>
+          <p:nvPr>
+            <p:ph type="title"/>
+          </p:nvPr>
+        </p:nvSpPr>
+        <p:spPr>
+          <a:xfrm>
+            <a:off x="457200" y="274638"/>
+            <a:ext cx="8229600" cy="1143000"/>
+          </a:xfrm>
+        </p:spPr>
+        <p:txBody>
+          <a:bodyPr/>
+          <a:lstStyle/>
+          <a:p>
+            <a:r>
+              <a:rPr lang="en-US" dirty="0" smtClean="0"/>
+              <a:t>T-SQL: </a:t>
+            </a:r>
+            <a:r>
+              <a:rPr lang="ru-RU" dirty="0" smtClean="0"/>
+              <a:t>Даты</a:t>
+            </a:r>
+            <a:endParaRPr lang="en-US" dirty="0"/>
+          </a:p>
+        </p:txBody>
+      </p:sp>
+      <p:graphicFrame>
+        <p:nvGraphicFramePr>
+          <p:cNvPr id="4" name="Table 3"/>
+          <p:cNvGraphicFramePr>
+            <a:graphicFrameLocks noGrp="1"/>
+          </p:cNvGraphicFramePr>
+          <p:nvPr>
+            <p:extLst>
+              <p:ext uri="{D42A27DB-BD31-4B8C-83A1-F6EECF244321}">
+                <p14:modId xmlns:p14="http://schemas.microsoft.com/office/powerpoint/2010/main" val="2857925024"/>
+              </p:ext>
+            </p:extLst>
+          </p:nvPr>
+        </p:nvGraphicFramePr>
+        <p:xfrm>
+          <a:off x="457200" y="1412776"/>
+          <a:ext cx="8075240" cy="4333240"/>
+        </p:xfrm>
+        <a:graphic>
+          <a:graphicData uri="http://schemas.openxmlformats.org/drawingml/2006/table">
+            <a:tbl>
+              <a:tblPr firstRow="1" bandRow="1">
+                <a:tableStyleId>{5C22544A-7EE6-4342-B048-85BDC9FD1C3A}</a:tableStyleId>
+              </a:tblPr>
+              <a:tblGrid>
+                <a:gridCol w="1615048"/>
+                <a:gridCol w="1635656"/>
+                <a:gridCol w="1594440"/>
+                <a:gridCol w="1615048"/>
+                <a:gridCol w="1615048"/>
+              </a:tblGrid>
+              <a:tr h="370840">
+                <a:tc>
+                  <a:txBody>
+                    <a:bodyPr/>
+                    <a:lstStyle/>
+                    <a:p>
+                      <a:r>
+                        <a:rPr lang="ru-RU" sz="1400" dirty="0" smtClean="0">
+                          <a:solidFill>
+                            <a:schemeClr val="bg1"/>
+                          </a:solidFill>
+                        </a:rPr>
+                        <a:t>Название</a:t>
+                      </a:r>
+                      <a:endParaRPr lang="ru-RU" sz="1400" dirty="0">
+                        <a:solidFill>
+                          <a:schemeClr val="bg1"/>
+                        </a:solidFill>
+                      </a:endParaRPr>
+                    </a:p>
+                  </a:txBody>
+                  <a:tcPr>
+                    <a:lnL w="12700" cap="flat" cmpd="sng" algn="ctr">
+                      <a:solidFill>
+                        <a:srgbClr val="002060"/>
+                      </a:solidFill>
+                      <a:prstDash val="solid"/>
+                      <a:round/>
+                      <a:headEnd type="none" w="med" len="med"/>
+                      <a:tailEnd type="none" w="med" len="med"/>
+                    </a:lnL>
+                    <a:lnR w="12700" cap="flat" cmpd="sng" algn="ctr">
+                      <a:solidFill>
+                        <a:srgbClr val="002060"/>
+                      </a:solidFill>
+                      <a:prstDash val="solid"/>
+                      <a:round/>
+                      <a:headEnd type="none" w="med" len="med"/>
+                      <a:tailEnd type="none" w="med" len="med"/>
+                    </a:lnR>
+                    <a:lnT w="12700" cap="flat" cmpd="sng" algn="ctr">
+                      <a:solidFill>
+                        <a:srgbClr val="002060"/>
+                      </a:solidFill>
+                      <a:prstDash val="solid"/>
+                      <a:round/>
+                      <a:headEnd type="none" w="med" len="med"/>
+                      <a:tailEnd type="none" w="med" len="med"/>
+                    </a:lnT>
+                    <a:lnB w="12700" cap="flat" cmpd="sng" algn="ctr">
+                      <a:solidFill>
+                        <a:srgbClr val="002060"/>
+                      </a:solidFill>
+                      <a:prstDash val="solid"/>
+                      <a:round/>
+                      <a:headEnd type="none" w="med" len="med"/>
+                      <a:tailEnd type="none" w="med" len="med"/>
+                    </a:lnB>
+                    <a:lnTlToBr w="12700" cmpd="sng">
+                      <a:noFill/>
+                      <a:prstDash val="solid"/>
+                    </a:lnTlToBr>
+                    <a:lnBlToTr w="12700" cmpd="sng">
+                      <a:noFill/>
+                      <a:prstDash val="solid"/>
+                    </a:lnBlToTr>
+                    <a:solidFill>
+                      <a:srgbClr val="002060"/>
+                    </a:solidFill>
+                  </a:tcPr>
+                </a:tc>
+                <a:tc>
+                  <a:txBody>
+                    <a:bodyPr/>
+                    <a:lstStyle/>
+                    <a:p>
+                      <a:r>
+                        <a:rPr lang="ru-RU" sz="1400" dirty="0" smtClean="0">
+                          <a:solidFill>
+                            <a:schemeClr val="bg1"/>
+                          </a:solidFill>
+                        </a:rPr>
+                        <a:t>Диапазон</a:t>
+                      </a:r>
+                      <a:endParaRPr lang="ru-RU" sz="1400" dirty="0">
+                        <a:solidFill>
+                          <a:schemeClr val="bg1"/>
+                        </a:solidFill>
+                      </a:endParaRPr>
+                    </a:p>
+                  </a:txBody>
+                  <a:tcPr>
+                    <a:lnL w="12700" cap="flat" cmpd="sng" algn="ctr">
+                      <a:solidFill>
+                        <a:srgbClr val="002060"/>
+                      </a:solidFill>
+                      <a:prstDash val="solid"/>
+                      <a:round/>
+                      <a:headEnd type="none" w="med" len="med"/>
+                      <a:tailEnd type="none" w="med" len="med"/>
+                    </a:lnL>
+                    <a:lnR w="12700" cap="flat" cmpd="sng" algn="ctr">
+                      <a:solidFill>
+                        <a:srgbClr val="002060"/>
+                      </a:solidFill>
+                      <a:prstDash val="solid"/>
+                      <a:round/>
+                      <a:headEnd type="none" w="med" len="med"/>
+                      <a:tailEnd type="none" w="med" len="med"/>
+                    </a:lnR>
+                    <a:lnT w="12700" cap="flat" cmpd="sng" algn="ctr">
+                      <a:solidFill>
+                        <a:srgbClr val="002060"/>
+                      </a:solidFill>
+                      <a:prstDash val="solid"/>
+                      <a:round/>
+                      <a:headEnd type="none" w="med" len="med"/>
+                      <a:tailEnd type="none" w="med" len="med"/>
+                    </a:lnT>
+                    <a:lnB w="12700" cap="flat" cmpd="sng" algn="ctr">
+                      <a:solidFill>
+                        <a:srgbClr val="002060"/>
+                      </a:solidFill>
+                      <a:prstDash val="solid"/>
+                      <a:round/>
+                      <a:headEnd type="none" w="med" len="med"/>
+                      <a:tailEnd type="none" w="med" len="med"/>
+                    </a:lnB>
+                    <a:lnTlToBr w="12700" cmpd="sng">
+                      <a:noFill/>
+                      <a:prstDash val="solid"/>
+                    </a:lnTlToBr>
+                    <a:lnBlToTr w="12700" cmpd="sng">
+                      <a:noFill/>
+                      <a:prstDash val="solid"/>
+                    </a:lnBlToTr>
+                    <a:solidFill>
+                      <a:srgbClr val="002060"/>
+                    </a:solidFill>
+                  </a:tcPr>
+                </a:tc>
+                <a:tc>
+                  <a:txBody>
+                    <a:bodyPr/>
+                    <a:lstStyle/>
+                    <a:p>
+                      <a:r>
+                        <a:rPr lang="ru-RU" sz="1400" dirty="0" smtClean="0">
+                          <a:solidFill>
+                            <a:schemeClr val="bg1"/>
+                          </a:solidFill>
+                        </a:rPr>
+                        <a:t>Точность</a:t>
+                      </a:r>
+                      <a:endParaRPr lang="ru-RU" sz="1400" dirty="0">
+                        <a:solidFill>
+                          <a:schemeClr val="bg1"/>
+                        </a:solidFill>
+                      </a:endParaRPr>
+                    </a:p>
+                  </a:txBody>
+                  <a:tcPr>
+                    <a:lnL w="12700" cap="flat" cmpd="sng" algn="ctr">
+                      <a:solidFill>
+                        <a:srgbClr val="002060"/>
+                      </a:solidFill>
+                      <a:prstDash val="solid"/>
+                      <a:round/>
+                      <a:headEnd type="none" w="med" len="med"/>
+                      <a:tailEnd type="none" w="med" len="med"/>
+                    </a:lnL>
+                    <a:lnR w="12700" cap="flat" cmpd="sng" algn="ctr">
+                      <a:solidFill>
+                        <a:srgbClr val="002060"/>
+                      </a:solidFill>
+                      <a:prstDash val="solid"/>
+                      <a:round/>
+                      <a:headEnd type="none" w="med" len="med"/>
+                      <a:tailEnd type="none" w="med" len="med"/>
+                    </a:lnR>
+                    <a:lnT w="12700" cap="flat" cmpd="sng" algn="ctr">
+                      <a:solidFill>
+                        <a:srgbClr val="002060"/>
+                      </a:solidFill>
+                      <a:prstDash val="solid"/>
+                      <a:round/>
+                      <a:headEnd type="none" w="med" len="med"/>
+                      <a:tailEnd type="none" w="med" len="med"/>
+                    </a:lnT>
+                    <a:lnB w="12700" cap="flat" cmpd="sng" algn="ctr">
+                      <a:solidFill>
+                        <a:srgbClr val="002060"/>
+                      </a:solidFill>
+                      <a:prstDash val="solid"/>
+                      <a:round/>
+                      <a:headEnd type="none" w="med" len="med"/>
+                      <a:tailEnd type="none" w="med" len="med"/>
+                    </a:lnB>
+                    <a:lnTlToBr w="12700" cmpd="sng">
+                      <a:noFill/>
+                      <a:prstDash val="solid"/>
+                    </a:lnTlToBr>
+                    <a:lnBlToTr w="12700" cmpd="sng">
+                      <a:noFill/>
+                      <a:prstDash val="solid"/>
+                    </a:lnBlToTr>
+                    <a:solidFill>
+                      <a:srgbClr val="002060"/>
+                    </a:solidFill>
+                  </a:tcPr>
+                </a:tc>
+                <a:tc>
+                  <a:txBody>
+                    <a:bodyPr/>
+                    <a:lstStyle/>
+                    <a:p>
+                      <a:r>
+                        <a:rPr lang="ru-RU" sz="1400" dirty="0" smtClean="0">
+                          <a:solidFill>
+                            <a:schemeClr val="bg1"/>
+                          </a:solidFill>
+                        </a:rPr>
+                        <a:t>Размер</a:t>
+                      </a:r>
+                      <a:endParaRPr lang="ru-RU" sz="1400" dirty="0">
+                        <a:solidFill>
+                          <a:schemeClr val="bg1"/>
+                        </a:solidFill>
+                      </a:endParaRPr>
+                    </a:p>
+                  </a:txBody>
+                  <a:tcPr>
+                    <a:lnL w="12700" cap="flat" cmpd="sng" algn="ctr">
+                      <a:solidFill>
+                        <a:srgbClr val="002060"/>
+                      </a:solidFill>
+                      <a:prstDash val="solid"/>
+                      <a:round/>
+                      <a:headEnd type="none" w="med" len="med"/>
+                      <a:tailEnd type="none" w="med" len="med"/>
+                    </a:lnL>
+                    <a:lnR w="12700" cap="flat" cmpd="sng" algn="ctr">
+                      <a:solidFill>
+                        <a:srgbClr val="002060"/>
+                      </a:solidFill>
+                      <a:prstDash val="solid"/>
+                      <a:round/>
+                      <a:headEnd type="none" w="med" len="med"/>
+                      <a:tailEnd type="none" w="med" len="med"/>
+                    </a:lnR>
+                    <a:lnT w="12700" cap="flat" cmpd="sng" algn="ctr">
+                      <a:solidFill>
+                        <a:srgbClr val="002060"/>
+                      </a:solidFill>
+                      <a:prstDash val="solid"/>
+                      <a:round/>
+                      <a:headEnd type="none" w="med" len="med"/>
+                      <a:tailEnd type="none" w="med" len="med"/>
+                    </a:lnT>
+                    <a:lnB w="12700" cap="flat" cmpd="sng" algn="ctr">
+                      <a:solidFill>
+                        <a:srgbClr val="002060"/>
+                      </a:solidFill>
+                      <a:prstDash val="solid"/>
+                      <a:round/>
+                      <a:headEnd type="none" w="med" len="med"/>
+                      <a:tailEnd type="none" w="med" len="med"/>
+                    </a:lnB>
+                    <a:lnTlToBr w="12700" cmpd="sng">
+                      <a:noFill/>
+                      <a:prstDash val="solid"/>
+                    </a:lnTlToBr>
+                    <a:lnBlToTr w="12700" cmpd="sng">
+                      <a:noFill/>
+                      <a:prstDash val="solid"/>
+                    </a:lnBlToTr>
+                    <a:solidFill>
+                      <a:srgbClr val="002060"/>
+                    </a:solidFill>
+                  </a:tcPr>
+                </a:tc>
+                <a:tc>
+                  <a:txBody>
+                    <a:bodyPr/>
+                    <a:lstStyle/>
+                    <a:p>
+                      <a:r>
+                        <a:rPr lang="ru-RU" sz="1400" dirty="0" smtClean="0">
+                          <a:solidFill>
+                            <a:schemeClr val="bg1"/>
+                          </a:solidFill>
+                        </a:rPr>
+                        <a:t>Поддержка </a:t>
+                      </a:r>
+                      <a:r>
+                        <a:rPr lang="en-US" sz="1400" dirty="0" smtClean="0">
+                          <a:solidFill>
+                            <a:schemeClr val="bg1"/>
+                          </a:solidFill>
+                        </a:rPr>
+                        <a:t>TZ</a:t>
+                      </a:r>
+                      <a:endParaRPr lang="ru-RU" sz="1400" dirty="0">
+                        <a:solidFill>
+                          <a:schemeClr val="bg1"/>
+                        </a:solidFill>
+                      </a:endParaRPr>
+                    </a:p>
+                  </a:txBody>
+                  <a:tcPr>
+                    <a:lnL w="12700" cap="flat" cmpd="sng" algn="ctr">
+                      <a:solidFill>
+                        <a:srgbClr val="002060"/>
+                      </a:solidFill>
+                      <a:prstDash val="solid"/>
+                      <a:round/>
+                      <a:headEnd type="none" w="med" len="med"/>
+                      <a:tailEnd type="none" w="med" len="med"/>
+                    </a:lnL>
+                    <a:lnR w="12700" cap="flat" cmpd="sng" algn="ctr">
+                      <a:solidFill>
+                        <a:srgbClr val="002060"/>
+                      </a:solidFill>
+                      <a:prstDash val="solid"/>
+                      <a:round/>
+                      <a:headEnd type="none" w="med" len="med"/>
+                      <a:tailEnd type="none" w="med" len="med"/>
+                    </a:lnR>
+                    <a:lnT w="12700" cap="flat" cmpd="sng" algn="ctr">
+                      <a:solidFill>
+                        <a:srgbClr val="002060"/>
+                      </a:solidFill>
+                      <a:prstDash val="solid"/>
+                      <a:round/>
+                      <a:headEnd type="none" w="med" len="med"/>
+                      <a:tailEnd type="none" w="med" len="med"/>
+                    </a:lnT>
+                    <a:lnB w="12700" cap="flat" cmpd="sng" algn="ctr">
+                      <a:solidFill>
+                        <a:srgbClr val="002060"/>
+                      </a:solidFill>
+                      <a:prstDash val="solid"/>
+                      <a:round/>
+                      <a:headEnd type="none" w="med" len="med"/>
+                      <a:tailEnd type="none" w="med" len="med"/>
+                    </a:lnB>
+                    <a:lnTlToBr w="12700" cmpd="sng">
+                      <a:noFill/>
+                      <a:prstDash val="solid"/>
+                    </a:lnTlToBr>
+                    <a:lnBlToTr w="12700" cmpd="sng">
+                      <a:noFill/>
+                      <a:prstDash val="solid"/>
+                    </a:lnBlToTr>
+                    <a:solidFill>
+                      <a:srgbClr val="002060"/>
+                    </a:solidFill>
+                  </a:tcPr>
+                </a:tc>
+              </a:tr>
+              <a:tr h="370840">
+                <a:tc>
+                  <a:txBody>
+                    <a:bodyPr/>
+                    <a:lstStyle/>
+                    <a:p>
+                      <a:r>
+                        <a:rPr lang="en-US" sz="1400" dirty="0" err="1" smtClean="0">
+                          <a:solidFill>
+                            <a:srgbClr val="002060"/>
+                          </a:solidFill>
+                        </a:rPr>
+                        <a:t>datetime</a:t>
+                      </a:r>
+                      <a:endParaRPr lang="ru-RU" sz="1400" dirty="0">
+                        <a:solidFill>
+                          <a:srgbClr val="002060"/>
+                        </a:solidFill>
+                      </a:endParaRPr>
+                    </a:p>
+                  </a:txBody>
+                  <a:tcPr>
+                    <a:lnL w="12700" cap="flat" cmpd="sng" algn="ctr">
+                      <a:solidFill>
+                        <a:srgbClr val="002060"/>
+                      </a:solidFill>
+                      <a:prstDash val="solid"/>
+                      <a:round/>
+                      <a:headEnd type="none" w="med" len="med"/>
+                      <a:tailEnd type="none" w="med" len="med"/>
+                    </a:lnL>
+                    <a:lnR w="12700" cap="flat" cmpd="sng" algn="ctr">
+                      <a:solidFill>
+                        <a:srgbClr val="002060"/>
+                      </a:solidFill>
+                      <a:prstDash val="solid"/>
+                      <a:round/>
+                      <a:headEnd type="none" w="med" len="med"/>
+                      <a:tailEnd type="none" w="med" len="med"/>
+                    </a:lnR>
+                    <a:lnT w="12700" cap="flat" cmpd="sng" algn="ctr">
+                      <a:solidFill>
+                        <a:srgbClr val="002060"/>
+                      </a:solidFill>
+                      <a:prstDash val="solid"/>
+                      <a:round/>
+                      <a:headEnd type="none" w="med" len="med"/>
+                      <a:tailEnd type="none" w="med" len="med"/>
+                    </a:lnT>
+                    <a:lnB w="12700" cap="flat" cmpd="sng" algn="ctr">
+                      <a:solidFill>
+                        <a:srgbClr val="002060"/>
+                      </a:solidFill>
+                      <a:prstDash val="solid"/>
+                      <a:round/>
+                      <a:headEnd type="none" w="med" len="med"/>
+                      <a:tailEnd type="none" w="med" len="med"/>
+                    </a:lnB>
+                    <a:lnTlToBr w="12700" cmpd="sng">
+                      <a:noFill/>
+                      <a:prstDash val="solid"/>
+                    </a:lnTlToBr>
+                    <a:lnBlToTr w="12700" cmpd="sng">
+                      <a:noFill/>
+                      <a:prstDash val="solid"/>
+                    </a:lnBlToTr>
+                  </a:tcPr>
+                </a:tc>
+                <a:tc>
+                  <a:txBody>
+                    <a:bodyPr/>
+                    <a:lstStyle/>
+                    <a:p>
+                      <a:r>
+                        <a:rPr lang="en-US" sz="1400" dirty="0" smtClean="0">
+                          <a:solidFill>
+                            <a:srgbClr val="002060"/>
+                          </a:solidFill>
+                        </a:rPr>
+                        <a:t>January 1, 1753, through December 31, 9999</a:t>
+                      </a:r>
+                      <a:endParaRPr lang="ru-RU" sz="1400" dirty="0">
+                        <a:solidFill>
+                          <a:srgbClr val="002060"/>
+                        </a:solidFill>
+                      </a:endParaRPr>
+                    </a:p>
+                  </a:txBody>
+                  <a:tcPr>
+                    <a:lnL w="12700" cap="flat" cmpd="sng" algn="ctr">
+                      <a:solidFill>
+                        <a:srgbClr val="002060"/>
+                      </a:solidFill>
+                      <a:prstDash val="solid"/>
+                      <a:round/>
+                      <a:headEnd type="none" w="med" len="med"/>
+                      <a:tailEnd type="none" w="med" len="med"/>
+                    </a:lnL>
+                    <a:lnR w="12700" cap="flat" cmpd="sng" algn="ctr">
+                      <a:solidFill>
+                        <a:srgbClr val="002060"/>
+                      </a:solidFill>
+                      <a:prstDash val="solid"/>
+                      <a:round/>
+                      <a:headEnd type="none" w="med" len="med"/>
+                      <a:tailEnd type="none" w="med" len="med"/>
+                    </a:lnR>
+                    <a:lnT w="12700" cap="flat" cmpd="sng" algn="ctr">
+                      <a:solidFill>
+                        <a:srgbClr val="002060"/>
+                      </a:solidFill>
+                      <a:prstDash val="solid"/>
+                      <a:round/>
+                      <a:headEnd type="none" w="med" len="med"/>
+                      <a:tailEnd type="none" w="med" len="med"/>
+                    </a:lnT>
+                    <a:lnB w="12700" cap="flat" cmpd="sng" algn="ctr">
+                      <a:solidFill>
+                        <a:srgbClr val="002060"/>
+                      </a:solidFill>
+                      <a:prstDash val="solid"/>
+                      <a:round/>
+                      <a:headEnd type="none" w="med" len="med"/>
+                      <a:tailEnd type="none" w="med" len="med"/>
+                    </a:lnB>
+                    <a:lnTlToBr w="12700" cmpd="sng">
+                      <a:noFill/>
+                      <a:prstDash val="solid"/>
+                    </a:lnTlToBr>
+                    <a:lnBlToTr w="12700" cmpd="sng">
+                      <a:noFill/>
+                      <a:prstDash val="solid"/>
+                    </a:lnBlToTr>
+                  </a:tcPr>
+                </a:tc>
+                <a:tc>
+                  <a:txBody>
+                    <a:bodyPr/>
+                    <a:lstStyle/>
+                    <a:p>
+                      <a:r>
+                        <a:rPr lang="en-US" sz="1400" dirty="0" smtClean="0">
+                          <a:solidFill>
+                            <a:srgbClr val="002060"/>
+                          </a:solidFill>
+                        </a:rPr>
+                        <a:t>3.33 </a:t>
+                      </a:r>
+                      <a:r>
+                        <a:rPr lang="ru-RU" sz="1400" dirty="0" smtClean="0">
+                          <a:solidFill>
+                            <a:srgbClr val="002060"/>
+                          </a:solidFill>
+                        </a:rPr>
+                        <a:t>мс</a:t>
+                      </a:r>
+                      <a:endParaRPr lang="ru-RU" sz="1400" dirty="0">
+                        <a:solidFill>
+                          <a:srgbClr val="002060"/>
+                        </a:solidFill>
+                      </a:endParaRPr>
+                    </a:p>
+                  </a:txBody>
+                  <a:tcPr>
+                    <a:lnL w="12700" cap="flat" cmpd="sng" algn="ctr">
+                      <a:solidFill>
+                        <a:srgbClr val="002060"/>
+                      </a:solidFill>
+                      <a:prstDash val="solid"/>
+                      <a:round/>
+                      <a:headEnd type="none" w="med" len="med"/>
+                      <a:tailEnd type="none" w="med" len="med"/>
+                    </a:lnL>
+                    <a:lnR w="12700" cap="flat" cmpd="sng" algn="ctr">
+                      <a:solidFill>
+                        <a:srgbClr val="002060"/>
+                      </a:solidFill>
+                      <a:prstDash val="solid"/>
+                      <a:round/>
+                      <a:headEnd type="none" w="med" len="med"/>
+                      <a:tailEnd type="none" w="med" len="med"/>
+                    </a:lnR>
+                    <a:lnT w="12700" cap="flat" cmpd="sng" algn="ctr">
+                      <a:solidFill>
+                        <a:srgbClr val="002060"/>
+                      </a:solidFill>
+                      <a:prstDash val="solid"/>
+                      <a:round/>
+                      <a:headEnd type="none" w="med" len="med"/>
+                      <a:tailEnd type="none" w="med" len="med"/>
+                    </a:lnT>
+                    <a:lnB w="12700" cap="flat" cmpd="sng" algn="ctr">
+                      <a:solidFill>
+                        <a:srgbClr val="002060"/>
+                      </a:solidFill>
+                      <a:prstDash val="solid"/>
+                      <a:round/>
+                      <a:headEnd type="none" w="med" len="med"/>
+                      <a:tailEnd type="none" w="med" len="med"/>
+                    </a:lnB>
+                    <a:lnTlToBr w="12700" cmpd="sng">
+                      <a:noFill/>
+                      <a:prstDash val="solid"/>
+                    </a:lnTlToBr>
+                    <a:lnBlToTr w="12700" cmpd="sng">
+                      <a:noFill/>
+                      <a:prstDash val="solid"/>
+                    </a:lnBlToTr>
+                  </a:tcPr>
+                </a:tc>
+                <a:tc>
+                  <a:txBody>
+                    <a:bodyPr/>
+                    <a:lstStyle/>
+                    <a:p>
+                      <a:r>
+                        <a:rPr lang="ru-RU" sz="1400" dirty="0" smtClean="0">
+                          <a:solidFill>
+                            <a:srgbClr val="002060"/>
+                          </a:solidFill>
+                        </a:rPr>
+                        <a:t>8 байтов</a:t>
+                      </a:r>
+                      <a:endParaRPr lang="ru-RU" sz="1400" dirty="0">
+                        <a:solidFill>
+                          <a:srgbClr val="002060"/>
+                        </a:solidFill>
+                      </a:endParaRPr>
+                    </a:p>
+                  </a:txBody>
+                  <a:tcPr>
+                    <a:lnL w="12700" cap="flat" cmpd="sng" algn="ctr">
+                      <a:solidFill>
+                        <a:srgbClr val="002060"/>
+                      </a:solidFill>
+                      <a:prstDash val="solid"/>
+                      <a:round/>
+                      <a:headEnd type="none" w="med" len="med"/>
+                      <a:tailEnd type="none" w="med" len="med"/>
+                    </a:lnL>
+                    <a:lnR w="12700" cap="flat" cmpd="sng" algn="ctr">
+                      <a:solidFill>
+                        <a:srgbClr val="002060"/>
+                      </a:solidFill>
+                      <a:prstDash val="solid"/>
+                      <a:round/>
+                      <a:headEnd type="none" w="med" len="med"/>
+                      <a:tailEnd type="none" w="med" len="med"/>
+                    </a:lnR>
+                    <a:lnT w="12700" cap="flat" cmpd="sng" algn="ctr">
+                      <a:solidFill>
+                        <a:srgbClr val="002060"/>
+                      </a:solidFill>
+                      <a:prstDash val="solid"/>
+                      <a:round/>
+                      <a:headEnd type="none" w="med" len="med"/>
+                      <a:tailEnd type="none" w="med" len="med"/>
+                    </a:lnT>
+                    <a:lnB w="12700" cap="flat" cmpd="sng" algn="ctr">
+                      <a:solidFill>
+                        <a:srgbClr val="002060"/>
+                      </a:solidFill>
+                      <a:prstDash val="solid"/>
+                      <a:round/>
+                      <a:headEnd type="none" w="med" len="med"/>
+                      <a:tailEnd type="none" w="med" len="med"/>
+                    </a:lnB>
+                    <a:lnTlToBr w="12700" cmpd="sng">
+                      <a:noFill/>
+                      <a:prstDash val="solid"/>
+                    </a:lnTlToBr>
+                    <a:lnBlToTr w="12700" cmpd="sng">
+                      <a:noFill/>
+                      <a:prstDash val="solid"/>
+                    </a:lnBlToTr>
+                  </a:tcPr>
+                </a:tc>
+                <a:tc>
+                  <a:txBody>
+                    <a:bodyPr/>
+                    <a:lstStyle/>
+                    <a:p>
+                      <a:endParaRPr lang="ru-RU" sz="1400">
+                        <a:solidFill>
+                          <a:srgbClr val="002060"/>
+                        </a:solidFill>
+                      </a:endParaRPr>
+                    </a:p>
+                  </a:txBody>
+                  <a:tcPr>
+                    <a:lnL w="12700" cap="flat" cmpd="sng" algn="ctr">
+                      <a:solidFill>
+                        <a:srgbClr val="002060"/>
+                      </a:solidFill>
+                      <a:prstDash val="solid"/>
+                      <a:round/>
+                      <a:headEnd type="none" w="med" len="med"/>
+                      <a:tailEnd type="none" w="med" len="med"/>
+                    </a:lnL>
+                    <a:lnR w="12700" cap="flat" cmpd="sng" algn="ctr">
+                      <a:solidFill>
+                        <a:srgbClr val="002060"/>
+                      </a:solidFill>
+                      <a:prstDash val="solid"/>
+                      <a:round/>
+                      <a:headEnd type="none" w="med" len="med"/>
+                      <a:tailEnd type="none" w="med" len="med"/>
+                    </a:lnR>
+                    <a:lnT w="12700" cap="flat" cmpd="sng" algn="ctr">
+                      <a:solidFill>
+                        <a:srgbClr val="002060"/>
+                      </a:solidFill>
+                      <a:prstDash val="solid"/>
+                      <a:round/>
+                      <a:headEnd type="none" w="med" len="med"/>
+                      <a:tailEnd type="none" w="med" len="med"/>
+                    </a:lnT>
+                    <a:lnB w="12700" cap="flat" cmpd="sng" algn="ctr">
+                      <a:solidFill>
+                        <a:srgbClr val="002060"/>
+                      </a:solidFill>
+                      <a:prstDash val="solid"/>
+                      <a:round/>
+                      <a:headEnd type="none" w="med" len="med"/>
+                      <a:tailEnd type="none" w="med" len="med"/>
+                    </a:lnB>
+                    <a:lnTlToBr w="12700" cmpd="sng">
+                      <a:noFill/>
+                      <a:prstDash val="solid"/>
+                    </a:lnTlToBr>
+                    <a:lnBlToTr w="12700" cmpd="sng">
+                      <a:noFill/>
+                      <a:prstDash val="solid"/>
+                    </a:lnBlToTr>
+                  </a:tcPr>
+                </a:tc>
+              </a:tr>
+              <a:tr h="370840">
+                <a:tc>
+                  <a:txBody>
+                    <a:bodyPr/>
+                    <a:lstStyle/>
+                    <a:p>
+                      <a:r>
+                        <a:rPr lang="en-US" sz="1400" dirty="0" err="1" smtClean="0">
+                          <a:solidFill>
+                            <a:srgbClr val="002060"/>
+                          </a:solidFill>
+                        </a:rPr>
+                        <a:t>smalldatetime</a:t>
+                      </a:r>
+                      <a:endParaRPr lang="ru-RU" sz="1400" dirty="0">
+                        <a:solidFill>
+                          <a:srgbClr val="002060"/>
+                        </a:solidFill>
+                      </a:endParaRPr>
+                    </a:p>
+                  </a:txBody>
+                  <a:tcPr>
+                    <a:lnL w="12700" cap="flat" cmpd="sng" algn="ctr">
+                      <a:solidFill>
+                        <a:srgbClr val="002060"/>
+                      </a:solidFill>
+                      <a:prstDash val="solid"/>
+                      <a:round/>
+                      <a:headEnd type="none" w="med" len="med"/>
+                      <a:tailEnd type="none" w="med" len="med"/>
+                    </a:lnL>
+                    <a:lnR w="12700" cap="flat" cmpd="sng" algn="ctr">
+                      <a:solidFill>
+                        <a:srgbClr val="002060"/>
+                      </a:solidFill>
+                      <a:prstDash val="solid"/>
+                      <a:round/>
+                      <a:headEnd type="none" w="med" len="med"/>
+                      <a:tailEnd type="none" w="med" len="med"/>
+                    </a:lnR>
+                    <a:lnT w="12700" cap="flat" cmpd="sng" algn="ctr">
+                      <a:solidFill>
+                        <a:srgbClr val="002060"/>
+                      </a:solidFill>
+                      <a:prstDash val="solid"/>
+                      <a:round/>
+                      <a:headEnd type="none" w="med" len="med"/>
+                      <a:tailEnd type="none" w="med" len="med"/>
+                    </a:lnT>
+                    <a:lnB w="12700" cap="flat" cmpd="sng" algn="ctr">
+                      <a:solidFill>
+                        <a:srgbClr val="002060"/>
+                      </a:solidFill>
+                      <a:prstDash val="solid"/>
+                      <a:round/>
+                      <a:headEnd type="none" w="med" len="med"/>
+                      <a:tailEnd type="none" w="med" len="med"/>
+                    </a:lnB>
+                    <a:lnTlToBr w="12700" cmpd="sng">
+                      <a:noFill/>
+                      <a:prstDash val="solid"/>
+                    </a:lnTlToBr>
+                    <a:lnBlToTr w="12700" cmpd="sng">
+                      <a:noFill/>
+                      <a:prstDash val="solid"/>
+                    </a:lnBlToTr>
+                  </a:tcPr>
+                </a:tc>
+                <a:tc>
+                  <a:txBody>
+                    <a:bodyPr/>
+                    <a:lstStyle/>
+                    <a:p>
+                      <a:r>
+                        <a:rPr lang="en-US" sz="1400" dirty="0" smtClean="0">
+                          <a:solidFill>
+                            <a:srgbClr val="002060"/>
+                          </a:solidFill>
+                        </a:rPr>
+                        <a:t>January 1, 1900, through June 6, 2079</a:t>
+                      </a:r>
+                      <a:endParaRPr lang="ru-RU" sz="1400" dirty="0">
+                        <a:solidFill>
+                          <a:srgbClr val="002060"/>
+                        </a:solidFill>
+                      </a:endParaRPr>
+                    </a:p>
+                  </a:txBody>
+                  <a:tcPr>
+                    <a:lnL w="12700" cap="flat" cmpd="sng" algn="ctr">
+                      <a:solidFill>
+                        <a:srgbClr val="002060"/>
+                      </a:solidFill>
+                      <a:prstDash val="solid"/>
+                      <a:round/>
+                      <a:headEnd type="none" w="med" len="med"/>
+                      <a:tailEnd type="none" w="med" len="med"/>
+                    </a:lnL>
+                    <a:lnR w="12700" cap="flat" cmpd="sng" algn="ctr">
+                      <a:solidFill>
+                        <a:srgbClr val="002060"/>
+                      </a:solidFill>
+                      <a:prstDash val="solid"/>
+                      <a:round/>
+                      <a:headEnd type="none" w="med" len="med"/>
+                      <a:tailEnd type="none" w="med" len="med"/>
+                    </a:lnR>
+                    <a:lnT w="12700" cap="flat" cmpd="sng" algn="ctr">
+                      <a:solidFill>
+                        <a:srgbClr val="002060"/>
+                      </a:solidFill>
+                      <a:prstDash val="solid"/>
+                      <a:round/>
+                      <a:headEnd type="none" w="med" len="med"/>
+                      <a:tailEnd type="none" w="med" len="med"/>
+                    </a:lnT>
+                    <a:lnB w="12700" cap="flat" cmpd="sng" algn="ctr">
+                      <a:solidFill>
+                        <a:srgbClr val="002060"/>
+                      </a:solidFill>
+                      <a:prstDash val="solid"/>
+                      <a:round/>
+                      <a:headEnd type="none" w="med" len="med"/>
+                      <a:tailEnd type="none" w="med" len="med"/>
+                    </a:lnB>
+                    <a:lnTlToBr w="12700" cmpd="sng">
+                      <a:noFill/>
+                      <a:prstDash val="solid"/>
+                    </a:lnTlToBr>
+                    <a:lnBlToTr w="12700" cmpd="sng">
+                      <a:noFill/>
+                      <a:prstDash val="solid"/>
+                    </a:lnBlToTr>
+                  </a:tcPr>
+                </a:tc>
+                <a:tc>
+                  <a:txBody>
+                    <a:bodyPr/>
+                    <a:lstStyle/>
+                    <a:p>
+                      <a:r>
+                        <a:rPr lang="en-US" sz="1400" dirty="0" smtClean="0">
+                          <a:solidFill>
+                            <a:srgbClr val="002060"/>
+                          </a:solidFill>
+                        </a:rPr>
+                        <a:t>1 </a:t>
+                      </a:r>
+                      <a:r>
+                        <a:rPr lang="ru-RU" sz="1400" dirty="0" smtClean="0">
+                          <a:solidFill>
+                            <a:srgbClr val="002060"/>
+                          </a:solidFill>
+                        </a:rPr>
+                        <a:t>минута</a:t>
+                      </a:r>
+                      <a:endParaRPr lang="ru-RU" sz="1400" dirty="0">
+                        <a:solidFill>
+                          <a:srgbClr val="002060"/>
+                        </a:solidFill>
+                      </a:endParaRPr>
+                    </a:p>
+                  </a:txBody>
+                  <a:tcPr>
+                    <a:lnL w="12700" cap="flat" cmpd="sng" algn="ctr">
+                      <a:solidFill>
+                        <a:srgbClr val="002060"/>
+                      </a:solidFill>
+                      <a:prstDash val="solid"/>
+                      <a:round/>
+                      <a:headEnd type="none" w="med" len="med"/>
+                      <a:tailEnd type="none" w="med" len="med"/>
+                    </a:lnL>
+                    <a:lnR w="12700" cap="flat" cmpd="sng" algn="ctr">
+                      <a:solidFill>
+                        <a:srgbClr val="002060"/>
+                      </a:solidFill>
+                      <a:prstDash val="solid"/>
+                      <a:round/>
+                      <a:headEnd type="none" w="med" len="med"/>
+                      <a:tailEnd type="none" w="med" len="med"/>
+                    </a:lnR>
+                    <a:lnT w="12700" cap="flat" cmpd="sng" algn="ctr">
+                      <a:solidFill>
+                        <a:srgbClr val="002060"/>
+                      </a:solidFill>
+                      <a:prstDash val="solid"/>
+                      <a:round/>
+                      <a:headEnd type="none" w="med" len="med"/>
+                      <a:tailEnd type="none" w="med" len="med"/>
+                    </a:lnT>
+                    <a:lnB w="12700" cap="flat" cmpd="sng" algn="ctr">
+                      <a:solidFill>
+                        <a:srgbClr val="002060"/>
+                      </a:solidFill>
+                      <a:prstDash val="solid"/>
+                      <a:round/>
+                      <a:headEnd type="none" w="med" len="med"/>
+                      <a:tailEnd type="none" w="med" len="med"/>
+                    </a:lnB>
+                    <a:lnTlToBr w="12700" cmpd="sng">
+                      <a:noFill/>
+                      <a:prstDash val="solid"/>
+                    </a:lnTlToBr>
+                    <a:lnBlToTr w="12700" cmpd="sng">
+                      <a:noFill/>
+                      <a:prstDash val="solid"/>
+                    </a:lnBlToTr>
+                  </a:tcPr>
+                </a:tc>
+                <a:tc>
+                  <a:txBody>
+                    <a:bodyPr/>
+                    <a:lstStyle/>
+                    <a:p>
+                      <a:r>
+                        <a:rPr lang="en-US" sz="1400" dirty="0" smtClean="0">
+                          <a:solidFill>
+                            <a:srgbClr val="002060"/>
+                          </a:solidFill>
+                        </a:rPr>
+                        <a:t>4 </a:t>
+                      </a:r>
+                      <a:r>
+                        <a:rPr lang="en-US" sz="1400" dirty="0" err="1" smtClean="0">
+                          <a:solidFill>
+                            <a:srgbClr val="002060"/>
+                          </a:solidFill>
+                        </a:rPr>
+                        <a:t>байта</a:t>
+                      </a:r>
+                      <a:endParaRPr lang="ru-RU" sz="1400" dirty="0">
+                        <a:solidFill>
+                          <a:srgbClr val="002060"/>
+                        </a:solidFill>
+                      </a:endParaRPr>
+                    </a:p>
+                  </a:txBody>
+                  <a:tcPr>
+                    <a:lnL w="12700" cap="flat" cmpd="sng" algn="ctr">
+                      <a:solidFill>
+                        <a:srgbClr val="002060"/>
+                      </a:solidFill>
+                      <a:prstDash val="solid"/>
+                      <a:round/>
+                      <a:headEnd type="none" w="med" len="med"/>
+                      <a:tailEnd type="none" w="med" len="med"/>
+                    </a:lnL>
+                    <a:lnR w="12700" cap="flat" cmpd="sng" algn="ctr">
+                      <a:solidFill>
+                        <a:srgbClr val="002060"/>
+                      </a:solidFill>
+                      <a:prstDash val="solid"/>
+                      <a:round/>
+                      <a:headEnd type="none" w="med" len="med"/>
+                      <a:tailEnd type="none" w="med" len="med"/>
+                    </a:lnR>
+                    <a:lnT w="12700" cap="flat" cmpd="sng" algn="ctr">
+                      <a:solidFill>
+                        <a:srgbClr val="002060"/>
+                      </a:solidFill>
+                      <a:prstDash val="solid"/>
+                      <a:round/>
+                      <a:headEnd type="none" w="med" len="med"/>
+                      <a:tailEnd type="none" w="med" len="med"/>
+                    </a:lnT>
+                    <a:lnB w="12700" cap="flat" cmpd="sng" algn="ctr">
+                      <a:solidFill>
+                        <a:srgbClr val="002060"/>
+                      </a:solidFill>
+                      <a:prstDash val="solid"/>
+                      <a:round/>
+                      <a:headEnd type="none" w="med" len="med"/>
+                      <a:tailEnd type="none" w="med" len="med"/>
+                    </a:lnB>
+                    <a:lnTlToBr w="12700" cmpd="sng">
+                      <a:noFill/>
+                      <a:prstDash val="solid"/>
+                    </a:lnTlToBr>
+                    <a:lnBlToTr w="12700" cmpd="sng">
+                      <a:noFill/>
+                      <a:prstDash val="solid"/>
+                    </a:lnBlToTr>
+                  </a:tcPr>
+                </a:tc>
+                <a:tc>
+                  <a:txBody>
+                    <a:bodyPr/>
+                    <a:lstStyle/>
+                    <a:p>
+                      <a:endParaRPr lang="ru-RU" sz="1400">
+                        <a:solidFill>
+                          <a:srgbClr val="002060"/>
+                        </a:solidFill>
+                      </a:endParaRPr>
+                    </a:p>
+                  </a:txBody>
+                  <a:tcPr>
+                    <a:lnL w="12700" cap="flat" cmpd="sng" algn="ctr">
+                      <a:solidFill>
+                        <a:srgbClr val="002060"/>
+                      </a:solidFill>
+                      <a:prstDash val="solid"/>
+                      <a:round/>
+                      <a:headEnd type="none" w="med" len="med"/>
+                      <a:tailEnd type="none" w="med" len="med"/>
+                    </a:lnL>
+                    <a:lnR w="12700" cap="flat" cmpd="sng" algn="ctr">
+                      <a:solidFill>
+                        <a:srgbClr val="002060"/>
+                      </a:solidFill>
+                      <a:prstDash val="solid"/>
+                      <a:round/>
+                      <a:headEnd type="none" w="med" len="med"/>
+                      <a:tailEnd type="none" w="med" len="med"/>
+                    </a:lnR>
+                    <a:lnT w="12700" cap="flat" cmpd="sng" algn="ctr">
+                      <a:solidFill>
+                        <a:srgbClr val="002060"/>
+                      </a:solidFill>
+                      <a:prstDash val="solid"/>
+                      <a:round/>
+                      <a:headEnd type="none" w="med" len="med"/>
+                      <a:tailEnd type="none" w="med" len="med"/>
+                    </a:lnT>
+                    <a:lnB w="12700" cap="flat" cmpd="sng" algn="ctr">
+                      <a:solidFill>
+                        <a:srgbClr val="002060"/>
+                      </a:solidFill>
+                      <a:prstDash val="solid"/>
+                      <a:round/>
+                      <a:headEnd type="none" w="med" len="med"/>
+                      <a:tailEnd type="none" w="med" len="med"/>
+                    </a:lnB>
+                    <a:lnTlToBr w="12700" cmpd="sng">
+                      <a:noFill/>
+                      <a:prstDash val="solid"/>
+                    </a:lnTlToBr>
+                    <a:lnBlToTr w="12700" cmpd="sng">
+                      <a:noFill/>
+                      <a:prstDash val="solid"/>
+                    </a:lnBlToTr>
+                  </a:tcPr>
+                </a:tc>
+              </a:tr>
+              <a:tr h="370840">
+                <a:tc>
+                  <a:txBody>
+                    <a:bodyPr/>
+                    <a:lstStyle/>
+                    <a:p>
+                      <a:r>
+                        <a:rPr lang="en-US" sz="1400" dirty="0" smtClean="0">
+                          <a:solidFill>
+                            <a:srgbClr val="002060"/>
+                          </a:solidFill>
+                        </a:rPr>
+                        <a:t>date</a:t>
+                      </a:r>
+                      <a:endParaRPr lang="ru-RU" sz="1400" dirty="0">
+                        <a:solidFill>
+                          <a:srgbClr val="002060"/>
+                        </a:solidFill>
+                      </a:endParaRPr>
+                    </a:p>
+                  </a:txBody>
+                  <a:tcPr>
+                    <a:lnL w="12700" cap="flat" cmpd="sng" algn="ctr">
+                      <a:solidFill>
+                        <a:srgbClr val="002060"/>
+                      </a:solidFill>
+                      <a:prstDash val="solid"/>
+                      <a:round/>
+                      <a:headEnd type="none" w="med" len="med"/>
+                      <a:tailEnd type="none" w="med" len="med"/>
+                    </a:lnL>
+                    <a:lnR w="12700" cap="flat" cmpd="sng" algn="ctr">
+                      <a:solidFill>
+                        <a:srgbClr val="002060"/>
+                      </a:solidFill>
+                      <a:prstDash val="solid"/>
+                      <a:round/>
+                      <a:headEnd type="none" w="med" len="med"/>
+                      <a:tailEnd type="none" w="med" len="med"/>
+                    </a:lnR>
+                    <a:lnT w="12700" cap="flat" cmpd="sng" algn="ctr">
+                      <a:solidFill>
+                        <a:srgbClr val="002060"/>
+                      </a:solidFill>
+                      <a:prstDash val="solid"/>
+                      <a:round/>
+                      <a:headEnd type="none" w="med" len="med"/>
+                      <a:tailEnd type="none" w="med" len="med"/>
+                    </a:lnT>
+                    <a:lnB w="12700" cap="flat" cmpd="sng" algn="ctr">
+                      <a:solidFill>
+                        <a:srgbClr val="002060"/>
+                      </a:solidFill>
+                      <a:prstDash val="solid"/>
+                      <a:round/>
+                      <a:headEnd type="none" w="med" len="med"/>
+                      <a:tailEnd type="none" w="med" len="med"/>
+                    </a:lnB>
+                    <a:lnTlToBr w="12700" cmpd="sng">
+                      <a:noFill/>
+                      <a:prstDash val="solid"/>
+                    </a:lnTlToBr>
+                    <a:lnBlToTr w="12700" cmpd="sng">
+                      <a:noFill/>
+                      <a:prstDash val="solid"/>
+                    </a:lnBlToTr>
+                    <a:solidFill>
+                      <a:schemeClr val="tx2">
+                        <a:lumMod val="85000"/>
+                      </a:schemeClr>
+                    </a:solidFill>
+                  </a:tcPr>
+                </a:tc>
+                <a:tc>
+                  <a:txBody>
+                    <a:bodyPr/>
+                    <a:lstStyle/>
+                    <a:p>
+                      <a:r>
+                        <a:rPr lang="en-US" sz="1400" dirty="0" smtClean="0">
+                          <a:solidFill>
+                            <a:srgbClr val="002060"/>
+                          </a:solidFill>
+                        </a:rPr>
+                        <a:t>0001-01-01 through 9999-12-31</a:t>
+                      </a:r>
+                    </a:p>
+                  </a:txBody>
+                  <a:tcPr>
+                    <a:lnL w="12700" cap="flat" cmpd="sng" algn="ctr">
+                      <a:solidFill>
+                        <a:srgbClr val="002060"/>
+                      </a:solidFill>
+                      <a:prstDash val="solid"/>
+                      <a:round/>
+                      <a:headEnd type="none" w="med" len="med"/>
+                      <a:tailEnd type="none" w="med" len="med"/>
+                    </a:lnL>
+                    <a:lnR w="12700" cap="flat" cmpd="sng" algn="ctr">
+                      <a:solidFill>
+                        <a:srgbClr val="002060"/>
+                      </a:solidFill>
+                      <a:prstDash val="solid"/>
+                      <a:round/>
+                      <a:headEnd type="none" w="med" len="med"/>
+                      <a:tailEnd type="none" w="med" len="med"/>
+                    </a:lnR>
+                    <a:lnT w="12700" cap="flat" cmpd="sng" algn="ctr">
+                      <a:solidFill>
+                        <a:srgbClr val="002060"/>
+                      </a:solidFill>
+                      <a:prstDash val="solid"/>
+                      <a:round/>
+                      <a:headEnd type="none" w="med" len="med"/>
+                      <a:tailEnd type="none" w="med" len="med"/>
+                    </a:lnT>
+                    <a:lnB w="12700" cap="flat" cmpd="sng" algn="ctr">
+                      <a:solidFill>
+                        <a:srgbClr val="002060"/>
+                      </a:solidFill>
+                      <a:prstDash val="solid"/>
+                      <a:round/>
+                      <a:headEnd type="none" w="med" len="med"/>
+                      <a:tailEnd type="none" w="med" len="med"/>
+                    </a:lnB>
+                    <a:lnTlToBr w="12700" cmpd="sng">
+                      <a:noFill/>
+                      <a:prstDash val="solid"/>
+                    </a:lnTlToBr>
+                    <a:lnBlToTr w="12700" cmpd="sng">
+                      <a:noFill/>
+                      <a:prstDash val="solid"/>
+                    </a:lnBlToTr>
+                    <a:solidFill>
+                      <a:schemeClr val="tx2">
+                        <a:lumMod val="85000"/>
+                      </a:schemeClr>
+                    </a:solidFill>
+                  </a:tcPr>
+                </a:tc>
+                <a:tc>
+                  <a:txBody>
+                    <a:bodyPr/>
+                    <a:lstStyle/>
+                    <a:p>
+                      <a:r>
+                        <a:rPr lang="ru-RU" sz="1400" dirty="0" smtClean="0">
+                          <a:solidFill>
+                            <a:srgbClr val="002060"/>
+                          </a:solidFill>
+                        </a:rPr>
+                        <a:t>1 день</a:t>
+                      </a:r>
+                      <a:endParaRPr lang="ru-RU" sz="1400" dirty="0">
+                        <a:solidFill>
+                          <a:srgbClr val="002060"/>
+                        </a:solidFill>
+                      </a:endParaRPr>
+                    </a:p>
+                  </a:txBody>
+                  <a:tcPr>
+                    <a:lnL w="12700" cap="flat" cmpd="sng" algn="ctr">
+                      <a:solidFill>
+                        <a:srgbClr val="002060"/>
+                      </a:solidFill>
+                      <a:prstDash val="solid"/>
+                      <a:round/>
+                      <a:headEnd type="none" w="med" len="med"/>
+                      <a:tailEnd type="none" w="med" len="med"/>
+                    </a:lnL>
+                    <a:lnR w="12700" cap="flat" cmpd="sng" algn="ctr">
+                      <a:solidFill>
+                        <a:srgbClr val="002060"/>
+                      </a:solidFill>
+                      <a:prstDash val="solid"/>
+                      <a:round/>
+                      <a:headEnd type="none" w="med" len="med"/>
+                      <a:tailEnd type="none" w="med" len="med"/>
+                    </a:lnR>
+                    <a:lnT w="12700" cap="flat" cmpd="sng" algn="ctr">
+                      <a:solidFill>
+                        <a:srgbClr val="002060"/>
+                      </a:solidFill>
+                      <a:prstDash val="solid"/>
+                      <a:round/>
+                      <a:headEnd type="none" w="med" len="med"/>
+                      <a:tailEnd type="none" w="med" len="med"/>
+                    </a:lnT>
+                    <a:lnB w="12700" cap="flat" cmpd="sng" algn="ctr">
+                      <a:solidFill>
+                        <a:srgbClr val="002060"/>
+                      </a:solidFill>
+                      <a:prstDash val="solid"/>
+                      <a:round/>
+                      <a:headEnd type="none" w="med" len="med"/>
+                      <a:tailEnd type="none" w="med" len="med"/>
+                    </a:lnB>
+                    <a:lnTlToBr w="12700" cmpd="sng">
+                      <a:noFill/>
+                      <a:prstDash val="solid"/>
+                    </a:lnTlToBr>
+                    <a:lnBlToTr w="12700" cmpd="sng">
+                      <a:noFill/>
+                      <a:prstDash val="solid"/>
+                    </a:lnBlToTr>
+                    <a:solidFill>
+                      <a:schemeClr val="tx2">
+                        <a:lumMod val="85000"/>
+                      </a:schemeClr>
+                    </a:solidFill>
+                  </a:tcPr>
+                </a:tc>
+                <a:tc>
+                  <a:txBody>
+                    <a:bodyPr/>
+                    <a:lstStyle/>
+                    <a:p>
+                      <a:pPr marL="0" marR="0" indent="0" algn="l" defTabSz="914400" rtl="0" eaLnBrk="1" fontAlgn="auto" latinLnBrk="0" hangingPunct="1">
+                        <a:lnSpc>
+                          <a:spcPct val="100000"/>
+                        </a:lnSpc>
+                        <a:spcBef>
+                          <a:spcPts val="0"/>
+                        </a:spcBef>
+                        <a:spcAft>
+                          <a:spcPts val="0"/>
+                        </a:spcAft>
+                        <a:buClrTx/>
+                        <a:buSzTx/>
+                        <a:buFontTx/>
+                        <a:buNone/>
+                        <a:tabLst/>
+                        <a:defRPr/>
+                      </a:pPr>
+                      <a:r>
+                        <a:rPr lang="ru-RU" sz="1400" dirty="0" smtClean="0">
+                          <a:solidFill>
+                            <a:srgbClr val="002060"/>
+                          </a:solidFill>
+                        </a:rPr>
+                        <a:t>3 байта</a:t>
+                      </a:r>
+                      <a:endParaRPr lang="ru-RU" sz="1400" dirty="0">
+                        <a:solidFill>
+                          <a:srgbClr val="002060"/>
+                        </a:solidFill>
+                      </a:endParaRPr>
+                    </a:p>
+                  </a:txBody>
+                  <a:tcPr>
+                    <a:lnL w="12700" cap="flat" cmpd="sng" algn="ctr">
+                      <a:solidFill>
+                        <a:srgbClr val="002060"/>
+                      </a:solidFill>
+                      <a:prstDash val="solid"/>
+                      <a:round/>
+                      <a:headEnd type="none" w="med" len="med"/>
+                      <a:tailEnd type="none" w="med" len="med"/>
+                    </a:lnL>
+                    <a:lnR w="12700" cap="flat" cmpd="sng" algn="ctr">
+                      <a:solidFill>
+                        <a:srgbClr val="002060"/>
+                      </a:solidFill>
+                      <a:prstDash val="solid"/>
+                      <a:round/>
+                      <a:headEnd type="none" w="med" len="med"/>
+                      <a:tailEnd type="none" w="med" len="med"/>
+                    </a:lnR>
+                    <a:lnT w="12700" cap="flat" cmpd="sng" algn="ctr">
+                      <a:solidFill>
+                        <a:srgbClr val="002060"/>
+                      </a:solidFill>
+                      <a:prstDash val="solid"/>
+                      <a:round/>
+                      <a:headEnd type="none" w="med" len="med"/>
+                      <a:tailEnd type="none" w="med" len="med"/>
+                    </a:lnT>
+                    <a:lnB w="12700" cap="flat" cmpd="sng" algn="ctr">
+                      <a:solidFill>
+                        <a:srgbClr val="002060"/>
+                      </a:solidFill>
+                      <a:prstDash val="solid"/>
+                      <a:round/>
+                      <a:headEnd type="none" w="med" len="med"/>
+                      <a:tailEnd type="none" w="med" len="med"/>
+                    </a:lnB>
+                    <a:lnTlToBr w="12700" cmpd="sng">
+                      <a:noFill/>
+                      <a:prstDash val="solid"/>
+                    </a:lnTlToBr>
+                    <a:lnBlToTr w="12700" cmpd="sng">
+                      <a:noFill/>
+                      <a:prstDash val="solid"/>
+                    </a:lnBlToTr>
+                    <a:solidFill>
+                      <a:schemeClr val="tx2">
+                        <a:lumMod val="85000"/>
+                      </a:schemeClr>
+                    </a:solidFill>
+                  </a:tcPr>
+                </a:tc>
+                <a:tc>
+                  <a:txBody>
+                    <a:bodyPr/>
+                    <a:lstStyle/>
+                    <a:p>
+                      <a:endParaRPr lang="ru-RU" sz="1400" dirty="0">
+                        <a:solidFill>
+                          <a:srgbClr val="002060"/>
+                        </a:solidFill>
+                      </a:endParaRPr>
+                    </a:p>
+                  </a:txBody>
+                  <a:tcPr>
+                    <a:lnL w="12700" cap="flat" cmpd="sng" algn="ctr">
+                      <a:solidFill>
+                        <a:srgbClr val="002060"/>
+                      </a:solidFill>
+                      <a:prstDash val="solid"/>
+                      <a:round/>
+                      <a:headEnd type="none" w="med" len="med"/>
+                      <a:tailEnd type="none" w="med" len="med"/>
+                    </a:lnL>
+                    <a:lnR w="12700" cap="flat" cmpd="sng" algn="ctr">
+                      <a:solidFill>
+                        <a:srgbClr val="002060"/>
+                      </a:solidFill>
+                      <a:prstDash val="solid"/>
+                      <a:round/>
+                      <a:headEnd type="none" w="med" len="med"/>
+                      <a:tailEnd type="none" w="med" len="med"/>
+                    </a:lnR>
+                    <a:lnT w="12700" cap="flat" cmpd="sng" algn="ctr">
+                      <a:solidFill>
+                        <a:srgbClr val="002060"/>
+                      </a:solidFill>
+                      <a:prstDash val="solid"/>
+                      <a:round/>
+                      <a:headEnd type="none" w="med" len="med"/>
+                      <a:tailEnd type="none" w="med" len="med"/>
+                    </a:lnT>
+                    <a:lnB w="12700" cap="flat" cmpd="sng" algn="ctr">
+                      <a:solidFill>
+                        <a:srgbClr val="002060"/>
+                      </a:solidFill>
+                      <a:prstDash val="solid"/>
+                      <a:round/>
+                      <a:headEnd type="none" w="med" len="med"/>
+                      <a:tailEnd type="none" w="med" len="med"/>
+                    </a:lnB>
+                    <a:lnTlToBr w="12700" cmpd="sng">
+                      <a:noFill/>
+                      <a:prstDash val="solid"/>
+                    </a:lnTlToBr>
+                    <a:lnBlToTr w="12700" cmpd="sng">
+                      <a:noFill/>
+                      <a:prstDash val="solid"/>
+                    </a:lnBlToTr>
+                    <a:solidFill>
+                      <a:schemeClr val="tx2">
+                        <a:lumMod val="85000"/>
+                      </a:schemeClr>
+                    </a:solidFill>
+                  </a:tcPr>
+                </a:tc>
+              </a:tr>
+              <a:tr h="370840">
+                <a:tc>
+                  <a:txBody>
+                    <a:bodyPr/>
+                    <a:lstStyle/>
+                    <a:p>
+                      <a:r>
+                        <a:rPr lang="en-US" sz="1400" dirty="0" smtClean="0">
+                          <a:solidFill>
+                            <a:srgbClr val="002060"/>
+                          </a:solidFill>
+                        </a:rPr>
+                        <a:t>time</a:t>
+                      </a:r>
+                      <a:endParaRPr lang="ru-RU" sz="1400" dirty="0">
+                        <a:solidFill>
+                          <a:srgbClr val="002060"/>
+                        </a:solidFill>
+                      </a:endParaRPr>
+                    </a:p>
+                  </a:txBody>
+                  <a:tcPr>
+                    <a:lnL w="12700" cap="flat" cmpd="sng" algn="ctr">
+                      <a:solidFill>
+                        <a:srgbClr val="002060"/>
+                      </a:solidFill>
+                      <a:prstDash val="solid"/>
+                      <a:round/>
+                      <a:headEnd type="none" w="med" len="med"/>
+                      <a:tailEnd type="none" w="med" len="med"/>
+                    </a:lnL>
+                    <a:lnR w="12700" cap="flat" cmpd="sng" algn="ctr">
+                      <a:solidFill>
+                        <a:srgbClr val="002060"/>
+                      </a:solidFill>
+                      <a:prstDash val="solid"/>
+                      <a:round/>
+                      <a:headEnd type="none" w="med" len="med"/>
+                      <a:tailEnd type="none" w="med" len="med"/>
+                    </a:lnR>
+                    <a:lnT w="12700" cap="flat" cmpd="sng" algn="ctr">
+                      <a:solidFill>
+                        <a:srgbClr val="002060"/>
+                      </a:solidFill>
+                      <a:prstDash val="solid"/>
+                      <a:round/>
+                      <a:headEnd type="none" w="med" len="med"/>
+                      <a:tailEnd type="none" w="med" len="med"/>
+                    </a:lnT>
+                    <a:lnB w="12700" cap="flat" cmpd="sng" algn="ctr">
+                      <a:solidFill>
+                        <a:srgbClr val="002060"/>
+                      </a:solidFill>
+                      <a:prstDash val="solid"/>
+                      <a:round/>
+                      <a:headEnd type="none" w="med" len="med"/>
+                      <a:tailEnd type="none" w="med" len="med"/>
+                    </a:lnB>
+                    <a:lnTlToBr w="12700" cmpd="sng">
+                      <a:noFill/>
+                      <a:prstDash val="solid"/>
+                    </a:lnTlToBr>
+                    <a:lnBlToTr w="12700" cmpd="sng">
+                      <a:noFill/>
+                      <a:prstDash val="solid"/>
+                    </a:lnBlToTr>
+                    <a:solidFill>
+                      <a:schemeClr val="tx2">
+                        <a:lumMod val="85000"/>
+                      </a:schemeClr>
+                    </a:solidFill>
+                  </a:tcPr>
+                </a:tc>
+                <a:tc>
+                  <a:txBody>
+                    <a:bodyPr/>
+                    <a:lstStyle/>
+                    <a:p>
+                      <a:r>
+                        <a:rPr lang="en-US" sz="1400" dirty="0" smtClean="0">
+                          <a:solidFill>
+                            <a:srgbClr val="002060"/>
+                          </a:solidFill>
+                        </a:rPr>
+                        <a:t>00:00:00.0000000 through 23:59:59.9999999</a:t>
+                      </a:r>
+                      <a:endParaRPr lang="ru-RU" sz="1400" dirty="0">
+                        <a:solidFill>
+                          <a:srgbClr val="002060"/>
+                        </a:solidFill>
+                      </a:endParaRPr>
+                    </a:p>
+                  </a:txBody>
+                  <a:tcPr>
+                    <a:lnL w="12700" cap="flat" cmpd="sng" algn="ctr">
+                      <a:solidFill>
+                        <a:srgbClr val="002060"/>
+                      </a:solidFill>
+                      <a:prstDash val="solid"/>
+                      <a:round/>
+                      <a:headEnd type="none" w="med" len="med"/>
+                      <a:tailEnd type="none" w="med" len="med"/>
+                    </a:lnL>
+                    <a:lnR w="12700" cap="flat" cmpd="sng" algn="ctr">
+                      <a:solidFill>
+                        <a:srgbClr val="002060"/>
+                      </a:solidFill>
+                      <a:prstDash val="solid"/>
+                      <a:round/>
+                      <a:headEnd type="none" w="med" len="med"/>
+                      <a:tailEnd type="none" w="med" len="med"/>
+                    </a:lnR>
+                    <a:lnT w="12700" cap="flat" cmpd="sng" algn="ctr">
+                      <a:solidFill>
+                        <a:srgbClr val="002060"/>
+                      </a:solidFill>
+                      <a:prstDash val="solid"/>
+                      <a:round/>
+                      <a:headEnd type="none" w="med" len="med"/>
+                      <a:tailEnd type="none" w="med" len="med"/>
+                    </a:lnT>
+                    <a:lnB w="12700" cap="flat" cmpd="sng" algn="ctr">
+                      <a:solidFill>
+                        <a:srgbClr val="002060"/>
+                      </a:solidFill>
+                      <a:prstDash val="solid"/>
+                      <a:round/>
+                      <a:headEnd type="none" w="med" len="med"/>
+                      <a:tailEnd type="none" w="med" len="med"/>
+                    </a:lnB>
+                    <a:lnTlToBr w="12700" cmpd="sng">
+                      <a:noFill/>
+                      <a:prstDash val="solid"/>
+                    </a:lnTlToBr>
+                    <a:lnBlToTr w="12700" cmpd="sng">
+                      <a:noFill/>
+                      <a:prstDash val="solid"/>
+                    </a:lnBlToTr>
+                    <a:solidFill>
+                      <a:schemeClr val="tx2">
+                        <a:lumMod val="85000"/>
+                      </a:schemeClr>
+                    </a:solidFill>
+                  </a:tcPr>
+                </a:tc>
+                <a:tc>
+                  <a:txBody>
+                    <a:bodyPr/>
+                    <a:lstStyle/>
+                    <a:p>
+                      <a:r>
+                        <a:rPr lang="en-US" sz="1400" dirty="0" smtClean="0">
+                          <a:solidFill>
+                            <a:srgbClr val="002060"/>
+                          </a:solidFill>
+                        </a:rPr>
+                        <a:t>100 </a:t>
+                      </a:r>
+                      <a:r>
+                        <a:rPr lang="ru-RU" sz="1400" dirty="0" smtClean="0">
+                          <a:solidFill>
+                            <a:srgbClr val="002060"/>
+                          </a:solidFill>
+                        </a:rPr>
+                        <a:t>нс</a:t>
+                      </a:r>
+                      <a:endParaRPr lang="ru-RU" sz="1400" dirty="0">
+                        <a:solidFill>
+                          <a:srgbClr val="002060"/>
+                        </a:solidFill>
+                      </a:endParaRPr>
+                    </a:p>
+                  </a:txBody>
+                  <a:tcPr>
+                    <a:lnL w="12700" cap="flat" cmpd="sng" algn="ctr">
+                      <a:solidFill>
+                        <a:srgbClr val="002060"/>
+                      </a:solidFill>
+                      <a:prstDash val="solid"/>
+                      <a:round/>
+                      <a:headEnd type="none" w="med" len="med"/>
+                      <a:tailEnd type="none" w="med" len="med"/>
+                    </a:lnL>
+                    <a:lnR w="12700" cap="flat" cmpd="sng" algn="ctr">
+                      <a:solidFill>
+                        <a:srgbClr val="002060"/>
+                      </a:solidFill>
+                      <a:prstDash val="solid"/>
+                      <a:round/>
+                      <a:headEnd type="none" w="med" len="med"/>
+                      <a:tailEnd type="none" w="med" len="med"/>
+                    </a:lnR>
+                    <a:lnT w="12700" cap="flat" cmpd="sng" algn="ctr">
+                      <a:solidFill>
+                        <a:srgbClr val="002060"/>
+                      </a:solidFill>
+                      <a:prstDash val="solid"/>
+                      <a:round/>
+                      <a:headEnd type="none" w="med" len="med"/>
+                      <a:tailEnd type="none" w="med" len="med"/>
+                    </a:lnT>
+                    <a:lnB w="12700" cap="flat" cmpd="sng" algn="ctr">
+                      <a:solidFill>
+                        <a:srgbClr val="002060"/>
+                      </a:solidFill>
+                      <a:prstDash val="solid"/>
+                      <a:round/>
+                      <a:headEnd type="none" w="med" len="med"/>
+                      <a:tailEnd type="none" w="med" len="med"/>
+                    </a:lnB>
+                    <a:lnTlToBr w="12700" cmpd="sng">
+                      <a:noFill/>
+                      <a:prstDash val="solid"/>
+                    </a:lnTlToBr>
+                    <a:lnBlToTr w="12700" cmpd="sng">
+                      <a:noFill/>
+                      <a:prstDash val="solid"/>
+                    </a:lnBlToTr>
+                    <a:solidFill>
+                      <a:schemeClr val="tx2">
+                        <a:lumMod val="85000"/>
+                      </a:schemeClr>
+                    </a:solidFill>
+                  </a:tcPr>
+                </a:tc>
+                <a:tc>
+                  <a:txBody>
+                    <a:bodyPr/>
+                    <a:lstStyle/>
+                    <a:p>
+                      <a:pPr marL="0" marR="0" indent="0" algn="l" defTabSz="914400" rtl="0" eaLnBrk="1" fontAlgn="auto" latinLnBrk="0" hangingPunct="1">
+                        <a:lnSpc>
+                          <a:spcPct val="100000"/>
+                        </a:lnSpc>
+                        <a:spcBef>
+                          <a:spcPts val="0"/>
+                        </a:spcBef>
+                        <a:spcAft>
+                          <a:spcPts val="0"/>
+                        </a:spcAft>
+                        <a:buClrTx/>
+                        <a:buSzTx/>
+                        <a:buFontTx/>
+                        <a:buNone/>
+                        <a:tabLst/>
+                        <a:defRPr/>
+                      </a:pPr>
+                      <a:r>
+                        <a:rPr lang="en-US" sz="1400" dirty="0" smtClean="0">
+                          <a:solidFill>
+                            <a:srgbClr val="002060"/>
+                          </a:solidFill>
+                        </a:rPr>
+                        <a:t>5 </a:t>
+                      </a:r>
+                      <a:r>
+                        <a:rPr lang="en-US" sz="1400" dirty="0" err="1" smtClean="0">
+                          <a:solidFill>
+                            <a:srgbClr val="002060"/>
+                          </a:solidFill>
+                        </a:rPr>
+                        <a:t>байтов</a:t>
+                      </a:r>
+                      <a:endParaRPr lang="en-US" sz="1400" dirty="0" smtClean="0">
+                        <a:solidFill>
+                          <a:srgbClr val="002060"/>
+                        </a:solidFill>
+                      </a:endParaRPr>
+                    </a:p>
+                    <a:p>
+                      <a:endParaRPr lang="ru-RU" sz="1400" dirty="0">
+                        <a:solidFill>
+                          <a:srgbClr val="002060"/>
+                        </a:solidFill>
+                      </a:endParaRPr>
+                    </a:p>
+                  </a:txBody>
+                  <a:tcPr>
+                    <a:lnL w="12700" cap="flat" cmpd="sng" algn="ctr">
+                      <a:solidFill>
+                        <a:srgbClr val="002060"/>
+                      </a:solidFill>
+                      <a:prstDash val="solid"/>
+                      <a:round/>
+                      <a:headEnd type="none" w="med" len="med"/>
+                      <a:tailEnd type="none" w="med" len="med"/>
+                    </a:lnL>
+                    <a:lnR w="12700" cap="flat" cmpd="sng" algn="ctr">
+                      <a:solidFill>
+                        <a:srgbClr val="002060"/>
+                      </a:solidFill>
+                      <a:prstDash val="solid"/>
+                      <a:round/>
+                      <a:headEnd type="none" w="med" len="med"/>
+                      <a:tailEnd type="none" w="med" len="med"/>
+                    </a:lnR>
+                    <a:lnT w="12700" cap="flat" cmpd="sng" algn="ctr">
+                      <a:solidFill>
+                        <a:srgbClr val="002060"/>
+                      </a:solidFill>
+                      <a:prstDash val="solid"/>
+                      <a:round/>
+                      <a:headEnd type="none" w="med" len="med"/>
+                      <a:tailEnd type="none" w="med" len="med"/>
+                    </a:lnT>
+                    <a:lnB w="12700" cap="flat" cmpd="sng" algn="ctr">
+                      <a:solidFill>
+                        <a:srgbClr val="002060"/>
+                      </a:solidFill>
+                      <a:prstDash val="solid"/>
+                      <a:round/>
+                      <a:headEnd type="none" w="med" len="med"/>
+                      <a:tailEnd type="none" w="med" len="med"/>
+                    </a:lnB>
+                    <a:lnTlToBr w="12700" cmpd="sng">
+                      <a:noFill/>
+                      <a:prstDash val="solid"/>
+                    </a:lnTlToBr>
+                    <a:lnBlToTr w="12700" cmpd="sng">
+                      <a:noFill/>
+                      <a:prstDash val="solid"/>
+                    </a:lnBlToTr>
+                    <a:solidFill>
+                      <a:schemeClr val="tx2">
+                        <a:lumMod val="85000"/>
+                      </a:schemeClr>
+                    </a:solidFill>
+                  </a:tcPr>
+                </a:tc>
+                <a:tc>
+                  <a:txBody>
+                    <a:bodyPr/>
+                    <a:lstStyle/>
+                    <a:p>
+                      <a:endParaRPr lang="ru-RU" sz="1400">
+                        <a:solidFill>
+                          <a:srgbClr val="002060"/>
+                        </a:solidFill>
+                      </a:endParaRPr>
+                    </a:p>
+                  </a:txBody>
+                  <a:tcPr>
+                    <a:lnL w="12700" cap="flat" cmpd="sng" algn="ctr">
+                      <a:solidFill>
+                        <a:srgbClr val="002060"/>
+                      </a:solidFill>
+                      <a:prstDash val="solid"/>
+                      <a:round/>
+                      <a:headEnd type="none" w="med" len="med"/>
+                      <a:tailEnd type="none" w="med" len="med"/>
+                    </a:lnL>
+                    <a:lnR w="12700" cap="flat" cmpd="sng" algn="ctr">
+                      <a:solidFill>
+                        <a:srgbClr val="002060"/>
+                      </a:solidFill>
+                      <a:prstDash val="solid"/>
+                      <a:round/>
+                      <a:headEnd type="none" w="med" len="med"/>
+                      <a:tailEnd type="none" w="med" len="med"/>
+                    </a:lnR>
+                    <a:lnT w="12700" cap="flat" cmpd="sng" algn="ctr">
+                      <a:solidFill>
+                        <a:srgbClr val="002060"/>
+                      </a:solidFill>
+                      <a:prstDash val="solid"/>
+                      <a:round/>
+                      <a:headEnd type="none" w="med" len="med"/>
+                      <a:tailEnd type="none" w="med" len="med"/>
+                    </a:lnT>
+                    <a:lnB w="12700" cap="flat" cmpd="sng" algn="ctr">
+                      <a:solidFill>
+                        <a:srgbClr val="002060"/>
+                      </a:solidFill>
+                      <a:prstDash val="solid"/>
+                      <a:round/>
+                      <a:headEnd type="none" w="med" len="med"/>
+                      <a:tailEnd type="none" w="med" len="med"/>
+                    </a:lnB>
+                    <a:lnTlToBr w="12700" cmpd="sng">
+                      <a:noFill/>
+                      <a:prstDash val="solid"/>
+                    </a:lnTlToBr>
+                    <a:lnBlToTr w="12700" cmpd="sng">
+                      <a:noFill/>
+                      <a:prstDash val="solid"/>
+                    </a:lnBlToTr>
+                    <a:solidFill>
+                      <a:schemeClr val="tx2">
+                        <a:lumMod val="85000"/>
+                      </a:schemeClr>
+                    </a:solidFill>
+                  </a:tcPr>
+                </a:tc>
+              </a:tr>
+              <a:tr h="370840">
+                <a:tc>
+                  <a:txBody>
+                    <a:bodyPr/>
+                    <a:lstStyle/>
+                    <a:p>
+                      <a:r>
+                        <a:rPr lang="en-US" sz="1400" dirty="0" smtClean="0">
+                          <a:solidFill>
+                            <a:srgbClr val="002060"/>
+                          </a:solidFill>
+                        </a:rPr>
+                        <a:t>datetime2</a:t>
+                      </a:r>
+                      <a:endParaRPr lang="ru-RU" sz="1400" dirty="0">
+                        <a:solidFill>
+                          <a:srgbClr val="002060"/>
+                        </a:solidFill>
+                      </a:endParaRPr>
+                    </a:p>
+                  </a:txBody>
+                  <a:tcPr>
+                    <a:lnL w="12700" cap="flat" cmpd="sng" algn="ctr">
+                      <a:solidFill>
+                        <a:srgbClr val="002060"/>
+                      </a:solidFill>
+                      <a:prstDash val="solid"/>
+                      <a:round/>
+                      <a:headEnd type="none" w="med" len="med"/>
+                      <a:tailEnd type="none" w="med" len="med"/>
+                    </a:lnL>
+                    <a:lnR w="12700" cap="flat" cmpd="sng" algn="ctr">
+                      <a:solidFill>
+                        <a:srgbClr val="002060"/>
+                      </a:solidFill>
+                      <a:prstDash val="solid"/>
+                      <a:round/>
+                      <a:headEnd type="none" w="med" len="med"/>
+                      <a:tailEnd type="none" w="med" len="med"/>
+                    </a:lnR>
+                    <a:lnT w="12700" cap="flat" cmpd="sng" algn="ctr">
+                      <a:solidFill>
+                        <a:srgbClr val="002060"/>
+                      </a:solidFill>
+                      <a:prstDash val="solid"/>
+                      <a:round/>
+                      <a:headEnd type="none" w="med" len="med"/>
+                      <a:tailEnd type="none" w="med" len="med"/>
+                    </a:lnT>
+                    <a:lnB w="12700" cap="flat" cmpd="sng" algn="ctr">
+                      <a:solidFill>
+                        <a:srgbClr val="002060"/>
+                      </a:solidFill>
+                      <a:prstDash val="solid"/>
+                      <a:round/>
+                      <a:headEnd type="none" w="med" len="med"/>
+                      <a:tailEnd type="none" w="med" len="med"/>
+                    </a:lnB>
+                    <a:lnTlToBr w="12700" cmpd="sng">
+                      <a:noFill/>
+                      <a:prstDash val="solid"/>
+                    </a:lnTlToBr>
+                    <a:lnBlToTr w="12700" cmpd="sng">
+                      <a:noFill/>
+                      <a:prstDash val="solid"/>
+                    </a:lnBlToTr>
+                    <a:solidFill>
+                      <a:schemeClr val="tx2">
+                        <a:lumMod val="85000"/>
+                      </a:schemeClr>
+                    </a:solidFill>
+                  </a:tcPr>
+                </a:tc>
+                <a:tc>
+                  <a:txBody>
+                    <a:bodyPr/>
+                    <a:lstStyle/>
+                    <a:p>
+                      <a:r>
+                        <a:rPr lang="ru-RU" sz="1400" dirty="0" smtClean="0">
+                          <a:solidFill>
+                            <a:srgbClr val="002060"/>
+                          </a:solidFill>
+                        </a:rPr>
+                        <a:t>0001-01-01 through 9999-12-31</a:t>
+                      </a:r>
+                    </a:p>
+                  </a:txBody>
+                  <a:tcPr>
+                    <a:lnL w="12700" cap="flat" cmpd="sng" algn="ctr">
+                      <a:solidFill>
+                        <a:srgbClr val="002060"/>
+                      </a:solidFill>
+                      <a:prstDash val="solid"/>
+                      <a:round/>
+                      <a:headEnd type="none" w="med" len="med"/>
+                      <a:tailEnd type="none" w="med" len="med"/>
+                    </a:lnL>
+                    <a:lnR w="12700" cap="flat" cmpd="sng" algn="ctr">
+                      <a:solidFill>
+                        <a:srgbClr val="002060"/>
+                      </a:solidFill>
+                      <a:prstDash val="solid"/>
+                      <a:round/>
+                      <a:headEnd type="none" w="med" len="med"/>
+                      <a:tailEnd type="none" w="med" len="med"/>
+                    </a:lnR>
+                    <a:lnT w="12700" cap="flat" cmpd="sng" algn="ctr">
+                      <a:solidFill>
+                        <a:srgbClr val="002060"/>
+                      </a:solidFill>
+                      <a:prstDash val="solid"/>
+                      <a:round/>
+                      <a:headEnd type="none" w="med" len="med"/>
+                      <a:tailEnd type="none" w="med" len="med"/>
+                    </a:lnT>
+                    <a:lnB w="12700" cap="flat" cmpd="sng" algn="ctr">
+                      <a:solidFill>
+                        <a:srgbClr val="002060"/>
+                      </a:solidFill>
+                      <a:prstDash val="solid"/>
+                      <a:round/>
+                      <a:headEnd type="none" w="med" len="med"/>
+                      <a:tailEnd type="none" w="med" len="med"/>
+                    </a:lnB>
+                    <a:lnTlToBr w="12700" cmpd="sng">
+                      <a:noFill/>
+                      <a:prstDash val="solid"/>
+                    </a:lnTlToBr>
+                    <a:lnBlToTr w="12700" cmpd="sng">
+                      <a:noFill/>
+                      <a:prstDash val="solid"/>
+                    </a:lnBlToTr>
+                    <a:solidFill>
+                      <a:schemeClr val="tx2">
+                        <a:lumMod val="85000"/>
+                      </a:schemeClr>
+                    </a:solidFill>
+                  </a:tcPr>
+                </a:tc>
+                <a:tc>
+                  <a:txBody>
+                    <a:bodyPr/>
+                    <a:lstStyle/>
+                    <a:p>
+                      <a:r>
+                        <a:rPr lang="ru-RU" sz="1400" dirty="0" smtClean="0">
+                          <a:solidFill>
+                            <a:srgbClr val="002060"/>
+                          </a:solidFill>
+                        </a:rPr>
+                        <a:t>100 нс</a:t>
+                      </a:r>
+                      <a:endParaRPr lang="ru-RU" sz="1400" dirty="0">
+                        <a:solidFill>
+                          <a:srgbClr val="002060"/>
+                        </a:solidFill>
+                      </a:endParaRPr>
+                    </a:p>
+                  </a:txBody>
+                  <a:tcPr>
+                    <a:lnL w="12700" cap="flat" cmpd="sng" algn="ctr">
+                      <a:solidFill>
+                        <a:srgbClr val="002060"/>
+                      </a:solidFill>
+                      <a:prstDash val="solid"/>
+                      <a:round/>
+                      <a:headEnd type="none" w="med" len="med"/>
+                      <a:tailEnd type="none" w="med" len="med"/>
+                    </a:lnL>
+                    <a:lnR w="12700" cap="flat" cmpd="sng" algn="ctr">
+                      <a:solidFill>
+                        <a:srgbClr val="002060"/>
+                      </a:solidFill>
+                      <a:prstDash val="solid"/>
+                      <a:round/>
+                      <a:headEnd type="none" w="med" len="med"/>
+                      <a:tailEnd type="none" w="med" len="med"/>
+                    </a:lnR>
+                    <a:lnT w="12700" cap="flat" cmpd="sng" algn="ctr">
+                      <a:solidFill>
+                        <a:srgbClr val="002060"/>
+                      </a:solidFill>
+                      <a:prstDash val="solid"/>
+                      <a:round/>
+                      <a:headEnd type="none" w="med" len="med"/>
+                      <a:tailEnd type="none" w="med" len="med"/>
+                    </a:lnT>
+                    <a:lnB w="12700" cap="flat" cmpd="sng" algn="ctr">
+                      <a:solidFill>
+                        <a:srgbClr val="002060"/>
+                      </a:solidFill>
+                      <a:prstDash val="solid"/>
+                      <a:round/>
+                      <a:headEnd type="none" w="med" len="med"/>
+                      <a:tailEnd type="none" w="med" len="med"/>
+                    </a:lnB>
+                    <a:lnTlToBr w="12700" cmpd="sng">
+                      <a:noFill/>
+                      <a:prstDash val="solid"/>
+                    </a:lnTlToBr>
+                    <a:lnBlToTr w="12700" cmpd="sng">
+                      <a:noFill/>
+                      <a:prstDash val="solid"/>
+                    </a:lnBlToTr>
+                    <a:solidFill>
+                      <a:schemeClr val="tx2">
+                        <a:lumMod val="85000"/>
+                      </a:schemeClr>
+                    </a:solidFill>
+                  </a:tcPr>
+                </a:tc>
+                <a:tc>
+                  <a:txBody>
+                    <a:bodyPr/>
+                    <a:lstStyle/>
+                    <a:p>
+                      <a:pPr marL="0" marR="0" indent="0" algn="l" defTabSz="914400" rtl="0" eaLnBrk="1" fontAlgn="auto" latinLnBrk="0" hangingPunct="1">
+                        <a:lnSpc>
+                          <a:spcPct val="100000"/>
+                        </a:lnSpc>
+                        <a:spcBef>
+                          <a:spcPts val="0"/>
+                        </a:spcBef>
+                        <a:spcAft>
+                          <a:spcPts val="0"/>
+                        </a:spcAft>
+                        <a:buClrTx/>
+                        <a:buSzTx/>
+                        <a:buFontTx/>
+                        <a:buNone/>
+                        <a:tabLst/>
+                        <a:defRPr/>
+                      </a:pPr>
+                      <a:r>
+                        <a:rPr lang="ru-RU" sz="1400" dirty="0" smtClean="0">
+                          <a:solidFill>
+                            <a:srgbClr val="002060"/>
+                          </a:solidFill>
+                        </a:rPr>
+                        <a:t>от 6 до 8 байтов в зависимости от precision</a:t>
+                      </a:r>
+                      <a:endParaRPr lang="ru-RU" sz="1400" dirty="0">
+                        <a:solidFill>
+                          <a:srgbClr val="002060"/>
+                        </a:solidFill>
+                      </a:endParaRPr>
+                    </a:p>
+                  </a:txBody>
+                  <a:tcPr>
+                    <a:lnL w="12700" cap="flat" cmpd="sng" algn="ctr">
+                      <a:solidFill>
+                        <a:srgbClr val="002060"/>
+                      </a:solidFill>
+                      <a:prstDash val="solid"/>
+                      <a:round/>
+                      <a:headEnd type="none" w="med" len="med"/>
+                      <a:tailEnd type="none" w="med" len="med"/>
+                    </a:lnL>
+                    <a:lnR w="12700" cap="flat" cmpd="sng" algn="ctr">
+                      <a:solidFill>
+                        <a:srgbClr val="002060"/>
+                      </a:solidFill>
+                      <a:prstDash val="solid"/>
+                      <a:round/>
+                      <a:headEnd type="none" w="med" len="med"/>
+                      <a:tailEnd type="none" w="med" len="med"/>
+                    </a:lnR>
+                    <a:lnT w="12700" cap="flat" cmpd="sng" algn="ctr">
+                      <a:solidFill>
+                        <a:srgbClr val="002060"/>
+                      </a:solidFill>
+                      <a:prstDash val="solid"/>
+                      <a:round/>
+                      <a:headEnd type="none" w="med" len="med"/>
+                      <a:tailEnd type="none" w="med" len="med"/>
+                    </a:lnT>
+                    <a:lnB w="12700" cap="flat" cmpd="sng" algn="ctr">
+                      <a:solidFill>
+                        <a:srgbClr val="002060"/>
+                      </a:solidFill>
+                      <a:prstDash val="solid"/>
+                      <a:round/>
+                      <a:headEnd type="none" w="med" len="med"/>
+                      <a:tailEnd type="none" w="med" len="med"/>
+                    </a:lnB>
+                    <a:lnTlToBr w="12700" cmpd="sng">
+                      <a:noFill/>
+                      <a:prstDash val="solid"/>
+                    </a:lnTlToBr>
+                    <a:lnBlToTr w="12700" cmpd="sng">
+                      <a:noFill/>
+                      <a:prstDash val="solid"/>
+                    </a:lnBlToTr>
+                    <a:solidFill>
+                      <a:schemeClr val="tx2">
+                        <a:lumMod val="85000"/>
+                      </a:schemeClr>
+                    </a:solidFill>
+                  </a:tcPr>
+                </a:tc>
+                <a:tc>
+                  <a:txBody>
+                    <a:bodyPr/>
+                    <a:lstStyle/>
+                    <a:p>
+                      <a:endParaRPr lang="ru-RU" sz="1400" dirty="0">
+                        <a:solidFill>
+                          <a:srgbClr val="002060"/>
+                        </a:solidFill>
+                      </a:endParaRPr>
+                    </a:p>
+                  </a:txBody>
+                  <a:tcPr>
+                    <a:lnL w="12700" cap="flat" cmpd="sng" algn="ctr">
+                      <a:solidFill>
+                        <a:srgbClr val="002060"/>
+                      </a:solidFill>
+                      <a:prstDash val="solid"/>
+                      <a:round/>
+                      <a:headEnd type="none" w="med" len="med"/>
+                      <a:tailEnd type="none" w="med" len="med"/>
+                    </a:lnL>
+                    <a:lnR w="12700" cap="flat" cmpd="sng" algn="ctr">
+                      <a:solidFill>
+                        <a:srgbClr val="002060"/>
+                      </a:solidFill>
+                      <a:prstDash val="solid"/>
+                      <a:round/>
+                      <a:headEnd type="none" w="med" len="med"/>
+                      <a:tailEnd type="none" w="med" len="med"/>
+                    </a:lnR>
+                    <a:lnT w="12700" cap="flat" cmpd="sng" algn="ctr">
+                      <a:solidFill>
+                        <a:srgbClr val="002060"/>
+                      </a:solidFill>
+                      <a:prstDash val="solid"/>
+                      <a:round/>
+                      <a:headEnd type="none" w="med" len="med"/>
+                      <a:tailEnd type="none" w="med" len="med"/>
+                    </a:lnT>
+                    <a:lnB w="12700" cap="flat" cmpd="sng" algn="ctr">
+                      <a:solidFill>
+                        <a:srgbClr val="002060"/>
+                      </a:solidFill>
+                      <a:prstDash val="solid"/>
+                      <a:round/>
+                      <a:headEnd type="none" w="med" len="med"/>
+                      <a:tailEnd type="none" w="med" len="med"/>
+                    </a:lnB>
+                    <a:lnTlToBr w="12700" cmpd="sng">
+                      <a:noFill/>
+                      <a:prstDash val="solid"/>
+                    </a:lnTlToBr>
+                    <a:lnBlToTr w="12700" cmpd="sng">
+                      <a:noFill/>
+                      <a:prstDash val="solid"/>
+                    </a:lnBlToTr>
+                    <a:solidFill>
+                      <a:schemeClr val="tx2">
+                        <a:lumMod val="85000"/>
+                      </a:schemeClr>
+                    </a:solidFill>
+                  </a:tcPr>
+                </a:tc>
+              </a:tr>
+              <a:tr h="370840">
+                <a:tc>
+                  <a:txBody>
+                    <a:bodyPr/>
+                    <a:lstStyle/>
+                    <a:p>
+                      <a:r>
+                        <a:rPr lang="en-US" sz="1400" dirty="0" err="1" smtClean="0">
+                          <a:solidFill>
+                            <a:srgbClr val="002060"/>
+                          </a:solidFill>
+                        </a:rPr>
+                        <a:t>datetimeoffset</a:t>
+                      </a:r>
+                      <a:endParaRPr lang="ru-RU" sz="1400" dirty="0">
+                        <a:solidFill>
+                          <a:srgbClr val="002060"/>
+                        </a:solidFill>
+                      </a:endParaRPr>
+                    </a:p>
+                  </a:txBody>
+                  <a:tcPr>
+                    <a:lnL w="12700" cap="flat" cmpd="sng" algn="ctr">
+                      <a:solidFill>
+                        <a:srgbClr val="002060"/>
+                      </a:solidFill>
+                      <a:prstDash val="solid"/>
+                      <a:round/>
+                      <a:headEnd type="none" w="med" len="med"/>
+                      <a:tailEnd type="none" w="med" len="med"/>
+                    </a:lnL>
+                    <a:lnR w="12700" cap="flat" cmpd="sng" algn="ctr">
+                      <a:solidFill>
+                        <a:srgbClr val="002060"/>
+                      </a:solidFill>
+                      <a:prstDash val="solid"/>
+                      <a:round/>
+                      <a:headEnd type="none" w="med" len="med"/>
+                      <a:tailEnd type="none" w="med" len="med"/>
+                    </a:lnR>
+                    <a:lnT w="12700" cap="flat" cmpd="sng" algn="ctr">
+                      <a:solidFill>
+                        <a:srgbClr val="002060"/>
+                      </a:solidFill>
+                      <a:prstDash val="solid"/>
+                      <a:round/>
+                      <a:headEnd type="none" w="med" len="med"/>
+                      <a:tailEnd type="none" w="med" len="med"/>
+                    </a:lnT>
+                    <a:lnB w="12700" cap="flat" cmpd="sng" algn="ctr">
+                      <a:solidFill>
+                        <a:srgbClr val="002060"/>
+                      </a:solidFill>
+                      <a:prstDash val="solid"/>
+                      <a:round/>
+                      <a:headEnd type="none" w="med" len="med"/>
+                      <a:tailEnd type="none" w="med" len="med"/>
+                    </a:lnB>
+                    <a:lnTlToBr w="12700" cmpd="sng">
+                      <a:noFill/>
+                      <a:prstDash val="solid"/>
+                    </a:lnTlToBr>
+                    <a:lnBlToTr w="12700" cmpd="sng">
+                      <a:noFill/>
+                      <a:prstDash val="solid"/>
+                    </a:lnBlToTr>
+                    <a:solidFill>
+                      <a:schemeClr val="tx2">
+                        <a:lumMod val="85000"/>
+                      </a:schemeClr>
+                    </a:solidFill>
+                  </a:tcPr>
+                </a:tc>
+                <a:tc>
+                  <a:txBody>
+                    <a:bodyPr/>
+                    <a:lstStyle/>
+                    <a:p>
+                      <a:r>
+                        <a:rPr lang="en-US" sz="1400" dirty="0" smtClean="0">
+                          <a:solidFill>
+                            <a:srgbClr val="002060"/>
+                          </a:solidFill>
+                        </a:rPr>
+                        <a:t>0001-01-01 through 9999-12-31</a:t>
+                      </a:r>
+                      <a:endParaRPr lang="ru-RU" sz="1400" dirty="0">
+                        <a:solidFill>
+                          <a:srgbClr val="002060"/>
+                        </a:solidFill>
+                      </a:endParaRPr>
+                    </a:p>
+                  </a:txBody>
+                  <a:tcPr>
+                    <a:lnL w="12700" cap="flat" cmpd="sng" algn="ctr">
+                      <a:solidFill>
+                        <a:srgbClr val="002060"/>
+                      </a:solidFill>
+                      <a:prstDash val="solid"/>
+                      <a:round/>
+                      <a:headEnd type="none" w="med" len="med"/>
+                      <a:tailEnd type="none" w="med" len="med"/>
+                    </a:lnL>
+                    <a:lnR w="12700" cap="flat" cmpd="sng" algn="ctr">
+                      <a:solidFill>
+                        <a:srgbClr val="002060"/>
+                      </a:solidFill>
+                      <a:prstDash val="solid"/>
+                      <a:round/>
+                      <a:headEnd type="none" w="med" len="med"/>
+                      <a:tailEnd type="none" w="med" len="med"/>
+                    </a:lnR>
+                    <a:lnT w="12700" cap="flat" cmpd="sng" algn="ctr">
+                      <a:solidFill>
+                        <a:srgbClr val="002060"/>
+                      </a:solidFill>
+                      <a:prstDash val="solid"/>
+                      <a:round/>
+                      <a:headEnd type="none" w="med" len="med"/>
+                      <a:tailEnd type="none" w="med" len="med"/>
+                    </a:lnT>
+                    <a:lnB w="12700" cap="flat" cmpd="sng" algn="ctr">
+                      <a:solidFill>
+                        <a:srgbClr val="002060"/>
+                      </a:solidFill>
+                      <a:prstDash val="solid"/>
+                      <a:round/>
+                      <a:headEnd type="none" w="med" len="med"/>
+                      <a:tailEnd type="none" w="med" len="med"/>
+                    </a:lnB>
+                    <a:lnTlToBr w="12700" cmpd="sng">
+                      <a:noFill/>
+                      <a:prstDash val="solid"/>
+                    </a:lnTlToBr>
+                    <a:lnBlToTr w="12700" cmpd="sng">
+                      <a:noFill/>
+                      <a:prstDash val="solid"/>
+                    </a:lnBlToTr>
+                    <a:solidFill>
+                      <a:schemeClr val="tx2">
+                        <a:lumMod val="85000"/>
+                      </a:schemeClr>
+                    </a:solidFill>
+                  </a:tcPr>
+                </a:tc>
+                <a:tc>
+                  <a:txBody>
+                    <a:bodyPr/>
+                    <a:lstStyle/>
+                    <a:p>
+                      <a:r>
+                        <a:rPr lang="ru-RU" sz="1400" dirty="0" smtClean="0">
+                          <a:solidFill>
+                            <a:srgbClr val="002060"/>
+                          </a:solidFill>
+                        </a:rPr>
+                        <a:t>100 нс</a:t>
+                      </a:r>
+                      <a:endParaRPr lang="ru-RU" sz="1400" dirty="0">
+                        <a:solidFill>
+                          <a:srgbClr val="002060"/>
+                        </a:solidFill>
+                      </a:endParaRPr>
+                    </a:p>
+                  </a:txBody>
+                  <a:tcPr>
+                    <a:lnL w="12700" cap="flat" cmpd="sng" algn="ctr">
+                      <a:solidFill>
+                        <a:srgbClr val="002060"/>
+                      </a:solidFill>
+                      <a:prstDash val="solid"/>
+                      <a:round/>
+                      <a:headEnd type="none" w="med" len="med"/>
+                      <a:tailEnd type="none" w="med" len="med"/>
+                    </a:lnL>
+                    <a:lnR w="12700" cap="flat" cmpd="sng" algn="ctr">
+                      <a:solidFill>
+                        <a:srgbClr val="002060"/>
+                      </a:solidFill>
+                      <a:prstDash val="solid"/>
+                      <a:round/>
+                      <a:headEnd type="none" w="med" len="med"/>
+                      <a:tailEnd type="none" w="med" len="med"/>
+                    </a:lnR>
+                    <a:lnT w="12700" cap="flat" cmpd="sng" algn="ctr">
+                      <a:solidFill>
+                        <a:srgbClr val="002060"/>
+                      </a:solidFill>
+                      <a:prstDash val="solid"/>
+                      <a:round/>
+                      <a:headEnd type="none" w="med" len="med"/>
+                      <a:tailEnd type="none" w="med" len="med"/>
+                    </a:lnT>
+                    <a:lnB w="12700" cap="flat" cmpd="sng" algn="ctr">
+                      <a:solidFill>
+                        <a:srgbClr val="002060"/>
+                      </a:solidFill>
+                      <a:prstDash val="solid"/>
+                      <a:round/>
+                      <a:headEnd type="none" w="med" len="med"/>
+                      <a:tailEnd type="none" w="med" len="med"/>
+                    </a:lnB>
+                    <a:lnTlToBr w="12700" cmpd="sng">
+                      <a:noFill/>
+                      <a:prstDash val="solid"/>
+                    </a:lnTlToBr>
+                    <a:lnBlToTr w="12700" cmpd="sng">
+                      <a:noFill/>
+                      <a:prstDash val="solid"/>
+                    </a:lnBlToTr>
+                    <a:solidFill>
+                      <a:schemeClr val="tx2">
+                        <a:lumMod val="85000"/>
+                      </a:schemeClr>
+                    </a:solidFill>
+                  </a:tcPr>
+                </a:tc>
+                <a:tc>
+                  <a:txBody>
+                    <a:bodyPr/>
+                    <a:lstStyle/>
+                    <a:p>
+                      <a:r>
+                        <a:rPr lang="ru-RU" sz="1400" dirty="0" smtClean="0">
+                          <a:solidFill>
+                            <a:srgbClr val="002060"/>
+                          </a:solidFill>
+                        </a:rPr>
+                        <a:t>10 байтов</a:t>
+                      </a:r>
+                      <a:endParaRPr lang="ru-RU" sz="1400" dirty="0">
+                        <a:solidFill>
+                          <a:srgbClr val="002060"/>
+                        </a:solidFill>
+                      </a:endParaRPr>
+                    </a:p>
+                  </a:txBody>
+                  <a:tcPr>
+                    <a:lnL w="12700" cap="flat" cmpd="sng" algn="ctr">
+                      <a:solidFill>
+                        <a:srgbClr val="002060"/>
+                      </a:solidFill>
+                      <a:prstDash val="solid"/>
+                      <a:round/>
+                      <a:headEnd type="none" w="med" len="med"/>
+                      <a:tailEnd type="none" w="med" len="med"/>
+                    </a:lnL>
+                    <a:lnR w="12700" cap="flat" cmpd="sng" algn="ctr">
+                      <a:solidFill>
+                        <a:srgbClr val="002060"/>
+                      </a:solidFill>
+                      <a:prstDash val="solid"/>
+                      <a:round/>
+                      <a:headEnd type="none" w="med" len="med"/>
+                      <a:tailEnd type="none" w="med" len="med"/>
+                    </a:lnR>
+                    <a:lnT w="12700" cap="flat" cmpd="sng" algn="ctr">
+                      <a:solidFill>
+                        <a:srgbClr val="002060"/>
+                      </a:solidFill>
+                      <a:prstDash val="solid"/>
+                      <a:round/>
+                      <a:headEnd type="none" w="med" len="med"/>
+                      <a:tailEnd type="none" w="med" len="med"/>
+                    </a:lnT>
+                    <a:lnB w="12700" cap="flat" cmpd="sng" algn="ctr">
+                      <a:solidFill>
+                        <a:srgbClr val="002060"/>
+                      </a:solidFill>
+                      <a:prstDash val="solid"/>
+                      <a:round/>
+                      <a:headEnd type="none" w="med" len="med"/>
+                      <a:tailEnd type="none" w="med" len="med"/>
+                    </a:lnB>
+                    <a:lnTlToBr w="12700" cmpd="sng">
+                      <a:noFill/>
+                      <a:prstDash val="solid"/>
+                    </a:lnTlToBr>
+                    <a:lnBlToTr w="12700" cmpd="sng">
+                      <a:noFill/>
+                      <a:prstDash val="solid"/>
+                    </a:lnBlToTr>
+                    <a:solidFill>
+                      <a:schemeClr val="tx2">
+                        <a:lumMod val="85000"/>
+                      </a:schemeClr>
+                    </a:solidFill>
+                  </a:tcPr>
+                </a:tc>
+                <a:tc>
+                  <a:txBody>
+                    <a:bodyPr/>
+                    <a:lstStyle/>
+                    <a:p>
+                      <a:r>
+                        <a:rPr lang="ru-RU" sz="1400" dirty="0" smtClean="0">
+                          <a:solidFill>
+                            <a:srgbClr val="002060"/>
+                          </a:solidFill>
+                        </a:rPr>
+                        <a:t>Да. Без</a:t>
+                      </a:r>
+                      <a:r>
+                        <a:rPr lang="ru-RU" sz="1400" baseline="0" dirty="0" smtClean="0">
+                          <a:solidFill>
+                            <a:srgbClr val="002060"/>
+                          </a:solidFill>
+                        </a:rPr>
+                        <a:t> летнего времени.</a:t>
+                      </a:r>
+                      <a:endParaRPr lang="ru-RU" sz="1400" dirty="0">
+                        <a:solidFill>
+                          <a:srgbClr val="002060"/>
+                        </a:solidFill>
+                      </a:endParaRPr>
+                    </a:p>
+                  </a:txBody>
+                  <a:tcPr>
+                    <a:lnL w="12700" cap="flat" cmpd="sng" algn="ctr">
+                      <a:solidFill>
+                        <a:srgbClr val="002060"/>
+                      </a:solidFill>
+                      <a:prstDash val="solid"/>
+                      <a:round/>
+                      <a:headEnd type="none" w="med" len="med"/>
+                      <a:tailEnd type="none" w="med" len="med"/>
+                    </a:lnL>
+                    <a:lnR w="12700" cap="flat" cmpd="sng" algn="ctr">
+                      <a:solidFill>
+                        <a:srgbClr val="002060"/>
+                      </a:solidFill>
+                      <a:prstDash val="solid"/>
+                      <a:round/>
+                      <a:headEnd type="none" w="med" len="med"/>
+                      <a:tailEnd type="none" w="med" len="med"/>
+                    </a:lnR>
+                    <a:lnT w="12700" cap="flat" cmpd="sng" algn="ctr">
+                      <a:solidFill>
+                        <a:srgbClr val="002060"/>
+                      </a:solidFill>
+                      <a:prstDash val="solid"/>
+                      <a:round/>
+                      <a:headEnd type="none" w="med" len="med"/>
+                      <a:tailEnd type="none" w="med" len="med"/>
+                    </a:lnT>
+                    <a:lnB w="12700" cap="flat" cmpd="sng" algn="ctr">
+                      <a:solidFill>
+                        <a:srgbClr val="002060"/>
+                      </a:solidFill>
+                      <a:prstDash val="solid"/>
+                      <a:round/>
+                      <a:headEnd type="none" w="med" len="med"/>
+                      <a:tailEnd type="none" w="med" len="med"/>
+                    </a:lnB>
+                    <a:lnTlToBr w="12700" cmpd="sng">
+                      <a:noFill/>
+                      <a:prstDash val="solid"/>
+                    </a:lnTlToBr>
+                    <a:lnBlToTr w="12700" cmpd="sng">
+                      <a:noFill/>
+                      <a:prstDash val="solid"/>
+                    </a:lnBlToTr>
+                    <a:solidFill>
+                      <a:schemeClr val="tx2">
+                        <a:lumMod val="85000"/>
+                      </a:schemeClr>
+                    </a:solidFill>
+                  </a:tcPr>
+                </a:tc>
+              </a:tr>
+            </a:tbl>
+          </a:graphicData>
+        </a:graphic>
+      </p:graphicFrame>
+      <p:sp>
+        <p:nvSpPr>
+          <p:cNvPr id="7" name="Content Placeholder 5"/>
+          <p:cNvSpPr>
+            <a:spLocks noGrp="1"/>
+          </p:cNvSpPr>
+          <p:nvPr>
+            <p:ph idx="1"/>
+          </p:nvPr>
+        </p:nvSpPr>
+        <p:spPr>
+          <a:xfrm>
+            <a:off x="457200" y="5877272"/>
+            <a:ext cx="8229600" cy="576064"/>
+          </a:xfrm>
+        </p:spPr>
+        <p:txBody>
+          <a:bodyPr>
+            <a:normAutofit/>
+          </a:bodyPr>
+          <a:lstStyle/>
+          <a:p>
+            <a:pPr marL="0" indent="0">
+              <a:buNone/>
+            </a:pPr>
+            <a:r>
+              <a:rPr lang="ru-RU" sz="2400" dirty="0" smtClean="0"/>
+              <a:t>На сером фоне типы доступные в </a:t>
+            </a:r>
+            <a:r>
+              <a:rPr lang="en-US" sz="2400" dirty="0" smtClean="0"/>
+              <a:t>SQL Server 2008 </a:t>
+            </a:r>
+            <a:r>
+              <a:rPr lang="ru-RU" sz="2400" dirty="0" smtClean="0"/>
+              <a:t>и выше.</a:t>
+            </a:r>
+            <a:endParaRPr lang="ru-RU" sz="2400" dirty="0" smtClean="0"/>
+          </a:p>
+        </p:txBody>
+      </p:sp>
+    </p:spTree>
+    <p:extLst>
+      <p:ext uri="{BB962C8B-B14F-4D97-AF65-F5344CB8AC3E}">
+        <p14:creationId xmlns:p14="http://schemas.microsoft.com/office/powerpoint/2010/main" val="1880754917"/>
+      </p:ext>
+    </p:extLst>
+  </p:cSld>
+  <p:clrMapOvr>
+    <a:masterClrMapping/>
+  </p:clrMapOvr>
+  <p:timing>
+    <p:tnLst>
+      <p:par>
+        <p:cTn id="1" dur="indefinite" restart="never" nodeType="tmRoot"/>
+      </p:par>
+    </p:tnLst>
+  </p:timing>
+</p:sld>
+</file>
+
+<file path=ppt/slides/slide19.xml><?xml version="1.0" encoding="utf-8"?>
 <p:sld xmlns:a="http://schemas.openxmlformats.org/drawingml/2006/main" xmlns:r="http://schemas.openxmlformats.org/officeDocument/2006/relationships" xmlns:p="http://schemas.openxmlformats.org/presentationml/2006/main">
   <p:cSld>
     <p:spTree>
@@ -5443,1052 +8308,6 @@
     <p:extLst>
       <p:ext uri="{BB962C8B-B14F-4D97-AF65-F5344CB8AC3E}">
         <p14:creationId xmlns:p14="http://schemas.microsoft.com/office/powerpoint/2010/main" val="2387972453"/>
-      </p:ext>
-    </p:extLst>
-  </p:cSld>
-  <p:clrMapOvr>
-    <a:masterClrMapping/>
-  </p:clrMapOvr>
-  <p:timing>
-    <p:tnLst>
-      <p:par>
-        <p:cTn id="1" dur="indefinite" restart="never" nodeType="tmRoot"/>
-      </p:par>
-    </p:tnLst>
-  </p:timing>
-</p:sld>
-</file>
-
-<file path=ppt/slides/slide18.xml><?xml version="1.0" encoding="utf-8"?>
-<p:sld xmlns:a="http://schemas.openxmlformats.org/drawingml/2006/main" xmlns:r="http://schemas.openxmlformats.org/officeDocument/2006/relationships" xmlns:p="http://schemas.openxmlformats.org/presentationml/2006/main">
-  <p:cSld>
-    <p:spTree>
-      <p:nvGrpSpPr>
-        <p:cNvPr id="1" name=""/>
-        <p:cNvGrpSpPr/>
-        <p:nvPr/>
-      </p:nvGrpSpPr>
-      <p:grpSpPr>
-        <a:xfrm>
-          <a:off x="0" y="0"/>
-          <a:ext cx="0" cy="0"/>
-          <a:chOff x="0" y="0"/>
-          <a:chExt cx="0" cy="0"/>
-        </a:xfrm>
-      </p:grpSpPr>
-      <p:sp>
-        <p:nvSpPr>
-          <p:cNvPr id="6146" name="Прямоугольник 4"/>
-          <p:cNvSpPr>
-            <a:spLocks noChangeArrowheads="1"/>
-          </p:cNvSpPr>
-          <p:nvPr/>
-        </p:nvSpPr>
-        <p:spPr bwMode="auto">
-          <a:xfrm>
-            <a:off x="152400" y="381000"/>
-            <a:ext cx="8839200" cy="830263"/>
-          </a:xfrm>
-          <a:prstGeom prst="rect">
-            <a:avLst/>
-          </a:prstGeom>
-          <a:noFill/>
-          <a:ln>
-            <a:noFill/>
-          </a:ln>
-          <a:extLst>
-            <a:ext uri="{909E8E84-426E-40DD-AFC4-6F175D3DCCD1}">
-              <a14:hiddenFill xmlns:a14="http://schemas.microsoft.com/office/drawing/2010/main">
-                <a:solidFill>
-                  <a:srgbClr val="FFFFFF"/>
-                </a:solidFill>
-              </a14:hiddenFill>
-            </a:ext>
-            <a:ext uri="{91240B29-F687-4F45-9708-019B960494DF}">
-              <a14:hiddenLine xmlns:a14="http://schemas.microsoft.com/office/drawing/2010/main" w="9525">
-                <a:solidFill>
-                  <a:srgbClr val="000000"/>
-                </a:solidFill>
-                <a:miter lim="800000"/>
-                <a:headEnd/>
-                <a:tailEnd/>
-              </a14:hiddenLine>
-            </a:ext>
-          </a:extLst>
-        </p:spPr>
-        <p:txBody>
-          <a:bodyPr>
-            <a:spAutoFit/>
-          </a:bodyPr>
-          <a:lstStyle/>
-          <a:p>
-            <a:r>
-              <a:rPr lang="ru-RU" sz="1200"/>
-              <a:t>Для управления базами данных используются следующие команды</a:t>
-            </a:r>
-            <a:r>
-              <a:rPr lang="en-US" sz="1200"/>
-              <a:t>:</a:t>
-            </a:r>
-          </a:p>
-          <a:p>
-            <a:pPr lvl="1"/>
-            <a:r>
-              <a:rPr lang="ru-RU" sz="1200"/>
-              <a:t>• CREATE - определить и создать объект базы данных; </a:t>
-            </a:r>
-          </a:p>
-          <a:p>
-            <a:pPr lvl="1"/>
-            <a:r>
-              <a:rPr lang="ru-RU" sz="1200"/>
-              <a:t>• ALTER - изменить определение объекта базы данных; </a:t>
-            </a:r>
-          </a:p>
-          <a:p>
-            <a:pPr lvl="1"/>
-            <a:r>
-              <a:rPr lang="ru-RU" sz="1200"/>
-              <a:t>• DROP - удалить существующий объект базы данных. </a:t>
-            </a:r>
-            <a:endParaRPr lang="en-US" sz="1200"/>
-          </a:p>
-        </p:txBody>
-      </p:sp>
-      <p:sp>
-        <p:nvSpPr>
-          <p:cNvPr id="4" name="Прямоугольник 3"/>
-          <p:cNvSpPr/>
-          <p:nvPr/>
-        </p:nvSpPr>
-        <p:spPr>
-          <a:xfrm>
-            <a:off x="152400" y="4648200"/>
-            <a:ext cx="8839200" cy="2124075"/>
-          </a:xfrm>
-          <a:prstGeom prst="rect">
-            <a:avLst/>
-          </a:prstGeom>
-          <a:ln>
-            <a:solidFill>
-              <a:schemeClr val="bg1">
-                <a:lumMod val="65000"/>
-              </a:schemeClr>
-            </a:solidFill>
-          </a:ln>
-        </p:spPr>
-        <p:txBody>
-          <a:bodyPr>
-            <a:spAutoFit/>
-          </a:bodyPr>
-          <a:lstStyle/>
-          <a:p>
-            <a:pPr lvl="1">
-              <a:defRPr/>
-            </a:pPr>
-            <a:r>
-              <a:rPr lang="en-US" sz="1200" dirty="0">
-                <a:latin typeface="Courier New" pitchFamily="49" charset="0"/>
-                <a:cs typeface="Courier New" pitchFamily="49" charset="0"/>
-              </a:rPr>
-              <a:t>CREATE TABLE student ( </a:t>
-            </a:r>
-          </a:p>
-          <a:p>
-            <a:pPr lvl="2">
-              <a:defRPr/>
-            </a:pPr>
-            <a:r>
-              <a:rPr lang="en-US" sz="1200" dirty="0" err="1">
-                <a:latin typeface="Courier New" pitchFamily="49" charset="0"/>
-                <a:cs typeface="Courier New" pitchFamily="49" charset="0"/>
-              </a:rPr>
-              <a:t>student_ID</a:t>
-            </a:r>
-            <a:r>
-              <a:rPr lang="en-US" sz="1200" dirty="0">
-                <a:latin typeface="Courier New" pitchFamily="49" charset="0"/>
-                <a:cs typeface="Courier New" pitchFamily="49" charset="0"/>
-              </a:rPr>
-              <a:t>  integer   NOT NULL, </a:t>
-            </a:r>
-          </a:p>
-          <a:p>
-            <a:pPr lvl="2">
-              <a:defRPr/>
-            </a:pPr>
-            <a:r>
-              <a:rPr lang="en-US" sz="1200" dirty="0">
-                <a:latin typeface="Courier New" pitchFamily="49" charset="0"/>
-                <a:cs typeface="Courier New" pitchFamily="49" charset="0"/>
-              </a:rPr>
-              <a:t>name        char(100), </a:t>
-            </a:r>
-          </a:p>
-          <a:p>
-            <a:pPr lvl="2">
-              <a:defRPr/>
-            </a:pPr>
-            <a:r>
-              <a:rPr lang="en-US" sz="1200" dirty="0">
-                <a:latin typeface="Courier New" pitchFamily="49" charset="0"/>
-                <a:cs typeface="Courier New" pitchFamily="49" charset="0"/>
-              </a:rPr>
-              <a:t>rating      float     DEFAULT 0.0, </a:t>
-            </a:r>
-          </a:p>
-          <a:p>
-            <a:pPr lvl="2">
-              <a:defRPr/>
-            </a:pPr>
-            <a:r>
-              <a:rPr lang="en-US" sz="1200" dirty="0" err="1">
-                <a:latin typeface="Courier New" pitchFamily="49" charset="0"/>
-                <a:cs typeface="Courier New" pitchFamily="49" charset="0"/>
-              </a:rPr>
-              <a:t>group_ID</a:t>
-            </a:r>
-            <a:r>
-              <a:rPr lang="en-US" sz="1200" dirty="0">
-                <a:latin typeface="Courier New" pitchFamily="49" charset="0"/>
-                <a:cs typeface="Courier New" pitchFamily="49" charset="0"/>
-              </a:rPr>
-              <a:t>    integer, </a:t>
-            </a:r>
-          </a:p>
-          <a:p>
-            <a:pPr lvl="2">
-              <a:defRPr/>
-            </a:pPr>
-            <a:r>
-              <a:rPr lang="en-US" sz="1200" dirty="0">
-                <a:latin typeface="Courier New" pitchFamily="49" charset="0"/>
-                <a:cs typeface="Courier New" pitchFamily="49" charset="0"/>
-              </a:rPr>
-              <a:t>PRIMARY KEY (</a:t>
-            </a:r>
-            <a:r>
-              <a:rPr lang="en-US" sz="1200" dirty="0" err="1">
-                <a:latin typeface="Courier New" pitchFamily="49" charset="0"/>
-                <a:cs typeface="Courier New" pitchFamily="49" charset="0"/>
-              </a:rPr>
-              <a:t>student_ID</a:t>
-            </a:r>
-            <a:r>
-              <a:rPr lang="en-US" sz="1200" dirty="0">
-                <a:latin typeface="Courier New" pitchFamily="49" charset="0"/>
-                <a:cs typeface="Courier New" pitchFamily="49" charset="0"/>
-              </a:rPr>
-              <a:t>), </a:t>
-            </a:r>
-          </a:p>
-          <a:p>
-            <a:pPr lvl="2">
-              <a:defRPr/>
-            </a:pPr>
-            <a:r>
-              <a:rPr lang="en-US" sz="1200" dirty="0">
-                <a:latin typeface="Courier New" pitchFamily="49" charset="0"/>
-                <a:cs typeface="Courier New" pitchFamily="49" charset="0"/>
-              </a:rPr>
-              <a:t>FOREIGN KEY (</a:t>
-            </a:r>
-            <a:r>
-              <a:rPr lang="en-US" sz="1200" dirty="0" err="1">
-                <a:latin typeface="Courier New" pitchFamily="49" charset="0"/>
-                <a:cs typeface="Courier New" pitchFamily="49" charset="0"/>
-              </a:rPr>
-              <a:t>group_ID</a:t>
-            </a:r>
-            <a:r>
-              <a:rPr lang="en-US" sz="1200" dirty="0">
-                <a:latin typeface="Courier New" pitchFamily="49" charset="0"/>
-                <a:cs typeface="Courier New" pitchFamily="49" charset="0"/>
-              </a:rPr>
-              <a:t>) REFERENCES group </a:t>
-            </a:r>
-          </a:p>
-          <a:p>
-            <a:pPr lvl="2">
-              <a:defRPr/>
-            </a:pPr>
-            <a:r>
-              <a:rPr lang="en-US" sz="1200" dirty="0">
-                <a:latin typeface="Courier New" pitchFamily="49" charset="0"/>
-                <a:cs typeface="Courier New" pitchFamily="49" charset="0"/>
-              </a:rPr>
-              <a:t>ON UPDATE  CASCADE,</a:t>
-            </a:r>
-          </a:p>
-          <a:p>
-            <a:pPr lvl="2">
-              <a:defRPr/>
-            </a:pPr>
-            <a:r>
-              <a:rPr lang="en-US" sz="1200" dirty="0">
-                <a:latin typeface="Courier New" pitchFamily="49" charset="0"/>
-                <a:cs typeface="Courier New" pitchFamily="49" charset="0"/>
-              </a:rPr>
-              <a:t>CONSTRAINT </a:t>
-            </a:r>
-            <a:r>
-              <a:rPr lang="en-US" sz="1200" dirty="0" err="1">
-                <a:latin typeface="Courier New" pitchFamily="49" charset="0"/>
-                <a:cs typeface="Courier New" pitchFamily="49" charset="0"/>
-              </a:rPr>
-              <a:t>rating_OK</a:t>
-            </a:r>
-            <a:r>
-              <a:rPr lang="en-US" sz="1200" dirty="0">
-                <a:latin typeface="Courier New" pitchFamily="49" charset="0"/>
-                <a:cs typeface="Courier New" pitchFamily="49" charset="0"/>
-              </a:rPr>
-              <a:t> CHECK ((rating &gt; 0) and (rating &lt;= 10.0)), </a:t>
-            </a:r>
-          </a:p>
-          <a:p>
-            <a:pPr lvl="2">
-              <a:defRPr/>
-            </a:pPr>
-            <a:r>
-              <a:rPr lang="en-US" sz="1200" dirty="0">
-                <a:latin typeface="Courier New" pitchFamily="49" charset="0"/>
-                <a:cs typeface="Courier New" pitchFamily="49" charset="0"/>
-              </a:rPr>
-              <a:t>CONSTRAINT </a:t>
-            </a:r>
-            <a:r>
-              <a:rPr lang="en-US" sz="1200" dirty="0" err="1">
-                <a:latin typeface="Courier New" pitchFamily="49" charset="0"/>
-                <a:cs typeface="Courier New" pitchFamily="49" charset="0"/>
-              </a:rPr>
-              <a:t>student_ID_OK</a:t>
-            </a:r>
-            <a:r>
-              <a:rPr lang="en-US" sz="1200" dirty="0">
-                <a:latin typeface="Courier New" pitchFamily="49" charset="0"/>
-                <a:cs typeface="Courier New" pitchFamily="49" charset="0"/>
-              </a:rPr>
-              <a:t> CHECK (</a:t>
-            </a:r>
-            <a:r>
-              <a:rPr lang="en-US" sz="1200" dirty="0" err="1">
-                <a:latin typeface="Courier New" pitchFamily="49" charset="0"/>
-                <a:cs typeface="Courier New" pitchFamily="49" charset="0"/>
-              </a:rPr>
-              <a:t>student_ID</a:t>
-            </a:r>
-            <a:r>
-              <a:rPr lang="en-US" sz="1200" dirty="0">
-                <a:latin typeface="Courier New" pitchFamily="49" charset="0"/>
-                <a:cs typeface="Courier New" pitchFamily="49" charset="0"/>
-              </a:rPr>
-              <a:t> &gt; 0)</a:t>
-            </a:r>
-          </a:p>
-          <a:p>
-            <a:pPr lvl="1">
-              <a:defRPr/>
-            </a:pPr>
-            <a:r>
-              <a:rPr lang="en-US" sz="1200" dirty="0">
-                <a:latin typeface="Courier New" pitchFamily="49" charset="0"/>
-                <a:cs typeface="Courier New" pitchFamily="49" charset="0"/>
-              </a:rPr>
-              <a:t>); </a:t>
-            </a:r>
-          </a:p>
-        </p:txBody>
-      </p:sp>
-      <p:sp>
-        <p:nvSpPr>
-          <p:cNvPr id="6148" name="Прямоугольник 5"/>
-          <p:cNvSpPr>
-            <a:spLocks noChangeArrowheads="1"/>
-          </p:cNvSpPr>
-          <p:nvPr/>
-        </p:nvSpPr>
-        <p:spPr bwMode="auto">
-          <a:xfrm>
-            <a:off x="152400" y="1219200"/>
-            <a:ext cx="8839200" cy="3324225"/>
-          </a:xfrm>
-          <a:prstGeom prst="rect">
-            <a:avLst/>
-          </a:prstGeom>
-          <a:noFill/>
-          <a:ln w="9525">
-            <a:solidFill>
-              <a:srgbClr val="FF0000"/>
-            </a:solidFill>
-            <a:miter lim="800000"/>
-            <a:headEnd/>
-            <a:tailEnd/>
-          </a:ln>
-          <a:extLst>
-            <a:ext uri="{909E8E84-426E-40DD-AFC4-6F175D3DCCD1}">
-              <a14:hiddenFill xmlns:a14="http://schemas.microsoft.com/office/drawing/2010/main">
-                <a:solidFill>
-                  <a:srgbClr val="FFFFFF"/>
-                </a:solidFill>
-              </a14:hiddenFill>
-            </a:ext>
-          </a:extLst>
-        </p:spPr>
-        <p:txBody>
-          <a:bodyPr>
-            <a:spAutoFit/>
-          </a:bodyPr>
-          <a:lstStyle/>
-          <a:p>
-            <a:endParaRPr lang="be-BY" sz="1000">
-              <a:latin typeface="Courier New" pitchFamily="49" charset="0"/>
-              <a:cs typeface="Courier New" pitchFamily="49" charset="0"/>
-            </a:endParaRPr>
-          </a:p>
-          <a:p>
-            <a:pPr lvl="1"/>
-            <a:r>
-              <a:rPr lang="en-US" sz="1000">
-                <a:latin typeface="Courier New" pitchFamily="49" charset="0"/>
-                <a:cs typeface="Courier New" pitchFamily="49" charset="0"/>
-              </a:rPr>
-              <a:t>CREATE TABLE table_name ( </a:t>
-            </a:r>
-          </a:p>
-          <a:p>
-            <a:pPr lvl="2"/>
-            <a:r>
-              <a:rPr lang="en-US" sz="1000">
-                <a:latin typeface="Courier New" pitchFamily="49" charset="0"/>
-                <a:cs typeface="Courier New" pitchFamily="49" charset="0"/>
-              </a:rPr>
-              <a:t>{</a:t>
-            </a:r>
-          </a:p>
-          <a:p>
-            <a:pPr lvl="2"/>
-            <a:r>
-              <a:rPr lang="en-US" sz="1000">
-                <a:latin typeface="Courier New" pitchFamily="49" charset="0"/>
-                <a:cs typeface="Courier New" pitchFamily="49" charset="0"/>
-              </a:rPr>
-              <a:t>	column_name data_type [NOT NULL] [UNIQUE] </a:t>
-            </a:r>
-          </a:p>
-          <a:p>
-            <a:pPr lvl="2"/>
-            <a:r>
-              <a:rPr lang="en-US" sz="1000">
-                <a:latin typeface="Courier New" pitchFamily="49" charset="0"/>
-                <a:cs typeface="Courier New" pitchFamily="49" charset="0"/>
-              </a:rPr>
-              <a:t>	[DEFAULT default_option] [CHECK (search_condition)] [, …]</a:t>
-            </a:r>
-          </a:p>
-          <a:p>
-            <a:pPr lvl="2"/>
-            <a:r>
-              <a:rPr lang="en-US" sz="1000">
-                <a:latin typeface="Courier New" pitchFamily="49" charset="0"/>
-                <a:cs typeface="Courier New" pitchFamily="49" charset="0"/>
-              </a:rPr>
-              <a:t>} </a:t>
-            </a:r>
-            <a:endParaRPr lang="be-BY" sz="1000">
-              <a:latin typeface="Courier New" pitchFamily="49" charset="0"/>
-              <a:cs typeface="Courier New" pitchFamily="49" charset="0"/>
-            </a:endParaRPr>
-          </a:p>
-          <a:p>
-            <a:pPr lvl="2"/>
-            <a:r>
-              <a:rPr lang="en-US" sz="1000">
-                <a:latin typeface="Courier New" pitchFamily="49" charset="0"/>
-                <a:cs typeface="Courier New" pitchFamily="49" charset="0"/>
-              </a:rPr>
-              <a:t>[PRIMARY KEY (list_of_columns) [,]] </a:t>
-            </a:r>
-          </a:p>
-          <a:p>
-            <a:pPr lvl="2"/>
-            <a:r>
-              <a:rPr lang="en-US" sz="1000">
-                <a:latin typeface="Courier New" pitchFamily="49" charset="0"/>
-                <a:cs typeface="Courier New" pitchFamily="49" charset="0"/>
-              </a:rPr>
-              <a:t>{</a:t>
-            </a:r>
-          </a:p>
-          <a:p>
-            <a:pPr lvl="2"/>
-            <a:r>
-              <a:rPr lang="en-US" sz="1000">
-                <a:latin typeface="Courier New" pitchFamily="49" charset="0"/>
-                <a:cs typeface="Courier New" pitchFamily="49" charset="0"/>
-              </a:rPr>
-              <a:t>   [UNIQUE (list_of_columns), [, …]</a:t>
-            </a:r>
-          </a:p>
-          <a:p>
-            <a:pPr lvl="2"/>
-            <a:r>
-              <a:rPr lang="en-US" sz="1000">
-                <a:latin typeface="Courier New" pitchFamily="49" charset="0"/>
-                <a:cs typeface="Courier New" pitchFamily="49" charset="0"/>
-              </a:rPr>
-              <a:t>} </a:t>
-            </a:r>
-          </a:p>
-          <a:p>
-            <a:pPr lvl="2"/>
-            <a:r>
-              <a:rPr lang="en-US" sz="1000">
-                <a:latin typeface="Courier New" pitchFamily="49" charset="0"/>
-                <a:cs typeface="Courier New" pitchFamily="49" charset="0"/>
-              </a:rPr>
-              <a:t>{</a:t>
-            </a:r>
-          </a:p>
-          <a:p>
-            <a:pPr lvl="2"/>
-            <a:r>
-              <a:rPr lang="en-US" sz="1000">
-                <a:latin typeface="Courier New" pitchFamily="49" charset="0"/>
-                <a:cs typeface="Courier New" pitchFamily="49" charset="0"/>
-              </a:rPr>
-              <a:t>[   FOREIGN KEY (list_of_foreign_key_columns) </a:t>
-            </a:r>
-          </a:p>
-          <a:p>
-            <a:pPr lvl="2"/>
-            <a:r>
-              <a:rPr lang="en-US" sz="1000">
-                <a:latin typeface="Courier New" pitchFamily="49" charset="0"/>
-                <a:cs typeface="Courier New" pitchFamily="49" charset="0"/>
-              </a:rPr>
-              <a:t>    REFERENCES parent_table_name [(list_of_candidate_key_columns)], </a:t>
-            </a:r>
-          </a:p>
-          <a:p>
-            <a:pPr lvl="2"/>
-            <a:r>
-              <a:rPr lang="en-US" sz="1000">
-                <a:latin typeface="Courier New" pitchFamily="49" charset="0"/>
-                <a:cs typeface="Courier New" pitchFamily="49" charset="0"/>
-              </a:rPr>
-              <a:t>    [MATCH {PARTIAL | FULL}] </a:t>
-            </a:r>
-          </a:p>
-          <a:p>
-            <a:pPr lvl="2"/>
-            <a:r>
-              <a:rPr lang="en-US" sz="1000">
-                <a:latin typeface="Courier New" pitchFamily="49" charset="0"/>
-                <a:cs typeface="Courier New" pitchFamily="49" charset="0"/>
-              </a:rPr>
-              <a:t>    [ON UPDATE referential_action] </a:t>
-            </a:r>
-          </a:p>
-          <a:p>
-            <a:pPr lvl="2"/>
-            <a:r>
-              <a:rPr lang="en-US" sz="1000">
-                <a:latin typeface="Courier New" pitchFamily="49" charset="0"/>
-                <a:cs typeface="Courier New" pitchFamily="49" charset="0"/>
-              </a:rPr>
-              <a:t>    [ON DELETE referential_action] </a:t>
-            </a:r>
-          </a:p>
-          <a:p>
-            <a:pPr lvl="2"/>
-            <a:r>
-              <a:rPr lang="be-BY" sz="1000">
-                <a:latin typeface="Courier New" pitchFamily="49" charset="0"/>
-                <a:cs typeface="Courier New" pitchFamily="49" charset="0"/>
-              </a:rPr>
-              <a:t>] [, …]} </a:t>
-            </a:r>
-          </a:p>
-          <a:p>
-            <a:pPr lvl="2"/>
-            <a:r>
-              <a:rPr lang="en-US" sz="1000">
-                <a:latin typeface="Courier New" pitchFamily="49" charset="0"/>
-                <a:cs typeface="Courier New" pitchFamily="49" charset="0"/>
-              </a:rPr>
-              <a:t>{</a:t>
-            </a:r>
-          </a:p>
-          <a:p>
-            <a:pPr lvl="2"/>
-            <a:r>
-              <a:rPr lang="en-US" sz="1000">
-                <a:latin typeface="Courier New" pitchFamily="49" charset="0"/>
-                <a:cs typeface="Courier New" pitchFamily="49" charset="0"/>
-              </a:rPr>
-              <a:t>    [CHECK (search_condition)] [, …]</a:t>
-            </a:r>
-          </a:p>
-          <a:p>
-            <a:pPr lvl="2"/>
-            <a:r>
-              <a:rPr lang="en-US" sz="1000">
-                <a:latin typeface="Courier New" pitchFamily="49" charset="0"/>
-                <a:cs typeface="Courier New" pitchFamily="49" charset="0"/>
-              </a:rPr>
-              <a:t>}</a:t>
-            </a:r>
-          </a:p>
-          <a:p>
-            <a:pPr lvl="1"/>
-            <a:r>
-              <a:rPr lang="be-BY" sz="1000">
-                <a:latin typeface="Courier New" pitchFamily="49" charset="0"/>
-                <a:cs typeface="Courier New" pitchFamily="49" charset="0"/>
-              </a:rPr>
-              <a:t>)</a:t>
-            </a:r>
-          </a:p>
-        </p:txBody>
-      </p:sp>
-      <p:sp>
-        <p:nvSpPr>
-          <p:cNvPr id="6149" name="Прямоугольник 2"/>
-          <p:cNvSpPr>
-            <a:spLocks noChangeArrowheads="1"/>
-          </p:cNvSpPr>
-          <p:nvPr/>
-        </p:nvSpPr>
-        <p:spPr bwMode="auto">
-          <a:xfrm>
-            <a:off x="152400" y="0"/>
-            <a:ext cx="8839200" cy="461963"/>
-          </a:xfrm>
-          <a:prstGeom prst="rect">
-            <a:avLst/>
-          </a:prstGeom>
-          <a:noFill/>
-          <a:ln>
-            <a:noFill/>
-          </a:ln>
-          <a:extLst>
-            <a:ext uri="{909E8E84-426E-40DD-AFC4-6F175D3DCCD1}">
-              <a14:hiddenFill xmlns:a14="http://schemas.microsoft.com/office/drawing/2010/main">
-                <a:solidFill>
-                  <a:srgbClr val="FFFFFF"/>
-                </a:solidFill>
-              </a14:hiddenFill>
-            </a:ext>
-            <a:ext uri="{91240B29-F687-4F45-9708-019B960494DF}">
-              <a14:hiddenLine xmlns:a14="http://schemas.microsoft.com/office/drawing/2010/main" w="9525">
-                <a:solidFill>
-                  <a:srgbClr val="000000"/>
-                </a:solidFill>
-                <a:miter lim="800000"/>
-                <a:headEnd/>
-                <a:tailEnd/>
-              </a14:hiddenLine>
-            </a:ext>
-          </a:extLst>
-        </p:spPr>
-        <p:txBody>
-          <a:bodyPr>
-            <a:spAutoFit/>
-          </a:bodyPr>
-          <a:lstStyle/>
-          <a:p>
-            <a:pPr algn="ctr"/>
-            <a:r>
-              <a:rPr lang="ru-RU" sz="2400" b="1"/>
-              <a:t>Работа с таблицами.</a:t>
-            </a:r>
-            <a:endParaRPr lang="be-BY" sz="2400" b="1"/>
-          </a:p>
-        </p:txBody>
-      </p:sp>
-    </p:spTree>
-    <p:extLst>
-      <p:ext uri="{BB962C8B-B14F-4D97-AF65-F5344CB8AC3E}">
-        <p14:creationId xmlns:p14="http://schemas.microsoft.com/office/powerpoint/2010/main" val="319265010"/>
-      </p:ext>
-    </p:extLst>
-  </p:cSld>
-  <p:clrMapOvr>
-    <a:masterClrMapping/>
-  </p:clrMapOvr>
-  <p:timing>
-    <p:tnLst>
-      <p:par>
-        <p:cTn id="1" dur="indefinite" restart="never" nodeType="tmRoot"/>
-      </p:par>
-    </p:tnLst>
-  </p:timing>
-</p:sld>
-</file>
-
-<file path=ppt/slides/slide19.xml><?xml version="1.0" encoding="utf-8"?>
-<p:sld xmlns:a="http://schemas.openxmlformats.org/drawingml/2006/main" xmlns:r="http://schemas.openxmlformats.org/officeDocument/2006/relationships" xmlns:p="http://schemas.openxmlformats.org/presentationml/2006/main">
-  <p:cSld>
-    <p:spTree>
-      <p:nvGrpSpPr>
-        <p:cNvPr id="1" name=""/>
-        <p:cNvGrpSpPr/>
-        <p:nvPr/>
-      </p:nvGrpSpPr>
-      <p:grpSpPr>
-        <a:xfrm>
-          <a:off x="0" y="0"/>
-          <a:ext cx="0" cy="0"/>
-          <a:chOff x="0" y="0"/>
-          <a:chExt cx="0" cy="0"/>
-        </a:xfrm>
-      </p:grpSpPr>
-      <p:sp>
-        <p:nvSpPr>
-          <p:cNvPr id="7170" name="Прямоугольник 2"/>
-          <p:cNvSpPr>
-            <a:spLocks noChangeArrowheads="1"/>
-          </p:cNvSpPr>
-          <p:nvPr/>
-        </p:nvSpPr>
-        <p:spPr bwMode="auto">
-          <a:xfrm>
-            <a:off x="152400" y="487363"/>
-            <a:ext cx="8839200" cy="2062162"/>
-          </a:xfrm>
-          <a:prstGeom prst="rect">
-            <a:avLst/>
-          </a:prstGeom>
-          <a:noFill/>
-          <a:ln w="9525">
-            <a:solidFill>
-              <a:srgbClr val="FF0000"/>
-            </a:solidFill>
-            <a:miter lim="800000"/>
-            <a:headEnd/>
-            <a:tailEnd/>
-          </a:ln>
-          <a:extLst>
-            <a:ext uri="{909E8E84-426E-40DD-AFC4-6F175D3DCCD1}">
-              <a14:hiddenFill xmlns:a14="http://schemas.microsoft.com/office/drawing/2010/main">
-                <a:solidFill>
-                  <a:srgbClr val="FFFFFF"/>
-                </a:solidFill>
-              </a14:hiddenFill>
-            </a:ext>
-          </a:extLst>
-        </p:spPr>
-        <p:txBody>
-          <a:bodyPr>
-            <a:spAutoFit/>
-          </a:bodyPr>
-          <a:lstStyle/>
-          <a:p>
-            <a:pPr lvl="1"/>
-            <a:r>
-              <a:rPr lang="en-US" sz="1600">
-                <a:latin typeface="Courier New" pitchFamily="49" charset="0"/>
-                <a:cs typeface="Courier New" pitchFamily="49" charset="0"/>
-              </a:rPr>
-              <a:t>ALTER TABLE table_name </a:t>
-            </a:r>
-          </a:p>
-          <a:p>
-            <a:pPr lvl="1"/>
-            <a:r>
-              <a:rPr lang="en-US" sz="1600">
-                <a:latin typeface="Courier New" pitchFamily="49" charset="0"/>
-                <a:cs typeface="Courier New" pitchFamily="49" charset="0"/>
-              </a:rPr>
-              <a:t>[ADD [COLUMN] column_name data_type [NOT NULL] [UNIQUE] </a:t>
-            </a:r>
-          </a:p>
-          <a:p>
-            <a:pPr lvl="1"/>
-            <a:r>
-              <a:rPr lang="en-US" sz="1600">
-                <a:latin typeface="Courier New" pitchFamily="49" charset="0"/>
-                <a:cs typeface="Courier New" pitchFamily="49" charset="0"/>
-              </a:rPr>
-              <a:t>[DEFAULT default_option] [CHECK (search_condition)]] </a:t>
-            </a:r>
-          </a:p>
-          <a:p>
-            <a:pPr lvl="1"/>
-            <a:r>
-              <a:rPr lang="en-US" sz="1600">
-                <a:latin typeface="Courier New" pitchFamily="49" charset="0"/>
-                <a:cs typeface="Courier New" pitchFamily="49" charset="0"/>
-              </a:rPr>
-              <a:t>[DROP [COLUMN] column_name [RESTRICT | CASCADE]] </a:t>
-            </a:r>
-          </a:p>
-          <a:p>
-            <a:pPr lvl="1"/>
-            <a:r>
-              <a:rPr lang="en-US" sz="1600">
-                <a:latin typeface="Courier New" pitchFamily="49" charset="0"/>
-                <a:cs typeface="Courier New" pitchFamily="49" charset="0"/>
-              </a:rPr>
-              <a:t>[ADD [CONSTRAINT constraint_name] table_constraint_defenition] </a:t>
-            </a:r>
-          </a:p>
-          <a:p>
-            <a:pPr lvl="1"/>
-            <a:r>
-              <a:rPr lang="en-US" sz="1600">
-                <a:latin typeface="Courier New" pitchFamily="49" charset="0"/>
-                <a:cs typeface="Courier New" pitchFamily="49" charset="0"/>
-              </a:rPr>
-              <a:t>[DROP CONSTRAINT constraint_name [RESTRICT | CASCADE]] </a:t>
-            </a:r>
-          </a:p>
-          <a:p>
-            <a:pPr lvl="1"/>
-            <a:r>
-              <a:rPr lang="en-US" sz="1600">
-                <a:latin typeface="Courier New" pitchFamily="49" charset="0"/>
-                <a:cs typeface="Courier New" pitchFamily="49" charset="0"/>
-              </a:rPr>
-              <a:t>[ALTER [COLUMN] SET DEFAULT default_option] </a:t>
-            </a:r>
-          </a:p>
-          <a:p>
-            <a:pPr lvl="1"/>
-            <a:r>
-              <a:rPr lang="en-US" sz="1600">
-                <a:latin typeface="Courier New" pitchFamily="49" charset="0"/>
-                <a:cs typeface="Courier New" pitchFamily="49" charset="0"/>
-              </a:rPr>
-              <a:t>[ALTER [COLUMN] DROP DEFAULT] </a:t>
-            </a:r>
-          </a:p>
-        </p:txBody>
-      </p:sp>
-      <p:sp>
-        <p:nvSpPr>
-          <p:cNvPr id="4" name="Прямоугольник 3"/>
-          <p:cNvSpPr/>
-          <p:nvPr/>
-        </p:nvSpPr>
-        <p:spPr>
-          <a:xfrm>
-            <a:off x="152400" y="2655888"/>
-            <a:ext cx="8839200" cy="1077912"/>
-          </a:xfrm>
-          <a:prstGeom prst="rect">
-            <a:avLst/>
-          </a:prstGeom>
-          <a:ln>
-            <a:solidFill>
-              <a:schemeClr val="bg1">
-                <a:lumMod val="65000"/>
-              </a:schemeClr>
-            </a:solidFill>
-          </a:ln>
-        </p:spPr>
-        <p:txBody>
-          <a:bodyPr>
-            <a:spAutoFit/>
-          </a:bodyPr>
-          <a:lstStyle/>
-          <a:p>
-            <a:pPr lvl="1">
-              <a:defRPr/>
-            </a:pPr>
-            <a:r>
-              <a:rPr lang="en-US" sz="1600" dirty="0">
-                <a:latin typeface="Courier New" pitchFamily="49" charset="0"/>
-                <a:cs typeface="Courier New" pitchFamily="49" charset="0"/>
-              </a:rPr>
-              <a:t>ALTER TABLE student </a:t>
-            </a:r>
-          </a:p>
-          <a:p>
-            <a:pPr lvl="1">
-              <a:defRPr/>
-            </a:pPr>
-            <a:r>
-              <a:rPr lang="en-US" sz="1600" dirty="0">
-                <a:latin typeface="Courier New" pitchFamily="49" charset="0"/>
-                <a:cs typeface="Courier New" pitchFamily="49" charset="0"/>
-              </a:rPr>
-              <a:t>ADD CONSTRAINT </a:t>
-            </a:r>
-            <a:r>
-              <a:rPr lang="en-US" sz="1600" dirty="0" err="1">
-                <a:latin typeface="Courier New" pitchFamily="49" charset="0"/>
-                <a:cs typeface="Courier New" pitchFamily="49" charset="0"/>
-              </a:rPr>
-              <a:t>group_refer</a:t>
-            </a:r>
-            <a:r>
-              <a:rPr lang="en-US" sz="1600" dirty="0">
-                <a:latin typeface="Courier New" pitchFamily="49" charset="0"/>
-                <a:cs typeface="Courier New" pitchFamily="49" charset="0"/>
-              </a:rPr>
-              <a:t> </a:t>
-            </a:r>
-            <a:endParaRPr lang="be-BY" sz="1600" dirty="0">
-              <a:latin typeface="Courier New" pitchFamily="49" charset="0"/>
-              <a:cs typeface="Courier New" pitchFamily="49" charset="0"/>
-            </a:endParaRPr>
-          </a:p>
-          <a:p>
-            <a:pPr lvl="1">
-              <a:defRPr/>
-            </a:pPr>
-            <a:r>
-              <a:rPr lang="en-US" sz="1600" dirty="0">
-                <a:latin typeface="Courier New" pitchFamily="49" charset="0"/>
-                <a:cs typeface="Courier New" pitchFamily="49" charset="0"/>
-              </a:rPr>
-              <a:t>FOREIGN KEY (</a:t>
-            </a:r>
-            <a:r>
-              <a:rPr lang="en-US" sz="1600" dirty="0" err="1">
-                <a:latin typeface="Courier New" pitchFamily="49" charset="0"/>
-                <a:cs typeface="Courier New" pitchFamily="49" charset="0"/>
-              </a:rPr>
-              <a:t>group_ID</a:t>
-            </a:r>
-            <a:r>
-              <a:rPr lang="en-US" sz="1600" dirty="0">
-                <a:latin typeface="Courier New" pitchFamily="49" charset="0"/>
-                <a:cs typeface="Courier New" pitchFamily="49" charset="0"/>
-              </a:rPr>
-              <a:t>) REFERENCES group </a:t>
-            </a:r>
-          </a:p>
-          <a:p>
-            <a:pPr lvl="2">
-              <a:defRPr/>
-            </a:pPr>
-            <a:r>
-              <a:rPr lang="en-US" sz="1600" dirty="0">
-                <a:latin typeface="Courier New" pitchFamily="49" charset="0"/>
-                <a:cs typeface="Courier New" pitchFamily="49" charset="0"/>
-              </a:rPr>
-              <a:t>ON UPDATE CASCADE; </a:t>
-            </a:r>
-          </a:p>
-        </p:txBody>
-      </p:sp>
-      <p:sp>
-        <p:nvSpPr>
-          <p:cNvPr id="7172" name="Прямоугольник 5"/>
-          <p:cNvSpPr>
-            <a:spLocks noChangeArrowheads="1"/>
-          </p:cNvSpPr>
-          <p:nvPr/>
-        </p:nvSpPr>
-        <p:spPr bwMode="auto">
-          <a:xfrm>
-            <a:off x="152400" y="4233863"/>
-            <a:ext cx="8839200" cy="338137"/>
-          </a:xfrm>
-          <a:prstGeom prst="rect">
-            <a:avLst/>
-          </a:prstGeom>
-          <a:noFill/>
-          <a:ln w="9525">
-            <a:solidFill>
-              <a:srgbClr val="FF0000"/>
-            </a:solidFill>
-            <a:miter lim="800000"/>
-            <a:headEnd/>
-            <a:tailEnd/>
-          </a:ln>
-          <a:extLst>
-            <a:ext uri="{909E8E84-426E-40DD-AFC4-6F175D3DCCD1}">
-              <a14:hiddenFill xmlns:a14="http://schemas.microsoft.com/office/drawing/2010/main">
-                <a:solidFill>
-                  <a:srgbClr val="FFFFFF"/>
-                </a:solidFill>
-              </a14:hiddenFill>
-            </a:ext>
-          </a:extLst>
-        </p:spPr>
-        <p:txBody>
-          <a:bodyPr>
-            <a:spAutoFit/>
-          </a:bodyPr>
-          <a:lstStyle/>
-          <a:p>
-            <a:r>
-              <a:rPr lang="en-US" sz="1600">
-                <a:latin typeface="Courier New" pitchFamily="49" charset="0"/>
-                <a:cs typeface="Courier New" pitchFamily="49" charset="0"/>
-              </a:rPr>
-              <a:t>DROP TABLE table_name [RESTICT | CASCADE] </a:t>
-            </a:r>
-            <a:endParaRPr lang="be-BY" sz="1600">
-              <a:latin typeface="Courier New" pitchFamily="49" charset="0"/>
-              <a:cs typeface="Courier New" pitchFamily="49" charset="0"/>
-            </a:endParaRPr>
-          </a:p>
-        </p:txBody>
-      </p:sp>
-      <p:sp>
-        <p:nvSpPr>
-          <p:cNvPr id="7173" name="Прямоугольник 2"/>
-          <p:cNvSpPr>
-            <a:spLocks noChangeArrowheads="1"/>
-          </p:cNvSpPr>
-          <p:nvPr/>
-        </p:nvSpPr>
-        <p:spPr bwMode="auto">
-          <a:xfrm>
-            <a:off x="152400" y="0"/>
-            <a:ext cx="8839200" cy="461963"/>
-          </a:xfrm>
-          <a:prstGeom prst="rect">
-            <a:avLst/>
-          </a:prstGeom>
-          <a:noFill/>
-          <a:ln>
-            <a:noFill/>
-          </a:ln>
-          <a:extLst>
-            <a:ext uri="{909E8E84-426E-40DD-AFC4-6F175D3DCCD1}">
-              <a14:hiddenFill xmlns:a14="http://schemas.microsoft.com/office/drawing/2010/main">
-                <a:solidFill>
-                  <a:srgbClr val="FFFFFF"/>
-                </a:solidFill>
-              </a14:hiddenFill>
-            </a:ext>
-            <a:ext uri="{91240B29-F687-4F45-9708-019B960494DF}">
-              <a14:hiddenLine xmlns:a14="http://schemas.microsoft.com/office/drawing/2010/main" w="9525">
-                <a:solidFill>
-                  <a:srgbClr val="000000"/>
-                </a:solidFill>
-                <a:miter lim="800000"/>
-                <a:headEnd/>
-                <a:tailEnd/>
-              </a14:hiddenLine>
-            </a:ext>
-          </a:extLst>
-        </p:spPr>
-        <p:txBody>
-          <a:bodyPr>
-            <a:spAutoFit/>
-          </a:bodyPr>
-          <a:lstStyle/>
-          <a:p>
-            <a:pPr algn="ctr"/>
-            <a:r>
-              <a:rPr lang="ru-RU" sz="2400" b="1"/>
-              <a:t>Работа с таблицами.</a:t>
-            </a:r>
-            <a:endParaRPr lang="be-BY" sz="2400" b="1"/>
-          </a:p>
-        </p:txBody>
-      </p:sp>
-    </p:spTree>
-    <p:extLst>
-      <p:ext uri="{BB962C8B-B14F-4D97-AF65-F5344CB8AC3E}">
-        <p14:creationId xmlns:p14="http://schemas.microsoft.com/office/powerpoint/2010/main" val="2150446948"/>
       </p:ext>
     </p:extLst>
   </p:cSld>
@@ -6709,6 +8528,1052 @@
       </p:grpSpPr>
       <p:sp>
         <p:nvSpPr>
+          <p:cNvPr id="6146" name="Прямоугольник 4"/>
+          <p:cNvSpPr>
+            <a:spLocks noChangeArrowheads="1"/>
+          </p:cNvSpPr>
+          <p:nvPr/>
+        </p:nvSpPr>
+        <p:spPr bwMode="auto">
+          <a:xfrm>
+            <a:off x="152400" y="381000"/>
+            <a:ext cx="8839200" cy="830263"/>
+          </a:xfrm>
+          <a:prstGeom prst="rect">
+            <a:avLst/>
+          </a:prstGeom>
+          <a:noFill/>
+          <a:ln>
+            <a:noFill/>
+          </a:ln>
+          <a:extLst>
+            <a:ext uri="{909E8E84-426E-40DD-AFC4-6F175D3DCCD1}">
+              <a14:hiddenFill xmlns:a14="http://schemas.microsoft.com/office/drawing/2010/main">
+                <a:solidFill>
+                  <a:srgbClr val="FFFFFF"/>
+                </a:solidFill>
+              </a14:hiddenFill>
+            </a:ext>
+            <a:ext uri="{91240B29-F687-4F45-9708-019B960494DF}">
+              <a14:hiddenLine xmlns:a14="http://schemas.microsoft.com/office/drawing/2010/main" w="9525">
+                <a:solidFill>
+                  <a:srgbClr val="000000"/>
+                </a:solidFill>
+                <a:miter lim="800000"/>
+                <a:headEnd/>
+                <a:tailEnd/>
+              </a14:hiddenLine>
+            </a:ext>
+          </a:extLst>
+        </p:spPr>
+        <p:txBody>
+          <a:bodyPr>
+            <a:spAutoFit/>
+          </a:bodyPr>
+          <a:lstStyle/>
+          <a:p>
+            <a:r>
+              <a:rPr lang="ru-RU" sz="1200"/>
+              <a:t>Для управления базами данных используются следующие команды</a:t>
+            </a:r>
+            <a:r>
+              <a:rPr lang="en-US" sz="1200"/>
+              <a:t>:</a:t>
+            </a:r>
+          </a:p>
+          <a:p>
+            <a:pPr lvl="1"/>
+            <a:r>
+              <a:rPr lang="ru-RU" sz="1200"/>
+              <a:t>• CREATE - определить и создать объект базы данных; </a:t>
+            </a:r>
+          </a:p>
+          <a:p>
+            <a:pPr lvl="1"/>
+            <a:r>
+              <a:rPr lang="ru-RU" sz="1200"/>
+              <a:t>• ALTER - изменить определение объекта базы данных; </a:t>
+            </a:r>
+          </a:p>
+          <a:p>
+            <a:pPr lvl="1"/>
+            <a:r>
+              <a:rPr lang="ru-RU" sz="1200"/>
+              <a:t>• DROP - удалить существующий объект базы данных. </a:t>
+            </a:r>
+            <a:endParaRPr lang="en-US" sz="1200"/>
+          </a:p>
+        </p:txBody>
+      </p:sp>
+      <p:sp>
+        <p:nvSpPr>
+          <p:cNvPr id="4" name="Прямоугольник 3"/>
+          <p:cNvSpPr/>
+          <p:nvPr/>
+        </p:nvSpPr>
+        <p:spPr>
+          <a:xfrm>
+            <a:off x="152400" y="4648200"/>
+            <a:ext cx="8839200" cy="2124075"/>
+          </a:xfrm>
+          <a:prstGeom prst="rect">
+            <a:avLst/>
+          </a:prstGeom>
+          <a:ln>
+            <a:solidFill>
+              <a:schemeClr val="bg1">
+                <a:lumMod val="65000"/>
+              </a:schemeClr>
+            </a:solidFill>
+          </a:ln>
+        </p:spPr>
+        <p:txBody>
+          <a:bodyPr>
+            <a:spAutoFit/>
+          </a:bodyPr>
+          <a:lstStyle/>
+          <a:p>
+            <a:pPr lvl="1">
+              <a:defRPr/>
+            </a:pPr>
+            <a:r>
+              <a:rPr lang="en-US" sz="1200" dirty="0">
+                <a:latin typeface="Courier New" pitchFamily="49" charset="0"/>
+                <a:cs typeface="Courier New" pitchFamily="49" charset="0"/>
+              </a:rPr>
+              <a:t>CREATE TABLE student ( </a:t>
+            </a:r>
+          </a:p>
+          <a:p>
+            <a:pPr lvl="2">
+              <a:defRPr/>
+            </a:pPr>
+            <a:r>
+              <a:rPr lang="en-US" sz="1200" dirty="0" err="1">
+                <a:latin typeface="Courier New" pitchFamily="49" charset="0"/>
+                <a:cs typeface="Courier New" pitchFamily="49" charset="0"/>
+              </a:rPr>
+              <a:t>student_ID</a:t>
+            </a:r>
+            <a:r>
+              <a:rPr lang="en-US" sz="1200" dirty="0">
+                <a:latin typeface="Courier New" pitchFamily="49" charset="0"/>
+                <a:cs typeface="Courier New" pitchFamily="49" charset="0"/>
+              </a:rPr>
+              <a:t>  integer   NOT NULL, </a:t>
+            </a:r>
+          </a:p>
+          <a:p>
+            <a:pPr lvl="2">
+              <a:defRPr/>
+            </a:pPr>
+            <a:r>
+              <a:rPr lang="en-US" sz="1200" dirty="0">
+                <a:latin typeface="Courier New" pitchFamily="49" charset="0"/>
+                <a:cs typeface="Courier New" pitchFamily="49" charset="0"/>
+              </a:rPr>
+              <a:t>name        char(100), </a:t>
+            </a:r>
+          </a:p>
+          <a:p>
+            <a:pPr lvl="2">
+              <a:defRPr/>
+            </a:pPr>
+            <a:r>
+              <a:rPr lang="en-US" sz="1200" dirty="0">
+                <a:latin typeface="Courier New" pitchFamily="49" charset="0"/>
+                <a:cs typeface="Courier New" pitchFamily="49" charset="0"/>
+              </a:rPr>
+              <a:t>rating      float     DEFAULT 0.0, </a:t>
+            </a:r>
+          </a:p>
+          <a:p>
+            <a:pPr lvl="2">
+              <a:defRPr/>
+            </a:pPr>
+            <a:r>
+              <a:rPr lang="en-US" sz="1200" dirty="0" err="1">
+                <a:latin typeface="Courier New" pitchFamily="49" charset="0"/>
+                <a:cs typeface="Courier New" pitchFamily="49" charset="0"/>
+              </a:rPr>
+              <a:t>group_ID</a:t>
+            </a:r>
+            <a:r>
+              <a:rPr lang="en-US" sz="1200" dirty="0">
+                <a:latin typeface="Courier New" pitchFamily="49" charset="0"/>
+                <a:cs typeface="Courier New" pitchFamily="49" charset="0"/>
+              </a:rPr>
+              <a:t>    integer, </a:t>
+            </a:r>
+          </a:p>
+          <a:p>
+            <a:pPr lvl="2">
+              <a:defRPr/>
+            </a:pPr>
+            <a:r>
+              <a:rPr lang="en-US" sz="1200" dirty="0">
+                <a:latin typeface="Courier New" pitchFamily="49" charset="0"/>
+                <a:cs typeface="Courier New" pitchFamily="49" charset="0"/>
+              </a:rPr>
+              <a:t>PRIMARY KEY (</a:t>
+            </a:r>
+            <a:r>
+              <a:rPr lang="en-US" sz="1200" dirty="0" err="1">
+                <a:latin typeface="Courier New" pitchFamily="49" charset="0"/>
+                <a:cs typeface="Courier New" pitchFamily="49" charset="0"/>
+              </a:rPr>
+              <a:t>student_ID</a:t>
+            </a:r>
+            <a:r>
+              <a:rPr lang="en-US" sz="1200" dirty="0">
+                <a:latin typeface="Courier New" pitchFamily="49" charset="0"/>
+                <a:cs typeface="Courier New" pitchFamily="49" charset="0"/>
+              </a:rPr>
+              <a:t>), </a:t>
+            </a:r>
+          </a:p>
+          <a:p>
+            <a:pPr lvl="2">
+              <a:defRPr/>
+            </a:pPr>
+            <a:r>
+              <a:rPr lang="en-US" sz="1200" dirty="0">
+                <a:latin typeface="Courier New" pitchFamily="49" charset="0"/>
+                <a:cs typeface="Courier New" pitchFamily="49" charset="0"/>
+              </a:rPr>
+              <a:t>FOREIGN KEY (</a:t>
+            </a:r>
+            <a:r>
+              <a:rPr lang="en-US" sz="1200" dirty="0" err="1">
+                <a:latin typeface="Courier New" pitchFamily="49" charset="0"/>
+                <a:cs typeface="Courier New" pitchFamily="49" charset="0"/>
+              </a:rPr>
+              <a:t>group_ID</a:t>
+            </a:r>
+            <a:r>
+              <a:rPr lang="en-US" sz="1200" dirty="0">
+                <a:latin typeface="Courier New" pitchFamily="49" charset="0"/>
+                <a:cs typeface="Courier New" pitchFamily="49" charset="0"/>
+              </a:rPr>
+              <a:t>) REFERENCES group </a:t>
+            </a:r>
+          </a:p>
+          <a:p>
+            <a:pPr lvl="2">
+              <a:defRPr/>
+            </a:pPr>
+            <a:r>
+              <a:rPr lang="en-US" sz="1200" dirty="0">
+                <a:latin typeface="Courier New" pitchFamily="49" charset="0"/>
+                <a:cs typeface="Courier New" pitchFamily="49" charset="0"/>
+              </a:rPr>
+              <a:t>ON UPDATE  CASCADE,</a:t>
+            </a:r>
+          </a:p>
+          <a:p>
+            <a:pPr lvl="2">
+              <a:defRPr/>
+            </a:pPr>
+            <a:r>
+              <a:rPr lang="en-US" sz="1200" dirty="0">
+                <a:latin typeface="Courier New" pitchFamily="49" charset="0"/>
+                <a:cs typeface="Courier New" pitchFamily="49" charset="0"/>
+              </a:rPr>
+              <a:t>CONSTRAINT </a:t>
+            </a:r>
+            <a:r>
+              <a:rPr lang="en-US" sz="1200" dirty="0" err="1">
+                <a:latin typeface="Courier New" pitchFamily="49" charset="0"/>
+                <a:cs typeface="Courier New" pitchFamily="49" charset="0"/>
+              </a:rPr>
+              <a:t>rating_OK</a:t>
+            </a:r>
+            <a:r>
+              <a:rPr lang="en-US" sz="1200" dirty="0">
+                <a:latin typeface="Courier New" pitchFamily="49" charset="0"/>
+                <a:cs typeface="Courier New" pitchFamily="49" charset="0"/>
+              </a:rPr>
+              <a:t> CHECK ((rating &gt; 0) and (rating &lt;= 10.0)), </a:t>
+            </a:r>
+          </a:p>
+          <a:p>
+            <a:pPr lvl="2">
+              <a:defRPr/>
+            </a:pPr>
+            <a:r>
+              <a:rPr lang="en-US" sz="1200" dirty="0">
+                <a:latin typeface="Courier New" pitchFamily="49" charset="0"/>
+                <a:cs typeface="Courier New" pitchFamily="49" charset="0"/>
+              </a:rPr>
+              <a:t>CONSTRAINT </a:t>
+            </a:r>
+            <a:r>
+              <a:rPr lang="en-US" sz="1200" dirty="0" err="1">
+                <a:latin typeface="Courier New" pitchFamily="49" charset="0"/>
+                <a:cs typeface="Courier New" pitchFamily="49" charset="0"/>
+              </a:rPr>
+              <a:t>student_ID_OK</a:t>
+            </a:r>
+            <a:r>
+              <a:rPr lang="en-US" sz="1200" dirty="0">
+                <a:latin typeface="Courier New" pitchFamily="49" charset="0"/>
+                <a:cs typeface="Courier New" pitchFamily="49" charset="0"/>
+              </a:rPr>
+              <a:t> CHECK (</a:t>
+            </a:r>
+            <a:r>
+              <a:rPr lang="en-US" sz="1200" dirty="0" err="1">
+                <a:latin typeface="Courier New" pitchFamily="49" charset="0"/>
+                <a:cs typeface="Courier New" pitchFamily="49" charset="0"/>
+              </a:rPr>
+              <a:t>student_ID</a:t>
+            </a:r>
+            <a:r>
+              <a:rPr lang="en-US" sz="1200" dirty="0">
+                <a:latin typeface="Courier New" pitchFamily="49" charset="0"/>
+                <a:cs typeface="Courier New" pitchFamily="49" charset="0"/>
+              </a:rPr>
+              <a:t> &gt; 0)</a:t>
+            </a:r>
+          </a:p>
+          <a:p>
+            <a:pPr lvl="1">
+              <a:defRPr/>
+            </a:pPr>
+            <a:r>
+              <a:rPr lang="en-US" sz="1200" dirty="0">
+                <a:latin typeface="Courier New" pitchFamily="49" charset="0"/>
+                <a:cs typeface="Courier New" pitchFamily="49" charset="0"/>
+              </a:rPr>
+              <a:t>); </a:t>
+            </a:r>
+          </a:p>
+        </p:txBody>
+      </p:sp>
+      <p:sp>
+        <p:nvSpPr>
+          <p:cNvPr id="6148" name="Прямоугольник 5"/>
+          <p:cNvSpPr>
+            <a:spLocks noChangeArrowheads="1"/>
+          </p:cNvSpPr>
+          <p:nvPr/>
+        </p:nvSpPr>
+        <p:spPr bwMode="auto">
+          <a:xfrm>
+            <a:off x="152400" y="1219200"/>
+            <a:ext cx="8839200" cy="3324225"/>
+          </a:xfrm>
+          <a:prstGeom prst="rect">
+            <a:avLst/>
+          </a:prstGeom>
+          <a:noFill/>
+          <a:ln w="9525">
+            <a:solidFill>
+              <a:srgbClr val="FF0000"/>
+            </a:solidFill>
+            <a:miter lim="800000"/>
+            <a:headEnd/>
+            <a:tailEnd/>
+          </a:ln>
+          <a:extLst>
+            <a:ext uri="{909E8E84-426E-40DD-AFC4-6F175D3DCCD1}">
+              <a14:hiddenFill xmlns:a14="http://schemas.microsoft.com/office/drawing/2010/main">
+                <a:solidFill>
+                  <a:srgbClr val="FFFFFF"/>
+                </a:solidFill>
+              </a14:hiddenFill>
+            </a:ext>
+          </a:extLst>
+        </p:spPr>
+        <p:txBody>
+          <a:bodyPr>
+            <a:spAutoFit/>
+          </a:bodyPr>
+          <a:lstStyle/>
+          <a:p>
+            <a:endParaRPr lang="be-BY" sz="1000">
+              <a:latin typeface="Courier New" pitchFamily="49" charset="0"/>
+              <a:cs typeface="Courier New" pitchFamily="49" charset="0"/>
+            </a:endParaRPr>
+          </a:p>
+          <a:p>
+            <a:pPr lvl="1"/>
+            <a:r>
+              <a:rPr lang="en-US" sz="1000">
+                <a:latin typeface="Courier New" pitchFamily="49" charset="0"/>
+                <a:cs typeface="Courier New" pitchFamily="49" charset="0"/>
+              </a:rPr>
+              <a:t>CREATE TABLE table_name ( </a:t>
+            </a:r>
+          </a:p>
+          <a:p>
+            <a:pPr lvl="2"/>
+            <a:r>
+              <a:rPr lang="en-US" sz="1000">
+                <a:latin typeface="Courier New" pitchFamily="49" charset="0"/>
+                <a:cs typeface="Courier New" pitchFamily="49" charset="0"/>
+              </a:rPr>
+              <a:t>{</a:t>
+            </a:r>
+          </a:p>
+          <a:p>
+            <a:pPr lvl="2"/>
+            <a:r>
+              <a:rPr lang="en-US" sz="1000">
+                <a:latin typeface="Courier New" pitchFamily="49" charset="0"/>
+                <a:cs typeface="Courier New" pitchFamily="49" charset="0"/>
+              </a:rPr>
+              <a:t>	column_name data_type [NOT NULL] [UNIQUE] </a:t>
+            </a:r>
+          </a:p>
+          <a:p>
+            <a:pPr lvl="2"/>
+            <a:r>
+              <a:rPr lang="en-US" sz="1000">
+                <a:latin typeface="Courier New" pitchFamily="49" charset="0"/>
+                <a:cs typeface="Courier New" pitchFamily="49" charset="0"/>
+              </a:rPr>
+              <a:t>	[DEFAULT default_option] [CHECK (search_condition)] [, …]</a:t>
+            </a:r>
+          </a:p>
+          <a:p>
+            <a:pPr lvl="2"/>
+            <a:r>
+              <a:rPr lang="en-US" sz="1000">
+                <a:latin typeface="Courier New" pitchFamily="49" charset="0"/>
+                <a:cs typeface="Courier New" pitchFamily="49" charset="0"/>
+              </a:rPr>
+              <a:t>} </a:t>
+            </a:r>
+            <a:endParaRPr lang="be-BY" sz="1000">
+              <a:latin typeface="Courier New" pitchFamily="49" charset="0"/>
+              <a:cs typeface="Courier New" pitchFamily="49" charset="0"/>
+            </a:endParaRPr>
+          </a:p>
+          <a:p>
+            <a:pPr lvl="2"/>
+            <a:r>
+              <a:rPr lang="en-US" sz="1000">
+                <a:latin typeface="Courier New" pitchFamily="49" charset="0"/>
+                <a:cs typeface="Courier New" pitchFamily="49" charset="0"/>
+              </a:rPr>
+              <a:t>[PRIMARY KEY (list_of_columns) [,]] </a:t>
+            </a:r>
+          </a:p>
+          <a:p>
+            <a:pPr lvl="2"/>
+            <a:r>
+              <a:rPr lang="en-US" sz="1000">
+                <a:latin typeface="Courier New" pitchFamily="49" charset="0"/>
+                <a:cs typeface="Courier New" pitchFamily="49" charset="0"/>
+              </a:rPr>
+              <a:t>{</a:t>
+            </a:r>
+          </a:p>
+          <a:p>
+            <a:pPr lvl="2"/>
+            <a:r>
+              <a:rPr lang="en-US" sz="1000">
+                <a:latin typeface="Courier New" pitchFamily="49" charset="0"/>
+                <a:cs typeface="Courier New" pitchFamily="49" charset="0"/>
+              </a:rPr>
+              <a:t>   [UNIQUE (list_of_columns), [, …]</a:t>
+            </a:r>
+          </a:p>
+          <a:p>
+            <a:pPr lvl="2"/>
+            <a:r>
+              <a:rPr lang="en-US" sz="1000">
+                <a:latin typeface="Courier New" pitchFamily="49" charset="0"/>
+                <a:cs typeface="Courier New" pitchFamily="49" charset="0"/>
+              </a:rPr>
+              <a:t>} </a:t>
+            </a:r>
+          </a:p>
+          <a:p>
+            <a:pPr lvl="2"/>
+            <a:r>
+              <a:rPr lang="en-US" sz="1000">
+                <a:latin typeface="Courier New" pitchFamily="49" charset="0"/>
+                <a:cs typeface="Courier New" pitchFamily="49" charset="0"/>
+              </a:rPr>
+              <a:t>{</a:t>
+            </a:r>
+          </a:p>
+          <a:p>
+            <a:pPr lvl="2"/>
+            <a:r>
+              <a:rPr lang="en-US" sz="1000">
+                <a:latin typeface="Courier New" pitchFamily="49" charset="0"/>
+                <a:cs typeface="Courier New" pitchFamily="49" charset="0"/>
+              </a:rPr>
+              <a:t>[   FOREIGN KEY (list_of_foreign_key_columns) </a:t>
+            </a:r>
+          </a:p>
+          <a:p>
+            <a:pPr lvl="2"/>
+            <a:r>
+              <a:rPr lang="en-US" sz="1000">
+                <a:latin typeface="Courier New" pitchFamily="49" charset="0"/>
+                <a:cs typeface="Courier New" pitchFamily="49" charset="0"/>
+              </a:rPr>
+              <a:t>    REFERENCES parent_table_name [(list_of_candidate_key_columns)], </a:t>
+            </a:r>
+          </a:p>
+          <a:p>
+            <a:pPr lvl="2"/>
+            <a:r>
+              <a:rPr lang="en-US" sz="1000">
+                <a:latin typeface="Courier New" pitchFamily="49" charset="0"/>
+                <a:cs typeface="Courier New" pitchFamily="49" charset="0"/>
+              </a:rPr>
+              <a:t>    [MATCH {PARTIAL | FULL}] </a:t>
+            </a:r>
+          </a:p>
+          <a:p>
+            <a:pPr lvl="2"/>
+            <a:r>
+              <a:rPr lang="en-US" sz="1000">
+                <a:latin typeface="Courier New" pitchFamily="49" charset="0"/>
+                <a:cs typeface="Courier New" pitchFamily="49" charset="0"/>
+              </a:rPr>
+              <a:t>    [ON UPDATE referential_action] </a:t>
+            </a:r>
+          </a:p>
+          <a:p>
+            <a:pPr lvl="2"/>
+            <a:r>
+              <a:rPr lang="en-US" sz="1000">
+                <a:latin typeface="Courier New" pitchFamily="49" charset="0"/>
+                <a:cs typeface="Courier New" pitchFamily="49" charset="0"/>
+              </a:rPr>
+              <a:t>    [ON DELETE referential_action] </a:t>
+            </a:r>
+          </a:p>
+          <a:p>
+            <a:pPr lvl="2"/>
+            <a:r>
+              <a:rPr lang="be-BY" sz="1000">
+                <a:latin typeface="Courier New" pitchFamily="49" charset="0"/>
+                <a:cs typeface="Courier New" pitchFamily="49" charset="0"/>
+              </a:rPr>
+              <a:t>] [, …]} </a:t>
+            </a:r>
+          </a:p>
+          <a:p>
+            <a:pPr lvl="2"/>
+            <a:r>
+              <a:rPr lang="en-US" sz="1000">
+                <a:latin typeface="Courier New" pitchFamily="49" charset="0"/>
+                <a:cs typeface="Courier New" pitchFamily="49" charset="0"/>
+              </a:rPr>
+              <a:t>{</a:t>
+            </a:r>
+          </a:p>
+          <a:p>
+            <a:pPr lvl="2"/>
+            <a:r>
+              <a:rPr lang="en-US" sz="1000">
+                <a:latin typeface="Courier New" pitchFamily="49" charset="0"/>
+                <a:cs typeface="Courier New" pitchFamily="49" charset="0"/>
+              </a:rPr>
+              <a:t>    [CHECK (search_condition)] [, …]</a:t>
+            </a:r>
+          </a:p>
+          <a:p>
+            <a:pPr lvl="2"/>
+            <a:r>
+              <a:rPr lang="en-US" sz="1000">
+                <a:latin typeface="Courier New" pitchFamily="49" charset="0"/>
+                <a:cs typeface="Courier New" pitchFamily="49" charset="0"/>
+              </a:rPr>
+              <a:t>}</a:t>
+            </a:r>
+          </a:p>
+          <a:p>
+            <a:pPr lvl="1"/>
+            <a:r>
+              <a:rPr lang="be-BY" sz="1000">
+                <a:latin typeface="Courier New" pitchFamily="49" charset="0"/>
+                <a:cs typeface="Courier New" pitchFamily="49" charset="0"/>
+              </a:rPr>
+              <a:t>)</a:t>
+            </a:r>
+          </a:p>
+        </p:txBody>
+      </p:sp>
+      <p:sp>
+        <p:nvSpPr>
+          <p:cNvPr id="6149" name="Прямоугольник 2"/>
+          <p:cNvSpPr>
+            <a:spLocks noChangeArrowheads="1"/>
+          </p:cNvSpPr>
+          <p:nvPr/>
+        </p:nvSpPr>
+        <p:spPr bwMode="auto">
+          <a:xfrm>
+            <a:off x="152400" y="0"/>
+            <a:ext cx="8839200" cy="461963"/>
+          </a:xfrm>
+          <a:prstGeom prst="rect">
+            <a:avLst/>
+          </a:prstGeom>
+          <a:noFill/>
+          <a:ln>
+            <a:noFill/>
+          </a:ln>
+          <a:extLst>
+            <a:ext uri="{909E8E84-426E-40DD-AFC4-6F175D3DCCD1}">
+              <a14:hiddenFill xmlns:a14="http://schemas.microsoft.com/office/drawing/2010/main">
+                <a:solidFill>
+                  <a:srgbClr val="FFFFFF"/>
+                </a:solidFill>
+              </a14:hiddenFill>
+            </a:ext>
+            <a:ext uri="{91240B29-F687-4F45-9708-019B960494DF}">
+              <a14:hiddenLine xmlns:a14="http://schemas.microsoft.com/office/drawing/2010/main" w="9525">
+                <a:solidFill>
+                  <a:srgbClr val="000000"/>
+                </a:solidFill>
+                <a:miter lim="800000"/>
+                <a:headEnd/>
+                <a:tailEnd/>
+              </a14:hiddenLine>
+            </a:ext>
+          </a:extLst>
+        </p:spPr>
+        <p:txBody>
+          <a:bodyPr>
+            <a:spAutoFit/>
+          </a:bodyPr>
+          <a:lstStyle/>
+          <a:p>
+            <a:pPr algn="ctr"/>
+            <a:r>
+              <a:rPr lang="ru-RU" sz="2400" b="1"/>
+              <a:t>Работа с таблицами.</a:t>
+            </a:r>
+            <a:endParaRPr lang="be-BY" sz="2400" b="1"/>
+          </a:p>
+        </p:txBody>
+      </p:sp>
+    </p:spTree>
+    <p:extLst>
+      <p:ext uri="{BB962C8B-B14F-4D97-AF65-F5344CB8AC3E}">
+        <p14:creationId xmlns:p14="http://schemas.microsoft.com/office/powerpoint/2010/main" val="319265010"/>
+      </p:ext>
+    </p:extLst>
+  </p:cSld>
+  <p:clrMapOvr>
+    <a:masterClrMapping/>
+  </p:clrMapOvr>
+  <p:timing>
+    <p:tnLst>
+      <p:par>
+        <p:cTn id="1" dur="indefinite" restart="never" nodeType="tmRoot"/>
+      </p:par>
+    </p:tnLst>
+  </p:timing>
+</p:sld>
+</file>
+
+<file path=ppt/slides/slide21.xml><?xml version="1.0" encoding="utf-8"?>
+<p:sld xmlns:a="http://schemas.openxmlformats.org/drawingml/2006/main" xmlns:r="http://schemas.openxmlformats.org/officeDocument/2006/relationships" xmlns:p="http://schemas.openxmlformats.org/presentationml/2006/main">
+  <p:cSld>
+    <p:spTree>
+      <p:nvGrpSpPr>
+        <p:cNvPr id="1" name=""/>
+        <p:cNvGrpSpPr/>
+        <p:nvPr/>
+      </p:nvGrpSpPr>
+      <p:grpSpPr>
+        <a:xfrm>
+          <a:off x="0" y="0"/>
+          <a:ext cx="0" cy="0"/>
+          <a:chOff x="0" y="0"/>
+          <a:chExt cx="0" cy="0"/>
+        </a:xfrm>
+      </p:grpSpPr>
+      <p:sp>
+        <p:nvSpPr>
+          <p:cNvPr id="7170" name="Прямоугольник 2"/>
+          <p:cNvSpPr>
+            <a:spLocks noChangeArrowheads="1"/>
+          </p:cNvSpPr>
+          <p:nvPr/>
+        </p:nvSpPr>
+        <p:spPr bwMode="auto">
+          <a:xfrm>
+            <a:off x="152400" y="487363"/>
+            <a:ext cx="8839200" cy="2062162"/>
+          </a:xfrm>
+          <a:prstGeom prst="rect">
+            <a:avLst/>
+          </a:prstGeom>
+          <a:noFill/>
+          <a:ln w="9525">
+            <a:solidFill>
+              <a:srgbClr val="FF0000"/>
+            </a:solidFill>
+            <a:miter lim="800000"/>
+            <a:headEnd/>
+            <a:tailEnd/>
+          </a:ln>
+          <a:extLst>
+            <a:ext uri="{909E8E84-426E-40DD-AFC4-6F175D3DCCD1}">
+              <a14:hiddenFill xmlns:a14="http://schemas.microsoft.com/office/drawing/2010/main">
+                <a:solidFill>
+                  <a:srgbClr val="FFFFFF"/>
+                </a:solidFill>
+              </a14:hiddenFill>
+            </a:ext>
+          </a:extLst>
+        </p:spPr>
+        <p:txBody>
+          <a:bodyPr>
+            <a:spAutoFit/>
+          </a:bodyPr>
+          <a:lstStyle/>
+          <a:p>
+            <a:pPr lvl="1"/>
+            <a:r>
+              <a:rPr lang="en-US" sz="1600">
+                <a:latin typeface="Courier New" pitchFamily="49" charset="0"/>
+                <a:cs typeface="Courier New" pitchFamily="49" charset="0"/>
+              </a:rPr>
+              <a:t>ALTER TABLE table_name </a:t>
+            </a:r>
+          </a:p>
+          <a:p>
+            <a:pPr lvl="1"/>
+            <a:r>
+              <a:rPr lang="en-US" sz="1600">
+                <a:latin typeface="Courier New" pitchFamily="49" charset="0"/>
+                <a:cs typeface="Courier New" pitchFamily="49" charset="0"/>
+              </a:rPr>
+              <a:t>[ADD [COLUMN] column_name data_type [NOT NULL] [UNIQUE] </a:t>
+            </a:r>
+          </a:p>
+          <a:p>
+            <a:pPr lvl="1"/>
+            <a:r>
+              <a:rPr lang="en-US" sz="1600">
+                <a:latin typeface="Courier New" pitchFamily="49" charset="0"/>
+                <a:cs typeface="Courier New" pitchFamily="49" charset="0"/>
+              </a:rPr>
+              <a:t>[DEFAULT default_option] [CHECK (search_condition)]] </a:t>
+            </a:r>
+          </a:p>
+          <a:p>
+            <a:pPr lvl="1"/>
+            <a:r>
+              <a:rPr lang="en-US" sz="1600">
+                <a:latin typeface="Courier New" pitchFamily="49" charset="0"/>
+                <a:cs typeface="Courier New" pitchFamily="49" charset="0"/>
+              </a:rPr>
+              <a:t>[DROP [COLUMN] column_name [RESTRICT | CASCADE]] </a:t>
+            </a:r>
+          </a:p>
+          <a:p>
+            <a:pPr lvl="1"/>
+            <a:r>
+              <a:rPr lang="en-US" sz="1600">
+                <a:latin typeface="Courier New" pitchFamily="49" charset="0"/>
+                <a:cs typeface="Courier New" pitchFamily="49" charset="0"/>
+              </a:rPr>
+              <a:t>[ADD [CONSTRAINT constraint_name] table_constraint_defenition] </a:t>
+            </a:r>
+          </a:p>
+          <a:p>
+            <a:pPr lvl="1"/>
+            <a:r>
+              <a:rPr lang="en-US" sz="1600">
+                <a:latin typeface="Courier New" pitchFamily="49" charset="0"/>
+                <a:cs typeface="Courier New" pitchFamily="49" charset="0"/>
+              </a:rPr>
+              <a:t>[DROP CONSTRAINT constraint_name [RESTRICT | CASCADE]] </a:t>
+            </a:r>
+          </a:p>
+          <a:p>
+            <a:pPr lvl="1"/>
+            <a:r>
+              <a:rPr lang="en-US" sz="1600">
+                <a:latin typeface="Courier New" pitchFamily="49" charset="0"/>
+                <a:cs typeface="Courier New" pitchFamily="49" charset="0"/>
+              </a:rPr>
+              <a:t>[ALTER [COLUMN] SET DEFAULT default_option] </a:t>
+            </a:r>
+          </a:p>
+          <a:p>
+            <a:pPr lvl="1"/>
+            <a:r>
+              <a:rPr lang="en-US" sz="1600">
+                <a:latin typeface="Courier New" pitchFamily="49" charset="0"/>
+                <a:cs typeface="Courier New" pitchFamily="49" charset="0"/>
+              </a:rPr>
+              <a:t>[ALTER [COLUMN] DROP DEFAULT] </a:t>
+            </a:r>
+          </a:p>
+        </p:txBody>
+      </p:sp>
+      <p:sp>
+        <p:nvSpPr>
+          <p:cNvPr id="4" name="Прямоугольник 3"/>
+          <p:cNvSpPr/>
+          <p:nvPr/>
+        </p:nvSpPr>
+        <p:spPr>
+          <a:xfrm>
+            <a:off x="152400" y="2655888"/>
+            <a:ext cx="8839200" cy="1077912"/>
+          </a:xfrm>
+          <a:prstGeom prst="rect">
+            <a:avLst/>
+          </a:prstGeom>
+          <a:ln>
+            <a:solidFill>
+              <a:schemeClr val="bg1">
+                <a:lumMod val="65000"/>
+              </a:schemeClr>
+            </a:solidFill>
+          </a:ln>
+        </p:spPr>
+        <p:txBody>
+          <a:bodyPr>
+            <a:spAutoFit/>
+          </a:bodyPr>
+          <a:lstStyle/>
+          <a:p>
+            <a:pPr lvl="1">
+              <a:defRPr/>
+            </a:pPr>
+            <a:r>
+              <a:rPr lang="en-US" sz="1600" dirty="0">
+                <a:latin typeface="Courier New" pitchFamily="49" charset="0"/>
+                <a:cs typeface="Courier New" pitchFamily="49" charset="0"/>
+              </a:rPr>
+              <a:t>ALTER TABLE student </a:t>
+            </a:r>
+          </a:p>
+          <a:p>
+            <a:pPr lvl="1">
+              <a:defRPr/>
+            </a:pPr>
+            <a:r>
+              <a:rPr lang="en-US" sz="1600" dirty="0">
+                <a:latin typeface="Courier New" pitchFamily="49" charset="0"/>
+                <a:cs typeface="Courier New" pitchFamily="49" charset="0"/>
+              </a:rPr>
+              <a:t>ADD CONSTRAINT </a:t>
+            </a:r>
+            <a:r>
+              <a:rPr lang="en-US" sz="1600" dirty="0" err="1">
+                <a:latin typeface="Courier New" pitchFamily="49" charset="0"/>
+                <a:cs typeface="Courier New" pitchFamily="49" charset="0"/>
+              </a:rPr>
+              <a:t>group_refer</a:t>
+            </a:r>
+            <a:r>
+              <a:rPr lang="en-US" sz="1600" dirty="0">
+                <a:latin typeface="Courier New" pitchFamily="49" charset="0"/>
+                <a:cs typeface="Courier New" pitchFamily="49" charset="0"/>
+              </a:rPr>
+              <a:t> </a:t>
+            </a:r>
+            <a:endParaRPr lang="be-BY" sz="1600" dirty="0">
+              <a:latin typeface="Courier New" pitchFamily="49" charset="0"/>
+              <a:cs typeface="Courier New" pitchFamily="49" charset="0"/>
+            </a:endParaRPr>
+          </a:p>
+          <a:p>
+            <a:pPr lvl="1">
+              <a:defRPr/>
+            </a:pPr>
+            <a:r>
+              <a:rPr lang="en-US" sz="1600" dirty="0">
+                <a:latin typeface="Courier New" pitchFamily="49" charset="0"/>
+                <a:cs typeface="Courier New" pitchFamily="49" charset="0"/>
+              </a:rPr>
+              <a:t>FOREIGN KEY (</a:t>
+            </a:r>
+            <a:r>
+              <a:rPr lang="en-US" sz="1600" dirty="0" err="1">
+                <a:latin typeface="Courier New" pitchFamily="49" charset="0"/>
+                <a:cs typeface="Courier New" pitchFamily="49" charset="0"/>
+              </a:rPr>
+              <a:t>group_ID</a:t>
+            </a:r>
+            <a:r>
+              <a:rPr lang="en-US" sz="1600" dirty="0">
+                <a:latin typeface="Courier New" pitchFamily="49" charset="0"/>
+                <a:cs typeface="Courier New" pitchFamily="49" charset="0"/>
+              </a:rPr>
+              <a:t>) REFERENCES group </a:t>
+            </a:r>
+          </a:p>
+          <a:p>
+            <a:pPr lvl="2">
+              <a:defRPr/>
+            </a:pPr>
+            <a:r>
+              <a:rPr lang="en-US" sz="1600" dirty="0">
+                <a:latin typeface="Courier New" pitchFamily="49" charset="0"/>
+                <a:cs typeface="Courier New" pitchFamily="49" charset="0"/>
+              </a:rPr>
+              <a:t>ON UPDATE CASCADE; </a:t>
+            </a:r>
+          </a:p>
+        </p:txBody>
+      </p:sp>
+      <p:sp>
+        <p:nvSpPr>
+          <p:cNvPr id="7172" name="Прямоугольник 5"/>
+          <p:cNvSpPr>
+            <a:spLocks noChangeArrowheads="1"/>
+          </p:cNvSpPr>
+          <p:nvPr/>
+        </p:nvSpPr>
+        <p:spPr bwMode="auto">
+          <a:xfrm>
+            <a:off x="152400" y="4233863"/>
+            <a:ext cx="8839200" cy="338137"/>
+          </a:xfrm>
+          <a:prstGeom prst="rect">
+            <a:avLst/>
+          </a:prstGeom>
+          <a:noFill/>
+          <a:ln w="9525">
+            <a:solidFill>
+              <a:srgbClr val="FF0000"/>
+            </a:solidFill>
+            <a:miter lim="800000"/>
+            <a:headEnd/>
+            <a:tailEnd/>
+          </a:ln>
+          <a:extLst>
+            <a:ext uri="{909E8E84-426E-40DD-AFC4-6F175D3DCCD1}">
+              <a14:hiddenFill xmlns:a14="http://schemas.microsoft.com/office/drawing/2010/main">
+                <a:solidFill>
+                  <a:srgbClr val="FFFFFF"/>
+                </a:solidFill>
+              </a14:hiddenFill>
+            </a:ext>
+          </a:extLst>
+        </p:spPr>
+        <p:txBody>
+          <a:bodyPr>
+            <a:spAutoFit/>
+          </a:bodyPr>
+          <a:lstStyle/>
+          <a:p>
+            <a:r>
+              <a:rPr lang="en-US" sz="1600">
+                <a:latin typeface="Courier New" pitchFamily="49" charset="0"/>
+                <a:cs typeface="Courier New" pitchFamily="49" charset="0"/>
+              </a:rPr>
+              <a:t>DROP TABLE table_name [RESTICT | CASCADE] </a:t>
+            </a:r>
+            <a:endParaRPr lang="be-BY" sz="1600">
+              <a:latin typeface="Courier New" pitchFamily="49" charset="0"/>
+              <a:cs typeface="Courier New" pitchFamily="49" charset="0"/>
+            </a:endParaRPr>
+          </a:p>
+        </p:txBody>
+      </p:sp>
+      <p:sp>
+        <p:nvSpPr>
+          <p:cNvPr id="7173" name="Прямоугольник 2"/>
+          <p:cNvSpPr>
+            <a:spLocks noChangeArrowheads="1"/>
+          </p:cNvSpPr>
+          <p:nvPr/>
+        </p:nvSpPr>
+        <p:spPr bwMode="auto">
+          <a:xfrm>
+            <a:off x="152400" y="0"/>
+            <a:ext cx="8839200" cy="461963"/>
+          </a:xfrm>
+          <a:prstGeom prst="rect">
+            <a:avLst/>
+          </a:prstGeom>
+          <a:noFill/>
+          <a:ln>
+            <a:noFill/>
+          </a:ln>
+          <a:extLst>
+            <a:ext uri="{909E8E84-426E-40DD-AFC4-6F175D3DCCD1}">
+              <a14:hiddenFill xmlns:a14="http://schemas.microsoft.com/office/drawing/2010/main">
+                <a:solidFill>
+                  <a:srgbClr val="FFFFFF"/>
+                </a:solidFill>
+              </a14:hiddenFill>
+            </a:ext>
+            <a:ext uri="{91240B29-F687-4F45-9708-019B960494DF}">
+              <a14:hiddenLine xmlns:a14="http://schemas.microsoft.com/office/drawing/2010/main" w="9525">
+                <a:solidFill>
+                  <a:srgbClr val="000000"/>
+                </a:solidFill>
+                <a:miter lim="800000"/>
+                <a:headEnd/>
+                <a:tailEnd/>
+              </a14:hiddenLine>
+            </a:ext>
+          </a:extLst>
+        </p:spPr>
+        <p:txBody>
+          <a:bodyPr>
+            <a:spAutoFit/>
+          </a:bodyPr>
+          <a:lstStyle/>
+          <a:p>
+            <a:pPr algn="ctr"/>
+            <a:r>
+              <a:rPr lang="ru-RU" sz="2400" b="1"/>
+              <a:t>Работа с таблицами.</a:t>
+            </a:r>
+            <a:endParaRPr lang="be-BY" sz="2400" b="1"/>
+          </a:p>
+        </p:txBody>
+      </p:sp>
+    </p:spTree>
+    <p:extLst>
+      <p:ext uri="{BB962C8B-B14F-4D97-AF65-F5344CB8AC3E}">
+        <p14:creationId xmlns:p14="http://schemas.microsoft.com/office/powerpoint/2010/main" val="2150446948"/>
+      </p:ext>
+    </p:extLst>
+  </p:cSld>
+  <p:clrMapOvr>
+    <a:masterClrMapping/>
+  </p:clrMapOvr>
+  <p:timing>
+    <p:tnLst>
+      <p:par>
+        <p:cTn id="1" dur="indefinite" restart="never" nodeType="tmRoot"/>
+      </p:par>
+    </p:tnLst>
+  </p:timing>
+</p:sld>
+</file>
+
+<file path=ppt/slides/slide22.xml><?xml version="1.0" encoding="utf-8"?>
+<p:sld xmlns:a="http://schemas.openxmlformats.org/drawingml/2006/main" xmlns:r="http://schemas.openxmlformats.org/officeDocument/2006/relationships" xmlns:p="http://schemas.openxmlformats.org/presentationml/2006/main">
+  <p:cSld>
+    <p:spTree>
+      <p:nvGrpSpPr>
+        <p:cNvPr id="1" name=""/>
+        <p:cNvGrpSpPr/>
+        <p:nvPr/>
+      </p:nvGrpSpPr>
+      <p:grpSpPr>
+        <a:xfrm>
+          <a:off x="0" y="0"/>
+          <a:ext cx="0" cy="0"/>
+          <a:chOff x="0" y="0"/>
+          <a:chExt cx="0" cy="0"/>
+        </a:xfrm>
+      </p:grpSpPr>
+      <p:sp>
+        <p:nvSpPr>
           <p:cNvPr id="8194" name="Прямоугольник 2"/>
           <p:cNvSpPr>
             <a:spLocks noChangeArrowheads="1"/>
@@ -6991,7 +9856,7 @@
 </p:sld>
 </file>
 
-<file path=ppt/slides/slide21.xml><?xml version="1.0" encoding="utf-8"?>
+<file path=ppt/slides/slide23.xml><?xml version="1.0" encoding="utf-8"?>
 <p:sld xmlns:a="http://schemas.openxmlformats.org/drawingml/2006/main" xmlns:r="http://schemas.openxmlformats.org/officeDocument/2006/relationships" xmlns:p="http://schemas.openxmlformats.org/presentationml/2006/main">
   <p:cSld>
     <p:spTree>
@@ -7327,7 +10192,7 @@
 </p:sld>
 </file>
 
-<file path=ppt/slides/slide22.xml><?xml version="1.0" encoding="utf-8"?>
+<file path=ppt/slides/slide24.xml><?xml version="1.0" encoding="utf-8"?>
 <p:sld xmlns:a="http://schemas.openxmlformats.org/drawingml/2006/main" xmlns:r="http://schemas.openxmlformats.org/officeDocument/2006/relationships" xmlns:p="http://schemas.openxmlformats.org/presentationml/2006/main">
   <p:cSld>
     <p:spTree>
@@ -8044,11 +10909,7 @@
                       </a:r>
                       <a:r>
                         <a:rPr lang="ru-RU" sz="1400" dirty="0" smtClean="0"/>
-                        <a:t> </a:t>
-                      </a:r>
-                      <a:r>
-                        <a:rPr lang="ru-RU" sz="1400" dirty="0" smtClean="0"/>
-                        <a:t>или множества</a:t>
+                        <a:t> или множества</a:t>
                       </a:r>
                       <a:r>
                         <a:rPr lang="ru-RU" sz="1400" baseline="0" dirty="0" smtClean="0"/>
@@ -8493,7 +11354,7 @@
 </p:sld>
 </file>
 
-<file path=ppt/slides/slide23.xml><?xml version="1.0" encoding="utf-8"?>
+<file path=ppt/slides/slide25.xml><?xml version="1.0" encoding="utf-8"?>
 <p:sld xmlns:a="http://schemas.openxmlformats.org/drawingml/2006/main" xmlns:r="http://schemas.openxmlformats.org/officeDocument/2006/relationships" xmlns:p="http://schemas.openxmlformats.org/presentationml/2006/main">
   <p:cSld>
     <p:spTree>
@@ -8750,7 +11611,7 @@
 </p:sld>
 </file>
 
-<file path=ppt/slides/slide24.xml><?xml version="1.0" encoding="utf-8"?>
+<file path=ppt/slides/slide26.xml><?xml version="1.0" encoding="utf-8"?>
 <p:sld xmlns:a="http://schemas.openxmlformats.org/drawingml/2006/main" xmlns:r="http://schemas.openxmlformats.org/officeDocument/2006/relationships" xmlns:p="http://schemas.openxmlformats.org/presentationml/2006/main">
   <p:cSld>
     <p:spTree>
@@ -9162,7 +12023,7 @@
 </p:sld>
 </file>
 
-<file path=ppt/slides/slide25.xml><?xml version="1.0" encoding="utf-8"?>
+<file path=ppt/slides/slide27.xml><?xml version="1.0" encoding="utf-8"?>
 <p:sld xmlns:a="http://schemas.openxmlformats.org/drawingml/2006/main" xmlns:r="http://schemas.openxmlformats.org/officeDocument/2006/relationships" xmlns:p="http://schemas.openxmlformats.org/presentationml/2006/main">
   <p:cSld>
     <p:spTree>
@@ -9298,7 +12159,7 @@
 </p:sld>
 </file>
 
-<file path=ppt/slides/slide26.xml><?xml version="1.0" encoding="utf-8"?>
+<file path=ppt/slides/slide28.xml><?xml version="1.0" encoding="utf-8"?>
 <p:sld xmlns:a="http://schemas.openxmlformats.org/drawingml/2006/main" xmlns:r="http://schemas.openxmlformats.org/officeDocument/2006/relationships" xmlns:p="http://schemas.openxmlformats.org/presentationml/2006/main">
   <p:cSld>
     <p:spTree>
@@ -9705,1161 +12566,6 @@
     <p:extLst>
       <p:ext uri="{BB962C8B-B14F-4D97-AF65-F5344CB8AC3E}">
         <p14:creationId xmlns:p14="http://schemas.microsoft.com/office/powerpoint/2010/main" val="2017122947"/>
-      </p:ext>
-    </p:extLst>
-  </p:cSld>
-  <p:clrMapOvr>
-    <a:masterClrMapping/>
-  </p:clrMapOvr>
-  <p:timing>
-    <p:tnLst>
-      <p:par>
-        <p:cTn id="1" dur="indefinite" restart="never" nodeType="tmRoot"/>
-      </p:par>
-    </p:tnLst>
-  </p:timing>
-</p:sld>
-</file>
-
-<file path=ppt/slides/slide27.xml><?xml version="1.0" encoding="utf-8"?>
-<p:sld xmlns:a="http://schemas.openxmlformats.org/drawingml/2006/main" xmlns:r="http://schemas.openxmlformats.org/officeDocument/2006/relationships" xmlns:p="http://schemas.openxmlformats.org/presentationml/2006/main">
-  <p:cSld>
-    <p:spTree>
-      <p:nvGrpSpPr>
-        <p:cNvPr id="1" name=""/>
-        <p:cNvGrpSpPr/>
-        <p:nvPr/>
-      </p:nvGrpSpPr>
-      <p:grpSpPr>
-        <a:xfrm>
-          <a:off x="0" y="0"/>
-          <a:ext cx="0" cy="0"/>
-          <a:chOff x="0" y="0"/>
-          <a:chExt cx="0" cy="0"/>
-        </a:xfrm>
-      </p:grpSpPr>
-      <p:sp>
-        <p:nvSpPr>
-          <p:cNvPr id="2" name="Title 1"/>
-          <p:cNvSpPr>
-            <a:spLocks noGrp="1"/>
-          </p:cNvSpPr>
-          <p:nvPr>
-            <p:ph type="title"/>
-          </p:nvPr>
-        </p:nvSpPr>
-        <p:spPr/>
-        <p:txBody>
-          <a:bodyPr>
-            <a:noAutofit/>
-          </a:bodyPr>
-          <a:lstStyle/>
-          <a:p>
-            <a:r>
-              <a:rPr lang="ru-RU" sz="3600" dirty="0" smtClean="0"/>
-              <a:t>«Сокращенный» </a:t>
-            </a:r>
-            <a:r>
-              <a:rPr lang="en-US" sz="3600" dirty="0" smtClean="0"/>
-              <a:t>INSERT</a:t>
-            </a:r>
-            <a:r>
-              <a:rPr lang="ru-RU" sz="3600" dirty="0" smtClean="0"/>
-              <a:t>в </a:t>
-            </a:r>
-            <a:r>
-              <a:rPr lang="en-US" sz="3600" dirty="0" smtClean="0"/>
-              <a:t>MS SQL 2008 </a:t>
-            </a:r>
-            <a:r>
-              <a:rPr lang="ru-RU" sz="3600" dirty="0" smtClean="0"/>
-              <a:t>и выше</a:t>
-            </a:r>
-            <a:endParaRPr lang="en-US" sz="3600" dirty="0"/>
-          </a:p>
-        </p:txBody>
-      </p:sp>
-      <p:sp>
-        <p:nvSpPr>
-          <p:cNvPr id="3" name="Content Placeholder 2"/>
-          <p:cNvSpPr>
-            <a:spLocks noGrp="1"/>
-          </p:cNvSpPr>
-          <p:nvPr>
-            <p:ph idx="1"/>
-          </p:nvPr>
-        </p:nvSpPr>
-        <p:spPr>
-          <a:xfrm>
-            <a:off x="457200" y="1600200"/>
-            <a:ext cx="8147248" cy="2332855"/>
-          </a:xfrm>
-        </p:spPr>
-        <p:txBody>
-          <a:bodyPr>
-            <a:normAutofit/>
-          </a:bodyPr>
-          <a:lstStyle/>
-          <a:p>
-            <a:pPr marL="0" indent="0">
-              <a:buNone/>
-            </a:pPr>
-            <a:r>
-              <a:rPr lang="ru-RU" dirty="0" smtClean="0"/>
-              <a:t>В </a:t>
-            </a:r>
-            <a:r>
-              <a:rPr lang="en-US" dirty="0" smtClean="0"/>
-              <a:t>SQL Server 2008 </a:t>
-            </a:r>
-            <a:r>
-              <a:rPr lang="ru-RU" dirty="0"/>
-              <a:t>и выше </a:t>
-            </a:r>
-            <a:r>
-              <a:rPr lang="ru-RU" dirty="0" smtClean="0"/>
-              <a:t>команда </a:t>
-            </a:r>
-            <a:r>
-              <a:rPr lang="en-US" dirty="0" smtClean="0"/>
-              <a:t>INSERT </a:t>
-            </a:r>
-            <a:r>
-              <a:rPr lang="ru-RU" dirty="0" smtClean="0"/>
-              <a:t>дает возможность вставить несколько строк за один вызов</a:t>
-            </a:r>
-            <a:r>
-              <a:rPr lang="en-US" dirty="0" smtClean="0"/>
-              <a:t>. </a:t>
-            </a:r>
-            <a:r>
-              <a:rPr lang="ru-RU" dirty="0" smtClean="0"/>
-              <a:t>Добавление производится в рамках общей транзакции.</a:t>
-            </a:r>
-            <a:endParaRPr lang="en-US" dirty="0"/>
-          </a:p>
-        </p:txBody>
-      </p:sp>
-      <p:sp>
-        <p:nvSpPr>
-          <p:cNvPr id="5" name="Rectangle 4"/>
-          <p:cNvSpPr/>
-          <p:nvPr/>
-        </p:nvSpPr>
-        <p:spPr>
-          <a:xfrm>
-            <a:off x="457200" y="3989963"/>
-            <a:ext cx="8147248" cy="2031325"/>
-          </a:xfrm>
-          <a:prstGeom prst="rect">
-            <a:avLst/>
-          </a:prstGeom>
-          <a:solidFill>
-            <a:schemeClr val="bg1"/>
-          </a:solidFill>
-        </p:spPr>
-        <p:txBody>
-          <a:bodyPr wrap="square">
-            <a:spAutoFit/>
-          </a:bodyPr>
-          <a:lstStyle/>
-          <a:p>
-            <a:r>
-              <a:rPr lang="en-US" dirty="0">
-                <a:solidFill>
-                  <a:srgbClr val="0000FF"/>
-                </a:solidFill>
-                <a:latin typeface="Consolas"/>
-              </a:rPr>
-              <a:t>INSERT</a:t>
-            </a:r>
-            <a:r>
-              <a:rPr lang="en-US" dirty="0">
-                <a:solidFill>
-                  <a:prstClr val="black"/>
-                </a:solidFill>
-                <a:latin typeface="Consolas"/>
-              </a:rPr>
-              <a:t> </a:t>
-            </a:r>
-            <a:r>
-              <a:rPr lang="en-US" dirty="0">
-                <a:solidFill>
-                  <a:srgbClr val="0000FF"/>
-                </a:solidFill>
-                <a:latin typeface="Consolas"/>
-              </a:rPr>
-              <a:t>INTO</a:t>
-            </a:r>
-            <a:r>
-              <a:rPr lang="en-US" dirty="0">
-                <a:solidFill>
-                  <a:prstClr val="black"/>
-                </a:solidFill>
-                <a:latin typeface="Consolas"/>
-              </a:rPr>
-              <a:t> </a:t>
-            </a:r>
-            <a:r>
-              <a:rPr lang="en-US" dirty="0" err="1">
-                <a:solidFill>
-                  <a:prstClr val="black"/>
-                </a:solidFill>
-                <a:latin typeface="Consolas"/>
-              </a:rPr>
-              <a:t>CountryCapital</a:t>
-            </a:r>
-            <a:r>
-              <a:rPr lang="en-US" dirty="0">
-                <a:solidFill>
-                  <a:srgbClr val="0000FF"/>
-                </a:solidFill>
-                <a:latin typeface="Consolas"/>
-              </a:rPr>
-              <a:t> </a:t>
-            </a:r>
-            <a:r>
-              <a:rPr lang="en-US" dirty="0">
-                <a:solidFill>
-                  <a:srgbClr val="808080"/>
-                </a:solidFill>
-                <a:latin typeface="Consolas"/>
-              </a:rPr>
-              <a:t>(</a:t>
-            </a:r>
-            <a:r>
-              <a:rPr lang="en-US" dirty="0" err="1">
-                <a:solidFill>
-                  <a:prstClr val="black"/>
-                </a:solidFill>
-                <a:latin typeface="Consolas"/>
-              </a:rPr>
-              <a:t>PartOfWorld</a:t>
-            </a:r>
-            <a:r>
-              <a:rPr lang="en-US" dirty="0">
-                <a:solidFill>
-                  <a:srgbClr val="808080"/>
-                </a:solidFill>
-                <a:latin typeface="Consolas"/>
-              </a:rPr>
-              <a:t>,</a:t>
-            </a:r>
-            <a:r>
-              <a:rPr lang="en-US" dirty="0">
-                <a:solidFill>
-                  <a:prstClr val="black"/>
-                </a:solidFill>
-                <a:latin typeface="Consolas"/>
-              </a:rPr>
-              <a:t> Country</a:t>
-            </a:r>
-            <a:r>
-              <a:rPr lang="en-US" dirty="0">
-                <a:solidFill>
-                  <a:srgbClr val="808080"/>
-                </a:solidFill>
-                <a:latin typeface="Consolas"/>
-              </a:rPr>
-              <a:t>,</a:t>
-            </a:r>
-            <a:r>
-              <a:rPr lang="en-US" dirty="0">
-                <a:solidFill>
-                  <a:prstClr val="black"/>
-                </a:solidFill>
-                <a:latin typeface="Consolas"/>
-              </a:rPr>
-              <a:t> </a:t>
-            </a:r>
-            <a:r>
-              <a:rPr lang="en-US" dirty="0" err="1">
-                <a:solidFill>
-                  <a:prstClr val="black"/>
-                </a:solidFill>
-                <a:latin typeface="Consolas"/>
-              </a:rPr>
-              <a:t>CapitalCity</a:t>
-            </a:r>
-            <a:r>
-              <a:rPr lang="en-US" dirty="0">
-                <a:solidFill>
-                  <a:srgbClr val="808080"/>
-                </a:solidFill>
-                <a:latin typeface="Consolas"/>
-              </a:rPr>
-              <a:t>)</a:t>
-            </a:r>
-            <a:endParaRPr lang="en-US" dirty="0">
-              <a:solidFill>
-                <a:prstClr val="black"/>
-              </a:solidFill>
-              <a:latin typeface="Consolas"/>
-            </a:endParaRPr>
-          </a:p>
-          <a:p>
-            <a:r>
-              <a:rPr lang="en-US" dirty="0">
-                <a:solidFill>
-                  <a:prstClr val="black"/>
-                </a:solidFill>
-                <a:latin typeface="Consolas"/>
-              </a:rPr>
-              <a:t>    </a:t>
-            </a:r>
-            <a:r>
-              <a:rPr lang="en-US" dirty="0">
-                <a:solidFill>
-                  <a:srgbClr val="0000FF"/>
-                </a:solidFill>
-                <a:latin typeface="Consolas"/>
-              </a:rPr>
-              <a:t>VALUES </a:t>
-            </a:r>
-            <a:r>
-              <a:rPr lang="en-US" dirty="0">
-                <a:solidFill>
-                  <a:srgbClr val="808080"/>
-                </a:solidFill>
-                <a:latin typeface="Consolas"/>
-              </a:rPr>
-              <a:t>(</a:t>
-            </a:r>
-            <a:r>
-              <a:rPr lang="en-US" dirty="0">
-                <a:solidFill>
-                  <a:srgbClr val="FF0000"/>
-                </a:solidFill>
-                <a:latin typeface="Consolas"/>
-              </a:rPr>
-              <a:t>'</a:t>
-            </a:r>
-            <a:r>
-              <a:rPr lang="ru-RU" dirty="0">
-                <a:solidFill>
-                  <a:srgbClr val="FF0000"/>
-                </a:solidFill>
-                <a:latin typeface="Consolas"/>
-              </a:rPr>
-              <a:t>Европа'</a:t>
-            </a:r>
-            <a:r>
-              <a:rPr lang="ru-RU" dirty="0">
-                <a:solidFill>
-                  <a:srgbClr val="808080"/>
-                </a:solidFill>
-                <a:latin typeface="Consolas"/>
-              </a:rPr>
-              <a:t>,</a:t>
-            </a:r>
-            <a:r>
-              <a:rPr lang="ru-RU" dirty="0">
-                <a:solidFill>
-                  <a:prstClr val="black"/>
-                </a:solidFill>
-                <a:latin typeface="Consolas"/>
-              </a:rPr>
-              <a:t> </a:t>
-            </a:r>
-            <a:r>
-              <a:rPr lang="ru-RU" dirty="0">
-                <a:solidFill>
-                  <a:srgbClr val="FF0000"/>
-                </a:solidFill>
-                <a:latin typeface="Consolas"/>
-              </a:rPr>
-              <a:t>'Австрия'</a:t>
-            </a:r>
-            <a:r>
-              <a:rPr lang="ru-RU" dirty="0">
-                <a:solidFill>
-                  <a:srgbClr val="808080"/>
-                </a:solidFill>
-                <a:latin typeface="Consolas"/>
-              </a:rPr>
-              <a:t>,</a:t>
-            </a:r>
-            <a:r>
-              <a:rPr lang="ru-RU" dirty="0">
-                <a:solidFill>
-                  <a:prstClr val="black"/>
-                </a:solidFill>
-                <a:latin typeface="Consolas"/>
-              </a:rPr>
-              <a:t> </a:t>
-            </a:r>
-            <a:r>
-              <a:rPr lang="ru-RU" dirty="0">
-                <a:solidFill>
-                  <a:srgbClr val="FF0000"/>
-                </a:solidFill>
-                <a:latin typeface="Consolas"/>
-              </a:rPr>
-              <a:t>'Вена'</a:t>
-            </a:r>
-            <a:r>
-              <a:rPr lang="ru-RU" dirty="0">
-                <a:solidFill>
-                  <a:srgbClr val="808080"/>
-                </a:solidFill>
-                <a:latin typeface="Consolas"/>
-              </a:rPr>
-              <a:t>)</a:t>
-            </a:r>
-            <a:endParaRPr lang="ru-RU" dirty="0">
-              <a:solidFill>
-                <a:prstClr val="black"/>
-              </a:solidFill>
-              <a:latin typeface="Consolas"/>
-            </a:endParaRPr>
-          </a:p>
-          <a:p>
-            <a:r>
-              <a:rPr lang="ru-RU" dirty="0">
-                <a:solidFill>
-                  <a:prstClr val="black"/>
-                </a:solidFill>
-                <a:latin typeface="Consolas"/>
-              </a:rPr>
-              <a:t>         </a:t>
-            </a:r>
-            <a:r>
-              <a:rPr lang="ru-RU" dirty="0">
-                <a:solidFill>
-                  <a:srgbClr val="808080"/>
-                </a:solidFill>
-                <a:latin typeface="Consolas"/>
-              </a:rPr>
-              <a:t>,</a:t>
-            </a:r>
-            <a:r>
-              <a:rPr lang="ru-RU" dirty="0">
-                <a:solidFill>
-                  <a:srgbClr val="0000FF"/>
-                </a:solidFill>
-                <a:latin typeface="Consolas"/>
-              </a:rPr>
-              <a:t> </a:t>
-            </a:r>
-            <a:r>
-              <a:rPr lang="ru-RU" dirty="0">
-                <a:solidFill>
-                  <a:srgbClr val="808080"/>
-                </a:solidFill>
-                <a:latin typeface="Consolas"/>
-              </a:rPr>
-              <a:t>(</a:t>
-            </a:r>
-            <a:r>
-              <a:rPr lang="ru-RU" dirty="0">
-                <a:solidFill>
-                  <a:srgbClr val="FF0000"/>
-                </a:solidFill>
-                <a:latin typeface="Consolas"/>
-              </a:rPr>
-              <a:t>'Европа'</a:t>
-            </a:r>
-            <a:r>
-              <a:rPr lang="ru-RU" dirty="0">
-                <a:solidFill>
-                  <a:srgbClr val="808080"/>
-                </a:solidFill>
-                <a:latin typeface="Consolas"/>
-              </a:rPr>
-              <a:t>,</a:t>
-            </a:r>
-            <a:r>
-              <a:rPr lang="ru-RU" dirty="0">
-                <a:solidFill>
-                  <a:prstClr val="black"/>
-                </a:solidFill>
-                <a:latin typeface="Consolas"/>
-              </a:rPr>
-              <a:t> </a:t>
-            </a:r>
-            <a:r>
-              <a:rPr lang="ru-RU" dirty="0">
-                <a:solidFill>
-                  <a:srgbClr val="FF0000"/>
-                </a:solidFill>
-                <a:latin typeface="Consolas"/>
-              </a:rPr>
-              <a:t>'Албания'</a:t>
-            </a:r>
-            <a:r>
-              <a:rPr lang="ru-RU" dirty="0">
-                <a:solidFill>
-                  <a:srgbClr val="808080"/>
-                </a:solidFill>
-                <a:latin typeface="Consolas"/>
-              </a:rPr>
-              <a:t>,</a:t>
-            </a:r>
-            <a:r>
-              <a:rPr lang="ru-RU" dirty="0">
-                <a:solidFill>
-                  <a:prstClr val="black"/>
-                </a:solidFill>
-                <a:latin typeface="Consolas"/>
-              </a:rPr>
-              <a:t> </a:t>
-            </a:r>
-            <a:r>
-              <a:rPr lang="ru-RU" dirty="0">
-                <a:solidFill>
-                  <a:srgbClr val="FF0000"/>
-                </a:solidFill>
-                <a:latin typeface="Consolas"/>
-              </a:rPr>
-              <a:t>'Тирана'</a:t>
-            </a:r>
-            <a:r>
-              <a:rPr lang="ru-RU" dirty="0">
-                <a:solidFill>
-                  <a:srgbClr val="808080"/>
-                </a:solidFill>
-                <a:latin typeface="Consolas"/>
-              </a:rPr>
-              <a:t>)</a:t>
-            </a:r>
-            <a:endParaRPr lang="ru-RU" dirty="0">
-              <a:solidFill>
-                <a:prstClr val="black"/>
-              </a:solidFill>
-              <a:latin typeface="Consolas"/>
-            </a:endParaRPr>
-          </a:p>
-          <a:p>
-            <a:r>
-              <a:rPr lang="ru-RU" dirty="0">
-                <a:solidFill>
-                  <a:prstClr val="black"/>
-                </a:solidFill>
-                <a:latin typeface="Consolas"/>
-              </a:rPr>
-              <a:t>         </a:t>
-            </a:r>
-            <a:r>
-              <a:rPr lang="ru-RU" dirty="0">
-                <a:solidFill>
-                  <a:srgbClr val="808080"/>
-                </a:solidFill>
-                <a:latin typeface="Consolas"/>
-              </a:rPr>
-              <a:t>,</a:t>
-            </a:r>
-            <a:r>
-              <a:rPr lang="ru-RU" dirty="0">
-                <a:solidFill>
-                  <a:srgbClr val="0000FF"/>
-                </a:solidFill>
-                <a:latin typeface="Consolas"/>
-              </a:rPr>
-              <a:t> </a:t>
-            </a:r>
-            <a:r>
-              <a:rPr lang="ru-RU" dirty="0">
-                <a:solidFill>
-                  <a:srgbClr val="808080"/>
-                </a:solidFill>
-                <a:latin typeface="Consolas"/>
-              </a:rPr>
-              <a:t>(</a:t>
-            </a:r>
-            <a:r>
-              <a:rPr lang="ru-RU" dirty="0">
-                <a:solidFill>
-                  <a:srgbClr val="FF0000"/>
-                </a:solidFill>
-                <a:latin typeface="Consolas"/>
-              </a:rPr>
-              <a:t>'Европа'</a:t>
-            </a:r>
-            <a:r>
-              <a:rPr lang="ru-RU" dirty="0">
-                <a:solidFill>
-                  <a:srgbClr val="808080"/>
-                </a:solidFill>
-                <a:latin typeface="Consolas"/>
-              </a:rPr>
-              <a:t>,</a:t>
-            </a:r>
-            <a:r>
-              <a:rPr lang="ru-RU" dirty="0">
-                <a:solidFill>
-                  <a:prstClr val="black"/>
-                </a:solidFill>
-                <a:latin typeface="Consolas"/>
-              </a:rPr>
-              <a:t> </a:t>
-            </a:r>
-            <a:r>
-              <a:rPr lang="ru-RU" dirty="0">
-                <a:solidFill>
-                  <a:srgbClr val="FF0000"/>
-                </a:solidFill>
-                <a:latin typeface="Consolas"/>
-              </a:rPr>
-              <a:t>'Андорра'</a:t>
-            </a:r>
-            <a:r>
-              <a:rPr lang="ru-RU" dirty="0">
-                <a:solidFill>
-                  <a:srgbClr val="808080"/>
-                </a:solidFill>
-                <a:latin typeface="Consolas"/>
-              </a:rPr>
-              <a:t>,</a:t>
-            </a:r>
-            <a:r>
-              <a:rPr lang="ru-RU" dirty="0">
-                <a:solidFill>
-                  <a:prstClr val="black"/>
-                </a:solidFill>
-                <a:latin typeface="Consolas"/>
-              </a:rPr>
-              <a:t> </a:t>
-            </a:r>
-            <a:r>
-              <a:rPr lang="ru-RU" dirty="0">
-                <a:solidFill>
-                  <a:srgbClr val="FF0000"/>
-                </a:solidFill>
-                <a:latin typeface="Consolas"/>
-              </a:rPr>
-              <a:t>'Андорра-ла-Велья'</a:t>
-            </a:r>
-            <a:r>
-              <a:rPr lang="ru-RU" dirty="0">
-                <a:solidFill>
-                  <a:srgbClr val="808080"/>
-                </a:solidFill>
-                <a:latin typeface="Consolas"/>
-              </a:rPr>
-              <a:t>)</a:t>
-            </a:r>
-            <a:endParaRPr lang="ru-RU" dirty="0">
-              <a:solidFill>
-                <a:prstClr val="black"/>
-              </a:solidFill>
-              <a:latin typeface="Consolas"/>
-            </a:endParaRPr>
-          </a:p>
-          <a:p>
-            <a:r>
-              <a:rPr lang="ru-RU" dirty="0">
-                <a:solidFill>
-                  <a:prstClr val="black"/>
-                </a:solidFill>
-                <a:latin typeface="Consolas"/>
-              </a:rPr>
-              <a:t>         </a:t>
-            </a:r>
-            <a:r>
-              <a:rPr lang="ru-RU" dirty="0">
-                <a:solidFill>
-                  <a:srgbClr val="808080"/>
-                </a:solidFill>
-                <a:latin typeface="Consolas"/>
-              </a:rPr>
-              <a:t>,</a:t>
-            </a:r>
-            <a:r>
-              <a:rPr lang="ru-RU" dirty="0">
-                <a:solidFill>
-                  <a:srgbClr val="0000FF"/>
-                </a:solidFill>
-                <a:latin typeface="Consolas"/>
-              </a:rPr>
-              <a:t> </a:t>
-            </a:r>
-            <a:r>
-              <a:rPr lang="ru-RU" dirty="0">
-                <a:solidFill>
-                  <a:srgbClr val="808080"/>
-                </a:solidFill>
-                <a:latin typeface="Consolas"/>
-              </a:rPr>
-              <a:t>(</a:t>
-            </a:r>
-            <a:r>
-              <a:rPr lang="ru-RU" dirty="0">
-                <a:solidFill>
-                  <a:srgbClr val="FF0000"/>
-                </a:solidFill>
-                <a:latin typeface="Consolas"/>
-              </a:rPr>
-              <a:t>'Европа'</a:t>
-            </a:r>
-            <a:r>
-              <a:rPr lang="ru-RU" dirty="0">
-                <a:solidFill>
-                  <a:srgbClr val="808080"/>
-                </a:solidFill>
-                <a:latin typeface="Consolas"/>
-              </a:rPr>
-              <a:t>,</a:t>
-            </a:r>
-            <a:r>
-              <a:rPr lang="ru-RU" dirty="0">
-                <a:solidFill>
-                  <a:prstClr val="black"/>
-                </a:solidFill>
-                <a:latin typeface="Consolas"/>
-              </a:rPr>
-              <a:t> </a:t>
-            </a:r>
-            <a:r>
-              <a:rPr lang="ru-RU" dirty="0">
-                <a:solidFill>
-                  <a:srgbClr val="FF0000"/>
-                </a:solidFill>
-                <a:latin typeface="Consolas"/>
-              </a:rPr>
-              <a:t>'Белоруссия'</a:t>
-            </a:r>
-            <a:r>
-              <a:rPr lang="ru-RU" dirty="0">
-                <a:solidFill>
-                  <a:srgbClr val="808080"/>
-                </a:solidFill>
-                <a:latin typeface="Consolas"/>
-              </a:rPr>
-              <a:t>,</a:t>
-            </a:r>
-            <a:r>
-              <a:rPr lang="ru-RU" dirty="0">
-                <a:solidFill>
-                  <a:prstClr val="black"/>
-                </a:solidFill>
-                <a:latin typeface="Consolas"/>
-              </a:rPr>
-              <a:t> </a:t>
-            </a:r>
-            <a:r>
-              <a:rPr lang="ru-RU" dirty="0">
-                <a:solidFill>
-                  <a:srgbClr val="FF0000"/>
-                </a:solidFill>
-                <a:latin typeface="Consolas"/>
-              </a:rPr>
-              <a:t>'Минск'</a:t>
-            </a:r>
-            <a:r>
-              <a:rPr lang="ru-RU" dirty="0">
-                <a:solidFill>
-                  <a:srgbClr val="808080"/>
-                </a:solidFill>
-                <a:latin typeface="Consolas"/>
-              </a:rPr>
-              <a:t>)</a:t>
-            </a:r>
-            <a:endParaRPr lang="ru-RU" dirty="0">
-              <a:solidFill>
-                <a:prstClr val="black"/>
-              </a:solidFill>
-              <a:latin typeface="Consolas"/>
-            </a:endParaRPr>
-          </a:p>
-          <a:p>
-            <a:r>
-              <a:rPr lang="ru-RU" dirty="0">
-                <a:solidFill>
-                  <a:prstClr val="black"/>
-                </a:solidFill>
-                <a:latin typeface="Consolas"/>
-              </a:rPr>
-              <a:t>         </a:t>
-            </a:r>
-            <a:r>
-              <a:rPr lang="ru-RU" dirty="0">
-                <a:solidFill>
-                  <a:srgbClr val="808080"/>
-                </a:solidFill>
-                <a:latin typeface="Consolas"/>
-              </a:rPr>
-              <a:t>,</a:t>
-            </a:r>
-            <a:r>
-              <a:rPr lang="ru-RU" dirty="0">
-                <a:solidFill>
-                  <a:srgbClr val="0000FF"/>
-                </a:solidFill>
-                <a:latin typeface="Consolas"/>
-              </a:rPr>
-              <a:t> </a:t>
-            </a:r>
-            <a:r>
-              <a:rPr lang="ru-RU" dirty="0">
-                <a:solidFill>
-                  <a:srgbClr val="808080"/>
-                </a:solidFill>
-                <a:latin typeface="Consolas"/>
-              </a:rPr>
-              <a:t>(</a:t>
-            </a:r>
-            <a:r>
-              <a:rPr lang="ru-RU" dirty="0">
-                <a:solidFill>
-                  <a:srgbClr val="FF0000"/>
-                </a:solidFill>
-                <a:latin typeface="Consolas"/>
-              </a:rPr>
-              <a:t>'Европа'</a:t>
-            </a:r>
-            <a:r>
-              <a:rPr lang="ru-RU" dirty="0">
-                <a:solidFill>
-                  <a:srgbClr val="808080"/>
-                </a:solidFill>
-                <a:latin typeface="Consolas"/>
-              </a:rPr>
-              <a:t>,</a:t>
-            </a:r>
-            <a:r>
-              <a:rPr lang="ru-RU" dirty="0">
-                <a:solidFill>
-                  <a:prstClr val="black"/>
-                </a:solidFill>
-                <a:latin typeface="Consolas"/>
-              </a:rPr>
-              <a:t> </a:t>
-            </a:r>
-            <a:r>
-              <a:rPr lang="ru-RU" dirty="0">
-                <a:solidFill>
-                  <a:srgbClr val="FF0000"/>
-                </a:solidFill>
-                <a:latin typeface="Consolas"/>
-              </a:rPr>
-              <a:t>'Бельгия'</a:t>
-            </a:r>
-            <a:r>
-              <a:rPr lang="ru-RU" dirty="0">
-                <a:solidFill>
-                  <a:srgbClr val="808080"/>
-                </a:solidFill>
-                <a:latin typeface="Consolas"/>
-              </a:rPr>
-              <a:t>,</a:t>
-            </a:r>
-            <a:r>
-              <a:rPr lang="ru-RU" dirty="0">
-                <a:solidFill>
-                  <a:prstClr val="black"/>
-                </a:solidFill>
-                <a:latin typeface="Consolas"/>
-              </a:rPr>
-              <a:t> </a:t>
-            </a:r>
-            <a:r>
-              <a:rPr lang="ru-RU" dirty="0">
-                <a:solidFill>
-                  <a:srgbClr val="FF0000"/>
-                </a:solidFill>
-                <a:latin typeface="Consolas"/>
-              </a:rPr>
-              <a:t>'Брюссель'</a:t>
-            </a:r>
-            <a:r>
-              <a:rPr lang="ru-RU" dirty="0">
-                <a:solidFill>
-                  <a:srgbClr val="808080"/>
-                </a:solidFill>
-                <a:latin typeface="Consolas"/>
-              </a:rPr>
-              <a:t>)</a:t>
-            </a:r>
-            <a:endParaRPr lang="ru-RU" dirty="0">
-              <a:solidFill>
-                <a:prstClr val="black"/>
-              </a:solidFill>
-              <a:latin typeface="Consolas"/>
-            </a:endParaRPr>
-          </a:p>
-          <a:p>
-            <a:endParaRPr lang="ru-RU" dirty="0">
-              <a:solidFill>
-                <a:prstClr val="black"/>
-              </a:solidFill>
-              <a:latin typeface="Consolas"/>
-            </a:endParaRPr>
-          </a:p>
-        </p:txBody>
-      </p:sp>
-    </p:spTree>
-    <p:extLst>
-      <p:ext uri="{BB962C8B-B14F-4D97-AF65-F5344CB8AC3E}">
-        <p14:creationId xmlns:p14="http://schemas.microsoft.com/office/powerpoint/2010/main" val="1003551259"/>
-      </p:ext>
-    </p:extLst>
-  </p:cSld>
-  <p:clrMapOvr>
-    <a:masterClrMapping/>
-  </p:clrMapOvr>
-  <p:timing>
-    <p:tnLst>
-      <p:par>
-        <p:cTn id="1" dur="indefinite" restart="never" nodeType="tmRoot"/>
-      </p:par>
-    </p:tnLst>
-  </p:timing>
-</p:sld>
-</file>
-
-<file path=ppt/slides/slide28.xml><?xml version="1.0" encoding="utf-8"?>
-<p:sld xmlns:a="http://schemas.openxmlformats.org/drawingml/2006/main" xmlns:r="http://schemas.openxmlformats.org/officeDocument/2006/relationships" xmlns:p="http://schemas.openxmlformats.org/presentationml/2006/main">
-  <p:cSld>
-    <p:spTree>
-      <p:nvGrpSpPr>
-        <p:cNvPr id="1" name=""/>
-        <p:cNvGrpSpPr/>
-        <p:nvPr/>
-      </p:nvGrpSpPr>
-      <p:grpSpPr>
-        <a:xfrm>
-          <a:off x="0" y="0"/>
-          <a:ext cx="0" cy="0"/>
-          <a:chOff x="0" y="0"/>
-          <a:chExt cx="0" cy="0"/>
-        </a:xfrm>
-      </p:grpSpPr>
-      <p:sp>
-        <p:nvSpPr>
-          <p:cNvPr id="2" name="Title 1"/>
-          <p:cNvSpPr>
-            <a:spLocks noGrp="1"/>
-          </p:cNvSpPr>
-          <p:nvPr>
-            <p:ph type="title"/>
-          </p:nvPr>
-        </p:nvSpPr>
-        <p:spPr/>
-        <p:txBody>
-          <a:bodyPr/>
-          <a:lstStyle/>
-          <a:p>
-            <a:r>
-              <a:rPr lang="en-US" dirty="0" smtClean="0"/>
-              <a:t>T-SQL: </a:t>
-            </a:r>
-            <a:r>
-              <a:rPr lang="ru-RU" dirty="0" smtClean="0"/>
-              <a:t>Комментарии</a:t>
-            </a:r>
-            <a:endParaRPr lang="en-US" dirty="0"/>
-          </a:p>
-        </p:txBody>
-      </p:sp>
-      <p:sp>
-        <p:nvSpPr>
-          <p:cNvPr id="3" name="Content Placeholder 2"/>
-          <p:cNvSpPr>
-            <a:spLocks noGrp="1"/>
-          </p:cNvSpPr>
-          <p:nvPr>
-            <p:ph idx="1"/>
-          </p:nvPr>
-        </p:nvSpPr>
-        <p:spPr>
-          <a:xfrm>
-            <a:off x="457200" y="1600201"/>
-            <a:ext cx="8147248" cy="1180728"/>
-          </a:xfrm>
-        </p:spPr>
-        <p:txBody>
-          <a:bodyPr>
-            <a:normAutofit/>
-          </a:bodyPr>
-          <a:lstStyle/>
-          <a:p>
-            <a:pPr marL="0" indent="0">
-              <a:buNone/>
-            </a:pPr>
-            <a:r>
-              <a:rPr lang="en-US" dirty="0" smtClean="0"/>
-              <a:t>SQL </a:t>
-            </a:r>
-            <a:r>
-              <a:rPr lang="ru-RU" dirty="0" smtClean="0"/>
-              <a:t>поддерживает однострочные (--) и многострочные комментарии (</a:t>
-            </a:r>
-            <a:r>
-              <a:rPr lang="en-US" dirty="0" smtClean="0"/>
-              <a:t>/* ... */</a:t>
-            </a:r>
-            <a:r>
-              <a:rPr lang="ru-RU" dirty="0" smtClean="0"/>
-              <a:t>:</a:t>
-            </a:r>
-          </a:p>
-          <a:p>
-            <a:pPr marL="0" indent="0">
-              <a:buNone/>
-            </a:pPr>
-            <a:endParaRPr lang="en-US" dirty="0"/>
-          </a:p>
-        </p:txBody>
-      </p:sp>
-      <p:sp>
-        <p:nvSpPr>
-          <p:cNvPr id="5" name="Rectangle 4"/>
-          <p:cNvSpPr/>
-          <p:nvPr/>
-        </p:nvSpPr>
-        <p:spPr>
-          <a:xfrm>
-            <a:off x="457200" y="2837835"/>
-            <a:ext cx="8147248" cy="1477328"/>
-          </a:xfrm>
-          <a:prstGeom prst="rect">
-            <a:avLst/>
-          </a:prstGeom>
-          <a:solidFill>
-            <a:schemeClr val="bg1"/>
-          </a:solidFill>
-        </p:spPr>
-        <p:txBody>
-          <a:bodyPr wrap="square">
-            <a:spAutoFit/>
-          </a:bodyPr>
-          <a:lstStyle/>
-          <a:p>
-            <a:r>
-              <a:rPr lang="ru-RU" dirty="0">
-                <a:solidFill>
-                  <a:srgbClr val="008000"/>
-                </a:solidFill>
-                <a:latin typeface="Consolas"/>
-              </a:rPr>
-              <a:t>/*</a:t>
-            </a:r>
-            <a:endParaRPr lang="ru-RU" dirty="0">
-              <a:solidFill>
-                <a:prstClr val="black"/>
-              </a:solidFill>
-              <a:latin typeface="Consolas"/>
-            </a:endParaRPr>
-          </a:p>
-          <a:p>
-            <a:r>
-              <a:rPr lang="ru-RU" dirty="0">
-                <a:solidFill>
-                  <a:srgbClr val="008000"/>
-                </a:solidFill>
-                <a:latin typeface="Consolas"/>
-              </a:rPr>
-              <a:t>    Пример простого </a:t>
-            </a:r>
-            <a:r>
-              <a:rPr lang="en-US" dirty="0">
-                <a:solidFill>
-                  <a:srgbClr val="008000"/>
-                </a:solidFill>
-                <a:latin typeface="Consolas"/>
-              </a:rPr>
-              <a:t>T-SQL </a:t>
-            </a:r>
-            <a:r>
-              <a:rPr lang="ru-RU" dirty="0">
-                <a:solidFill>
-                  <a:srgbClr val="008000"/>
-                </a:solidFill>
-                <a:latin typeface="Consolas"/>
-              </a:rPr>
-              <a:t>скрипта</a:t>
-            </a:r>
-            <a:endParaRPr lang="ru-RU" dirty="0">
-              <a:solidFill>
-                <a:prstClr val="black"/>
-              </a:solidFill>
-              <a:latin typeface="Consolas"/>
-            </a:endParaRPr>
-          </a:p>
-          <a:p>
-            <a:r>
-              <a:rPr lang="ru-RU" dirty="0">
-                <a:solidFill>
-                  <a:srgbClr val="008000"/>
-                </a:solidFill>
-                <a:latin typeface="Consolas"/>
-              </a:rPr>
-              <a:t>*/</a:t>
-            </a:r>
-            <a:endParaRPr lang="ru-RU" dirty="0">
-              <a:solidFill>
-                <a:prstClr val="black"/>
-              </a:solidFill>
-              <a:latin typeface="Consolas"/>
-            </a:endParaRPr>
-          </a:p>
-          <a:p>
-            <a:r>
-              <a:rPr lang="ru-RU" dirty="0">
-                <a:solidFill>
-                  <a:srgbClr val="0000FF"/>
-                </a:solidFill>
-                <a:latin typeface="Consolas"/>
-              </a:rPr>
-              <a:t>EXEC</a:t>
-            </a:r>
-            <a:r>
-              <a:rPr lang="ru-RU" dirty="0">
-                <a:solidFill>
-                  <a:prstClr val="black"/>
-                </a:solidFill>
-                <a:latin typeface="Consolas"/>
-              </a:rPr>
-              <a:t> </a:t>
-            </a:r>
-            <a:r>
-              <a:rPr lang="ru-RU" dirty="0">
-                <a:solidFill>
-                  <a:srgbClr val="800000"/>
-                </a:solidFill>
-                <a:latin typeface="Consolas"/>
-              </a:rPr>
-              <a:t>sp_help</a:t>
-            </a:r>
-            <a:r>
-              <a:rPr lang="ru-RU" dirty="0">
-                <a:solidFill>
-                  <a:srgbClr val="0000FF"/>
-                </a:solidFill>
-                <a:latin typeface="Consolas"/>
-              </a:rPr>
-              <a:t> </a:t>
-            </a:r>
-            <a:r>
-              <a:rPr lang="ru-RU" dirty="0">
-                <a:solidFill>
-                  <a:srgbClr val="008000"/>
-                </a:solidFill>
-                <a:latin typeface="Consolas"/>
-              </a:rPr>
-              <a:t>-- Выполняем системную хранимую процедуру sp_help</a:t>
-            </a:r>
-            <a:endParaRPr lang="ru-RU" dirty="0">
-              <a:solidFill>
-                <a:prstClr val="black"/>
-              </a:solidFill>
-              <a:latin typeface="Consolas"/>
-            </a:endParaRPr>
-          </a:p>
-          <a:p>
-            <a:endParaRPr lang="ru-RU" dirty="0">
-              <a:solidFill>
-                <a:prstClr val="black"/>
-              </a:solidFill>
-              <a:latin typeface="Consolas"/>
-            </a:endParaRPr>
-          </a:p>
-        </p:txBody>
-      </p:sp>
-    </p:spTree>
-    <p:extLst>
-      <p:ext uri="{BB962C8B-B14F-4D97-AF65-F5344CB8AC3E}">
-        <p14:creationId xmlns:p14="http://schemas.microsoft.com/office/powerpoint/2010/main" val="2524908556"/>
       </p:ext>
     </p:extLst>
   </p:cSld>
@@ -10905,18 +12611,32 @@
         </p:nvSpPr>
         <p:spPr/>
         <p:txBody>
-          <a:bodyPr/>
+          <a:bodyPr>
+            <a:noAutofit/>
+          </a:bodyPr>
           <a:lstStyle/>
           <a:p>
             <a:r>
-              <a:rPr lang="ru-RU" dirty="0" smtClean="0"/>
-              <a:t>Ограничения </a:t>
-            </a:r>
-            <a:r>
-              <a:rPr lang="en-US" dirty="0" smtClean="0"/>
-              <a:t>(constraints)</a:t>
-            </a:r>
-            <a:endParaRPr lang="en-US" dirty="0"/>
+              <a:rPr lang="ru-RU" sz="3600" dirty="0" smtClean="0"/>
+              <a:t>«Сокращенный» </a:t>
+            </a:r>
+            <a:r>
+              <a:rPr lang="en-US" sz="3600" dirty="0" smtClean="0"/>
+              <a:t>INSERT</a:t>
+            </a:r>
+            <a:r>
+              <a:rPr lang="ru-RU" sz="3600" dirty="0" smtClean="0"/>
+              <a:t>в </a:t>
+            </a:r>
+            <a:r>
+              <a:rPr lang="en-US" sz="3600" dirty="0" smtClean="0"/>
+              <a:t>MS SQL 2008 </a:t>
+            </a:r>
+            <a:r>
+              <a:rPr lang="ru-RU" sz="3600" dirty="0" smtClean="0"/>
+              <a:t>и выше</a:t>
+            </a:r>
+            <a:endParaRPr lang="en-US" sz="3600" dirty="0"/>
           </a:p>
         </p:txBody>
       </p:sp>
@@ -10930,50 +12650,808 @@
             <p:ph idx="1"/>
           </p:nvPr>
         </p:nvSpPr>
-        <p:spPr/>
+        <p:spPr>
+          <a:xfrm>
+            <a:off x="457200" y="1600200"/>
+            <a:ext cx="8147248" cy="2332855"/>
+          </a:xfrm>
+        </p:spPr>
         <p:txBody>
-          <a:bodyPr/>
+          <a:bodyPr>
+            <a:normAutofit/>
+          </a:bodyPr>
           <a:lstStyle/>
           <a:p>
+            <a:pPr marL="0" indent="0">
+              <a:buNone/>
+            </a:pPr>
+            <a:r>
+              <a:rPr lang="ru-RU" dirty="0" smtClean="0"/>
+              <a:t>В </a:t>
+            </a:r>
             <a:r>
               <a:rPr lang="en-US" dirty="0" smtClean="0"/>
-              <a:t>NOT NULL</a:t>
-            </a:r>
-          </a:p>
-          <a:p>
+              <a:t>SQL Server 2008 </a:t>
+            </a:r>
+            <a:r>
+              <a:rPr lang="ru-RU" dirty="0"/>
+              <a:t>и выше </a:t>
+            </a:r>
+            <a:r>
+              <a:rPr lang="ru-RU" dirty="0" smtClean="0"/>
+              <a:t>команда </a:t>
+            </a:r>
             <a:r>
               <a:rPr lang="en-US" dirty="0" smtClean="0"/>
-              <a:t>CHECK</a:t>
-            </a:r>
-          </a:p>
-          <a:p>
+              <a:t>INSERT </a:t>
+            </a:r>
+            <a:r>
+              <a:rPr lang="ru-RU" dirty="0" smtClean="0"/>
+              <a:t>дает возможность вставить несколько строк за один вызов</a:t>
+            </a:r>
             <a:r>
               <a:rPr lang="en-US" dirty="0" smtClean="0"/>
-              <a:t>UNIQUE</a:t>
-            </a:r>
-          </a:p>
-          <a:p>
-            <a:r>
-              <a:rPr lang="en-US" dirty="0" smtClean="0"/>
-              <a:t>PRIMARY KEY</a:t>
-            </a:r>
-          </a:p>
-          <a:p>
-            <a:r>
-              <a:rPr lang="en-US" dirty="0" smtClean="0"/>
-              <a:t> FOREIGN </a:t>
-            </a:r>
-            <a:r>
-              <a:rPr lang="en-US" dirty="0"/>
-              <a:t>KEY</a:t>
-            </a:r>
+              <a:t>. </a:t>
+            </a:r>
+            <a:r>
+              <a:rPr lang="ru-RU" dirty="0" smtClean="0"/>
+              <a:t>Добавление производится в рамках общей транзакции.</a:t>
+            </a:r>
+            <a:endParaRPr lang="en-US" dirty="0"/>
+          </a:p>
+        </p:txBody>
+      </p:sp>
+      <p:sp>
+        <p:nvSpPr>
+          <p:cNvPr id="5" name="Rectangle 4"/>
+          <p:cNvSpPr/>
+          <p:nvPr/>
+        </p:nvSpPr>
+        <p:spPr>
+          <a:xfrm>
+            <a:off x="457200" y="3989963"/>
+            <a:ext cx="8147248" cy="2031325"/>
+          </a:xfrm>
+          <a:prstGeom prst="rect">
+            <a:avLst/>
+          </a:prstGeom>
+          <a:solidFill>
+            <a:schemeClr val="bg1"/>
+          </a:solidFill>
+        </p:spPr>
+        <p:txBody>
+          <a:bodyPr wrap="square">
+            <a:spAutoFit/>
+          </a:bodyPr>
+          <a:lstStyle/>
+          <a:p>
+            <a:r>
+              <a:rPr lang="en-US" dirty="0">
+                <a:solidFill>
+                  <a:srgbClr val="0000FF"/>
+                </a:solidFill>
+                <a:latin typeface="Consolas"/>
+              </a:rPr>
+              <a:t>INSERT</a:t>
+            </a:r>
+            <a:r>
+              <a:rPr lang="en-US" dirty="0">
+                <a:solidFill>
+                  <a:prstClr val="black"/>
+                </a:solidFill>
+                <a:latin typeface="Consolas"/>
+              </a:rPr>
+              <a:t> </a:t>
+            </a:r>
+            <a:r>
+              <a:rPr lang="en-US" dirty="0">
+                <a:solidFill>
+                  <a:srgbClr val="0000FF"/>
+                </a:solidFill>
+                <a:latin typeface="Consolas"/>
+              </a:rPr>
+              <a:t>INTO</a:t>
+            </a:r>
+            <a:r>
+              <a:rPr lang="en-US" dirty="0">
+                <a:solidFill>
+                  <a:prstClr val="black"/>
+                </a:solidFill>
+                <a:latin typeface="Consolas"/>
+              </a:rPr>
+              <a:t> </a:t>
+            </a:r>
+            <a:r>
+              <a:rPr lang="en-US" dirty="0" err="1">
+                <a:solidFill>
+                  <a:prstClr val="black"/>
+                </a:solidFill>
+                <a:latin typeface="Consolas"/>
+              </a:rPr>
+              <a:t>CountryCapital</a:t>
+            </a:r>
+            <a:r>
+              <a:rPr lang="en-US" dirty="0">
+                <a:solidFill>
+                  <a:srgbClr val="0000FF"/>
+                </a:solidFill>
+                <a:latin typeface="Consolas"/>
+              </a:rPr>
+              <a:t> </a:t>
+            </a:r>
+            <a:r>
+              <a:rPr lang="en-US" dirty="0">
+                <a:solidFill>
+                  <a:srgbClr val="808080"/>
+                </a:solidFill>
+                <a:latin typeface="Consolas"/>
+              </a:rPr>
+              <a:t>(</a:t>
+            </a:r>
+            <a:r>
+              <a:rPr lang="en-US" dirty="0" err="1">
+                <a:solidFill>
+                  <a:prstClr val="black"/>
+                </a:solidFill>
+                <a:latin typeface="Consolas"/>
+              </a:rPr>
+              <a:t>PartOfWorld</a:t>
+            </a:r>
+            <a:r>
+              <a:rPr lang="en-US" dirty="0">
+                <a:solidFill>
+                  <a:srgbClr val="808080"/>
+                </a:solidFill>
+                <a:latin typeface="Consolas"/>
+              </a:rPr>
+              <a:t>,</a:t>
+            </a:r>
+            <a:r>
+              <a:rPr lang="en-US" dirty="0">
+                <a:solidFill>
+                  <a:prstClr val="black"/>
+                </a:solidFill>
+                <a:latin typeface="Consolas"/>
+              </a:rPr>
+              <a:t> Country</a:t>
+            </a:r>
+            <a:r>
+              <a:rPr lang="en-US" dirty="0">
+                <a:solidFill>
+                  <a:srgbClr val="808080"/>
+                </a:solidFill>
+                <a:latin typeface="Consolas"/>
+              </a:rPr>
+              <a:t>,</a:t>
+            </a:r>
+            <a:r>
+              <a:rPr lang="en-US" dirty="0">
+                <a:solidFill>
+                  <a:prstClr val="black"/>
+                </a:solidFill>
+                <a:latin typeface="Consolas"/>
+              </a:rPr>
+              <a:t> </a:t>
+            </a:r>
+            <a:r>
+              <a:rPr lang="en-US" dirty="0" err="1">
+                <a:solidFill>
+                  <a:prstClr val="black"/>
+                </a:solidFill>
+                <a:latin typeface="Consolas"/>
+              </a:rPr>
+              <a:t>CapitalCity</a:t>
+            </a:r>
+            <a:r>
+              <a:rPr lang="en-US" dirty="0">
+                <a:solidFill>
+                  <a:srgbClr val="808080"/>
+                </a:solidFill>
+                <a:latin typeface="Consolas"/>
+              </a:rPr>
+              <a:t>)</a:t>
+            </a:r>
+            <a:endParaRPr lang="en-US" dirty="0">
+              <a:solidFill>
+                <a:prstClr val="black"/>
+              </a:solidFill>
+              <a:latin typeface="Consolas"/>
+            </a:endParaRPr>
+          </a:p>
+          <a:p>
+            <a:r>
+              <a:rPr lang="en-US" dirty="0">
+                <a:solidFill>
+                  <a:prstClr val="black"/>
+                </a:solidFill>
+                <a:latin typeface="Consolas"/>
+              </a:rPr>
+              <a:t>    </a:t>
+            </a:r>
+            <a:r>
+              <a:rPr lang="en-US" dirty="0">
+                <a:solidFill>
+                  <a:srgbClr val="0000FF"/>
+                </a:solidFill>
+                <a:latin typeface="Consolas"/>
+              </a:rPr>
+              <a:t>VALUES </a:t>
+            </a:r>
+            <a:r>
+              <a:rPr lang="en-US" dirty="0">
+                <a:solidFill>
+                  <a:srgbClr val="808080"/>
+                </a:solidFill>
+                <a:latin typeface="Consolas"/>
+              </a:rPr>
+              <a:t>(</a:t>
+            </a:r>
+            <a:r>
+              <a:rPr lang="en-US" dirty="0">
+                <a:solidFill>
+                  <a:srgbClr val="FF0000"/>
+                </a:solidFill>
+                <a:latin typeface="Consolas"/>
+              </a:rPr>
+              <a:t>'</a:t>
+            </a:r>
+            <a:r>
+              <a:rPr lang="ru-RU" dirty="0">
+                <a:solidFill>
+                  <a:srgbClr val="FF0000"/>
+                </a:solidFill>
+                <a:latin typeface="Consolas"/>
+              </a:rPr>
+              <a:t>Европа'</a:t>
+            </a:r>
+            <a:r>
+              <a:rPr lang="ru-RU" dirty="0">
+                <a:solidFill>
+                  <a:srgbClr val="808080"/>
+                </a:solidFill>
+                <a:latin typeface="Consolas"/>
+              </a:rPr>
+              <a:t>,</a:t>
+            </a:r>
+            <a:r>
+              <a:rPr lang="ru-RU" dirty="0">
+                <a:solidFill>
+                  <a:prstClr val="black"/>
+                </a:solidFill>
+                <a:latin typeface="Consolas"/>
+              </a:rPr>
+              <a:t> </a:t>
+            </a:r>
+            <a:r>
+              <a:rPr lang="ru-RU" dirty="0">
+                <a:solidFill>
+                  <a:srgbClr val="FF0000"/>
+                </a:solidFill>
+                <a:latin typeface="Consolas"/>
+              </a:rPr>
+              <a:t>'Австрия'</a:t>
+            </a:r>
+            <a:r>
+              <a:rPr lang="ru-RU" dirty="0">
+                <a:solidFill>
+                  <a:srgbClr val="808080"/>
+                </a:solidFill>
+                <a:latin typeface="Consolas"/>
+              </a:rPr>
+              <a:t>,</a:t>
+            </a:r>
+            <a:r>
+              <a:rPr lang="ru-RU" dirty="0">
+                <a:solidFill>
+                  <a:prstClr val="black"/>
+                </a:solidFill>
+                <a:latin typeface="Consolas"/>
+              </a:rPr>
+              <a:t> </a:t>
+            </a:r>
+            <a:r>
+              <a:rPr lang="ru-RU" dirty="0">
+                <a:solidFill>
+                  <a:srgbClr val="FF0000"/>
+                </a:solidFill>
+                <a:latin typeface="Consolas"/>
+              </a:rPr>
+              <a:t>'Вена'</a:t>
+            </a:r>
+            <a:r>
+              <a:rPr lang="ru-RU" dirty="0">
+                <a:solidFill>
+                  <a:srgbClr val="808080"/>
+                </a:solidFill>
+                <a:latin typeface="Consolas"/>
+              </a:rPr>
+              <a:t>)</a:t>
+            </a:r>
+            <a:endParaRPr lang="ru-RU" dirty="0">
+              <a:solidFill>
+                <a:prstClr val="black"/>
+              </a:solidFill>
+              <a:latin typeface="Consolas"/>
+            </a:endParaRPr>
+          </a:p>
+          <a:p>
+            <a:r>
+              <a:rPr lang="ru-RU" dirty="0">
+                <a:solidFill>
+                  <a:prstClr val="black"/>
+                </a:solidFill>
+                <a:latin typeface="Consolas"/>
+              </a:rPr>
+              <a:t>         </a:t>
+            </a:r>
+            <a:r>
+              <a:rPr lang="ru-RU" dirty="0">
+                <a:solidFill>
+                  <a:srgbClr val="808080"/>
+                </a:solidFill>
+                <a:latin typeface="Consolas"/>
+              </a:rPr>
+              <a:t>,</a:t>
+            </a:r>
+            <a:r>
+              <a:rPr lang="ru-RU" dirty="0">
+                <a:solidFill>
+                  <a:srgbClr val="0000FF"/>
+                </a:solidFill>
+                <a:latin typeface="Consolas"/>
+              </a:rPr>
+              <a:t> </a:t>
+            </a:r>
+            <a:r>
+              <a:rPr lang="ru-RU" dirty="0">
+                <a:solidFill>
+                  <a:srgbClr val="808080"/>
+                </a:solidFill>
+                <a:latin typeface="Consolas"/>
+              </a:rPr>
+              <a:t>(</a:t>
+            </a:r>
+            <a:r>
+              <a:rPr lang="ru-RU" dirty="0">
+                <a:solidFill>
+                  <a:srgbClr val="FF0000"/>
+                </a:solidFill>
+                <a:latin typeface="Consolas"/>
+              </a:rPr>
+              <a:t>'Европа'</a:t>
+            </a:r>
+            <a:r>
+              <a:rPr lang="ru-RU" dirty="0">
+                <a:solidFill>
+                  <a:srgbClr val="808080"/>
+                </a:solidFill>
+                <a:latin typeface="Consolas"/>
+              </a:rPr>
+              <a:t>,</a:t>
+            </a:r>
+            <a:r>
+              <a:rPr lang="ru-RU" dirty="0">
+                <a:solidFill>
+                  <a:prstClr val="black"/>
+                </a:solidFill>
+                <a:latin typeface="Consolas"/>
+              </a:rPr>
+              <a:t> </a:t>
+            </a:r>
+            <a:r>
+              <a:rPr lang="ru-RU" dirty="0">
+                <a:solidFill>
+                  <a:srgbClr val="FF0000"/>
+                </a:solidFill>
+                <a:latin typeface="Consolas"/>
+              </a:rPr>
+              <a:t>'Албания'</a:t>
+            </a:r>
+            <a:r>
+              <a:rPr lang="ru-RU" dirty="0">
+                <a:solidFill>
+                  <a:srgbClr val="808080"/>
+                </a:solidFill>
+                <a:latin typeface="Consolas"/>
+              </a:rPr>
+              <a:t>,</a:t>
+            </a:r>
+            <a:r>
+              <a:rPr lang="ru-RU" dirty="0">
+                <a:solidFill>
+                  <a:prstClr val="black"/>
+                </a:solidFill>
+                <a:latin typeface="Consolas"/>
+              </a:rPr>
+              <a:t> </a:t>
+            </a:r>
+            <a:r>
+              <a:rPr lang="ru-RU" dirty="0">
+                <a:solidFill>
+                  <a:srgbClr val="FF0000"/>
+                </a:solidFill>
+                <a:latin typeface="Consolas"/>
+              </a:rPr>
+              <a:t>'Тирана'</a:t>
+            </a:r>
+            <a:r>
+              <a:rPr lang="ru-RU" dirty="0">
+                <a:solidFill>
+                  <a:srgbClr val="808080"/>
+                </a:solidFill>
+                <a:latin typeface="Consolas"/>
+              </a:rPr>
+              <a:t>)</a:t>
+            </a:r>
+            <a:endParaRPr lang="ru-RU" dirty="0">
+              <a:solidFill>
+                <a:prstClr val="black"/>
+              </a:solidFill>
+              <a:latin typeface="Consolas"/>
+            </a:endParaRPr>
+          </a:p>
+          <a:p>
+            <a:r>
+              <a:rPr lang="ru-RU" dirty="0">
+                <a:solidFill>
+                  <a:prstClr val="black"/>
+                </a:solidFill>
+                <a:latin typeface="Consolas"/>
+              </a:rPr>
+              <a:t>         </a:t>
+            </a:r>
+            <a:r>
+              <a:rPr lang="ru-RU" dirty="0">
+                <a:solidFill>
+                  <a:srgbClr val="808080"/>
+                </a:solidFill>
+                <a:latin typeface="Consolas"/>
+              </a:rPr>
+              <a:t>,</a:t>
+            </a:r>
+            <a:r>
+              <a:rPr lang="ru-RU" dirty="0">
+                <a:solidFill>
+                  <a:srgbClr val="0000FF"/>
+                </a:solidFill>
+                <a:latin typeface="Consolas"/>
+              </a:rPr>
+              <a:t> </a:t>
+            </a:r>
+            <a:r>
+              <a:rPr lang="ru-RU" dirty="0">
+                <a:solidFill>
+                  <a:srgbClr val="808080"/>
+                </a:solidFill>
+                <a:latin typeface="Consolas"/>
+              </a:rPr>
+              <a:t>(</a:t>
+            </a:r>
+            <a:r>
+              <a:rPr lang="ru-RU" dirty="0">
+                <a:solidFill>
+                  <a:srgbClr val="FF0000"/>
+                </a:solidFill>
+                <a:latin typeface="Consolas"/>
+              </a:rPr>
+              <a:t>'Европа'</a:t>
+            </a:r>
+            <a:r>
+              <a:rPr lang="ru-RU" dirty="0">
+                <a:solidFill>
+                  <a:srgbClr val="808080"/>
+                </a:solidFill>
+                <a:latin typeface="Consolas"/>
+              </a:rPr>
+              <a:t>,</a:t>
+            </a:r>
+            <a:r>
+              <a:rPr lang="ru-RU" dirty="0">
+                <a:solidFill>
+                  <a:prstClr val="black"/>
+                </a:solidFill>
+                <a:latin typeface="Consolas"/>
+              </a:rPr>
+              <a:t> </a:t>
+            </a:r>
+            <a:r>
+              <a:rPr lang="ru-RU" dirty="0">
+                <a:solidFill>
+                  <a:srgbClr val="FF0000"/>
+                </a:solidFill>
+                <a:latin typeface="Consolas"/>
+              </a:rPr>
+              <a:t>'Андорра'</a:t>
+            </a:r>
+            <a:r>
+              <a:rPr lang="ru-RU" dirty="0">
+                <a:solidFill>
+                  <a:srgbClr val="808080"/>
+                </a:solidFill>
+                <a:latin typeface="Consolas"/>
+              </a:rPr>
+              <a:t>,</a:t>
+            </a:r>
+            <a:r>
+              <a:rPr lang="ru-RU" dirty="0">
+                <a:solidFill>
+                  <a:prstClr val="black"/>
+                </a:solidFill>
+                <a:latin typeface="Consolas"/>
+              </a:rPr>
+              <a:t> </a:t>
+            </a:r>
+            <a:r>
+              <a:rPr lang="ru-RU" dirty="0">
+                <a:solidFill>
+                  <a:srgbClr val="FF0000"/>
+                </a:solidFill>
+                <a:latin typeface="Consolas"/>
+              </a:rPr>
+              <a:t>'Андорра-ла-Велья'</a:t>
+            </a:r>
+            <a:r>
+              <a:rPr lang="ru-RU" dirty="0">
+                <a:solidFill>
+                  <a:srgbClr val="808080"/>
+                </a:solidFill>
+                <a:latin typeface="Consolas"/>
+              </a:rPr>
+              <a:t>)</a:t>
+            </a:r>
+            <a:endParaRPr lang="ru-RU" dirty="0">
+              <a:solidFill>
+                <a:prstClr val="black"/>
+              </a:solidFill>
+              <a:latin typeface="Consolas"/>
+            </a:endParaRPr>
+          </a:p>
+          <a:p>
+            <a:r>
+              <a:rPr lang="ru-RU" dirty="0">
+                <a:solidFill>
+                  <a:prstClr val="black"/>
+                </a:solidFill>
+                <a:latin typeface="Consolas"/>
+              </a:rPr>
+              <a:t>         </a:t>
+            </a:r>
+            <a:r>
+              <a:rPr lang="ru-RU" dirty="0">
+                <a:solidFill>
+                  <a:srgbClr val="808080"/>
+                </a:solidFill>
+                <a:latin typeface="Consolas"/>
+              </a:rPr>
+              <a:t>,</a:t>
+            </a:r>
+            <a:r>
+              <a:rPr lang="ru-RU" dirty="0">
+                <a:solidFill>
+                  <a:srgbClr val="0000FF"/>
+                </a:solidFill>
+                <a:latin typeface="Consolas"/>
+              </a:rPr>
+              <a:t> </a:t>
+            </a:r>
+            <a:r>
+              <a:rPr lang="ru-RU" dirty="0">
+                <a:solidFill>
+                  <a:srgbClr val="808080"/>
+                </a:solidFill>
+                <a:latin typeface="Consolas"/>
+              </a:rPr>
+              <a:t>(</a:t>
+            </a:r>
+            <a:r>
+              <a:rPr lang="ru-RU" dirty="0">
+                <a:solidFill>
+                  <a:srgbClr val="FF0000"/>
+                </a:solidFill>
+                <a:latin typeface="Consolas"/>
+              </a:rPr>
+              <a:t>'Европа'</a:t>
+            </a:r>
+            <a:r>
+              <a:rPr lang="ru-RU" dirty="0">
+                <a:solidFill>
+                  <a:srgbClr val="808080"/>
+                </a:solidFill>
+                <a:latin typeface="Consolas"/>
+              </a:rPr>
+              <a:t>,</a:t>
+            </a:r>
+            <a:r>
+              <a:rPr lang="ru-RU" dirty="0">
+                <a:solidFill>
+                  <a:prstClr val="black"/>
+                </a:solidFill>
+                <a:latin typeface="Consolas"/>
+              </a:rPr>
+              <a:t> </a:t>
+            </a:r>
+            <a:r>
+              <a:rPr lang="ru-RU" dirty="0">
+                <a:solidFill>
+                  <a:srgbClr val="FF0000"/>
+                </a:solidFill>
+                <a:latin typeface="Consolas"/>
+              </a:rPr>
+              <a:t>'Белоруссия'</a:t>
+            </a:r>
+            <a:r>
+              <a:rPr lang="ru-RU" dirty="0">
+                <a:solidFill>
+                  <a:srgbClr val="808080"/>
+                </a:solidFill>
+                <a:latin typeface="Consolas"/>
+              </a:rPr>
+              <a:t>,</a:t>
+            </a:r>
+            <a:r>
+              <a:rPr lang="ru-RU" dirty="0">
+                <a:solidFill>
+                  <a:prstClr val="black"/>
+                </a:solidFill>
+                <a:latin typeface="Consolas"/>
+              </a:rPr>
+              <a:t> </a:t>
+            </a:r>
+            <a:r>
+              <a:rPr lang="ru-RU" dirty="0">
+                <a:solidFill>
+                  <a:srgbClr val="FF0000"/>
+                </a:solidFill>
+                <a:latin typeface="Consolas"/>
+              </a:rPr>
+              <a:t>'Минск'</a:t>
+            </a:r>
+            <a:r>
+              <a:rPr lang="ru-RU" dirty="0">
+                <a:solidFill>
+                  <a:srgbClr val="808080"/>
+                </a:solidFill>
+                <a:latin typeface="Consolas"/>
+              </a:rPr>
+              <a:t>)</a:t>
+            </a:r>
+            <a:endParaRPr lang="ru-RU" dirty="0">
+              <a:solidFill>
+                <a:prstClr val="black"/>
+              </a:solidFill>
+              <a:latin typeface="Consolas"/>
+            </a:endParaRPr>
+          </a:p>
+          <a:p>
+            <a:r>
+              <a:rPr lang="ru-RU" dirty="0">
+                <a:solidFill>
+                  <a:prstClr val="black"/>
+                </a:solidFill>
+                <a:latin typeface="Consolas"/>
+              </a:rPr>
+              <a:t>         </a:t>
+            </a:r>
+            <a:r>
+              <a:rPr lang="ru-RU" dirty="0">
+                <a:solidFill>
+                  <a:srgbClr val="808080"/>
+                </a:solidFill>
+                <a:latin typeface="Consolas"/>
+              </a:rPr>
+              <a:t>,</a:t>
+            </a:r>
+            <a:r>
+              <a:rPr lang="ru-RU" dirty="0">
+                <a:solidFill>
+                  <a:srgbClr val="0000FF"/>
+                </a:solidFill>
+                <a:latin typeface="Consolas"/>
+              </a:rPr>
+              <a:t> </a:t>
+            </a:r>
+            <a:r>
+              <a:rPr lang="ru-RU" dirty="0">
+                <a:solidFill>
+                  <a:srgbClr val="808080"/>
+                </a:solidFill>
+                <a:latin typeface="Consolas"/>
+              </a:rPr>
+              <a:t>(</a:t>
+            </a:r>
+            <a:r>
+              <a:rPr lang="ru-RU" dirty="0">
+                <a:solidFill>
+                  <a:srgbClr val="FF0000"/>
+                </a:solidFill>
+                <a:latin typeface="Consolas"/>
+              </a:rPr>
+              <a:t>'Европа'</a:t>
+            </a:r>
+            <a:r>
+              <a:rPr lang="ru-RU" dirty="0">
+                <a:solidFill>
+                  <a:srgbClr val="808080"/>
+                </a:solidFill>
+                <a:latin typeface="Consolas"/>
+              </a:rPr>
+              <a:t>,</a:t>
+            </a:r>
+            <a:r>
+              <a:rPr lang="ru-RU" dirty="0">
+                <a:solidFill>
+                  <a:prstClr val="black"/>
+                </a:solidFill>
+                <a:latin typeface="Consolas"/>
+              </a:rPr>
+              <a:t> </a:t>
+            </a:r>
+            <a:r>
+              <a:rPr lang="ru-RU" dirty="0">
+                <a:solidFill>
+                  <a:srgbClr val="FF0000"/>
+                </a:solidFill>
+                <a:latin typeface="Consolas"/>
+              </a:rPr>
+              <a:t>'Бельгия'</a:t>
+            </a:r>
+            <a:r>
+              <a:rPr lang="ru-RU" dirty="0">
+                <a:solidFill>
+                  <a:srgbClr val="808080"/>
+                </a:solidFill>
+                <a:latin typeface="Consolas"/>
+              </a:rPr>
+              <a:t>,</a:t>
+            </a:r>
+            <a:r>
+              <a:rPr lang="ru-RU" dirty="0">
+                <a:solidFill>
+                  <a:prstClr val="black"/>
+                </a:solidFill>
+                <a:latin typeface="Consolas"/>
+              </a:rPr>
+              <a:t> </a:t>
+            </a:r>
+            <a:r>
+              <a:rPr lang="ru-RU" dirty="0">
+                <a:solidFill>
+                  <a:srgbClr val="FF0000"/>
+                </a:solidFill>
+                <a:latin typeface="Consolas"/>
+              </a:rPr>
+              <a:t>'Брюссель'</a:t>
+            </a:r>
+            <a:r>
+              <a:rPr lang="ru-RU" dirty="0">
+                <a:solidFill>
+                  <a:srgbClr val="808080"/>
+                </a:solidFill>
+                <a:latin typeface="Consolas"/>
+              </a:rPr>
+              <a:t>)</a:t>
+            </a:r>
+            <a:endParaRPr lang="ru-RU" dirty="0">
+              <a:solidFill>
+                <a:prstClr val="black"/>
+              </a:solidFill>
+              <a:latin typeface="Consolas"/>
+            </a:endParaRPr>
+          </a:p>
+          <a:p>
+            <a:endParaRPr lang="ru-RU" dirty="0">
+              <a:solidFill>
+                <a:prstClr val="black"/>
+              </a:solidFill>
+              <a:latin typeface="Consolas"/>
+            </a:endParaRPr>
           </a:p>
         </p:txBody>
       </p:sp>
     </p:spTree>
     <p:extLst>
       <p:ext uri="{BB962C8B-B14F-4D97-AF65-F5344CB8AC3E}">
-        <p14:creationId xmlns:p14="http://schemas.microsoft.com/office/powerpoint/2010/main" val="3114920222"/>
+        <p14:creationId xmlns:p14="http://schemas.microsoft.com/office/powerpoint/2010/main" val="1003551259"/>
       </p:ext>
     </p:extLst>
   </p:cSld>
@@ -11185,11 +13663,11 @@
   <p:clrMapOvr>
     <a:masterClrMapping/>
   </p:clrMapOvr>
-  <mc:AlternateContent xmlns:mc="http://schemas.openxmlformats.org/markup-compatibility/2006">
-    <mc:Choice xmlns:p14="http://schemas.microsoft.com/office/powerpoint/2010/main" Requires="p14">
+  <mc:AlternateContent xmlns:mc="http://schemas.openxmlformats.org/markup-compatibility/2006" xmlns:p14="http://schemas.microsoft.com/office/powerpoint/2010/main">
+    <mc:Choice Requires="p14">
       <p:transition spd="slow" p14:dur="2000"/>
     </mc:Choice>
-    <mc:Fallback>
+    <mc:Fallback xmlns="">
       <p:transition spd="slow"/>
     </mc:Fallback>
   </mc:AlternateContent>
@@ -11236,8 +13714,12 @@
           <a:lstStyle/>
           <a:p>
             <a:r>
+              <a:rPr lang="en-US" dirty="0" smtClean="0"/>
+              <a:t>T-SQL: </a:t>
+            </a:r>
+            <a:r>
               <a:rPr lang="ru-RU" dirty="0" smtClean="0"/>
-              <a:t>Хранимые процедуры</a:t>
+              <a:t>Комментарии</a:t>
             </a:r>
             <a:endParaRPr lang="en-US" dirty="0"/>
           </a:p>
@@ -11255,61 +13737,203 @@
         </p:nvSpPr>
         <p:spPr>
           <a:xfrm>
-            <a:off x="457200" y="1600200"/>
-            <a:ext cx="8229600" cy="3773015"/>
+            <a:off x="457200" y="1600201"/>
+            <a:ext cx="8147248" cy="1180728"/>
           </a:xfrm>
         </p:spPr>
         <p:txBody>
-          <a:bodyPr/>
+          <a:bodyPr>
+            <a:normAutofit/>
+          </a:bodyPr>
           <a:lstStyle/>
           <a:p>
             <a:pPr marL="0" indent="0">
               <a:buNone/>
             </a:pPr>
             <a:r>
+              <a:rPr lang="en-US" dirty="0" smtClean="0"/>
+              <a:t>SQL </a:t>
+            </a:r>
+            <a:r>
               <a:rPr lang="ru-RU" dirty="0" smtClean="0"/>
-              <a:t>Хранимая процедура это функция на языке </a:t>
+              <a:t>поддерживает однострочные (--) и многострочные комментарии (</a:t>
             </a:r>
             <a:r>
               <a:rPr lang="en-US" dirty="0" smtClean="0"/>
-              <a:t>SQL. </a:t>
+              <a:t>/* ... */</a:t>
             </a:r>
             <a:r>
               <a:rPr lang="ru-RU" dirty="0" smtClean="0"/>
-              <a:t>У процедуры могут быть параметры. Для создания процедуры используется команда </a:t>
-            </a:r>
-            <a:r>
-              <a:rPr lang="en-US" dirty="0" smtClean="0"/>
-              <a:t>CREATE PROC, </a:t>
-            </a:r>
-            <a:r>
-              <a:rPr lang="ru-RU" dirty="0" smtClean="0"/>
-              <a:t>для изменения </a:t>
-            </a:r>
-            <a:r>
-              <a:rPr lang="en-US" dirty="0" smtClean="0"/>
-              <a:t>ALTER PROC </a:t>
-            </a:r>
-            <a:r>
-              <a:rPr lang="ru-RU" dirty="0" smtClean="0"/>
-              <a:t>и </a:t>
-            </a:r>
-            <a:r>
-              <a:rPr lang="en-US" dirty="0" smtClean="0"/>
-              <a:t>DROP PROC </a:t>
-            </a:r>
-            <a:r>
-              <a:rPr lang="ru-RU" dirty="0" smtClean="0"/>
-              <a:t>для удаления.</a:t>
-            </a:r>
-            <a:endParaRPr lang="en-US" dirty="0" smtClean="0"/>
+              <a:t>:</a:t>
+            </a:r>
+          </a:p>
+          <a:p>
+            <a:pPr marL="0" indent="0">
+              <a:buNone/>
+            </a:pPr>
+            <a:endParaRPr lang="en-US" dirty="0"/>
+          </a:p>
+        </p:txBody>
+      </p:sp>
+      <p:sp>
+        <p:nvSpPr>
+          <p:cNvPr id="5" name="Rectangle 4"/>
+          <p:cNvSpPr/>
+          <p:nvPr/>
+        </p:nvSpPr>
+        <p:spPr>
+          <a:xfrm>
+            <a:off x="457200" y="2837835"/>
+            <a:ext cx="8147248" cy="1477328"/>
+          </a:xfrm>
+          <a:prstGeom prst="rect">
+            <a:avLst/>
+          </a:prstGeom>
+          <a:solidFill>
+            <a:schemeClr val="bg1"/>
+          </a:solidFill>
+        </p:spPr>
+        <p:txBody>
+          <a:bodyPr wrap="square">
+            <a:spAutoFit/>
+          </a:bodyPr>
+          <a:lstStyle/>
+          <a:p>
+            <a:r>
+              <a:rPr lang="ru-RU" dirty="0">
+                <a:solidFill>
+                  <a:srgbClr val="008000"/>
+                </a:solidFill>
+                <a:latin typeface="Consolas"/>
+              </a:rPr>
+              <a:t>/*</a:t>
+            </a:r>
+            <a:endParaRPr lang="ru-RU" dirty="0">
+              <a:solidFill>
+                <a:prstClr val="black"/>
+              </a:solidFill>
+              <a:latin typeface="Consolas"/>
+            </a:endParaRPr>
+          </a:p>
+          <a:p>
+            <a:r>
+              <a:rPr lang="ru-RU" dirty="0">
+                <a:solidFill>
+                  <a:srgbClr val="008000"/>
+                </a:solidFill>
+                <a:latin typeface="Consolas"/>
+              </a:rPr>
+              <a:t>    Пример простого </a:t>
+            </a:r>
+            <a:r>
+              <a:rPr lang="en-US" dirty="0">
+                <a:solidFill>
+                  <a:srgbClr val="008000"/>
+                </a:solidFill>
+                <a:latin typeface="Consolas"/>
+              </a:rPr>
+              <a:t>T-SQL </a:t>
+            </a:r>
+            <a:r>
+              <a:rPr lang="ru-RU" dirty="0">
+                <a:solidFill>
+                  <a:srgbClr val="008000"/>
+                </a:solidFill>
+                <a:latin typeface="Consolas"/>
+              </a:rPr>
+              <a:t>скрипта</a:t>
+            </a:r>
+            <a:endParaRPr lang="ru-RU" dirty="0">
+              <a:solidFill>
+                <a:prstClr val="black"/>
+              </a:solidFill>
+              <a:latin typeface="Consolas"/>
+            </a:endParaRPr>
+          </a:p>
+          <a:p>
+            <a:r>
+              <a:rPr lang="ru-RU" dirty="0">
+                <a:solidFill>
+                  <a:srgbClr val="008000"/>
+                </a:solidFill>
+                <a:latin typeface="Consolas"/>
+              </a:rPr>
+              <a:t>*/</a:t>
+            </a:r>
+            <a:endParaRPr lang="ru-RU" dirty="0">
+              <a:solidFill>
+                <a:prstClr val="black"/>
+              </a:solidFill>
+              <a:latin typeface="Consolas"/>
+            </a:endParaRPr>
+          </a:p>
+          <a:p>
+            <a:r>
+              <a:rPr lang="ru-RU" dirty="0">
+                <a:solidFill>
+                  <a:srgbClr val="0000FF"/>
+                </a:solidFill>
+                <a:latin typeface="Consolas"/>
+              </a:rPr>
+              <a:t>EXEC</a:t>
+            </a:r>
+            <a:r>
+              <a:rPr lang="ru-RU" dirty="0">
+                <a:solidFill>
+                  <a:prstClr val="black"/>
+                </a:solidFill>
+                <a:latin typeface="Consolas"/>
+              </a:rPr>
+              <a:t> </a:t>
+            </a:r>
+            <a:r>
+              <a:rPr lang="ru-RU" dirty="0">
+                <a:solidFill>
+                  <a:srgbClr val="800000"/>
+                </a:solidFill>
+                <a:latin typeface="Consolas"/>
+              </a:rPr>
+              <a:t>sp_help</a:t>
+            </a:r>
+            <a:r>
+              <a:rPr lang="ru-RU" dirty="0">
+                <a:solidFill>
+                  <a:srgbClr val="0000FF"/>
+                </a:solidFill>
+                <a:latin typeface="Consolas"/>
+              </a:rPr>
+              <a:t> </a:t>
+            </a:r>
+            <a:r>
+              <a:rPr lang="ru-RU" dirty="0">
+                <a:solidFill>
+                  <a:srgbClr val="008000"/>
+                </a:solidFill>
+                <a:latin typeface="Consolas"/>
+              </a:rPr>
+              <a:t>-- Выполняем системную хранимую процедуру sp_help</a:t>
+            </a:r>
+            <a:endParaRPr lang="ru-RU" dirty="0">
+              <a:solidFill>
+                <a:prstClr val="black"/>
+              </a:solidFill>
+              <a:latin typeface="Consolas"/>
+            </a:endParaRPr>
+          </a:p>
+          <a:p>
+            <a:endParaRPr lang="ru-RU" dirty="0">
+              <a:solidFill>
+                <a:prstClr val="black"/>
+              </a:solidFill>
+              <a:latin typeface="Consolas"/>
+            </a:endParaRPr>
           </a:p>
         </p:txBody>
       </p:sp>
     </p:spTree>
     <p:extLst>
       <p:ext uri="{BB962C8B-B14F-4D97-AF65-F5344CB8AC3E}">
-        <p14:creationId xmlns:p14="http://schemas.microsoft.com/office/powerpoint/2010/main" val="2533733971"/>
+        <p14:creationId xmlns:p14="http://schemas.microsoft.com/office/powerpoint/2010/main" val="2524908556"/>
       </p:ext>
     </p:extLst>
   </p:cSld>
@@ -11360,6 +13984,243 @@
           <a:p>
             <a:r>
               <a:rPr lang="ru-RU" dirty="0" smtClean="0"/>
+              <a:t>Ограничения </a:t>
+            </a:r>
+            <a:r>
+              <a:rPr lang="en-US" dirty="0" smtClean="0"/>
+              <a:t>(constraints)</a:t>
+            </a:r>
+            <a:endParaRPr lang="en-US" dirty="0"/>
+          </a:p>
+        </p:txBody>
+      </p:sp>
+      <p:sp>
+        <p:nvSpPr>
+          <p:cNvPr id="3" name="Content Placeholder 2"/>
+          <p:cNvSpPr>
+            <a:spLocks noGrp="1"/>
+          </p:cNvSpPr>
+          <p:nvPr>
+            <p:ph idx="1"/>
+          </p:nvPr>
+        </p:nvSpPr>
+        <p:spPr/>
+        <p:txBody>
+          <a:bodyPr/>
+          <a:lstStyle/>
+          <a:p>
+            <a:r>
+              <a:rPr lang="en-US" dirty="0" smtClean="0"/>
+              <a:t>NOT NULL</a:t>
+            </a:r>
+          </a:p>
+          <a:p>
+            <a:r>
+              <a:rPr lang="en-US" dirty="0" smtClean="0"/>
+              <a:t>CHECK</a:t>
+            </a:r>
+          </a:p>
+          <a:p>
+            <a:r>
+              <a:rPr lang="en-US" dirty="0" smtClean="0"/>
+              <a:t>UNIQUE</a:t>
+            </a:r>
+          </a:p>
+          <a:p>
+            <a:r>
+              <a:rPr lang="en-US" dirty="0" smtClean="0"/>
+              <a:t>PRIMARY KEY</a:t>
+            </a:r>
+          </a:p>
+          <a:p>
+            <a:r>
+              <a:rPr lang="en-US" dirty="0" smtClean="0"/>
+              <a:t> FOREIGN </a:t>
+            </a:r>
+            <a:r>
+              <a:rPr lang="en-US" dirty="0"/>
+              <a:t>KEY</a:t>
+            </a:r>
+          </a:p>
+        </p:txBody>
+      </p:sp>
+    </p:spTree>
+    <p:extLst>
+      <p:ext uri="{BB962C8B-B14F-4D97-AF65-F5344CB8AC3E}">
+        <p14:creationId xmlns:p14="http://schemas.microsoft.com/office/powerpoint/2010/main" val="3114920222"/>
+      </p:ext>
+    </p:extLst>
+  </p:cSld>
+  <p:clrMapOvr>
+    <a:masterClrMapping/>
+  </p:clrMapOvr>
+  <p:timing>
+    <p:tnLst>
+      <p:par>
+        <p:cTn id="1" dur="indefinite" restart="never" nodeType="tmRoot"/>
+      </p:par>
+    </p:tnLst>
+  </p:timing>
+</p:sld>
+</file>
+
+<file path=ppt/slides/slide32.xml><?xml version="1.0" encoding="utf-8"?>
+<p:sld xmlns:a="http://schemas.openxmlformats.org/drawingml/2006/main" xmlns:r="http://schemas.openxmlformats.org/officeDocument/2006/relationships" xmlns:p="http://schemas.openxmlformats.org/presentationml/2006/main">
+  <p:cSld>
+    <p:spTree>
+      <p:nvGrpSpPr>
+        <p:cNvPr id="1" name=""/>
+        <p:cNvGrpSpPr/>
+        <p:nvPr/>
+      </p:nvGrpSpPr>
+      <p:grpSpPr>
+        <a:xfrm>
+          <a:off x="0" y="0"/>
+          <a:ext cx="0" cy="0"/>
+          <a:chOff x="0" y="0"/>
+          <a:chExt cx="0" cy="0"/>
+        </a:xfrm>
+      </p:grpSpPr>
+      <p:sp>
+        <p:nvSpPr>
+          <p:cNvPr id="2" name="Title 1"/>
+          <p:cNvSpPr>
+            <a:spLocks noGrp="1"/>
+          </p:cNvSpPr>
+          <p:nvPr>
+            <p:ph type="title"/>
+          </p:nvPr>
+        </p:nvSpPr>
+        <p:spPr/>
+        <p:txBody>
+          <a:bodyPr/>
+          <a:lstStyle/>
+          <a:p>
+            <a:r>
+              <a:rPr lang="ru-RU" dirty="0" smtClean="0"/>
+              <a:t>Хранимые процедуры</a:t>
+            </a:r>
+            <a:endParaRPr lang="en-US" dirty="0"/>
+          </a:p>
+        </p:txBody>
+      </p:sp>
+      <p:sp>
+        <p:nvSpPr>
+          <p:cNvPr id="3" name="Content Placeholder 2"/>
+          <p:cNvSpPr>
+            <a:spLocks noGrp="1"/>
+          </p:cNvSpPr>
+          <p:nvPr>
+            <p:ph idx="1"/>
+          </p:nvPr>
+        </p:nvSpPr>
+        <p:spPr>
+          <a:xfrm>
+            <a:off x="457200" y="1600200"/>
+            <a:ext cx="8229600" cy="3773015"/>
+          </a:xfrm>
+        </p:spPr>
+        <p:txBody>
+          <a:bodyPr/>
+          <a:lstStyle/>
+          <a:p>
+            <a:pPr marL="0" indent="0">
+              <a:buNone/>
+            </a:pPr>
+            <a:r>
+              <a:rPr lang="ru-RU" dirty="0" smtClean="0"/>
+              <a:t>Хранимая процедура это функция на языке </a:t>
+            </a:r>
+            <a:r>
+              <a:rPr lang="en-US" dirty="0" smtClean="0"/>
+              <a:t>SQL. </a:t>
+            </a:r>
+            <a:r>
+              <a:rPr lang="ru-RU" dirty="0" smtClean="0"/>
+              <a:t>У процедуры могут быть параметры. Для создания процедуры используется команда </a:t>
+            </a:r>
+            <a:r>
+              <a:rPr lang="en-US" dirty="0" smtClean="0"/>
+              <a:t>CREATE PROC, </a:t>
+            </a:r>
+            <a:r>
+              <a:rPr lang="ru-RU" dirty="0" smtClean="0"/>
+              <a:t>для изменения </a:t>
+            </a:r>
+            <a:r>
+              <a:rPr lang="en-US" dirty="0" smtClean="0"/>
+              <a:t>ALTER PROC </a:t>
+            </a:r>
+            <a:r>
+              <a:rPr lang="ru-RU" dirty="0" smtClean="0"/>
+              <a:t>и </a:t>
+            </a:r>
+            <a:r>
+              <a:rPr lang="en-US" dirty="0" smtClean="0"/>
+              <a:t>DROP PROC </a:t>
+            </a:r>
+            <a:r>
+              <a:rPr lang="ru-RU" dirty="0" smtClean="0"/>
+              <a:t>для удаления.</a:t>
+            </a:r>
+            <a:endParaRPr lang="en-US" dirty="0" smtClean="0"/>
+          </a:p>
+        </p:txBody>
+      </p:sp>
+    </p:spTree>
+    <p:extLst>
+      <p:ext uri="{BB962C8B-B14F-4D97-AF65-F5344CB8AC3E}">
+        <p14:creationId xmlns:p14="http://schemas.microsoft.com/office/powerpoint/2010/main" val="2533733971"/>
+      </p:ext>
+    </p:extLst>
+  </p:cSld>
+  <p:clrMapOvr>
+    <a:masterClrMapping/>
+  </p:clrMapOvr>
+  <p:timing>
+    <p:tnLst>
+      <p:par>
+        <p:cTn id="1" dur="indefinite" restart="never" nodeType="tmRoot"/>
+      </p:par>
+    </p:tnLst>
+  </p:timing>
+</p:sld>
+</file>
+
+<file path=ppt/slides/slide33.xml><?xml version="1.0" encoding="utf-8"?>
+<p:sld xmlns:a="http://schemas.openxmlformats.org/drawingml/2006/main" xmlns:r="http://schemas.openxmlformats.org/officeDocument/2006/relationships" xmlns:p="http://schemas.openxmlformats.org/presentationml/2006/main">
+  <p:cSld>
+    <p:spTree>
+      <p:nvGrpSpPr>
+        <p:cNvPr id="1" name=""/>
+        <p:cNvGrpSpPr/>
+        <p:nvPr/>
+      </p:nvGrpSpPr>
+      <p:grpSpPr>
+        <a:xfrm>
+          <a:off x="0" y="0"/>
+          <a:ext cx="0" cy="0"/>
+          <a:chOff x="0" y="0"/>
+          <a:chExt cx="0" cy="0"/>
+        </a:xfrm>
+      </p:grpSpPr>
+      <p:sp>
+        <p:nvSpPr>
+          <p:cNvPr id="2" name="Title 1"/>
+          <p:cNvSpPr>
+            <a:spLocks noGrp="1"/>
+          </p:cNvSpPr>
+          <p:nvPr>
+            <p:ph type="title"/>
+          </p:nvPr>
+        </p:nvSpPr>
+        <p:spPr/>
+        <p:txBody>
+          <a:bodyPr/>
+          <a:lstStyle/>
+          <a:p>
+            <a:r>
+              <a:rPr lang="ru-RU" dirty="0" smtClean="0"/>
               <a:t>Триггеры</a:t>
             </a:r>
             <a:endParaRPr lang="en-US" dirty="0"/>
@@ -11540,7 +14401,7 @@
 </p:sld>
 </file>
 
-<file path=ppt/slides/slide32.xml><?xml version="1.0" encoding="utf-8"?>
+<file path=ppt/slides/slide34.xml><?xml version="1.0" encoding="utf-8"?>
 <p:sld xmlns:a="http://schemas.openxmlformats.org/drawingml/2006/main" xmlns:r="http://schemas.openxmlformats.org/officeDocument/2006/relationships" xmlns:p="http://schemas.openxmlformats.org/presentationml/2006/main">
   <p:cSld>
     <p:spTree>
@@ -12082,15 +14943,7 @@
                   <a:srgbClr val="FFFF00"/>
                 </a:solidFill>
               </a:rPr>
-              <a:t>(relational</a:t>
-            </a:r>
-            <a:r>
-              <a:rPr lang="en-US" sz="4600" dirty="0" smtClean="0">
-                <a:solidFill>
-                  <a:srgbClr val="FFFF00"/>
-                </a:solidFill>
-              </a:rPr>
-              <a:t>)</a:t>
+              <a:t>(relational)</a:t>
             </a:r>
           </a:p>
           <a:p>
@@ -12140,11 +14993,7 @@
             </a:r>
             <a:r>
               <a:rPr lang="en-US" dirty="0" smtClean="0"/>
-              <a:t> (document-driven</a:t>
-            </a:r>
-            <a:r>
-              <a:rPr lang="en-US" dirty="0" smtClean="0"/>
-              <a:t>)</a:t>
+              <a:t> (document-driven)</a:t>
             </a:r>
           </a:p>
           <a:p>
@@ -12181,7 +15030,6 @@
               <a:rPr lang="en-US" dirty="0" smtClean="0"/>
               <a:t>, ...</a:t>
             </a:r>
-            <a:endParaRPr lang="en-US" dirty="0" smtClean="0"/>
           </a:p>
           <a:p>
             <a:r>
@@ -12190,11 +15038,7 @@
             </a:r>
             <a:r>
               <a:rPr lang="en-US" dirty="0" smtClean="0"/>
-              <a:t>(graph</a:t>
-            </a:r>
-            <a:r>
-              <a:rPr lang="en-US" dirty="0" smtClean="0"/>
-              <a:t>)</a:t>
+              <a:t>(graph)</a:t>
             </a:r>
           </a:p>
           <a:p>
@@ -12219,7 +15063,6 @@
               <a:rPr lang="en-US" dirty="0" smtClean="0"/>
               <a:t>, ...</a:t>
             </a:r>
-            <a:endParaRPr lang="en-US" dirty="0" smtClean="0"/>
           </a:p>
           <a:p>
             <a:r>
@@ -12255,11 +15098,7 @@
           <a:p>
             <a:r>
               <a:rPr lang="ru-RU" dirty="0" smtClean="0"/>
-              <a:t>И </a:t>
-            </a:r>
-            <a:r>
-              <a:rPr lang="ru-RU" dirty="0" smtClean="0"/>
-              <a:t>другие </a:t>
+              <a:t>И другие </a:t>
             </a:r>
             <a:r>
               <a:rPr lang="en-US" dirty="0" smtClean="0"/>
@@ -12670,120 +15509,6 @@
 </file>
 
 <file path=ppt/slides/slide8.xml><?xml version="1.0" encoding="utf-8"?>
-<p:sld xmlns:a="http://schemas.openxmlformats.org/drawingml/2006/main" xmlns:r="http://schemas.openxmlformats.org/officeDocument/2006/relationships" xmlns:p="http://schemas.openxmlformats.org/presentationml/2006/main" show="0">
-  <p:cSld>
-    <p:spTree>
-      <p:nvGrpSpPr>
-        <p:cNvPr id="1" name=""/>
-        <p:cNvGrpSpPr/>
-        <p:nvPr/>
-      </p:nvGrpSpPr>
-      <p:grpSpPr>
-        <a:xfrm>
-          <a:off x="0" y="0"/>
-          <a:ext cx="0" cy="0"/>
-          <a:chOff x="0" y="0"/>
-          <a:chExt cx="0" cy="0"/>
-        </a:xfrm>
-      </p:grpSpPr>
-      <p:sp>
-        <p:nvSpPr>
-          <p:cNvPr id="2" name="Title 1"/>
-          <p:cNvSpPr>
-            <a:spLocks noGrp="1"/>
-          </p:cNvSpPr>
-          <p:nvPr>
-            <p:ph type="title"/>
-          </p:nvPr>
-        </p:nvSpPr>
-        <p:spPr/>
-        <p:txBody>
-          <a:bodyPr/>
-          <a:lstStyle/>
-          <a:p>
-            <a:r>
-              <a:rPr lang="en-US" dirty="0" smtClean="0"/>
-              <a:t>SQL Server </a:t>
-            </a:r>
-            <a:r>
-              <a:rPr lang="ru-RU" dirty="0" smtClean="0"/>
-              <a:t>2012 </a:t>
-            </a:r>
-            <a:r>
-              <a:rPr lang="en-US" dirty="0" smtClean="0"/>
-              <a:t>Express Edition</a:t>
-            </a:r>
-            <a:endParaRPr lang="en-US" dirty="0"/>
-          </a:p>
-        </p:txBody>
-      </p:sp>
-      <p:sp>
-        <p:nvSpPr>
-          <p:cNvPr id="3" name="Content Placeholder 2"/>
-          <p:cNvSpPr>
-            <a:spLocks noGrp="1"/>
-          </p:cNvSpPr>
-          <p:nvPr>
-            <p:ph idx="1"/>
-          </p:nvPr>
-        </p:nvSpPr>
-        <p:spPr/>
-        <p:txBody>
-          <a:bodyPr/>
-          <a:lstStyle/>
-          <a:p>
-            <a:r>
-              <a:rPr lang="en-US" dirty="0">
-                <a:hlinkClick r:id="rId2"/>
-              </a:rPr>
-              <a:t>http://</a:t>
-            </a:r>
-            <a:r>
-              <a:rPr lang="en-US" dirty="0" smtClean="0">
-                <a:hlinkClick r:id="rId2"/>
-              </a:rPr>
-              <a:t>www.microsoft.com/sqlserver/en/us/editions/2012-editions/express.aspx</a:t>
-            </a:r>
-            <a:endParaRPr lang="ru-RU" dirty="0" smtClean="0"/>
-          </a:p>
-          <a:p>
-            <a:r>
-              <a:rPr lang="en-US" dirty="0" smtClean="0"/>
-              <a:t>Windows Vista, Windows 7</a:t>
-            </a:r>
-            <a:endParaRPr lang="en-US" dirty="0"/>
-          </a:p>
-        </p:txBody>
-      </p:sp>
-    </p:spTree>
-    <p:extLst>
-      <p:ext uri="{BB962C8B-B14F-4D97-AF65-F5344CB8AC3E}">
-        <p14:creationId xmlns:p14="http://schemas.microsoft.com/office/powerpoint/2010/main" val="1511570635"/>
-      </p:ext>
-    </p:extLst>
-  </p:cSld>
-  <p:clrMapOvr>
-    <a:masterClrMapping/>
-  </p:clrMapOvr>
-  <mc:AlternateContent xmlns:mc="http://schemas.openxmlformats.org/markup-compatibility/2006" xmlns:p14="http://schemas.microsoft.com/office/powerpoint/2010/main">
-    <mc:Choice Requires="p14">
-      <p:transition spd="slow" p14:dur="2000"/>
-    </mc:Choice>
-    <mc:Fallback xmlns="">
-      <p:transition spd="slow"/>
-    </mc:Fallback>
-  </mc:AlternateContent>
-  <p:timing>
-    <p:tnLst>
-      <p:par>
-        <p:cTn id="1" dur="indefinite" restart="never" nodeType="tmRoot"/>
-      </p:par>
-    </p:tnLst>
-  </p:timing>
-</p:sld>
-</file>
-
-<file path=ppt/slides/slide9.xml><?xml version="1.0" encoding="utf-8"?>
 <p:sld xmlns:a="http://schemas.openxmlformats.org/drawingml/2006/main" xmlns:r="http://schemas.openxmlformats.org/officeDocument/2006/relationships" xmlns:p="http://schemas.openxmlformats.org/presentationml/2006/main">
   <p:cSld>
     <p:spTree>
@@ -12818,12 +15543,12 @@
           <a:lstStyle/>
           <a:p>
             <a:r>
+              <a:rPr lang="en-US" dirty="0" smtClean="0"/>
+              <a:t>SQL Server: </a:t>
+            </a:r>
+            <a:r>
               <a:rPr lang="ru-RU" dirty="0" smtClean="0"/>
-              <a:t>Инструменты для работы с </a:t>
-            </a:r>
-            <a:r>
-              <a:rPr lang="en-US" dirty="0" smtClean="0"/>
-              <a:t>SQL Server</a:t>
+              <a:t>Краткая история версий</a:t>
             </a:r>
             <a:endParaRPr lang="ru-RU" dirty="0"/>
           </a:p>
@@ -12846,99 +15571,182 @@
           <a:p>
             <a:r>
               <a:rPr lang="en-US" dirty="0" smtClean="0"/>
-              <a:t>SQL Server Management Studio</a:t>
+              <a:t>SQL Server 2014</a:t>
+            </a:r>
+          </a:p>
+          <a:p>
+            <a:r>
+              <a:rPr lang="en-US" dirty="0" smtClean="0"/>
+              <a:t>SQL Server 2012</a:t>
+            </a:r>
+          </a:p>
+          <a:p>
+            <a:r>
+              <a:rPr lang="en-US" dirty="0" smtClean="0"/>
+              <a:t>SQL Server 2008 </a:t>
             </a:r>
             <a:r>
               <a:rPr lang="ru-RU" dirty="0" smtClean="0"/>
-              <a:t> </a:t>
+              <a:t>и 2008 </a:t>
             </a:r>
             <a:r>
               <a:rPr lang="en-US" dirty="0" smtClean="0"/>
-              <a:t>Express</a:t>
-            </a:r>
-          </a:p>
-          <a:p>
-            <a:pPr lvl="1"/>
+              <a:t>R2</a:t>
+            </a:r>
             <a:r>
               <a:rPr lang="ru-RU" dirty="0" smtClean="0"/>
-              <a:t>Ставится отдельно. Качается бесплатно с сайта </a:t>
-            </a:r>
+              <a:t> (2010 год)</a:t>
+            </a:r>
+            <a:endParaRPr lang="en-US" dirty="0" smtClean="0"/>
+          </a:p>
+          <a:p>
             <a:r>
               <a:rPr lang="en-US" dirty="0" smtClean="0"/>
-              <a:t>Microsoft</a:t>
-            </a:r>
-          </a:p>
-          <a:p>
-            <a:r>
-              <a:rPr lang="en-US" dirty="0"/>
-              <a:t>Microsoft SQL Server Data </a:t>
-            </a:r>
+              <a:t>SQL Server 2005</a:t>
+            </a:r>
+          </a:p>
+          <a:p>
             <a:r>
               <a:rPr lang="en-US" dirty="0" smtClean="0"/>
-              <a:t>Tools</a:t>
-            </a:r>
-          </a:p>
-          <a:p>
-            <a:pPr lvl="1"/>
+              <a:t>SQL Server 2000</a:t>
+            </a:r>
+          </a:p>
+          <a:p>
+            <a:r>
+              <a:rPr lang="en-US" dirty="0" smtClean="0"/>
+              <a:t>...</a:t>
+            </a:r>
+          </a:p>
+          <a:p>
+            <a:r>
+              <a:rPr lang="en-US" dirty="0" smtClean="0"/>
+              <a:t>SQL Server 1.0, 1989 </a:t>
+            </a:r>
             <a:r>
               <a:rPr lang="ru-RU" dirty="0" smtClean="0"/>
-              <a:t>Расширение для </a:t>
-            </a:r>
-            <a:r>
-              <a:rPr lang="en-US" dirty="0" smtClean="0"/>
-              <a:t>Visual Studio</a:t>
-            </a:r>
-            <a:r>
-              <a:rPr lang="ru-RU" dirty="0" smtClean="0"/>
-              <a:t>. </a:t>
-            </a:r>
-            <a:r>
-              <a:rPr lang="ru-RU" dirty="0"/>
-              <a:t>Ставится отдельно. Качается бесплатно с сайта </a:t>
-            </a:r>
-            <a:r>
-              <a:rPr lang="en-US" dirty="0" smtClean="0"/>
-              <a:t>Microsoft</a:t>
-            </a:r>
-            <a:r>
-              <a:rPr lang="ru-RU" dirty="0" smtClean="0"/>
-              <a:t/>
-            </a:r>
-            <a:br>
-              <a:rPr lang="ru-RU" dirty="0" smtClean="0"/>
-            </a:br>
-            <a:r>
-              <a:rPr lang="en-US" dirty="0" smtClean="0">
-                <a:hlinkClick r:id="rId2"/>
-              </a:rPr>
-              <a:t>https</a:t>
-            </a:r>
-            <a:r>
-              <a:rPr lang="en-US" dirty="0">
-                <a:hlinkClick r:id="rId2"/>
-              </a:rPr>
-              <a:t>://</a:t>
-            </a:r>
-            <a:r>
-              <a:rPr lang="en-US" dirty="0" smtClean="0">
-                <a:hlinkClick r:id="rId2"/>
-              </a:rPr>
-              <a:t>msdn.microsoft.com/en-us/data/tools.aspx</a:t>
-            </a:r>
-            <a:endParaRPr lang="ru-RU" dirty="0" smtClean="0"/>
+              <a:t>год</a:t>
+            </a:r>
+            <a:endParaRPr lang="ru-RU" dirty="0"/>
           </a:p>
         </p:txBody>
       </p:sp>
     </p:spTree>
     <p:extLst>
       <p:ext uri="{BB962C8B-B14F-4D97-AF65-F5344CB8AC3E}">
-        <p14:creationId xmlns:p14="http://schemas.microsoft.com/office/powerpoint/2010/main" val="1233609667"/>
+        <p14:creationId xmlns:p14="http://schemas.microsoft.com/office/powerpoint/2010/main" val="4157382153"/>
       </p:ext>
     </p:extLst>
   </p:cSld>
   <p:clrMapOvr>
     <a:masterClrMapping/>
   </p:clrMapOvr>
+</p:sld>
+</file>
+
+<file path=ppt/slides/slide9.xml><?xml version="1.0" encoding="utf-8"?>
+<p:sld xmlns:a="http://schemas.openxmlformats.org/drawingml/2006/main" xmlns:r="http://schemas.openxmlformats.org/officeDocument/2006/relationships" xmlns:p="http://schemas.openxmlformats.org/presentationml/2006/main" show="0">
+  <p:cSld>
+    <p:spTree>
+      <p:nvGrpSpPr>
+        <p:cNvPr id="1" name=""/>
+        <p:cNvGrpSpPr/>
+        <p:nvPr/>
+      </p:nvGrpSpPr>
+      <p:grpSpPr>
+        <a:xfrm>
+          <a:off x="0" y="0"/>
+          <a:ext cx="0" cy="0"/>
+          <a:chOff x="0" y="0"/>
+          <a:chExt cx="0" cy="0"/>
+        </a:xfrm>
+      </p:grpSpPr>
+      <p:sp>
+        <p:nvSpPr>
+          <p:cNvPr id="2" name="Title 1"/>
+          <p:cNvSpPr>
+            <a:spLocks noGrp="1"/>
+          </p:cNvSpPr>
+          <p:nvPr>
+            <p:ph type="title"/>
+          </p:nvPr>
+        </p:nvSpPr>
+        <p:spPr/>
+        <p:txBody>
+          <a:bodyPr/>
+          <a:lstStyle/>
+          <a:p>
+            <a:r>
+              <a:rPr lang="en-US" dirty="0" smtClean="0"/>
+              <a:t>SQL Server </a:t>
+            </a:r>
+            <a:r>
+              <a:rPr lang="ru-RU" dirty="0" smtClean="0"/>
+              <a:t>2012 </a:t>
+            </a:r>
+            <a:r>
+              <a:rPr lang="en-US" dirty="0" smtClean="0"/>
+              <a:t>Express Edition</a:t>
+            </a:r>
+            <a:endParaRPr lang="en-US" dirty="0"/>
+          </a:p>
+        </p:txBody>
+      </p:sp>
+      <p:sp>
+        <p:nvSpPr>
+          <p:cNvPr id="3" name="Content Placeholder 2"/>
+          <p:cNvSpPr>
+            <a:spLocks noGrp="1"/>
+          </p:cNvSpPr>
+          <p:nvPr>
+            <p:ph idx="1"/>
+          </p:nvPr>
+        </p:nvSpPr>
+        <p:spPr/>
+        <p:txBody>
+          <a:bodyPr/>
+          <a:lstStyle/>
+          <a:p>
+            <a:r>
+              <a:rPr lang="en-US" dirty="0">
+                <a:hlinkClick r:id="rId2"/>
+              </a:rPr>
+              <a:t>http://</a:t>
+            </a:r>
+            <a:r>
+              <a:rPr lang="en-US" dirty="0" smtClean="0">
+                <a:hlinkClick r:id="rId2"/>
+              </a:rPr>
+              <a:t>www.microsoft.com/sqlserver/en/us/editions/2012-editions/express.aspx</a:t>
+            </a:r>
+            <a:endParaRPr lang="ru-RU" dirty="0" smtClean="0"/>
+          </a:p>
+          <a:p>
+            <a:r>
+              <a:rPr lang="en-US" dirty="0" smtClean="0"/>
+              <a:t>Windows Vista, Windows 7</a:t>
+            </a:r>
+            <a:endParaRPr lang="en-US" dirty="0"/>
+          </a:p>
+        </p:txBody>
+      </p:sp>
+    </p:spTree>
+    <p:extLst>
+      <p:ext uri="{BB962C8B-B14F-4D97-AF65-F5344CB8AC3E}">
+        <p14:creationId xmlns:p14="http://schemas.microsoft.com/office/powerpoint/2010/main" val="1511570635"/>
+      </p:ext>
+    </p:extLst>
+  </p:cSld>
+  <p:clrMapOvr>
+    <a:masterClrMapping/>
+  </p:clrMapOvr>
+  <mc:AlternateContent xmlns:mc="http://schemas.openxmlformats.org/markup-compatibility/2006" xmlns:p14="http://schemas.microsoft.com/office/powerpoint/2010/main">
+    <mc:Choice Requires="p14">
+      <p:transition spd="slow" p14:dur="2000"/>
+    </mc:Choice>
+    <mc:Fallback xmlns="">
+      <p:transition spd="slow"/>
+    </mc:Fallback>
+  </mc:AlternateContent>
   <p:timing>
     <p:tnLst>
       <p:par>

--- a/Presentation/lesson-09-sql.pptx
+++ b/Presentation/lesson-09-sql.pptx
@@ -5,7 +5,7 @@
     <p:sldMasterId id="2147483648" r:id="rId1"/>
   </p:sldMasterIdLst>
   <p:notesMasterIdLst>
-    <p:notesMasterId r:id="rId36"/>
+    <p:notesMasterId r:id="rId43"/>
   </p:notesMasterIdLst>
   <p:sldIdLst>
     <p:sldId id="256" r:id="rId2"/>
@@ -26,22 +26,29 @@
     <p:sldId id="289" r:id="rId17"/>
     <p:sldId id="285" r:id="rId18"/>
     <p:sldId id="293" r:id="rId19"/>
-    <p:sldId id="260" r:id="rId20"/>
-    <p:sldId id="261" r:id="rId21"/>
-    <p:sldId id="262" r:id="rId22"/>
-    <p:sldId id="263" r:id="rId23"/>
-    <p:sldId id="264" r:id="rId24"/>
-    <p:sldId id="291" r:id="rId25"/>
-    <p:sldId id="265" r:id="rId26"/>
-    <p:sldId id="266" r:id="rId27"/>
-    <p:sldId id="286" r:id="rId28"/>
-    <p:sldId id="267" r:id="rId29"/>
-    <p:sldId id="271" r:id="rId30"/>
-    <p:sldId id="282" r:id="rId31"/>
-    <p:sldId id="288" r:id="rId32"/>
-    <p:sldId id="280" r:id="rId33"/>
-    <p:sldId id="272" r:id="rId34"/>
-    <p:sldId id="273" r:id="rId35"/>
+    <p:sldId id="301" r:id="rId20"/>
+    <p:sldId id="300" r:id="rId21"/>
+    <p:sldId id="295" r:id="rId22"/>
+    <p:sldId id="296" r:id="rId23"/>
+    <p:sldId id="297" r:id="rId24"/>
+    <p:sldId id="298" r:id="rId25"/>
+    <p:sldId id="299" r:id="rId26"/>
+    <p:sldId id="260" r:id="rId27"/>
+    <p:sldId id="261" r:id="rId28"/>
+    <p:sldId id="262" r:id="rId29"/>
+    <p:sldId id="263" r:id="rId30"/>
+    <p:sldId id="264" r:id="rId31"/>
+    <p:sldId id="291" r:id="rId32"/>
+    <p:sldId id="265" r:id="rId33"/>
+    <p:sldId id="266" r:id="rId34"/>
+    <p:sldId id="286" r:id="rId35"/>
+    <p:sldId id="267" r:id="rId36"/>
+    <p:sldId id="271" r:id="rId37"/>
+    <p:sldId id="282" r:id="rId38"/>
+    <p:sldId id="288" r:id="rId39"/>
+    <p:sldId id="280" r:id="rId40"/>
+    <p:sldId id="272" r:id="rId41"/>
+    <p:sldId id="273" r:id="rId42"/>
   </p:sldIdLst>
   <p:sldSz cx="9144000" cy="6858000" type="screen4x3"/>
   <p:notesSz cx="6858000" cy="9144000"/>
@@ -225,7 +232,7 @@
           <a:p>
             <a:fld id="{B24A7054-7FFB-49F4-A126-5DF6E687FF53}" type="datetimeFigureOut">
               <a:rPr lang="ru-RU" smtClean="0"/>
-              <a:t>02.06.2015</a:t>
+              <a:t>10.10.2015</a:t>
             </a:fld>
             <a:endParaRPr lang="ru-RU"/>
           </a:p>
@@ -1507,7 +1514,7 @@
           <a:p>
             <a:fld id="{8E6E6A2A-E9D3-4A0D-B04A-ABDD367A1E08}" type="datetimeFigureOut">
               <a:rPr lang="ru-RU" smtClean="0"/>
-              <a:t>02.06.2015</a:t>
+              <a:t>10.10.2015</a:t>
             </a:fld>
             <a:endParaRPr lang="ru-RU"/>
           </a:p>
@@ -2952,7 +2959,7 @@
           <a:p>
             <a:fld id="{AC3D3127-B7C4-45E3-9797-C527EC9FDD78}" type="datetimeFigureOut">
               <a:rPr lang="ru-RU" smtClean="0"/>
-              <a:t>02.06.2015</a:t>
+              <a:t>10.10.2015</a:t>
             </a:fld>
             <a:endParaRPr lang="ru-RU"/>
           </a:p>
@@ -4761,13 +4768,8 @@
             </a:r>
             <a:r>
               <a:rPr lang="en-US" dirty="0" smtClean="0"/>
-              <a:t>, </a:t>
-            </a:r>
-            <a:r>
-              <a:rPr lang="en-US" dirty="0" smtClean="0"/>
-              <a:t>datetime2</a:t>
-            </a:r>
-            <a:endParaRPr lang="en-US" dirty="0" smtClean="0"/>
+              <a:t>, datetime2</a:t>
+            </a:r>
           </a:p>
           <a:p>
             <a:r>
@@ -4851,7 +4853,6 @@
               <a:rPr lang="en-US" dirty="0" smtClean="0"/>
               <a:t>, timestamp</a:t>
             </a:r>
-            <a:endParaRPr lang="en-US" dirty="0" smtClean="0"/>
           </a:p>
           <a:p>
             <a:endParaRPr lang="en-US" dirty="0"/>
@@ -4954,13 +4955,8 @@
           <a:p>
             <a:r>
               <a:rPr lang="ru-RU" dirty="0" smtClean="0"/>
-              <a:t>Однобайтовые с</a:t>
-            </a:r>
-            <a:r>
-              <a:rPr lang="ru-RU" dirty="0" smtClean="0"/>
-              <a:t>троки</a:t>
-            </a:r>
-            <a:endParaRPr lang="ru-RU" dirty="0" smtClean="0"/>
+              <a:t>Однобайтовые строки</a:t>
+            </a:r>
           </a:p>
           <a:p>
             <a:pPr lvl="1">
@@ -7837,7 +7833,6 @@
               <a:rPr lang="ru-RU" sz="2400" dirty="0" smtClean="0"/>
               <a:t>и выше.</a:t>
             </a:r>
-            <a:endParaRPr lang="ru-RU" sz="2400" dirty="0" smtClean="0"/>
           </a:p>
         </p:txBody>
       </p:sp>
@@ -7862,6 +7857,960 @@
 </file>
 
 <file path=ppt/slides/slide19.xml><?xml version="1.0" encoding="utf-8"?>
+<p:sld xmlns:a="http://schemas.openxmlformats.org/drawingml/2006/main" xmlns:r="http://schemas.openxmlformats.org/officeDocument/2006/relationships" xmlns:p="http://schemas.openxmlformats.org/presentationml/2006/main" show="0">
+  <p:cSld>
+    <p:spTree>
+      <p:nvGrpSpPr>
+        <p:cNvPr id="1" name=""/>
+        <p:cNvGrpSpPr/>
+        <p:nvPr/>
+      </p:nvGrpSpPr>
+      <p:grpSpPr>
+        <a:xfrm>
+          <a:off x="0" y="0"/>
+          <a:ext cx="0" cy="0"/>
+          <a:chOff x="0" y="0"/>
+          <a:chExt cx="0" cy="0"/>
+        </a:xfrm>
+      </p:grpSpPr>
+      <p:sp>
+        <p:nvSpPr>
+          <p:cNvPr id="2" name="Title 1"/>
+          <p:cNvSpPr>
+            <a:spLocks noGrp="1"/>
+          </p:cNvSpPr>
+          <p:nvPr>
+            <p:ph type="title"/>
+          </p:nvPr>
+        </p:nvSpPr>
+        <p:spPr/>
+        <p:txBody>
+          <a:bodyPr/>
+          <a:lstStyle/>
+          <a:p>
+            <a:r>
+              <a:rPr lang="en-US" dirty="0" smtClean="0"/>
+              <a:t>T-SQL: </a:t>
+            </a:r>
+            <a:r>
+              <a:rPr lang="ru-RU" dirty="0" smtClean="0"/>
+              <a:t>Численные</a:t>
+            </a:r>
+            <a:r>
+              <a:rPr lang="en-US" dirty="0" smtClean="0"/>
+              <a:t> </a:t>
+            </a:r>
+            <a:r>
+              <a:rPr lang="ru-RU" dirty="0" smtClean="0"/>
+              <a:t>типы</a:t>
+            </a:r>
+            <a:r>
+              <a:rPr lang="en-US" dirty="0" smtClean="0"/>
+              <a:t> </a:t>
+            </a:r>
+            <a:endParaRPr lang="ru-RU" dirty="0"/>
+          </a:p>
+        </p:txBody>
+      </p:sp>
+      <p:sp>
+        <p:nvSpPr>
+          <p:cNvPr id="3" name="Content Placeholder 2"/>
+          <p:cNvSpPr>
+            <a:spLocks noGrp="1"/>
+          </p:cNvSpPr>
+          <p:nvPr>
+            <p:ph idx="1"/>
+          </p:nvPr>
+        </p:nvSpPr>
+        <p:spPr/>
+        <p:txBody>
+          <a:bodyPr/>
+          <a:lstStyle/>
+          <a:p>
+            <a:endParaRPr lang="ru-RU"/>
+          </a:p>
+        </p:txBody>
+      </p:sp>
+    </p:spTree>
+    <p:extLst>
+      <p:ext uri="{BB962C8B-B14F-4D97-AF65-F5344CB8AC3E}">
+        <p14:creationId xmlns:p14="http://schemas.microsoft.com/office/powerpoint/2010/main" val="2525475061"/>
+      </p:ext>
+    </p:extLst>
+  </p:cSld>
+  <p:clrMapOvr>
+    <a:masterClrMapping/>
+  </p:clrMapOvr>
+  <mc:AlternateContent xmlns:mc="http://schemas.openxmlformats.org/markup-compatibility/2006">
+    <mc:Choice xmlns:p14="http://schemas.microsoft.com/office/powerpoint/2010/main" Requires="p14">
+      <p:transition spd="slow" p14:dur="2000"/>
+    </mc:Choice>
+    <mc:Fallback>
+      <p:transition spd="slow"/>
+    </mc:Fallback>
+  </mc:AlternateContent>
+</p:sld>
+</file>
+
+<file path=ppt/slides/slide2.xml><?xml version="1.0" encoding="utf-8"?>
+<p:sld xmlns:a="http://schemas.openxmlformats.org/drawingml/2006/main" xmlns:r="http://schemas.openxmlformats.org/officeDocument/2006/relationships" xmlns:p="http://schemas.openxmlformats.org/presentationml/2006/main">
+  <p:cSld>
+    <p:spTree>
+      <p:nvGrpSpPr>
+        <p:cNvPr id="1" name=""/>
+        <p:cNvGrpSpPr/>
+        <p:nvPr/>
+      </p:nvGrpSpPr>
+      <p:grpSpPr>
+        <a:xfrm>
+          <a:off x="0" y="0"/>
+          <a:ext cx="0" cy="0"/>
+          <a:chOff x="0" y="0"/>
+          <a:chExt cx="0" cy="0"/>
+        </a:xfrm>
+      </p:grpSpPr>
+      <p:sp>
+        <p:nvSpPr>
+          <p:cNvPr id="2" name="Title 1"/>
+          <p:cNvSpPr>
+            <a:spLocks noGrp="1"/>
+          </p:cNvSpPr>
+          <p:nvPr>
+            <p:ph type="title"/>
+          </p:nvPr>
+        </p:nvSpPr>
+        <p:spPr/>
+        <p:txBody>
+          <a:bodyPr/>
+          <a:lstStyle/>
+          <a:p>
+            <a:r>
+              <a:rPr lang="ru-RU" dirty="0">
+                <a:solidFill>
+                  <a:schemeClr val="bg1"/>
+                </a:solidFill>
+              </a:rPr>
+              <a:t>Материалы для обучения</a:t>
+            </a:r>
+            <a:endParaRPr lang="en-US" dirty="0">
+              <a:solidFill>
+                <a:schemeClr val="bg1"/>
+              </a:solidFill>
+            </a:endParaRPr>
+          </a:p>
+        </p:txBody>
+      </p:sp>
+      <p:sp>
+        <p:nvSpPr>
+          <p:cNvPr id="3" name="Content Placeholder 2"/>
+          <p:cNvSpPr>
+            <a:spLocks noGrp="1"/>
+          </p:cNvSpPr>
+          <p:nvPr>
+            <p:ph idx="1"/>
+          </p:nvPr>
+        </p:nvSpPr>
+        <p:spPr/>
+        <p:txBody>
+          <a:bodyPr/>
+          <a:lstStyle/>
+          <a:p>
+            <a:r>
+              <a:rPr lang="en-US" dirty="0">
+                <a:solidFill>
+                  <a:schemeClr val="bg1"/>
+                </a:solidFill>
+                <a:hlinkClick r:id="rId2"/>
+              </a:rPr>
+              <a:t>https://</a:t>
+            </a:r>
+            <a:r>
+              <a:rPr lang="en-US" dirty="0" smtClean="0">
+                <a:solidFill>
+                  <a:schemeClr val="bg1"/>
+                </a:solidFill>
+                <a:hlinkClick r:id="rId2"/>
+              </a:rPr>
+              <a:t>github.com/bazile/Training</a:t>
+            </a:r>
+            <a:r>
+              <a:rPr lang="en-US" dirty="0" smtClean="0">
+                <a:solidFill>
+                  <a:schemeClr val="bg1"/>
+                </a:solidFill>
+              </a:rPr>
+              <a:t/>
+            </a:r>
+            <a:br>
+              <a:rPr lang="en-US" dirty="0" smtClean="0">
+                <a:solidFill>
+                  <a:schemeClr val="bg1"/>
+                </a:solidFill>
+              </a:rPr>
+            </a:br>
+            <a:r>
+              <a:rPr lang="ru-RU" dirty="0" smtClean="0">
+                <a:solidFill>
+                  <a:schemeClr val="bg1"/>
+                </a:solidFill>
+              </a:rPr>
+              <a:t>Презентации и примеры кода используемые во время занятия</a:t>
+            </a:r>
+          </a:p>
+          <a:p>
+            <a:endParaRPr lang="ru-RU" dirty="0" smtClean="0">
+              <a:solidFill>
+                <a:schemeClr val="bg1"/>
+              </a:solidFill>
+            </a:endParaRPr>
+          </a:p>
+          <a:p>
+            <a:r>
+              <a:rPr lang="en-US" dirty="0">
+                <a:solidFill>
+                  <a:schemeClr val="bg1"/>
+                </a:solidFill>
+                <a:hlinkClick r:id="rId3"/>
+              </a:rPr>
+              <a:t>http://belhard.nullptr.ru</a:t>
+            </a:r>
+            <a:r>
+              <a:rPr lang="en-US" dirty="0" smtClean="0">
+                <a:solidFill>
+                  <a:schemeClr val="bg1"/>
+                </a:solidFill>
+                <a:hlinkClick r:id="rId3"/>
+              </a:rPr>
+              <a:t>/</a:t>
+            </a:r>
+            <a:r>
+              <a:rPr lang="ru-RU" dirty="0" smtClean="0">
+                <a:solidFill>
+                  <a:schemeClr val="bg1"/>
+                </a:solidFill>
+              </a:rPr>
+              <a:t/>
+            </a:r>
+            <a:br>
+              <a:rPr lang="ru-RU" dirty="0" smtClean="0">
+                <a:solidFill>
+                  <a:schemeClr val="bg1"/>
+                </a:solidFill>
+              </a:rPr>
+            </a:br>
+            <a:r>
+              <a:rPr lang="ru-RU" dirty="0" smtClean="0">
+                <a:solidFill>
+                  <a:schemeClr val="bg1"/>
+                </a:solidFill>
+              </a:rPr>
+              <a:t>Книги, примеры к ним и другие полезные файлы.</a:t>
+            </a:r>
+            <a:endParaRPr lang="ru-RU" dirty="0">
+              <a:solidFill>
+                <a:schemeClr val="bg1"/>
+              </a:solidFill>
+            </a:endParaRPr>
+          </a:p>
+          <a:p>
+            <a:endParaRPr lang="en-US" dirty="0"/>
+          </a:p>
+        </p:txBody>
+      </p:sp>
+    </p:spTree>
+    <p:extLst>
+      <p:ext uri="{BB962C8B-B14F-4D97-AF65-F5344CB8AC3E}">
+        <p14:creationId xmlns:p14="http://schemas.microsoft.com/office/powerpoint/2010/main" val="3640331043"/>
+      </p:ext>
+    </p:extLst>
+  </p:cSld>
+  <p:clrMapOvr>
+    <a:masterClrMapping/>
+  </p:clrMapOvr>
+  <p:timing>
+    <p:tnLst>
+      <p:par>
+        <p:cTn id="1" dur="indefinite" restart="never" nodeType="tmRoot"/>
+      </p:par>
+    </p:tnLst>
+  </p:timing>
+</p:sld>
+</file>
+
+<file path=ppt/slides/slide20.xml><?xml version="1.0" encoding="utf-8"?>
+<p:sld xmlns:a="http://schemas.openxmlformats.org/drawingml/2006/main" xmlns:r="http://schemas.openxmlformats.org/officeDocument/2006/relationships" xmlns:p="http://schemas.openxmlformats.org/presentationml/2006/main" show="0">
+  <p:cSld>
+    <p:spTree>
+      <p:nvGrpSpPr>
+        <p:cNvPr id="1" name=""/>
+        <p:cNvGrpSpPr/>
+        <p:nvPr/>
+      </p:nvGrpSpPr>
+      <p:grpSpPr>
+        <a:xfrm>
+          <a:off x="0" y="0"/>
+          <a:ext cx="0" cy="0"/>
+          <a:chOff x="0" y="0"/>
+          <a:chExt cx="0" cy="0"/>
+        </a:xfrm>
+      </p:grpSpPr>
+      <p:sp>
+        <p:nvSpPr>
+          <p:cNvPr id="2" name="Title 1"/>
+          <p:cNvSpPr>
+            <a:spLocks noGrp="1"/>
+          </p:cNvSpPr>
+          <p:nvPr>
+            <p:ph type="title"/>
+          </p:nvPr>
+        </p:nvSpPr>
+        <p:spPr/>
+        <p:txBody>
+          <a:bodyPr/>
+          <a:lstStyle/>
+          <a:p>
+            <a:r>
+              <a:rPr lang="en-US" dirty="0" smtClean="0"/>
+              <a:t>T-SQL: binary </a:t>
+            </a:r>
+            <a:r>
+              <a:rPr lang="ru-RU" dirty="0" smtClean="0"/>
+              <a:t>типы</a:t>
+            </a:r>
+            <a:endParaRPr lang="ru-RU" dirty="0"/>
+          </a:p>
+        </p:txBody>
+      </p:sp>
+      <p:sp>
+        <p:nvSpPr>
+          <p:cNvPr id="3" name="Content Placeholder 2"/>
+          <p:cNvSpPr>
+            <a:spLocks noGrp="1"/>
+          </p:cNvSpPr>
+          <p:nvPr>
+            <p:ph idx="1"/>
+          </p:nvPr>
+        </p:nvSpPr>
+        <p:spPr/>
+        <p:txBody>
+          <a:bodyPr/>
+          <a:lstStyle/>
+          <a:p>
+            <a:r>
+              <a:rPr lang="en-US" dirty="0" smtClean="0"/>
+              <a:t>binary</a:t>
+            </a:r>
+          </a:p>
+          <a:p>
+            <a:r>
+              <a:rPr lang="en-US" dirty="0" err="1" smtClean="0"/>
+              <a:t>varbinary</a:t>
+            </a:r>
+            <a:endParaRPr lang="en-US" dirty="0" smtClean="0"/>
+          </a:p>
+          <a:p>
+            <a:r>
+              <a:rPr lang="en-US" dirty="0" smtClean="0"/>
+              <a:t>image</a:t>
+            </a:r>
+          </a:p>
+          <a:p>
+            <a:endParaRPr lang="ru-RU" dirty="0"/>
+          </a:p>
+        </p:txBody>
+      </p:sp>
+    </p:spTree>
+    <p:extLst>
+      <p:ext uri="{BB962C8B-B14F-4D97-AF65-F5344CB8AC3E}">
+        <p14:creationId xmlns:p14="http://schemas.microsoft.com/office/powerpoint/2010/main" val="1718208760"/>
+      </p:ext>
+    </p:extLst>
+  </p:cSld>
+  <p:clrMapOvr>
+    <a:masterClrMapping/>
+  </p:clrMapOvr>
+  <mc:AlternateContent xmlns:mc="http://schemas.openxmlformats.org/markup-compatibility/2006">
+    <mc:Choice xmlns:p14="http://schemas.microsoft.com/office/powerpoint/2010/main" Requires="p14">
+      <p:transition spd="slow" p14:dur="2000"/>
+    </mc:Choice>
+    <mc:Fallback>
+      <p:transition spd="slow"/>
+    </mc:Fallback>
+  </mc:AlternateContent>
+</p:sld>
+</file>
+
+<file path=ppt/slides/slide21.xml><?xml version="1.0" encoding="utf-8"?>
+<p:sld xmlns:a="http://schemas.openxmlformats.org/drawingml/2006/main" xmlns:r="http://schemas.openxmlformats.org/officeDocument/2006/relationships" xmlns:p="http://schemas.openxmlformats.org/presentationml/2006/main">
+  <p:cSld>
+    <p:spTree>
+      <p:nvGrpSpPr>
+        <p:cNvPr id="1" name=""/>
+        <p:cNvGrpSpPr/>
+        <p:nvPr/>
+      </p:nvGrpSpPr>
+      <p:grpSpPr>
+        <a:xfrm>
+          <a:off x="0" y="0"/>
+          <a:ext cx="0" cy="0"/>
+          <a:chOff x="0" y="0"/>
+          <a:chExt cx="0" cy="0"/>
+        </a:xfrm>
+      </p:grpSpPr>
+      <p:sp>
+        <p:nvSpPr>
+          <p:cNvPr id="4" name="Title 3"/>
+          <p:cNvSpPr>
+            <a:spLocks noGrp="1"/>
+          </p:cNvSpPr>
+          <p:nvPr>
+            <p:ph type="ctrTitle"/>
+          </p:nvPr>
+        </p:nvSpPr>
+        <p:spPr/>
+        <p:txBody>
+          <a:bodyPr/>
+          <a:lstStyle/>
+          <a:p>
+            <a:r>
+              <a:rPr lang="ru-RU" dirty="0" smtClean="0"/>
+              <a:t>Хранение в </a:t>
+            </a:r>
+            <a:r>
+              <a:rPr lang="en-US" dirty="0" smtClean="0"/>
+              <a:t>SQL </a:t>
+            </a:r>
+            <a:r>
+              <a:rPr lang="ru-RU" dirty="0" smtClean="0"/>
+              <a:t>данных. Рекомендации.</a:t>
+            </a:r>
+            <a:endParaRPr lang="ru-RU" dirty="0"/>
+          </a:p>
+        </p:txBody>
+      </p:sp>
+      <p:sp>
+        <p:nvSpPr>
+          <p:cNvPr id="5" name="Subtitle 4"/>
+          <p:cNvSpPr>
+            <a:spLocks noGrp="1"/>
+          </p:cNvSpPr>
+          <p:nvPr>
+            <p:ph type="subTitle" idx="1"/>
+          </p:nvPr>
+        </p:nvSpPr>
+        <p:spPr/>
+        <p:txBody>
+          <a:bodyPr/>
+          <a:lstStyle/>
+          <a:p>
+            <a:endParaRPr lang="ru-RU"/>
+          </a:p>
+        </p:txBody>
+      </p:sp>
+    </p:spTree>
+    <p:extLst>
+      <p:ext uri="{BB962C8B-B14F-4D97-AF65-F5344CB8AC3E}">
+        <p14:creationId xmlns:p14="http://schemas.microsoft.com/office/powerpoint/2010/main" val="1785014072"/>
+      </p:ext>
+    </p:extLst>
+  </p:cSld>
+  <p:clrMapOvr>
+    <a:masterClrMapping/>
+  </p:clrMapOvr>
+</p:sld>
+</file>
+
+<file path=ppt/slides/slide22.xml><?xml version="1.0" encoding="utf-8"?>
+<p:sld xmlns:a="http://schemas.openxmlformats.org/drawingml/2006/main" xmlns:r="http://schemas.openxmlformats.org/officeDocument/2006/relationships" xmlns:p="http://schemas.openxmlformats.org/presentationml/2006/main">
+  <p:cSld>
+    <p:spTree>
+      <p:nvGrpSpPr>
+        <p:cNvPr id="1" name=""/>
+        <p:cNvGrpSpPr/>
+        <p:nvPr/>
+      </p:nvGrpSpPr>
+      <p:grpSpPr>
+        <a:xfrm>
+          <a:off x="0" y="0"/>
+          <a:ext cx="0" cy="0"/>
+          <a:chOff x="0" y="0"/>
+          <a:chExt cx="0" cy="0"/>
+        </a:xfrm>
+      </p:grpSpPr>
+      <p:sp>
+        <p:nvSpPr>
+          <p:cNvPr id="2" name="Title 1"/>
+          <p:cNvSpPr>
+            <a:spLocks noGrp="1"/>
+          </p:cNvSpPr>
+          <p:nvPr>
+            <p:ph type="title"/>
+          </p:nvPr>
+        </p:nvSpPr>
+        <p:spPr/>
+        <p:txBody>
+          <a:bodyPr/>
+          <a:lstStyle/>
+          <a:p>
+            <a:r>
+              <a:rPr lang="ru-RU" dirty="0" smtClean="0"/>
+              <a:t>Дата, время</a:t>
+            </a:r>
+            <a:endParaRPr lang="ru-RU" dirty="0"/>
+          </a:p>
+        </p:txBody>
+      </p:sp>
+      <p:sp>
+        <p:nvSpPr>
+          <p:cNvPr id="3" name="Content Placeholder 2"/>
+          <p:cNvSpPr>
+            <a:spLocks noGrp="1"/>
+          </p:cNvSpPr>
+          <p:nvPr>
+            <p:ph idx="1"/>
+          </p:nvPr>
+        </p:nvSpPr>
+        <p:spPr/>
+        <p:txBody>
+          <a:bodyPr/>
+          <a:lstStyle/>
+          <a:p>
+            <a:r>
+              <a:rPr lang="ru-RU" dirty="0" smtClean="0"/>
+              <a:t>Используйте колонки с одним из типом умеющих хранить даты, время</a:t>
+            </a:r>
+          </a:p>
+          <a:p>
+            <a:r>
+              <a:rPr lang="ru-RU" dirty="0" smtClean="0"/>
+              <a:t>Выбирайте минимально необходимый тип</a:t>
+            </a:r>
+          </a:p>
+          <a:p>
+            <a:pPr lvl="1"/>
+            <a:r>
+              <a:rPr lang="ru-RU" dirty="0" smtClean="0"/>
+              <a:t>Например, если вам нужна только дата, то тип </a:t>
+            </a:r>
+            <a:r>
+              <a:rPr lang="en-US" dirty="0" smtClean="0"/>
+              <a:t>date </a:t>
+            </a:r>
+            <a:r>
+              <a:rPr lang="ru-RU" dirty="0" smtClean="0"/>
+              <a:t>лучше чем тип </a:t>
+            </a:r>
+            <a:r>
+              <a:rPr lang="en-US" dirty="0" err="1" smtClean="0"/>
+              <a:t>datetime</a:t>
+            </a:r>
+            <a:endParaRPr lang="en-US" dirty="0" smtClean="0"/>
+          </a:p>
+          <a:p>
+            <a:endParaRPr lang="ru-RU" dirty="0" smtClean="0"/>
+          </a:p>
+          <a:p>
+            <a:r>
+              <a:rPr lang="ru-RU" dirty="0" smtClean="0"/>
+              <a:t>НЕ храните дату в виде текста</a:t>
+            </a:r>
+            <a:endParaRPr lang="ru-RU" dirty="0"/>
+          </a:p>
+        </p:txBody>
+      </p:sp>
+    </p:spTree>
+    <p:extLst>
+      <p:ext uri="{BB962C8B-B14F-4D97-AF65-F5344CB8AC3E}">
+        <p14:creationId xmlns:p14="http://schemas.microsoft.com/office/powerpoint/2010/main" val="1616689558"/>
+      </p:ext>
+    </p:extLst>
+  </p:cSld>
+  <p:clrMapOvr>
+    <a:masterClrMapping/>
+  </p:clrMapOvr>
+</p:sld>
+</file>
+
+<file path=ppt/slides/slide23.xml><?xml version="1.0" encoding="utf-8"?>
+<p:sld xmlns:a="http://schemas.openxmlformats.org/drawingml/2006/main" xmlns:r="http://schemas.openxmlformats.org/officeDocument/2006/relationships" xmlns:p="http://schemas.openxmlformats.org/presentationml/2006/main">
+  <p:cSld>
+    <p:spTree>
+      <p:nvGrpSpPr>
+        <p:cNvPr id="1" name=""/>
+        <p:cNvGrpSpPr/>
+        <p:nvPr/>
+      </p:nvGrpSpPr>
+      <p:grpSpPr>
+        <a:xfrm>
+          <a:off x="0" y="0"/>
+          <a:ext cx="0" cy="0"/>
+          <a:chOff x="0" y="0"/>
+          <a:chExt cx="0" cy="0"/>
+        </a:xfrm>
+      </p:grpSpPr>
+      <p:sp>
+        <p:nvSpPr>
+          <p:cNvPr id="2" name="Title 1"/>
+          <p:cNvSpPr>
+            <a:spLocks noGrp="1"/>
+          </p:cNvSpPr>
+          <p:nvPr>
+            <p:ph type="title"/>
+          </p:nvPr>
+        </p:nvSpPr>
+        <p:spPr/>
+        <p:txBody>
+          <a:bodyPr/>
+          <a:lstStyle/>
+          <a:p>
+            <a:r>
+              <a:rPr lang="ru-RU" dirty="0" smtClean="0"/>
+              <a:t>Файлы</a:t>
+            </a:r>
+            <a:endParaRPr lang="ru-RU" dirty="0"/>
+          </a:p>
+        </p:txBody>
+      </p:sp>
+      <p:sp>
+        <p:nvSpPr>
+          <p:cNvPr id="3" name="Content Placeholder 2"/>
+          <p:cNvSpPr>
+            <a:spLocks noGrp="1"/>
+          </p:cNvSpPr>
+          <p:nvPr>
+            <p:ph idx="1"/>
+          </p:nvPr>
+        </p:nvSpPr>
+        <p:spPr/>
+        <p:txBody>
+          <a:bodyPr>
+            <a:normAutofit fontScale="62500" lnSpcReduction="20000"/>
+          </a:bodyPr>
+          <a:lstStyle/>
+          <a:p>
+            <a:pPr marL="0" indent="0">
+              <a:buNone/>
+            </a:pPr>
+            <a:r>
+              <a:rPr lang="ru-RU" dirty="0" smtClean="0"/>
+              <a:t>В </a:t>
+            </a:r>
+            <a:r>
+              <a:rPr lang="en-US" dirty="0" smtClean="0"/>
+              <a:t>SQL Server</a:t>
+            </a:r>
+            <a:r>
+              <a:rPr lang="ru-RU" dirty="0" smtClean="0"/>
+              <a:t> есть тип </a:t>
+            </a:r>
+            <a:r>
+              <a:rPr lang="en-US" dirty="0" err="1" smtClean="0"/>
+              <a:t>varbinary</a:t>
+            </a:r>
+            <a:r>
+              <a:rPr lang="en-US" dirty="0" smtClean="0"/>
+              <a:t> </a:t>
+            </a:r>
+            <a:r>
+              <a:rPr lang="ru-RU" dirty="0" smtClean="0"/>
+              <a:t>(и другие) в которых можно хранить любые бинарные данные без ограничения по размеру. В завимости от размера файлов и типа приложения это может быть как хорошей так и плохой идеей.</a:t>
+            </a:r>
+          </a:p>
+          <a:p>
+            <a:pPr marL="0" indent="0">
+              <a:buNone/>
+            </a:pPr>
+            <a:r>
+              <a:rPr lang="ru-RU" dirty="0" smtClean="0"/>
+              <a:t>За</a:t>
+            </a:r>
+          </a:p>
+          <a:p>
+            <a:r>
+              <a:rPr lang="ru-RU" dirty="0" smtClean="0"/>
+              <a:t>Легкость миграции т.к. все данные хранятся в БД</a:t>
+            </a:r>
+          </a:p>
+          <a:p>
+            <a:r>
+              <a:rPr lang="ru-RU" dirty="0" smtClean="0"/>
+              <a:t>Легкость создания резервной копии</a:t>
+            </a:r>
+          </a:p>
+          <a:p>
+            <a:r>
+              <a:rPr lang="ru-RU" dirty="0" smtClean="0"/>
+              <a:t>Возможность использовать средства БД для ограничения доступа к данным</a:t>
+            </a:r>
+          </a:p>
+          <a:p>
+            <a:pPr marL="0" indent="0">
+              <a:buNone/>
+            </a:pPr>
+            <a:r>
+              <a:rPr lang="ru-RU" dirty="0" smtClean="0"/>
+              <a:t>Против</a:t>
+            </a:r>
+          </a:p>
+          <a:p>
+            <a:r>
+              <a:rPr lang="ru-RU" dirty="0" smtClean="0"/>
+              <a:t>Производительность может оказаться хуже чем при использовании файловой системы</a:t>
+            </a:r>
+          </a:p>
+          <a:p>
+            <a:r>
+              <a:rPr lang="ru-RU" dirty="0" smtClean="0"/>
+              <a:t>Увеличенный размер резервных копий</a:t>
+            </a:r>
+          </a:p>
+          <a:p>
+            <a:r>
+              <a:rPr lang="ru-RU" dirty="0" smtClean="0"/>
+              <a:t>Замедление репликации (если используется)</a:t>
+            </a:r>
+          </a:p>
+          <a:p>
+            <a:r>
+              <a:rPr lang="ru-RU" dirty="0" smtClean="0"/>
+              <a:t>Невозможность использовать средства кеширования файлов из ОС</a:t>
+            </a:r>
+            <a:endParaRPr lang="ru-RU" dirty="0"/>
+          </a:p>
+        </p:txBody>
+      </p:sp>
+    </p:spTree>
+    <p:extLst>
+      <p:ext uri="{BB962C8B-B14F-4D97-AF65-F5344CB8AC3E}">
+        <p14:creationId xmlns:p14="http://schemas.microsoft.com/office/powerpoint/2010/main" val="2624984431"/>
+      </p:ext>
+    </p:extLst>
+  </p:cSld>
+  <p:clrMapOvr>
+    <a:masterClrMapping/>
+  </p:clrMapOvr>
+</p:sld>
+</file>
+
+<file path=ppt/slides/slide24.xml><?xml version="1.0" encoding="utf-8"?>
+<p:sld xmlns:a="http://schemas.openxmlformats.org/drawingml/2006/main" xmlns:r="http://schemas.openxmlformats.org/officeDocument/2006/relationships" xmlns:p="http://schemas.openxmlformats.org/presentationml/2006/main">
+  <p:cSld>
+    <p:spTree>
+      <p:nvGrpSpPr>
+        <p:cNvPr id="1" name=""/>
+        <p:cNvGrpSpPr/>
+        <p:nvPr/>
+      </p:nvGrpSpPr>
+      <p:grpSpPr>
+        <a:xfrm>
+          <a:off x="0" y="0"/>
+          <a:ext cx="0" cy="0"/>
+          <a:chOff x="0" y="0"/>
+          <a:chExt cx="0" cy="0"/>
+        </a:xfrm>
+      </p:grpSpPr>
+      <p:sp>
+        <p:nvSpPr>
+          <p:cNvPr id="2" name="Title 1"/>
+          <p:cNvSpPr>
+            <a:spLocks noGrp="1"/>
+          </p:cNvSpPr>
+          <p:nvPr>
+            <p:ph type="title"/>
+          </p:nvPr>
+        </p:nvSpPr>
+        <p:spPr/>
+        <p:txBody>
+          <a:bodyPr/>
+          <a:lstStyle/>
+          <a:p>
+            <a:r>
+              <a:rPr lang="ru-RU" dirty="0" smtClean="0"/>
+              <a:t>Пароли</a:t>
+            </a:r>
+            <a:endParaRPr lang="ru-RU" dirty="0"/>
+          </a:p>
+        </p:txBody>
+      </p:sp>
+      <p:sp>
+        <p:nvSpPr>
+          <p:cNvPr id="3" name="Content Placeholder 2"/>
+          <p:cNvSpPr>
+            <a:spLocks noGrp="1"/>
+          </p:cNvSpPr>
+          <p:nvPr>
+            <p:ph idx="1"/>
+          </p:nvPr>
+        </p:nvSpPr>
+        <p:spPr/>
+        <p:txBody>
+          <a:bodyPr>
+            <a:normAutofit lnSpcReduction="10000"/>
+          </a:bodyPr>
+          <a:lstStyle/>
+          <a:p>
+            <a:r>
+              <a:rPr lang="ru-RU" dirty="0" smtClean="0"/>
+              <a:t>НЕ храните пароли в открытом виде в строковых колонках</a:t>
+            </a:r>
+          </a:p>
+          <a:p>
+            <a:r>
+              <a:rPr lang="ru-RU" dirty="0" smtClean="0"/>
+              <a:t>Храните криптографический хеш пароля с использованием случайной «соли» </a:t>
+            </a:r>
+            <a:r>
+              <a:rPr lang="en-US" dirty="0" smtClean="0"/>
+              <a:t>(salt)</a:t>
+            </a:r>
+            <a:r>
+              <a:rPr lang="ru-RU" dirty="0" smtClean="0"/>
+              <a:t> в бинарном виде или одной из </a:t>
+            </a:r>
+            <a:r>
+              <a:rPr lang="en-US" dirty="0" smtClean="0"/>
+              <a:t>hex2str </a:t>
+            </a:r>
+            <a:r>
+              <a:rPr lang="ru-RU" dirty="0" smtClean="0"/>
+              <a:t>кодировок (например, </a:t>
+            </a:r>
+            <a:r>
+              <a:rPr lang="en-US" dirty="0" smtClean="0"/>
+              <a:t>base64)</a:t>
+            </a:r>
+          </a:p>
+          <a:p>
+            <a:r>
+              <a:rPr lang="ru-RU" dirty="0" smtClean="0"/>
+              <a:t>Предпочитайте алгорит</a:t>
+            </a:r>
+            <a:r>
+              <a:rPr lang="ru-RU" dirty="0"/>
+              <a:t>м</a:t>
+            </a:r>
+            <a:r>
+              <a:rPr lang="ru-RU" dirty="0" smtClean="0"/>
+              <a:t>ы хеширования созданные специально для паролей </a:t>
+            </a:r>
+            <a:r>
+              <a:rPr lang="en-US" dirty="0" smtClean="0"/>
+              <a:t>(</a:t>
+            </a:r>
+            <a:r>
+              <a:rPr lang="en-US" dirty="0" err="1" smtClean="0"/>
+              <a:t>bcrypt</a:t>
+            </a:r>
+            <a:r>
+              <a:rPr lang="en-US" dirty="0" smtClean="0"/>
+              <a:t>, </a:t>
+            </a:r>
+            <a:r>
+              <a:rPr lang="en-US" dirty="0" err="1" smtClean="0"/>
+              <a:t>scrypt</a:t>
+            </a:r>
+            <a:r>
+              <a:rPr lang="en-US" dirty="0"/>
+              <a:t>, </a:t>
+            </a:r>
+            <a:r>
+              <a:rPr lang="en-US" dirty="0" smtClean="0"/>
+              <a:t>PBKDF2)</a:t>
+            </a:r>
+            <a:endParaRPr lang="ru-RU" dirty="0"/>
+          </a:p>
+        </p:txBody>
+      </p:sp>
+    </p:spTree>
+    <p:extLst>
+      <p:ext uri="{BB962C8B-B14F-4D97-AF65-F5344CB8AC3E}">
+        <p14:creationId xmlns:p14="http://schemas.microsoft.com/office/powerpoint/2010/main" val="762997658"/>
+      </p:ext>
+    </p:extLst>
+  </p:cSld>
+  <p:clrMapOvr>
+    <a:masterClrMapping/>
+  </p:clrMapOvr>
+</p:sld>
+</file>
+
+<file path=ppt/slides/slide25.xml><?xml version="1.0" encoding="utf-8"?>
+<p:sld xmlns:a="http://schemas.openxmlformats.org/drawingml/2006/main" xmlns:r="http://schemas.openxmlformats.org/officeDocument/2006/relationships" xmlns:p="http://schemas.openxmlformats.org/presentationml/2006/main">
+  <p:cSld>
+    <p:spTree>
+      <p:nvGrpSpPr>
+        <p:cNvPr id="1" name=""/>
+        <p:cNvGrpSpPr/>
+        <p:nvPr/>
+      </p:nvGrpSpPr>
+      <p:grpSpPr>
+        <a:xfrm>
+          <a:off x="0" y="0"/>
+          <a:ext cx="0" cy="0"/>
+          <a:chOff x="0" y="0"/>
+          <a:chExt cx="0" cy="0"/>
+        </a:xfrm>
+      </p:grpSpPr>
+      <p:sp>
+        <p:nvSpPr>
+          <p:cNvPr id="2" name="Title 1"/>
+          <p:cNvSpPr>
+            <a:spLocks noGrp="1"/>
+          </p:cNvSpPr>
+          <p:nvPr>
+            <p:ph type="ctrTitle"/>
+          </p:nvPr>
+        </p:nvSpPr>
+        <p:spPr/>
+        <p:txBody>
+          <a:bodyPr/>
+          <a:lstStyle/>
+          <a:p>
+            <a:r>
+              <a:rPr lang="ru-RU" dirty="0" smtClean="0"/>
+              <a:t>Язык </a:t>
+            </a:r>
+            <a:r>
+              <a:rPr lang="en-US" dirty="0" smtClean="0"/>
+              <a:t>SQL</a:t>
+            </a:r>
+            <a:endParaRPr lang="ru-RU" dirty="0"/>
+          </a:p>
+        </p:txBody>
+      </p:sp>
+      <p:sp>
+        <p:nvSpPr>
+          <p:cNvPr id="3" name="Subtitle 2"/>
+          <p:cNvSpPr>
+            <a:spLocks noGrp="1"/>
+          </p:cNvSpPr>
+          <p:nvPr>
+            <p:ph type="subTitle" idx="1"/>
+          </p:nvPr>
+        </p:nvSpPr>
+        <p:spPr/>
+        <p:txBody>
+          <a:bodyPr/>
+          <a:lstStyle/>
+          <a:p>
+            <a:endParaRPr lang="ru-RU"/>
+          </a:p>
+        </p:txBody>
+      </p:sp>
+    </p:spTree>
+    <p:extLst>
+      <p:ext uri="{BB962C8B-B14F-4D97-AF65-F5344CB8AC3E}">
+        <p14:creationId xmlns:p14="http://schemas.microsoft.com/office/powerpoint/2010/main" val="2862124111"/>
+      </p:ext>
+    </p:extLst>
+  </p:cSld>
+  <p:clrMapOvr>
+    <a:masterClrMapping/>
+  </p:clrMapOvr>
+</p:sld>
+</file>
+
+<file path=ppt/slides/slide26.xml><?xml version="1.0" encoding="utf-8"?>
 <p:sld xmlns:a="http://schemas.openxmlformats.org/drawingml/2006/main" xmlns:r="http://schemas.openxmlformats.org/officeDocument/2006/relationships" xmlns:p="http://schemas.openxmlformats.org/presentationml/2006/main">
   <p:cSld>
     <p:spTree>
@@ -8324,192 +9273,7 @@
 </p:sld>
 </file>
 
-<file path=ppt/slides/slide2.xml><?xml version="1.0" encoding="utf-8"?>
-<p:sld xmlns:a="http://schemas.openxmlformats.org/drawingml/2006/main" xmlns:r="http://schemas.openxmlformats.org/officeDocument/2006/relationships" xmlns:p="http://schemas.openxmlformats.org/presentationml/2006/main">
-  <p:cSld>
-    <p:spTree>
-      <p:nvGrpSpPr>
-        <p:cNvPr id="1" name=""/>
-        <p:cNvGrpSpPr/>
-        <p:nvPr/>
-      </p:nvGrpSpPr>
-      <p:grpSpPr>
-        <a:xfrm>
-          <a:off x="0" y="0"/>
-          <a:ext cx="0" cy="0"/>
-          <a:chOff x="0" y="0"/>
-          <a:chExt cx="0" cy="0"/>
-        </a:xfrm>
-      </p:grpSpPr>
-      <p:sp>
-        <p:nvSpPr>
-          <p:cNvPr id="2" name="Title 1"/>
-          <p:cNvSpPr>
-            <a:spLocks noGrp="1"/>
-          </p:cNvSpPr>
-          <p:nvPr>
-            <p:ph type="title"/>
-          </p:nvPr>
-        </p:nvSpPr>
-        <p:spPr/>
-        <p:txBody>
-          <a:bodyPr/>
-          <a:lstStyle/>
-          <a:p>
-            <a:r>
-              <a:rPr lang="ru-RU" dirty="0">
-                <a:solidFill>
-                  <a:schemeClr val="bg1"/>
-                </a:solidFill>
-              </a:rPr>
-              <a:t>Материалы для обучения</a:t>
-            </a:r>
-            <a:endParaRPr lang="en-US" dirty="0">
-              <a:solidFill>
-                <a:schemeClr val="bg1"/>
-              </a:solidFill>
-            </a:endParaRPr>
-          </a:p>
-        </p:txBody>
-      </p:sp>
-      <p:sp>
-        <p:nvSpPr>
-          <p:cNvPr id="3" name="Content Placeholder 2"/>
-          <p:cNvSpPr>
-            <a:spLocks noGrp="1"/>
-          </p:cNvSpPr>
-          <p:nvPr>
-            <p:ph idx="1"/>
-          </p:nvPr>
-        </p:nvSpPr>
-        <p:spPr/>
-        <p:txBody>
-          <a:bodyPr/>
-          <a:lstStyle/>
-          <a:p>
-            <a:r>
-              <a:rPr lang="en-US" dirty="0">
-                <a:solidFill>
-                  <a:schemeClr val="bg1"/>
-                </a:solidFill>
-                <a:hlinkClick r:id="rId2"/>
-              </a:rPr>
-              <a:t>https://</a:t>
-            </a:r>
-            <a:r>
-              <a:rPr lang="en-US" dirty="0" smtClean="0">
-                <a:solidFill>
-                  <a:schemeClr val="bg1"/>
-                </a:solidFill>
-                <a:hlinkClick r:id="rId2"/>
-              </a:rPr>
-              <a:t>github.com/bazile/Training</a:t>
-            </a:r>
-            <a:r>
-              <a:rPr lang="en-US" dirty="0" smtClean="0">
-                <a:solidFill>
-                  <a:schemeClr val="bg1"/>
-                </a:solidFill>
-              </a:rPr>
-              <a:t/>
-            </a:r>
-            <a:br>
-              <a:rPr lang="en-US" dirty="0" smtClean="0">
-                <a:solidFill>
-                  <a:schemeClr val="bg1"/>
-                </a:solidFill>
-              </a:rPr>
-            </a:br>
-            <a:r>
-              <a:rPr lang="ru-RU" dirty="0" smtClean="0">
-                <a:solidFill>
-                  <a:schemeClr val="bg1"/>
-                </a:solidFill>
-              </a:rPr>
-              <a:t>Презентации и примеры кода используемые во время занятия</a:t>
-            </a:r>
-          </a:p>
-          <a:p>
-            <a:endParaRPr lang="ru-RU" dirty="0" smtClean="0">
-              <a:solidFill>
-                <a:schemeClr val="bg1"/>
-              </a:solidFill>
-            </a:endParaRPr>
-          </a:p>
-          <a:p>
-            <a:r>
-              <a:rPr lang="en-US" dirty="0">
-                <a:solidFill>
-                  <a:schemeClr val="bg1"/>
-                </a:solidFill>
-                <a:hlinkClick r:id="rId3"/>
-              </a:rPr>
-              <a:t>http://belhard.nullptr.ru</a:t>
-            </a:r>
-            <a:r>
-              <a:rPr lang="en-US" dirty="0" smtClean="0">
-                <a:solidFill>
-                  <a:schemeClr val="bg1"/>
-                </a:solidFill>
-                <a:hlinkClick r:id="rId3"/>
-              </a:rPr>
-              <a:t>/</a:t>
-            </a:r>
-            <a:r>
-              <a:rPr lang="ru-RU" dirty="0" smtClean="0">
-                <a:solidFill>
-                  <a:schemeClr val="bg1"/>
-                </a:solidFill>
-              </a:rPr>
-              <a:t/>
-            </a:r>
-            <a:br>
-              <a:rPr lang="ru-RU" dirty="0" smtClean="0">
-                <a:solidFill>
-                  <a:schemeClr val="bg1"/>
-                </a:solidFill>
-              </a:rPr>
-            </a:br>
-            <a:r>
-              <a:rPr lang="ru-RU" dirty="0" smtClean="0">
-                <a:solidFill>
-                  <a:schemeClr val="bg1"/>
-                </a:solidFill>
-              </a:rPr>
-              <a:t>Книги, примеры к ним и другие полезные файлы.</a:t>
-            </a:r>
-            <a:endParaRPr lang="ru-RU" dirty="0">
-              <a:solidFill>
-                <a:schemeClr val="bg1"/>
-              </a:solidFill>
-            </a:endParaRPr>
-          </a:p>
-          <a:p>
-            <a:endParaRPr lang="en-US" dirty="0"/>
-          </a:p>
-        </p:txBody>
-      </p:sp>
-    </p:spTree>
-    <p:extLst>
-      <p:ext uri="{BB962C8B-B14F-4D97-AF65-F5344CB8AC3E}">
-        <p14:creationId xmlns:p14="http://schemas.microsoft.com/office/powerpoint/2010/main" val="3640331043"/>
-      </p:ext>
-    </p:extLst>
-  </p:cSld>
-  <p:clrMapOvr>
-    <a:masterClrMapping/>
-  </p:clrMapOvr>
-  <p:timing>
-    <p:tnLst>
-      <p:par>
-        <p:cTn id="1" dur="indefinite" restart="never" nodeType="tmRoot"/>
-      </p:par>
-    </p:tnLst>
-  </p:timing>
-</p:sld>
-</file>
-
-<file path=ppt/slides/slide20.xml><?xml version="1.0" encoding="utf-8"?>
+<file path=ppt/slides/slide27.xml><?xml version="1.0" encoding="utf-8"?>
 <p:sld xmlns:a="http://schemas.openxmlformats.org/drawingml/2006/main" xmlns:r="http://schemas.openxmlformats.org/officeDocument/2006/relationships" xmlns:p="http://schemas.openxmlformats.org/presentationml/2006/main">
   <p:cSld>
     <p:spTree>
@@ -9177,7 +9941,7 @@
 </p:sld>
 </file>
 
-<file path=ppt/slides/slide21.xml><?xml version="1.0" encoding="utf-8"?>
+<file path=ppt/slides/slide28.xml><?xml version="1.0" encoding="utf-8"?>
 <p:sld xmlns:a="http://schemas.openxmlformats.org/drawingml/2006/main" xmlns:r="http://schemas.openxmlformats.org/officeDocument/2006/relationships" xmlns:p="http://schemas.openxmlformats.org/presentationml/2006/main">
   <p:cSld>
     <p:spTree>
@@ -9555,7 +10319,7 @@
 </p:sld>
 </file>
 
-<file path=ppt/slides/slide22.xml><?xml version="1.0" encoding="utf-8"?>
+<file path=ppt/slides/slide29.xml><?xml version="1.0" encoding="utf-8"?>
 <p:sld xmlns:a="http://schemas.openxmlformats.org/drawingml/2006/main" xmlns:r="http://schemas.openxmlformats.org/officeDocument/2006/relationships" xmlns:p="http://schemas.openxmlformats.org/presentationml/2006/main">
   <p:cSld>
     <p:spTree>
@@ -9856,7 +10620,220 @@
 </p:sld>
 </file>
 
-<file path=ppt/slides/slide23.xml><?xml version="1.0" encoding="utf-8"?>
+<file path=ppt/slides/slide3.xml><?xml version="1.0" encoding="utf-8"?>
+<p:sld xmlns:a="http://schemas.openxmlformats.org/drawingml/2006/main" xmlns:r="http://schemas.openxmlformats.org/officeDocument/2006/relationships" xmlns:p="http://schemas.openxmlformats.org/presentationml/2006/main">
+  <p:cSld>
+    <p:spTree>
+      <p:nvGrpSpPr>
+        <p:cNvPr id="1" name=""/>
+        <p:cNvGrpSpPr/>
+        <p:nvPr/>
+      </p:nvGrpSpPr>
+      <p:grpSpPr>
+        <a:xfrm>
+          <a:off x="0" y="0"/>
+          <a:ext cx="0" cy="0"/>
+          <a:chOff x="0" y="0"/>
+          <a:chExt cx="0" cy="0"/>
+        </a:xfrm>
+      </p:grpSpPr>
+      <p:sp>
+        <p:nvSpPr>
+          <p:cNvPr id="2" name="Title 1"/>
+          <p:cNvSpPr>
+            <a:spLocks noGrp="1"/>
+          </p:cNvSpPr>
+          <p:nvPr>
+            <p:ph type="title"/>
+          </p:nvPr>
+        </p:nvSpPr>
+        <p:spPr>
+          <a:xfrm>
+            <a:off x="107504" y="116632"/>
+            <a:ext cx="8928992" cy="648072"/>
+          </a:xfrm>
+        </p:spPr>
+        <p:txBody>
+          <a:bodyPr>
+            <a:normAutofit fontScale="90000"/>
+          </a:bodyPr>
+          <a:lstStyle/>
+          <a:p>
+            <a:r>
+              <a:rPr lang="ru-RU" dirty="0" smtClean="0">
+                <a:solidFill>
+                  <a:schemeClr val="bg1"/>
+                </a:solidFill>
+              </a:rPr>
+              <a:t>Ссылки</a:t>
+            </a:r>
+            <a:endParaRPr lang="en-US" dirty="0">
+              <a:solidFill>
+                <a:schemeClr val="bg1"/>
+              </a:solidFill>
+            </a:endParaRPr>
+          </a:p>
+        </p:txBody>
+      </p:sp>
+      <p:sp>
+        <p:nvSpPr>
+          <p:cNvPr id="3" name="Content Placeholder 2"/>
+          <p:cNvSpPr>
+            <a:spLocks noGrp="1"/>
+          </p:cNvSpPr>
+          <p:nvPr>
+            <p:ph idx="1"/>
+          </p:nvPr>
+        </p:nvSpPr>
+        <p:spPr>
+          <a:xfrm>
+            <a:off x="457200" y="764704"/>
+            <a:ext cx="8229600" cy="5361459"/>
+          </a:xfrm>
+        </p:spPr>
+        <p:txBody>
+          <a:bodyPr>
+            <a:normAutofit/>
+          </a:bodyPr>
+          <a:lstStyle/>
+          <a:p>
+            <a:r>
+              <a:rPr lang="ru-RU" dirty="0" smtClean="0">
+                <a:solidFill>
+                  <a:schemeClr val="bg1"/>
+                </a:solidFill>
+              </a:rPr>
+              <a:t>Упражнения по </a:t>
+            </a:r>
+            <a:r>
+              <a:rPr lang="en-US" dirty="0">
+                <a:solidFill>
+                  <a:schemeClr val="bg1"/>
+                </a:solidFill>
+              </a:rPr>
+              <a:t>SQL</a:t>
+            </a:r>
+            <a:br>
+              <a:rPr lang="en-US" dirty="0">
+                <a:solidFill>
+                  <a:schemeClr val="bg1"/>
+                </a:solidFill>
+              </a:rPr>
+            </a:br>
+            <a:r>
+              <a:rPr lang="en-US" dirty="0">
+                <a:solidFill>
+                  <a:schemeClr val="bg1"/>
+                </a:solidFill>
+                <a:hlinkClick r:id="rId2"/>
+              </a:rPr>
+              <a:t>http://sql-ex.ru/?</a:t>
+            </a:r>
+            <a:r>
+              <a:rPr lang="en-US" dirty="0" smtClean="0">
+                <a:solidFill>
+                  <a:schemeClr val="bg1"/>
+                </a:solidFill>
+                <a:hlinkClick r:id="rId2"/>
+              </a:rPr>
+              <a:t>Lang=0</a:t>
+            </a:r>
+            <a:endParaRPr lang="en-US" dirty="0" smtClean="0">
+              <a:solidFill>
+                <a:schemeClr val="bg1"/>
+              </a:solidFill>
+            </a:endParaRPr>
+          </a:p>
+          <a:p>
+            <a:pPr marL="0" indent="0">
+              <a:buNone/>
+            </a:pPr>
+            <a:endParaRPr lang="ru-RU" dirty="0" smtClean="0">
+              <a:solidFill>
+                <a:schemeClr val="bg1"/>
+              </a:solidFill>
+            </a:endParaRPr>
+          </a:p>
+          <a:p>
+            <a:pPr lvl="1"/>
+            <a:endParaRPr lang="ru-RU" dirty="0" smtClean="0">
+              <a:solidFill>
+                <a:schemeClr val="bg1"/>
+              </a:solidFill>
+            </a:endParaRPr>
+          </a:p>
+          <a:p>
+            <a:pPr lvl="1"/>
+            <a:endParaRPr lang="ru-RU" dirty="0" smtClean="0">
+              <a:solidFill>
+                <a:schemeClr val="bg1"/>
+              </a:solidFill>
+            </a:endParaRPr>
+          </a:p>
+          <a:p>
+            <a:pPr lvl="1"/>
+            <a:endParaRPr lang="en-US" dirty="0" smtClean="0">
+              <a:solidFill>
+                <a:schemeClr val="bg1"/>
+              </a:solidFill>
+            </a:endParaRPr>
+          </a:p>
+          <a:p>
+            <a:endParaRPr lang="en-US" dirty="0" smtClean="0">
+              <a:solidFill>
+                <a:schemeClr val="bg1"/>
+              </a:solidFill>
+            </a:endParaRPr>
+          </a:p>
+          <a:p>
+            <a:pPr lvl="1"/>
+            <a:endParaRPr lang="en-US" dirty="0" smtClean="0">
+              <a:solidFill>
+                <a:schemeClr val="bg1"/>
+              </a:solidFill>
+            </a:endParaRPr>
+          </a:p>
+          <a:p>
+            <a:pPr marL="457200" lvl="1" indent="0">
+              <a:buNone/>
+            </a:pPr>
+            <a:endParaRPr lang="en-US" dirty="0">
+              <a:solidFill>
+                <a:schemeClr val="bg1"/>
+              </a:solidFill>
+            </a:endParaRPr>
+          </a:p>
+        </p:txBody>
+      </p:sp>
+    </p:spTree>
+    <p:extLst>
+      <p:ext uri="{BB962C8B-B14F-4D97-AF65-F5344CB8AC3E}">
+        <p14:creationId xmlns:p14="http://schemas.microsoft.com/office/powerpoint/2010/main" val="921695489"/>
+      </p:ext>
+    </p:extLst>
+  </p:cSld>
+  <p:clrMapOvr>
+    <a:masterClrMapping/>
+  </p:clrMapOvr>
+  <mc:AlternateContent xmlns:mc="http://schemas.openxmlformats.org/markup-compatibility/2006" xmlns:p14="http://schemas.microsoft.com/office/powerpoint/2010/main">
+    <mc:Choice Requires="p14">
+      <p:transition spd="slow" p14:dur="2000"/>
+    </mc:Choice>
+    <mc:Fallback xmlns="">
+      <p:transition spd="slow"/>
+    </mc:Fallback>
+  </mc:AlternateContent>
+  <p:timing>
+    <p:tnLst>
+      <p:par>
+        <p:cTn id="1" dur="indefinite" restart="never" nodeType="tmRoot"/>
+      </p:par>
+    </p:tnLst>
+  </p:timing>
+</p:sld>
+</file>
+
+<file path=ppt/slides/slide30.xml><?xml version="1.0" encoding="utf-8"?>
 <p:sld xmlns:a="http://schemas.openxmlformats.org/drawingml/2006/main" xmlns:r="http://schemas.openxmlformats.org/officeDocument/2006/relationships" xmlns:p="http://schemas.openxmlformats.org/presentationml/2006/main">
   <p:cSld>
     <p:spTree>
@@ -10192,7 +11169,7 @@
 </p:sld>
 </file>
 
-<file path=ppt/slides/slide24.xml><?xml version="1.0" encoding="utf-8"?>
+<file path=ppt/slides/slide31.xml><?xml version="1.0" encoding="utf-8"?>
 <p:sld xmlns:a="http://schemas.openxmlformats.org/drawingml/2006/main" xmlns:r="http://schemas.openxmlformats.org/officeDocument/2006/relationships" xmlns:p="http://schemas.openxmlformats.org/presentationml/2006/main">
   <p:cSld>
     <p:spTree>
@@ -11354,7 +12331,7 @@
 </p:sld>
 </file>
 
-<file path=ppt/slides/slide25.xml><?xml version="1.0" encoding="utf-8"?>
+<file path=ppt/slides/slide32.xml><?xml version="1.0" encoding="utf-8"?>
 <p:sld xmlns:a="http://schemas.openxmlformats.org/drawingml/2006/main" xmlns:r="http://schemas.openxmlformats.org/officeDocument/2006/relationships" xmlns:p="http://schemas.openxmlformats.org/presentationml/2006/main">
   <p:cSld>
     <p:spTree>
@@ -11611,7 +12588,7 @@
 </p:sld>
 </file>
 
-<file path=ppt/slides/slide26.xml><?xml version="1.0" encoding="utf-8"?>
+<file path=ppt/slides/slide33.xml><?xml version="1.0" encoding="utf-8"?>
 <p:sld xmlns:a="http://schemas.openxmlformats.org/drawingml/2006/main" xmlns:r="http://schemas.openxmlformats.org/officeDocument/2006/relationships" xmlns:p="http://schemas.openxmlformats.org/presentationml/2006/main">
   <p:cSld>
     <p:spTree>
@@ -12023,7 +13000,7 @@
 </p:sld>
 </file>
 
-<file path=ppt/slides/slide27.xml><?xml version="1.0" encoding="utf-8"?>
+<file path=ppt/slides/slide34.xml><?xml version="1.0" encoding="utf-8"?>
 <p:sld xmlns:a="http://schemas.openxmlformats.org/drawingml/2006/main" xmlns:r="http://schemas.openxmlformats.org/officeDocument/2006/relationships" xmlns:p="http://schemas.openxmlformats.org/presentationml/2006/main">
   <p:cSld>
     <p:spTree>
@@ -12159,7 +13136,7 @@
 </p:sld>
 </file>
 
-<file path=ppt/slides/slide28.xml><?xml version="1.0" encoding="utf-8"?>
+<file path=ppt/slides/slide35.xml><?xml version="1.0" encoding="utf-8"?>
 <p:sld xmlns:a="http://schemas.openxmlformats.org/drawingml/2006/main" xmlns:r="http://schemas.openxmlformats.org/officeDocument/2006/relationships" xmlns:p="http://schemas.openxmlformats.org/presentationml/2006/main">
   <p:cSld>
     <p:spTree>
@@ -12582,7 +13559,7 @@
 </p:sld>
 </file>
 
-<file path=ppt/slides/slide29.xml><?xml version="1.0" encoding="utf-8"?>
+<file path=ppt/slides/slide36.xml><?xml version="1.0" encoding="utf-8"?>
 <p:sld xmlns:a="http://schemas.openxmlformats.org/drawingml/2006/main" xmlns:r="http://schemas.openxmlformats.org/officeDocument/2006/relationships" xmlns:p="http://schemas.openxmlformats.org/presentationml/2006/main">
   <p:cSld>
     <p:spTree>
@@ -13468,220 +14445,7 @@
 </p:sld>
 </file>
 
-<file path=ppt/slides/slide3.xml><?xml version="1.0" encoding="utf-8"?>
-<p:sld xmlns:a="http://schemas.openxmlformats.org/drawingml/2006/main" xmlns:r="http://schemas.openxmlformats.org/officeDocument/2006/relationships" xmlns:p="http://schemas.openxmlformats.org/presentationml/2006/main">
-  <p:cSld>
-    <p:spTree>
-      <p:nvGrpSpPr>
-        <p:cNvPr id="1" name=""/>
-        <p:cNvGrpSpPr/>
-        <p:nvPr/>
-      </p:nvGrpSpPr>
-      <p:grpSpPr>
-        <a:xfrm>
-          <a:off x="0" y="0"/>
-          <a:ext cx="0" cy="0"/>
-          <a:chOff x="0" y="0"/>
-          <a:chExt cx="0" cy="0"/>
-        </a:xfrm>
-      </p:grpSpPr>
-      <p:sp>
-        <p:nvSpPr>
-          <p:cNvPr id="2" name="Title 1"/>
-          <p:cNvSpPr>
-            <a:spLocks noGrp="1"/>
-          </p:cNvSpPr>
-          <p:nvPr>
-            <p:ph type="title"/>
-          </p:nvPr>
-        </p:nvSpPr>
-        <p:spPr>
-          <a:xfrm>
-            <a:off x="107504" y="116632"/>
-            <a:ext cx="8928992" cy="648072"/>
-          </a:xfrm>
-        </p:spPr>
-        <p:txBody>
-          <a:bodyPr>
-            <a:normAutofit fontScale="90000"/>
-          </a:bodyPr>
-          <a:lstStyle/>
-          <a:p>
-            <a:r>
-              <a:rPr lang="ru-RU" dirty="0" smtClean="0">
-                <a:solidFill>
-                  <a:schemeClr val="bg1"/>
-                </a:solidFill>
-              </a:rPr>
-              <a:t>Ссылки</a:t>
-            </a:r>
-            <a:endParaRPr lang="en-US" dirty="0">
-              <a:solidFill>
-                <a:schemeClr val="bg1"/>
-              </a:solidFill>
-            </a:endParaRPr>
-          </a:p>
-        </p:txBody>
-      </p:sp>
-      <p:sp>
-        <p:nvSpPr>
-          <p:cNvPr id="3" name="Content Placeholder 2"/>
-          <p:cNvSpPr>
-            <a:spLocks noGrp="1"/>
-          </p:cNvSpPr>
-          <p:nvPr>
-            <p:ph idx="1"/>
-          </p:nvPr>
-        </p:nvSpPr>
-        <p:spPr>
-          <a:xfrm>
-            <a:off x="457200" y="764704"/>
-            <a:ext cx="8229600" cy="5361459"/>
-          </a:xfrm>
-        </p:spPr>
-        <p:txBody>
-          <a:bodyPr>
-            <a:normAutofit/>
-          </a:bodyPr>
-          <a:lstStyle/>
-          <a:p>
-            <a:r>
-              <a:rPr lang="ru-RU" dirty="0" smtClean="0">
-                <a:solidFill>
-                  <a:schemeClr val="bg1"/>
-                </a:solidFill>
-              </a:rPr>
-              <a:t>Упражнения по </a:t>
-            </a:r>
-            <a:r>
-              <a:rPr lang="en-US" dirty="0">
-                <a:solidFill>
-                  <a:schemeClr val="bg1"/>
-                </a:solidFill>
-              </a:rPr>
-              <a:t>SQL</a:t>
-            </a:r>
-            <a:br>
-              <a:rPr lang="en-US" dirty="0">
-                <a:solidFill>
-                  <a:schemeClr val="bg1"/>
-                </a:solidFill>
-              </a:rPr>
-            </a:br>
-            <a:r>
-              <a:rPr lang="en-US" dirty="0">
-                <a:solidFill>
-                  <a:schemeClr val="bg1"/>
-                </a:solidFill>
-                <a:hlinkClick r:id="rId2"/>
-              </a:rPr>
-              <a:t>http://sql-ex.ru/?</a:t>
-            </a:r>
-            <a:r>
-              <a:rPr lang="en-US" dirty="0" smtClean="0">
-                <a:solidFill>
-                  <a:schemeClr val="bg1"/>
-                </a:solidFill>
-                <a:hlinkClick r:id="rId2"/>
-              </a:rPr>
-              <a:t>Lang=0</a:t>
-            </a:r>
-            <a:endParaRPr lang="en-US" dirty="0" smtClean="0">
-              <a:solidFill>
-                <a:schemeClr val="bg1"/>
-              </a:solidFill>
-            </a:endParaRPr>
-          </a:p>
-          <a:p>
-            <a:pPr marL="0" indent="0">
-              <a:buNone/>
-            </a:pPr>
-            <a:endParaRPr lang="ru-RU" dirty="0" smtClean="0">
-              <a:solidFill>
-                <a:schemeClr val="bg1"/>
-              </a:solidFill>
-            </a:endParaRPr>
-          </a:p>
-          <a:p>
-            <a:pPr lvl="1"/>
-            <a:endParaRPr lang="ru-RU" dirty="0" smtClean="0">
-              <a:solidFill>
-                <a:schemeClr val="bg1"/>
-              </a:solidFill>
-            </a:endParaRPr>
-          </a:p>
-          <a:p>
-            <a:pPr lvl="1"/>
-            <a:endParaRPr lang="ru-RU" dirty="0" smtClean="0">
-              <a:solidFill>
-                <a:schemeClr val="bg1"/>
-              </a:solidFill>
-            </a:endParaRPr>
-          </a:p>
-          <a:p>
-            <a:pPr lvl="1"/>
-            <a:endParaRPr lang="en-US" dirty="0" smtClean="0">
-              <a:solidFill>
-                <a:schemeClr val="bg1"/>
-              </a:solidFill>
-            </a:endParaRPr>
-          </a:p>
-          <a:p>
-            <a:endParaRPr lang="en-US" dirty="0" smtClean="0">
-              <a:solidFill>
-                <a:schemeClr val="bg1"/>
-              </a:solidFill>
-            </a:endParaRPr>
-          </a:p>
-          <a:p>
-            <a:pPr lvl="1"/>
-            <a:endParaRPr lang="en-US" dirty="0" smtClean="0">
-              <a:solidFill>
-                <a:schemeClr val="bg1"/>
-              </a:solidFill>
-            </a:endParaRPr>
-          </a:p>
-          <a:p>
-            <a:pPr marL="457200" lvl="1" indent="0">
-              <a:buNone/>
-            </a:pPr>
-            <a:endParaRPr lang="en-US" dirty="0">
-              <a:solidFill>
-                <a:schemeClr val="bg1"/>
-              </a:solidFill>
-            </a:endParaRPr>
-          </a:p>
-        </p:txBody>
-      </p:sp>
-    </p:spTree>
-    <p:extLst>
-      <p:ext uri="{BB962C8B-B14F-4D97-AF65-F5344CB8AC3E}">
-        <p14:creationId xmlns:p14="http://schemas.microsoft.com/office/powerpoint/2010/main" val="921695489"/>
-      </p:ext>
-    </p:extLst>
-  </p:cSld>
-  <p:clrMapOvr>
-    <a:masterClrMapping/>
-  </p:clrMapOvr>
-  <mc:AlternateContent xmlns:mc="http://schemas.openxmlformats.org/markup-compatibility/2006" xmlns:p14="http://schemas.microsoft.com/office/powerpoint/2010/main">
-    <mc:Choice Requires="p14">
-      <p:transition spd="slow" p14:dur="2000"/>
-    </mc:Choice>
-    <mc:Fallback xmlns="">
-      <p:transition spd="slow"/>
-    </mc:Fallback>
-  </mc:AlternateContent>
-  <p:timing>
-    <p:tnLst>
-      <p:par>
-        <p:cTn id="1" dur="indefinite" restart="never" nodeType="tmRoot"/>
-      </p:par>
-    </p:tnLst>
-  </p:timing>
-</p:sld>
-</file>
-
-<file path=ppt/slides/slide30.xml><?xml version="1.0" encoding="utf-8"?>
+<file path=ppt/slides/slide37.xml><?xml version="1.0" encoding="utf-8"?>
 <p:sld xmlns:a="http://schemas.openxmlformats.org/drawingml/2006/main" xmlns:r="http://schemas.openxmlformats.org/officeDocument/2006/relationships" xmlns:p="http://schemas.openxmlformats.org/presentationml/2006/main">
   <p:cSld>
     <p:spTree>
@@ -13950,7 +14714,7 @@
 </p:sld>
 </file>
 
-<file path=ppt/slides/slide31.xml><?xml version="1.0" encoding="utf-8"?>
+<file path=ppt/slides/slide38.xml><?xml version="1.0" encoding="utf-8"?>
 <p:sld xmlns:a="http://schemas.openxmlformats.org/drawingml/2006/main" xmlns:r="http://schemas.openxmlformats.org/officeDocument/2006/relationships" xmlns:p="http://schemas.openxmlformats.org/presentationml/2006/main">
   <p:cSld>
     <p:spTree>
@@ -14064,7 +14828,7 @@
 </p:sld>
 </file>
 
-<file path=ppt/slides/slide32.xml><?xml version="1.0" encoding="utf-8"?>
+<file path=ppt/slides/slide39.xml><?xml version="1.0" encoding="utf-8"?>
 <p:sld xmlns:a="http://schemas.openxmlformats.org/drawingml/2006/main" xmlns:r="http://schemas.openxmlformats.org/officeDocument/2006/relationships" xmlns:p="http://schemas.openxmlformats.org/presentationml/2006/main">
   <p:cSld>
     <p:spTree>
@@ -14171,350 +14935,6 @@
     <p:extLst>
       <p:ext uri="{BB962C8B-B14F-4D97-AF65-F5344CB8AC3E}">
         <p14:creationId xmlns:p14="http://schemas.microsoft.com/office/powerpoint/2010/main" val="2533733971"/>
-      </p:ext>
-    </p:extLst>
-  </p:cSld>
-  <p:clrMapOvr>
-    <a:masterClrMapping/>
-  </p:clrMapOvr>
-  <p:timing>
-    <p:tnLst>
-      <p:par>
-        <p:cTn id="1" dur="indefinite" restart="never" nodeType="tmRoot"/>
-      </p:par>
-    </p:tnLst>
-  </p:timing>
-</p:sld>
-</file>
-
-<file path=ppt/slides/slide33.xml><?xml version="1.0" encoding="utf-8"?>
-<p:sld xmlns:a="http://schemas.openxmlformats.org/drawingml/2006/main" xmlns:r="http://schemas.openxmlformats.org/officeDocument/2006/relationships" xmlns:p="http://schemas.openxmlformats.org/presentationml/2006/main">
-  <p:cSld>
-    <p:spTree>
-      <p:nvGrpSpPr>
-        <p:cNvPr id="1" name=""/>
-        <p:cNvGrpSpPr/>
-        <p:nvPr/>
-      </p:nvGrpSpPr>
-      <p:grpSpPr>
-        <a:xfrm>
-          <a:off x="0" y="0"/>
-          <a:ext cx="0" cy="0"/>
-          <a:chOff x="0" y="0"/>
-          <a:chExt cx="0" cy="0"/>
-        </a:xfrm>
-      </p:grpSpPr>
-      <p:sp>
-        <p:nvSpPr>
-          <p:cNvPr id="2" name="Title 1"/>
-          <p:cNvSpPr>
-            <a:spLocks noGrp="1"/>
-          </p:cNvSpPr>
-          <p:nvPr>
-            <p:ph type="title"/>
-          </p:nvPr>
-        </p:nvSpPr>
-        <p:spPr/>
-        <p:txBody>
-          <a:bodyPr/>
-          <a:lstStyle/>
-          <a:p>
-            <a:r>
-              <a:rPr lang="ru-RU" dirty="0" smtClean="0"/>
-              <a:t>Триггеры</a:t>
-            </a:r>
-            <a:endParaRPr lang="en-US" dirty="0"/>
-          </a:p>
-        </p:txBody>
-      </p:sp>
-      <p:sp>
-        <p:nvSpPr>
-          <p:cNvPr id="3" name="Content Placeholder 2"/>
-          <p:cNvSpPr>
-            <a:spLocks noGrp="1"/>
-          </p:cNvSpPr>
-          <p:nvPr>
-            <p:ph idx="1"/>
-          </p:nvPr>
-        </p:nvSpPr>
-        <p:spPr>
-          <a:xfrm>
-            <a:off x="179512" y="1196752"/>
-            <a:ext cx="8712968" cy="5400600"/>
-          </a:xfrm>
-        </p:spPr>
-        <p:txBody>
-          <a:bodyPr>
-            <a:normAutofit fontScale="85000" lnSpcReduction="20000"/>
-          </a:bodyPr>
-          <a:lstStyle/>
-          <a:p>
-            <a:r>
-              <a:rPr lang="en-US" dirty="0" smtClean="0"/>
-              <a:t>DML-</a:t>
-            </a:r>
-            <a:r>
-              <a:rPr lang="ru-RU" dirty="0" smtClean="0"/>
-              <a:t>триггеры (</a:t>
-            </a:r>
-            <a:r>
-              <a:rPr lang="en-US" dirty="0" smtClean="0"/>
-              <a:t>INSERT/UPDATE/DELETE)</a:t>
-            </a:r>
-            <a:endParaRPr lang="ru-RU" dirty="0" smtClean="0"/>
-          </a:p>
-          <a:p>
-            <a:pPr lvl="1"/>
-            <a:r>
-              <a:rPr lang="ru-RU" dirty="0" smtClean="0"/>
-              <a:t>Позволяют</a:t>
-            </a:r>
-            <a:r>
-              <a:rPr lang="en-US" dirty="0" smtClean="0"/>
-              <a:t> </a:t>
-            </a:r>
-            <a:r>
-              <a:rPr lang="ru-RU" dirty="0" smtClean="0"/>
-              <a:t>перехватывать операции на уровне отдельных таблиц.</a:t>
-            </a:r>
-          </a:p>
-          <a:p>
-            <a:pPr lvl="1"/>
-            <a:r>
-              <a:rPr lang="ru-RU" dirty="0" smtClean="0"/>
-              <a:t>Полезно для проверок безопасности, дополнительной целостности данных, протоколирования, аудита и т.п.</a:t>
-            </a:r>
-            <a:endParaRPr lang="en-US" dirty="0" smtClean="0"/>
-          </a:p>
-          <a:p>
-            <a:r>
-              <a:rPr lang="en-US" dirty="0" smtClean="0"/>
-              <a:t>DDL</a:t>
-            </a:r>
-            <a:r>
-              <a:rPr lang="ru-RU" dirty="0" smtClean="0"/>
-              <a:t>-триггеры</a:t>
-            </a:r>
-          </a:p>
-          <a:p>
-            <a:pPr lvl="1"/>
-            <a:r>
-              <a:rPr lang="ru-RU" dirty="0" smtClean="0"/>
-              <a:t>Автоматическое добавление колонок к таблицам </a:t>
-            </a:r>
-            <a:r>
-              <a:rPr lang="en-US" dirty="0" smtClean="0"/>
-              <a:t>(</a:t>
-            </a:r>
-            <a:r>
-              <a:rPr lang="en-US" dirty="0" err="1" smtClean="0"/>
-              <a:t>LastUpdated</a:t>
-            </a:r>
-            <a:r>
-              <a:rPr lang="en-US" dirty="0" smtClean="0"/>
-              <a:t>, </a:t>
-            </a:r>
-            <a:r>
-              <a:rPr lang="en-US" dirty="0" err="1" smtClean="0"/>
-              <a:t>UpdatedBy</a:t>
-            </a:r>
-            <a:r>
-              <a:rPr lang="en-US" dirty="0" smtClean="0"/>
-              <a:t> </a:t>
-            </a:r>
-            <a:r>
-              <a:rPr lang="ru-RU" dirty="0" smtClean="0"/>
-              <a:t>и т.п.)</a:t>
-            </a:r>
-          </a:p>
-          <a:p>
-            <a:pPr lvl="1"/>
-            <a:r>
-              <a:rPr lang="ru-RU" dirty="0" smtClean="0"/>
-              <a:t>Извещать </a:t>
-            </a:r>
-            <a:r>
-              <a:rPr lang="en-US" dirty="0" smtClean="0"/>
-              <a:t>DBA </a:t>
-            </a:r>
-            <a:r>
-              <a:rPr lang="ru-RU" dirty="0" smtClean="0"/>
-              <a:t>о создании новых БД</a:t>
-            </a:r>
-          </a:p>
-          <a:p>
-            <a:pPr lvl="1"/>
-            <a:r>
-              <a:rPr lang="ru-RU" dirty="0" smtClean="0"/>
-              <a:t>Аудит изменений схемы БД</a:t>
-            </a:r>
-          </a:p>
-          <a:p>
-            <a:r>
-              <a:rPr lang="ru-RU" dirty="0" smtClean="0"/>
-              <a:t>Советы</a:t>
-            </a:r>
-            <a:endParaRPr lang="ru-RU" dirty="0"/>
-          </a:p>
-          <a:p>
-            <a:pPr lvl="1"/>
-            <a:r>
-              <a:rPr lang="ru-RU" dirty="0" smtClean="0"/>
-              <a:t>Триггер должен выполняться как можно быстрее</a:t>
-            </a:r>
-          </a:p>
-          <a:p>
-            <a:pPr lvl="1"/>
-            <a:r>
-              <a:rPr lang="ru-RU" dirty="0" smtClean="0"/>
-              <a:t>Не забывайте, </a:t>
-            </a:r>
-            <a:r>
-              <a:rPr lang="ru-RU" dirty="0"/>
-              <a:t>что </a:t>
-            </a:r>
-            <a:r>
-              <a:rPr lang="ru-RU" dirty="0" smtClean="0"/>
-              <a:t>триггер вызывается для всего пакета изменений, а не для отдельных строк</a:t>
-            </a:r>
-            <a:endParaRPr lang="en-US" dirty="0"/>
-          </a:p>
-        </p:txBody>
-      </p:sp>
-    </p:spTree>
-    <p:extLst>
-      <p:ext uri="{BB962C8B-B14F-4D97-AF65-F5344CB8AC3E}">
-        <p14:creationId xmlns:p14="http://schemas.microsoft.com/office/powerpoint/2010/main" val="2390943353"/>
-      </p:ext>
-    </p:extLst>
-  </p:cSld>
-  <p:clrMapOvr>
-    <a:masterClrMapping/>
-  </p:clrMapOvr>
-  <p:timing>
-    <p:tnLst>
-      <p:par>
-        <p:cTn id="1" dur="indefinite" restart="never" nodeType="tmRoot"/>
-      </p:par>
-    </p:tnLst>
-  </p:timing>
-</p:sld>
-</file>
-
-<file path=ppt/slides/slide34.xml><?xml version="1.0" encoding="utf-8"?>
-<p:sld xmlns:a="http://schemas.openxmlformats.org/drawingml/2006/main" xmlns:r="http://schemas.openxmlformats.org/officeDocument/2006/relationships" xmlns:p="http://schemas.openxmlformats.org/presentationml/2006/main">
-  <p:cSld>
-    <p:spTree>
-      <p:nvGrpSpPr>
-        <p:cNvPr id="1" name=""/>
-        <p:cNvGrpSpPr/>
-        <p:nvPr/>
-      </p:nvGrpSpPr>
-      <p:grpSpPr>
-        <a:xfrm>
-          <a:off x="0" y="0"/>
-          <a:ext cx="0" cy="0"/>
-          <a:chOff x="0" y="0"/>
-          <a:chExt cx="0" cy="0"/>
-        </a:xfrm>
-      </p:grpSpPr>
-      <p:sp>
-        <p:nvSpPr>
-          <p:cNvPr id="2" name="Title 1"/>
-          <p:cNvSpPr>
-            <a:spLocks noGrp="1"/>
-          </p:cNvSpPr>
-          <p:nvPr>
-            <p:ph type="title"/>
-          </p:nvPr>
-        </p:nvSpPr>
-        <p:spPr/>
-        <p:txBody>
-          <a:bodyPr/>
-          <a:lstStyle/>
-          <a:p>
-            <a:r>
-              <a:rPr lang="ru-RU" dirty="0" smtClean="0"/>
-              <a:t>Понятие транзакции</a:t>
-            </a:r>
-            <a:endParaRPr lang="en-US" dirty="0"/>
-          </a:p>
-        </p:txBody>
-      </p:sp>
-      <p:sp>
-        <p:nvSpPr>
-          <p:cNvPr id="3" name="Content Placeholder 2"/>
-          <p:cNvSpPr>
-            <a:spLocks noGrp="1"/>
-          </p:cNvSpPr>
-          <p:nvPr>
-            <p:ph idx="1"/>
-          </p:nvPr>
-        </p:nvSpPr>
-        <p:spPr/>
-        <p:txBody>
-          <a:bodyPr>
-            <a:normAutofit fontScale="85000" lnSpcReduction="20000"/>
-          </a:bodyPr>
-          <a:lstStyle/>
-          <a:p>
-            <a:pPr marL="0" indent="0">
-              <a:buNone/>
-            </a:pPr>
-            <a:r>
-              <a:rPr lang="ru-RU" dirty="0" smtClean="0"/>
-              <a:t>Группа </a:t>
-            </a:r>
-            <a:r>
-              <a:rPr lang="ru-RU" dirty="0"/>
-              <a:t>последовательных операций с базой данных, которая представляет собой логическую единицу работы с данными. Транзакция может быть выполнена либо целиком и успешно, соблюдая целостность данных и независимо от параллельно идущих других транзакций, либо не выполнена вообще и тогда она не должна произвести никакого </a:t>
-            </a:r>
-            <a:r>
-              <a:rPr lang="ru-RU" dirty="0" smtClean="0"/>
-              <a:t>эффекта</a:t>
-            </a:r>
-            <a:endParaRPr lang="en-US" dirty="0" smtClean="0"/>
-          </a:p>
-          <a:p>
-            <a:pPr marL="0" indent="0">
-              <a:buNone/>
-            </a:pPr>
-            <a:endParaRPr lang="ru-RU" dirty="0" smtClean="0"/>
-          </a:p>
-          <a:p>
-            <a:pPr marL="0" indent="0">
-              <a:buNone/>
-            </a:pPr>
-            <a:r>
-              <a:rPr lang="en-US" dirty="0" smtClean="0"/>
-              <a:t>BEGIN TRAN</a:t>
-            </a:r>
-          </a:p>
-          <a:p>
-            <a:pPr marL="0" indent="0">
-              <a:buNone/>
-            </a:pPr>
-            <a:r>
-              <a:rPr lang="en-US" dirty="0" smtClean="0"/>
-              <a:t>…</a:t>
-            </a:r>
-          </a:p>
-          <a:p>
-            <a:pPr marL="0" indent="0">
-              <a:buNone/>
-            </a:pPr>
-            <a:r>
-              <a:rPr lang="en-US" dirty="0" smtClean="0"/>
-              <a:t>COMMIT TRAN | ROLLBACK TRAN</a:t>
-            </a:r>
-            <a:endParaRPr lang="en-US" dirty="0"/>
-          </a:p>
-        </p:txBody>
-      </p:sp>
-    </p:spTree>
-    <p:extLst>
-      <p:ext uri="{BB962C8B-B14F-4D97-AF65-F5344CB8AC3E}">
-        <p14:creationId xmlns:p14="http://schemas.microsoft.com/office/powerpoint/2010/main" val="1871542494"/>
       </p:ext>
     </p:extLst>
   </p:cSld>
@@ -14862,6 +15282,350 @@
       <p:transition spd="slow"/>
     </mc:Fallback>
   </mc:AlternateContent>
+  <p:timing>
+    <p:tnLst>
+      <p:par>
+        <p:cTn id="1" dur="indefinite" restart="never" nodeType="tmRoot"/>
+      </p:par>
+    </p:tnLst>
+  </p:timing>
+</p:sld>
+</file>
+
+<file path=ppt/slides/slide40.xml><?xml version="1.0" encoding="utf-8"?>
+<p:sld xmlns:a="http://schemas.openxmlformats.org/drawingml/2006/main" xmlns:r="http://schemas.openxmlformats.org/officeDocument/2006/relationships" xmlns:p="http://schemas.openxmlformats.org/presentationml/2006/main">
+  <p:cSld>
+    <p:spTree>
+      <p:nvGrpSpPr>
+        <p:cNvPr id="1" name=""/>
+        <p:cNvGrpSpPr/>
+        <p:nvPr/>
+      </p:nvGrpSpPr>
+      <p:grpSpPr>
+        <a:xfrm>
+          <a:off x="0" y="0"/>
+          <a:ext cx="0" cy="0"/>
+          <a:chOff x="0" y="0"/>
+          <a:chExt cx="0" cy="0"/>
+        </a:xfrm>
+      </p:grpSpPr>
+      <p:sp>
+        <p:nvSpPr>
+          <p:cNvPr id="2" name="Title 1"/>
+          <p:cNvSpPr>
+            <a:spLocks noGrp="1"/>
+          </p:cNvSpPr>
+          <p:nvPr>
+            <p:ph type="title"/>
+          </p:nvPr>
+        </p:nvSpPr>
+        <p:spPr/>
+        <p:txBody>
+          <a:bodyPr/>
+          <a:lstStyle/>
+          <a:p>
+            <a:r>
+              <a:rPr lang="ru-RU" dirty="0" smtClean="0"/>
+              <a:t>Триггеры</a:t>
+            </a:r>
+            <a:endParaRPr lang="en-US" dirty="0"/>
+          </a:p>
+        </p:txBody>
+      </p:sp>
+      <p:sp>
+        <p:nvSpPr>
+          <p:cNvPr id="3" name="Content Placeholder 2"/>
+          <p:cNvSpPr>
+            <a:spLocks noGrp="1"/>
+          </p:cNvSpPr>
+          <p:nvPr>
+            <p:ph idx="1"/>
+          </p:nvPr>
+        </p:nvSpPr>
+        <p:spPr>
+          <a:xfrm>
+            <a:off x="179512" y="1196752"/>
+            <a:ext cx="8712968" cy="5400600"/>
+          </a:xfrm>
+        </p:spPr>
+        <p:txBody>
+          <a:bodyPr>
+            <a:normAutofit fontScale="85000" lnSpcReduction="20000"/>
+          </a:bodyPr>
+          <a:lstStyle/>
+          <a:p>
+            <a:r>
+              <a:rPr lang="en-US" dirty="0" smtClean="0"/>
+              <a:t>DML-</a:t>
+            </a:r>
+            <a:r>
+              <a:rPr lang="ru-RU" dirty="0" smtClean="0"/>
+              <a:t>триггеры (</a:t>
+            </a:r>
+            <a:r>
+              <a:rPr lang="en-US" dirty="0" smtClean="0"/>
+              <a:t>INSERT/UPDATE/DELETE)</a:t>
+            </a:r>
+            <a:endParaRPr lang="ru-RU" dirty="0" smtClean="0"/>
+          </a:p>
+          <a:p>
+            <a:pPr lvl="1"/>
+            <a:r>
+              <a:rPr lang="ru-RU" dirty="0" smtClean="0"/>
+              <a:t>Позволяют</a:t>
+            </a:r>
+            <a:r>
+              <a:rPr lang="en-US" dirty="0" smtClean="0"/>
+              <a:t> </a:t>
+            </a:r>
+            <a:r>
+              <a:rPr lang="ru-RU" dirty="0" smtClean="0"/>
+              <a:t>перехватывать операции на уровне отдельных таблиц.</a:t>
+            </a:r>
+          </a:p>
+          <a:p>
+            <a:pPr lvl="1"/>
+            <a:r>
+              <a:rPr lang="ru-RU" dirty="0" smtClean="0"/>
+              <a:t>Полезно для проверок безопасности, дополнительной целостности данных, протоколирования, аудита и т.п.</a:t>
+            </a:r>
+            <a:endParaRPr lang="en-US" dirty="0" smtClean="0"/>
+          </a:p>
+          <a:p>
+            <a:r>
+              <a:rPr lang="en-US" dirty="0" smtClean="0"/>
+              <a:t>DDL</a:t>
+            </a:r>
+            <a:r>
+              <a:rPr lang="ru-RU" dirty="0" smtClean="0"/>
+              <a:t>-триггеры</a:t>
+            </a:r>
+          </a:p>
+          <a:p>
+            <a:pPr lvl="1"/>
+            <a:r>
+              <a:rPr lang="ru-RU" dirty="0" smtClean="0"/>
+              <a:t>Автоматическое добавление колонок к таблицам </a:t>
+            </a:r>
+            <a:r>
+              <a:rPr lang="en-US" dirty="0" smtClean="0"/>
+              <a:t>(</a:t>
+            </a:r>
+            <a:r>
+              <a:rPr lang="en-US" dirty="0" err="1" smtClean="0"/>
+              <a:t>LastUpdated</a:t>
+            </a:r>
+            <a:r>
+              <a:rPr lang="en-US" dirty="0" smtClean="0"/>
+              <a:t>, </a:t>
+            </a:r>
+            <a:r>
+              <a:rPr lang="en-US" dirty="0" err="1" smtClean="0"/>
+              <a:t>UpdatedBy</a:t>
+            </a:r>
+            <a:r>
+              <a:rPr lang="en-US" dirty="0" smtClean="0"/>
+              <a:t> </a:t>
+            </a:r>
+            <a:r>
+              <a:rPr lang="ru-RU" dirty="0" smtClean="0"/>
+              <a:t>и т.п.)</a:t>
+            </a:r>
+          </a:p>
+          <a:p>
+            <a:pPr lvl="1"/>
+            <a:r>
+              <a:rPr lang="ru-RU" dirty="0" smtClean="0"/>
+              <a:t>Извещать </a:t>
+            </a:r>
+            <a:r>
+              <a:rPr lang="en-US" dirty="0" smtClean="0"/>
+              <a:t>DBA </a:t>
+            </a:r>
+            <a:r>
+              <a:rPr lang="ru-RU" dirty="0" smtClean="0"/>
+              <a:t>о создании новых БД</a:t>
+            </a:r>
+          </a:p>
+          <a:p>
+            <a:pPr lvl="1"/>
+            <a:r>
+              <a:rPr lang="ru-RU" dirty="0" smtClean="0"/>
+              <a:t>Аудит изменений схемы БД</a:t>
+            </a:r>
+          </a:p>
+          <a:p>
+            <a:r>
+              <a:rPr lang="ru-RU" dirty="0" smtClean="0"/>
+              <a:t>Советы</a:t>
+            </a:r>
+            <a:endParaRPr lang="ru-RU" dirty="0"/>
+          </a:p>
+          <a:p>
+            <a:pPr lvl="1"/>
+            <a:r>
+              <a:rPr lang="ru-RU" dirty="0" smtClean="0"/>
+              <a:t>Триггер должен выполняться как можно быстрее</a:t>
+            </a:r>
+          </a:p>
+          <a:p>
+            <a:pPr lvl="1"/>
+            <a:r>
+              <a:rPr lang="ru-RU" dirty="0" smtClean="0"/>
+              <a:t>Не забывайте, </a:t>
+            </a:r>
+            <a:r>
+              <a:rPr lang="ru-RU" dirty="0"/>
+              <a:t>что </a:t>
+            </a:r>
+            <a:r>
+              <a:rPr lang="ru-RU" dirty="0" smtClean="0"/>
+              <a:t>триггер вызывается для всего пакета изменений, а не для отдельных строк</a:t>
+            </a:r>
+            <a:endParaRPr lang="en-US" dirty="0"/>
+          </a:p>
+        </p:txBody>
+      </p:sp>
+    </p:spTree>
+    <p:extLst>
+      <p:ext uri="{BB962C8B-B14F-4D97-AF65-F5344CB8AC3E}">
+        <p14:creationId xmlns:p14="http://schemas.microsoft.com/office/powerpoint/2010/main" val="2390943353"/>
+      </p:ext>
+    </p:extLst>
+  </p:cSld>
+  <p:clrMapOvr>
+    <a:masterClrMapping/>
+  </p:clrMapOvr>
+  <p:timing>
+    <p:tnLst>
+      <p:par>
+        <p:cTn id="1" dur="indefinite" restart="never" nodeType="tmRoot"/>
+      </p:par>
+    </p:tnLst>
+  </p:timing>
+</p:sld>
+</file>
+
+<file path=ppt/slides/slide41.xml><?xml version="1.0" encoding="utf-8"?>
+<p:sld xmlns:a="http://schemas.openxmlformats.org/drawingml/2006/main" xmlns:r="http://schemas.openxmlformats.org/officeDocument/2006/relationships" xmlns:p="http://schemas.openxmlformats.org/presentationml/2006/main">
+  <p:cSld>
+    <p:spTree>
+      <p:nvGrpSpPr>
+        <p:cNvPr id="1" name=""/>
+        <p:cNvGrpSpPr/>
+        <p:nvPr/>
+      </p:nvGrpSpPr>
+      <p:grpSpPr>
+        <a:xfrm>
+          <a:off x="0" y="0"/>
+          <a:ext cx="0" cy="0"/>
+          <a:chOff x="0" y="0"/>
+          <a:chExt cx="0" cy="0"/>
+        </a:xfrm>
+      </p:grpSpPr>
+      <p:sp>
+        <p:nvSpPr>
+          <p:cNvPr id="2" name="Title 1"/>
+          <p:cNvSpPr>
+            <a:spLocks noGrp="1"/>
+          </p:cNvSpPr>
+          <p:nvPr>
+            <p:ph type="title"/>
+          </p:nvPr>
+        </p:nvSpPr>
+        <p:spPr/>
+        <p:txBody>
+          <a:bodyPr/>
+          <a:lstStyle/>
+          <a:p>
+            <a:r>
+              <a:rPr lang="ru-RU" dirty="0" smtClean="0"/>
+              <a:t>Понятие транзакции</a:t>
+            </a:r>
+            <a:endParaRPr lang="en-US" dirty="0"/>
+          </a:p>
+        </p:txBody>
+      </p:sp>
+      <p:sp>
+        <p:nvSpPr>
+          <p:cNvPr id="3" name="Content Placeholder 2"/>
+          <p:cNvSpPr>
+            <a:spLocks noGrp="1"/>
+          </p:cNvSpPr>
+          <p:nvPr>
+            <p:ph idx="1"/>
+          </p:nvPr>
+        </p:nvSpPr>
+        <p:spPr/>
+        <p:txBody>
+          <a:bodyPr>
+            <a:normAutofit fontScale="85000" lnSpcReduction="20000"/>
+          </a:bodyPr>
+          <a:lstStyle/>
+          <a:p>
+            <a:pPr marL="0" indent="0">
+              <a:buNone/>
+            </a:pPr>
+            <a:r>
+              <a:rPr lang="ru-RU" dirty="0" smtClean="0"/>
+              <a:t>Группа </a:t>
+            </a:r>
+            <a:r>
+              <a:rPr lang="ru-RU" dirty="0"/>
+              <a:t>последовательных операций с базой данных, которая представляет собой логическую единицу работы с данными. Транзакция может быть выполнена либо целиком и успешно, соблюдая целостность данных и независимо от параллельно идущих других транзакций, либо не выполнена вообще и тогда она не должна произвести никакого </a:t>
+            </a:r>
+            <a:r>
+              <a:rPr lang="ru-RU" dirty="0" smtClean="0"/>
+              <a:t>эффекта</a:t>
+            </a:r>
+            <a:endParaRPr lang="en-US" dirty="0" smtClean="0"/>
+          </a:p>
+          <a:p>
+            <a:pPr marL="0" indent="0">
+              <a:buNone/>
+            </a:pPr>
+            <a:endParaRPr lang="ru-RU" dirty="0" smtClean="0"/>
+          </a:p>
+          <a:p>
+            <a:pPr marL="0" indent="0">
+              <a:buNone/>
+            </a:pPr>
+            <a:r>
+              <a:rPr lang="en-US" dirty="0" smtClean="0"/>
+              <a:t>BEGIN TRAN</a:t>
+            </a:r>
+          </a:p>
+          <a:p>
+            <a:pPr marL="0" indent="0">
+              <a:buNone/>
+            </a:pPr>
+            <a:r>
+              <a:rPr lang="en-US" dirty="0" smtClean="0"/>
+              <a:t>…</a:t>
+            </a:r>
+          </a:p>
+          <a:p>
+            <a:pPr marL="0" indent="0">
+              <a:buNone/>
+            </a:pPr>
+            <a:r>
+              <a:rPr lang="en-US" dirty="0" smtClean="0"/>
+              <a:t>COMMIT TRAN | ROLLBACK TRAN</a:t>
+            </a:r>
+            <a:endParaRPr lang="en-US" dirty="0"/>
+          </a:p>
+        </p:txBody>
+      </p:sp>
+    </p:spTree>
+    <p:extLst>
+      <p:ext uri="{BB962C8B-B14F-4D97-AF65-F5344CB8AC3E}">
+        <p14:creationId xmlns:p14="http://schemas.microsoft.com/office/powerpoint/2010/main" val="1871542494"/>
+      </p:ext>
+    </p:extLst>
+  </p:cSld>
+  <p:clrMapOvr>
+    <a:masterClrMapping/>
+  </p:clrMapOvr>
   <p:timing>
     <p:tnLst>
       <p:par>

--- a/Presentation/lesson-09-sql.pptx
+++ b/Presentation/lesson-09-sql.pptx
@@ -232,7 +232,7 @@
           <a:p>
             <a:fld id="{B24A7054-7FFB-49F4-A126-5DF6E687FF53}" type="datetimeFigureOut">
               <a:rPr lang="ru-RU" smtClean="0"/>
-              <a:t>10.10.2015</a:t>
+              <a:t>02.11.2015</a:t>
             </a:fld>
             <a:endParaRPr lang="ru-RU"/>
           </a:p>
@@ -1514,7 +1514,7 @@
           <a:p>
             <a:fld id="{8E6E6A2A-E9D3-4A0D-B04A-ABDD367A1E08}" type="datetimeFigureOut">
               <a:rPr lang="ru-RU" smtClean="0"/>
-              <a:t>10.10.2015</a:t>
+              <a:t>02.11.2015</a:t>
             </a:fld>
             <a:endParaRPr lang="ru-RU"/>
           </a:p>
@@ -2959,7 +2959,7 @@
           <a:p>
             <a:fld id="{AC3D3127-B7C4-45E3-9797-C527EC9FDD78}" type="datetimeFigureOut">
               <a:rPr lang="ru-RU" smtClean="0"/>
-              <a:t>10.10.2015</a:t>
+              <a:t>02.11.2015</a:t>
             </a:fld>
             <a:endParaRPr lang="ru-RU"/>
           </a:p>
@@ -4695,7 +4695,7 @@
         <p:spPr/>
         <p:txBody>
           <a:bodyPr>
-            <a:normAutofit fontScale="85000" lnSpcReduction="10000"/>
+            <a:normAutofit fontScale="85000" lnSpcReduction="20000"/>
           </a:bodyPr>
           <a:lstStyle/>
           <a:p>
@@ -4705,19 +4705,92 @@
             </a:r>
             <a:r>
               <a:rPr lang="en-US" dirty="0" smtClean="0"/>
-              <a:t>: char, </a:t>
+              <a:t>: </a:t>
+            </a:r>
+            <a:r>
+              <a:rPr lang="en-US" dirty="0" smtClean="0"/>
+              <a:t>char(N), </a:t>
             </a:r>
             <a:r>
               <a:rPr lang="en-US" dirty="0" err="1" smtClean="0"/>
               <a:t>nchar</a:t>
             </a:r>
             <a:r>
+              <a:rPr lang="en-US" dirty="0"/>
+              <a:t>(</a:t>
+            </a:r>
+            <a:r>
+              <a:rPr lang="en-US" dirty="0" smtClean="0"/>
+              <a:t>N), varchar(N), </a:t>
+            </a:r>
+            <a:r>
+              <a:rPr lang="en-US" dirty="0" err="1" smtClean="0"/>
+              <a:t>nvarchar</a:t>
+            </a:r>
+            <a:r>
+              <a:rPr lang="en-US" dirty="0"/>
+              <a:t>(</a:t>
+            </a:r>
+            <a:r>
+              <a:rPr lang="en-US" dirty="0" smtClean="0"/>
+              <a:t>N), </a:t>
+            </a:r>
+            <a:r>
+              <a:rPr lang="en-US" dirty="0" smtClean="0"/>
+              <a:t>text, </a:t>
+            </a:r>
+            <a:r>
+              <a:rPr lang="en-US" dirty="0" err="1" smtClean="0"/>
+              <a:t>ntext</a:t>
+            </a:r>
+            <a:endParaRPr lang="en-US" dirty="0" smtClean="0"/>
+          </a:p>
+          <a:p>
+            <a:r>
+              <a:rPr lang="ru-RU" dirty="0" smtClean="0"/>
+              <a:t>Дата/время: </a:t>
+            </a:r>
+            <a:r>
+              <a:rPr lang="en-US" dirty="0" smtClean="0"/>
+              <a:t> </a:t>
+            </a:r>
+            <a:r>
+              <a:rPr lang="en-US" dirty="0" err="1" smtClean="0"/>
+              <a:t>datetime</a:t>
+            </a:r>
+            <a:r>
               <a:rPr lang="en-US" dirty="0" smtClean="0"/>
               <a:t>, </a:t>
             </a:r>
             <a:r>
               <a:rPr lang="en-US" dirty="0" err="1" smtClean="0"/>
-              <a:t>varchar</a:t>
+              <a:t>smalldatetime</a:t>
+            </a:r>
+            <a:r>
+              <a:rPr lang="en-US" dirty="0" smtClean="0"/>
+              <a:t>, date, time, </a:t>
+            </a:r>
+            <a:r>
+              <a:rPr lang="en-US" dirty="0" err="1" smtClean="0"/>
+              <a:t>datetimeoffset</a:t>
+            </a:r>
+            <a:r>
+              <a:rPr lang="en-US" dirty="0" smtClean="0"/>
+              <a:t>, datetime2</a:t>
+            </a:r>
+          </a:p>
+          <a:p>
+            <a:r>
+              <a:rPr lang="ru-RU" dirty="0" smtClean="0"/>
+              <a:t>Численные: </a:t>
+            </a:r>
+            <a:r>
+              <a:rPr lang="en-US" dirty="0" smtClean="0"/>
+              <a:t>decimal, numeric, float, real, </a:t>
+            </a:r>
+            <a:r>
+              <a:rPr lang="en-US" dirty="0" err="1" smtClean="0"/>
+              <a:t>bigint</a:t>
             </a:r>
             <a:r>
               <a:rPr lang="en-US" dirty="0" smtClean="0"/>
@@ -4725,30 +4798,7 @@
             </a:r>
             <a:r>
               <a:rPr lang="en-US" dirty="0" err="1" smtClean="0"/>
-              <a:t>nvarchar</a:t>
-            </a:r>
-            <a:r>
-              <a:rPr lang="en-US" dirty="0" smtClean="0"/>
-              <a:t>, text, </a:t>
-            </a:r>
-            <a:r>
-              <a:rPr lang="en-US" dirty="0" err="1" smtClean="0"/>
-              <a:t>ntext</a:t>
-            </a:r>
-            <a:endParaRPr lang="en-US" dirty="0" smtClean="0"/>
-          </a:p>
-          <a:p>
-            <a:r>
-              <a:rPr lang="ru-RU" dirty="0" smtClean="0"/>
-              <a:t>Дата/время: </a:t>
-            </a:r>
-            <a:r>
-              <a:rPr lang="en-US" dirty="0" smtClean="0"/>
-              <a:t> </a:t>
-            </a:r>
-            <a:r>
-              <a:rPr lang="en-US" dirty="0" err="1" smtClean="0"/>
-              <a:t>datetime</a:t>
+              <a:t>int</a:t>
             </a:r>
             <a:r>
               <a:rPr lang="en-US" dirty="0" smtClean="0"/>
@@ -4756,48 +4806,6 @@
             </a:r>
             <a:r>
               <a:rPr lang="en-US" dirty="0" err="1" smtClean="0"/>
-              <a:t>smalldatetime</a:t>
-            </a:r>
-            <a:r>
-              <a:rPr lang="en-US" dirty="0" smtClean="0"/>
-              <a:t>, date, time, </a:t>
-            </a:r>
-            <a:r>
-              <a:rPr lang="en-US" dirty="0" err="1" smtClean="0"/>
-              <a:t>datetimeoffset</a:t>
-            </a:r>
-            <a:r>
-              <a:rPr lang="en-US" dirty="0" smtClean="0"/>
-              <a:t>, datetime2</a:t>
-            </a:r>
-          </a:p>
-          <a:p>
-            <a:r>
-              <a:rPr lang="ru-RU" dirty="0" smtClean="0"/>
-              <a:t>Численные: </a:t>
-            </a:r>
-            <a:r>
-              <a:rPr lang="en-US" dirty="0" smtClean="0"/>
-              <a:t>decimal, numeric, float, real, </a:t>
-            </a:r>
-            <a:r>
-              <a:rPr lang="en-US" dirty="0" err="1" smtClean="0"/>
-              <a:t>bigint</a:t>
-            </a:r>
-            <a:r>
-              <a:rPr lang="en-US" dirty="0" smtClean="0"/>
-              <a:t>, </a:t>
-            </a:r>
-            <a:r>
-              <a:rPr lang="en-US" dirty="0" err="1" smtClean="0"/>
-              <a:t>int</a:t>
-            </a:r>
-            <a:r>
-              <a:rPr lang="en-US" dirty="0" smtClean="0"/>
-              <a:t>, </a:t>
-            </a:r>
-            <a:r>
-              <a:rPr lang="en-US" dirty="0" err="1" smtClean="0"/>
               <a:t>smallint</a:t>
             </a:r>
             <a:r>
@@ -4817,7 +4825,7 @@
             </a:r>
             <a:r>
               <a:rPr lang="en-US" dirty="0" smtClean="0"/>
-              <a:t>binary, </a:t>
+              <a:t>binary(N), </a:t>
             </a:r>
             <a:r>
               <a:rPr lang="en-US" dirty="0" err="1" smtClean="0"/>
@@ -4825,7 +4833,11 @@
             </a:r>
             <a:r>
               <a:rPr lang="en-US" dirty="0" smtClean="0"/>
-              <a:t>, image</a:t>
+              <a:t>(N), </a:t>
+            </a:r>
+            <a:r>
+              <a:rPr lang="en-US" dirty="0" smtClean="0"/>
+              <a:t>image</a:t>
             </a:r>
           </a:p>
           <a:p>
@@ -7941,11 +7953,11 @@
   <p:clrMapOvr>
     <a:masterClrMapping/>
   </p:clrMapOvr>
-  <mc:AlternateContent xmlns:mc="http://schemas.openxmlformats.org/markup-compatibility/2006">
-    <mc:Choice xmlns:p14="http://schemas.microsoft.com/office/powerpoint/2010/main" Requires="p14">
+  <mc:AlternateContent xmlns:mc="http://schemas.openxmlformats.org/markup-compatibility/2006" xmlns:p14="http://schemas.microsoft.com/office/powerpoint/2010/main">
+    <mc:Choice Requires="p14">
       <p:transition spd="slow" p14:dur="2000"/>
     </mc:Choice>
-    <mc:Fallback>
+    <mc:Fallback xmlns="">
       <p:transition spd="slow"/>
     </mc:Fallback>
   </mc:AlternateContent>
@@ -8229,11 +8241,11 @@
   <p:clrMapOvr>
     <a:masterClrMapping/>
   </p:clrMapOvr>
-  <mc:AlternateContent xmlns:mc="http://schemas.openxmlformats.org/markup-compatibility/2006">
-    <mc:Choice xmlns:p14="http://schemas.microsoft.com/office/powerpoint/2010/main" Requires="p14">
+  <mc:AlternateContent xmlns:mc="http://schemas.openxmlformats.org/markup-compatibility/2006" xmlns:p14="http://schemas.microsoft.com/office/powerpoint/2010/main">
+    <mc:Choice Requires="p14">
       <p:transition spd="slow" p14:dur="2000"/>
     </mc:Choice>
-    <mc:Fallback>
+    <mc:Fallback xmlns="">
       <p:transition spd="slow"/>
     </mc:Fallback>
   </mc:AlternateContent>

--- a/Presentation/lesson-09-sql.pptx
+++ b/Presentation/lesson-09-sql.pptx
@@ -25,8 +25,8 @@
     <p:sldId id="281" r:id="rId16"/>
     <p:sldId id="289" r:id="rId17"/>
     <p:sldId id="285" r:id="rId18"/>
-    <p:sldId id="293" r:id="rId19"/>
-    <p:sldId id="301" r:id="rId20"/>
+    <p:sldId id="301" r:id="rId19"/>
+    <p:sldId id="293" r:id="rId20"/>
     <p:sldId id="300" r:id="rId21"/>
     <p:sldId id="295" r:id="rId22"/>
     <p:sldId id="296" r:id="rId23"/>
@@ -232,7 +232,7 @@
           <a:p>
             <a:fld id="{B24A7054-7FFB-49F4-A126-5DF6E687FF53}" type="datetimeFigureOut">
               <a:rPr lang="ru-RU" smtClean="0"/>
-              <a:t>02.11.2015</a:t>
+              <a:t>06.03.2016</a:t>
             </a:fld>
             <a:endParaRPr lang="ru-RU"/>
           </a:p>
@@ -1514,7 +1514,7 @@
           <a:p>
             <a:fld id="{8E6E6A2A-E9D3-4A0D-B04A-ABDD367A1E08}" type="datetimeFigureOut">
               <a:rPr lang="ru-RU" smtClean="0"/>
-              <a:t>02.11.2015</a:t>
+              <a:t>06.03.2016</a:t>
             </a:fld>
             <a:endParaRPr lang="ru-RU"/>
           </a:p>
@@ -2959,7 +2959,7 @@
           <a:p>
             <a:fld id="{AC3D3127-B7C4-45E3-9797-C527EC9FDD78}" type="datetimeFigureOut">
               <a:rPr lang="ru-RU" smtClean="0"/>
-              <a:t>02.11.2015</a:t>
+              <a:t>06.03.2016</a:t>
             </a:fld>
             <a:endParaRPr lang="ru-RU"/>
           </a:p>
@@ -4695,7 +4695,7 @@
         <p:spPr/>
         <p:txBody>
           <a:bodyPr>
-            <a:normAutofit fontScale="85000" lnSpcReduction="20000"/>
+            <a:normAutofit fontScale="77500" lnSpcReduction="20000"/>
           </a:bodyPr>
           <a:lstStyle/>
           <a:p>
@@ -4705,11 +4705,7 @@
             </a:r>
             <a:r>
               <a:rPr lang="en-US" dirty="0" smtClean="0"/>
-              <a:t>: </a:t>
-            </a:r>
-            <a:r>
-              <a:rPr lang="en-US" dirty="0" smtClean="0"/>
-              <a:t>char(N), </a:t>
+              <a:t>: char(N), </a:t>
             </a:r>
             <a:r>
               <a:rPr lang="en-US" dirty="0" err="1" smtClean="0"/>
@@ -4733,11 +4729,7 @@
             </a:r>
             <a:r>
               <a:rPr lang="en-US" dirty="0" smtClean="0"/>
-              <a:t>N), </a:t>
-            </a:r>
-            <a:r>
-              <a:rPr lang="en-US" dirty="0" smtClean="0"/>
-              <a:t>text, </a:t>
+              <a:t>N), text, </a:t>
             </a:r>
             <a:r>
               <a:rPr lang="en-US" dirty="0" err="1" smtClean="0"/>
@@ -4810,12 +4802,35 @@
             </a:r>
             <a:r>
               <a:rPr lang="en-US" dirty="0" smtClean="0"/>
-              <a:t>, bit, money, </a:t>
+              <a:t>, </a:t>
+            </a:r>
+            <a:r>
+              <a:rPr lang="en-US" dirty="0" err="1" smtClean="0"/>
+              <a:t>tinyint</a:t>
+            </a:r>
+            <a:r>
+              <a:rPr lang="en-US" dirty="0" smtClean="0"/>
+              <a:t>, money</a:t>
+            </a:r>
+            <a:r>
+              <a:rPr lang="en-US" dirty="0" smtClean="0"/>
+              <a:t>, </a:t>
             </a:r>
             <a:r>
               <a:rPr lang="en-US" dirty="0" err="1" smtClean="0"/>
               <a:t>smallmoney</a:t>
             </a:r>
+            <a:endParaRPr lang="ru-RU" dirty="0" smtClean="0"/>
+          </a:p>
+          <a:p>
+            <a:r>
+              <a:rPr lang="ru-RU" dirty="0" smtClean="0"/>
+              <a:t>Логический: </a:t>
+            </a:r>
+            <a:r>
+              <a:rPr lang="en-US" dirty="0" smtClean="0"/>
+              <a:t>bit</a:t>
+            </a:r>
             <a:endParaRPr lang="en-US" dirty="0" smtClean="0"/>
           </a:p>
           <a:p>
@@ -4833,11 +4848,7 @@
             </a:r>
             <a:r>
               <a:rPr lang="en-US" dirty="0" smtClean="0"/>
-              <a:t>(N), </a:t>
-            </a:r>
-            <a:r>
-              <a:rPr lang="en-US" dirty="0" smtClean="0"/>
-              <a:t>image</a:t>
+              <a:t>(N), image</a:t>
             </a:r>
           </a:p>
           <a:p>
@@ -5187,6 +5198,372 @@
 </file>
 
 <file path=ppt/slides/slide18.xml><?xml version="1.0" encoding="utf-8"?>
+<p:sld xmlns:a="http://schemas.openxmlformats.org/drawingml/2006/main" xmlns:r="http://schemas.openxmlformats.org/officeDocument/2006/relationships" xmlns:p="http://schemas.openxmlformats.org/presentationml/2006/main">
+  <p:cSld>
+    <p:spTree>
+      <p:nvGrpSpPr>
+        <p:cNvPr id="1" name=""/>
+        <p:cNvGrpSpPr/>
+        <p:nvPr/>
+      </p:nvGrpSpPr>
+      <p:grpSpPr>
+        <a:xfrm>
+          <a:off x="0" y="0"/>
+          <a:ext cx="0" cy="0"/>
+          <a:chOff x="0" y="0"/>
+          <a:chExt cx="0" cy="0"/>
+        </a:xfrm>
+      </p:grpSpPr>
+      <p:sp>
+        <p:nvSpPr>
+          <p:cNvPr id="2" name="Title 1"/>
+          <p:cNvSpPr>
+            <a:spLocks noGrp="1"/>
+          </p:cNvSpPr>
+          <p:nvPr>
+            <p:ph type="title"/>
+          </p:nvPr>
+        </p:nvSpPr>
+        <p:spPr/>
+        <p:txBody>
+          <a:bodyPr/>
+          <a:lstStyle/>
+          <a:p>
+            <a:r>
+              <a:rPr lang="en-US" dirty="0" smtClean="0"/>
+              <a:t>T-SQL: </a:t>
+            </a:r>
+            <a:r>
+              <a:rPr lang="ru-RU" dirty="0" smtClean="0"/>
+              <a:t>Численные</a:t>
+            </a:r>
+            <a:r>
+              <a:rPr lang="en-US" dirty="0" smtClean="0"/>
+              <a:t> </a:t>
+            </a:r>
+            <a:r>
+              <a:rPr lang="ru-RU" dirty="0" smtClean="0"/>
+              <a:t>типы</a:t>
+            </a:r>
+            <a:r>
+              <a:rPr lang="en-US" dirty="0" smtClean="0"/>
+              <a:t> </a:t>
+            </a:r>
+            <a:endParaRPr lang="ru-RU" dirty="0"/>
+          </a:p>
+        </p:txBody>
+      </p:sp>
+      <p:sp>
+        <p:nvSpPr>
+          <p:cNvPr id="3" name="Content Placeholder 2"/>
+          <p:cNvSpPr>
+            <a:spLocks noGrp="1"/>
+          </p:cNvSpPr>
+          <p:nvPr>
+            <p:ph idx="1"/>
+          </p:nvPr>
+        </p:nvSpPr>
+        <p:spPr/>
+        <p:txBody>
+          <a:bodyPr>
+            <a:normAutofit fontScale="85000" lnSpcReduction="20000"/>
+          </a:bodyPr>
+          <a:lstStyle/>
+          <a:p>
+            <a:r>
+              <a:rPr lang="ru-RU" dirty="0" smtClean="0"/>
+              <a:t>Целые числа</a:t>
+            </a:r>
+          </a:p>
+          <a:p>
+            <a:pPr lvl="1"/>
+            <a:r>
+              <a:rPr lang="en-US" dirty="0" err="1" smtClean="0"/>
+              <a:t>bigint</a:t>
+            </a:r>
+            <a:r>
+              <a:rPr lang="ru-RU" dirty="0" smtClean="0"/>
+              <a:t> (</a:t>
+            </a:r>
+            <a:r>
+              <a:rPr lang="en-US" dirty="0" smtClean="0"/>
+              <a:t>8 </a:t>
+            </a:r>
+            <a:r>
+              <a:rPr lang="ru-RU" dirty="0" smtClean="0"/>
+              <a:t>байтов), </a:t>
+            </a:r>
+            <a:r>
+              <a:rPr lang="en-US" dirty="0" err="1" smtClean="0"/>
+              <a:t>int</a:t>
+            </a:r>
+            <a:r>
+              <a:rPr lang="ru-RU" dirty="0" smtClean="0"/>
+              <a:t> (4 байта), </a:t>
+            </a:r>
+            <a:r>
+              <a:rPr lang="en-US" dirty="0" err="1" smtClean="0"/>
+              <a:t>smallint</a:t>
+            </a:r>
+            <a:r>
+              <a:rPr lang="ru-RU" dirty="0" smtClean="0"/>
+              <a:t> (2 байта), </a:t>
+            </a:r>
+            <a:r>
+              <a:rPr lang="en-US" dirty="0" err="1" smtClean="0"/>
+              <a:t>tinyint</a:t>
+            </a:r>
+            <a:r>
+              <a:rPr lang="ru-RU" dirty="0" smtClean="0"/>
+              <a:t> (1 байт, беззнаковый)</a:t>
+            </a:r>
+            <a:endParaRPr lang="en-US" dirty="0" smtClean="0"/>
+          </a:p>
+          <a:p>
+            <a:r>
+              <a:rPr lang="ru-RU" dirty="0" smtClean="0"/>
+              <a:t>Фиксированная точность</a:t>
+            </a:r>
+            <a:endParaRPr lang="en-US" dirty="0" smtClean="0"/>
+          </a:p>
+          <a:p>
+            <a:pPr lvl="1"/>
+            <a:r>
+              <a:rPr lang="en-US" dirty="0" smtClean="0"/>
+              <a:t>decimal(</a:t>
+            </a:r>
+            <a:r>
+              <a:rPr lang="en-US" dirty="0" smtClean="0">
+                <a:solidFill>
+                  <a:srgbClr val="FFFF00"/>
+                </a:solidFill>
+              </a:rPr>
+              <a:t>p</a:t>
+            </a:r>
+            <a:r>
+              <a:rPr lang="en-US" dirty="0" smtClean="0"/>
+              <a:t>, </a:t>
+            </a:r>
+            <a:r>
+              <a:rPr lang="en-US" dirty="0" smtClean="0">
+                <a:solidFill>
+                  <a:srgbClr val="92D050"/>
+                </a:solidFill>
+              </a:rPr>
+              <a:t>s</a:t>
+            </a:r>
+            <a:r>
+              <a:rPr lang="en-US" dirty="0" smtClean="0"/>
+              <a:t>), numeric(</a:t>
+            </a:r>
+            <a:r>
+              <a:rPr lang="en-US" dirty="0" smtClean="0">
+                <a:solidFill>
+                  <a:srgbClr val="FFFF00"/>
+                </a:solidFill>
+              </a:rPr>
+              <a:t>p</a:t>
+            </a:r>
+            <a:r>
+              <a:rPr lang="en-US" dirty="0" smtClean="0"/>
+              <a:t>, </a:t>
+            </a:r>
+            <a:r>
+              <a:rPr lang="en-US" dirty="0" smtClean="0">
+                <a:solidFill>
+                  <a:srgbClr val="92D050"/>
+                </a:solidFill>
+              </a:rPr>
+              <a:t>s</a:t>
+            </a:r>
+            <a:r>
+              <a:rPr lang="ru-RU" dirty="0" smtClean="0"/>
+              <a:t>)</a:t>
+            </a:r>
+          </a:p>
+          <a:p>
+            <a:pPr lvl="1"/>
+            <a:r>
+              <a:rPr lang="en-US" dirty="0" smtClean="0">
+                <a:solidFill>
+                  <a:srgbClr val="FFFF00"/>
+                </a:solidFill>
+              </a:rPr>
+              <a:t>precision</a:t>
+            </a:r>
+            <a:r>
+              <a:rPr lang="ru-RU" dirty="0" smtClean="0"/>
+              <a:t>:</a:t>
+            </a:r>
+            <a:r>
+              <a:rPr lang="en-US" dirty="0" smtClean="0"/>
+              <a:t> </a:t>
+            </a:r>
+            <a:r>
+              <a:rPr lang="ru-RU" dirty="0" smtClean="0"/>
+              <a:t>общее кол-во цифр в числе, </a:t>
+            </a:r>
+            <a:r>
+              <a:rPr lang="en-US" dirty="0" smtClean="0">
+                <a:solidFill>
+                  <a:srgbClr val="92D050"/>
+                </a:solidFill>
+              </a:rPr>
+              <a:t>scale</a:t>
+            </a:r>
+            <a:r>
+              <a:rPr lang="en-US" dirty="0" smtClean="0"/>
+              <a:t>: </a:t>
+            </a:r>
+            <a:r>
+              <a:rPr lang="ru-RU" dirty="0" smtClean="0"/>
+              <a:t>кол-во знаков после запятой</a:t>
+            </a:r>
+            <a:endParaRPr lang="en-US" dirty="0" smtClean="0"/>
+          </a:p>
+          <a:p>
+            <a:r>
+              <a:rPr lang="ru-RU" dirty="0" smtClean="0"/>
+              <a:t>Примерная точность</a:t>
+            </a:r>
+          </a:p>
+          <a:p>
+            <a:pPr lvl="1"/>
+            <a:r>
+              <a:rPr lang="en-US" dirty="0" smtClean="0"/>
+              <a:t>float</a:t>
+            </a:r>
+            <a:r>
+              <a:rPr lang="en-US" dirty="0"/>
+              <a:t>, </a:t>
+            </a:r>
+            <a:r>
+              <a:rPr lang="en-US" dirty="0" smtClean="0"/>
+              <a:t>real</a:t>
+            </a:r>
+            <a:endParaRPr lang="ru-RU" dirty="0" smtClean="0"/>
+          </a:p>
+          <a:p>
+            <a:r>
+              <a:rPr lang="ru-RU" dirty="0" smtClean="0"/>
+              <a:t>Денежные значения (точность до 4 знаков)</a:t>
+            </a:r>
+            <a:endParaRPr lang="ru-RU" dirty="0"/>
+          </a:p>
+          <a:p>
+            <a:pPr lvl="1"/>
+            <a:r>
+              <a:rPr lang="en-US" dirty="0" smtClean="0"/>
+              <a:t>money</a:t>
+            </a:r>
+            <a:r>
+              <a:rPr lang="ru-RU" dirty="0" smtClean="0"/>
+              <a:t> (</a:t>
+            </a:r>
+            <a:r>
+              <a:rPr lang="ru-RU" dirty="0"/>
+              <a:t>8 байтов), от -</a:t>
+            </a:r>
+            <a:r>
+              <a:rPr lang="ru-RU" dirty="0" smtClean="0"/>
+              <a:t>9*10</a:t>
+            </a:r>
+            <a:r>
+              <a:rPr lang="en-US" dirty="0" smtClean="0"/>
+              <a:t>^</a:t>
+            </a:r>
+            <a:r>
+              <a:rPr lang="ru-RU" dirty="0" smtClean="0"/>
+              <a:t>15</a:t>
+            </a:r>
+            <a:r>
+              <a:rPr lang="en-US" dirty="0" smtClean="0"/>
+              <a:t> </a:t>
+            </a:r>
+            <a:r>
+              <a:rPr lang="ru-RU" dirty="0" smtClean="0"/>
+              <a:t>до 9*10</a:t>
+            </a:r>
+            <a:r>
+              <a:rPr lang="en-US" dirty="0"/>
+              <a:t>^</a:t>
+            </a:r>
+            <a:r>
+              <a:rPr lang="ru-RU" dirty="0"/>
+              <a:t>15</a:t>
+            </a:r>
+          </a:p>
+          <a:p>
+            <a:pPr lvl="1"/>
+            <a:r>
+              <a:rPr lang="en-US" dirty="0" err="1" smtClean="0"/>
+              <a:t>smallmoney</a:t>
+            </a:r>
+            <a:r>
+              <a:rPr lang="ru-RU" dirty="0" smtClean="0"/>
+              <a:t> (4 байта), от </a:t>
+            </a:r>
+            <a:r>
+              <a:rPr lang="en-US" dirty="0" smtClean="0"/>
+              <a:t>-214748</a:t>
+            </a:r>
+            <a:r>
+              <a:rPr lang="ru-RU" dirty="0"/>
+              <a:t>,</a:t>
+            </a:r>
+            <a:r>
+              <a:rPr lang="en-US" dirty="0" smtClean="0"/>
+              <a:t>3648 </a:t>
+            </a:r>
+            <a:r>
+              <a:rPr lang="ru-RU" dirty="0" smtClean="0"/>
+              <a:t>до </a:t>
+            </a:r>
+            <a:r>
+              <a:rPr lang="en-US" dirty="0" smtClean="0"/>
+              <a:t>214748</a:t>
+            </a:r>
+            <a:r>
+              <a:rPr lang="ru-RU" dirty="0"/>
+              <a:t>,</a:t>
+            </a:r>
+            <a:r>
+              <a:rPr lang="en-US" dirty="0" smtClean="0"/>
+              <a:t>3647</a:t>
+            </a:r>
+            <a:endParaRPr lang="ru-RU" dirty="0"/>
+          </a:p>
+        </p:txBody>
+      </p:sp>
+    </p:spTree>
+    <p:extLst>
+      <p:ext uri="{BB962C8B-B14F-4D97-AF65-F5344CB8AC3E}">
+        <p14:creationId xmlns:p14="http://schemas.microsoft.com/office/powerpoint/2010/main" val="2525475061"/>
+      </p:ext>
+    </p:extLst>
+  </p:cSld>
+  <p:clrMapOvr>
+    <a:masterClrMapping/>
+  </p:clrMapOvr>
+  <mc:AlternateContent xmlns:mc="http://schemas.openxmlformats.org/markup-compatibility/2006">
+    <mc:Choice xmlns:p14="http://schemas.microsoft.com/office/powerpoint/2010/main" Requires="p14">
+      <p:transition spd="slow" p14:dur="2000"/>
+    </mc:Choice>
+    <mc:Fallback>
+      <p:transition spd="slow"/>
+    </mc:Fallback>
+  </mc:AlternateContent>
+  <p:timing>
+    <p:tnLst>
+      <p:par>
+        <p:cTn id="1" dur="indefinite" restart="never" nodeType="tmRoot"/>
+      </p:par>
+    </p:tnLst>
+  </p:timing>
+</p:sld>
+</file>
+
+<file path=ppt/slides/slide19.xml><?xml version="1.0" encoding="utf-8"?>
 <p:sld xmlns:a="http://schemas.openxmlformats.org/drawingml/2006/main" xmlns:r="http://schemas.openxmlformats.org/officeDocument/2006/relationships" xmlns:p="http://schemas.openxmlformats.org/presentationml/2006/main">
   <p:cSld>
     <p:spTree>
@@ -7868,102 +8245,6 @@
 </p:sld>
 </file>
 
-<file path=ppt/slides/slide19.xml><?xml version="1.0" encoding="utf-8"?>
-<p:sld xmlns:a="http://schemas.openxmlformats.org/drawingml/2006/main" xmlns:r="http://schemas.openxmlformats.org/officeDocument/2006/relationships" xmlns:p="http://schemas.openxmlformats.org/presentationml/2006/main" show="0">
-  <p:cSld>
-    <p:spTree>
-      <p:nvGrpSpPr>
-        <p:cNvPr id="1" name=""/>
-        <p:cNvGrpSpPr/>
-        <p:nvPr/>
-      </p:nvGrpSpPr>
-      <p:grpSpPr>
-        <a:xfrm>
-          <a:off x="0" y="0"/>
-          <a:ext cx="0" cy="0"/>
-          <a:chOff x="0" y="0"/>
-          <a:chExt cx="0" cy="0"/>
-        </a:xfrm>
-      </p:grpSpPr>
-      <p:sp>
-        <p:nvSpPr>
-          <p:cNvPr id="2" name="Title 1"/>
-          <p:cNvSpPr>
-            <a:spLocks noGrp="1"/>
-          </p:cNvSpPr>
-          <p:nvPr>
-            <p:ph type="title"/>
-          </p:nvPr>
-        </p:nvSpPr>
-        <p:spPr/>
-        <p:txBody>
-          <a:bodyPr/>
-          <a:lstStyle/>
-          <a:p>
-            <a:r>
-              <a:rPr lang="en-US" dirty="0" smtClean="0"/>
-              <a:t>T-SQL: </a:t>
-            </a:r>
-            <a:r>
-              <a:rPr lang="ru-RU" dirty="0" smtClean="0"/>
-              <a:t>Численные</a:t>
-            </a:r>
-            <a:r>
-              <a:rPr lang="en-US" dirty="0" smtClean="0"/>
-              <a:t> </a:t>
-            </a:r>
-            <a:r>
-              <a:rPr lang="ru-RU" dirty="0" smtClean="0"/>
-              <a:t>типы</a:t>
-            </a:r>
-            <a:r>
-              <a:rPr lang="en-US" dirty="0" smtClean="0"/>
-              <a:t> </a:t>
-            </a:r>
-            <a:endParaRPr lang="ru-RU" dirty="0"/>
-          </a:p>
-        </p:txBody>
-      </p:sp>
-      <p:sp>
-        <p:nvSpPr>
-          <p:cNvPr id="3" name="Content Placeholder 2"/>
-          <p:cNvSpPr>
-            <a:spLocks noGrp="1"/>
-          </p:cNvSpPr>
-          <p:nvPr>
-            <p:ph idx="1"/>
-          </p:nvPr>
-        </p:nvSpPr>
-        <p:spPr/>
-        <p:txBody>
-          <a:bodyPr/>
-          <a:lstStyle/>
-          <a:p>
-            <a:endParaRPr lang="ru-RU"/>
-          </a:p>
-        </p:txBody>
-      </p:sp>
-    </p:spTree>
-    <p:extLst>
-      <p:ext uri="{BB962C8B-B14F-4D97-AF65-F5344CB8AC3E}">
-        <p14:creationId xmlns:p14="http://schemas.microsoft.com/office/powerpoint/2010/main" val="2525475061"/>
-      </p:ext>
-    </p:extLst>
-  </p:cSld>
-  <p:clrMapOvr>
-    <a:masterClrMapping/>
-  </p:clrMapOvr>
-  <mc:AlternateContent xmlns:mc="http://schemas.openxmlformats.org/markup-compatibility/2006" xmlns:p14="http://schemas.microsoft.com/office/powerpoint/2010/main">
-    <mc:Choice Requires="p14">
-      <p:transition spd="slow" p14:dur="2000"/>
-    </mc:Choice>
-    <mc:Fallback xmlns="">
-      <p:transition spd="slow"/>
-    </mc:Fallback>
-  </mc:AlternateContent>
-</p:sld>
-</file>
-
 <file path=ppt/slides/slide2.xml><?xml version="1.0" encoding="utf-8"?>
 <p:sld xmlns:a="http://schemas.openxmlformats.org/drawingml/2006/main" xmlns:r="http://schemas.openxmlformats.org/officeDocument/2006/relationships" xmlns:p="http://schemas.openxmlformats.org/presentationml/2006/main">
   <p:cSld>
@@ -8249,6 +8530,13 @@
       <p:transition spd="slow"/>
     </mc:Fallback>
   </mc:AlternateContent>
+  <p:timing>
+    <p:tnLst>
+      <p:par>
+        <p:cTn id="1" dur="indefinite" restart="never" nodeType="tmRoot"/>
+      </p:par>
+    </p:tnLst>
+  </p:timing>
 </p:sld>
 </file>
 

--- a/Presentation/lesson-09-sql.pptx
+++ b/Presentation/lesson-09-sql.pptx
@@ -147,6 +147,22 @@
       </a:defRPr>
     </a:lvl9pPr>
   </p:defaultTextStyle>
+  <p:extLst>
+    <p:ext uri="{EFAFB233-063F-42B5-8137-9DF3F51BA10A}">
+      <p15:sldGuideLst xmlns:p15="http://schemas.microsoft.com/office/powerpoint/2012/main">
+        <p15:guide id="1" orient="horz" pos="2160">
+          <p15:clr>
+            <a:srgbClr val="A4A3A4"/>
+          </p15:clr>
+        </p15:guide>
+        <p15:guide id="2" pos="2880">
+          <p15:clr>
+            <a:srgbClr val="A4A3A4"/>
+          </p15:clr>
+        </p15:guide>
+      </p15:sldGuideLst>
+    </p:ext>
+  </p:extLst>
 </p:presentation>
 </file>
 
@@ -232,7 +248,7 @@
           <a:p>
             <a:fld id="{B24A7054-7FFB-49F4-A126-5DF6E687FF53}" type="datetimeFigureOut">
               <a:rPr lang="ru-RU" smtClean="0"/>
-              <a:t>06.03.2016</a:t>
+              <a:t>01.07.2018</a:t>
             </a:fld>
             <a:endParaRPr lang="ru-RU"/>
           </a:p>
@@ -296,35 +312,35 @@
           <a:p>
             <a:pPr lvl="0"/>
             <a:r>
-              <a:rPr lang="en-US" smtClean="0"/>
+              <a:rPr lang="en-US"/>
               <a:t>Click to edit Master text styles</a:t>
             </a:r>
           </a:p>
           <a:p>
             <a:pPr lvl="1"/>
             <a:r>
-              <a:rPr lang="en-US" smtClean="0"/>
+              <a:rPr lang="en-US"/>
               <a:t>Second level</a:t>
             </a:r>
           </a:p>
           <a:p>
             <a:pPr lvl="2"/>
             <a:r>
-              <a:rPr lang="en-US" smtClean="0"/>
+              <a:rPr lang="en-US"/>
               <a:t>Third level</a:t>
             </a:r>
           </a:p>
           <a:p>
             <a:pPr lvl="3"/>
             <a:r>
-              <a:rPr lang="en-US" smtClean="0"/>
+              <a:rPr lang="en-US"/>
               <a:t>Fourth level</a:t>
             </a:r>
           </a:p>
           <a:p>
             <a:pPr lvl="4"/>
             <a:r>
-              <a:rPr lang="en-US" smtClean="0"/>
+              <a:rPr lang="en-US"/>
               <a:t>Fifth level</a:t>
             </a:r>
             <a:endParaRPr lang="ru-RU"/>
@@ -540,7 +556,7 @@
           <a:p>
             <a:pPr algn="ctr"/>
             <a:r>
-              <a:rPr lang="ru-RU" sz="3600" b="1" i="1" dirty="0" smtClean="0">
+              <a:rPr lang="ru-RU" sz="3600" b="1" i="1" dirty="0">
                 <a:solidFill>
                   <a:schemeClr val="bg1"/>
                 </a:solidFill>
@@ -548,7 +564,7 @@
               <a:t>Основы программирования на </a:t>
             </a:r>
             <a:r>
-              <a:rPr lang="en-US" sz="3600" b="1" i="1" dirty="0" smtClean="0">
+              <a:rPr lang="en-US" sz="3600" b="1" i="1" dirty="0">
                 <a:solidFill>
                   <a:schemeClr val="bg1"/>
                 </a:solidFill>
@@ -655,26 +671,18 @@
                   <a:schemeClr val="bg1"/>
                 </a:solidFill>
               </a:rPr>
-              <a:t>Занятие </a:t>
-            </a:r>
-            <a:r>
-              <a:rPr lang="ru-RU" sz="2400" dirty="0" smtClean="0">
+              <a:t>Занятие №</a:t>
+            </a:r>
+            <a:r>
+              <a:rPr lang="en-US" sz="2400" dirty="0">
                 <a:solidFill>
                   <a:schemeClr val="bg1"/>
                 </a:solidFill>
               </a:rPr>
-              <a:t>№</a:t>
-            </a:r>
-            <a:r>
-              <a:rPr lang="en-US" sz="2400" dirty="0" smtClean="0">
-                <a:solidFill>
-                  <a:schemeClr val="bg1"/>
-                </a:solidFill>
-              </a:rPr>
               <a:t>1</a:t>
             </a:r>
             <a:r>
-              <a:rPr lang="ru-RU" sz="2400" dirty="0" smtClean="0">
+              <a:rPr lang="ru-RU" sz="2400" dirty="0">
                 <a:solidFill>
                   <a:schemeClr val="bg1"/>
                 </a:solidFill>
@@ -699,13 +707,6 @@
   <p:clrMapOvr>
     <a:masterClrMapping/>
   </p:clrMapOvr>
-  <p:timing>
-    <p:tnLst>
-      <p:par>
-        <p:cTn id="1" dur="indefinite" restart="never" nodeType="tmRoot"/>
-      </p:par>
-    </p:tnLst>
-  </p:timing>
 </p:sldLayout>
 </file>
 
@@ -751,7 +752,7 @@
           </a:lstStyle>
           <a:p>
             <a:r>
-              <a:rPr lang="en-US" smtClean="0"/>
+              <a:rPr lang="en-US"/>
               <a:t>Click to edit Master title style</a:t>
             </a:r>
             <a:endParaRPr lang="ru-RU" dirty="0"/>
@@ -808,35 +809,35 @@
           <a:p>
             <a:pPr lvl="0"/>
             <a:r>
-              <a:rPr lang="en-US" smtClean="0"/>
+              <a:rPr lang="en-US"/>
               <a:t>Click to edit Master text styles</a:t>
             </a:r>
           </a:p>
           <a:p>
             <a:pPr lvl="1"/>
             <a:r>
-              <a:rPr lang="en-US" smtClean="0"/>
+              <a:rPr lang="en-US"/>
               <a:t>Second level</a:t>
             </a:r>
           </a:p>
           <a:p>
             <a:pPr lvl="2"/>
             <a:r>
-              <a:rPr lang="en-US" smtClean="0"/>
+              <a:rPr lang="en-US"/>
               <a:t>Third level</a:t>
             </a:r>
           </a:p>
           <a:p>
             <a:pPr lvl="3"/>
             <a:r>
-              <a:rPr lang="en-US" smtClean="0"/>
+              <a:rPr lang="en-US"/>
               <a:t>Fourth level</a:t>
             </a:r>
           </a:p>
           <a:p>
             <a:pPr lvl="4"/>
             <a:r>
-              <a:rPr lang="en-US" smtClean="0"/>
+              <a:rPr lang="en-US"/>
               <a:t>Fifth level</a:t>
             </a:r>
             <a:endParaRPr lang="ru-RU" dirty="0"/>
@@ -902,7 +903,7 @@
           <a:p>
             <a:pPr lvl="0"/>
             <a:r>
-              <a:rPr lang="en-US" smtClean="0"/>
+              <a:rPr lang="en-US"/>
               <a:t>Click to edit Master text styles</a:t>
             </a:r>
           </a:p>
@@ -963,7 +964,7 @@
           </a:lstStyle>
           <a:p>
             <a:r>
-              <a:rPr lang="en-US" smtClean="0"/>
+              <a:rPr lang="en-US"/>
               <a:t>Click to edit Master title style</a:t>
             </a:r>
             <a:endParaRPr lang="ru-RU" dirty="0"/>
@@ -1028,7 +1029,7 @@
           </a:lstStyle>
           <a:p>
             <a:r>
-              <a:rPr lang="en-US" smtClean="0"/>
+              <a:rPr lang="en-US"/>
               <a:t>Click icon to add picture</a:t>
             </a:r>
             <a:endParaRPr lang="ru-RU"/>
@@ -1094,7 +1095,7 @@
           <a:p>
             <a:pPr lvl="0"/>
             <a:r>
-              <a:rPr lang="en-US" smtClean="0"/>
+              <a:rPr lang="en-US"/>
               <a:t>Click to edit Master text styles</a:t>
             </a:r>
           </a:p>
@@ -1146,7 +1147,7 @@
           <a:lstStyle/>
           <a:p>
             <a:r>
-              <a:rPr lang="en-US" smtClean="0"/>
+              <a:rPr lang="en-US"/>
               <a:t>Click to edit Master title style</a:t>
             </a:r>
             <a:endParaRPr lang="ru-RU" dirty="0"/>
@@ -1170,35 +1171,35 @@
           <a:p>
             <a:pPr lvl="0"/>
             <a:r>
-              <a:rPr lang="en-US" smtClean="0"/>
+              <a:rPr lang="en-US"/>
               <a:t>Click to edit Master text styles</a:t>
             </a:r>
           </a:p>
           <a:p>
             <a:pPr lvl="1"/>
             <a:r>
-              <a:rPr lang="en-US" smtClean="0"/>
+              <a:rPr lang="en-US"/>
               <a:t>Second level</a:t>
             </a:r>
           </a:p>
           <a:p>
             <a:pPr lvl="2"/>
             <a:r>
-              <a:rPr lang="en-US" smtClean="0"/>
+              <a:rPr lang="en-US"/>
               <a:t>Third level</a:t>
             </a:r>
           </a:p>
           <a:p>
             <a:pPr lvl="3"/>
             <a:r>
-              <a:rPr lang="en-US" smtClean="0"/>
+              <a:rPr lang="en-US"/>
               <a:t>Fourth level</a:t>
             </a:r>
           </a:p>
           <a:p>
             <a:pPr lvl="4"/>
             <a:r>
-              <a:rPr lang="en-US" smtClean="0"/>
+              <a:rPr lang="en-US"/>
               <a:t>Fifth level</a:t>
             </a:r>
             <a:endParaRPr lang="ru-RU" dirty="0"/>
@@ -1256,7 +1257,7 @@
           <a:lstStyle/>
           <a:p>
             <a:r>
-              <a:rPr lang="en-US" smtClean="0"/>
+              <a:rPr lang="en-US"/>
               <a:t>Click to edit Master title style</a:t>
             </a:r>
             <a:endParaRPr lang="ru-RU" dirty="0"/>
@@ -1285,35 +1286,35 @@
           <a:p>
             <a:pPr lvl="0"/>
             <a:r>
-              <a:rPr lang="en-US" smtClean="0"/>
+              <a:rPr lang="en-US"/>
               <a:t>Click to edit Master text styles</a:t>
             </a:r>
           </a:p>
           <a:p>
             <a:pPr lvl="1"/>
             <a:r>
-              <a:rPr lang="en-US" smtClean="0"/>
+              <a:rPr lang="en-US"/>
               <a:t>Second level</a:t>
             </a:r>
           </a:p>
           <a:p>
             <a:pPr lvl="2"/>
             <a:r>
-              <a:rPr lang="en-US" smtClean="0"/>
+              <a:rPr lang="en-US"/>
               <a:t>Third level</a:t>
             </a:r>
           </a:p>
           <a:p>
             <a:pPr lvl="3"/>
             <a:r>
-              <a:rPr lang="en-US" smtClean="0"/>
+              <a:rPr lang="en-US"/>
               <a:t>Fourth level</a:t>
             </a:r>
           </a:p>
           <a:p>
             <a:pPr lvl="4"/>
             <a:r>
-              <a:rPr lang="en-US" smtClean="0"/>
+              <a:rPr lang="en-US"/>
               <a:t>Fifth level</a:t>
             </a:r>
             <a:endParaRPr lang="ru-RU" dirty="0"/>
@@ -1371,7 +1372,7 @@
           <a:lstStyle/>
           <a:p>
             <a:r>
-              <a:rPr lang="en-US" smtClean="0"/>
+              <a:rPr lang="en-US"/>
               <a:t>Click to edit Master title style</a:t>
             </a:r>
             <a:endParaRPr lang="ru-RU"/>
@@ -1490,7 +1491,7 @@
           </a:lstStyle>
           <a:p>
             <a:r>
-              <a:rPr lang="en-US" smtClean="0"/>
+              <a:rPr lang="en-US"/>
               <a:t>Click to edit Master subtitle style</a:t>
             </a:r>
             <a:endParaRPr lang="ru-RU"/>
@@ -1514,7 +1515,7 @@
           <a:p>
             <a:fld id="{8E6E6A2A-E9D3-4A0D-B04A-ABDD367A1E08}" type="datetimeFigureOut">
               <a:rPr lang="ru-RU" smtClean="0"/>
-              <a:t>06.03.2016</a:t>
+              <a:t>01.07.2018</a:t>
             </a:fld>
             <a:endParaRPr lang="ru-RU"/>
           </a:p>
@@ -1620,26 +1621,18 @@
                   <a:schemeClr val="bg1"/>
                 </a:solidFill>
               </a:rPr>
-              <a:t>Занятие </a:t>
-            </a:r>
-            <a:r>
-              <a:rPr lang="ru-RU" sz="2400" dirty="0" smtClean="0">
+              <a:t>Занятие №</a:t>
+            </a:r>
+            <a:r>
+              <a:rPr lang="en-US" sz="2400" dirty="0">
                 <a:solidFill>
                   <a:schemeClr val="bg1"/>
                 </a:solidFill>
               </a:rPr>
-              <a:t>№</a:t>
-            </a:r>
-            <a:r>
-              <a:rPr lang="en-US" sz="2400" dirty="0" smtClean="0">
-                <a:solidFill>
-                  <a:schemeClr val="bg1"/>
-                </a:solidFill>
-              </a:rPr>
               <a:t>2</a:t>
             </a:r>
             <a:r>
-              <a:rPr lang="ru-RU" sz="2400" dirty="0" smtClean="0">
+              <a:rPr lang="ru-RU" sz="2400" dirty="0">
                 <a:solidFill>
                   <a:schemeClr val="bg1"/>
                 </a:solidFill>
@@ -1677,7 +1670,7 @@
           <a:p>
             <a:pPr algn="ctr"/>
             <a:r>
-              <a:rPr lang="ru-RU" sz="3600" b="1" i="1" dirty="0" smtClean="0">
+              <a:rPr lang="ru-RU" sz="3600" b="1" i="1" dirty="0">
                 <a:solidFill>
                   <a:schemeClr val="bg1"/>
                 </a:solidFill>
@@ -1685,7 +1678,7 @@
               <a:t>Основы программирования на </a:t>
             </a:r>
             <a:r>
-              <a:rPr lang="en-US" sz="3600" b="1" i="1" dirty="0" smtClean="0">
+              <a:rPr lang="en-US" sz="3600" b="1" i="1" dirty="0">
                 <a:solidFill>
                   <a:schemeClr val="bg1"/>
                 </a:solidFill>
@@ -1774,13 +1767,6 @@
   <p:clrMapOvr>
     <a:masterClrMapping/>
   </p:clrMapOvr>
-  <p:timing>
-    <p:tnLst>
-      <p:par>
-        <p:cTn id="1" dur="indefinite" restart="never" nodeType="tmRoot"/>
-      </p:par>
-    </p:tnLst>
-  </p:timing>
 </p:sldLayout>
 </file>
 
@@ -1817,7 +1803,7 @@
           <a:lstStyle/>
           <a:p>
             <a:r>
-              <a:rPr lang="en-US" smtClean="0"/>
+              <a:rPr lang="en-US"/>
               <a:t>Click to edit Master title style</a:t>
             </a:r>
             <a:endParaRPr lang="ru-RU" dirty="0"/>
@@ -1841,35 +1827,35 @@
           <a:p>
             <a:pPr lvl="0"/>
             <a:r>
-              <a:rPr lang="en-US" smtClean="0"/>
+              <a:rPr lang="en-US"/>
               <a:t>Click to edit Master text styles</a:t>
             </a:r>
           </a:p>
           <a:p>
             <a:pPr lvl="1"/>
             <a:r>
-              <a:rPr lang="en-US" smtClean="0"/>
+              <a:rPr lang="en-US"/>
               <a:t>Second level</a:t>
             </a:r>
           </a:p>
           <a:p>
             <a:pPr lvl="2"/>
             <a:r>
-              <a:rPr lang="en-US" smtClean="0"/>
+              <a:rPr lang="en-US"/>
               <a:t>Third level</a:t>
             </a:r>
           </a:p>
           <a:p>
             <a:pPr lvl="3"/>
             <a:r>
-              <a:rPr lang="en-US" smtClean="0"/>
+              <a:rPr lang="en-US"/>
               <a:t>Fourth level</a:t>
             </a:r>
           </a:p>
           <a:p>
             <a:pPr lvl="4"/>
             <a:r>
-              <a:rPr lang="en-US" smtClean="0"/>
+              <a:rPr lang="en-US"/>
               <a:t>Fifth level</a:t>
             </a:r>
             <a:endParaRPr lang="ru-RU" dirty="0"/>
@@ -1931,7 +1917,7 @@
           </a:lstStyle>
           <a:p>
             <a:r>
-              <a:rPr lang="en-US" smtClean="0"/>
+              <a:rPr lang="en-US"/>
               <a:t>Click to edit Master title style</a:t>
             </a:r>
             <a:endParaRPr lang="ru-RU" dirty="0"/>
@@ -2051,7 +2037,7 @@
           <a:p>
             <a:pPr lvl="0"/>
             <a:r>
-              <a:rPr lang="en-US" smtClean="0"/>
+              <a:rPr lang="en-US"/>
               <a:t>Click to edit Master text styles</a:t>
             </a:r>
           </a:p>
@@ -2103,7 +2089,7 @@
           <a:lstStyle/>
           <a:p>
             <a:r>
-              <a:rPr lang="en-US" smtClean="0"/>
+              <a:rPr lang="en-US"/>
               <a:t>Click to edit Master title style</a:t>
             </a:r>
             <a:endParaRPr lang="ru-RU" dirty="0"/>
@@ -2160,35 +2146,35 @@
           <a:p>
             <a:pPr lvl="0"/>
             <a:r>
-              <a:rPr lang="en-US" smtClean="0"/>
+              <a:rPr lang="en-US"/>
               <a:t>Click to edit Master text styles</a:t>
             </a:r>
           </a:p>
           <a:p>
             <a:pPr lvl="1"/>
             <a:r>
-              <a:rPr lang="en-US" smtClean="0"/>
+              <a:rPr lang="en-US"/>
               <a:t>Second level</a:t>
             </a:r>
           </a:p>
           <a:p>
             <a:pPr lvl="2"/>
             <a:r>
-              <a:rPr lang="en-US" smtClean="0"/>
+              <a:rPr lang="en-US"/>
               <a:t>Third level</a:t>
             </a:r>
           </a:p>
           <a:p>
             <a:pPr lvl="3"/>
             <a:r>
-              <a:rPr lang="en-US" smtClean="0"/>
+              <a:rPr lang="en-US"/>
               <a:t>Fourth level</a:t>
             </a:r>
           </a:p>
           <a:p>
             <a:pPr lvl="4"/>
             <a:r>
-              <a:rPr lang="en-US" smtClean="0"/>
+              <a:rPr lang="en-US"/>
               <a:t>Fifth level</a:t>
             </a:r>
             <a:endParaRPr lang="ru-RU" dirty="0"/>
@@ -2245,35 +2231,35 @@
           <a:p>
             <a:pPr lvl="0"/>
             <a:r>
-              <a:rPr lang="en-US" smtClean="0"/>
+              <a:rPr lang="en-US"/>
               <a:t>Click to edit Master text styles</a:t>
             </a:r>
           </a:p>
           <a:p>
             <a:pPr lvl="1"/>
             <a:r>
-              <a:rPr lang="en-US" smtClean="0"/>
+              <a:rPr lang="en-US"/>
               <a:t>Second level</a:t>
             </a:r>
           </a:p>
           <a:p>
             <a:pPr lvl="2"/>
             <a:r>
-              <a:rPr lang="en-US" smtClean="0"/>
+              <a:rPr lang="en-US"/>
               <a:t>Third level</a:t>
             </a:r>
           </a:p>
           <a:p>
             <a:pPr lvl="3"/>
             <a:r>
-              <a:rPr lang="en-US" smtClean="0"/>
+              <a:rPr lang="en-US"/>
               <a:t>Fourth level</a:t>
             </a:r>
           </a:p>
           <a:p>
             <a:pPr lvl="4"/>
             <a:r>
-              <a:rPr lang="en-US" smtClean="0"/>
+              <a:rPr lang="en-US"/>
               <a:t>Fifth level</a:t>
             </a:r>
             <a:endParaRPr lang="ru-RU" dirty="0"/>
@@ -2330,7 +2316,7 @@
           </a:lstStyle>
           <a:p>
             <a:r>
-              <a:rPr lang="en-US" smtClean="0"/>
+              <a:rPr lang="en-US"/>
               <a:t>Click to edit Master title style</a:t>
             </a:r>
             <a:endParaRPr lang="ru-RU" dirty="0"/>
@@ -2396,7 +2382,7 @@
           <a:p>
             <a:pPr lvl="0"/>
             <a:r>
-              <a:rPr lang="en-US" smtClean="0"/>
+              <a:rPr lang="en-US"/>
               <a:t>Click to edit Master text styles</a:t>
             </a:r>
           </a:p>
@@ -2452,35 +2438,35 @@
           <a:p>
             <a:pPr lvl="0"/>
             <a:r>
-              <a:rPr lang="en-US" smtClean="0"/>
+              <a:rPr lang="en-US"/>
               <a:t>Click to edit Master text styles</a:t>
             </a:r>
           </a:p>
           <a:p>
             <a:pPr lvl="1"/>
             <a:r>
-              <a:rPr lang="en-US" smtClean="0"/>
+              <a:rPr lang="en-US"/>
               <a:t>Second level</a:t>
             </a:r>
           </a:p>
           <a:p>
             <a:pPr lvl="2"/>
             <a:r>
-              <a:rPr lang="en-US" smtClean="0"/>
+              <a:rPr lang="en-US"/>
               <a:t>Third level</a:t>
             </a:r>
           </a:p>
           <a:p>
             <a:pPr lvl="3"/>
             <a:r>
-              <a:rPr lang="en-US" smtClean="0"/>
+              <a:rPr lang="en-US"/>
               <a:t>Fourth level</a:t>
             </a:r>
           </a:p>
           <a:p>
             <a:pPr lvl="4"/>
             <a:r>
-              <a:rPr lang="en-US" smtClean="0"/>
+              <a:rPr lang="en-US"/>
               <a:t>Fifth level</a:t>
             </a:r>
             <a:endParaRPr lang="ru-RU" dirty="0"/>
@@ -2546,7 +2532,7 @@
           <a:p>
             <a:pPr lvl="0"/>
             <a:r>
-              <a:rPr lang="en-US" smtClean="0"/>
+              <a:rPr lang="en-US"/>
               <a:t>Click to edit Master text styles</a:t>
             </a:r>
           </a:p>
@@ -2602,35 +2588,35 @@
           <a:p>
             <a:pPr lvl="0"/>
             <a:r>
-              <a:rPr lang="en-US" smtClean="0"/>
+              <a:rPr lang="en-US"/>
               <a:t>Click to edit Master text styles</a:t>
             </a:r>
           </a:p>
           <a:p>
             <a:pPr lvl="1"/>
             <a:r>
-              <a:rPr lang="en-US" smtClean="0"/>
+              <a:rPr lang="en-US"/>
               <a:t>Second level</a:t>
             </a:r>
           </a:p>
           <a:p>
             <a:pPr lvl="2"/>
             <a:r>
-              <a:rPr lang="en-US" smtClean="0"/>
+              <a:rPr lang="en-US"/>
               <a:t>Third level</a:t>
             </a:r>
           </a:p>
           <a:p>
             <a:pPr lvl="3"/>
             <a:r>
-              <a:rPr lang="en-US" smtClean="0"/>
+              <a:rPr lang="en-US"/>
               <a:t>Fourth level</a:t>
             </a:r>
           </a:p>
           <a:p>
             <a:pPr lvl="4"/>
             <a:r>
-              <a:rPr lang="en-US" smtClean="0"/>
+              <a:rPr lang="en-US"/>
               <a:t>Fifth level</a:t>
             </a:r>
             <a:endParaRPr lang="ru-RU" dirty="0"/>
@@ -2683,7 +2669,7 @@
           <a:lstStyle/>
           <a:p>
             <a:r>
-              <a:rPr lang="en-US" smtClean="0"/>
+              <a:rPr lang="en-US"/>
               <a:t>Click to edit Master title style</a:t>
             </a:r>
             <a:endParaRPr lang="ru-RU" dirty="0"/>
@@ -2744,14 +2730,14 @@
           <a:p>
             <a:pPr algn="ctr"/>
             <a:r>
-              <a:rPr lang="ru-RU" sz="3200" dirty="0" smtClean="0"/>
+              <a:rPr lang="ru-RU" sz="3200" dirty="0"/>
               <a:t>Название.</a:t>
             </a:r>
             <a:r>
-              <a:rPr lang="ru-RU" sz="3200" baseline="0" dirty="0" smtClean="0"/>
+              <a:rPr lang="ru-RU" sz="3200" baseline="0" dirty="0"/>
               <a:t> Демонстрация.</a:t>
             </a:r>
-            <a:endParaRPr lang="ru-RU" sz="3200" dirty="0" smtClean="0"/>
+            <a:endParaRPr lang="ru-RU" sz="3200" dirty="0"/>
           </a:p>
         </p:txBody>
       </p:sp>
@@ -2855,7 +2841,7 @@
           <a:lstStyle/>
           <a:p>
             <a:r>
-              <a:rPr lang="en-US" smtClean="0"/>
+              <a:rPr lang="en-US"/>
               <a:t>Click to edit Master title style</a:t>
             </a:r>
             <a:endParaRPr lang="ru-RU"/>
@@ -2889,35 +2875,35 @@
           <a:p>
             <a:pPr lvl="0"/>
             <a:r>
-              <a:rPr lang="en-US" smtClean="0"/>
+              <a:rPr lang="en-US"/>
               <a:t>Click to edit Master text styles</a:t>
             </a:r>
           </a:p>
           <a:p>
             <a:pPr lvl="1"/>
             <a:r>
-              <a:rPr lang="en-US" smtClean="0"/>
+              <a:rPr lang="en-US"/>
               <a:t>Second level</a:t>
             </a:r>
           </a:p>
           <a:p>
             <a:pPr lvl="2"/>
             <a:r>
-              <a:rPr lang="en-US" smtClean="0"/>
+              <a:rPr lang="en-US"/>
               <a:t>Third level</a:t>
             </a:r>
           </a:p>
           <a:p>
             <a:pPr lvl="3"/>
             <a:r>
-              <a:rPr lang="en-US" smtClean="0"/>
+              <a:rPr lang="en-US"/>
               <a:t>Fourth level</a:t>
             </a:r>
           </a:p>
           <a:p>
             <a:pPr lvl="4"/>
             <a:r>
-              <a:rPr lang="en-US" smtClean="0"/>
+              <a:rPr lang="en-US"/>
               <a:t>Fifth level</a:t>
             </a:r>
             <a:endParaRPr lang="ru-RU"/>
@@ -2959,7 +2945,7 @@
           <a:p>
             <a:fld id="{AC3D3127-B7C4-45E3-9797-C527EC9FDD78}" type="datetimeFigureOut">
               <a:rPr lang="ru-RU" smtClean="0"/>
-              <a:t>06.03.2016</a:t>
+              <a:t>01.07.2018</a:t>
             </a:fld>
             <a:endParaRPr lang="ru-RU"/>
           </a:p>
@@ -3067,13 +3053,6 @@
     <p:sldLayoutId id="2147483659" r:id="rId13"/>
     <p:sldLayoutId id="2147483662" r:id="rId14"/>
   </p:sldLayoutIdLst>
-  <p:timing>
-    <p:tnLst>
-      <p:par>
-        <p:cTn id="1" dur="indefinite" restart="never" nodeType="tmRoot"/>
-      </p:par>
-    </p:tnLst>
-  </p:timing>
   <p:txStyles>
     <p:titleStyle>
       <a:lvl1pPr algn="ctr" defTabSz="914400" rtl="0" eaLnBrk="1" latinLnBrk="0" hangingPunct="1">
@@ -3353,7 +3332,7 @@
         <p:spPr>
           <a:xfrm>
             <a:off x="143508" y="1304764"/>
-            <a:ext cx="8856984" cy="646331"/>
+            <a:ext cx="8856984" cy="523220"/>
           </a:xfrm>
           <a:prstGeom prst="rect">
             <a:avLst/>
@@ -3367,7 +3346,7 @@
           <a:p>
             <a:pPr algn="ctr"/>
             <a:r>
-              <a:rPr lang="ru-RU" sz="3600" b="1" i="1" dirty="0" smtClean="0">
+              <a:rPr lang="ru-RU" sz="2800" i="1" dirty="0">
                 <a:solidFill>
                   <a:schemeClr val="bg1"/>
                 </a:solidFill>
@@ -3375,14 +3354,14 @@
               <a:t>Основы программирования на </a:t>
             </a:r>
             <a:r>
-              <a:rPr lang="en-US" sz="3600" b="1" i="1" dirty="0" smtClean="0">
+              <a:rPr lang="en-US" sz="2800" i="1" dirty="0">
                 <a:solidFill>
                   <a:schemeClr val="bg1"/>
                 </a:solidFill>
               </a:rPr>
               <a:t>C#</a:t>
             </a:r>
-            <a:endParaRPr lang="ru-RU" sz="3600" b="1" i="1" dirty="0">
+            <a:endParaRPr lang="ru-RU" sz="2800" i="1" dirty="0">
               <a:solidFill>
                 <a:schemeClr val="bg1"/>
               </a:solidFill>
@@ -3390,70 +3369,6 @@
           </a:p>
         </p:txBody>
       </p:sp>
-      <p:pic>
-        <p:nvPicPr>
-          <p:cNvPr id="6" name="Picture 5"/>
-          <p:cNvPicPr>
-            <a:picLocks noChangeAspect="1" noChangeArrowheads="1"/>
-          </p:cNvPicPr>
-          <p:nvPr/>
-        </p:nvPicPr>
-        <p:blipFill>
-          <a:blip r:embed="rId2">
-            <a:extLst>
-              <a:ext uri="{28A0092B-C50C-407E-A947-70E740481C1C}">
-                <a14:useLocalDpi xmlns:a14="http://schemas.microsoft.com/office/drawing/2010/main" val="0"/>
-              </a:ext>
-            </a:extLst>
-          </a:blip>
-          <a:srcRect/>
-          <a:stretch>
-            <a:fillRect/>
-          </a:stretch>
-        </p:blipFill>
-        <p:spPr bwMode="auto">
-          <a:xfrm>
-            <a:off x="1638300" y="3829211"/>
-            <a:ext cx="5867400" cy="1724025"/>
-          </a:xfrm>
-          <a:prstGeom prst="rect">
-            <a:avLst/>
-          </a:prstGeom>
-          <a:noFill/>
-          <a:ln>
-            <a:noFill/>
-          </a:ln>
-          <a:effectLst/>
-          <a:extLst>
-            <a:ext uri="{909E8E84-426E-40DD-AFC4-6F175D3DCCD1}">
-              <a14:hiddenFill xmlns:a14="http://schemas.microsoft.com/office/drawing/2010/main">
-                <a:solidFill>
-                  <a:schemeClr val="accent1"/>
-                </a:solidFill>
-              </a14:hiddenFill>
-            </a:ext>
-            <a:ext uri="{91240B29-F687-4F45-9708-019B960494DF}">
-              <a14:hiddenLine xmlns:a14="http://schemas.microsoft.com/office/drawing/2010/main" w="9525">
-                <a:solidFill>
-                  <a:schemeClr val="tx1"/>
-                </a:solidFill>
-                <a:miter lim="800000"/>
-                <a:headEnd/>
-                <a:tailEnd/>
-              </a14:hiddenLine>
-            </a:ext>
-            <a:ext uri="{AF507438-7753-43E0-B8FC-AC1667EBCBE1}">
-              <a14:hiddenEffects xmlns:a14="http://schemas.microsoft.com/office/drawing/2010/main">
-                <a:effectLst>
-                  <a:outerShdw dist="35921" dir="2700000" algn="ctr" rotWithShape="0">
-                    <a:schemeClr val="bg2"/>
-                  </a:outerShdw>
-                </a:effectLst>
-              </a14:hiddenEffects>
-            </a:ext>
-          </a:extLst>
-        </p:spPr>
-      </p:pic>
       <p:sp>
         <p:nvSpPr>
           <p:cNvPr id="7" name="TextBox 6"/>
@@ -3463,7 +3378,7 @@
         <p:spPr>
           <a:xfrm>
             <a:off x="143508" y="2528900"/>
-            <a:ext cx="8856984" cy="461665"/>
+            <a:ext cx="8856984" cy="646331"/>
           </a:xfrm>
           <a:prstGeom prst="rect">
             <a:avLst/>
@@ -3478,37 +3393,137 @@
           <a:p>
             <a:pPr algn="ctr"/>
             <a:r>
-              <a:rPr lang="ru-RU" sz="2400" dirty="0" smtClean="0">
+              <a:rPr lang="ru-RU" sz="3600" b="1" dirty="0">
                 <a:solidFill>
                   <a:schemeClr val="bg1"/>
                 </a:solidFill>
-              </a:rPr>
-              <a:t>Занятие №</a:t>
-            </a:r>
-            <a:r>
-              <a:rPr lang="en-US" sz="2400" dirty="0" smtClean="0">
+                <a:latin typeface="Footlight MT Light" panose="0204060206030A020304" pitchFamily="18" charset="77"/>
+              </a:rPr>
+              <a:t>§ Введение в </a:t>
+            </a:r>
+            <a:r>
+              <a:rPr lang="en-US" sz="3600" b="1" dirty="0">
                 <a:solidFill>
                   <a:schemeClr val="bg1"/>
                 </a:solidFill>
-              </a:rPr>
-              <a:t>9</a:t>
-            </a:r>
-            <a:r>
-              <a:rPr lang="ru-RU" sz="2400" dirty="0">
+                <a:latin typeface="Footlight MT Light" panose="0204060206030A020304" pitchFamily="18" charset="77"/>
+              </a:rPr>
+              <a:t>SQL</a:t>
+            </a:r>
+          </a:p>
+        </p:txBody>
+      </p:sp>
+      <p:sp>
+        <p:nvSpPr>
+          <p:cNvPr id="8" name="TextBox 7">
+            <a:extLst>
+              <a:ext uri="{FF2B5EF4-FFF2-40B4-BE49-F238E27FC236}">
+                <a16:creationId xmlns:a16="http://schemas.microsoft.com/office/drawing/2014/main" id="{39A4D170-E6EE-1644-9B20-CEAF75DAF186}"/>
+              </a:ext>
+            </a:extLst>
+          </p:cNvPr>
+          <p:cNvSpPr txBox="1"/>
+          <p:nvPr/>
+        </p:nvSpPr>
+        <p:spPr>
+          <a:xfrm>
+            <a:off x="2339752" y="4984720"/>
+            <a:ext cx="4464496" cy="1138773"/>
+          </a:xfrm>
+          <a:prstGeom prst="rect">
+            <a:avLst/>
+          </a:prstGeom>
+          <a:noFill/>
+        </p:spPr>
+        <p:txBody>
+          <a:bodyPr wrap="square" rtlCol="0">
+            <a:spAutoFit/>
+          </a:bodyPr>
+          <a:lstStyle/>
+          <a:p>
+            <a:r>
+              <a:rPr lang="ru-RU" sz="2000" dirty="0">
                 <a:solidFill>
                   <a:schemeClr val="bg1"/>
                 </a:solidFill>
-              </a:rPr>
-              <a:t>. Введение в </a:t>
-            </a:r>
-            <a:r>
-              <a:rPr lang="en-US" sz="2400" dirty="0">
+                <a:effectLst>
+                  <a:outerShdw blurRad="50800" dist="38100" dir="5400000" algn="t" rotWithShape="0">
+                    <a:prstClr val="black">
+                      <a:alpha val="40000"/>
+                    </a:prstClr>
+                  </a:outerShdw>
+                </a:effectLst>
+                <a:latin typeface="Segoe Print" panose="02000800000000000000" pitchFamily="2" charset="0"/>
+              </a:rPr>
+              <a:t>Центр Обучающих Технологий</a:t>
+            </a:r>
+          </a:p>
+          <a:p>
+            <a:pPr algn="ctr"/>
+            <a:r>
+              <a:rPr lang="ru-RU" sz="1600" dirty="0">
                 <a:solidFill>
                   <a:schemeClr val="bg1"/>
                 </a:solidFill>
-              </a:rPr>
-              <a:t>SQL</a:t>
-            </a:r>
+                <a:effectLst>
+                  <a:outerShdw blurRad="50800" dist="38100" dir="5400000" algn="t" rotWithShape="0">
+                    <a:prstClr val="black">
+                      <a:alpha val="40000"/>
+                    </a:prstClr>
+                  </a:outerShdw>
+                </a:effectLst>
+                <a:latin typeface="Segoe Print" panose="02000800000000000000" pitchFamily="2" charset="0"/>
+              </a:rPr>
+              <a:t>основан в 2002 году</a:t>
+            </a:r>
+          </a:p>
+          <a:p>
+            <a:pPr algn="ctr"/>
+            <a:endParaRPr lang="ru-RU" sz="1600" dirty="0">
+              <a:solidFill>
+                <a:schemeClr val="bg1"/>
+              </a:solidFill>
+              <a:effectLst>
+                <a:outerShdw blurRad="50800" dist="38100" dir="5400000" algn="t" rotWithShape="0">
+                  <a:prstClr val="black">
+                    <a:alpha val="40000"/>
+                  </a:prstClr>
+                </a:outerShdw>
+              </a:effectLst>
+              <a:latin typeface="Segoe Print" panose="02000800000000000000" pitchFamily="2" charset="0"/>
+            </a:endParaRPr>
+          </a:p>
+          <a:p>
+            <a:pPr algn="ctr"/>
+            <a:r>
+              <a:rPr lang="en-US" sz="1600" dirty="0" err="1">
+                <a:solidFill>
+                  <a:schemeClr val="bg1"/>
+                </a:solidFill>
+                <a:effectLst>
+                  <a:outerShdw blurRad="50800" dist="38100" dir="5400000" algn="t" rotWithShape="0">
+                    <a:prstClr val="black">
+                      <a:alpha val="40000"/>
+                    </a:prstClr>
+                  </a:outerShdw>
+                </a:effectLst>
+                <a:latin typeface="Segoe Print" panose="02000800000000000000" pitchFamily="2" charset="0"/>
+              </a:rPr>
+              <a:t>trainingcenter.by</a:t>
+            </a:r>
+            <a:endParaRPr lang="en-US" sz="1600" dirty="0">
+              <a:solidFill>
+                <a:schemeClr val="bg1"/>
+              </a:solidFill>
+              <a:effectLst>
+                <a:outerShdw blurRad="50800" dist="38100" dir="5400000" algn="t" rotWithShape="0">
+                  <a:prstClr val="black">
+                    <a:alpha val="40000"/>
+                  </a:prstClr>
+                </a:outerShdw>
+              </a:effectLst>
+              <a:latin typeface="Segoe Print" panose="02000800000000000000" pitchFamily="2" charset="0"/>
+            </a:endParaRPr>
           </a:p>
         </p:txBody>
       </p:sp>
@@ -3522,13 +3537,6 @@
   <p:clrMapOvr>
     <a:masterClrMapping/>
   </p:clrMapOvr>
-  <p:timing>
-    <p:tnLst>
-      <p:par>
-        <p:cTn id="1" dur="indefinite" restart="never" nodeType="tmRoot"/>
-      </p:par>
-    </p:tnLst>
-  </p:timing>
 </p:sld>
 </file>
 
@@ -3567,11 +3575,11 @@
           <a:lstStyle/>
           <a:p>
             <a:r>
-              <a:rPr lang="ru-RU" dirty="0" smtClean="0"/>
+              <a:rPr lang="ru-RU" dirty="0"/>
               <a:t>Инструменты для работы с </a:t>
             </a:r>
             <a:r>
-              <a:rPr lang="en-US" dirty="0" smtClean="0"/>
+              <a:rPr lang="en-US" dirty="0"/>
               <a:t>SQL Server</a:t>
             </a:r>
             <a:endParaRPr lang="ru-RU" dirty="0"/>
@@ -3594,87 +3602,63 @@
           <a:lstStyle/>
           <a:p>
             <a:r>
-              <a:rPr lang="en-US" dirty="0" smtClean="0"/>
+              <a:rPr lang="en-US" dirty="0"/>
               <a:t>SQL Server Management Studio</a:t>
             </a:r>
             <a:r>
-              <a:rPr lang="ru-RU" dirty="0" smtClean="0"/>
+              <a:rPr lang="ru-RU" dirty="0"/>
               <a:t> </a:t>
             </a:r>
             <a:r>
-              <a:rPr lang="en-US" dirty="0" smtClean="0"/>
+              <a:rPr lang="en-US" dirty="0"/>
               <a:t>Express</a:t>
             </a:r>
           </a:p>
           <a:p>
             <a:pPr lvl="1"/>
-            <a:r>
-              <a:rPr lang="ru-RU" dirty="0" smtClean="0"/>
-              <a:t>Ставится отдельно. Качается бесплатно с сайта </a:t>
-            </a:r>
-            <a:r>
-              <a:rPr lang="en-US" dirty="0" smtClean="0"/>
-              <a:t>Microsoft</a:t>
-            </a:r>
-          </a:p>
-          <a:p>
-            <a:r>
-              <a:rPr lang="en-US" dirty="0"/>
-              <a:t>Microsoft SQL Server Data </a:t>
-            </a:r>
-            <a:r>
-              <a:rPr lang="en-US" dirty="0" smtClean="0"/>
-              <a:t>Tools</a:t>
-            </a:r>
-          </a:p>
-          <a:p>
-            <a:pPr lvl="1"/>
-            <a:r>
-              <a:rPr lang="ru-RU" dirty="0" smtClean="0"/>
-              <a:t>Расширение для </a:t>
-            </a:r>
-            <a:r>
-              <a:rPr lang="en-US" dirty="0" smtClean="0"/>
-              <a:t>Visual Studio</a:t>
-            </a:r>
-            <a:r>
-              <a:rPr lang="ru-RU" dirty="0" smtClean="0"/>
-              <a:t>. </a:t>
-            </a:r>
             <a:r>
               <a:rPr lang="ru-RU" dirty="0"/>
               <a:t>Ставится отдельно. Качается бесплатно с сайта </a:t>
             </a:r>
             <a:r>
-              <a:rPr lang="en-US" dirty="0" smtClean="0"/>
+              <a:rPr lang="en-US" dirty="0"/>
               <a:t>Microsoft</a:t>
             </a:r>
-            <a:r>
-              <a:rPr lang="ru-RU" dirty="0" smtClean="0"/>
-              <a:t/>
+          </a:p>
+          <a:p>
+            <a:r>
+              <a:rPr lang="en-US" dirty="0"/>
+              <a:t>Microsoft SQL Server Data Tools</a:t>
+            </a:r>
+          </a:p>
+          <a:p>
+            <a:pPr lvl="1"/>
+            <a:r>
+              <a:rPr lang="ru-RU" dirty="0"/>
+              <a:t>Расширение для </a:t>
+            </a:r>
+            <a:r>
+              <a:rPr lang="en-US" dirty="0"/>
+              <a:t>Visual Studio</a:t>
+            </a:r>
+            <a:r>
+              <a:rPr lang="ru-RU" dirty="0"/>
+              <a:t>. Ставится отдельно. Качается бесплатно с сайта </a:t>
+            </a:r>
+            <a:r>
+              <a:rPr lang="en-US" dirty="0"/>
+              <a:t>Microsoft</a:t>
             </a:r>
             <a:br>
-              <a:rPr lang="ru-RU" dirty="0" smtClean="0"/>
+              <a:rPr lang="ru-RU" dirty="0"/>
             </a:br>
-            <a:r>
-              <a:rPr lang="en-US" dirty="0" smtClean="0">
-                <a:hlinkClick r:id="rId2"/>
-              </a:rPr>
-              <a:t>https</a:t>
-            </a:r>
             <a:r>
               <a:rPr lang="en-US" dirty="0">
                 <a:hlinkClick r:id="rId2"/>
               </a:rPr>
-              <a:t>://</a:t>
-            </a:r>
-            <a:r>
-              <a:rPr lang="en-US" dirty="0" smtClean="0">
-                <a:hlinkClick r:id="rId2"/>
-              </a:rPr>
-              <a:t>msdn.microsoft.com/en-us/data/tools.aspx</a:t>
-            </a:r>
-            <a:endParaRPr lang="ru-RU" dirty="0" smtClean="0"/>
+              <a:t>https://msdn.microsoft.com/en-us/data/tools.aspx</a:t>
+            </a:r>
+            <a:endParaRPr lang="ru-RU" dirty="0"/>
           </a:p>
         </p:txBody>
       </p:sp>
@@ -3688,13 +3672,6 @@
   <p:clrMapOvr>
     <a:masterClrMapping/>
   </p:clrMapOvr>
-  <p:timing>
-    <p:tnLst>
-      <p:par>
-        <p:cTn id="1" dur="indefinite" restart="never" nodeType="tmRoot"/>
-      </p:par>
-    </p:tnLst>
-  </p:timing>
 </p:sld>
 </file>
 
@@ -3845,13 +3822,6 @@
   <p:clrMapOvr>
     <a:masterClrMapping/>
   </p:clrMapOvr>
-  <p:timing>
-    <p:tnLst>
-      <p:par>
-        <p:cTn id="1" dur="indefinite" restart="never" nodeType="tmRoot"/>
-      </p:par>
-    </p:tnLst>
-  </p:timing>
 </p:sld>
 </file>
 
@@ -3890,11 +3860,11 @@
           <a:lstStyle/>
           <a:p>
             <a:r>
-              <a:rPr lang="ru-RU" dirty="0" smtClean="0"/>
+              <a:rPr lang="ru-RU" dirty="0"/>
               <a:t>Некоторые гарантии СУБД - </a:t>
             </a:r>
             <a:r>
-              <a:rPr lang="en-US" dirty="0" smtClean="0"/>
+              <a:rPr lang="en-US" dirty="0"/>
               <a:t>A.C.I.D.</a:t>
             </a:r>
             <a:endParaRPr lang="ru-RU" dirty="0"/>
@@ -3919,11 +3889,11 @@
           <a:lstStyle/>
           <a:p>
             <a:r>
-              <a:rPr lang="en-US" dirty="0" smtClean="0"/>
+              <a:rPr lang="en-US" dirty="0"/>
               <a:t> </a:t>
             </a:r>
             <a:r>
-              <a:rPr lang="en-US" dirty="0" smtClean="0">
+              <a:rPr lang="en-US" dirty="0">
                 <a:solidFill>
                   <a:srgbClr val="FFFF00"/>
                 </a:solidFill>
@@ -3931,41 +3901,33 @@
               <a:t>A</a:t>
             </a:r>
             <a:r>
-              <a:rPr lang="en-US" dirty="0" smtClean="0"/>
+              <a:rPr lang="en-US" dirty="0"/>
               <a:t>tomicity (</a:t>
             </a:r>
             <a:r>
-              <a:rPr lang="ru-RU" dirty="0" smtClean="0"/>
+              <a:rPr lang="ru-RU" dirty="0"/>
               <a:t>Атомарность</a:t>
             </a:r>
             <a:r>
-              <a:rPr lang="en-US" dirty="0" smtClean="0"/>
+              <a:rPr lang="en-US" dirty="0"/>
               <a:t>)</a:t>
             </a:r>
           </a:p>
           <a:p>
             <a:pPr lvl="1"/>
             <a:r>
-              <a:rPr lang="ru-RU" dirty="0" smtClean="0"/>
-              <a:t>Гарантия, </a:t>
-            </a:r>
-            <a:r>
               <a:rPr lang="ru-RU" dirty="0"/>
-              <a:t>что никакая транзакция не будет зафиксирована в системе </a:t>
-            </a:r>
-            <a:r>
-              <a:rPr lang="ru-RU" dirty="0" smtClean="0"/>
-              <a:t>частично.</a:t>
-            </a:r>
-            <a:endParaRPr lang="en-US" dirty="0" smtClean="0"/>
-          </a:p>
-          <a:p>
-            <a:r>
-              <a:rPr lang="en-US" dirty="0" smtClean="0"/>
+              <a:t>Гарантия, что никакая транзакция не будет зафиксирована в системе частично.</a:t>
+            </a:r>
+            <a:endParaRPr lang="en-US" dirty="0"/>
+          </a:p>
+          <a:p>
+            <a:r>
+              <a:rPr lang="en-US" dirty="0"/>
               <a:t> </a:t>
             </a:r>
             <a:r>
-              <a:rPr lang="en-US" dirty="0" smtClean="0">
+              <a:rPr lang="en-US" dirty="0">
                 <a:solidFill>
                   <a:srgbClr val="FFFF00"/>
                 </a:solidFill>
@@ -3973,61 +3935,53 @@
               <a:t>C</a:t>
             </a:r>
             <a:r>
-              <a:rPr lang="en-US" dirty="0" smtClean="0"/>
+              <a:rPr lang="en-US" dirty="0"/>
               <a:t>onsistency (</a:t>
             </a:r>
             <a:r>
-              <a:rPr lang="ru-RU" dirty="0" smtClean="0"/>
+              <a:rPr lang="ru-RU" dirty="0"/>
               <a:t>Согласованность</a:t>
             </a:r>
             <a:r>
-              <a:rPr lang="en-US" dirty="0" smtClean="0"/>
+              <a:rPr lang="en-US" dirty="0"/>
               <a:t>)</a:t>
             </a:r>
-            <a:endParaRPr lang="ru-RU" dirty="0" smtClean="0"/>
+            <a:endParaRPr lang="ru-RU" dirty="0"/>
           </a:p>
           <a:p>
             <a:pPr lvl="1"/>
             <a:r>
               <a:rPr lang="ru-RU" dirty="0"/>
-              <a:t>Транзакция достигающая своего нормального завершения </a:t>
-            </a:r>
-            <a:r>
-              <a:rPr lang="ru-RU" dirty="0" smtClean="0"/>
-              <a:t>и</a:t>
+              <a:t>Транзакция достигающая своего нормального завершения и, тем самым, фиксирующая свои результаты, сохраняет согласованность базы данных.</a:t>
+            </a:r>
+            <a:endParaRPr lang="en-US" dirty="0"/>
+          </a:p>
+          <a:p>
+            <a:r>
+              <a:rPr lang="en-US" dirty="0"/>
+              <a:t> </a:t>
+            </a:r>
+            <a:r>
+              <a:rPr lang="en-US" dirty="0">
+                <a:solidFill>
+                  <a:srgbClr val="FFFF00"/>
+                </a:solidFill>
+              </a:rPr>
+              <a:t>I</a:t>
+            </a:r>
+            <a:r>
+              <a:rPr lang="en-US" dirty="0"/>
+              <a:t>solation (</a:t>
             </a:r>
             <a:r>
               <a:rPr lang="ru-RU" dirty="0"/>
-              <a:t>, тем самым, фиксирующая свои результаты, сохраняет согласованность базы данных.</a:t>
-            </a:r>
-            <a:endParaRPr lang="en-US" dirty="0" smtClean="0"/>
-          </a:p>
-          <a:p>
-            <a:r>
-              <a:rPr lang="en-US" dirty="0" smtClean="0"/>
-              <a:t> </a:t>
-            </a:r>
-            <a:r>
-              <a:rPr lang="en-US" dirty="0" smtClean="0">
-                <a:solidFill>
-                  <a:srgbClr val="FFFF00"/>
-                </a:solidFill>
-              </a:rPr>
-              <a:t>I</a:t>
-            </a:r>
-            <a:r>
-              <a:rPr lang="en-US" dirty="0" smtClean="0"/>
-              <a:t>solation (</a:t>
-            </a:r>
-            <a:r>
-              <a:rPr lang="ru-RU" dirty="0" smtClean="0"/>
               <a:t>Изолированность</a:t>
             </a:r>
             <a:r>
-              <a:rPr lang="en-US" dirty="0" smtClean="0"/>
+              <a:rPr lang="en-US" dirty="0"/>
               <a:t>)</a:t>
             </a:r>
-            <a:endParaRPr lang="ru-RU" dirty="0" smtClean="0"/>
+            <a:endParaRPr lang="ru-RU" dirty="0"/>
           </a:p>
           <a:p>
             <a:pPr lvl="1"/>
@@ -4035,15 +3989,15 @@
               <a:rPr lang="ru-RU" dirty="0"/>
               <a:t>Во время выполнения транзакции параллельные транзакции не должны оказывать влияние на её результат.</a:t>
             </a:r>
-            <a:endParaRPr lang="en-US" dirty="0" smtClean="0"/>
-          </a:p>
-          <a:p>
-            <a:r>
-              <a:rPr lang="en-US" dirty="0" smtClean="0"/>
+            <a:endParaRPr lang="en-US" dirty="0"/>
+          </a:p>
+          <a:p>
+            <a:r>
+              <a:rPr lang="en-US" dirty="0"/>
               <a:t> </a:t>
             </a:r>
             <a:r>
-              <a:rPr lang="en-US" dirty="0" smtClean="0">
+              <a:rPr lang="en-US" dirty="0">
                 <a:solidFill>
                   <a:srgbClr val="FFFF00"/>
                 </a:solidFill>
@@ -4051,28 +4005,24 @@
               <a:t>D</a:t>
             </a:r>
             <a:r>
-              <a:rPr lang="en-US" dirty="0" smtClean="0"/>
+              <a:rPr lang="en-US" dirty="0"/>
               <a:t>urability (</a:t>
             </a:r>
             <a:r>
-              <a:rPr lang="ru-RU" dirty="0" smtClean="0"/>
+              <a:rPr lang="ru-RU" dirty="0"/>
               <a:t>Надежность</a:t>
             </a:r>
             <a:r>
-              <a:rPr lang="en-US" dirty="0" smtClean="0"/>
+              <a:rPr lang="en-US" dirty="0"/>
               <a:t>)</a:t>
             </a:r>
-            <a:endParaRPr lang="ru-RU" dirty="0" smtClean="0"/>
+            <a:endParaRPr lang="ru-RU" dirty="0"/>
           </a:p>
           <a:p>
             <a:pPr lvl="1"/>
             <a:r>
-              <a:rPr lang="ru-RU" dirty="0" smtClean="0"/>
-              <a:t>Если </a:t>
-            </a:r>
-            <a:r>
               <a:rPr lang="ru-RU" dirty="0"/>
-              <a:t>пользователь получил подтверждение от системы, что транзакция выполнена, он может быть уверен, что сделанные им изменения не будут отменены из-за какого-либо сбоя.</a:t>
+              <a:t>Если пользователь получил подтверждение от системы, что транзакция выполнена, он может быть уверен, что сделанные им изменения не будут отменены из-за какого-либо сбоя.</a:t>
             </a:r>
           </a:p>
         </p:txBody>
@@ -4087,13 +4037,6 @@
   <p:clrMapOvr>
     <a:masterClrMapping/>
   </p:clrMapOvr>
-  <p:timing>
-    <p:tnLst>
-      <p:par>
-        <p:cTn id="1" dur="indefinite" restart="never" nodeType="tmRoot"/>
-      </p:par>
-    </p:tnLst>
-  </p:timing>
 </p:sld>
 </file>
 
@@ -4130,7 +4073,7 @@
           <a:lstStyle/>
           <a:p>
             <a:r>
-              <a:rPr lang="ru-RU" dirty="0" smtClean="0"/>
+              <a:rPr lang="ru-RU" dirty="0"/>
               <a:t>Понятие нормализации</a:t>
             </a:r>
             <a:endParaRPr lang="en-US" dirty="0"/>
@@ -4183,71 +4126,31 @@
             </a:r>
             <a:r>
               <a:rPr lang="ru-RU" dirty="0"/>
-              <a:t>. Нормализация предназначена для приведения структуры БД к виду, обеспечивающему минимальную логическую избыточность, и не имеет целью уменьшение или увеличение производительности работы или же уменьшение или увеличение физического объёма базы данных</a:t>
-            </a:r>
-            <a:r>
-              <a:rPr lang="ru-RU" dirty="0" smtClean="0"/>
-              <a:t>. </a:t>
-            </a:r>
+              <a:t>. Нормализация предназначена для приведения структуры БД к виду, обеспечивающему минимальную логическую избыточность, и не имеет целью уменьшение или увеличение производительности работы или же уменьшение или увеличение физического объёма базы данных. Конечной целью нормализации является уменьшение потенциальной противоречивости хранимой в базе данных информации. Общее назначение процесса нормализации заключается в следующем:</a:t>
+            </a:r>
+          </a:p>
+          <a:p>
             <a:r>
               <a:rPr lang="ru-RU" dirty="0"/>
-              <a:t>Конечной целью нормализации является уменьшение потенциальной противоречивости хранимой в базе данных информации. О</a:t>
-            </a:r>
-            <a:r>
-              <a:rPr lang="ru-RU" dirty="0" smtClean="0"/>
-              <a:t>бщее </a:t>
-            </a:r>
+              <a:t>исключение некоторых типов избыточности;</a:t>
+            </a:r>
+          </a:p>
+          <a:p>
             <a:r>
               <a:rPr lang="ru-RU" dirty="0"/>
-              <a:t>назначение процесса нормализации заключается в следующем:</a:t>
+              <a:t>устранение некоторых аномалий обновления;</a:t>
             </a:r>
           </a:p>
           <a:p>
             <a:r>
               <a:rPr lang="ru-RU" dirty="0"/>
-              <a:t>исключение некоторых типов </a:t>
-            </a:r>
-            <a:r>
-              <a:rPr lang="ru-RU" dirty="0" smtClean="0"/>
-              <a:t>избыточности;</a:t>
-            </a:r>
-          </a:p>
-          <a:p>
-            <a:r>
-              <a:rPr lang="ru-RU" dirty="0" smtClean="0"/>
-              <a:t>устранение </a:t>
-            </a:r>
+              <a:t>разработка проекта базы данных, который является достаточно «качественным» представлением реального мира, интуитивно понятен и может служить хорошей основой для последующего расширения;</a:t>
+            </a:r>
+          </a:p>
+          <a:p>
             <a:r>
               <a:rPr lang="ru-RU" dirty="0"/>
-              <a:t>некоторых аномалий </a:t>
-            </a:r>
-            <a:r>
-              <a:rPr lang="ru-RU" dirty="0" smtClean="0"/>
-              <a:t>обновления;</a:t>
-            </a:r>
-          </a:p>
-          <a:p>
-            <a:r>
-              <a:rPr lang="ru-RU" dirty="0" smtClean="0"/>
-              <a:t>разработка </a:t>
-            </a:r>
-            <a:r>
-              <a:rPr lang="ru-RU" dirty="0"/>
-              <a:t>проекта базы данных, который является достаточно «качественным» представлением реального мира, интуитивно понятен и может служить хорошей основой для последующего </a:t>
-            </a:r>
-            <a:r>
-              <a:rPr lang="ru-RU" dirty="0" smtClean="0"/>
-              <a:t>расширения;</a:t>
-            </a:r>
-          </a:p>
-          <a:p>
-            <a:r>
-              <a:rPr lang="ru-RU" dirty="0" smtClean="0"/>
-              <a:t>упрощение </a:t>
-            </a:r>
-            <a:r>
-              <a:rPr lang="ru-RU" dirty="0"/>
-              <a:t>процедуры применения необходимых ограничений целостности.</a:t>
+              <a:t>упрощение процедуры применения необходимых ограничений целостности.</a:t>
             </a:r>
           </a:p>
           <a:p>
@@ -4256,19 +4159,7 @@
             </a:pPr>
             <a:r>
               <a:rPr lang="ru-RU" dirty="0"/>
-              <a:t>Устранение избыточности производится, как правило, за счёт декомпозиции отношений таким образом, чтобы в каждом отношении хранились только </a:t>
-            </a:r>
-            <a:r>
-              <a:rPr lang="ru-RU" dirty="0" smtClean="0"/>
-              <a:t>первичные </a:t>
-            </a:r>
-            <a:r>
-              <a:rPr lang="ru-RU" dirty="0"/>
-              <a:t>факты (то есть факты, не выводимые из других хранимых фактов</a:t>
-            </a:r>
-            <a:r>
-              <a:rPr lang="ru-RU" dirty="0" smtClean="0"/>
-              <a:t>).</a:t>
+              <a:t>Устранение избыточности производится, как правило, за счёт декомпозиции отношений таким образом, чтобы в каждом отношении хранились только первичные факты (то есть факты, не выводимые из других хранимых фактов).</a:t>
             </a:r>
             <a:endParaRPr lang="en-US" dirty="0"/>
           </a:p>
@@ -4284,13 +4175,6 @@
   <p:clrMapOvr>
     <a:masterClrMapping/>
   </p:clrMapOvr>
-  <p:timing>
-    <p:tnLst>
-      <p:par>
-        <p:cTn id="1" dur="indefinite" restart="never" nodeType="tmRoot"/>
-      </p:par>
-    </p:tnLst>
-  </p:timing>
 </p:sld>
 </file>
 
@@ -4329,15 +4213,15 @@
           <a:lstStyle/>
           <a:p>
             <a:r>
-              <a:rPr lang="ru-RU" dirty="0" smtClean="0"/>
+              <a:rPr lang="ru-RU" dirty="0"/>
               <a:t>Язык </a:t>
             </a:r>
             <a:r>
-              <a:rPr lang="en-US" dirty="0" smtClean="0"/>
+              <a:rPr lang="en-US" dirty="0"/>
               <a:t>SQL (</a:t>
             </a:r>
             <a:r>
-              <a:rPr lang="en-US" dirty="0" smtClean="0">
+              <a:rPr lang="en-US" dirty="0">
                 <a:solidFill>
                   <a:srgbClr val="FF0000"/>
                 </a:solidFill>
@@ -4345,11 +4229,11 @@
               <a:t>S</a:t>
             </a:r>
             <a:r>
-              <a:rPr lang="en-US" dirty="0" smtClean="0"/>
+              <a:rPr lang="en-US" dirty="0"/>
               <a:t>tructured </a:t>
             </a:r>
             <a:r>
-              <a:rPr lang="en-US" dirty="0" smtClean="0">
+              <a:rPr lang="en-US" dirty="0">
                 <a:solidFill>
                   <a:srgbClr val="FF0000"/>
                 </a:solidFill>
@@ -4357,11 +4241,11 @@
               <a:t>Q</a:t>
             </a:r>
             <a:r>
-              <a:rPr lang="en-US" dirty="0" smtClean="0"/>
+              <a:rPr lang="en-US" dirty="0"/>
               <a:t>uery </a:t>
             </a:r>
             <a:r>
-              <a:rPr lang="en-US" dirty="0" smtClean="0">
+              <a:rPr lang="en-US" dirty="0">
                 <a:solidFill>
                   <a:srgbClr val="FF0000"/>
                 </a:solidFill>
@@ -4369,10 +4253,9 @@
               <a:t>L</a:t>
             </a:r>
             <a:r>
-              <a:rPr lang="en-US" dirty="0" smtClean="0"/>
+              <a:rPr lang="en-US" dirty="0"/>
               <a:t>anguage)</a:t>
             </a:r>
-            <a:endParaRPr lang="en-US" dirty="0"/>
           </a:p>
         </p:txBody>
       </p:sp>
@@ -4394,87 +4277,74 @@
           <a:lstStyle/>
           <a:p>
             <a:r>
-              <a:rPr lang="ru-RU" dirty="0" smtClean="0"/>
-              <a:t>Универсальный язык</a:t>
-            </a:r>
-            <a:r>
               <a:rPr lang="ru-RU" dirty="0"/>
-              <a:t>, применяемый для создания, модификации и управления данными в реляционных базах данных</a:t>
-            </a:r>
-            <a:r>
-              <a:rPr lang="ru-RU" dirty="0" smtClean="0"/>
-              <a:t>.</a:t>
-            </a:r>
-          </a:p>
-          <a:p>
-            <a:r>
-              <a:rPr lang="ru-RU" dirty="0" smtClean="0"/>
+              <a:t>Универсальный язык, применяемый для создания, модификации и управления данными в реляционных базах данных.</a:t>
+            </a:r>
+          </a:p>
+          <a:p>
+            <a:r>
+              <a:rPr lang="ru-RU" dirty="0"/>
               <a:t>Есть ряд </a:t>
             </a:r>
             <a:r>
-              <a:rPr lang="en-US" dirty="0" smtClean="0"/>
+              <a:rPr lang="en-US" dirty="0"/>
               <a:t>ISO</a:t>
             </a:r>
             <a:r>
-              <a:rPr lang="ru-RU" dirty="0" smtClean="0"/>
+              <a:rPr lang="ru-RU" dirty="0"/>
               <a:t> стандартов (</a:t>
             </a:r>
             <a:r>
               <a:rPr lang="en-US" dirty="0"/>
-              <a:t>SQL-86, SQL-89, SQL-92, SQL:1999, SQL:2003, SQL:2006, SQL:2008, </a:t>
-            </a:r>
-            <a:r>
-              <a:rPr lang="en-US" dirty="0" smtClean="0"/>
-              <a:t>SQL:2011</a:t>
-            </a:r>
-            <a:r>
-              <a:rPr lang="ru-RU" dirty="0" smtClean="0"/>
+              <a:t>SQL-86, SQL-89, SQL-92, SQL:1999, SQL:2003, SQL:2006, SQL:2008, SQL:2011</a:t>
+            </a:r>
+            <a:r>
+              <a:rPr lang="ru-RU" dirty="0"/>
               <a:t>)</a:t>
             </a:r>
           </a:p>
           <a:p>
             <a:r>
-              <a:rPr lang="ru-RU" dirty="0" smtClean="0"/>
+              <a:rPr lang="ru-RU" dirty="0"/>
               <a:t>У разных производителей свои диалекты</a:t>
             </a:r>
           </a:p>
           <a:p>
             <a:pPr lvl="1"/>
             <a:r>
-              <a:rPr lang="en-US" dirty="0" smtClean="0"/>
+              <a:rPr lang="en-US" dirty="0"/>
               <a:t>PL/SQL (Oracle)</a:t>
             </a:r>
           </a:p>
           <a:p>
             <a:pPr lvl="1"/>
             <a:r>
-              <a:rPr lang="en-US" dirty="0" smtClean="0"/>
+              <a:rPr lang="en-US" dirty="0"/>
               <a:t>T-SQL (Microsoft)</a:t>
             </a:r>
-            <a:endParaRPr lang="ru-RU" dirty="0" smtClean="0"/>
-          </a:p>
-          <a:p>
-            <a:r>
-              <a:rPr lang="ru-RU" dirty="0" smtClean="0"/>
+            <a:endParaRPr lang="ru-RU" dirty="0"/>
+          </a:p>
+          <a:p>
+            <a:r>
+              <a:rPr lang="ru-RU" dirty="0"/>
               <a:t>Диалекты</a:t>
             </a:r>
-            <a:endParaRPr lang="en-US" dirty="0" smtClean="0"/>
+            <a:endParaRPr lang="en-US" dirty="0"/>
           </a:p>
           <a:p>
             <a:pPr lvl="1"/>
             <a:r>
-              <a:rPr lang="en-US" dirty="0" smtClean="0"/>
+              <a:rPr lang="en-US" dirty="0"/>
               <a:t>Data Definition Language – DDL</a:t>
             </a:r>
-            <a:endParaRPr lang="ru-RU" dirty="0" smtClean="0"/>
+            <a:endParaRPr lang="ru-RU" dirty="0"/>
           </a:p>
           <a:p>
             <a:pPr lvl="1"/>
             <a:r>
-              <a:rPr lang="en-US" dirty="0" smtClean="0"/>
+              <a:rPr lang="en-US" dirty="0"/>
               <a:t>Data Manipulation Language - DML</a:t>
             </a:r>
-            <a:endParaRPr lang="en-US" dirty="0"/>
           </a:p>
         </p:txBody>
       </p:sp>
@@ -4488,13 +4358,6 @@
   <p:clrMapOvr>
     <a:masterClrMapping/>
   </p:clrMapOvr>
-  <p:timing>
-    <p:tnLst>
-      <p:par>
-        <p:cTn id="1" dur="indefinite" restart="never" nodeType="tmRoot"/>
-      </p:par>
-    </p:tnLst>
-  </p:timing>
 </p:sld>
 </file>
 
@@ -4531,7 +4394,7 @@
           <a:lstStyle/>
           <a:p>
             <a:r>
-              <a:rPr lang="ru-RU" dirty="0" smtClean="0"/>
+              <a:rPr lang="ru-RU" dirty="0"/>
               <a:t>Системные Базы Данных</a:t>
             </a:r>
             <a:endParaRPr lang="en-US" dirty="0"/>
@@ -4559,59 +4422,55 @@
               <a:buNone/>
             </a:pPr>
             <a:r>
-              <a:rPr lang="ru-RU" dirty="0" smtClean="0"/>
+              <a:rPr lang="ru-RU" dirty="0"/>
               <a:t>Нижеследующие базы данных используются для внутренних нужд </a:t>
             </a:r>
             <a:r>
-              <a:rPr lang="en-US" dirty="0" smtClean="0"/>
+              <a:rPr lang="en-US" dirty="0"/>
               <a:t>SQL Server</a:t>
             </a:r>
             <a:r>
               <a:rPr lang="ru-RU" dirty="0"/>
-              <a:t> </a:t>
-            </a:r>
-            <a:r>
-              <a:rPr lang="ru-RU" dirty="0" smtClean="0"/>
-              <a:t>и </a:t>
-            </a:r>
-            <a:r>
-              <a:rPr lang="ru-RU" u="sng" dirty="0" smtClean="0"/>
+              <a:t> и </a:t>
+            </a:r>
+            <a:r>
+              <a:rPr lang="ru-RU" u="sng" dirty="0"/>
               <a:t>никогда</a:t>
             </a:r>
             <a:r>
-              <a:rPr lang="ru-RU" dirty="0" smtClean="0"/>
+              <a:rPr lang="ru-RU" dirty="0"/>
               <a:t> не должны использоваться для хранения ваших данных:</a:t>
             </a:r>
           </a:p>
           <a:p>
             <a:pPr lvl="1"/>
             <a:r>
-              <a:rPr lang="en-US" dirty="0" smtClean="0"/>
+              <a:rPr lang="en-US" dirty="0"/>
               <a:t>master</a:t>
             </a:r>
           </a:p>
           <a:p>
             <a:pPr lvl="1"/>
             <a:r>
-              <a:rPr lang="en-US" dirty="0" smtClean="0"/>
+              <a:rPr lang="en-US" dirty="0"/>
               <a:t>model</a:t>
             </a:r>
           </a:p>
           <a:p>
             <a:pPr lvl="1"/>
             <a:r>
-              <a:rPr lang="en-US" dirty="0" err="1" smtClean="0"/>
+              <a:rPr lang="en-US" dirty="0" err="1"/>
               <a:t>msdb</a:t>
             </a:r>
-            <a:endParaRPr lang="en-US" dirty="0" smtClean="0"/>
+            <a:endParaRPr lang="en-US" dirty="0"/>
           </a:p>
           <a:p>
             <a:pPr lvl="1"/>
             <a:r>
-              <a:rPr lang="en-US" dirty="0" err="1" smtClean="0"/>
+              <a:rPr lang="en-US" dirty="0" err="1"/>
               <a:t>tempdb</a:t>
             </a:r>
-            <a:endParaRPr lang="en-US" dirty="0" smtClean="0"/>
+            <a:endParaRPr lang="en-US" dirty="0"/>
           </a:p>
           <a:p>
             <a:endParaRPr lang="en-US" dirty="0"/>
@@ -4628,13 +4487,6 @@
   <p:clrMapOvr>
     <a:masterClrMapping/>
   </p:clrMapOvr>
-  <p:timing>
-    <p:tnLst>
-      <p:par>
-        <p:cTn id="1" dur="indefinite" restart="never" nodeType="tmRoot"/>
-      </p:par>
-    </p:tnLst>
-  </p:timing>
 </p:sld>
 </file>
 
@@ -4671,11 +4523,11 @@
           <a:lstStyle/>
           <a:p>
             <a:r>
-              <a:rPr lang="en-US" dirty="0" smtClean="0"/>
+              <a:rPr lang="en-US" dirty="0"/>
               <a:t>T-SQL: </a:t>
             </a:r>
             <a:r>
-              <a:rPr lang="ru-RU" dirty="0" smtClean="0"/>
+              <a:rPr lang="ru-RU" dirty="0"/>
               <a:t>Типы данных</a:t>
             </a:r>
             <a:endParaRPr lang="en-US" dirty="0"/>
@@ -4700,180 +4552,167 @@
           <a:lstStyle/>
           <a:p>
             <a:r>
-              <a:rPr lang="ru-RU" dirty="0" smtClean="0"/>
+              <a:rPr lang="ru-RU" dirty="0"/>
               <a:t>Строковые</a:t>
             </a:r>
             <a:r>
-              <a:rPr lang="en-US" dirty="0" smtClean="0"/>
+              <a:rPr lang="en-US" dirty="0"/>
               <a:t>: char(N), </a:t>
             </a:r>
             <a:r>
-              <a:rPr lang="en-US" dirty="0" err="1" smtClean="0"/>
+              <a:rPr lang="en-US" dirty="0" err="1"/>
               <a:t>nchar</a:t>
             </a:r>
             <a:r>
               <a:rPr lang="en-US" dirty="0"/>
-              <a:t>(</a:t>
-            </a:r>
-            <a:r>
-              <a:rPr lang="en-US" dirty="0" smtClean="0"/>
-              <a:t>N), varchar(N), </a:t>
-            </a:r>
-            <a:r>
-              <a:rPr lang="en-US" dirty="0" err="1" smtClean="0"/>
+              <a:t>(N), varchar(N), </a:t>
+            </a:r>
+            <a:r>
+              <a:rPr lang="en-US" dirty="0" err="1"/>
               <a:t>nvarchar</a:t>
             </a:r>
             <a:r>
               <a:rPr lang="en-US" dirty="0"/>
-              <a:t>(</a:t>
-            </a:r>
-            <a:r>
-              <a:rPr lang="en-US" dirty="0" smtClean="0"/>
-              <a:t>N), text, </a:t>
-            </a:r>
-            <a:r>
-              <a:rPr lang="en-US" dirty="0" err="1" smtClean="0"/>
+              <a:t>(N), text, </a:t>
+            </a:r>
+            <a:r>
+              <a:rPr lang="en-US" dirty="0" err="1"/>
               <a:t>ntext</a:t>
             </a:r>
-            <a:endParaRPr lang="en-US" dirty="0" smtClean="0"/>
-          </a:p>
-          <a:p>
-            <a:r>
-              <a:rPr lang="ru-RU" dirty="0" smtClean="0"/>
+            <a:endParaRPr lang="en-US" dirty="0"/>
+          </a:p>
+          <a:p>
+            <a:r>
+              <a:rPr lang="ru-RU" dirty="0"/>
               <a:t>Дата/время: </a:t>
             </a:r>
             <a:r>
-              <a:rPr lang="en-US" dirty="0" smtClean="0"/>
+              <a:rPr lang="en-US" dirty="0"/>
               <a:t> </a:t>
             </a:r>
             <a:r>
-              <a:rPr lang="en-US" dirty="0" err="1" smtClean="0"/>
+              <a:rPr lang="en-US" dirty="0" err="1"/>
               <a:t>datetime</a:t>
             </a:r>
             <a:r>
-              <a:rPr lang="en-US" dirty="0" smtClean="0"/>
+              <a:rPr lang="en-US" dirty="0"/>
               <a:t>, </a:t>
             </a:r>
             <a:r>
-              <a:rPr lang="en-US" dirty="0" err="1" smtClean="0"/>
+              <a:rPr lang="en-US" dirty="0" err="1"/>
               <a:t>smalldatetime</a:t>
             </a:r>
             <a:r>
-              <a:rPr lang="en-US" dirty="0" smtClean="0"/>
+              <a:rPr lang="en-US" dirty="0"/>
               <a:t>, date, time, </a:t>
             </a:r>
             <a:r>
-              <a:rPr lang="en-US" dirty="0" err="1" smtClean="0"/>
+              <a:rPr lang="en-US" dirty="0" err="1"/>
               <a:t>datetimeoffset</a:t>
             </a:r>
             <a:r>
-              <a:rPr lang="en-US" dirty="0" smtClean="0"/>
+              <a:rPr lang="en-US" dirty="0"/>
               <a:t>, datetime2</a:t>
             </a:r>
           </a:p>
           <a:p>
             <a:r>
-              <a:rPr lang="ru-RU" dirty="0" smtClean="0"/>
+              <a:rPr lang="ru-RU" dirty="0"/>
               <a:t>Численные: </a:t>
             </a:r>
             <a:r>
-              <a:rPr lang="en-US" dirty="0" smtClean="0"/>
+              <a:rPr lang="en-US" dirty="0"/>
               <a:t>decimal, numeric, float, real, </a:t>
             </a:r>
             <a:r>
-              <a:rPr lang="en-US" dirty="0" err="1" smtClean="0"/>
+              <a:rPr lang="en-US" dirty="0" err="1"/>
               <a:t>bigint</a:t>
             </a:r>
             <a:r>
-              <a:rPr lang="en-US" dirty="0" smtClean="0"/>
+              <a:rPr lang="en-US" dirty="0"/>
               <a:t>, </a:t>
             </a:r>
             <a:r>
-              <a:rPr lang="en-US" dirty="0" err="1" smtClean="0"/>
+              <a:rPr lang="en-US" dirty="0" err="1"/>
               <a:t>int</a:t>
             </a:r>
             <a:r>
-              <a:rPr lang="en-US" dirty="0" smtClean="0"/>
+              <a:rPr lang="en-US" dirty="0"/>
               <a:t>, </a:t>
             </a:r>
             <a:r>
-              <a:rPr lang="en-US" dirty="0" err="1" smtClean="0"/>
+              <a:rPr lang="en-US" dirty="0" err="1"/>
               <a:t>smallint</a:t>
             </a:r>
             <a:r>
-              <a:rPr lang="en-US" dirty="0" smtClean="0"/>
+              <a:rPr lang="en-US" dirty="0"/>
               <a:t>, </a:t>
             </a:r>
             <a:r>
-              <a:rPr lang="en-US" dirty="0" err="1" smtClean="0"/>
+              <a:rPr lang="en-US" dirty="0" err="1"/>
               <a:t>tinyint</a:t>
             </a:r>
             <a:r>
-              <a:rPr lang="en-US" dirty="0" smtClean="0"/>
-              <a:t>, money</a:t>
-            </a:r>
-            <a:r>
-              <a:rPr lang="en-US" dirty="0" smtClean="0"/>
-              <a:t>, </a:t>
-            </a:r>
-            <a:r>
-              <a:rPr lang="en-US" dirty="0" err="1" smtClean="0"/>
+              <a:rPr lang="en-US" dirty="0"/>
+              <a:t>, money, </a:t>
+            </a:r>
+            <a:r>
+              <a:rPr lang="en-US" dirty="0" err="1"/>
               <a:t>smallmoney</a:t>
             </a:r>
-            <a:endParaRPr lang="ru-RU" dirty="0" smtClean="0"/>
-          </a:p>
-          <a:p>
-            <a:r>
-              <a:rPr lang="ru-RU" dirty="0" smtClean="0"/>
+            <a:endParaRPr lang="ru-RU" dirty="0"/>
+          </a:p>
+          <a:p>
+            <a:r>
+              <a:rPr lang="ru-RU" dirty="0"/>
               <a:t>Логический: </a:t>
             </a:r>
             <a:r>
-              <a:rPr lang="en-US" dirty="0" smtClean="0"/>
+              <a:rPr lang="en-US" dirty="0"/>
               <a:t>bit</a:t>
             </a:r>
-            <a:endParaRPr lang="en-US" dirty="0" smtClean="0"/>
-          </a:p>
-          <a:p>
-            <a:r>
-              <a:rPr lang="ru-RU" dirty="0" smtClean="0"/>
+          </a:p>
+          <a:p>
+            <a:r>
+              <a:rPr lang="ru-RU" dirty="0"/>
               <a:t>Двоичные: </a:t>
             </a:r>
             <a:r>
-              <a:rPr lang="en-US" dirty="0" smtClean="0"/>
+              <a:rPr lang="en-US" dirty="0"/>
               <a:t>binary(N), </a:t>
             </a:r>
             <a:r>
-              <a:rPr lang="en-US" dirty="0" err="1" smtClean="0"/>
+              <a:rPr lang="en-US" dirty="0" err="1"/>
               <a:t>varbinary</a:t>
             </a:r>
             <a:r>
-              <a:rPr lang="en-US" dirty="0" smtClean="0"/>
+              <a:rPr lang="en-US" dirty="0"/>
               <a:t>(N), image</a:t>
             </a:r>
           </a:p>
           <a:p>
             <a:r>
-              <a:rPr lang="ru-RU" dirty="0" smtClean="0"/>
+              <a:rPr lang="ru-RU" dirty="0"/>
               <a:t>Другие: </a:t>
             </a:r>
             <a:r>
-              <a:rPr lang="en-US" dirty="0" smtClean="0"/>
+              <a:rPr lang="en-US" dirty="0"/>
               <a:t>xml, </a:t>
             </a:r>
             <a:r>
-              <a:rPr lang="en-US" dirty="0" err="1" smtClean="0"/>
+              <a:rPr lang="en-US" dirty="0" err="1"/>
               <a:t>uniqueidentifier</a:t>
             </a:r>
             <a:r>
-              <a:rPr lang="en-US" dirty="0" smtClean="0"/>
+              <a:rPr lang="en-US" dirty="0"/>
               <a:t> (GUID), </a:t>
             </a:r>
             <a:r>
-              <a:rPr lang="en-US" dirty="0" err="1" smtClean="0"/>
+              <a:rPr lang="en-US" dirty="0" err="1"/>
               <a:t>hierarchyid</a:t>
             </a:r>
             <a:r>
-              <a:rPr lang="en-US" dirty="0" smtClean="0"/>
+              <a:rPr lang="en-US" dirty="0"/>
               <a:t>, timestamp</a:t>
             </a:r>
           </a:p>
@@ -4885,7 +4724,7 @@
               <a:buNone/>
             </a:pPr>
             <a:r>
-              <a:rPr lang="ru-RU" dirty="0" smtClean="0"/>
+              <a:rPr lang="ru-RU" dirty="0"/>
               <a:t>См. </a:t>
             </a:r>
             <a:r>
@@ -4905,13 +4744,6 @@
   <p:clrMapOvr>
     <a:masterClrMapping/>
   </p:clrMapOvr>
-  <p:timing>
-    <p:tnLst>
-      <p:par>
-        <p:cTn id="1" dur="indefinite" restart="never" nodeType="tmRoot"/>
-      </p:par>
-    </p:tnLst>
-  </p:timing>
 </p:sld>
 </file>
 
@@ -4948,11 +4780,11 @@
           <a:lstStyle/>
           <a:p>
             <a:r>
-              <a:rPr lang="en-US" dirty="0" smtClean="0"/>
+              <a:rPr lang="en-US" dirty="0"/>
               <a:t>T-SQL: </a:t>
             </a:r>
             <a:r>
-              <a:rPr lang="ru-RU" dirty="0" smtClean="0"/>
+              <a:rPr lang="ru-RU" dirty="0"/>
               <a:t>Строковые типы данных</a:t>
             </a:r>
             <a:endParaRPr lang="en-US" dirty="0"/>
@@ -4977,7 +4809,7 @@
           <a:lstStyle/>
           <a:p>
             <a:r>
-              <a:rPr lang="ru-RU" dirty="0" smtClean="0"/>
+              <a:rPr lang="ru-RU" dirty="0"/>
               <a:t>Однобайтовые строки</a:t>
             </a:r>
           </a:p>
@@ -4987,14 +4819,14 @@
               <a:buChar char="§"/>
             </a:pPr>
             <a:r>
-              <a:rPr lang="en-US" dirty="0" smtClean="0"/>
+              <a:rPr lang="en-US" dirty="0"/>
               <a:t>char(n) </a:t>
             </a:r>
             <a:r>
-              <a:rPr lang="ru-RU" dirty="0" smtClean="0"/>
+              <a:rPr lang="ru-RU" dirty="0"/>
               <a:t>- фиксированная длина, дополняется пробелами справа. Не больше чем 8000 символов.</a:t>
             </a:r>
-            <a:endParaRPr lang="en-US" dirty="0" smtClean="0"/>
+            <a:endParaRPr lang="en-US" dirty="0"/>
           </a:p>
           <a:p>
             <a:pPr lvl="1">
@@ -5002,32 +4834,16 @@
               <a:buChar char="§"/>
             </a:pPr>
             <a:r>
-              <a:rPr lang="en-US" dirty="0" err="1" smtClean="0"/>
+              <a:rPr lang="en-US" dirty="0" err="1"/>
               <a:t>varchar</a:t>
             </a:r>
             <a:r>
-              <a:rPr lang="en-US" dirty="0" smtClean="0"/>
+              <a:rPr lang="en-US" dirty="0"/>
               <a:t>(n)</a:t>
             </a:r>
             <a:r>
-              <a:rPr lang="ru-RU" dirty="0" smtClean="0"/>
-              <a:t> – переменная длина. </a:t>
-            </a:r>
-            <a:r>
               <a:rPr lang="ru-RU" dirty="0"/>
-              <a:t>Не больше чем </a:t>
-            </a:r>
-            <a:r>
-              <a:rPr lang="ru-RU" dirty="0" smtClean="0"/>
-              <a:t>8000</a:t>
-            </a:r>
-            <a:r>
-              <a:rPr lang="ru-RU" dirty="0"/>
-              <a:t> символов</a:t>
-            </a:r>
-            <a:r>
-              <a:rPr lang="ru-RU" dirty="0" smtClean="0"/>
-              <a:t>.</a:t>
+              <a:t> – переменная длина. Не больше чем 8000 символов.</a:t>
             </a:r>
           </a:p>
           <a:p>
@@ -5036,141 +4852,117 @@
               <a:buChar char="§"/>
             </a:pPr>
             <a:r>
-              <a:rPr lang="en-US" dirty="0" err="1" smtClean="0"/>
+              <a:rPr lang="en-US" dirty="0" err="1"/>
               <a:t>varchar</a:t>
             </a:r>
             <a:r>
-              <a:rPr lang="en-US" dirty="0" smtClean="0"/>
+              <a:rPr lang="en-US" dirty="0"/>
               <a:t>(max) </a:t>
             </a:r>
             <a:r>
-              <a:rPr lang="ru-RU" dirty="0" smtClean="0"/>
+              <a:rPr lang="ru-RU" dirty="0"/>
               <a:t>или </a:t>
             </a:r>
             <a:r>
-              <a:rPr lang="en-US" dirty="0" smtClean="0"/>
+              <a:rPr lang="en-US" dirty="0"/>
               <a:t>text</a:t>
             </a:r>
             <a:r>
-              <a:rPr lang="ru-RU" dirty="0" smtClean="0"/>
+              <a:rPr lang="ru-RU" dirty="0"/>
               <a:t> – переменная длина. До 2</a:t>
             </a:r>
             <a:r>
-              <a:rPr lang="en-US" dirty="0" smtClean="0"/>
+              <a:rPr lang="en-US" dirty="0"/>
               <a:t>^3</a:t>
             </a:r>
             <a:r>
-              <a:rPr lang="ru-RU" dirty="0" smtClean="0"/>
+              <a:rPr lang="ru-RU" dirty="0"/>
               <a:t>1</a:t>
             </a:r>
             <a:r>
-              <a:rPr lang="en-US" dirty="0" smtClean="0"/>
+              <a:rPr lang="en-US" dirty="0"/>
               <a:t>-1</a:t>
             </a:r>
             <a:r>
               <a:rPr lang="ru-RU" dirty="0"/>
-              <a:t> символов</a:t>
-            </a:r>
-            <a:r>
-              <a:rPr lang="ru-RU" dirty="0" smtClean="0"/>
-              <a:t>.</a:t>
-            </a:r>
-            <a:endParaRPr lang="en-US" dirty="0" smtClean="0"/>
-          </a:p>
-          <a:p>
-            <a:r>
-              <a:rPr lang="ru-RU" dirty="0" smtClean="0"/>
+              <a:t> символов.</a:t>
+            </a:r>
+            <a:endParaRPr lang="en-US" dirty="0"/>
+          </a:p>
+          <a:p>
+            <a:r>
+              <a:rPr lang="ru-RU" dirty="0"/>
               <a:t>Юникод строки</a:t>
             </a:r>
           </a:p>
           <a:p>
             <a:pPr lvl="1"/>
             <a:r>
-              <a:rPr lang="en-US" dirty="0" err="1" smtClean="0"/>
+              <a:rPr lang="en-US" dirty="0" err="1"/>
               <a:t>nchar</a:t>
             </a:r>
             <a:r>
-              <a:rPr lang="en-US" dirty="0" smtClean="0"/>
+              <a:rPr lang="en-US" dirty="0"/>
+              <a:t>(n) </a:t>
+            </a:r>
+            <a:r>
+              <a:rPr lang="ru-RU" dirty="0"/>
+              <a:t>- фиксированная длина, дополняется пробелами справа. Не больше чем 4000 символов.</a:t>
+            </a:r>
+            <a:endParaRPr lang="en-US" dirty="0"/>
+          </a:p>
+          <a:p>
+            <a:pPr lvl="1"/>
+            <a:r>
+              <a:rPr lang="en-US" dirty="0" err="1"/>
+              <a:t>nvarchar</a:t>
+            </a:r>
+            <a:r>
+              <a:rPr lang="en-US" dirty="0"/>
               <a:t>(n)</a:t>
             </a:r>
             <a:r>
-              <a:rPr lang="en-US" dirty="0"/>
-              <a:t> </a:t>
-            </a:r>
-            <a:r>
               <a:rPr lang="ru-RU" dirty="0"/>
-              <a:t>- фиксированная длина, дополняется пробелами справа. Не больше чем </a:t>
-            </a:r>
-            <a:r>
-              <a:rPr lang="ru-RU" dirty="0" smtClean="0"/>
-              <a:t>4000 символов.</a:t>
-            </a:r>
-            <a:endParaRPr lang="en-US" dirty="0" smtClean="0"/>
+              <a:t> - переменная длина. Не больше чем 4000 символов.</a:t>
+            </a:r>
+            <a:endParaRPr lang="en-US" dirty="0"/>
           </a:p>
           <a:p>
             <a:pPr lvl="1"/>
             <a:r>
-              <a:rPr lang="en-US" dirty="0" err="1" smtClean="0"/>
+              <a:rPr lang="en-US" dirty="0" err="1"/>
               <a:t>nvarchar</a:t>
             </a:r>
             <a:r>
-              <a:rPr lang="en-US" dirty="0" smtClean="0"/>
-              <a:t>(n)</a:t>
-            </a:r>
-            <a:r>
-              <a:rPr lang="ru-RU" dirty="0" smtClean="0"/>
-              <a:t> - </a:t>
+              <a:rPr lang="en-US" dirty="0"/>
+              <a:t>(max) </a:t>
             </a:r>
             <a:r>
               <a:rPr lang="ru-RU" dirty="0"/>
-              <a:t>переменная длина. </a:t>
-            </a:r>
-            <a:r>
-              <a:rPr lang="ru-RU" dirty="0" smtClean="0"/>
-              <a:t>Не больше чем 4000 символов.</a:t>
-            </a:r>
-            <a:endParaRPr lang="en-US" dirty="0" smtClean="0"/>
-          </a:p>
-          <a:p>
-            <a:pPr lvl="1"/>
-            <a:r>
-              <a:rPr lang="en-US" dirty="0" err="1" smtClean="0"/>
-              <a:t>nvarchar</a:t>
-            </a:r>
-            <a:r>
-              <a:rPr lang="en-US" dirty="0" smtClean="0"/>
-              <a:t>(max) </a:t>
-            </a:r>
-            <a:r>
-              <a:rPr lang="ru-RU" dirty="0" smtClean="0"/>
               <a:t>или </a:t>
             </a:r>
             <a:r>
-              <a:rPr lang="en-US" dirty="0" err="1" smtClean="0"/>
+              <a:rPr lang="en-US" dirty="0" err="1"/>
               <a:t>ntext</a:t>
             </a:r>
             <a:r>
-              <a:rPr lang="ru-RU" dirty="0" smtClean="0"/>
-              <a:t> - </a:t>
-            </a:r>
-            <a:r>
               <a:rPr lang="ru-RU" dirty="0"/>
-              <a:t>переменная длина. До 2</a:t>
-            </a:r>
-            <a:r>
-              <a:rPr lang="en-US" dirty="0" smtClean="0"/>
+              <a:t> - переменная длина. До 2</a:t>
+            </a:r>
+            <a:r>
+              <a:rPr lang="en-US" dirty="0"/>
               <a:t>^3</a:t>
             </a:r>
             <a:r>
-              <a:rPr lang="ru-RU" dirty="0" smtClean="0"/>
+              <a:rPr lang="ru-RU" dirty="0"/>
               <a:t>0</a:t>
             </a:r>
             <a:r>
-              <a:rPr lang="en-US" dirty="0" smtClean="0"/>
+              <a:rPr lang="en-US" dirty="0"/>
               <a:t>-1 </a:t>
             </a:r>
             <a:r>
-              <a:rPr lang="ru-RU" dirty="0" smtClean="0"/>
+              <a:rPr lang="ru-RU" dirty="0"/>
               <a:t>символов.</a:t>
             </a:r>
             <a:endParaRPr lang="en-US" dirty="0"/>
@@ -5187,13 +4979,6 @@
   <p:clrMapOvr>
     <a:masterClrMapping/>
   </p:clrMapOvr>
-  <p:timing>
-    <p:tnLst>
-      <p:par>
-        <p:cTn id="1" dur="indefinite" restart="never" nodeType="tmRoot"/>
-      </p:par>
-    </p:tnLst>
-  </p:timing>
 </p:sld>
 </file>
 
@@ -5230,23 +5015,23 @@
           <a:lstStyle/>
           <a:p>
             <a:r>
-              <a:rPr lang="en-US" dirty="0" smtClean="0"/>
+              <a:rPr lang="en-US" dirty="0"/>
               <a:t>T-SQL: </a:t>
             </a:r>
             <a:r>
-              <a:rPr lang="ru-RU" dirty="0" smtClean="0"/>
+              <a:rPr lang="ru-RU" dirty="0"/>
               <a:t>Численные</a:t>
             </a:r>
             <a:r>
-              <a:rPr lang="en-US" dirty="0" smtClean="0"/>
+              <a:rPr lang="en-US" dirty="0"/>
               <a:t> </a:t>
             </a:r>
             <a:r>
-              <a:rPr lang="ru-RU" dirty="0" smtClean="0"/>
+              <a:rPr lang="ru-RU" dirty="0"/>
               <a:t>типы</a:t>
             </a:r>
             <a:r>
-              <a:rPr lang="en-US" dirty="0" smtClean="0"/>
+              <a:rPr lang="en-US" dirty="0"/>
               <a:t> </a:t>
             </a:r>
             <a:endParaRPr lang="ru-RU" dirty="0"/>
@@ -5271,69 +5056,69 @@
           <a:lstStyle/>
           <a:p>
             <a:r>
-              <a:rPr lang="ru-RU" dirty="0" smtClean="0"/>
+              <a:rPr lang="ru-RU" dirty="0"/>
               <a:t>Целые числа</a:t>
             </a:r>
           </a:p>
           <a:p>
             <a:pPr lvl="1"/>
             <a:r>
-              <a:rPr lang="en-US" dirty="0" err="1" smtClean="0"/>
+              <a:rPr lang="en-US" dirty="0" err="1"/>
               <a:t>bigint</a:t>
             </a:r>
             <a:r>
-              <a:rPr lang="ru-RU" dirty="0" smtClean="0"/>
+              <a:rPr lang="ru-RU" dirty="0"/>
               <a:t> (</a:t>
             </a:r>
             <a:r>
-              <a:rPr lang="en-US" dirty="0" smtClean="0"/>
+              <a:rPr lang="en-US" dirty="0"/>
               <a:t>8 </a:t>
             </a:r>
             <a:r>
-              <a:rPr lang="ru-RU" dirty="0" smtClean="0"/>
+              <a:rPr lang="ru-RU" dirty="0"/>
               <a:t>байтов), </a:t>
             </a:r>
             <a:r>
-              <a:rPr lang="en-US" dirty="0" err="1" smtClean="0"/>
+              <a:rPr lang="en-US" dirty="0" err="1"/>
               <a:t>int</a:t>
             </a:r>
             <a:r>
-              <a:rPr lang="ru-RU" dirty="0" smtClean="0"/>
+              <a:rPr lang="ru-RU" dirty="0"/>
               <a:t> (4 байта), </a:t>
             </a:r>
             <a:r>
-              <a:rPr lang="en-US" dirty="0" err="1" smtClean="0"/>
+              <a:rPr lang="en-US" dirty="0" err="1"/>
               <a:t>smallint</a:t>
             </a:r>
             <a:r>
-              <a:rPr lang="ru-RU" dirty="0" smtClean="0"/>
+              <a:rPr lang="ru-RU" dirty="0"/>
               <a:t> (2 байта), </a:t>
             </a:r>
             <a:r>
-              <a:rPr lang="en-US" dirty="0" err="1" smtClean="0"/>
+              <a:rPr lang="en-US" dirty="0" err="1"/>
               <a:t>tinyint</a:t>
             </a:r>
             <a:r>
-              <a:rPr lang="ru-RU" dirty="0" smtClean="0"/>
+              <a:rPr lang="ru-RU" dirty="0"/>
               <a:t> (1 байт, беззнаковый)</a:t>
             </a:r>
-            <a:endParaRPr lang="en-US" dirty="0" smtClean="0"/>
-          </a:p>
-          <a:p>
-            <a:r>
-              <a:rPr lang="ru-RU" dirty="0" smtClean="0"/>
+            <a:endParaRPr lang="en-US" dirty="0"/>
+          </a:p>
+          <a:p>
+            <a:r>
+              <a:rPr lang="ru-RU" dirty="0"/>
               <a:t>Фиксированная точность</a:t>
             </a:r>
-            <a:endParaRPr lang="en-US" dirty="0" smtClean="0"/>
+            <a:endParaRPr lang="en-US" dirty="0"/>
           </a:p>
           <a:p>
             <a:pPr lvl="1"/>
             <a:r>
-              <a:rPr lang="en-US" dirty="0" smtClean="0"/>
+              <a:rPr lang="en-US" dirty="0"/>
               <a:t>decimal(</a:t>
             </a:r>
             <a:r>
-              <a:rPr lang="en-US" dirty="0" smtClean="0">
+              <a:rPr lang="en-US" dirty="0">
                 <a:solidFill>
                   <a:srgbClr val="FFFF00"/>
                 </a:solidFill>
@@ -5341,11 +5126,11 @@
               <a:t>p</a:t>
             </a:r>
             <a:r>
-              <a:rPr lang="en-US" dirty="0" smtClean="0"/>
+              <a:rPr lang="en-US" dirty="0"/>
               <a:t>, </a:t>
             </a:r>
             <a:r>
-              <a:rPr lang="en-US" dirty="0" smtClean="0">
+              <a:rPr lang="en-US" dirty="0">
                 <a:solidFill>
                   <a:srgbClr val="92D050"/>
                 </a:solidFill>
@@ -5353,11 +5138,11 @@
               <a:t>s</a:t>
             </a:r>
             <a:r>
-              <a:rPr lang="en-US" dirty="0" smtClean="0"/>
+              <a:rPr lang="en-US" dirty="0"/>
               <a:t>), numeric(</a:t>
             </a:r>
             <a:r>
-              <a:rPr lang="en-US" dirty="0" smtClean="0">
+              <a:rPr lang="en-US" dirty="0">
                 <a:solidFill>
                   <a:srgbClr val="FFFF00"/>
                 </a:solidFill>
@@ -5365,11 +5150,11 @@
               <a:t>p</a:t>
             </a:r>
             <a:r>
-              <a:rPr lang="en-US" dirty="0" smtClean="0"/>
+              <a:rPr lang="en-US" dirty="0"/>
               <a:t>, </a:t>
             </a:r>
             <a:r>
-              <a:rPr lang="en-US" dirty="0" smtClean="0">
+              <a:rPr lang="en-US" dirty="0">
                 <a:solidFill>
                   <a:srgbClr val="92D050"/>
                 </a:solidFill>
@@ -5377,14 +5162,14 @@
               <a:t>s</a:t>
             </a:r>
             <a:r>
-              <a:rPr lang="ru-RU" dirty="0" smtClean="0"/>
+              <a:rPr lang="ru-RU" dirty="0"/>
               <a:t>)</a:t>
             </a:r>
           </a:p>
           <a:p>
             <a:pPr lvl="1"/>
             <a:r>
-              <a:rPr lang="en-US" dirty="0" smtClean="0">
+              <a:rPr lang="en-US" dirty="0">
                 <a:solidFill>
                   <a:srgbClr val="FFFF00"/>
                 </a:solidFill>
@@ -5392,19 +5177,19 @@
               <a:t>precision</a:t>
             </a:r>
             <a:r>
-              <a:rPr lang="ru-RU" dirty="0" smtClean="0"/>
+              <a:rPr lang="ru-RU" dirty="0"/>
               <a:t>:</a:t>
             </a:r>
             <a:r>
-              <a:rPr lang="en-US" dirty="0" smtClean="0"/>
+              <a:rPr lang="en-US" dirty="0"/>
               <a:t> </a:t>
             </a:r>
             <a:r>
-              <a:rPr lang="ru-RU" dirty="0" smtClean="0"/>
+              <a:rPr lang="ru-RU" dirty="0"/>
               <a:t>общее кол-во цифр в числе, </a:t>
             </a:r>
             <a:r>
-              <a:rPr lang="en-US" dirty="0" smtClean="0">
+              <a:rPr lang="en-US" dirty="0">
                 <a:solidFill>
                   <a:srgbClr val="92D050"/>
                 </a:solidFill>
@@ -5412,77 +5197,44 @@
               <a:t>scale</a:t>
             </a:r>
             <a:r>
-              <a:rPr lang="en-US" dirty="0" smtClean="0"/>
+              <a:rPr lang="en-US" dirty="0"/>
               <a:t>: </a:t>
             </a:r>
             <a:r>
-              <a:rPr lang="ru-RU" dirty="0" smtClean="0"/>
+              <a:rPr lang="ru-RU" dirty="0"/>
               <a:t>кол-во знаков после запятой</a:t>
             </a:r>
-            <a:endParaRPr lang="en-US" dirty="0" smtClean="0"/>
-          </a:p>
-          <a:p>
-            <a:r>
-              <a:rPr lang="ru-RU" dirty="0" smtClean="0"/>
+            <a:endParaRPr lang="en-US" dirty="0"/>
+          </a:p>
+          <a:p>
+            <a:r>
+              <a:rPr lang="ru-RU" dirty="0"/>
               <a:t>Примерная точность</a:t>
             </a:r>
           </a:p>
           <a:p>
             <a:pPr lvl="1"/>
             <a:r>
-              <a:rPr lang="en-US" dirty="0" smtClean="0"/>
-              <a:t>float</a:t>
-            </a:r>
-            <a:r>
-              <a:rPr lang="en-US" dirty="0"/>
-              <a:t>, </a:t>
-            </a:r>
-            <a:r>
-              <a:rPr lang="en-US" dirty="0" smtClean="0"/>
-              <a:t>real</a:t>
-            </a:r>
-            <a:endParaRPr lang="ru-RU" dirty="0" smtClean="0"/>
-          </a:p>
-          <a:p>
-            <a:r>
-              <a:rPr lang="ru-RU" dirty="0" smtClean="0"/>
+              <a:rPr lang="en-US" dirty="0"/>
+              <a:t>float, real</a:t>
+            </a:r>
+            <a:endParaRPr lang="ru-RU" dirty="0"/>
+          </a:p>
+          <a:p>
+            <a:r>
+              <a:rPr lang="ru-RU" dirty="0"/>
               <a:t>Денежные значения (точность до 4 знаков)</a:t>
             </a:r>
-            <a:endParaRPr lang="ru-RU" dirty="0"/>
           </a:p>
           <a:p>
             <a:pPr lvl="1"/>
             <a:r>
-              <a:rPr lang="en-US" dirty="0" smtClean="0"/>
+              <a:rPr lang="en-US" dirty="0"/>
               <a:t>money</a:t>
             </a:r>
             <a:r>
-              <a:rPr lang="ru-RU" dirty="0" smtClean="0"/>
-              <a:t> (</a:t>
-            </a:r>
-            <a:r>
               <a:rPr lang="ru-RU" dirty="0"/>
-              <a:t>8 байтов), от -</a:t>
-            </a:r>
-            <a:r>
-              <a:rPr lang="ru-RU" dirty="0" smtClean="0"/>
-              <a:t>9*10</a:t>
-            </a:r>
-            <a:r>
-              <a:rPr lang="en-US" dirty="0" smtClean="0"/>
-              <a:t>^</a:t>
-            </a:r>
-            <a:r>
-              <a:rPr lang="ru-RU" dirty="0" smtClean="0"/>
-              <a:t>15</a:t>
-            </a:r>
-            <a:r>
-              <a:rPr lang="en-US" dirty="0" smtClean="0"/>
-              <a:t> </a:t>
-            </a:r>
-            <a:r>
-              <a:rPr lang="ru-RU" dirty="0" smtClean="0"/>
-              <a:t>до 9*10</a:t>
+              <a:t> (8 байтов), от -9*10</a:t>
             </a:r>
             <a:r>
               <a:rPr lang="en-US" dirty="0"/>
@@ -5492,19 +5244,35 @@
               <a:rPr lang="ru-RU" dirty="0"/>
               <a:t>15</a:t>
             </a:r>
+            <a:r>
+              <a:rPr lang="en-US" dirty="0"/>
+              <a:t> </a:t>
+            </a:r>
+            <a:r>
+              <a:rPr lang="ru-RU" dirty="0"/>
+              <a:t>до 9*10</a:t>
+            </a:r>
+            <a:r>
+              <a:rPr lang="en-US" dirty="0"/>
+              <a:t>^</a:t>
+            </a:r>
+            <a:r>
+              <a:rPr lang="ru-RU" dirty="0"/>
+              <a:t>15</a:t>
+            </a:r>
           </a:p>
           <a:p>
             <a:pPr lvl="1"/>
             <a:r>
-              <a:rPr lang="en-US" dirty="0" err="1" smtClean="0"/>
+              <a:rPr lang="en-US" dirty="0" err="1"/>
               <a:t>smallmoney</a:t>
             </a:r>
             <a:r>
-              <a:rPr lang="ru-RU" dirty="0" smtClean="0"/>
+              <a:rPr lang="ru-RU" dirty="0"/>
               <a:t> (4 байта), от </a:t>
             </a:r>
             <a:r>
-              <a:rPr lang="en-US" dirty="0" smtClean="0"/>
+              <a:rPr lang="en-US" dirty="0"/>
               <a:t>-214748</a:t>
             </a:r>
             <a:r>
@@ -5512,15 +5280,15 @@
               <a:t>,</a:t>
             </a:r>
             <a:r>
-              <a:rPr lang="en-US" dirty="0" smtClean="0"/>
+              <a:rPr lang="en-US" dirty="0"/>
               <a:t>3648 </a:t>
             </a:r>
             <a:r>
-              <a:rPr lang="ru-RU" dirty="0" smtClean="0"/>
+              <a:rPr lang="ru-RU" dirty="0"/>
               <a:t>до </a:t>
             </a:r>
             <a:r>
-              <a:rPr lang="en-US" dirty="0" smtClean="0"/>
+              <a:rPr lang="en-US" dirty="0"/>
               <a:t>214748</a:t>
             </a:r>
             <a:r>
@@ -5528,7 +5296,7 @@
               <a:t>,</a:t>
             </a:r>
             <a:r>
-              <a:rPr lang="en-US" dirty="0" smtClean="0"/>
+              <a:rPr lang="en-US" dirty="0"/>
               <a:t>3647</a:t>
             </a:r>
             <a:endParaRPr lang="ru-RU" dirty="0"/>
@@ -5545,21 +5313,6 @@
   <p:clrMapOvr>
     <a:masterClrMapping/>
   </p:clrMapOvr>
-  <mc:AlternateContent xmlns:mc="http://schemas.openxmlformats.org/markup-compatibility/2006">
-    <mc:Choice xmlns:p14="http://schemas.microsoft.com/office/powerpoint/2010/main" Requires="p14">
-      <p:transition spd="slow" p14:dur="2000"/>
-    </mc:Choice>
-    <mc:Fallback>
-      <p:transition spd="slow"/>
-    </mc:Fallback>
-  </mc:AlternateContent>
-  <p:timing>
-    <p:tnLst>
-      <p:par>
-        <p:cTn id="1" dur="indefinite" restart="never" nodeType="tmRoot"/>
-      </p:par>
-    </p:tnLst>
-  </p:timing>
 </p:sld>
 </file>
 
@@ -5601,11 +5354,11 @@
           <a:lstStyle/>
           <a:p>
             <a:r>
-              <a:rPr lang="en-US" dirty="0" smtClean="0"/>
+              <a:rPr lang="en-US" dirty="0"/>
               <a:t>T-SQL: </a:t>
             </a:r>
             <a:r>
-              <a:rPr lang="ru-RU" dirty="0" smtClean="0"/>
+              <a:rPr lang="ru-RU" dirty="0"/>
               <a:t>Даты</a:t>
             </a:r>
             <a:endParaRPr lang="en-US" dirty="0"/>
@@ -5637,11 +5390,41 @@
                 <a:tableStyleId>{5C22544A-7EE6-4342-B048-85BDC9FD1C3A}</a:tableStyleId>
               </a:tblPr>
               <a:tblGrid>
-                <a:gridCol w="1615048"/>
-                <a:gridCol w="1635656"/>
-                <a:gridCol w="1594440"/>
-                <a:gridCol w="1615048"/>
-                <a:gridCol w="1615048"/>
+                <a:gridCol w="1615048">
+                  <a:extLst>
+                    <a:ext uri="{9D8B030D-6E8A-4147-A177-3AD203B41FA5}">
+                      <a16:colId xmlns:a16="http://schemas.microsoft.com/office/drawing/2014/main" val="20000"/>
+                    </a:ext>
+                  </a:extLst>
+                </a:gridCol>
+                <a:gridCol w="1635656">
+                  <a:extLst>
+                    <a:ext uri="{9D8B030D-6E8A-4147-A177-3AD203B41FA5}">
+                      <a16:colId xmlns:a16="http://schemas.microsoft.com/office/drawing/2014/main" val="20001"/>
+                    </a:ext>
+                  </a:extLst>
+                </a:gridCol>
+                <a:gridCol w="1594440">
+                  <a:extLst>
+                    <a:ext uri="{9D8B030D-6E8A-4147-A177-3AD203B41FA5}">
+                      <a16:colId xmlns:a16="http://schemas.microsoft.com/office/drawing/2014/main" val="20002"/>
+                    </a:ext>
+                  </a:extLst>
+                </a:gridCol>
+                <a:gridCol w="1615048">
+                  <a:extLst>
+                    <a:ext uri="{9D8B030D-6E8A-4147-A177-3AD203B41FA5}">
+                      <a16:colId xmlns:a16="http://schemas.microsoft.com/office/drawing/2014/main" val="20003"/>
+                    </a:ext>
+                  </a:extLst>
+                </a:gridCol>
+                <a:gridCol w="1615048">
+                  <a:extLst>
+                    <a:ext uri="{9D8B030D-6E8A-4147-A177-3AD203B41FA5}">
+                      <a16:colId xmlns:a16="http://schemas.microsoft.com/office/drawing/2014/main" val="20004"/>
+                    </a:ext>
+                  </a:extLst>
+                </a:gridCol>
               </a:tblGrid>
               <a:tr h="370840">
                 <a:tc>
@@ -5650,18 +5433,13 @@
                     <a:lstStyle/>
                     <a:p>
                       <a:r>
-                        <a:rPr lang="ru-RU" sz="1400" dirty="0" smtClean="0">
+                        <a:rPr lang="ru-RU" sz="1400" dirty="0">
                           <a:solidFill>
                             <a:schemeClr val="bg1"/>
                           </a:solidFill>
                         </a:rPr>
                         <a:t>Название</a:t>
                       </a:r>
-                      <a:endParaRPr lang="ru-RU" sz="1400" dirty="0">
-                        <a:solidFill>
-                          <a:schemeClr val="bg1"/>
-                        </a:solidFill>
-                      </a:endParaRPr>
                     </a:p>
                   </a:txBody>
                   <a:tcPr>
@@ -5720,18 +5498,13 @@
                     <a:lstStyle/>
                     <a:p>
                       <a:r>
-                        <a:rPr lang="ru-RU" sz="1400" dirty="0" smtClean="0">
+                        <a:rPr lang="ru-RU" sz="1400" dirty="0">
                           <a:solidFill>
                             <a:schemeClr val="bg1"/>
                           </a:solidFill>
                         </a:rPr>
                         <a:t>Диапазон</a:t>
                       </a:r>
-                      <a:endParaRPr lang="ru-RU" sz="1400" dirty="0">
-                        <a:solidFill>
-                          <a:schemeClr val="bg1"/>
-                        </a:solidFill>
-                      </a:endParaRPr>
                     </a:p>
                   </a:txBody>
                   <a:tcPr>
@@ -5790,18 +5563,13 @@
                     <a:lstStyle/>
                     <a:p>
                       <a:r>
-                        <a:rPr lang="ru-RU" sz="1400" dirty="0" smtClean="0">
+                        <a:rPr lang="ru-RU" sz="1400" dirty="0">
                           <a:solidFill>
                             <a:schemeClr val="bg1"/>
                           </a:solidFill>
                         </a:rPr>
                         <a:t>Точность</a:t>
                       </a:r>
-                      <a:endParaRPr lang="ru-RU" sz="1400" dirty="0">
-                        <a:solidFill>
-                          <a:schemeClr val="bg1"/>
-                        </a:solidFill>
-                      </a:endParaRPr>
                     </a:p>
                   </a:txBody>
                   <a:tcPr>
@@ -5860,18 +5628,13 @@
                     <a:lstStyle/>
                     <a:p>
                       <a:r>
-                        <a:rPr lang="ru-RU" sz="1400" dirty="0" smtClean="0">
+                        <a:rPr lang="ru-RU" sz="1400" dirty="0">
                           <a:solidFill>
                             <a:schemeClr val="bg1"/>
                           </a:solidFill>
                         </a:rPr>
                         <a:t>Размер</a:t>
                       </a:r>
-                      <a:endParaRPr lang="ru-RU" sz="1400" dirty="0">
-                        <a:solidFill>
-                          <a:schemeClr val="bg1"/>
-                        </a:solidFill>
-                      </a:endParaRPr>
                     </a:p>
                   </a:txBody>
                   <a:tcPr>
@@ -5930,7 +5693,7 @@
                     <a:lstStyle/>
                     <a:p>
                       <a:r>
-                        <a:rPr lang="ru-RU" sz="1400" dirty="0" smtClean="0">
+                        <a:rPr lang="ru-RU" sz="1400" dirty="0">
                           <a:solidFill>
                             <a:schemeClr val="bg1"/>
                           </a:solidFill>
@@ -5938,7 +5701,7 @@
                         <a:t>Поддержка </a:t>
                       </a:r>
                       <a:r>
-                        <a:rPr lang="en-US" sz="1400" dirty="0" smtClean="0">
+                        <a:rPr lang="en-US" sz="1400" dirty="0">
                           <a:solidFill>
                             <a:schemeClr val="bg1"/>
                           </a:solidFill>
@@ -6002,6 +5765,11 @@
                     </a:solidFill>
                   </a:tcPr>
                 </a:tc>
+                <a:extLst>
+                  <a:ext uri="{0D108BD9-81ED-4DB2-BD59-A6C34878D82A}">
+                    <a16:rowId xmlns:a16="http://schemas.microsoft.com/office/drawing/2014/main" val="10000"/>
+                  </a:ext>
+                </a:extLst>
               </a:tr>
               <a:tr h="370840">
                 <a:tc>
@@ -6010,7 +5778,7 @@
                     <a:lstStyle/>
                     <a:p>
                       <a:r>
-                        <a:rPr lang="en-US" sz="1400" dirty="0" err="1" smtClean="0">
+                        <a:rPr lang="en-US" sz="1400" dirty="0" err="1">
                           <a:solidFill>
                             <a:srgbClr val="002060"/>
                           </a:solidFill>
@@ -6077,7 +5845,7 @@
                     <a:lstStyle/>
                     <a:p>
                       <a:r>
-                        <a:rPr lang="en-US" sz="1400" dirty="0" smtClean="0">
+                        <a:rPr lang="en-US" sz="1400" dirty="0">
                           <a:solidFill>
                             <a:srgbClr val="002060"/>
                           </a:solidFill>
@@ -6144,7 +5912,7 @@
                     <a:lstStyle/>
                     <a:p>
                       <a:r>
-                        <a:rPr lang="en-US" sz="1400" dirty="0" smtClean="0">
+                        <a:rPr lang="en-US" sz="1400" dirty="0">
                           <a:solidFill>
                             <a:srgbClr val="002060"/>
                           </a:solidFill>
@@ -6152,18 +5920,13 @@
                         <a:t>3.33 </a:t>
                       </a:r>
                       <a:r>
-                        <a:rPr lang="ru-RU" sz="1400" dirty="0" smtClean="0">
+                        <a:rPr lang="ru-RU" sz="1400" dirty="0">
                           <a:solidFill>
                             <a:srgbClr val="002060"/>
                           </a:solidFill>
                         </a:rPr>
                         <a:t>мс</a:t>
                       </a:r>
-                      <a:endParaRPr lang="ru-RU" sz="1400" dirty="0">
-                        <a:solidFill>
-                          <a:srgbClr val="002060"/>
-                        </a:solidFill>
-                      </a:endParaRPr>
                     </a:p>
                   </a:txBody>
                   <a:tcPr>
@@ -6219,18 +5982,13 @@
                     <a:lstStyle/>
                     <a:p>
                       <a:r>
-                        <a:rPr lang="ru-RU" sz="1400" dirty="0" smtClean="0">
+                        <a:rPr lang="ru-RU" sz="1400" dirty="0">
                           <a:solidFill>
                             <a:srgbClr val="002060"/>
                           </a:solidFill>
                         </a:rPr>
                         <a:t>8 байтов</a:t>
                       </a:r>
-                      <a:endParaRPr lang="ru-RU" sz="1400" dirty="0">
-                        <a:solidFill>
-                          <a:srgbClr val="002060"/>
-                        </a:solidFill>
-                      </a:endParaRPr>
                     </a:p>
                   </a:txBody>
                   <a:tcPr>
@@ -6339,6 +6097,11 @@
                     </a:lnBlToTr>
                   </a:tcPr>
                 </a:tc>
+                <a:extLst>
+                  <a:ext uri="{0D108BD9-81ED-4DB2-BD59-A6C34878D82A}">
+                    <a16:rowId xmlns:a16="http://schemas.microsoft.com/office/drawing/2014/main" val="10001"/>
+                  </a:ext>
+                </a:extLst>
               </a:tr>
               <a:tr h="370840">
                 <a:tc>
@@ -6347,7 +6110,7 @@
                     <a:lstStyle/>
                     <a:p>
                       <a:r>
-                        <a:rPr lang="en-US" sz="1400" dirty="0" err="1" smtClean="0">
+                        <a:rPr lang="en-US" sz="1400" dirty="0" err="1">
                           <a:solidFill>
                             <a:srgbClr val="002060"/>
                           </a:solidFill>
@@ -6414,7 +6177,7 @@
                     <a:lstStyle/>
                     <a:p>
                       <a:r>
-                        <a:rPr lang="en-US" sz="1400" dirty="0" smtClean="0">
+                        <a:rPr lang="en-US" sz="1400" dirty="0">
                           <a:solidFill>
                             <a:srgbClr val="002060"/>
                           </a:solidFill>
@@ -6481,7 +6244,7 @@
                     <a:lstStyle/>
                     <a:p>
                       <a:r>
-                        <a:rPr lang="en-US" sz="1400" dirty="0" smtClean="0">
+                        <a:rPr lang="en-US" sz="1400" dirty="0">
                           <a:solidFill>
                             <a:srgbClr val="002060"/>
                           </a:solidFill>
@@ -6489,18 +6252,13 @@
                         <a:t>1 </a:t>
                       </a:r>
                       <a:r>
-                        <a:rPr lang="ru-RU" sz="1400" dirty="0" smtClean="0">
+                        <a:rPr lang="ru-RU" sz="1400" dirty="0">
                           <a:solidFill>
                             <a:srgbClr val="002060"/>
                           </a:solidFill>
                         </a:rPr>
                         <a:t>минута</a:t>
                       </a:r>
-                      <a:endParaRPr lang="ru-RU" sz="1400" dirty="0">
-                        <a:solidFill>
-                          <a:srgbClr val="002060"/>
-                        </a:solidFill>
-                      </a:endParaRPr>
                     </a:p>
                   </a:txBody>
                   <a:tcPr>
@@ -6556,7 +6314,7 @@
                     <a:lstStyle/>
                     <a:p>
                       <a:r>
-                        <a:rPr lang="en-US" sz="1400" dirty="0" smtClean="0">
+                        <a:rPr lang="en-US" sz="1400" dirty="0">
                           <a:solidFill>
                             <a:srgbClr val="002060"/>
                           </a:solidFill>
@@ -6564,7 +6322,7 @@
                         <a:t>4 </a:t>
                       </a:r>
                       <a:r>
-                        <a:rPr lang="en-US" sz="1400" dirty="0" err="1" smtClean="0">
+                        <a:rPr lang="en-US" sz="1400" dirty="0" err="1">
                           <a:solidFill>
                             <a:srgbClr val="002060"/>
                           </a:solidFill>
@@ -6684,6 +6442,11 @@
                     </a:lnBlToTr>
                   </a:tcPr>
                 </a:tc>
+                <a:extLst>
+                  <a:ext uri="{0D108BD9-81ED-4DB2-BD59-A6C34878D82A}">
+                    <a16:rowId xmlns:a16="http://schemas.microsoft.com/office/drawing/2014/main" val="10002"/>
+                  </a:ext>
+                </a:extLst>
               </a:tr>
               <a:tr h="370840">
                 <a:tc>
@@ -6692,7 +6455,7 @@
                     <a:lstStyle/>
                     <a:p>
                       <a:r>
-                        <a:rPr lang="en-US" sz="1400" dirty="0" smtClean="0">
+                        <a:rPr lang="en-US" sz="1400" dirty="0">
                           <a:solidFill>
                             <a:srgbClr val="002060"/>
                           </a:solidFill>
@@ -6764,7 +6527,7 @@
                     <a:lstStyle/>
                     <a:p>
                       <a:r>
-                        <a:rPr lang="en-US" sz="1400" dirty="0" smtClean="0">
+                        <a:rPr lang="en-US" sz="1400" dirty="0">
                           <a:solidFill>
                             <a:srgbClr val="002060"/>
                           </a:solidFill>
@@ -6831,18 +6594,13 @@
                     <a:lstStyle/>
                     <a:p>
                       <a:r>
-                        <a:rPr lang="ru-RU" sz="1400" dirty="0" smtClean="0">
+                        <a:rPr lang="ru-RU" sz="1400" dirty="0">
                           <a:solidFill>
                             <a:srgbClr val="002060"/>
                           </a:solidFill>
                         </a:rPr>
                         <a:t>1 день</a:t>
                       </a:r>
-                      <a:endParaRPr lang="ru-RU" sz="1400" dirty="0">
-                        <a:solidFill>
-                          <a:srgbClr val="002060"/>
-                        </a:solidFill>
-                      </a:endParaRPr>
                     </a:p>
                   </a:txBody>
                   <a:tcPr>
@@ -6920,18 +6678,13 @@
                         <a:defRPr/>
                       </a:pPr>
                       <a:r>
-                        <a:rPr lang="ru-RU" sz="1400" dirty="0" smtClean="0">
+                        <a:rPr lang="ru-RU" sz="1400" dirty="0">
                           <a:solidFill>
                             <a:srgbClr val="002060"/>
                           </a:solidFill>
                         </a:rPr>
                         <a:t>3 байта</a:t>
                       </a:r>
-                      <a:endParaRPr lang="ru-RU" sz="1400" dirty="0">
-                        <a:solidFill>
-                          <a:srgbClr val="002060"/>
-                        </a:solidFill>
-                      </a:endParaRPr>
                     </a:p>
                   </a:txBody>
                   <a:tcPr>
@@ -7050,6 +6803,11 @@
                     </a:solidFill>
                   </a:tcPr>
                 </a:tc>
+                <a:extLst>
+                  <a:ext uri="{0D108BD9-81ED-4DB2-BD59-A6C34878D82A}">
+                    <a16:rowId xmlns:a16="http://schemas.microsoft.com/office/drawing/2014/main" val="10003"/>
+                  </a:ext>
+                </a:extLst>
               </a:tr>
               <a:tr h="370840">
                 <a:tc>
@@ -7058,7 +6816,7 @@
                     <a:lstStyle/>
                     <a:p>
                       <a:r>
-                        <a:rPr lang="en-US" sz="1400" dirty="0" smtClean="0">
+                        <a:rPr lang="en-US" sz="1400" dirty="0">
                           <a:solidFill>
                             <a:srgbClr val="002060"/>
                           </a:solidFill>
@@ -7130,7 +6888,7 @@
                     <a:lstStyle/>
                     <a:p>
                       <a:r>
-                        <a:rPr lang="en-US" sz="1400" dirty="0" smtClean="0">
+                        <a:rPr lang="en-US" sz="1400" dirty="0">
                           <a:solidFill>
                             <a:srgbClr val="002060"/>
                           </a:solidFill>
@@ -7202,7 +6960,7 @@
                     <a:lstStyle/>
                     <a:p>
                       <a:r>
-                        <a:rPr lang="en-US" sz="1400" dirty="0" smtClean="0">
+                        <a:rPr lang="en-US" sz="1400" dirty="0">
                           <a:solidFill>
                             <a:srgbClr val="002060"/>
                           </a:solidFill>
@@ -7210,18 +6968,13 @@
                         <a:t>100 </a:t>
                       </a:r>
                       <a:r>
-                        <a:rPr lang="ru-RU" sz="1400" dirty="0" smtClean="0">
+                        <a:rPr lang="ru-RU" sz="1400" dirty="0">
                           <a:solidFill>
                             <a:srgbClr val="002060"/>
                           </a:solidFill>
                         </a:rPr>
                         <a:t>нс</a:t>
                       </a:r>
-                      <a:endParaRPr lang="ru-RU" sz="1400" dirty="0">
-                        <a:solidFill>
-                          <a:srgbClr val="002060"/>
-                        </a:solidFill>
-                      </a:endParaRPr>
                     </a:p>
                   </a:txBody>
                   <a:tcPr>
@@ -7299,7 +7052,7 @@
                         <a:defRPr/>
                       </a:pPr>
                       <a:r>
-                        <a:rPr lang="en-US" sz="1400" dirty="0" smtClean="0">
+                        <a:rPr lang="en-US" sz="1400" dirty="0">
                           <a:solidFill>
                             <a:srgbClr val="002060"/>
                           </a:solidFill>
@@ -7307,14 +7060,14 @@
                         <a:t>5 </a:t>
                       </a:r>
                       <a:r>
-                        <a:rPr lang="en-US" sz="1400" dirty="0" err="1" smtClean="0">
+                        <a:rPr lang="en-US" sz="1400" dirty="0" err="1">
                           <a:solidFill>
                             <a:srgbClr val="002060"/>
                           </a:solidFill>
                         </a:rPr>
                         <a:t>байтов</a:t>
                       </a:r>
-                      <a:endParaRPr lang="en-US" sz="1400" dirty="0" smtClean="0">
+                      <a:endParaRPr lang="en-US" sz="1400" dirty="0">
                         <a:solidFill>
                           <a:srgbClr val="002060"/>
                         </a:solidFill>
@@ -7444,6 +7197,11 @@
                     </a:solidFill>
                   </a:tcPr>
                 </a:tc>
+                <a:extLst>
+                  <a:ext uri="{0D108BD9-81ED-4DB2-BD59-A6C34878D82A}">
+                    <a16:rowId xmlns:a16="http://schemas.microsoft.com/office/drawing/2014/main" val="10004"/>
+                  </a:ext>
+                </a:extLst>
               </a:tr>
               <a:tr h="370840">
                 <a:tc>
@@ -7452,7 +7210,7 @@
                     <a:lstStyle/>
                     <a:p>
                       <a:r>
-                        <a:rPr lang="en-US" sz="1400" dirty="0" smtClean="0">
+                        <a:rPr lang="en-US" sz="1400" dirty="0">
                           <a:solidFill>
                             <a:srgbClr val="002060"/>
                           </a:solidFill>
@@ -7524,7 +7282,7 @@
                     <a:lstStyle/>
                     <a:p>
                       <a:r>
-                        <a:rPr lang="ru-RU" sz="1400" dirty="0" smtClean="0">
+                        <a:rPr lang="ru-RU" sz="1400" dirty="0">
                           <a:solidFill>
                             <a:srgbClr val="002060"/>
                           </a:solidFill>
@@ -7591,18 +7349,13 @@
                     <a:lstStyle/>
                     <a:p>
                       <a:r>
-                        <a:rPr lang="ru-RU" sz="1400" dirty="0" smtClean="0">
+                        <a:rPr lang="ru-RU" sz="1400" dirty="0">
                           <a:solidFill>
                             <a:srgbClr val="002060"/>
                           </a:solidFill>
                         </a:rPr>
                         <a:t>100 нс</a:t>
                       </a:r>
-                      <a:endParaRPr lang="ru-RU" sz="1400" dirty="0">
-                        <a:solidFill>
-                          <a:srgbClr val="002060"/>
-                        </a:solidFill>
-                      </a:endParaRPr>
                     </a:p>
                   </a:txBody>
                   <a:tcPr>
@@ -7680,18 +7433,13 @@
                         <a:defRPr/>
                       </a:pPr>
                       <a:r>
-                        <a:rPr lang="ru-RU" sz="1400" dirty="0" smtClean="0">
+                        <a:rPr lang="ru-RU" sz="1400" dirty="0">
                           <a:solidFill>
                             <a:srgbClr val="002060"/>
                           </a:solidFill>
                         </a:rPr>
                         <a:t>от 6 до 8 байтов в зависимости от precision</a:t>
                       </a:r>
-                      <a:endParaRPr lang="ru-RU" sz="1400" dirty="0">
-                        <a:solidFill>
-                          <a:srgbClr val="002060"/>
-                        </a:solidFill>
-                      </a:endParaRPr>
                     </a:p>
                   </a:txBody>
                   <a:tcPr>
@@ -7810,6 +7558,11 @@
                     </a:solidFill>
                   </a:tcPr>
                 </a:tc>
+                <a:extLst>
+                  <a:ext uri="{0D108BD9-81ED-4DB2-BD59-A6C34878D82A}">
+                    <a16:rowId xmlns:a16="http://schemas.microsoft.com/office/drawing/2014/main" val="10005"/>
+                  </a:ext>
+                </a:extLst>
               </a:tr>
               <a:tr h="370840">
                 <a:tc>
@@ -7818,7 +7571,7 @@
                     <a:lstStyle/>
                     <a:p>
                       <a:r>
-                        <a:rPr lang="en-US" sz="1400" dirty="0" err="1" smtClean="0">
+                        <a:rPr lang="en-US" sz="1400" dirty="0" err="1">
                           <a:solidFill>
                             <a:srgbClr val="002060"/>
                           </a:solidFill>
@@ -7890,7 +7643,7 @@
                     <a:lstStyle/>
                     <a:p>
                       <a:r>
-                        <a:rPr lang="en-US" sz="1400" dirty="0" smtClean="0">
+                        <a:rPr lang="en-US" sz="1400" dirty="0">
                           <a:solidFill>
                             <a:srgbClr val="002060"/>
                           </a:solidFill>
@@ -7962,18 +7715,13 @@
                     <a:lstStyle/>
                     <a:p>
                       <a:r>
-                        <a:rPr lang="ru-RU" sz="1400" dirty="0" smtClean="0">
+                        <a:rPr lang="ru-RU" sz="1400" dirty="0">
                           <a:solidFill>
                             <a:srgbClr val="002060"/>
                           </a:solidFill>
                         </a:rPr>
                         <a:t>100 нс</a:t>
                       </a:r>
-                      <a:endParaRPr lang="ru-RU" sz="1400" dirty="0">
-                        <a:solidFill>
-                          <a:srgbClr val="002060"/>
-                        </a:solidFill>
-                      </a:endParaRPr>
                     </a:p>
                   </a:txBody>
                   <a:tcPr>
@@ -8034,18 +7782,13 @@
                     <a:lstStyle/>
                     <a:p>
                       <a:r>
-                        <a:rPr lang="ru-RU" sz="1400" dirty="0" smtClean="0">
+                        <a:rPr lang="ru-RU" sz="1400" dirty="0">
                           <a:solidFill>
                             <a:srgbClr val="002060"/>
                           </a:solidFill>
                         </a:rPr>
                         <a:t>10 байтов</a:t>
                       </a:r>
-                      <a:endParaRPr lang="ru-RU" sz="1400" dirty="0">
-                        <a:solidFill>
-                          <a:srgbClr val="002060"/>
-                        </a:solidFill>
-                      </a:endParaRPr>
                     </a:p>
                   </a:txBody>
                   <a:tcPr>
@@ -8106,7 +7849,7 @@
                     <a:lstStyle/>
                     <a:p>
                       <a:r>
-                        <a:rPr lang="ru-RU" sz="1400" dirty="0" smtClean="0">
+                        <a:rPr lang="ru-RU" sz="1400" dirty="0">
                           <a:solidFill>
                             <a:srgbClr val="002060"/>
                           </a:solidFill>
@@ -8114,7 +7857,7 @@
                         <a:t>Да. Без</a:t>
                       </a:r>
                       <a:r>
-                        <a:rPr lang="ru-RU" sz="1400" baseline="0" dirty="0" smtClean="0">
+                        <a:rPr lang="ru-RU" sz="1400" baseline="0" dirty="0">
                           <a:solidFill>
                             <a:srgbClr val="002060"/>
                           </a:solidFill>
@@ -8180,6 +7923,11 @@
                     </a:solidFill>
                   </a:tcPr>
                 </a:tc>
+                <a:extLst>
+                  <a:ext uri="{0D108BD9-81ED-4DB2-BD59-A6C34878D82A}">
+                    <a16:rowId xmlns:a16="http://schemas.microsoft.com/office/drawing/2014/main" val="10006"/>
+                  </a:ext>
+                </a:extLst>
               </a:tr>
             </a:tbl>
           </a:graphicData>
@@ -8211,15 +7959,15 @@
               <a:buNone/>
             </a:pPr>
             <a:r>
-              <a:rPr lang="ru-RU" sz="2400" dirty="0" smtClean="0"/>
+              <a:rPr lang="ru-RU" sz="2400" dirty="0"/>
               <a:t>На сером фоне типы доступные в </a:t>
             </a:r>
             <a:r>
-              <a:rPr lang="en-US" sz="2400" dirty="0" smtClean="0"/>
+              <a:rPr lang="en-US" sz="2400" dirty="0"/>
               <a:t>SQL Server 2008 </a:t>
             </a:r>
             <a:r>
-              <a:rPr lang="ru-RU" sz="2400" dirty="0" smtClean="0"/>
+              <a:rPr lang="ru-RU" sz="2400" dirty="0"/>
               <a:t>и выше.</a:t>
             </a:r>
           </a:p>
@@ -8235,13 +7983,6 @@
   <p:clrMapOvr>
     <a:masterClrMapping/>
   </p:clrMapOvr>
-  <p:timing>
-    <p:tnLst>
-      <p:par>
-        <p:cTn id="1" dur="indefinite" restart="never" nodeType="tmRoot"/>
-      </p:par>
-    </p:tnLst>
-  </p:timing>
 </p:sld>
 </file>
 
@@ -8315,95 +8056,56 @@
                 </a:solidFill>
                 <a:hlinkClick r:id="rId2"/>
               </a:rPr>
-              <a:t>https://</a:t>
-            </a:r>
-            <a:r>
-              <a:rPr lang="en-US" dirty="0" smtClean="0">
+              <a:t>https://github.com/bazile/Training</a:t>
+            </a:r>
+            <a:br>
+              <a:rPr lang="en-US" dirty="0">
                 <a:solidFill>
                   <a:schemeClr val="bg1"/>
                 </a:solidFill>
-                <a:hlinkClick r:id="rId2"/>
-              </a:rPr>
-              <a:t>github.com/bazile/Training</a:t>
-            </a:r>
-            <a:r>
-              <a:rPr lang="en-US" dirty="0" smtClean="0">
+              </a:rPr>
+            </a:br>
+            <a:r>
+              <a:rPr lang="ru-RU" dirty="0">
                 <a:solidFill>
                   <a:schemeClr val="bg1"/>
                 </a:solidFill>
               </a:rPr>
-              <a:t/>
-            </a:r>
-            <a:br>
-              <a:rPr lang="en-US" dirty="0" smtClean="0">
-                <a:solidFill>
-                  <a:schemeClr val="bg1"/>
-                </a:solidFill>
-              </a:rPr>
-            </a:br>
-            <a:r>
-              <a:rPr lang="ru-RU" dirty="0" smtClean="0">
-                <a:solidFill>
-                  <a:schemeClr val="bg1"/>
-                </a:solidFill>
-              </a:rPr>
               <a:t>Презентации и примеры кода используемые во время занятия</a:t>
             </a:r>
           </a:p>
           <a:p>
-            <a:endParaRPr lang="ru-RU" dirty="0" smtClean="0">
-              <a:solidFill>
-                <a:schemeClr val="bg1"/>
-              </a:solidFill>
-            </a:endParaRPr>
-          </a:p>
-          <a:p>
-            <a:r>
-              <a:rPr lang="en-US" dirty="0">
-                <a:solidFill>
-                  <a:schemeClr val="bg1"/>
-                </a:solidFill>
-                <a:hlinkClick r:id="rId3"/>
-              </a:rPr>
-              <a:t>http://belhard.nullptr.ru</a:t>
-            </a:r>
-            <a:r>
-              <a:rPr lang="en-US" dirty="0" smtClean="0">
-                <a:solidFill>
-                  <a:schemeClr val="bg1"/>
-                </a:solidFill>
-                <a:hlinkClick r:id="rId3"/>
-              </a:rPr>
-              <a:t>/</a:t>
-            </a:r>
-            <a:r>
-              <a:rPr lang="ru-RU" dirty="0" smtClean="0">
-                <a:solidFill>
-                  <a:schemeClr val="bg1"/>
-                </a:solidFill>
-              </a:rPr>
-              <a:t/>
-            </a:r>
-            <a:br>
-              <a:rPr lang="ru-RU" dirty="0" smtClean="0">
-                <a:solidFill>
-                  <a:schemeClr val="bg1"/>
-                </a:solidFill>
-              </a:rPr>
-            </a:br>
-            <a:r>
-              <a:rPr lang="ru-RU" dirty="0" smtClean="0">
-                <a:solidFill>
-                  <a:schemeClr val="bg1"/>
-                </a:solidFill>
-              </a:rPr>
-              <a:t>Книги, примеры к ним и другие полезные файлы.</a:t>
-            </a:r>
             <a:endParaRPr lang="ru-RU" dirty="0">
               <a:solidFill>
                 <a:schemeClr val="bg1"/>
               </a:solidFill>
             </a:endParaRPr>
+          </a:p>
+          <a:p>
+            <a:r>
+              <a:rPr lang="en-US" dirty="0">
+                <a:solidFill>
+                  <a:schemeClr val="bg1"/>
+                </a:solidFill>
+                <a:hlinkClick r:id="rId3"/>
+              </a:rPr>
+              <a:t>http://belhard.nullptr.ru/</a:t>
+            </a:r>
+            <a:br>
+              <a:rPr lang="ru-RU" dirty="0">
+                <a:solidFill>
+                  <a:schemeClr val="bg1"/>
+                </a:solidFill>
+              </a:rPr>
+            </a:br>
+            <a:r>
+              <a:rPr lang="ru-RU" dirty="0">
+                <a:solidFill>
+                  <a:schemeClr val="bg1"/>
+                </a:solidFill>
+              </a:rPr>
+              <a:t>Книги, примеры к ним и другие полезные файлы.</a:t>
+            </a:r>
           </a:p>
           <a:p>
             <a:endParaRPr lang="en-US" dirty="0"/>
@@ -8420,13 +8122,6 @@
   <p:clrMapOvr>
     <a:masterClrMapping/>
   </p:clrMapOvr>
-  <p:timing>
-    <p:tnLst>
-      <p:par>
-        <p:cTn id="1" dur="indefinite" restart="never" nodeType="tmRoot"/>
-      </p:par>
-    </p:tnLst>
-  </p:timing>
 </p:sld>
 </file>
 
@@ -8463,14 +8158,13 @@
           <a:lstStyle/>
           <a:p>
             <a:r>
-              <a:rPr lang="en-US" dirty="0" smtClean="0"/>
+              <a:rPr lang="en-US" dirty="0"/>
               <a:t>T-SQL: binary </a:t>
             </a:r>
             <a:r>
-              <a:rPr lang="ru-RU" dirty="0" smtClean="0"/>
+              <a:rPr lang="ru-RU" dirty="0"/>
               <a:t>типы</a:t>
             </a:r>
-            <a:endParaRPr lang="ru-RU" dirty="0"/>
           </a:p>
         </p:txBody>
       </p:sp>
@@ -8490,20 +8184,20 @@
           <a:lstStyle/>
           <a:p>
             <a:r>
-              <a:rPr lang="en-US" dirty="0" smtClean="0"/>
+              <a:rPr lang="en-US" dirty="0"/>
               <a:t>binary</a:t>
             </a:r>
           </a:p>
           <a:p>
             <a:r>
-              <a:rPr lang="en-US" dirty="0" err="1" smtClean="0"/>
+              <a:rPr lang="en-US" dirty="0" err="1"/>
               <a:t>varbinary</a:t>
             </a:r>
-            <a:endParaRPr lang="en-US" dirty="0" smtClean="0"/>
-          </a:p>
-          <a:p>
-            <a:r>
-              <a:rPr lang="en-US" dirty="0" smtClean="0"/>
+            <a:endParaRPr lang="en-US" dirty="0"/>
+          </a:p>
+          <a:p>
+            <a:r>
+              <a:rPr lang="en-US" dirty="0"/>
               <a:t>image</a:t>
             </a:r>
           </a:p>
@@ -8522,21 +8216,6 @@
   <p:clrMapOvr>
     <a:masterClrMapping/>
   </p:clrMapOvr>
-  <mc:AlternateContent xmlns:mc="http://schemas.openxmlformats.org/markup-compatibility/2006" xmlns:p14="http://schemas.microsoft.com/office/powerpoint/2010/main">
-    <mc:Choice Requires="p14">
-      <p:transition spd="slow" p14:dur="2000"/>
-    </mc:Choice>
-    <mc:Fallback xmlns="">
-      <p:transition spd="slow"/>
-    </mc:Fallback>
-  </mc:AlternateContent>
-  <p:timing>
-    <p:tnLst>
-      <p:par>
-        <p:cTn id="1" dur="indefinite" restart="never" nodeType="tmRoot"/>
-      </p:par>
-    </p:tnLst>
-  </p:timing>
 </p:sld>
 </file>
 
@@ -8573,18 +8252,17 @@
           <a:lstStyle/>
           <a:p>
             <a:r>
-              <a:rPr lang="ru-RU" dirty="0" smtClean="0"/>
+              <a:rPr lang="ru-RU" dirty="0"/>
               <a:t>Хранение в </a:t>
             </a:r>
             <a:r>
-              <a:rPr lang="en-US" dirty="0" smtClean="0"/>
+              <a:rPr lang="en-US" dirty="0"/>
               <a:t>SQL </a:t>
             </a:r>
             <a:r>
-              <a:rPr lang="ru-RU" dirty="0" smtClean="0"/>
+              <a:rPr lang="ru-RU" dirty="0"/>
               <a:t>данных. Рекомендации.</a:t>
             </a:r>
-            <a:endParaRPr lang="ru-RU" dirty="0"/>
           </a:p>
         </p:txBody>
       </p:sp>
@@ -8653,10 +8331,9 @@
           <a:lstStyle/>
           <a:p>
             <a:r>
-              <a:rPr lang="ru-RU" dirty="0" smtClean="0"/>
+              <a:rPr lang="ru-RU" dirty="0"/>
               <a:t>Дата, время</a:t>
             </a:r>
-            <a:endParaRPr lang="ru-RU" dirty="0"/>
           </a:p>
         </p:txBody>
       </p:sp>
@@ -8676,45 +8353,44 @@
           <a:lstStyle/>
           <a:p>
             <a:r>
-              <a:rPr lang="ru-RU" dirty="0" smtClean="0"/>
+              <a:rPr lang="ru-RU" dirty="0"/>
               <a:t>Используйте колонки с одним из типом умеющих хранить даты, время</a:t>
             </a:r>
           </a:p>
           <a:p>
             <a:r>
-              <a:rPr lang="ru-RU" dirty="0" smtClean="0"/>
+              <a:rPr lang="ru-RU" dirty="0"/>
               <a:t>Выбирайте минимально необходимый тип</a:t>
             </a:r>
           </a:p>
           <a:p>
             <a:pPr lvl="1"/>
             <a:r>
-              <a:rPr lang="ru-RU" dirty="0" smtClean="0"/>
+              <a:rPr lang="ru-RU" dirty="0"/>
               <a:t>Например, если вам нужна только дата, то тип </a:t>
             </a:r>
             <a:r>
-              <a:rPr lang="en-US" dirty="0" smtClean="0"/>
+              <a:rPr lang="en-US" dirty="0"/>
               <a:t>date </a:t>
             </a:r>
             <a:r>
-              <a:rPr lang="ru-RU" dirty="0" smtClean="0"/>
+              <a:rPr lang="ru-RU" dirty="0"/>
               <a:t>лучше чем тип </a:t>
             </a:r>
             <a:r>
-              <a:rPr lang="en-US" dirty="0" err="1" smtClean="0"/>
+              <a:rPr lang="en-US" dirty="0" err="1"/>
               <a:t>datetime</a:t>
             </a:r>
-            <a:endParaRPr lang="en-US" dirty="0" smtClean="0"/>
-          </a:p>
-          <a:p>
-            <a:endParaRPr lang="ru-RU" dirty="0" smtClean="0"/>
-          </a:p>
-          <a:p>
-            <a:r>
-              <a:rPr lang="ru-RU" dirty="0" smtClean="0"/>
+            <a:endParaRPr lang="en-US" dirty="0"/>
+          </a:p>
+          <a:p>
+            <a:endParaRPr lang="ru-RU" dirty="0"/>
+          </a:p>
+          <a:p>
+            <a:r>
+              <a:rPr lang="ru-RU" dirty="0"/>
               <a:t>НЕ храните дату в виде текста</a:t>
             </a:r>
-            <a:endParaRPr lang="ru-RU" dirty="0"/>
           </a:p>
         </p:txBody>
       </p:sp>
@@ -8764,10 +8440,9 @@
           <a:lstStyle/>
           <a:p>
             <a:r>
-              <a:rPr lang="ru-RU" dirty="0" smtClean="0"/>
+              <a:rPr lang="ru-RU" dirty="0"/>
               <a:t>Файлы</a:t>
             </a:r>
-            <a:endParaRPr lang="ru-RU" dirty="0"/>
           </a:p>
         </p:txBody>
       </p:sp>
@@ -8792,27 +8467,27 @@
               <a:buNone/>
             </a:pPr>
             <a:r>
-              <a:rPr lang="ru-RU" dirty="0" smtClean="0"/>
+              <a:rPr lang="ru-RU" dirty="0"/>
               <a:t>В </a:t>
             </a:r>
             <a:r>
-              <a:rPr lang="en-US" dirty="0" smtClean="0"/>
+              <a:rPr lang="en-US" dirty="0"/>
               <a:t>SQL Server</a:t>
             </a:r>
             <a:r>
-              <a:rPr lang="ru-RU" dirty="0" smtClean="0"/>
+              <a:rPr lang="ru-RU" dirty="0"/>
               <a:t> есть тип </a:t>
             </a:r>
             <a:r>
-              <a:rPr lang="en-US" dirty="0" err="1" smtClean="0"/>
+              <a:rPr lang="en-US" dirty="0" err="1"/>
               <a:t>varbinary</a:t>
             </a:r>
             <a:r>
-              <a:rPr lang="en-US" dirty="0" smtClean="0"/>
+              <a:rPr lang="en-US" dirty="0"/>
               <a:t> </a:t>
             </a:r>
             <a:r>
-              <a:rPr lang="ru-RU" dirty="0" smtClean="0"/>
+              <a:rPr lang="ru-RU" dirty="0"/>
               <a:t>(и другие) в которых можно хранить любые бинарные данные без ограничения по размеру. В завимости от размера файлов и типа приложения это может быть как хорошей так и плохой идеей.</a:t>
             </a:r>
           </a:p>
@@ -8821,25 +8496,25 @@
               <a:buNone/>
             </a:pPr>
             <a:r>
-              <a:rPr lang="ru-RU" dirty="0" smtClean="0"/>
+              <a:rPr lang="ru-RU" dirty="0"/>
               <a:t>За</a:t>
             </a:r>
           </a:p>
           <a:p>
             <a:r>
-              <a:rPr lang="ru-RU" dirty="0" smtClean="0"/>
+              <a:rPr lang="ru-RU" dirty="0"/>
               <a:t>Легкость миграции т.к. все данные хранятся в БД</a:t>
             </a:r>
           </a:p>
           <a:p>
             <a:r>
-              <a:rPr lang="ru-RU" dirty="0" smtClean="0"/>
+              <a:rPr lang="ru-RU" dirty="0"/>
               <a:t>Легкость создания резервной копии</a:t>
             </a:r>
           </a:p>
           <a:p>
             <a:r>
-              <a:rPr lang="ru-RU" dirty="0" smtClean="0"/>
+              <a:rPr lang="ru-RU" dirty="0"/>
               <a:t>Возможность использовать средства БД для ограничения доступа к данным</a:t>
             </a:r>
           </a:p>
@@ -8848,34 +8523,33 @@
               <a:buNone/>
             </a:pPr>
             <a:r>
-              <a:rPr lang="ru-RU" dirty="0" smtClean="0"/>
+              <a:rPr lang="ru-RU" dirty="0"/>
               <a:t>Против</a:t>
             </a:r>
           </a:p>
           <a:p>
             <a:r>
-              <a:rPr lang="ru-RU" dirty="0" smtClean="0"/>
+              <a:rPr lang="ru-RU" dirty="0"/>
               <a:t>Производительность может оказаться хуже чем при использовании файловой системы</a:t>
             </a:r>
           </a:p>
           <a:p>
             <a:r>
-              <a:rPr lang="ru-RU" dirty="0" smtClean="0"/>
+              <a:rPr lang="ru-RU" dirty="0"/>
               <a:t>Увеличенный размер резервных копий</a:t>
             </a:r>
           </a:p>
           <a:p>
             <a:r>
-              <a:rPr lang="ru-RU" dirty="0" smtClean="0"/>
+              <a:rPr lang="ru-RU" dirty="0"/>
               <a:t>Замедление репликации (если используется)</a:t>
             </a:r>
           </a:p>
           <a:p>
             <a:r>
-              <a:rPr lang="ru-RU" dirty="0" smtClean="0"/>
+              <a:rPr lang="ru-RU" dirty="0"/>
               <a:t>Невозможность использовать средства кеширования файлов из ОС</a:t>
             </a:r>
-            <a:endParaRPr lang="ru-RU" dirty="0"/>
           </a:p>
         </p:txBody>
       </p:sp>
@@ -8925,10 +8599,9 @@
           <a:lstStyle/>
           <a:p>
             <a:r>
-              <a:rPr lang="ru-RU" dirty="0" smtClean="0"/>
+              <a:rPr lang="ru-RU" dirty="0"/>
               <a:t>Пароли</a:t>
             </a:r>
-            <a:endParaRPr lang="ru-RU" dirty="0"/>
           </a:p>
         </p:txBody>
       </p:sp>
@@ -8950,72 +8623,60 @@
           <a:lstStyle/>
           <a:p>
             <a:r>
-              <a:rPr lang="ru-RU" dirty="0" smtClean="0"/>
+              <a:rPr lang="ru-RU" dirty="0"/>
               <a:t>НЕ храните пароли в открытом виде в строковых колонках</a:t>
             </a:r>
           </a:p>
           <a:p>
             <a:r>
-              <a:rPr lang="ru-RU" dirty="0" smtClean="0"/>
+              <a:rPr lang="ru-RU" dirty="0"/>
               <a:t>Храните криптографический хеш пароля с использованием случайной «соли» </a:t>
             </a:r>
             <a:r>
-              <a:rPr lang="en-US" dirty="0" smtClean="0"/>
+              <a:rPr lang="en-US" dirty="0"/>
               <a:t>(salt)</a:t>
             </a:r>
             <a:r>
-              <a:rPr lang="ru-RU" dirty="0" smtClean="0"/>
+              <a:rPr lang="ru-RU" dirty="0"/>
               <a:t> в бинарном виде или одной из </a:t>
             </a:r>
             <a:r>
-              <a:rPr lang="en-US" dirty="0" smtClean="0"/>
+              <a:rPr lang="en-US" dirty="0"/>
               <a:t>hex2str </a:t>
             </a:r>
             <a:r>
-              <a:rPr lang="ru-RU" dirty="0" smtClean="0"/>
+              <a:rPr lang="ru-RU" dirty="0"/>
               <a:t>кодировок (например, </a:t>
             </a:r>
             <a:r>
-              <a:rPr lang="en-US" dirty="0" smtClean="0"/>
+              <a:rPr lang="en-US" dirty="0"/>
               <a:t>base64)</a:t>
             </a:r>
           </a:p>
           <a:p>
             <a:r>
-              <a:rPr lang="ru-RU" dirty="0" smtClean="0"/>
-              <a:t>Предпочитайте алгорит</a:t>
-            </a:r>
-            <a:r>
               <a:rPr lang="ru-RU" dirty="0"/>
-              <a:t>м</a:t>
-            </a:r>
-            <a:r>
-              <a:rPr lang="ru-RU" dirty="0" smtClean="0"/>
-              <a:t>ы хеширования созданные специально для паролей </a:t>
-            </a:r>
-            <a:r>
-              <a:rPr lang="en-US" dirty="0" smtClean="0"/>
+              <a:t>Предпочитайте алгоритмы хеширования созданные специально для паролей </a:t>
+            </a:r>
+            <a:r>
+              <a:rPr lang="en-US" dirty="0"/>
               <a:t>(</a:t>
             </a:r>
             <a:r>
-              <a:rPr lang="en-US" dirty="0" err="1" smtClean="0"/>
+              <a:rPr lang="en-US" dirty="0" err="1"/>
               <a:t>bcrypt</a:t>
             </a:r>
             <a:r>
-              <a:rPr lang="en-US" dirty="0" smtClean="0"/>
+              <a:rPr lang="en-US" dirty="0"/>
               <a:t>, </a:t>
             </a:r>
             <a:r>
-              <a:rPr lang="en-US" dirty="0" err="1" smtClean="0"/>
+              <a:rPr lang="en-US" dirty="0" err="1"/>
               <a:t>scrypt</a:t>
             </a:r>
             <a:r>
               <a:rPr lang="en-US" dirty="0"/>
-              <a:t>, </a:t>
-            </a:r>
-            <a:r>
-              <a:rPr lang="en-US" dirty="0" smtClean="0"/>
-              <a:t>PBKDF2)</a:t>
+              <a:t>, PBKDF2)</a:t>
             </a:r>
             <a:endParaRPr lang="ru-RU" dirty="0"/>
           </a:p>
@@ -9067,11 +8728,11 @@
           <a:lstStyle/>
           <a:p>
             <a:r>
-              <a:rPr lang="ru-RU" dirty="0" smtClean="0"/>
+              <a:rPr lang="ru-RU" dirty="0"/>
               <a:t>Язык </a:t>
             </a:r>
             <a:r>
-              <a:rPr lang="en-US" dirty="0" smtClean="0"/>
+              <a:rPr lang="en-US" dirty="0"/>
               <a:t>SQL</a:t>
             </a:r>
             <a:endParaRPr lang="ru-RU" dirty="0"/>
@@ -9563,13 +9224,6 @@
   <p:clrMapOvr>
     <a:masterClrMapping/>
   </p:clrMapOvr>
-  <p:timing>
-    <p:tnLst>
-      <p:par>
-        <p:cTn id="1" dur="indefinite" restart="never" nodeType="tmRoot"/>
-      </p:par>
-    </p:tnLst>
-  </p:timing>
 </p:sld>
 </file>
 
@@ -10231,13 +9885,6 @@
   <p:clrMapOvr>
     <a:masterClrMapping/>
   </p:clrMapOvr>
-  <p:timing>
-    <p:tnLst>
-      <p:par>
-        <p:cTn id="1" dur="indefinite" restart="never" nodeType="tmRoot"/>
-      </p:par>
-    </p:tnLst>
-  </p:timing>
 </p:sld>
 </file>
 
@@ -10609,13 +10256,6 @@
   <p:clrMapOvr>
     <a:masterClrMapping/>
   </p:clrMapOvr>
-  <p:timing>
-    <p:tnLst>
-      <p:par>
-        <p:cTn id="1" dur="indefinite" restart="never" nodeType="tmRoot"/>
-      </p:par>
-    </p:tnLst>
-  </p:timing>
 </p:sld>
 </file>
 
@@ -10910,13 +10550,6 @@
   <p:clrMapOvr>
     <a:masterClrMapping/>
   </p:clrMapOvr>
-  <p:timing>
-    <p:tnLst>
-      <p:par>
-        <p:cTn id="1" dur="indefinite" restart="never" nodeType="tmRoot"/>
-      </p:par>
-    </p:tnLst>
-  </p:timing>
 </p:sld>
 </file>
 
@@ -10960,7 +10593,7 @@
           <a:lstStyle/>
           <a:p>
             <a:r>
-              <a:rPr lang="ru-RU" dirty="0" smtClean="0">
+              <a:rPr lang="ru-RU" dirty="0">
                 <a:solidFill>
                   <a:schemeClr val="bg1"/>
                 </a:solidFill>
@@ -10998,7 +10631,7 @@
           <a:lstStyle/>
           <a:p>
             <a:r>
-              <a:rPr lang="ru-RU" dirty="0" smtClean="0">
+              <a:rPr lang="ru-RU" dirty="0">
                 <a:solidFill>
                   <a:schemeClr val="bg1"/>
                 </a:solidFill>
@@ -11027,18 +10660,9 @@
                 </a:solidFill>
                 <a:hlinkClick r:id="rId2"/>
               </a:rPr>
-              <a:t>http://sql-ex.ru/?</a:t>
-            </a:r>
-            <a:r>
-              <a:rPr lang="en-US" dirty="0" smtClean="0">
-                <a:solidFill>
-                  <a:schemeClr val="bg1"/>
-                </a:solidFill>
-                <a:hlinkClick r:id="rId2"/>
-              </a:rPr>
-              <a:t>Lang=0</a:t>
-            </a:r>
-            <a:endParaRPr lang="en-US" dirty="0" smtClean="0">
+              <a:t>http://sql-ex.ru/?Lang=0</a:t>
+            </a:r>
+            <a:endParaRPr lang="en-US" dirty="0">
               <a:solidFill>
                 <a:schemeClr val="bg1"/>
               </a:solidFill>
@@ -11048,7 +10672,7 @@
             <a:pPr marL="0" indent="0">
               <a:buNone/>
             </a:pPr>
-            <a:endParaRPr lang="ru-RU" dirty="0" smtClean="0">
+            <a:endParaRPr lang="ru-RU" dirty="0">
               <a:solidFill>
                 <a:schemeClr val="bg1"/>
               </a:solidFill>
@@ -11056,7 +10680,7 @@
           </a:p>
           <a:p>
             <a:pPr lvl="1"/>
-            <a:endParaRPr lang="ru-RU" dirty="0" smtClean="0">
+            <a:endParaRPr lang="ru-RU" dirty="0">
               <a:solidFill>
                 <a:schemeClr val="bg1"/>
               </a:solidFill>
@@ -11064,7 +10688,7 @@
           </a:p>
           <a:p>
             <a:pPr lvl="1"/>
-            <a:endParaRPr lang="ru-RU" dirty="0" smtClean="0">
+            <a:endParaRPr lang="ru-RU" dirty="0">
               <a:solidFill>
                 <a:schemeClr val="bg1"/>
               </a:solidFill>
@@ -11072,14 +10696,14 @@
           </a:p>
           <a:p>
             <a:pPr lvl="1"/>
-            <a:endParaRPr lang="en-US" dirty="0" smtClean="0">
+            <a:endParaRPr lang="en-US" dirty="0">
               <a:solidFill>
                 <a:schemeClr val="bg1"/>
               </a:solidFill>
             </a:endParaRPr>
           </a:p>
           <a:p>
-            <a:endParaRPr lang="en-US" dirty="0" smtClean="0">
+            <a:endParaRPr lang="en-US" dirty="0">
               <a:solidFill>
                 <a:schemeClr val="bg1"/>
               </a:solidFill>
@@ -11087,7 +10711,7 @@
           </a:p>
           <a:p>
             <a:pPr lvl="1"/>
-            <a:endParaRPr lang="en-US" dirty="0" smtClean="0">
+            <a:endParaRPr lang="en-US" dirty="0">
               <a:solidFill>
                 <a:schemeClr val="bg1"/>
               </a:solidFill>
@@ -11115,21 +10739,6 @@
   <p:clrMapOvr>
     <a:masterClrMapping/>
   </p:clrMapOvr>
-  <mc:AlternateContent xmlns:mc="http://schemas.openxmlformats.org/markup-compatibility/2006" xmlns:p14="http://schemas.microsoft.com/office/powerpoint/2010/main">
-    <mc:Choice Requires="p14">
-      <p:transition spd="slow" p14:dur="2000"/>
-    </mc:Choice>
-    <mc:Fallback xmlns="">
-      <p:transition spd="slow"/>
-    </mc:Fallback>
-  </mc:AlternateContent>
-  <p:timing>
-    <p:tnLst>
-      <p:par>
-        <p:cTn id="1" dur="indefinite" restart="never" nodeType="tmRoot"/>
-      </p:par>
-    </p:tnLst>
-  </p:timing>
 </p:sld>
 </file>
 
@@ -11459,13 +11068,6 @@
   <p:clrMapOvr>
     <a:masterClrMapping/>
   </p:clrMapOvr>
-  <p:timing>
-    <p:tnLst>
-      <p:par>
-        <p:cTn id="1" dur="indefinite" restart="never" nodeType="tmRoot"/>
-      </p:par>
-    </p:tnLst>
-  </p:timing>
 </p:sld>
 </file>
 
@@ -11509,11 +11111,11 @@
           <a:lstStyle/>
           <a:p>
             <a:r>
-              <a:rPr lang="ru-RU" dirty="0" smtClean="0"/>
+              <a:rPr lang="ru-RU" dirty="0"/>
               <a:t>Оператор </a:t>
             </a:r>
             <a:r>
-              <a:rPr lang="en-US" dirty="0" smtClean="0"/>
+              <a:rPr lang="en-US" dirty="0"/>
               <a:t>LIKE</a:t>
             </a:r>
             <a:endParaRPr lang="ru-RU" dirty="0"/>
@@ -11543,9 +11145,27 @@
             <a:tbl>
               <a:tblPr/>
               <a:tblGrid>
-                <a:gridCol w="2242592"/>
-                <a:gridCol w="2736304"/>
-                <a:gridCol w="3096345"/>
+                <a:gridCol w="2242592">
+                  <a:extLst>
+                    <a:ext uri="{9D8B030D-6E8A-4147-A177-3AD203B41FA5}">
+                      <a16:colId xmlns:a16="http://schemas.microsoft.com/office/drawing/2014/main" val="20000"/>
+                    </a:ext>
+                  </a:extLst>
+                </a:gridCol>
+                <a:gridCol w="2736304">
+                  <a:extLst>
+                    <a:ext uri="{9D8B030D-6E8A-4147-A177-3AD203B41FA5}">
+                      <a16:colId xmlns:a16="http://schemas.microsoft.com/office/drawing/2014/main" val="20001"/>
+                    </a:ext>
+                  </a:extLst>
+                </a:gridCol>
+                <a:gridCol w="3096345">
+                  <a:extLst>
+                    <a:ext uri="{9D8B030D-6E8A-4147-A177-3AD203B41FA5}">
+                      <a16:colId xmlns:a16="http://schemas.microsoft.com/office/drawing/2014/main" val="20002"/>
+                    </a:ext>
+                  </a:extLst>
+                </a:gridCol>
               </a:tblGrid>
               <a:tr h="203414">
                 <a:tc>
@@ -11554,7 +11174,7 @@
                     <a:lstStyle/>
                     <a:p>
                       <a:r>
-                        <a:rPr lang="ru-RU" sz="1600" dirty="0" smtClean="0">
+                        <a:rPr lang="ru-RU" sz="1600" dirty="0">
                           <a:solidFill>
                             <a:srgbClr val="0070C0"/>
                           </a:solidFill>
@@ -11616,7 +11236,7 @@
                     <a:lstStyle/>
                     <a:p>
                       <a:r>
-                        <a:rPr lang="ru-RU" sz="1600" dirty="0" smtClean="0">
+                        <a:rPr lang="ru-RU" sz="1600" dirty="0">
                           <a:solidFill>
                             <a:srgbClr val="0070C0"/>
                           </a:solidFill>
@@ -11678,7 +11298,7 @@
                     <a:lstStyle/>
                     <a:p>
                       <a:r>
-                        <a:rPr lang="ru-RU" sz="1600" dirty="0" smtClean="0">
+                        <a:rPr lang="ru-RU" sz="1600" dirty="0">
                           <a:solidFill>
                             <a:srgbClr val="0070C0"/>
                           </a:solidFill>
@@ -11734,6 +11354,11 @@
                     </a:solidFill>
                   </a:tcPr>
                 </a:tc>
+                <a:extLst>
+                  <a:ext uri="{0D108BD9-81ED-4DB2-BD59-A6C34878D82A}">
+                    <a16:rowId xmlns:a16="http://schemas.microsoft.com/office/drawing/2014/main" val="10000"/>
+                  </a:ext>
+                </a:extLst>
               </a:tr>
               <a:tr h="813656">
                 <a:tc>
@@ -11792,11 +11417,11 @@
                     <a:lstStyle/>
                     <a:p>
                       <a:r>
-                        <a:rPr lang="ru-RU" sz="1400" dirty="0" smtClean="0"/>
+                        <a:rPr lang="ru-RU" sz="1400" dirty="0"/>
                         <a:t>Строка</a:t>
                       </a:r>
                       <a:r>
-                        <a:rPr lang="ru-RU" sz="1400" baseline="0" dirty="0" smtClean="0"/>
+                        <a:rPr lang="ru-RU" sz="1400" baseline="0" dirty="0"/>
                         <a:t> любой длины.</a:t>
                       </a:r>
                       <a:endParaRPr lang="en-US" sz="1400" dirty="0"/>
@@ -11851,19 +11476,19 @@
                         <a:t>WHERE title LIKE '%computer%' </a:t>
                       </a:r>
                       <a:r>
-                        <a:rPr lang="ru-RU" sz="1400" dirty="0" smtClean="0"/>
+                        <a:rPr lang="ru-RU" sz="1400" dirty="0"/>
                         <a:t>истина</a:t>
                       </a:r>
                       <a:r>
-                        <a:rPr lang="ru-RU" sz="1400" baseline="0" dirty="0" smtClean="0"/>
+                        <a:rPr lang="ru-RU" sz="1400" baseline="0" dirty="0"/>
                         <a:t> для всех строк содержащих слово </a:t>
                       </a:r>
                       <a:r>
-                        <a:rPr lang="en-US" sz="1400" baseline="0" dirty="0" smtClean="0"/>
+                        <a:rPr lang="en-US" sz="1400" baseline="0" dirty="0"/>
                         <a:t>computer </a:t>
                       </a:r>
                       <a:r>
-                        <a:rPr lang="ru-RU" sz="1400" baseline="0" dirty="0" smtClean="0"/>
+                        <a:rPr lang="ru-RU" sz="1400" baseline="0" dirty="0"/>
                         <a:t>в любом месте.</a:t>
                       </a:r>
                       <a:endParaRPr lang="en-US" sz="1400" dirty="0"/>
@@ -11908,6 +11533,11 @@
                     </a:lnB>
                   </a:tcPr>
                 </a:tc>
+                <a:extLst>
+                  <a:ext uri="{0D108BD9-81ED-4DB2-BD59-A6C34878D82A}">
+                    <a16:rowId xmlns:a16="http://schemas.microsoft.com/office/drawing/2014/main" val="10001"/>
+                  </a:ext>
+                </a:extLst>
               </a:tr>
               <a:tr h="813656">
                 <a:tc>
@@ -11917,21 +11547,16 @@
                     <a:p>
                       <a:r>
                         <a:rPr lang="en-US" sz="1400" dirty="0"/>
-                        <a:t>_ </a:t>
+                        <a:t>_ (</a:t>
                       </a:r>
                       <a:r>
-                        <a:rPr lang="en-US" sz="1400" dirty="0" smtClean="0"/>
-                        <a:t>(</a:t>
-                      </a:r>
-                      <a:r>
-                        <a:rPr lang="ru-RU" sz="1400" dirty="0" smtClean="0"/>
+                        <a:rPr lang="ru-RU" sz="1400" dirty="0"/>
                         <a:t>нижнее подчеркивание</a:t>
                       </a:r>
                       <a:r>
-                        <a:rPr lang="en-US" sz="1400" dirty="0" smtClean="0"/>
+                        <a:rPr lang="en-US" sz="1400" dirty="0"/>
                         <a:t>)</a:t>
                       </a:r>
-                      <a:endParaRPr lang="en-US" sz="1400" dirty="0"/>
                     </a:p>
                   </a:txBody>
                   <a:tcPr marL="50854" marR="50854" marT="25427" marB="25427" anchor="ctr">
@@ -11979,14 +11604,13 @@
                     <a:lstStyle/>
                     <a:p>
                       <a:r>
-                        <a:rPr lang="ru-RU" sz="1400" dirty="0" smtClean="0"/>
+                        <a:rPr lang="ru-RU" sz="1400" dirty="0"/>
                         <a:t>Один любой символ</a:t>
                       </a:r>
                       <a:r>
-                        <a:rPr lang="en-US" sz="1400" dirty="0" smtClean="0"/>
+                        <a:rPr lang="en-US" sz="1400" dirty="0"/>
                         <a:t>.</a:t>
                       </a:r>
-                      <a:endParaRPr lang="en-US" sz="1400" dirty="0"/>
                     </a:p>
                   </a:txBody>
                   <a:tcPr marL="50854" marR="50854" marT="25427" marB="25427" anchor="ctr">
@@ -12054,30 +11678,25 @@
                         <a:t>' </a:t>
                       </a:r>
                       <a:r>
-                        <a:rPr lang="ru-RU" sz="1400" dirty="0" smtClean="0"/>
+                        <a:rPr lang="ru-RU" sz="1400" dirty="0"/>
                         <a:t>истина для всех строк длиной в 4 символа и заканчивающихся на </a:t>
                       </a:r>
                       <a:r>
-                        <a:rPr lang="en-US" sz="1400" dirty="0" err="1" smtClean="0"/>
+                        <a:rPr lang="en-US" sz="1400" dirty="0" err="1"/>
                         <a:t>ean</a:t>
                       </a:r>
                       <a:r>
-                        <a:rPr lang="en-US" sz="1400" dirty="0" smtClean="0"/>
-                        <a:t> </a:t>
+                        <a:rPr lang="en-US" sz="1400" dirty="0"/>
+                        <a:t> (Dean, Sean, </a:t>
+                      </a:r>
+                      <a:r>
+                        <a:rPr lang="ru-RU" sz="1400" dirty="0"/>
+                        <a:t>и т.д.</a:t>
                       </a:r>
                       <a:r>
                         <a:rPr lang="en-US" sz="1400" dirty="0"/>
-                        <a:t>(Dean, Sean, </a:t>
-                      </a:r>
-                      <a:r>
-                        <a:rPr lang="ru-RU" sz="1400" dirty="0" smtClean="0"/>
-                        <a:t>и т.д.</a:t>
-                      </a:r>
-                      <a:r>
-                        <a:rPr lang="en-US" sz="1400" dirty="0" smtClean="0"/>
                         <a:t>).</a:t>
                       </a:r>
-                      <a:endParaRPr lang="en-US" sz="1400" dirty="0"/>
                     </a:p>
                   </a:txBody>
                   <a:tcPr marL="50854" marR="50854" marT="25427" marB="25427" anchor="ctr">
@@ -12119,6 +11738,11 @@
                     </a:lnB>
                   </a:tcPr>
                 </a:tc>
+                <a:extLst>
+                  <a:ext uri="{0D108BD9-81ED-4DB2-BD59-A6C34878D82A}">
+                    <a16:rowId xmlns:a16="http://schemas.microsoft.com/office/drawing/2014/main" val="10002"/>
+                  </a:ext>
+                </a:extLst>
               </a:tr>
               <a:tr h="1618236">
                 <a:tc>
@@ -12177,23 +11801,23 @@
                     <a:lstStyle/>
                     <a:p>
                       <a:r>
-                        <a:rPr lang="ru-RU" sz="1400" dirty="0" smtClean="0"/>
+                        <a:rPr lang="ru-RU" sz="1400" dirty="0"/>
                         <a:t>Любой символ из указанного диапазона </a:t>
                       </a:r>
                       <a:r>
-                        <a:rPr lang="en-US" sz="1400" dirty="0" smtClean="0"/>
+                        <a:rPr lang="en-US" sz="1400" dirty="0"/>
                         <a:t>([a-f])</a:t>
                       </a:r>
                       <a:r>
-                        <a:rPr lang="ru-RU" sz="1400" dirty="0" smtClean="0"/>
+                        <a:rPr lang="ru-RU" sz="1400" dirty="0"/>
                         <a:t> или множества</a:t>
                       </a:r>
                       <a:r>
-                        <a:rPr lang="ru-RU" sz="1400" baseline="0" dirty="0" smtClean="0"/>
+                        <a:rPr lang="ru-RU" sz="1400" baseline="0" dirty="0"/>
                         <a:t> </a:t>
                       </a:r>
                       <a:r>
-                        <a:rPr lang="en-US" sz="1400" dirty="0" smtClean="0"/>
+                        <a:rPr lang="en-US" sz="1400" dirty="0"/>
                         <a:t>([</a:t>
                       </a:r>
                       <a:r>
@@ -12201,27 +11825,27 @@
                         <a:t>abcdef</a:t>
                       </a:r>
                       <a:r>
-                        <a:rPr lang="en-US" sz="1400" dirty="0" smtClean="0"/>
+                        <a:rPr lang="en-US" sz="1400" dirty="0"/>
                         <a:t>]).</a:t>
                       </a:r>
                       <a:r>
-                        <a:rPr lang="ru-RU" sz="1400" dirty="0" smtClean="0"/>
+                        <a:rPr lang="ru-RU" sz="1400" dirty="0"/>
                         <a:t> При</a:t>
                       </a:r>
                       <a:r>
-                        <a:rPr lang="ru-RU" sz="1400" baseline="0" dirty="0" smtClean="0"/>
+                        <a:rPr lang="ru-RU" sz="1400" baseline="0" dirty="0"/>
                         <a:t> поиске с помощью </a:t>
                       </a:r>
                       <a:r>
-                        <a:rPr lang="ru-RU" sz="1400" dirty="0" smtClean="0"/>
+                        <a:rPr lang="ru-RU" sz="1400" dirty="0"/>
                         <a:t>диапазонов включаемые символы зависят</a:t>
                       </a:r>
                       <a:r>
-                        <a:rPr lang="ru-RU" sz="1400" baseline="0" dirty="0" smtClean="0"/>
+                        <a:rPr lang="ru-RU" sz="1400" baseline="0" dirty="0"/>
                         <a:t> от настроек </a:t>
                       </a:r>
                       <a:r>
-                        <a:rPr lang="en-US" sz="1400" baseline="0" dirty="0" smtClean="0"/>
+                        <a:rPr lang="en-US" sz="1400" baseline="0" dirty="0"/>
                         <a:t>collation.</a:t>
                       </a:r>
                       <a:endParaRPr lang="en-US" sz="1400" dirty="0"/>
@@ -12292,72 +11916,68 @@
                         <a:t>' </a:t>
                       </a:r>
                       <a:r>
-                        <a:rPr lang="ru-RU" sz="1400" dirty="0" smtClean="0"/>
+                        <a:rPr lang="ru-RU" sz="1400" dirty="0"/>
                         <a:t>истина</a:t>
                       </a:r>
                       <a:r>
-                        <a:rPr lang="en-US" sz="1400" dirty="0" smtClean="0"/>
+                        <a:rPr lang="en-US" sz="1400" dirty="0"/>
                         <a:t> </a:t>
                       </a:r>
                       <a:r>
-                        <a:rPr lang="ru-RU" sz="1400" dirty="0" smtClean="0"/>
+                        <a:rPr lang="ru-RU" sz="1400" dirty="0"/>
                         <a:t>для</a:t>
                       </a:r>
                       <a:r>
-                        <a:rPr lang="ru-RU" sz="1400" baseline="0" dirty="0" smtClean="0"/>
+                        <a:rPr lang="ru-RU" sz="1400" baseline="0" dirty="0"/>
                         <a:t> строк</a:t>
                       </a:r>
                       <a:r>
-                        <a:rPr lang="en-US" sz="1400" dirty="0" smtClean="0"/>
+                        <a:rPr lang="en-US" sz="1400" dirty="0"/>
                         <a:t> </a:t>
                       </a:r>
                       <a:r>
-                        <a:rPr lang="ru-RU" sz="1400" dirty="0" smtClean="0"/>
+                        <a:rPr lang="ru-RU" sz="1400" dirty="0"/>
                         <a:t>начинающих</a:t>
                       </a:r>
                       <a:r>
-                        <a:rPr lang="en-US" sz="1400" dirty="0" smtClean="0"/>
+                        <a:rPr lang="en-US" sz="1400" dirty="0"/>
                         <a:t>c</a:t>
                       </a:r>
                       <a:r>
-                        <a:rPr lang="ru-RU" sz="1400" dirty="0" smtClean="0"/>
+                        <a:rPr lang="ru-RU" sz="1400" dirty="0"/>
                         <a:t>я</a:t>
                       </a:r>
                       <a:r>
-                        <a:rPr lang="ru-RU" sz="1400" baseline="0" dirty="0" smtClean="0"/>
+                        <a:rPr lang="ru-RU" sz="1400" baseline="0" dirty="0"/>
                         <a:t> с символа в диапазоне от </a:t>
                       </a:r>
                       <a:r>
-                        <a:rPr lang="en-US" sz="1400" dirty="0" smtClean="0"/>
+                        <a:rPr lang="en-US" sz="1400" dirty="0"/>
                         <a:t>C </a:t>
                       </a:r>
                       <a:r>
-                        <a:rPr lang="ru-RU" sz="1400" dirty="0" smtClean="0"/>
+                        <a:rPr lang="ru-RU" sz="1400" dirty="0"/>
                         <a:t>до </a:t>
                       </a:r>
                       <a:r>
-                        <a:rPr lang="en-US" sz="1400" dirty="0" smtClean="0"/>
+                        <a:rPr lang="en-US" sz="1400" dirty="0"/>
                         <a:t>P </a:t>
                       </a:r>
                       <a:r>
-                        <a:rPr lang="ru-RU" sz="1400" dirty="0" smtClean="0"/>
+                        <a:rPr lang="ru-RU" sz="1400" dirty="0"/>
                         <a:t>и заканчивающихся на </a:t>
                       </a:r>
                       <a:r>
-                        <a:rPr lang="en-US" sz="1400" dirty="0" err="1" smtClean="0"/>
+                        <a:rPr lang="en-US" sz="1400" dirty="0" err="1"/>
                         <a:t>arsen</a:t>
                       </a:r>
                       <a:r>
-                        <a:rPr lang="ru-RU" sz="1400" dirty="0" smtClean="0"/>
+                        <a:rPr lang="ru-RU" sz="1400" dirty="0"/>
                         <a:t> (</a:t>
                       </a:r>
                       <a:r>
-                        <a:rPr lang="en-US" sz="1400" dirty="0" smtClean="0"/>
-                        <a:t>Carsen</a:t>
-                      </a:r>
-                      <a:r>
                         <a:rPr lang="en-US" sz="1400" dirty="0"/>
-                        <a:t>, Larsen, </a:t>
+                        <a:t>Carsen, Larsen, </a:t>
                       </a:r>
                       <a:r>
                         <a:rPr lang="en-US" sz="1400" dirty="0" err="1"/>
@@ -12368,7 +11988,7 @@
                         <a:t>, </a:t>
                       </a:r>
                       <a:r>
-                        <a:rPr lang="ru-RU" sz="1400" dirty="0" smtClean="0"/>
+                        <a:rPr lang="ru-RU" sz="1400" dirty="0"/>
                         <a:t>и т.д.)</a:t>
                       </a:r>
                       <a:endParaRPr lang="en-US" sz="1400" dirty="0"/>
@@ -12413,6 +12033,11 @@
                     </a:lnB>
                   </a:tcPr>
                 </a:tc>
+                <a:extLst>
+                  <a:ext uri="{0D108BD9-81ED-4DB2-BD59-A6C34878D82A}">
+                    <a16:rowId xmlns:a16="http://schemas.microsoft.com/office/drawing/2014/main" val="10003"/>
+                  </a:ext>
+                </a:extLst>
               </a:tr>
               <a:tr h="813656">
                 <a:tc>
@@ -12471,42 +12096,41 @@
                     <a:lstStyle/>
                     <a:p>
                       <a:r>
-                        <a:rPr lang="ru-RU" sz="1400" dirty="0" smtClean="0"/>
+                        <a:rPr lang="ru-RU" sz="1400" dirty="0"/>
                         <a:t>Любой символ отсутствующий</a:t>
                       </a:r>
                       <a:r>
-                        <a:rPr lang="ru-RU" sz="1400" baseline="0" dirty="0" smtClean="0"/>
+                        <a:rPr lang="ru-RU" sz="1400" baseline="0" dirty="0"/>
                         <a:t> в</a:t>
                       </a:r>
                       <a:r>
-                        <a:rPr lang="ru-RU" sz="1400" dirty="0" smtClean="0"/>
+                        <a:rPr lang="ru-RU" sz="1400" dirty="0"/>
                         <a:t> указанном диапазоне </a:t>
                       </a:r>
                       <a:r>
-                        <a:rPr lang="en-US" sz="1400" dirty="0" smtClean="0"/>
+                        <a:rPr lang="en-US" sz="1400" dirty="0"/>
                         <a:t>([^a-f])</a:t>
                       </a:r>
                       <a:r>
-                        <a:rPr lang="ru-RU" sz="1400" dirty="0" smtClean="0"/>
+                        <a:rPr lang="ru-RU" sz="1400" dirty="0"/>
                         <a:t> или множестве</a:t>
                       </a:r>
                       <a:r>
-                        <a:rPr lang="ru-RU" sz="1400" baseline="0" dirty="0" smtClean="0"/>
+                        <a:rPr lang="ru-RU" sz="1400" baseline="0" dirty="0"/>
                         <a:t> </a:t>
                       </a:r>
                       <a:r>
-                        <a:rPr lang="en-US" sz="1400" dirty="0" smtClean="0"/>
+                        <a:rPr lang="en-US" sz="1400" dirty="0"/>
                         <a:t>([^</a:t>
                       </a:r>
                       <a:r>
-                        <a:rPr lang="en-US" sz="1400" dirty="0" err="1" smtClean="0"/>
+                        <a:rPr lang="en-US" sz="1400" dirty="0" err="1"/>
                         <a:t>abcdef</a:t>
                       </a:r>
                       <a:r>
-                        <a:rPr lang="en-US" sz="1400" dirty="0" smtClean="0"/>
+                        <a:rPr lang="en-US" sz="1400" dirty="0"/>
                         <a:t>]).</a:t>
                       </a:r>
-                      <a:endParaRPr lang="en-US" sz="1400" dirty="0"/>
                     </a:p>
                   </a:txBody>
                   <a:tcPr marL="50854" marR="50854" marT="25427" marB="25427" anchor="ctr">
@@ -12606,6 +12230,11 @@
                     </a:lnB>
                   </a:tcPr>
                 </a:tc>
+                <a:extLst>
+                  <a:ext uri="{0D108BD9-81ED-4DB2-BD59-A6C34878D82A}">
+                    <a16:rowId xmlns:a16="http://schemas.microsoft.com/office/drawing/2014/main" val="10004"/>
+                  </a:ext>
+                </a:extLst>
               </a:tr>
             </a:tbl>
           </a:graphicData>
@@ -12621,13 +12250,6 @@
   <p:clrMapOvr>
     <a:masterClrMapping/>
   </p:clrMapOvr>
-  <p:timing>
-    <p:tnLst>
-      <p:par>
-        <p:cTn id="1" dur="indefinite" restart="never" nodeType="tmRoot"/>
-      </p:par>
-    </p:tnLst>
-  </p:timing>
 </p:sld>
 </file>
 
@@ -12878,13 +12500,6 @@
   <p:clrMapOvr>
     <a:masterClrMapping/>
   </p:clrMapOvr>
-  <p:timing>
-    <p:tnLst>
-      <p:par>
-        <p:cTn id="1" dur="indefinite" restart="never" nodeType="tmRoot"/>
-      </p:par>
-    </p:tnLst>
-  </p:timing>
 </p:sld>
 </file>
 
@@ -12953,12 +12568,8 @@
           <a:p>
             <a:pPr algn="ctr"/>
             <a:r>
-              <a:rPr lang="be-BY" sz="2400" b="1" dirty="0" smtClean="0"/>
-              <a:t>Многотабличные </a:t>
-            </a:r>
-            <a:r>
               <a:rPr lang="be-BY" sz="2400" b="1" dirty="0"/>
-              <a:t>запросы.</a:t>
+              <a:t>Многотабличные запросы.</a:t>
             </a:r>
           </a:p>
         </p:txBody>
@@ -13194,14 +12805,7 @@
                 <a:latin typeface="Courier New" pitchFamily="49" charset="0"/>
                 <a:cs typeface="Courier New" pitchFamily="49" charset="0"/>
               </a:rPr>
-              <a:t>FROM t1 RIGHT JOIN t2 ON t1.number = t2.number</a:t>
-            </a:r>
-            <a:r>
-              <a:rPr lang="en-US" sz="1200" dirty="0" smtClean="0">
-                <a:latin typeface="Courier New" pitchFamily="49" charset="0"/>
-                <a:cs typeface="Courier New" pitchFamily="49" charset="0"/>
-              </a:rPr>
-              <a:t>;</a:t>
+              <a:t>FROM t1 RIGHT JOIN t2 ON t1.number = t2.number;</a:t>
             </a:r>
             <a:endParaRPr lang="ru-RU" sz="1200" dirty="0">
               <a:latin typeface="Courier New" pitchFamily="49" charset="0"/>
@@ -13217,63 +12821,39 @@
           </a:p>
           <a:p>
             <a:r>
-              <a:rPr lang="en-US" sz="1200" dirty="0" smtClean="0">
-                <a:cs typeface="Courier New" pitchFamily="49" charset="0"/>
-              </a:rPr>
-              <a:t>JOIN</a:t>
-            </a:r>
-            <a:r>
               <a:rPr lang="en-US" sz="1200" dirty="0">
                 <a:cs typeface="Courier New" pitchFamily="49" charset="0"/>
               </a:rPr>
-              <a:t>: Return rows when there is at least one match in both tables</a:t>
-            </a:r>
-          </a:p>
-          <a:p>
-            <a:r>
-              <a:rPr lang="en-US" sz="1200" dirty="0" smtClean="0">
-                <a:cs typeface="Courier New" pitchFamily="49" charset="0"/>
-              </a:rPr>
-              <a:t>LEFT </a:t>
-            </a:r>
+              <a:t>JOIN: Return rows when there is at least one match in both tables</a:t>
+            </a:r>
+          </a:p>
+          <a:p>
             <a:r>
               <a:rPr lang="en-US" sz="1200" dirty="0">
                 <a:cs typeface="Courier New" pitchFamily="49" charset="0"/>
               </a:rPr>
-              <a:t>JOIN: Return all rows from the left table, even if there are no matches in the right table</a:t>
-            </a:r>
-          </a:p>
-          <a:p>
-            <a:r>
-              <a:rPr lang="en-US" sz="1200" dirty="0" smtClean="0">
-                <a:cs typeface="Courier New" pitchFamily="49" charset="0"/>
-              </a:rPr>
-              <a:t>RIGHT </a:t>
-            </a:r>
+              <a:t>LEFT JOIN: Return all rows from the left table, even if there are no matches in the right table</a:t>
+            </a:r>
+          </a:p>
+          <a:p>
             <a:r>
               <a:rPr lang="en-US" sz="1200" dirty="0">
                 <a:cs typeface="Courier New" pitchFamily="49" charset="0"/>
               </a:rPr>
-              <a:t>JOIN: Return all rows from the right table, even if there are no matches in the left table</a:t>
-            </a:r>
-          </a:p>
-          <a:p>
-            <a:r>
-              <a:rPr lang="en-US" sz="1200" dirty="0" smtClean="0">
-                <a:cs typeface="Courier New" pitchFamily="49" charset="0"/>
-              </a:rPr>
-              <a:t>FULL </a:t>
-            </a:r>
+              <a:t>RIGHT JOIN: Return all rows from the right table, even if there are no matches in the left table</a:t>
+            </a:r>
+          </a:p>
+          <a:p>
             <a:r>
               <a:rPr lang="en-US" sz="1200" dirty="0">
                 <a:cs typeface="Courier New" pitchFamily="49" charset="0"/>
               </a:rPr>
-              <a:t>JOIN: Return rows when there is a match in one of the tables</a:t>
+              <a:t>FULL JOIN: Return rows when there is a match in one of the tables</a:t>
             </a:r>
           </a:p>
           <a:p>
             <a:pPr lvl="1"/>
-            <a:endParaRPr lang="ru-RU" sz="1200" dirty="0" smtClean="0">
+            <a:endParaRPr lang="ru-RU" sz="1200" dirty="0">
               <a:latin typeface="Courier New" pitchFamily="49" charset="0"/>
               <a:cs typeface="Courier New" pitchFamily="49" charset="0"/>
             </a:endParaRPr>
@@ -13290,13 +12870,6 @@
   <p:clrMapOvr>
     <a:masterClrMapping/>
   </p:clrMapOvr>
-  <p:timing>
-    <p:tnLst>
-      <p:par>
-        <p:cTn id="1" dur="indefinite" restart="never" nodeType="tmRoot"/>
-      </p:par>
-    </p:tnLst>
-  </p:timing>
 </p:sld>
 </file>
 
@@ -13365,12 +12938,8 @@
           <a:p>
             <a:pPr algn="ctr"/>
             <a:r>
-              <a:rPr lang="be-BY" sz="2400" b="1" dirty="0" smtClean="0"/>
-              <a:t>Многотабличные </a:t>
-            </a:r>
-            <a:r>
               <a:rPr lang="be-BY" sz="2400" b="1" dirty="0"/>
-              <a:t>запросы.</a:t>
+              <a:t>Многотабличные запросы.</a:t>
             </a:r>
           </a:p>
         </p:txBody>
@@ -13426,13 +12995,6 @@
   <p:clrMapOvr>
     <a:masterClrMapping/>
   </p:clrMapOvr>
-  <p:timing>
-    <p:tnLst>
-      <p:par>
-        <p:cTn id="1" dur="indefinite" restart="never" nodeType="tmRoot"/>
-      </p:par>
-    </p:tnLst>
-  </p:timing>
 </p:sld>
 </file>
 
@@ -13849,13 +13411,6 @@
   <p:clrMapOvr>
     <a:masterClrMapping/>
   </p:clrMapOvr>
-  <p:timing>
-    <p:tnLst>
-      <p:par>
-        <p:cTn id="1" dur="indefinite" restart="never" nodeType="tmRoot"/>
-      </p:par>
-    </p:tnLst>
-  </p:timing>
 </p:sld>
 </file>
 
@@ -13894,23 +13449,23 @@
           <a:lstStyle/>
           <a:p>
             <a:r>
-              <a:rPr lang="ru-RU" sz="3600" dirty="0" smtClean="0"/>
+              <a:rPr lang="ru-RU" sz="3600" dirty="0"/>
               <a:t>«Сокращенный» </a:t>
             </a:r>
             <a:r>
-              <a:rPr lang="en-US" sz="3600" dirty="0" smtClean="0"/>
+              <a:rPr lang="en-US" sz="3600" dirty="0"/>
               <a:t>INSERT</a:t>
             </a:r>
             <a:r>
-              <a:rPr lang="ru-RU" sz="3600" dirty="0" smtClean="0"/>
+              <a:rPr lang="ru-RU" sz="3600" dirty="0"/>
               <a:t>в </a:t>
             </a:r>
             <a:r>
-              <a:rPr lang="en-US" sz="3600" dirty="0" smtClean="0"/>
+              <a:rPr lang="en-US" sz="3600" dirty="0"/>
               <a:t>MS SQL 2008 </a:t>
             </a:r>
             <a:r>
-              <a:rPr lang="ru-RU" sz="3600" dirty="0" smtClean="0"/>
+              <a:rPr lang="ru-RU" sz="3600" dirty="0"/>
               <a:t>и выше</a:t>
             </a:r>
             <a:endParaRPr lang="en-US" sz="3600" dirty="0"/>
@@ -13943,35 +13498,31 @@
               <a:buNone/>
             </a:pPr>
             <a:r>
-              <a:rPr lang="ru-RU" dirty="0" smtClean="0"/>
+              <a:rPr lang="ru-RU" dirty="0"/>
               <a:t>В </a:t>
             </a:r>
             <a:r>
-              <a:rPr lang="en-US" dirty="0" smtClean="0"/>
+              <a:rPr lang="en-US" dirty="0"/>
               <a:t>SQL Server 2008 </a:t>
             </a:r>
             <a:r>
               <a:rPr lang="ru-RU" dirty="0"/>
-              <a:t>и выше </a:t>
-            </a:r>
-            <a:r>
-              <a:rPr lang="ru-RU" dirty="0" smtClean="0"/>
-              <a:t>команда </a:t>
-            </a:r>
-            <a:r>
-              <a:rPr lang="en-US" dirty="0" smtClean="0"/>
+              <a:t>и выше команда </a:t>
+            </a:r>
+            <a:r>
+              <a:rPr lang="en-US" dirty="0"/>
               <a:t>INSERT </a:t>
             </a:r>
             <a:r>
-              <a:rPr lang="ru-RU" dirty="0" smtClean="0"/>
+              <a:rPr lang="ru-RU" dirty="0"/>
               <a:t>дает возможность вставить несколько строк за один вызов</a:t>
             </a:r>
             <a:r>
-              <a:rPr lang="en-US" dirty="0" smtClean="0"/>
+              <a:rPr lang="en-US" dirty="0"/>
               <a:t>. </a:t>
             </a:r>
             <a:r>
-              <a:rPr lang="ru-RU" dirty="0" smtClean="0"/>
+              <a:rPr lang="ru-RU" dirty="0"/>
               <a:t>Добавление производится в рамках общей транзакции.</a:t>
             </a:r>
             <a:endParaRPr lang="en-US" dirty="0"/>
@@ -14735,13 +14286,6 @@
   <p:clrMapOvr>
     <a:masterClrMapping/>
   </p:clrMapOvr>
-  <p:timing>
-    <p:tnLst>
-      <p:par>
-        <p:cTn id="1" dur="indefinite" restart="never" nodeType="tmRoot"/>
-      </p:par>
-    </p:tnLst>
-  </p:timing>
 </p:sld>
 </file>
 
@@ -14778,11 +14322,11 @@
           <a:lstStyle/>
           <a:p>
             <a:r>
-              <a:rPr lang="en-US" dirty="0" smtClean="0"/>
+              <a:rPr lang="en-US" dirty="0"/>
               <a:t>T-SQL: </a:t>
             </a:r>
             <a:r>
-              <a:rPr lang="ru-RU" dirty="0" smtClean="0"/>
+              <a:rPr lang="ru-RU" dirty="0"/>
               <a:t>Комментарии</a:t>
             </a:r>
             <a:endParaRPr lang="en-US" dirty="0"/>
@@ -14815,19 +14359,19 @@
               <a:buNone/>
             </a:pPr>
             <a:r>
-              <a:rPr lang="en-US" dirty="0" smtClean="0"/>
+              <a:rPr lang="en-US" dirty="0"/>
               <a:t>SQL </a:t>
             </a:r>
             <a:r>
-              <a:rPr lang="ru-RU" dirty="0" smtClean="0"/>
+              <a:rPr lang="ru-RU" dirty="0"/>
               <a:t>поддерживает однострочные (--) и многострочные комментарии (</a:t>
             </a:r>
             <a:r>
-              <a:rPr lang="en-US" dirty="0" smtClean="0"/>
+              <a:rPr lang="en-US" dirty="0"/>
               <a:t>/* ... */</a:t>
             </a:r>
             <a:r>
-              <a:rPr lang="ru-RU" dirty="0" smtClean="0"/>
+              <a:rPr lang="ru-RU" dirty="0"/>
               <a:t>:</a:t>
             </a:r>
           </a:p>
@@ -15004,13 +14548,6 @@
   <p:clrMapOvr>
     <a:masterClrMapping/>
   </p:clrMapOvr>
-  <p:timing>
-    <p:tnLst>
-      <p:par>
-        <p:cTn id="1" dur="indefinite" restart="never" nodeType="tmRoot"/>
-      </p:par>
-    </p:tnLst>
-  </p:timing>
 </p:sld>
 </file>
 
@@ -15047,14 +14584,13 @@
           <a:lstStyle/>
           <a:p>
             <a:r>
-              <a:rPr lang="ru-RU" dirty="0" smtClean="0"/>
+              <a:rPr lang="ru-RU" dirty="0"/>
               <a:t>Ограничения </a:t>
             </a:r>
             <a:r>
-              <a:rPr lang="en-US" dirty="0" smtClean="0"/>
+              <a:rPr lang="en-US" dirty="0"/>
               <a:t>(constraints)</a:t>
             </a:r>
-            <a:endParaRPr lang="en-US" dirty="0"/>
           </a:p>
         </p:txBody>
       </p:sp>
@@ -15074,36 +14610,32 @@
           <a:lstStyle/>
           <a:p>
             <a:r>
-              <a:rPr lang="en-US" dirty="0" smtClean="0"/>
+              <a:rPr lang="en-US" dirty="0"/>
               <a:t>NOT NULL</a:t>
             </a:r>
           </a:p>
           <a:p>
             <a:r>
-              <a:rPr lang="en-US" dirty="0" smtClean="0"/>
+              <a:rPr lang="en-US" dirty="0"/>
               <a:t>CHECK</a:t>
             </a:r>
           </a:p>
           <a:p>
             <a:r>
-              <a:rPr lang="en-US" dirty="0" smtClean="0"/>
+              <a:rPr lang="en-US" dirty="0"/>
               <a:t>UNIQUE</a:t>
             </a:r>
           </a:p>
           <a:p>
             <a:r>
-              <a:rPr lang="en-US" dirty="0" smtClean="0"/>
+              <a:rPr lang="en-US" dirty="0"/>
               <a:t>PRIMARY KEY</a:t>
             </a:r>
           </a:p>
           <a:p>
             <a:r>
-              <a:rPr lang="en-US" dirty="0" smtClean="0"/>
-              <a:t> FOREIGN </a:t>
-            </a:r>
-            <a:r>
-              <a:rPr lang="en-US" dirty="0"/>
-              <a:t>KEY</a:t>
+              <a:rPr lang="en-US" dirty="0"/>
+              <a:t> FOREIGN KEY</a:t>
             </a:r>
           </a:p>
         </p:txBody>
@@ -15118,13 +14650,6 @@
   <p:clrMapOvr>
     <a:masterClrMapping/>
   </p:clrMapOvr>
-  <p:timing>
-    <p:tnLst>
-      <p:par>
-        <p:cTn id="1" dur="indefinite" restart="never" nodeType="tmRoot"/>
-      </p:par>
-    </p:tnLst>
-  </p:timing>
 </p:sld>
 </file>
 
@@ -15161,7 +14686,7 @@
           <a:lstStyle/>
           <a:p>
             <a:r>
-              <a:rPr lang="ru-RU" dirty="0" smtClean="0"/>
+              <a:rPr lang="ru-RU" dirty="0"/>
               <a:t>Хранимые процедуры</a:t>
             </a:r>
             <a:endParaRPr lang="en-US" dirty="0"/>
@@ -15192,42 +14717,42 @@
               <a:buNone/>
             </a:pPr>
             <a:r>
-              <a:rPr lang="ru-RU" dirty="0" smtClean="0"/>
+              <a:rPr lang="ru-RU" dirty="0"/>
               <a:t>Хранимая процедура это функция на языке </a:t>
             </a:r>
             <a:r>
-              <a:rPr lang="en-US" dirty="0" smtClean="0"/>
+              <a:rPr lang="en-US" dirty="0"/>
               <a:t>SQL. </a:t>
             </a:r>
             <a:r>
-              <a:rPr lang="ru-RU" dirty="0" smtClean="0"/>
+              <a:rPr lang="ru-RU" dirty="0"/>
               <a:t>У процедуры могут быть параметры. Для создания процедуры используется команда </a:t>
             </a:r>
             <a:r>
-              <a:rPr lang="en-US" dirty="0" smtClean="0"/>
+              <a:rPr lang="en-US" dirty="0"/>
               <a:t>CREATE PROC, </a:t>
             </a:r>
             <a:r>
-              <a:rPr lang="ru-RU" dirty="0" smtClean="0"/>
+              <a:rPr lang="ru-RU" dirty="0"/>
               <a:t>для изменения </a:t>
             </a:r>
             <a:r>
-              <a:rPr lang="en-US" dirty="0" smtClean="0"/>
+              <a:rPr lang="en-US" dirty="0"/>
               <a:t>ALTER PROC </a:t>
             </a:r>
             <a:r>
-              <a:rPr lang="ru-RU" dirty="0" smtClean="0"/>
+              <a:rPr lang="ru-RU" dirty="0"/>
               <a:t>и </a:t>
             </a:r>
             <a:r>
-              <a:rPr lang="en-US" dirty="0" smtClean="0"/>
+              <a:rPr lang="en-US" dirty="0"/>
               <a:t>DROP PROC </a:t>
             </a:r>
             <a:r>
-              <a:rPr lang="ru-RU" dirty="0" smtClean="0"/>
+              <a:rPr lang="ru-RU" dirty="0"/>
               <a:t>для удаления.</a:t>
             </a:r>
-            <a:endParaRPr lang="en-US" dirty="0" smtClean="0"/>
+            <a:endParaRPr lang="en-US" dirty="0"/>
           </a:p>
         </p:txBody>
       </p:sp>
@@ -15241,13 +14766,6 @@
   <p:clrMapOvr>
     <a:masterClrMapping/>
   </p:clrMapOvr>
-  <p:timing>
-    <p:tnLst>
-      <p:par>
-        <p:cTn id="1" dur="indefinite" restart="never" nodeType="tmRoot"/>
-      </p:par>
-    </p:tnLst>
-  </p:timing>
 </p:sld>
 </file>
 
@@ -15574,21 +15092,6 @@
   <p:clrMapOvr>
     <a:masterClrMapping/>
   </p:clrMapOvr>
-  <mc:AlternateContent xmlns:mc="http://schemas.openxmlformats.org/markup-compatibility/2006" xmlns:p14="http://schemas.microsoft.com/office/powerpoint/2010/main">
-    <mc:Choice Requires="p14">
-      <p:transition spd="slow" p14:dur="2000"/>
-    </mc:Choice>
-    <mc:Fallback xmlns="">
-      <p:transition spd="slow"/>
-    </mc:Fallback>
-  </mc:AlternateContent>
-  <p:timing>
-    <p:tnLst>
-      <p:par>
-        <p:cTn id="1" dur="indefinite" restart="never" nodeType="tmRoot"/>
-      </p:par>
-    </p:tnLst>
-  </p:timing>
 </p:sld>
 </file>
 
@@ -15625,7 +15128,7 @@
           <a:lstStyle/>
           <a:p>
             <a:r>
-              <a:rPr lang="ru-RU" dirty="0" smtClean="0"/>
+              <a:rPr lang="ru-RU" dirty="0"/>
               <a:t>Триггеры</a:t>
             </a:r>
             <a:endParaRPr lang="en-US" dirty="0"/>
@@ -15655,132 +15158,123 @@
           <a:lstStyle/>
           <a:p>
             <a:r>
-              <a:rPr lang="en-US" dirty="0" smtClean="0"/>
+              <a:rPr lang="en-US" dirty="0"/>
               <a:t>DML-</a:t>
             </a:r>
             <a:r>
-              <a:rPr lang="ru-RU" dirty="0" smtClean="0"/>
+              <a:rPr lang="ru-RU" dirty="0"/>
               <a:t>триггеры (</a:t>
             </a:r>
             <a:r>
-              <a:rPr lang="en-US" dirty="0" smtClean="0"/>
+              <a:rPr lang="en-US" dirty="0"/>
               <a:t>INSERT/UPDATE/DELETE)</a:t>
             </a:r>
-            <a:endParaRPr lang="ru-RU" dirty="0" smtClean="0"/>
+            <a:endParaRPr lang="ru-RU" dirty="0"/>
           </a:p>
           <a:p>
             <a:pPr lvl="1"/>
             <a:r>
-              <a:rPr lang="ru-RU" dirty="0" smtClean="0"/>
+              <a:rPr lang="ru-RU" dirty="0"/>
               <a:t>Позволяют</a:t>
             </a:r>
             <a:r>
-              <a:rPr lang="en-US" dirty="0" smtClean="0"/>
+              <a:rPr lang="en-US" dirty="0"/>
               <a:t> </a:t>
             </a:r>
             <a:r>
-              <a:rPr lang="ru-RU" dirty="0" smtClean="0"/>
+              <a:rPr lang="ru-RU" dirty="0"/>
               <a:t>перехватывать операции на уровне отдельных таблиц.</a:t>
             </a:r>
           </a:p>
           <a:p>
             <a:pPr lvl="1"/>
             <a:r>
-              <a:rPr lang="ru-RU" dirty="0" smtClean="0"/>
+              <a:rPr lang="ru-RU" dirty="0"/>
               <a:t>Полезно для проверок безопасности, дополнительной целостности данных, протоколирования, аудита и т.п.</a:t>
             </a:r>
-            <a:endParaRPr lang="en-US" dirty="0" smtClean="0"/>
-          </a:p>
-          <a:p>
-            <a:r>
-              <a:rPr lang="en-US" dirty="0" smtClean="0"/>
+            <a:endParaRPr lang="en-US" dirty="0"/>
+          </a:p>
+          <a:p>
+            <a:r>
+              <a:rPr lang="en-US" dirty="0"/>
               <a:t>DDL</a:t>
             </a:r>
             <a:r>
-              <a:rPr lang="ru-RU" dirty="0" smtClean="0"/>
+              <a:rPr lang="ru-RU" dirty="0"/>
               <a:t>-триггеры</a:t>
             </a:r>
           </a:p>
           <a:p>
             <a:pPr lvl="1"/>
             <a:r>
-              <a:rPr lang="ru-RU" dirty="0" smtClean="0"/>
+              <a:rPr lang="ru-RU" dirty="0"/>
               <a:t>Автоматическое добавление колонок к таблицам </a:t>
             </a:r>
             <a:r>
-              <a:rPr lang="en-US" dirty="0" smtClean="0"/>
+              <a:rPr lang="en-US" dirty="0"/>
               <a:t>(</a:t>
             </a:r>
             <a:r>
-              <a:rPr lang="en-US" dirty="0" err="1" smtClean="0"/>
+              <a:rPr lang="en-US" dirty="0" err="1"/>
               <a:t>LastUpdated</a:t>
             </a:r>
             <a:r>
-              <a:rPr lang="en-US" dirty="0" smtClean="0"/>
+              <a:rPr lang="en-US" dirty="0"/>
               <a:t>, </a:t>
             </a:r>
             <a:r>
-              <a:rPr lang="en-US" dirty="0" err="1" smtClean="0"/>
+              <a:rPr lang="en-US" dirty="0" err="1"/>
               <a:t>UpdatedBy</a:t>
             </a:r>
             <a:r>
-              <a:rPr lang="en-US" dirty="0" smtClean="0"/>
+              <a:rPr lang="en-US" dirty="0"/>
               <a:t> </a:t>
             </a:r>
             <a:r>
-              <a:rPr lang="ru-RU" dirty="0" smtClean="0"/>
+              <a:rPr lang="ru-RU" dirty="0"/>
               <a:t>и т.п.)</a:t>
             </a:r>
           </a:p>
           <a:p>
             <a:pPr lvl="1"/>
             <a:r>
-              <a:rPr lang="ru-RU" dirty="0" smtClean="0"/>
+              <a:rPr lang="ru-RU" dirty="0"/>
               <a:t>Извещать </a:t>
             </a:r>
             <a:r>
-              <a:rPr lang="en-US" dirty="0" smtClean="0"/>
+              <a:rPr lang="en-US" dirty="0"/>
               <a:t>DBA </a:t>
             </a:r>
             <a:r>
-              <a:rPr lang="ru-RU" dirty="0" smtClean="0"/>
+              <a:rPr lang="ru-RU" dirty="0"/>
               <a:t>о создании новых БД</a:t>
             </a:r>
           </a:p>
           <a:p>
             <a:pPr lvl="1"/>
             <a:r>
-              <a:rPr lang="ru-RU" dirty="0" smtClean="0"/>
+              <a:rPr lang="ru-RU" dirty="0"/>
               <a:t>Аудит изменений схемы БД</a:t>
             </a:r>
           </a:p>
           <a:p>
             <a:r>
-              <a:rPr lang="ru-RU" dirty="0" smtClean="0"/>
+              <a:rPr lang="ru-RU" dirty="0"/>
               <a:t>Советы</a:t>
             </a:r>
-            <a:endParaRPr lang="ru-RU" dirty="0"/>
           </a:p>
           <a:p>
             <a:pPr lvl="1"/>
             <a:r>
-              <a:rPr lang="ru-RU" dirty="0" smtClean="0"/>
+              <a:rPr lang="ru-RU" dirty="0"/>
               <a:t>Триггер должен выполняться как можно быстрее</a:t>
             </a:r>
           </a:p>
           <a:p>
             <a:pPr lvl="1"/>
             <a:r>
-              <a:rPr lang="ru-RU" dirty="0" smtClean="0"/>
-              <a:t>Не забывайте, </a:t>
-            </a:r>
-            <a:r>
               <a:rPr lang="ru-RU" dirty="0"/>
-              <a:t>что </a:t>
-            </a:r>
-            <a:r>
-              <a:rPr lang="ru-RU" dirty="0" smtClean="0"/>
-              <a:t>триггер вызывается для всего пакета изменений, а не для отдельных строк</a:t>
+              <a:t>Не забывайте, что триггер вызывается для всего пакета изменений, а не для отдельных строк</a:t>
             </a:r>
             <a:endParaRPr lang="en-US" dirty="0"/>
           </a:p>
@@ -15796,13 +15290,6 @@
   <p:clrMapOvr>
     <a:masterClrMapping/>
   </p:clrMapOvr>
-  <p:timing>
-    <p:tnLst>
-      <p:par>
-        <p:cTn id="1" dur="indefinite" restart="never" nodeType="tmRoot"/>
-      </p:par>
-    </p:tnLst>
-  </p:timing>
 </p:sld>
 </file>
 
@@ -15839,7 +15326,7 @@
           <a:lstStyle/>
           <a:p>
             <a:r>
-              <a:rPr lang="ru-RU" dirty="0" smtClean="0"/>
+              <a:rPr lang="ru-RU" dirty="0"/>
               <a:t>Понятие транзакции</a:t>
             </a:r>
             <a:endParaRPr lang="en-US" dirty="0"/>
@@ -15867,31 +15354,23 @@
               <a:buNone/>
             </a:pPr>
             <a:r>
-              <a:rPr lang="ru-RU" dirty="0" smtClean="0"/>
-              <a:t>Группа </a:t>
-            </a:r>
-            <a:r>
               <a:rPr lang="ru-RU" dirty="0"/>
-              <a:t>последовательных операций с базой данных, которая представляет собой логическую единицу работы с данными. Транзакция может быть выполнена либо целиком и успешно, соблюдая целостность данных и независимо от параллельно идущих других транзакций, либо не выполнена вообще и тогда она не должна произвести никакого </a:t>
-            </a:r>
-            <a:r>
-              <a:rPr lang="ru-RU" dirty="0" smtClean="0"/>
-              <a:t>эффекта</a:t>
-            </a:r>
-            <a:endParaRPr lang="en-US" dirty="0" smtClean="0"/>
+              <a:t>Группа последовательных операций с базой данных, которая представляет собой логическую единицу работы с данными. Транзакция может быть выполнена либо целиком и успешно, соблюдая целостность данных и независимо от параллельно идущих других транзакций, либо не выполнена вообще и тогда она не должна произвести никакого эффекта</a:t>
+            </a:r>
+            <a:endParaRPr lang="en-US" dirty="0"/>
           </a:p>
           <a:p>
             <a:pPr marL="0" indent="0">
               <a:buNone/>
             </a:pPr>
-            <a:endParaRPr lang="ru-RU" dirty="0" smtClean="0"/>
+            <a:endParaRPr lang="ru-RU" dirty="0"/>
           </a:p>
           <a:p>
             <a:pPr marL="0" indent="0">
               <a:buNone/>
             </a:pPr>
             <a:r>
-              <a:rPr lang="en-US" dirty="0" smtClean="0"/>
+              <a:rPr lang="en-US" dirty="0"/>
               <a:t>BEGIN TRAN</a:t>
             </a:r>
           </a:p>
@@ -15900,7 +15379,7 @@
               <a:buNone/>
             </a:pPr>
             <a:r>
-              <a:rPr lang="en-US" dirty="0" smtClean="0"/>
+              <a:rPr lang="en-US" dirty="0"/>
               <a:t>…</a:t>
             </a:r>
           </a:p>
@@ -15909,10 +15388,9 @@
               <a:buNone/>
             </a:pPr>
             <a:r>
-              <a:rPr lang="en-US" dirty="0" smtClean="0"/>
+              <a:rPr lang="en-US" dirty="0"/>
               <a:t>COMMIT TRAN | ROLLBACK TRAN</a:t>
             </a:r>
-            <a:endParaRPr lang="en-US" dirty="0"/>
           </a:p>
         </p:txBody>
       </p:sp>
@@ -15926,13 +15404,6 @@
   <p:clrMapOvr>
     <a:masterClrMapping/>
   </p:clrMapOvr>
-  <p:timing>
-    <p:tnLst>
-      <p:par>
-        <p:cTn id="1" dur="indefinite" restart="never" nodeType="tmRoot"/>
-      </p:par>
-    </p:tnLst>
-  </p:timing>
 </p:sld>
 </file>
 
@@ -15969,7 +15440,7 @@
           <a:lstStyle/>
           <a:p>
             <a:r>
-              <a:rPr lang="ru-RU" dirty="0" smtClean="0"/>
+              <a:rPr lang="ru-RU" dirty="0"/>
               <a:t>Типы БД</a:t>
             </a:r>
             <a:endParaRPr lang="en-US" dirty="0"/>
@@ -15994,7 +15465,7 @@
           <a:lstStyle/>
           <a:p>
             <a:r>
-              <a:rPr lang="ru-RU" sz="4600" dirty="0" smtClean="0">
+              <a:rPr lang="ru-RU" sz="4600" dirty="0">
                 <a:solidFill>
                   <a:srgbClr val="FFFF00"/>
                 </a:solidFill>
@@ -16002,7 +15473,7 @@
               <a:t>Реляционные </a:t>
             </a:r>
             <a:r>
-              <a:rPr lang="en-US" sz="4600" dirty="0" smtClean="0">
+              <a:rPr lang="en-US" sz="4600" dirty="0">
                 <a:solidFill>
                   <a:srgbClr val="FFFF00"/>
                 </a:solidFill>
@@ -16018,33 +15489,25 @@
                   <a:schemeClr val="bg1"/>
                 </a:solidFill>
               </a:rPr>
-              <a:t>MS </a:t>
-            </a:r>
-            <a:r>
-              <a:rPr lang="en-US" dirty="0" smtClean="0">
+              <a:t>MS Access, </a:t>
+            </a:r>
+            <a:r>
+              <a:rPr lang="en-US" dirty="0">
+                <a:solidFill>
+                  <a:srgbClr val="FFFF00"/>
+                </a:solidFill>
+              </a:rPr>
+              <a:t>MS SQL Server</a:t>
+            </a:r>
+            <a:r>
+              <a:rPr lang="en-US" dirty="0">
                 <a:solidFill>
                   <a:schemeClr val="bg1"/>
                 </a:solidFill>
               </a:rPr>
-              <a:t>Access, </a:t>
-            </a:r>
-            <a:r>
-              <a:rPr lang="en-US" dirty="0">
-                <a:solidFill>
-                  <a:srgbClr val="FFFF00"/>
-                </a:solidFill>
-              </a:rPr>
-              <a:t>MS SQL Server</a:t>
-            </a:r>
-            <a:r>
-              <a:rPr lang="en-US" dirty="0" smtClean="0">
-                <a:solidFill>
-                  <a:schemeClr val="bg1"/>
-                </a:solidFill>
-              </a:rPr>
               <a:t>, Oracle, MySQL, PostgreSQL, SQLite, ...</a:t>
             </a:r>
-            <a:endParaRPr lang="ru-RU" dirty="0" smtClean="0">
+            <a:endParaRPr lang="ru-RU" dirty="0">
               <a:solidFill>
                 <a:schemeClr val="bg1"/>
               </a:solidFill>
@@ -16052,11 +15515,11 @@
           </a:p>
           <a:p>
             <a:r>
-              <a:rPr lang="ru-RU" dirty="0" smtClean="0"/>
+              <a:rPr lang="ru-RU" dirty="0"/>
               <a:t>Документные</a:t>
             </a:r>
             <a:r>
-              <a:rPr lang="en-US" dirty="0" smtClean="0"/>
+              <a:rPr lang="en-US" dirty="0"/>
               <a:t> (document-driven)</a:t>
             </a:r>
           </a:p>
@@ -16087,32 +15550,32 @@
               <a:t>, Amazon </a:t>
             </a:r>
             <a:r>
-              <a:rPr lang="en-US" dirty="0" err="1" smtClean="0"/>
+              <a:rPr lang="en-US" dirty="0" err="1"/>
               <a:t>SimpleDB</a:t>
             </a:r>
             <a:r>
-              <a:rPr lang="en-US" dirty="0" smtClean="0"/>
+              <a:rPr lang="en-US" dirty="0"/>
               <a:t>, ...</a:t>
             </a:r>
           </a:p>
           <a:p>
             <a:r>
-              <a:rPr lang="ru-RU" dirty="0" smtClean="0"/>
+              <a:rPr lang="ru-RU" dirty="0"/>
               <a:t>Графовые </a:t>
             </a:r>
             <a:r>
-              <a:rPr lang="en-US" dirty="0" smtClean="0"/>
+              <a:rPr lang="en-US" dirty="0"/>
               <a:t>(graph)</a:t>
             </a:r>
           </a:p>
           <a:p>
             <a:pPr lvl="1"/>
             <a:r>
-              <a:rPr lang="en-US" dirty="0" smtClean="0"/>
+              <a:rPr lang="en-US" dirty="0"/>
               <a:t>Neo4j, </a:t>
             </a:r>
             <a:r>
-              <a:rPr lang="en-US" dirty="0" err="1" smtClean="0"/>
+              <a:rPr lang="en-US" dirty="0" err="1"/>
               <a:t>MapGraph</a:t>
             </a:r>
             <a:r>
@@ -16120,20 +15583,20 @@
               <a:t>, </a:t>
             </a:r>
             <a:r>
-              <a:rPr lang="en-US" dirty="0" err="1" smtClean="0"/>
+              <a:rPr lang="en-US" dirty="0" err="1"/>
               <a:t>OrientDB</a:t>
             </a:r>
             <a:r>
-              <a:rPr lang="en-US" dirty="0" smtClean="0"/>
+              <a:rPr lang="en-US" dirty="0"/>
               <a:t>, ...</a:t>
             </a:r>
           </a:p>
           <a:p>
             <a:r>
-              <a:rPr lang="ru-RU" dirty="0" smtClean="0"/>
+              <a:rPr lang="ru-RU" dirty="0"/>
               <a:t>Объектно-ориентированные</a:t>
             </a:r>
-            <a:endParaRPr lang="en-US" dirty="0" smtClean="0"/>
+            <a:endParaRPr lang="en-US" dirty="0"/>
           </a:p>
           <a:p>
             <a:pPr lvl="1"/>
@@ -16151,24 +15614,19 @@
             </a:r>
             <a:r>
               <a:rPr lang="en-US" dirty="0"/>
-              <a:t>, </a:t>
-            </a:r>
-            <a:r>
-              <a:rPr lang="en-US" dirty="0" smtClean="0"/>
-              <a:t>Db4o, ...</a:t>
-            </a:r>
-            <a:endParaRPr lang="en-US" dirty="0"/>
-          </a:p>
-          <a:p>
-            <a:r>
-              <a:rPr lang="ru-RU" dirty="0" smtClean="0"/>
+              <a:t>, Db4o, ...</a:t>
+            </a:r>
+          </a:p>
+          <a:p>
+            <a:r>
+              <a:rPr lang="ru-RU" dirty="0"/>
               <a:t>И другие </a:t>
             </a:r>
             <a:r>
-              <a:rPr lang="en-US" dirty="0" smtClean="0"/>
+              <a:rPr lang="en-US" dirty="0"/>
               <a:t>...</a:t>
             </a:r>
-            <a:endParaRPr lang="ru-RU" dirty="0" smtClean="0"/>
+            <a:endParaRPr lang="ru-RU" dirty="0"/>
           </a:p>
           <a:p>
             <a:endParaRPr lang="ru-RU" dirty="0"/>
@@ -16178,22 +15636,21 @@
               <a:buNone/>
             </a:pPr>
             <a:r>
-              <a:rPr lang="ru-RU" dirty="0" smtClean="0"/>
+              <a:rPr lang="ru-RU" dirty="0"/>
               <a:t>СУБД – Система Управления Базами Данных </a:t>
             </a:r>
             <a:r>
-              <a:rPr lang="en-US" dirty="0" smtClean="0"/>
+              <a:rPr lang="en-US" dirty="0"/>
               <a:t>(RDBMS </a:t>
             </a:r>
             <a:r>
-              <a:rPr lang="ru-RU" dirty="0" smtClean="0"/>
+              <a:rPr lang="ru-RU" dirty="0"/>
               <a:t>– </a:t>
             </a:r>
             <a:r>
-              <a:rPr lang="en-US" dirty="0" smtClean="0"/>
+              <a:rPr lang="en-US" dirty="0"/>
               <a:t>Relational Database Management System)</a:t>
             </a:r>
-            <a:endParaRPr lang="en-US" dirty="0"/>
           </a:p>
         </p:txBody>
       </p:sp>
@@ -16207,13 +15664,6 @@
   <p:clrMapOvr>
     <a:masterClrMapping/>
   </p:clrMapOvr>
-  <p:timing>
-    <p:tnLst>
-      <p:par>
-        <p:cTn id="1" dur="indefinite" restart="never" nodeType="tmRoot"/>
-      </p:par>
-    </p:tnLst>
-  </p:timing>
 </p:sld>
 </file>
 
@@ -16250,7 +15700,7 @@
           <a:lstStyle/>
           <a:p>
             <a:r>
-              <a:rPr lang="ru-RU" dirty="0" smtClean="0"/>
+              <a:rPr lang="ru-RU" dirty="0"/>
               <a:t>Производители СУБД</a:t>
             </a:r>
             <a:endParaRPr lang="en-US" dirty="0"/>
@@ -16273,54 +15723,54 @@
           <a:lstStyle/>
           <a:p>
             <a:r>
-              <a:rPr lang="en-US" dirty="0" smtClean="0"/>
+              <a:rPr lang="en-US" dirty="0"/>
               <a:t>IBM</a:t>
             </a:r>
           </a:p>
           <a:p>
             <a:pPr lvl="1"/>
             <a:r>
-              <a:rPr lang="en-US" dirty="0" smtClean="0"/>
+              <a:rPr lang="en-US" dirty="0"/>
               <a:t>DB2</a:t>
             </a:r>
           </a:p>
           <a:p>
             <a:r>
-              <a:rPr lang="en-US" dirty="0" smtClean="0"/>
+              <a:rPr lang="en-US" dirty="0"/>
               <a:t>Microsoft</a:t>
             </a:r>
           </a:p>
           <a:p>
             <a:pPr lvl="1"/>
             <a:r>
-              <a:rPr lang="en-US" dirty="0" smtClean="0"/>
+              <a:rPr lang="en-US" dirty="0"/>
               <a:t>SQL Server</a:t>
             </a:r>
           </a:p>
           <a:p>
             <a:pPr lvl="1"/>
             <a:r>
-              <a:rPr lang="en-US" dirty="0" smtClean="0"/>
+              <a:rPr lang="en-US" dirty="0"/>
               <a:t>Access</a:t>
             </a:r>
           </a:p>
           <a:p>
             <a:r>
-              <a:rPr lang="en-US" dirty="0" smtClean="0"/>
+              <a:rPr lang="en-US" dirty="0"/>
               <a:t>Oracle</a:t>
             </a:r>
           </a:p>
           <a:p>
             <a:pPr lvl="1"/>
             <a:r>
-              <a:rPr lang="en-US" dirty="0" smtClean="0"/>
+              <a:rPr lang="en-US" dirty="0"/>
               <a:t>Oracle</a:t>
             </a:r>
           </a:p>
           <a:p>
             <a:pPr lvl="1"/>
             <a:r>
-              <a:rPr lang="en-US" dirty="0" smtClean="0"/>
+              <a:rPr lang="en-US" dirty="0"/>
               <a:t>MySQL</a:t>
             </a:r>
           </a:p>
@@ -16336,13 +15786,6 @@
   <p:clrMapOvr>
     <a:masterClrMapping/>
   </p:clrMapOvr>
-  <p:timing>
-    <p:tnLst>
-      <p:par>
-        <p:cTn id="1" dur="indefinite" restart="never" nodeType="tmRoot"/>
-      </p:par>
-    </p:tnLst>
-  </p:timing>
 </p:sld>
 </file>
 
@@ -16379,10 +15822,9 @@
           <a:lstStyle/>
           <a:p>
             <a:r>
-              <a:rPr lang="en-US" dirty="0" smtClean="0"/>
+              <a:rPr lang="en-US" dirty="0"/>
               <a:t>SQL Server</a:t>
             </a:r>
-            <a:endParaRPr lang="en-US" dirty="0"/>
           </a:p>
         </p:txBody>
       </p:sp>
@@ -16407,58 +15849,47 @@
               <a:rPr lang="en-US" dirty="0">
                 <a:hlinkClick r:id="rId2"/>
               </a:rPr>
-              <a:t>http://</a:t>
-            </a:r>
-            <a:r>
-              <a:rPr lang="en-US" dirty="0" smtClean="0">
-                <a:hlinkClick r:id="rId2"/>
-              </a:rPr>
-              <a:t>www.microsoft.com/sqlserver/en/us/default.aspx</a:t>
-            </a:r>
-            <a:endParaRPr lang="ru-RU" dirty="0" smtClean="0"/>
-          </a:p>
-          <a:p>
-            <a:r>
-              <a:rPr lang="ru-RU" dirty="0" smtClean="0"/>
+              <a:t>http://www.microsoft.com/sqlserver/en/us/default.aspx</a:t>
+            </a:r>
+            <a:endParaRPr lang="ru-RU" dirty="0"/>
+          </a:p>
+          <a:p>
+            <a:r>
+              <a:rPr lang="ru-RU" dirty="0"/>
               <a:t>Редакции</a:t>
             </a:r>
-            <a:endParaRPr lang="en-US" dirty="0" smtClean="0"/>
+            <a:endParaRPr lang="en-US" dirty="0"/>
           </a:p>
           <a:p>
             <a:pPr lvl="1"/>
             <a:r>
-              <a:rPr lang="en-US" dirty="0" smtClean="0"/>
+              <a:rPr lang="en-US" dirty="0"/>
               <a:t>Enterprise </a:t>
-            </a:r>
-            <a:r>
-              <a:rPr lang="en-US" sz="1900" dirty="0" smtClean="0"/>
-              <a:t>($$$)</a:t>
-            </a:r>
-          </a:p>
-          <a:p>
-            <a:pPr lvl="1"/>
-            <a:r>
-              <a:rPr lang="en-US" dirty="0" smtClean="0"/>
-              <a:t>Business </a:t>
-            </a:r>
-            <a:r>
-              <a:rPr lang="en-US" dirty="0"/>
-              <a:t>Intelligence (BI) </a:t>
             </a:r>
             <a:r>
               <a:rPr lang="en-US" sz="1900" dirty="0"/>
               <a:t>($$$)</a:t>
             </a:r>
-            <a:endParaRPr lang="en-US" sz="1900" dirty="0" smtClean="0"/>
           </a:p>
           <a:p>
             <a:pPr lvl="1"/>
             <a:r>
               <a:rPr lang="en-US" dirty="0"/>
+              <a:t>Business Intelligence (BI) </a:t>
+            </a:r>
+            <a:r>
+              <a:rPr lang="en-US" sz="1900" dirty="0"/>
+              <a:t>($$$)</a:t>
+            </a:r>
+          </a:p>
+          <a:p>
+            <a:pPr lvl="1"/>
+            <a:r>
+              <a:rPr lang="en-US" dirty="0"/>
               <a:t>Standard </a:t>
             </a:r>
             <a:r>
-              <a:rPr lang="en-US" sz="1900" dirty="0" smtClean="0"/>
+              <a:rPr lang="en-US" sz="1900" dirty="0"/>
               <a:t>($$)</a:t>
             </a:r>
           </a:p>
@@ -16469,29 +15900,29 @@
               <a:t>Web </a:t>
             </a:r>
             <a:r>
-              <a:rPr lang="en-US" sz="1900" dirty="0" smtClean="0"/>
+              <a:rPr lang="en-US" sz="1900" dirty="0"/>
               <a:t>($$)</a:t>
             </a:r>
           </a:p>
           <a:p>
             <a:pPr lvl="1"/>
             <a:r>
-              <a:rPr lang="en-US" dirty="0" smtClean="0"/>
+              <a:rPr lang="en-US" dirty="0"/>
               <a:t>Developer (</a:t>
             </a:r>
             <a:r>
-              <a:rPr lang="ru-RU" dirty="0" smtClean="0"/>
+              <a:rPr lang="ru-RU" dirty="0"/>
               <a:t>бесплатная для подписчиков </a:t>
             </a:r>
             <a:r>
-              <a:rPr lang="en-US" dirty="0" smtClean="0"/>
+              <a:rPr lang="en-US" dirty="0"/>
               <a:t>MSDN)</a:t>
             </a:r>
           </a:p>
           <a:p>
             <a:pPr lvl="1"/>
             <a:r>
-              <a:rPr lang="en-US" dirty="0" smtClean="0">
+              <a:rPr lang="en-US" dirty="0">
                 <a:solidFill>
                   <a:srgbClr val="FFFF00"/>
                 </a:solidFill>
@@ -16499,7 +15930,7 @@
               <a:t>Express (</a:t>
             </a:r>
             <a:r>
-              <a:rPr lang="ru-RU" dirty="0" smtClean="0">
+              <a:rPr lang="ru-RU" dirty="0">
                 <a:solidFill>
                   <a:srgbClr val="FFFF00"/>
                 </a:solidFill>
@@ -16507,7 +15938,7 @@
               <a:t>бесплатная). Устанавливается вместе с </a:t>
             </a:r>
             <a:r>
-              <a:rPr lang="en-US" dirty="0" smtClean="0">
+              <a:rPr lang="en-US" dirty="0">
                 <a:solidFill>
                   <a:srgbClr val="FFFF00"/>
                 </a:solidFill>
@@ -16518,34 +15949,34 @@
           <a:p>
             <a:pPr lvl="1"/>
             <a:r>
-              <a:rPr lang="en-US" dirty="0" smtClean="0"/>
+              <a:rPr lang="en-US" dirty="0"/>
               <a:t>Compact (</a:t>
-            </a:r>
-            <a:r>
-              <a:rPr lang="ru-RU" dirty="0" smtClean="0"/>
-              <a:t>бесплатная, свободно распространяемая)</a:t>
-            </a:r>
-            <a:endParaRPr lang="en-US" dirty="0" smtClean="0"/>
-          </a:p>
-          <a:p>
-            <a:pPr lvl="1"/>
-            <a:r>
-              <a:rPr lang="en-US" dirty="0" err="1" smtClean="0"/>
-              <a:t>LocalDB</a:t>
-            </a:r>
-            <a:r>
-              <a:rPr lang="ru-RU" dirty="0" smtClean="0"/>
-              <a:t> </a:t>
-            </a:r>
-            <a:r>
-              <a:rPr lang="en-US" dirty="0"/>
-              <a:t>(</a:t>
             </a:r>
             <a:r>
               <a:rPr lang="ru-RU" dirty="0"/>
               <a:t>бесплатная, свободно распространяемая)</a:t>
             </a:r>
-            <a:endParaRPr lang="en-US" dirty="0" smtClean="0"/>
+            <a:endParaRPr lang="en-US" dirty="0"/>
+          </a:p>
+          <a:p>
+            <a:pPr lvl="1"/>
+            <a:r>
+              <a:rPr lang="en-US" dirty="0" err="1"/>
+              <a:t>LocalDB</a:t>
+            </a:r>
+            <a:r>
+              <a:rPr lang="ru-RU" dirty="0"/>
+              <a:t> </a:t>
+            </a:r>
+            <a:r>
+              <a:rPr lang="en-US" dirty="0"/>
+              <a:t>(</a:t>
+            </a:r>
+            <a:r>
+              <a:rPr lang="ru-RU" dirty="0"/>
+              <a:t>бесплатная, свободно распространяемая)</a:t>
+            </a:r>
+            <a:endParaRPr lang="en-US" dirty="0"/>
           </a:p>
           <a:p>
             <a:endParaRPr lang="en-US" dirty="0"/>
@@ -16562,13 +15993,6 @@
   <p:clrMapOvr>
     <a:masterClrMapping/>
   </p:clrMapOvr>
-  <p:timing>
-    <p:tnLst>
-      <p:par>
-        <p:cTn id="1" dur="indefinite" restart="never" nodeType="tmRoot"/>
-      </p:par>
-    </p:tnLst>
-  </p:timing>
 </p:sld>
 </file>
 
@@ -16607,14 +16031,13 @@
           <a:lstStyle/>
           <a:p>
             <a:r>
-              <a:rPr lang="en-US" dirty="0" smtClean="0"/>
+              <a:rPr lang="en-US" dirty="0"/>
               <a:t>SQL Server: </a:t>
             </a:r>
             <a:r>
-              <a:rPr lang="ru-RU" dirty="0" smtClean="0"/>
+              <a:rPr lang="ru-RU" dirty="0"/>
               <a:t>Краткая история версий</a:t>
             </a:r>
-            <a:endParaRPr lang="ru-RU" dirty="0"/>
           </a:p>
         </p:txBody>
       </p:sp>
@@ -16634,63 +16057,62 @@
           <a:lstStyle/>
           <a:p>
             <a:r>
-              <a:rPr lang="en-US" dirty="0" smtClean="0"/>
+              <a:rPr lang="en-US" dirty="0"/>
               <a:t>SQL Server 2014</a:t>
             </a:r>
           </a:p>
           <a:p>
             <a:r>
-              <a:rPr lang="en-US" dirty="0" smtClean="0"/>
+              <a:rPr lang="en-US" dirty="0"/>
               <a:t>SQL Server 2012</a:t>
             </a:r>
           </a:p>
           <a:p>
             <a:r>
-              <a:rPr lang="en-US" dirty="0" smtClean="0"/>
+              <a:rPr lang="en-US" dirty="0"/>
               <a:t>SQL Server 2008 </a:t>
             </a:r>
             <a:r>
-              <a:rPr lang="ru-RU" dirty="0" smtClean="0"/>
+              <a:rPr lang="ru-RU" dirty="0"/>
               <a:t>и 2008 </a:t>
             </a:r>
             <a:r>
-              <a:rPr lang="en-US" dirty="0" smtClean="0"/>
+              <a:rPr lang="en-US" dirty="0"/>
               <a:t>R2</a:t>
             </a:r>
             <a:r>
-              <a:rPr lang="ru-RU" dirty="0" smtClean="0"/>
+              <a:rPr lang="ru-RU" dirty="0"/>
               <a:t> (2010 год)</a:t>
             </a:r>
-            <a:endParaRPr lang="en-US" dirty="0" smtClean="0"/>
-          </a:p>
-          <a:p>
-            <a:r>
-              <a:rPr lang="en-US" dirty="0" smtClean="0"/>
+            <a:endParaRPr lang="en-US" dirty="0"/>
+          </a:p>
+          <a:p>
+            <a:r>
+              <a:rPr lang="en-US" dirty="0"/>
               <a:t>SQL Server 2005</a:t>
             </a:r>
           </a:p>
           <a:p>
             <a:r>
-              <a:rPr lang="en-US" dirty="0" smtClean="0"/>
+              <a:rPr lang="en-US" dirty="0"/>
               <a:t>SQL Server 2000</a:t>
             </a:r>
           </a:p>
           <a:p>
             <a:r>
-              <a:rPr lang="en-US" dirty="0" smtClean="0"/>
+              <a:rPr lang="en-US" dirty="0"/>
               <a:t>...</a:t>
             </a:r>
           </a:p>
           <a:p>
             <a:r>
-              <a:rPr lang="en-US" dirty="0" smtClean="0"/>
+              <a:rPr lang="en-US" dirty="0"/>
               <a:t>SQL Server 1.0, 1989 </a:t>
             </a:r>
             <a:r>
-              <a:rPr lang="ru-RU" dirty="0" smtClean="0"/>
+              <a:rPr lang="ru-RU" dirty="0"/>
               <a:t>год</a:t>
             </a:r>
-            <a:endParaRPr lang="ru-RU" dirty="0"/>
           </a:p>
         </p:txBody>
       </p:sp>
@@ -16740,18 +16162,17 @@
           <a:lstStyle/>
           <a:p>
             <a:r>
-              <a:rPr lang="en-US" dirty="0" smtClean="0"/>
+              <a:rPr lang="en-US" dirty="0"/>
               <a:t>SQL Server </a:t>
             </a:r>
             <a:r>
-              <a:rPr lang="ru-RU" dirty="0" smtClean="0"/>
+              <a:rPr lang="ru-RU" dirty="0"/>
               <a:t>2012 </a:t>
             </a:r>
             <a:r>
-              <a:rPr lang="en-US" dirty="0" smtClean="0"/>
+              <a:rPr lang="en-US" dirty="0"/>
               <a:t>Express Edition</a:t>
             </a:r>
-            <a:endParaRPr lang="en-US" dirty="0"/>
           </a:p>
         </p:txBody>
       </p:sp>
@@ -16774,22 +16195,15 @@
               <a:rPr lang="en-US" dirty="0">
                 <a:hlinkClick r:id="rId2"/>
               </a:rPr>
-              <a:t>http://</a:t>
-            </a:r>
-            <a:r>
-              <a:rPr lang="en-US" dirty="0" smtClean="0">
-                <a:hlinkClick r:id="rId2"/>
-              </a:rPr>
-              <a:t>www.microsoft.com/sqlserver/en/us/editions/2012-editions/express.aspx</a:t>
-            </a:r>
-            <a:endParaRPr lang="ru-RU" dirty="0" smtClean="0"/>
-          </a:p>
-          <a:p>
-            <a:r>
-              <a:rPr lang="en-US" dirty="0" smtClean="0"/>
+              <a:t>http://www.microsoft.com/sqlserver/en/us/editions/2012-editions/express.aspx</a:t>
+            </a:r>
+            <a:endParaRPr lang="ru-RU" dirty="0"/>
+          </a:p>
+          <a:p>
+            <a:r>
+              <a:rPr lang="en-US" dirty="0"/>
               <a:t>Windows Vista, Windows 7</a:t>
             </a:r>
-            <a:endParaRPr lang="en-US" dirty="0"/>
           </a:p>
         </p:txBody>
       </p:sp>
@@ -16803,21 +16217,6 @@
   <p:clrMapOvr>
     <a:masterClrMapping/>
   </p:clrMapOvr>
-  <mc:AlternateContent xmlns:mc="http://schemas.openxmlformats.org/markup-compatibility/2006" xmlns:p14="http://schemas.microsoft.com/office/powerpoint/2010/main">
-    <mc:Choice Requires="p14">
-      <p:transition spd="slow" p14:dur="2000"/>
-    </mc:Choice>
-    <mc:Fallback xmlns="">
-      <p:transition spd="slow"/>
-    </mc:Fallback>
-  </mc:AlternateContent>
-  <p:timing>
-    <p:tnLst>
-      <p:par>
-        <p:cTn id="1" dur="indefinite" restart="never" nodeType="tmRoot"/>
-      </p:par>
-    </p:tnLst>
-  </p:timing>
 </p:sld>
 </file>
 

--- a/Presentation/lesson-09-sql.pptx
+++ b/Presentation/lesson-09-sql.pptx
@@ -149,7 +149,7 @@
   </p:defaultTextStyle>
   <p:extLst>
     <p:ext uri="{EFAFB233-063F-42B5-8137-9DF3F51BA10A}">
-      <p15:sldGuideLst xmlns:p15="http://schemas.microsoft.com/office/powerpoint/2012/main">
+      <p15:sldGuideLst xmlns:p15="http://schemas.microsoft.com/office/powerpoint/2012/main" xmlns="">
         <p15:guide id="1" orient="horz" pos="2160">
           <p15:clr>
             <a:srgbClr val="A4A3A4"/>
@@ -248,7 +248,7 @@
           <a:p>
             <a:fld id="{B24A7054-7FFB-49F4-A126-5DF6E687FF53}" type="datetimeFigureOut">
               <a:rPr lang="ru-RU" smtClean="0"/>
-              <a:t>01.07.2018</a:t>
+              <a:t>22.02.2019</a:t>
             </a:fld>
             <a:endParaRPr lang="ru-RU"/>
           </a:p>
@@ -517,8 +517,8 @@
 </file>
 
 <file path=ppt/slideLayouts/slideLayout1.xml><?xml version="1.0" encoding="utf-8"?>
-<p:sldLayout xmlns:a="http://schemas.openxmlformats.org/drawingml/2006/main" xmlns:r="http://schemas.openxmlformats.org/officeDocument/2006/relationships" xmlns:p="http://schemas.openxmlformats.org/presentationml/2006/main" preserve="1" userDrawn="1">
-  <p:cSld name="Title Slide">
+<p:sldLayout xmlns:a="http://schemas.openxmlformats.org/drawingml/2006/main" xmlns:r="http://schemas.openxmlformats.org/officeDocument/2006/relationships" xmlns:p="http://schemas.openxmlformats.org/presentationml/2006/main" type="obj" preserve="1">
+  <p:cSld name="Title and Content">
     <p:spTree>
       <p:nvGrpSpPr>
         <p:cNvPr id="1" name=""/>
@@ -535,172 +535,83 @@
       </p:grpSpPr>
       <p:sp>
         <p:nvSpPr>
-          <p:cNvPr id="7" name="Rectangle 6"/>
-          <p:cNvSpPr/>
-          <p:nvPr userDrawn="1"/>
+          <p:cNvPr id="2" name="Title 1"/>
+          <p:cNvSpPr>
+            <a:spLocks noGrp="1"/>
+          </p:cNvSpPr>
+          <p:nvPr>
+            <p:ph type="title"/>
+          </p:nvPr>
         </p:nvSpPr>
-        <p:spPr>
-          <a:xfrm>
-            <a:off x="143508" y="1304764"/>
-            <a:ext cx="8856984" cy="646331"/>
-          </a:xfrm>
-          <a:prstGeom prst="rect">
-            <a:avLst/>
-          </a:prstGeom>
-        </p:spPr>
+        <p:spPr/>
         <p:txBody>
-          <a:bodyPr wrap="square">
-            <a:spAutoFit/>
-          </a:bodyPr>
+          <a:bodyPr/>
           <a:lstStyle/>
           <a:p>
-            <a:pPr algn="ctr"/>
-            <a:r>
-              <a:rPr lang="ru-RU" sz="3600" b="1" i="1" dirty="0">
-                <a:solidFill>
-                  <a:schemeClr val="bg1"/>
-                </a:solidFill>
-              </a:rPr>
-              <a:t>Основы программирования на </a:t>
-            </a:r>
-            <a:r>
-              <a:rPr lang="en-US" sz="3600" b="1" i="1" dirty="0">
-                <a:solidFill>
-                  <a:schemeClr val="bg1"/>
-                </a:solidFill>
-              </a:rPr>
-              <a:t>C#</a:t>
-            </a:r>
-            <a:endParaRPr lang="ru-RU" sz="3600" b="1" i="1" dirty="0">
-              <a:solidFill>
-                <a:schemeClr val="bg1"/>
-              </a:solidFill>
-            </a:endParaRPr>
+            <a:r>
+              <a:rPr lang="en-US"/>
+              <a:t>Click to edit Master title style</a:t>
+            </a:r>
+            <a:endParaRPr lang="ru-RU" dirty="0"/>
           </a:p>
         </p:txBody>
       </p:sp>
-      <p:pic>
-        <p:nvPicPr>
-          <p:cNvPr id="8" name="Picture 5"/>
-          <p:cNvPicPr>
-            <a:picLocks noChangeAspect="1" noChangeArrowheads="1"/>
-          </p:cNvPicPr>
-          <p:nvPr userDrawn="1"/>
-        </p:nvPicPr>
-        <p:blipFill>
-          <a:blip r:embed="rId2">
-            <a:extLst>
-              <a:ext uri="{28A0092B-C50C-407E-A947-70E740481C1C}">
-                <a14:useLocalDpi xmlns:a14="http://schemas.microsoft.com/office/drawing/2010/main" val="0"/>
-              </a:ext>
-            </a:extLst>
-          </a:blip>
-          <a:srcRect/>
-          <a:stretch>
-            <a:fillRect/>
-          </a:stretch>
-        </p:blipFill>
-        <p:spPr bwMode="auto">
-          <a:xfrm>
-            <a:off x="1638300" y="3829211"/>
-            <a:ext cx="5867400" cy="1724025"/>
-          </a:xfrm>
-          <a:prstGeom prst="rect">
-            <a:avLst/>
-          </a:prstGeom>
-          <a:noFill/>
-          <a:ln>
-            <a:noFill/>
-          </a:ln>
-          <a:effectLst/>
-          <a:extLst>
-            <a:ext uri="{909E8E84-426E-40DD-AFC4-6F175D3DCCD1}">
-              <a14:hiddenFill xmlns:a14="http://schemas.microsoft.com/office/drawing/2010/main">
-                <a:solidFill>
-                  <a:schemeClr val="accent1"/>
-                </a:solidFill>
-              </a14:hiddenFill>
-            </a:ext>
-            <a:ext uri="{91240B29-F687-4F45-9708-019B960494DF}">
-              <a14:hiddenLine xmlns:a14="http://schemas.microsoft.com/office/drawing/2010/main" w="9525">
-                <a:solidFill>
-                  <a:schemeClr val="tx1"/>
-                </a:solidFill>
-                <a:miter lim="800000"/>
-                <a:headEnd/>
-                <a:tailEnd/>
-              </a14:hiddenLine>
-            </a:ext>
-            <a:ext uri="{AF507438-7753-43E0-B8FC-AC1667EBCBE1}">
-              <a14:hiddenEffects xmlns:a14="http://schemas.microsoft.com/office/drawing/2010/main">
-                <a:effectLst>
-                  <a:outerShdw dist="35921" dir="2700000" algn="ctr" rotWithShape="0">
-                    <a:schemeClr val="bg2"/>
-                  </a:outerShdw>
-                </a:effectLst>
-              </a14:hiddenEffects>
-            </a:ext>
-          </a:extLst>
-        </p:spPr>
-      </p:pic>
       <p:sp>
         <p:nvSpPr>
-          <p:cNvPr id="9" name="TextBox 8"/>
-          <p:cNvSpPr txBox="1"/>
-          <p:nvPr userDrawn="1"/>
+          <p:cNvPr id="3" name="Content Placeholder 2"/>
+          <p:cNvSpPr>
+            <a:spLocks noGrp="1"/>
+          </p:cNvSpPr>
+          <p:nvPr>
+            <p:ph idx="1"/>
+          </p:nvPr>
         </p:nvSpPr>
-        <p:spPr>
-          <a:xfrm>
-            <a:off x="2774873" y="2528900"/>
-            <a:ext cx="4240263" cy="461665"/>
-          </a:xfrm>
-          <a:prstGeom prst="rect">
-            <a:avLst/>
-          </a:prstGeom>
-          <a:noFill/>
-        </p:spPr>
+        <p:spPr/>
         <p:txBody>
-          <a:bodyPr wrap="none" rtlCol="0">
-            <a:spAutoFit/>
-          </a:bodyPr>
+          <a:bodyPr/>
           <a:lstStyle/>
           <a:p>
-            <a:r>
-              <a:rPr lang="ru-RU" sz="2400" dirty="0">
-                <a:solidFill>
-                  <a:schemeClr val="bg1"/>
-                </a:solidFill>
-              </a:rPr>
-              <a:t>Занятие №</a:t>
-            </a:r>
-            <a:r>
-              <a:rPr lang="en-US" sz="2400" dirty="0">
-                <a:solidFill>
-                  <a:schemeClr val="bg1"/>
-                </a:solidFill>
-              </a:rPr>
-              <a:t>1</a:t>
-            </a:r>
-            <a:r>
-              <a:rPr lang="ru-RU" sz="2400" dirty="0">
-                <a:solidFill>
-                  <a:schemeClr val="bg1"/>
-                </a:solidFill>
-              </a:rPr>
-              <a:t>. Название занятия</a:t>
-            </a:r>
-            <a:endParaRPr lang="en-US" sz="2400" dirty="0">
-              <a:solidFill>
-                <a:schemeClr val="bg1"/>
-              </a:solidFill>
-            </a:endParaRPr>
+            <a:pPr lvl="0"/>
+            <a:r>
+              <a:rPr lang="en-US"/>
+              <a:t>Click to edit Master text styles</a:t>
+            </a:r>
+          </a:p>
+          <a:p>
+            <a:pPr lvl="1"/>
+            <a:r>
+              <a:rPr lang="en-US"/>
+              <a:t>Second level</a:t>
+            </a:r>
+          </a:p>
+          <a:p>
+            <a:pPr lvl="2"/>
+            <a:r>
+              <a:rPr lang="en-US"/>
+              <a:t>Third level</a:t>
+            </a:r>
+          </a:p>
+          <a:p>
+            <a:pPr lvl="3"/>
+            <a:r>
+              <a:rPr lang="en-US"/>
+              <a:t>Fourth level</a:t>
+            </a:r>
+          </a:p>
+          <a:p>
+            <a:pPr lvl="4"/>
+            <a:r>
+              <a:rPr lang="en-US"/>
+              <a:t>Fifth level</a:t>
+            </a:r>
+            <a:endParaRPr lang="ru-RU" dirty="0"/>
           </a:p>
         </p:txBody>
       </p:sp>
     </p:spTree>
     <p:extLst>
       <p:ext uri="{BB962C8B-B14F-4D97-AF65-F5344CB8AC3E}">
-        <p14:creationId xmlns:p14="http://schemas.microsoft.com/office/powerpoint/2010/main" val="2062725571"/>
+        <p14:creationId xmlns:p14="http://schemas.microsoft.com/office/powerpoint/2010/main" val="3363467697"/>
       </p:ext>
     </p:extLst>
   </p:cSld>
@@ -711,6 +622,1377 @@
 </file>
 
 <file path=ppt/slideLayouts/slideLayout10.xml><?xml version="1.0" encoding="utf-8"?>
+<p:sldLayout xmlns:a="http://schemas.openxmlformats.org/drawingml/2006/main" xmlns:r="http://schemas.openxmlformats.org/officeDocument/2006/relationships" xmlns:p="http://schemas.openxmlformats.org/presentationml/2006/main" type="vertTx" preserve="1">
+  <p:cSld name="Title and Vertical Text">
+    <p:spTree>
+      <p:nvGrpSpPr>
+        <p:cNvPr id="1" name=""/>
+        <p:cNvGrpSpPr/>
+        <p:nvPr/>
+      </p:nvGrpSpPr>
+      <p:grpSpPr>
+        <a:xfrm>
+          <a:off x="0" y="0"/>
+          <a:ext cx="0" cy="0"/>
+          <a:chOff x="0" y="0"/>
+          <a:chExt cx="0" cy="0"/>
+        </a:xfrm>
+      </p:grpSpPr>
+      <p:sp>
+        <p:nvSpPr>
+          <p:cNvPr id="2" name="Title 1"/>
+          <p:cNvSpPr>
+            <a:spLocks noGrp="1"/>
+          </p:cNvSpPr>
+          <p:nvPr>
+            <p:ph type="title"/>
+          </p:nvPr>
+        </p:nvSpPr>
+        <p:spPr/>
+        <p:txBody>
+          <a:bodyPr/>
+          <a:lstStyle/>
+          <a:p>
+            <a:r>
+              <a:rPr lang="en-US"/>
+              <a:t>Click to edit Master title style</a:t>
+            </a:r>
+            <a:endParaRPr lang="ru-RU" dirty="0"/>
+          </a:p>
+        </p:txBody>
+      </p:sp>
+      <p:sp>
+        <p:nvSpPr>
+          <p:cNvPr id="3" name="Vertical Text Placeholder 2"/>
+          <p:cNvSpPr>
+            <a:spLocks noGrp="1"/>
+          </p:cNvSpPr>
+          <p:nvPr>
+            <p:ph type="body" orient="vert" idx="1"/>
+          </p:nvPr>
+        </p:nvSpPr>
+        <p:spPr/>
+        <p:txBody>
+          <a:bodyPr vert="eaVert"/>
+          <a:lstStyle/>
+          <a:p>
+            <a:pPr lvl="0"/>
+            <a:r>
+              <a:rPr lang="en-US"/>
+              <a:t>Click to edit Master text styles</a:t>
+            </a:r>
+          </a:p>
+          <a:p>
+            <a:pPr lvl="1"/>
+            <a:r>
+              <a:rPr lang="en-US"/>
+              <a:t>Second level</a:t>
+            </a:r>
+          </a:p>
+          <a:p>
+            <a:pPr lvl="2"/>
+            <a:r>
+              <a:rPr lang="en-US"/>
+              <a:t>Third level</a:t>
+            </a:r>
+          </a:p>
+          <a:p>
+            <a:pPr lvl="3"/>
+            <a:r>
+              <a:rPr lang="en-US"/>
+              <a:t>Fourth level</a:t>
+            </a:r>
+          </a:p>
+          <a:p>
+            <a:pPr lvl="4"/>
+            <a:r>
+              <a:rPr lang="en-US"/>
+              <a:t>Fifth level</a:t>
+            </a:r>
+            <a:endParaRPr lang="ru-RU" dirty="0"/>
+          </a:p>
+        </p:txBody>
+      </p:sp>
+    </p:spTree>
+    <p:extLst>
+      <p:ext uri="{BB962C8B-B14F-4D97-AF65-F5344CB8AC3E}">
+        <p14:creationId xmlns:p14="http://schemas.microsoft.com/office/powerpoint/2010/main" val="2015559697"/>
+      </p:ext>
+    </p:extLst>
+  </p:cSld>
+  <p:clrMapOvr>
+    <a:masterClrMapping/>
+  </p:clrMapOvr>
+</p:sldLayout>
+</file>
+
+<file path=ppt/slideLayouts/slideLayout11.xml><?xml version="1.0" encoding="utf-8"?>
+<p:sldLayout xmlns:a="http://schemas.openxmlformats.org/drawingml/2006/main" xmlns:r="http://schemas.openxmlformats.org/officeDocument/2006/relationships" xmlns:p="http://schemas.openxmlformats.org/presentationml/2006/main" type="vertTitleAndTx" preserve="1">
+  <p:cSld name="Vertical Title and Text">
+    <p:spTree>
+      <p:nvGrpSpPr>
+        <p:cNvPr id="1" name=""/>
+        <p:cNvGrpSpPr/>
+        <p:nvPr/>
+      </p:nvGrpSpPr>
+      <p:grpSpPr>
+        <a:xfrm>
+          <a:off x="0" y="0"/>
+          <a:ext cx="0" cy="0"/>
+          <a:chOff x="0" y="0"/>
+          <a:chExt cx="0" cy="0"/>
+        </a:xfrm>
+      </p:grpSpPr>
+      <p:sp>
+        <p:nvSpPr>
+          <p:cNvPr id="2" name="Vertical Title 1"/>
+          <p:cNvSpPr>
+            <a:spLocks noGrp="1"/>
+          </p:cNvSpPr>
+          <p:nvPr>
+            <p:ph type="title" orient="vert"/>
+          </p:nvPr>
+        </p:nvSpPr>
+        <p:spPr>
+          <a:xfrm>
+            <a:off x="6629400" y="274638"/>
+            <a:ext cx="2057400" cy="5851525"/>
+          </a:xfrm>
+        </p:spPr>
+        <p:txBody>
+          <a:bodyPr vert="eaVert"/>
+          <a:lstStyle/>
+          <a:p>
+            <a:r>
+              <a:rPr lang="en-US"/>
+              <a:t>Click to edit Master title style</a:t>
+            </a:r>
+            <a:endParaRPr lang="ru-RU" dirty="0"/>
+          </a:p>
+        </p:txBody>
+      </p:sp>
+      <p:sp>
+        <p:nvSpPr>
+          <p:cNvPr id="3" name="Vertical Text Placeholder 2"/>
+          <p:cNvSpPr>
+            <a:spLocks noGrp="1"/>
+          </p:cNvSpPr>
+          <p:nvPr>
+            <p:ph type="body" orient="vert" idx="1"/>
+          </p:nvPr>
+        </p:nvSpPr>
+        <p:spPr>
+          <a:xfrm>
+            <a:off x="457200" y="274638"/>
+            <a:ext cx="6019800" cy="5851525"/>
+          </a:xfrm>
+        </p:spPr>
+        <p:txBody>
+          <a:bodyPr vert="eaVert"/>
+          <a:lstStyle/>
+          <a:p>
+            <a:pPr lvl="0"/>
+            <a:r>
+              <a:rPr lang="en-US"/>
+              <a:t>Click to edit Master text styles</a:t>
+            </a:r>
+          </a:p>
+          <a:p>
+            <a:pPr lvl="1"/>
+            <a:r>
+              <a:rPr lang="en-US"/>
+              <a:t>Second level</a:t>
+            </a:r>
+          </a:p>
+          <a:p>
+            <a:pPr lvl="2"/>
+            <a:r>
+              <a:rPr lang="en-US"/>
+              <a:t>Third level</a:t>
+            </a:r>
+          </a:p>
+          <a:p>
+            <a:pPr lvl="3"/>
+            <a:r>
+              <a:rPr lang="en-US"/>
+              <a:t>Fourth level</a:t>
+            </a:r>
+          </a:p>
+          <a:p>
+            <a:pPr lvl="4"/>
+            <a:r>
+              <a:rPr lang="en-US"/>
+              <a:t>Fifth level</a:t>
+            </a:r>
+            <a:endParaRPr lang="ru-RU" dirty="0"/>
+          </a:p>
+        </p:txBody>
+      </p:sp>
+    </p:spTree>
+    <p:extLst>
+      <p:ext uri="{BB962C8B-B14F-4D97-AF65-F5344CB8AC3E}">
+        <p14:creationId xmlns:p14="http://schemas.microsoft.com/office/powerpoint/2010/main" val="370514854"/>
+      </p:ext>
+    </p:extLst>
+  </p:cSld>
+  <p:clrMapOvr>
+    <a:masterClrMapping/>
+  </p:clrMapOvr>
+</p:sldLayout>
+</file>
+
+<file path=ppt/slideLayouts/slideLayout12.xml><?xml version="1.0" encoding="utf-8"?>
+<p:sldLayout xmlns:a="http://schemas.openxmlformats.org/drawingml/2006/main" xmlns:r="http://schemas.openxmlformats.org/officeDocument/2006/relationships" xmlns:p="http://schemas.openxmlformats.org/presentationml/2006/main" type="title">
+  <p:cSld name="2_Title Slide">
+    <p:spTree>
+      <p:nvGrpSpPr>
+        <p:cNvPr id="1" name=""/>
+        <p:cNvGrpSpPr/>
+        <p:nvPr/>
+      </p:nvGrpSpPr>
+      <p:grpSpPr>
+        <a:xfrm>
+          <a:off x="0" y="0"/>
+          <a:ext cx="0" cy="0"/>
+          <a:chOff x="0" y="0"/>
+          <a:chExt cx="0" cy="0"/>
+        </a:xfrm>
+      </p:grpSpPr>
+      <p:sp>
+        <p:nvSpPr>
+          <p:cNvPr id="2" name="Title 1"/>
+          <p:cNvSpPr>
+            <a:spLocks noGrp="1"/>
+          </p:cNvSpPr>
+          <p:nvPr>
+            <p:ph type="ctrTitle"/>
+          </p:nvPr>
+        </p:nvSpPr>
+        <p:spPr>
+          <a:xfrm>
+            <a:off x="685800" y="2130425"/>
+            <a:ext cx="7772400" cy="1470025"/>
+          </a:xfrm>
+        </p:spPr>
+        <p:txBody>
+          <a:bodyPr/>
+          <a:lstStyle/>
+          <a:p>
+            <a:r>
+              <a:rPr lang="en-US"/>
+              <a:t>Click to edit Master title style</a:t>
+            </a:r>
+            <a:endParaRPr lang="ru-RU"/>
+          </a:p>
+        </p:txBody>
+      </p:sp>
+      <p:sp>
+        <p:nvSpPr>
+          <p:cNvPr id="3" name="Subtitle 2"/>
+          <p:cNvSpPr>
+            <a:spLocks noGrp="1"/>
+          </p:cNvSpPr>
+          <p:nvPr>
+            <p:ph type="subTitle" idx="1"/>
+          </p:nvPr>
+        </p:nvSpPr>
+        <p:spPr>
+          <a:xfrm>
+            <a:off x="1371600" y="3886200"/>
+            <a:ext cx="6400800" cy="1752600"/>
+          </a:xfrm>
+        </p:spPr>
+        <p:txBody>
+          <a:bodyPr/>
+          <a:lstStyle>
+            <a:lvl1pPr marL="0" indent="0" algn="ctr">
+              <a:buNone/>
+              <a:defRPr>
+                <a:solidFill>
+                  <a:schemeClr val="tx1">
+                    <a:tint val="75000"/>
+                  </a:schemeClr>
+                </a:solidFill>
+              </a:defRPr>
+            </a:lvl1pPr>
+            <a:lvl2pPr marL="457200" indent="0" algn="ctr">
+              <a:buNone/>
+              <a:defRPr>
+                <a:solidFill>
+                  <a:schemeClr val="tx1">
+                    <a:tint val="75000"/>
+                  </a:schemeClr>
+                </a:solidFill>
+              </a:defRPr>
+            </a:lvl2pPr>
+            <a:lvl3pPr marL="914400" indent="0" algn="ctr">
+              <a:buNone/>
+              <a:defRPr>
+                <a:solidFill>
+                  <a:schemeClr val="tx1">
+                    <a:tint val="75000"/>
+                  </a:schemeClr>
+                </a:solidFill>
+              </a:defRPr>
+            </a:lvl3pPr>
+            <a:lvl4pPr marL="1371600" indent="0" algn="ctr">
+              <a:buNone/>
+              <a:defRPr>
+                <a:solidFill>
+                  <a:schemeClr val="tx1">
+                    <a:tint val="75000"/>
+                  </a:schemeClr>
+                </a:solidFill>
+              </a:defRPr>
+            </a:lvl4pPr>
+            <a:lvl5pPr marL="1828800" indent="0" algn="ctr">
+              <a:buNone/>
+              <a:defRPr>
+                <a:solidFill>
+                  <a:schemeClr val="tx1">
+                    <a:tint val="75000"/>
+                  </a:schemeClr>
+                </a:solidFill>
+              </a:defRPr>
+            </a:lvl5pPr>
+            <a:lvl6pPr marL="2286000" indent="0" algn="ctr">
+              <a:buNone/>
+              <a:defRPr>
+                <a:solidFill>
+                  <a:schemeClr val="tx1">
+                    <a:tint val="75000"/>
+                  </a:schemeClr>
+                </a:solidFill>
+              </a:defRPr>
+            </a:lvl6pPr>
+            <a:lvl7pPr marL="2743200" indent="0" algn="ctr">
+              <a:buNone/>
+              <a:defRPr>
+                <a:solidFill>
+                  <a:schemeClr val="tx1">
+                    <a:tint val="75000"/>
+                  </a:schemeClr>
+                </a:solidFill>
+              </a:defRPr>
+            </a:lvl7pPr>
+            <a:lvl8pPr marL="3200400" indent="0" algn="ctr">
+              <a:buNone/>
+              <a:defRPr>
+                <a:solidFill>
+                  <a:schemeClr val="tx1">
+                    <a:tint val="75000"/>
+                  </a:schemeClr>
+                </a:solidFill>
+              </a:defRPr>
+            </a:lvl8pPr>
+            <a:lvl9pPr marL="3657600" indent="0" algn="ctr">
+              <a:buNone/>
+              <a:defRPr>
+                <a:solidFill>
+                  <a:schemeClr val="tx1">
+                    <a:tint val="75000"/>
+                  </a:schemeClr>
+                </a:solidFill>
+              </a:defRPr>
+            </a:lvl9pPr>
+          </a:lstStyle>
+          <a:p>
+            <a:r>
+              <a:rPr lang="en-US"/>
+              <a:t>Click to edit Master subtitle style</a:t>
+            </a:r>
+            <a:endParaRPr lang="ru-RU"/>
+          </a:p>
+        </p:txBody>
+      </p:sp>
+      <p:sp>
+        <p:nvSpPr>
+          <p:cNvPr id="4" name="Date Placeholder 3"/>
+          <p:cNvSpPr>
+            <a:spLocks noGrp="1"/>
+          </p:cNvSpPr>
+          <p:nvPr>
+            <p:ph type="dt" sz="half" idx="10"/>
+          </p:nvPr>
+        </p:nvSpPr>
+        <p:spPr/>
+        <p:txBody>
+          <a:bodyPr/>
+          <a:lstStyle/>
+          <a:p>
+            <a:fld id="{8E6E6A2A-E9D3-4A0D-B04A-ABDD367A1E08}" type="datetimeFigureOut">
+              <a:rPr lang="ru-RU" smtClean="0"/>
+              <a:t>22.02.2019</a:t>
+            </a:fld>
+            <a:endParaRPr lang="ru-RU"/>
+          </a:p>
+        </p:txBody>
+      </p:sp>
+      <p:sp>
+        <p:nvSpPr>
+          <p:cNvPr id="5" name="Footer Placeholder 4"/>
+          <p:cNvSpPr>
+            <a:spLocks noGrp="1"/>
+          </p:cNvSpPr>
+          <p:nvPr>
+            <p:ph type="ftr" sz="quarter" idx="11"/>
+          </p:nvPr>
+        </p:nvSpPr>
+        <p:spPr/>
+        <p:txBody>
+          <a:bodyPr/>
+          <a:lstStyle/>
+          <a:p>
+            <a:endParaRPr lang="ru-RU"/>
+          </a:p>
+        </p:txBody>
+      </p:sp>
+      <p:sp>
+        <p:nvSpPr>
+          <p:cNvPr id="6" name="Slide Number Placeholder 5"/>
+          <p:cNvSpPr>
+            <a:spLocks noGrp="1"/>
+          </p:cNvSpPr>
+          <p:nvPr>
+            <p:ph type="sldNum" sz="quarter" idx="12"/>
+          </p:nvPr>
+        </p:nvSpPr>
+        <p:spPr/>
+        <p:txBody>
+          <a:bodyPr/>
+          <a:lstStyle/>
+          <a:p>
+            <a:fld id="{BC0D3D34-2E8A-4A38-B864-C677BA056495}" type="slidenum">
+              <a:rPr lang="ru-RU" smtClean="0"/>
+              <a:t>‹#›</a:t>
+            </a:fld>
+            <a:endParaRPr lang="ru-RU"/>
+          </a:p>
+        </p:txBody>
+      </p:sp>
+    </p:spTree>
+    <p:extLst>
+      <p:ext uri="{BB962C8B-B14F-4D97-AF65-F5344CB8AC3E}">
+        <p14:creationId xmlns:p14="http://schemas.microsoft.com/office/powerpoint/2010/main" val="3592018054"/>
+      </p:ext>
+    </p:extLst>
+  </p:cSld>
+  <p:clrMapOvr>
+    <a:masterClrMapping/>
+  </p:clrMapOvr>
+</p:sldLayout>
+</file>
+
+<file path=ppt/slideLayouts/slideLayout2.xml><?xml version="1.0" encoding="utf-8"?>
+<p:sldLayout xmlns:a="http://schemas.openxmlformats.org/drawingml/2006/main" xmlns:r="http://schemas.openxmlformats.org/officeDocument/2006/relationships" xmlns:p="http://schemas.openxmlformats.org/presentationml/2006/main" type="secHead" preserve="1">
+  <p:cSld name="Section Header">
+    <p:spTree>
+      <p:nvGrpSpPr>
+        <p:cNvPr id="1" name=""/>
+        <p:cNvGrpSpPr/>
+        <p:nvPr/>
+      </p:nvGrpSpPr>
+      <p:grpSpPr>
+        <a:xfrm>
+          <a:off x="0" y="0"/>
+          <a:ext cx="0" cy="0"/>
+          <a:chOff x="0" y="0"/>
+          <a:chExt cx="0" cy="0"/>
+        </a:xfrm>
+      </p:grpSpPr>
+      <p:sp>
+        <p:nvSpPr>
+          <p:cNvPr id="2" name="Title 1"/>
+          <p:cNvSpPr>
+            <a:spLocks noGrp="1"/>
+          </p:cNvSpPr>
+          <p:nvPr>
+            <p:ph type="title"/>
+          </p:nvPr>
+        </p:nvSpPr>
+        <p:spPr>
+          <a:xfrm>
+            <a:off x="722313" y="4406900"/>
+            <a:ext cx="7772400" cy="1362075"/>
+          </a:xfrm>
+        </p:spPr>
+        <p:txBody>
+          <a:bodyPr anchor="t"/>
+          <a:lstStyle>
+            <a:lvl1pPr algn="l">
+              <a:defRPr sz="4000" b="1" cap="all"/>
+            </a:lvl1pPr>
+          </a:lstStyle>
+          <a:p>
+            <a:r>
+              <a:rPr lang="en-US"/>
+              <a:t>Click to edit Master title style</a:t>
+            </a:r>
+            <a:endParaRPr lang="ru-RU" dirty="0"/>
+          </a:p>
+        </p:txBody>
+      </p:sp>
+      <p:sp>
+        <p:nvSpPr>
+          <p:cNvPr id="3" name="Text Placeholder 2"/>
+          <p:cNvSpPr>
+            <a:spLocks noGrp="1"/>
+          </p:cNvSpPr>
+          <p:nvPr>
+            <p:ph type="body" idx="1"/>
+          </p:nvPr>
+        </p:nvSpPr>
+        <p:spPr>
+          <a:xfrm>
+            <a:off x="722313" y="2906713"/>
+            <a:ext cx="7772400" cy="1500187"/>
+          </a:xfrm>
+        </p:spPr>
+        <p:txBody>
+          <a:bodyPr anchor="b"/>
+          <a:lstStyle>
+            <a:lvl1pPr marL="0" indent="0">
+              <a:buNone/>
+              <a:defRPr sz="2000">
+                <a:solidFill>
+                  <a:schemeClr val="tx1">
+                    <a:tint val="75000"/>
+                  </a:schemeClr>
+                </a:solidFill>
+              </a:defRPr>
+            </a:lvl1pPr>
+            <a:lvl2pPr marL="457200" indent="0">
+              <a:buNone/>
+              <a:defRPr sz="1800">
+                <a:solidFill>
+                  <a:schemeClr val="tx1">
+                    <a:tint val="75000"/>
+                  </a:schemeClr>
+                </a:solidFill>
+              </a:defRPr>
+            </a:lvl2pPr>
+            <a:lvl3pPr marL="914400" indent="0">
+              <a:buNone/>
+              <a:defRPr sz="1600">
+                <a:solidFill>
+                  <a:schemeClr val="tx1">
+                    <a:tint val="75000"/>
+                  </a:schemeClr>
+                </a:solidFill>
+              </a:defRPr>
+            </a:lvl3pPr>
+            <a:lvl4pPr marL="1371600" indent="0">
+              <a:buNone/>
+              <a:defRPr sz="1400">
+                <a:solidFill>
+                  <a:schemeClr val="tx1">
+                    <a:tint val="75000"/>
+                  </a:schemeClr>
+                </a:solidFill>
+              </a:defRPr>
+            </a:lvl4pPr>
+            <a:lvl5pPr marL="1828800" indent="0">
+              <a:buNone/>
+              <a:defRPr sz="1400">
+                <a:solidFill>
+                  <a:schemeClr val="tx1">
+                    <a:tint val="75000"/>
+                  </a:schemeClr>
+                </a:solidFill>
+              </a:defRPr>
+            </a:lvl5pPr>
+            <a:lvl6pPr marL="2286000" indent="0">
+              <a:buNone/>
+              <a:defRPr sz="1400">
+                <a:solidFill>
+                  <a:schemeClr val="tx1">
+                    <a:tint val="75000"/>
+                  </a:schemeClr>
+                </a:solidFill>
+              </a:defRPr>
+            </a:lvl6pPr>
+            <a:lvl7pPr marL="2743200" indent="0">
+              <a:buNone/>
+              <a:defRPr sz="1400">
+                <a:solidFill>
+                  <a:schemeClr val="tx1">
+                    <a:tint val="75000"/>
+                  </a:schemeClr>
+                </a:solidFill>
+              </a:defRPr>
+            </a:lvl7pPr>
+            <a:lvl8pPr marL="3200400" indent="0">
+              <a:buNone/>
+              <a:defRPr sz="1400">
+                <a:solidFill>
+                  <a:schemeClr val="tx1">
+                    <a:tint val="75000"/>
+                  </a:schemeClr>
+                </a:solidFill>
+              </a:defRPr>
+            </a:lvl8pPr>
+            <a:lvl9pPr marL="3657600" indent="0">
+              <a:buNone/>
+              <a:defRPr sz="1400">
+                <a:solidFill>
+                  <a:schemeClr val="tx1">
+                    <a:tint val="75000"/>
+                  </a:schemeClr>
+                </a:solidFill>
+              </a:defRPr>
+            </a:lvl9pPr>
+          </a:lstStyle>
+          <a:p>
+            <a:pPr lvl="0"/>
+            <a:r>
+              <a:rPr lang="en-US"/>
+              <a:t>Click to edit Master text styles</a:t>
+            </a:r>
+          </a:p>
+        </p:txBody>
+      </p:sp>
+    </p:spTree>
+    <p:extLst>
+      <p:ext uri="{BB962C8B-B14F-4D97-AF65-F5344CB8AC3E}">
+        <p14:creationId xmlns:p14="http://schemas.microsoft.com/office/powerpoint/2010/main" val="1627150216"/>
+      </p:ext>
+    </p:extLst>
+  </p:cSld>
+  <p:clrMapOvr>
+    <a:masterClrMapping/>
+  </p:clrMapOvr>
+</p:sldLayout>
+</file>
+
+<file path=ppt/slideLayouts/slideLayout3.xml><?xml version="1.0" encoding="utf-8"?>
+<p:sldLayout xmlns:a="http://schemas.openxmlformats.org/drawingml/2006/main" xmlns:r="http://schemas.openxmlformats.org/officeDocument/2006/relationships" xmlns:p="http://schemas.openxmlformats.org/presentationml/2006/main" type="twoObj" preserve="1">
+  <p:cSld name="Two Content">
+    <p:spTree>
+      <p:nvGrpSpPr>
+        <p:cNvPr id="1" name=""/>
+        <p:cNvGrpSpPr/>
+        <p:nvPr/>
+      </p:nvGrpSpPr>
+      <p:grpSpPr>
+        <a:xfrm>
+          <a:off x="0" y="0"/>
+          <a:ext cx="0" cy="0"/>
+          <a:chOff x="0" y="0"/>
+          <a:chExt cx="0" cy="0"/>
+        </a:xfrm>
+      </p:grpSpPr>
+      <p:sp>
+        <p:nvSpPr>
+          <p:cNvPr id="2" name="Title 1"/>
+          <p:cNvSpPr>
+            <a:spLocks noGrp="1"/>
+          </p:cNvSpPr>
+          <p:nvPr>
+            <p:ph type="title"/>
+          </p:nvPr>
+        </p:nvSpPr>
+        <p:spPr/>
+        <p:txBody>
+          <a:bodyPr/>
+          <a:lstStyle/>
+          <a:p>
+            <a:r>
+              <a:rPr lang="en-US"/>
+              <a:t>Click to edit Master title style</a:t>
+            </a:r>
+            <a:endParaRPr lang="ru-RU" dirty="0"/>
+          </a:p>
+        </p:txBody>
+      </p:sp>
+      <p:sp>
+        <p:nvSpPr>
+          <p:cNvPr id="3" name="Content Placeholder 2"/>
+          <p:cNvSpPr>
+            <a:spLocks noGrp="1"/>
+          </p:cNvSpPr>
+          <p:nvPr>
+            <p:ph sz="half" idx="1"/>
+          </p:nvPr>
+        </p:nvSpPr>
+        <p:spPr>
+          <a:xfrm>
+            <a:off x="457200" y="1600200"/>
+            <a:ext cx="4038600" cy="4525963"/>
+          </a:xfrm>
+        </p:spPr>
+        <p:txBody>
+          <a:bodyPr/>
+          <a:lstStyle>
+            <a:lvl1pPr>
+              <a:defRPr sz="2800"/>
+            </a:lvl1pPr>
+            <a:lvl2pPr>
+              <a:defRPr sz="2400"/>
+            </a:lvl2pPr>
+            <a:lvl3pPr>
+              <a:defRPr sz="2000"/>
+            </a:lvl3pPr>
+            <a:lvl4pPr>
+              <a:defRPr sz="1800"/>
+            </a:lvl4pPr>
+            <a:lvl5pPr>
+              <a:defRPr sz="1800"/>
+            </a:lvl5pPr>
+            <a:lvl6pPr>
+              <a:defRPr sz="1800"/>
+            </a:lvl6pPr>
+            <a:lvl7pPr>
+              <a:defRPr sz="1800"/>
+            </a:lvl7pPr>
+            <a:lvl8pPr>
+              <a:defRPr sz="1800"/>
+            </a:lvl8pPr>
+            <a:lvl9pPr>
+              <a:defRPr sz="1800"/>
+            </a:lvl9pPr>
+          </a:lstStyle>
+          <a:p>
+            <a:pPr lvl="0"/>
+            <a:r>
+              <a:rPr lang="en-US"/>
+              <a:t>Click to edit Master text styles</a:t>
+            </a:r>
+          </a:p>
+          <a:p>
+            <a:pPr lvl="1"/>
+            <a:r>
+              <a:rPr lang="en-US"/>
+              <a:t>Second level</a:t>
+            </a:r>
+          </a:p>
+          <a:p>
+            <a:pPr lvl="2"/>
+            <a:r>
+              <a:rPr lang="en-US"/>
+              <a:t>Third level</a:t>
+            </a:r>
+          </a:p>
+          <a:p>
+            <a:pPr lvl="3"/>
+            <a:r>
+              <a:rPr lang="en-US"/>
+              <a:t>Fourth level</a:t>
+            </a:r>
+          </a:p>
+          <a:p>
+            <a:pPr lvl="4"/>
+            <a:r>
+              <a:rPr lang="en-US"/>
+              <a:t>Fifth level</a:t>
+            </a:r>
+            <a:endParaRPr lang="ru-RU" dirty="0"/>
+          </a:p>
+        </p:txBody>
+      </p:sp>
+      <p:sp>
+        <p:nvSpPr>
+          <p:cNvPr id="4" name="Content Placeholder 3"/>
+          <p:cNvSpPr>
+            <a:spLocks noGrp="1"/>
+          </p:cNvSpPr>
+          <p:nvPr>
+            <p:ph sz="half" idx="2"/>
+          </p:nvPr>
+        </p:nvSpPr>
+        <p:spPr>
+          <a:xfrm>
+            <a:off x="4648200" y="1600200"/>
+            <a:ext cx="4038600" cy="4525963"/>
+          </a:xfrm>
+        </p:spPr>
+        <p:txBody>
+          <a:bodyPr/>
+          <a:lstStyle>
+            <a:lvl1pPr>
+              <a:defRPr sz="2800"/>
+            </a:lvl1pPr>
+            <a:lvl2pPr>
+              <a:defRPr sz="2400"/>
+            </a:lvl2pPr>
+            <a:lvl3pPr>
+              <a:defRPr sz="2000"/>
+            </a:lvl3pPr>
+            <a:lvl4pPr>
+              <a:defRPr sz="1800"/>
+            </a:lvl4pPr>
+            <a:lvl5pPr>
+              <a:defRPr sz="1800"/>
+            </a:lvl5pPr>
+            <a:lvl6pPr>
+              <a:defRPr sz="1800"/>
+            </a:lvl6pPr>
+            <a:lvl7pPr>
+              <a:defRPr sz="1800"/>
+            </a:lvl7pPr>
+            <a:lvl8pPr>
+              <a:defRPr sz="1800"/>
+            </a:lvl8pPr>
+            <a:lvl9pPr>
+              <a:defRPr sz="1800"/>
+            </a:lvl9pPr>
+          </a:lstStyle>
+          <a:p>
+            <a:pPr lvl="0"/>
+            <a:r>
+              <a:rPr lang="en-US"/>
+              <a:t>Click to edit Master text styles</a:t>
+            </a:r>
+          </a:p>
+          <a:p>
+            <a:pPr lvl="1"/>
+            <a:r>
+              <a:rPr lang="en-US"/>
+              <a:t>Second level</a:t>
+            </a:r>
+          </a:p>
+          <a:p>
+            <a:pPr lvl="2"/>
+            <a:r>
+              <a:rPr lang="en-US"/>
+              <a:t>Third level</a:t>
+            </a:r>
+          </a:p>
+          <a:p>
+            <a:pPr lvl="3"/>
+            <a:r>
+              <a:rPr lang="en-US"/>
+              <a:t>Fourth level</a:t>
+            </a:r>
+          </a:p>
+          <a:p>
+            <a:pPr lvl="4"/>
+            <a:r>
+              <a:rPr lang="en-US"/>
+              <a:t>Fifth level</a:t>
+            </a:r>
+            <a:endParaRPr lang="ru-RU" dirty="0"/>
+          </a:p>
+        </p:txBody>
+      </p:sp>
+    </p:spTree>
+    <p:extLst>
+      <p:ext uri="{BB962C8B-B14F-4D97-AF65-F5344CB8AC3E}">
+        <p14:creationId xmlns:p14="http://schemas.microsoft.com/office/powerpoint/2010/main" val="1026234569"/>
+      </p:ext>
+    </p:extLst>
+  </p:cSld>
+  <p:clrMapOvr>
+    <a:masterClrMapping/>
+  </p:clrMapOvr>
+</p:sldLayout>
+</file>
+
+<file path=ppt/slideLayouts/slideLayout4.xml><?xml version="1.0" encoding="utf-8"?>
+<p:sldLayout xmlns:a="http://schemas.openxmlformats.org/drawingml/2006/main" xmlns:r="http://schemas.openxmlformats.org/officeDocument/2006/relationships" xmlns:p="http://schemas.openxmlformats.org/presentationml/2006/main" type="twoTxTwoObj" preserve="1">
+  <p:cSld name="Comparison">
+    <p:spTree>
+      <p:nvGrpSpPr>
+        <p:cNvPr id="1" name=""/>
+        <p:cNvGrpSpPr/>
+        <p:nvPr/>
+      </p:nvGrpSpPr>
+      <p:grpSpPr>
+        <a:xfrm>
+          <a:off x="0" y="0"/>
+          <a:ext cx="0" cy="0"/>
+          <a:chOff x="0" y="0"/>
+          <a:chExt cx="0" cy="0"/>
+        </a:xfrm>
+      </p:grpSpPr>
+      <p:sp>
+        <p:nvSpPr>
+          <p:cNvPr id="2" name="Title 1"/>
+          <p:cNvSpPr>
+            <a:spLocks noGrp="1"/>
+          </p:cNvSpPr>
+          <p:nvPr>
+            <p:ph type="title"/>
+          </p:nvPr>
+        </p:nvSpPr>
+        <p:spPr/>
+        <p:txBody>
+          <a:bodyPr/>
+          <a:lstStyle>
+            <a:lvl1pPr>
+              <a:defRPr/>
+            </a:lvl1pPr>
+          </a:lstStyle>
+          <a:p>
+            <a:r>
+              <a:rPr lang="en-US"/>
+              <a:t>Click to edit Master title style</a:t>
+            </a:r>
+            <a:endParaRPr lang="ru-RU" dirty="0"/>
+          </a:p>
+        </p:txBody>
+      </p:sp>
+      <p:sp>
+        <p:nvSpPr>
+          <p:cNvPr id="3" name="Text Placeholder 2"/>
+          <p:cNvSpPr>
+            <a:spLocks noGrp="1"/>
+          </p:cNvSpPr>
+          <p:nvPr>
+            <p:ph type="body" idx="1"/>
+          </p:nvPr>
+        </p:nvSpPr>
+        <p:spPr>
+          <a:xfrm>
+            <a:off x="457200" y="1535113"/>
+            <a:ext cx="4040188" cy="639762"/>
+          </a:xfrm>
+        </p:spPr>
+        <p:txBody>
+          <a:bodyPr anchor="b"/>
+          <a:lstStyle>
+            <a:lvl1pPr marL="0" indent="0">
+              <a:buNone/>
+              <a:defRPr sz="2400" b="1"/>
+            </a:lvl1pPr>
+            <a:lvl2pPr marL="457200" indent="0">
+              <a:buNone/>
+              <a:defRPr sz="2000" b="1"/>
+            </a:lvl2pPr>
+            <a:lvl3pPr marL="914400" indent="0">
+              <a:buNone/>
+              <a:defRPr sz="1800" b="1"/>
+            </a:lvl3pPr>
+            <a:lvl4pPr marL="1371600" indent="0">
+              <a:buNone/>
+              <a:defRPr sz="1600" b="1"/>
+            </a:lvl4pPr>
+            <a:lvl5pPr marL="1828800" indent="0">
+              <a:buNone/>
+              <a:defRPr sz="1600" b="1"/>
+            </a:lvl5pPr>
+            <a:lvl6pPr marL="2286000" indent="0">
+              <a:buNone/>
+              <a:defRPr sz="1600" b="1"/>
+            </a:lvl6pPr>
+            <a:lvl7pPr marL="2743200" indent="0">
+              <a:buNone/>
+              <a:defRPr sz="1600" b="1"/>
+            </a:lvl7pPr>
+            <a:lvl8pPr marL="3200400" indent="0">
+              <a:buNone/>
+              <a:defRPr sz="1600" b="1"/>
+            </a:lvl8pPr>
+            <a:lvl9pPr marL="3657600" indent="0">
+              <a:buNone/>
+              <a:defRPr sz="1600" b="1"/>
+            </a:lvl9pPr>
+          </a:lstStyle>
+          <a:p>
+            <a:pPr lvl="0"/>
+            <a:r>
+              <a:rPr lang="en-US"/>
+              <a:t>Click to edit Master text styles</a:t>
+            </a:r>
+          </a:p>
+        </p:txBody>
+      </p:sp>
+      <p:sp>
+        <p:nvSpPr>
+          <p:cNvPr id="4" name="Content Placeholder 3"/>
+          <p:cNvSpPr>
+            <a:spLocks noGrp="1"/>
+          </p:cNvSpPr>
+          <p:nvPr>
+            <p:ph sz="half" idx="2"/>
+          </p:nvPr>
+        </p:nvSpPr>
+        <p:spPr>
+          <a:xfrm>
+            <a:off x="457200" y="2174875"/>
+            <a:ext cx="4040188" cy="3951288"/>
+          </a:xfrm>
+        </p:spPr>
+        <p:txBody>
+          <a:bodyPr/>
+          <a:lstStyle>
+            <a:lvl1pPr>
+              <a:defRPr sz="2400"/>
+            </a:lvl1pPr>
+            <a:lvl2pPr>
+              <a:defRPr sz="2000"/>
+            </a:lvl2pPr>
+            <a:lvl3pPr>
+              <a:defRPr sz="1800"/>
+            </a:lvl3pPr>
+            <a:lvl4pPr>
+              <a:defRPr sz="1600"/>
+            </a:lvl4pPr>
+            <a:lvl5pPr>
+              <a:defRPr sz="1600"/>
+            </a:lvl5pPr>
+            <a:lvl6pPr>
+              <a:defRPr sz="1600"/>
+            </a:lvl6pPr>
+            <a:lvl7pPr>
+              <a:defRPr sz="1600"/>
+            </a:lvl7pPr>
+            <a:lvl8pPr>
+              <a:defRPr sz="1600"/>
+            </a:lvl8pPr>
+            <a:lvl9pPr>
+              <a:defRPr sz="1600"/>
+            </a:lvl9pPr>
+          </a:lstStyle>
+          <a:p>
+            <a:pPr lvl="0"/>
+            <a:r>
+              <a:rPr lang="en-US"/>
+              <a:t>Click to edit Master text styles</a:t>
+            </a:r>
+          </a:p>
+          <a:p>
+            <a:pPr lvl="1"/>
+            <a:r>
+              <a:rPr lang="en-US"/>
+              <a:t>Second level</a:t>
+            </a:r>
+          </a:p>
+          <a:p>
+            <a:pPr lvl="2"/>
+            <a:r>
+              <a:rPr lang="en-US"/>
+              <a:t>Third level</a:t>
+            </a:r>
+          </a:p>
+          <a:p>
+            <a:pPr lvl="3"/>
+            <a:r>
+              <a:rPr lang="en-US"/>
+              <a:t>Fourth level</a:t>
+            </a:r>
+          </a:p>
+          <a:p>
+            <a:pPr lvl="4"/>
+            <a:r>
+              <a:rPr lang="en-US"/>
+              <a:t>Fifth level</a:t>
+            </a:r>
+            <a:endParaRPr lang="ru-RU" dirty="0"/>
+          </a:p>
+        </p:txBody>
+      </p:sp>
+      <p:sp>
+        <p:nvSpPr>
+          <p:cNvPr id="5" name="Text Placeholder 4"/>
+          <p:cNvSpPr>
+            <a:spLocks noGrp="1"/>
+          </p:cNvSpPr>
+          <p:nvPr>
+            <p:ph type="body" sz="quarter" idx="3"/>
+          </p:nvPr>
+        </p:nvSpPr>
+        <p:spPr>
+          <a:xfrm>
+            <a:off x="4645025" y="1535113"/>
+            <a:ext cx="4041775" cy="639762"/>
+          </a:xfrm>
+        </p:spPr>
+        <p:txBody>
+          <a:bodyPr anchor="b"/>
+          <a:lstStyle>
+            <a:lvl1pPr marL="0" indent="0">
+              <a:buNone/>
+              <a:defRPr sz="2400" b="1"/>
+            </a:lvl1pPr>
+            <a:lvl2pPr marL="457200" indent="0">
+              <a:buNone/>
+              <a:defRPr sz="2000" b="1"/>
+            </a:lvl2pPr>
+            <a:lvl3pPr marL="914400" indent="0">
+              <a:buNone/>
+              <a:defRPr sz="1800" b="1"/>
+            </a:lvl3pPr>
+            <a:lvl4pPr marL="1371600" indent="0">
+              <a:buNone/>
+              <a:defRPr sz="1600" b="1"/>
+            </a:lvl4pPr>
+            <a:lvl5pPr marL="1828800" indent="0">
+              <a:buNone/>
+              <a:defRPr sz="1600" b="1"/>
+            </a:lvl5pPr>
+            <a:lvl6pPr marL="2286000" indent="0">
+              <a:buNone/>
+              <a:defRPr sz="1600" b="1"/>
+            </a:lvl6pPr>
+            <a:lvl7pPr marL="2743200" indent="0">
+              <a:buNone/>
+              <a:defRPr sz="1600" b="1"/>
+            </a:lvl7pPr>
+            <a:lvl8pPr marL="3200400" indent="0">
+              <a:buNone/>
+              <a:defRPr sz="1600" b="1"/>
+            </a:lvl8pPr>
+            <a:lvl9pPr marL="3657600" indent="0">
+              <a:buNone/>
+              <a:defRPr sz="1600" b="1"/>
+            </a:lvl9pPr>
+          </a:lstStyle>
+          <a:p>
+            <a:pPr lvl="0"/>
+            <a:r>
+              <a:rPr lang="en-US"/>
+              <a:t>Click to edit Master text styles</a:t>
+            </a:r>
+          </a:p>
+        </p:txBody>
+      </p:sp>
+      <p:sp>
+        <p:nvSpPr>
+          <p:cNvPr id="6" name="Content Placeholder 5"/>
+          <p:cNvSpPr>
+            <a:spLocks noGrp="1"/>
+          </p:cNvSpPr>
+          <p:nvPr>
+            <p:ph sz="quarter" idx="4"/>
+          </p:nvPr>
+        </p:nvSpPr>
+        <p:spPr>
+          <a:xfrm>
+            <a:off x="4645025" y="2174875"/>
+            <a:ext cx="4041775" cy="3951288"/>
+          </a:xfrm>
+        </p:spPr>
+        <p:txBody>
+          <a:bodyPr/>
+          <a:lstStyle>
+            <a:lvl1pPr>
+              <a:defRPr sz="2400"/>
+            </a:lvl1pPr>
+            <a:lvl2pPr>
+              <a:defRPr sz="2000"/>
+            </a:lvl2pPr>
+            <a:lvl3pPr>
+              <a:defRPr sz="1800"/>
+            </a:lvl3pPr>
+            <a:lvl4pPr>
+              <a:defRPr sz="1600"/>
+            </a:lvl4pPr>
+            <a:lvl5pPr>
+              <a:defRPr sz="1600"/>
+            </a:lvl5pPr>
+            <a:lvl6pPr>
+              <a:defRPr sz="1600"/>
+            </a:lvl6pPr>
+            <a:lvl7pPr>
+              <a:defRPr sz="1600"/>
+            </a:lvl7pPr>
+            <a:lvl8pPr>
+              <a:defRPr sz="1600"/>
+            </a:lvl8pPr>
+            <a:lvl9pPr>
+              <a:defRPr sz="1600"/>
+            </a:lvl9pPr>
+          </a:lstStyle>
+          <a:p>
+            <a:pPr lvl="0"/>
+            <a:r>
+              <a:rPr lang="en-US"/>
+              <a:t>Click to edit Master text styles</a:t>
+            </a:r>
+          </a:p>
+          <a:p>
+            <a:pPr lvl="1"/>
+            <a:r>
+              <a:rPr lang="en-US"/>
+              <a:t>Second level</a:t>
+            </a:r>
+          </a:p>
+          <a:p>
+            <a:pPr lvl="2"/>
+            <a:r>
+              <a:rPr lang="en-US"/>
+              <a:t>Third level</a:t>
+            </a:r>
+          </a:p>
+          <a:p>
+            <a:pPr lvl="3"/>
+            <a:r>
+              <a:rPr lang="en-US"/>
+              <a:t>Fourth level</a:t>
+            </a:r>
+          </a:p>
+          <a:p>
+            <a:pPr lvl="4"/>
+            <a:r>
+              <a:rPr lang="en-US"/>
+              <a:t>Fifth level</a:t>
+            </a:r>
+            <a:endParaRPr lang="ru-RU" dirty="0"/>
+          </a:p>
+        </p:txBody>
+      </p:sp>
+    </p:spTree>
+    <p:extLst>
+      <p:ext uri="{BB962C8B-B14F-4D97-AF65-F5344CB8AC3E}">
+        <p14:creationId xmlns:p14="http://schemas.microsoft.com/office/powerpoint/2010/main" val="4044979405"/>
+      </p:ext>
+    </p:extLst>
+  </p:cSld>
+  <p:clrMapOvr>
+    <a:masterClrMapping/>
+  </p:clrMapOvr>
+</p:sldLayout>
+</file>
+
+<file path=ppt/slideLayouts/slideLayout5.xml><?xml version="1.0" encoding="utf-8"?>
+<p:sldLayout xmlns:a="http://schemas.openxmlformats.org/drawingml/2006/main" xmlns:r="http://schemas.openxmlformats.org/officeDocument/2006/relationships" xmlns:p="http://schemas.openxmlformats.org/presentationml/2006/main" type="titleOnly" preserve="1">
+  <p:cSld name="Title Only">
+    <p:spTree>
+      <p:nvGrpSpPr>
+        <p:cNvPr id="1" name=""/>
+        <p:cNvGrpSpPr/>
+        <p:nvPr/>
+      </p:nvGrpSpPr>
+      <p:grpSpPr>
+        <a:xfrm>
+          <a:off x="0" y="0"/>
+          <a:ext cx="0" cy="0"/>
+          <a:chOff x="0" y="0"/>
+          <a:chExt cx="0" cy="0"/>
+        </a:xfrm>
+      </p:grpSpPr>
+      <p:sp>
+        <p:nvSpPr>
+          <p:cNvPr id="2" name="Title 1"/>
+          <p:cNvSpPr>
+            <a:spLocks noGrp="1"/>
+          </p:cNvSpPr>
+          <p:nvPr>
+            <p:ph type="title"/>
+          </p:nvPr>
+        </p:nvSpPr>
+        <p:spPr/>
+        <p:txBody>
+          <a:bodyPr/>
+          <a:lstStyle/>
+          <a:p>
+            <a:r>
+              <a:rPr lang="en-US"/>
+              <a:t>Click to edit Master title style</a:t>
+            </a:r>
+            <a:endParaRPr lang="ru-RU" dirty="0"/>
+          </a:p>
+        </p:txBody>
+      </p:sp>
+    </p:spTree>
+    <p:extLst>
+      <p:ext uri="{BB962C8B-B14F-4D97-AF65-F5344CB8AC3E}">
+        <p14:creationId xmlns:p14="http://schemas.microsoft.com/office/powerpoint/2010/main" val="125202666"/>
+      </p:ext>
+    </p:extLst>
+  </p:cSld>
+  <p:clrMapOvr>
+    <a:masterClrMapping/>
+  </p:clrMapOvr>
+</p:sldLayout>
+</file>
+
+<file path=ppt/slideLayouts/slideLayout6.xml><?xml version="1.0" encoding="utf-8"?>
+<p:sldLayout xmlns:a="http://schemas.openxmlformats.org/drawingml/2006/main" xmlns:r="http://schemas.openxmlformats.org/officeDocument/2006/relationships" xmlns:p="http://schemas.openxmlformats.org/presentationml/2006/main" preserve="1" userDrawn="1">
+  <p:cSld name="Demo">
+    <p:spTree>
+      <p:nvGrpSpPr>
+        <p:cNvPr id="1" name=""/>
+        <p:cNvGrpSpPr/>
+        <p:nvPr/>
+      </p:nvGrpSpPr>
+      <p:grpSpPr>
+        <a:xfrm>
+          <a:off x="0" y="0"/>
+          <a:ext cx="0" cy="0"/>
+          <a:chOff x="0" y="0"/>
+          <a:chExt cx="0" cy="0"/>
+        </a:xfrm>
+      </p:grpSpPr>
+      <p:sp>
+        <p:nvSpPr>
+          <p:cNvPr id="10" name="TextBox 9"/>
+          <p:cNvSpPr txBox="1"/>
+          <p:nvPr userDrawn="1"/>
+        </p:nvSpPr>
+        <p:spPr>
+          <a:xfrm>
+            <a:off x="359532" y="3136613"/>
+            <a:ext cx="8424936" cy="584775"/>
+          </a:xfrm>
+          <a:prstGeom prst="rect">
+            <a:avLst/>
+          </a:prstGeom>
+          <a:noFill/>
+        </p:spPr>
+        <p:txBody>
+          <a:bodyPr wrap="square" rtlCol="0" anchor="ctr">
+            <a:spAutoFit/>
+          </a:bodyPr>
+          <a:lstStyle/>
+          <a:p>
+            <a:pPr algn="ctr"/>
+            <a:r>
+              <a:rPr lang="ru-RU" sz="3200" dirty="0"/>
+              <a:t>Название.</a:t>
+            </a:r>
+            <a:r>
+              <a:rPr lang="ru-RU" sz="3200" baseline="0" dirty="0"/>
+              <a:t> Демонстрация.</a:t>
+            </a:r>
+            <a:endParaRPr lang="ru-RU" sz="3200" dirty="0"/>
+          </a:p>
+        </p:txBody>
+      </p:sp>
+    </p:spTree>
+    <p:extLst>
+      <p:ext uri="{BB962C8B-B14F-4D97-AF65-F5344CB8AC3E}">
+        <p14:creationId xmlns:p14="http://schemas.microsoft.com/office/powerpoint/2010/main" val="3308008441"/>
+      </p:ext>
+    </p:extLst>
+  </p:cSld>
+  <p:clrMapOvr>
+    <a:masterClrMapping/>
+  </p:clrMapOvr>
+</p:sldLayout>
+</file>
+
+<file path=ppt/slideLayouts/slideLayout7.xml><?xml version="1.0" encoding="utf-8"?>
+<p:sldLayout xmlns:a="http://schemas.openxmlformats.org/drawingml/2006/main" xmlns:r="http://schemas.openxmlformats.org/officeDocument/2006/relationships" xmlns:p="http://schemas.openxmlformats.org/presentationml/2006/main" type="blank" preserve="1">
+  <p:cSld name="1_Blank">
+    <p:spTree>
+      <p:nvGrpSpPr>
+        <p:cNvPr id="1" name=""/>
+        <p:cNvGrpSpPr/>
+        <p:nvPr/>
+      </p:nvGrpSpPr>
+      <p:grpSpPr>
+        <a:xfrm>
+          <a:off x="0" y="0"/>
+          <a:ext cx="0" cy="0"/>
+          <a:chOff x="0" y="0"/>
+          <a:chExt cx="0" cy="0"/>
+        </a:xfrm>
+      </p:grpSpPr>
+    </p:spTree>
+    <p:extLst>
+      <p:ext uri="{BB962C8B-B14F-4D97-AF65-F5344CB8AC3E}">
+        <p14:creationId xmlns:p14="http://schemas.microsoft.com/office/powerpoint/2010/main" val="2618453949"/>
+      </p:ext>
+    </p:extLst>
+  </p:cSld>
+  <p:clrMapOvr>
+    <a:masterClrMapping/>
+  </p:clrMapOvr>
+</p:sldLayout>
+</file>
+
+<file path=ppt/slideLayouts/slideLayout8.xml><?xml version="1.0" encoding="utf-8"?>
 <p:sldLayout xmlns:a="http://schemas.openxmlformats.org/drawingml/2006/main" xmlns:r="http://schemas.openxmlformats.org/officeDocument/2006/relationships" xmlns:p="http://schemas.openxmlformats.org/presentationml/2006/main" type="objTx" preserve="1">
   <p:cSld name="Content with Caption">
     <p:spTree>
@@ -922,7 +2204,7 @@
 </p:sldLayout>
 </file>
 
-<file path=ppt/slideLayouts/slideLayout11.xml><?xml version="1.0" encoding="utf-8"?>
+<file path=ppt/slideLayouts/slideLayout9.xml><?xml version="1.0" encoding="utf-8"?>
 <p:sldLayout xmlns:a="http://schemas.openxmlformats.org/drawingml/2006/main" xmlns:r="http://schemas.openxmlformats.org/officeDocument/2006/relationships" xmlns:p="http://schemas.openxmlformats.org/presentationml/2006/main" type="picTx" preserve="1">
   <p:cSld name="Picture with Caption">
     <p:spTree>
@@ -1114,1683 +2396,13 @@
 </p:sldLayout>
 </file>
 
-<file path=ppt/slideLayouts/slideLayout12.xml><?xml version="1.0" encoding="utf-8"?>
-<p:sldLayout xmlns:a="http://schemas.openxmlformats.org/drawingml/2006/main" xmlns:r="http://schemas.openxmlformats.org/officeDocument/2006/relationships" xmlns:p="http://schemas.openxmlformats.org/presentationml/2006/main" type="vertTx" preserve="1">
-  <p:cSld name="Title and Vertical Text">
-    <p:spTree>
-      <p:nvGrpSpPr>
-        <p:cNvPr id="1" name=""/>
-        <p:cNvGrpSpPr/>
-        <p:nvPr/>
-      </p:nvGrpSpPr>
-      <p:grpSpPr>
-        <a:xfrm>
-          <a:off x="0" y="0"/>
-          <a:ext cx="0" cy="0"/>
-          <a:chOff x="0" y="0"/>
-          <a:chExt cx="0" cy="0"/>
-        </a:xfrm>
-      </p:grpSpPr>
-      <p:sp>
-        <p:nvSpPr>
-          <p:cNvPr id="2" name="Title 1"/>
-          <p:cNvSpPr>
-            <a:spLocks noGrp="1"/>
-          </p:cNvSpPr>
-          <p:nvPr>
-            <p:ph type="title"/>
-          </p:nvPr>
-        </p:nvSpPr>
-        <p:spPr/>
-        <p:txBody>
-          <a:bodyPr/>
-          <a:lstStyle/>
-          <a:p>
-            <a:r>
-              <a:rPr lang="en-US"/>
-              <a:t>Click to edit Master title style</a:t>
-            </a:r>
-            <a:endParaRPr lang="ru-RU" dirty="0"/>
-          </a:p>
-        </p:txBody>
-      </p:sp>
-      <p:sp>
-        <p:nvSpPr>
-          <p:cNvPr id="3" name="Vertical Text Placeholder 2"/>
-          <p:cNvSpPr>
-            <a:spLocks noGrp="1"/>
-          </p:cNvSpPr>
-          <p:nvPr>
-            <p:ph type="body" orient="vert" idx="1"/>
-          </p:nvPr>
-        </p:nvSpPr>
-        <p:spPr/>
-        <p:txBody>
-          <a:bodyPr vert="eaVert"/>
-          <a:lstStyle/>
-          <a:p>
-            <a:pPr lvl="0"/>
-            <a:r>
-              <a:rPr lang="en-US"/>
-              <a:t>Click to edit Master text styles</a:t>
-            </a:r>
-          </a:p>
-          <a:p>
-            <a:pPr lvl="1"/>
-            <a:r>
-              <a:rPr lang="en-US"/>
-              <a:t>Second level</a:t>
-            </a:r>
-          </a:p>
-          <a:p>
-            <a:pPr lvl="2"/>
-            <a:r>
-              <a:rPr lang="en-US"/>
-              <a:t>Third level</a:t>
-            </a:r>
-          </a:p>
-          <a:p>
-            <a:pPr lvl="3"/>
-            <a:r>
-              <a:rPr lang="en-US"/>
-              <a:t>Fourth level</a:t>
-            </a:r>
-          </a:p>
-          <a:p>
-            <a:pPr lvl="4"/>
-            <a:r>
-              <a:rPr lang="en-US"/>
-              <a:t>Fifth level</a:t>
-            </a:r>
-            <a:endParaRPr lang="ru-RU" dirty="0"/>
-          </a:p>
-        </p:txBody>
-      </p:sp>
-    </p:spTree>
-    <p:extLst>
-      <p:ext uri="{BB962C8B-B14F-4D97-AF65-F5344CB8AC3E}">
-        <p14:creationId xmlns:p14="http://schemas.microsoft.com/office/powerpoint/2010/main" val="2015559697"/>
-      </p:ext>
-    </p:extLst>
-  </p:cSld>
-  <p:clrMapOvr>
-    <a:masterClrMapping/>
-  </p:clrMapOvr>
-</p:sldLayout>
-</file>
-
-<file path=ppt/slideLayouts/slideLayout13.xml><?xml version="1.0" encoding="utf-8"?>
-<p:sldLayout xmlns:a="http://schemas.openxmlformats.org/drawingml/2006/main" xmlns:r="http://schemas.openxmlformats.org/officeDocument/2006/relationships" xmlns:p="http://schemas.openxmlformats.org/presentationml/2006/main" type="vertTitleAndTx" preserve="1">
-  <p:cSld name="Vertical Title and Text">
-    <p:spTree>
-      <p:nvGrpSpPr>
-        <p:cNvPr id="1" name=""/>
-        <p:cNvGrpSpPr/>
-        <p:nvPr/>
-      </p:nvGrpSpPr>
-      <p:grpSpPr>
-        <a:xfrm>
-          <a:off x="0" y="0"/>
-          <a:ext cx="0" cy="0"/>
-          <a:chOff x="0" y="0"/>
-          <a:chExt cx="0" cy="0"/>
-        </a:xfrm>
-      </p:grpSpPr>
-      <p:sp>
-        <p:nvSpPr>
-          <p:cNvPr id="2" name="Vertical Title 1"/>
-          <p:cNvSpPr>
-            <a:spLocks noGrp="1"/>
-          </p:cNvSpPr>
-          <p:nvPr>
-            <p:ph type="title" orient="vert"/>
-          </p:nvPr>
-        </p:nvSpPr>
-        <p:spPr>
-          <a:xfrm>
-            <a:off x="6629400" y="274638"/>
-            <a:ext cx="2057400" cy="5851525"/>
-          </a:xfrm>
-        </p:spPr>
-        <p:txBody>
-          <a:bodyPr vert="eaVert"/>
-          <a:lstStyle/>
-          <a:p>
-            <a:r>
-              <a:rPr lang="en-US"/>
-              <a:t>Click to edit Master title style</a:t>
-            </a:r>
-            <a:endParaRPr lang="ru-RU" dirty="0"/>
-          </a:p>
-        </p:txBody>
-      </p:sp>
-      <p:sp>
-        <p:nvSpPr>
-          <p:cNvPr id="3" name="Vertical Text Placeholder 2"/>
-          <p:cNvSpPr>
-            <a:spLocks noGrp="1"/>
-          </p:cNvSpPr>
-          <p:nvPr>
-            <p:ph type="body" orient="vert" idx="1"/>
-          </p:nvPr>
-        </p:nvSpPr>
-        <p:spPr>
-          <a:xfrm>
-            <a:off x="457200" y="274638"/>
-            <a:ext cx="6019800" cy="5851525"/>
-          </a:xfrm>
-        </p:spPr>
-        <p:txBody>
-          <a:bodyPr vert="eaVert"/>
-          <a:lstStyle/>
-          <a:p>
-            <a:pPr lvl="0"/>
-            <a:r>
-              <a:rPr lang="en-US"/>
-              <a:t>Click to edit Master text styles</a:t>
-            </a:r>
-          </a:p>
-          <a:p>
-            <a:pPr lvl="1"/>
-            <a:r>
-              <a:rPr lang="en-US"/>
-              <a:t>Second level</a:t>
-            </a:r>
-          </a:p>
-          <a:p>
-            <a:pPr lvl="2"/>
-            <a:r>
-              <a:rPr lang="en-US"/>
-              <a:t>Third level</a:t>
-            </a:r>
-          </a:p>
-          <a:p>
-            <a:pPr lvl="3"/>
-            <a:r>
-              <a:rPr lang="en-US"/>
-              <a:t>Fourth level</a:t>
-            </a:r>
-          </a:p>
-          <a:p>
-            <a:pPr lvl="4"/>
-            <a:r>
-              <a:rPr lang="en-US"/>
-              <a:t>Fifth level</a:t>
-            </a:r>
-            <a:endParaRPr lang="ru-RU" dirty="0"/>
-          </a:p>
-        </p:txBody>
-      </p:sp>
-    </p:spTree>
-    <p:extLst>
-      <p:ext uri="{BB962C8B-B14F-4D97-AF65-F5344CB8AC3E}">
-        <p14:creationId xmlns:p14="http://schemas.microsoft.com/office/powerpoint/2010/main" val="370514854"/>
-      </p:ext>
-    </p:extLst>
-  </p:cSld>
-  <p:clrMapOvr>
-    <a:masterClrMapping/>
-  </p:clrMapOvr>
-</p:sldLayout>
-</file>
-
-<file path=ppt/slideLayouts/slideLayout14.xml><?xml version="1.0" encoding="utf-8"?>
-<p:sldLayout xmlns:a="http://schemas.openxmlformats.org/drawingml/2006/main" xmlns:r="http://schemas.openxmlformats.org/officeDocument/2006/relationships" xmlns:p="http://schemas.openxmlformats.org/presentationml/2006/main" type="title">
-  <p:cSld name="2_Title Slide">
-    <p:spTree>
-      <p:nvGrpSpPr>
-        <p:cNvPr id="1" name=""/>
-        <p:cNvGrpSpPr/>
-        <p:nvPr/>
-      </p:nvGrpSpPr>
-      <p:grpSpPr>
-        <a:xfrm>
-          <a:off x="0" y="0"/>
-          <a:ext cx="0" cy="0"/>
-          <a:chOff x="0" y="0"/>
-          <a:chExt cx="0" cy="0"/>
-        </a:xfrm>
-      </p:grpSpPr>
-      <p:sp>
-        <p:nvSpPr>
-          <p:cNvPr id="2" name="Title 1"/>
-          <p:cNvSpPr>
-            <a:spLocks noGrp="1"/>
-          </p:cNvSpPr>
-          <p:nvPr>
-            <p:ph type="ctrTitle"/>
-          </p:nvPr>
-        </p:nvSpPr>
-        <p:spPr>
-          <a:xfrm>
-            <a:off x="685800" y="2130425"/>
-            <a:ext cx="7772400" cy="1470025"/>
-          </a:xfrm>
-        </p:spPr>
-        <p:txBody>
-          <a:bodyPr/>
-          <a:lstStyle/>
-          <a:p>
-            <a:r>
-              <a:rPr lang="en-US"/>
-              <a:t>Click to edit Master title style</a:t>
-            </a:r>
-            <a:endParaRPr lang="ru-RU"/>
-          </a:p>
-        </p:txBody>
-      </p:sp>
-      <p:sp>
-        <p:nvSpPr>
-          <p:cNvPr id="3" name="Subtitle 2"/>
-          <p:cNvSpPr>
-            <a:spLocks noGrp="1"/>
-          </p:cNvSpPr>
-          <p:nvPr>
-            <p:ph type="subTitle" idx="1"/>
-          </p:nvPr>
-        </p:nvSpPr>
-        <p:spPr>
-          <a:xfrm>
-            <a:off x="1371600" y="3886200"/>
-            <a:ext cx="6400800" cy="1752600"/>
-          </a:xfrm>
-        </p:spPr>
-        <p:txBody>
-          <a:bodyPr/>
-          <a:lstStyle>
-            <a:lvl1pPr marL="0" indent="0" algn="ctr">
-              <a:buNone/>
-              <a:defRPr>
-                <a:solidFill>
-                  <a:schemeClr val="tx1">
-                    <a:tint val="75000"/>
-                  </a:schemeClr>
-                </a:solidFill>
-              </a:defRPr>
-            </a:lvl1pPr>
-            <a:lvl2pPr marL="457200" indent="0" algn="ctr">
-              <a:buNone/>
-              <a:defRPr>
-                <a:solidFill>
-                  <a:schemeClr val="tx1">
-                    <a:tint val="75000"/>
-                  </a:schemeClr>
-                </a:solidFill>
-              </a:defRPr>
-            </a:lvl2pPr>
-            <a:lvl3pPr marL="914400" indent="0" algn="ctr">
-              <a:buNone/>
-              <a:defRPr>
-                <a:solidFill>
-                  <a:schemeClr val="tx1">
-                    <a:tint val="75000"/>
-                  </a:schemeClr>
-                </a:solidFill>
-              </a:defRPr>
-            </a:lvl3pPr>
-            <a:lvl4pPr marL="1371600" indent="0" algn="ctr">
-              <a:buNone/>
-              <a:defRPr>
-                <a:solidFill>
-                  <a:schemeClr val="tx1">
-                    <a:tint val="75000"/>
-                  </a:schemeClr>
-                </a:solidFill>
-              </a:defRPr>
-            </a:lvl4pPr>
-            <a:lvl5pPr marL="1828800" indent="0" algn="ctr">
-              <a:buNone/>
-              <a:defRPr>
-                <a:solidFill>
-                  <a:schemeClr val="tx1">
-                    <a:tint val="75000"/>
-                  </a:schemeClr>
-                </a:solidFill>
-              </a:defRPr>
-            </a:lvl5pPr>
-            <a:lvl6pPr marL="2286000" indent="0" algn="ctr">
-              <a:buNone/>
-              <a:defRPr>
-                <a:solidFill>
-                  <a:schemeClr val="tx1">
-                    <a:tint val="75000"/>
-                  </a:schemeClr>
-                </a:solidFill>
-              </a:defRPr>
-            </a:lvl6pPr>
-            <a:lvl7pPr marL="2743200" indent="0" algn="ctr">
-              <a:buNone/>
-              <a:defRPr>
-                <a:solidFill>
-                  <a:schemeClr val="tx1">
-                    <a:tint val="75000"/>
-                  </a:schemeClr>
-                </a:solidFill>
-              </a:defRPr>
-            </a:lvl7pPr>
-            <a:lvl8pPr marL="3200400" indent="0" algn="ctr">
-              <a:buNone/>
-              <a:defRPr>
-                <a:solidFill>
-                  <a:schemeClr val="tx1">
-                    <a:tint val="75000"/>
-                  </a:schemeClr>
-                </a:solidFill>
-              </a:defRPr>
-            </a:lvl8pPr>
-            <a:lvl9pPr marL="3657600" indent="0" algn="ctr">
-              <a:buNone/>
-              <a:defRPr>
-                <a:solidFill>
-                  <a:schemeClr val="tx1">
-                    <a:tint val="75000"/>
-                  </a:schemeClr>
-                </a:solidFill>
-              </a:defRPr>
-            </a:lvl9pPr>
-          </a:lstStyle>
-          <a:p>
-            <a:r>
-              <a:rPr lang="en-US"/>
-              <a:t>Click to edit Master subtitle style</a:t>
-            </a:r>
-            <a:endParaRPr lang="ru-RU"/>
-          </a:p>
-        </p:txBody>
-      </p:sp>
-      <p:sp>
-        <p:nvSpPr>
-          <p:cNvPr id="4" name="Date Placeholder 3"/>
-          <p:cNvSpPr>
-            <a:spLocks noGrp="1"/>
-          </p:cNvSpPr>
-          <p:nvPr>
-            <p:ph type="dt" sz="half" idx="10"/>
-          </p:nvPr>
-        </p:nvSpPr>
-        <p:spPr/>
-        <p:txBody>
-          <a:bodyPr/>
-          <a:lstStyle/>
-          <a:p>
-            <a:fld id="{8E6E6A2A-E9D3-4A0D-B04A-ABDD367A1E08}" type="datetimeFigureOut">
-              <a:rPr lang="ru-RU" smtClean="0"/>
-              <a:t>01.07.2018</a:t>
-            </a:fld>
-            <a:endParaRPr lang="ru-RU"/>
-          </a:p>
-        </p:txBody>
-      </p:sp>
-      <p:sp>
-        <p:nvSpPr>
-          <p:cNvPr id="5" name="Footer Placeholder 4"/>
-          <p:cNvSpPr>
-            <a:spLocks noGrp="1"/>
-          </p:cNvSpPr>
-          <p:nvPr>
-            <p:ph type="ftr" sz="quarter" idx="11"/>
-          </p:nvPr>
-        </p:nvSpPr>
-        <p:spPr/>
-        <p:txBody>
-          <a:bodyPr/>
-          <a:lstStyle/>
-          <a:p>
-            <a:endParaRPr lang="ru-RU"/>
-          </a:p>
-        </p:txBody>
-      </p:sp>
-      <p:sp>
-        <p:nvSpPr>
-          <p:cNvPr id="6" name="Slide Number Placeholder 5"/>
-          <p:cNvSpPr>
-            <a:spLocks noGrp="1"/>
-          </p:cNvSpPr>
-          <p:nvPr>
-            <p:ph type="sldNum" sz="quarter" idx="12"/>
-          </p:nvPr>
-        </p:nvSpPr>
-        <p:spPr/>
-        <p:txBody>
-          <a:bodyPr/>
-          <a:lstStyle/>
-          <a:p>
-            <a:fld id="{BC0D3D34-2E8A-4A38-B864-C677BA056495}" type="slidenum">
-              <a:rPr lang="ru-RU" smtClean="0"/>
-              <a:t>‹#›</a:t>
-            </a:fld>
-            <a:endParaRPr lang="ru-RU"/>
-          </a:p>
-        </p:txBody>
-      </p:sp>
-    </p:spTree>
-    <p:extLst>
-      <p:ext uri="{BB962C8B-B14F-4D97-AF65-F5344CB8AC3E}">
-        <p14:creationId xmlns:p14="http://schemas.microsoft.com/office/powerpoint/2010/main" val="3592018054"/>
-      </p:ext>
-    </p:extLst>
-  </p:cSld>
-  <p:clrMapOvr>
-    <a:masterClrMapping/>
-  </p:clrMapOvr>
-</p:sldLayout>
-</file>
-
-<file path=ppt/slideLayouts/slideLayout2.xml><?xml version="1.0" encoding="utf-8"?>
-<p:sldLayout xmlns:a="http://schemas.openxmlformats.org/drawingml/2006/main" xmlns:r="http://schemas.openxmlformats.org/officeDocument/2006/relationships" xmlns:p="http://schemas.openxmlformats.org/presentationml/2006/main" preserve="1" userDrawn="1">
-  <p:cSld name="1_Title Slide">
-    <p:spTree>
-      <p:nvGrpSpPr>
-        <p:cNvPr id="1" name=""/>
-        <p:cNvGrpSpPr/>
-        <p:nvPr/>
-      </p:nvGrpSpPr>
-      <p:grpSpPr>
-        <a:xfrm>
-          <a:off x="0" y="0"/>
-          <a:ext cx="0" cy="0"/>
-          <a:chOff x="0" y="0"/>
-          <a:chExt cx="0" cy="0"/>
-        </a:xfrm>
-      </p:grpSpPr>
-      <p:sp>
-        <p:nvSpPr>
-          <p:cNvPr id="9" name="TextBox 8"/>
-          <p:cNvSpPr txBox="1"/>
-          <p:nvPr userDrawn="1"/>
-        </p:nvSpPr>
-        <p:spPr>
-          <a:xfrm>
-            <a:off x="2774873" y="2528900"/>
-            <a:ext cx="4240263" cy="461665"/>
-          </a:xfrm>
-          <a:prstGeom prst="rect">
-            <a:avLst/>
-          </a:prstGeom>
-          <a:noFill/>
-        </p:spPr>
-        <p:txBody>
-          <a:bodyPr wrap="none" rtlCol="0">
-            <a:spAutoFit/>
-          </a:bodyPr>
-          <a:lstStyle/>
-          <a:p>
-            <a:r>
-              <a:rPr lang="ru-RU" sz="2400" dirty="0">
-                <a:solidFill>
-                  <a:schemeClr val="bg1"/>
-                </a:solidFill>
-              </a:rPr>
-              <a:t>Занятие №</a:t>
-            </a:r>
-            <a:r>
-              <a:rPr lang="en-US" sz="2400" dirty="0">
-                <a:solidFill>
-                  <a:schemeClr val="bg1"/>
-                </a:solidFill>
-              </a:rPr>
-              <a:t>2</a:t>
-            </a:r>
-            <a:r>
-              <a:rPr lang="ru-RU" sz="2400" dirty="0">
-                <a:solidFill>
-                  <a:schemeClr val="bg1"/>
-                </a:solidFill>
-              </a:rPr>
-              <a:t>. Название занятия</a:t>
-            </a:r>
-            <a:endParaRPr lang="en-US" sz="2400" dirty="0">
-              <a:solidFill>
-                <a:schemeClr val="bg1"/>
-              </a:solidFill>
-            </a:endParaRPr>
-          </a:p>
-        </p:txBody>
-      </p:sp>
-      <p:sp>
-        <p:nvSpPr>
-          <p:cNvPr id="7" name="Rectangle 6"/>
-          <p:cNvSpPr/>
-          <p:nvPr userDrawn="1"/>
-        </p:nvSpPr>
-        <p:spPr>
-          <a:xfrm>
-            <a:off x="143508" y="1304764"/>
-            <a:ext cx="8856984" cy="646331"/>
-          </a:xfrm>
-          <a:prstGeom prst="rect">
-            <a:avLst/>
-          </a:prstGeom>
-        </p:spPr>
-        <p:txBody>
-          <a:bodyPr wrap="square">
-            <a:spAutoFit/>
-          </a:bodyPr>
-          <a:lstStyle/>
-          <a:p>
-            <a:pPr algn="ctr"/>
-            <a:r>
-              <a:rPr lang="ru-RU" sz="3600" b="1" i="1" dirty="0">
-                <a:solidFill>
-                  <a:schemeClr val="bg1"/>
-                </a:solidFill>
-              </a:rPr>
-              <a:t>Основы программирования на </a:t>
-            </a:r>
-            <a:r>
-              <a:rPr lang="en-US" sz="3600" b="1" i="1" dirty="0">
-                <a:solidFill>
-                  <a:schemeClr val="bg1"/>
-                </a:solidFill>
-              </a:rPr>
-              <a:t>C#</a:t>
-            </a:r>
-            <a:endParaRPr lang="ru-RU" sz="3600" b="1" i="1" dirty="0">
-              <a:solidFill>
-                <a:schemeClr val="bg1"/>
-              </a:solidFill>
-            </a:endParaRPr>
-          </a:p>
-        </p:txBody>
-      </p:sp>
-      <p:pic>
-        <p:nvPicPr>
-          <p:cNvPr id="8" name="Picture 5"/>
-          <p:cNvPicPr>
-            <a:picLocks noChangeAspect="1" noChangeArrowheads="1"/>
-          </p:cNvPicPr>
-          <p:nvPr userDrawn="1"/>
-        </p:nvPicPr>
-        <p:blipFill>
-          <a:blip r:embed="rId2">
-            <a:extLst>
-              <a:ext uri="{28A0092B-C50C-407E-A947-70E740481C1C}">
-                <a14:useLocalDpi xmlns:a14="http://schemas.microsoft.com/office/drawing/2010/main" val="0"/>
-              </a:ext>
-            </a:extLst>
-          </a:blip>
-          <a:srcRect/>
-          <a:stretch>
-            <a:fillRect/>
-          </a:stretch>
-        </p:blipFill>
-        <p:spPr bwMode="auto">
-          <a:xfrm>
-            <a:off x="1638300" y="3829211"/>
-            <a:ext cx="5867400" cy="1724025"/>
-          </a:xfrm>
-          <a:prstGeom prst="rect">
-            <a:avLst/>
-          </a:prstGeom>
-          <a:noFill/>
-          <a:ln>
-            <a:noFill/>
-          </a:ln>
-          <a:effectLst/>
-          <a:extLst>
-            <a:ext uri="{909E8E84-426E-40DD-AFC4-6F175D3DCCD1}">
-              <a14:hiddenFill xmlns:a14="http://schemas.microsoft.com/office/drawing/2010/main">
-                <a:solidFill>
-                  <a:schemeClr val="accent1"/>
-                </a:solidFill>
-              </a14:hiddenFill>
-            </a:ext>
-            <a:ext uri="{91240B29-F687-4F45-9708-019B960494DF}">
-              <a14:hiddenLine xmlns:a14="http://schemas.microsoft.com/office/drawing/2010/main" w="9525">
-                <a:solidFill>
-                  <a:schemeClr val="tx1"/>
-                </a:solidFill>
-                <a:miter lim="800000"/>
-                <a:headEnd/>
-                <a:tailEnd/>
-              </a14:hiddenLine>
-            </a:ext>
-            <a:ext uri="{AF507438-7753-43E0-B8FC-AC1667EBCBE1}">
-              <a14:hiddenEffects xmlns:a14="http://schemas.microsoft.com/office/drawing/2010/main">
-                <a:effectLst>
-                  <a:outerShdw dist="35921" dir="2700000" algn="ctr" rotWithShape="0">
-                    <a:schemeClr val="bg2"/>
-                  </a:outerShdw>
-                </a:effectLst>
-              </a14:hiddenEffects>
-            </a:ext>
-          </a:extLst>
-        </p:spPr>
-      </p:pic>
-    </p:spTree>
-    <p:extLst>
-      <p:ext uri="{BB962C8B-B14F-4D97-AF65-F5344CB8AC3E}">
-        <p14:creationId xmlns:p14="http://schemas.microsoft.com/office/powerpoint/2010/main" val="3296324981"/>
-      </p:ext>
-    </p:extLst>
-  </p:cSld>
-  <p:clrMapOvr>
-    <a:masterClrMapping/>
-  </p:clrMapOvr>
-</p:sldLayout>
-</file>
-
-<file path=ppt/slideLayouts/slideLayout3.xml><?xml version="1.0" encoding="utf-8"?>
-<p:sldLayout xmlns:a="http://schemas.openxmlformats.org/drawingml/2006/main" xmlns:r="http://schemas.openxmlformats.org/officeDocument/2006/relationships" xmlns:p="http://schemas.openxmlformats.org/presentationml/2006/main" type="obj" preserve="1">
-  <p:cSld name="Title and Content">
-    <p:spTree>
-      <p:nvGrpSpPr>
-        <p:cNvPr id="1" name=""/>
-        <p:cNvGrpSpPr/>
-        <p:nvPr/>
-      </p:nvGrpSpPr>
-      <p:grpSpPr>
-        <a:xfrm>
-          <a:off x="0" y="0"/>
-          <a:ext cx="0" cy="0"/>
-          <a:chOff x="0" y="0"/>
-          <a:chExt cx="0" cy="0"/>
-        </a:xfrm>
-      </p:grpSpPr>
-      <p:sp>
-        <p:nvSpPr>
-          <p:cNvPr id="2" name="Title 1"/>
-          <p:cNvSpPr>
-            <a:spLocks noGrp="1"/>
-          </p:cNvSpPr>
-          <p:nvPr>
-            <p:ph type="title"/>
-          </p:nvPr>
-        </p:nvSpPr>
-        <p:spPr/>
-        <p:txBody>
-          <a:bodyPr/>
-          <a:lstStyle/>
-          <a:p>
-            <a:r>
-              <a:rPr lang="en-US"/>
-              <a:t>Click to edit Master title style</a:t>
-            </a:r>
-            <a:endParaRPr lang="ru-RU" dirty="0"/>
-          </a:p>
-        </p:txBody>
-      </p:sp>
-      <p:sp>
-        <p:nvSpPr>
-          <p:cNvPr id="3" name="Content Placeholder 2"/>
-          <p:cNvSpPr>
-            <a:spLocks noGrp="1"/>
-          </p:cNvSpPr>
-          <p:nvPr>
-            <p:ph idx="1"/>
-          </p:nvPr>
-        </p:nvSpPr>
-        <p:spPr/>
-        <p:txBody>
-          <a:bodyPr/>
-          <a:lstStyle/>
-          <a:p>
-            <a:pPr lvl="0"/>
-            <a:r>
-              <a:rPr lang="en-US"/>
-              <a:t>Click to edit Master text styles</a:t>
-            </a:r>
-          </a:p>
-          <a:p>
-            <a:pPr lvl="1"/>
-            <a:r>
-              <a:rPr lang="en-US"/>
-              <a:t>Second level</a:t>
-            </a:r>
-          </a:p>
-          <a:p>
-            <a:pPr lvl="2"/>
-            <a:r>
-              <a:rPr lang="en-US"/>
-              <a:t>Third level</a:t>
-            </a:r>
-          </a:p>
-          <a:p>
-            <a:pPr lvl="3"/>
-            <a:r>
-              <a:rPr lang="en-US"/>
-              <a:t>Fourth level</a:t>
-            </a:r>
-          </a:p>
-          <a:p>
-            <a:pPr lvl="4"/>
-            <a:r>
-              <a:rPr lang="en-US"/>
-              <a:t>Fifth level</a:t>
-            </a:r>
-            <a:endParaRPr lang="ru-RU" dirty="0"/>
-          </a:p>
-        </p:txBody>
-      </p:sp>
-    </p:spTree>
-    <p:extLst>
-      <p:ext uri="{BB962C8B-B14F-4D97-AF65-F5344CB8AC3E}">
-        <p14:creationId xmlns:p14="http://schemas.microsoft.com/office/powerpoint/2010/main" val="3363467697"/>
-      </p:ext>
-    </p:extLst>
-  </p:cSld>
-  <p:clrMapOvr>
-    <a:masterClrMapping/>
-  </p:clrMapOvr>
-</p:sldLayout>
-</file>
-
-<file path=ppt/slideLayouts/slideLayout4.xml><?xml version="1.0" encoding="utf-8"?>
-<p:sldLayout xmlns:a="http://schemas.openxmlformats.org/drawingml/2006/main" xmlns:r="http://schemas.openxmlformats.org/officeDocument/2006/relationships" xmlns:p="http://schemas.openxmlformats.org/presentationml/2006/main" type="secHead" preserve="1">
-  <p:cSld name="Section Header">
-    <p:spTree>
-      <p:nvGrpSpPr>
-        <p:cNvPr id="1" name=""/>
-        <p:cNvGrpSpPr/>
-        <p:nvPr/>
-      </p:nvGrpSpPr>
-      <p:grpSpPr>
-        <a:xfrm>
-          <a:off x="0" y="0"/>
-          <a:ext cx="0" cy="0"/>
-          <a:chOff x="0" y="0"/>
-          <a:chExt cx="0" cy="0"/>
-        </a:xfrm>
-      </p:grpSpPr>
-      <p:sp>
-        <p:nvSpPr>
-          <p:cNvPr id="2" name="Title 1"/>
-          <p:cNvSpPr>
-            <a:spLocks noGrp="1"/>
-          </p:cNvSpPr>
-          <p:nvPr>
-            <p:ph type="title"/>
-          </p:nvPr>
-        </p:nvSpPr>
-        <p:spPr>
-          <a:xfrm>
-            <a:off x="722313" y="4406900"/>
-            <a:ext cx="7772400" cy="1362075"/>
-          </a:xfrm>
-        </p:spPr>
-        <p:txBody>
-          <a:bodyPr anchor="t"/>
-          <a:lstStyle>
-            <a:lvl1pPr algn="l">
-              <a:defRPr sz="4000" b="1" cap="all"/>
-            </a:lvl1pPr>
-          </a:lstStyle>
-          <a:p>
-            <a:r>
-              <a:rPr lang="en-US"/>
-              <a:t>Click to edit Master title style</a:t>
-            </a:r>
-            <a:endParaRPr lang="ru-RU" dirty="0"/>
-          </a:p>
-        </p:txBody>
-      </p:sp>
-      <p:sp>
-        <p:nvSpPr>
-          <p:cNvPr id="3" name="Text Placeholder 2"/>
-          <p:cNvSpPr>
-            <a:spLocks noGrp="1"/>
-          </p:cNvSpPr>
-          <p:nvPr>
-            <p:ph type="body" idx="1"/>
-          </p:nvPr>
-        </p:nvSpPr>
-        <p:spPr>
-          <a:xfrm>
-            <a:off x="722313" y="2906713"/>
-            <a:ext cx="7772400" cy="1500187"/>
-          </a:xfrm>
-        </p:spPr>
-        <p:txBody>
-          <a:bodyPr anchor="b"/>
-          <a:lstStyle>
-            <a:lvl1pPr marL="0" indent="0">
-              <a:buNone/>
-              <a:defRPr sz="2000">
-                <a:solidFill>
-                  <a:schemeClr val="tx1">
-                    <a:tint val="75000"/>
-                  </a:schemeClr>
-                </a:solidFill>
-              </a:defRPr>
-            </a:lvl1pPr>
-            <a:lvl2pPr marL="457200" indent="0">
-              <a:buNone/>
-              <a:defRPr sz="1800">
-                <a:solidFill>
-                  <a:schemeClr val="tx1">
-                    <a:tint val="75000"/>
-                  </a:schemeClr>
-                </a:solidFill>
-              </a:defRPr>
-            </a:lvl2pPr>
-            <a:lvl3pPr marL="914400" indent="0">
-              <a:buNone/>
-              <a:defRPr sz="1600">
-                <a:solidFill>
-                  <a:schemeClr val="tx1">
-                    <a:tint val="75000"/>
-                  </a:schemeClr>
-                </a:solidFill>
-              </a:defRPr>
-            </a:lvl3pPr>
-            <a:lvl4pPr marL="1371600" indent="0">
-              <a:buNone/>
-              <a:defRPr sz="1400">
-                <a:solidFill>
-                  <a:schemeClr val="tx1">
-                    <a:tint val="75000"/>
-                  </a:schemeClr>
-                </a:solidFill>
-              </a:defRPr>
-            </a:lvl4pPr>
-            <a:lvl5pPr marL="1828800" indent="0">
-              <a:buNone/>
-              <a:defRPr sz="1400">
-                <a:solidFill>
-                  <a:schemeClr val="tx1">
-                    <a:tint val="75000"/>
-                  </a:schemeClr>
-                </a:solidFill>
-              </a:defRPr>
-            </a:lvl5pPr>
-            <a:lvl6pPr marL="2286000" indent="0">
-              <a:buNone/>
-              <a:defRPr sz="1400">
-                <a:solidFill>
-                  <a:schemeClr val="tx1">
-                    <a:tint val="75000"/>
-                  </a:schemeClr>
-                </a:solidFill>
-              </a:defRPr>
-            </a:lvl6pPr>
-            <a:lvl7pPr marL="2743200" indent="0">
-              <a:buNone/>
-              <a:defRPr sz="1400">
-                <a:solidFill>
-                  <a:schemeClr val="tx1">
-                    <a:tint val="75000"/>
-                  </a:schemeClr>
-                </a:solidFill>
-              </a:defRPr>
-            </a:lvl7pPr>
-            <a:lvl8pPr marL="3200400" indent="0">
-              <a:buNone/>
-              <a:defRPr sz="1400">
-                <a:solidFill>
-                  <a:schemeClr val="tx1">
-                    <a:tint val="75000"/>
-                  </a:schemeClr>
-                </a:solidFill>
-              </a:defRPr>
-            </a:lvl8pPr>
-            <a:lvl9pPr marL="3657600" indent="0">
-              <a:buNone/>
-              <a:defRPr sz="1400">
-                <a:solidFill>
-                  <a:schemeClr val="tx1">
-                    <a:tint val="75000"/>
-                  </a:schemeClr>
-                </a:solidFill>
-              </a:defRPr>
-            </a:lvl9pPr>
-          </a:lstStyle>
-          <a:p>
-            <a:pPr lvl="0"/>
-            <a:r>
-              <a:rPr lang="en-US"/>
-              <a:t>Click to edit Master text styles</a:t>
-            </a:r>
-          </a:p>
-        </p:txBody>
-      </p:sp>
-    </p:spTree>
-    <p:extLst>
-      <p:ext uri="{BB962C8B-B14F-4D97-AF65-F5344CB8AC3E}">
-        <p14:creationId xmlns:p14="http://schemas.microsoft.com/office/powerpoint/2010/main" val="1627150216"/>
-      </p:ext>
-    </p:extLst>
-  </p:cSld>
-  <p:clrMapOvr>
-    <a:masterClrMapping/>
-  </p:clrMapOvr>
-</p:sldLayout>
-</file>
-
-<file path=ppt/slideLayouts/slideLayout5.xml><?xml version="1.0" encoding="utf-8"?>
-<p:sldLayout xmlns:a="http://schemas.openxmlformats.org/drawingml/2006/main" xmlns:r="http://schemas.openxmlformats.org/officeDocument/2006/relationships" xmlns:p="http://schemas.openxmlformats.org/presentationml/2006/main" type="twoObj" preserve="1">
-  <p:cSld name="Two Content">
-    <p:spTree>
-      <p:nvGrpSpPr>
-        <p:cNvPr id="1" name=""/>
-        <p:cNvGrpSpPr/>
-        <p:nvPr/>
-      </p:nvGrpSpPr>
-      <p:grpSpPr>
-        <a:xfrm>
-          <a:off x="0" y="0"/>
-          <a:ext cx="0" cy="0"/>
-          <a:chOff x="0" y="0"/>
-          <a:chExt cx="0" cy="0"/>
-        </a:xfrm>
-      </p:grpSpPr>
-      <p:sp>
-        <p:nvSpPr>
-          <p:cNvPr id="2" name="Title 1"/>
-          <p:cNvSpPr>
-            <a:spLocks noGrp="1"/>
-          </p:cNvSpPr>
-          <p:nvPr>
-            <p:ph type="title"/>
-          </p:nvPr>
-        </p:nvSpPr>
-        <p:spPr/>
-        <p:txBody>
-          <a:bodyPr/>
-          <a:lstStyle/>
-          <a:p>
-            <a:r>
-              <a:rPr lang="en-US"/>
-              <a:t>Click to edit Master title style</a:t>
-            </a:r>
-            <a:endParaRPr lang="ru-RU" dirty="0"/>
-          </a:p>
-        </p:txBody>
-      </p:sp>
-      <p:sp>
-        <p:nvSpPr>
-          <p:cNvPr id="3" name="Content Placeholder 2"/>
-          <p:cNvSpPr>
-            <a:spLocks noGrp="1"/>
-          </p:cNvSpPr>
-          <p:nvPr>
-            <p:ph sz="half" idx="1"/>
-          </p:nvPr>
-        </p:nvSpPr>
-        <p:spPr>
-          <a:xfrm>
-            <a:off x="457200" y="1600200"/>
-            <a:ext cx="4038600" cy="4525963"/>
-          </a:xfrm>
-        </p:spPr>
-        <p:txBody>
-          <a:bodyPr/>
-          <a:lstStyle>
-            <a:lvl1pPr>
-              <a:defRPr sz="2800"/>
-            </a:lvl1pPr>
-            <a:lvl2pPr>
-              <a:defRPr sz="2400"/>
-            </a:lvl2pPr>
-            <a:lvl3pPr>
-              <a:defRPr sz="2000"/>
-            </a:lvl3pPr>
-            <a:lvl4pPr>
-              <a:defRPr sz="1800"/>
-            </a:lvl4pPr>
-            <a:lvl5pPr>
-              <a:defRPr sz="1800"/>
-            </a:lvl5pPr>
-            <a:lvl6pPr>
-              <a:defRPr sz="1800"/>
-            </a:lvl6pPr>
-            <a:lvl7pPr>
-              <a:defRPr sz="1800"/>
-            </a:lvl7pPr>
-            <a:lvl8pPr>
-              <a:defRPr sz="1800"/>
-            </a:lvl8pPr>
-            <a:lvl9pPr>
-              <a:defRPr sz="1800"/>
-            </a:lvl9pPr>
-          </a:lstStyle>
-          <a:p>
-            <a:pPr lvl="0"/>
-            <a:r>
-              <a:rPr lang="en-US"/>
-              <a:t>Click to edit Master text styles</a:t>
-            </a:r>
-          </a:p>
-          <a:p>
-            <a:pPr lvl="1"/>
-            <a:r>
-              <a:rPr lang="en-US"/>
-              <a:t>Second level</a:t>
-            </a:r>
-          </a:p>
-          <a:p>
-            <a:pPr lvl="2"/>
-            <a:r>
-              <a:rPr lang="en-US"/>
-              <a:t>Third level</a:t>
-            </a:r>
-          </a:p>
-          <a:p>
-            <a:pPr lvl="3"/>
-            <a:r>
-              <a:rPr lang="en-US"/>
-              <a:t>Fourth level</a:t>
-            </a:r>
-          </a:p>
-          <a:p>
-            <a:pPr lvl="4"/>
-            <a:r>
-              <a:rPr lang="en-US"/>
-              <a:t>Fifth level</a:t>
-            </a:r>
-            <a:endParaRPr lang="ru-RU" dirty="0"/>
-          </a:p>
-        </p:txBody>
-      </p:sp>
-      <p:sp>
-        <p:nvSpPr>
-          <p:cNvPr id="4" name="Content Placeholder 3"/>
-          <p:cNvSpPr>
-            <a:spLocks noGrp="1"/>
-          </p:cNvSpPr>
-          <p:nvPr>
-            <p:ph sz="half" idx="2"/>
-          </p:nvPr>
-        </p:nvSpPr>
-        <p:spPr>
-          <a:xfrm>
-            <a:off x="4648200" y="1600200"/>
-            <a:ext cx="4038600" cy="4525963"/>
-          </a:xfrm>
-        </p:spPr>
-        <p:txBody>
-          <a:bodyPr/>
-          <a:lstStyle>
-            <a:lvl1pPr>
-              <a:defRPr sz="2800"/>
-            </a:lvl1pPr>
-            <a:lvl2pPr>
-              <a:defRPr sz="2400"/>
-            </a:lvl2pPr>
-            <a:lvl3pPr>
-              <a:defRPr sz="2000"/>
-            </a:lvl3pPr>
-            <a:lvl4pPr>
-              <a:defRPr sz="1800"/>
-            </a:lvl4pPr>
-            <a:lvl5pPr>
-              <a:defRPr sz="1800"/>
-            </a:lvl5pPr>
-            <a:lvl6pPr>
-              <a:defRPr sz="1800"/>
-            </a:lvl6pPr>
-            <a:lvl7pPr>
-              <a:defRPr sz="1800"/>
-            </a:lvl7pPr>
-            <a:lvl8pPr>
-              <a:defRPr sz="1800"/>
-            </a:lvl8pPr>
-            <a:lvl9pPr>
-              <a:defRPr sz="1800"/>
-            </a:lvl9pPr>
-          </a:lstStyle>
-          <a:p>
-            <a:pPr lvl="0"/>
-            <a:r>
-              <a:rPr lang="en-US"/>
-              <a:t>Click to edit Master text styles</a:t>
-            </a:r>
-          </a:p>
-          <a:p>
-            <a:pPr lvl="1"/>
-            <a:r>
-              <a:rPr lang="en-US"/>
-              <a:t>Second level</a:t>
-            </a:r>
-          </a:p>
-          <a:p>
-            <a:pPr lvl="2"/>
-            <a:r>
-              <a:rPr lang="en-US"/>
-              <a:t>Third level</a:t>
-            </a:r>
-          </a:p>
-          <a:p>
-            <a:pPr lvl="3"/>
-            <a:r>
-              <a:rPr lang="en-US"/>
-              <a:t>Fourth level</a:t>
-            </a:r>
-          </a:p>
-          <a:p>
-            <a:pPr lvl="4"/>
-            <a:r>
-              <a:rPr lang="en-US"/>
-              <a:t>Fifth level</a:t>
-            </a:r>
-            <a:endParaRPr lang="ru-RU" dirty="0"/>
-          </a:p>
-        </p:txBody>
-      </p:sp>
-    </p:spTree>
-    <p:extLst>
-      <p:ext uri="{BB962C8B-B14F-4D97-AF65-F5344CB8AC3E}">
-        <p14:creationId xmlns:p14="http://schemas.microsoft.com/office/powerpoint/2010/main" val="1026234569"/>
-      </p:ext>
-    </p:extLst>
-  </p:cSld>
-  <p:clrMapOvr>
-    <a:masterClrMapping/>
-  </p:clrMapOvr>
-</p:sldLayout>
-</file>
-
-<file path=ppt/slideLayouts/slideLayout6.xml><?xml version="1.0" encoding="utf-8"?>
-<p:sldLayout xmlns:a="http://schemas.openxmlformats.org/drawingml/2006/main" xmlns:r="http://schemas.openxmlformats.org/officeDocument/2006/relationships" xmlns:p="http://schemas.openxmlformats.org/presentationml/2006/main" type="twoTxTwoObj" preserve="1">
-  <p:cSld name="Comparison">
-    <p:spTree>
-      <p:nvGrpSpPr>
-        <p:cNvPr id="1" name=""/>
-        <p:cNvGrpSpPr/>
-        <p:nvPr/>
-      </p:nvGrpSpPr>
-      <p:grpSpPr>
-        <a:xfrm>
-          <a:off x="0" y="0"/>
-          <a:ext cx="0" cy="0"/>
-          <a:chOff x="0" y="0"/>
-          <a:chExt cx="0" cy="0"/>
-        </a:xfrm>
-      </p:grpSpPr>
-      <p:sp>
-        <p:nvSpPr>
-          <p:cNvPr id="2" name="Title 1"/>
-          <p:cNvSpPr>
-            <a:spLocks noGrp="1"/>
-          </p:cNvSpPr>
-          <p:nvPr>
-            <p:ph type="title"/>
-          </p:nvPr>
-        </p:nvSpPr>
-        <p:spPr/>
-        <p:txBody>
-          <a:bodyPr/>
-          <a:lstStyle>
-            <a:lvl1pPr>
-              <a:defRPr/>
-            </a:lvl1pPr>
-          </a:lstStyle>
-          <a:p>
-            <a:r>
-              <a:rPr lang="en-US"/>
-              <a:t>Click to edit Master title style</a:t>
-            </a:r>
-            <a:endParaRPr lang="ru-RU" dirty="0"/>
-          </a:p>
-        </p:txBody>
-      </p:sp>
-      <p:sp>
-        <p:nvSpPr>
-          <p:cNvPr id="3" name="Text Placeholder 2"/>
-          <p:cNvSpPr>
-            <a:spLocks noGrp="1"/>
-          </p:cNvSpPr>
-          <p:nvPr>
-            <p:ph type="body" idx="1"/>
-          </p:nvPr>
-        </p:nvSpPr>
-        <p:spPr>
-          <a:xfrm>
-            <a:off x="457200" y="1535113"/>
-            <a:ext cx="4040188" cy="639762"/>
-          </a:xfrm>
-        </p:spPr>
-        <p:txBody>
-          <a:bodyPr anchor="b"/>
-          <a:lstStyle>
-            <a:lvl1pPr marL="0" indent="0">
-              <a:buNone/>
-              <a:defRPr sz="2400" b="1"/>
-            </a:lvl1pPr>
-            <a:lvl2pPr marL="457200" indent="0">
-              <a:buNone/>
-              <a:defRPr sz="2000" b="1"/>
-            </a:lvl2pPr>
-            <a:lvl3pPr marL="914400" indent="0">
-              <a:buNone/>
-              <a:defRPr sz="1800" b="1"/>
-            </a:lvl3pPr>
-            <a:lvl4pPr marL="1371600" indent="0">
-              <a:buNone/>
-              <a:defRPr sz="1600" b="1"/>
-            </a:lvl4pPr>
-            <a:lvl5pPr marL="1828800" indent="0">
-              <a:buNone/>
-              <a:defRPr sz="1600" b="1"/>
-            </a:lvl5pPr>
-            <a:lvl6pPr marL="2286000" indent="0">
-              <a:buNone/>
-              <a:defRPr sz="1600" b="1"/>
-            </a:lvl6pPr>
-            <a:lvl7pPr marL="2743200" indent="0">
-              <a:buNone/>
-              <a:defRPr sz="1600" b="1"/>
-            </a:lvl7pPr>
-            <a:lvl8pPr marL="3200400" indent="0">
-              <a:buNone/>
-              <a:defRPr sz="1600" b="1"/>
-            </a:lvl8pPr>
-            <a:lvl9pPr marL="3657600" indent="0">
-              <a:buNone/>
-              <a:defRPr sz="1600" b="1"/>
-            </a:lvl9pPr>
-          </a:lstStyle>
-          <a:p>
-            <a:pPr lvl="0"/>
-            <a:r>
-              <a:rPr lang="en-US"/>
-              <a:t>Click to edit Master text styles</a:t>
-            </a:r>
-          </a:p>
-        </p:txBody>
-      </p:sp>
-      <p:sp>
-        <p:nvSpPr>
-          <p:cNvPr id="4" name="Content Placeholder 3"/>
-          <p:cNvSpPr>
-            <a:spLocks noGrp="1"/>
-          </p:cNvSpPr>
-          <p:nvPr>
-            <p:ph sz="half" idx="2"/>
-          </p:nvPr>
-        </p:nvSpPr>
-        <p:spPr>
-          <a:xfrm>
-            <a:off x="457200" y="2174875"/>
-            <a:ext cx="4040188" cy="3951288"/>
-          </a:xfrm>
-        </p:spPr>
-        <p:txBody>
-          <a:bodyPr/>
-          <a:lstStyle>
-            <a:lvl1pPr>
-              <a:defRPr sz="2400"/>
-            </a:lvl1pPr>
-            <a:lvl2pPr>
-              <a:defRPr sz="2000"/>
-            </a:lvl2pPr>
-            <a:lvl3pPr>
-              <a:defRPr sz="1800"/>
-            </a:lvl3pPr>
-            <a:lvl4pPr>
-              <a:defRPr sz="1600"/>
-            </a:lvl4pPr>
-            <a:lvl5pPr>
-              <a:defRPr sz="1600"/>
-            </a:lvl5pPr>
-            <a:lvl6pPr>
-              <a:defRPr sz="1600"/>
-            </a:lvl6pPr>
-            <a:lvl7pPr>
-              <a:defRPr sz="1600"/>
-            </a:lvl7pPr>
-            <a:lvl8pPr>
-              <a:defRPr sz="1600"/>
-            </a:lvl8pPr>
-            <a:lvl9pPr>
-              <a:defRPr sz="1600"/>
-            </a:lvl9pPr>
-          </a:lstStyle>
-          <a:p>
-            <a:pPr lvl="0"/>
-            <a:r>
-              <a:rPr lang="en-US"/>
-              <a:t>Click to edit Master text styles</a:t>
-            </a:r>
-          </a:p>
-          <a:p>
-            <a:pPr lvl="1"/>
-            <a:r>
-              <a:rPr lang="en-US"/>
-              <a:t>Second level</a:t>
-            </a:r>
-          </a:p>
-          <a:p>
-            <a:pPr lvl="2"/>
-            <a:r>
-              <a:rPr lang="en-US"/>
-              <a:t>Third level</a:t>
-            </a:r>
-          </a:p>
-          <a:p>
-            <a:pPr lvl="3"/>
-            <a:r>
-              <a:rPr lang="en-US"/>
-              <a:t>Fourth level</a:t>
-            </a:r>
-          </a:p>
-          <a:p>
-            <a:pPr lvl="4"/>
-            <a:r>
-              <a:rPr lang="en-US"/>
-              <a:t>Fifth level</a:t>
-            </a:r>
-            <a:endParaRPr lang="ru-RU" dirty="0"/>
-          </a:p>
-        </p:txBody>
-      </p:sp>
-      <p:sp>
-        <p:nvSpPr>
-          <p:cNvPr id="5" name="Text Placeholder 4"/>
-          <p:cNvSpPr>
-            <a:spLocks noGrp="1"/>
-          </p:cNvSpPr>
-          <p:nvPr>
-            <p:ph type="body" sz="quarter" idx="3"/>
-          </p:nvPr>
-        </p:nvSpPr>
-        <p:spPr>
-          <a:xfrm>
-            <a:off x="4645025" y="1535113"/>
-            <a:ext cx="4041775" cy="639762"/>
-          </a:xfrm>
-        </p:spPr>
-        <p:txBody>
-          <a:bodyPr anchor="b"/>
-          <a:lstStyle>
-            <a:lvl1pPr marL="0" indent="0">
-              <a:buNone/>
-              <a:defRPr sz="2400" b="1"/>
-            </a:lvl1pPr>
-            <a:lvl2pPr marL="457200" indent="0">
-              <a:buNone/>
-              <a:defRPr sz="2000" b="1"/>
-            </a:lvl2pPr>
-            <a:lvl3pPr marL="914400" indent="0">
-              <a:buNone/>
-              <a:defRPr sz="1800" b="1"/>
-            </a:lvl3pPr>
-            <a:lvl4pPr marL="1371600" indent="0">
-              <a:buNone/>
-              <a:defRPr sz="1600" b="1"/>
-            </a:lvl4pPr>
-            <a:lvl5pPr marL="1828800" indent="0">
-              <a:buNone/>
-              <a:defRPr sz="1600" b="1"/>
-            </a:lvl5pPr>
-            <a:lvl6pPr marL="2286000" indent="0">
-              <a:buNone/>
-              <a:defRPr sz="1600" b="1"/>
-            </a:lvl6pPr>
-            <a:lvl7pPr marL="2743200" indent="0">
-              <a:buNone/>
-              <a:defRPr sz="1600" b="1"/>
-            </a:lvl7pPr>
-            <a:lvl8pPr marL="3200400" indent="0">
-              <a:buNone/>
-              <a:defRPr sz="1600" b="1"/>
-            </a:lvl8pPr>
-            <a:lvl9pPr marL="3657600" indent="0">
-              <a:buNone/>
-              <a:defRPr sz="1600" b="1"/>
-            </a:lvl9pPr>
-          </a:lstStyle>
-          <a:p>
-            <a:pPr lvl="0"/>
-            <a:r>
-              <a:rPr lang="en-US"/>
-              <a:t>Click to edit Master text styles</a:t>
-            </a:r>
-          </a:p>
-        </p:txBody>
-      </p:sp>
-      <p:sp>
-        <p:nvSpPr>
-          <p:cNvPr id="6" name="Content Placeholder 5"/>
-          <p:cNvSpPr>
-            <a:spLocks noGrp="1"/>
-          </p:cNvSpPr>
-          <p:nvPr>
-            <p:ph sz="quarter" idx="4"/>
-          </p:nvPr>
-        </p:nvSpPr>
-        <p:spPr>
-          <a:xfrm>
-            <a:off x="4645025" y="2174875"/>
-            <a:ext cx="4041775" cy="3951288"/>
-          </a:xfrm>
-        </p:spPr>
-        <p:txBody>
-          <a:bodyPr/>
-          <a:lstStyle>
-            <a:lvl1pPr>
-              <a:defRPr sz="2400"/>
-            </a:lvl1pPr>
-            <a:lvl2pPr>
-              <a:defRPr sz="2000"/>
-            </a:lvl2pPr>
-            <a:lvl3pPr>
-              <a:defRPr sz="1800"/>
-            </a:lvl3pPr>
-            <a:lvl4pPr>
-              <a:defRPr sz="1600"/>
-            </a:lvl4pPr>
-            <a:lvl5pPr>
-              <a:defRPr sz="1600"/>
-            </a:lvl5pPr>
-            <a:lvl6pPr>
-              <a:defRPr sz="1600"/>
-            </a:lvl6pPr>
-            <a:lvl7pPr>
-              <a:defRPr sz="1600"/>
-            </a:lvl7pPr>
-            <a:lvl8pPr>
-              <a:defRPr sz="1600"/>
-            </a:lvl8pPr>
-            <a:lvl9pPr>
-              <a:defRPr sz="1600"/>
-            </a:lvl9pPr>
-          </a:lstStyle>
-          <a:p>
-            <a:pPr lvl="0"/>
-            <a:r>
-              <a:rPr lang="en-US"/>
-              <a:t>Click to edit Master text styles</a:t>
-            </a:r>
-          </a:p>
-          <a:p>
-            <a:pPr lvl="1"/>
-            <a:r>
-              <a:rPr lang="en-US"/>
-              <a:t>Second level</a:t>
-            </a:r>
-          </a:p>
-          <a:p>
-            <a:pPr lvl="2"/>
-            <a:r>
-              <a:rPr lang="en-US"/>
-              <a:t>Third level</a:t>
-            </a:r>
-          </a:p>
-          <a:p>
-            <a:pPr lvl="3"/>
-            <a:r>
-              <a:rPr lang="en-US"/>
-              <a:t>Fourth level</a:t>
-            </a:r>
-          </a:p>
-          <a:p>
-            <a:pPr lvl="4"/>
-            <a:r>
-              <a:rPr lang="en-US"/>
-              <a:t>Fifth level</a:t>
-            </a:r>
-            <a:endParaRPr lang="ru-RU" dirty="0"/>
-          </a:p>
-        </p:txBody>
-      </p:sp>
-    </p:spTree>
-    <p:extLst>
-      <p:ext uri="{BB962C8B-B14F-4D97-AF65-F5344CB8AC3E}">
-        <p14:creationId xmlns:p14="http://schemas.microsoft.com/office/powerpoint/2010/main" val="4044979405"/>
-      </p:ext>
-    </p:extLst>
-  </p:cSld>
-  <p:clrMapOvr>
-    <a:masterClrMapping/>
-  </p:clrMapOvr>
-</p:sldLayout>
-</file>
-
-<file path=ppt/slideLayouts/slideLayout7.xml><?xml version="1.0" encoding="utf-8"?>
-<p:sldLayout xmlns:a="http://schemas.openxmlformats.org/drawingml/2006/main" xmlns:r="http://schemas.openxmlformats.org/officeDocument/2006/relationships" xmlns:p="http://schemas.openxmlformats.org/presentationml/2006/main" type="titleOnly" preserve="1">
-  <p:cSld name="Title Only">
-    <p:spTree>
-      <p:nvGrpSpPr>
-        <p:cNvPr id="1" name=""/>
-        <p:cNvGrpSpPr/>
-        <p:nvPr/>
-      </p:nvGrpSpPr>
-      <p:grpSpPr>
-        <a:xfrm>
-          <a:off x="0" y="0"/>
-          <a:ext cx="0" cy="0"/>
-          <a:chOff x="0" y="0"/>
-          <a:chExt cx="0" cy="0"/>
-        </a:xfrm>
-      </p:grpSpPr>
-      <p:sp>
-        <p:nvSpPr>
-          <p:cNvPr id="2" name="Title 1"/>
-          <p:cNvSpPr>
-            <a:spLocks noGrp="1"/>
-          </p:cNvSpPr>
-          <p:nvPr>
-            <p:ph type="title"/>
-          </p:nvPr>
-        </p:nvSpPr>
-        <p:spPr/>
-        <p:txBody>
-          <a:bodyPr/>
-          <a:lstStyle/>
-          <a:p>
-            <a:r>
-              <a:rPr lang="en-US"/>
-              <a:t>Click to edit Master title style</a:t>
-            </a:r>
-            <a:endParaRPr lang="ru-RU" dirty="0"/>
-          </a:p>
-        </p:txBody>
-      </p:sp>
-    </p:spTree>
-    <p:extLst>
-      <p:ext uri="{BB962C8B-B14F-4D97-AF65-F5344CB8AC3E}">
-        <p14:creationId xmlns:p14="http://schemas.microsoft.com/office/powerpoint/2010/main" val="125202666"/>
-      </p:ext>
-    </p:extLst>
-  </p:cSld>
-  <p:clrMapOvr>
-    <a:masterClrMapping/>
-  </p:clrMapOvr>
-</p:sldLayout>
-</file>
-
-<file path=ppt/slideLayouts/slideLayout8.xml><?xml version="1.0" encoding="utf-8"?>
-<p:sldLayout xmlns:a="http://schemas.openxmlformats.org/drawingml/2006/main" xmlns:r="http://schemas.openxmlformats.org/officeDocument/2006/relationships" xmlns:p="http://schemas.openxmlformats.org/presentationml/2006/main" preserve="1" userDrawn="1">
-  <p:cSld name="Demo">
-    <p:spTree>
-      <p:nvGrpSpPr>
-        <p:cNvPr id="1" name=""/>
-        <p:cNvGrpSpPr/>
-        <p:nvPr/>
-      </p:nvGrpSpPr>
-      <p:grpSpPr>
-        <a:xfrm>
-          <a:off x="0" y="0"/>
-          <a:ext cx="0" cy="0"/>
-          <a:chOff x="0" y="0"/>
-          <a:chExt cx="0" cy="0"/>
-        </a:xfrm>
-      </p:grpSpPr>
-      <p:sp>
-        <p:nvSpPr>
-          <p:cNvPr id="10" name="TextBox 9"/>
-          <p:cNvSpPr txBox="1"/>
-          <p:nvPr userDrawn="1"/>
-        </p:nvSpPr>
-        <p:spPr>
-          <a:xfrm>
-            <a:off x="359532" y="3136613"/>
-            <a:ext cx="8424936" cy="584775"/>
-          </a:xfrm>
-          <a:prstGeom prst="rect">
-            <a:avLst/>
-          </a:prstGeom>
-          <a:noFill/>
-        </p:spPr>
-        <p:txBody>
-          <a:bodyPr wrap="square" rtlCol="0" anchor="ctr">
-            <a:spAutoFit/>
-          </a:bodyPr>
-          <a:lstStyle/>
-          <a:p>
-            <a:pPr algn="ctr"/>
-            <a:r>
-              <a:rPr lang="ru-RU" sz="3200" dirty="0"/>
-              <a:t>Название.</a:t>
-            </a:r>
-            <a:r>
-              <a:rPr lang="ru-RU" sz="3200" baseline="0" dirty="0"/>
-              <a:t> Демонстрация.</a:t>
-            </a:r>
-            <a:endParaRPr lang="ru-RU" sz="3200" dirty="0"/>
-          </a:p>
-        </p:txBody>
-      </p:sp>
-    </p:spTree>
-    <p:extLst>
-      <p:ext uri="{BB962C8B-B14F-4D97-AF65-F5344CB8AC3E}">
-        <p14:creationId xmlns:p14="http://schemas.microsoft.com/office/powerpoint/2010/main" val="3308008441"/>
-      </p:ext>
-    </p:extLst>
-  </p:cSld>
-  <p:clrMapOvr>
-    <a:masterClrMapping/>
-  </p:clrMapOvr>
-</p:sldLayout>
-</file>
-
-<file path=ppt/slideLayouts/slideLayout9.xml><?xml version="1.0" encoding="utf-8"?>
-<p:sldLayout xmlns:a="http://schemas.openxmlformats.org/drawingml/2006/main" xmlns:r="http://schemas.openxmlformats.org/officeDocument/2006/relationships" xmlns:p="http://schemas.openxmlformats.org/presentationml/2006/main" type="blank" preserve="1">
-  <p:cSld name="1_Blank">
-    <p:spTree>
-      <p:nvGrpSpPr>
-        <p:cNvPr id="1" name=""/>
-        <p:cNvGrpSpPr/>
-        <p:nvPr/>
-      </p:nvGrpSpPr>
-      <p:grpSpPr>
-        <a:xfrm>
-          <a:off x="0" y="0"/>
-          <a:ext cx="0" cy="0"/>
-          <a:chOff x="0" y="0"/>
-          <a:chExt cx="0" cy="0"/>
-        </a:xfrm>
-      </p:grpSpPr>
-    </p:spTree>
-    <p:extLst>
-      <p:ext uri="{BB962C8B-B14F-4D97-AF65-F5344CB8AC3E}">
-        <p14:creationId xmlns:p14="http://schemas.microsoft.com/office/powerpoint/2010/main" val="2618453949"/>
-      </p:ext>
-    </p:extLst>
-  </p:cSld>
-  <p:clrMapOvr>
-    <a:masterClrMapping/>
-  </p:clrMapOvr>
-</p:sldLayout>
-</file>
-
 <file path=ppt/slideMasters/slideMaster1.xml><?xml version="1.0" encoding="utf-8"?>
 <p:sldMaster xmlns:a="http://schemas.openxmlformats.org/drawingml/2006/main" xmlns:r="http://schemas.openxmlformats.org/officeDocument/2006/relationships" xmlns:p="http://schemas.openxmlformats.org/presentationml/2006/main">
   <p:cSld>
     <p:bg>
       <p:bgPr>
         <a:blipFill dpi="0" rotWithShape="1">
-          <a:blip r:embed="rId16">
+          <a:blip r:embed="rId14">
             <a:lum/>
           </a:blip>
           <a:srcRect/>
@@ -2945,7 +2557,7 @@
           <a:p>
             <a:fld id="{AC3D3127-B7C4-45E3-9797-C527EC9FDD78}" type="datetimeFigureOut">
               <a:rPr lang="ru-RU" smtClean="0"/>
-              <a:t>01.07.2018</a:t>
+              <a:t>22.02.2019</a:t>
             </a:fld>
             <a:endParaRPr lang="ru-RU"/>
           </a:p>
@@ -3038,20 +2650,18 @@
   </p:cSld>
   <p:clrMap bg1="lt1" tx1="dk1" bg2="lt2" tx2="dk2" accent1="accent1" accent2="accent2" accent3="accent3" accent4="accent4" accent5="accent5" accent6="accent6" hlink="hlink" folHlink="folHlink"/>
   <p:sldLayoutIdLst>
-    <p:sldLayoutId id="2147483649" r:id="rId1"/>
-    <p:sldLayoutId id="2147483661" r:id="rId2"/>
-    <p:sldLayoutId id="2147483650" r:id="rId3"/>
-    <p:sldLayoutId id="2147483651" r:id="rId4"/>
-    <p:sldLayoutId id="2147483652" r:id="rId5"/>
-    <p:sldLayoutId id="2147483653" r:id="rId6"/>
-    <p:sldLayoutId id="2147483654" r:id="rId7"/>
-    <p:sldLayoutId id="2147483655" r:id="rId8"/>
-    <p:sldLayoutId id="2147483660" r:id="rId9"/>
-    <p:sldLayoutId id="2147483656" r:id="rId10"/>
-    <p:sldLayoutId id="2147483657" r:id="rId11"/>
-    <p:sldLayoutId id="2147483658" r:id="rId12"/>
-    <p:sldLayoutId id="2147483659" r:id="rId13"/>
-    <p:sldLayoutId id="2147483662" r:id="rId14"/>
+    <p:sldLayoutId id="2147483650" r:id="rId1"/>
+    <p:sldLayoutId id="2147483651" r:id="rId2"/>
+    <p:sldLayoutId id="2147483652" r:id="rId3"/>
+    <p:sldLayoutId id="2147483653" r:id="rId4"/>
+    <p:sldLayoutId id="2147483654" r:id="rId5"/>
+    <p:sldLayoutId id="2147483655" r:id="rId6"/>
+    <p:sldLayoutId id="2147483660" r:id="rId7"/>
+    <p:sldLayoutId id="2147483656" r:id="rId8"/>
+    <p:sldLayoutId id="2147483657" r:id="rId9"/>
+    <p:sldLayoutId id="2147483658" r:id="rId10"/>
+    <p:sldLayoutId id="2147483659" r:id="rId11"/>
+    <p:sldLayoutId id="2147483662" r:id="rId12"/>
   </p:sldLayoutIdLst>
   <p:txStyles>
     <p:titleStyle>
@@ -3418,7 +3028,7 @@
           <p:cNvPr id="8" name="TextBox 7">
             <a:extLst>
               <a:ext uri="{FF2B5EF4-FFF2-40B4-BE49-F238E27FC236}">
-                <a16:creationId xmlns:a16="http://schemas.microsoft.com/office/drawing/2014/main" id="{39A4D170-E6EE-1644-9B20-CEAF75DAF186}"/>
+                <a16:creationId xmlns:a16="http://schemas.microsoft.com/office/drawing/2014/main" xmlns="" id="{39A4D170-E6EE-1644-9B20-CEAF75DAF186}"/>
               </a:ext>
             </a:extLst>
           </p:cNvPr>
@@ -3648,6 +3258,10 @@
             <a:r>
               <a:rPr lang="en-US" dirty="0"/>
               <a:t>Microsoft</a:t>
+            </a:r>
+            <a:r>
+              <a:rPr lang="ru-RU" dirty="0"/>
+              <a:t/>
             </a:r>
             <a:br>
               <a:rPr lang="ru-RU" dirty="0"/>
@@ -5393,35 +5007,35 @@
                 <a:gridCol w="1615048">
                   <a:extLst>
                     <a:ext uri="{9D8B030D-6E8A-4147-A177-3AD203B41FA5}">
-                      <a16:colId xmlns:a16="http://schemas.microsoft.com/office/drawing/2014/main" val="20000"/>
+                      <a16:colId xmlns:a16="http://schemas.microsoft.com/office/drawing/2014/main" xmlns="" val="20000"/>
                     </a:ext>
                   </a:extLst>
                 </a:gridCol>
                 <a:gridCol w="1635656">
                   <a:extLst>
                     <a:ext uri="{9D8B030D-6E8A-4147-A177-3AD203B41FA5}">
-                      <a16:colId xmlns:a16="http://schemas.microsoft.com/office/drawing/2014/main" val="20001"/>
+                      <a16:colId xmlns:a16="http://schemas.microsoft.com/office/drawing/2014/main" xmlns="" val="20001"/>
                     </a:ext>
                   </a:extLst>
                 </a:gridCol>
                 <a:gridCol w="1594440">
                   <a:extLst>
                     <a:ext uri="{9D8B030D-6E8A-4147-A177-3AD203B41FA5}">
-                      <a16:colId xmlns:a16="http://schemas.microsoft.com/office/drawing/2014/main" val="20002"/>
+                      <a16:colId xmlns:a16="http://schemas.microsoft.com/office/drawing/2014/main" xmlns="" val="20002"/>
                     </a:ext>
                   </a:extLst>
                 </a:gridCol>
                 <a:gridCol w="1615048">
                   <a:extLst>
                     <a:ext uri="{9D8B030D-6E8A-4147-A177-3AD203B41FA5}">
-                      <a16:colId xmlns:a16="http://schemas.microsoft.com/office/drawing/2014/main" val="20003"/>
+                      <a16:colId xmlns:a16="http://schemas.microsoft.com/office/drawing/2014/main" xmlns="" val="20003"/>
                     </a:ext>
                   </a:extLst>
                 </a:gridCol>
                 <a:gridCol w="1615048">
                   <a:extLst>
                     <a:ext uri="{9D8B030D-6E8A-4147-A177-3AD203B41FA5}">
-                      <a16:colId xmlns:a16="http://schemas.microsoft.com/office/drawing/2014/main" val="20004"/>
+                      <a16:colId xmlns:a16="http://schemas.microsoft.com/office/drawing/2014/main" xmlns="" val="20004"/>
                     </a:ext>
                   </a:extLst>
                 </a:gridCol>
@@ -5767,7 +5381,7 @@
                 </a:tc>
                 <a:extLst>
                   <a:ext uri="{0D108BD9-81ED-4DB2-BD59-A6C34878D82A}">
-                    <a16:rowId xmlns:a16="http://schemas.microsoft.com/office/drawing/2014/main" val="10000"/>
+                    <a16:rowId xmlns:a16="http://schemas.microsoft.com/office/drawing/2014/main" xmlns="" val="10000"/>
                   </a:ext>
                 </a:extLst>
               </a:tr>
@@ -6099,7 +5713,7 @@
                 </a:tc>
                 <a:extLst>
                   <a:ext uri="{0D108BD9-81ED-4DB2-BD59-A6C34878D82A}">
-                    <a16:rowId xmlns:a16="http://schemas.microsoft.com/office/drawing/2014/main" val="10001"/>
+                    <a16:rowId xmlns:a16="http://schemas.microsoft.com/office/drawing/2014/main" xmlns="" val="10001"/>
                   </a:ext>
                 </a:extLst>
               </a:tr>
@@ -6444,7 +6058,7 @@
                 </a:tc>
                 <a:extLst>
                   <a:ext uri="{0D108BD9-81ED-4DB2-BD59-A6C34878D82A}">
-                    <a16:rowId xmlns:a16="http://schemas.microsoft.com/office/drawing/2014/main" val="10002"/>
+                    <a16:rowId xmlns:a16="http://schemas.microsoft.com/office/drawing/2014/main" xmlns="" val="10002"/>
                   </a:ext>
                 </a:extLst>
               </a:tr>
@@ -6805,7 +6419,7 @@
                 </a:tc>
                 <a:extLst>
                   <a:ext uri="{0D108BD9-81ED-4DB2-BD59-A6C34878D82A}">
-                    <a16:rowId xmlns:a16="http://schemas.microsoft.com/office/drawing/2014/main" val="10003"/>
+                    <a16:rowId xmlns:a16="http://schemas.microsoft.com/office/drawing/2014/main" xmlns="" val="10003"/>
                   </a:ext>
                 </a:extLst>
               </a:tr>
@@ -7199,7 +6813,7 @@
                 </a:tc>
                 <a:extLst>
                   <a:ext uri="{0D108BD9-81ED-4DB2-BD59-A6C34878D82A}">
-                    <a16:rowId xmlns:a16="http://schemas.microsoft.com/office/drawing/2014/main" val="10004"/>
+                    <a16:rowId xmlns:a16="http://schemas.microsoft.com/office/drawing/2014/main" xmlns="" val="10004"/>
                   </a:ext>
                 </a:extLst>
               </a:tr>
@@ -7560,7 +7174,7 @@
                 </a:tc>
                 <a:extLst>
                   <a:ext uri="{0D108BD9-81ED-4DB2-BD59-A6C34878D82A}">
-                    <a16:rowId xmlns:a16="http://schemas.microsoft.com/office/drawing/2014/main" val="10005"/>
+                    <a16:rowId xmlns:a16="http://schemas.microsoft.com/office/drawing/2014/main" xmlns="" val="10005"/>
                   </a:ext>
                 </a:extLst>
               </a:tr>
@@ -7925,7 +7539,7 @@
                 </a:tc>
                 <a:extLst>
                   <a:ext uri="{0D108BD9-81ED-4DB2-BD59-A6C34878D82A}">
-                    <a16:rowId xmlns:a16="http://schemas.microsoft.com/office/drawing/2014/main" val="10006"/>
+                    <a16:rowId xmlns:a16="http://schemas.microsoft.com/office/drawing/2014/main" xmlns="" val="10006"/>
                   </a:ext>
                 </a:extLst>
               </a:tr>
@@ -8058,6 +7672,14 @@
               </a:rPr>
               <a:t>https://github.com/bazile/Training</a:t>
             </a:r>
+            <a:r>
+              <a:rPr lang="en-US" dirty="0">
+                <a:solidFill>
+                  <a:schemeClr val="bg1"/>
+                </a:solidFill>
+              </a:rPr>
+              <a:t/>
+            </a:r>
             <a:br>
               <a:rPr lang="en-US" dirty="0">
                 <a:solidFill>
@@ -8090,6 +7712,14 @@
                 <a:hlinkClick r:id="rId3"/>
               </a:rPr>
               <a:t>http://belhard.nullptr.ru/</a:t>
+            </a:r>
+            <a:r>
+              <a:rPr lang="ru-RU" dirty="0">
+                <a:solidFill>
+                  <a:schemeClr val="bg1"/>
+                </a:solidFill>
+              </a:rPr>
+              <a:t/>
             </a:r>
             <a:br>
               <a:rPr lang="ru-RU" dirty="0">
@@ -8216,6 +7846,14 @@
   <p:clrMapOvr>
     <a:masterClrMapping/>
   </p:clrMapOvr>
+  <mc:AlternateContent xmlns:mc="http://schemas.openxmlformats.org/markup-compatibility/2006">
+    <mc:Choice xmlns:p14="http://schemas.microsoft.com/office/powerpoint/2010/main" Requires="p14">
+      <p:transition spd="slow" p14:dur="2000"/>
+    </mc:Choice>
+    <mc:Fallback>
+      <p:transition spd="slow"/>
+    </mc:Fallback>
+  </mc:AlternateContent>
 </p:sld>
 </file>
 
@@ -11148,21 +10786,21 @@
                 <a:gridCol w="2242592">
                   <a:extLst>
                     <a:ext uri="{9D8B030D-6E8A-4147-A177-3AD203B41FA5}">
-                      <a16:colId xmlns:a16="http://schemas.microsoft.com/office/drawing/2014/main" val="20000"/>
+                      <a16:colId xmlns:a16="http://schemas.microsoft.com/office/drawing/2014/main" xmlns="" val="20000"/>
                     </a:ext>
                   </a:extLst>
                 </a:gridCol>
                 <a:gridCol w="2736304">
                   <a:extLst>
                     <a:ext uri="{9D8B030D-6E8A-4147-A177-3AD203B41FA5}">
-                      <a16:colId xmlns:a16="http://schemas.microsoft.com/office/drawing/2014/main" val="20001"/>
+                      <a16:colId xmlns:a16="http://schemas.microsoft.com/office/drawing/2014/main" xmlns="" val="20001"/>
                     </a:ext>
                   </a:extLst>
                 </a:gridCol>
                 <a:gridCol w="3096345">
                   <a:extLst>
                     <a:ext uri="{9D8B030D-6E8A-4147-A177-3AD203B41FA5}">
-                      <a16:colId xmlns:a16="http://schemas.microsoft.com/office/drawing/2014/main" val="20002"/>
+                      <a16:colId xmlns:a16="http://schemas.microsoft.com/office/drawing/2014/main" xmlns="" val="20002"/>
                     </a:ext>
                   </a:extLst>
                 </a:gridCol>
@@ -11356,7 +10994,7 @@
                 </a:tc>
                 <a:extLst>
                   <a:ext uri="{0D108BD9-81ED-4DB2-BD59-A6C34878D82A}">
-                    <a16:rowId xmlns:a16="http://schemas.microsoft.com/office/drawing/2014/main" val="10000"/>
+                    <a16:rowId xmlns:a16="http://schemas.microsoft.com/office/drawing/2014/main" xmlns="" val="10000"/>
                   </a:ext>
                 </a:extLst>
               </a:tr>
@@ -11535,7 +11173,7 @@
                 </a:tc>
                 <a:extLst>
                   <a:ext uri="{0D108BD9-81ED-4DB2-BD59-A6C34878D82A}">
-                    <a16:rowId xmlns:a16="http://schemas.microsoft.com/office/drawing/2014/main" val="10001"/>
+                    <a16:rowId xmlns:a16="http://schemas.microsoft.com/office/drawing/2014/main" xmlns="" val="10001"/>
                   </a:ext>
                 </a:extLst>
               </a:tr>
@@ -11740,7 +11378,7 @@
                 </a:tc>
                 <a:extLst>
                   <a:ext uri="{0D108BD9-81ED-4DB2-BD59-A6C34878D82A}">
-                    <a16:rowId xmlns:a16="http://schemas.microsoft.com/office/drawing/2014/main" val="10002"/>
+                    <a16:rowId xmlns:a16="http://schemas.microsoft.com/office/drawing/2014/main" xmlns="" val="10002"/>
                   </a:ext>
                 </a:extLst>
               </a:tr>
@@ -12035,7 +11673,7 @@
                 </a:tc>
                 <a:extLst>
                   <a:ext uri="{0D108BD9-81ED-4DB2-BD59-A6C34878D82A}">
-                    <a16:rowId xmlns:a16="http://schemas.microsoft.com/office/drawing/2014/main" val="10003"/>
+                    <a16:rowId xmlns:a16="http://schemas.microsoft.com/office/drawing/2014/main" xmlns="" val="10003"/>
                   </a:ext>
                 </a:extLst>
               </a:tr>
@@ -12232,7 +11870,7 @@
                 </a:tc>
                 <a:extLst>
                   <a:ext uri="{0D108BD9-81ED-4DB2-BD59-A6C34878D82A}">
-                    <a16:rowId xmlns:a16="http://schemas.microsoft.com/office/drawing/2014/main" val="10004"/>
+                    <a16:rowId xmlns:a16="http://schemas.microsoft.com/office/drawing/2014/main" xmlns="" val="10004"/>
                   </a:ext>
                 </a:extLst>
               </a:tr>
@@ -15092,6 +14730,14 @@
   <p:clrMapOvr>
     <a:masterClrMapping/>
   </p:clrMapOvr>
+  <mc:AlternateContent xmlns:mc="http://schemas.openxmlformats.org/markup-compatibility/2006">
+    <mc:Choice xmlns:p14="http://schemas.microsoft.com/office/powerpoint/2010/main" Requires="p14">
+      <p:transition spd="slow" p14:dur="2000"/>
+    </mc:Choice>
+    <mc:Fallback>
+      <p:transition spd="slow"/>
+    </mc:Fallback>
+  </mc:AlternateContent>
 </p:sld>
 </file>
 
@@ -16217,6 +15863,14 @@
   <p:clrMapOvr>
     <a:masterClrMapping/>
   </p:clrMapOvr>
+  <mc:AlternateContent xmlns:mc="http://schemas.openxmlformats.org/markup-compatibility/2006">
+    <mc:Choice xmlns:p14="http://schemas.microsoft.com/office/powerpoint/2010/main" Requires="p14">
+      <p:transition spd="slow" p14:dur="2000"/>
+    </mc:Choice>
+    <mc:Fallback>
+      <p:transition spd="slow"/>
+    </mc:Fallback>
+  </mc:AlternateContent>
 </p:sld>
 </file>
 

--- a/Presentation/lesson-09-sql.pptx
+++ b/Presentation/lesson-09-sql.pptx
@@ -149,7 +149,7 @@
   </p:defaultTextStyle>
   <p:extLst>
     <p:ext uri="{EFAFB233-063F-42B5-8137-9DF3F51BA10A}">
-      <p15:sldGuideLst xmlns:p15="http://schemas.microsoft.com/office/powerpoint/2012/main" xmlns="">
+      <p15:sldGuideLst xmlns="" xmlns:p15="http://schemas.microsoft.com/office/powerpoint/2012/main">
         <p15:guide id="1" orient="horz" pos="2160">
           <p15:clr>
             <a:srgbClr val="A4A3A4"/>
@@ -248,7 +248,7 @@
           <a:p>
             <a:fld id="{B24A7054-7FFB-49F4-A126-5DF6E687FF53}" type="datetimeFigureOut">
               <a:rPr lang="ru-RU" smtClean="0"/>
-              <a:t>22.02.2019</a:t>
+              <a:t>30.12.2023</a:t>
             </a:fld>
             <a:endParaRPr lang="ru-RU"/>
           </a:p>
@@ -1022,7 +1022,7 @@
           <a:p>
             <a:fld id="{8E6E6A2A-E9D3-4A0D-B04A-ABDD367A1E08}" type="datetimeFigureOut">
               <a:rPr lang="ru-RU" smtClean="0"/>
-              <a:t>22.02.2019</a:t>
+              <a:t>30.12.2023</a:t>
             </a:fld>
             <a:endParaRPr lang="ru-RU"/>
           </a:p>
@@ -2557,7 +2557,7 @@
           <a:p>
             <a:fld id="{AC3D3127-B7C4-45E3-9797-C527EC9FDD78}" type="datetimeFigureOut">
               <a:rPr lang="ru-RU" smtClean="0"/>
-              <a:t>22.02.2019</a:t>
+              <a:t>30.12.2023</a:t>
             </a:fld>
             <a:endParaRPr lang="ru-RU"/>
           </a:p>
@@ -3028,7 +3028,7 @@
           <p:cNvPr id="8" name="TextBox 7">
             <a:extLst>
               <a:ext uri="{FF2B5EF4-FFF2-40B4-BE49-F238E27FC236}">
-                <a16:creationId xmlns:a16="http://schemas.microsoft.com/office/drawing/2014/main" xmlns="" id="{39A4D170-E6EE-1644-9B20-CEAF75DAF186}"/>
+                <a16:creationId xmlns="" xmlns:a16="http://schemas.microsoft.com/office/drawing/2014/main" id="{39A4D170-E6EE-1644-9B20-CEAF75DAF186}"/>
               </a:ext>
             </a:extLst>
           </p:cNvPr>
@@ -5007,35 +5007,35 @@
                 <a:gridCol w="1615048">
                   <a:extLst>
                     <a:ext uri="{9D8B030D-6E8A-4147-A177-3AD203B41FA5}">
-                      <a16:colId xmlns:a16="http://schemas.microsoft.com/office/drawing/2014/main" xmlns="" val="20000"/>
+                      <a16:colId xmlns="" xmlns:a16="http://schemas.microsoft.com/office/drawing/2014/main" val="20000"/>
                     </a:ext>
                   </a:extLst>
                 </a:gridCol>
                 <a:gridCol w="1635656">
                   <a:extLst>
                     <a:ext uri="{9D8B030D-6E8A-4147-A177-3AD203B41FA5}">
-                      <a16:colId xmlns:a16="http://schemas.microsoft.com/office/drawing/2014/main" xmlns="" val="20001"/>
+                      <a16:colId xmlns="" xmlns:a16="http://schemas.microsoft.com/office/drawing/2014/main" val="20001"/>
                     </a:ext>
                   </a:extLst>
                 </a:gridCol>
                 <a:gridCol w="1594440">
                   <a:extLst>
                     <a:ext uri="{9D8B030D-6E8A-4147-A177-3AD203B41FA5}">
-                      <a16:colId xmlns:a16="http://schemas.microsoft.com/office/drawing/2014/main" xmlns="" val="20002"/>
+                      <a16:colId xmlns="" xmlns:a16="http://schemas.microsoft.com/office/drawing/2014/main" val="20002"/>
                     </a:ext>
                   </a:extLst>
                 </a:gridCol>
                 <a:gridCol w="1615048">
                   <a:extLst>
                     <a:ext uri="{9D8B030D-6E8A-4147-A177-3AD203B41FA5}">
-                      <a16:colId xmlns:a16="http://schemas.microsoft.com/office/drawing/2014/main" xmlns="" val="20003"/>
+                      <a16:colId xmlns="" xmlns:a16="http://schemas.microsoft.com/office/drawing/2014/main" val="20003"/>
                     </a:ext>
                   </a:extLst>
                 </a:gridCol>
                 <a:gridCol w="1615048">
                   <a:extLst>
                     <a:ext uri="{9D8B030D-6E8A-4147-A177-3AD203B41FA5}">
-                      <a16:colId xmlns:a16="http://schemas.microsoft.com/office/drawing/2014/main" xmlns="" val="20004"/>
+                      <a16:colId xmlns="" xmlns:a16="http://schemas.microsoft.com/office/drawing/2014/main" val="20004"/>
                     </a:ext>
                   </a:extLst>
                 </a:gridCol>
@@ -5381,7 +5381,7 @@
                 </a:tc>
                 <a:extLst>
                   <a:ext uri="{0D108BD9-81ED-4DB2-BD59-A6C34878D82A}">
-                    <a16:rowId xmlns:a16="http://schemas.microsoft.com/office/drawing/2014/main" xmlns="" val="10000"/>
+                    <a16:rowId xmlns="" xmlns:a16="http://schemas.microsoft.com/office/drawing/2014/main" val="10000"/>
                   </a:ext>
                 </a:extLst>
               </a:tr>
@@ -5713,7 +5713,7 @@
                 </a:tc>
                 <a:extLst>
                   <a:ext uri="{0D108BD9-81ED-4DB2-BD59-A6C34878D82A}">
-                    <a16:rowId xmlns:a16="http://schemas.microsoft.com/office/drawing/2014/main" xmlns="" val="10001"/>
+                    <a16:rowId xmlns="" xmlns:a16="http://schemas.microsoft.com/office/drawing/2014/main" val="10001"/>
                   </a:ext>
                 </a:extLst>
               </a:tr>
@@ -6058,7 +6058,7 @@
                 </a:tc>
                 <a:extLst>
                   <a:ext uri="{0D108BD9-81ED-4DB2-BD59-A6C34878D82A}">
-                    <a16:rowId xmlns:a16="http://schemas.microsoft.com/office/drawing/2014/main" xmlns="" val="10002"/>
+                    <a16:rowId xmlns="" xmlns:a16="http://schemas.microsoft.com/office/drawing/2014/main" val="10002"/>
                   </a:ext>
                 </a:extLst>
               </a:tr>
@@ -6419,7 +6419,7 @@
                 </a:tc>
                 <a:extLst>
                   <a:ext uri="{0D108BD9-81ED-4DB2-BD59-A6C34878D82A}">
-                    <a16:rowId xmlns:a16="http://schemas.microsoft.com/office/drawing/2014/main" xmlns="" val="10003"/>
+                    <a16:rowId xmlns="" xmlns:a16="http://schemas.microsoft.com/office/drawing/2014/main" val="10003"/>
                   </a:ext>
                 </a:extLst>
               </a:tr>
@@ -6813,7 +6813,7 @@
                 </a:tc>
                 <a:extLst>
                   <a:ext uri="{0D108BD9-81ED-4DB2-BD59-A6C34878D82A}">
-                    <a16:rowId xmlns:a16="http://schemas.microsoft.com/office/drawing/2014/main" xmlns="" val="10004"/>
+                    <a16:rowId xmlns="" xmlns:a16="http://schemas.microsoft.com/office/drawing/2014/main" val="10004"/>
                   </a:ext>
                 </a:extLst>
               </a:tr>
@@ -7174,7 +7174,7 @@
                 </a:tc>
                 <a:extLst>
                   <a:ext uri="{0D108BD9-81ED-4DB2-BD59-A6C34878D82A}">
-                    <a16:rowId xmlns:a16="http://schemas.microsoft.com/office/drawing/2014/main" xmlns="" val="10005"/>
+                    <a16:rowId xmlns="" xmlns:a16="http://schemas.microsoft.com/office/drawing/2014/main" val="10005"/>
                   </a:ext>
                 </a:extLst>
               </a:tr>
@@ -7539,7 +7539,7 @@
                 </a:tc>
                 <a:extLst>
                   <a:ext uri="{0D108BD9-81ED-4DB2-BD59-A6C34878D82A}">
-                    <a16:rowId xmlns:a16="http://schemas.microsoft.com/office/drawing/2014/main" xmlns="" val="10006"/>
+                    <a16:rowId xmlns="" xmlns:a16="http://schemas.microsoft.com/office/drawing/2014/main" val="10006"/>
                   </a:ext>
                 </a:extLst>
               </a:tr>
@@ -7846,11 +7846,11 @@
   <p:clrMapOvr>
     <a:masterClrMapping/>
   </p:clrMapOvr>
-  <mc:AlternateContent xmlns:mc="http://schemas.openxmlformats.org/markup-compatibility/2006">
-    <mc:Choice xmlns:p14="http://schemas.microsoft.com/office/powerpoint/2010/main" Requires="p14">
+  <mc:AlternateContent xmlns:mc="http://schemas.openxmlformats.org/markup-compatibility/2006" xmlns:p14="http://schemas.microsoft.com/office/powerpoint/2010/main">
+    <mc:Choice Requires="p14">
       <p:transition spd="slow" p14:dur="2000"/>
     </mc:Choice>
-    <mc:Fallback>
+    <mc:Fallback xmlns="">
       <p:transition spd="slow"/>
     </mc:Fallback>
   </mc:AlternateContent>
@@ -10298,7 +10298,31 @@
                 </a:solidFill>
                 <a:hlinkClick r:id="rId2"/>
               </a:rPr>
-              <a:t>http://sql-ex.ru/?Lang=0</a:t>
+              <a:t>http://sql-ex.ru/?</a:t>
+            </a:r>
+            <a:r>
+              <a:rPr lang="en-US" dirty="0" smtClean="0">
+                <a:solidFill>
+                  <a:schemeClr val="bg1"/>
+                </a:solidFill>
+                <a:hlinkClick r:id="rId2"/>
+              </a:rPr>
+              <a:t>Lang=0</a:t>
+            </a:r>
+            <a:endParaRPr lang="en-US" dirty="0">
+              <a:solidFill>
+                <a:schemeClr val="bg1"/>
+              </a:solidFill>
+            </a:endParaRPr>
+          </a:p>
+          <a:p>
+            <a:r>
+              <a:rPr lang="en-US" dirty="0">
+                <a:solidFill>
+                  <a:schemeClr val="bg1"/>
+                </a:solidFill>
+              </a:rPr>
+              <a:t>https://sqlbolt.com/</a:t>
             </a:r>
             <a:endParaRPr lang="en-US" dirty="0">
               <a:solidFill>
@@ -10786,21 +10810,21 @@
                 <a:gridCol w="2242592">
                   <a:extLst>
                     <a:ext uri="{9D8B030D-6E8A-4147-A177-3AD203B41FA5}">
-                      <a16:colId xmlns:a16="http://schemas.microsoft.com/office/drawing/2014/main" xmlns="" val="20000"/>
+                      <a16:colId xmlns="" xmlns:a16="http://schemas.microsoft.com/office/drawing/2014/main" val="20000"/>
                     </a:ext>
                   </a:extLst>
                 </a:gridCol>
                 <a:gridCol w="2736304">
                   <a:extLst>
                     <a:ext uri="{9D8B030D-6E8A-4147-A177-3AD203B41FA5}">
-                      <a16:colId xmlns:a16="http://schemas.microsoft.com/office/drawing/2014/main" xmlns="" val="20001"/>
+                      <a16:colId xmlns="" xmlns:a16="http://schemas.microsoft.com/office/drawing/2014/main" val="20001"/>
                     </a:ext>
                   </a:extLst>
                 </a:gridCol>
                 <a:gridCol w="3096345">
                   <a:extLst>
                     <a:ext uri="{9D8B030D-6E8A-4147-A177-3AD203B41FA5}">
-                      <a16:colId xmlns:a16="http://schemas.microsoft.com/office/drawing/2014/main" xmlns="" val="20002"/>
+                      <a16:colId xmlns="" xmlns:a16="http://schemas.microsoft.com/office/drawing/2014/main" val="20002"/>
                     </a:ext>
                   </a:extLst>
                 </a:gridCol>
@@ -10994,7 +11018,7 @@
                 </a:tc>
                 <a:extLst>
                   <a:ext uri="{0D108BD9-81ED-4DB2-BD59-A6C34878D82A}">
-                    <a16:rowId xmlns:a16="http://schemas.microsoft.com/office/drawing/2014/main" xmlns="" val="10000"/>
+                    <a16:rowId xmlns="" xmlns:a16="http://schemas.microsoft.com/office/drawing/2014/main" val="10000"/>
                   </a:ext>
                 </a:extLst>
               </a:tr>
@@ -11173,7 +11197,7 @@
                 </a:tc>
                 <a:extLst>
                   <a:ext uri="{0D108BD9-81ED-4DB2-BD59-A6C34878D82A}">
-                    <a16:rowId xmlns:a16="http://schemas.microsoft.com/office/drawing/2014/main" xmlns="" val="10001"/>
+                    <a16:rowId xmlns="" xmlns:a16="http://schemas.microsoft.com/office/drawing/2014/main" val="10001"/>
                   </a:ext>
                 </a:extLst>
               </a:tr>
@@ -11378,7 +11402,7 @@
                 </a:tc>
                 <a:extLst>
                   <a:ext uri="{0D108BD9-81ED-4DB2-BD59-A6C34878D82A}">
-                    <a16:rowId xmlns:a16="http://schemas.microsoft.com/office/drawing/2014/main" xmlns="" val="10002"/>
+                    <a16:rowId xmlns="" xmlns:a16="http://schemas.microsoft.com/office/drawing/2014/main" val="10002"/>
                   </a:ext>
                 </a:extLst>
               </a:tr>
@@ -11673,7 +11697,7 @@
                 </a:tc>
                 <a:extLst>
                   <a:ext uri="{0D108BD9-81ED-4DB2-BD59-A6C34878D82A}">
-                    <a16:rowId xmlns:a16="http://schemas.microsoft.com/office/drawing/2014/main" xmlns="" val="10003"/>
+                    <a16:rowId xmlns="" xmlns:a16="http://schemas.microsoft.com/office/drawing/2014/main" val="10003"/>
                   </a:ext>
                 </a:extLst>
               </a:tr>
@@ -11870,7 +11894,7 @@
                 </a:tc>
                 <a:extLst>
                   <a:ext uri="{0D108BD9-81ED-4DB2-BD59-A6C34878D82A}">
-                    <a16:rowId xmlns:a16="http://schemas.microsoft.com/office/drawing/2014/main" xmlns="" val="10004"/>
+                    <a16:rowId xmlns="" xmlns:a16="http://schemas.microsoft.com/office/drawing/2014/main" val="10004"/>
                   </a:ext>
                 </a:extLst>
               </a:tr>
@@ -14730,11 +14754,11 @@
   <p:clrMapOvr>
     <a:masterClrMapping/>
   </p:clrMapOvr>
-  <mc:AlternateContent xmlns:mc="http://schemas.openxmlformats.org/markup-compatibility/2006">
-    <mc:Choice xmlns:p14="http://schemas.microsoft.com/office/powerpoint/2010/main" Requires="p14">
+  <mc:AlternateContent xmlns:mc="http://schemas.openxmlformats.org/markup-compatibility/2006" xmlns:p14="http://schemas.microsoft.com/office/powerpoint/2010/main">
+    <mc:Choice Requires="p14">
       <p:transition spd="slow" p14:dur="2000"/>
     </mc:Choice>
-    <mc:Fallback>
+    <mc:Fallback xmlns="">
       <p:transition spd="slow"/>
     </mc:Fallback>
   </mc:AlternateContent>
@@ -15863,11 +15887,11 @@
   <p:clrMapOvr>
     <a:masterClrMapping/>
   </p:clrMapOvr>
-  <mc:AlternateContent xmlns:mc="http://schemas.openxmlformats.org/markup-compatibility/2006">
-    <mc:Choice xmlns:p14="http://schemas.microsoft.com/office/powerpoint/2010/main" Requires="p14">
+  <mc:AlternateContent xmlns:mc="http://schemas.openxmlformats.org/markup-compatibility/2006" xmlns:p14="http://schemas.microsoft.com/office/powerpoint/2010/main">
+    <mc:Choice Requires="p14">
       <p:transition spd="slow" p14:dur="2000"/>
     </mc:Choice>
-    <mc:Fallback>
+    <mc:Fallback xmlns="">
       <p:transition spd="slow"/>
     </mc:Fallback>
   </mc:AlternateContent>
